--- a/Documents/presentation doc/Final Presentation/final-presentation.pptx
+++ b/Documents/presentation doc/Final Presentation/final-presentation.pptx
@@ -5,7 +5,7 @@
     <p:sldMasterId id="2147483648" r:id="rId1"/>
   </p:sldMasterIdLst>
   <p:notesMasterIdLst>
-    <p:notesMasterId r:id="rId16"/>
+    <p:notesMasterId r:id="rId17"/>
   </p:notesMasterIdLst>
   <p:sldIdLst>
     <p:sldId id="319" r:id="rId2"/>
@@ -22,6 +22,7 @@
     <p:sldId id="316" r:id="rId13"/>
     <p:sldId id="310" r:id="rId14"/>
     <p:sldId id="317" r:id="rId15"/>
+    <p:sldId id="322" r:id="rId16"/>
   </p:sldIdLst>
   <p:sldSz cx="9144000" cy="6858000" type="screen4x3"/>
   <p:notesSz cx="6797675" cy="9874250"/>
@@ -166,10 +167,10 @@
           <c:layoutTarget val="inner"/>
           <c:xMode val="edge"/>
           <c:yMode val="edge"/>
-          <c:x val="0.13756541418769677"/>
-          <c:y val="0.31142121774829395"/>
+          <c:x val="0.13756541418769683"/>
+          <c:y val="0.31142121774829401"/>
           <c:w val="0.82290353753797463"/>
-          <c:h val="0.56776310568666721"/>
+          <c:h val="0.5677631056866671"/>
         </c:manualLayout>
       </c:layout>
       <c:barChart>
@@ -264,25 +265,25 @@
           <c:showVal val="1"/>
         </c:dLbls>
         <c:gapWidth val="75"/>
-        <c:axId val="61972864"/>
-        <c:axId val="61974400"/>
+        <c:axId val="57328000"/>
+        <c:axId val="57329536"/>
       </c:barChart>
       <c:catAx>
-        <c:axId val="61972864"/>
+        <c:axId val="57328000"/>
         <c:scaling>
           <c:orientation val="minMax"/>
         </c:scaling>
         <c:axPos val="b"/>
         <c:majorTickMark val="none"/>
         <c:tickLblPos val="nextTo"/>
-        <c:crossAx val="61974400"/>
+        <c:crossAx val="57329536"/>
         <c:crosses val="autoZero"/>
         <c:auto val="1"/>
         <c:lblAlgn val="ctr"/>
         <c:lblOffset val="100"/>
       </c:catAx>
       <c:valAx>
-        <c:axId val="61974400"/>
+        <c:axId val="57329536"/>
         <c:scaling>
           <c:orientation val="minMax"/>
           <c:min val="0"/>
@@ -291,7 +292,7 @@
         <c:numFmt formatCode="General" sourceLinked="1"/>
         <c:majorTickMark val="none"/>
         <c:tickLblPos val="nextTo"/>
-        <c:crossAx val="61972864"/>
+        <c:crossAx val="57328000"/>
         <c:crosses val="autoZero"/>
         <c:crossBetween val="between"/>
         <c:majorUnit val="20"/>
@@ -303,10 +304,10 @@
         <c:manualLayout>
           <c:xMode val="edge"/>
           <c:yMode val="edge"/>
-          <c:x val="0.18942124246731351"/>
-          <c:y val="3.0763248527941555E-2"/>
-          <c:w val="0.68117168015814833"/>
-          <c:h val="0.22344660117130025"/>
+          <c:x val="0.18942124246731357"/>
+          <c:y val="3.0763248527941565E-2"/>
+          <c:w val="0.68117168015814855"/>
+          <c:h val="0.22344660117130033"/>
         </c:manualLayout>
       </c:layout>
     </c:legend>
@@ -408,24 +409,24 @@
           </c:val>
         </c:ser>
         <c:marker val="1"/>
-        <c:axId val="68895872"/>
-        <c:axId val="68897408"/>
+        <c:axId val="60490880"/>
+        <c:axId val="60492416"/>
       </c:lineChart>
       <c:catAx>
-        <c:axId val="68895872"/>
+        <c:axId val="60490880"/>
         <c:scaling>
           <c:orientation val="minMax"/>
         </c:scaling>
         <c:axPos val="b"/>
         <c:tickLblPos val="nextTo"/>
-        <c:crossAx val="68897408"/>
+        <c:crossAx val="60492416"/>
         <c:crosses val="autoZero"/>
         <c:auto val="1"/>
         <c:lblAlgn val="ctr"/>
         <c:lblOffset val="100"/>
       </c:catAx>
       <c:valAx>
-        <c:axId val="68897408"/>
+        <c:axId val="60492416"/>
         <c:scaling>
           <c:orientation val="minMax"/>
           <c:max val="2000"/>
@@ -434,7 +435,7 @@
         <c:majorGridlines/>
         <c:numFmt formatCode="General" sourceLinked="1"/>
         <c:tickLblPos val="nextTo"/>
-        <c:crossAx val="68895872"/>
+        <c:crossAx val="60490880"/>
         <c:crosses val="autoZero"/>
         <c:crossBetween val="between"/>
         <c:majorUnit val="500"/>
@@ -507,14 +508,14 @@
           <a:effectLst/>
           <a:extLst>
             <a:ext uri="{909E8E84-426E-40DD-AFC4-6F175D3DCCD1}">
-              <a14:hiddenFill xmlns="" xmlns:a14="http://schemas.microsoft.com/office/drawing/2010/main">
+              <a14:hiddenFill xmlns:a14="http://schemas.microsoft.com/office/drawing/2010/main" xmlns="">
                 <a:solidFill>
                   <a:schemeClr val="accent1"/>
                 </a:solidFill>
               </a14:hiddenFill>
             </a:ext>
             <a:ext uri="{91240B29-F687-4F45-9708-019B960494DF}">
-              <a14:hiddenLine xmlns="" xmlns:a14="http://schemas.microsoft.com/office/drawing/2010/main" w="9525">
+              <a14:hiddenLine xmlns:a14="http://schemas.microsoft.com/office/drawing/2010/main" xmlns="" w="9525">
                 <a:solidFill>
                   <a:schemeClr val="tx1"/>
                 </a:solidFill>
@@ -524,7 +525,7 @@
               </a14:hiddenLine>
             </a:ext>
             <a:ext uri="{AF507438-7753-43E0-B8FC-AC1667EBCBE1}">
-              <a14:hiddenEffects xmlns="" xmlns:a14="http://schemas.microsoft.com/office/drawing/2010/main">
+              <a14:hiddenEffects xmlns:a14="http://schemas.microsoft.com/office/drawing/2010/main" xmlns="">
                 <a:effectLst>
                   <a:outerShdw dist="35921" dir="2700000" algn="ctr" rotWithShape="0">
                     <a:schemeClr val="bg2"/>
@@ -577,14 +578,14 @@
           <a:effectLst/>
           <a:extLst>
             <a:ext uri="{909E8E84-426E-40DD-AFC4-6F175D3DCCD1}">
-              <a14:hiddenFill xmlns="" xmlns:a14="http://schemas.microsoft.com/office/drawing/2010/main">
+              <a14:hiddenFill xmlns:a14="http://schemas.microsoft.com/office/drawing/2010/main" xmlns="">
                 <a:solidFill>
                   <a:schemeClr val="accent1"/>
                 </a:solidFill>
               </a14:hiddenFill>
             </a:ext>
             <a:ext uri="{91240B29-F687-4F45-9708-019B960494DF}">
-              <a14:hiddenLine xmlns="" xmlns:a14="http://schemas.microsoft.com/office/drawing/2010/main" w="9525">
+              <a14:hiddenLine xmlns:a14="http://schemas.microsoft.com/office/drawing/2010/main" xmlns="" w="9525">
                 <a:solidFill>
                   <a:schemeClr val="tx1"/>
                 </a:solidFill>
@@ -594,7 +595,7 @@
               </a14:hiddenLine>
             </a:ext>
             <a:ext uri="{AF507438-7753-43E0-B8FC-AC1667EBCBE1}">
-              <a14:hiddenEffects xmlns="" xmlns:a14="http://schemas.microsoft.com/office/drawing/2010/main">
+              <a14:hiddenEffects xmlns:a14="http://schemas.microsoft.com/office/drawing/2010/main" xmlns="">
                 <a:effectLst>
                   <a:outerShdw dist="35921" dir="2700000" algn="ctr" rotWithShape="0">
                     <a:schemeClr val="bg2"/>
@@ -652,7 +653,7 @@
           <a:effectLst/>
           <a:extLst>
             <a:ext uri="{AF507438-7753-43E0-B8FC-AC1667EBCBE1}">
-              <a14:hiddenEffects xmlns="" xmlns:a14="http://schemas.microsoft.com/office/drawing/2010/main">
+              <a14:hiddenEffects xmlns:a14="http://schemas.microsoft.com/office/drawing/2010/main" xmlns="">
                 <a:effectLst>
                   <a:outerShdw dist="35921" dir="2700000" algn="ctr" rotWithShape="0">
                     <a:srgbClr val="808080"/>
@@ -661,7 +662,7 @@
               </a14:hiddenEffects>
             </a:ext>
             <a:ext uri="{53640926-AAD7-44D8-BBD7-CCE9431645EC}">
-              <a14:shadowObscured xmlns="" xmlns:a14="http://schemas.microsoft.com/office/drawing/2010/main" val="1"/>
+              <a14:shadowObscured xmlns:a14="http://schemas.microsoft.com/office/drawing/2010/main" xmlns="" val="1"/>
             </a:ext>
           </a:extLst>
         </p:spPr>
@@ -691,14 +692,14 @@
           <a:effectLst/>
           <a:extLst>
             <a:ext uri="{909E8E84-426E-40DD-AFC4-6F175D3DCCD1}">
-              <a14:hiddenFill xmlns="" xmlns:a14="http://schemas.microsoft.com/office/drawing/2010/main">
+              <a14:hiddenFill xmlns:a14="http://schemas.microsoft.com/office/drawing/2010/main" xmlns="">
                 <a:solidFill>
                   <a:schemeClr val="accent1"/>
                 </a:solidFill>
               </a14:hiddenFill>
             </a:ext>
             <a:ext uri="{91240B29-F687-4F45-9708-019B960494DF}">
-              <a14:hiddenLine xmlns="" xmlns:a14="http://schemas.microsoft.com/office/drawing/2010/main" w="9525">
+              <a14:hiddenLine xmlns:a14="http://schemas.microsoft.com/office/drawing/2010/main" xmlns="" w="9525">
                 <a:solidFill>
                   <a:schemeClr val="tx1"/>
                 </a:solidFill>
@@ -708,7 +709,7 @@
               </a14:hiddenLine>
             </a:ext>
             <a:ext uri="{AF507438-7753-43E0-B8FC-AC1667EBCBE1}">
-              <a14:hiddenEffects xmlns="" xmlns:a14="http://schemas.microsoft.com/office/drawing/2010/main">
+              <a14:hiddenEffects xmlns:a14="http://schemas.microsoft.com/office/drawing/2010/main" xmlns="">
                 <a:effectLst>
                   <a:outerShdw dist="35921" dir="2700000" algn="ctr" rotWithShape="0">
                     <a:schemeClr val="bg2"/>
@@ -787,14 +788,14 @@
           <a:effectLst/>
           <a:extLst>
             <a:ext uri="{909E8E84-426E-40DD-AFC4-6F175D3DCCD1}">
-              <a14:hiddenFill xmlns="" xmlns:a14="http://schemas.microsoft.com/office/drawing/2010/main">
+              <a14:hiddenFill xmlns:a14="http://schemas.microsoft.com/office/drawing/2010/main" xmlns="">
                 <a:solidFill>
                   <a:schemeClr val="accent1"/>
                 </a:solidFill>
               </a14:hiddenFill>
             </a:ext>
             <a:ext uri="{91240B29-F687-4F45-9708-019B960494DF}">
-              <a14:hiddenLine xmlns="" xmlns:a14="http://schemas.microsoft.com/office/drawing/2010/main" w="9525">
+              <a14:hiddenLine xmlns:a14="http://schemas.microsoft.com/office/drawing/2010/main" xmlns="" w="9525">
                 <a:solidFill>
                   <a:schemeClr val="tx1"/>
                 </a:solidFill>
@@ -804,7 +805,7 @@
               </a14:hiddenLine>
             </a:ext>
             <a:ext uri="{AF507438-7753-43E0-B8FC-AC1667EBCBE1}">
-              <a14:hiddenEffects xmlns="" xmlns:a14="http://schemas.microsoft.com/office/drawing/2010/main">
+              <a14:hiddenEffects xmlns:a14="http://schemas.microsoft.com/office/drawing/2010/main" xmlns="">
                 <a:effectLst>
                   <a:outerShdw dist="35921" dir="2700000" algn="ctr" rotWithShape="0">
                     <a:schemeClr val="bg2"/>
@@ -857,14 +858,14 @@
           <a:effectLst/>
           <a:extLst>
             <a:ext uri="{909E8E84-426E-40DD-AFC4-6F175D3DCCD1}">
-              <a14:hiddenFill xmlns="" xmlns:a14="http://schemas.microsoft.com/office/drawing/2010/main">
+              <a14:hiddenFill xmlns:a14="http://schemas.microsoft.com/office/drawing/2010/main" xmlns="">
                 <a:solidFill>
                   <a:schemeClr val="accent1"/>
                 </a:solidFill>
               </a14:hiddenFill>
             </a:ext>
             <a:ext uri="{91240B29-F687-4F45-9708-019B960494DF}">
-              <a14:hiddenLine xmlns="" xmlns:a14="http://schemas.microsoft.com/office/drawing/2010/main" w="9525">
+              <a14:hiddenLine xmlns:a14="http://schemas.microsoft.com/office/drawing/2010/main" xmlns="" w="9525">
                 <a:solidFill>
                   <a:schemeClr val="tx1"/>
                 </a:solidFill>
@@ -874,7 +875,7 @@
               </a14:hiddenLine>
             </a:ext>
             <a:ext uri="{AF507438-7753-43E0-B8FC-AC1667EBCBE1}">
-              <a14:hiddenEffects xmlns="" xmlns:a14="http://schemas.microsoft.com/office/drawing/2010/main">
+              <a14:hiddenEffects xmlns:a14="http://schemas.microsoft.com/office/drawing/2010/main" xmlns="">
                 <a:effectLst>
                   <a:outerShdw dist="35921" dir="2700000" algn="ctr" rotWithShape="0">
                     <a:schemeClr val="bg2"/>
@@ -910,7 +911,7 @@
     </p:spTree>
     <p:extLst>
       <p:ext uri="{BB962C8B-B14F-4D97-AF65-F5344CB8AC3E}">
-        <p14:creationId xmlns="" xmlns:p14="http://schemas.microsoft.com/office/powerpoint/2010/main" val="3354467039"/>
+        <p14:creationId xmlns:p14="http://schemas.microsoft.com/office/powerpoint/2010/main" xmlns="" val="3354467039"/>
       </p:ext>
     </p:extLst>
   </p:cSld>
@@ -1277,7 +1278,18 @@
                 <a:ea typeface="+mn-ea"/>
                 <a:cs typeface="+mn-cs"/>
               </a:rPr>
-              <a:t> 어플리케이션들과 카메라와 </a:t>
+              <a:t> 어플리케이션들과 카메라와 센서 같은</a:t>
+            </a:r>
+            <a:r>
+              <a:rPr lang="ko-KR" altLang="en-US" sz="1200" kern="1200" dirty="0" smtClean="0">
+                <a:solidFill>
+                  <a:schemeClr val="tx1"/>
+                </a:solidFill>
+                <a:latin typeface="Arial" charset="0"/>
+                <a:ea typeface="+mn-ea"/>
+                <a:cs typeface="+mn-cs"/>
+              </a:rPr>
+              <a:t> 기능들</a:t>
             </a:r>
             <a:r>
               <a:rPr lang="ko-KR" altLang="ko-KR" sz="1200" kern="1200" dirty="0" smtClean="0">
@@ -1288,28 +1300,6 @@
                 <a:ea typeface="+mn-ea"/>
                 <a:cs typeface="+mn-cs"/>
               </a:rPr>
-              <a:t>센서 같은</a:t>
-            </a:r>
-            <a:r>
-              <a:rPr lang="ko-KR" altLang="en-US" sz="1200" kern="1200" dirty="0" smtClean="0">
-                <a:solidFill>
-                  <a:schemeClr val="tx1"/>
-                </a:solidFill>
-                <a:latin typeface="Arial" charset="0"/>
-                <a:ea typeface="+mn-ea"/>
-                <a:cs typeface="+mn-cs"/>
-              </a:rPr>
-              <a:t> 기능들</a:t>
-            </a:r>
-            <a:r>
-              <a:rPr lang="ko-KR" altLang="ko-KR" sz="1200" kern="1200" dirty="0" smtClean="0">
-                <a:solidFill>
-                  <a:schemeClr val="tx1"/>
-                </a:solidFill>
-                <a:latin typeface="Arial" charset="0"/>
-                <a:ea typeface="+mn-ea"/>
-                <a:cs typeface="+mn-cs"/>
-              </a:rPr>
               <a:t>을</a:t>
             </a:r>
             <a:r>
@@ -1321,18 +1311,7 @@
                 <a:ea typeface="+mn-ea"/>
                 <a:cs typeface="+mn-cs"/>
               </a:rPr>
-              <a:t> </a:t>
-            </a:r>
-            <a:r>
-              <a:rPr lang="en-US" altLang="ko-KR" sz="1200" kern="1200" dirty="0" smtClean="0">
-                <a:solidFill>
-                  <a:schemeClr val="tx1"/>
-                </a:solidFill>
-                <a:latin typeface="Arial" charset="0"/>
-                <a:ea typeface="+mn-ea"/>
-                <a:cs typeface="+mn-cs"/>
-              </a:rPr>
-              <a:t>USB</a:t>
+              <a:t> USB</a:t>
             </a:r>
             <a:r>
               <a:rPr lang="ko-KR" altLang="ko-KR" sz="1200" kern="1200" dirty="0" smtClean="0">
@@ -1716,29 +1695,7 @@
                 <a:ea typeface="+mn-ea"/>
                 <a:cs typeface="+mn-cs"/>
               </a:rPr>
-              <a:t>이 </a:t>
-            </a:r>
-            <a:r>
-              <a:rPr lang="ko-KR" altLang="en-US" sz="1200" kern="1200" dirty="0" smtClean="0">
-                <a:solidFill>
-                  <a:schemeClr val="tx1"/>
-                </a:solidFill>
-                <a:latin typeface="Arial" charset="0"/>
-                <a:ea typeface="+mn-ea"/>
-                <a:cs typeface="+mn-cs"/>
-              </a:rPr>
-              <a:t>외에도 스마트폰의 수 많은 다른 </a:t>
-            </a:r>
-            <a:r>
-              <a:rPr lang="ko-KR" altLang="en-US" sz="1200" kern="1200" dirty="0" smtClean="0">
-                <a:solidFill>
-                  <a:schemeClr val="tx1"/>
-                </a:solidFill>
-                <a:latin typeface="Arial" charset="0"/>
-                <a:ea typeface="+mn-ea"/>
-                <a:cs typeface="+mn-cs"/>
-              </a:rPr>
-              <a:t>기능들도 </a:t>
+              <a:t>이 외에도 스마트폰의 수 많은 다른 기능들도 </a:t>
             </a:r>
             <a:r>
               <a:rPr lang="en-US" altLang="ko-KR" sz="1200" kern="1200" dirty="0" smtClean="0">
@@ -2045,18 +2002,7 @@
                 <a:ea typeface="+mn-ea"/>
                 <a:cs typeface="+mn-cs"/>
               </a:rPr>
-              <a:t>어플리케이션을 </a:t>
-            </a:r>
-            <a:r>
-              <a:rPr lang="ko-KR" altLang="en-US" sz="1200" kern="1200" dirty="0" smtClean="0">
-                <a:solidFill>
-                  <a:schemeClr val="tx1"/>
-                </a:solidFill>
-                <a:latin typeface="Arial" charset="0"/>
-                <a:ea typeface="+mn-ea"/>
-                <a:cs typeface="+mn-cs"/>
-              </a:rPr>
-              <a:t>구현 했습니다</a:t>
+              <a:t>어플리케이션을 구현 했습니다</a:t>
             </a:r>
             <a:r>
               <a:rPr lang="en-US" altLang="ko-KR" sz="1200" kern="1200" dirty="0" smtClean="0">
@@ -2672,7 +2618,18 @@
                 <a:ea typeface="+mn-ea"/>
                 <a:cs typeface="+mn-cs"/>
               </a:rPr>
-              <a:t>에서 메시지를 전송하면 스마트폰에서 </a:t>
+              <a:t>에서 메시지를 전송하면 스마트폰에서 기본으로 설정된 키보드가 아닌 따로 구현한 소프트웨어 키보드로 입력한 것으로 인식합니다</a:t>
+            </a:r>
+            <a:r>
+              <a:rPr lang="en-US" altLang="ko-KR" sz="1200" kern="1200" dirty="0" smtClean="0">
+                <a:solidFill>
+                  <a:schemeClr val="tx1"/>
+                </a:solidFill>
+                <a:latin typeface="Arial" charset="0"/>
+                <a:ea typeface="+mn-ea"/>
+                <a:cs typeface="+mn-cs"/>
+              </a:rPr>
+              <a:t>. </a:t>
             </a:r>
             <a:r>
               <a:rPr lang="ko-KR" altLang="en-US" sz="1200" kern="1200" dirty="0" smtClean="0">
@@ -2683,7 +2640,18 @@
                 <a:ea typeface="+mn-ea"/>
                 <a:cs typeface="+mn-cs"/>
               </a:rPr>
-              <a:t>기본으로 설정된 </a:t>
+              <a:t>스마트폰 화면은 </a:t>
+            </a:r>
+            <a:r>
+              <a:rPr lang="ko-KR" altLang="en-US" sz="1200" kern="1200" dirty="0" err="1" smtClean="0">
+                <a:solidFill>
+                  <a:schemeClr val="tx1"/>
+                </a:solidFill>
+                <a:latin typeface="Arial" charset="0"/>
+                <a:ea typeface="+mn-ea"/>
+                <a:cs typeface="+mn-cs"/>
+              </a:rPr>
+              <a:t>캡쳐</a:t>
             </a:r>
             <a:r>
               <a:rPr lang="ko-KR" altLang="en-US" sz="1200" kern="1200" dirty="0" smtClean="0">
@@ -2694,7 +2662,7 @@
                 <a:ea typeface="+mn-ea"/>
                 <a:cs typeface="+mn-cs"/>
               </a:rPr>
-              <a:t>키보드가 아닌 따로 구현한 소프트웨어 키보드로 입력한 것으로 인식합니다</a:t>
+              <a:t> 해서 </a:t>
             </a:r>
             <a:r>
               <a:rPr lang="en-US" altLang="ko-KR" sz="1200" kern="1200" dirty="0" smtClean="0">
@@ -2705,7 +2673,7 @@
                 <a:ea typeface="+mn-ea"/>
                 <a:cs typeface="+mn-cs"/>
               </a:rPr>
-              <a:t>. </a:t>
+              <a:t>PC</a:t>
             </a:r>
             <a:r>
               <a:rPr lang="ko-KR" altLang="en-US" sz="1200" kern="1200" dirty="0" smtClean="0">
@@ -2716,62 +2684,7 @@
                 <a:ea typeface="+mn-ea"/>
                 <a:cs typeface="+mn-cs"/>
               </a:rPr>
-              <a:t>스마트폰 화면은 </a:t>
-            </a:r>
-            <a:r>
-              <a:rPr lang="ko-KR" altLang="en-US" sz="1200" kern="1200" dirty="0" err="1" smtClean="0">
-                <a:solidFill>
-                  <a:schemeClr val="tx1"/>
-                </a:solidFill>
-                <a:latin typeface="Arial" charset="0"/>
-                <a:ea typeface="+mn-ea"/>
-                <a:cs typeface="+mn-cs"/>
-              </a:rPr>
-              <a:t>캡쳐</a:t>
-            </a:r>
-            <a:r>
-              <a:rPr lang="ko-KR" altLang="en-US" sz="1200" kern="1200" dirty="0" smtClean="0">
-                <a:solidFill>
-                  <a:schemeClr val="tx1"/>
-                </a:solidFill>
-                <a:latin typeface="Arial" charset="0"/>
-                <a:ea typeface="+mn-ea"/>
-                <a:cs typeface="+mn-cs"/>
-              </a:rPr>
-              <a:t> 해서 </a:t>
-            </a:r>
-            <a:r>
-              <a:rPr lang="en-US" altLang="ko-KR" sz="1200" kern="1200" dirty="0" smtClean="0">
-                <a:solidFill>
-                  <a:schemeClr val="tx1"/>
-                </a:solidFill>
-                <a:latin typeface="Arial" charset="0"/>
-                <a:ea typeface="+mn-ea"/>
-                <a:cs typeface="+mn-cs"/>
-              </a:rPr>
-              <a:t>PC</a:t>
-            </a:r>
-            <a:r>
-              <a:rPr lang="ko-KR" altLang="en-US" sz="1200" kern="1200" dirty="0" smtClean="0">
-                <a:solidFill>
-                  <a:schemeClr val="tx1"/>
-                </a:solidFill>
-                <a:latin typeface="Arial" charset="0"/>
-                <a:ea typeface="+mn-ea"/>
-                <a:cs typeface="+mn-cs"/>
-              </a:rPr>
-              <a:t>로 </a:t>
-            </a:r>
-            <a:r>
-              <a:rPr lang="ko-KR" altLang="en-US" sz="1200" kern="1200" dirty="0" smtClean="0">
-                <a:solidFill>
-                  <a:schemeClr val="tx1"/>
-                </a:solidFill>
-                <a:latin typeface="Arial" charset="0"/>
-                <a:ea typeface="+mn-ea"/>
-                <a:cs typeface="+mn-cs"/>
-              </a:rPr>
-              <a:t>전송하는데</a:t>
+              <a:t>로 전송하는데</a:t>
             </a:r>
             <a:r>
               <a:rPr lang="en-US" altLang="ko-KR" sz="1200" kern="1200" dirty="0" smtClean="0">
@@ -2938,7 +2851,11 @@
             </a:r>
             <a:r>
               <a:rPr lang="ko-KR" altLang="en-US" dirty="0" smtClean="0"/>
-              <a:t>의 모습입니다</a:t>
+              <a:t>의 </a:t>
+            </a:r>
+            <a:r>
+              <a:rPr lang="ko-KR" altLang="en-US" dirty="0" smtClean="0"/>
+              <a:t>화면입니다</a:t>
             </a:r>
             <a:r>
               <a:rPr lang="en-US" altLang="ko-KR" dirty="0" smtClean="0"/>
@@ -2970,7 +2887,15 @@
             </a:r>
             <a:r>
               <a:rPr lang="ko-KR" altLang="en-US" baseline="0" dirty="0" smtClean="0"/>
-              <a:t> 어플리케이션을 통한 조작으로 마우스처럼 사용할 수 있습니다</a:t>
+              <a:t> 어플리케이션을 통한 조작으로 </a:t>
+            </a:r>
+            <a:r>
+              <a:rPr lang="ko-KR" altLang="en-US" baseline="0" dirty="0" smtClean="0"/>
+              <a:t>터치패드로 </a:t>
+            </a:r>
+            <a:r>
+              <a:rPr lang="ko-KR" altLang="en-US" baseline="0" dirty="0" smtClean="0"/>
+              <a:t>사용할 수 있습니다</a:t>
             </a:r>
             <a:r>
               <a:rPr lang="en-US" altLang="ko-KR" baseline="0" dirty="0" smtClean="0"/>
@@ -3051,6 +2976,391 @@
               <a:rPr lang="en-US" altLang="ko-KR" smtClean="0"/>
               <a:pPr/>
               <a:t>14</a:t>
+            </a:fld>
+            <a:endParaRPr lang="en-US" altLang="ko-KR"/>
+          </a:p>
+        </p:txBody>
+      </p:sp>
+    </p:spTree>
+  </p:cSld>
+  <p:clrMapOvr>
+    <a:masterClrMapping/>
+  </p:clrMapOvr>
+</p:notes>
+</file>
+
+<file path=ppt/notesSlides/notesSlide15.xml><?xml version="1.0" encoding="utf-8"?>
+<p:notes xmlns:a="http://schemas.openxmlformats.org/drawingml/2006/main" xmlns:r="http://schemas.openxmlformats.org/officeDocument/2006/relationships" xmlns:p="http://schemas.openxmlformats.org/presentationml/2006/main">
+  <p:cSld>
+    <p:spTree>
+      <p:nvGrpSpPr>
+        <p:cNvPr id="1" name=""/>
+        <p:cNvGrpSpPr/>
+        <p:nvPr/>
+      </p:nvGrpSpPr>
+      <p:grpSpPr>
+        <a:xfrm>
+          <a:off x="0" y="0"/>
+          <a:ext cx="0" cy="0"/>
+          <a:chOff x="0" y="0"/>
+          <a:chExt cx="0" cy="0"/>
+        </a:xfrm>
+      </p:grpSpPr>
+      <p:sp>
+        <p:nvSpPr>
+          <p:cNvPr id="2" name="슬라이드 이미지 개체 틀 1"/>
+          <p:cNvSpPr>
+            <a:spLocks noGrp="1" noRot="1" noChangeAspect="1"/>
+          </p:cNvSpPr>
+          <p:nvPr>
+            <p:ph type="sldImg"/>
+          </p:nvPr>
+        </p:nvSpPr>
+        <p:spPr/>
+      </p:sp>
+      <p:sp>
+        <p:nvSpPr>
+          <p:cNvPr id="3" name="슬라이드 노트 개체 틀 2"/>
+          <p:cNvSpPr>
+            <a:spLocks noGrp="1"/>
+          </p:cNvSpPr>
+          <p:nvPr>
+            <p:ph type="body" idx="1"/>
+          </p:nvPr>
+        </p:nvSpPr>
+        <p:spPr/>
+        <p:txBody>
+          <a:bodyPr>
+            <a:normAutofit/>
+          </a:bodyPr>
+          <a:lstStyle/>
+          <a:p>
+            <a:pPr marL="0" marR="0" indent="0" algn="just" defTabSz="914400" rtl="0" eaLnBrk="1" fontAlgn="base" latinLnBrk="0" hangingPunct="1">
+              <a:lnSpc>
+                <a:spcPct val="100000"/>
+              </a:lnSpc>
+              <a:spcBef>
+                <a:spcPct val="30000"/>
+              </a:spcBef>
+              <a:spcAft>
+                <a:spcPct val="0"/>
+              </a:spcAft>
+              <a:buClrTx/>
+              <a:buSzTx/>
+              <a:buFontTx/>
+              <a:buNone/>
+              <a:tabLst/>
+              <a:defRPr/>
+            </a:pPr>
+            <a:r>
+              <a:rPr lang="en-US" altLang="ko-KR" sz="1200" kern="1200" dirty="0" err="1" smtClean="0">
+                <a:solidFill>
+                  <a:schemeClr val="tx1"/>
+                </a:solidFill>
+                <a:latin typeface="Arial" charset="0"/>
+                <a:ea typeface="+mn-ea"/>
+                <a:cs typeface="+mn-cs"/>
+              </a:rPr>
+              <a:t>LTouchPad</a:t>
+            </a:r>
+            <a:r>
+              <a:rPr lang="en-US" altLang="ko-KR" sz="1200" kern="1200" dirty="0" smtClean="0">
+                <a:solidFill>
+                  <a:schemeClr val="tx1"/>
+                </a:solidFill>
+                <a:latin typeface="Arial" charset="0"/>
+                <a:ea typeface="+mn-ea"/>
+                <a:cs typeface="+mn-cs"/>
+              </a:rPr>
+              <a:t> </a:t>
+            </a:r>
+            <a:r>
+              <a:rPr lang="ko-KR" altLang="en-US" sz="1200" kern="1200" dirty="0" smtClean="0">
+                <a:solidFill>
+                  <a:schemeClr val="tx1"/>
+                </a:solidFill>
+                <a:latin typeface="Arial" charset="0"/>
+                <a:ea typeface="+mn-ea"/>
+                <a:cs typeface="+mn-cs"/>
+              </a:rPr>
+              <a:t>어플리케이션의 </a:t>
+            </a:r>
+            <a:r>
+              <a:rPr lang="ko-KR" altLang="en-US" sz="1200" kern="1200" dirty="0" smtClean="0">
+                <a:solidFill>
+                  <a:schemeClr val="tx1"/>
+                </a:solidFill>
+                <a:latin typeface="Arial" charset="0"/>
+                <a:ea typeface="+mn-ea"/>
+                <a:cs typeface="+mn-cs"/>
+              </a:rPr>
+              <a:t>구조입니다</a:t>
+            </a:r>
+            <a:r>
+              <a:rPr lang="en-US" altLang="ko-KR" sz="1200" kern="1200" dirty="0" smtClean="0">
+                <a:solidFill>
+                  <a:schemeClr val="tx1"/>
+                </a:solidFill>
+                <a:latin typeface="Arial" charset="0"/>
+                <a:ea typeface="+mn-ea"/>
+                <a:cs typeface="+mn-cs"/>
+              </a:rPr>
+              <a:t>. </a:t>
+            </a:r>
+            <a:r>
+              <a:rPr lang="ko-KR" altLang="en-US" sz="1200" kern="1200" dirty="0" err="1" smtClean="0">
+                <a:solidFill>
+                  <a:schemeClr val="tx1"/>
+                </a:solidFill>
+                <a:latin typeface="Arial" charset="0"/>
+                <a:ea typeface="+mn-ea"/>
+                <a:cs typeface="+mn-cs"/>
+              </a:rPr>
+              <a:t>스마트폰에서</a:t>
+            </a:r>
+            <a:r>
+              <a:rPr lang="ko-KR" altLang="en-US" sz="1200" kern="1200" dirty="0" smtClean="0">
+                <a:solidFill>
+                  <a:schemeClr val="tx1"/>
+                </a:solidFill>
+                <a:latin typeface="Arial" charset="0"/>
+                <a:ea typeface="+mn-ea"/>
+                <a:cs typeface="+mn-cs"/>
+              </a:rPr>
+              <a:t> </a:t>
+            </a:r>
+            <a:r>
+              <a:rPr lang="en-US" altLang="ko-KR" sz="1200" kern="1200" dirty="0" err="1" smtClean="0">
+                <a:solidFill>
+                  <a:schemeClr val="tx1"/>
+                </a:solidFill>
+                <a:latin typeface="Arial" charset="0"/>
+                <a:ea typeface="+mn-ea"/>
+                <a:cs typeface="+mn-cs"/>
+              </a:rPr>
+              <a:t>LTouchPad</a:t>
+            </a:r>
+            <a:r>
+              <a:rPr lang="ko-KR" altLang="en-US" sz="1200" kern="1200" dirty="0" smtClean="0">
+                <a:solidFill>
+                  <a:schemeClr val="tx1"/>
+                </a:solidFill>
+                <a:latin typeface="Arial" charset="0"/>
+                <a:ea typeface="+mn-ea"/>
+                <a:cs typeface="+mn-cs"/>
+              </a:rPr>
+              <a:t>를 실행하면 </a:t>
+            </a:r>
+            <a:r>
+              <a:rPr lang="en-US" altLang="ko-KR" sz="1200" kern="1200" dirty="0" smtClean="0">
+                <a:solidFill>
+                  <a:schemeClr val="tx1"/>
+                </a:solidFill>
+                <a:latin typeface="Arial" charset="0"/>
+                <a:ea typeface="+mn-ea"/>
+                <a:cs typeface="+mn-cs"/>
+              </a:rPr>
+              <a:t>USB/IP</a:t>
+            </a:r>
+            <a:r>
+              <a:rPr lang="ko-KR" altLang="en-US" sz="1200" kern="1200" dirty="0" smtClean="0">
+                <a:solidFill>
+                  <a:schemeClr val="tx1"/>
+                </a:solidFill>
+                <a:latin typeface="Arial" charset="0"/>
+                <a:ea typeface="+mn-ea"/>
+                <a:cs typeface="+mn-cs"/>
+              </a:rPr>
+              <a:t>를 통해 </a:t>
+            </a:r>
+            <a:r>
+              <a:rPr lang="en-US" altLang="ko-KR" sz="1200" kern="1200" dirty="0" smtClean="0">
+                <a:solidFill>
+                  <a:schemeClr val="tx1"/>
+                </a:solidFill>
+                <a:latin typeface="Arial" charset="0"/>
+                <a:ea typeface="+mn-ea"/>
+                <a:cs typeface="+mn-cs"/>
+              </a:rPr>
+              <a:t>PC</a:t>
+            </a:r>
+            <a:r>
+              <a:rPr lang="ko-KR" altLang="en-US" sz="1200" kern="1200" dirty="0" smtClean="0">
+                <a:solidFill>
+                  <a:schemeClr val="tx1"/>
+                </a:solidFill>
+                <a:latin typeface="Arial" charset="0"/>
+                <a:ea typeface="+mn-ea"/>
+                <a:cs typeface="+mn-cs"/>
+              </a:rPr>
+              <a:t>에게 자신의 장치 정보를 보냅니다</a:t>
+            </a:r>
+            <a:r>
+              <a:rPr lang="en-US" altLang="ko-KR" sz="1200" kern="1200" dirty="0" smtClean="0">
+                <a:solidFill>
+                  <a:schemeClr val="tx1"/>
+                </a:solidFill>
+                <a:latin typeface="Arial" charset="0"/>
+                <a:ea typeface="+mn-ea"/>
+                <a:cs typeface="+mn-cs"/>
+              </a:rPr>
+              <a:t>. PC</a:t>
+            </a:r>
+            <a:r>
+              <a:rPr lang="ko-KR" altLang="en-US" sz="1200" kern="1200" dirty="0" smtClean="0">
+                <a:solidFill>
+                  <a:schemeClr val="tx1"/>
+                </a:solidFill>
+                <a:latin typeface="Arial" charset="0"/>
+                <a:ea typeface="+mn-ea"/>
+                <a:cs typeface="+mn-cs"/>
+              </a:rPr>
+              <a:t>에선 마우스 장치가 연결된 것처럼 보이고</a:t>
+            </a:r>
+            <a:r>
+              <a:rPr lang="en-US" altLang="ko-KR" sz="1200" kern="1200" dirty="0" smtClean="0">
+                <a:solidFill>
+                  <a:schemeClr val="tx1"/>
+                </a:solidFill>
+                <a:latin typeface="Arial" charset="0"/>
+                <a:ea typeface="+mn-ea"/>
+                <a:cs typeface="+mn-cs"/>
+              </a:rPr>
+              <a:t>, </a:t>
+            </a:r>
+            <a:r>
+              <a:rPr lang="ko-KR" altLang="en-US" sz="1200" kern="1200" dirty="0" smtClean="0">
+                <a:solidFill>
+                  <a:schemeClr val="tx1"/>
+                </a:solidFill>
+                <a:latin typeface="Arial" charset="0"/>
+                <a:ea typeface="+mn-ea"/>
+                <a:cs typeface="+mn-cs"/>
+              </a:rPr>
+              <a:t>연결된 후 </a:t>
+            </a:r>
+            <a:r>
+              <a:rPr lang="en-US" altLang="ko-KR" sz="1200" kern="1200" dirty="0" err="1" smtClean="0">
+                <a:solidFill>
+                  <a:schemeClr val="tx1"/>
+                </a:solidFill>
+                <a:latin typeface="Arial" charset="0"/>
+                <a:ea typeface="+mn-ea"/>
+                <a:cs typeface="+mn-cs"/>
+              </a:rPr>
+              <a:t>LTouchPad</a:t>
+            </a:r>
+            <a:r>
+              <a:rPr lang="ko-KR" altLang="en-US" sz="1200" kern="1200" dirty="0" smtClean="0">
+                <a:solidFill>
+                  <a:schemeClr val="tx1"/>
+                </a:solidFill>
+                <a:latin typeface="Arial" charset="0"/>
+                <a:ea typeface="+mn-ea"/>
+                <a:cs typeface="+mn-cs"/>
+              </a:rPr>
+              <a:t>로 입력한 클릭</a:t>
+            </a:r>
+            <a:r>
+              <a:rPr lang="en-US" altLang="ko-KR" sz="1200" kern="1200" dirty="0" smtClean="0">
+                <a:solidFill>
+                  <a:schemeClr val="tx1"/>
+                </a:solidFill>
+                <a:latin typeface="Arial" charset="0"/>
+                <a:ea typeface="+mn-ea"/>
+                <a:cs typeface="+mn-cs"/>
+              </a:rPr>
+              <a:t>, </a:t>
+            </a:r>
+            <a:r>
+              <a:rPr lang="ko-KR" altLang="en-US" sz="1200" kern="1200" dirty="0" smtClean="0">
+                <a:solidFill>
+                  <a:schemeClr val="tx1"/>
+                </a:solidFill>
+                <a:latin typeface="Arial" charset="0"/>
+                <a:ea typeface="+mn-ea"/>
+                <a:cs typeface="+mn-cs"/>
+              </a:rPr>
+              <a:t>더블 클릭</a:t>
+            </a:r>
+            <a:r>
+              <a:rPr lang="en-US" altLang="ko-KR" sz="1200" kern="1200" dirty="0" smtClean="0">
+                <a:solidFill>
+                  <a:schemeClr val="tx1"/>
+                </a:solidFill>
+                <a:latin typeface="Arial" charset="0"/>
+                <a:ea typeface="+mn-ea"/>
+                <a:cs typeface="+mn-cs"/>
+              </a:rPr>
+              <a:t>, </a:t>
+            </a:r>
+            <a:r>
+              <a:rPr lang="ko-KR" altLang="en-US" sz="1200" kern="1200" dirty="0" smtClean="0">
+                <a:solidFill>
+                  <a:schemeClr val="tx1"/>
+                </a:solidFill>
+                <a:latin typeface="Arial" charset="0"/>
+                <a:ea typeface="+mn-ea"/>
+                <a:cs typeface="+mn-cs"/>
+              </a:rPr>
+              <a:t>이동 등의 정보를 전송하여 </a:t>
+            </a:r>
+            <a:r>
+              <a:rPr lang="en-US" altLang="ko-KR" sz="1200" kern="1200" dirty="0" smtClean="0">
+                <a:solidFill>
+                  <a:schemeClr val="tx1"/>
+                </a:solidFill>
+                <a:latin typeface="Arial" charset="0"/>
+                <a:ea typeface="+mn-ea"/>
+                <a:cs typeface="+mn-cs"/>
+              </a:rPr>
+              <a:t>PC</a:t>
+            </a:r>
+            <a:r>
+              <a:rPr lang="ko-KR" altLang="en-US" sz="1200" kern="1200" dirty="0" smtClean="0">
+                <a:solidFill>
+                  <a:schemeClr val="tx1"/>
+                </a:solidFill>
+                <a:latin typeface="Arial" charset="0"/>
+                <a:ea typeface="+mn-ea"/>
+                <a:cs typeface="+mn-cs"/>
+              </a:rPr>
+              <a:t>에서 터치패드로 사용 할 수 있습니다</a:t>
+            </a:r>
+            <a:r>
+              <a:rPr lang="en-US" altLang="ko-KR" sz="1200" kern="1200" dirty="0" smtClean="0">
+                <a:solidFill>
+                  <a:schemeClr val="tx1"/>
+                </a:solidFill>
+                <a:latin typeface="Arial" charset="0"/>
+                <a:ea typeface="+mn-ea"/>
+                <a:cs typeface="+mn-cs"/>
+              </a:rPr>
+              <a:t>.</a:t>
+            </a:r>
+            <a:endParaRPr lang="ko-KR" altLang="en-US" dirty="0"/>
+          </a:p>
+        </p:txBody>
+      </p:sp>
+      <p:sp>
+        <p:nvSpPr>
+          <p:cNvPr id="4" name="슬라이드 번호 개체 틀 3"/>
+          <p:cNvSpPr>
+            <a:spLocks noGrp="1"/>
+          </p:cNvSpPr>
+          <p:nvPr>
+            <p:ph type="sldNum" sz="quarter" idx="10"/>
+          </p:nvPr>
+        </p:nvSpPr>
+        <p:spPr/>
+        <p:txBody>
+          <a:bodyPr/>
+          <a:lstStyle/>
+          <a:p>
+            <a:fld id="{A606312C-0A6A-4281-8CFC-2032C6C14C8F}" type="slidenum">
+              <a:rPr lang="en-US" altLang="ko-KR" smtClean="0"/>
+              <a:pPr/>
+              <a:t>15</a:t>
             </a:fld>
             <a:endParaRPr lang="en-US" altLang="ko-KR"/>
           </a:p>
@@ -3427,7 +3737,7 @@
     </p:spTree>
     <p:extLst>
       <p:ext uri="{BB962C8B-B14F-4D97-AF65-F5344CB8AC3E}">
-        <p14:creationId xmlns="" xmlns:p14="http://schemas.microsoft.com/office/powerpoint/2010/main" val="483073219"/>
+        <p14:creationId xmlns:p14="http://schemas.microsoft.com/office/powerpoint/2010/main" xmlns="" val="483073219"/>
       </p:ext>
     </p:extLst>
   </p:cSld>
@@ -3613,29 +3923,7 @@
                 <a:ea typeface="+mn-ea"/>
                 <a:cs typeface="+mn-cs"/>
               </a:rPr>
-              <a:t>가능한 환경에서는 스마트폰의 </a:t>
-            </a:r>
-            <a:r>
-              <a:rPr lang="ko-KR" altLang="ko-KR" sz="1200" kern="1200" dirty="0" smtClean="0">
-                <a:solidFill>
-                  <a:schemeClr val="tx1"/>
-                </a:solidFill>
-                <a:latin typeface="Arial" charset="0"/>
-                <a:ea typeface="+mn-ea"/>
-                <a:cs typeface="+mn-cs"/>
-              </a:rPr>
-              <a:t>많은 </a:t>
-            </a:r>
-            <a:r>
-              <a:rPr lang="ko-KR" altLang="ko-KR" sz="1200" kern="1200" dirty="0" smtClean="0">
-                <a:solidFill>
-                  <a:schemeClr val="tx1"/>
-                </a:solidFill>
-                <a:latin typeface="Arial" charset="0"/>
-                <a:ea typeface="+mn-ea"/>
-                <a:cs typeface="+mn-cs"/>
-              </a:rPr>
-              <a:t>서비스들을 </a:t>
+              <a:t>가능한 환경에서는 스마트폰의 많은 서비스들을 </a:t>
             </a:r>
             <a:r>
               <a:rPr lang="en-US" altLang="ko-KR" sz="1200" kern="1200" dirty="0" smtClean="0">
@@ -3787,11 +4075,7 @@
             </a:r>
             <a:r>
               <a:rPr lang="ko-KR" altLang="en-US" dirty="0" smtClean="0"/>
-              <a:t>는 </a:t>
-            </a:r>
-            <a:r>
-              <a:rPr lang="ko-KR" altLang="en-US" dirty="0" smtClean="0"/>
-              <a:t>기존에는 </a:t>
+              <a:t>는 기존에는 </a:t>
             </a:r>
             <a:r>
               <a:rPr lang="en-US" altLang="ko-KR" dirty="0" smtClean="0"/>
@@ -3799,11 +4083,7 @@
             </a:r>
             <a:r>
               <a:rPr lang="ko-KR" altLang="en-US" dirty="0" smtClean="0"/>
-              <a:t>와 주변 기기의 </a:t>
-            </a:r>
-            <a:r>
-              <a:rPr lang="ko-KR" altLang="en-US" dirty="0" smtClean="0"/>
-              <a:t>연결방식이 매우 다양해서 불편함이 많았는데</a:t>
+              <a:t>와 주변 기기의 연결방식이 매우 다양해서 불편함이 많았는데</a:t>
             </a:r>
             <a:r>
               <a:rPr lang="en-US" altLang="ko-KR" dirty="0" smtClean="0"/>
@@ -3811,11 +4091,15 @@
             </a:r>
             <a:r>
               <a:rPr lang="ko-KR" altLang="en-US" dirty="0" smtClean="0"/>
-              <a:t>는 이런 다양한 연결방식을 통합하기위해 만들어진 </a:t>
+              <a:t>는 이런 다양한 연결방식을 </a:t>
             </a:r>
             <a:r>
               <a:rPr lang="ko-KR" altLang="en-US" dirty="0" smtClean="0"/>
-              <a:t>입출력 표준으로써</a:t>
+              <a:t>통합하기 위해 </a:t>
+            </a:r>
+            <a:r>
+              <a:rPr lang="ko-KR" altLang="en-US" dirty="0" smtClean="0"/>
+              <a:t>만들어진 입출력 표준으로써</a:t>
             </a:r>
             <a:r>
               <a:rPr lang="en-US" altLang="ko-KR" dirty="0" smtClean="0"/>
@@ -4195,7 +4479,7 @@
                 <a:ea typeface="+mn-ea"/>
                 <a:cs typeface="+mn-cs"/>
               </a:rPr>
-              <a:t>.</a:t>
+              <a:t>. </a:t>
             </a:r>
             <a:r>
               <a:rPr lang="ko-KR" altLang="en-US" sz="1200" kern="1200" dirty="0" smtClean="0">
@@ -4206,7 +4490,18 @@
                 <a:ea typeface="+mn-ea"/>
                 <a:cs typeface="+mn-cs"/>
               </a:rPr>
-              <a:t>이것은 앞 슬라이드에서 설명 드렸듯이 많은 </a:t>
+              <a:t>이것은 </a:t>
+            </a:r>
+            <a:r>
+              <a:rPr lang="ko-KR" altLang="en-US" sz="1200" kern="1200" dirty="0" smtClean="0">
+                <a:solidFill>
+                  <a:schemeClr val="tx1"/>
+                </a:solidFill>
+                <a:latin typeface="Arial" charset="0"/>
+                <a:ea typeface="+mn-ea"/>
+                <a:cs typeface="+mn-cs"/>
+              </a:rPr>
+              <a:t>앞 슬라이드에서 설명 드렸듯이 많은 </a:t>
             </a:r>
             <a:r>
               <a:rPr lang="en-US" altLang="ko-KR" sz="1200" kern="1200" dirty="0" smtClean="0">
@@ -4228,7 +4523,18 @@
                 <a:ea typeface="+mn-ea"/>
                 <a:cs typeface="+mn-cs"/>
               </a:rPr>
-              <a:t>의 장점이 있기때문에 </a:t>
+              <a:t>의 장점이 </a:t>
+            </a:r>
+            <a:r>
+              <a:rPr lang="ko-KR" altLang="en-US" sz="1200" kern="1200" dirty="0" smtClean="0">
+                <a:solidFill>
+                  <a:schemeClr val="tx1"/>
+                </a:solidFill>
+                <a:latin typeface="Arial" charset="0"/>
+                <a:ea typeface="+mn-ea"/>
+                <a:cs typeface="+mn-cs"/>
+              </a:rPr>
+              <a:t>있기 때문에 </a:t>
             </a:r>
             <a:r>
               <a:rPr lang="en-US" altLang="ko-KR" sz="1200" kern="1200" dirty="0" smtClean="0">
@@ -5024,18 +5330,7 @@
                 <a:ea typeface="+mn-ea"/>
                 <a:cs typeface="+mn-cs"/>
               </a:rPr>
-              <a:t>카메라 </a:t>
-            </a:r>
-            <a:r>
-              <a:rPr lang="ko-KR" altLang="en-US" sz="1200" kern="1200" dirty="0" smtClean="0">
-                <a:solidFill>
-                  <a:schemeClr val="tx1"/>
-                </a:solidFill>
-                <a:latin typeface="Arial" charset="0"/>
-                <a:ea typeface="+mn-ea"/>
-                <a:cs typeface="+mn-cs"/>
-              </a:rPr>
-              <a:t>어플리케이션도 </a:t>
+              <a:t>카메라 어플리케이션도 </a:t>
             </a:r>
             <a:r>
               <a:rPr lang="en-US" altLang="ko-KR" sz="1200" kern="1200" dirty="0" smtClean="0">
@@ -5375,7 +5670,18 @@
                 <a:ea typeface="+mn-ea"/>
                 <a:cs typeface="+mn-cs"/>
               </a:rPr>
-              <a:t>용 프로그램들을 </a:t>
+              <a:t>용 프로그램들을 수정 없이 사용할 수 있다는 장점을 갖습니다</a:t>
+            </a:r>
+            <a:r>
+              <a:rPr lang="en-US" altLang="ko-KR" sz="1200" kern="1200" dirty="0" smtClean="0">
+                <a:solidFill>
+                  <a:schemeClr val="tx1"/>
+                </a:solidFill>
+                <a:latin typeface="Arial" charset="0"/>
+                <a:ea typeface="+mn-ea"/>
+                <a:cs typeface="+mn-cs"/>
+              </a:rPr>
+              <a:t>. </a:t>
             </a:r>
             <a:r>
               <a:rPr lang="ko-KR" altLang="en-US" sz="1200" kern="1200" dirty="0" smtClean="0">
@@ -5386,7 +5692,7 @@
                 <a:ea typeface="+mn-ea"/>
                 <a:cs typeface="+mn-cs"/>
               </a:rPr>
-              <a:t>수정 없이 사용할 수 있다는 장점을 갖습니다</a:t>
+              <a:t>하지만 </a:t>
             </a:r>
             <a:r>
               <a:rPr lang="en-US" altLang="ko-KR" sz="1200" kern="1200" dirty="0" smtClean="0">
@@ -5397,7 +5703,7 @@
                 <a:ea typeface="+mn-ea"/>
                 <a:cs typeface="+mn-cs"/>
               </a:rPr>
-              <a:t>. </a:t>
+              <a:t>TCP/IP</a:t>
             </a:r>
             <a:r>
               <a:rPr lang="ko-KR" altLang="en-US" sz="1200" kern="1200" dirty="0" smtClean="0">
@@ -5408,7 +5714,7 @@
                 <a:ea typeface="+mn-ea"/>
                 <a:cs typeface="+mn-cs"/>
               </a:rPr>
-              <a:t>하지만 </a:t>
+              <a:t>로 연결해서 </a:t>
             </a:r>
             <a:r>
               <a:rPr lang="en-US" altLang="ko-KR" sz="1200" kern="1200" dirty="0" smtClean="0">
@@ -5419,7 +5725,7 @@
                 <a:ea typeface="+mn-ea"/>
                 <a:cs typeface="+mn-cs"/>
               </a:rPr>
-              <a:t>TCP/IP</a:t>
+              <a:t>USB</a:t>
             </a:r>
             <a:r>
               <a:rPr lang="ko-KR" altLang="en-US" sz="1200" kern="1200" dirty="0" smtClean="0">
@@ -5430,40 +5736,7 @@
                 <a:ea typeface="+mn-ea"/>
                 <a:cs typeface="+mn-cs"/>
               </a:rPr>
-              <a:t>로 연결해서 </a:t>
-            </a:r>
-            <a:r>
-              <a:rPr lang="en-US" altLang="ko-KR" sz="1200" kern="1200" dirty="0" smtClean="0">
-                <a:solidFill>
-                  <a:schemeClr val="tx1"/>
-                </a:solidFill>
-                <a:latin typeface="Arial" charset="0"/>
-                <a:ea typeface="+mn-ea"/>
-                <a:cs typeface="+mn-cs"/>
-              </a:rPr>
-              <a:t>USB</a:t>
-            </a:r>
-            <a:r>
-              <a:rPr lang="ko-KR" altLang="en-US" sz="1200" kern="1200" dirty="0" smtClean="0">
-                <a:solidFill>
-                  <a:schemeClr val="tx1"/>
-                </a:solidFill>
-                <a:latin typeface="Arial" charset="0"/>
-                <a:ea typeface="+mn-ea"/>
-                <a:cs typeface="+mn-cs"/>
-              </a:rPr>
-              <a:t>장치를 사용하려면 프로그램 수정 해야 </a:t>
-            </a:r>
-            <a:r>
-              <a:rPr lang="ko-KR" altLang="en-US" sz="1200" kern="1200" dirty="0" smtClean="0">
-                <a:solidFill>
-                  <a:schemeClr val="tx1"/>
-                </a:solidFill>
-                <a:latin typeface="Arial" charset="0"/>
-                <a:ea typeface="+mn-ea"/>
-                <a:cs typeface="+mn-cs"/>
-              </a:rPr>
-              <a:t>되는 문제점이 있습니다</a:t>
+              <a:t>장치를 사용하려면 프로그램 수정 해야 되는 문제점이 있습니다</a:t>
             </a:r>
             <a:r>
               <a:rPr lang="en-US" altLang="ko-KR" sz="1200" kern="1200" dirty="0" smtClean="0">
@@ -5565,7 +5838,7 @@
           </a:xfrm>
           <a:extLst>
             <a:ext uri="{AF507438-7753-43E0-B8FC-AC1667EBCBE1}">
-              <a14:hiddenEffects xmlns="" xmlns:a14="http://schemas.microsoft.com/office/drawing/2010/main">
+              <a14:hiddenEffects xmlns:a14="http://schemas.microsoft.com/office/drawing/2010/main" xmlns="">
                 <a:effectLst>
                   <a:outerShdw dist="17961" dir="2700000" algn="ctr" rotWithShape="0">
                     <a:schemeClr val="bg1"/>
@@ -5609,7 +5882,7 @@
           </a:xfrm>
           <a:extLst>
             <a:ext uri="{AF507438-7753-43E0-B8FC-AC1667EBCBE1}">
-              <a14:hiddenEffects xmlns="" xmlns:a14="http://schemas.microsoft.com/office/drawing/2010/main">
+              <a14:hiddenEffects xmlns:a14="http://schemas.microsoft.com/office/drawing/2010/main" xmlns="">
                 <a:effectLst>
                   <a:outerShdw dist="17961" dir="2700000" algn="ctr" rotWithShape="0">
                     <a:schemeClr val="bg1"/>
@@ -5745,7 +6018,7 @@
     </p:spTree>
     <p:extLst>
       <p:ext uri="{BB962C8B-B14F-4D97-AF65-F5344CB8AC3E}">
-        <p14:creationId xmlns="" xmlns:p14="http://schemas.microsoft.com/office/powerpoint/2010/main" val="3191849363"/>
+        <p14:creationId xmlns:p14="http://schemas.microsoft.com/office/powerpoint/2010/main" xmlns="" val="3191849363"/>
       </p:ext>
     </p:extLst>
   </p:cSld>
@@ -5860,7 +6133,7 @@
     </p:spTree>
     <p:extLst>
       <p:ext uri="{BB962C8B-B14F-4D97-AF65-F5344CB8AC3E}">
-        <p14:creationId xmlns="" xmlns:p14="http://schemas.microsoft.com/office/powerpoint/2010/main" val="1524186507"/>
+        <p14:creationId xmlns:p14="http://schemas.microsoft.com/office/powerpoint/2010/main" xmlns="" val="1524186507"/>
       </p:ext>
     </p:extLst>
   </p:cSld>
@@ -5965,7 +6238,7 @@
     </p:spTree>
     <p:extLst>
       <p:ext uri="{BB962C8B-B14F-4D97-AF65-F5344CB8AC3E}">
-        <p14:creationId xmlns="" xmlns:p14="http://schemas.microsoft.com/office/powerpoint/2010/main" val="3261712152"/>
+        <p14:creationId xmlns:p14="http://schemas.microsoft.com/office/powerpoint/2010/main" xmlns="" val="3261712152"/>
       </p:ext>
     </p:extLst>
   </p:cSld>
@@ -6092,7 +6365,7 @@
     </p:spTree>
     <p:extLst>
       <p:ext uri="{BB962C8B-B14F-4D97-AF65-F5344CB8AC3E}">
-        <p14:creationId xmlns="" xmlns:p14="http://schemas.microsoft.com/office/powerpoint/2010/main" val="346190723"/>
+        <p14:creationId xmlns:p14="http://schemas.microsoft.com/office/powerpoint/2010/main" xmlns="" val="346190723"/>
       </p:ext>
     </p:extLst>
   </p:cSld>
@@ -6315,7 +6588,7 @@
     </p:spTree>
     <p:extLst>
       <p:ext uri="{BB962C8B-B14F-4D97-AF65-F5344CB8AC3E}">
-        <p14:creationId xmlns="" xmlns:p14="http://schemas.microsoft.com/office/powerpoint/2010/main" val="4255224362"/>
+        <p14:creationId xmlns:p14="http://schemas.microsoft.com/office/powerpoint/2010/main" xmlns="" val="4255224362"/>
       </p:ext>
     </p:extLst>
   </p:cSld>
@@ -6677,7 +6950,7 @@
     </p:spTree>
     <p:extLst>
       <p:ext uri="{BB962C8B-B14F-4D97-AF65-F5344CB8AC3E}">
-        <p14:creationId xmlns="" xmlns:p14="http://schemas.microsoft.com/office/powerpoint/2010/main" val="234523478"/>
+        <p14:creationId xmlns:p14="http://schemas.microsoft.com/office/powerpoint/2010/main" xmlns="" val="234523478"/>
       </p:ext>
     </p:extLst>
   </p:cSld>
@@ -6730,7 +7003,7 @@
     </p:spTree>
     <p:extLst>
       <p:ext uri="{BB962C8B-B14F-4D97-AF65-F5344CB8AC3E}">
-        <p14:creationId xmlns="" xmlns:p14="http://schemas.microsoft.com/office/powerpoint/2010/main" val="4170126094"/>
+        <p14:creationId xmlns:p14="http://schemas.microsoft.com/office/powerpoint/2010/main" xmlns="" val="4170126094"/>
       </p:ext>
     </p:extLst>
   </p:cSld>
@@ -6760,7 +7033,7 @@
     </p:spTree>
     <p:extLst>
       <p:ext uri="{BB962C8B-B14F-4D97-AF65-F5344CB8AC3E}">
-        <p14:creationId xmlns="" xmlns:p14="http://schemas.microsoft.com/office/powerpoint/2010/main" val="3131819388"/>
+        <p14:creationId xmlns:p14="http://schemas.microsoft.com/office/powerpoint/2010/main" xmlns="" val="3131819388"/>
       </p:ext>
     </p:extLst>
   </p:cSld>
@@ -6972,7 +7245,7 @@
     </p:spTree>
     <p:extLst>
       <p:ext uri="{BB962C8B-B14F-4D97-AF65-F5344CB8AC3E}">
-        <p14:creationId xmlns="" xmlns:p14="http://schemas.microsoft.com/office/powerpoint/2010/main" val="1266256783"/>
+        <p14:creationId xmlns:p14="http://schemas.microsoft.com/office/powerpoint/2010/main" xmlns="" val="1266256783"/>
       </p:ext>
     </p:extLst>
   </p:cSld>
@@ -7164,7 +7437,7 @@
     </p:spTree>
     <p:extLst>
       <p:ext uri="{BB962C8B-B14F-4D97-AF65-F5344CB8AC3E}">
-        <p14:creationId xmlns="" xmlns:p14="http://schemas.microsoft.com/office/powerpoint/2010/main" val="511494401"/>
+        <p14:creationId xmlns:p14="http://schemas.microsoft.com/office/powerpoint/2010/main" xmlns="" val="511494401"/>
       </p:ext>
     </p:extLst>
   </p:cSld>
@@ -7228,14 +7501,14 @@
           <a:effectLst/>
           <a:extLst>
             <a:ext uri="{909E8E84-426E-40DD-AFC4-6F175D3DCCD1}">
-              <a14:hiddenFill xmlns="" xmlns:a14="http://schemas.microsoft.com/office/drawing/2010/main">
+              <a14:hiddenFill xmlns:a14="http://schemas.microsoft.com/office/drawing/2010/main" xmlns="">
                 <a:solidFill>
                   <a:schemeClr val="accent1"/>
                 </a:solidFill>
               </a14:hiddenFill>
             </a:ext>
             <a:ext uri="{91240B29-F687-4F45-9708-019B960494DF}">
-              <a14:hiddenLine xmlns="" xmlns:a14="http://schemas.microsoft.com/office/drawing/2010/main" w="9525">
+              <a14:hiddenLine xmlns:a14="http://schemas.microsoft.com/office/drawing/2010/main" xmlns="" w="9525">
                 <a:solidFill>
                   <a:schemeClr val="tx1"/>
                 </a:solidFill>
@@ -7245,7 +7518,7 @@
               </a14:hiddenLine>
             </a:ext>
             <a:ext uri="{AF507438-7753-43E0-B8FC-AC1667EBCBE1}">
-              <a14:hiddenEffects xmlns="" xmlns:a14="http://schemas.microsoft.com/office/drawing/2010/main">
+              <a14:hiddenEffects xmlns:a14="http://schemas.microsoft.com/office/drawing/2010/main" xmlns="">
                 <a:effectLst>
                   <a:outerShdw dist="35921" dir="2700000" algn="ctr" rotWithShape="0">
                     <a:schemeClr val="bg2"/>
@@ -7297,14 +7570,14 @@
           <a:effectLst/>
           <a:extLst>
             <a:ext uri="{909E8E84-426E-40DD-AFC4-6F175D3DCCD1}">
-              <a14:hiddenFill xmlns="" xmlns:a14="http://schemas.microsoft.com/office/drawing/2010/main">
+              <a14:hiddenFill xmlns:a14="http://schemas.microsoft.com/office/drawing/2010/main" xmlns="">
                 <a:solidFill>
                   <a:schemeClr val="accent1"/>
                 </a:solidFill>
               </a14:hiddenFill>
             </a:ext>
             <a:ext uri="{91240B29-F687-4F45-9708-019B960494DF}">
-              <a14:hiddenLine xmlns="" xmlns:a14="http://schemas.microsoft.com/office/drawing/2010/main" w="9525">
+              <a14:hiddenLine xmlns:a14="http://schemas.microsoft.com/office/drawing/2010/main" xmlns="" w="9525">
                 <a:solidFill>
                   <a:schemeClr val="tx1"/>
                 </a:solidFill>
@@ -7314,7 +7587,7 @@
               </a14:hiddenLine>
             </a:ext>
             <a:ext uri="{AF507438-7753-43E0-B8FC-AC1667EBCBE1}">
-              <a14:hiddenEffects xmlns="" xmlns:a14="http://schemas.microsoft.com/office/drawing/2010/main">
+              <a14:hiddenEffects xmlns:a14="http://schemas.microsoft.com/office/drawing/2010/main" xmlns="">
                 <a:effectLst>
                   <a:outerShdw dist="35921" dir="2700000" algn="ctr" rotWithShape="0">
                     <a:schemeClr val="bg2"/>
@@ -7823,7 +8096,7 @@
             <a:blip r:embed="rId4" cstate="print">
               <a:extLst>
                 <a:ext uri="{28A0092B-C50C-407E-A947-70E740481C1C}">
-                  <a14:useLocalDpi xmlns="" xmlns:a14="http://schemas.microsoft.com/office/drawing/2010/main" val="0"/>
+                  <a14:useLocalDpi xmlns:a14="http://schemas.microsoft.com/office/drawing/2010/main" xmlns="" val="0"/>
                 </a:ext>
               </a:extLst>
             </a:blip>
@@ -7843,7 +8116,7 @@
             <a:noFill/>
             <a:extLst>
               <a:ext uri="{909E8E84-426E-40DD-AFC4-6F175D3DCCD1}">
-                <a14:hiddenFill xmlns="" xmlns:a14="http://schemas.microsoft.com/office/drawing/2010/main">
+                <a14:hiddenFill xmlns:a14="http://schemas.microsoft.com/office/drawing/2010/main" xmlns="">
                   <a:solidFill>
                     <a:srgbClr val="FFFFFF"/>
                   </a:solidFill>
@@ -7862,7 +8135,7 @@
           <p:nvPr>
             <p:extLst>
               <p:ext uri="{D42A27DB-BD31-4B8C-83A1-F6EECF244321}">
-                <p14:modId xmlns="" xmlns:p14="http://schemas.microsoft.com/office/powerpoint/2010/main" val="3019215210"/>
+                <p14:modId xmlns:p14="http://schemas.microsoft.com/office/powerpoint/2010/main" xmlns="" val="3019215210"/>
               </p:ext>
             </p:extLst>
           </p:nvPr>
@@ -8736,7 +9009,7 @@
           <a:blip r:embed="rId3" cstate="print">
             <a:extLst>
               <a:ext uri="{28A0092B-C50C-407E-A947-70E740481C1C}">
-                <a14:useLocalDpi xmlns="" xmlns:a14="http://schemas.microsoft.com/office/drawing/2010/main" val="0"/>
+                <a14:useLocalDpi xmlns:a14="http://schemas.microsoft.com/office/drawing/2010/main" xmlns="" val="0"/>
               </a:ext>
             </a:extLst>
           </a:blip>
@@ -8861,7 +9134,7 @@
           <a:blip r:embed="rId4" cstate="print">
             <a:extLst>
               <a:ext uri="{28A0092B-C50C-407E-A947-70E740481C1C}">
-                <a14:useLocalDpi xmlns="" xmlns:a14="http://schemas.microsoft.com/office/drawing/2010/main" val="0"/>
+                <a14:useLocalDpi xmlns:a14="http://schemas.microsoft.com/office/drawing/2010/main" xmlns="" val="0"/>
               </a:ext>
             </a:extLst>
           </a:blip>
@@ -8881,7 +9154,7 @@
           <a:noFill/>
           <a:extLst>
             <a:ext uri="{909E8E84-426E-40DD-AFC4-6F175D3DCCD1}">
-              <a14:hiddenFill xmlns="" xmlns:a14="http://schemas.microsoft.com/office/drawing/2010/main">
+              <a14:hiddenFill xmlns:a14="http://schemas.microsoft.com/office/drawing/2010/main" xmlns="">
                 <a:solidFill>
                   <a:srgbClr val="FFFFFF"/>
                 </a:solidFill>
@@ -8902,7 +9175,7 @@
           <a:blip r:embed="rId5" cstate="print">
             <a:extLst>
               <a:ext uri="{28A0092B-C50C-407E-A947-70E740481C1C}">
-                <a14:useLocalDpi xmlns="" xmlns:a14="http://schemas.microsoft.com/office/drawing/2010/main" val="0"/>
+                <a14:useLocalDpi xmlns:a14="http://schemas.microsoft.com/office/drawing/2010/main" xmlns="" val="0"/>
               </a:ext>
             </a:extLst>
           </a:blip>
@@ -8922,7 +9195,7 @@
           <a:noFill/>
           <a:extLst>
             <a:ext uri="{909E8E84-426E-40DD-AFC4-6F175D3DCCD1}">
-              <a14:hiddenFill xmlns="" xmlns:a14="http://schemas.microsoft.com/office/drawing/2010/main">
+              <a14:hiddenFill xmlns:a14="http://schemas.microsoft.com/office/drawing/2010/main" xmlns="">
                 <a:solidFill>
                   <a:srgbClr val="FFFFFF"/>
                 </a:solidFill>
@@ -8943,7 +9216,7 @@
           <a:blip r:embed="rId6" cstate="print">
             <a:extLst>
               <a:ext uri="{28A0092B-C50C-407E-A947-70E740481C1C}">
-                <a14:useLocalDpi xmlns="" xmlns:a14="http://schemas.microsoft.com/office/drawing/2010/main" val="0"/>
+                <a14:useLocalDpi xmlns:a14="http://schemas.microsoft.com/office/drawing/2010/main" xmlns="" val="0"/>
               </a:ext>
             </a:extLst>
           </a:blip>
@@ -8963,7 +9236,7 @@
           <a:noFill/>
           <a:extLst>
             <a:ext uri="{909E8E84-426E-40DD-AFC4-6F175D3DCCD1}">
-              <a14:hiddenFill xmlns="" xmlns:a14="http://schemas.microsoft.com/office/drawing/2010/main">
+              <a14:hiddenFill xmlns:a14="http://schemas.microsoft.com/office/drawing/2010/main" xmlns="">
                 <a:solidFill>
                   <a:srgbClr val="FFFFFF"/>
                 </a:solidFill>
@@ -8984,7 +9257,7 @@
           <a:blip r:embed="rId5" cstate="print">
             <a:extLst>
               <a:ext uri="{28A0092B-C50C-407E-A947-70E740481C1C}">
-                <a14:useLocalDpi xmlns="" xmlns:a14="http://schemas.microsoft.com/office/drawing/2010/main" val="0"/>
+                <a14:useLocalDpi xmlns:a14="http://schemas.microsoft.com/office/drawing/2010/main" xmlns="" val="0"/>
               </a:ext>
             </a:extLst>
           </a:blip>
@@ -9004,7 +9277,7 @@
           <a:noFill/>
           <a:extLst>
             <a:ext uri="{909E8E84-426E-40DD-AFC4-6F175D3DCCD1}">
-              <a14:hiddenFill xmlns="" xmlns:a14="http://schemas.microsoft.com/office/drawing/2010/main">
+              <a14:hiddenFill xmlns:a14="http://schemas.microsoft.com/office/drawing/2010/main" xmlns="">
                 <a:solidFill>
                   <a:srgbClr val="FFFFFF"/>
                 </a:solidFill>
@@ -9025,7 +9298,7 @@
           <a:blip r:embed="rId6" cstate="print">
             <a:extLst>
               <a:ext uri="{28A0092B-C50C-407E-A947-70E740481C1C}">
-                <a14:useLocalDpi xmlns="" xmlns:a14="http://schemas.microsoft.com/office/drawing/2010/main" val="0"/>
+                <a14:useLocalDpi xmlns:a14="http://schemas.microsoft.com/office/drawing/2010/main" xmlns="" val="0"/>
               </a:ext>
             </a:extLst>
           </a:blip>
@@ -9045,7 +9318,7 @@
           <a:noFill/>
           <a:extLst>
             <a:ext uri="{909E8E84-426E-40DD-AFC4-6F175D3DCCD1}">
-              <a14:hiddenFill xmlns="" xmlns:a14="http://schemas.microsoft.com/office/drawing/2010/main">
+              <a14:hiddenFill xmlns:a14="http://schemas.microsoft.com/office/drawing/2010/main" xmlns="">
                 <a:solidFill>
                   <a:srgbClr val="FFFFFF"/>
                 </a:solidFill>
@@ -9142,7 +9415,7 @@
           <a:blip r:embed="rId7" cstate="print">
             <a:extLst>
               <a:ext uri="{28A0092B-C50C-407E-A947-70E740481C1C}">
-                <a14:useLocalDpi xmlns="" xmlns:a14="http://schemas.microsoft.com/office/drawing/2010/main" val="0"/>
+                <a14:useLocalDpi xmlns:a14="http://schemas.microsoft.com/office/drawing/2010/main" xmlns="" val="0"/>
               </a:ext>
             </a:extLst>
           </a:blip>
@@ -9162,7 +9435,7 @@
           <a:noFill/>
           <a:extLst>
             <a:ext uri="{909E8E84-426E-40DD-AFC4-6F175D3DCCD1}">
-              <a14:hiddenFill xmlns="" xmlns:a14="http://schemas.microsoft.com/office/drawing/2010/main">
+              <a14:hiddenFill xmlns:a14="http://schemas.microsoft.com/office/drawing/2010/main" xmlns="">
                 <a:solidFill>
                   <a:srgbClr val="FFFFFF"/>
                 </a:solidFill>
@@ -9183,7 +9456,7 @@
           <a:blip r:embed="rId8" cstate="print">
             <a:extLst>
               <a:ext uri="{28A0092B-C50C-407E-A947-70E740481C1C}">
-                <a14:useLocalDpi xmlns="" xmlns:a14="http://schemas.microsoft.com/office/drawing/2010/main" val="0"/>
+                <a14:useLocalDpi xmlns:a14="http://schemas.microsoft.com/office/drawing/2010/main" xmlns="" val="0"/>
               </a:ext>
             </a:extLst>
           </a:blip>
@@ -9203,7 +9476,7 @@
           <a:noFill/>
           <a:extLst>
             <a:ext uri="{909E8E84-426E-40DD-AFC4-6F175D3DCCD1}">
-              <a14:hiddenFill xmlns="" xmlns:a14="http://schemas.microsoft.com/office/drawing/2010/main">
+              <a14:hiddenFill xmlns:a14="http://schemas.microsoft.com/office/drawing/2010/main" xmlns="">
                 <a:solidFill>
                   <a:srgbClr val="FFFFFF"/>
                 </a:solidFill>
@@ -9224,7 +9497,7 @@
           <a:blip r:embed="rId9" cstate="print">
             <a:extLst>
               <a:ext uri="{28A0092B-C50C-407E-A947-70E740481C1C}">
-                <a14:useLocalDpi xmlns="" xmlns:a14="http://schemas.microsoft.com/office/drawing/2010/main" val="0"/>
+                <a14:useLocalDpi xmlns:a14="http://schemas.microsoft.com/office/drawing/2010/main" xmlns="" val="0"/>
               </a:ext>
             </a:extLst>
           </a:blip>
@@ -9244,7 +9517,7 @@
           <a:noFill/>
           <a:extLst>
             <a:ext uri="{909E8E84-426E-40DD-AFC4-6F175D3DCCD1}">
-              <a14:hiddenFill xmlns="" xmlns:a14="http://schemas.microsoft.com/office/drawing/2010/main">
+              <a14:hiddenFill xmlns:a14="http://schemas.microsoft.com/office/drawing/2010/main" xmlns="">
                 <a:solidFill>
                   <a:srgbClr val="FFFFFF"/>
                 </a:solidFill>
@@ -9265,7 +9538,7 @@
           <a:blip r:embed="rId10" cstate="print">
             <a:extLst>
               <a:ext uri="{28A0092B-C50C-407E-A947-70E740481C1C}">
-                <a14:useLocalDpi xmlns="" xmlns:a14="http://schemas.microsoft.com/office/drawing/2010/main" val="0"/>
+                <a14:useLocalDpi xmlns:a14="http://schemas.microsoft.com/office/drawing/2010/main" xmlns="" val="0"/>
               </a:ext>
             </a:extLst>
           </a:blip>
@@ -9285,7 +9558,7 @@
           <a:noFill/>
           <a:extLst>
             <a:ext uri="{909E8E84-426E-40DD-AFC4-6F175D3DCCD1}">
-              <a14:hiddenFill xmlns="" xmlns:a14="http://schemas.microsoft.com/office/drawing/2010/main">
+              <a14:hiddenFill xmlns:a14="http://schemas.microsoft.com/office/drawing/2010/main" xmlns="">
                 <a:solidFill>
                   <a:srgbClr val="FFFFFF"/>
                 </a:solidFill>
@@ -9297,7 +9570,7 @@
     </p:spTree>
     <p:extLst>
       <p:ext uri="{BB962C8B-B14F-4D97-AF65-F5344CB8AC3E}">
-        <p14:creationId xmlns="" xmlns:p14="http://schemas.microsoft.com/office/powerpoint/2010/main" val="1407908346"/>
+        <p14:creationId xmlns:p14="http://schemas.microsoft.com/office/powerpoint/2010/main" xmlns="" val="1407908346"/>
       </p:ext>
     </p:extLst>
   </p:cSld>
@@ -9709,7 +9982,7 @@
     </p:spTree>
     <p:extLst>
       <p:ext uri="{BB962C8B-B14F-4D97-AF65-F5344CB8AC3E}">
-        <p14:creationId xmlns="" xmlns:p14="http://schemas.microsoft.com/office/powerpoint/2010/main" val="2718990012"/>
+        <p14:creationId xmlns:p14="http://schemas.microsoft.com/office/powerpoint/2010/main" xmlns="" val="2718990012"/>
       </p:ext>
     </p:extLst>
   </p:cSld>
@@ -9971,7 +10244,7 @@
     </p:spTree>
     <p:extLst>
       <p:ext uri="{BB962C8B-B14F-4D97-AF65-F5344CB8AC3E}">
-        <p14:creationId xmlns="" xmlns:p14="http://schemas.microsoft.com/office/powerpoint/2010/main" val="2718990012"/>
+        <p14:creationId xmlns:p14="http://schemas.microsoft.com/office/powerpoint/2010/main" xmlns="" val="2718990012"/>
       </p:ext>
     </p:extLst>
   </p:cSld>
@@ -10484,7 +10757,7 @@
           <a:effectLst/>
           <a:extLst>
             <a:ext uri="{AF507438-7753-43E0-B8FC-AC1667EBCBE1}">
-              <a14:hiddenEffects xmlns="" xmlns:a14="http://schemas.microsoft.com/office/drawing/2010/main">
+              <a14:hiddenEffects xmlns:a14="http://schemas.microsoft.com/office/drawing/2010/main" xmlns="">
                 <a:effectLst>
                   <a:outerShdw dist="35921" dir="2700000" algn="ctr" rotWithShape="0">
                     <a:schemeClr val="bg2"/>
@@ -10912,7 +11185,7 @@
           <a:effectLst/>
           <a:extLst>
             <a:ext uri="{AF507438-7753-43E0-B8FC-AC1667EBCBE1}">
-              <a14:hiddenEffects xmlns="" xmlns:a14="http://schemas.microsoft.com/office/drawing/2010/main">
+              <a14:hiddenEffects xmlns:a14="http://schemas.microsoft.com/office/drawing/2010/main" xmlns="">
                 <a:effectLst>
                   <a:outerShdw dist="35921" dir="2700000" algn="ctr" rotWithShape="0">
                     <a:schemeClr val="bg2"/>
@@ -10969,7 +11242,7 @@
           <a:effectLst/>
           <a:extLst>
             <a:ext uri="{AF507438-7753-43E0-B8FC-AC1667EBCBE1}">
-              <a14:hiddenEffects xmlns="" xmlns:a14="http://schemas.microsoft.com/office/drawing/2010/main">
+              <a14:hiddenEffects xmlns:a14="http://schemas.microsoft.com/office/drawing/2010/main" xmlns="">
                 <a:effectLst>
                   <a:outerShdw dist="35921" dir="2700000" algn="ctr" rotWithShape="0">
                     <a:schemeClr val="bg2"/>
@@ -11160,7 +11433,7 @@
           <a:effectLst/>
           <a:extLst>
             <a:ext uri="{AF507438-7753-43E0-B8FC-AC1667EBCBE1}">
-              <a14:hiddenEffects xmlns="" xmlns:a14="http://schemas.microsoft.com/office/drawing/2010/main">
+              <a14:hiddenEffects xmlns:a14="http://schemas.microsoft.com/office/drawing/2010/main" xmlns="">
                 <a:effectLst>
                   <a:outerShdw dist="35921" dir="2700000" algn="ctr" rotWithShape="0">
                     <a:schemeClr val="bg2"/>
@@ -11340,7 +11613,7 @@
           <a:effectLst/>
           <a:extLst>
             <a:ext uri="{AF507438-7753-43E0-B8FC-AC1667EBCBE1}">
-              <a14:hiddenEffects xmlns="" xmlns:a14="http://schemas.microsoft.com/office/drawing/2010/main">
+              <a14:hiddenEffects xmlns:a14="http://schemas.microsoft.com/office/drawing/2010/main" xmlns="">
                 <a:effectLst>
                   <a:outerShdw dist="35921" dir="2700000" algn="ctr" rotWithShape="0">
                     <a:schemeClr val="bg2"/>
@@ -11727,7 +12000,7 @@
     </p:spTree>
     <p:extLst>
       <p:ext uri="{BB962C8B-B14F-4D97-AF65-F5344CB8AC3E}">
-        <p14:creationId xmlns="" xmlns:p14="http://schemas.microsoft.com/office/powerpoint/2010/main" val="2718990012"/>
+        <p14:creationId xmlns:p14="http://schemas.microsoft.com/office/powerpoint/2010/main" xmlns="" val="2718990012"/>
       </p:ext>
     </p:extLst>
   </p:cSld>
@@ -11913,7 +12186,848 @@
     </p:spTree>
     <p:extLst>
       <p:ext uri="{BB962C8B-B14F-4D97-AF65-F5344CB8AC3E}">
-        <p14:creationId xmlns="" xmlns:p14="http://schemas.microsoft.com/office/powerpoint/2010/main" val="2718990012"/>
+        <p14:creationId xmlns:p14="http://schemas.microsoft.com/office/powerpoint/2010/main" xmlns="" val="2718990012"/>
+      </p:ext>
+    </p:extLst>
+  </p:cSld>
+  <p:clrMapOvr>
+    <a:masterClrMapping/>
+  </p:clrMapOvr>
+  <p:transition advClick="0" advTm="20000"/>
+  <p:timing>
+    <p:tnLst>
+      <p:par>
+        <p:cTn id="1" dur="indefinite" restart="never" nodeType="tmRoot"/>
+      </p:par>
+    </p:tnLst>
+  </p:timing>
+</p:sld>
+</file>
+
+<file path=ppt/slides/slide15.xml><?xml version="1.0" encoding="utf-8"?>
+<p:sld xmlns:a="http://schemas.openxmlformats.org/drawingml/2006/main" xmlns:r="http://schemas.openxmlformats.org/officeDocument/2006/relationships" xmlns:p="http://schemas.openxmlformats.org/presentationml/2006/main">
+  <p:cSld>
+    <p:spTree>
+      <p:nvGrpSpPr>
+        <p:cNvPr id="1" name=""/>
+        <p:cNvGrpSpPr/>
+        <p:nvPr/>
+      </p:nvGrpSpPr>
+      <p:grpSpPr>
+        <a:xfrm>
+          <a:off x="0" y="0"/>
+          <a:ext cx="0" cy="0"/>
+          <a:chOff x="0" y="0"/>
+          <a:chExt cx="0" cy="0"/>
+        </a:xfrm>
+      </p:grpSpPr>
+      <p:sp>
+        <p:nvSpPr>
+          <p:cNvPr id="2" name="제목 1"/>
+          <p:cNvSpPr>
+            <a:spLocks noGrp="1"/>
+          </p:cNvSpPr>
+          <p:nvPr>
+            <p:ph type="title"/>
+          </p:nvPr>
+        </p:nvSpPr>
+        <p:spPr/>
+        <p:txBody>
+          <a:bodyPr/>
+          <a:lstStyle/>
+          <a:p>
+            <a:pPr marL="914400" indent="-914400">
+              <a:buFont typeface="+mj-lt"/>
+              <a:buAutoNum type="arabicPeriod" startAt="4"/>
+            </a:pPr>
+            <a:r>
+              <a:rPr lang="ko-KR" altLang="en-US" sz="5400" spc="600" dirty="0" smtClean="0">
+                <a:solidFill>
+                  <a:srgbClr val="000000"/>
+                </a:solidFill>
+                <a:latin typeface="HY동녘M" pitchFamily="18" charset="-127"/>
+                <a:ea typeface="HY동녘M" pitchFamily="18" charset="-127"/>
+              </a:rPr>
+              <a:t>활용 서비스</a:t>
+            </a:r>
+            <a:endParaRPr lang="en-US" altLang="ko-KR" sz="5400" dirty="0">
+              <a:solidFill>
+                <a:srgbClr val="000000"/>
+              </a:solidFill>
+              <a:latin typeface="HY동녘M" pitchFamily="18" charset="-127"/>
+              <a:ea typeface="HY동녘M" pitchFamily="18" charset="-127"/>
+            </a:endParaRPr>
+          </a:p>
+        </p:txBody>
+      </p:sp>
+      <p:sp>
+        <p:nvSpPr>
+          <p:cNvPr id="3" name="내용 개체 틀 2"/>
+          <p:cNvSpPr>
+            <a:spLocks noGrp="1"/>
+          </p:cNvSpPr>
+          <p:nvPr>
+            <p:ph idx="1"/>
+          </p:nvPr>
+        </p:nvSpPr>
+        <p:spPr>
+          <a:xfrm>
+            <a:off x="971600" y="1268760"/>
+            <a:ext cx="3384376" cy="576064"/>
+          </a:xfrm>
+        </p:spPr>
+        <p:txBody>
+          <a:bodyPr/>
+          <a:lstStyle/>
+          <a:p>
+            <a:pPr marL="514350" lvl="1" indent="-514350">
+              <a:buNone/>
+            </a:pPr>
+            <a:r>
+              <a:rPr lang="en-US" altLang="ko-KR" dirty="0" smtClean="0">
+                <a:solidFill>
+                  <a:srgbClr val="000000"/>
+                </a:solidFill>
+                <a:latin typeface="HY동녘M" pitchFamily="18" charset="-127"/>
+                <a:ea typeface="HY동녘M" pitchFamily="18" charset="-127"/>
+              </a:rPr>
+              <a:t>- </a:t>
+            </a:r>
+            <a:r>
+              <a:rPr lang="en-US" altLang="ko-KR" dirty="0" err="1" smtClean="0">
+                <a:solidFill>
+                  <a:srgbClr val="000000"/>
+                </a:solidFill>
+                <a:latin typeface="HY동녘M" pitchFamily="18" charset="-127"/>
+                <a:ea typeface="HY동녘M" pitchFamily="18" charset="-127"/>
+              </a:rPr>
+              <a:t>LTouchPad</a:t>
+            </a:r>
+            <a:r>
+              <a:rPr lang="en-US" altLang="ko-KR" dirty="0" smtClean="0">
+                <a:solidFill>
+                  <a:srgbClr val="000000"/>
+                </a:solidFill>
+                <a:latin typeface="HY동녘M" pitchFamily="18" charset="-127"/>
+                <a:ea typeface="HY동녘M" pitchFamily="18" charset="-127"/>
+              </a:rPr>
+              <a:t> </a:t>
+            </a:r>
+            <a:r>
+              <a:rPr lang="ko-KR" altLang="en-US" dirty="0" smtClean="0">
+                <a:solidFill>
+                  <a:srgbClr val="000000"/>
+                </a:solidFill>
+                <a:latin typeface="HY동녘M" pitchFamily="18" charset="-127"/>
+                <a:ea typeface="HY동녘M" pitchFamily="18" charset="-127"/>
+              </a:rPr>
+              <a:t>구조</a:t>
+            </a:r>
+            <a:endParaRPr lang="en-US" altLang="ko-KR" dirty="0" smtClean="0">
+              <a:solidFill>
+                <a:srgbClr val="000000"/>
+              </a:solidFill>
+              <a:latin typeface="HY동녘M" pitchFamily="18" charset="-127"/>
+              <a:ea typeface="HY동녘M" pitchFamily="18" charset="-127"/>
+            </a:endParaRPr>
+          </a:p>
+          <a:p>
+            <a:pPr marL="857250" lvl="3" indent="0">
+              <a:buNone/>
+            </a:pPr>
+            <a:endParaRPr lang="en-US" altLang="ko-KR" sz="1600" dirty="0">
+              <a:solidFill>
+                <a:srgbClr val="000000"/>
+              </a:solidFill>
+              <a:latin typeface="HY동녘M" pitchFamily="18" charset="-127"/>
+              <a:ea typeface="HY동녘M" pitchFamily="18" charset="-127"/>
+            </a:endParaRPr>
+          </a:p>
+          <a:p>
+            <a:pPr marL="742950" lvl="2" indent="-342900">
+              <a:buFont typeface="Wingdings" pitchFamily="2" charset="2"/>
+              <a:buChar char="l"/>
+            </a:pPr>
+            <a:endParaRPr lang="en-US" altLang="ko-KR" sz="2000" dirty="0" smtClean="0">
+              <a:solidFill>
+                <a:srgbClr val="000000"/>
+              </a:solidFill>
+              <a:latin typeface="HY동녘M" pitchFamily="18" charset="-127"/>
+              <a:ea typeface="HY동녘M" pitchFamily="18" charset="-127"/>
+            </a:endParaRPr>
+          </a:p>
+        </p:txBody>
+      </p:sp>
+      <p:sp>
+        <p:nvSpPr>
+          <p:cNvPr id="5" name="직사각형 4"/>
+          <p:cNvSpPr/>
+          <p:nvPr/>
+        </p:nvSpPr>
+        <p:spPr>
+          <a:xfrm>
+            <a:off x="5101108" y="2780928"/>
+            <a:ext cx="2232247" cy="864096"/>
+          </a:xfrm>
+          <a:prstGeom prst="rect">
+            <a:avLst/>
+          </a:prstGeom>
+          <a:ln/>
+        </p:spPr>
+        <p:style>
+          <a:lnRef idx="2">
+            <a:schemeClr val="accent2"/>
+          </a:lnRef>
+          <a:fillRef idx="1">
+            <a:schemeClr val="lt1"/>
+          </a:fillRef>
+          <a:effectRef idx="0">
+            <a:schemeClr val="accent2"/>
+          </a:effectRef>
+          <a:fontRef idx="minor">
+            <a:schemeClr val="dk1"/>
+          </a:fontRef>
+        </p:style>
+        <p:txBody>
+          <a:bodyPr rtlCol="0" anchor="ctr"/>
+          <a:lstStyle/>
+          <a:p>
+            <a:r>
+              <a:rPr lang="en-US" altLang="ko-KR" dirty="0" err="1" smtClean="0">
+                <a:solidFill>
+                  <a:srgbClr val="000000"/>
+                </a:solidFill>
+                <a:latin typeface="HY동녘M" pitchFamily="18" charset="-127"/>
+                <a:ea typeface="HY동녘M" pitchFamily="18" charset="-127"/>
+              </a:rPr>
+              <a:t>LTouchPad</a:t>
+            </a:r>
+            <a:endParaRPr lang="ko-KR" altLang="en-US" b="1" dirty="0">
+              <a:solidFill>
+                <a:schemeClr val="tx1"/>
+              </a:solidFill>
+              <a:latin typeface="HY동녘M" pitchFamily="18" charset="-127"/>
+              <a:ea typeface="HY동녘M" pitchFamily="18" charset="-127"/>
+            </a:endParaRPr>
+          </a:p>
+        </p:txBody>
+      </p:sp>
+      <p:cxnSp>
+        <p:nvCxnSpPr>
+          <p:cNvPr id="7" name="직선 연결선 6"/>
+          <p:cNvCxnSpPr/>
+          <p:nvPr/>
+        </p:nvCxnSpPr>
+        <p:spPr bwMode="auto">
+          <a:xfrm>
+            <a:off x="4716016" y="2276872"/>
+            <a:ext cx="0" cy="4176464"/>
+          </a:xfrm>
+          <a:prstGeom prst="line">
+            <a:avLst/>
+          </a:prstGeom>
+          <a:gradFill rotWithShape="1">
+            <a:gsLst>
+              <a:gs pos="0">
+                <a:schemeClr val="bg2">
+                  <a:gamma/>
+                  <a:tint val="26667"/>
+                  <a:invGamma/>
+                </a:schemeClr>
+              </a:gs>
+              <a:gs pos="100000">
+                <a:schemeClr val="bg2">
+                  <a:alpha val="14999"/>
+                </a:schemeClr>
+              </a:gs>
+            </a:gsLst>
+            <a:lin ang="5400000" scaled="1"/>
+          </a:gradFill>
+          <a:ln w="38100" cap="flat" cmpd="sng" algn="ctr">
+            <a:solidFill>
+              <a:schemeClr val="tx1"/>
+            </a:solidFill>
+            <a:prstDash val="dash"/>
+            <a:round/>
+            <a:headEnd type="none" w="med" len="med"/>
+            <a:tailEnd type="none" w="med" len="med"/>
+          </a:ln>
+          <a:effectLst/>
+          <a:extLst>
+            <a:ext uri="{AF507438-7753-43E0-B8FC-AC1667EBCBE1}">
+              <a14:hiddenEffects xmlns:a14="http://schemas.microsoft.com/office/drawing/2010/main" xmlns="">
+                <a:effectLst>
+                  <a:outerShdw dist="35921" dir="2700000" algn="ctr" rotWithShape="0">
+                    <a:schemeClr val="bg2"/>
+                  </a:outerShdw>
+                </a:effectLst>
+              </a14:hiddenEffects>
+            </a:ext>
+          </a:extLst>
+        </p:spPr>
+      </p:cxnSp>
+      <p:sp>
+        <p:nvSpPr>
+          <p:cNvPr id="28" name="직사각형 27"/>
+          <p:cNvSpPr/>
+          <p:nvPr/>
+        </p:nvSpPr>
+        <p:spPr>
+          <a:xfrm>
+            <a:off x="2123727" y="3789040"/>
+            <a:ext cx="2232247" cy="864096"/>
+          </a:xfrm>
+          <a:prstGeom prst="rect">
+            <a:avLst/>
+          </a:prstGeom>
+          <a:ln/>
+        </p:spPr>
+        <p:style>
+          <a:lnRef idx="2">
+            <a:schemeClr val="accent2"/>
+          </a:lnRef>
+          <a:fillRef idx="1">
+            <a:schemeClr val="lt1"/>
+          </a:fillRef>
+          <a:effectRef idx="0">
+            <a:schemeClr val="accent2"/>
+          </a:effectRef>
+          <a:fontRef idx="minor">
+            <a:schemeClr val="dk1"/>
+          </a:fontRef>
+        </p:style>
+        <p:txBody>
+          <a:bodyPr rtlCol="0" anchor="ctr"/>
+          <a:lstStyle/>
+          <a:p>
+            <a:r>
+              <a:rPr lang="en-US" altLang="ko-KR" b="1" dirty="0" smtClean="0">
+                <a:solidFill>
+                  <a:schemeClr val="tx1"/>
+                </a:solidFill>
+                <a:latin typeface="HY동녘M" pitchFamily="18" charset="-127"/>
+                <a:ea typeface="HY동녘M" pitchFamily="18" charset="-127"/>
+              </a:rPr>
+              <a:t>Mouse </a:t>
+            </a:r>
+            <a:r>
+              <a:rPr lang="en-US" altLang="ko-KR" b="1" dirty="0" smtClean="0">
+                <a:solidFill>
+                  <a:schemeClr val="tx1"/>
+                </a:solidFill>
+                <a:latin typeface="HY동녘M" pitchFamily="18" charset="-127"/>
+                <a:ea typeface="HY동녘M" pitchFamily="18" charset="-127"/>
+              </a:rPr>
+              <a:t>Driver</a:t>
+            </a:r>
+            <a:endParaRPr lang="en-US" altLang="ko-KR" b="1" dirty="0" smtClean="0">
+              <a:solidFill>
+                <a:schemeClr val="tx1"/>
+              </a:solidFill>
+              <a:latin typeface="HY동녘M" pitchFamily="18" charset="-127"/>
+              <a:ea typeface="HY동녘M" pitchFamily="18" charset="-127"/>
+            </a:endParaRPr>
+          </a:p>
+        </p:txBody>
+      </p:sp>
+      <p:sp>
+        <p:nvSpPr>
+          <p:cNvPr id="29" name="직사각형 28"/>
+          <p:cNvSpPr/>
+          <p:nvPr/>
+        </p:nvSpPr>
+        <p:spPr>
+          <a:xfrm>
+            <a:off x="2123728" y="4653136"/>
+            <a:ext cx="5184576" cy="864096"/>
+          </a:xfrm>
+          <a:prstGeom prst="rect">
+            <a:avLst/>
+          </a:prstGeom>
+          <a:ln/>
+        </p:spPr>
+        <p:style>
+          <a:lnRef idx="2">
+            <a:schemeClr val="accent2"/>
+          </a:lnRef>
+          <a:fillRef idx="1">
+            <a:schemeClr val="lt1"/>
+          </a:fillRef>
+          <a:effectRef idx="0">
+            <a:schemeClr val="accent2"/>
+          </a:effectRef>
+          <a:fontRef idx="minor">
+            <a:schemeClr val="dk1"/>
+          </a:fontRef>
+        </p:style>
+        <p:txBody>
+          <a:bodyPr rtlCol="0" anchor="ctr"/>
+          <a:lstStyle/>
+          <a:p>
+            <a:r>
+              <a:rPr lang="en-US" altLang="ko-KR" b="1" dirty="0" smtClean="0">
+                <a:solidFill>
+                  <a:schemeClr val="tx1"/>
+                </a:solidFill>
+                <a:latin typeface="HY동녘M" pitchFamily="18" charset="-127"/>
+                <a:ea typeface="HY동녘M" pitchFamily="18" charset="-127"/>
+              </a:rPr>
+              <a:t>USB/IP</a:t>
+            </a:r>
+            <a:endParaRPr lang="ko-KR" altLang="en-US" b="1" dirty="0">
+              <a:solidFill>
+                <a:schemeClr val="tx1"/>
+              </a:solidFill>
+              <a:latin typeface="HY동녘M" pitchFamily="18" charset="-127"/>
+              <a:ea typeface="HY동녘M" pitchFamily="18" charset="-127"/>
+            </a:endParaRPr>
+          </a:p>
+        </p:txBody>
+      </p:sp>
+      <p:cxnSp>
+        <p:nvCxnSpPr>
+          <p:cNvPr id="31" name="직선 화살표 연결선 30"/>
+          <p:cNvCxnSpPr>
+            <a:stCxn id="5" idx="2"/>
+          </p:cNvCxnSpPr>
+          <p:nvPr/>
+        </p:nvCxnSpPr>
+        <p:spPr bwMode="auto">
+          <a:xfrm>
+            <a:off x="6217232" y="3645024"/>
+            <a:ext cx="10952" cy="1008112"/>
+          </a:xfrm>
+          <a:prstGeom prst="straightConnector1">
+            <a:avLst/>
+          </a:prstGeom>
+          <a:gradFill rotWithShape="1">
+            <a:gsLst>
+              <a:gs pos="0">
+                <a:schemeClr val="bg2">
+                  <a:gamma/>
+                  <a:tint val="26667"/>
+                  <a:invGamma/>
+                </a:schemeClr>
+              </a:gs>
+              <a:gs pos="100000">
+                <a:schemeClr val="bg2">
+                  <a:alpha val="14999"/>
+                </a:schemeClr>
+              </a:gs>
+            </a:gsLst>
+            <a:lin ang="5400000" scaled="1"/>
+          </a:gradFill>
+          <a:ln w="38100">
+            <a:solidFill>
+              <a:schemeClr val="tx1"/>
+            </a:solidFill>
+            <a:tailEnd type="arrow"/>
+          </a:ln>
+          <a:effectLst/>
+          <a:extLst>
+            <a:ext uri="{91240B29-F687-4F45-9708-019B960494DF}">
+              <a14:hiddenLine xmlns:a14="http://schemas.microsoft.com/office/drawing/2010/main" xmlns="" w="9525" cap="flat" cmpd="sng" algn="ctr">
+                <a:solidFill>
+                  <a:schemeClr val="tx1"/>
+                </a:solidFill>
+                <a:prstDash val="solid"/>
+                <a:round/>
+                <a:headEnd type="none" w="med" len="med"/>
+                <a:tailEnd type="none" w="med" len="med"/>
+              </a14:hiddenLine>
+            </a:ext>
+            <a:ext uri="{AF507438-7753-43E0-B8FC-AC1667EBCBE1}">
+              <a14:hiddenEffects xmlns:a14="http://schemas.microsoft.com/office/drawing/2010/main" xmlns="">
+                <a:effectLst>
+                  <a:outerShdw dist="35921" dir="2700000" algn="ctr" rotWithShape="0">
+                    <a:schemeClr val="bg2"/>
+                  </a:outerShdw>
+                </a:effectLst>
+              </a14:hiddenEffects>
+            </a:ext>
+          </a:extLst>
+        </p:spPr>
+      </p:cxnSp>
+      <p:sp>
+        <p:nvSpPr>
+          <p:cNvPr id="43" name="TextBox 42"/>
+          <p:cNvSpPr txBox="1"/>
+          <p:nvPr/>
+        </p:nvSpPr>
+        <p:spPr>
+          <a:xfrm>
+            <a:off x="4932040" y="3861048"/>
+            <a:ext cx="1296144" cy="384721"/>
+          </a:xfrm>
+          <a:prstGeom prst="rect">
+            <a:avLst/>
+          </a:prstGeom>
+          <a:noFill/>
+        </p:spPr>
+        <p:txBody>
+          <a:bodyPr wrap="square" rtlCol="0">
+            <a:spAutoFit/>
+          </a:bodyPr>
+          <a:lstStyle/>
+          <a:p>
+            <a:r>
+              <a:rPr lang="ko-KR" altLang="en-US" sz="1900" b="1" dirty="0" smtClean="0"/>
+              <a:t>장</a:t>
+            </a:r>
+            <a:r>
+              <a:rPr lang="ko-KR" altLang="en-US" sz="1900" b="1" dirty="0" smtClean="0"/>
+              <a:t>치 </a:t>
+            </a:r>
+            <a:r>
+              <a:rPr lang="ko-KR" altLang="en-US" sz="1900" b="1" dirty="0" smtClean="0"/>
+              <a:t>정보</a:t>
+            </a:r>
+            <a:endParaRPr lang="ko-KR" altLang="en-US" sz="1900" b="1" dirty="0"/>
+          </a:p>
+        </p:txBody>
+      </p:sp>
+      <p:sp>
+        <p:nvSpPr>
+          <p:cNvPr id="44" name="TextBox 43"/>
+          <p:cNvSpPr txBox="1"/>
+          <p:nvPr/>
+        </p:nvSpPr>
+        <p:spPr>
+          <a:xfrm>
+            <a:off x="6156176" y="3832012"/>
+            <a:ext cx="2016224" cy="677108"/>
+          </a:xfrm>
+          <a:prstGeom prst="rect">
+            <a:avLst/>
+          </a:prstGeom>
+          <a:noFill/>
+        </p:spPr>
+        <p:txBody>
+          <a:bodyPr wrap="square" rtlCol="0">
+            <a:spAutoFit/>
+          </a:bodyPr>
+          <a:lstStyle/>
+          <a:p>
+            <a:r>
+              <a:rPr lang="ko-KR" altLang="en-US" sz="1900" b="1" dirty="0" smtClean="0"/>
+              <a:t>터치패드 클릭</a:t>
+            </a:r>
+            <a:r>
+              <a:rPr lang="en-US" altLang="ko-KR" sz="1900" b="1" dirty="0" smtClean="0"/>
+              <a:t>, </a:t>
+            </a:r>
+          </a:p>
+          <a:p>
+            <a:r>
+              <a:rPr lang="ko-KR" altLang="en-US" sz="1900" b="1" dirty="0" smtClean="0"/>
+              <a:t>이동 정보</a:t>
+            </a:r>
+            <a:endParaRPr lang="ko-KR" altLang="en-US" sz="1900" b="1" dirty="0"/>
+          </a:p>
+        </p:txBody>
+      </p:sp>
+      <p:sp>
+        <p:nvSpPr>
+          <p:cNvPr id="52" name="내용 개체 틀 2"/>
+          <p:cNvSpPr txBox="1">
+            <a:spLocks/>
+          </p:cNvSpPr>
+          <p:nvPr/>
+        </p:nvSpPr>
+        <p:spPr bwMode="auto">
+          <a:xfrm>
+            <a:off x="1403648" y="2060848"/>
+            <a:ext cx="2592288" cy="576064"/>
+          </a:xfrm>
+          <a:prstGeom prst="rect">
+            <a:avLst/>
+          </a:prstGeom>
+          <a:noFill/>
+          <a:ln>
+            <a:noFill/>
+          </a:ln>
+          <a:effectLst/>
+          <a:extLst>
+            <a:ext uri="{909E8E84-426E-40DD-AFC4-6F175D3DCCD1}">
+              <a14:hiddenFill xmlns:a14="http://schemas.microsoft.com/office/drawing/2010/main" xmlns="">
+                <a:solidFill>
+                  <a:schemeClr val="accent1"/>
+                </a:solidFill>
+              </a14:hiddenFill>
+            </a:ext>
+            <a:ext uri="{91240B29-F687-4F45-9708-019B960494DF}">
+              <a14:hiddenLine xmlns:a14="http://schemas.microsoft.com/office/drawing/2010/main" xmlns="" w="9525">
+                <a:solidFill>
+                  <a:schemeClr val="tx1"/>
+                </a:solidFill>
+                <a:miter lim="800000"/>
+                <a:headEnd/>
+                <a:tailEnd/>
+              </a14:hiddenLine>
+            </a:ext>
+            <a:ext uri="{AF507438-7753-43E0-B8FC-AC1667EBCBE1}">
+              <a14:hiddenEffects xmlns:a14="http://schemas.microsoft.com/office/drawing/2010/main" xmlns="">
+                <a:effectLst>
+                  <a:outerShdw dist="35921" dir="2700000" algn="ctr" rotWithShape="0">
+                    <a:schemeClr val="bg2"/>
+                  </a:outerShdw>
+                </a:effectLst>
+              </a14:hiddenEffects>
+            </a:ext>
+          </a:extLst>
+        </p:spPr>
+        <p:txBody>
+          <a:bodyPr vert="horz" wrap="square" lIns="91440" tIns="45720" rIns="91440" bIns="45720" numCol="1" anchor="t" anchorCtr="0" compatLnSpc="1">
+            <a:prstTxWarp prst="textNoShape">
+              <a:avLst/>
+            </a:prstTxWarp>
+          </a:bodyPr>
+          <a:lstStyle/>
+          <a:p>
+            <a:pPr marL="514350" marR="0" lvl="1" indent="-514350" algn="l" defTabSz="914400" rtl="0" eaLnBrk="1" fontAlgn="base" latinLnBrk="1" hangingPunct="1">
+              <a:lnSpc>
+                <a:spcPct val="100000"/>
+              </a:lnSpc>
+              <a:spcBef>
+                <a:spcPct val="20000"/>
+              </a:spcBef>
+              <a:spcAft>
+                <a:spcPct val="0"/>
+              </a:spcAft>
+              <a:buClrTx/>
+              <a:buSzTx/>
+              <a:buFontTx/>
+              <a:buNone/>
+              <a:tabLst/>
+              <a:defRPr/>
+            </a:pPr>
+            <a:r>
+              <a:rPr kumimoji="0" lang="en-US" altLang="ko-KR" sz="2800" b="0" i="0" u="none" strike="noStrike" kern="0" cap="none" spc="0" normalizeH="0" baseline="0" noProof="0" dirty="0" smtClean="0">
+                <a:ln>
+                  <a:noFill/>
+                </a:ln>
+                <a:solidFill>
+                  <a:srgbClr val="000000"/>
+                </a:solidFill>
+                <a:effectLst/>
+                <a:uLnTx/>
+                <a:uFillTx/>
+                <a:latin typeface="HY동녘M" pitchFamily="18" charset="-127"/>
+                <a:ea typeface="HY동녘M" pitchFamily="18" charset="-127"/>
+              </a:rPr>
+              <a:t>Windows</a:t>
+            </a:r>
+            <a:r>
+              <a:rPr kumimoji="0" lang="en-US" altLang="ko-KR" sz="2800" b="0" i="0" u="none" strike="noStrike" kern="0" cap="none" spc="0" normalizeH="0" noProof="0" dirty="0" smtClean="0">
+                <a:ln>
+                  <a:noFill/>
+                </a:ln>
+                <a:solidFill>
+                  <a:srgbClr val="000000"/>
+                </a:solidFill>
+                <a:effectLst/>
+                <a:uLnTx/>
+                <a:uFillTx/>
+                <a:latin typeface="HY동녘M" pitchFamily="18" charset="-127"/>
+                <a:ea typeface="HY동녘M" pitchFamily="18" charset="-127"/>
+              </a:rPr>
+              <a:t> PC</a:t>
+            </a:r>
+            <a:endParaRPr kumimoji="0" lang="en-US" altLang="ko-KR" sz="1600" b="0" i="0" u="none" strike="noStrike" kern="0" cap="none" spc="0" normalizeH="0" baseline="0" noProof="0" dirty="0" smtClean="0">
+              <a:ln>
+                <a:noFill/>
+              </a:ln>
+              <a:solidFill>
+                <a:srgbClr val="000000"/>
+              </a:solidFill>
+              <a:effectLst/>
+              <a:uLnTx/>
+              <a:uFillTx/>
+              <a:latin typeface="HY동녘M" pitchFamily="18" charset="-127"/>
+              <a:ea typeface="HY동녘M" pitchFamily="18" charset="-127"/>
+            </a:endParaRPr>
+          </a:p>
+          <a:p>
+            <a:pPr marL="742950" marR="0" lvl="2" indent="-342900" algn="l" defTabSz="914400" rtl="0" eaLnBrk="1" fontAlgn="base" latinLnBrk="1" hangingPunct="1">
+              <a:lnSpc>
+                <a:spcPct val="100000"/>
+              </a:lnSpc>
+              <a:spcBef>
+                <a:spcPct val="20000"/>
+              </a:spcBef>
+              <a:spcAft>
+                <a:spcPct val="0"/>
+              </a:spcAft>
+              <a:buClrTx/>
+              <a:buSzTx/>
+              <a:buFont typeface="Wingdings" pitchFamily="2" charset="2"/>
+              <a:buChar char="l"/>
+              <a:tabLst/>
+              <a:defRPr/>
+            </a:pPr>
+            <a:endParaRPr kumimoji="0" lang="en-US" altLang="ko-KR" sz="2000" b="0" i="0" u="none" strike="noStrike" kern="0" cap="none" spc="0" normalizeH="0" baseline="0" noProof="0" dirty="0" smtClean="0">
+              <a:ln>
+                <a:noFill/>
+              </a:ln>
+              <a:solidFill>
+                <a:srgbClr val="000000"/>
+              </a:solidFill>
+              <a:effectLst/>
+              <a:uLnTx/>
+              <a:uFillTx/>
+              <a:latin typeface="HY동녘M" pitchFamily="18" charset="-127"/>
+              <a:ea typeface="HY동녘M" pitchFamily="18" charset="-127"/>
+            </a:endParaRPr>
+          </a:p>
+        </p:txBody>
+      </p:sp>
+      <p:sp>
+        <p:nvSpPr>
+          <p:cNvPr id="53" name="내용 개체 틀 2"/>
+          <p:cNvSpPr txBox="1">
+            <a:spLocks/>
+          </p:cNvSpPr>
+          <p:nvPr/>
+        </p:nvSpPr>
+        <p:spPr bwMode="auto">
+          <a:xfrm>
+            <a:off x="5364088" y="1988840"/>
+            <a:ext cx="2592288" cy="576064"/>
+          </a:xfrm>
+          <a:prstGeom prst="rect">
+            <a:avLst/>
+          </a:prstGeom>
+          <a:noFill/>
+          <a:ln>
+            <a:noFill/>
+          </a:ln>
+          <a:effectLst/>
+          <a:extLst>
+            <a:ext uri="{909E8E84-426E-40DD-AFC4-6F175D3DCCD1}">
+              <a14:hiddenFill xmlns:a14="http://schemas.microsoft.com/office/drawing/2010/main" xmlns="">
+                <a:solidFill>
+                  <a:schemeClr val="accent1"/>
+                </a:solidFill>
+              </a14:hiddenFill>
+            </a:ext>
+            <a:ext uri="{91240B29-F687-4F45-9708-019B960494DF}">
+              <a14:hiddenLine xmlns:a14="http://schemas.microsoft.com/office/drawing/2010/main" xmlns="" w="9525">
+                <a:solidFill>
+                  <a:schemeClr val="tx1"/>
+                </a:solidFill>
+                <a:miter lim="800000"/>
+                <a:headEnd/>
+                <a:tailEnd/>
+              </a14:hiddenLine>
+            </a:ext>
+            <a:ext uri="{AF507438-7753-43E0-B8FC-AC1667EBCBE1}">
+              <a14:hiddenEffects xmlns:a14="http://schemas.microsoft.com/office/drawing/2010/main" xmlns="">
+                <a:effectLst>
+                  <a:outerShdw dist="35921" dir="2700000" algn="ctr" rotWithShape="0">
+                    <a:schemeClr val="bg2"/>
+                  </a:outerShdw>
+                </a:effectLst>
+              </a14:hiddenEffects>
+            </a:ext>
+          </a:extLst>
+        </p:spPr>
+        <p:txBody>
+          <a:bodyPr vert="horz" wrap="square" lIns="91440" tIns="45720" rIns="91440" bIns="45720" numCol="1" anchor="t" anchorCtr="0" compatLnSpc="1">
+            <a:prstTxWarp prst="textNoShape">
+              <a:avLst/>
+            </a:prstTxWarp>
+          </a:bodyPr>
+          <a:lstStyle/>
+          <a:p>
+            <a:pPr marL="514350" marR="0" lvl="1" indent="-514350" algn="l" defTabSz="914400" rtl="0" eaLnBrk="1" fontAlgn="base" latinLnBrk="1" hangingPunct="1">
+              <a:lnSpc>
+                <a:spcPct val="100000"/>
+              </a:lnSpc>
+              <a:spcBef>
+                <a:spcPct val="20000"/>
+              </a:spcBef>
+              <a:spcAft>
+                <a:spcPct val="0"/>
+              </a:spcAft>
+              <a:buClrTx/>
+              <a:buSzTx/>
+              <a:buFontTx/>
+              <a:buNone/>
+              <a:tabLst/>
+              <a:defRPr/>
+            </a:pPr>
+            <a:r>
+              <a:rPr lang="ko-KR" altLang="en-US" sz="2800" kern="0" dirty="0" err="1" smtClean="0">
+                <a:solidFill>
+                  <a:srgbClr val="000000"/>
+                </a:solidFill>
+                <a:latin typeface="HY동녘M" pitchFamily="18" charset="-127"/>
+                <a:ea typeface="HY동녘M" pitchFamily="18" charset="-127"/>
+              </a:rPr>
+              <a:t>스마트</a:t>
+            </a:r>
+            <a:r>
+              <a:rPr lang="ko-KR" altLang="en-US" sz="2800" kern="0" dirty="0" err="1" smtClean="0">
+                <a:solidFill>
+                  <a:srgbClr val="000000"/>
+                </a:solidFill>
+                <a:latin typeface="HY동녘M" pitchFamily="18" charset="-127"/>
+                <a:ea typeface="HY동녘M" pitchFamily="18" charset="-127"/>
+              </a:rPr>
+              <a:t>폰</a:t>
+            </a:r>
+            <a:endParaRPr kumimoji="0" lang="en-US" altLang="ko-KR" sz="1600" b="0" i="0" u="none" strike="noStrike" kern="0" cap="none" spc="0" normalizeH="0" baseline="0" noProof="0" dirty="0" smtClean="0">
+              <a:ln>
+                <a:noFill/>
+              </a:ln>
+              <a:solidFill>
+                <a:srgbClr val="000000"/>
+              </a:solidFill>
+              <a:effectLst/>
+              <a:uLnTx/>
+              <a:uFillTx/>
+              <a:latin typeface="HY동녘M" pitchFamily="18" charset="-127"/>
+              <a:ea typeface="HY동녘M" pitchFamily="18" charset="-127"/>
+            </a:endParaRPr>
+          </a:p>
+          <a:p>
+            <a:pPr marL="742950" marR="0" lvl="2" indent="-342900" algn="l" defTabSz="914400" rtl="0" eaLnBrk="1" fontAlgn="base" latinLnBrk="1" hangingPunct="1">
+              <a:lnSpc>
+                <a:spcPct val="100000"/>
+              </a:lnSpc>
+              <a:spcBef>
+                <a:spcPct val="20000"/>
+              </a:spcBef>
+              <a:spcAft>
+                <a:spcPct val="0"/>
+              </a:spcAft>
+              <a:buClrTx/>
+              <a:buSzTx/>
+              <a:buFont typeface="Wingdings" pitchFamily="2" charset="2"/>
+              <a:buChar char="l"/>
+              <a:tabLst/>
+              <a:defRPr/>
+            </a:pPr>
+            <a:endParaRPr kumimoji="0" lang="en-US" altLang="ko-KR" sz="2000" b="0" i="0" u="none" strike="noStrike" kern="0" cap="none" spc="0" normalizeH="0" baseline="0" noProof="0" dirty="0" smtClean="0">
+              <a:ln>
+                <a:noFill/>
+              </a:ln>
+              <a:solidFill>
+                <a:srgbClr val="000000"/>
+              </a:solidFill>
+              <a:effectLst/>
+              <a:uLnTx/>
+              <a:uFillTx/>
+              <a:latin typeface="HY동녘M" pitchFamily="18" charset="-127"/>
+              <a:ea typeface="HY동녘M" pitchFamily="18" charset="-127"/>
+            </a:endParaRPr>
+          </a:p>
+        </p:txBody>
+      </p:sp>
+    </p:spTree>
+    <p:extLst>
+      <p:ext uri="{BB962C8B-B14F-4D97-AF65-F5344CB8AC3E}">
+        <p14:creationId xmlns:p14="http://schemas.microsoft.com/office/powerpoint/2010/main" xmlns="" val="2718990012"/>
       </p:ext>
     </p:extLst>
   </p:cSld>
@@ -11994,7 +13108,7 @@
           <p:nvPr>
             <p:extLst>
               <p:ext uri="{D42A27DB-BD31-4B8C-83A1-F6EECF244321}">
-                <p14:modId xmlns="" xmlns:p14="http://schemas.microsoft.com/office/powerpoint/2010/main" val="864912804"/>
+                <p14:modId xmlns:p14="http://schemas.microsoft.com/office/powerpoint/2010/main" xmlns="" val="864912804"/>
               </p:ext>
             </p:extLst>
           </p:nvPr>
@@ -12016,7 +13130,7 @@
           <p:nvPr>
             <p:extLst>
               <p:ext uri="{D42A27DB-BD31-4B8C-83A1-F6EECF244321}">
-                <p14:modId xmlns="" xmlns:p14="http://schemas.microsoft.com/office/powerpoint/2010/main" val="550831738"/>
+                <p14:modId xmlns:p14="http://schemas.microsoft.com/office/powerpoint/2010/main" xmlns="" val="550831738"/>
               </p:ext>
             </p:extLst>
           </p:nvPr>
@@ -12128,7 +13242,7 @@
     </p:spTree>
     <p:extLst>
       <p:ext uri="{BB962C8B-B14F-4D97-AF65-F5344CB8AC3E}">
-        <p14:creationId xmlns="" xmlns:p14="http://schemas.microsoft.com/office/powerpoint/2010/main" val="3723977454"/>
+        <p14:creationId xmlns:p14="http://schemas.microsoft.com/office/powerpoint/2010/main" xmlns="" val="3723977454"/>
       </p:ext>
     </p:extLst>
   </p:cSld>
@@ -12288,7 +13402,7 @@
           <a:blip r:embed="rId3" cstate="print">
             <a:extLst>
               <a:ext uri="{28A0092B-C50C-407E-A947-70E740481C1C}">
-                <a14:useLocalDpi xmlns="" xmlns:a14="http://schemas.microsoft.com/office/drawing/2010/main" val="0"/>
+                <a14:useLocalDpi xmlns:a14="http://schemas.microsoft.com/office/drawing/2010/main" xmlns="" val="0"/>
               </a:ext>
             </a:extLst>
           </a:blip>
@@ -12318,7 +13432,7 @@
           <a:blip r:embed="rId4" cstate="print">
             <a:extLst>
               <a:ext uri="{28A0092B-C50C-407E-A947-70E740481C1C}">
-                <a14:useLocalDpi xmlns="" xmlns:a14="http://schemas.microsoft.com/office/drawing/2010/main" val="0"/>
+                <a14:useLocalDpi xmlns:a14="http://schemas.microsoft.com/office/drawing/2010/main" xmlns="" val="0"/>
               </a:ext>
             </a:extLst>
           </a:blip>
@@ -12338,7 +13452,7 @@
           <a:noFill/>
           <a:extLst>
             <a:ext uri="{909E8E84-426E-40DD-AFC4-6F175D3DCCD1}">
-              <a14:hiddenFill xmlns="" xmlns:a14="http://schemas.microsoft.com/office/drawing/2010/main">
+              <a14:hiddenFill xmlns:a14="http://schemas.microsoft.com/office/drawing/2010/main" xmlns="">
                 <a:solidFill>
                   <a:srgbClr val="FFFFFF"/>
                 </a:solidFill>
@@ -12444,7 +13558,7 @@
           <a:blip r:embed="rId5" cstate="print">
             <a:extLst>
               <a:ext uri="{28A0092B-C50C-407E-A947-70E740481C1C}">
-                <a14:useLocalDpi xmlns="" xmlns:a14="http://schemas.microsoft.com/office/drawing/2010/main" val="0"/>
+                <a14:useLocalDpi xmlns:a14="http://schemas.microsoft.com/office/drawing/2010/main" xmlns="" val="0"/>
               </a:ext>
             </a:extLst>
           </a:blip>
@@ -12464,7 +13578,7 @@
           <a:noFill/>
           <a:extLst>
             <a:ext uri="{909E8E84-426E-40DD-AFC4-6F175D3DCCD1}">
-              <a14:hiddenFill xmlns="" xmlns:a14="http://schemas.microsoft.com/office/drawing/2010/main">
+              <a14:hiddenFill xmlns:a14="http://schemas.microsoft.com/office/drawing/2010/main" xmlns="">
                 <a:solidFill>
                   <a:srgbClr val="FFFFFF"/>
                 </a:solidFill>
@@ -12485,7 +13599,7 @@
           <a:blip r:embed="rId6" cstate="print">
             <a:extLst>
               <a:ext uri="{28A0092B-C50C-407E-A947-70E740481C1C}">
-                <a14:useLocalDpi xmlns="" xmlns:a14="http://schemas.microsoft.com/office/drawing/2010/main" val="0"/>
+                <a14:useLocalDpi xmlns:a14="http://schemas.microsoft.com/office/drawing/2010/main" xmlns="" val="0"/>
               </a:ext>
             </a:extLst>
           </a:blip>
@@ -12505,7 +13619,7 @@
           <a:noFill/>
           <a:extLst>
             <a:ext uri="{909E8E84-426E-40DD-AFC4-6F175D3DCCD1}">
-              <a14:hiddenFill xmlns="" xmlns:a14="http://schemas.microsoft.com/office/drawing/2010/main">
+              <a14:hiddenFill xmlns:a14="http://schemas.microsoft.com/office/drawing/2010/main" xmlns="">
                 <a:solidFill>
                   <a:srgbClr val="FFFFFF"/>
                 </a:solidFill>
@@ -12526,7 +13640,7 @@
           <a:blip r:embed="rId7" cstate="print">
             <a:extLst>
               <a:ext uri="{28A0092B-C50C-407E-A947-70E740481C1C}">
-                <a14:useLocalDpi xmlns="" xmlns:a14="http://schemas.microsoft.com/office/drawing/2010/main" val="0"/>
+                <a14:useLocalDpi xmlns:a14="http://schemas.microsoft.com/office/drawing/2010/main" xmlns="" val="0"/>
               </a:ext>
             </a:extLst>
           </a:blip>
@@ -12546,7 +13660,7 @@
           <a:noFill/>
           <a:extLst>
             <a:ext uri="{909E8E84-426E-40DD-AFC4-6F175D3DCCD1}">
-              <a14:hiddenFill xmlns="" xmlns:a14="http://schemas.microsoft.com/office/drawing/2010/main">
+              <a14:hiddenFill xmlns:a14="http://schemas.microsoft.com/office/drawing/2010/main" xmlns="">
                 <a:solidFill>
                   <a:srgbClr val="FFFFFF"/>
                 </a:solidFill>
@@ -12558,7 +13672,7 @@
     </p:spTree>
     <p:extLst>
       <p:ext uri="{BB962C8B-B14F-4D97-AF65-F5344CB8AC3E}">
-        <p14:creationId xmlns="" xmlns:p14="http://schemas.microsoft.com/office/powerpoint/2010/main" val="26222973"/>
+        <p14:creationId xmlns:p14="http://schemas.microsoft.com/office/powerpoint/2010/main" xmlns="" val="26222973"/>
       </p:ext>
     </p:extLst>
   </p:cSld>
@@ -12665,25 +13779,8 @@
                 <a:latin typeface="HY동녘M" pitchFamily="18" charset="-127"/>
                 <a:ea typeface="HY동녘M" pitchFamily="18" charset="-127"/>
               </a:rPr>
-              <a:t>A. </a:t>
-            </a:r>
-            <a:r>
-              <a:rPr lang="en-US" altLang="ko-KR" dirty="0" smtClean="0">
-                <a:solidFill>
-                  <a:srgbClr val="000000"/>
-                </a:solidFill>
-                <a:latin typeface="HY동녘M" pitchFamily="18" charset="-127"/>
-                <a:ea typeface="HY동녘M" pitchFamily="18" charset="-127"/>
-              </a:rPr>
-              <a:t>USB</a:t>
-            </a:r>
-            <a:endParaRPr lang="en-US" altLang="ko-KR" dirty="0" smtClean="0">
-              <a:solidFill>
-                <a:srgbClr val="000000"/>
-              </a:solidFill>
-              <a:latin typeface="HY동녘M" pitchFamily="18" charset="-127"/>
-              <a:ea typeface="HY동녘M" pitchFamily="18" charset="-127"/>
-            </a:endParaRPr>
+              <a:t>A. USB</a:t>
+            </a:r>
           </a:p>
         </p:txBody>
       </p:sp>
@@ -12762,7 +13859,7 @@
           <a:blip r:embed="rId3" cstate="print">
             <a:extLst>
               <a:ext uri="{28A0092B-C50C-407E-A947-70E740481C1C}">
-                <a14:useLocalDpi xmlns="" xmlns:a14="http://schemas.microsoft.com/office/drawing/2010/main" val="0"/>
+                <a14:useLocalDpi xmlns:a14="http://schemas.microsoft.com/office/drawing/2010/main" xmlns="" val="0"/>
               </a:ext>
             </a:extLst>
           </a:blip>
@@ -12790,7 +13887,7 @@
           <a:blip r:embed="rId4" cstate="print">
             <a:extLst>
               <a:ext uri="{28A0092B-C50C-407E-A947-70E740481C1C}">
-                <a14:useLocalDpi xmlns="" xmlns:a14="http://schemas.microsoft.com/office/drawing/2010/main" val="0"/>
+                <a14:useLocalDpi xmlns:a14="http://schemas.microsoft.com/office/drawing/2010/main" xmlns="" val="0"/>
               </a:ext>
             </a:extLst>
           </a:blip>
@@ -12811,7 +13908,7 @@
     </p:spTree>
     <p:extLst>
       <p:ext uri="{BB962C8B-B14F-4D97-AF65-F5344CB8AC3E}">
-        <p14:creationId xmlns="" xmlns:p14="http://schemas.microsoft.com/office/powerpoint/2010/main" val="846475234"/>
+        <p14:creationId xmlns:p14="http://schemas.microsoft.com/office/powerpoint/2010/main" xmlns="" val="846475234"/>
       </p:ext>
     </p:extLst>
   </p:cSld>
@@ -12908,14 +14005,14 @@
           <a:effectLst/>
           <a:extLst>
             <a:ext uri="{909E8E84-426E-40DD-AFC4-6F175D3DCCD1}">
-              <a14:hiddenFill xmlns="" xmlns:a14="http://schemas.microsoft.com/office/drawing/2010/main">
+              <a14:hiddenFill xmlns:a14="http://schemas.microsoft.com/office/drawing/2010/main" xmlns="">
                 <a:solidFill>
                   <a:schemeClr val="accent1"/>
                 </a:solidFill>
               </a14:hiddenFill>
             </a:ext>
             <a:ext uri="{91240B29-F687-4F45-9708-019B960494DF}">
-              <a14:hiddenLine xmlns="" xmlns:a14="http://schemas.microsoft.com/office/drawing/2010/main" w="9525">
+              <a14:hiddenLine xmlns:a14="http://schemas.microsoft.com/office/drawing/2010/main" xmlns="" w="9525">
                 <a:solidFill>
                   <a:schemeClr val="tx1"/>
                 </a:solidFill>
@@ -12925,7 +14022,7 @@
               </a14:hiddenLine>
             </a:ext>
             <a:ext uri="{AF507438-7753-43E0-B8FC-AC1667EBCBE1}">
-              <a14:hiddenEffects xmlns="" xmlns:a14="http://schemas.microsoft.com/office/drawing/2010/main">
+              <a14:hiddenEffects xmlns:a14="http://schemas.microsoft.com/office/drawing/2010/main" xmlns="">
                 <a:effectLst>
                   <a:outerShdw dist="35921" dir="2700000" algn="ctr" rotWithShape="0">
                     <a:schemeClr val="bg2"/>
@@ -13218,7 +14315,7 @@
             <a:effectLst/>
             <a:extLst>
               <a:ext uri="{91240B29-F687-4F45-9708-019B960494DF}">
-                <a14:hiddenLine xmlns="" xmlns:a14="http://schemas.microsoft.com/office/drawing/2010/main" w="9525" cap="flat" cmpd="sng" algn="ctr">
+                <a14:hiddenLine xmlns:a14="http://schemas.microsoft.com/office/drawing/2010/main" xmlns="" w="9525" cap="flat" cmpd="sng" algn="ctr">
                   <a:solidFill>
                     <a:schemeClr val="tx1"/>
                   </a:solidFill>
@@ -13229,7 +14326,7 @@
                 </a14:hiddenLine>
               </a:ext>
               <a:ext uri="{AF507438-7753-43E0-B8FC-AC1667EBCBE1}">
-                <a14:hiddenEffects xmlns="" xmlns:a14="http://schemas.microsoft.com/office/drawing/2010/main">
+                <a14:hiddenEffects xmlns:a14="http://schemas.microsoft.com/office/drawing/2010/main" xmlns="">
                   <a:effectLst>
                     <a:outerShdw dist="35921" dir="2700000" algn="ctr" rotWithShape="0">
                       <a:schemeClr val="bg2"/>
@@ -13280,7 +14377,7 @@
             <a:effectLst/>
             <a:extLst>
               <a:ext uri="{91240B29-F687-4F45-9708-019B960494DF}">
-                <a14:hiddenLine xmlns="" xmlns:a14="http://schemas.microsoft.com/office/drawing/2010/main" w="9525" cap="flat" cmpd="sng" algn="ctr">
+                <a14:hiddenLine xmlns:a14="http://schemas.microsoft.com/office/drawing/2010/main" xmlns="" w="9525" cap="flat" cmpd="sng" algn="ctr">
                   <a:solidFill>
                     <a:schemeClr val="tx1"/>
                   </a:solidFill>
@@ -13291,7 +14388,7 @@
                 </a14:hiddenLine>
               </a:ext>
               <a:ext uri="{AF507438-7753-43E0-B8FC-AC1667EBCBE1}">
-                <a14:hiddenEffects xmlns="" xmlns:a14="http://schemas.microsoft.com/office/drawing/2010/main">
+                <a14:hiddenEffects xmlns:a14="http://schemas.microsoft.com/office/drawing/2010/main" xmlns="">
                   <a:effectLst>
                     <a:outerShdw dist="35921" dir="2700000" algn="ctr" rotWithShape="0">
                       <a:schemeClr val="bg2"/>
@@ -13342,7 +14439,7 @@
             <a:effectLst/>
             <a:extLst>
               <a:ext uri="{91240B29-F687-4F45-9708-019B960494DF}">
-                <a14:hiddenLine xmlns="" xmlns:a14="http://schemas.microsoft.com/office/drawing/2010/main" w="9525" cap="flat" cmpd="sng" algn="ctr">
+                <a14:hiddenLine xmlns:a14="http://schemas.microsoft.com/office/drawing/2010/main" xmlns="" w="9525" cap="flat" cmpd="sng" algn="ctr">
                   <a:solidFill>
                     <a:schemeClr val="tx1"/>
                   </a:solidFill>
@@ -13353,7 +14450,7 @@
                 </a14:hiddenLine>
               </a:ext>
               <a:ext uri="{AF507438-7753-43E0-B8FC-AC1667EBCBE1}">
-                <a14:hiddenEffects xmlns="" xmlns:a14="http://schemas.microsoft.com/office/drawing/2010/main">
+                <a14:hiddenEffects xmlns:a14="http://schemas.microsoft.com/office/drawing/2010/main" xmlns="">
                   <a:effectLst>
                     <a:outerShdw dist="35921" dir="2700000" algn="ctr" rotWithShape="0">
                       <a:schemeClr val="bg2"/>
@@ -13404,7 +14501,7 @@
             <a:effectLst/>
             <a:extLst>
               <a:ext uri="{91240B29-F687-4F45-9708-019B960494DF}">
-                <a14:hiddenLine xmlns="" xmlns:a14="http://schemas.microsoft.com/office/drawing/2010/main" w="9525" cap="flat" cmpd="sng" algn="ctr">
+                <a14:hiddenLine xmlns:a14="http://schemas.microsoft.com/office/drawing/2010/main" xmlns="" w="9525" cap="flat" cmpd="sng" algn="ctr">
                   <a:solidFill>
                     <a:schemeClr val="tx1"/>
                   </a:solidFill>
@@ -13415,7 +14512,7 @@
                 </a14:hiddenLine>
               </a:ext>
               <a:ext uri="{AF507438-7753-43E0-B8FC-AC1667EBCBE1}">
-                <a14:hiddenEffects xmlns="" xmlns:a14="http://schemas.microsoft.com/office/drawing/2010/main">
+                <a14:hiddenEffects xmlns:a14="http://schemas.microsoft.com/office/drawing/2010/main" xmlns="">
                   <a:effectLst>
                     <a:outerShdw dist="35921" dir="2700000" algn="ctr" rotWithShape="0">
                       <a:schemeClr val="bg2"/>
@@ -13453,7 +14550,7 @@
             <a:blip r:embed="rId8" cstate="print">
               <a:extLst>
                 <a:ext uri="{28A0092B-C50C-407E-A947-70E740481C1C}">
-                  <a14:useLocalDpi xmlns="" xmlns:a14="http://schemas.microsoft.com/office/drawing/2010/main" val="0"/>
+                  <a14:useLocalDpi xmlns:a14="http://schemas.microsoft.com/office/drawing/2010/main" xmlns="" val="0"/>
                 </a:ext>
               </a:extLst>
             </a:blip>
@@ -13483,7 +14580,7 @@
             <a:blip r:embed="rId9" cstate="print">
               <a:extLst>
                 <a:ext uri="{28A0092B-C50C-407E-A947-70E740481C1C}">
-                  <a14:useLocalDpi xmlns="" xmlns:a14="http://schemas.microsoft.com/office/drawing/2010/main" val="0"/>
+                  <a14:useLocalDpi xmlns:a14="http://schemas.microsoft.com/office/drawing/2010/main" xmlns="" val="0"/>
                 </a:ext>
               </a:extLst>
             </a:blip>
@@ -13581,7 +14678,7 @@
             <a:blip r:embed="rId10" cstate="print">
               <a:extLst>
                 <a:ext uri="{28A0092B-C50C-407E-A947-70E740481C1C}">
-                  <a14:useLocalDpi xmlns="" xmlns:a14="http://schemas.microsoft.com/office/drawing/2010/main" val="0"/>
+                  <a14:useLocalDpi xmlns:a14="http://schemas.microsoft.com/office/drawing/2010/main" xmlns="" val="0"/>
                 </a:ext>
               </a:extLst>
             </a:blip>
@@ -13637,7 +14734,7 @@
     </p:spTree>
     <p:extLst>
       <p:ext uri="{BB962C8B-B14F-4D97-AF65-F5344CB8AC3E}">
-        <p14:creationId xmlns="" xmlns:p14="http://schemas.microsoft.com/office/powerpoint/2010/main" val="2437256557"/>
+        <p14:creationId xmlns:p14="http://schemas.microsoft.com/office/powerpoint/2010/main" xmlns="" val="2437256557"/>
       </p:ext>
     </p:extLst>
   </p:cSld>
@@ -13759,7 +14856,7 @@
           <a:blip r:embed="rId3" cstate="print">
             <a:extLst>
               <a:ext uri="{28A0092B-C50C-407E-A947-70E740481C1C}">
-                <a14:useLocalDpi xmlns="" xmlns:a14="http://schemas.microsoft.com/office/drawing/2010/main" val="0"/>
+                <a14:useLocalDpi xmlns:a14="http://schemas.microsoft.com/office/drawing/2010/main" xmlns="" val="0"/>
               </a:ext>
             </a:extLst>
           </a:blip>
@@ -13779,7 +14876,7 @@
           <a:noFill/>
           <a:extLst>
             <a:ext uri="{909E8E84-426E-40DD-AFC4-6F175D3DCCD1}">
-              <a14:hiddenFill xmlns="" xmlns:a14="http://schemas.microsoft.com/office/drawing/2010/main">
+              <a14:hiddenFill xmlns:a14="http://schemas.microsoft.com/office/drawing/2010/main" xmlns="">
                 <a:solidFill>
                   <a:srgbClr val="FFFFFF"/>
                 </a:solidFill>
@@ -13800,7 +14897,7 @@
           <a:blip r:embed="rId3" cstate="print">
             <a:extLst>
               <a:ext uri="{28A0092B-C50C-407E-A947-70E740481C1C}">
-                <a14:useLocalDpi xmlns="" xmlns:a14="http://schemas.microsoft.com/office/drawing/2010/main" val="0"/>
+                <a14:useLocalDpi xmlns:a14="http://schemas.microsoft.com/office/drawing/2010/main" xmlns="" val="0"/>
               </a:ext>
             </a:extLst>
           </a:blip>
@@ -13820,7 +14917,7 @@
           <a:noFill/>
           <a:extLst>
             <a:ext uri="{909E8E84-426E-40DD-AFC4-6F175D3DCCD1}">
-              <a14:hiddenFill xmlns="" xmlns:a14="http://schemas.microsoft.com/office/drawing/2010/main">
+              <a14:hiddenFill xmlns:a14="http://schemas.microsoft.com/office/drawing/2010/main" xmlns="">
                 <a:solidFill>
                   <a:srgbClr val="FFFFFF"/>
                 </a:solidFill>
@@ -13841,7 +14938,7 @@
           <a:blip r:embed="rId4" cstate="print">
             <a:extLst>
               <a:ext uri="{28A0092B-C50C-407E-A947-70E740481C1C}">
-                <a14:useLocalDpi xmlns="" xmlns:a14="http://schemas.microsoft.com/office/drawing/2010/main" val="0"/>
+                <a14:useLocalDpi xmlns:a14="http://schemas.microsoft.com/office/drawing/2010/main" xmlns="" val="0"/>
               </a:ext>
             </a:extLst>
           </a:blip>
@@ -13861,7 +14958,7 @@
           <a:noFill/>
           <a:extLst>
             <a:ext uri="{909E8E84-426E-40DD-AFC4-6F175D3DCCD1}">
-              <a14:hiddenFill xmlns="" xmlns:a14="http://schemas.microsoft.com/office/drawing/2010/main">
+              <a14:hiddenFill xmlns:a14="http://schemas.microsoft.com/office/drawing/2010/main" xmlns="">
                 <a:solidFill>
                   <a:srgbClr val="FFFFFF"/>
                 </a:solidFill>
@@ -14012,14 +15109,14 @@
           <a:effectLst/>
           <a:extLst>
             <a:ext uri="{909E8E84-426E-40DD-AFC4-6F175D3DCCD1}">
-              <a14:hiddenFill xmlns="" xmlns:a14="http://schemas.microsoft.com/office/drawing/2010/main">
+              <a14:hiddenFill xmlns:a14="http://schemas.microsoft.com/office/drawing/2010/main" xmlns="">
                 <a:solidFill>
                   <a:schemeClr val="accent1"/>
                 </a:solidFill>
               </a14:hiddenFill>
             </a:ext>
             <a:ext uri="{91240B29-F687-4F45-9708-019B960494DF}">
-              <a14:hiddenLine xmlns="" xmlns:a14="http://schemas.microsoft.com/office/drawing/2010/main" w="9525">
+              <a14:hiddenLine xmlns:a14="http://schemas.microsoft.com/office/drawing/2010/main" xmlns="" w="9525">
                 <a:solidFill>
                   <a:schemeClr val="tx1"/>
                 </a:solidFill>
@@ -14029,7 +15126,7 @@
               </a14:hiddenLine>
             </a:ext>
             <a:ext uri="{AF507438-7753-43E0-B8FC-AC1667EBCBE1}">
-              <a14:hiddenEffects xmlns="" xmlns:a14="http://schemas.microsoft.com/office/drawing/2010/main">
+              <a14:hiddenEffects xmlns:a14="http://schemas.microsoft.com/office/drawing/2010/main" xmlns="">
                 <a:effectLst>
                   <a:outerShdw dist="35921" dir="2700000" algn="ctr" rotWithShape="0">
                     <a:schemeClr val="bg2"/>
@@ -14142,7 +15239,7 @@
     </p:spTree>
     <p:extLst>
       <p:ext uri="{BB962C8B-B14F-4D97-AF65-F5344CB8AC3E}">
-        <p14:creationId xmlns="" xmlns:p14="http://schemas.microsoft.com/office/powerpoint/2010/main" val="2437256557"/>
+        <p14:creationId xmlns:p14="http://schemas.microsoft.com/office/powerpoint/2010/main" xmlns="" val="2437256557"/>
       </p:ext>
     </p:extLst>
   </p:cSld>
@@ -14189,7 +15286,7 @@
           <a:blip r:embed="rId3" cstate="print">
             <a:extLst>
               <a:ext uri="{28A0092B-C50C-407E-A947-70E740481C1C}">
-                <a14:useLocalDpi xmlns="" xmlns:a14="http://schemas.microsoft.com/office/drawing/2010/main" val="0"/>
+                <a14:useLocalDpi xmlns:a14="http://schemas.microsoft.com/office/drawing/2010/main" xmlns="" val="0"/>
               </a:ext>
             </a:extLst>
           </a:blip>
@@ -14209,7 +15306,7 @@
           <a:noFill/>
           <a:extLst>
             <a:ext uri="{909E8E84-426E-40DD-AFC4-6F175D3DCCD1}">
-              <a14:hiddenFill xmlns="" xmlns:a14="http://schemas.microsoft.com/office/drawing/2010/main">
+              <a14:hiddenFill xmlns:a14="http://schemas.microsoft.com/office/drawing/2010/main" xmlns="">
                 <a:solidFill>
                   <a:srgbClr val="FFFFFF"/>
                 </a:solidFill>
@@ -14305,7 +15402,7 @@
           <a:blip r:embed="rId4" cstate="print">
             <a:extLst>
               <a:ext uri="{28A0092B-C50C-407E-A947-70E740481C1C}">
-                <a14:useLocalDpi xmlns="" xmlns:a14="http://schemas.microsoft.com/office/drawing/2010/main" val="0"/>
+                <a14:useLocalDpi xmlns:a14="http://schemas.microsoft.com/office/drawing/2010/main" xmlns="" val="0"/>
               </a:ext>
             </a:extLst>
           </a:blip>
@@ -14325,7 +15422,7 @@
           <a:noFill/>
           <a:extLst>
             <a:ext uri="{909E8E84-426E-40DD-AFC4-6F175D3DCCD1}">
-              <a14:hiddenFill xmlns="" xmlns:a14="http://schemas.microsoft.com/office/drawing/2010/main">
+              <a14:hiddenFill xmlns:a14="http://schemas.microsoft.com/office/drawing/2010/main" xmlns="">
                 <a:solidFill>
                   <a:srgbClr val="FFFFFF"/>
                 </a:solidFill>
@@ -14346,7 +15443,7 @@
           <a:blip r:embed="rId5" cstate="print">
             <a:extLst>
               <a:ext uri="{28A0092B-C50C-407E-A947-70E740481C1C}">
-                <a14:useLocalDpi xmlns="" xmlns:a14="http://schemas.microsoft.com/office/drawing/2010/main" val="0"/>
+                <a14:useLocalDpi xmlns:a14="http://schemas.microsoft.com/office/drawing/2010/main" xmlns="" val="0"/>
               </a:ext>
             </a:extLst>
           </a:blip>
@@ -14528,7 +15625,7 @@
             <a:blip r:embed="rId6" cstate="print">
               <a:extLst>
                 <a:ext uri="{28A0092B-C50C-407E-A947-70E740481C1C}">
-                  <a14:useLocalDpi xmlns="" xmlns:a14="http://schemas.microsoft.com/office/drawing/2010/main" val="0"/>
+                  <a14:useLocalDpi xmlns:a14="http://schemas.microsoft.com/office/drawing/2010/main" xmlns="" val="0"/>
                 </a:ext>
               </a:extLst>
             </a:blip>
@@ -14548,7 +15645,7 @@
             <a:noFill/>
             <a:extLst>
               <a:ext uri="{909E8E84-426E-40DD-AFC4-6F175D3DCCD1}">
-                <a14:hiddenFill xmlns="" xmlns:a14="http://schemas.microsoft.com/office/drawing/2010/main">
+                <a14:hiddenFill xmlns:a14="http://schemas.microsoft.com/office/drawing/2010/main" xmlns="">
                   <a:solidFill>
                     <a:srgbClr val="FFFFFF"/>
                   </a:solidFill>
@@ -14669,14 +15766,14 @@
           <a:effectLst/>
           <a:extLst>
             <a:ext uri="{909E8E84-426E-40DD-AFC4-6F175D3DCCD1}">
-              <a14:hiddenFill xmlns="" xmlns:a14="http://schemas.microsoft.com/office/drawing/2010/main">
+              <a14:hiddenFill xmlns:a14="http://schemas.microsoft.com/office/drawing/2010/main" xmlns="">
                 <a:solidFill>
                   <a:schemeClr val="accent1"/>
                 </a:solidFill>
               </a14:hiddenFill>
             </a:ext>
             <a:ext uri="{91240B29-F687-4F45-9708-019B960494DF}">
-              <a14:hiddenLine xmlns="" xmlns:a14="http://schemas.microsoft.com/office/drawing/2010/main" w="9525">
+              <a14:hiddenLine xmlns:a14="http://schemas.microsoft.com/office/drawing/2010/main" xmlns="" w="9525">
                 <a:solidFill>
                   <a:schemeClr val="tx1"/>
                 </a:solidFill>
@@ -14686,7 +15783,7 @@
               </a14:hiddenLine>
             </a:ext>
             <a:ext uri="{AF507438-7753-43E0-B8FC-AC1667EBCBE1}">
-              <a14:hiddenEffects xmlns="" xmlns:a14="http://schemas.microsoft.com/office/drawing/2010/main">
+              <a14:hiddenEffects xmlns:a14="http://schemas.microsoft.com/office/drawing/2010/main" xmlns="">
                 <a:effectLst>
                   <a:outerShdw dist="35921" dir="2700000" algn="ctr" rotWithShape="0">
                     <a:schemeClr val="bg2"/>
@@ -14831,7 +15928,7 @@
     </p:spTree>
     <p:extLst>
       <p:ext uri="{BB962C8B-B14F-4D97-AF65-F5344CB8AC3E}">
-        <p14:creationId xmlns="" xmlns:p14="http://schemas.microsoft.com/office/powerpoint/2010/main" val="1709874429"/>
+        <p14:creationId xmlns:p14="http://schemas.microsoft.com/office/powerpoint/2010/main" xmlns="" val="1709874429"/>
       </p:ext>
     </p:extLst>
   </p:cSld>
@@ -15562,7 +16659,7 @@
             <a:effectLst/>
             <a:extLst>
               <a:ext uri="{AF507438-7753-43E0-B8FC-AC1667EBCBE1}">
-                <a14:hiddenEffects xmlns="" xmlns:a14="http://schemas.microsoft.com/office/drawing/2010/main">
+                <a14:hiddenEffects xmlns:a14="http://schemas.microsoft.com/office/drawing/2010/main" xmlns="">
                   <a:effectLst>
                     <a:outerShdw dist="35921" dir="2700000" algn="ctr" rotWithShape="0">
                       <a:schemeClr val="bg2"/>
@@ -15612,7 +16709,7 @@
             <a:effectLst/>
             <a:extLst>
               <a:ext uri="{AF507438-7753-43E0-B8FC-AC1667EBCBE1}">
-                <a14:hiddenEffects xmlns="" xmlns:a14="http://schemas.microsoft.com/office/drawing/2010/main">
+                <a14:hiddenEffects xmlns:a14="http://schemas.microsoft.com/office/drawing/2010/main" xmlns="">
                   <a:effectLst>
                     <a:outerShdw dist="35921" dir="2700000" algn="ctr" rotWithShape="0">
                       <a:schemeClr val="bg2"/>
@@ -15662,7 +16759,7 @@
             <a:effectLst/>
             <a:extLst>
               <a:ext uri="{AF507438-7753-43E0-B8FC-AC1667EBCBE1}">
-                <a14:hiddenEffects xmlns="" xmlns:a14="http://schemas.microsoft.com/office/drawing/2010/main">
+                <a14:hiddenEffects xmlns:a14="http://schemas.microsoft.com/office/drawing/2010/main" xmlns="">
                   <a:effectLst>
                     <a:outerShdw dist="35921" dir="2700000" algn="ctr" rotWithShape="0">
                       <a:schemeClr val="bg2"/>
@@ -15712,7 +16809,7 @@
             <a:effectLst/>
             <a:extLst>
               <a:ext uri="{AF507438-7753-43E0-B8FC-AC1667EBCBE1}">
-                <a14:hiddenEffects xmlns="" xmlns:a14="http://schemas.microsoft.com/office/drawing/2010/main">
+                <a14:hiddenEffects xmlns:a14="http://schemas.microsoft.com/office/drawing/2010/main" xmlns="">
                   <a:effectLst>
                     <a:outerShdw dist="35921" dir="2700000" algn="ctr" rotWithShape="0">
                       <a:schemeClr val="bg2"/>
@@ -15762,7 +16859,7 @@
             <a:effectLst/>
             <a:extLst>
               <a:ext uri="{AF507438-7753-43E0-B8FC-AC1667EBCBE1}">
-                <a14:hiddenEffects xmlns="" xmlns:a14="http://schemas.microsoft.com/office/drawing/2010/main">
+                <a14:hiddenEffects xmlns:a14="http://schemas.microsoft.com/office/drawing/2010/main" xmlns="">
                   <a:effectLst>
                     <a:outerShdw dist="35921" dir="2700000" algn="ctr" rotWithShape="0">
                       <a:schemeClr val="bg2"/>
@@ -15812,7 +16909,7 @@
             <a:effectLst/>
             <a:extLst>
               <a:ext uri="{AF507438-7753-43E0-B8FC-AC1667EBCBE1}">
-                <a14:hiddenEffects xmlns="" xmlns:a14="http://schemas.microsoft.com/office/drawing/2010/main">
+                <a14:hiddenEffects xmlns:a14="http://schemas.microsoft.com/office/drawing/2010/main" xmlns="">
                   <a:effectLst>
                     <a:outerShdw dist="35921" dir="2700000" algn="ctr" rotWithShape="0">
                       <a:schemeClr val="bg2"/>
@@ -15884,7 +16981,7 @@
     </p:spTree>
     <p:extLst>
       <p:ext uri="{BB962C8B-B14F-4D97-AF65-F5344CB8AC3E}">
-        <p14:creationId xmlns="" xmlns:p14="http://schemas.microsoft.com/office/powerpoint/2010/main" val="1532431054"/>
+        <p14:creationId xmlns:p14="http://schemas.microsoft.com/office/powerpoint/2010/main" xmlns="" val="1532431054"/>
       </p:ext>
     </p:extLst>
   </p:cSld>
@@ -17131,7 +18228,7 @@
     </p:spTree>
     <p:extLst>
       <p:ext uri="{BB962C8B-B14F-4D97-AF65-F5344CB8AC3E}">
-        <p14:creationId xmlns="" xmlns:p14="http://schemas.microsoft.com/office/powerpoint/2010/main" val="1410092498"/>
+        <p14:creationId xmlns:p14="http://schemas.microsoft.com/office/powerpoint/2010/main" xmlns="" val="1410092498"/>
       </p:ext>
     </p:extLst>
   </p:cSld>
@@ -17447,7 +18544,7 @@
         <a:effectLst/>
         <a:extLst>
           <a:ext uri="{91240B29-F687-4F45-9708-019B960494DF}">
-            <a14:hiddenLine xmlns="" xmlns:a14="http://schemas.microsoft.com/office/drawing/2010/main" w="9525" cap="flat" cmpd="sng" algn="ctr">
+            <a14:hiddenLine xmlns:a14="http://schemas.microsoft.com/office/drawing/2010/main" xmlns="" w="9525" cap="flat" cmpd="sng" algn="ctr">
               <a:solidFill>
                 <a:schemeClr val="tx1"/>
               </a:solidFill>
@@ -17458,7 +18555,7 @@
             </a14:hiddenLine>
           </a:ext>
           <a:ext uri="{AF507438-7753-43E0-B8FC-AC1667EBCBE1}">
-            <a14:hiddenEffects xmlns="" xmlns:a14="http://schemas.microsoft.com/office/drawing/2010/main">
+            <a14:hiddenEffects xmlns:a14="http://schemas.microsoft.com/office/drawing/2010/main" xmlns="">
               <a:effectLst>
                 <a:outerShdw dist="35921" dir="2700000" algn="ctr" rotWithShape="0">
                   <a:schemeClr val="bg2"/>

--- a/Documents/presentation doc/Final Presentation/final-presentation.pptx
+++ b/Documents/presentation doc/Final Presentation/final-presentation.pptx
@@ -167,10 +167,10 @@
           <c:layoutTarget val="inner"/>
           <c:xMode val="edge"/>
           <c:yMode val="edge"/>
-          <c:x val="0.13756541418769683"/>
-          <c:y val="0.31142121774829401"/>
+          <c:x val="0.13756541418769694"/>
+          <c:y val="0.31142121774829412"/>
           <c:w val="0.82290353753797463"/>
-          <c:h val="0.5677631056866671"/>
+          <c:h val="0.56776310568666688"/>
         </c:manualLayout>
       </c:layout>
       <c:barChart>
@@ -265,25 +265,25 @@
           <c:showVal val="1"/>
         </c:dLbls>
         <c:gapWidth val="75"/>
-        <c:axId val="57328000"/>
-        <c:axId val="57329536"/>
+        <c:axId val="68372352"/>
+        <c:axId val="68373888"/>
       </c:barChart>
       <c:catAx>
-        <c:axId val="57328000"/>
+        <c:axId val="68372352"/>
         <c:scaling>
           <c:orientation val="minMax"/>
         </c:scaling>
         <c:axPos val="b"/>
         <c:majorTickMark val="none"/>
         <c:tickLblPos val="nextTo"/>
-        <c:crossAx val="57329536"/>
+        <c:crossAx val="68373888"/>
         <c:crosses val="autoZero"/>
         <c:auto val="1"/>
         <c:lblAlgn val="ctr"/>
         <c:lblOffset val="100"/>
       </c:catAx>
       <c:valAx>
-        <c:axId val="57329536"/>
+        <c:axId val="68373888"/>
         <c:scaling>
           <c:orientation val="minMax"/>
           <c:min val="0"/>
@@ -292,7 +292,7 @@
         <c:numFmt formatCode="General" sourceLinked="1"/>
         <c:majorTickMark val="none"/>
         <c:tickLblPos val="nextTo"/>
-        <c:crossAx val="57328000"/>
+        <c:crossAx val="68372352"/>
         <c:crosses val="autoZero"/>
         <c:crossBetween val="between"/>
         <c:majorUnit val="20"/>
@@ -304,10 +304,10 @@
         <c:manualLayout>
           <c:xMode val="edge"/>
           <c:yMode val="edge"/>
-          <c:x val="0.18942124246731357"/>
-          <c:y val="3.0763248527941565E-2"/>
-          <c:w val="0.68117168015814855"/>
-          <c:h val="0.22344660117130033"/>
+          <c:x val="0.18942124246731373"/>
+          <c:y val="3.0763248527941586E-2"/>
+          <c:w val="0.681171680158149"/>
+          <c:h val="0.22344660117130047"/>
         </c:manualLayout>
       </c:layout>
     </c:legend>
@@ -409,24 +409,24 @@
           </c:val>
         </c:ser>
         <c:marker val="1"/>
-        <c:axId val="60490880"/>
-        <c:axId val="60492416"/>
+        <c:axId val="71240320"/>
+        <c:axId val="71250304"/>
       </c:lineChart>
       <c:catAx>
-        <c:axId val="60490880"/>
+        <c:axId val="71240320"/>
         <c:scaling>
           <c:orientation val="minMax"/>
         </c:scaling>
         <c:axPos val="b"/>
         <c:tickLblPos val="nextTo"/>
-        <c:crossAx val="60492416"/>
+        <c:crossAx val="71250304"/>
         <c:crosses val="autoZero"/>
         <c:auto val="1"/>
         <c:lblAlgn val="ctr"/>
         <c:lblOffset val="100"/>
       </c:catAx>
       <c:valAx>
-        <c:axId val="60492416"/>
+        <c:axId val="71250304"/>
         <c:scaling>
           <c:orientation val="minMax"/>
           <c:max val="2000"/>
@@ -435,7 +435,7 @@
         <c:majorGridlines/>
         <c:numFmt formatCode="General" sourceLinked="1"/>
         <c:tickLblPos val="nextTo"/>
-        <c:crossAx val="60490880"/>
+        <c:crossAx val="71240320"/>
         <c:crosses val="autoZero"/>
         <c:crossBetween val="between"/>
         <c:majorUnit val="500"/>
@@ -1574,7 +1574,7 @@
                 <a:ea typeface="+mn-ea"/>
                 <a:cs typeface="+mn-cs"/>
               </a:rPr>
-              <a:t>프로젝트를 활용 하면</a:t>
+              <a:t>프로젝트를 활용해서</a:t>
             </a:r>
             <a:r>
               <a:rPr lang="en-US" altLang="ko-KR" sz="1200" kern="1200" dirty="0" smtClean="0">
@@ -1585,7 +1585,7 @@
                 <a:ea typeface="+mn-ea"/>
                 <a:cs typeface="+mn-cs"/>
               </a:rPr>
-              <a:t>, PC</a:t>
+              <a:t> PC</a:t>
             </a:r>
             <a:r>
               <a:rPr lang="ko-KR" altLang="en-US" sz="1200" kern="1200" dirty="0" smtClean="0">
@@ -1596,7 +1596,18 @@
                 <a:ea typeface="+mn-ea"/>
                 <a:cs typeface="+mn-cs"/>
               </a:rPr>
-              <a:t>에서 카카오톡</a:t>
+              <a:t>에서 스마트폰의 </a:t>
+            </a:r>
+            <a:r>
+              <a:rPr lang="ko-KR" altLang="en-US" sz="1200" kern="1200" dirty="0" err="1" smtClean="0">
+                <a:solidFill>
+                  <a:schemeClr val="tx1"/>
+                </a:solidFill>
+                <a:latin typeface="Arial" charset="0"/>
+                <a:ea typeface="+mn-ea"/>
+                <a:cs typeface="+mn-cs"/>
+              </a:rPr>
+              <a:t>카카오톡</a:t>
             </a:r>
             <a:r>
               <a:rPr lang="en-US" altLang="ko-KR" sz="1200" kern="1200" dirty="0" smtClean="0">
@@ -1618,7 +1629,7 @@
                 <a:ea typeface="+mn-ea"/>
                 <a:cs typeface="+mn-cs"/>
               </a:rPr>
-              <a:t>문자메시지</a:t>
+              <a:t>문자메시지를 사용할 수 있습니다</a:t>
             </a:r>
             <a:r>
               <a:rPr lang="en-US" altLang="ko-KR" sz="1200" kern="1200" dirty="0" smtClean="0">
@@ -1629,7 +1640,7 @@
                 <a:ea typeface="+mn-ea"/>
                 <a:cs typeface="+mn-cs"/>
               </a:rPr>
-              <a:t>, </a:t>
+              <a:t>. </a:t>
             </a:r>
             <a:r>
               <a:rPr lang="ko-KR" altLang="en-US" sz="1200" kern="1200" dirty="0" smtClean="0">
@@ -1640,7 +1651,7 @@
                 <a:ea typeface="+mn-ea"/>
                 <a:cs typeface="+mn-cs"/>
               </a:rPr>
-              <a:t>카메라를 사용하는 서비스를 만들 수 있고</a:t>
+              <a:t>그리고</a:t>
             </a:r>
             <a:r>
               <a:rPr lang="en-US" altLang="ko-KR" sz="1200" kern="1200" dirty="0" smtClean="0">
@@ -1651,7 +1662,62 @@
                 <a:ea typeface="+mn-ea"/>
                 <a:cs typeface="+mn-cs"/>
               </a:rPr>
-              <a:t>, </a:t>
+              <a:t> </a:t>
+            </a:r>
+            <a:r>
+              <a:rPr lang="ko-KR" altLang="en-US" sz="1200" kern="1200" dirty="0" smtClean="0">
+                <a:solidFill>
+                  <a:schemeClr val="tx1"/>
+                </a:solidFill>
+                <a:latin typeface="Arial" charset="0"/>
+                <a:ea typeface="+mn-ea"/>
+                <a:cs typeface="+mn-cs"/>
+              </a:rPr>
+              <a:t>카메라로 찍은 사진을 바로 </a:t>
+            </a:r>
+            <a:r>
+              <a:rPr lang="en-US" altLang="ko-KR" sz="1200" kern="1200" dirty="0" smtClean="0">
+                <a:solidFill>
+                  <a:schemeClr val="tx1"/>
+                </a:solidFill>
+                <a:latin typeface="Arial" charset="0"/>
+                <a:ea typeface="+mn-ea"/>
+                <a:cs typeface="+mn-cs"/>
+              </a:rPr>
+              <a:t>PC</a:t>
+            </a:r>
+            <a:r>
+              <a:rPr lang="ko-KR" altLang="en-US" sz="1200" kern="1200" dirty="0" smtClean="0">
+                <a:solidFill>
+                  <a:schemeClr val="tx1"/>
+                </a:solidFill>
+                <a:latin typeface="Arial" charset="0"/>
+                <a:ea typeface="+mn-ea"/>
+                <a:cs typeface="+mn-cs"/>
+              </a:rPr>
+              <a:t>에 저장하는 서비스를 만들 수 있고</a:t>
+            </a:r>
+            <a:r>
+              <a:rPr lang="en-US" altLang="ko-KR" sz="1200" kern="1200" dirty="0" smtClean="0">
+                <a:solidFill>
+                  <a:schemeClr val="tx1"/>
+                </a:solidFill>
+                <a:latin typeface="Arial" charset="0"/>
+                <a:ea typeface="+mn-ea"/>
+                <a:cs typeface="+mn-cs"/>
+              </a:rPr>
+              <a:t>,</a:t>
+            </a:r>
+            <a:r>
+              <a:rPr lang="ko-KR" altLang="en-US" sz="1200" kern="1200" dirty="0" smtClean="0">
+                <a:solidFill>
+                  <a:schemeClr val="tx1"/>
+                </a:solidFill>
+                <a:latin typeface="Arial" charset="0"/>
+                <a:ea typeface="+mn-ea"/>
+                <a:cs typeface="+mn-cs"/>
+              </a:rPr>
+              <a:t> </a:t>
             </a:r>
             <a:r>
               <a:rPr lang="ko-KR" altLang="en-US" sz="1200" kern="1200" dirty="0" err="1" smtClean="0">
@@ -1695,7 +1761,7 @@
                 <a:ea typeface="+mn-ea"/>
                 <a:cs typeface="+mn-cs"/>
               </a:rPr>
-              <a:t>이 외에도 스마트폰의 수 많은 다른 기능들도 </a:t>
+              <a:t>이 외에도 스마트폰의 수 많은 다른 기능들을 </a:t>
             </a:r>
             <a:r>
               <a:rPr lang="en-US" altLang="ko-KR" sz="1200" kern="1200" dirty="0" smtClean="0">
@@ -1947,7 +2013,7 @@
                 <a:ea typeface="+mn-ea"/>
                 <a:cs typeface="+mn-cs"/>
               </a:rPr>
-              <a:t>서비스와 </a:t>
+              <a:t>어플리케이션과 </a:t>
             </a:r>
             <a:r>
               <a:rPr lang="ko-KR" altLang="en-US" sz="1200" kern="1200" dirty="0" err="1" smtClean="0">
@@ -2203,6 +2269,17 @@
               <a:defRPr/>
             </a:pPr>
             <a:r>
+              <a:rPr lang="en-US" altLang="ko-KR" sz="1200" kern="1200" dirty="0" err="1" smtClean="0">
+                <a:solidFill>
+                  <a:schemeClr val="tx1"/>
+                </a:solidFill>
+                <a:latin typeface="Arial" charset="0"/>
+                <a:ea typeface="+mn-ea"/>
+                <a:cs typeface="+mn-cs"/>
+              </a:rPr>
+              <a:t>KatalkPCLinker</a:t>
+            </a:r>
+            <a:r>
               <a:rPr lang="ko-KR" altLang="en-US" sz="1200" kern="1200" dirty="0" smtClean="0">
                 <a:solidFill>
                   <a:schemeClr val="tx1"/>
@@ -2211,10 +2288,87 @@
                 <a:ea typeface="+mn-ea"/>
                 <a:cs typeface="+mn-cs"/>
               </a:rPr>
-              <a:t>왼쪽이 </a:t>
-            </a:r>
-            <a:r>
-              <a:rPr lang="en-US" altLang="ko-KR" sz="1200" kern="1200" dirty="0" err="1" smtClean="0">
+              <a:t>로 </a:t>
+            </a:r>
+            <a:r>
+              <a:rPr lang="en-US" altLang="ko-KR" sz="1200" kern="1200" baseline="0" dirty="0" smtClean="0">
+                <a:solidFill>
+                  <a:schemeClr val="tx1"/>
+                </a:solidFill>
+                <a:latin typeface="Arial" charset="0"/>
+                <a:ea typeface="+mn-ea"/>
+                <a:cs typeface="+mn-cs"/>
+              </a:rPr>
+              <a:t>PC</a:t>
+            </a:r>
+            <a:r>
+              <a:rPr lang="ko-KR" altLang="en-US" sz="1200" kern="1200" baseline="0" dirty="0" smtClean="0">
+                <a:solidFill>
+                  <a:schemeClr val="tx1"/>
+                </a:solidFill>
+                <a:latin typeface="Arial" charset="0"/>
+                <a:ea typeface="+mn-ea"/>
+                <a:cs typeface="+mn-cs"/>
+              </a:rPr>
+              <a:t>에서 카카오톡을 실행할 수 있고</a:t>
+            </a:r>
+            <a:r>
+              <a:rPr lang="en-US" altLang="ko-KR" sz="1200" kern="1200" baseline="0" dirty="0" smtClean="0">
+                <a:solidFill>
+                  <a:schemeClr val="tx1"/>
+                </a:solidFill>
+                <a:latin typeface="Arial" charset="0"/>
+                <a:ea typeface="+mn-ea"/>
+                <a:cs typeface="+mn-cs"/>
+              </a:rPr>
+              <a:t>, </a:t>
+            </a:r>
+            <a:r>
+              <a:rPr lang="ko-KR" altLang="en-US" sz="1200" kern="1200" baseline="0" dirty="0" smtClean="0">
+                <a:solidFill>
+                  <a:schemeClr val="tx1"/>
+                </a:solidFill>
+                <a:latin typeface="Arial" charset="0"/>
+                <a:ea typeface="+mn-ea"/>
+                <a:cs typeface="+mn-cs"/>
+              </a:rPr>
+              <a:t>키보드 조작을 통해 대화상대를 선택하고 대화를 전송 할 수 있습니다</a:t>
+            </a:r>
+            <a:r>
+              <a:rPr lang="en-US" altLang="ko-KR" sz="1200" kern="1200" baseline="0" dirty="0" smtClean="0">
+                <a:solidFill>
+                  <a:schemeClr val="tx1"/>
+                </a:solidFill>
+                <a:latin typeface="Arial" charset="0"/>
+                <a:ea typeface="+mn-ea"/>
+                <a:cs typeface="+mn-cs"/>
+              </a:rPr>
+              <a:t>. </a:t>
+            </a:r>
+            <a:r>
+              <a:rPr lang="ko-KR" altLang="en-US" sz="1200" kern="1200" baseline="0" dirty="0" err="1" smtClean="0">
+                <a:solidFill>
+                  <a:schemeClr val="tx1"/>
+                </a:solidFill>
+                <a:latin typeface="Arial" charset="0"/>
+                <a:ea typeface="+mn-ea"/>
+                <a:cs typeface="+mn-cs"/>
+              </a:rPr>
+              <a:t>카카오톡</a:t>
+            </a:r>
+            <a:r>
+              <a:rPr lang="ko-KR" altLang="en-US" sz="1200" kern="1200" baseline="0" dirty="0" smtClean="0">
+                <a:solidFill>
+                  <a:schemeClr val="tx1"/>
+                </a:solidFill>
+                <a:latin typeface="Arial" charset="0"/>
+                <a:ea typeface="+mn-ea"/>
+                <a:cs typeface="+mn-cs"/>
+              </a:rPr>
+              <a:t> 이미지 부분에 영상을 출력하는데 </a:t>
+            </a:r>
+            <a:r>
+              <a:rPr lang="en-US" altLang="ko-KR" sz="1200" kern="1200" baseline="0" dirty="0" err="1" smtClean="0">
                 <a:solidFill>
                   <a:schemeClr val="tx1"/>
                 </a:solidFill>
@@ -2225,6 +2379,28 @@
               <a:t>KatalkPCLinker</a:t>
             </a:r>
             <a:r>
+              <a:rPr lang="ko-KR" altLang="en-US" sz="1200" kern="1200" baseline="0" dirty="0" smtClean="0">
+                <a:solidFill>
+                  <a:schemeClr val="tx1"/>
+                </a:solidFill>
+                <a:latin typeface="Arial" charset="0"/>
+                <a:ea typeface="+mn-ea"/>
+                <a:cs typeface="+mn-cs"/>
+              </a:rPr>
+              <a:t>는 </a:t>
+            </a:r>
+            <a:r>
+              <a:rPr lang="en-US" altLang="ko-KR" sz="1200" kern="1200" dirty="0" smtClean="0">
+                <a:solidFill>
+                  <a:schemeClr val="tx1"/>
+                </a:solidFill>
+                <a:latin typeface="Arial" charset="0"/>
+                <a:ea typeface="+mn-ea"/>
+                <a:cs typeface="+mn-cs"/>
+              </a:rPr>
+              <a:t>USB</a:t>
+            </a:r>
+            <a:r>
               <a:rPr lang="ko-KR" altLang="en-US" sz="1200" kern="1200" dirty="0" smtClean="0">
                 <a:solidFill>
                   <a:schemeClr val="tx1"/>
@@ -2233,10 +2409,70 @@
                 <a:ea typeface="+mn-ea"/>
                 <a:cs typeface="+mn-cs"/>
               </a:rPr>
-              <a:t>의 </a:t>
-            </a:r>
-            <a:r>
-              <a:rPr lang="en-US" altLang="ko-KR" sz="1200" kern="1200" dirty="0" smtClean="0">
+              <a:t>카메라로 인식돼서 </a:t>
+            </a:r>
+            <a:r>
+              <a:rPr lang="ko-KR" altLang="en-US" sz="1200" kern="1200" baseline="0" dirty="0" smtClean="0">
+                <a:solidFill>
+                  <a:schemeClr val="tx1"/>
+                </a:solidFill>
+                <a:latin typeface="Arial" charset="0"/>
+                <a:ea typeface="+mn-ea"/>
+                <a:cs typeface="+mn-cs"/>
+              </a:rPr>
+              <a:t>스마</a:t>
+            </a:r>
+            <a:endParaRPr lang="en-US" altLang="ko-KR" sz="1200" kern="1200" baseline="0" dirty="0" smtClean="0">
+              <a:solidFill>
+                <a:schemeClr val="tx1"/>
+              </a:solidFill>
+              <a:latin typeface="Arial" charset="0"/>
+              <a:ea typeface="+mn-ea"/>
+              <a:cs typeface="+mn-cs"/>
+            </a:endParaRPr>
+          </a:p>
+          <a:p>
+            <a:pPr marL="0" marR="0" indent="0" algn="just" defTabSz="914400" rtl="0" eaLnBrk="1" fontAlgn="base" latinLnBrk="0" hangingPunct="1">
+              <a:lnSpc>
+                <a:spcPct val="100000"/>
+              </a:lnSpc>
+              <a:spcBef>
+                <a:spcPct val="30000"/>
+              </a:spcBef>
+              <a:spcAft>
+                <a:spcPct val="0"/>
+              </a:spcAft>
+              <a:buClrTx/>
+              <a:buSzTx/>
+              <a:buFontTx/>
+              <a:buNone/>
+              <a:tabLst/>
+              <a:defRPr/>
+            </a:pPr>
+            <a:r>
+              <a:rPr lang="ko-KR" altLang="en-US" sz="1200" kern="1200" baseline="0" dirty="0" err="1" smtClean="0">
+                <a:solidFill>
+                  <a:schemeClr val="tx1"/>
+                </a:solidFill>
+                <a:latin typeface="Arial" charset="0"/>
+                <a:ea typeface="+mn-ea"/>
+                <a:cs typeface="+mn-cs"/>
+              </a:rPr>
+              <a:t>트폰의</a:t>
+            </a:r>
+            <a:r>
+              <a:rPr lang="ko-KR" altLang="en-US" sz="1200" kern="1200" baseline="0" dirty="0" smtClean="0">
+                <a:solidFill>
+                  <a:schemeClr val="tx1"/>
+                </a:solidFill>
+                <a:latin typeface="Arial" charset="0"/>
+                <a:ea typeface="+mn-ea"/>
+                <a:cs typeface="+mn-cs"/>
+              </a:rPr>
+              <a:t> 지나가는 모든 화면을 </a:t>
+            </a:r>
+            <a:r>
+              <a:rPr lang="en-US" altLang="ko-KR" sz="1200" kern="1200" baseline="0" dirty="0" smtClean="0">
                 <a:solidFill>
                   <a:schemeClr val="tx1"/>
                 </a:solidFill>
@@ -2247,26 +2483,15 @@
               <a:t>PC</a:t>
             </a:r>
             <a:r>
-              <a:rPr lang="ko-KR" altLang="en-US" sz="1200" kern="1200" dirty="0" smtClean="0">
-                <a:solidFill>
-                  <a:schemeClr val="tx1"/>
-                </a:solidFill>
-                <a:latin typeface="Arial" charset="0"/>
-                <a:ea typeface="+mn-ea"/>
-                <a:cs typeface="+mn-cs"/>
-              </a:rPr>
-              <a:t>용 어플리케이션의 모습이고</a:t>
-            </a:r>
-            <a:r>
-              <a:rPr lang="en-US" altLang="ko-KR" sz="1200" kern="1200" dirty="0" smtClean="0">
-                <a:solidFill>
-                  <a:schemeClr val="tx1"/>
-                </a:solidFill>
-                <a:latin typeface="Arial" charset="0"/>
-                <a:ea typeface="+mn-ea"/>
-                <a:cs typeface="+mn-cs"/>
-              </a:rPr>
-              <a:t>,</a:t>
+              <a:rPr lang="ko-KR" altLang="en-US" sz="1200" kern="1200" baseline="0" dirty="0" smtClean="0">
+                <a:solidFill>
+                  <a:schemeClr val="tx1"/>
+                </a:solidFill>
+                <a:latin typeface="Arial" charset="0"/>
+                <a:ea typeface="+mn-ea"/>
+                <a:cs typeface="+mn-cs"/>
+              </a:rPr>
+              <a:t>에서 </a:t>
             </a:r>
             <a:r>
               <a:rPr lang="en-US" altLang="ko-KR" sz="1200" kern="1200" baseline="0" dirty="0" smtClean="0">
@@ -2277,7 +2502,7 @@
                 <a:ea typeface="+mn-ea"/>
                 <a:cs typeface="+mn-cs"/>
               </a:rPr>
-              <a:t> </a:t>
+              <a:t>USB</a:t>
             </a:r>
             <a:r>
               <a:rPr lang="ko-KR" altLang="en-US" sz="1200" kern="1200" baseline="0" dirty="0" smtClean="0">
@@ -2288,172 +2513,7 @@
                 <a:ea typeface="+mn-ea"/>
                 <a:cs typeface="+mn-cs"/>
               </a:rPr>
-              <a:t>오른쪽이 </a:t>
-            </a:r>
-            <a:r>
-              <a:rPr lang="ko-KR" altLang="en-US" sz="1200" kern="1200" baseline="0" dirty="0" err="1" smtClean="0">
-                <a:solidFill>
-                  <a:schemeClr val="tx1"/>
-                </a:solidFill>
-                <a:latin typeface="Arial" charset="0"/>
-                <a:ea typeface="+mn-ea"/>
-                <a:cs typeface="+mn-cs"/>
-              </a:rPr>
-              <a:t>스마트폰</a:t>
-            </a:r>
-            <a:r>
-              <a:rPr lang="ko-KR" altLang="en-US" sz="1200" kern="1200" baseline="0" dirty="0" smtClean="0">
-                <a:solidFill>
-                  <a:schemeClr val="tx1"/>
-                </a:solidFill>
-                <a:latin typeface="Arial" charset="0"/>
-                <a:ea typeface="+mn-ea"/>
-                <a:cs typeface="+mn-cs"/>
-              </a:rPr>
-              <a:t> 어플리케이션의 모습입니다</a:t>
-            </a:r>
-            <a:r>
-              <a:rPr lang="en-US" altLang="ko-KR" sz="1200" kern="1200" baseline="0" dirty="0" smtClean="0">
-                <a:solidFill>
-                  <a:schemeClr val="tx1"/>
-                </a:solidFill>
-                <a:latin typeface="Arial" charset="0"/>
-                <a:ea typeface="+mn-ea"/>
-                <a:cs typeface="+mn-cs"/>
-              </a:rPr>
-              <a:t>. PC</a:t>
-            </a:r>
-            <a:r>
-              <a:rPr lang="ko-KR" altLang="en-US" sz="1200" kern="1200" baseline="0" dirty="0" smtClean="0">
-                <a:solidFill>
-                  <a:schemeClr val="tx1"/>
-                </a:solidFill>
-                <a:latin typeface="Arial" charset="0"/>
-                <a:ea typeface="+mn-ea"/>
-                <a:cs typeface="+mn-cs"/>
-              </a:rPr>
-              <a:t>에서 스마트폰에 연결하면 </a:t>
-            </a:r>
-            <a:r>
-              <a:rPr lang="ko-KR" altLang="en-US" sz="1200" kern="1200" baseline="0" dirty="0" err="1" smtClean="0">
-                <a:solidFill>
-                  <a:schemeClr val="tx1"/>
-                </a:solidFill>
-                <a:latin typeface="Arial" charset="0"/>
-                <a:ea typeface="+mn-ea"/>
-                <a:cs typeface="+mn-cs"/>
-              </a:rPr>
-              <a:t>카카오톡을</a:t>
-            </a:r>
-            <a:r>
-              <a:rPr lang="ko-KR" altLang="en-US" sz="1200" kern="1200" baseline="0" dirty="0" smtClean="0">
-                <a:solidFill>
-                  <a:schemeClr val="tx1"/>
-                </a:solidFill>
-                <a:latin typeface="Arial" charset="0"/>
-                <a:ea typeface="+mn-ea"/>
-                <a:cs typeface="+mn-cs"/>
-              </a:rPr>
-              <a:t> 실행할 수 있고</a:t>
-            </a:r>
-            <a:r>
-              <a:rPr lang="en-US" altLang="ko-KR" sz="1200" kern="1200" baseline="0" dirty="0" smtClean="0">
-                <a:solidFill>
-                  <a:schemeClr val="tx1"/>
-                </a:solidFill>
-                <a:latin typeface="Arial" charset="0"/>
-                <a:ea typeface="+mn-ea"/>
-                <a:cs typeface="+mn-cs"/>
-              </a:rPr>
-              <a:t>, </a:t>
-            </a:r>
-            <a:r>
-              <a:rPr lang="ko-KR" altLang="en-US" sz="1200" kern="1200" baseline="0" dirty="0" smtClean="0">
-                <a:solidFill>
-                  <a:schemeClr val="tx1"/>
-                </a:solidFill>
-                <a:latin typeface="Arial" charset="0"/>
-                <a:ea typeface="+mn-ea"/>
-                <a:cs typeface="+mn-cs"/>
-              </a:rPr>
-              <a:t>키보드 조작을 통해 대화상대를 선택하고 대화를 전송 할 수 있습니다</a:t>
-            </a:r>
-            <a:r>
-              <a:rPr lang="en-US" altLang="ko-KR" sz="1200" kern="1200" baseline="0" dirty="0" smtClean="0">
-                <a:solidFill>
-                  <a:schemeClr val="tx1"/>
-                </a:solidFill>
-                <a:latin typeface="Arial" charset="0"/>
-                <a:ea typeface="+mn-ea"/>
-                <a:cs typeface="+mn-cs"/>
-              </a:rPr>
-              <a:t>. </a:t>
-            </a:r>
-            <a:r>
-              <a:rPr lang="ko-KR" altLang="en-US" sz="1200" kern="1200" baseline="0" dirty="0" err="1" smtClean="0">
-                <a:solidFill>
-                  <a:schemeClr val="tx1"/>
-                </a:solidFill>
-                <a:latin typeface="Arial" charset="0"/>
-                <a:ea typeface="+mn-ea"/>
-                <a:cs typeface="+mn-cs"/>
-              </a:rPr>
-              <a:t>카카오톡</a:t>
-            </a:r>
-            <a:r>
-              <a:rPr lang="ko-KR" altLang="en-US" sz="1200" kern="1200" baseline="0" dirty="0" smtClean="0">
-                <a:solidFill>
-                  <a:schemeClr val="tx1"/>
-                </a:solidFill>
-                <a:latin typeface="Arial" charset="0"/>
-                <a:ea typeface="+mn-ea"/>
-                <a:cs typeface="+mn-cs"/>
-              </a:rPr>
-              <a:t> 이미지가 있는 부분에 </a:t>
-            </a:r>
-            <a:r>
-              <a:rPr lang="ko-KR" altLang="en-US" sz="1200" kern="1200" baseline="0" dirty="0" err="1" smtClean="0">
-                <a:solidFill>
-                  <a:schemeClr val="tx1"/>
-                </a:solidFill>
-                <a:latin typeface="Arial" charset="0"/>
-                <a:ea typeface="+mn-ea"/>
-                <a:cs typeface="+mn-cs"/>
-              </a:rPr>
-              <a:t>스마트폰의</a:t>
-            </a:r>
-            <a:r>
-              <a:rPr lang="ko-KR" altLang="en-US" sz="1200" kern="1200" baseline="0" dirty="0" smtClean="0">
-                <a:solidFill>
-                  <a:schemeClr val="tx1"/>
-                </a:solidFill>
-                <a:latin typeface="Arial" charset="0"/>
-                <a:ea typeface="+mn-ea"/>
-                <a:cs typeface="+mn-cs"/>
-              </a:rPr>
-              <a:t> </a:t>
-            </a:r>
-            <a:r>
-              <a:rPr lang="ko-KR" altLang="en-US" sz="1200" kern="1200" baseline="0" dirty="0" err="1" smtClean="0">
-                <a:solidFill>
-                  <a:schemeClr val="tx1"/>
-                </a:solidFill>
-                <a:latin typeface="Arial" charset="0"/>
-                <a:ea typeface="+mn-ea"/>
-                <a:cs typeface="+mn-cs"/>
-              </a:rPr>
-              <a:t>캡쳐된</a:t>
-            </a:r>
-            <a:r>
-              <a:rPr lang="ko-KR" altLang="en-US" sz="1200" kern="1200" baseline="0" dirty="0" smtClean="0">
-                <a:solidFill>
-                  <a:schemeClr val="tx1"/>
-                </a:solidFill>
-                <a:latin typeface="Arial" charset="0"/>
-                <a:ea typeface="+mn-ea"/>
-                <a:cs typeface="+mn-cs"/>
-              </a:rPr>
-              <a:t> 화면을 볼 수 있습니다</a:t>
+              <a:t>카메라 영상처럼 볼 수 있습니다</a:t>
             </a:r>
             <a:r>
               <a:rPr lang="en-US" altLang="ko-KR" sz="1200" kern="1200" baseline="0" dirty="0" smtClean="0">
@@ -2632,6 +2692,17 @@
               <a:t>. </a:t>
             </a:r>
             <a:r>
+              <a:rPr lang="ko-KR" altLang="en-US" sz="1200" kern="1200" dirty="0" err="1" smtClean="0">
+                <a:solidFill>
+                  <a:schemeClr val="tx1"/>
+                </a:solidFill>
+                <a:latin typeface="Arial" charset="0"/>
+                <a:ea typeface="+mn-ea"/>
+                <a:cs typeface="+mn-cs"/>
+              </a:rPr>
+              <a:t>스마트폰</a:t>
+            </a:r>
+            <a:r>
               <a:rPr lang="ko-KR" altLang="en-US" sz="1200" kern="1200" dirty="0" smtClean="0">
                 <a:solidFill>
                   <a:schemeClr val="tx1"/>
@@ -2640,7 +2711,51 @@
                 <a:ea typeface="+mn-ea"/>
                 <a:cs typeface="+mn-cs"/>
               </a:rPr>
-              <a:t>스마트폰 화면은 </a:t>
+              <a:t> 화면은</a:t>
+            </a:r>
+            <a:r>
+              <a:rPr lang="en-US" altLang="ko-KR" sz="1200" kern="1200" dirty="0" smtClean="0">
+                <a:solidFill>
+                  <a:schemeClr val="tx1"/>
+                </a:solidFill>
+                <a:latin typeface="Arial" charset="0"/>
+                <a:ea typeface="+mn-ea"/>
+                <a:cs typeface="+mn-cs"/>
+              </a:rPr>
+              <a:t> PC</a:t>
+            </a:r>
+            <a:r>
+              <a:rPr lang="ko-KR" altLang="en-US" sz="1200" kern="1200" dirty="0" smtClean="0">
+                <a:solidFill>
+                  <a:schemeClr val="tx1"/>
+                </a:solidFill>
+                <a:latin typeface="Arial" charset="0"/>
+                <a:ea typeface="+mn-ea"/>
+                <a:cs typeface="+mn-cs"/>
+              </a:rPr>
+              <a:t>에서 </a:t>
+            </a:r>
+            <a:r>
+              <a:rPr lang="en-US" altLang="ko-KR" sz="1200" kern="1200" dirty="0" smtClean="0">
+                <a:solidFill>
+                  <a:schemeClr val="tx1"/>
+                </a:solidFill>
+                <a:latin typeface="Arial" charset="0"/>
+                <a:ea typeface="+mn-ea"/>
+                <a:cs typeface="+mn-cs"/>
+              </a:rPr>
+              <a:t>USB</a:t>
+            </a:r>
+            <a:r>
+              <a:rPr lang="ko-KR" altLang="en-US" sz="1200" kern="1200" dirty="0" smtClean="0">
+                <a:solidFill>
+                  <a:schemeClr val="tx1"/>
+                </a:solidFill>
+                <a:latin typeface="Arial" charset="0"/>
+                <a:ea typeface="+mn-ea"/>
+                <a:cs typeface="+mn-cs"/>
+              </a:rPr>
+              <a:t>카메라 장치로 인식돼서 </a:t>
             </a:r>
             <a:r>
               <a:rPr lang="ko-KR" altLang="en-US" sz="1200" kern="1200" dirty="0" err="1" smtClean="0">
@@ -2651,7 +2766,7 @@
                 <a:ea typeface="+mn-ea"/>
                 <a:cs typeface="+mn-cs"/>
               </a:rPr>
-              <a:t>캡쳐</a:t>
+              <a:t>스마트폰의</a:t>
             </a:r>
             <a:r>
               <a:rPr lang="ko-KR" altLang="en-US" sz="1200" kern="1200" dirty="0" smtClean="0">
@@ -2662,51 +2777,7 @@
                 <a:ea typeface="+mn-ea"/>
                 <a:cs typeface="+mn-cs"/>
               </a:rPr>
-              <a:t> 해서 </a:t>
-            </a:r>
-            <a:r>
-              <a:rPr lang="en-US" altLang="ko-KR" sz="1200" kern="1200" dirty="0" smtClean="0">
-                <a:solidFill>
-                  <a:schemeClr val="tx1"/>
-                </a:solidFill>
-                <a:latin typeface="Arial" charset="0"/>
-                <a:ea typeface="+mn-ea"/>
-                <a:cs typeface="+mn-cs"/>
-              </a:rPr>
-              <a:t>PC</a:t>
-            </a:r>
-            <a:r>
-              <a:rPr lang="ko-KR" altLang="en-US" sz="1200" kern="1200" dirty="0" smtClean="0">
-                <a:solidFill>
-                  <a:schemeClr val="tx1"/>
-                </a:solidFill>
-                <a:latin typeface="Arial" charset="0"/>
-                <a:ea typeface="+mn-ea"/>
-                <a:cs typeface="+mn-cs"/>
-              </a:rPr>
-              <a:t>로 전송하는데</a:t>
-            </a:r>
-            <a:r>
-              <a:rPr lang="en-US" altLang="ko-KR" sz="1200" kern="1200" dirty="0" smtClean="0">
-                <a:solidFill>
-                  <a:schemeClr val="tx1"/>
-                </a:solidFill>
-                <a:latin typeface="Arial" charset="0"/>
-                <a:ea typeface="+mn-ea"/>
-                <a:cs typeface="+mn-cs"/>
-              </a:rPr>
-              <a:t>, PC</a:t>
-            </a:r>
-            <a:r>
-              <a:rPr lang="ko-KR" altLang="en-US" sz="1200" kern="1200" dirty="0" smtClean="0">
-                <a:solidFill>
-                  <a:schemeClr val="tx1"/>
-                </a:solidFill>
-                <a:latin typeface="Arial" charset="0"/>
-                <a:ea typeface="+mn-ea"/>
-                <a:cs typeface="+mn-cs"/>
-              </a:rPr>
-              <a:t>에서 카메라 장치로 인식하고 화면을 볼 수 있게 됩니다</a:t>
+              <a:t> 움직이는 모든 화면을 볼 수 있게 됩니다</a:t>
             </a:r>
             <a:r>
               <a:rPr lang="en-US" altLang="ko-KR" sz="1200" kern="1200" dirty="0" smtClean="0">
@@ -2851,11 +2922,7 @@
             </a:r>
             <a:r>
               <a:rPr lang="ko-KR" altLang="en-US" dirty="0" smtClean="0"/>
-              <a:t>의 </a:t>
-            </a:r>
-            <a:r>
-              <a:rPr lang="ko-KR" altLang="en-US" dirty="0" smtClean="0"/>
-              <a:t>화면입니다</a:t>
+              <a:t>의 화면입니다</a:t>
             </a:r>
             <a:r>
               <a:rPr lang="en-US" altLang="ko-KR" dirty="0" smtClean="0"/>
@@ -2887,15 +2954,7 @@
             </a:r>
             <a:r>
               <a:rPr lang="ko-KR" altLang="en-US" baseline="0" dirty="0" smtClean="0"/>
-              <a:t> 어플리케이션을 통한 조작으로 </a:t>
-            </a:r>
-            <a:r>
-              <a:rPr lang="ko-KR" altLang="en-US" baseline="0" dirty="0" smtClean="0"/>
-              <a:t>터치패드로 </a:t>
-            </a:r>
-            <a:r>
-              <a:rPr lang="ko-KR" altLang="en-US" baseline="0" dirty="0" smtClean="0"/>
-              <a:t>사용할 수 있습니다</a:t>
+              <a:t> 어플리케이션을 통한 조작으로 터치패드로 사용할 수 있습니다</a:t>
             </a:r>
             <a:r>
               <a:rPr lang="en-US" altLang="ko-KR" baseline="0" dirty="0" smtClean="0"/>
@@ -3083,18 +3142,7 @@
                 <a:ea typeface="+mn-ea"/>
                 <a:cs typeface="+mn-cs"/>
               </a:rPr>
-              <a:t>어플리케이션의 </a:t>
-            </a:r>
-            <a:r>
-              <a:rPr lang="ko-KR" altLang="en-US" sz="1200" kern="1200" dirty="0" smtClean="0">
-                <a:solidFill>
-                  <a:schemeClr val="tx1"/>
-                </a:solidFill>
-                <a:latin typeface="Arial" charset="0"/>
-                <a:ea typeface="+mn-ea"/>
-                <a:cs typeface="+mn-cs"/>
-              </a:rPr>
-              <a:t>구조입니다</a:t>
+              <a:t>어플리케이션의 구조입니다</a:t>
             </a:r>
             <a:r>
               <a:rPr lang="en-US" altLang="ko-KR" sz="1200" kern="1200" dirty="0" smtClean="0">
@@ -3436,6 +3484,50 @@
               <a:defRPr/>
             </a:pPr>
             <a:r>
+              <a:rPr lang="ko-KR" altLang="ko-KR" sz="1200" kern="1200" dirty="0" smtClean="0">
+                <a:solidFill>
+                  <a:schemeClr val="tx1"/>
+                </a:solidFill>
+                <a:latin typeface="Arial" charset="0"/>
+                <a:ea typeface="+mn-ea"/>
+                <a:cs typeface="+mn-cs"/>
+              </a:rPr>
+              <a:t>차트에서 볼 수 있듯이 </a:t>
+            </a:r>
+            <a:r>
+              <a:rPr lang="ko-KR" altLang="ko-KR" sz="1200" kern="1200" dirty="0" err="1" smtClean="0">
+                <a:solidFill>
+                  <a:schemeClr val="tx1"/>
+                </a:solidFill>
+                <a:latin typeface="Arial" charset="0"/>
+                <a:ea typeface="+mn-ea"/>
+                <a:cs typeface="+mn-cs"/>
+              </a:rPr>
+              <a:t>스마트폰</a:t>
+            </a:r>
+            <a:r>
+              <a:rPr lang="ko-KR" altLang="ko-KR" sz="1200" kern="1200" dirty="0" smtClean="0">
+                <a:solidFill>
+                  <a:schemeClr val="tx1"/>
+                </a:solidFill>
+                <a:latin typeface="Arial" charset="0"/>
+                <a:ea typeface="+mn-ea"/>
+                <a:cs typeface="+mn-cs"/>
+              </a:rPr>
+              <a:t> 사용자 수가 매년 증가하고 있습니다</a:t>
+            </a:r>
+            <a:r>
+              <a:rPr lang="en-US" altLang="ko-KR" sz="1200" kern="1200" dirty="0" smtClean="0">
+                <a:solidFill>
+                  <a:schemeClr val="tx1"/>
+                </a:solidFill>
+                <a:latin typeface="Arial" charset="0"/>
+                <a:ea typeface="+mn-ea"/>
+                <a:cs typeface="+mn-cs"/>
+              </a:rPr>
+              <a:t>. </a:t>
+            </a:r>
+            <a:r>
               <a:rPr lang="ko-KR" altLang="en-US" sz="1200" kern="1200" dirty="0" smtClean="0">
                 <a:solidFill>
                   <a:schemeClr val="tx1"/>
@@ -3444,7 +3536,106 @@
                 <a:ea typeface="+mn-ea"/>
                 <a:cs typeface="+mn-cs"/>
               </a:rPr>
-              <a:t>왼쪽 </a:t>
+              <a:t>제조사들도 </a:t>
+            </a:r>
+            <a:r>
+              <a:rPr lang="ko-KR" altLang="en-US" sz="1200" kern="1200" dirty="0" err="1" smtClean="0">
+                <a:solidFill>
+                  <a:schemeClr val="tx1"/>
+                </a:solidFill>
+                <a:latin typeface="Arial" charset="0"/>
+                <a:ea typeface="+mn-ea"/>
+                <a:cs typeface="+mn-cs"/>
+              </a:rPr>
+              <a:t>피쳐폰</a:t>
+            </a:r>
+            <a:r>
+              <a:rPr lang="ko-KR" altLang="en-US" sz="1200" kern="1200" dirty="0" smtClean="0">
+                <a:solidFill>
+                  <a:schemeClr val="tx1"/>
+                </a:solidFill>
+                <a:latin typeface="Arial" charset="0"/>
+                <a:ea typeface="+mn-ea"/>
+                <a:cs typeface="+mn-cs"/>
+              </a:rPr>
+              <a:t> 생산을 줄이고</a:t>
+            </a:r>
+            <a:r>
+              <a:rPr lang="en-US" altLang="ko-KR" sz="1200" kern="1200" dirty="0" smtClean="0">
+                <a:solidFill>
+                  <a:schemeClr val="tx1"/>
+                </a:solidFill>
+                <a:latin typeface="Arial" charset="0"/>
+                <a:ea typeface="+mn-ea"/>
+                <a:cs typeface="+mn-cs"/>
+              </a:rPr>
+              <a:t>, </a:t>
+            </a:r>
+            <a:r>
+              <a:rPr lang="ko-KR" altLang="en-US" sz="1200" kern="1200" dirty="0" err="1" smtClean="0">
+                <a:solidFill>
+                  <a:schemeClr val="tx1"/>
+                </a:solidFill>
+                <a:latin typeface="Arial" charset="0"/>
+                <a:ea typeface="+mn-ea"/>
+                <a:cs typeface="+mn-cs"/>
+              </a:rPr>
+              <a:t>스마트폰</a:t>
+            </a:r>
+            <a:r>
+              <a:rPr lang="ko-KR" altLang="en-US" sz="1200" kern="1200" dirty="0" smtClean="0">
+                <a:solidFill>
+                  <a:schemeClr val="tx1"/>
+                </a:solidFill>
+                <a:latin typeface="Arial" charset="0"/>
+                <a:ea typeface="+mn-ea"/>
+                <a:cs typeface="+mn-cs"/>
+              </a:rPr>
+              <a:t> 위주로 생산하는 추세라 앞으로 </a:t>
+            </a:r>
+            <a:r>
+              <a:rPr lang="ko-KR" altLang="en-US" sz="1200" kern="1200" dirty="0" err="1" smtClean="0">
+                <a:solidFill>
+                  <a:schemeClr val="tx1"/>
+                </a:solidFill>
+                <a:latin typeface="Arial" charset="0"/>
+                <a:ea typeface="+mn-ea"/>
+                <a:cs typeface="+mn-cs"/>
+              </a:rPr>
+              <a:t>스마트폰</a:t>
+            </a:r>
+            <a:r>
+              <a:rPr lang="ko-KR" altLang="en-US" sz="1200" kern="1200" dirty="0" smtClean="0">
+                <a:solidFill>
+                  <a:schemeClr val="tx1"/>
+                </a:solidFill>
+                <a:latin typeface="Arial" charset="0"/>
+                <a:ea typeface="+mn-ea"/>
+                <a:cs typeface="+mn-cs"/>
+              </a:rPr>
+              <a:t> 사용자가 증가 할 것입니다</a:t>
+            </a:r>
+            <a:r>
+              <a:rPr lang="en-US" altLang="ko-KR" sz="1200" kern="1200" dirty="0" smtClean="0">
+                <a:solidFill>
+                  <a:schemeClr val="tx1"/>
+                </a:solidFill>
+                <a:latin typeface="Arial" charset="0"/>
+                <a:ea typeface="+mn-ea"/>
+                <a:cs typeface="+mn-cs"/>
+              </a:rPr>
+              <a:t>. </a:t>
+            </a:r>
+            <a:r>
+              <a:rPr lang="ko-KR" altLang="ko-KR" sz="1200" kern="1200" dirty="0" err="1" smtClean="0">
+                <a:solidFill>
+                  <a:schemeClr val="tx1"/>
+                </a:solidFill>
+                <a:latin typeface="Arial" charset="0"/>
+                <a:ea typeface="+mn-ea"/>
+                <a:cs typeface="+mn-cs"/>
+              </a:rPr>
+              <a:t>스마트폰에서</a:t>
             </a:r>
             <a:r>
               <a:rPr lang="ko-KR" altLang="ko-KR" sz="1200" kern="1200" dirty="0" smtClean="0">
@@ -3455,18 +3646,18 @@
                 <a:ea typeface="+mn-ea"/>
                 <a:cs typeface="+mn-cs"/>
               </a:rPr>
-              <a:t>차트에서 볼 수 있듯이 </a:t>
-            </a:r>
-            <a:r>
-              <a:rPr lang="ko-KR" altLang="ko-KR" sz="1200" kern="1200" dirty="0" err="1" smtClean="0">
-                <a:solidFill>
-                  <a:schemeClr val="tx1"/>
-                </a:solidFill>
-                <a:latin typeface="Arial" charset="0"/>
-                <a:ea typeface="+mn-ea"/>
-                <a:cs typeface="+mn-cs"/>
-              </a:rPr>
-              <a:t>스마트폰</a:t>
+              <a:t> 가능한 일</a:t>
+            </a:r>
+            <a:r>
+              <a:rPr lang="ko-KR" altLang="en-US" sz="1200" kern="1200" dirty="0" smtClean="0">
+                <a:solidFill>
+                  <a:schemeClr val="tx1"/>
+                </a:solidFill>
+                <a:latin typeface="Arial" charset="0"/>
+                <a:ea typeface="+mn-ea"/>
+                <a:cs typeface="+mn-cs"/>
+              </a:rPr>
+              <a:t>은</a:t>
             </a:r>
             <a:r>
               <a:rPr lang="ko-KR" altLang="ko-KR" sz="1200" kern="1200" dirty="0" smtClean="0">
@@ -3477,7 +3668,7 @@
                 <a:ea typeface="+mn-ea"/>
                 <a:cs typeface="+mn-cs"/>
               </a:rPr>
-              <a:t> 사용자 수가 매년 증가하고 있습니다</a:t>
+              <a:t> 많지만</a:t>
             </a:r>
             <a:r>
               <a:rPr lang="en-US" altLang="ko-KR" sz="1200" kern="1200" dirty="0" smtClean="0">
@@ -3488,18 +3679,73 @@
                 <a:ea typeface="+mn-ea"/>
                 <a:cs typeface="+mn-cs"/>
               </a:rPr>
-              <a:t>. </a:t>
-            </a:r>
-            <a:r>
-              <a:rPr lang="ko-KR" altLang="en-US" sz="1200" kern="1200" dirty="0" err="1" smtClean="0">
-                <a:solidFill>
-                  <a:schemeClr val="tx1"/>
-                </a:solidFill>
-                <a:latin typeface="Arial" charset="0"/>
-                <a:ea typeface="+mn-ea"/>
-                <a:cs typeface="+mn-cs"/>
-              </a:rPr>
-              <a:t>스마트폰</a:t>
+              <a:t>, </a:t>
+            </a:r>
+            <a:r>
+              <a:rPr lang="ko-KR" altLang="ko-KR" sz="1200" kern="1200" dirty="0" smtClean="0">
+                <a:solidFill>
+                  <a:schemeClr val="tx1"/>
+                </a:solidFill>
+                <a:latin typeface="Arial" charset="0"/>
+                <a:ea typeface="+mn-ea"/>
+                <a:cs typeface="+mn-cs"/>
+              </a:rPr>
+              <a:t>현재 </a:t>
+            </a:r>
+            <a:r>
+              <a:rPr lang="en-US" altLang="ko-KR" sz="1200" kern="1200" dirty="0" smtClean="0">
+                <a:solidFill>
+                  <a:schemeClr val="tx1"/>
+                </a:solidFill>
+                <a:latin typeface="Arial" charset="0"/>
+                <a:ea typeface="+mn-ea"/>
+                <a:cs typeface="+mn-cs"/>
+              </a:rPr>
+              <a:t>PC</a:t>
+            </a:r>
+            <a:r>
+              <a:rPr lang="ko-KR" altLang="ko-KR" sz="1200" kern="1200" dirty="0" smtClean="0">
+                <a:solidFill>
+                  <a:schemeClr val="tx1"/>
+                </a:solidFill>
+                <a:latin typeface="Arial" charset="0"/>
+                <a:ea typeface="+mn-ea"/>
+                <a:cs typeface="+mn-cs"/>
+              </a:rPr>
+              <a:t>와 연결해 사용하는 기능은 자료 옮길 때 </a:t>
+            </a:r>
+            <a:r>
+              <a:rPr lang="en-US" altLang="ko-KR" sz="1200" kern="1200" dirty="0" smtClean="0">
+                <a:solidFill>
+                  <a:schemeClr val="tx1"/>
+                </a:solidFill>
+                <a:latin typeface="Arial" charset="0"/>
+                <a:ea typeface="+mn-ea"/>
+                <a:cs typeface="+mn-cs"/>
+              </a:rPr>
+              <a:t>USB</a:t>
+            </a:r>
+            <a:r>
+              <a:rPr lang="ko-KR" altLang="ko-KR" sz="1200" kern="1200" dirty="0" smtClean="0">
+                <a:solidFill>
+                  <a:schemeClr val="tx1"/>
+                </a:solidFill>
+                <a:latin typeface="Arial" charset="0"/>
+                <a:ea typeface="+mn-ea"/>
+                <a:cs typeface="+mn-cs"/>
+              </a:rPr>
+              <a:t>메모리 대용으로 쓰는 정도밖에 안됩니다</a:t>
+            </a:r>
+            <a:r>
+              <a:rPr lang="en-US" altLang="ko-KR" sz="1200" kern="1200" dirty="0" smtClean="0">
+                <a:solidFill>
+                  <a:schemeClr val="tx1"/>
+                </a:solidFill>
+                <a:latin typeface="Arial" charset="0"/>
+                <a:ea typeface="+mn-ea"/>
+                <a:cs typeface="+mn-cs"/>
+              </a:rPr>
+              <a:t>. (</a:t>
             </a:r>
             <a:r>
               <a:rPr lang="ko-KR" altLang="en-US" sz="1200" kern="1200" dirty="0" smtClean="0">
@@ -3510,29 +3756,7 @@
                 <a:ea typeface="+mn-ea"/>
                 <a:cs typeface="+mn-cs"/>
               </a:rPr>
-              <a:t> 제조사들도 </a:t>
-            </a:r>
-            <a:r>
-              <a:rPr lang="ko-KR" altLang="en-US" sz="1200" kern="1200" dirty="0" err="1" smtClean="0">
-                <a:solidFill>
-                  <a:schemeClr val="tx1"/>
-                </a:solidFill>
-                <a:latin typeface="Arial" charset="0"/>
-                <a:ea typeface="+mn-ea"/>
-                <a:cs typeface="+mn-cs"/>
-              </a:rPr>
-              <a:t>피쳐폰</a:t>
-            </a:r>
-            <a:r>
-              <a:rPr lang="ko-KR" altLang="en-US" sz="1200" kern="1200" dirty="0" smtClean="0">
-                <a:solidFill>
-                  <a:schemeClr val="tx1"/>
-                </a:solidFill>
-                <a:latin typeface="Arial" charset="0"/>
-                <a:ea typeface="+mn-ea"/>
-                <a:cs typeface="+mn-cs"/>
-              </a:rPr>
-              <a:t> 생산을 줄이고</a:t>
+              <a:t>빠르게</a:t>
             </a:r>
             <a:r>
               <a:rPr lang="en-US" altLang="ko-KR" sz="1200" kern="1200" dirty="0" smtClean="0">
@@ -3543,161 +3767,7 @@
                 <a:ea typeface="+mn-ea"/>
                 <a:cs typeface="+mn-cs"/>
               </a:rPr>
-              <a:t>, </a:t>
-            </a:r>
-            <a:r>
-              <a:rPr lang="ko-KR" altLang="en-US" sz="1200" kern="1200" dirty="0" err="1" smtClean="0">
-                <a:solidFill>
-                  <a:schemeClr val="tx1"/>
-                </a:solidFill>
-                <a:latin typeface="Arial" charset="0"/>
-                <a:ea typeface="+mn-ea"/>
-                <a:cs typeface="+mn-cs"/>
-              </a:rPr>
-              <a:t>스마트폰</a:t>
-            </a:r>
-            <a:r>
-              <a:rPr lang="ko-KR" altLang="en-US" sz="1200" kern="1200" dirty="0" smtClean="0">
-                <a:solidFill>
-                  <a:schemeClr val="tx1"/>
-                </a:solidFill>
-                <a:latin typeface="Arial" charset="0"/>
-                <a:ea typeface="+mn-ea"/>
-                <a:cs typeface="+mn-cs"/>
-              </a:rPr>
-              <a:t> 위주로 생산하는 추세라 앞으로 </a:t>
-            </a:r>
-            <a:r>
-              <a:rPr lang="ko-KR" altLang="en-US" sz="1200" kern="1200" dirty="0" err="1" smtClean="0">
-                <a:solidFill>
-                  <a:schemeClr val="tx1"/>
-                </a:solidFill>
-                <a:latin typeface="Arial" charset="0"/>
-                <a:ea typeface="+mn-ea"/>
-                <a:cs typeface="+mn-cs"/>
-              </a:rPr>
-              <a:t>스마트폰</a:t>
-            </a:r>
-            <a:r>
-              <a:rPr lang="ko-KR" altLang="en-US" sz="1200" kern="1200" dirty="0" smtClean="0">
-                <a:solidFill>
-                  <a:schemeClr val="tx1"/>
-                </a:solidFill>
-                <a:latin typeface="Arial" charset="0"/>
-                <a:ea typeface="+mn-ea"/>
-                <a:cs typeface="+mn-cs"/>
-              </a:rPr>
-              <a:t> 사용자가 증가 할 것입니다</a:t>
-            </a:r>
-            <a:r>
-              <a:rPr lang="en-US" altLang="ko-KR" sz="1200" kern="1200" dirty="0" smtClean="0">
-                <a:solidFill>
-                  <a:schemeClr val="tx1"/>
-                </a:solidFill>
-                <a:latin typeface="Arial" charset="0"/>
-                <a:ea typeface="+mn-ea"/>
-                <a:cs typeface="+mn-cs"/>
-              </a:rPr>
-              <a:t>. </a:t>
-            </a:r>
-            <a:r>
-              <a:rPr lang="ko-KR" altLang="ko-KR" sz="1200" kern="1200" dirty="0" err="1" smtClean="0">
-                <a:solidFill>
-                  <a:schemeClr val="tx1"/>
-                </a:solidFill>
-                <a:latin typeface="Arial" charset="0"/>
-                <a:ea typeface="+mn-ea"/>
-                <a:cs typeface="+mn-cs"/>
-              </a:rPr>
-              <a:t>스마트폰에서</a:t>
-            </a:r>
-            <a:r>
-              <a:rPr lang="ko-KR" altLang="ko-KR" sz="1200" kern="1200" dirty="0" smtClean="0">
-                <a:solidFill>
-                  <a:schemeClr val="tx1"/>
-                </a:solidFill>
-                <a:latin typeface="Arial" charset="0"/>
-                <a:ea typeface="+mn-ea"/>
-                <a:cs typeface="+mn-cs"/>
-              </a:rPr>
-              <a:t> 가능한 일도 이렇게 많지만</a:t>
-            </a:r>
-            <a:r>
-              <a:rPr lang="en-US" altLang="ko-KR" sz="1200" kern="1200" dirty="0" smtClean="0">
-                <a:solidFill>
-                  <a:schemeClr val="tx1"/>
-                </a:solidFill>
-                <a:latin typeface="Arial" charset="0"/>
-                <a:ea typeface="+mn-ea"/>
-                <a:cs typeface="+mn-cs"/>
-              </a:rPr>
-              <a:t>, </a:t>
-            </a:r>
-            <a:r>
-              <a:rPr lang="ko-KR" altLang="ko-KR" sz="1200" kern="1200" dirty="0" smtClean="0">
-                <a:solidFill>
-                  <a:schemeClr val="tx1"/>
-                </a:solidFill>
-                <a:latin typeface="Arial" charset="0"/>
-                <a:ea typeface="+mn-ea"/>
-                <a:cs typeface="+mn-cs"/>
-              </a:rPr>
-              <a:t>현재 </a:t>
-            </a:r>
-            <a:r>
-              <a:rPr lang="en-US" altLang="ko-KR" sz="1200" kern="1200" dirty="0" smtClean="0">
-                <a:solidFill>
-                  <a:schemeClr val="tx1"/>
-                </a:solidFill>
-                <a:latin typeface="Arial" charset="0"/>
-                <a:ea typeface="+mn-ea"/>
-                <a:cs typeface="+mn-cs"/>
-              </a:rPr>
-              <a:t>PC</a:t>
-            </a:r>
-            <a:r>
-              <a:rPr lang="ko-KR" altLang="ko-KR" sz="1200" kern="1200" dirty="0" smtClean="0">
-                <a:solidFill>
-                  <a:schemeClr val="tx1"/>
-                </a:solidFill>
-                <a:latin typeface="Arial" charset="0"/>
-                <a:ea typeface="+mn-ea"/>
-                <a:cs typeface="+mn-cs"/>
-              </a:rPr>
-              <a:t>와 연결해 사용하는 기능은 자료 옮길 때 </a:t>
-            </a:r>
-            <a:r>
-              <a:rPr lang="en-US" altLang="ko-KR" sz="1200" kern="1200" dirty="0" smtClean="0">
-                <a:solidFill>
-                  <a:schemeClr val="tx1"/>
-                </a:solidFill>
-                <a:latin typeface="Arial" charset="0"/>
-                <a:ea typeface="+mn-ea"/>
-                <a:cs typeface="+mn-cs"/>
-              </a:rPr>
-              <a:t>USB</a:t>
-            </a:r>
-            <a:r>
-              <a:rPr lang="ko-KR" altLang="ko-KR" sz="1200" kern="1200" dirty="0" smtClean="0">
-                <a:solidFill>
-                  <a:schemeClr val="tx1"/>
-                </a:solidFill>
-                <a:latin typeface="Arial" charset="0"/>
-                <a:ea typeface="+mn-ea"/>
-                <a:cs typeface="+mn-cs"/>
-              </a:rPr>
-              <a:t>메모리 대용으로 쓰는 정도밖에 안됩니다</a:t>
-            </a:r>
-            <a:r>
-              <a:rPr lang="en-US" altLang="ko-KR" sz="1200" kern="1200" dirty="0" smtClean="0">
-                <a:solidFill>
-                  <a:schemeClr val="tx1"/>
-                </a:solidFill>
-                <a:latin typeface="Arial" charset="0"/>
-                <a:ea typeface="+mn-ea"/>
-                <a:cs typeface="+mn-cs"/>
-              </a:rPr>
-              <a:t>. </a:t>
+              <a:t>)</a:t>
             </a:r>
             <a:endParaRPr lang="ko-KR" altLang="ko-KR" sz="1200" kern="1200" dirty="0">
               <a:solidFill>
@@ -4091,15 +4161,7 @@
             </a:r>
             <a:r>
               <a:rPr lang="ko-KR" altLang="en-US" dirty="0" smtClean="0"/>
-              <a:t>는 이런 다양한 연결방식을 </a:t>
-            </a:r>
-            <a:r>
-              <a:rPr lang="ko-KR" altLang="en-US" dirty="0" smtClean="0"/>
-              <a:t>통합하기 위해 </a:t>
-            </a:r>
-            <a:r>
-              <a:rPr lang="ko-KR" altLang="en-US" dirty="0" smtClean="0"/>
-              <a:t>만들어진 입출력 표준으로써</a:t>
+              <a:t>는 이런 다양한 연결방식을 통합하기 위해 만들어진 입출력 표준으로써</a:t>
             </a:r>
             <a:r>
               <a:rPr lang="en-US" altLang="ko-KR" dirty="0" smtClean="0"/>
@@ -4490,7 +4552,18 @@
                 <a:ea typeface="+mn-ea"/>
                 <a:cs typeface="+mn-cs"/>
               </a:rPr>
-              <a:t>이것은 </a:t>
+              <a:t>이것은 앞 슬라이드에서 설명 드렸듯이 많은 </a:t>
+            </a:r>
+            <a:r>
+              <a:rPr lang="en-US" altLang="ko-KR" sz="1200" kern="1200" dirty="0" smtClean="0">
+                <a:solidFill>
+                  <a:schemeClr val="tx1"/>
+                </a:solidFill>
+                <a:latin typeface="Arial" charset="0"/>
+                <a:ea typeface="+mn-ea"/>
+                <a:cs typeface="+mn-cs"/>
+              </a:rPr>
+              <a:t>USB</a:t>
             </a:r>
             <a:r>
               <a:rPr lang="ko-KR" altLang="en-US" sz="1200" kern="1200" dirty="0" smtClean="0">
@@ -4501,40 +4574,7 @@
                 <a:ea typeface="+mn-ea"/>
                 <a:cs typeface="+mn-cs"/>
               </a:rPr>
-              <a:t>앞 슬라이드에서 설명 드렸듯이 많은 </a:t>
-            </a:r>
-            <a:r>
-              <a:rPr lang="en-US" altLang="ko-KR" sz="1200" kern="1200" dirty="0" smtClean="0">
-                <a:solidFill>
-                  <a:schemeClr val="tx1"/>
-                </a:solidFill>
-                <a:latin typeface="Arial" charset="0"/>
-                <a:ea typeface="+mn-ea"/>
-                <a:cs typeface="+mn-cs"/>
-              </a:rPr>
-              <a:t>USB</a:t>
-            </a:r>
-            <a:r>
-              <a:rPr lang="ko-KR" altLang="en-US" sz="1200" kern="1200" dirty="0" smtClean="0">
-                <a:solidFill>
-                  <a:schemeClr val="tx1"/>
-                </a:solidFill>
-                <a:latin typeface="Arial" charset="0"/>
-                <a:ea typeface="+mn-ea"/>
-                <a:cs typeface="+mn-cs"/>
-              </a:rPr>
-              <a:t>의 장점이 </a:t>
-            </a:r>
-            <a:r>
-              <a:rPr lang="ko-KR" altLang="en-US" sz="1200" kern="1200" dirty="0" smtClean="0">
-                <a:solidFill>
-                  <a:schemeClr val="tx1"/>
-                </a:solidFill>
-                <a:latin typeface="Arial" charset="0"/>
-                <a:ea typeface="+mn-ea"/>
-                <a:cs typeface="+mn-cs"/>
-              </a:rPr>
-              <a:t>있기 때문에 </a:t>
+              <a:t>의 장점이 있기 때문에 </a:t>
             </a:r>
             <a:r>
               <a:rPr lang="en-US" altLang="ko-KR" sz="1200" kern="1200" dirty="0" smtClean="0">
@@ -4799,7 +4839,29 @@
                 <a:ea typeface="+mn-ea"/>
                 <a:cs typeface="+mn-cs"/>
               </a:rPr>
-              <a:t>. </a:t>
+              <a:t>. (</a:t>
+            </a:r>
+            <a:r>
+              <a:rPr lang="ko-KR" altLang="en-US" sz="1200" kern="1200" dirty="0" smtClean="0">
+                <a:solidFill>
+                  <a:schemeClr val="tx1"/>
+                </a:solidFill>
+                <a:latin typeface="Arial" charset="0"/>
+                <a:ea typeface="+mn-ea"/>
+                <a:cs typeface="+mn-cs"/>
+              </a:rPr>
+              <a:t>천천히</a:t>
+            </a:r>
+            <a:r>
+              <a:rPr lang="en-US" altLang="ko-KR" sz="1200" kern="1200" dirty="0" smtClean="0">
+                <a:solidFill>
+                  <a:schemeClr val="tx1"/>
+                </a:solidFill>
+                <a:latin typeface="Arial" charset="0"/>
+                <a:ea typeface="+mn-ea"/>
+                <a:cs typeface="+mn-cs"/>
+              </a:rPr>
+              <a:t>)</a:t>
             </a:r>
             <a:endParaRPr lang="ko-KR" altLang="ko-KR" sz="1200" kern="1200" dirty="0">
               <a:solidFill>
@@ -5081,7 +5143,7 @@
                 <a:ea typeface="+mn-ea"/>
                 <a:cs typeface="+mn-cs"/>
               </a:rPr>
-              <a:t>장치로 인식되어 </a:t>
+              <a:t>장치로 인식됩니다</a:t>
             </a:r>
             <a:r>
               <a:rPr lang="en-US" altLang="ko-KR" sz="1200" kern="1200" dirty="0" smtClean="0">
@@ -5092,6 +5154,50 @@
                 <a:ea typeface="+mn-ea"/>
                 <a:cs typeface="+mn-cs"/>
               </a:rPr>
+              <a:t>. </a:t>
+            </a:r>
+            <a:r>
+              <a:rPr lang="ko-KR" altLang="en-US" sz="1200" kern="1200" dirty="0" smtClean="0">
+                <a:solidFill>
+                  <a:schemeClr val="tx1"/>
+                </a:solidFill>
+                <a:latin typeface="Arial" charset="0"/>
+                <a:ea typeface="+mn-ea"/>
+                <a:cs typeface="+mn-cs"/>
+              </a:rPr>
+              <a:t>그리고 </a:t>
+            </a:r>
+            <a:r>
+              <a:rPr lang="en-US" altLang="ko-KR" sz="1200" kern="1200" dirty="0" smtClean="0">
+                <a:solidFill>
+                  <a:schemeClr val="tx1"/>
+                </a:solidFill>
+                <a:latin typeface="Arial" charset="0"/>
+                <a:ea typeface="+mn-ea"/>
+                <a:cs typeface="+mn-cs"/>
+              </a:rPr>
+              <a:t>USB/IP</a:t>
+            </a:r>
+            <a:r>
+              <a:rPr lang="ko-KR" altLang="en-US" sz="1200" kern="1200" dirty="0" smtClean="0">
+                <a:solidFill>
+                  <a:schemeClr val="tx1"/>
+                </a:solidFill>
+                <a:latin typeface="Arial" charset="0"/>
+                <a:ea typeface="+mn-ea"/>
+                <a:cs typeface="+mn-cs"/>
+              </a:rPr>
+              <a:t>를 통해 </a:t>
+            </a:r>
+            <a:r>
+              <a:rPr lang="en-US" altLang="ko-KR" sz="1200" kern="1200" dirty="0" smtClean="0">
+                <a:solidFill>
+                  <a:schemeClr val="tx1"/>
+                </a:solidFill>
+                <a:latin typeface="Arial" charset="0"/>
+                <a:ea typeface="+mn-ea"/>
+                <a:cs typeface="+mn-cs"/>
+              </a:rPr>
               <a:t>PC</a:t>
             </a:r>
             <a:r>
@@ -5114,7 +5220,29 @@
                 <a:ea typeface="+mn-ea"/>
                 <a:cs typeface="+mn-cs"/>
               </a:rPr>
-              <a:t> 연결 되는 것입니다</a:t>
+              <a:t> 연결되서 </a:t>
+            </a:r>
+            <a:r>
+              <a:rPr lang="ko-KR" altLang="en-US" sz="1200" kern="1200" baseline="0" dirty="0" err="1" smtClean="0">
+                <a:solidFill>
+                  <a:schemeClr val="tx1"/>
+                </a:solidFill>
+                <a:latin typeface="Arial" charset="0"/>
+                <a:ea typeface="+mn-ea"/>
+                <a:cs typeface="+mn-cs"/>
+              </a:rPr>
+              <a:t>스마트폰의</a:t>
+            </a:r>
+            <a:r>
+              <a:rPr lang="ko-KR" altLang="en-US" sz="1200" kern="1200" baseline="0" dirty="0" smtClean="0">
+                <a:solidFill>
+                  <a:schemeClr val="tx1"/>
+                </a:solidFill>
+                <a:latin typeface="Arial" charset="0"/>
+                <a:ea typeface="+mn-ea"/>
+                <a:cs typeface="+mn-cs"/>
+              </a:rPr>
+              <a:t> 어플리케이션을 사용할 수 있습니다</a:t>
             </a:r>
             <a:r>
               <a:rPr lang="en-US" altLang="ko-KR" sz="1200" kern="1200" baseline="0" dirty="0" smtClean="0">
@@ -5125,7 +5253,7 @@
                 <a:ea typeface="+mn-ea"/>
                 <a:cs typeface="+mn-cs"/>
               </a:rPr>
-              <a:t>.</a:t>
+              <a:t>..</a:t>
             </a:r>
             <a:endParaRPr lang="ko-KR" altLang="en-US" sz="1200" kern="1200" dirty="0" smtClean="0">
               <a:solidFill>
@@ -5736,7 +5864,29 @@
                 <a:ea typeface="+mn-ea"/>
                 <a:cs typeface="+mn-cs"/>
               </a:rPr>
-              <a:t>장치를 사용하려면 프로그램 수정 해야 되는 문제점이 있습니다</a:t>
+              <a:t>장치를 사용하려면 </a:t>
+            </a:r>
+            <a:r>
+              <a:rPr lang="ko-KR" altLang="en-US" sz="1200" kern="1200" dirty="0" smtClean="0">
+                <a:solidFill>
+                  <a:schemeClr val="tx1"/>
+                </a:solidFill>
+                <a:latin typeface="Arial" charset="0"/>
+                <a:ea typeface="+mn-ea"/>
+                <a:cs typeface="+mn-cs"/>
+              </a:rPr>
+              <a:t>프로그램을 </a:t>
+            </a:r>
+            <a:r>
+              <a:rPr lang="ko-KR" altLang="en-US" sz="1200" kern="1200" dirty="0" smtClean="0">
+                <a:solidFill>
+                  <a:schemeClr val="tx1"/>
+                </a:solidFill>
+                <a:latin typeface="Arial" charset="0"/>
+                <a:ea typeface="+mn-ea"/>
+                <a:cs typeface="+mn-cs"/>
+              </a:rPr>
+              <a:t>수정 해야 되는 문제점이 있습니다</a:t>
             </a:r>
             <a:r>
               <a:rPr lang="en-US" altLang="ko-KR" sz="1200" kern="1200" dirty="0" smtClean="0">
@@ -8044,88 +8194,32 @@
           <a:chExt cx="0" cy="0"/>
         </a:xfrm>
       </p:grpSpPr>
-      <p:grpSp>
-        <p:nvGrpSpPr>
-          <p:cNvPr id="7" name="그룹 6"/>
-          <p:cNvGrpSpPr/>
+      <p:pic>
+        <p:nvPicPr>
+          <p:cNvPr id="4099" name="Picture 3" descr="C:\Documents and Settings\Administrator\바탕 화면\6172053263_20120211164754.PNG"/>
+          <p:cNvPicPr>
+            <a:picLocks noChangeAspect="1" noChangeArrowheads="1"/>
+          </p:cNvPicPr>
           <p:nvPr/>
-        </p:nvGrpSpPr>
-        <p:grpSpPr>
+        </p:nvPicPr>
+        <p:blipFill>
+          <a:blip r:embed="rId3" cstate="print"/>
+          <a:srcRect/>
+          <a:stretch>
+            <a:fillRect/>
+          </a:stretch>
+        </p:blipFill>
+        <p:spPr bwMode="auto">
           <a:xfrm>
-            <a:off x="1259632" y="1556792"/>
-            <a:ext cx="5544616" cy="3964682"/>
-            <a:chOff x="1259632" y="1556792"/>
-            <a:chExt cx="5544616" cy="3964682"/>
+            <a:off x="1691680" y="1844824"/>
+            <a:ext cx="4638675" cy="3676650"/>
           </a:xfrm>
-        </p:grpSpPr>
-        <p:pic>
-          <p:nvPicPr>
-            <p:cNvPr id="4099" name="Picture 3" descr="C:\Documents and Settings\Administrator\바탕 화면\6172053263_20120211164754.PNG"/>
-            <p:cNvPicPr>
-              <a:picLocks noChangeAspect="1" noChangeArrowheads="1"/>
-            </p:cNvPicPr>
-            <p:nvPr/>
-          </p:nvPicPr>
-          <p:blipFill>
-            <a:blip r:embed="rId3" cstate="print"/>
-            <a:srcRect/>
-            <a:stretch>
-              <a:fillRect/>
-            </a:stretch>
-          </p:blipFill>
-          <p:spPr bwMode="auto">
-            <a:xfrm>
-              <a:off x="1691680" y="1844824"/>
-              <a:ext cx="4638675" cy="3676650"/>
-            </a:xfrm>
-            <a:prstGeom prst="rect">
-              <a:avLst/>
-            </a:prstGeom>
-            <a:noFill/>
-          </p:spPr>
-        </p:pic>
-        <p:pic>
-          <p:nvPicPr>
-            <p:cNvPr id="3" name="Picture 2" descr="N:\설계프로젝트\임시저장\제목-없음-3.png"/>
-            <p:cNvPicPr>
-              <a:picLocks noChangeAspect="1" noChangeArrowheads="1"/>
-            </p:cNvPicPr>
-            <p:nvPr/>
-          </p:nvPicPr>
-          <p:blipFill>
-            <a:blip r:embed="rId4" cstate="print">
-              <a:extLst>
-                <a:ext uri="{28A0092B-C50C-407E-A947-70E740481C1C}">
-                  <a14:useLocalDpi xmlns:a14="http://schemas.microsoft.com/office/drawing/2010/main" xmlns="" val="0"/>
-                </a:ext>
-              </a:extLst>
-            </a:blip>
-            <a:srcRect/>
-            <a:stretch>
-              <a:fillRect/>
-            </a:stretch>
-          </p:blipFill>
-          <p:spPr bwMode="auto">
-            <a:xfrm>
-              <a:off x="1259632" y="1556792"/>
-              <a:ext cx="5544616" cy="3168352"/>
-            </a:xfrm>
-            <a:prstGeom prst="rect">
-              <a:avLst/>
-            </a:prstGeom>
-            <a:noFill/>
-            <a:extLst>
-              <a:ext uri="{909E8E84-426E-40DD-AFC4-6F175D3DCCD1}">
-                <a14:hiddenFill xmlns:a14="http://schemas.microsoft.com/office/drawing/2010/main" xmlns="">
-                  <a:solidFill>
-                    <a:srgbClr val="FFFFFF"/>
-                  </a:solidFill>
-                </a14:hiddenFill>
-              </a:ext>
-            </a:extLst>
-          </p:spPr>
-        </p:pic>
-      </p:grpSp>
+          <a:prstGeom prst="rect">
+            <a:avLst/>
+          </a:prstGeom>
+          <a:noFill/>
+        </p:spPr>
+      </p:pic>
       <p:graphicFrame>
         <p:nvGraphicFramePr>
           <p:cNvPr id="5" name="표 4"/>
@@ -8889,6 +8983,88 @@
           </a:p>
         </p:txBody>
       </p:sp>
+      <p:grpSp>
+        <p:nvGrpSpPr>
+          <p:cNvPr id="9" name="그룹 8"/>
+          <p:cNvGrpSpPr/>
+          <p:nvPr/>
+        </p:nvGrpSpPr>
+        <p:grpSpPr>
+          <a:xfrm>
+            <a:off x="2483768" y="2204864"/>
+            <a:ext cx="3024336" cy="1902307"/>
+            <a:chOff x="2123728" y="2535682"/>
+            <a:chExt cx="3024336" cy="1902307"/>
+          </a:xfrm>
+        </p:grpSpPr>
+        <p:pic>
+          <p:nvPicPr>
+            <p:cNvPr id="1026" name="Picture 2" descr="C:\Documents and Settings\Administrator\바탕 화면\Untitled-1.gif"/>
+            <p:cNvPicPr>
+              <a:picLocks noChangeAspect="1" noChangeArrowheads="1"/>
+            </p:cNvPicPr>
+            <p:nvPr/>
+          </p:nvPicPr>
+          <p:blipFill>
+            <a:blip r:embed="rId4" cstate="print"/>
+            <a:srcRect/>
+            <a:stretch>
+              <a:fillRect/>
+            </a:stretch>
+          </p:blipFill>
+          <p:spPr bwMode="auto">
+            <a:xfrm>
+              <a:off x="2987825" y="2535682"/>
+              <a:ext cx="1296144" cy="1902307"/>
+            </a:xfrm>
+            <a:prstGeom prst="rect">
+              <a:avLst/>
+            </a:prstGeom>
+            <a:noFill/>
+          </p:spPr>
+        </p:pic>
+        <p:pic>
+          <p:nvPicPr>
+            <p:cNvPr id="3" name="Picture 2" descr="N:\설계프로젝트\임시저장\제목-없음-3.png"/>
+            <p:cNvPicPr>
+              <a:picLocks noChangeAspect="1" noChangeArrowheads="1"/>
+            </p:cNvPicPr>
+            <p:nvPr/>
+          </p:nvPicPr>
+          <p:blipFill>
+            <a:blip r:embed="rId5" cstate="print">
+              <a:extLst>
+                <a:ext uri="{28A0092B-C50C-407E-A947-70E740481C1C}">
+                  <a14:useLocalDpi xmlns:a14="http://schemas.microsoft.com/office/drawing/2010/main" xmlns="" val="0"/>
+                </a:ext>
+              </a:extLst>
+            </a:blip>
+            <a:srcRect/>
+            <a:stretch>
+              <a:fillRect/>
+            </a:stretch>
+          </p:blipFill>
+          <p:spPr bwMode="auto">
+            <a:xfrm>
+              <a:off x="2123728" y="2636912"/>
+              <a:ext cx="3024336" cy="1728192"/>
+            </a:xfrm>
+            <a:prstGeom prst="rect">
+              <a:avLst/>
+            </a:prstGeom>
+            <a:noFill/>
+            <a:extLst>
+              <a:ext uri="{909E8E84-426E-40DD-AFC4-6F175D3DCCD1}">
+                <a14:hiddenFill xmlns:a14="http://schemas.microsoft.com/office/drawing/2010/main" xmlns="">
+                  <a:solidFill>
+                    <a:srgbClr val="FFFFFF"/>
+                  </a:solidFill>
+                </a14:hiddenFill>
+              </a:ext>
+            </a:extLst>
+          </p:spPr>
+        </p:pic>
+      </p:grpSp>
     </p:spTree>
   </p:cSld>
   <p:clrMapOvr>
@@ -9726,64 +9902,14 @@
               <a:t>- </a:t>
             </a:r>
             <a:r>
-              <a:rPr lang="ko-KR" altLang="en-US" dirty="0" err="1" smtClean="0">
+              <a:rPr lang="en-US" altLang="ko-KR" dirty="0" err="1" smtClean="0">
                 <a:solidFill>
                   <a:srgbClr val="000000"/>
                 </a:solidFill>
                 <a:latin typeface="HY동녘M" pitchFamily="18" charset="-127"/>
                 <a:ea typeface="HY동녘M" pitchFamily="18" charset="-127"/>
               </a:rPr>
-              <a:t>카카오톡</a:t>
-            </a:r>
-            <a:r>
-              <a:rPr lang="ko-KR" altLang="en-US" dirty="0" smtClean="0">
-                <a:solidFill>
-                  <a:srgbClr val="000000"/>
-                </a:solidFill>
-                <a:latin typeface="HY동녘M" pitchFamily="18" charset="-127"/>
-                <a:ea typeface="HY동녘M" pitchFamily="18" charset="-127"/>
-              </a:rPr>
-              <a:t> </a:t>
-            </a:r>
-            <a:r>
-              <a:rPr lang="en-US" altLang="ko-KR" dirty="0" smtClean="0">
-                <a:solidFill>
-                  <a:srgbClr val="000000"/>
-                </a:solidFill>
-                <a:latin typeface="HY동녘M" pitchFamily="18" charset="-127"/>
-                <a:ea typeface="HY동녘M" pitchFamily="18" charset="-127"/>
-              </a:rPr>
-              <a:t>PC</a:t>
-            </a:r>
-            <a:r>
-              <a:rPr lang="ko-KR" altLang="en-US" dirty="0" smtClean="0">
-                <a:solidFill>
-                  <a:srgbClr val="000000"/>
-                </a:solidFill>
-                <a:latin typeface="HY동녘M" pitchFamily="18" charset="-127"/>
-                <a:ea typeface="HY동녘M" pitchFamily="18" charset="-127"/>
-              </a:rPr>
-              <a:t> </a:t>
-            </a:r>
-            <a:r>
-              <a:rPr lang="en-US" altLang="ko-KR" dirty="0" smtClean="0">
-                <a:solidFill>
-                  <a:srgbClr val="000000"/>
-                </a:solidFill>
-                <a:latin typeface="HY동녘M" pitchFamily="18" charset="-127"/>
-                <a:ea typeface="HY동녘M" pitchFamily="18" charset="-127"/>
-              </a:rPr>
-              <a:t>Linker </a:t>
-            </a:r>
-            <a:r>
-              <a:rPr lang="ko-KR" altLang="en-US" dirty="0" smtClean="0">
-                <a:solidFill>
-                  <a:srgbClr val="000000"/>
-                </a:solidFill>
-                <a:latin typeface="HY동녘M" pitchFamily="18" charset="-127"/>
-                <a:ea typeface="HY동녘M" pitchFamily="18" charset="-127"/>
-              </a:rPr>
-              <a:t>서비스</a:t>
+              <a:t>KatalkPCLinker</a:t>
             </a:r>
             <a:r>
               <a:rPr lang="en-US" altLang="ko-KR" dirty="0" smtClean="0">
@@ -10068,8 +10194,8 @@
         </p:nvSpPr>
         <p:spPr>
           <a:xfrm>
-            <a:off x="971600" y="1268760"/>
-            <a:ext cx="7416824" cy="4267200"/>
+            <a:off x="971600" y="1124744"/>
+            <a:ext cx="3528392" cy="504056"/>
           </a:xfrm>
         </p:spPr>
         <p:txBody>
@@ -10090,64 +10216,14 @@
               <a:t>- </a:t>
             </a:r>
             <a:r>
-              <a:rPr lang="ko-KR" altLang="en-US" dirty="0" err="1" smtClean="0">
+              <a:rPr lang="en-US" altLang="ko-KR" dirty="0" err="1" smtClean="0">
                 <a:solidFill>
                   <a:srgbClr val="000000"/>
                 </a:solidFill>
                 <a:latin typeface="HY동녘M" pitchFamily="18" charset="-127"/>
                 <a:ea typeface="HY동녘M" pitchFamily="18" charset="-127"/>
               </a:rPr>
-              <a:t>카카오톡</a:t>
-            </a:r>
-            <a:r>
-              <a:rPr lang="ko-KR" altLang="en-US" dirty="0" smtClean="0">
-                <a:solidFill>
-                  <a:srgbClr val="000000"/>
-                </a:solidFill>
-                <a:latin typeface="HY동녘M" pitchFamily="18" charset="-127"/>
-                <a:ea typeface="HY동녘M" pitchFamily="18" charset="-127"/>
-              </a:rPr>
-              <a:t> </a:t>
-            </a:r>
-            <a:r>
-              <a:rPr lang="en-US" altLang="ko-KR" dirty="0" smtClean="0">
-                <a:solidFill>
-                  <a:srgbClr val="000000"/>
-                </a:solidFill>
-                <a:latin typeface="HY동녘M" pitchFamily="18" charset="-127"/>
-                <a:ea typeface="HY동녘M" pitchFamily="18" charset="-127"/>
-              </a:rPr>
-              <a:t>PC</a:t>
-            </a:r>
-            <a:r>
-              <a:rPr lang="ko-KR" altLang="en-US" dirty="0" smtClean="0">
-                <a:solidFill>
-                  <a:srgbClr val="000000"/>
-                </a:solidFill>
-                <a:latin typeface="HY동녘M" pitchFamily="18" charset="-127"/>
-                <a:ea typeface="HY동녘M" pitchFamily="18" charset="-127"/>
-              </a:rPr>
-              <a:t> </a:t>
-            </a:r>
-            <a:r>
-              <a:rPr lang="en-US" altLang="ko-KR" dirty="0" smtClean="0">
-                <a:solidFill>
-                  <a:srgbClr val="000000"/>
-                </a:solidFill>
-                <a:latin typeface="HY동녘M" pitchFamily="18" charset="-127"/>
-                <a:ea typeface="HY동녘M" pitchFamily="18" charset="-127"/>
-              </a:rPr>
-              <a:t>Linker </a:t>
-            </a:r>
-            <a:r>
-              <a:rPr lang="ko-KR" altLang="en-US" dirty="0" smtClean="0">
-                <a:solidFill>
-                  <a:srgbClr val="000000"/>
-                </a:solidFill>
-                <a:latin typeface="HY동녘M" pitchFamily="18" charset="-127"/>
-                <a:ea typeface="HY동녘M" pitchFamily="18" charset="-127"/>
-              </a:rPr>
-              <a:t>서비스</a:t>
+              <a:t>KatalkPCLinker</a:t>
             </a:r>
             <a:endParaRPr lang="en-US" altLang="ko-KR" dirty="0" smtClean="0">
               <a:solidFill>
@@ -10200,8 +10276,8 @@
         </p:blipFill>
         <p:spPr bwMode="auto">
           <a:xfrm>
-            <a:off x="934076" y="1916832"/>
-            <a:ext cx="4176464" cy="3975233"/>
+            <a:off x="934076" y="2348880"/>
+            <a:ext cx="4176464" cy="3543185"/>
           </a:xfrm>
           <a:prstGeom prst="rect">
             <a:avLst/>
@@ -10232,8 +10308,8 @@
         </p:blipFill>
         <p:spPr bwMode="auto">
           <a:xfrm>
-            <a:off x="5686604" y="1916832"/>
-            <a:ext cx="2413788" cy="4022981"/>
+            <a:off x="5686604" y="2348880"/>
+            <a:ext cx="2413788" cy="3590933"/>
           </a:xfrm>
           <a:prstGeom prst="rect">
             <a:avLst/>
@@ -10241,6 +10317,271 @@
           <a:noFill/>
         </p:spPr>
       </p:pic>
+      <p:sp>
+        <p:nvSpPr>
+          <p:cNvPr id="6" name="내용 개체 틀 2"/>
+          <p:cNvSpPr txBox="1">
+            <a:spLocks/>
+          </p:cNvSpPr>
+          <p:nvPr/>
+        </p:nvSpPr>
+        <p:spPr bwMode="auto">
+          <a:xfrm>
+            <a:off x="2195736" y="1772816"/>
+            <a:ext cx="1872208" cy="504056"/>
+          </a:xfrm>
+          <a:prstGeom prst="rect">
+            <a:avLst/>
+          </a:prstGeom>
+          <a:noFill/>
+          <a:ln>
+            <a:noFill/>
+          </a:ln>
+          <a:effectLst/>
+          <a:extLst>
+            <a:ext uri="{909E8E84-426E-40DD-AFC4-6F175D3DCCD1}">
+              <a14:hiddenFill xmlns:a14="http://schemas.microsoft.com/office/drawing/2010/main" xmlns="">
+                <a:solidFill>
+                  <a:schemeClr val="accent1"/>
+                </a:solidFill>
+              </a14:hiddenFill>
+            </a:ext>
+            <a:ext uri="{91240B29-F687-4F45-9708-019B960494DF}">
+              <a14:hiddenLine xmlns:a14="http://schemas.microsoft.com/office/drawing/2010/main" xmlns="" w="9525">
+                <a:solidFill>
+                  <a:schemeClr val="tx1"/>
+                </a:solidFill>
+                <a:miter lim="800000"/>
+                <a:headEnd/>
+                <a:tailEnd/>
+              </a14:hiddenLine>
+            </a:ext>
+            <a:ext uri="{AF507438-7753-43E0-B8FC-AC1667EBCBE1}">
+              <a14:hiddenEffects xmlns:a14="http://schemas.microsoft.com/office/drawing/2010/main" xmlns="">
+                <a:effectLst>
+                  <a:outerShdw dist="35921" dir="2700000" algn="ctr" rotWithShape="0">
+                    <a:schemeClr val="bg2"/>
+                  </a:outerShdw>
+                </a:effectLst>
+              </a14:hiddenEffects>
+            </a:ext>
+          </a:extLst>
+        </p:spPr>
+        <p:txBody>
+          <a:bodyPr vert="horz" wrap="square" lIns="91440" tIns="45720" rIns="91440" bIns="45720" numCol="1" anchor="t" anchorCtr="0" compatLnSpc="1">
+            <a:prstTxWarp prst="textNoShape">
+              <a:avLst/>
+            </a:prstTxWarp>
+          </a:bodyPr>
+          <a:lstStyle/>
+          <a:p>
+            <a:pPr marL="514350" marR="0" lvl="1" indent="-514350" algn="l" defTabSz="914400" rtl="0" eaLnBrk="1" fontAlgn="base" latinLnBrk="1" hangingPunct="1">
+              <a:lnSpc>
+                <a:spcPct val="100000"/>
+              </a:lnSpc>
+              <a:spcBef>
+                <a:spcPct val="20000"/>
+              </a:spcBef>
+              <a:spcAft>
+                <a:spcPct val="0"/>
+              </a:spcAft>
+              <a:buClrTx/>
+              <a:buSzTx/>
+              <a:buFontTx/>
+              <a:buNone/>
+              <a:tabLst/>
+              <a:defRPr/>
+            </a:pPr>
+            <a:r>
+              <a:rPr kumimoji="0" lang="en-US" altLang="ko-KR" sz="2800" b="0" i="0" u="none" strike="noStrike" kern="0" cap="none" spc="0" normalizeH="0" baseline="0" noProof="0" dirty="0" smtClean="0">
+                <a:ln>
+                  <a:noFill/>
+                </a:ln>
+                <a:solidFill>
+                  <a:srgbClr val="000000"/>
+                </a:solidFill>
+                <a:effectLst/>
+                <a:uLnTx/>
+                <a:uFillTx/>
+                <a:latin typeface="HY동녘M" pitchFamily="18" charset="-127"/>
+                <a:ea typeface="HY동녘M" pitchFamily="18" charset="-127"/>
+              </a:rPr>
+              <a:t>Windows</a:t>
+            </a:r>
+          </a:p>
+          <a:p>
+            <a:pPr marL="857250" marR="0" lvl="3" indent="0" algn="l" defTabSz="914400" rtl="0" eaLnBrk="1" fontAlgn="base" latinLnBrk="1" hangingPunct="1">
+              <a:lnSpc>
+                <a:spcPct val="100000"/>
+              </a:lnSpc>
+              <a:spcBef>
+                <a:spcPct val="20000"/>
+              </a:spcBef>
+              <a:spcAft>
+                <a:spcPct val="0"/>
+              </a:spcAft>
+              <a:buClrTx/>
+              <a:buSzTx/>
+              <a:buFontTx/>
+              <a:buNone/>
+              <a:tabLst/>
+              <a:defRPr/>
+            </a:pPr>
+            <a:endParaRPr kumimoji="0" lang="en-US" altLang="ko-KR" sz="2000" b="0" i="0" u="none" strike="noStrike" kern="0" cap="none" spc="0" normalizeH="0" baseline="0" noProof="0" dirty="0" smtClean="0">
+              <a:ln>
+                <a:noFill/>
+              </a:ln>
+              <a:solidFill>
+                <a:srgbClr val="000000"/>
+              </a:solidFill>
+              <a:effectLst/>
+              <a:uLnTx/>
+              <a:uFillTx/>
+              <a:latin typeface="HY동녘M" pitchFamily="18" charset="-127"/>
+              <a:ea typeface="HY동녘M" pitchFamily="18" charset="-127"/>
+            </a:endParaRPr>
+          </a:p>
+          <a:p>
+            <a:pPr marL="857250" marR="0" lvl="2" indent="-457200" algn="l" defTabSz="914400" rtl="0" eaLnBrk="1" fontAlgn="base" latinLnBrk="1" hangingPunct="1">
+              <a:lnSpc>
+                <a:spcPct val="100000"/>
+              </a:lnSpc>
+              <a:spcBef>
+                <a:spcPct val="20000"/>
+              </a:spcBef>
+              <a:spcAft>
+                <a:spcPct val="0"/>
+              </a:spcAft>
+              <a:buClrTx/>
+              <a:buSzTx/>
+              <a:buFontTx/>
+              <a:buNone/>
+              <a:tabLst/>
+              <a:defRPr/>
+            </a:pPr>
+            <a:endParaRPr kumimoji="0" lang="en-US" altLang="ko-KR" sz="2400" b="0" i="0" u="none" strike="noStrike" kern="0" cap="none" spc="0" normalizeH="0" baseline="0" noProof="0" dirty="0">
+              <a:ln>
+                <a:noFill/>
+              </a:ln>
+              <a:solidFill>
+                <a:srgbClr val="000000"/>
+              </a:solidFill>
+              <a:effectLst/>
+              <a:uLnTx/>
+              <a:uFillTx/>
+              <a:latin typeface="HY동녘M" pitchFamily="18" charset="-127"/>
+              <a:ea typeface="HY동녘M" pitchFamily="18" charset="-127"/>
+            </a:endParaRPr>
+          </a:p>
+        </p:txBody>
+      </p:sp>
+      <p:sp>
+        <p:nvSpPr>
+          <p:cNvPr id="7" name="내용 개체 틀 2"/>
+          <p:cNvSpPr txBox="1">
+            <a:spLocks/>
+          </p:cNvSpPr>
+          <p:nvPr/>
+        </p:nvSpPr>
+        <p:spPr bwMode="auto">
+          <a:xfrm>
+            <a:off x="5796136" y="1772816"/>
+            <a:ext cx="2088232" cy="504056"/>
+          </a:xfrm>
+          <a:prstGeom prst="rect">
+            <a:avLst/>
+          </a:prstGeom>
+          <a:noFill/>
+          <a:ln>
+            <a:noFill/>
+          </a:ln>
+          <a:effectLst/>
+          <a:extLst>
+            <a:ext uri="{909E8E84-426E-40DD-AFC4-6F175D3DCCD1}">
+              <a14:hiddenFill xmlns:a14="http://schemas.microsoft.com/office/drawing/2010/main" xmlns="">
+                <a:solidFill>
+                  <a:schemeClr val="accent1"/>
+                </a:solidFill>
+              </a14:hiddenFill>
+            </a:ext>
+            <a:ext uri="{91240B29-F687-4F45-9708-019B960494DF}">
+              <a14:hiddenLine xmlns:a14="http://schemas.microsoft.com/office/drawing/2010/main" xmlns="" w="9525">
+                <a:solidFill>
+                  <a:schemeClr val="tx1"/>
+                </a:solidFill>
+                <a:miter lim="800000"/>
+                <a:headEnd/>
+                <a:tailEnd/>
+              </a14:hiddenLine>
+            </a:ext>
+            <a:ext uri="{AF507438-7753-43E0-B8FC-AC1667EBCBE1}">
+              <a14:hiddenEffects xmlns:a14="http://schemas.microsoft.com/office/drawing/2010/main" xmlns="">
+                <a:effectLst>
+                  <a:outerShdw dist="35921" dir="2700000" algn="ctr" rotWithShape="0">
+                    <a:schemeClr val="bg2"/>
+                  </a:outerShdw>
+                </a:effectLst>
+              </a14:hiddenEffects>
+            </a:ext>
+          </a:extLst>
+        </p:spPr>
+        <p:txBody>
+          <a:bodyPr vert="horz" wrap="square" lIns="91440" tIns="45720" rIns="91440" bIns="45720" numCol="1" anchor="t" anchorCtr="0" compatLnSpc="1">
+            <a:prstTxWarp prst="textNoShape">
+              <a:avLst/>
+            </a:prstTxWarp>
+          </a:bodyPr>
+          <a:lstStyle/>
+          <a:p>
+            <a:pPr marL="857250" marR="0" lvl="2" indent="-457200" algn="l" defTabSz="914400" rtl="0" eaLnBrk="1" fontAlgn="base" latinLnBrk="1" hangingPunct="1">
+              <a:lnSpc>
+                <a:spcPct val="100000"/>
+              </a:lnSpc>
+              <a:spcBef>
+                <a:spcPct val="20000"/>
+              </a:spcBef>
+              <a:spcAft>
+                <a:spcPct val="0"/>
+              </a:spcAft>
+              <a:buClrTx/>
+              <a:buSzTx/>
+              <a:buFontTx/>
+              <a:buNone/>
+              <a:tabLst/>
+              <a:defRPr/>
+            </a:pPr>
+            <a:r>
+              <a:rPr kumimoji="0" lang="ko-KR" altLang="en-US" sz="2400" b="0" i="0" u="none" strike="noStrike" kern="0" cap="none" spc="0" normalizeH="0" baseline="0" noProof="0" dirty="0" err="1" smtClean="0">
+                <a:ln>
+                  <a:noFill/>
+                </a:ln>
+                <a:solidFill>
+                  <a:srgbClr val="000000"/>
+                </a:solidFill>
+                <a:effectLst/>
+                <a:uLnTx/>
+                <a:uFillTx/>
+                <a:latin typeface="HY동녘M" pitchFamily="18" charset="-127"/>
+                <a:ea typeface="HY동녘M" pitchFamily="18" charset="-127"/>
+              </a:rPr>
+              <a:t>스마트폰</a:t>
+            </a:r>
+            <a:endParaRPr kumimoji="0" lang="en-US" altLang="ko-KR" sz="2400" b="0" i="0" u="none" strike="noStrike" kern="0" cap="none" spc="0" normalizeH="0" baseline="0" noProof="0" dirty="0">
+              <a:ln>
+                <a:noFill/>
+              </a:ln>
+              <a:solidFill>
+                <a:srgbClr val="000000"/>
+              </a:solidFill>
+              <a:effectLst/>
+              <a:uLnTx/>
+              <a:uFillTx/>
+              <a:latin typeface="HY동녘M" pitchFamily="18" charset="-127"/>
+              <a:ea typeface="HY동녘M" pitchFamily="18" charset="-127"/>
+            </a:endParaRPr>
+          </a:p>
+        </p:txBody>
+      </p:sp>
     </p:spTree>
     <p:extLst>
       <p:ext uri="{BB962C8B-B14F-4D97-AF65-F5344CB8AC3E}">
@@ -10352,17 +10693,17 @@
               <a:t>- </a:t>
             </a:r>
             <a:r>
-              <a:rPr lang="ko-KR" altLang="en-US" dirty="0" err="1" smtClean="0">
+              <a:rPr lang="en-US" altLang="ko-KR" dirty="0" err="1" smtClean="0">
                 <a:solidFill>
                   <a:srgbClr val="000000"/>
                 </a:solidFill>
                 <a:latin typeface="HY동녘M" pitchFamily="18" charset="-127"/>
                 <a:ea typeface="HY동녘M" pitchFamily="18" charset="-127"/>
               </a:rPr>
-              <a:t>카카오톡</a:t>
-            </a:r>
-            <a:r>
-              <a:rPr lang="ko-KR" altLang="en-US" dirty="0" smtClean="0">
+              <a:t>KatalkPCLinker</a:t>
+            </a:r>
+            <a:r>
+              <a:rPr lang="en-US" altLang="ko-KR" dirty="0" smtClean="0">
                 <a:solidFill>
                   <a:srgbClr val="000000"/>
                 </a:solidFill>
@@ -10372,44 +10713,14 @@
               <a:t> </a:t>
             </a:r>
             <a:r>
-              <a:rPr lang="en-US" altLang="ko-KR" dirty="0" smtClean="0">
+              <a:rPr lang="ko-KR" altLang="en-US" dirty="0" smtClean="0">
                 <a:solidFill>
                   <a:srgbClr val="000000"/>
                 </a:solidFill>
                 <a:latin typeface="HY동녘M" pitchFamily="18" charset="-127"/>
                 <a:ea typeface="HY동녘M" pitchFamily="18" charset="-127"/>
               </a:rPr>
-              <a:t>PC</a:t>
-            </a:r>
-            <a:r>
-              <a:rPr lang="ko-KR" altLang="en-US" dirty="0" smtClean="0">
-                <a:solidFill>
-                  <a:srgbClr val="000000"/>
-                </a:solidFill>
-                <a:latin typeface="HY동녘M" pitchFamily="18" charset="-127"/>
-                <a:ea typeface="HY동녘M" pitchFamily="18" charset="-127"/>
-              </a:rPr>
-              <a:t> </a:t>
-            </a:r>
-            <a:r>
-              <a:rPr lang="en-US" altLang="ko-KR" dirty="0" smtClean="0">
-                <a:solidFill>
-                  <a:srgbClr val="000000"/>
-                </a:solidFill>
-                <a:latin typeface="HY동녘M" pitchFamily="18" charset="-127"/>
-                <a:ea typeface="HY동녘M" pitchFamily="18" charset="-127"/>
-              </a:rPr>
-              <a:t>Linker </a:t>
-            </a:r>
-            <a:r>
-              <a:rPr lang="ko-KR" altLang="en-US" dirty="0" smtClean="0">
-                <a:solidFill>
-                  <a:srgbClr val="000000"/>
-                </a:solidFill>
-                <a:latin typeface="HY동녘M" pitchFamily="18" charset="-127"/>
-                <a:ea typeface="HY동녘M" pitchFamily="18" charset="-127"/>
-              </a:rPr>
-              <a:t>서비스</a:t>
+              <a:t>구조</a:t>
             </a:r>
             <a:endParaRPr lang="en-US" altLang="ko-KR" dirty="0" smtClean="0">
               <a:solidFill>
@@ -12508,25 +12819,8 @@
                 <a:latin typeface="HY동녘M" pitchFamily="18" charset="-127"/>
                 <a:ea typeface="HY동녘M" pitchFamily="18" charset="-127"/>
               </a:rPr>
-              <a:t>Mouse </a:t>
-            </a:r>
-            <a:r>
-              <a:rPr lang="en-US" altLang="ko-KR" b="1" dirty="0" smtClean="0">
-                <a:solidFill>
-                  <a:schemeClr val="tx1"/>
-                </a:solidFill>
-                <a:latin typeface="HY동녘M" pitchFamily="18" charset="-127"/>
-                <a:ea typeface="HY동녘M" pitchFamily="18" charset="-127"/>
-              </a:rPr>
-              <a:t>Driver</a:t>
-            </a:r>
-            <a:endParaRPr lang="en-US" altLang="ko-KR" b="1" dirty="0" smtClean="0">
-              <a:solidFill>
-                <a:schemeClr val="tx1"/>
-              </a:solidFill>
-              <a:latin typeface="HY동녘M" pitchFamily="18" charset="-127"/>
-              <a:ea typeface="HY동녘M" pitchFamily="18" charset="-127"/>
-            </a:endParaRPr>
+              <a:t>Mouse Driver</a:t>
+            </a:r>
           </a:p>
         </p:txBody>
       </p:sp>
@@ -12672,15 +12966,7 @@
           <a:p>
             <a:r>
               <a:rPr lang="ko-KR" altLang="en-US" sz="1900" b="1" dirty="0" smtClean="0"/>
-              <a:t>장</a:t>
-            </a:r>
-            <a:r>
-              <a:rPr lang="ko-KR" altLang="en-US" sz="1900" b="1" dirty="0" smtClean="0"/>
-              <a:t>치 </a:t>
-            </a:r>
-            <a:r>
-              <a:rPr lang="ko-KR" altLang="en-US" sz="1900" b="1" dirty="0" smtClean="0"/>
-              <a:t>정보</a:t>
+              <a:t>장치 정보</a:t>
             </a:r>
             <a:endParaRPr lang="ko-KR" altLang="en-US" sz="1900" b="1" dirty="0"/>
           </a:p>
@@ -12964,17 +13250,7 @@
                 <a:latin typeface="HY동녘M" pitchFamily="18" charset="-127"/>
                 <a:ea typeface="HY동녘M" pitchFamily="18" charset="-127"/>
               </a:rPr>
-              <a:t>스마트</a:t>
-            </a:r>
-            <a:r>
-              <a:rPr lang="ko-KR" altLang="en-US" sz="2800" kern="0" dirty="0" err="1" smtClean="0">
-                <a:solidFill>
-                  <a:srgbClr val="000000"/>
-                </a:solidFill>
-                <a:latin typeface="HY동녘M" pitchFamily="18" charset="-127"/>
-                <a:ea typeface="HY동녘M" pitchFamily="18" charset="-127"/>
-              </a:rPr>
-              <a:t>폰</a:t>
+              <a:t>스마트폰</a:t>
             </a:r>
             <a:endParaRPr kumimoji="0" lang="en-US" altLang="ko-KR" sz="1600" b="0" i="0" u="none" strike="noStrike" kern="0" cap="none" spc="0" normalizeH="0" baseline="0" noProof="0" dirty="0" smtClean="0">
               <a:ln>

--- a/Documents/presentation doc/Final Presentation/final-presentation.pptx
+++ b/Documents/presentation doc/Final Presentation/final-presentation.pptx
@@ -156,7 +156,6 @@
 
 <file path=ppt/charts/chart1.xml><?xml version="1.0" encoding="utf-8"?>
 <c:chartSpace xmlns:c="http://schemas.openxmlformats.org/drawingml/2006/chart" xmlns:a="http://schemas.openxmlformats.org/drawingml/2006/main" xmlns:r="http://schemas.openxmlformats.org/officeDocument/2006/relationships">
-  <c:date1904 val="1"/>
   <c:lang val="ko-KR"/>
   <c:style val="27"/>
   <c:chart>
@@ -167,10 +166,10 @@
           <c:layoutTarget val="inner"/>
           <c:xMode val="edge"/>
           <c:yMode val="edge"/>
-          <c:x val="0.13756541418769694"/>
-          <c:y val="0.31142121774829412"/>
+          <c:x val="0.13756541418769702"/>
+          <c:y val="0.31142121774829423"/>
           <c:w val="0.82290353753797463"/>
-          <c:h val="0.56776310568666688"/>
+          <c:h val="0.56776310568666666"/>
         </c:manualLayout>
       </c:layout>
       <c:barChart>
@@ -240,7 +239,7 @@
             <c:numRef>
               <c:f>Sheet1!$B$2:$B$6</c:f>
               <c:numCache>
-                <c:formatCode>General</c:formatCode>
+                <c:formatCode>g/"표""준"</c:formatCode>
                 <c:ptCount val="5"/>
                 <c:pt idx="0">
                   <c:v>64</c:v>
@@ -265,34 +264,34 @@
           <c:showVal val="1"/>
         </c:dLbls>
         <c:gapWidth val="75"/>
-        <c:axId val="68372352"/>
-        <c:axId val="68373888"/>
+        <c:axId val="75175040"/>
+        <c:axId val="75176576"/>
       </c:barChart>
       <c:catAx>
-        <c:axId val="68372352"/>
+        <c:axId val="75175040"/>
         <c:scaling>
           <c:orientation val="minMax"/>
         </c:scaling>
         <c:axPos val="b"/>
         <c:majorTickMark val="none"/>
         <c:tickLblPos val="nextTo"/>
-        <c:crossAx val="68373888"/>
+        <c:crossAx val="75176576"/>
         <c:crosses val="autoZero"/>
         <c:auto val="1"/>
         <c:lblAlgn val="ctr"/>
         <c:lblOffset val="100"/>
       </c:catAx>
       <c:valAx>
-        <c:axId val="68373888"/>
+        <c:axId val="75176576"/>
         <c:scaling>
           <c:orientation val="minMax"/>
           <c:min val="0"/>
         </c:scaling>
         <c:axPos val="l"/>
-        <c:numFmt formatCode="General" sourceLinked="1"/>
+        <c:numFmt formatCode="g/&quot;표&quot;&quot;준&quot;" sourceLinked="1"/>
         <c:majorTickMark val="none"/>
         <c:tickLblPos val="nextTo"/>
-        <c:crossAx val="68372352"/>
+        <c:crossAx val="75175040"/>
         <c:crosses val="autoZero"/>
         <c:crossBetween val="between"/>
         <c:majorUnit val="20"/>
@@ -304,10 +303,10 @@
         <c:manualLayout>
           <c:xMode val="edge"/>
           <c:yMode val="edge"/>
-          <c:x val="0.18942124246731373"/>
-          <c:y val="3.0763248527941586E-2"/>
-          <c:w val="0.681171680158149"/>
-          <c:h val="0.22344660117130047"/>
+          <c:x val="0.18942124246731384"/>
+          <c:y val="3.0763248527941607E-2"/>
+          <c:w val="0.68117168015814944"/>
+          <c:h val="0.22344660117130064"/>
         </c:manualLayout>
       </c:layout>
     </c:legend>
@@ -330,7 +329,6 @@
 
 <file path=ppt/charts/chart2.xml><?xml version="1.0" encoding="utf-8"?>
 <c:chartSpace xmlns:c="http://schemas.openxmlformats.org/drawingml/2006/chart" xmlns:a="http://schemas.openxmlformats.org/drawingml/2006/main" xmlns:r="http://schemas.openxmlformats.org/officeDocument/2006/relationships">
-  <c:date1904 val="1"/>
   <c:lang val="ko-KR"/>
   <c:style val="26"/>
   <c:chart>
@@ -387,7 +385,7 @@
             <c:numRef>
               <c:f>Sheet1!$B$2:$B$6</c:f>
               <c:numCache>
-                <c:formatCode>General</c:formatCode>
+                <c:formatCode>g/"표""준"</c:formatCode>
                 <c:ptCount val="5"/>
                 <c:pt idx="0">
                   <c:v>80</c:v>
@@ -408,34 +406,35 @@
             </c:numRef>
           </c:val>
         </c:ser>
+        <c:dLbls/>
         <c:marker val="1"/>
-        <c:axId val="71240320"/>
-        <c:axId val="71250304"/>
+        <c:axId val="75249920"/>
+        <c:axId val="75255808"/>
       </c:lineChart>
       <c:catAx>
-        <c:axId val="71240320"/>
+        <c:axId val="75249920"/>
         <c:scaling>
           <c:orientation val="minMax"/>
         </c:scaling>
         <c:axPos val="b"/>
         <c:tickLblPos val="nextTo"/>
-        <c:crossAx val="71250304"/>
+        <c:crossAx val="75255808"/>
         <c:crosses val="autoZero"/>
         <c:auto val="1"/>
         <c:lblAlgn val="ctr"/>
         <c:lblOffset val="100"/>
       </c:catAx>
       <c:valAx>
-        <c:axId val="71250304"/>
+        <c:axId val="75255808"/>
         <c:scaling>
           <c:orientation val="minMax"/>
           <c:max val="2000"/>
         </c:scaling>
         <c:axPos val="l"/>
         <c:majorGridlines/>
-        <c:numFmt formatCode="General" sourceLinked="1"/>
+        <c:numFmt formatCode="g/&quot;표&quot;&quot;준&quot;" sourceLinked="1"/>
         <c:tickLblPos val="nextTo"/>
-        <c:crossAx val="71240320"/>
+        <c:crossAx val="75249920"/>
         <c:crosses val="autoZero"/>
         <c:crossBetween val="between"/>
         <c:majorUnit val="500"/>
@@ -1135,7 +1134,51 @@
                 <a:ea typeface="+mn-ea"/>
                 <a:cs typeface="+mn-cs"/>
               </a:rPr>
-              <a:t>조 발표를 맞게 된 </a:t>
+              <a:t>조 </a:t>
+            </a:r>
+            <a:r>
+              <a:rPr lang="ko-KR" altLang="ko-KR" sz="1200" kern="1200" smtClean="0">
+                <a:solidFill>
+                  <a:schemeClr val="tx1"/>
+                </a:solidFill>
+                <a:latin typeface="Arial" charset="0"/>
+                <a:ea typeface="+mn-ea"/>
+                <a:cs typeface="+mn-cs"/>
+              </a:rPr>
+              <a:t>발표를 </a:t>
+            </a:r>
+            <a:r>
+              <a:rPr lang="ko-KR" altLang="en-US" sz="1200" kern="1200" smtClean="0">
+                <a:solidFill>
+                  <a:schemeClr val="tx1"/>
+                </a:solidFill>
+                <a:latin typeface="Arial" charset="0"/>
+                <a:ea typeface="+mn-ea"/>
+                <a:cs typeface="+mn-cs"/>
+              </a:rPr>
+              <a:t>맡</a:t>
+            </a:r>
+            <a:r>
+              <a:rPr lang="ko-KR" altLang="ko-KR" sz="1200" kern="1200" smtClean="0">
+                <a:solidFill>
+                  <a:schemeClr val="tx1"/>
+                </a:solidFill>
+                <a:latin typeface="Arial" charset="0"/>
+                <a:ea typeface="+mn-ea"/>
+                <a:cs typeface="+mn-cs"/>
+              </a:rPr>
+              <a:t>게 </a:t>
+            </a:r>
+            <a:r>
+              <a:rPr lang="ko-KR" altLang="ko-KR" sz="1200" kern="1200" dirty="0" smtClean="0">
+                <a:solidFill>
+                  <a:schemeClr val="tx1"/>
+                </a:solidFill>
+                <a:latin typeface="Arial" charset="0"/>
+                <a:ea typeface="+mn-ea"/>
+                <a:cs typeface="+mn-cs"/>
+              </a:rPr>
+              <a:t>된 </a:t>
             </a:r>
             <a:r>
               <a:rPr lang="en-US" altLang="ko-KR" sz="1200" kern="1200" dirty="0" smtClean="0">
@@ -2346,6 +2389,116 @@
               <a:t>. </a:t>
             </a:r>
             <a:r>
+              <a:rPr lang="en-US" altLang="ko-KR" sz="1200" kern="1200" baseline="0" dirty="0" err="1" smtClean="0">
+                <a:solidFill>
+                  <a:schemeClr val="tx1"/>
+                </a:solidFill>
+                <a:latin typeface="Arial" charset="0"/>
+                <a:ea typeface="+mn-ea"/>
+                <a:cs typeface="+mn-cs"/>
+              </a:rPr>
+              <a:t>KatalkPCLinker</a:t>
+            </a:r>
+            <a:r>
+              <a:rPr lang="ko-KR" altLang="en-US" sz="1200" kern="1200" baseline="0" dirty="0" smtClean="0">
+                <a:solidFill>
+                  <a:schemeClr val="tx1"/>
+                </a:solidFill>
+                <a:latin typeface="Arial" charset="0"/>
+                <a:ea typeface="+mn-ea"/>
+                <a:cs typeface="+mn-cs"/>
+              </a:rPr>
+              <a:t>는 </a:t>
+            </a:r>
+            <a:r>
+              <a:rPr lang="en-US" altLang="ko-KR" sz="1200" kern="1200" baseline="0" dirty="0" smtClean="0">
+                <a:solidFill>
+                  <a:schemeClr val="tx1"/>
+                </a:solidFill>
+                <a:latin typeface="Arial" charset="0"/>
+                <a:ea typeface="+mn-ea"/>
+                <a:cs typeface="+mn-cs"/>
+              </a:rPr>
+              <a:t>PC</a:t>
+            </a:r>
+            <a:r>
+              <a:rPr lang="ko-KR" altLang="en-US" sz="1200" kern="1200" baseline="0" dirty="0" smtClean="0">
+                <a:solidFill>
+                  <a:schemeClr val="tx1"/>
+                </a:solidFill>
+                <a:latin typeface="Arial" charset="0"/>
+                <a:ea typeface="+mn-ea"/>
+                <a:cs typeface="+mn-cs"/>
+              </a:rPr>
+              <a:t>에 </a:t>
+            </a:r>
+            <a:r>
+              <a:rPr lang="en-US" altLang="ko-KR" sz="1200" kern="1200" dirty="0" smtClean="0">
+                <a:solidFill>
+                  <a:schemeClr val="tx1"/>
+                </a:solidFill>
+                <a:latin typeface="Arial" charset="0"/>
+                <a:ea typeface="+mn-ea"/>
+                <a:cs typeface="+mn-cs"/>
+              </a:rPr>
+              <a:t>USB</a:t>
+            </a:r>
+            <a:r>
+              <a:rPr lang="ko-KR" altLang="en-US" sz="1200" kern="1200" dirty="0" smtClean="0">
+                <a:solidFill>
+                  <a:schemeClr val="tx1"/>
+                </a:solidFill>
+                <a:latin typeface="Arial" charset="0"/>
+                <a:ea typeface="+mn-ea"/>
+                <a:cs typeface="+mn-cs"/>
+              </a:rPr>
+              <a:t>카메라로 인식돼서 </a:t>
+            </a:r>
+            <a:r>
+              <a:rPr lang="ko-KR" altLang="en-US" sz="1200" kern="1200" dirty="0" smtClean="0">
+                <a:solidFill>
+                  <a:schemeClr val="tx1"/>
+                </a:solidFill>
+                <a:latin typeface="Arial" charset="0"/>
+                <a:ea typeface="+mn-ea"/>
+                <a:cs typeface="+mn-cs"/>
+              </a:rPr>
+              <a:t>어플리케이션의 수정 없이 </a:t>
+            </a:r>
+            <a:r>
+              <a:rPr lang="ko-KR" altLang="en-US" sz="1200" kern="1200" err="1" smtClean="0">
+                <a:solidFill>
+                  <a:schemeClr val="tx1"/>
+                </a:solidFill>
+                <a:latin typeface="Arial" charset="0"/>
+                <a:ea typeface="+mn-ea"/>
+                <a:cs typeface="+mn-cs"/>
+              </a:rPr>
+              <a:t>카카오톡</a:t>
+            </a:r>
+            <a:r>
+              <a:rPr lang="ko-KR" altLang="en-US" sz="1200" kern="1200" smtClean="0">
+                <a:solidFill>
+                  <a:schemeClr val="tx1"/>
+                </a:solidFill>
+                <a:latin typeface="Arial" charset="0"/>
+                <a:ea typeface="+mn-ea"/>
+                <a:cs typeface="+mn-cs"/>
+              </a:rPr>
+              <a:t> 화면뿐만 </a:t>
+            </a:r>
+            <a:r>
+              <a:rPr lang="ko-KR" altLang="en-US" sz="1200" kern="1200" dirty="0" smtClean="0">
+                <a:solidFill>
+                  <a:schemeClr val="tx1"/>
+                </a:solidFill>
+                <a:latin typeface="Arial" charset="0"/>
+                <a:ea typeface="+mn-ea"/>
+                <a:cs typeface="+mn-cs"/>
+              </a:rPr>
+              <a:t>아니라 </a:t>
+            </a:r>
+            <a:r>
               <a:rPr lang="ko-KR" altLang="en-US" sz="1200" kern="1200" baseline="0" dirty="0" err="1" smtClean="0">
                 <a:solidFill>
                   <a:schemeClr val="tx1"/>
@@ -2354,7 +2507,7 @@
                 <a:ea typeface="+mn-ea"/>
                 <a:cs typeface="+mn-cs"/>
               </a:rPr>
-              <a:t>카카오톡</a:t>
+              <a:t>스마트폰의</a:t>
             </a:r>
             <a:r>
               <a:rPr lang="ko-KR" altLang="en-US" sz="1200" kern="1200" baseline="0" dirty="0" smtClean="0">
@@ -2365,18 +2518,7 @@
                 <a:ea typeface="+mn-ea"/>
                 <a:cs typeface="+mn-cs"/>
               </a:rPr>
-              <a:t> 이미지 부분에 영상을 출력하는데 </a:t>
-            </a:r>
-            <a:r>
-              <a:rPr lang="en-US" altLang="ko-KR" sz="1200" kern="1200" baseline="0" dirty="0" err="1" smtClean="0">
-                <a:solidFill>
-                  <a:schemeClr val="tx1"/>
-                </a:solidFill>
-                <a:latin typeface="Arial" charset="0"/>
-                <a:ea typeface="+mn-ea"/>
-                <a:cs typeface="+mn-cs"/>
-              </a:rPr>
-              <a:t>KatalkPCLinker</a:t>
+              <a:t> 모든 </a:t>
             </a:r>
             <a:r>
               <a:rPr lang="ko-KR" altLang="en-US" sz="1200" kern="1200" baseline="0" dirty="0" smtClean="0">
@@ -2387,89 +2529,7 @@
                 <a:ea typeface="+mn-ea"/>
                 <a:cs typeface="+mn-cs"/>
               </a:rPr>
-              <a:t>는 </a:t>
-            </a:r>
-            <a:r>
-              <a:rPr lang="en-US" altLang="ko-KR" sz="1200" kern="1200" dirty="0" smtClean="0">
-                <a:solidFill>
-                  <a:schemeClr val="tx1"/>
-                </a:solidFill>
-                <a:latin typeface="Arial" charset="0"/>
-                <a:ea typeface="+mn-ea"/>
-                <a:cs typeface="+mn-cs"/>
-              </a:rPr>
-              <a:t>USB</a:t>
-            </a:r>
-            <a:r>
-              <a:rPr lang="ko-KR" altLang="en-US" sz="1200" kern="1200" dirty="0" smtClean="0">
-                <a:solidFill>
-                  <a:schemeClr val="tx1"/>
-                </a:solidFill>
-                <a:latin typeface="Arial" charset="0"/>
-                <a:ea typeface="+mn-ea"/>
-                <a:cs typeface="+mn-cs"/>
-              </a:rPr>
-              <a:t>카메라로 인식돼서 </a:t>
-            </a:r>
-            <a:r>
-              <a:rPr lang="ko-KR" altLang="en-US" sz="1200" kern="1200" baseline="0" dirty="0" smtClean="0">
-                <a:solidFill>
-                  <a:schemeClr val="tx1"/>
-                </a:solidFill>
-                <a:latin typeface="Arial" charset="0"/>
-                <a:ea typeface="+mn-ea"/>
-                <a:cs typeface="+mn-cs"/>
-              </a:rPr>
-              <a:t>스마</a:t>
-            </a:r>
-            <a:endParaRPr lang="en-US" altLang="ko-KR" sz="1200" kern="1200" baseline="0" dirty="0" smtClean="0">
-              <a:solidFill>
-                <a:schemeClr val="tx1"/>
-              </a:solidFill>
-              <a:latin typeface="Arial" charset="0"/>
-              <a:ea typeface="+mn-ea"/>
-              <a:cs typeface="+mn-cs"/>
-            </a:endParaRPr>
-          </a:p>
-          <a:p>
-            <a:pPr marL="0" marR="0" indent="0" algn="just" defTabSz="914400" rtl="0" eaLnBrk="1" fontAlgn="base" latinLnBrk="0" hangingPunct="1">
-              <a:lnSpc>
-                <a:spcPct val="100000"/>
-              </a:lnSpc>
-              <a:spcBef>
-                <a:spcPct val="30000"/>
-              </a:spcBef>
-              <a:spcAft>
-                <a:spcPct val="0"/>
-              </a:spcAft>
-              <a:buClrTx/>
-              <a:buSzTx/>
-              <a:buFontTx/>
-              <a:buNone/>
-              <a:tabLst/>
-              <a:defRPr/>
-            </a:pPr>
-            <a:r>
-              <a:rPr lang="ko-KR" altLang="en-US" sz="1200" kern="1200" baseline="0" dirty="0" err="1" smtClean="0">
-                <a:solidFill>
-                  <a:schemeClr val="tx1"/>
-                </a:solidFill>
-                <a:latin typeface="Arial" charset="0"/>
-                <a:ea typeface="+mn-ea"/>
-                <a:cs typeface="+mn-cs"/>
-              </a:rPr>
-              <a:t>트폰의</a:t>
-            </a:r>
-            <a:r>
-              <a:rPr lang="ko-KR" altLang="en-US" sz="1200" kern="1200" baseline="0" dirty="0" smtClean="0">
-                <a:solidFill>
-                  <a:schemeClr val="tx1"/>
-                </a:solidFill>
-                <a:latin typeface="Arial" charset="0"/>
-                <a:ea typeface="+mn-ea"/>
-                <a:cs typeface="+mn-cs"/>
-              </a:rPr>
-              <a:t> 지나가는 모든 화면을 </a:t>
+              <a:t>화면을 </a:t>
             </a:r>
             <a:r>
               <a:rPr lang="en-US" altLang="ko-KR" sz="1200" kern="1200" baseline="0" dirty="0" smtClean="0">
@@ -3635,18 +3695,18 @@
                 <a:ea typeface="+mn-ea"/>
                 <a:cs typeface="+mn-cs"/>
               </a:rPr>
-              <a:t>스마트폰에서</a:t>
-            </a:r>
-            <a:r>
-              <a:rPr lang="ko-KR" altLang="ko-KR" sz="1200" kern="1200" dirty="0" smtClean="0">
-                <a:solidFill>
-                  <a:schemeClr val="tx1"/>
-                </a:solidFill>
-                <a:latin typeface="Arial" charset="0"/>
-                <a:ea typeface="+mn-ea"/>
-                <a:cs typeface="+mn-cs"/>
-              </a:rPr>
-              <a:t> 가능한 일</a:t>
+              <a:t>스마트폰</a:t>
+            </a:r>
+            <a:r>
+              <a:rPr lang="ko-KR" altLang="en-US" sz="1200" kern="1200" dirty="0" err="1" smtClean="0">
+                <a:solidFill>
+                  <a:schemeClr val="tx1"/>
+                </a:solidFill>
+                <a:latin typeface="Arial" charset="0"/>
+                <a:ea typeface="+mn-ea"/>
+                <a:cs typeface="+mn-cs"/>
+              </a:rPr>
+              <a:t>의</a:t>
             </a:r>
             <a:r>
               <a:rPr lang="ko-KR" altLang="en-US" sz="1200" kern="1200" dirty="0" smtClean="0">
@@ -3657,18 +3717,7 @@
                 <a:ea typeface="+mn-ea"/>
                 <a:cs typeface="+mn-cs"/>
               </a:rPr>
-              <a:t>은</a:t>
-            </a:r>
-            <a:r>
-              <a:rPr lang="ko-KR" altLang="ko-KR" sz="1200" kern="1200" dirty="0" smtClean="0">
-                <a:solidFill>
-                  <a:schemeClr val="tx1"/>
-                </a:solidFill>
-                <a:latin typeface="Arial" charset="0"/>
-                <a:ea typeface="+mn-ea"/>
-                <a:cs typeface="+mn-cs"/>
-              </a:rPr>
-              <a:t> 많지만</a:t>
+              <a:t> 기능은 많지만</a:t>
             </a:r>
             <a:r>
               <a:rPr lang="en-US" altLang="ko-KR" sz="1200" kern="1200" dirty="0" smtClean="0">
@@ -4140,12 +4189,8 @@
           <a:lstStyle/>
           <a:p>
             <a:r>
-              <a:rPr lang="en-US" altLang="ko-KR" dirty="0" smtClean="0"/>
-              <a:t>USB</a:t>
-            </a:r>
-            <a:r>
               <a:rPr lang="ko-KR" altLang="en-US" dirty="0" smtClean="0"/>
-              <a:t>는 기존에는 </a:t>
+              <a:t>기존에는 </a:t>
             </a:r>
             <a:r>
               <a:rPr lang="en-US" altLang="ko-KR" dirty="0" smtClean="0"/>
@@ -5370,7 +5415,29 @@
                 <a:ea typeface="+mn-ea"/>
                 <a:cs typeface="+mn-cs"/>
               </a:rPr>
-              <a:t>예를 들어 좌측 구조가 윈도우 어플리케이션에 </a:t>
+              <a:t>예를 들어 </a:t>
+            </a:r>
+            <a:r>
+              <a:rPr lang="ko-KR" altLang="en-US" sz="1200" kern="1200" dirty="0" smtClean="0">
+                <a:solidFill>
+                  <a:schemeClr val="tx1"/>
+                </a:solidFill>
+                <a:latin typeface="Arial" charset="0"/>
+                <a:ea typeface="+mn-ea"/>
+                <a:cs typeface="+mn-cs"/>
+              </a:rPr>
+              <a:t>좌측이 </a:t>
+            </a:r>
+            <a:r>
+              <a:rPr lang="ko-KR" altLang="en-US" sz="1200" kern="1200" dirty="0" smtClean="0">
+                <a:solidFill>
+                  <a:schemeClr val="tx1"/>
+                </a:solidFill>
+                <a:latin typeface="Arial" charset="0"/>
+                <a:ea typeface="+mn-ea"/>
+                <a:cs typeface="+mn-cs"/>
+              </a:rPr>
+              <a:t>윈도우 어플리케이션에 </a:t>
             </a:r>
             <a:r>
               <a:rPr lang="en-US" altLang="ko-KR" sz="1200" kern="1200" dirty="0" smtClean="0">
@@ -5425,7 +5492,7 @@
                 <a:ea typeface="+mn-ea"/>
                 <a:cs typeface="+mn-cs"/>
               </a:rPr>
-              <a:t> 구조에서 </a:t>
+              <a:t>에서 </a:t>
             </a:r>
             <a:r>
               <a:rPr lang="ko-KR" altLang="en-US" sz="1200" kern="1200" baseline="0" dirty="0" err="1" smtClean="0">
@@ -5502,7 +5569,18 @@
                 <a:ea typeface="+mn-ea"/>
                 <a:cs typeface="+mn-cs"/>
               </a:rPr>
-              <a:t>장치로 인식하게 하고 </a:t>
+              <a:t>장치로 </a:t>
+            </a:r>
+            <a:r>
+              <a:rPr lang="ko-KR" altLang="en-US" sz="1200" kern="1200" dirty="0" smtClean="0">
+                <a:solidFill>
+                  <a:schemeClr val="tx1"/>
+                </a:solidFill>
+                <a:latin typeface="Arial" charset="0"/>
+                <a:ea typeface="+mn-ea"/>
+                <a:cs typeface="+mn-cs"/>
+              </a:rPr>
+              <a:t>인식되고</a:t>
             </a:r>
             <a:r>
               <a:rPr lang="en-US" altLang="ko-KR" sz="1200" kern="1200" dirty="0" smtClean="0">
@@ -5513,6 +5591,28 @@
                 <a:ea typeface="+mn-ea"/>
                 <a:cs typeface="+mn-cs"/>
               </a:rPr>
+              <a:t>,</a:t>
+            </a:r>
+            <a:r>
+              <a:rPr lang="ko-KR" altLang="en-US" sz="1200" kern="1200" dirty="0" smtClean="0">
+                <a:solidFill>
+                  <a:schemeClr val="tx1"/>
+                </a:solidFill>
+                <a:latin typeface="Arial" charset="0"/>
+                <a:ea typeface="+mn-ea"/>
+                <a:cs typeface="+mn-cs"/>
+              </a:rPr>
+              <a:t> </a:t>
+            </a:r>
+            <a:r>
+              <a:rPr lang="en-US" altLang="ko-KR" sz="1200" kern="1200" dirty="0" smtClean="0">
+                <a:solidFill>
+                  <a:schemeClr val="tx1"/>
+                </a:solidFill>
+                <a:latin typeface="Arial" charset="0"/>
+                <a:ea typeface="+mn-ea"/>
+                <a:cs typeface="+mn-cs"/>
+              </a:rPr>
               <a:t>USB/IP</a:t>
             </a:r>
             <a:r>
@@ -5536,6 +5636,17 @@
                 <a:cs typeface="+mn-cs"/>
               </a:rPr>
               <a:t> </a:t>
+            </a:r>
+            <a:r>
+              <a:rPr lang="ko-KR" altLang="en-US" sz="1200" kern="1200" baseline="0" dirty="0" smtClean="0">
+                <a:solidFill>
+                  <a:schemeClr val="tx1"/>
+                </a:solidFill>
+                <a:latin typeface="Arial" charset="0"/>
+                <a:ea typeface="+mn-ea"/>
+                <a:cs typeface="+mn-cs"/>
+              </a:rPr>
+              <a:t>어플리케이션의 수정 없이 </a:t>
             </a:r>
             <a:r>
               <a:rPr lang="en-US" altLang="ko-KR" sz="1200" kern="1200" baseline="0" dirty="0" smtClean="0">
@@ -5798,7 +5909,29 @@
                 <a:ea typeface="+mn-ea"/>
                 <a:cs typeface="+mn-cs"/>
               </a:rPr>
-              <a:t>용 프로그램들을 수정 없이 사용할 수 있다는 장점을 갖습니다</a:t>
+              <a:t>용 </a:t>
+            </a:r>
+            <a:r>
+              <a:rPr lang="ko-KR" altLang="en-US" sz="1200" kern="1200" dirty="0" smtClean="0">
+                <a:solidFill>
+                  <a:schemeClr val="tx1"/>
+                </a:solidFill>
+                <a:latin typeface="Arial" charset="0"/>
+                <a:ea typeface="+mn-ea"/>
+                <a:cs typeface="+mn-cs"/>
+              </a:rPr>
+              <a:t>어플리케이션들을 수정 </a:t>
+            </a:r>
+            <a:r>
+              <a:rPr lang="ko-KR" altLang="en-US" sz="1200" kern="1200" dirty="0" smtClean="0">
+                <a:solidFill>
+                  <a:schemeClr val="tx1"/>
+                </a:solidFill>
+                <a:latin typeface="Arial" charset="0"/>
+                <a:ea typeface="+mn-ea"/>
+                <a:cs typeface="+mn-cs"/>
+              </a:rPr>
+              <a:t>없이 사용할 수 있다는 장점을 갖습니다</a:t>
             </a:r>
             <a:r>
               <a:rPr lang="en-US" altLang="ko-KR" sz="1200" kern="1200" dirty="0" smtClean="0">
@@ -5875,7 +6008,7 @@
                 <a:ea typeface="+mn-ea"/>
                 <a:cs typeface="+mn-cs"/>
               </a:rPr>
-              <a:t>프로그램을 </a:t>
+              <a:t>어플리케이션을 </a:t>
             </a:r>
             <a:r>
               <a:rPr lang="ko-KR" altLang="en-US" sz="1200" kern="1200" dirty="0" smtClean="0">
@@ -5897,7 +6030,7 @@
                 <a:ea typeface="+mn-ea"/>
                 <a:cs typeface="+mn-cs"/>
               </a:rPr>
-              <a:t>..</a:t>
+              <a:t>.</a:t>
             </a:r>
             <a:endParaRPr lang="ko-KR" altLang="en-US" sz="1200" kern="1200" dirty="0" smtClean="0">
               <a:solidFill>
@@ -8985,7 +9118,7 @@
       </p:sp>
       <p:grpSp>
         <p:nvGrpSpPr>
-          <p:cNvPr id="9" name="그룹 8"/>
+          <p:cNvPr id="10" name="그룹 9"/>
           <p:cNvGrpSpPr/>
           <p:nvPr/>
         </p:nvGrpSpPr>
@@ -8993,7 +9126,7 @@
           <a:xfrm>
             <a:off x="2483768" y="2204864"/>
             <a:ext cx="3024336" cy="1902307"/>
-            <a:chOff x="2123728" y="2535682"/>
+            <a:chOff x="2483768" y="2204864"/>
             <a:chExt cx="3024336" cy="1902307"/>
           </a:xfrm>
         </p:grpSpPr>
@@ -9014,7 +9147,7 @@
           </p:blipFill>
           <p:spPr bwMode="auto">
             <a:xfrm>
-              <a:off x="2987825" y="2535682"/>
+              <a:off x="3347865" y="2204864"/>
               <a:ext cx="1296144" cy="1902307"/>
             </a:xfrm>
             <a:prstGeom prst="rect">
@@ -9046,7 +9179,7 @@
           </p:blipFill>
           <p:spPr bwMode="auto">
             <a:xfrm>
-              <a:off x="2123728" y="2636912"/>
+              <a:off x="2483768" y="2306094"/>
               <a:ext cx="3024336" cy="1728192"/>
             </a:xfrm>
             <a:prstGeom prst="rect">
@@ -9965,64 +10098,6 @@
           </a:p>
         </p:txBody>
       </p:sp>
-      <p:pic>
-        <p:nvPicPr>
-          <p:cNvPr id="1026" name="Picture 2"/>
-          <p:cNvPicPr>
-            <a:picLocks noChangeAspect="1" noChangeArrowheads="1"/>
-          </p:cNvPicPr>
-          <p:nvPr/>
-        </p:nvPicPr>
-        <p:blipFill>
-          <a:blip r:embed="rId3" cstate="print"/>
-          <a:srcRect/>
-          <a:stretch>
-            <a:fillRect/>
-          </a:stretch>
-        </p:blipFill>
-        <p:spPr bwMode="auto">
-          <a:xfrm>
-            <a:off x="827584" y="2204864"/>
-            <a:ext cx="2304256" cy="3486514"/>
-          </a:xfrm>
-          <a:prstGeom prst="rect">
-            <a:avLst/>
-          </a:prstGeom>
-          <a:noFill/>
-          <a:ln w="9525">
-            <a:noFill/>
-            <a:miter lim="800000"/>
-            <a:headEnd/>
-            <a:tailEnd/>
-          </a:ln>
-        </p:spPr>
-      </p:pic>
-      <p:pic>
-        <p:nvPicPr>
-          <p:cNvPr id="4" name="Picture 2" descr="N:\백업용\Screenshot_2012-05-07-15-50-22.png"/>
-          <p:cNvPicPr>
-            <a:picLocks noChangeAspect="1" noChangeArrowheads="1"/>
-          </p:cNvPicPr>
-          <p:nvPr/>
-        </p:nvPicPr>
-        <p:blipFill>
-          <a:blip r:embed="rId4" cstate="print"/>
-          <a:srcRect/>
-          <a:stretch>
-            <a:fillRect/>
-          </a:stretch>
-        </p:blipFill>
-        <p:spPr bwMode="auto">
-          <a:xfrm>
-            <a:off x="3203848" y="2204864"/>
-            <a:ext cx="2088232" cy="3528392"/>
-          </a:xfrm>
-          <a:prstGeom prst="rect">
-            <a:avLst/>
-          </a:prstGeom>
-          <a:noFill/>
-        </p:spPr>
-      </p:pic>
       <p:sp>
         <p:nvSpPr>
           <p:cNvPr id="7" name="모서리가 둥근 직사각형 6"/>
@@ -10082,7 +10157,7 @@
           <p:nvPr/>
         </p:nvPicPr>
         <p:blipFill>
-          <a:blip r:embed="rId5" cstate="print"/>
+          <a:blip r:embed="rId3" cstate="print"/>
           <a:srcRect/>
           <a:stretch>
             <a:fillRect/>
@@ -10103,6 +10178,99 @@
             <a:headEnd/>
             <a:tailEnd/>
           </a:ln>
+        </p:spPr>
+      </p:pic>
+      <p:grpSp>
+        <p:nvGrpSpPr>
+          <p:cNvPr id="24" name="그룹 23"/>
+          <p:cNvGrpSpPr/>
+          <p:nvPr/>
+        </p:nvGrpSpPr>
+        <p:grpSpPr>
+          <a:xfrm>
+            <a:off x="3203848" y="2204864"/>
+            <a:ext cx="2160240" cy="3600400"/>
+            <a:chOff x="3203848" y="2204864"/>
+            <a:chExt cx="2160240" cy="3600400"/>
+          </a:xfrm>
+        </p:grpSpPr>
+        <p:pic>
+          <p:nvPicPr>
+            <p:cNvPr id="22" name="Picture 2" descr="C:\Documents and Settings\Administrator\바탕 화면\Untitled-1.gif"/>
+            <p:cNvPicPr>
+              <a:picLocks noChangeAspect="1" noChangeArrowheads="1"/>
+            </p:cNvPicPr>
+            <p:nvPr/>
+          </p:nvPicPr>
+          <p:blipFill>
+            <a:blip r:embed="rId4" cstate="print"/>
+            <a:srcRect/>
+            <a:stretch>
+              <a:fillRect/>
+            </a:stretch>
+          </p:blipFill>
+          <p:spPr bwMode="auto">
+            <a:xfrm>
+              <a:off x="3203848" y="2204864"/>
+              <a:ext cx="2160240" cy="3600400"/>
+            </a:xfrm>
+            <a:prstGeom prst="rect">
+              <a:avLst/>
+            </a:prstGeom>
+            <a:noFill/>
+          </p:spPr>
+        </p:pic>
+        <p:pic>
+          <p:nvPicPr>
+            <p:cNvPr id="4" name="Picture 2" descr="N:\백업용\Screenshot_2012-05-07-15-50-22.png"/>
+            <p:cNvPicPr>
+              <a:picLocks noChangeAspect="1" noChangeArrowheads="1"/>
+            </p:cNvPicPr>
+            <p:nvPr/>
+          </p:nvPicPr>
+          <p:blipFill>
+            <a:blip r:embed="rId5" cstate="print"/>
+            <a:srcRect/>
+            <a:stretch>
+              <a:fillRect/>
+            </a:stretch>
+          </p:blipFill>
+          <p:spPr bwMode="auto">
+            <a:xfrm>
+              <a:off x="3347864" y="2636912"/>
+              <a:ext cx="1872208" cy="2736304"/>
+            </a:xfrm>
+            <a:prstGeom prst="rect">
+              <a:avLst/>
+            </a:prstGeom>
+            <a:noFill/>
+          </p:spPr>
+        </p:pic>
+      </p:grpSp>
+      <p:pic>
+        <p:nvPicPr>
+          <p:cNvPr id="25" name="Picture 4" descr="N:\설계프로젝트\제목 없음.png"/>
+          <p:cNvPicPr>
+            <a:picLocks noChangeAspect="1" noChangeArrowheads="1"/>
+          </p:cNvPicPr>
+          <p:nvPr/>
+        </p:nvPicPr>
+        <p:blipFill>
+          <a:blip r:embed="rId6" cstate="print"/>
+          <a:srcRect/>
+          <a:stretch>
+            <a:fillRect/>
+          </a:stretch>
+        </p:blipFill>
+        <p:spPr bwMode="auto">
+          <a:xfrm>
+            <a:off x="815059" y="2239294"/>
+            <a:ext cx="2244774" cy="3528391"/>
+          </a:xfrm>
+          <a:prstGeom prst="rect">
+            <a:avLst/>
+          </a:prstGeom>
+          <a:noFill/>
         </p:spPr>
       </p:pic>
     </p:spTree>
@@ -10259,64 +10427,6 @@
           </a:p>
         </p:txBody>
       </p:sp>
-      <p:pic>
-        <p:nvPicPr>
-          <p:cNvPr id="1026" name="Picture 2"/>
-          <p:cNvPicPr>
-            <a:picLocks noChangeAspect="1" noChangeArrowheads="1"/>
-          </p:cNvPicPr>
-          <p:nvPr/>
-        </p:nvPicPr>
-        <p:blipFill>
-          <a:blip r:embed="rId3" cstate="print"/>
-          <a:srcRect/>
-          <a:stretch>
-            <a:fillRect/>
-          </a:stretch>
-        </p:blipFill>
-        <p:spPr bwMode="auto">
-          <a:xfrm>
-            <a:off x="934076" y="2348880"/>
-            <a:ext cx="4176464" cy="3543185"/>
-          </a:xfrm>
-          <a:prstGeom prst="rect">
-            <a:avLst/>
-          </a:prstGeom>
-          <a:noFill/>
-          <a:ln w="9525">
-            <a:noFill/>
-            <a:miter lim="800000"/>
-            <a:headEnd/>
-            <a:tailEnd/>
-          </a:ln>
-        </p:spPr>
-      </p:pic>
-      <p:pic>
-        <p:nvPicPr>
-          <p:cNvPr id="4" name="Picture 2" descr="N:\백업용\Screenshot_2012-05-07-15-50-22.png"/>
-          <p:cNvPicPr>
-            <a:picLocks noChangeAspect="1" noChangeArrowheads="1"/>
-          </p:cNvPicPr>
-          <p:nvPr/>
-        </p:nvPicPr>
-        <p:blipFill>
-          <a:blip r:embed="rId4" cstate="print"/>
-          <a:srcRect/>
-          <a:stretch>
-            <a:fillRect/>
-          </a:stretch>
-        </p:blipFill>
-        <p:spPr bwMode="auto">
-          <a:xfrm>
-            <a:off x="5686604" y="2348880"/>
-            <a:ext cx="2413788" cy="3590933"/>
-          </a:xfrm>
-          <a:prstGeom prst="rect">
-            <a:avLst/>
-          </a:prstGeom>
-          <a:noFill/>
-        </p:spPr>
-      </p:pic>
       <p:sp>
         <p:nvSpPr>
           <p:cNvPr id="6" name="내용 개체 틀 2"/>
@@ -10582,6 +10692,166 @@
           </a:p>
         </p:txBody>
       </p:sp>
+      <p:pic>
+        <p:nvPicPr>
+          <p:cNvPr id="9" name="Picture 2" descr="N:\백업용\Screenshot_2012-05-07-15-50-22.png"/>
+          <p:cNvPicPr>
+            <a:picLocks noChangeAspect="1" noChangeArrowheads="1"/>
+          </p:cNvPicPr>
+          <p:nvPr/>
+        </p:nvPicPr>
+        <p:blipFill>
+          <a:blip r:embed="rId3" cstate="print"/>
+          <a:srcRect/>
+          <a:stretch>
+            <a:fillRect/>
+          </a:stretch>
+        </p:blipFill>
+        <p:spPr bwMode="auto">
+          <a:xfrm>
+            <a:off x="1093658" y="2649439"/>
+            <a:ext cx="2304256" cy="2664295"/>
+          </a:xfrm>
+          <a:prstGeom prst="rect">
+            <a:avLst/>
+          </a:prstGeom>
+          <a:noFill/>
+        </p:spPr>
+      </p:pic>
+      <p:grpSp>
+        <p:nvGrpSpPr>
+          <p:cNvPr id="16" name="그룹 15"/>
+          <p:cNvGrpSpPr/>
+          <p:nvPr/>
+        </p:nvGrpSpPr>
+        <p:grpSpPr>
+          <a:xfrm>
+            <a:off x="5625833" y="2276872"/>
+            <a:ext cx="2546567" cy="3600400"/>
+            <a:chOff x="5481817" y="1815602"/>
+            <a:chExt cx="2808311" cy="4709742"/>
+          </a:xfrm>
+        </p:grpSpPr>
+        <p:pic>
+          <p:nvPicPr>
+            <p:cNvPr id="14" name="Picture 2" descr="C:\Documents and Settings\Administrator\바탕 화면\Untitled-1.gif"/>
+            <p:cNvPicPr>
+              <a:picLocks noChangeAspect="1" noChangeArrowheads="1"/>
+            </p:cNvPicPr>
+            <p:nvPr/>
+          </p:nvPicPr>
+          <p:blipFill>
+            <a:blip r:embed="rId4" cstate="print"/>
+            <a:srcRect/>
+            <a:stretch>
+              <a:fillRect/>
+            </a:stretch>
+          </p:blipFill>
+          <p:spPr bwMode="auto">
+            <a:xfrm>
+              <a:off x="5481817" y="1815602"/>
+              <a:ext cx="2808311" cy="4709742"/>
+            </a:xfrm>
+            <a:prstGeom prst="rect">
+              <a:avLst/>
+            </a:prstGeom>
+            <a:noFill/>
+          </p:spPr>
+        </p:pic>
+        <p:pic>
+          <p:nvPicPr>
+            <p:cNvPr id="1027" name="Picture 3" descr="N:\설계프로젝트\자료실, 소스코드\Screenshot_2012-05-22-21-04-09.png"/>
+            <p:cNvPicPr>
+              <a:picLocks noChangeAspect="1" noChangeArrowheads="1"/>
+            </p:cNvPicPr>
+            <p:nvPr/>
+          </p:nvPicPr>
+          <p:blipFill>
+            <a:blip r:embed="rId5" cstate="print"/>
+            <a:srcRect/>
+            <a:stretch>
+              <a:fillRect/>
+            </a:stretch>
+          </p:blipFill>
+          <p:spPr bwMode="auto">
+            <a:xfrm>
+              <a:off x="5652120" y="2348880"/>
+              <a:ext cx="2448272" cy="3569092"/>
+            </a:xfrm>
+            <a:prstGeom prst="rect">
+              <a:avLst/>
+            </a:prstGeom>
+            <a:noFill/>
+          </p:spPr>
+        </p:pic>
+      </p:grpSp>
+      <p:grpSp>
+        <p:nvGrpSpPr>
+          <p:cNvPr id="18" name="그룹 17"/>
+          <p:cNvGrpSpPr/>
+          <p:nvPr/>
+        </p:nvGrpSpPr>
+        <p:grpSpPr>
+          <a:xfrm>
+            <a:off x="971600" y="2348881"/>
+            <a:ext cx="4176463" cy="3528391"/>
+            <a:chOff x="971600" y="2348881"/>
+            <a:chExt cx="4176463" cy="3528391"/>
+          </a:xfrm>
+        </p:grpSpPr>
+        <p:pic>
+          <p:nvPicPr>
+            <p:cNvPr id="1028" name="Picture 4" descr="N:\설계프로젝트\제목 없음.png"/>
+            <p:cNvPicPr>
+              <a:picLocks noChangeAspect="1" noChangeArrowheads="1"/>
+            </p:cNvPicPr>
+            <p:nvPr/>
+          </p:nvPicPr>
+          <p:blipFill>
+            <a:blip r:embed="rId6" cstate="print"/>
+            <a:srcRect/>
+            <a:stretch>
+              <a:fillRect/>
+            </a:stretch>
+          </p:blipFill>
+          <p:spPr bwMode="auto">
+            <a:xfrm>
+              <a:off x="971600" y="2348881"/>
+              <a:ext cx="4176463" cy="3528391"/>
+            </a:xfrm>
+            <a:prstGeom prst="rect">
+              <a:avLst/>
+            </a:prstGeom>
+            <a:noFill/>
+          </p:spPr>
+        </p:pic>
+        <p:pic>
+          <p:nvPicPr>
+            <p:cNvPr id="12" name="Picture 3" descr="N:\설계프로젝트\자료실, 소스코드\Screenshot_2012-05-22-21-04-09.png"/>
+            <p:cNvPicPr>
+              <a:picLocks noChangeAspect="1" noChangeArrowheads="1"/>
+            </p:cNvPicPr>
+            <p:nvPr/>
+          </p:nvPicPr>
+          <p:blipFill>
+            <a:blip r:embed="rId5" cstate="print"/>
+            <a:srcRect/>
+            <a:stretch>
+              <a:fillRect/>
+            </a:stretch>
+          </p:blipFill>
+          <p:spPr bwMode="auto">
+            <a:xfrm>
+              <a:off x="1094408" y="2636913"/>
+              <a:ext cx="2304256" cy="2664295"/>
+            </a:xfrm>
+            <a:prstGeom prst="rect">
+              <a:avLst/>
+            </a:prstGeom>
+            <a:noFill/>
+          </p:spPr>
+        </p:pic>
+      </p:grpSp>
     </p:spTree>
     <p:extLst>
       <p:ext uri="{BB962C8B-B14F-4D97-AF65-F5344CB8AC3E}">
@@ -12462,38 +12732,120 @@
           </a:p>
         </p:txBody>
       </p:sp>
-      <p:pic>
-        <p:nvPicPr>
-          <p:cNvPr id="3074" name="Picture 2"/>
-          <p:cNvPicPr>
-            <a:picLocks noChangeAspect="1" noChangeArrowheads="1"/>
-          </p:cNvPicPr>
+      <p:grpSp>
+        <p:nvGrpSpPr>
+          <p:cNvPr id="8" name="그룹 7"/>
+          <p:cNvGrpSpPr/>
           <p:nvPr/>
-        </p:nvPicPr>
-        <p:blipFill>
-          <a:blip r:embed="rId3" cstate="print"/>
-          <a:srcRect/>
-          <a:stretch>
-            <a:fillRect/>
-          </a:stretch>
-        </p:blipFill>
-        <p:spPr bwMode="auto">
+        </p:nvGrpSpPr>
+        <p:grpSpPr>
           <a:xfrm>
-            <a:off x="2627784" y="1988840"/>
-            <a:ext cx="3672408" cy="4089727"/>
+            <a:off x="2699792" y="1844824"/>
+            <a:ext cx="3600400" cy="4248472"/>
+            <a:chOff x="2483768" y="1556792"/>
+            <a:chExt cx="4104456" cy="4824536"/>
           </a:xfrm>
-          <a:prstGeom prst="rect">
-            <a:avLst/>
-          </a:prstGeom>
-          <a:noFill/>
-          <a:ln w="9525">
+        </p:grpSpPr>
+        <p:grpSp>
+          <p:nvGrpSpPr>
+            <p:cNvPr id="5" name="그룹 4"/>
+            <p:cNvGrpSpPr/>
+            <p:nvPr/>
+          </p:nvGrpSpPr>
+          <p:grpSpPr>
+            <a:xfrm>
+              <a:off x="2483768" y="1556792"/>
+              <a:ext cx="4104456" cy="4824536"/>
+              <a:chOff x="5481817" y="1815602"/>
+              <a:chExt cx="2808311" cy="4709742"/>
+            </a:xfrm>
+          </p:grpSpPr>
+          <p:pic>
+            <p:nvPicPr>
+              <p:cNvPr id="6" name="Picture 2" descr="C:\Documents and Settings\Administrator\바탕 화면\Untitled-1.gif"/>
+              <p:cNvPicPr>
+                <a:picLocks noChangeAspect="1" noChangeArrowheads="1"/>
+              </p:cNvPicPr>
+              <p:nvPr/>
+            </p:nvPicPr>
+            <p:blipFill>
+              <a:blip r:embed="rId3" cstate="print"/>
+              <a:srcRect/>
+              <a:stretch>
+                <a:fillRect/>
+              </a:stretch>
+            </p:blipFill>
+            <p:spPr bwMode="auto">
+              <a:xfrm>
+                <a:off x="5481817" y="1815602"/>
+                <a:ext cx="2808311" cy="4709742"/>
+              </a:xfrm>
+              <a:prstGeom prst="rect">
+                <a:avLst/>
+              </a:prstGeom>
+              <a:noFill/>
+            </p:spPr>
+          </p:pic>
+          <p:pic>
+            <p:nvPicPr>
+              <p:cNvPr id="7" name="Picture 3" descr="N:\설계프로젝트\자료실, 소스코드\Screenshot_2012-05-22-21-04-09.png"/>
+              <p:cNvPicPr>
+                <a:picLocks noChangeAspect="1" noChangeArrowheads="1"/>
+              </p:cNvPicPr>
+              <p:nvPr/>
+            </p:nvPicPr>
+            <p:blipFill>
+              <a:blip r:embed="rId4" cstate="print"/>
+              <a:srcRect/>
+              <a:stretch>
+                <a:fillRect/>
+              </a:stretch>
+            </p:blipFill>
+            <p:spPr bwMode="auto">
+              <a:xfrm>
+                <a:off x="5652120" y="2348880"/>
+                <a:ext cx="2448272" cy="3569092"/>
+              </a:xfrm>
+              <a:prstGeom prst="rect">
+                <a:avLst/>
+              </a:prstGeom>
+              <a:noFill/>
+            </p:spPr>
+          </p:pic>
+        </p:grpSp>
+        <p:pic>
+          <p:nvPicPr>
+            <p:cNvPr id="3074" name="Picture 2"/>
+            <p:cNvPicPr>
+              <a:picLocks noChangeAspect="1" noChangeArrowheads="1"/>
+            </p:cNvPicPr>
+            <p:nvPr/>
+          </p:nvPicPr>
+          <p:blipFill>
+            <a:blip r:embed="rId5" cstate="print"/>
+            <a:srcRect/>
+            <a:stretch>
+              <a:fillRect/>
+            </a:stretch>
+          </p:blipFill>
+          <p:spPr bwMode="auto">
+            <a:xfrm>
+              <a:off x="2734221" y="2107805"/>
+              <a:ext cx="3607735" cy="3697459"/>
+            </a:xfrm>
+            <a:prstGeom prst="rect">
+              <a:avLst/>
+            </a:prstGeom>
             <a:noFill/>
-            <a:miter lim="800000"/>
-            <a:headEnd/>
-            <a:tailEnd/>
-          </a:ln>
-        </p:spPr>
-      </p:pic>
+            <a:ln w="9525">
+              <a:noFill/>
+              <a:miter lim="800000"/>
+              <a:headEnd/>
+              <a:tailEnd/>
+            </a:ln>
+          </p:spPr>
+        </p:pic>
+      </p:grpSp>
     </p:spTree>
     <p:extLst>
       <p:ext uri="{BB962C8B-B14F-4D97-AF65-F5344CB8AC3E}">
@@ -12919,17 +13271,6 @@
           </a:ln>
           <a:effectLst/>
           <a:extLst>
-            <a:ext uri="{91240B29-F687-4F45-9708-019B960494DF}">
-              <a14:hiddenLine xmlns:a14="http://schemas.microsoft.com/office/drawing/2010/main" xmlns="" w="9525" cap="flat" cmpd="sng" algn="ctr">
-                <a:solidFill>
-                  <a:schemeClr val="tx1"/>
-                </a:solidFill>
-                <a:prstDash val="solid"/>
-                <a:round/>
-                <a:headEnd type="none" w="med" len="med"/>
-                <a:tailEnd type="none" w="med" len="med"/>
-              </a14:hiddenLine>
-            </a:ext>
             <a:ext uri="{AF507438-7753-43E0-B8FC-AC1667EBCBE1}">
               <a14:hiddenEffects xmlns:a14="http://schemas.microsoft.com/office/drawing/2010/main" xmlns="">
                 <a:effectLst>
@@ -14590,17 +14931,6 @@
             </a:ln>
             <a:effectLst/>
             <a:extLst>
-              <a:ext uri="{91240B29-F687-4F45-9708-019B960494DF}">
-                <a14:hiddenLine xmlns:a14="http://schemas.microsoft.com/office/drawing/2010/main" xmlns="" w="9525" cap="flat" cmpd="sng" algn="ctr">
-                  <a:solidFill>
-                    <a:schemeClr val="tx1"/>
-                  </a:solidFill>
-                  <a:prstDash val="solid"/>
-                  <a:round/>
-                  <a:headEnd type="none" w="med" len="med"/>
-                  <a:tailEnd type="none" w="med" len="med"/>
-                </a14:hiddenLine>
-              </a:ext>
               <a:ext uri="{AF507438-7753-43E0-B8FC-AC1667EBCBE1}">
                 <a14:hiddenEffects xmlns:a14="http://schemas.microsoft.com/office/drawing/2010/main" xmlns="">
                   <a:effectLst>
@@ -14652,17 +14982,6 @@
             </a:ln>
             <a:effectLst/>
             <a:extLst>
-              <a:ext uri="{91240B29-F687-4F45-9708-019B960494DF}">
-                <a14:hiddenLine xmlns:a14="http://schemas.microsoft.com/office/drawing/2010/main" xmlns="" w="9525" cap="flat" cmpd="sng" algn="ctr">
-                  <a:solidFill>
-                    <a:schemeClr val="tx1"/>
-                  </a:solidFill>
-                  <a:prstDash val="solid"/>
-                  <a:round/>
-                  <a:headEnd type="none" w="med" len="med"/>
-                  <a:tailEnd type="none" w="med" len="med"/>
-                </a14:hiddenLine>
-              </a:ext>
               <a:ext uri="{AF507438-7753-43E0-B8FC-AC1667EBCBE1}">
                 <a14:hiddenEffects xmlns:a14="http://schemas.microsoft.com/office/drawing/2010/main" xmlns="">
                   <a:effectLst>
@@ -14714,17 +15033,6 @@
             </a:ln>
             <a:effectLst/>
             <a:extLst>
-              <a:ext uri="{91240B29-F687-4F45-9708-019B960494DF}">
-                <a14:hiddenLine xmlns:a14="http://schemas.microsoft.com/office/drawing/2010/main" xmlns="" w="9525" cap="flat" cmpd="sng" algn="ctr">
-                  <a:solidFill>
-                    <a:schemeClr val="tx1"/>
-                  </a:solidFill>
-                  <a:prstDash val="solid"/>
-                  <a:round/>
-                  <a:headEnd type="none" w="med" len="med"/>
-                  <a:tailEnd type="none" w="med" len="med"/>
-                </a14:hiddenLine>
-              </a:ext>
               <a:ext uri="{AF507438-7753-43E0-B8FC-AC1667EBCBE1}">
                 <a14:hiddenEffects xmlns:a14="http://schemas.microsoft.com/office/drawing/2010/main" xmlns="">
                   <a:effectLst>
@@ -14776,17 +15084,6 @@
             </a:ln>
             <a:effectLst/>
             <a:extLst>
-              <a:ext uri="{91240B29-F687-4F45-9708-019B960494DF}">
-                <a14:hiddenLine xmlns:a14="http://schemas.microsoft.com/office/drawing/2010/main" xmlns="" w="9525" cap="flat" cmpd="sng" algn="ctr">
-                  <a:solidFill>
-                    <a:schemeClr val="tx1"/>
-                  </a:solidFill>
-                  <a:prstDash val="solid"/>
-                  <a:round/>
-                  <a:headEnd type="none" w="med" len="med"/>
-                  <a:tailEnd type="none" w="med" len="med"/>
-                </a14:hiddenLine>
-              </a:ext>
               <a:ext uri="{AF507438-7753-43E0-B8FC-AC1667EBCBE1}">
                 <a14:hiddenEffects xmlns:a14="http://schemas.microsoft.com/office/drawing/2010/main" xmlns="">
                   <a:effectLst>

--- a/Documents/presentation doc/Final Presentation/final-presentation.pptx
+++ b/Documents/presentation doc/Final Presentation/final-presentation.pptx
@@ -166,10 +166,10 @@
           <c:layoutTarget val="inner"/>
           <c:xMode val="edge"/>
           <c:yMode val="edge"/>
-          <c:x val="0.13756541418769702"/>
-          <c:y val="0.31142121774829423"/>
+          <c:x val="0.13756541418769708"/>
+          <c:y val="0.31142121774829434"/>
           <c:w val="0.82290353753797463"/>
-          <c:h val="0.56776310568666666"/>
+          <c:h val="0.56776310568666655"/>
         </c:manualLayout>
       </c:layout>
       <c:barChart>
@@ -239,7 +239,7 @@
             <c:numRef>
               <c:f>Sheet1!$B$2:$B$6</c:f>
               <c:numCache>
-                <c:formatCode>g/"표""준"</c:formatCode>
+                <c:formatCode>General</c:formatCode>
                 <c:ptCount val="5"/>
                 <c:pt idx="0">
                   <c:v>64</c:v>
@@ -264,34 +264,34 @@
           <c:showVal val="1"/>
         </c:dLbls>
         <c:gapWidth val="75"/>
-        <c:axId val="75175040"/>
-        <c:axId val="75176576"/>
+        <c:axId val="69877120"/>
+        <c:axId val="69895296"/>
       </c:barChart>
       <c:catAx>
-        <c:axId val="75175040"/>
+        <c:axId val="69877120"/>
         <c:scaling>
           <c:orientation val="minMax"/>
         </c:scaling>
         <c:axPos val="b"/>
         <c:majorTickMark val="none"/>
         <c:tickLblPos val="nextTo"/>
-        <c:crossAx val="75176576"/>
+        <c:crossAx val="69895296"/>
         <c:crosses val="autoZero"/>
         <c:auto val="1"/>
         <c:lblAlgn val="ctr"/>
         <c:lblOffset val="100"/>
       </c:catAx>
       <c:valAx>
-        <c:axId val="75176576"/>
+        <c:axId val="69895296"/>
         <c:scaling>
           <c:orientation val="minMax"/>
           <c:min val="0"/>
         </c:scaling>
         <c:axPos val="l"/>
-        <c:numFmt formatCode="g/&quot;표&quot;&quot;준&quot;" sourceLinked="1"/>
+        <c:numFmt formatCode="General" sourceLinked="1"/>
         <c:majorTickMark val="none"/>
         <c:tickLblPos val="nextTo"/>
-        <c:crossAx val="75175040"/>
+        <c:crossAx val="69877120"/>
         <c:crosses val="autoZero"/>
         <c:crossBetween val="between"/>
         <c:majorUnit val="20"/>
@@ -303,10 +303,10 @@
         <c:manualLayout>
           <c:xMode val="edge"/>
           <c:yMode val="edge"/>
-          <c:x val="0.18942124246731384"/>
-          <c:y val="3.0763248527941607E-2"/>
-          <c:w val="0.68117168015814944"/>
-          <c:h val="0.22344660117130064"/>
+          <c:x val="0.1894212424673139"/>
+          <c:y val="3.0763248527941617E-2"/>
+          <c:w val="0.68117168015814966"/>
+          <c:h val="0.22344660117130072"/>
         </c:manualLayout>
       </c:layout>
     </c:legend>
@@ -385,7 +385,7 @@
             <c:numRef>
               <c:f>Sheet1!$B$2:$B$6</c:f>
               <c:numCache>
-                <c:formatCode>g/"표""준"</c:formatCode>
+                <c:formatCode>General</c:formatCode>
                 <c:ptCount val="5"/>
                 <c:pt idx="0">
                   <c:v>80</c:v>
@@ -406,35 +406,34 @@
             </c:numRef>
           </c:val>
         </c:ser>
-        <c:dLbls/>
         <c:marker val="1"/>
-        <c:axId val="75249920"/>
-        <c:axId val="75255808"/>
+        <c:axId val="63128320"/>
+        <c:axId val="63129856"/>
       </c:lineChart>
       <c:catAx>
-        <c:axId val="75249920"/>
+        <c:axId val="63128320"/>
         <c:scaling>
           <c:orientation val="minMax"/>
         </c:scaling>
         <c:axPos val="b"/>
         <c:tickLblPos val="nextTo"/>
-        <c:crossAx val="75255808"/>
+        <c:crossAx val="63129856"/>
         <c:crosses val="autoZero"/>
         <c:auto val="1"/>
         <c:lblAlgn val="ctr"/>
         <c:lblOffset val="100"/>
       </c:catAx>
       <c:valAx>
-        <c:axId val="75255808"/>
+        <c:axId val="63129856"/>
         <c:scaling>
           <c:orientation val="minMax"/>
           <c:max val="2000"/>
         </c:scaling>
         <c:axPos val="l"/>
         <c:majorGridlines/>
-        <c:numFmt formatCode="g/&quot;표&quot;&quot;준&quot;" sourceLinked="1"/>
+        <c:numFmt formatCode="General" sourceLinked="1"/>
         <c:tickLblPos val="nextTo"/>
-        <c:crossAx val="75249920"/>
+        <c:crossAx val="63128320"/>
         <c:crosses val="autoZero"/>
         <c:crossBetween val="between"/>
         <c:majorUnit val="500"/>
@@ -507,14 +506,14 @@
           <a:effectLst/>
           <a:extLst>
             <a:ext uri="{909E8E84-426E-40DD-AFC4-6F175D3DCCD1}">
-              <a14:hiddenFill xmlns:a14="http://schemas.microsoft.com/office/drawing/2010/main" xmlns="">
+              <a14:hiddenFill xmlns="" xmlns:a14="http://schemas.microsoft.com/office/drawing/2010/main">
                 <a:solidFill>
                   <a:schemeClr val="accent1"/>
                 </a:solidFill>
               </a14:hiddenFill>
             </a:ext>
             <a:ext uri="{91240B29-F687-4F45-9708-019B960494DF}">
-              <a14:hiddenLine xmlns:a14="http://schemas.microsoft.com/office/drawing/2010/main" xmlns="" w="9525">
+              <a14:hiddenLine xmlns="" xmlns:a14="http://schemas.microsoft.com/office/drawing/2010/main" w="9525">
                 <a:solidFill>
                   <a:schemeClr val="tx1"/>
                 </a:solidFill>
@@ -524,7 +523,7 @@
               </a14:hiddenLine>
             </a:ext>
             <a:ext uri="{AF507438-7753-43E0-B8FC-AC1667EBCBE1}">
-              <a14:hiddenEffects xmlns:a14="http://schemas.microsoft.com/office/drawing/2010/main" xmlns="">
+              <a14:hiddenEffects xmlns="" xmlns:a14="http://schemas.microsoft.com/office/drawing/2010/main">
                 <a:effectLst>
                   <a:outerShdw dist="35921" dir="2700000" algn="ctr" rotWithShape="0">
                     <a:schemeClr val="bg2"/>
@@ -577,14 +576,14 @@
           <a:effectLst/>
           <a:extLst>
             <a:ext uri="{909E8E84-426E-40DD-AFC4-6F175D3DCCD1}">
-              <a14:hiddenFill xmlns:a14="http://schemas.microsoft.com/office/drawing/2010/main" xmlns="">
+              <a14:hiddenFill xmlns="" xmlns:a14="http://schemas.microsoft.com/office/drawing/2010/main">
                 <a:solidFill>
                   <a:schemeClr val="accent1"/>
                 </a:solidFill>
               </a14:hiddenFill>
             </a:ext>
             <a:ext uri="{91240B29-F687-4F45-9708-019B960494DF}">
-              <a14:hiddenLine xmlns:a14="http://schemas.microsoft.com/office/drawing/2010/main" xmlns="" w="9525">
+              <a14:hiddenLine xmlns="" xmlns:a14="http://schemas.microsoft.com/office/drawing/2010/main" w="9525">
                 <a:solidFill>
                   <a:schemeClr val="tx1"/>
                 </a:solidFill>
@@ -594,7 +593,7 @@
               </a14:hiddenLine>
             </a:ext>
             <a:ext uri="{AF507438-7753-43E0-B8FC-AC1667EBCBE1}">
-              <a14:hiddenEffects xmlns:a14="http://schemas.microsoft.com/office/drawing/2010/main" xmlns="">
+              <a14:hiddenEffects xmlns="" xmlns:a14="http://schemas.microsoft.com/office/drawing/2010/main">
                 <a:effectLst>
                   <a:outerShdw dist="35921" dir="2700000" algn="ctr" rotWithShape="0">
                     <a:schemeClr val="bg2"/>
@@ -652,7 +651,7 @@
           <a:effectLst/>
           <a:extLst>
             <a:ext uri="{AF507438-7753-43E0-B8FC-AC1667EBCBE1}">
-              <a14:hiddenEffects xmlns:a14="http://schemas.microsoft.com/office/drawing/2010/main" xmlns="">
+              <a14:hiddenEffects xmlns="" xmlns:a14="http://schemas.microsoft.com/office/drawing/2010/main">
                 <a:effectLst>
                   <a:outerShdw dist="35921" dir="2700000" algn="ctr" rotWithShape="0">
                     <a:srgbClr val="808080"/>
@@ -661,7 +660,7 @@
               </a14:hiddenEffects>
             </a:ext>
             <a:ext uri="{53640926-AAD7-44D8-BBD7-CCE9431645EC}">
-              <a14:shadowObscured xmlns:a14="http://schemas.microsoft.com/office/drawing/2010/main" xmlns="" val="1"/>
+              <a14:shadowObscured xmlns="" xmlns:a14="http://schemas.microsoft.com/office/drawing/2010/main" val="1"/>
             </a:ext>
           </a:extLst>
         </p:spPr>
@@ -691,14 +690,14 @@
           <a:effectLst/>
           <a:extLst>
             <a:ext uri="{909E8E84-426E-40DD-AFC4-6F175D3DCCD1}">
-              <a14:hiddenFill xmlns:a14="http://schemas.microsoft.com/office/drawing/2010/main" xmlns="">
+              <a14:hiddenFill xmlns="" xmlns:a14="http://schemas.microsoft.com/office/drawing/2010/main">
                 <a:solidFill>
                   <a:schemeClr val="accent1"/>
                 </a:solidFill>
               </a14:hiddenFill>
             </a:ext>
             <a:ext uri="{91240B29-F687-4F45-9708-019B960494DF}">
-              <a14:hiddenLine xmlns:a14="http://schemas.microsoft.com/office/drawing/2010/main" xmlns="" w="9525">
+              <a14:hiddenLine xmlns="" xmlns:a14="http://schemas.microsoft.com/office/drawing/2010/main" w="9525">
                 <a:solidFill>
                   <a:schemeClr val="tx1"/>
                 </a:solidFill>
@@ -708,7 +707,7 @@
               </a14:hiddenLine>
             </a:ext>
             <a:ext uri="{AF507438-7753-43E0-B8FC-AC1667EBCBE1}">
-              <a14:hiddenEffects xmlns:a14="http://schemas.microsoft.com/office/drawing/2010/main" xmlns="">
+              <a14:hiddenEffects xmlns="" xmlns:a14="http://schemas.microsoft.com/office/drawing/2010/main">
                 <a:effectLst>
                   <a:outerShdw dist="35921" dir="2700000" algn="ctr" rotWithShape="0">
                     <a:schemeClr val="bg2"/>
@@ -787,14 +786,14 @@
           <a:effectLst/>
           <a:extLst>
             <a:ext uri="{909E8E84-426E-40DD-AFC4-6F175D3DCCD1}">
-              <a14:hiddenFill xmlns:a14="http://schemas.microsoft.com/office/drawing/2010/main" xmlns="">
+              <a14:hiddenFill xmlns="" xmlns:a14="http://schemas.microsoft.com/office/drawing/2010/main">
                 <a:solidFill>
                   <a:schemeClr val="accent1"/>
                 </a:solidFill>
               </a14:hiddenFill>
             </a:ext>
             <a:ext uri="{91240B29-F687-4F45-9708-019B960494DF}">
-              <a14:hiddenLine xmlns:a14="http://schemas.microsoft.com/office/drawing/2010/main" xmlns="" w="9525">
+              <a14:hiddenLine xmlns="" xmlns:a14="http://schemas.microsoft.com/office/drawing/2010/main" w="9525">
                 <a:solidFill>
                   <a:schemeClr val="tx1"/>
                 </a:solidFill>
@@ -804,7 +803,7 @@
               </a14:hiddenLine>
             </a:ext>
             <a:ext uri="{AF507438-7753-43E0-B8FC-AC1667EBCBE1}">
-              <a14:hiddenEffects xmlns:a14="http://schemas.microsoft.com/office/drawing/2010/main" xmlns="">
+              <a14:hiddenEffects xmlns="" xmlns:a14="http://schemas.microsoft.com/office/drawing/2010/main">
                 <a:effectLst>
                   <a:outerShdw dist="35921" dir="2700000" algn="ctr" rotWithShape="0">
                     <a:schemeClr val="bg2"/>
@@ -857,14 +856,14 @@
           <a:effectLst/>
           <a:extLst>
             <a:ext uri="{909E8E84-426E-40DD-AFC4-6F175D3DCCD1}">
-              <a14:hiddenFill xmlns:a14="http://schemas.microsoft.com/office/drawing/2010/main" xmlns="">
+              <a14:hiddenFill xmlns="" xmlns:a14="http://schemas.microsoft.com/office/drawing/2010/main">
                 <a:solidFill>
                   <a:schemeClr val="accent1"/>
                 </a:solidFill>
               </a14:hiddenFill>
             </a:ext>
             <a:ext uri="{91240B29-F687-4F45-9708-019B960494DF}">
-              <a14:hiddenLine xmlns:a14="http://schemas.microsoft.com/office/drawing/2010/main" xmlns="" w="9525">
+              <a14:hiddenLine xmlns="" xmlns:a14="http://schemas.microsoft.com/office/drawing/2010/main" w="9525">
                 <a:solidFill>
                   <a:schemeClr val="tx1"/>
                 </a:solidFill>
@@ -874,7 +873,7 @@
               </a14:hiddenLine>
             </a:ext>
             <a:ext uri="{AF507438-7753-43E0-B8FC-AC1667EBCBE1}">
-              <a14:hiddenEffects xmlns:a14="http://schemas.microsoft.com/office/drawing/2010/main" xmlns="">
+              <a14:hiddenEffects xmlns="" xmlns:a14="http://schemas.microsoft.com/office/drawing/2010/main">
                 <a:effectLst>
                   <a:outerShdw dist="35921" dir="2700000" algn="ctr" rotWithShape="0">
                     <a:schemeClr val="bg2"/>
@@ -910,7 +909,7 @@
     </p:spTree>
     <p:extLst>
       <p:ext uri="{BB962C8B-B14F-4D97-AF65-F5344CB8AC3E}">
-        <p14:creationId xmlns:p14="http://schemas.microsoft.com/office/powerpoint/2010/main" xmlns="" val="3354467039"/>
+        <p14:creationId xmlns="" xmlns:p14="http://schemas.microsoft.com/office/powerpoint/2010/main" val="3354467039"/>
       </p:ext>
     </p:extLst>
   </p:cSld>
@@ -1134,42 +1133,108 @@
                 <a:ea typeface="+mn-ea"/>
                 <a:cs typeface="+mn-cs"/>
               </a:rPr>
+              <a:t>조 발표를 </a:t>
+            </a:r>
+            <a:r>
+              <a:rPr lang="ko-KR" altLang="en-US" sz="1200" kern="1200" dirty="0" smtClean="0">
+                <a:solidFill>
+                  <a:schemeClr val="tx1"/>
+                </a:solidFill>
+                <a:latin typeface="Arial" charset="0"/>
+                <a:ea typeface="+mn-ea"/>
+                <a:cs typeface="+mn-cs"/>
+              </a:rPr>
+              <a:t>맡</a:t>
+            </a:r>
+            <a:r>
+              <a:rPr lang="ko-KR" altLang="ko-KR" sz="1200" kern="1200" dirty="0" smtClean="0">
+                <a:solidFill>
+                  <a:schemeClr val="tx1"/>
+                </a:solidFill>
+                <a:latin typeface="Arial" charset="0"/>
+                <a:ea typeface="+mn-ea"/>
+                <a:cs typeface="+mn-cs"/>
+              </a:rPr>
+              <a:t>게 된 </a:t>
+            </a:r>
+            <a:r>
+              <a:rPr lang="en-US" altLang="ko-KR" sz="1200" kern="1200" dirty="0" smtClean="0">
+                <a:solidFill>
+                  <a:schemeClr val="tx1"/>
+                </a:solidFill>
+                <a:latin typeface="Arial" charset="0"/>
+                <a:ea typeface="+mn-ea"/>
+                <a:cs typeface="+mn-cs"/>
+              </a:rPr>
+              <a:t>‘</a:t>
+            </a:r>
+            <a:r>
+              <a:rPr lang="ko-KR" altLang="ko-KR" sz="1200" kern="1200" dirty="0" smtClean="0">
+                <a:solidFill>
+                  <a:schemeClr val="tx1"/>
+                </a:solidFill>
+                <a:latin typeface="Arial" charset="0"/>
+                <a:ea typeface="+mn-ea"/>
+                <a:cs typeface="+mn-cs"/>
+              </a:rPr>
+              <a:t>이상현</a:t>
+            </a:r>
+            <a:r>
+              <a:rPr lang="en-US" altLang="ko-KR" sz="1200" kern="1200" dirty="0" smtClean="0">
+                <a:solidFill>
+                  <a:schemeClr val="tx1"/>
+                </a:solidFill>
+                <a:latin typeface="Arial" charset="0"/>
+                <a:ea typeface="+mn-ea"/>
+                <a:cs typeface="+mn-cs"/>
+              </a:rPr>
+              <a:t>’</a:t>
+            </a:r>
+            <a:r>
+              <a:rPr lang="ko-KR" altLang="ko-KR" sz="1200" kern="1200" dirty="0" smtClean="0">
+                <a:solidFill>
+                  <a:schemeClr val="tx1"/>
+                </a:solidFill>
+                <a:latin typeface="Arial" charset="0"/>
+                <a:ea typeface="+mn-ea"/>
+                <a:cs typeface="+mn-cs"/>
+              </a:rPr>
+              <a:t>입니다</a:t>
+            </a:r>
+            <a:r>
+              <a:rPr lang="en-US" altLang="ko-KR" sz="1200" kern="1200" dirty="0" smtClean="0">
+                <a:solidFill>
+                  <a:schemeClr val="tx1"/>
+                </a:solidFill>
+                <a:latin typeface="Arial" charset="0"/>
+                <a:ea typeface="+mn-ea"/>
+                <a:cs typeface="+mn-cs"/>
+              </a:rPr>
+              <a:t>, </a:t>
+            </a:r>
+            <a:r>
+              <a:rPr lang="ko-KR" altLang="ko-KR" sz="1200" kern="1200" dirty="0" smtClean="0">
+                <a:solidFill>
+                  <a:schemeClr val="tx1"/>
+                </a:solidFill>
+                <a:latin typeface="Arial" charset="0"/>
+                <a:ea typeface="+mn-ea"/>
+                <a:cs typeface="+mn-cs"/>
+              </a:rPr>
+              <a:t>저희 </a:t>
+            </a:r>
+            <a:r>
+              <a:rPr lang="ko-KR" altLang="ko-KR" sz="1200" kern="1200" dirty="0" smtClean="0">
+                <a:solidFill>
+                  <a:schemeClr val="tx1"/>
+                </a:solidFill>
+                <a:latin typeface="Arial" charset="0"/>
+                <a:ea typeface="+mn-ea"/>
+                <a:cs typeface="+mn-cs"/>
+              </a:rPr>
               <a:t>조 </a:t>
             </a:r>
             <a:r>
-              <a:rPr lang="ko-KR" altLang="ko-KR" sz="1200" kern="1200" smtClean="0">
-                <a:solidFill>
-                  <a:schemeClr val="tx1"/>
-                </a:solidFill>
-                <a:latin typeface="Arial" charset="0"/>
-                <a:ea typeface="+mn-ea"/>
-                <a:cs typeface="+mn-cs"/>
-              </a:rPr>
-              <a:t>발표를 </a:t>
-            </a:r>
-            <a:r>
-              <a:rPr lang="ko-KR" altLang="en-US" sz="1200" kern="1200" smtClean="0">
-                <a:solidFill>
-                  <a:schemeClr val="tx1"/>
-                </a:solidFill>
-                <a:latin typeface="Arial" charset="0"/>
-                <a:ea typeface="+mn-ea"/>
-                <a:cs typeface="+mn-cs"/>
-              </a:rPr>
-              <a:t>맡</a:t>
-            </a:r>
-            <a:r>
-              <a:rPr lang="ko-KR" altLang="ko-KR" sz="1200" kern="1200" smtClean="0">
-                <a:solidFill>
-                  <a:schemeClr val="tx1"/>
-                </a:solidFill>
-                <a:latin typeface="Arial" charset="0"/>
-                <a:ea typeface="+mn-ea"/>
-                <a:cs typeface="+mn-cs"/>
-              </a:rPr>
-              <a:t>게 </a:t>
-            </a:r>
-            <a:r>
               <a:rPr lang="ko-KR" altLang="ko-KR" sz="1200" kern="1200" dirty="0" smtClean="0">
                 <a:solidFill>
                   <a:schemeClr val="tx1"/>
@@ -1178,7 +1243,7 @@
                 <a:ea typeface="+mn-ea"/>
                 <a:cs typeface="+mn-cs"/>
               </a:rPr>
-              <a:t>된 </a:t>
+              <a:t>프로젝트 명은 </a:t>
             </a:r>
             <a:r>
               <a:rPr lang="en-US" altLang="ko-KR" sz="1200" kern="1200" dirty="0" smtClean="0">
@@ -1189,7 +1254,7 @@
                 <a:ea typeface="+mn-ea"/>
                 <a:cs typeface="+mn-cs"/>
               </a:rPr>
-              <a:t>‘</a:t>
+              <a:t>Android-USB</a:t>
             </a:r>
             <a:r>
               <a:rPr lang="ko-KR" altLang="ko-KR" sz="1200" kern="1200" dirty="0" smtClean="0">
@@ -1200,7 +1265,7 @@
                 <a:ea typeface="+mn-ea"/>
                 <a:cs typeface="+mn-cs"/>
               </a:rPr>
-              <a:t>이상현</a:t>
+              <a:t>로</a:t>
             </a:r>
             <a:r>
               <a:rPr lang="en-US" altLang="ko-KR" sz="1200" kern="1200" dirty="0" smtClean="0">
@@ -1211,7 +1276,18 @@
                 <a:ea typeface="+mn-ea"/>
                 <a:cs typeface="+mn-cs"/>
               </a:rPr>
-              <a:t>’</a:t>
+              <a:t>, </a:t>
+            </a:r>
+            <a:r>
+              <a:rPr lang="ko-KR" altLang="ko-KR" sz="1200" kern="1200" dirty="0" err="1" smtClean="0">
+                <a:solidFill>
+                  <a:schemeClr val="tx1"/>
+                </a:solidFill>
+                <a:latin typeface="Arial" charset="0"/>
+                <a:ea typeface="+mn-ea"/>
+                <a:cs typeface="+mn-cs"/>
+              </a:rPr>
+              <a:t>안드로이드</a:t>
             </a:r>
             <a:r>
               <a:rPr lang="ko-KR" altLang="ko-KR" sz="1200" kern="1200" dirty="0" smtClean="0">
@@ -1222,7 +1298,40 @@
                 <a:ea typeface="+mn-ea"/>
                 <a:cs typeface="+mn-cs"/>
               </a:rPr>
-              <a:t>입니다</a:t>
+              <a:t> </a:t>
+            </a:r>
+            <a:r>
+              <a:rPr lang="ko-KR" altLang="ko-KR" sz="1200" kern="1200" dirty="0" err="1" smtClean="0">
+                <a:solidFill>
+                  <a:schemeClr val="tx1"/>
+                </a:solidFill>
+                <a:latin typeface="Arial" charset="0"/>
+                <a:ea typeface="+mn-ea"/>
+                <a:cs typeface="+mn-cs"/>
+              </a:rPr>
+              <a:t>스마트폰의</a:t>
+            </a:r>
+            <a:r>
+              <a:rPr lang="ko-KR" altLang="ko-KR" sz="1200" kern="1200" dirty="0" smtClean="0">
+                <a:solidFill>
+                  <a:schemeClr val="tx1"/>
+                </a:solidFill>
+                <a:latin typeface="Arial" charset="0"/>
+                <a:ea typeface="+mn-ea"/>
+                <a:cs typeface="+mn-cs"/>
+              </a:rPr>
+              <a:t> </a:t>
+            </a:r>
+            <a:r>
+              <a:rPr lang="ko-KR" altLang="ko-KR" sz="1200" kern="1200" dirty="0" smtClean="0">
+                <a:solidFill>
+                  <a:schemeClr val="tx1"/>
+                </a:solidFill>
+                <a:latin typeface="Arial" charset="0"/>
+                <a:ea typeface="+mn-ea"/>
+                <a:cs typeface="+mn-cs"/>
+              </a:rPr>
+              <a:t>어플리케이션과 카메라</a:t>
             </a:r>
             <a:r>
               <a:rPr lang="en-US" altLang="ko-KR" sz="1200" kern="1200" dirty="0" smtClean="0">
@@ -1233,7 +1342,7 @@
                 <a:ea typeface="+mn-ea"/>
                 <a:cs typeface="+mn-cs"/>
               </a:rPr>
-              <a:t>, </a:t>
+              <a:t>,</a:t>
             </a:r>
             <a:r>
               <a:rPr lang="ko-KR" altLang="ko-KR" sz="1200" kern="1200" dirty="0" smtClean="0">
@@ -1244,18 +1353,7 @@
                 <a:ea typeface="+mn-ea"/>
                 <a:cs typeface="+mn-cs"/>
               </a:rPr>
-              <a:t>저희 조의 프로젝트 명은 </a:t>
-            </a:r>
-            <a:r>
-              <a:rPr lang="en-US" altLang="ko-KR" sz="1200" kern="1200" dirty="0" smtClean="0">
-                <a:solidFill>
-                  <a:schemeClr val="tx1"/>
-                </a:solidFill>
-                <a:latin typeface="Arial" charset="0"/>
-                <a:ea typeface="+mn-ea"/>
-                <a:cs typeface="+mn-cs"/>
-              </a:rPr>
-              <a:t>Android-USB</a:t>
+              <a:t> </a:t>
             </a:r>
             <a:r>
               <a:rPr lang="ko-KR" altLang="ko-KR" sz="1200" kern="1200" dirty="0" smtClean="0">
@@ -1266,62 +1364,7 @@
                 <a:ea typeface="+mn-ea"/>
                 <a:cs typeface="+mn-cs"/>
               </a:rPr>
-              <a:t>로</a:t>
-            </a:r>
-            <a:r>
-              <a:rPr lang="en-US" altLang="ko-KR" sz="1200" kern="1200" dirty="0" smtClean="0">
-                <a:solidFill>
-                  <a:schemeClr val="tx1"/>
-                </a:solidFill>
-                <a:latin typeface="Arial" charset="0"/>
-                <a:ea typeface="+mn-ea"/>
-                <a:cs typeface="+mn-cs"/>
-              </a:rPr>
-              <a:t>, </a:t>
-            </a:r>
-            <a:r>
-              <a:rPr lang="ko-KR" altLang="ko-KR" sz="1200" kern="1200" dirty="0" err="1" smtClean="0">
-                <a:solidFill>
-                  <a:schemeClr val="tx1"/>
-                </a:solidFill>
-                <a:latin typeface="Arial" charset="0"/>
-                <a:ea typeface="+mn-ea"/>
-                <a:cs typeface="+mn-cs"/>
-              </a:rPr>
-              <a:t>안드로이드</a:t>
-            </a:r>
-            <a:r>
-              <a:rPr lang="ko-KR" altLang="ko-KR" sz="1200" kern="1200" dirty="0" smtClean="0">
-                <a:solidFill>
-                  <a:schemeClr val="tx1"/>
-                </a:solidFill>
-                <a:latin typeface="Arial" charset="0"/>
-                <a:ea typeface="+mn-ea"/>
-                <a:cs typeface="+mn-cs"/>
-              </a:rPr>
-              <a:t> </a:t>
-            </a:r>
-            <a:r>
-              <a:rPr lang="ko-KR" altLang="ko-KR" sz="1200" kern="1200" dirty="0" err="1" smtClean="0">
-                <a:solidFill>
-                  <a:schemeClr val="tx1"/>
-                </a:solidFill>
-                <a:latin typeface="Arial" charset="0"/>
-                <a:ea typeface="+mn-ea"/>
-                <a:cs typeface="+mn-cs"/>
-              </a:rPr>
-              <a:t>스마트폰의</a:t>
-            </a:r>
-            <a:r>
-              <a:rPr lang="ko-KR" altLang="ko-KR" sz="1200" kern="1200" dirty="0" smtClean="0">
-                <a:solidFill>
-                  <a:schemeClr val="tx1"/>
-                </a:solidFill>
-                <a:latin typeface="Arial" charset="0"/>
-                <a:ea typeface="+mn-ea"/>
-                <a:cs typeface="+mn-cs"/>
-              </a:rPr>
-              <a:t> 어플리케이션들과 카메라와 센서 같은</a:t>
+              <a:t>센서 같은</a:t>
             </a:r>
             <a:r>
               <a:rPr lang="ko-KR" altLang="en-US" sz="1200" kern="1200" dirty="0" smtClean="0">
@@ -1931,23 +1974,6 @@
           </a:bodyPr>
           <a:lstStyle/>
           <a:p>
-            <a:pPr marL="0" marR="0" indent="0" algn="just" defTabSz="914400" rtl="0" eaLnBrk="1" fontAlgn="base" latinLnBrk="0" hangingPunct="1">
-              <a:lnSpc>
-                <a:spcPct val="100000"/>
-              </a:lnSpc>
-              <a:spcBef>
-                <a:spcPct val="30000"/>
-              </a:spcBef>
-              <a:spcAft>
-                <a:spcPct val="0"/>
-              </a:spcAft>
-              <a:buClrTx/>
-              <a:buSzTx/>
-              <a:buFontTx/>
-              <a:buNone/>
-              <a:tabLst/>
-              <a:defRPr/>
-            </a:pPr>
             <a:r>
               <a:rPr lang="ko-KR" altLang="ko-KR" sz="1200" kern="1200" dirty="0" smtClean="0">
                 <a:solidFill>
@@ -1960,7 +1986,7 @@
               <a:t>저희는</a:t>
             </a:r>
             <a:r>
-              <a:rPr lang="en-US" altLang="ko-KR" sz="1200" kern="1200" baseline="0" dirty="0" smtClean="0">
+              <a:rPr lang="en-US" altLang="ko-KR" sz="1200" kern="1200" dirty="0" smtClean="0">
                 <a:solidFill>
                   <a:schemeClr val="tx1"/>
                 </a:solidFill>
@@ -1971,7 +1997,7 @@
               <a:t> Android-USB </a:t>
             </a:r>
             <a:r>
-              <a:rPr lang="ko-KR" altLang="en-US" sz="1200" kern="1200" baseline="0" dirty="0" smtClean="0">
+              <a:rPr lang="ko-KR" altLang="ko-KR" sz="1200" kern="1200" dirty="0" smtClean="0">
                 <a:solidFill>
                   <a:schemeClr val="tx1"/>
                 </a:solidFill>
@@ -1982,7 +2008,73 @@
               <a:t>프로젝트를 활용해서</a:t>
             </a:r>
             <a:r>
-              <a:rPr lang="ko-KR" altLang="en-US" sz="1200" kern="1200" dirty="0" smtClean="0">
+              <a:rPr lang="en-US" altLang="ko-KR" sz="1200" kern="1200" dirty="0" smtClean="0">
+                <a:solidFill>
+                  <a:schemeClr val="tx1"/>
+                </a:solidFill>
+                <a:latin typeface="Arial" charset="0"/>
+                <a:ea typeface="+mn-ea"/>
+                <a:cs typeface="+mn-cs"/>
+              </a:rPr>
+              <a:t> PC</a:t>
+            </a:r>
+            <a:r>
+              <a:rPr lang="ko-KR" altLang="ko-KR" sz="1200" kern="1200" dirty="0" smtClean="0">
+                <a:solidFill>
+                  <a:schemeClr val="tx1"/>
+                </a:solidFill>
+                <a:latin typeface="Arial" charset="0"/>
+                <a:ea typeface="+mn-ea"/>
+                <a:cs typeface="+mn-cs"/>
+              </a:rPr>
+              <a:t>에서 카카오톡을 쓸 수 있도록 연결하는 </a:t>
+            </a:r>
+            <a:r>
+              <a:rPr lang="en-US" altLang="ko-KR" sz="1200" kern="1200" dirty="0" err="1" smtClean="0">
+                <a:solidFill>
+                  <a:schemeClr val="tx1"/>
+                </a:solidFill>
+                <a:latin typeface="Arial" charset="0"/>
+                <a:ea typeface="+mn-ea"/>
+                <a:cs typeface="+mn-cs"/>
+              </a:rPr>
+              <a:t>KatalkPCLinker</a:t>
+            </a:r>
+            <a:r>
+              <a:rPr lang="ko-KR" altLang="ko-KR" sz="1200" kern="1200" dirty="0" smtClean="0">
+                <a:solidFill>
+                  <a:schemeClr val="tx1"/>
+                </a:solidFill>
+                <a:latin typeface="Arial" charset="0"/>
+                <a:ea typeface="+mn-ea"/>
+                <a:cs typeface="+mn-cs"/>
+              </a:rPr>
+              <a:t>서비스와 </a:t>
+            </a:r>
+            <a:r>
+              <a:rPr lang="ko-KR" altLang="ko-KR" sz="1200" kern="1200" dirty="0" err="1" smtClean="0">
+                <a:solidFill>
+                  <a:schemeClr val="tx1"/>
+                </a:solidFill>
+                <a:latin typeface="Arial" charset="0"/>
+                <a:ea typeface="+mn-ea"/>
+                <a:cs typeface="+mn-cs"/>
+              </a:rPr>
+              <a:t>스마트폰을</a:t>
+            </a:r>
+            <a:r>
+              <a:rPr lang="ko-KR" altLang="ko-KR" sz="1200" kern="1200" dirty="0" smtClean="0">
+                <a:solidFill>
+                  <a:schemeClr val="tx1"/>
+                </a:solidFill>
+                <a:latin typeface="Arial" charset="0"/>
+                <a:ea typeface="+mn-ea"/>
+                <a:cs typeface="+mn-cs"/>
+              </a:rPr>
+              <a:t> 터치패드로 사용할 수 있는</a:t>
+            </a:r>
+            <a:r>
+              <a:rPr lang="en-US" altLang="ko-KR" sz="1200" kern="1200" dirty="0" smtClean="0">
                 <a:solidFill>
                   <a:schemeClr val="tx1"/>
                 </a:solidFill>
@@ -1993,6 +2085,17 @@
               <a:t> </a:t>
             </a:r>
             <a:r>
+              <a:rPr lang="en-US" altLang="ko-KR" sz="1200" kern="1200" dirty="0" err="1" smtClean="0">
+                <a:solidFill>
+                  <a:schemeClr val="tx1"/>
+                </a:solidFill>
+                <a:latin typeface="Arial" charset="0"/>
+                <a:ea typeface="+mn-ea"/>
+                <a:cs typeface="+mn-cs"/>
+              </a:rPr>
+              <a:t>LTouchPad</a:t>
+            </a:r>
+            <a:r>
               <a:rPr lang="en-US" altLang="ko-KR" sz="1200" kern="1200" dirty="0" smtClean="0">
                 <a:solidFill>
                   <a:schemeClr val="tx1"/>
@@ -2001,40 +2104,40 @@
                 <a:ea typeface="+mn-ea"/>
                 <a:cs typeface="+mn-cs"/>
               </a:rPr>
-              <a:t>PC</a:t>
-            </a:r>
-            <a:r>
-              <a:rPr lang="ko-KR" altLang="en-US" sz="1200" kern="1200" dirty="0" smtClean="0">
-                <a:solidFill>
-                  <a:schemeClr val="tx1"/>
-                </a:solidFill>
-                <a:latin typeface="Arial" charset="0"/>
-                <a:ea typeface="+mn-ea"/>
-                <a:cs typeface="+mn-cs"/>
-              </a:rPr>
-              <a:t>에서 카카오톡을</a:t>
-            </a:r>
-            <a:r>
-              <a:rPr lang="ko-KR" altLang="en-US" sz="1200" kern="1200" baseline="0" dirty="0" smtClean="0">
-                <a:solidFill>
-                  <a:schemeClr val="tx1"/>
-                </a:solidFill>
-                <a:latin typeface="Arial" charset="0"/>
-                <a:ea typeface="+mn-ea"/>
-                <a:cs typeface="+mn-cs"/>
-              </a:rPr>
-              <a:t> 쓸 수 있도록 </a:t>
-            </a:r>
-            <a:r>
-              <a:rPr lang="ko-KR" altLang="en-US" sz="1200" kern="1200" dirty="0" smtClean="0">
-                <a:solidFill>
-                  <a:schemeClr val="tx1"/>
-                </a:solidFill>
-                <a:latin typeface="Arial" charset="0"/>
-                <a:ea typeface="+mn-ea"/>
-                <a:cs typeface="+mn-cs"/>
-              </a:rPr>
-              <a:t>연결하는 </a:t>
+              <a:t> </a:t>
+            </a:r>
+            <a:r>
+              <a:rPr lang="ko-KR" altLang="ko-KR" sz="1200" kern="1200" dirty="0" smtClean="0">
+                <a:solidFill>
+                  <a:schemeClr val="tx1"/>
+                </a:solidFill>
+                <a:latin typeface="Arial" charset="0"/>
+                <a:ea typeface="+mn-ea"/>
+                <a:cs typeface="+mn-cs"/>
+              </a:rPr>
+              <a:t>어플리케이션을 구현 했습니다</a:t>
+            </a:r>
+            <a:r>
+              <a:rPr lang="en-US" altLang="ko-KR" sz="1200" kern="1200" dirty="0" smtClean="0">
+                <a:solidFill>
+                  <a:schemeClr val="tx1"/>
+                </a:solidFill>
+                <a:latin typeface="Arial" charset="0"/>
+                <a:ea typeface="+mn-ea"/>
+                <a:cs typeface="+mn-cs"/>
+              </a:rPr>
+              <a:t>. </a:t>
+            </a:r>
+            <a:r>
+              <a:rPr lang="ko-KR" altLang="ko-KR" sz="1200" kern="1200" dirty="0" smtClean="0">
+                <a:solidFill>
+                  <a:schemeClr val="tx1"/>
+                </a:solidFill>
+                <a:latin typeface="Arial" charset="0"/>
+                <a:ea typeface="+mn-ea"/>
+                <a:cs typeface="+mn-cs"/>
+              </a:rPr>
+              <a:t>좌측이 </a:t>
             </a:r>
             <a:r>
               <a:rPr lang="en-US" altLang="ko-KR" sz="1200" kern="1200" dirty="0" err="1" smtClean="0">
@@ -2048,37 +2151,37 @@
               <a:t>KatalkPCLinker</a:t>
             </a:r>
             <a:r>
-              <a:rPr lang="ko-KR" altLang="en-US" sz="1200" kern="1200" dirty="0" smtClean="0">
-                <a:solidFill>
-                  <a:schemeClr val="tx1"/>
-                </a:solidFill>
-                <a:latin typeface="Arial" charset="0"/>
-                <a:ea typeface="+mn-ea"/>
-                <a:cs typeface="+mn-cs"/>
-              </a:rPr>
-              <a:t>어플리케이션과 </a:t>
-            </a:r>
-            <a:r>
-              <a:rPr lang="ko-KR" altLang="en-US" sz="1200" kern="1200" dirty="0" err="1" smtClean="0">
-                <a:solidFill>
-                  <a:schemeClr val="tx1"/>
-                </a:solidFill>
-                <a:latin typeface="Arial" charset="0"/>
-                <a:ea typeface="+mn-ea"/>
-                <a:cs typeface="+mn-cs"/>
-              </a:rPr>
-              <a:t>스마트폰을</a:t>
-            </a:r>
-            <a:r>
-              <a:rPr lang="ko-KR" altLang="en-US" sz="1200" kern="1200" dirty="0" smtClean="0">
-                <a:solidFill>
-                  <a:schemeClr val="tx1"/>
-                </a:solidFill>
-                <a:latin typeface="Arial" charset="0"/>
-                <a:ea typeface="+mn-ea"/>
-                <a:cs typeface="+mn-cs"/>
-              </a:rPr>
-              <a:t> 터치패드로 사용할 수 있는 </a:t>
+              <a:rPr lang="ko-KR" altLang="ko-KR" sz="1200" kern="1200" dirty="0" smtClean="0">
+                <a:solidFill>
+                  <a:schemeClr val="tx1"/>
+                </a:solidFill>
+                <a:latin typeface="Arial" charset="0"/>
+                <a:ea typeface="+mn-ea"/>
+                <a:cs typeface="+mn-cs"/>
+              </a:rPr>
+              <a:t>의 모습이고</a:t>
+            </a:r>
+            <a:r>
+              <a:rPr lang="en-US" altLang="ko-KR" sz="1200" kern="1200" dirty="0" smtClean="0">
+                <a:solidFill>
+                  <a:schemeClr val="tx1"/>
+                </a:solidFill>
+                <a:latin typeface="Arial" charset="0"/>
+                <a:ea typeface="+mn-ea"/>
+                <a:cs typeface="+mn-cs"/>
+              </a:rPr>
+              <a:t>, </a:t>
+            </a:r>
+            <a:r>
+              <a:rPr lang="ko-KR" altLang="ko-KR" sz="1200" kern="1200" dirty="0" smtClean="0">
+                <a:solidFill>
+                  <a:schemeClr val="tx1"/>
+                </a:solidFill>
+                <a:latin typeface="Arial" charset="0"/>
+                <a:ea typeface="+mn-ea"/>
+                <a:cs typeface="+mn-cs"/>
+              </a:rPr>
+              <a:t>우측이 </a:t>
             </a:r>
             <a:r>
               <a:rPr lang="en-US" altLang="ko-KR" sz="1200" kern="1200" dirty="0" err="1" smtClean="0">
@@ -2092,6 +2195,17 @@
               <a:t>LTouchPad</a:t>
             </a:r>
             <a:r>
+              <a:rPr lang="ko-KR" altLang="ko-KR" sz="1200" kern="1200" dirty="0" smtClean="0">
+                <a:solidFill>
+                  <a:schemeClr val="tx1"/>
+                </a:solidFill>
+                <a:latin typeface="Arial" charset="0"/>
+                <a:ea typeface="+mn-ea"/>
+                <a:cs typeface="+mn-cs"/>
+              </a:rPr>
+              <a:t>의 모습입니다</a:t>
+            </a:r>
+            <a:r>
               <a:rPr lang="en-US" altLang="ko-KR" sz="1200" kern="1200" dirty="0" smtClean="0">
                 <a:solidFill>
                   <a:schemeClr val="tx1"/>
@@ -2100,119 +2214,16 @@
                 <a:ea typeface="+mn-ea"/>
                 <a:cs typeface="+mn-cs"/>
               </a:rPr>
-              <a:t> </a:t>
-            </a:r>
-            <a:r>
-              <a:rPr lang="ko-KR" altLang="en-US" sz="1200" kern="1200" dirty="0" smtClean="0">
-                <a:solidFill>
-                  <a:schemeClr val="tx1"/>
-                </a:solidFill>
-                <a:latin typeface="Arial" charset="0"/>
-                <a:ea typeface="+mn-ea"/>
-                <a:cs typeface="+mn-cs"/>
-              </a:rPr>
-              <a:t>어플리케이션을 구현 했습니다</a:t>
-            </a:r>
-            <a:r>
-              <a:rPr lang="en-US" altLang="ko-KR" sz="1200" kern="1200" dirty="0" smtClean="0">
-                <a:solidFill>
-                  <a:schemeClr val="tx1"/>
-                </a:solidFill>
-                <a:latin typeface="Arial" charset="0"/>
-                <a:ea typeface="+mn-ea"/>
-                <a:cs typeface="+mn-cs"/>
-              </a:rPr>
               <a:t>. </a:t>
             </a:r>
-            <a:r>
-              <a:rPr lang="ko-KR" altLang="en-US" sz="1200" kern="1200" dirty="0" smtClean="0">
-                <a:solidFill>
-                  <a:schemeClr val="tx1"/>
-                </a:solidFill>
-                <a:latin typeface="Arial" charset="0"/>
-                <a:ea typeface="+mn-ea"/>
-                <a:cs typeface="+mn-cs"/>
-              </a:rPr>
-              <a:t>왼쪽이 </a:t>
-            </a:r>
-            <a:r>
-              <a:rPr lang="en-US" altLang="ko-KR" sz="1200" kern="1200" dirty="0" err="1" smtClean="0">
-                <a:solidFill>
-                  <a:schemeClr val="tx1"/>
-                </a:solidFill>
-                <a:latin typeface="Arial" charset="0"/>
-                <a:ea typeface="+mn-ea"/>
-                <a:cs typeface="+mn-cs"/>
-              </a:rPr>
-              <a:t>KatalkPCLinker</a:t>
-            </a:r>
-            <a:r>
-              <a:rPr lang="ko-KR" altLang="en-US" sz="1200" kern="1200" dirty="0" smtClean="0">
-                <a:solidFill>
-                  <a:schemeClr val="tx1"/>
-                </a:solidFill>
-                <a:latin typeface="Arial" charset="0"/>
-                <a:ea typeface="+mn-ea"/>
-                <a:cs typeface="+mn-cs"/>
-              </a:rPr>
-              <a:t>의 모습이고</a:t>
-            </a:r>
-            <a:r>
-              <a:rPr lang="en-US" altLang="ko-KR" sz="1200" kern="1200" dirty="0" smtClean="0">
-                <a:solidFill>
-                  <a:schemeClr val="tx1"/>
-                </a:solidFill>
-                <a:latin typeface="Arial" charset="0"/>
-                <a:ea typeface="+mn-ea"/>
-                <a:cs typeface="+mn-cs"/>
-              </a:rPr>
-              <a:t>, </a:t>
-            </a:r>
-            <a:r>
-              <a:rPr lang="ko-KR" altLang="en-US" sz="1200" kern="1200" dirty="0" smtClean="0">
-                <a:solidFill>
-                  <a:schemeClr val="tx1"/>
-                </a:solidFill>
-                <a:latin typeface="Arial" charset="0"/>
-                <a:ea typeface="+mn-ea"/>
-                <a:cs typeface="+mn-cs"/>
-              </a:rPr>
-              <a:t>오른쪽이 </a:t>
-            </a:r>
-            <a:r>
-              <a:rPr lang="en-US" altLang="ko-KR" sz="1200" kern="1200" dirty="0" err="1" smtClean="0">
-                <a:solidFill>
-                  <a:schemeClr val="tx1"/>
-                </a:solidFill>
-                <a:latin typeface="Arial" charset="0"/>
-                <a:ea typeface="+mn-ea"/>
-                <a:cs typeface="+mn-cs"/>
-              </a:rPr>
-              <a:t>LTouchPad</a:t>
-            </a:r>
-            <a:r>
-              <a:rPr lang="ko-KR" altLang="en-US" sz="1200" kern="1200" dirty="0" smtClean="0">
-                <a:solidFill>
-                  <a:schemeClr val="tx1"/>
-                </a:solidFill>
-                <a:latin typeface="Arial" charset="0"/>
-                <a:ea typeface="+mn-ea"/>
-                <a:cs typeface="+mn-cs"/>
-              </a:rPr>
-              <a:t>의 모습입니다</a:t>
-            </a:r>
-            <a:r>
-              <a:rPr lang="en-US" altLang="ko-KR" sz="1200" kern="1200" dirty="0" smtClean="0">
-                <a:solidFill>
-                  <a:schemeClr val="tx1"/>
-                </a:solidFill>
-                <a:latin typeface="Arial" charset="0"/>
-                <a:ea typeface="+mn-ea"/>
-                <a:cs typeface="+mn-cs"/>
-              </a:rPr>
-              <a:t>.</a:t>
-            </a:r>
-            <a:endParaRPr lang="ko-KR" altLang="en-US" dirty="0"/>
+            <a:endParaRPr lang="ko-KR" altLang="ko-KR" sz="1200" kern="1200" dirty="0">
+              <a:solidFill>
+                <a:schemeClr val="tx1"/>
+              </a:solidFill>
+              <a:latin typeface="Arial" charset="0"/>
+              <a:ea typeface="+mn-ea"/>
+              <a:cs typeface="+mn-cs"/>
+            </a:endParaRPr>
           </a:p>
         </p:txBody>
       </p:sp>
@@ -2353,7 +2364,62 @@
                 <a:ea typeface="+mn-ea"/>
                 <a:cs typeface="+mn-cs"/>
               </a:rPr>
-              <a:t>에서 카카오톡을 실행할 수 있고</a:t>
+              <a:t>에서 </a:t>
+            </a:r>
+            <a:r>
+              <a:rPr lang="ko-KR" altLang="en-US" sz="1200" kern="1200" baseline="0" dirty="0" smtClean="0">
+                <a:solidFill>
+                  <a:schemeClr val="tx1"/>
+                </a:solidFill>
+                <a:latin typeface="Arial" charset="0"/>
+                <a:ea typeface="+mn-ea"/>
+                <a:cs typeface="+mn-cs"/>
+              </a:rPr>
+              <a:t>키보드로 스마트폰을 조작 할 수 있어서 </a:t>
+            </a:r>
+            <a:r>
+              <a:rPr lang="ko-KR" altLang="en-US" sz="1200" kern="1200" baseline="0" dirty="0" err="1" smtClean="0">
+                <a:solidFill>
+                  <a:schemeClr val="tx1"/>
+                </a:solidFill>
+                <a:latin typeface="Arial" charset="0"/>
+                <a:ea typeface="+mn-ea"/>
+                <a:cs typeface="+mn-cs"/>
+              </a:rPr>
+              <a:t>카카오톡과</a:t>
+            </a:r>
+            <a:r>
+              <a:rPr lang="ko-KR" altLang="en-US" sz="1200" kern="1200" baseline="0" dirty="0" smtClean="0">
+                <a:solidFill>
+                  <a:schemeClr val="tx1"/>
+                </a:solidFill>
+                <a:latin typeface="Arial" charset="0"/>
+                <a:ea typeface="+mn-ea"/>
+                <a:cs typeface="+mn-cs"/>
+              </a:rPr>
+              <a:t> 다른 어플리케이션을 </a:t>
+            </a:r>
+            <a:r>
+              <a:rPr lang="ko-KR" altLang="en-US" sz="1200" kern="1200" baseline="0" dirty="0" smtClean="0">
+                <a:solidFill>
+                  <a:schemeClr val="tx1"/>
+                </a:solidFill>
+                <a:latin typeface="Arial" charset="0"/>
+                <a:ea typeface="+mn-ea"/>
+                <a:cs typeface="+mn-cs"/>
+              </a:rPr>
+              <a:t>실행할 수 </a:t>
+            </a:r>
+            <a:r>
+              <a:rPr lang="ko-KR" altLang="en-US" sz="1200" kern="1200" baseline="0" dirty="0" smtClean="0">
+                <a:solidFill>
+                  <a:schemeClr val="tx1"/>
+                </a:solidFill>
+                <a:latin typeface="Arial" charset="0"/>
+                <a:ea typeface="+mn-ea"/>
+                <a:cs typeface="+mn-cs"/>
+              </a:rPr>
+              <a:t>있습니다</a:t>
             </a:r>
             <a:r>
               <a:rPr lang="en-US" altLang="ko-KR" sz="1200" kern="1200" baseline="0" dirty="0" smtClean="0">
@@ -2364,7 +2430,18 @@
                 <a:ea typeface="+mn-ea"/>
                 <a:cs typeface="+mn-cs"/>
               </a:rPr>
-              <a:t>, </a:t>
+              <a:t>. </a:t>
+            </a:r>
+            <a:r>
+              <a:rPr lang="en-US" altLang="ko-KR" sz="1200" kern="1200" baseline="0" dirty="0" err="1" smtClean="0">
+                <a:solidFill>
+                  <a:schemeClr val="tx1"/>
+                </a:solidFill>
+                <a:latin typeface="Arial" charset="0"/>
+                <a:ea typeface="+mn-ea"/>
+                <a:cs typeface="+mn-cs"/>
+              </a:rPr>
+              <a:t>KatalkPCLinker</a:t>
             </a:r>
             <a:r>
               <a:rPr lang="ko-KR" altLang="en-US" sz="1200" kern="1200" baseline="0" dirty="0" smtClean="0">
@@ -2375,7 +2452,7 @@
                 <a:ea typeface="+mn-ea"/>
                 <a:cs typeface="+mn-cs"/>
               </a:rPr>
-              <a:t>키보드 조작을 통해 대화상대를 선택하고 대화를 전송 할 수 있습니다</a:t>
+              <a:t>는 </a:t>
             </a:r>
             <a:r>
               <a:rPr lang="en-US" altLang="ko-KR" sz="1200" kern="1200" baseline="0" dirty="0" smtClean="0">
@@ -2386,18 +2463,7 @@
                 <a:ea typeface="+mn-ea"/>
                 <a:cs typeface="+mn-cs"/>
               </a:rPr>
-              <a:t>. </a:t>
-            </a:r>
-            <a:r>
-              <a:rPr lang="en-US" altLang="ko-KR" sz="1200" kern="1200" baseline="0" dirty="0" err="1" smtClean="0">
-                <a:solidFill>
-                  <a:schemeClr val="tx1"/>
-                </a:solidFill>
-                <a:latin typeface="Arial" charset="0"/>
-                <a:ea typeface="+mn-ea"/>
-                <a:cs typeface="+mn-cs"/>
-              </a:rPr>
-              <a:t>KatalkPCLinker</a:t>
+              <a:t>PC</a:t>
             </a:r>
             <a:r>
               <a:rPr lang="ko-KR" altLang="en-US" sz="1200" kern="1200" baseline="0" dirty="0" smtClean="0">
@@ -2408,18 +2474,62 @@
                 <a:ea typeface="+mn-ea"/>
                 <a:cs typeface="+mn-cs"/>
               </a:rPr>
-              <a:t>는 </a:t>
-            </a:r>
-            <a:r>
-              <a:rPr lang="en-US" altLang="ko-KR" sz="1200" kern="1200" baseline="0" dirty="0" smtClean="0">
-                <a:solidFill>
-                  <a:schemeClr val="tx1"/>
-                </a:solidFill>
-                <a:latin typeface="Arial" charset="0"/>
-                <a:ea typeface="+mn-ea"/>
-                <a:cs typeface="+mn-cs"/>
-              </a:rPr>
-              <a:t>PC</a:t>
+              <a:t>에 </a:t>
+            </a:r>
+            <a:r>
+              <a:rPr lang="en-US" altLang="ko-KR" sz="1200" kern="1200" dirty="0" smtClean="0">
+                <a:solidFill>
+                  <a:schemeClr val="tx1"/>
+                </a:solidFill>
+                <a:latin typeface="Arial" charset="0"/>
+                <a:ea typeface="+mn-ea"/>
+                <a:cs typeface="+mn-cs"/>
+              </a:rPr>
+              <a:t>USB</a:t>
+            </a:r>
+            <a:r>
+              <a:rPr lang="ko-KR" altLang="en-US" sz="1200" kern="1200" dirty="0" smtClean="0">
+                <a:solidFill>
+                  <a:schemeClr val="tx1"/>
+                </a:solidFill>
+                <a:latin typeface="Arial" charset="0"/>
+                <a:ea typeface="+mn-ea"/>
+                <a:cs typeface="+mn-cs"/>
+              </a:rPr>
+              <a:t>카메라로 인식돼서 어플리케이션의 수정 없이 </a:t>
+            </a:r>
+            <a:r>
+              <a:rPr lang="ko-KR" altLang="en-US" sz="1200" kern="1200" dirty="0" err="1" smtClean="0">
+                <a:solidFill>
+                  <a:schemeClr val="tx1"/>
+                </a:solidFill>
+                <a:latin typeface="Arial" charset="0"/>
+                <a:ea typeface="+mn-ea"/>
+                <a:cs typeface="+mn-cs"/>
+              </a:rPr>
+              <a:t>카카오톡</a:t>
+            </a:r>
+            <a:r>
+              <a:rPr lang="ko-KR" altLang="en-US" sz="1200" kern="1200" dirty="0" smtClean="0">
+                <a:solidFill>
+                  <a:schemeClr val="tx1"/>
+                </a:solidFill>
+                <a:latin typeface="Arial" charset="0"/>
+                <a:ea typeface="+mn-ea"/>
+                <a:cs typeface="+mn-cs"/>
+              </a:rPr>
+              <a:t> 화면뿐만 아니라 </a:t>
+            </a:r>
+            <a:r>
+              <a:rPr lang="ko-KR" altLang="en-US" sz="1200" kern="1200" baseline="0" dirty="0" err="1" smtClean="0">
+                <a:solidFill>
+                  <a:schemeClr val="tx1"/>
+                </a:solidFill>
+                <a:latin typeface="Arial" charset="0"/>
+                <a:ea typeface="+mn-ea"/>
+                <a:cs typeface="+mn-cs"/>
+              </a:rPr>
+              <a:t>스마트폰의</a:t>
             </a:r>
             <a:r>
               <a:rPr lang="ko-KR" altLang="en-US" sz="1200" kern="1200" baseline="0" dirty="0" smtClean="0">
@@ -2430,106 +2540,7 @@
                 <a:ea typeface="+mn-ea"/>
                 <a:cs typeface="+mn-cs"/>
               </a:rPr>
-              <a:t>에 </a:t>
-            </a:r>
-            <a:r>
-              <a:rPr lang="en-US" altLang="ko-KR" sz="1200" kern="1200" dirty="0" smtClean="0">
-                <a:solidFill>
-                  <a:schemeClr val="tx1"/>
-                </a:solidFill>
-                <a:latin typeface="Arial" charset="0"/>
-                <a:ea typeface="+mn-ea"/>
-                <a:cs typeface="+mn-cs"/>
-              </a:rPr>
-              <a:t>USB</a:t>
-            </a:r>
-            <a:r>
-              <a:rPr lang="ko-KR" altLang="en-US" sz="1200" kern="1200" dirty="0" smtClean="0">
-                <a:solidFill>
-                  <a:schemeClr val="tx1"/>
-                </a:solidFill>
-                <a:latin typeface="Arial" charset="0"/>
-                <a:ea typeface="+mn-ea"/>
-                <a:cs typeface="+mn-cs"/>
-              </a:rPr>
-              <a:t>카메라로 인식돼서 </a:t>
-            </a:r>
-            <a:r>
-              <a:rPr lang="ko-KR" altLang="en-US" sz="1200" kern="1200" dirty="0" smtClean="0">
-                <a:solidFill>
-                  <a:schemeClr val="tx1"/>
-                </a:solidFill>
-                <a:latin typeface="Arial" charset="0"/>
-                <a:ea typeface="+mn-ea"/>
-                <a:cs typeface="+mn-cs"/>
-              </a:rPr>
-              <a:t>어플리케이션의 수정 없이 </a:t>
-            </a:r>
-            <a:r>
-              <a:rPr lang="ko-KR" altLang="en-US" sz="1200" kern="1200" err="1" smtClean="0">
-                <a:solidFill>
-                  <a:schemeClr val="tx1"/>
-                </a:solidFill>
-                <a:latin typeface="Arial" charset="0"/>
-                <a:ea typeface="+mn-ea"/>
-                <a:cs typeface="+mn-cs"/>
-              </a:rPr>
-              <a:t>카카오톡</a:t>
-            </a:r>
-            <a:r>
-              <a:rPr lang="ko-KR" altLang="en-US" sz="1200" kern="1200" smtClean="0">
-                <a:solidFill>
-                  <a:schemeClr val="tx1"/>
-                </a:solidFill>
-                <a:latin typeface="Arial" charset="0"/>
-                <a:ea typeface="+mn-ea"/>
-                <a:cs typeface="+mn-cs"/>
-              </a:rPr>
-              <a:t> 화면뿐만 </a:t>
-            </a:r>
-            <a:r>
-              <a:rPr lang="ko-KR" altLang="en-US" sz="1200" kern="1200" dirty="0" smtClean="0">
-                <a:solidFill>
-                  <a:schemeClr val="tx1"/>
-                </a:solidFill>
-                <a:latin typeface="Arial" charset="0"/>
-                <a:ea typeface="+mn-ea"/>
-                <a:cs typeface="+mn-cs"/>
-              </a:rPr>
-              <a:t>아니라 </a:t>
-            </a:r>
-            <a:r>
-              <a:rPr lang="ko-KR" altLang="en-US" sz="1200" kern="1200" baseline="0" dirty="0" err="1" smtClean="0">
-                <a:solidFill>
-                  <a:schemeClr val="tx1"/>
-                </a:solidFill>
-                <a:latin typeface="Arial" charset="0"/>
-                <a:ea typeface="+mn-ea"/>
-                <a:cs typeface="+mn-cs"/>
-              </a:rPr>
-              <a:t>스마트폰의</a:t>
-            </a:r>
-            <a:r>
-              <a:rPr lang="ko-KR" altLang="en-US" sz="1200" kern="1200" baseline="0" dirty="0" smtClean="0">
-                <a:solidFill>
-                  <a:schemeClr val="tx1"/>
-                </a:solidFill>
-                <a:latin typeface="Arial" charset="0"/>
-                <a:ea typeface="+mn-ea"/>
-                <a:cs typeface="+mn-cs"/>
-              </a:rPr>
-              <a:t> 모든 </a:t>
-            </a:r>
-            <a:r>
-              <a:rPr lang="ko-KR" altLang="en-US" sz="1200" kern="1200" baseline="0" dirty="0" smtClean="0">
-                <a:solidFill>
-                  <a:schemeClr val="tx1"/>
-                </a:solidFill>
-                <a:latin typeface="Arial" charset="0"/>
-                <a:ea typeface="+mn-ea"/>
-                <a:cs typeface="+mn-cs"/>
-              </a:rPr>
-              <a:t>화면을 </a:t>
+              <a:t> 모든 화면을 </a:t>
             </a:r>
             <a:r>
               <a:rPr lang="en-US" altLang="ko-KR" sz="1200" kern="1200" baseline="0" dirty="0" smtClean="0">
@@ -3673,7 +3684,29 @@
                 <a:ea typeface="+mn-ea"/>
                 <a:cs typeface="+mn-cs"/>
               </a:rPr>
-              <a:t> 사용자가 증가 할 것입니다</a:t>
+              <a:t> 사용자가 </a:t>
+            </a:r>
+            <a:r>
+              <a:rPr lang="ko-KR" altLang="en-US" sz="1200" kern="1200" dirty="0" smtClean="0">
+                <a:solidFill>
+                  <a:schemeClr val="tx1"/>
+                </a:solidFill>
+                <a:latin typeface="Arial" charset="0"/>
+                <a:ea typeface="+mn-ea"/>
+                <a:cs typeface="+mn-cs"/>
+              </a:rPr>
+              <a:t>더 증가 </a:t>
+            </a:r>
+            <a:r>
+              <a:rPr lang="ko-KR" altLang="en-US" sz="1200" kern="1200" dirty="0" smtClean="0">
+                <a:solidFill>
+                  <a:schemeClr val="tx1"/>
+                </a:solidFill>
+                <a:latin typeface="Arial" charset="0"/>
+                <a:ea typeface="+mn-ea"/>
+                <a:cs typeface="+mn-cs"/>
+              </a:rPr>
+              <a:t>할 것입니다</a:t>
             </a:r>
             <a:r>
               <a:rPr lang="en-US" altLang="ko-KR" sz="1200" kern="1200" dirty="0" smtClean="0">
@@ -3761,7 +3794,51 @@
                 <a:ea typeface="+mn-ea"/>
                 <a:cs typeface="+mn-cs"/>
               </a:rPr>
-              <a:t>와 연결해 사용하는 기능은 자료 옮길 때 </a:t>
+              <a:t>와 연결해 사용하는 기능은 </a:t>
+            </a:r>
+            <a:r>
+              <a:rPr lang="ko-KR" altLang="ko-KR" sz="1200" kern="1200" dirty="0" smtClean="0">
+                <a:solidFill>
+                  <a:schemeClr val="tx1"/>
+                </a:solidFill>
+                <a:latin typeface="Arial" charset="0"/>
+                <a:ea typeface="+mn-ea"/>
+                <a:cs typeface="+mn-cs"/>
+              </a:rPr>
+              <a:t>자료</a:t>
+            </a:r>
+            <a:r>
+              <a:rPr lang="ko-KR" altLang="en-US" sz="1200" kern="1200" dirty="0" smtClean="0">
+                <a:solidFill>
+                  <a:schemeClr val="tx1"/>
+                </a:solidFill>
+                <a:latin typeface="Arial" charset="0"/>
+                <a:ea typeface="+mn-ea"/>
+                <a:cs typeface="+mn-cs"/>
+              </a:rPr>
+              <a:t>를</a:t>
+            </a:r>
+            <a:r>
+              <a:rPr lang="ko-KR" altLang="ko-KR" sz="1200" kern="1200" dirty="0" smtClean="0">
+                <a:solidFill>
+                  <a:schemeClr val="tx1"/>
+                </a:solidFill>
+                <a:latin typeface="Arial" charset="0"/>
+                <a:ea typeface="+mn-ea"/>
+                <a:cs typeface="+mn-cs"/>
+              </a:rPr>
+              <a:t> </a:t>
+            </a:r>
+            <a:r>
+              <a:rPr lang="ko-KR" altLang="ko-KR" sz="1200" kern="1200" dirty="0" smtClean="0">
+                <a:solidFill>
+                  <a:schemeClr val="tx1"/>
+                </a:solidFill>
+                <a:latin typeface="Arial" charset="0"/>
+                <a:ea typeface="+mn-ea"/>
+                <a:cs typeface="+mn-cs"/>
+              </a:rPr>
+              <a:t>옮길 때 </a:t>
             </a:r>
             <a:r>
               <a:rPr lang="en-US" altLang="ko-KR" sz="1200" kern="1200" dirty="0" smtClean="0">
@@ -3856,7 +3933,7 @@
     </p:spTree>
     <p:extLst>
       <p:ext uri="{BB962C8B-B14F-4D97-AF65-F5344CB8AC3E}">
-        <p14:creationId xmlns:p14="http://schemas.microsoft.com/office/powerpoint/2010/main" xmlns="" val="483073219"/>
+        <p14:creationId xmlns="" xmlns:p14="http://schemas.microsoft.com/office/powerpoint/2010/main" val="483073219"/>
       </p:ext>
     </p:extLst>
   </p:cSld>
@@ -4284,7 +4361,29 @@
                 <a:ea typeface="+mn-ea"/>
                 <a:cs typeface="+mn-cs"/>
               </a:rPr>
-              <a:t>.</a:t>
+              <a:t>.(</a:t>
+            </a:r>
+            <a:r>
+              <a:rPr lang="ko-KR" altLang="en-US" sz="1200" kern="1200" dirty="0" smtClean="0">
+                <a:solidFill>
+                  <a:schemeClr val="tx1"/>
+                </a:solidFill>
+                <a:latin typeface="Arial" charset="0"/>
+                <a:ea typeface="+mn-ea"/>
+                <a:cs typeface="+mn-cs"/>
+              </a:rPr>
+              <a:t>천천히</a:t>
+            </a:r>
+            <a:r>
+              <a:rPr lang="en-US" altLang="ko-KR" sz="1200" kern="1200" dirty="0" smtClean="0">
+                <a:solidFill>
+                  <a:schemeClr val="tx1"/>
+                </a:solidFill>
+                <a:latin typeface="Arial" charset="0"/>
+                <a:ea typeface="+mn-ea"/>
+                <a:cs typeface="+mn-cs"/>
+              </a:rPr>
+              <a:t>)</a:t>
             </a:r>
             <a:endParaRPr lang="ko-KR" altLang="en-US" dirty="0"/>
           </a:p>
@@ -5415,7 +5514,18 @@
                 <a:ea typeface="+mn-ea"/>
                 <a:cs typeface="+mn-cs"/>
               </a:rPr>
-              <a:t>예를 들어 </a:t>
+              <a:t>예를 들어 좌측이 윈도우 어플리케이션에 </a:t>
+            </a:r>
+            <a:r>
+              <a:rPr lang="en-US" altLang="ko-KR" sz="1200" kern="1200" dirty="0" smtClean="0">
+                <a:solidFill>
+                  <a:schemeClr val="tx1"/>
+                </a:solidFill>
+                <a:latin typeface="Arial" charset="0"/>
+                <a:ea typeface="+mn-ea"/>
+                <a:cs typeface="+mn-cs"/>
+              </a:rPr>
+              <a:t>USB</a:t>
             </a:r>
             <a:r>
               <a:rPr lang="ko-KR" altLang="en-US" sz="1200" kern="1200" dirty="0" smtClean="0">
@@ -5426,7 +5536,18 @@
                 <a:ea typeface="+mn-ea"/>
                 <a:cs typeface="+mn-cs"/>
               </a:rPr>
-              <a:t>좌측이 </a:t>
+              <a:t>카메라를 연결한 모습이라면</a:t>
+            </a:r>
+            <a:r>
+              <a:rPr lang="en-US" altLang="ko-KR" sz="1200" kern="1200" dirty="0" smtClean="0">
+                <a:solidFill>
+                  <a:schemeClr val="tx1"/>
+                </a:solidFill>
+                <a:latin typeface="Arial" charset="0"/>
+                <a:ea typeface="+mn-ea"/>
+                <a:cs typeface="+mn-cs"/>
+              </a:rPr>
+              <a:t>, </a:t>
             </a:r>
             <a:r>
               <a:rPr lang="ko-KR" altLang="en-US" sz="1200" kern="1200" dirty="0" smtClean="0">
@@ -5437,7 +5558,51 @@
                 <a:ea typeface="+mn-ea"/>
                 <a:cs typeface="+mn-cs"/>
               </a:rPr>
-              <a:t>윈도우 어플리케이션에 </a:t>
+              <a:t>우측</a:t>
+            </a:r>
+            <a:r>
+              <a:rPr lang="ko-KR" altLang="en-US" sz="1200" kern="1200" baseline="0" dirty="0" smtClean="0">
+                <a:solidFill>
+                  <a:schemeClr val="tx1"/>
+                </a:solidFill>
+                <a:latin typeface="Arial" charset="0"/>
+                <a:ea typeface="+mn-ea"/>
+                <a:cs typeface="+mn-cs"/>
+              </a:rPr>
+              <a:t>에서 </a:t>
+            </a:r>
+            <a:r>
+              <a:rPr lang="ko-KR" altLang="en-US" sz="1200" kern="1200" baseline="0" dirty="0" err="1" smtClean="0">
+                <a:solidFill>
+                  <a:schemeClr val="tx1"/>
+                </a:solidFill>
+                <a:latin typeface="Arial" charset="0"/>
+                <a:ea typeface="+mn-ea"/>
+                <a:cs typeface="+mn-cs"/>
+              </a:rPr>
+              <a:t>스마트폰의</a:t>
+            </a:r>
+            <a:r>
+              <a:rPr lang="ko-KR" altLang="en-US" sz="1200" kern="1200" baseline="0" dirty="0" smtClean="0">
+                <a:solidFill>
+                  <a:schemeClr val="tx1"/>
+                </a:solidFill>
+                <a:latin typeface="Arial" charset="0"/>
+                <a:ea typeface="+mn-ea"/>
+                <a:cs typeface="+mn-cs"/>
+              </a:rPr>
+              <a:t> </a:t>
+            </a:r>
+            <a:r>
+              <a:rPr lang="ko-KR" altLang="en-US" sz="1200" kern="1200" dirty="0" smtClean="0">
+                <a:solidFill>
+                  <a:schemeClr val="tx1"/>
+                </a:solidFill>
+                <a:latin typeface="Arial" charset="0"/>
+                <a:ea typeface="+mn-ea"/>
+                <a:cs typeface="+mn-cs"/>
+              </a:rPr>
+              <a:t>카메라 어플리케이션도 </a:t>
             </a:r>
             <a:r>
               <a:rPr lang="en-US" altLang="ko-KR" sz="1200" kern="1200" dirty="0" smtClean="0">
@@ -5448,6 +5613,28 @@
                 <a:ea typeface="+mn-ea"/>
                 <a:cs typeface="+mn-cs"/>
               </a:rPr>
+              <a:t>VHCI</a:t>
+            </a:r>
+            <a:r>
+              <a:rPr lang="ko-KR" altLang="en-US" sz="1200" kern="1200" dirty="0" smtClean="0">
+                <a:solidFill>
+                  <a:schemeClr val="tx1"/>
+                </a:solidFill>
+                <a:latin typeface="Arial" charset="0"/>
+                <a:ea typeface="+mn-ea"/>
+                <a:cs typeface="+mn-cs"/>
+              </a:rPr>
+              <a:t>드라이버를 통해 </a:t>
+            </a:r>
+            <a:r>
+              <a:rPr lang="en-US" altLang="ko-KR" sz="1200" kern="1200" dirty="0" smtClean="0">
+                <a:solidFill>
+                  <a:schemeClr val="tx1"/>
+                </a:solidFill>
+                <a:latin typeface="Arial" charset="0"/>
+                <a:ea typeface="+mn-ea"/>
+                <a:cs typeface="+mn-cs"/>
+              </a:rPr>
               <a:t>USB</a:t>
             </a:r>
             <a:r>
@@ -5459,7 +5646,7 @@
                 <a:ea typeface="+mn-ea"/>
                 <a:cs typeface="+mn-cs"/>
               </a:rPr>
-              <a:t>카메라를 연결한 모습이라면</a:t>
+              <a:t>장치로 인식되고</a:t>
             </a:r>
             <a:r>
               <a:rPr lang="en-US" altLang="ko-KR" sz="1200" kern="1200" dirty="0" smtClean="0">
@@ -5470,7 +5657,7 @@
                 <a:ea typeface="+mn-ea"/>
                 <a:cs typeface="+mn-cs"/>
               </a:rPr>
-              <a:t>, </a:t>
+              <a:t>,</a:t>
             </a:r>
             <a:r>
               <a:rPr lang="ko-KR" altLang="en-US" sz="1200" kern="1200" dirty="0" smtClean="0">
@@ -5481,7 +5668,29 @@
                 <a:ea typeface="+mn-ea"/>
                 <a:cs typeface="+mn-cs"/>
               </a:rPr>
-              <a:t>우측</a:t>
+              <a:t> </a:t>
+            </a:r>
+            <a:r>
+              <a:rPr lang="en-US" altLang="ko-KR" sz="1200" kern="1200" dirty="0" smtClean="0">
+                <a:solidFill>
+                  <a:schemeClr val="tx1"/>
+                </a:solidFill>
+                <a:latin typeface="Arial" charset="0"/>
+                <a:ea typeface="+mn-ea"/>
+                <a:cs typeface="+mn-cs"/>
+              </a:rPr>
+              <a:t>USB/IP</a:t>
+            </a:r>
+            <a:r>
+              <a:rPr lang="ko-KR" altLang="en-US" sz="1200" kern="1200" dirty="0" smtClean="0">
+                <a:solidFill>
+                  <a:schemeClr val="tx1"/>
+                </a:solidFill>
+                <a:latin typeface="Arial" charset="0"/>
+                <a:ea typeface="+mn-ea"/>
+                <a:cs typeface="+mn-cs"/>
+              </a:rPr>
+              <a:t>를 거쳐</a:t>
             </a:r>
             <a:r>
               <a:rPr lang="ko-KR" altLang="en-US" sz="1200" kern="1200" baseline="0" dirty="0" smtClean="0">
@@ -5492,18 +5701,18 @@
                 <a:ea typeface="+mn-ea"/>
                 <a:cs typeface="+mn-cs"/>
               </a:rPr>
-              <a:t>에서 </a:t>
-            </a:r>
-            <a:r>
-              <a:rPr lang="ko-KR" altLang="en-US" sz="1200" kern="1200" baseline="0" dirty="0" err="1" smtClean="0">
-                <a:solidFill>
-                  <a:schemeClr val="tx1"/>
-                </a:solidFill>
-                <a:latin typeface="Arial" charset="0"/>
-                <a:ea typeface="+mn-ea"/>
-                <a:cs typeface="+mn-cs"/>
-              </a:rPr>
-              <a:t>스마트폰의</a:t>
+              <a:t> 어플리케이션의 수정 없이 </a:t>
+            </a:r>
+            <a:r>
+              <a:rPr lang="en-US" altLang="ko-KR" sz="1200" kern="1200" baseline="0" dirty="0" smtClean="0">
+                <a:solidFill>
+                  <a:schemeClr val="tx1"/>
+                </a:solidFill>
+                <a:latin typeface="Arial" charset="0"/>
+                <a:ea typeface="+mn-ea"/>
+                <a:cs typeface="+mn-cs"/>
+              </a:rPr>
+              <a:t>PC</a:t>
             </a:r>
             <a:r>
               <a:rPr lang="ko-KR" altLang="en-US" sz="1200" kern="1200" baseline="0" dirty="0" smtClean="0">
@@ -5514,7 +5723,7 @@
                 <a:ea typeface="+mn-ea"/>
                 <a:cs typeface="+mn-cs"/>
               </a:rPr>
-              <a:t> </a:t>
+              <a:t>에서</a:t>
             </a:r>
             <a:r>
               <a:rPr lang="ko-KR" altLang="en-US" sz="1200" kern="1200" dirty="0" smtClean="0">
@@ -5525,7 +5734,7 @@
                 <a:ea typeface="+mn-ea"/>
                 <a:cs typeface="+mn-cs"/>
               </a:rPr>
-              <a:t>카메라 어플리케이션도 </a:t>
+              <a:t> 좌측과 동일하게 </a:t>
             </a:r>
             <a:r>
               <a:rPr lang="en-US" altLang="ko-KR" sz="1200" kern="1200" dirty="0" smtClean="0">
@@ -5536,7 +5745,18 @@
                 <a:ea typeface="+mn-ea"/>
                 <a:cs typeface="+mn-cs"/>
               </a:rPr>
-              <a:t>VHCI</a:t>
+              <a:t>USB </a:t>
+            </a:r>
+            <a:r>
+              <a:rPr lang="ko-KR" altLang="en-US" sz="1200" kern="1200" smtClean="0">
+                <a:solidFill>
+                  <a:schemeClr val="tx1"/>
+                </a:solidFill>
+                <a:latin typeface="Arial" charset="0"/>
+                <a:ea typeface="+mn-ea"/>
+                <a:cs typeface="+mn-cs"/>
+              </a:rPr>
+              <a:t>카메라로 인식되는 </a:t>
             </a:r>
             <a:r>
               <a:rPr lang="ko-KR" altLang="en-US" sz="1200" kern="1200" dirty="0" smtClean="0">
@@ -5547,161 +5767,7 @@
                 <a:ea typeface="+mn-ea"/>
                 <a:cs typeface="+mn-cs"/>
               </a:rPr>
-              <a:t>드라이버를 통해 </a:t>
-            </a:r>
-            <a:r>
-              <a:rPr lang="en-US" altLang="ko-KR" sz="1200" kern="1200" dirty="0" smtClean="0">
-                <a:solidFill>
-                  <a:schemeClr val="tx1"/>
-                </a:solidFill>
-                <a:latin typeface="Arial" charset="0"/>
-                <a:ea typeface="+mn-ea"/>
-                <a:cs typeface="+mn-cs"/>
-              </a:rPr>
-              <a:t>USB</a:t>
-            </a:r>
-            <a:r>
-              <a:rPr lang="ko-KR" altLang="en-US" sz="1200" kern="1200" dirty="0" smtClean="0">
-                <a:solidFill>
-                  <a:schemeClr val="tx1"/>
-                </a:solidFill>
-                <a:latin typeface="Arial" charset="0"/>
-                <a:ea typeface="+mn-ea"/>
-                <a:cs typeface="+mn-cs"/>
-              </a:rPr>
-              <a:t>장치로 </a:t>
-            </a:r>
-            <a:r>
-              <a:rPr lang="ko-KR" altLang="en-US" sz="1200" kern="1200" dirty="0" smtClean="0">
-                <a:solidFill>
-                  <a:schemeClr val="tx1"/>
-                </a:solidFill>
-                <a:latin typeface="Arial" charset="0"/>
-                <a:ea typeface="+mn-ea"/>
-                <a:cs typeface="+mn-cs"/>
-              </a:rPr>
-              <a:t>인식되고</a:t>
-            </a:r>
-            <a:r>
-              <a:rPr lang="en-US" altLang="ko-KR" sz="1200" kern="1200" dirty="0" smtClean="0">
-                <a:solidFill>
-                  <a:schemeClr val="tx1"/>
-                </a:solidFill>
-                <a:latin typeface="Arial" charset="0"/>
-                <a:ea typeface="+mn-ea"/>
-                <a:cs typeface="+mn-cs"/>
-              </a:rPr>
-              <a:t>,</a:t>
-            </a:r>
-            <a:r>
-              <a:rPr lang="ko-KR" altLang="en-US" sz="1200" kern="1200" dirty="0" smtClean="0">
-                <a:solidFill>
-                  <a:schemeClr val="tx1"/>
-                </a:solidFill>
-                <a:latin typeface="Arial" charset="0"/>
-                <a:ea typeface="+mn-ea"/>
-                <a:cs typeface="+mn-cs"/>
-              </a:rPr>
-              <a:t> </a:t>
-            </a:r>
-            <a:r>
-              <a:rPr lang="en-US" altLang="ko-KR" sz="1200" kern="1200" dirty="0" smtClean="0">
-                <a:solidFill>
-                  <a:schemeClr val="tx1"/>
-                </a:solidFill>
-                <a:latin typeface="Arial" charset="0"/>
-                <a:ea typeface="+mn-ea"/>
-                <a:cs typeface="+mn-cs"/>
-              </a:rPr>
-              <a:t>USB/IP</a:t>
-            </a:r>
-            <a:r>
-              <a:rPr lang="ko-KR" altLang="en-US" sz="1200" kern="1200" dirty="0" smtClean="0">
-                <a:solidFill>
-                  <a:schemeClr val="tx1"/>
-                </a:solidFill>
-                <a:latin typeface="Arial" charset="0"/>
-                <a:ea typeface="+mn-ea"/>
-                <a:cs typeface="+mn-cs"/>
-              </a:rPr>
-              <a:t>를 거쳐</a:t>
-            </a:r>
-            <a:r>
-              <a:rPr lang="ko-KR" altLang="en-US" sz="1200" kern="1200" baseline="0" dirty="0" smtClean="0">
-                <a:solidFill>
-                  <a:schemeClr val="tx1"/>
-                </a:solidFill>
-                <a:latin typeface="Arial" charset="0"/>
-                <a:ea typeface="+mn-ea"/>
-                <a:cs typeface="+mn-cs"/>
-              </a:rPr>
-              <a:t> </a:t>
-            </a:r>
-            <a:r>
-              <a:rPr lang="ko-KR" altLang="en-US" sz="1200" kern="1200" baseline="0" dirty="0" smtClean="0">
-                <a:solidFill>
-                  <a:schemeClr val="tx1"/>
-                </a:solidFill>
-                <a:latin typeface="Arial" charset="0"/>
-                <a:ea typeface="+mn-ea"/>
-                <a:cs typeface="+mn-cs"/>
-              </a:rPr>
-              <a:t>어플리케이션의 수정 없이 </a:t>
-            </a:r>
-            <a:r>
-              <a:rPr lang="en-US" altLang="ko-KR" sz="1200" kern="1200" baseline="0" dirty="0" smtClean="0">
-                <a:solidFill>
-                  <a:schemeClr val="tx1"/>
-                </a:solidFill>
-                <a:latin typeface="Arial" charset="0"/>
-                <a:ea typeface="+mn-ea"/>
-                <a:cs typeface="+mn-cs"/>
-              </a:rPr>
-              <a:t>PC</a:t>
-            </a:r>
-            <a:r>
-              <a:rPr lang="ko-KR" altLang="en-US" sz="1200" kern="1200" baseline="0" dirty="0" smtClean="0">
-                <a:solidFill>
-                  <a:schemeClr val="tx1"/>
-                </a:solidFill>
-                <a:latin typeface="Arial" charset="0"/>
-                <a:ea typeface="+mn-ea"/>
-                <a:cs typeface="+mn-cs"/>
-              </a:rPr>
-              <a:t>에서</a:t>
-            </a:r>
-            <a:r>
-              <a:rPr lang="ko-KR" altLang="en-US" sz="1200" kern="1200" dirty="0" smtClean="0">
-                <a:solidFill>
-                  <a:schemeClr val="tx1"/>
-                </a:solidFill>
-                <a:latin typeface="Arial" charset="0"/>
-                <a:ea typeface="+mn-ea"/>
-                <a:cs typeface="+mn-cs"/>
-              </a:rPr>
-              <a:t> 좌측과 동일하게 </a:t>
-            </a:r>
-            <a:r>
-              <a:rPr lang="en-US" altLang="ko-KR" sz="1200" kern="1200" dirty="0" smtClean="0">
-                <a:solidFill>
-                  <a:schemeClr val="tx1"/>
-                </a:solidFill>
-                <a:latin typeface="Arial" charset="0"/>
-                <a:ea typeface="+mn-ea"/>
-                <a:cs typeface="+mn-cs"/>
-              </a:rPr>
-              <a:t>USB </a:t>
-            </a:r>
-            <a:r>
-              <a:rPr lang="ko-KR" altLang="en-US" sz="1200" kern="1200" dirty="0" smtClean="0">
-                <a:solidFill>
-                  <a:schemeClr val="tx1"/>
-                </a:solidFill>
-                <a:latin typeface="Arial" charset="0"/>
-                <a:ea typeface="+mn-ea"/>
-                <a:cs typeface="+mn-cs"/>
-              </a:rPr>
-              <a:t>카메라가 인식하게 되는 모습입니다</a:t>
+              <a:t>모습입니다</a:t>
             </a:r>
             <a:r>
               <a:rPr lang="en-US" altLang="ko-KR" sz="1200" kern="1200" dirty="0" smtClean="0">
@@ -5909,7 +5975,18 @@
                 <a:ea typeface="+mn-ea"/>
                 <a:cs typeface="+mn-cs"/>
               </a:rPr>
-              <a:t>용 </a:t>
+              <a:t>용 어플리케이션들을 수정 없이 사용할 수 있다는 장점을 갖습니다</a:t>
+            </a:r>
+            <a:r>
+              <a:rPr lang="en-US" altLang="ko-KR" sz="1200" kern="1200" dirty="0" smtClean="0">
+                <a:solidFill>
+                  <a:schemeClr val="tx1"/>
+                </a:solidFill>
+                <a:latin typeface="Arial" charset="0"/>
+                <a:ea typeface="+mn-ea"/>
+                <a:cs typeface="+mn-cs"/>
+              </a:rPr>
+              <a:t>. </a:t>
             </a:r>
             <a:r>
               <a:rPr lang="ko-KR" altLang="en-US" sz="1200" kern="1200" dirty="0" smtClean="0">
@@ -5920,7 +5997,18 @@
                 <a:ea typeface="+mn-ea"/>
                 <a:cs typeface="+mn-cs"/>
               </a:rPr>
-              <a:t>어플리케이션들을 수정 </a:t>
+              <a:t>하지만 </a:t>
+            </a:r>
+            <a:r>
+              <a:rPr lang="en-US" altLang="ko-KR" sz="1200" kern="1200" dirty="0" smtClean="0">
+                <a:solidFill>
+                  <a:schemeClr val="tx1"/>
+                </a:solidFill>
+                <a:latin typeface="Arial" charset="0"/>
+                <a:ea typeface="+mn-ea"/>
+                <a:cs typeface="+mn-cs"/>
+              </a:rPr>
+              <a:t>TCP/IP</a:t>
             </a:r>
             <a:r>
               <a:rPr lang="ko-KR" altLang="en-US" sz="1200" kern="1200" dirty="0" smtClean="0">
@@ -5931,7 +6019,7 @@
                 <a:ea typeface="+mn-ea"/>
                 <a:cs typeface="+mn-cs"/>
               </a:rPr>
-              <a:t>없이 사용할 수 있다는 장점을 갖습니다</a:t>
+              <a:t>로 연결해서 </a:t>
             </a:r>
             <a:r>
               <a:rPr lang="en-US" altLang="ko-KR" sz="1200" kern="1200" dirty="0" smtClean="0">
@@ -5942,7 +6030,7 @@
                 <a:ea typeface="+mn-ea"/>
                 <a:cs typeface="+mn-cs"/>
               </a:rPr>
-              <a:t>. </a:t>
+              <a:t>USB</a:t>
             </a:r>
             <a:r>
               <a:rPr lang="ko-KR" altLang="en-US" sz="1200" kern="1200" dirty="0" smtClean="0">
@@ -5953,73 +6041,7 @@
                 <a:ea typeface="+mn-ea"/>
                 <a:cs typeface="+mn-cs"/>
               </a:rPr>
-              <a:t>하지만 </a:t>
-            </a:r>
-            <a:r>
-              <a:rPr lang="en-US" altLang="ko-KR" sz="1200" kern="1200" dirty="0" smtClean="0">
-                <a:solidFill>
-                  <a:schemeClr val="tx1"/>
-                </a:solidFill>
-                <a:latin typeface="Arial" charset="0"/>
-                <a:ea typeface="+mn-ea"/>
-                <a:cs typeface="+mn-cs"/>
-              </a:rPr>
-              <a:t>TCP/IP</a:t>
-            </a:r>
-            <a:r>
-              <a:rPr lang="ko-KR" altLang="en-US" sz="1200" kern="1200" dirty="0" smtClean="0">
-                <a:solidFill>
-                  <a:schemeClr val="tx1"/>
-                </a:solidFill>
-                <a:latin typeface="Arial" charset="0"/>
-                <a:ea typeface="+mn-ea"/>
-                <a:cs typeface="+mn-cs"/>
-              </a:rPr>
-              <a:t>로 연결해서 </a:t>
-            </a:r>
-            <a:r>
-              <a:rPr lang="en-US" altLang="ko-KR" sz="1200" kern="1200" dirty="0" smtClean="0">
-                <a:solidFill>
-                  <a:schemeClr val="tx1"/>
-                </a:solidFill>
-                <a:latin typeface="Arial" charset="0"/>
-                <a:ea typeface="+mn-ea"/>
-                <a:cs typeface="+mn-cs"/>
-              </a:rPr>
-              <a:t>USB</a:t>
-            </a:r>
-            <a:r>
-              <a:rPr lang="ko-KR" altLang="en-US" sz="1200" kern="1200" dirty="0" smtClean="0">
-                <a:solidFill>
-                  <a:schemeClr val="tx1"/>
-                </a:solidFill>
-                <a:latin typeface="Arial" charset="0"/>
-                <a:ea typeface="+mn-ea"/>
-                <a:cs typeface="+mn-cs"/>
-              </a:rPr>
-              <a:t>장치를 사용하려면 </a:t>
-            </a:r>
-            <a:r>
-              <a:rPr lang="ko-KR" altLang="en-US" sz="1200" kern="1200" dirty="0" smtClean="0">
-                <a:solidFill>
-                  <a:schemeClr val="tx1"/>
-                </a:solidFill>
-                <a:latin typeface="Arial" charset="0"/>
-                <a:ea typeface="+mn-ea"/>
-                <a:cs typeface="+mn-cs"/>
-              </a:rPr>
-              <a:t>어플리케이션을 </a:t>
-            </a:r>
-            <a:r>
-              <a:rPr lang="ko-KR" altLang="en-US" sz="1200" kern="1200" dirty="0" smtClean="0">
-                <a:solidFill>
-                  <a:schemeClr val="tx1"/>
-                </a:solidFill>
-                <a:latin typeface="Arial" charset="0"/>
-                <a:ea typeface="+mn-ea"/>
-                <a:cs typeface="+mn-cs"/>
-              </a:rPr>
-              <a:t>수정 해야 되는 문제점이 있습니다</a:t>
+              <a:t>장치를 사용하려면 어플리케이션을 수정 해야 되는 문제점이 있습니다</a:t>
             </a:r>
             <a:r>
               <a:rPr lang="en-US" altLang="ko-KR" sz="1200" kern="1200" dirty="0" smtClean="0">
@@ -6121,7 +6143,7 @@
           </a:xfrm>
           <a:extLst>
             <a:ext uri="{AF507438-7753-43E0-B8FC-AC1667EBCBE1}">
-              <a14:hiddenEffects xmlns:a14="http://schemas.microsoft.com/office/drawing/2010/main" xmlns="">
+              <a14:hiddenEffects xmlns="" xmlns:a14="http://schemas.microsoft.com/office/drawing/2010/main">
                 <a:effectLst>
                   <a:outerShdw dist="17961" dir="2700000" algn="ctr" rotWithShape="0">
                     <a:schemeClr val="bg1"/>
@@ -6165,7 +6187,7 @@
           </a:xfrm>
           <a:extLst>
             <a:ext uri="{AF507438-7753-43E0-B8FC-AC1667EBCBE1}">
-              <a14:hiddenEffects xmlns:a14="http://schemas.microsoft.com/office/drawing/2010/main" xmlns="">
+              <a14:hiddenEffects xmlns="" xmlns:a14="http://schemas.microsoft.com/office/drawing/2010/main">
                 <a:effectLst>
                   <a:outerShdw dist="17961" dir="2700000" algn="ctr" rotWithShape="0">
                     <a:schemeClr val="bg1"/>
@@ -6301,7 +6323,7 @@
     </p:spTree>
     <p:extLst>
       <p:ext uri="{BB962C8B-B14F-4D97-AF65-F5344CB8AC3E}">
-        <p14:creationId xmlns:p14="http://schemas.microsoft.com/office/powerpoint/2010/main" xmlns="" val="3191849363"/>
+        <p14:creationId xmlns="" xmlns:p14="http://schemas.microsoft.com/office/powerpoint/2010/main" val="3191849363"/>
       </p:ext>
     </p:extLst>
   </p:cSld>
@@ -6416,7 +6438,7 @@
     </p:spTree>
     <p:extLst>
       <p:ext uri="{BB962C8B-B14F-4D97-AF65-F5344CB8AC3E}">
-        <p14:creationId xmlns:p14="http://schemas.microsoft.com/office/powerpoint/2010/main" xmlns="" val="1524186507"/>
+        <p14:creationId xmlns="" xmlns:p14="http://schemas.microsoft.com/office/powerpoint/2010/main" val="1524186507"/>
       </p:ext>
     </p:extLst>
   </p:cSld>
@@ -6521,7 +6543,7 @@
     </p:spTree>
     <p:extLst>
       <p:ext uri="{BB962C8B-B14F-4D97-AF65-F5344CB8AC3E}">
-        <p14:creationId xmlns:p14="http://schemas.microsoft.com/office/powerpoint/2010/main" xmlns="" val="3261712152"/>
+        <p14:creationId xmlns="" xmlns:p14="http://schemas.microsoft.com/office/powerpoint/2010/main" val="3261712152"/>
       </p:ext>
     </p:extLst>
   </p:cSld>
@@ -6648,7 +6670,7 @@
     </p:spTree>
     <p:extLst>
       <p:ext uri="{BB962C8B-B14F-4D97-AF65-F5344CB8AC3E}">
-        <p14:creationId xmlns:p14="http://schemas.microsoft.com/office/powerpoint/2010/main" xmlns="" val="346190723"/>
+        <p14:creationId xmlns="" xmlns:p14="http://schemas.microsoft.com/office/powerpoint/2010/main" val="346190723"/>
       </p:ext>
     </p:extLst>
   </p:cSld>
@@ -6871,7 +6893,7 @@
     </p:spTree>
     <p:extLst>
       <p:ext uri="{BB962C8B-B14F-4D97-AF65-F5344CB8AC3E}">
-        <p14:creationId xmlns:p14="http://schemas.microsoft.com/office/powerpoint/2010/main" xmlns="" val="4255224362"/>
+        <p14:creationId xmlns="" xmlns:p14="http://schemas.microsoft.com/office/powerpoint/2010/main" val="4255224362"/>
       </p:ext>
     </p:extLst>
   </p:cSld>
@@ -7233,7 +7255,7 @@
     </p:spTree>
     <p:extLst>
       <p:ext uri="{BB962C8B-B14F-4D97-AF65-F5344CB8AC3E}">
-        <p14:creationId xmlns:p14="http://schemas.microsoft.com/office/powerpoint/2010/main" xmlns="" val="234523478"/>
+        <p14:creationId xmlns="" xmlns:p14="http://schemas.microsoft.com/office/powerpoint/2010/main" val="234523478"/>
       </p:ext>
     </p:extLst>
   </p:cSld>
@@ -7286,7 +7308,7 @@
     </p:spTree>
     <p:extLst>
       <p:ext uri="{BB962C8B-B14F-4D97-AF65-F5344CB8AC3E}">
-        <p14:creationId xmlns:p14="http://schemas.microsoft.com/office/powerpoint/2010/main" xmlns="" val="4170126094"/>
+        <p14:creationId xmlns="" xmlns:p14="http://schemas.microsoft.com/office/powerpoint/2010/main" val="4170126094"/>
       </p:ext>
     </p:extLst>
   </p:cSld>
@@ -7316,7 +7338,7 @@
     </p:spTree>
     <p:extLst>
       <p:ext uri="{BB962C8B-B14F-4D97-AF65-F5344CB8AC3E}">
-        <p14:creationId xmlns:p14="http://schemas.microsoft.com/office/powerpoint/2010/main" xmlns="" val="3131819388"/>
+        <p14:creationId xmlns="" xmlns:p14="http://schemas.microsoft.com/office/powerpoint/2010/main" val="3131819388"/>
       </p:ext>
     </p:extLst>
   </p:cSld>
@@ -7528,7 +7550,7 @@
     </p:spTree>
     <p:extLst>
       <p:ext uri="{BB962C8B-B14F-4D97-AF65-F5344CB8AC3E}">
-        <p14:creationId xmlns:p14="http://schemas.microsoft.com/office/powerpoint/2010/main" xmlns="" val="1266256783"/>
+        <p14:creationId xmlns="" xmlns:p14="http://schemas.microsoft.com/office/powerpoint/2010/main" val="1266256783"/>
       </p:ext>
     </p:extLst>
   </p:cSld>
@@ -7720,7 +7742,7 @@
     </p:spTree>
     <p:extLst>
       <p:ext uri="{BB962C8B-B14F-4D97-AF65-F5344CB8AC3E}">
-        <p14:creationId xmlns:p14="http://schemas.microsoft.com/office/powerpoint/2010/main" xmlns="" val="511494401"/>
+        <p14:creationId xmlns="" xmlns:p14="http://schemas.microsoft.com/office/powerpoint/2010/main" val="511494401"/>
       </p:ext>
     </p:extLst>
   </p:cSld>
@@ -7784,14 +7806,14 @@
           <a:effectLst/>
           <a:extLst>
             <a:ext uri="{909E8E84-426E-40DD-AFC4-6F175D3DCCD1}">
-              <a14:hiddenFill xmlns:a14="http://schemas.microsoft.com/office/drawing/2010/main" xmlns="">
+              <a14:hiddenFill xmlns="" xmlns:a14="http://schemas.microsoft.com/office/drawing/2010/main">
                 <a:solidFill>
                   <a:schemeClr val="accent1"/>
                 </a:solidFill>
               </a14:hiddenFill>
             </a:ext>
             <a:ext uri="{91240B29-F687-4F45-9708-019B960494DF}">
-              <a14:hiddenLine xmlns:a14="http://schemas.microsoft.com/office/drawing/2010/main" xmlns="" w="9525">
+              <a14:hiddenLine xmlns="" xmlns:a14="http://schemas.microsoft.com/office/drawing/2010/main" w="9525">
                 <a:solidFill>
                   <a:schemeClr val="tx1"/>
                 </a:solidFill>
@@ -7801,7 +7823,7 @@
               </a14:hiddenLine>
             </a:ext>
             <a:ext uri="{AF507438-7753-43E0-B8FC-AC1667EBCBE1}">
-              <a14:hiddenEffects xmlns:a14="http://schemas.microsoft.com/office/drawing/2010/main" xmlns="">
+              <a14:hiddenEffects xmlns="" xmlns:a14="http://schemas.microsoft.com/office/drawing/2010/main">
                 <a:effectLst>
                   <a:outerShdw dist="35921" dir="2700000" algn="ctr" rotWithShape="0">
                     <a:schemeClr val="bg2"/>
@@ -7853,14 +7875,14 @@
           <a:effectLst/>
           <a:extLst>
             <a:ext uri="{909E8E84-426E-40DD-AFC4-6F175D3DCCD1}">
-              <a14:hiddenFill xmlns:a14="http://schemas.microsoft.com/office/drawing/2010/main" xmlns="">
+              <a14:hiddenFill xmlns="" xmlns:a14="http://schemas.microsoft.com/office/drawing/2010/main">
                 <a:solidFill>
                   <a:schemeClr val="accent1"/>
                 </a:solidFill>
               </a14:hiddenFill>
             </a:ext>
             <a:ext uri="{91240B29-F687-4F45-9708-019B960494DF}">
-              <a14:hiddenLine xmlns:a14="http://schemas.microsoft.com/office/drawing/2010/main" xmlns="" w="9525">
+              <a14:hiddenLine xmlns="" xmlns:a14="http://schemas.microsoft.com/office/drawing/2010/main" w="9525">
                 <a:solidFill>
                   <a:schemeClr val="tx1"/>
                 </a:solidFill>
@@ -7870,7 +7892,7 @@
               </a14:hiddenLine>
             </a:ext>
             <a:ext uri="{AF507438-7753-43E0-B8FC-AC1667EBCBE1}">
-              <a14:hiddenEffects xmlns:a14="http://schemas.microsoft.com/office/drawing/2010/main" xmlns="">
+              <a14:hiddenEffects xmlns="" xmlns:a14="http://schemas.microsoft.com/office/drawing/2010/main">
                 <a:effectLst>
                   <a:outerShdw dist="35921" dir="2700000" algn="ctr" rotWithShape="0">
                     <a:schemeClr val="bg2"/>
@@ -8362,7 +8384,7 @@
           <p:nvPr>
             <p:extLst>
               <p:ext uri="{D42A27DB-BD31-4B8C-83A1-F6EECF244321}">
-                <p14:modId xmlns:p14="http://schemas.microsoft.com/office/powerpoint/2010/main" xmlns="" val="3019215210"/>
+                <p14:modId xmlns="" xmlns:p14="http://schemas.microsoft.com/office/powerpoint/2010/main" val="3019215210"/>
               </p:ext>
             </p:extLst>
           </p:nvPr>
@@ -9168,7 +9190,7 @@
             <a:blip r:embed="rId5" cstate="print">
               <a:extLst>
                 <a:ext uri="{28A0092B-C50C-407E-A947-70E740481C1C}">
-                  <a14:useLocalDpi xmlns:a14="http://schemas.microsoft.com/office/drawing/2010/main" xmlns="" val="0"/>
+                  <a14:useLocalDpi xmlns="" xmlns:a14="http://schemas.microsoft.com/office/drawing/2010/main" val="0"/>
                 </a:ext>
               </a:extLst>
             </a:blip>
@@ -9188,7 +9210,7 @@
             <a:noFill/>
             <a:extLst>
               <a:ext uri="{909E8E84-426E-40DD-AFC4-6F175D3DCCD1}">
-                <a14:hiddenFill xmlns:a14="http://schemas.microsoft.com/office/drawing/2010/main" xmlns="">
+                <a14:hiddenFill xmlns="" xmlns:a14="http://schemas.microsoft.com/office/drawing/2010/main">
                   <a:solidFill>
                     <a:srgbClr val="FFFFFF"/>
                   </a:solidFill>
@@ -9318,7 +9340,7 @@
           <a:blip r:embed="rId3" cstate="print">
             <a:extLst>
               <a:ext uri="{28A0092B-C50C-407E-A947-70E740481C1C}">
-                <a14:useLocalDpi xmlns:a14="http://schemas.microsoft.com/office/drawing/2010/main" xmlns="" val="0"/>
+                <a14:useLocalDpi xmlns="" xmlns:a14="http://schemas.microsoft.com/office/drawing/2010/main" val="0"/>
               </a:ext>
             </a:extLst>
           </a:blip>
@@ -9443,7 +9465,7 @@
           <a:blip r:embed="rId4" cstate="print">
             <a:extLst>
               <a:ext uri="{28A0092B-C50C-407E-A947-70E740481C1C}">
-                <a14:useLocalDpi xmlns:a14="http://schemas.microsoft.com/office/drawing/2010/main" xmlns="" val="0"/>
+                <a14:useLocalDpi xmlns="" xmlns:a14="http://schemas.microsoft.com/office/drawing/2010/main" val="0"/>
               </a:ext>
             </a:extLst>
           </a:blip>
@@ -9463,7 +9485,7 @@
           <a:noFill/>
           <a:extLst>
             <a:ext uri="{909E8E84-426E-40DD-AFC4-6F175D3DCCD1}">
-              <a14:hiddenFill xmlns:a14="http://schemas.microsoft.com/office/drawing/2010/main" xmlns="">
+              <a14:hiddenFill xmlns="" xmlns:a14="http://schemas.microsoft.com/office/drawing/2010/main">
                 <a:solidFill>
                   <a:srgbClr val="FFFFFF"/>
                 </a:solidFill>
@@ -9484,7 +9506,7 @@
           <a:blip r:embed="rId5" cstate="print">
             <a:extLst>
               <a:ext uri="{28A0092B-C50C-407E-A947-70E740481C1C}">
-                <a14:useLocalDpi xmlns:a14="http://schemas.microsoft.com/office/drawing/2010/main" xmlns="" val="0"/>
+                <a14:useLocalDpi xmlns="" xmlns:a14="http://schemas.microsoft.com/office/drawing/2010/main" val="0"/>
               </a:ext>
             </a:extLst>
           </a:blip>
@@ -9504,7 +9526,7 @@
           <a:noFill/>
           <a:extLst>
             <a:ext uri="{909E8E84-426E-40DD-AFC4-6F175D3DCCD1}">
-              <a14:hiddenFill xmlns:a14="http://schemas.microsoft.com/office/drawing/2010/main" xmlns="">
+              <a14:hiddenFill xmlns="" xmlns:a14="http://schemas.microsoft.com/office/drawing/2010/main">
                 <a:solidFill>
                   <a:srgbClr val="FFFFFF"/>
                 </a:solidFill>
@@ -9525,7 +9547,7 @@
           <a:blip r:embed="rId6" cstate="print">
             <a:extLst>
               <a:ext uri="{28A0092B-C50C-407E-A947-70E740481C1C}">
-                <a14:useLocalDpi xmlns:a14="http://schemas.microsoft.com/office/drawing/2010/main" xmlns="" val="0"/>
+                <a14:useLocalDpi xmlns="" xmlns:a14="http://schemas.microsoft.com/office/drawing/2010/main" val="0"/>
               </a:ext>
             </a:extLst>
           </a:blip>
@@ -9545,7 +9567,7 @@
           <a:noFill/>
           <a:extLst>
             <a:ext uri="{909E8E84-426E-40DD-AFC4-6F175D3DCCD1}">
-              <a14:hiddenFill xmlns:a14="http://schemas.microsoft.com/office/drawing/2010/main" xmlns="">
+              <a14:hiddenFill xmlns="" xmlns:a14="http://schemas.microsoft.com/office/drawing/2010/main">
                 <a:solidFill>
                   <a:srgbClr val="FFFFFF"/>
                 </a:solidFill>
@@ -9566,7 +9588,7 @@
           <a:blip r:embed="rId5" cstate="print">
             <a:extLst>
               <a:ext uri="{28A0092B-C50C-407E-A947-70E740481C1C}">
-                <a14:useLocalDpi xmlns:a14="http://schemas.microsoft.com/office/drawing/2010/main" xmlns="" val="0"/>
+                <a14:useLocalDpi xmlns="" xmlns:a14="http://schemas.microsoft.com/office/drawing/2010/main" val="0"/>
               </a:ext>
             </a:extLst>
           </a:blip>
@@ -9586,7 +9608,7 @@
           <a:noFill/>
           <a:extLst>
             <a:ext uri="{909E8E84-426E-40DD-AFC4-6F175D3DCCD1}">
-              <a14:hiddenFill xmlns:a14="http://schemas.microsoft.com/office/drawing/2010/main" xmlns="">
+              <a14:hiddenFill xmlns="" xmlns:a14="http://schemas.microsoft.com/office/drawing/2010/main">
                 <a:solidFill>
                   <a:srgbClr val="FFFFFF"/>
                 </a:solidFill>
@@ -9607,7 +9629,7 @@
           <a:blip r:embed="rId6" cstate="print">
             <a:extLst>
               <a:ext uri="{28A0092B-C50C-407E-A947-70E740481C1C}">
-                <a14:useLocalDpi xmlns:a14="http://schemas.microsoft.com/office/drawing/2010/main" xmlns="" val="0"/>
+                <a14:useLocalDpi xmlns="" xmlns:a14="http://schemas.microsoft.com/office/drawing/2010/main" val="0"/>
               </a:ext>
             </a:extLst>
           </a:blip>
@@ -9627,7 +9649,7 @@
           <a:noFill/>
           <a:extLst>
             <a:ext uri="{909E8E84-426E-40DD-AFC4-6F175D3DCCD1}">
-              <a14:hiddenFill xmlns:a14="http://schemas.microsoft.com/office/drawing/2010/main" xmlns="">
+              <a14:hiddenFill xmlns="" xmlns:a14="http://schemas.microsoft.com/office/drawing/2010/main">
                 <a:solidFill>
                   <a:srgbClr val="FFFFFF"/>
                 </a:solidFill>
@@ -9724,7 +9746,7 @@
           <a:blip r:embed="rId7" cstate="print">
             <a:extLst>
               <a:ext uri="{28A0092B-C50C-407E-A947-70E740481C1C}">
-                <a14:useLocalDpi xmlns:a14="http://schemas.microsoft.com/office/drawing/2010/main" xmlns="" val="0"/>
+                <a14:useLocalDpi xmlns="" xmlns:a14="http://schemas.microsoft.com/office/drawing/2010/main" val="0"/>
               </a:ext>
             </a:extLst>
           </a:blip>
@@ -9744,7 +9766,7 @@
           <a:noFill/>
           <a:extLst>
             <a:ext uri="{909E8E84-426E-40DD-AFC4-6F175D3DCCD1}">
-              <a14:hiddenFill xmlns:a14="http://schemas.microsoft.com/office/drawing/2010/main" xmlns="">
+              <a14:hiddenFill xmlns="" xmlns:a14="http://schemas.microsoft.com/office/drawing/2010/main">
                 <a:solidFill>
                   <a:srgbClr val="FFFFFF"/>
                 </a:solidFill>
@@ -9765,7 +9787,7 @@
           <a:blip r:embed="rId8" cstate="print">
             <a:extLst>
               <a:ext uri="{28A0092B-C50C-407E-A947-70E740481C1C}">
-                <a14:useLocalDpi xmlns:a14="http://schemas.microsoft.com/office/drawing/2010/main" xmlns="" val="0"/>
+                <a14:useLocalDpi xmlns="" xmlns:a14="http://schemas.microsoft.com/office/drawing/2010/main" val="0"/>
               </a:ext>
             </a:extLst>
           </a:blip>
@@ -9785,7 +9807,7 @@
           <a:noFill/>
           <a:extLst>
             <a:ext uri="{909E8E84-426E-40DD-AFC4-6F175D3DCCD1}">
-              <a14:hiddenFill xmlns:a14="http://schemas.microsoft.com/office/drawing/2010/main" xmlns="">
+              <a14:hiddenFill xmlns="" xmlns:a14="http://schemas.microsoft.com/office/drawing/2010/main">
                 <a:solidFill>
                   <a:srgbClr val="FFFFFF"/>
                 </a:solidFill>
@@ -9806,7 +9828,7 @@
           <a:blip r:embed="rId9" cstate="print">
             <a:extLst>
               <a:ext uri="{28A0092B-C50C-407E-A947-70E740481C1C}">
-                <a14:useLocalDpi xmlns:a14="http://schemas.microsoft.com/office/drawing/2010/main" xmlns="" val="0"/>
+                <a14:useLocalDpi xmlns="" xmlns:a14="http://schemas.microsoft.com/office/drawing/2010/main" val="0"/>
               </a:ext>
             </a:extLst>
           </a:blip>
@@ -9826,7 +9848,7 @@
           <a:noFill/>
           <a:extLst>
             <a:ext uri="{909E8E84-426E-40DD-AFC4-6F175D3DCCD1}">
-              <a14:hiddenFill xmlns:a14="http://schemas.microsoft.com/office/drawing/2010/main" xmlns="">
+              <a14:hiddenFill xmlns="" xmlns:a14="http://schemas.microsoft.com/office/drawing/2010/main">
                 <a:solidFill>
                   <a:srgbClr val="FFFFFF"/>
                 </a:solidFill>
@@ -9847,7 +9869,7 @@
           <a:blip r:embed="rId10" cstate="print">
             <a:extLst>
               <a:ext uri="{28A0092B-C50C-407E-A947-70E740481C1C}">
-                <a14:useLocalDpi xmlns:a14="http://schemas.microsoft.com/office/drawing/2010/main" xmlns="" val="0"/>
+                <a14:useLocalDpi xmlns="" xmlns:a14="http://schemas.microsoft.com/office/drawing/2010/main" val="0"/>
               </a:ext>
             </a:extLst>
           </a:blip>
@@ -9867,7 +9889,7 @@
           <a:noFill/>
           <a:extLst>
             <a:ext uri="{909E8E84-426E-40DD-AFC4-6F175D3DCCD1}">
-              <a14:hiddenFill xmlns:a14="http://schemas.microsoft.com/office/drawing/2010/main" xmlns="">
+              <a14:hiddenFill xmlns="" xmlns:a14="http://schemas.microsoft.com/office/drawing/2010/main">
                 <a:solidFill>
                   <a:srgbClr val="FFFFFF"/>
                 </a:solidFill>
@@ -9879,7 +9901,7 @@
     </p:spTree>
     <p:extLst>
       <p:ext uri="{BB962C8B-B14F-4D97-AF65-F5344CB8AC3E}">
-        <p14:creationId xmlns:p14="http://schemas.microsoft.com/office/powerpoint/2010/main" xmlns="" val="1407908346"/>
+        <p14:creationId xmlns="" xmlns:p14="http://schemas.microsoft.com/office/powerpoint/2010/main" val="1407908346"/>
       </p:ext>
     </p:extLst>
   </p:cSld>
@@ -10276,7 +10298,7 @@
     </p:spTree>
     <p:extLst>
       <p:ext uri="{BB962C8B-B14F-4D97-AF65-F5344CB8AC3E}">
-        <p14:creationId xmlns:p14="http://schemas.microsoft.com/office/powerpoint/2010/main" xmlns="" val="2718990012"/>
+        <p14:creationId xmlns="" xmlns:p14="http://schemas.microsoft.com/office/powerpoint/2010/main" val="2718990012"/>
       </p:ext>
     </p:extLst>
   </p:cSld>
@@ -10450,14 +10472,14 @@
           <a:effectLst/>
           <a:extLst>
             <a:ext uri="{909E8E84-426E-40DD-AFC4-6F175D3DCCD1}">
-              <a14:hiddenFill xmlns:a14="http://schemas.microsoft.com/office/drawing/2010/main" xmlns="">
+              <a14:hiddenFill xmlns="" xmlns:a14="http://schemas.microsoft.com/office/drawing/2010/main">
                 <a:solidFill>
                   <a:schemeClr val="accent1"/>
                 </a:solidFill>
               </a14:hiddenFill>
             </a:ext>
             <a:ext uri="{91240B29-F687-4F45-9708-019B960494DF}">
-              <a14:hiddenLine xmlns:a14="http://schemas.microsoft.com/office/drawing/2010/main" xmlns="" w="9525">
+              <a14:hiddenLine xmlns="" xmlns:a14="http://schemas.microsoft.com/office/drawing/2010/main" w="9525">
                 <a:solidFill>
                   <a:schemeClr val="tx1"/>
                 </a:solidFill>
@@ -10467,7 +10489,7 @@
               </a14:hiddenLine>
             </a:ext>
             <a:ext uri="{AF507438-7753-43E0-B8FC-AC1667EBCBE1}">
-              <a14:hiddenEffects xmlns:a14="http://schemas.microsoft.com/office/drawing/2010/main" xmlns="">
+              <a14:hiddenEffects xmlns="" xmlns:a14="http://schemas.microsoft.com/office/drawing/2010/main">
                 <a:effectLst>
                   <a:outerShdw dist="35921" dir="2700000" algn="ctr" rotWithShape="0">
                     <a:schemeClr val="bg2"/>
@@ -10608,14 +10630,14 @@
           <a:effectLst/>
           <a:extLst>
             <a:ext uri="{909E8E84-426E-40DD-AFC4-6F175D3DCCD1}">
-              <a14:hiddenFill xmlns:a14="http://schemas.microsoft.com/office/drawing/2010/main" xmlns="">
+              <a14:hiddenFill xmlns="" xmlns:a14="http://schemas.microsoft.com/office/drawing/2010/main">
                 <a:solidFill>
                   <a:schemeClr val="accent1"/>
                 </a:solidFill>
               </a14:hiddenFill>
             </a:ext>
             <a:ext uri="{91240B29-F687-4F45-9708-019B960494DF}">
-              <a14:hiddenLine xmlns:a14="http://schemas.microsoft.com/office/drawing/2010/main" xmlns="" w="9525">
+              <a14:hiddenLine xmlns="" xmlns:a14="http://schemas.microsoft.com/office/drawing/2010/main" w="9525">
                 <a:solidFill>
                   <a:schemeClr val="tx1"/>
                 </a:solidFill>
@@ -10625,7 +10647,7 @@
               </a14:hiddenLine>
             </a:ext>
             <a:ext uri="{AF507438-7753-43E0-B8FC-AC1667EBCBE1}">
-              <a14:hiddenEffects xmlns:a14="http://schemas.microsoft.com/office/drawing/2010/main" xmlns="">
+              <a14:hiddenEffects xmlns="" xmlns:a14="http://schemas.microsoft.com/office/drawing/2010/main">
                 <a:effectLst>
                   <a:outerShdw dist="35921" dir="2700000" algn="ctr" rotWithShape="0">
                     <a:schemeClr val="bg2"/>
@@ -10855,7 +10877,7 @@
     </p:spTree>
     <p:extLst>
       <p:ext uri="{BB962C8B-B14F-4D97-AF65-F5344CB8AC3E}">
-        <p14:creationId xmlns:p14="http://schemas.microsoft.com/office/powerpoint/2010/main" xmlns="" val="2718990012"/>
+        <p14:creationId xmlns="" xmlns:p14="http://schemas.microsoft.com/office/powerpoint/2010/main" val="2718990012"/>
       </p:ext>
     </p:extLst>
   </p:cSld>
@@ -11338,7 +11360,7 @@
           <a:effectLst/>
           <a:extLst>
             <a:ext uri="{AF507438-7753-43E0-B8FC-AC1667EBCBE1}">
-              <a14:hiddenEffects xmlns:a14="http://schemas.microsoft.com/office/drawing/2010/main" xmlns="">
+              <a14:hiddenEffects xmlns="" xmlns:a14="http://schemas.microsoft.com/office/drawing/2010/main">
                 <a:effectLst>
                   <a:outerShdw dist="35921" dir="2700000" algn="ctr" rotWithShape="0">
                     <a:schemeClr val="bg2"/>
@@ -11766,7 +11788,7 @@
           <a:effectLst/>
           <a:extLst>
             <a:ext uri="{AF507438-7753-43E0-B8FC-AC1667EBCBE1}">
-              <a14:hiddenEffects xmlns:a14="http://schemas.microsoft.com/office/drawing/2010/main" xmlns="">
+              <a14:hiddenEffects xmlns="" xmlns:a14="http://schemas.microsoft.com/office/drawing/2010/main">
                 <a:effectLst>
                   <a:outerShdw dist="35921" dir="2700000" algn="ctr" rotWithShape="0">
                     <a:schemeClr val="bg2"/>
@@ -11823,7 +11845,7 @@
           <a:effectLst/>
           <a:extLst>
             <a:ext uri="{AF507438-7753-43E0-B8FC-AC1667EBCBE1}">
-              <a14:hiddenEffects xmlns:a14="http://schemas.microsoft.com/office/drawing/2010/main" xmlns="">
+              <a14:hiddenEffects xmlns="" xmlns:a14="http://schemas.microsoft.com/office/drawing/2010/main">
                 <a:effectLst>
                   <a:outerShdw dist="35921" dir="2700000" algn="ctr" rotWithShape="0">
                     <a:schemeClr val="bg2"/>
@@ -12014,7 +12036,7 @@
           <a:effectLst/>
           <a:extLst>
             <a:ext uri="{AF507438-7753-43E0-B8FC-AC1667EBCBE1}">
-              <a14:hiddenEffects xmlns:a14="http://schemas.microsoft.com/office/drawing/2010/main" xmlns="">
+              <a14:hiddenEffects xmlns="" xmlns:a14="http://schemas.microsoft.com/office/drawing/2010/main">
                 <a:effectLst>
                   <a:outerShdw dist="35921" dir="2700000" algn="ctr" rotWithShape="0">
                     <a:schemeClr val="bg2"/>
@@ -12194,7 +12216,7 @@
           <a:effectLst/>
           <a:extLst>
             <a:ext uri="{AF507438-7753-43E0-B8FC-AC1667EBCBE1}">
-              <a14:hiddenEffects xmlns:a14="http://schemas.microsoft.com/office/drawing/2010/main" xmlns="">
+              <a14:hiddenEffects xmlns="" xmlns:a14="http://schemas.microsoft.com/office/drawing/2010/main">
                 <a:effectLst>
                   <a:outerShdw dist="35921" dir="2700000" algn="ctr" rotWithShape="0">
                     <a:schemeClr val="bg2"/>
@@ -12581,7 +12603,7 @@
     </p:spTree>
     <p:extLst>
       <p:ext uri="{BB962C8B-B14F-4D97-AF65-F5344CB8AC3E}">
-        <p14:creationId xmlns:p14="http://schemas.microsoft.com/office/powerpoint/2010/main" xmlns="" val="2718990012"/>
+        <p14:creationId xmlns="" xmlns:p14="http://schemas.microsoft.com/office/powerpoint/2010/main" val="2718990012"/>
       </p:ext>
     </p:extLst>
   </p:cSld>
@@ -12849,7 +12871,7 @@
     </p:spTree>
     <p:extLst>
       <p:ext uri="{BB962C8B-B14F-4D97-AF65-F5344CB8AC3E}">
-        <p14:creationId xmlns:p14="http://schemas.microsoft.com/office/powerpoint/2010/main" xmlns="" val="2718990012"/>
+        <p14:creationId xmlns="" xmlns:p14="http://schemas.microsoft.com/office/powerpoint/2010/main" val="2718990012"/>
       </p:ext>
     </p:extLst>
   </p:cSld>
@@ -13118,7 +13140,7 @@
           <a:effectLst/>
           <a:extLst>
             <a:ext uri="{AF507438-7753-43E0-B8FC-AC1667EBCBE1}">
-              <a14:hiddenEffects xmlns:a14="http://schemas.microsoft.com/office/drawing/2010/main" xmlns="">
+              <a14:hiddenEffects xmlns="" xmlns:a14="http://schemas.microsoft.com/office/drawing/2010/main">
                 <a:effectLst>
                   <a:outerShdw dist="35921" dir="2700000" algn="ctr" rotWithShape="0">
                     <a:schemeClr val="bg2"/>
@@ -13272,7 +13294,7 @@
           <a:effectLst/>
           <a:extLst>
             <a:ext uri="{AF507438-7753-43E0-B8FC-AC1667EBCBE1}">
-              <a14:hiddenEffects xmlns:a14="http://schemas.microsoft.com/office/drawing/2010/main" xmlns="">
+              <a14:hiddenEffects xmlns="" xmlns:a14="http://schemas.microsoft.com/office/drawing/2010/main">
                 <a:effectLst>
                   <a:outerShdw dist="35921" dir="2700000" algn="ctr" rotWithShape="0">
                     <a:schemeClr val="bg2"/>
@@ -13376,14 +13398,14 @@
           <a:effectLst/>
           <a:extLst>
             <a:ext uri="{909E8E84-426E-40DD-AFC4-6F175D3DCCD1}">
-              <a14:hiddenFill xmlns:a14="http://schemas.microsoft.com/office/drawing/2010/main" xmlns="">
+              <a14:hiddenFill xmlns="" xmlns:a14="http://schemas.microsoft.com/office/drawing/2010/main">
                 <a:solidFill>
                   <a:schemeClr val="accent1"/>
                 </a:solidFill>
               </a14:hiddenFill>
             </a:ext>
             <a:ext uri="{91240B29-F687-4F45-9708-019B960494DF}">
-              <a14:hiddenLine xmlns:a14="http://schemas.microsoft.com/office/drawing/2010/main" xmlns="" w="9525">
+              <a14:hiddenLine xmlns="" xmlns:a14="http://schemas.microsoft.com/office/drawing/2010/main" w="9525">
                 <a:solidFill>
                   <a:schemeClr val="tx1"/>
                 </a:solidFill>
@@ -13393,7 +13415,7 @@
               </a14:hiddenLine>
             </a:ext>
             <a:ext uri="{AF507438-7753-43E0-B8FC-AC1667EBCBE1}">
-              <a14:hiddenEffects xmlns:a14="http://schemas.microsoft.com/office/drawing/2010/main" xmlns="">
+              <a14:hiddenEffects xmlns="" xmlns:a14="http://schemas.microsoft.com/office/drawing/2010/main">
                 <a:effectLst>
                   <a:outerShdw dist="35921" dir="2700000" algn="ctr" rotWithShape="0">
                     <a:schemeClr val="bg2"/>
@@ -13531,14 +13553,14 @@
           <a:effectLst/>
           <a:extLst>
             <a:ext uri="{909E8E84-426E-40DD-AFC4-6F175D3DCCD1}">
-              <a14:hiddenFill xmlns:a14="http://schemas.microsoft.com/office/drawing/2010/main" xmlns="">
+              <a14:hiddenFill xmlns="" xmlns:a14="http://schemas.microsoft.com/office/drawing/2010/main">
                 <a:solidFill>
                   <a:schemeClr val="accent1"/>
                 </a:solidFill>
               </a14:hiddenFill>
             </a:ext>
             <a:ext uri="{91240B29-F687-4F45-9708-019B960494DF}">
-              <a14:hiddenLine xmlns:a14="http://schemas.microsoft.com/office/drawing/2010/main" xmlns="" w="9525">
+              <a14:hiddenLine xmlns="" xmlns:a14="http://schemas.microsoft.com/office/drawing/2010/main" w="9525">
                 <a:solidFill>
                   <a:schemeClr val="tx1"/>
                 </a:solidFill>
@@ -13548,7 +13570,7 @@
               </a14:hiddenLine>
             </a:ext>
             <a:ext uri="{AF507438-7753-43E0-B8FC-AC1667EBCBE1}">
-              <a14:hiddenEffects xmlns:a14="http://schemas.microsoft.com/office/drawing/2010/main" xmlns="">
+              <a14:hiddenEffects xmlns="" xmlns:a14="http://schemas.microsoft.com/office/drawing/2010/main">
                 <a:effectLst>
                   <a:outerShdw dist="35921" dir="2700000" algn="ctr" rotWithShape="0">
                     <a:schemeClr val="bg2"/>
@@ -13644,7 +13666,7 @@
     </p:spTree>
     <p:extLst>
       <p:ext uri="{BB962C8B-B14F-4D97-AF65-F5344CB8AC3E}">
-        <p14:creationId xmlns:p14="http://schemas.microsoft.com/office/powerpoint/2010/main" xmlns="" val="2718990012"/>
+        <p14:creationId xmlns="" xmlns:p14="http://schemas.microsoft.com/office/powerpoint/2010/main" val="2718990012"/>
       </p:ext>
     </p:extLst>
   </p:cSld>
@@ -13725,7 +13747,7 @@
           <p:nvPr>
             <p:extLst>
               <p:ext uri="{D42A27DB-BD31-4B8C-83A1-F6EECF244321}">
-                <p14:modId xmlns:p14="http://schemas.microsoft.com/office/powerpoint/2010/main" xmlns="" val="864912804"/>
+                <p14:modId xmlns="" xmlns:p14="http://schemas.microsoft.com/office/powerpoint/2010/main" val="864912804"/>
               </p:ext>
             </p:extLst>
           </p:nvPr>
@@ -13747,7 +13769,7 @@
           <p:nvPr>
             <p:extLst>
               <p:ext uri="{D42A27DB-BD31-4B8C-83A1-F6EECF244321}">
-                <p14:modId xmlns:p14="http://schemas.microsoft.com/office/powerpoint/2010/main" xmlns="" val="550831738"/>
+                <p14:modId xmlns="" xmlns:p14="http://schemas.microsoft.com/office/powerpoint/2010/main" val="550831738"/>
               </p:ext>
             </p:extLst>
           </p:nvPr>
@@ -13859,7 +13881,7 @@
     </p:spTree>
     <p:extLst>
       <p:ext uri="{BB962C8B-B14F-4D97-AF65-F5344CB8AC3E}">
-        <p14:creationId xmlns:p14="http://schemas.microsoft.com/office/powerpoint/2010/main" xmlns="" val="3723977454"/>
+        <p14:creationId xmlns="" xmlns:p14="http://schemas.microsoft.com/office/powerpoint/2010/main" val="3723977454"/>
       </p:ext>
     </p:extLst>
   </p:cSld>
@@ -14019,7 +14041,7 @@
           <a:blip r:embed="rId3" cstate="print">
             <a:extLst>
               <a:ext uri="{28A0092B-C50C-407E-A947-70E740481C1C}">
-                <a14:useLocalDpi xmlns:a14="http://schemas.microsoft.com/office/drawing/2010/main" xmlns="" val="0"/>
+                <a14:useLocalDpi xmlns="" xmlns:a14="http://schemas.microsoft.com/office/drawing/2010/main" val="0"/>
               </a:ext>
             </a:extLst>
           </a:blip>
@@ -14049,7 +14071,7 @@
           <a:blip r:embed="rId4" cstate="print">
             <a:extLst>
               <a:ext uri="{28A0092B-C50C-407E-A947-70E740481C1C}">
-                <a14:useLocalDpi xmlns:a14="http://schemas.microsoft.com/office/drawing/2010/main" xmlns="" val="0"/>
+                <a14:useLocalDpi xmlns="" xmlns:a14="http://schemas.microsoft.com/office/drawing/2010/main" val="0"/>
               </a:ext>
             </a:extLst>
           </a:blip>
@@ -14069,7 +14091,7 @@
           <a:noFill/>
           <a:extLst>
             <a:ext uri="{909E8E84-426E-40DD-AFC4-6F175D3DCCD1}">
-              <a14:hiddenFill xmlns:a14="http://schemas.microsoft.com/office/drawing/2010/main" xmlns="">
+              <a14:hiddenFill xmlns="" xmlns:a14="http://schemas.microsoft.com/office/drawing/2010/main">
                 <a:solidFill>
                   <a:srgbClr val="FFFFFF"/>
                 </a:solidFill>
@@ -14175,7 +14197,7 @@
           <a:blip r:embed="rId5" cstate="print">
             <a:extLst>
               <a:ext uri="{28A0092B-C50C-407E-A947-70E740481C1C}">
-                <a14:useLocalDpi xmlns:a14="http://schemas.microsoft.com/office/drawing/2010/main" xmlns="" val="0"/>
+                <a14:useLocalDpi xmlns="" xmlns:a14="http://schemas.microsoft.com/office/drawing/2010/main" val="0"/>
               </a:ext>
             </a:extLst>
           </a:blip>
@@ -14195,7 +14217,7 @@
           <a:noFill/>
           <a:extLst>
             <a:ext uri="{909E8E84-426E-40DD-AFC4-6F175D3DCCD1}">
-              <a14:hiddenFill xmlns:a14="http://schemas.microsoft.com/office/drawing/2010/main" xmlns="">
+              <a14:hiddenFill xmlns="" xmlns:a14="http://schemas.microsoft.com/office/drawing/2010/main">
                 <a:solidFill>
                   <a:srgbClr val="FFFFFF"/>
                 </a:solidFill>
@@ -14216,7 +14238,7 @@
           <a:blip r:embed="rId6" cstate="print">
             <a:extLst>
               <a:ext uri="{28A0092B-C50C-407E-A947-70E740481C1C}">
-                <a14:useLocalDpi xmlns:a14="http://schemas.microsoft.com/office/drawing/2010/main" xmlns="" val="0"/>
+                <a14:useLocalDpi xmlns="" xmlns:a14="http://schemas.microsoft.com/office/drawing/2010/main" val="0"/>
               </a:ext>
             </a:extLst>
           </a:blip>
@@ -14236,7 +14258,7 @@
           <a:noFill/>
           <a:extLst>
             <a:ext uri="{909E8E84-426E-40DD-AFC4-6F175D3DCCD1}">
-              <a14:hiddenFill xmlns:a14="http://schemas.microsoft.com/office/drawing/2010/main" xmlns="">
+              <a14:hiddenFill xmlns="" xmlns:a14="http://schemas.microsoft.com/office/drawing/2010/main">
                 <a:solidFill>
                   <a:srgbClr val="FFFFFF"/>
                 </a:solidFill>
@@ -14257,7 +14279,7 @@
           <a:blip r:embed="rId7" cstate="print">
             <a:extLst>
               <a:ext uri="{28A0092B-C50C-407E-A947-70E740481C1C}">
-                <a14:useLocalDpi xmlns:a14="http://schemas.microsoft.com/office/drawing/2010/main" xmlns="" val="0"/>
+                <a14:useLocalDpi xmlns="" xmlns:a14="http://schemas.microsoft.com/office/drawing/2010/main" val="0"/>
               </a:ext>
             </a:extLst>
           </a:blip>
@@ -14277,7 +14299,7 @@
           <a:noFill/>
           <a:extLst>
             <a:ext uri="{909E8E84-426E-40DD-AFC4-6F175D3DCCD1}">
-              <a14:hiddenFill xmlns:a14="http://schemas.microsoft.com/office/drawing/2010/main" xmlns="">
+              <a14:hiddenFill xmlns="" xmlns:a14="http://schemas.microsoft.com/office/drawing/2010/main">
                 <a:solidFill>
                   <a:srgbClr val="FFFFFF"/>
                 </a:solidFill>
@@ -14289,7 +14311,7 @@
     </p:spTree>
     <p:extLst>
       <p:ext uri="{BB962C8B-B14F-4D97-AF65-F5344CB8AC3E}">
-        <p14:creationId xmlns:p14="http://schemas.microsoft.com/office/powerpoint/2010/main" xmlns="" val="26222973"/>
+        <p14:creationId xmlns="" xmlns:p14="http://schemas.microsoft.com/office/powerpoint/2010/main" val="26222973"/>
       </p:ext>
     </p:extLst>
   </p:cSld>
@@ -14476,7 +14498,7 @@
           <a:blip r:embed="rId3" cstate="print">
             <a:extLst>
               <a:ext uri="{28A0092B-C50C-407E-A947-70E740481C1C}">
-                <a14:useLocalDpi xmlns:a14="http://schemas.microsoft.com/office/drawing/2010/main" xmlns="" val="0"/>
+                <a14:useLocalDpi xmlns="" xmlns:a14="http://schemas.microsoft.com/office/drawing/2010/main" val="0"/>
               </a:ext>
             </a:extLst>
           </a:blip>
@@ -14504,7 +14526,7 @@
           <a:blip r:embed="rId4" cstate="print">
             <a:extLst>
               <a:ext uri="{28A0092B-C50C-407E-A947-70E740481C1C}">
-                <a14:useLocalDpi xmlns:a14="http://schemas.microsoft.com/office/drawing/2010/main" xmlns="" val="0"/>
+                <a14:useLocalDpi xmlns="" xmlns:a14="http://schemas.microsoft.com/office/drawing/2010/main" val="0"/>
               </a:ext>
             </a:extLst>
           </a:blip>
@@ -14525,7 +14547,7 @@
     </p:spTree>
     <p:extLst>
       <p:ext uri="{BB962C8B-B14F-4D97-AF65-F5344CB8AC3E}">
-        <p14:creationId xmlns:p14="http://schemas.microsoft.com/office/powerpoint/2010/main" xmlns="" val="846475234"/>
+        <p14:creationId xmlns="" xmlns:p14="http://schemas.microsoft.com/office/powerpoint/2010/main" val="846475234"/>
       </p:ext>
     </p:extLst>
   </p:cSld>
@@ -14622,14 +14644,14 @@
           <a:effectLst/>
           <a:extLst>
             <a:ext uri="{909E8E84-426E-40DD-AFC4-6F175D3DCCD1}">
-              <a14:hiddenFill xmlns:a14="http://schemas.microsoft.com/office/drawing/2010/main" xmlns="">
+              <a14:hiddenFill xmlns="" xmlns:a14="http://schemas.microsoft.com/office/drawing/2010/main">
                 <a:solidFill>
                   <a:schemeClr val="accent1"/>
                 </a:solidFill>
               </a14:hiddenFill>
             </a:ext>
             <a:ext uri="{91240B29-F687-4F45-9708-019B960494DF}">
-              <a14:hiddenLine xmlns:a14="http://schemas.microsoft.com/office/drawing/2010/main" xmlns="" w="9525">
+              <a14:hiddenLine xmlns="" xmlns:a14="http://schemas.microsoft.com/office/drawing/2010/main" w="9525">
                 <a:solidFill>
                   <a:schemeClr val="tx1"/>
                 </a:solidFill>
@@ -14639,7 +14661,7 @@
               </a14:hiddenLine>
             </a:ext>
             <a:ext uri="{AF507438-7753-43E0-B8FC-AC1667EBCBE1}">
-              <a14:hiddenEffects xmlns:a14="http://schemas.microsoft.com/office/drawing/2010/main" xmlns="">
+              <a14:hiddenEffects xmlns="" xmlns:a14="http://schemas.microsoft.com/office/drawing/2010/main">
                 <a:effectLst>
                   <a:outerShdw dist="35921" dir="2700000" algn="ctr" rotWithShape="0">
                     <a:schemeClr val="bg2"/>
@@ -14932,7 +14954,7 @@
             <a:effectLst/>
             <a:extLst>
               <a:ext uri="{AF507438-7753-43E0-B8FC-AC1667EBCBE1}">
-                <a14:hiddenEffects xmlns:a14="http://schemas.microsoft.com/office/drawing/2010/main" xmlns="">
+                <a14:hiddenEffects xmlns="" xmlns:a14="http://schemas.microsoft.com/office/drawing/2010/main">
                   <a:effectLst>
                     <a:outerShdw dist="35921" dir="2700000" algn="ctr" rotWithShape="0">
                       <a:schemeClr val="bg2"/>
@@ -14983,7 +15005,7 @@
             <a:effectLst/>
             <a:extLst>
               <a:ext uri="{AF507438-7753-43E0-B8FC-AC1667EBCBE1}">
-                <a14:hiddenEffects xmlns:a14="http://schemas.microsoft.com/office/drawing/2010/main" xmlns="">
+                <a14:hiddenEffects xmlns="" xmlns:a14="http://schemas.microsoft.com/office/drawing/2010/main">
                   <a:effectLst>
                     <a:outerShdw dist="35921" dir="2700000" algn="ctr" rotWithShape="0">
                       <a:schemeClr val="bg2"/>
@@ -15034,7 +15056,7 @@
             <a:effectLst/>
             <a:extLst>
               <a:ext uri="{AF507438-7753-43E0-B8FC-AC1667EBCBE1}">
-                <a14:hiddenEffects xmlns:a14="http://schemas.microsoft.com/office/drawing/2010/main" xmlns="">
+                <a14:hiddenEffects xmlns="" xmlns:a14="http://schemas.microsoft.com/office/drawing/2010/main">
                   <a:effectLst>
                     <a:outerShdw dist="35921" dir="2700000" algn="ctr" rotWithShape="0">
                       <a:schemeClr val="bg2"/>
@@ -15085,7 +15107,7 @@
             <a:effectLst/>
             <a:extLst>
               <a:ext uri="{AF507438-7753-43E0-B8FC-AC1667EBCBE1}">
-                <a14:hiddenEffects xmlns:a14="http://schemas.microsoft.com/office/drawing/2010/main" xmlns="">
+                <a14:hiddenEffects xmlns="" xmlns:a14="http://schemas.microsoft.com/office/drawing/2010/main">
                   <a:effectLst>
                     <a:outerShdw dist="35921" dir="2700000" algn="ctr" rotWithShape="0">
                       <a:schemeClr val="bg2"/>
@@ -15123,7 +15145,7 @@
             <a:blip r:embed="rId8" cstate="print">
               <a:extLst>
                 <a:ext uri="{28A0092B-C50C-407E-A947-70E740481C1C}">
-                  <a14:useLocalDpi xmlns:a14="http://schemas.microsoft.com/office/drawing/2010/main" xmlns="" val="0"/>
+                  <a14:useLocalDpi xmlns="" xmlns:a14="http://schemas.microsoft.com/office/drawing/2010/main" val="0"/>
                 </a:ext>
               </a:extLst>
             </a:blip>
@@ -15153,7 +15175,7 @@
             <a:blip r:embed="rId9" cstate="print">
               <a:extLst>
                 <a:ext uri="{28A0092B-C50C-407E-A947-70E740481C1C}">
-                  <a14:useLocalDpi xmlns:a14="http://schemas.microsoft.com/office/drawing/2010/main" xmlns="" val="0"/>
+                  <a14:useLocalDpi xmlns="" xmlns:a14="http://schemas.microsoft.com/office/drawing/2010/main" val="0"/>
                 </a:ext>
               </a:extLst>
             </a:blip>
@@ -15251,7 +15273,7 @@
             <a:blip r:embed="rId10" cstate="print">
               <a:extLst>
                 <a:ext uri="{28A0092B-C50C-407E-A947-70E740481C1C}">
-                  <a14:useLocalDpi xmlns:a14="http://schemas.microsoft.com/office/drawing/2010/main" xmlns="" val="0"/>
+                  <a14:useLocalDpi xmlns="" xmlns:a14="http://schemas.microsoft.com/office/drawing/2010/main" val="0"/>
                 </a:ext>
               </a:extLst>
             </a:blip>
@@ -15307,7 +15329,7 @@
     </p:spTree>
     <p:extLst>
       <p:ext uri="{BB962C8B-B14F-4D97-AF65-F5344CB8AC3E}">
-        <p14:creationId xmlns:p14="http://schemas.microsoft.com/office/powerpoint/2010/main" xmlns="" val="2437256557"/>
+        <p14:creationId xmlns="" xmlns:p14="http://schemas.microsoft.com/office/powerpoint/2010/main" val="2437256557"/>
       </p:ext>
     </p:extLst>
   </p:cSld>
@@ -15429,7 +15451,7 @@
           <a:blip r:embed="rId3" cstate="print">
             <a:extLst>
               <a:ext uri="{28A0092B-C50C-407E-A947-70E740481C1C}">
-                <a14:useLocalDpi xmlns:a14="http://schemas.microsoft.com/office/drawing/2010/main" xmlns="" val="0"/>
+                <a14:useLocalDpi xmlns="" xmlns:a14="http://schemas.microsoft.com/office/drawing/2010/main" val="0"/>
               </a:ext>
             </a:extLst>
           </a:blip>
@@ -15449,7 +15471,7 @@
           <a:noFill/>
           <a:extLst>
             <a:ext uri="{909E8E84-426E-40DD-AFC4-6F175D3DCCD1}">
-              <a14:hiddenFill xmlns:a14="http://schemas.microsoft.com/office/drawing/2010/main" xmlns="">
+              <a14:hiddenFill xmlns="" xmlns:a14="http://schemas.microsoft.com/office/drawing/2010/main">
                 <a:solidFill>
                   <a:srgbClr val="FFFFFF"/>
                 </a:solidFill>
@@ -15470,7 +15492,7 @@
           <a:blip r:embed="rId3" cstate="print">
             <a:extLst>
               <a:ext uri="{28A0092B-C50C-407E-A947-70E740481C1C}">
-                <a14:useLocalDpi xmlns:a14="http://schemas.microsoft.com/office/drawing/2010/main" xmlns="" val="0"/>
+                <a14:useLocalDpi xmlns="" xmlns:a14="http://schemas.microsoft.com/office/drawing/2010/main" val="0"/>
               </a:ext>
             </a:extLst>
           </a:blip>
@@ -15490,7 +15512,7 @@
           <a:noFill/>
           <a:extLst>
             <a:ext uri="{909E8E84-426E-40DD-AFC4-6F175D3DCCD1}">
-              <a14:hiddenFill xmlns:a14="http://schemas.microsoft.com/office/drawing/2010/main" xmlns="">
+              <a14:hiddenFill xmlns="" xmlns:a14="http://schemas.microsoft.com/office/drawing/2010/main">
                 <a:solidFill>
                   <a:srgbClr val="FFFFFF"/>
                 </a:solidFill>
@@ -15511,7 +15533,7 @@
           <a:blip r:embed="rId4" cstate="print">
             <a:extLst>
               <a:ext uri="{28A0092B-C50C-407E-A947-70E740481C1C}">
-                <a14:useLocalDpi xmlns:a14="http://schemas.microsoft.com/office/drawing/2010/main" xmlns="" val="0"/>
+                <a14:useLocalDpi xmlns="" xmlns:a14="http://schemas.microsoft.com/office/drawing/2010/main" val="0"/>
               </a:ext>
             </a:extLst>
           </a:blip>
@@ -15531,7 +15553,7 @@
           <a:noFill/>
           <a:extLst>
             <a:ext uri="{909E8E84-426E-40DD-AFC4-6F175D3DCCD1}">
-              <a14:hiddenFill xmlns:a14="http://schemas.microsoft.com/office/drawing/2010/main" xmlns="">
+              <a14:hiddenFill xmlns="" xmlns:a14="http://schemas.microsoft.com/office/drawing/2010/main">
                 <a:solidFill>
                   <a:srgbClr val="FFFFFF"/>
                 </a:solidFill>
@@ -15682,14 +15704,14 @@
           <a:effectLst/>
           <a:extLst>
             <a:ext uri="{909E8E84-426E-40DD-AFC4-6F175D3DCCD1}">
-              <a14:hiddenFill xmlns:a14="http://schemas.microsoft.com/office/drawing/2010/main" xmlns="">
+              <a14:hiddenFill xmlns="" xmlns:a14="http://schemas.microsoft.com/office/drawing/2010/main">
                 <a:solidFill>
                   <a:schemeClr val="accent1"/>
                 </a:solidFill>
               </a14:hiddenFill>
             </a:ext>
             <a:ext uri="{91240B29-F687-4F45-9708-019B960494DF}">
-              <a14:hiddenLine xmlns:a14="http://schemas.microsoft.com/office/drawing/2010/main" xmlns="" w="9525">
+              <a14:hiddenLine xmlns="" xmlns:a14="http://schemas.microsoft.com/office/drawing/2010/main" w="9525">
                 <a:solidFill>
                   <a:schemeClr val="tx1"/>
                 </a:solidFill>
@@ -15699,7 +15721,7 @@
               </a14:hiddenLine>
             </a:ext>
             <a:ext uri="{AF507438-7753-43E0-B8FC-AC1667EBCBE1}">
-              <a14:hiddenEffects xmlns:a14="http://schemas.microsoft.com/office/drawing/2010/main" xmlns="">
+              <a14:hiddenEffects xmlns="" xmlns:a14="http://schemas.microsoft.com/office/drawing/2010/main">
                 <a:effectLst>
                   <a:outerShdw dist="35921" dir="2700000" algn="ctr" rotWithShape="0">
                     <a:schemeClr val="bg2"/>
@@ -15812,7 +15834,7 @@
     </p:spTree>
     <p:extLst>
       <p:ext uri="{BB962C8B-B14F-4D97-AF65-F5344CB8AC3E}">
-        <p14:creationId xmlns:p14="http://schemas.microsoft.com/office/powerpoint/2010/main" xmlns="" val="2437256557"/>
+        <p14:creationId xmlns="" xmlns:p14="http://schemas.microsoft.com/office/powerpoint/2010/main" val="2437256557"/>
       </p:ext>
     </p:extLst>
   </p:cSld>
@@ -15859,7 +15881,7 @@
           <a:blip r:embed="rId3" cstate="print">
             <a:extLst>
               <a:ext uri="{28A0092B-C50C-407E-A947-70E740481C1C}">
-                <a14:useLocalDpi xmlns:a14="http://schemas.microsoft.com/office/drawing/2010/main" xmlns="" val="0"/>
+                <a14:useLocalDpi xmlns="" xmlns:a14="http://schemas.microsoft.com/office/drawing/2010/main" val="0"/>
               </a:ext>
             </a:extLst>
           </a:blip>
@@ -15879,7 +15901,7 @@
           <a:noFill/>
           <a:extLst>
             <a:ext uri="{909E8E84-426E-40DD-AFC4-6F175D3DCCD1}">
-              <a14:hiddenFill xmlns:a14="http://schemas.microsoft.com/office/drawing/2010/main" xmlns="">
+              <a14:hiddenFill xmlns="" xmlns:a14="http://schemas.microsoft.com/office/drawing/2010/main">
                 <a:solidFill>
                   <a:srgbClr val="FFFFFF"/>
                 </a:solidFill>
@@ -15975,7 +15997,7 @@
           <a:blip r:embed="rId4" cstate="print">
             <a:extLst>
               <a:ext uri="{28A0092B-C50C-407E-A947-70E740481C1C}">
-                <a14:useLocalDpi xmlns:a14="http://schemas.microsoft.com/office/drawing/2010/main" xmlns="" val="0"/>
+                <a14:useLocalDpi xmlns="" xmlns:a14="http://schemas.microsoft.com/office/drawing/2010/main" val="0"/>
               </a:ext>
             </a:extLst>
           </a:blip>
@@ -15995,7 +16017,7 @@
           <a:noFill/>
           <a:extLst>
             <a:ext uri="{909E8E84-426E-40DD-AFC4-6F175D3DCCD1}">
-              <a14:hiddenFill xmlns:a14="http://schemas.microsoft.com/office/drawing/2010/main" xmlns="">
+              <a14:hiddenFill xmlns="" xmlns:a14="http://schemas.microsoft.com/office/drawing/2010/main">
                 <a:solidFill>
                   <a:srgbClr val="FFFFFF"/>
                 </a:solidFill>
@@ -16016,7 +16038,7 @@
           <a:blip r:embed="rId5" cstate="print">
             <a:extLst>
               <a:ext uri="{28A0092B-C50C-407E-A947-70E740481C1C}">
-                <a14:useLocalDpi xmlns:a14="http://schemas.microsoft.com/office/drawing/2010/main" xmlns="" val="0"/>
+                <a14:useLocalDpi xmlns="" xmlns:a14="http://schemas.microsoft.com/office/drawing/2010/main" val="0"/>
               </a:ext>
             </a:extLst>
           </a:blip>
@@ -16198,7 +16220,7 @@
             <a:blip r:embed="rId6" cstate="print">
               <a:extLst>
                 <a:ext uri="{28A0092B-C50C-407E-A947-70E740481C1C}">
-                  <a14:useLocalDpi xmlns:a14="http://schemas.microsoft.com/office/drawing/2010/main" xmlns="" val="0"/>
+                  <a14:useLocalDpi xmlns="" xmlns:a14="http://schemas.microsoft.com/office/drawing/2010/main" val="0"/>
                 </a:ext>
               </a:extLst>
             </a:blip>
@@ -16218,7 +16240,7 @@
             <a:noFill/>
             <a:extLst>
               <a:ext uri="{909E8E84-426E-40DD-AFC4-6F175D3DCCD1}">
-                <a14:hiddenFill xmlns:a14="http://schemas.microsoft.com/office/drawing/2010/main" xmlns="">
+                <a14:hiddenFill xmlns="" xmlns:a14="http://schemas.microsoft.com/office/drawing/2010/main">
                   <a:solidFill>
                     <a:srgbClr val="FFFFFF"/>
                   </a:solidFill>
@@ -16339,14 +16361,14 @@
           <a:effectLst/>
           <a:extLst>
             <a:ext uri="{909E8E84-426E-40DD-AFC4-6F175D3DCCD1}">
-              <a14:hiddenFill xmlns:a14="http://schemas.microsoft.com/office/drawing/2010/main" xmlns="">
+              <a14:hiddenFill xmlns="" xmlns:a14="http://schemas.microsoft.com/office/drawing/2010/main">
                 <a:solidFill>
                   <a:schemeClr val="accent1"/>
                 </a:solidFill>
               </a14:hiddenFill>
             </a:ext>
             <a:ext uri="{91240B29-F687-4F45-9708-019B960494DF}">
-              <a14:hiddenLine xmlns:a14="http://schemas.microsoft.com/office/drawing/2010/main" xmlns="" w="9525">
+              <a14:hiddenLine xmlns="" xmlns:a14="http://schemas.microsoft.com/office/drawing/2010/main" w="9525">
                 <a:solidFill>
                   <a:schemeClr val="tx1"/>
                 </a:solidFill>
@@ -16356,7 +16378,7 @@
               </a14:hiddenLine>
             </a:ext>
             <a:ext uri="{AF507438-7753-43E0-B8FC-AC1667EBCBE1}">
-              <a14:hiddenEffects xmlns:a14="http://schemas.microsoft.com/office/drawing/2010/main" xmlns="">
+              <a14:hiddenEffects xmlns="" xmlns:a14="http://schemas.microsoft.com/office/drawing/2010/main">
                 <a:effectLst>
                   <a:outerShdw dist="35921" dir="2700000" algn="ctr" rotWithShape="0">
                     <a:schemeClr val="bg2"/>
@@ -16501,7 +16523,7 @@
     </p:spTree>
     <p:extLst>
       <p:ext uri="{BB962C8B-B14F-4D97-AF65-F5344CB8AC3E}">
-        <p14:creationId xmlns:p14="http://schemas.microsoft.com/office/powerpoint/2010/main" xmlns="" val="1709874429"/>
+        <p14:creationId xmlns="" xmlns:p14="http://schemas.microsoft.com/office/powerpoint/2010/main" val="1709874429"/>
       </p:ext>
     </p:extLst>
   </p:cSld>
@@ -17232,7 +17254,7 @@
             <a:effectLst/>
             <a:extLst>
               <a:ext uri="{AF507438-7753-43E0-B8FC-AC1667EBCBE1}">
-                <a14:hiddenEffects xmlns:a14="http://schemas.microsoft.com/office/drawing/2010/main" xmlns="">
+                <a14:hiddenEffects xmlns="" xmlns:a14="http://schemas.microsoft.com/office/drawing/2010/main">
                   <a:effectLst>
                     <a:outerShdw dist="35921" dir="2700000" algn="ctr" rotWithShape="0">
                       <a:schemeClr val="bg2"/>
@@ -17282,7 +17304,7 @@
             <a:effectLst/>
             <a:extLst>
               <a:ext uri="{AF507438-7753-43E0-B8FC-AC1667EBCBE1}">
-                <a14:hiddenEffects xmlns:a14="http://schemas.microsoft.com/office/drawing/2010/main" xmlns="">
+                <a14:hiddenEffects xmlns="" xmlns:a14="http://schemas.microsoft.com/office/drawing/2010/main">
                   <a:effectLst>
                     <a:outerShdw dist="35921" dir="2700000" algn="ctr" rotWithShape="0">
                       <a:schemeClr val="bg2"/>
@@ -17332,7 +17354,7 @@
             <a:effectLst/>
             <a:extLst>
               <a:ext uri="{AF507438-7753-43E0-B8FC-AC1667EBCBE1}">
-                <a14:hiddenEffects xmlns:a14="http://schemas.microsoft.com/office/drawing/2010/main" xmlns="">
+                <a14:hiddenEffects xmlns="" xmlns:a14="http://schemas.microsoft.com/office/drawing/2010/main">
                   <a:effectLst>
                     <a:outerShdw dist="35921" dir="2700000" algn="ctr" rotWithShape="0">
                       <a:schemeClr val="bg2"/>
@@ -17382,7 +17404,7 @@
             <a:effectLst/>
             <a:extLst>
               <a:ext uri="{AF507438-7753-43E0-B8FC-AC1667EBCBE1}">
-                <a14:hiddenEffects xmlns:a14="http://schemas.microsoft.com/office/drawing/2010/main" xmlns="">
+                <a14:hiddenEffects xmlns="" xmlns:a14="http://schemas.microsoft.com/office/drawing/2010/main">
                   <a:effectLst>
                     <a:outerShdw dist="35921" dir="2700000" algn="ctr" rotWithShape="0">
                       <a:schemeClr val="bg2"/>
@@ -17432,7 +17454,7 @@
             <a:effectLst/>
             <a:extLst>
               <a:ext uri="{AF507438-7753-43E0-B8FC-AC1667EBCBE1}">
-                <a14:hiddenEffects xmlns:a14="http://schemas.microsoft.com/office/drawing/2010/main" xmlns="">
+                <a14:hiddenEffects xmlns="" xmlns:a14="http://schemas.microsoft.com/office/drawing/2010/main">
                   <a:effectLst>
                     <a:outerShdw dist="35921" dir="2700000" algn="ctr" rotWithShape="0">
                       <a:schemeClr val="bg2"/>
@@ -17482,7 +17504,7 @@
             <a:effectLst/>
             <a:extLst>
               <a:ext uri="{AF507438-7753-43E0-B8FC-AC1667EBCBE1}">
-                <a14:hiddenEffects xmlns:a14="http://schemas.microsoft.com/office/drawing/2010/main" xmlns="">
+                <a14:hiddenEffects xmlns="" xmlns:a14="http://schemas.microsoft.com/office/drawing/2010/main">
                   <a:effectLst>
                     <a:outerShdw dist="35921" dir="2700000" algn="ctr" rotWithShape="0">
                       <a:schemeClr val="bg2"/>
@@ -17554,7 +17576,7 @@
     </p:spTree>
     <p:extLst>
       <p:ext uri="{BB962C8B-B14F-4D97-AF65-F5344CB8AC3E}">
-        <p14:creationId xmlns:p14="http://schemas.microsoft.com/office/powerpoint/2010/main" xmlns="" val="1532431054"/>
+        <p14:creationId xmlns="" xmlns:p14="http://schemas.microsoft.com/office/powerpoint/2010/main" val="1532431054"/>
       </p:ext>
     </p:extLst>
   </p:cSld>
@@ -18801,7 +18823,7 @@
     </p:spTree>
     <p:extLst>
       <p:ext uri="{BB962C8B-B14F-4D97-AF65-F5344CB8AC3E}">
-        <p14:creationId xmlns:p14="http://schemas.microsoft.com/office/powerpoint/2010/main" xmlns="" val="1410092498"/>
+        <p14:creationId xmlns="" xmlns:p14="http://schemas.microsoft.com/office/powerpoint/2010/main" val="1410092498"/>
       </p:ext>
     </p:extLst>
   </p:cSld>
@@ -19117,7 +19139,7 @@
         <a:effectLst/>
         <a:extLst>
           <a:ext uri="{91240B29-F687-4F45-9708-019B960494DF}">
-            <a14:hiddenLine xmlns:a14="http://schemas.microsoft.com/office/drawing/2010/main" xmlns="" w="9525" cap="flat" cmpd="sng" algn="ctr">
+            <a14:hiddenLine xmlns="" xmlns:a14="http://schemas.microsoft.com/office/drawing/2010/main" w="9525" cap="flat" cmpd="sng" algn="ctr">
               <a:solidFill>
                 <a:schemeClr val="tx1"/>
               </a:solidFill>
@@ -19128,7 +19150,7 @@
             </a14:hiddenLine>
           </a:ext>
           <a:ext uri="{AF507438-7753-43E0-B8FC-AC1667EBCBE1}">
-            <a14:hiddenEffects xmlns:a14="http://schemas.microsoft.com/office/drawing/2010/main" xmlns="">
+            <a14:hiddenEffects xmlns="" xmlns:a14="http://schemas.microsoft.com/office/drawing/2010/main">
               <a:effectLst>
                 <a:outerShdw dist="35921" dir="2700000" algn="ctr" rotWithShape="0">
                   <a:schemeClr val="bg2"/>

--- a/Documents/presentation doc/Final Presentation/final-presentation.pptx
+++ b/Documents/presentation doc/Final Presentation/final-presentation.pptx
@@ -5,24 +5,23 @@
     <p:sldMasterId id="2147483648" r:id="rId1"/>
   </p:sldMasterIdLst>
   <p:notesMasterIdLst>
-    <p:notesMasterId r:id="rId17"/>
+    <p:notesMasterId r:id="rId16"/>
   </p:notesMasterIdLst>
   <p:sldIdLst>
     <p:sldId id="319" r:id="rId2"/>
     <p:sldId id="320" r:id="rId3"/>
     <p:sldId id="318" r:id="rId4"/>
     <p:sldId id="321" r:id="rId5"/>
-    <p:sldId id="315" r:id="rId6"/>
-    <p:sldId id="287" r:id="rId7"/>
-    <p:sldId id="294" r:id="rId8"/>
-    <p:sldId id="312" r:id="rId9"/>
-    <p:sldId id="305" r:id="rId10"/>
-    <p:sldId id="306" r:id="rId11"/>
-    <p:sldId id="313" r:id="rId12"/>
-    <p:sldId id="316" r:id="rId13"/>
-    <p:sldId id="310" r:id="rId14"/>
-    <p:sldId id="317" r:id="rId15"/>
-    <p:sldId id="322" r:id="rId16"/>
+    <p:sldId id="287" r:id="rId6"/>
+    <p:sldId id="294" r:id="rId7"/>
+    <p:sldId id="312" r:id="rId8"/>
+    <p:sldId id="305" r:id="rId9"/>
+    <p:sldId id="306" r:id="rId10"/>
+    <p:sldId id="313" r:id="rId11"/>
+    <p:sldId id="316" r:id="rId12"/>
+    <p:sldId id="310" r:id="rId13"/>
+    <p:sldId id="317" r:id="rId14"/>
+    <p:sldId id="322" r:id="rId15"/>
   </p:sldIdLst>
   <p:sldSz cx="9144000" cy="6858000" type="screen4x3"/>
   <p:notesSz cx="6797675" cy="9874250"/>
@@ -166,10 +165,10 @@
           <c:layoutTarget val="inner"/>
           <c:xMode val="edge"/>
           <c:yMode val="edge"/>
-          <c:x val="0.13756541418769708"/>
-          <c:y val="0.31142121774829434"/>
+          <c:x val="0.13756541418769713"/>
+          <c:y val="0.3114212177482944"/>
           <c:w val="0.82290353753797463"/>
-          <c:h val="0.56776310568666655"/>
+          <c:h val="0.56776310568666644"/>
         </c:manualLayout>
       </c:layout>
       <c:barChart>
@@ -264,25 +263,25 @@
           <c:showVal val="1"/>
         </c:dLbls>
         <c:gapWidth val="75"/>
-        <c:axId val="69877120"/>
-        <c:axId val="69895296"/>
+        <c:axId val="61758848"/>
+        <c:axId val="61772928"/>
       </c:barChart>
       <c:catAx>
-        <c:axId val="69877120"/>
+        <c:axId val="61758848"/>
         <c:scaling>
           <c:orientation val="minMax"/>
         </c:scaling>
         <c:axPos val="b"/>
         <c:majorTickMark val="none"/>
         <c:tickLblPos val="nextTo"/>
-        <c:crossAx val="69895296"/>
+        <c:crossAx val="61772928"/>
         <c:crosses val="autoZero"/>
         <c:auto val="1"/>
         <c:lblAlgn val="ctr"/>
         <c:lblOffset val="100"/>
       </c:catAx>
       <c:valAx>
-        <c:axId val="69895296"/>
+        <c:axId val="61772928"/>
         <c:scaling>
           <c:orientation val="minMax"/>
           <c:min val="0"/>
@@ -291,7 +290,7 @@
         <c:numFmt formatCode="General" sourceLinked="1"/>
         <c:majorTickMark val="none"/>
         <c:tickLblPos val="nextTo"/>
-        <c:crossAx val="69877120"/>
+        <c:crossAx val="61758848"/>
         <c:crosses val="autoZero"/>
         <c:crossBetween val="between"/>
         <c:majorUnit val="20"/>
@@ -303,10 +302,10 @@
         <c:manualLayout>
           <c:xMode val="edge"/>
           <c:yMode val="edge"/>
-          <c:x val="0.1894212424673139"/>
-          <c:y val="3.0763248527941617E-2"/>
-          <c:w val="0.68117168015814966"/>
-          <c:h val="0.22344660117130072"/>
+          <c:x val="0.18942124246731395"/>
+          <c:y val="3.0763248527941624E-2"/>
+          <c:w val="0.68117168015814988"/>
+          <c:h val="0.2234466011713008"/>
         </c:manualLayout>
       </c:layout>
     </c:legend>
@@ -329,6 +328,7 @@
 
 <file path=ppt/charts/chart2.xml><?xml version="1.0" encoding="utf-8"?>
 <c:chartSpace xmlns:c="http://schemas.openxmlformats.org/drawingml/2006/chart" xmlns:a="http://schemas.openxmlformats.org/drawingml/2006/main" xmlns:r="http://schemas.openxmlformats.org/officeDocument/2006/relationships">
+  <c:date1904 val="1"/>
   <c:lang val="ko-KR"/>
   <c:style val="26"/>
   <c:chart>
@@ -407,24 +407,24 @@
           </c:val>
         </c:ser>
         <c:marker val="1"/>
-        <c:axId val="63128320"/>
-        <c:axId val="63129856"/>
+        <c:axId val="69030272"/>
+        <c:axId val="69031808"/>
       </c:lineChart>
       <c:catAx>
-        <c:axId val="63128320"/>
+        <c:axId val="69030272"/>
         <c:scaling>
           <c:orientation val="minMax"/>
         </c:scaling>
         <c:axPos val="b"/>
         <c:tickLblPos val="nextTo"/>
-        <c:crossAx val="63129856"/>
+        <c:crossAx val="69031808"/>
         <c:crosses val="autoZero"/>
         <c:auto val="1"/>
         <c:lblAlgn val="ctr"/>
         <c:lblOffset val="100"/>
       </c:catAx>
       <c:valAx>
-        <c:axId val="63129856"/>
+        <c:axId val="69031808"/>
         <c:scaling>
           <c:orientation val="minMax"/>
           <c:max val="2000"/>
@@ -433,7 +433,7 @@
         <c:majorGridlines/>
         <c:numFmt formatCode="General" sourceLinked="1"/>
         <c:tickLblPos val="nextTo"/>
-        <c:crossAx val="63128320"/>
+        <c:crossAx val="69030272"/>
         <c:crosses val="autoZero"/>
         <c:crossBetween val="between"/>
         <c:majorUnit val="500"/>
@@ -506,14 +506,14 @@
           <a:effectLst/>
           <a:extLst>
             <a:ext uri="{909E8E84-426E-40DD-AFC4-6F175D3DCCD1}">
-              <a14:hiddenFill xmlns="" xmlns:a14="http://schemas.microsoft.com/office/drawing/2010/main">
+              <a14:hiddenFill xmlns:a14="http://schemas.microsoft.com/office/drawing/2010/main" xmlns="">
                 <a:solidFill>
                   <a:schemeClr val="accent1"/>
                 </a:solidFill>
               </a14:hiddenFill>
             </a:ext>
             <a:ext uri="{91240B29-F687-4F45-9708-019B960494DF}">
-              <a14:hiddenLine xmlns="" xmlns:a14="http://schemas.microsoft.com/office/drawing/2010/main" w="9525">
+              <a14:hiddenLine xmlns:a14="http://schemas.microsoft.com/office/drawing/2010/main" xmlns="" w="9525">
                 <a:solidFill>
                   <a:schemeClr val="tx1"/>
                 </a:solidFill>
@@ -523,7 +523,7 @@
               </a14:hiddenLine>
             </a:ext>
             <a:ext uri="{AF507438-7753-43E0-B8FC-AC1667EBCBE1}">
-              <a14:hiddenEffects xmlns="" xmlns:a14="http://schemas.microsoft.com/office/drawing/2010/main">
+              <a14:hiddenEffects xmlns:a14="http://schemas.microsoft.com/office/drawing/2010/main" xmlns="">
                 <a:effectLst>
                   <a:outerShdw dist="35921" dir="2700000" algn="ctr" rotWithShape="0">
                     <a:schemeClr val="bg2"/>
@@ -576,14 +576,14 @@
           <a:effectLst/>
           <a:extLst>
             <a:ext uri="{909E8E84-426E-40DD-AFC4-6F175D3DCCD1}">
-              <a14:hiddenFill xmlns="" xmlns:a14="http://schemas.microsoft.com/office/drawing/2010/main">
+              <a14:hiddenFill xmlns:a14="http://schemas.microsoft.com/office/drawing/2010/main" xmlns="">
                 <a:solidFill>
                   <a:schemeClr val="accent1"/>
                 </a:solidFill>
               </a14:hiddenFill>
             </a:ext>
             <a:ext uri="{91240B29-F687-4F45-9708-019B960494DF}">
-              <a14:hiddenLine xmlns="" xmlns:a14="http://schemas.microsoft.com/office/drawing/2010/main" w="9525">
+              <a14:hiddenLine xmlns:a14="http://schemas.microsoft.com/office/drawing/2010/main" xmlns="" w="9525">
                 <a:solidFill>
                   <a:schemeClr val="tx1"/>
                 </a:solidFill>
@@ -593,7 +593,7 @@
               </a14:hiddenLine>
             </a:ext>
             <a:ext uri="{AF507438-7753-43E0-B8FC-AC1667EBCBE1}">
-              <a14:hiddenEffects xmlns="" xmlns:a14="http://schemas.microsoft.com/office/drawing/2010/main">
+              <a14:hiddenEffects xmlns:a14="http://schemas.microsoft.com/office/drawing/2010/main" xmlns="">
                 <a:effectLst>
                   <a:outerShdw dist="35921" dir="2700000" algn="ctr" rotWithShape="0">
                     <a:schemeClr val="bg2"/>
@@ -651,7 +651,7 @@
           <a:effectLst/>
           <a:extLst>
             <a:ext uri="{AF507438-7753-43E0-B8FC-AC1667EBCBE1}">
-              <a14:hiddenEffects xmlns="" xmlns:a14="http://schemas.microsoft.com/office/drawing/2010/main">
+              <a14:hiddenEffects xmlns:a14="http://schemas.microsoft.com/office/drawing/2010/main" xmlns="">
                 <a:effectLst>
                   <a:outerShdw dist="35921" dir="2700000" algn="ctr" rotWithShape="0">
                     <a:srgbClr val="808080"/>
@@ -660,7 +660,7 @@
               </a14:hiddenEffects>
             </a:ext>
             <a:ext uri="{53640926-AAD7-44D8-BBD7-CCE9431645EC}">
-              <a14:shadowObscured xmlns="" xmlns:a14="http://schemas.microsoft.com/office/drawing/2010/main" val="1"/>
+              <a14:shadowObscured xmlns:a14="http://schemas.microsoft.com/office/drawing/2010/main" xmlns="" val="1"/>
             </a:ext>
           </a:extLst>
         </p:spPr>
@@ -690,14 +690,14 @@
           <a:effectLst/>
           <a:extLst>
             <a:ext uri="{909E8E84-426E-40DD-AFC4-6F175D3DCCD1}">
-              <a14:hiddenFill xmlns="" xmlns:a14="http://schemas.microsoft.com/office/drawing/2010/main">
+              <a14:hiddenFill xmlns:a14="http://schemas.microsoft.com/office/drawing/2010/main" xmlns="">
                 <a:solidFill>
                   <a:schemeClr val="accent1"/>
                 </a:solidFill>
               </a14:hiddenFill>
             </a:ext>
             <a:ext uri="{91240B29-F687-4F45-9708-019B960494DF}">
-              <a14:hiddenLine xmlns="" xmlns:a14="http://schemas.microsoft.com/office/drawing/2010/main" w="9525">
+              <a14:hiddenLine xmlns:a14="http://schemas.microsoft.com/office/drawing/2010/main" xmlns="" w="9525">
                 <a:solidFill>
                   <a:schemeClr val="tx1"/>
                 </a:solidFill>
@@ -707,7 +707,7 @@
               </a14:hiddenLine>
             </a:ext>
             <a:ext uri="{AF507438-7753-43E0-B8FC-AC1667EBCBE1}">
-              <a14:hiddenEffects xmlns="" xmlns:a14="http://schemas.microsoft.com/office/drawing/2010/main">
+              <a14:hiddenEffects xmlns:a14="http://schemas.microsoft.com/office/drawing/2010/main" xmlns="">
                 <a:effectLst>
                   <a:outerShdw dist="35921" dir="2700000" algn="ctr" rotWithShape="0">
                     <a:schemeClr val="bg2"/>
@@ -786,14 +786,14 @@
           <a:effectLst/>
           <a:extLst>
             <a:ext uri="{909E8E84-426E-40DD-AFC4-6F175D3DCCD1}">
-              <a14:hiddenFill xmlns="" xmlns:a14="http://schemas.microsoft.com/office/drawing/2010/main">
+              <a14:hiddenFill xmlns:a14="http://schemas.microsoft.com/office/drawing/2010/main" xmlns="">
                 <a:solidFill>
                   <a:schemeClr val="accent1"/>
                 </a:solidFill>
               </a14:hiddenFill>
             </a:ext>
             <a:ext uri="{91240B29-F687-4F45-9708-019B960494DF}">
-              <a14:hiddenLine xmlns="" xmlns:a14="http://schemas.microsoft.com/office/drawing/2010/main" w="9525">
+              <a14:hiddenLine xmlns:a14="http://schemas.microsoft.com/office/drawing/2010/main" xmlns="" w="9525">
                 <a:solidFill>
                   <a:schemeClr val="tx1"/>
                 </a:solidFill>
@@ -803,7 +803,7 @@
               </a14:hiddenLine>
             </a:ext>
             <a:ext uri="{AF507438-7753-43E0-B8FC-AC1667EBCBE1}">
-              <a14:hiddenEffects xmlns="" xmlns:a14="http://schemas.microsoft.com/office/drawing/2010/main">
+              <a14:hiddenEffects xmlns:a14="http://schemas.microsoft.com/office/drawing/2010/main" xmlns="">
                 <a:effectLst>
                   <a:outerShdw dist="35921" dir="2700000" algn="ctr" rotWithShape="0">
                     <a:schemeClr val="bg2"/>
@@ -856,14 +856,14 @@
           <a:effectLst/>
           <a:extLst>
             <a:ext uri="{909E8E84-426E-40DD-AFC4-6F175D3DCCD1}">
-              <a14:hiddenFill xmlns="" xmlns:a14="http://schemas.microsoft.com/office/drawing/2010/main">
+              <a14:hiddenFill xmlns:a14="http://schemas.microsoft.com/office/drawing/2010/main" xmlns="">
                 <a:solidFill>
                   <a:schemeClr val="accent1"/>
                 </a:solidFill>
               </a14:hiddenFill>
             </a:ext>
             <a:ext uri="{91240B29-F687-4F45-9708-019B960494DF}">
-              <a14:hiddenLine xmlns="" xmlns:a14="http://schemas.microsoft.com/office/drawing/2010/main" w="9525">
+              <a14:hiddenLine xmlns:a14="http://schemas.microsoft.com/office/drawing/2010/main" xmlns="" w="9525">
                 <a:solidFill>
                   <a:schemeClr val="tx1"/>
                 </a:solidFill>
@@ -873,7 +873,7 @@
               </a14:hiddenLine>
             </a:ext>
             <a:ext uri="{AF507438-7753-43E0-B8FC-AC1667EBCBE1}">
-              <a14:hiddenEffects xmlns="" xmlns:a14="http://schemas.microsoft.com/office/drawing/2010/main">
+              <a14:hiddenEffects xmlns:a14="http://schemas.microsoft.com/office/drawing/2010/main" xmlns="">
                 <a:effectLst>
                   <a:outerShdw dist="35921" dir="2700000" algn="ctr" rotWithShape="0">
                     <a:schemeClr val="bg2"/>
@@ -909,7 +909,7 @@
     </p:spTree>
     <p:extLst>
       <p:ext uri="{BB962C8B-B14F-4D97-AF65-F5344CB8AC3E}">
-        <p14:creationId xmlns="" xmlns:p14="http://schemas.microsoft.com/office/powerpoint/2010/main" val="3354467039"/>
+        <p14:creationId xmlns:p14="http://schemas.microsoft.com/office/powerpoint/2010/main" xmlns="" val="3354467039"/>
       </p:ext>
     </p:extLst>
   </p:cSld>
@@ -1221,7 +1221,18 @@
                 <a:ea typeface="+mn-ea"/>
                 <a:cs typeface="+mn-cs"/>
               </a:rPr>
-              <a:t>저희 </a:t>
+              <a:t>저희 조 프로젝트 명은 </a:t>
+            </a:r>
+            <a:r>
+              <a:rPr lang="en-US" altLang="ko-KR" sz="1200" kern="1200" dirty="0" smtClean="0">
+                <a:solidFill>
+                  <a:schemeClr val="tx1"/>
+                </a:solidFill>
+                <a:latin typeface="Arial" charset="0"/>
+                <a:ea typeface="+mn-ea"/>
+                <a:cs typeface="+mn-cs"/>
+              </a:rPr>
+              <a:t>Android-USB</a:t>
             </a:r>
             <a:r>
               <a:rPr lang="ko-KR" altLang="ko-KR" sz="1200" kern="1200" dirty="0" smtClean="0">
@@ -1232,7 +1243,29 @@
                 <a:ea typeface="+mn-ea"/>
                 <a:cs typeface="+mn-cs"/>
               </a:rPr>
-              <a:t>조 </a:t>
+              <a:t>로</a:t>
+            </a:r>
+            <a:r>
+              <a:rPr lang="en-US" altLang="ko-KR" sz="1200" kern="1200" dirty="0" smtClean="0">
+                <a:solidFill>
+                  <a:schemeClr val="tx1"/>
+                </a:solidFill>
+                <a:latin typeface="Arial" charset="0"/>
+                <a:ea typeface="+mn-ea"/>
+                <a:cs typeface="+mn-cs"/>
+              </a:rPr>
+              <a:t>, </a:t>
+            </a:r>
+            <a:r>
+              <a:rPr lang="ko-KR" altLang="ko-KR" sz="1200" kern="1200" dirty="0" err="1" smtClean="0">
+                <a:solidFill>
+                  <a:schemeClr val="tx1"/>
+                </a:solidFill>
+                <a:latin typeface="Arial" charset="0"/>
+                <a:ea typeface="+mn-ea"/>
+                <a:cs typeface="+mn-cs"/>
+              </a:rPr>
+              <a:t>안드로이드</a:t>
             </a:r>
             <a:r>
               <a:rPr lang="ko-KR" altLang="ko-KR" sz="1200" kern="1200" dirty="0" smtClean="0">
@@ -1243,7 +1276,29 @@
                 <a:ea typeface="+mn-ea"/>
                 <a:cs typeface="+mn-cs"/>
               </a:rPr>
-              <a:t>프로젝트 명은 </a:t>
+              <a:t> </a:t>
+            </a:r>
+            <a:r>
+              <a:rPr lang="ko-KR" altLang="ko-KR" sz="1200" kern="1200" dirty="0" err="1" smtClean="0">
+                <a:solidFill>
+                  <a:schemeClr val="tx1"/>
+                </a:solidFill>
+                <a:latin typeface="Arial" charset="0"/>
+                <a:ea typeface="+mn-ea"/>
+                <a:cs typeface="+mn-cs"/>
+              </a:rPr>
+              <a:t>스마트폰의</a:t>
+            </a:r>
+            <a:r>
+              <a:rPr lang="ko-KR" altLang="ko-KR" sz="1200" kern="1200" dirty="0" smtClean="0">
+                <a:solidFill>
+                  <a:schemeClr val="tx1"/>
+                </a:solidFill>
+                <a:latin typeface="Arial" charset="0"/>
+                <a:ea typeface="+mn-ea"/>
+                <a:cs typeface="+mn-cs"/>
+              </a:rPr>
+              <a:t> 어플리케이션과 카메라</a:t>
             </a:r>
             <a:r>
               <a:rPr lang="en-US" altLang="ko-KR" sz="1200" kern="1200" dirty="0" smtClean="0">
@@ -1254,7 +1309,7 @@
                 <a:ea typeface="+mn-ea"/>
                 <a:cs typeface="+mn-cs"/>
               </a:rPr>
-              <a:t>Android-USB</a:t>
+              <a:t>,</a:t>
             </a:r>
             <a:r>
               <a:rPr lang="ko-KR" altLang="ko-KR" sz="1200" kern="1200" dirty="0" smtClean="0">
@@ -1265,106 +1320,7 @@
                 <a:ea typeface="+mn-ea"/>
                 <a:cs typeface="+mn-cs"/>
               </a:rPr>
-              <a:t>로</a:t>
-            </a:r>
-            <a:r>
-              <a:rPr lang="en-US" altLang="ko-KR" sz="1200" kern="1200" dirty="0" smtClean="0">
-                <a:solidFill>
-                  <a:schemeClr val="tx1"/>
-                </a:solidFill>
-                <a:latin typeface="Arial" charset="0"/>
-                <a:ea typeface="+mn-ea"/>
-                <a:cs typeface="+mn-cs"/>
-              </a:rPr>
-              <a:t>, </a:t>
-            </a:r>
-            <a:r>
-              <a:rPr lang="ko-KR" altLang="ko-KR" sz="1200" kern="1200" dirty="0" err="1" smtClean="0">
-                <a:solidFill>
-                  <a:schemeClr val="tx1"/>
-                </a:solidFill>
-                <a:latin typeface="Arial" charset="0"/>
-                <a:ea typeface="+mn-ea"/>
-                <a:cs typeface="+mn-cs"/>
-              </a:rPr>
-              <a:t>안드로이드</a:t>
-            </a:r>
-            <a:r>
-              <a:rPr lang="ko-KR" altLang="ko-KR" sz="1200" kern="1200" dirty="0" smtClean="0">
-                <a:solidFill>
-                  <a:schemeClr val="tx1"/>
-                </a:solidFill>
-                <a:latin typeface="Arial" charset="0"/>
-                <a:ea typeface="+mn-ea"/>
-                <a:cs typeface="+mn-cs"/>
-              </a:rPr>
-              <a:t> </a:t>
-            </a:r>
-            <a:r>
-              <a:rPr lang="ko-KR" altLang="ko-KR" sz="1200" kern="1200" dirty="0" err="1" smtClean="0">
-                <a:solidFill>
-                  <a:schemeClr val="tx1"/>
-                </a:solidFill>
-                <a:latin typeface="Arial" charset="0"/>
-                <a:ea typeface="+mn-ea"/>
-                <a:cs typeface="+mn-cs"/>
-              </a:rPr>
-              <a:t>스마트폰의</a:t>
-            </a:r>
-            <a:r>
-              <a:rPr lang="ko-KR" altLang="ko-KR" sz="1200" kern="1200" dirty="0" smtClean="0">
-                <a:solidFill>
-                  <a:schemeClr val="tx1"/>
-                </a:solidFill>
-                <a:latin typeface="Arial" charset="0"/>
-                <a:ea typeface="+mn-ea"/>
-                <a:cs typeface="+mn-cs"/>
-              </a:rPr>
-              <a:t> </a:t>
-            </a:r>
-            <a:r>
-              <a:rPr lang="ko-KR" altLang="ko-KR" sz="1200" kern="1200" dirty="0" smtClean="0">
-                <a:solidFill>
-                  <a:schemeClr val="tx1"/>
-                </a:solidFill>
-                <a:latin typeface="Arial" charset="0"/>
-                <a:ea typeface="+mn-ea"/>
-                <a:cs typeface="+mn-cs"/>
-              </a:rPr>
-              <a:t>어플리케이션과 카메라</a:t>
-            </a:r>
-            <a:r>
-              <a:rPr lang="en-US" altLang="ko-KR" sz="1200" kern="1200" dirty="0" smtClean="0">
-                <a:solidFill>
-                  <a:schemeClr val="tx1"/>
-                </a:solidFill>
-                <a:latin typeface="Arial" charset="0"/>
-                <a:ea typeface="+mn-ea"/>
-                <a:cs typeface="+mn-cs"/>
-              </a:rPr>
-              <a:t>,</a:t>
-            </a:r>
-            <a:r>
-              <a:rPr lang="ko-KR" altLang="ko-KR" sz="1200" kern="1200" dirty="0" smtClean="0">
-                <a:solidFill>
-                  <a:schemeClr val="tx1"/>
-                </a:solidFill>
-                <a:latin typeface="Arial" charset="0"/>
-                <a:ea typeface="+mn-ea"/>
-                <a:cs typeface="+mn-cs"/>
-              </a:rPr>
-              <a:t> </a:t>
-            </a:r>
-            <a:r>
-              <a:rPr lang="ko-KR" altLang="ko-KR" sz="1200" kern="1200" dirty="0" smtClean="0">
-                <a:solidFill>
-                  <a:schemeClr val="tx1"/>
-                </a:solidFill>
-                <a:latin typeface="Arial" charset="0"/>
-                <a:ea typeface="+mn-ea"/>
-                <a:cs typeface="+mn-cs"/>
-              </a:rPr>
-              <a:t>센서 같은</a:t>
+              <a:t> 센서 같은</a:t>
             </a:r>
             <a:r>
               <a:rPr lang="ko-KR" altLang="en-US" sz="1200" kern="1200" dirty="0" smtClean="0">
@@ -1623,23 +1579,17 @@
           </a:bodyPr>
           <a:lstStyle/>
           <a:p>
-            <a:pPr marL="0" marR="0" indent="0" algn="just" defTabSz="914400" rtl="0" eaLnBrk="1" fontAlgn="base" latinLnBrk="0" hangingPunct="1">
-              <a:lnSpc>
-                <a:spcPct val="100000"/>
-              </a:lnSpc>
-              <a:spcBef>
-                <a:spcPct val="30000"/>
-              </a:spcBef>
-              <a:spcAft>
-                <a:spcPct val="0"/>
-              </a:spcAft>
-              <a:buClrTx/>
-              <a:buSzTx/>
-              <a:buFontTx/>
-              <a:buNone/>
-              <a:tabLst/>
-              <a:defRPr/>
-            </a:pPr>
+            <a:r>
+              <a:rPr lang="ko-KR" altLang="ko-KR" sz="1200" kern="1200" dirty="0" smtClean="0">
+                <a:solidFill>
+                  <a:schemeClr val="tx1"/>
+                </a:solidFill>
+                <a:latin typeface="Arial" charset="0"/>
+                <a:ea typeface="+mn-ea"/>
+                <a:cs typeface="+mn-cs"/>
+              </a:rPr>
+              <a:t>저희는</a:t>
+            </a:r>
             <a:r>
               <a:rPr lang="en-US" altLang="ko-KR" sz="1200" kern="1200" dirty="0" smtClean="0">
                 <a:solidFill>
@@ -1649,10 +1599,10 @@
                 <a:ea typeface="+mn-ea"/>
                 <a:cs typeface="+mn-cs"/>
               </a:rPr>
-              <a:t>Android-USB </a:t>
-            </a:r>
-            <a:r>
-              <a:rPr lang="ko-KR" altLang="en-US" sz="1200" kern="1200" dirty="0" smtClean="0">
+              <a:t> Android-USB </a:t>
+            </a:r>
+            <a:r>
+              <a:rPr lang="ko-KR" altLang="ko-KR" sz="1200" kern="1200" dirty="0" smtClean="0">
                 <a:solidFill>
                   <a:schemeClr val="tx1"/>
                 </a:solidFill>
@@ -1674,26 +1624,59 @@
               <a:t> PC</a:t>
             </a:r>
             <a:r>
-              <a:rPr lang="ko-KR" altLang="en-US" sz="1200" kern="1200" dirty="0" smtClean="0">
-                <a:solidFill>
-                  <a:schemeClr val="tx1"/>
-                </a:solidFill>
-                <a:latin typeface="Arial" charset="0"/>
-                <a:ea typeface="+mn-ea"/>
-                <a:cs typeface="+mn-cs"/>
-              </a:rPr>
-              <a:t>에서 스마트폰의 </a:t>
-            </a:r>
-            <a:r>
-              <a:rPr lang="ko-KR" altLang="en-US" sz="1200" kern="1200" dirty="0" err="1" smtClean="0">
-                <a:solidFill>
-                  <a:schemeClr val="tx1"/>
-                </a:solidFill>
-                <a:latin typeface="Arial" charset="0"/>
-                <a:ea typeface="+mn-ea"/>
-                <a:cs typeface="+mn-cs"/>
-              </a:rPr>
-              <a:t>카카오톡</a:t>
+              <a:rPr lang="ko-KR" altLang="ko-KR" sz="1200" kern="1200" dirty="0" smtClean="0">
+                <a:solidFill>
+                  <a:schemeClr val="tx1"/>
+                </a:solidFill>
+                <a:latin typeface="Arial" charset="0"/>
+                <a:ea typeface="+mn-ea"/>
+                <a:cs typeface="+mn-cs"/>
+              </a:rPr>
+              <a:t>에서 카카오톡을 쓸 수 있도록 연결하는 </a:t>
+            </a:r>
+            <a:r>
+              <a:rPr lang="en-US" altLang="ko-KR" sz="1200" kern="1200" dirty="0" err="1" smtClean="0">
+                <a:solidFill>
+                  <a:schemeClr val="tx1"/>
+                </a:solidFill>
+                <a:latin typeface="Arial" charset="0"/>
+                <a:ea typeface="+mn-ea"/>
+                <a:cs typeface="+mn-cs"/>
+              </a:rPr>
+              <a:t>KatalkPCLinker</a:t>
+            </a:r>
+            <a:r>
+              <a:rPr lang="ko-KR" altLang="ko-KR" sz="1200" kern="1200" dirty="0" smtClean="0">
+                <a:solidFill>
+                  <a:schemeClr val="tx1"/>
+                </a:solidFill>
+                <a:latin typeface="Arial" charset="0"/>
+                <a:ea typeface="+mn-ea"/>
+                <a:cs typeface="+mn-cs"/>
+              </a:rPr>
+              <a:t>서비스와 </a:t>
+            </a:r>
+            <a:r>
+              <a:rPr lang="ko-KR" altLang="ko-KR" sz="1200" kern="1200" dirty="0" err="1" smtClean="0">
+                <a:solidFill>
+                  <a:schemeClr val="tx1"/>
+                </a:solidFill>
+                <a:latin typeface="Arial" charset="0"/>
+                <a:ea typeface="+mn-ea"/>
+                <a:cs typeface="+mn-cs"/>
+              </a:rPr>
+              <a:t>스마트폰을</a:t>
+            </a:r>
+            <a:r>
+              <a:rPr lang="ko-KR" altLang="ko-KR" sz="1200" kern="1200" dirty="0" smtClean="0">
+                <a:solidFill>
+                  <a:schemeClr val="tx1"/>
+                </a:solidFill>
+                <a:latin typeface="Arial" charset="0"/>
+                <a:ea typeface="+mn-ea"/>
+                <a:cs typeface="+mn-cs"/>
+              </a:rPr>
+              <a:t> 터치패드로 사용할 수 있는</a:t>
             </a:r>
             <a:r>
               <a:rPr lang="en-US" altLang="ko-KR" sz="1200" kern="1200" dirty="0" smtClean="0">
@@ -1704,18 +1687,128 @@
                 <a:ea typeface="+mn-ea"/>
                 <a:cs typeface="+mn-cs"/>
               </a:rPr>
+              <a:t> </a:t>
+            </a:r>
+            <a:r>
+              <a:rPr lang="en-US" altLang="ko-KR" sz="1200" kern="1200" dirty="0" err="1" smtClean="0">
+                <a:solidFill>
+                  <a:schemeClr val="tx1"/>
+                </a:solidFill>
+                <a:latin typeface="Arial" charset="0"/>
+                <a:ea typeface="+mn-ea"/>
+                <a:cs typeface="+mn-cs"/>
+              </a:rPr>
+              <a:t>LTouchPad</a:t>
+            </a:r>
+            <a:r>
+              <a:rPr lang="en-US" altLang="ko-KR" sz="1200" kern="1200" dirty="0" smtClean="0">
+                <a:solidFill>
+                  <a:schemeClr val="tx1"/>
+                </a:solidFill>
+                <a:latin typeface="Arial" charset="0"/>
+                <a:ea typeface="+mn-ea"/>
+                <a:cs typeface="+mn-cs"/>
+              </a:rPr>
+              <a:t> </a:t>
+            </a:r>
+            <a:r>
+              <a:rPr lang="ko-KR" altLang="ko-KR" sz="1200" kern="1200" dirty="0" smtClean="0">
+                <a:solidFill>
+                  <a:schemeClr val="tx1"/>
+                </a:solidFill>
+                <a:latin typeface="Arial" charset="0"/>
+                <a:ea typeface="+mn-ea"/>
+                <a:cs typeface="+mn-cs"/>
+              </a:rPr>
+              <a:t>어플리케이션을 구현 했습니다</a:t>
+            </a:r>
+            <a:r>
+              <a:rPr lang="en-US" altLang="ko-KR" sz="1200" kern="1200" dirty="0" smtClean="0">
+                <a:solidFill>
+                  <a:schemeClr val="tx1"/>
+                </a:solidFill>
+                <a:latin typeface="Arial" charset="0"/>
+                <a:ea typeface="+mn-ea"/>
+                <a:cs typeface="+mn-cs"/>
+              </a:rPr>
+              <a:t>. </a:t>
+            </a:r>
+            <a:r>
+              <a:rPr lang="ko-KR" altLang="ko-KR" sz="1200" kern="1200" dirty="0" smtClean="0">
+                <a:solidFill>
+                  <a:schemeClr val="tx1"/>
+                </a:solidFill>
+                <a:latin typeface="Arial" charset="0"/>
+                <a:ea typeface="+mn-ea"/>
+                <a:cs typeface="+mn-cs"/>
+              </a:rPr>
+              <a:t>좌측이 </a:t>
+            </a:r>
+            <a:r>
+              <a:rPr lang="en-US" altLang="ko-KR" sz="1200" kern="1200" dirty="0" err="1" smtClean="0">
+                <a:solidFill>
+                  <a:schemeClr val="tx1"/>
+                </a:solidFill>
+                <a:latin typeface="Arial" charset="0"/>
+                <a:ea typeface="+mn-ea"/>
+                <a:cs typeface="+mn-cs"/>
+              </a:rPr>
+              <a:t>KatalkPCLinker</a:t>
+            </a:r>
+            <a:r>
+              <a:rPr lang="ko-KR" altLang="ko-KR" sz="1200" kern="1200" dirty="0" smtClean="0">
+                <a:solidFill>
+                  <a:schemeClr val="tx1"/>
+                </a:solidFill>
+                <a:latin typeface="Arial" charset="0"/>
+                <a:ea typeface="+mn-ea"/>
+                <a:cs typeface="+mn-cs"/>
+              </a:rPr>
+              <a:t>의 모습이고</a:t>
+            </a:r>
+            <a:r>
+              <a:rPr lang="en-US" altLang="ko-KR" sz="1200" kern="1200" dirty="0" smtClean="0">
+                <a:solidFill>
+                  <a:schemeClr val="tx1"/>
+                </a:solidFill>
+                <a:latin typeface="Arial" charset="0"/>
+                <a:ea typeface="+mn-ea"/>
+                <a:cs typeface="+mn-cs"/>
+              </a:rPr>
               <a:t>, </a:t>
             </a:r>
             <a:r>
-              <a:rPr lang="ko-KR" altLang="en-US" sz="1200" kern="1200" dirty="0" smtClean="0">
-                <a:solidFill>
-                  <a:schemeClr val="tx1"/>
-                </a:solidFill>
-                <a:latin typeface="Arial" charset="0"/>
-                <a:ea typeface="+mn-ea"/>
-                <a:cs typeface="+mn-cs"/>
-              </a:rPr>
-              <a:t>문자메시지를 사용할 수 있습니다</a:t>
+              <a:rPr lang="ko-KR" altLang="ko-KR" sz="1200" kern="1200" dirty="0" smtClean="0">
+                <a:solidFill>
+                  <a:schemeClr val="tx1"/>
+                </a:solidFill>
+                <a:latin typeface="Arial" charset="0"/>
+                <a:ea typeface="+mn-ea"/>
+                <a:cs typeface="+mn-cs"/>
+              </a:rPr>
+              <a:t>우측이 </a:t>
+            </a:r>
+            <a:r>
+              <a:rPr lang="en-US" altLang="ko-KR" sz="1200" kern="1200" dirty="0" err="1" smtClean="0">
+                <a:solidFill>
+                  <a:schemeClr val="tx1"/>
+                </a:solidFill>
+                <a:latin typeface="Arial" charset="0"/>
+                <a:ea typeface="+mn-ea"/>
+                <a:cs typeface="+mn-cs"/>
+              </a:rPr>
+              <a:t>LTouchPad</a:t>
+            </a:r>
+            <a:r>
+              <a:rPr lang="ko-KR" altLang="ko-KR" sz="1200" kern="1200" dirty="0" smtClean="0">
+                <a:solidFill>
+                  <a:schemeClr val="tx1"/>
+                </a:solidFill>
+                <a:latin typeface="Arial" charset="0"/>
+                <a:ea typeface="+mn-ea"/>
+                <a:cs typeface="+mn-cs"/>
+              </a:rPr>
+              <a:t>의 모습입니다</a:t>
             </a:r>
             <a:r>
               <a:rPr lang="en-US" altLang="ko-KR" sz="1200" kern="1200" dirty="0" smtClean="0">
@@ -1728,161 +1821,7 @@
               </a:rPr>
               <a:t>. </a:t>
             </a:r>
-            <a:r>
-              <a:rPr lang="ko-KR" altLang="en-US" sz="1200" kern="1200" dirty="0" smtClean="0">
-                <a:solidFill>
-                  <a:schemeClr val="tx1"/>
-                </a:solidFill>
-                <a:latin typeface="Arial" charset="0"/>
-                <a:ea typeface="+mn-ea"/>
-                <a:cs typeface="+mn-cs"/>
-              </a:rPr>
-              <a:t>그리고</a:t>
-            </a:r>
-            <a:r>
-              <a:rPr lang="en-US" altLang="ko-KR" sz="1200" kern="1200" dirty="0" smtClean="0">
-                <a:solidFill>
-                  <a:schemeClr val="tx1"/>
-                </a:solidFill>
-                <a:latin typeface="Arial" charset="0"/>
-                <a:ea typeface="+mn-ea"/>
-                <a:cs typeface="+mn-cs"/>
-              </a:rPr>
-              <a:t> </a:t>
-            </a:r>
-            <a:r>
-              <a:rPr lang="ko-KR" altLang="en-US" sz="1200" kern="1200" dirty="0" smtClean="0">
-                <a:solidFill>
-                  <a:schemeClr val="tx1"/>
-                </a:solidFill>
-                <a:latin typeface="Arial" charset="0"/>
-                <a:ea typeface="+mn-ea"/>
-                <a:cs typeface="+mn-cs"/>
-              </a:rPr>
-              <a:t>카메라로 찍은 사진을 바로 </a:t>
-            </a:r>
-            <a:r>
-              <a:rPr lang="en-US" altLang="ko-KR" sz="1200" kern="1200" dirty="0" smtClean="0">
-                <a:solidFill>
-                  <a:schemeClr val="tx1"/>
-                </a:solidFill>
-                <a:latin typeface="Arial" charset="0"/>
-                <a:ea typeface="+mn-ea"/>
-                <a:cs typeface="+mn-cs"/>
-              </a:rPr>
-              <a:t>PC</a:t>
-            </a:r>
-            <a:r>
-              <a:rPr lang="ko-KR" altLang="en-US" sz="1200" kern="1200" dirty="0" smtClean="0">
-                <a:solidFill>
-                  <a:schemeClr val="tx1"/>
-                </a:solidFill>
-                <a:latin typeface="Arial" charset="0"/>
-                <a:ea typeface="+mn-ea"/>
-                <a:cs typeface="+mn-cs"/>
-              </a:rPr>
-              <a:t>에 저장하는 서비스를 만들 수 있고</a:t>
-            </a:r>
-            <a:r>
-              <a:rPr lang="en-US" altLang="ko-KR" sz="1200" kern="1200" dirty="0" smtClean="0">
-                <a:solidFill>
-                  <a:schemeClr val="tx1"/>
-                </a:solidFill>
-                <a:latin typeface="Arial" charset="0"/>
-                <a:ea typeface="+mn-ea"/>
-                <a:cs typeface="+mn-cs"/>
-              </a:rPr>
-              <a:t>,</a:t>
-            </a:r>
-            <a:r>
-              <a:rPr lang="ko-KR" altLang="en-US" sz="1200" kern="1200" dirty="0" smtClean="0">
-                <a:solidFill>
-                  <a:schemeClr val="tx1"/>
-                </a:solidFill>
-                <a:latin typeface="Arial" charset="0"/>
-                <a:ea typeface="+mn-ea"/>
-                <a:cs typeface="+mn-cs"/>
-              </a:rPr>
-              <a:t> </a:t>
-            </a:r>
-            <a:r>
-              <a:rPr lang="ko-KR" altLang="en-US" sz="1200" kern="1200" dirty="0" err="1" smtClean="0">
-                <a:solidFill>
-                  <a:schemeClr val="tx1"/>
-                </a:solidFill>
-                <a:latin typeface="Arial" charset="0"/>
-                <a:ea typeface="+mn-ea"/>
-                <a:cs typeface="+mn-cs"/>
-              </a:rPr>
-              <a:t>스마트폰을</a:t>
-            </a:r>
-            <a:r>
-              <a:rPr lang="ko-KR" altLang="en-US" sz="1200" kern="1200" dirty="0" smtClean="0">
-                <a:solidFill>
-                  <a:schemeClr val="tx1"/>
-                </a:solidFill>
-                <a:latin typeface="Arial" charset="0"/>
-                <a:ea typeface="+mn-ea"/>
-                <a:cs typeface="+mn-cs"/>
-              </a:rPr>
-              <a:t> 터치패드로 쓸 수도 있습니다</a:t>
-            </a:r>
-            <a:r>
-              <a:rPr lang="en-US" altLang="ko-KR" sz="1200" kern="1200" dirty="0" smtClean="0">
-                <a:solidFill>
-                  <a:schemeClr val="tx1"/>
-                </a:solidFill>
-                <a:latin typeface="Arial" charset="0"/>
-                <a:ea typeface="+mn-ea"/>
-                <a:cs typeface="+mn-cs"/>
-              </a:rPr>
-              <a:t>. </a:t>
-            </a:r>
-            <a:r>
-              <a:rPr lang="ko-KR" altLang="en-US" sz="1200" kern="1200" dirty="0" smtClean="0">
-                <a:solidFill>
-                  <a:schemeClr val="tx1"/>
-                </a:solidFill>
-                <a:latin typeface="Arial" charset="0"/>
-                <a:ea typeface="+mn-ea"/>
-                <a:cs typeface="+mn-cs"/>
-              </a:rPr>
-              <a:t>이 외에도 스마트폰의 수 많은 다른 기능들을 </a:t>
-            </a:r>
-            <a:r>
-              <a:rPr lang="en-US" altLang="ko-KR" sz="1200" kern="1200" dirty="0" smtClean="0">
-                <a:solidFill>
-                  <a:schemeClr val="tx1"/>
-                </a:solidFill>
-                <a:latin typeface="Arial" charset="0"/>
-                <a:ea typeface="+mn-ea"/>
-                <a:cs typeface="+mn-cs"/>
-              </a:rPr>
-              <a:t>PC</a:t>
-            </a:r>
-            <a:r>
-              <a:rPr lang="ko-KR" altLang="en-US" sz="1200" kern="1200" dirty="0" smtClean="0">
-                <a:solidFill>
-                  <a:schemeClr val="tx1"/>
-                </a:solidFill>
-                <a:latin typeface="Arial" charset="0"/>
-                <a:ea typeface="+mn-ea"/>
-                <a:cs typeface="+mn-cs"/>
-              </a:rPr>
-              <a:t>에서 사용할 수 있습니다</a:t>
-            </a:r>
-            <a:r>
-              <a:rPr lang="en-US" altLang="ko-KR" sz="1200" kern="1200" dirty="0" smtClean="0">
-                <a:solidFill>
-                  <a:schemeClr val="tx1"/>
-                </a:solidFill>
-                <a:latin typeface="Arial" charset="0"/>
-                <a:ea typeface="+mn-ea"/>
-                <a:cs typeface="+mn-cs"/>
-              </a:rPr>
-              <a:t>.</a:t>
-            </a:r>
-            <a:endParaRPr lang="ko-KR" altLang="en-US" sz="1200" kern="1200" dirty="0" smtClean="0">
+            <a:endParaRPr lang="ko-KR" altLang="ko-KR" sz="1200" kern="1200" dirty="0">
               <a:solidFill>
                 <a:schemeClr val="tx1"/>
               </a:solidFill>
@@ -1890,9 +1829,6 @@
               <a:ea typeface="+mn-ea"/>
               <a:cs typeface="+mn-cs"/>
             </a:endParaRPr>
-          </a:p>
-          <a:p>
-            <a:endParaRPr lang="ko-KR" altLang="en-US" dirty="0"/>
           </a:p>
         </p:txBody>
       </p:sp>
@@ -1974,16 +1910,143 @@
           </a:bodyPr>
           <a:lstStyle/>
           <a:p>
-            <a:r>
-              <a:rPr lang="ko-KR" altLang="ko-KR" sz="1200" kern="1200" dirty="0" smtClean="0">
-                <a:solidFill>
-                  <a:schemeClr val="tx1"/>
-                </a:solidFill>
-                <a:latin typeface="Arial" charset="0"/>
-                <a:ea typeface="+mn-ea"/>
-                <a:cs typeface="+mn-cs"/>
-              </a:rPr>
-              <a:t>저희는</a:t>
+            <a:pPr marL="0" marR="0" indent="0" algn="just" defTabSz="914400" rtl="0" eaLnBrk="1" fontAlgn="base" latinLnBrk="0" hangingPunct="1">
+              <a:lnSpc>
+                <a:spcPct val="100000"/>
+              </a:lnSpc>
+              <a:spcBef>
+                <a:spcPct val="30000"/>
+              </a:spcBef>
+              <a:spcAft>
+                <a:spcPct val="0"/>
+              </a:spcAft>
+              <a:buClrTx/>
+              <a:buSzTx/>
+              <a:buFontTx/>
+              <a:buNone/>
+              <a:tabLst/>
+              <a:defRPr/>
+            </a:pPr>
+            <a:r>
+              <a:rPr lang="en-US" altLang="ko-KR" sz="1200" kern="1200" dirty="0" err="1" smtClean="0">
+                <a:solidFill>
+                  <a:schemeClr val="tx1"/>
+                </a:solidFill>
+                <a:latin typeface="Arial" charset="0"/>
+                <a:ea typeface="+mn-ea"/>
+                <a:cs typeface="+mn-cs"/>
+              </a:rPr>
+              <a:t>KatalkPCLinker</a:t>
+            </a:r>
+            <a:r>
+              <a:rPr lang="ko-KR" altLang="en-US" sz="1200" kern="1200" dirty="0" smtClean="0">
+                <a:solidFill>
+                  <a:schemeClr val="tx1"/>
+                </a:solidFill>
+                <a:latin typeface="Arial" charset="0"/>
+                <a:ea typeface="+mn-ea"/>
+                <a:cs typeface="+mn-cs"/>
+              </a:rPr>
+              <a:t>로 </a:t>
+            </a:r>
+            <a:r>
+              <a:rPr lang="en-US" altLang="ko-KR" sz="1200" kern="1200" baseline="0" dirty="0" smtClean="0">
+                <a:solidFill>
+                  <a:schemeClr val="tx1"/>
+                </a:solidFill>
+                <a:latin typeface="Arial" charset="0"/>
+                <a:ea typeface="+mn-ea"/>
+                <a:cs typeface="+mn-cs"/>
+              </a:rPr>
+              <a:t>PC</a:t>
+            </a:r>
+            <a:r>
+              <a:rPr lang="ko-KR" altLang="en-US" sz="1200" kern="1200" baseline="0" dirty="0" smtClean="0">
+                <a:solidFill>
+                  <a:schemeClr val="tx1"/>
+                </a:solidFill>
+                <a:latin typeface="Arial" charset="0"/>
+                <a:ea typeface="+mn-ea"/>
+                <a:cs typeface="+mn-cs"/>
+              </a:rPr>
+              <a:t>에서 키보드로 스마트폰을 조작 할 수 있어서 </a:t>
+            </a:r>
+            <a:r>
+              <a:rPr lang="ko-KR" altLang="en-US" sz="1200" kern="1200" baseline="0" dirty="0" err="1" smtClean="0">
+                <a:solidFill>
+                  <a:schemeClr val="tx1"/>
+                </a:solidFill>
+                <a:latin typeface="Arial" charset="0"/>
+                <a:ea typeface="+mn-ea"/>
+                <a:cs typeface="+mn-cs"/>
+              </a:rPr>
+              <a:t>카카오톡과</a:t>
+            </a:r>
+            <a:r>
+              <a:rPr lang="ko-KR" altLang="en-US" sz="1200" kern="1200" baseline="0" dirty="0" smtClean="0">
+                <a:solidFill>
+                  <a:schemeClr val="tx1"/>
+                </a:solidFill>
+                <a:latin typeface="Arial" charset="0"/>
+                <a:ea typeface="+mn-ea"/>
+                <a:cs typeface="+mn-cs"/>
+              </a:rPr>
+              <a:t> 다른 어플리케이션을 실행할 수 있습니다</a:t>
+            </a:r>
+            <a:r>
+              <a:rPr lang="en-US" altLang="ko-KR" sz="1200" kern="1200" baseline="0" dirty="0" smtClean="0">
+                <a:solidFill>
+                  <a:schemeClr val="tx1"/>
+                </a:solidFill>
+                <a:latin typeface="Arial" charset="0"/>
+                <a:ea typeface="+mn-ea"/>
+                <a:cs typeface="+mn-cs"/>
+              </a:rPr>
+              <a:t>. </a:t>
+            </a:r>
+            <a:r>
+              <a:rPr lang="en-US" altLang="ko-KR" sz="1200" kern="1200" baseline="0" dirty="0" err="1" smtClean="0">
+                <a:solidFill>
+                  <a:schemeClr val="tx1"/>
+                </a:solidFill>
+                <a:latin typeface="Arial" charset="0"/>
+                <a:ea typeface="+mn-ea"/>
+                <a:cs typeface="+mn-cs"/>
+              </a:rPr>
+              <a:t>KatalkPCLinker</a:t>
+            </a:r>
+            <a:r>
+              <a:rPr lang="ko-KR" altLang="en-US" sz="1200" kern="1200" baseline="0" dirty="0" smtClean="0">
+                <a:solidFill>
+                  <a:schemeClr val="tx1"/>
+                </a:solidFill>
+                <a:latin typeface="Arial" charset="0"/>
+                <a:ea typeface="+mn-ea"/>
+                <a:cs typeface="+mn-cs"/>
+              </a:rPr>
+              <a:t>는 </a:t>
+            </a:r>
+            <a:r>
+              <a:rPr lang="en-US" altLang="ko-KR" sz="1200" kern="1200" baseline="0" dirty="0" smtClean="0">
+                <a:solidFill>
+                  <a:schemeClr val="tx1"/>
+                </a:solidFill>
+                <a:latin typeface="Arial" charset="0"/>
+                <a:ea typeface="+mn-ea"/>
+                <a:cs typeface="+mn-cs"/>
+              </a:rPr>
+              <a:t>PC</a:t>
+            </a:r>
+            <a:r>
+              <a:rPr lang="ko-KR" altLang="en-US" sz="1200" kern="1200" baseline="0" dirty="0" smtClean="0">
+                <a:solidFill>
+                  <a:schemeClr val="tx1"/>
+                </a:solidFill>
+                <a:latin typeface="Arial" charset="0"/>
+                <a:ea typeface="+mn-ea"/>
+                <a:cs typeface="+mn-cs"/>
+              </a:rPr>
+              <a:t>에 </a:t>
             </a:r>
             <a:r>
               <a:rPr lang="en-US" altLang="ko-KR" sz="1200" kern="1200" dirty="0" smtClean="0">
@@ -1994,236 +2057,119 @@
                 <a:ea typeface="+mn-ea"/>
                 <a:cs typeface="+mn-cs"/>
               </a:rPr>
-              <a:t> Android-USB </a:t>
-            </a:r>
-            <a:r>
-              <a:rPr lang="ko-KR" altLang="ko-KR" sz="1200" kern="1200" dirty="0" smtClean="0">
-                <a:solidFill>
-                  <a:schemeClr val="tx1"/>
-                </a:solidFill>
-                <a:latin typeface="Arial" charset="0"/>
-                <a:ea typeface="+mn-ea"/>
-                <a:cs typeface="+mn-cs"/>
-              </a:rPr>
-              <a:t>프로젝트를 활용해서</a:t>
-            </a:r>
-            <a:r>
-              <a:rPr lang="en-US" altLang="ko-KR" sz="1200" kern="1200" dirty="0" smtClean="0">
-                <a:solidFill>
-                  <a:schemeClr val="tx1"/>
-                </a:solidFill>
-                <a:latin typeface="Arial" charset="0"/>
-                <a:ea typeface="+mn-ea"/>
-                <a:cs typeface="+mn-cs"/>
-              </a:rPr>
-              <a:t> PC</a:t>
-            </a:r>
-            <a:r>
-              <a:rPr lang="ko-KR" altLang="ko-KR" sz="1200" kern="1200" dirty="0" smtClean="0">
-                <a:solidFill>
-                  <a:schemeClr val="tx1"/>
-                </a:solidFill>
-                <a:latin typeface="Arial" charset="0"/>
-                <a:ea typeface="+mn-ea"/>
-                <a:cs typeface="+mn-cs"/>
-              </a:rPr>
-              <a:t>에서 카카오톡을 쓸 수 있도록 연결하는 </a:t>
-            </a:r>
-            <a:r>
-              <a:rPr lang="en-US" altLang="ko-KR" sz="1200" kern="1200" dirty="0" err="1" smtClean="0">
-                <a:solidFill>
-                  <a:schemeClr val="tx1"/>
-                </a:solidFill>
-                <a:latin typeface="Arial" charset="0"/>
-                <a:ea typeface="+mn-ea"/>
-                <a:cs typeface="+mn-cs"/>
-              </a:rPr>
-              <a:t>KatalkPCLinker</a:t>
-            </a:r>
-            <a:r>
-              <a:rPr lang="ko-KR" altLang="ko-KR" sz="1200" kern="1200" dirty="0" smtClean="0">
-                <a:solidFill>
-                  <a:schemeClr val="tx1"/>
-                </a:solidFill>
-                <a:latin typeface="Arial" charset="0"/>
-                <a:ea typeface="+mn-ea"/>
-                <a:cs typeface="+mn-cs"/>
-              </a:rPr>
-              <a:t>서비스와 </a:t>
-            </a:r>
-            <a:r>
-              <a:rPr lang="ko-KR" altLang="ko-KR" sz="1200" kern="1200" dirty="0" err="1" smtClean="0">
-                <a:solidFill>
-                  <a:schemeClr val="tx1"/>
-                </a:solidFill>
-                <a:latin typeface="Arial" charset="0"/>
-                <a:ea typeface="+mn-ea"/>
-                <a:cs typeface="+mn-cs"/>
-              </a:rPr>
-              <a:t>스마트폰을</a:t>
-            </a:r>
-            <a:r>
-              <a:rPr lang="ko-KR" altLang="ko-KR" sz="1200" kern="1200" dirty="0" smtClean="0">
-                <a:solidFill>
-                  <a:schemeClr val="tx1"/>
-                </a:solidFill>
-                <a:latin typeface="Arial" charset="0"/>
-                <a:ea typeface="+mn-ea"/>
-                <a:cs typeface="+mn-cs"/>
-              </a:rPr>
-              <a:t> 터치패드로 사용할 수 있는</a:t>
-            </a:r>
-            <a:r>
-              <a:rPr lang="en-US" altLang="ko-KR" sz="1200" kern="1200" dirty="0" smtClean="0">
-                <a:solidFill>
-                  <a:schemeClr val="tx1"/>
-                </a:solidFill>
-                <a:latin typeface="Arial" charset="0"/>
-                <a:ea typeface="+mn-ea"/>
-                <a:cs typeface="+mn-cs"/>
-              </a:rPr>
-              <a:t> </a:t>
-            </a:r>
-            <a:r>
-              <a:rPr lang="en-US" altLang="ko-KR" sz="1200" kern="1200" dirty="0" err="1" smtClean="0">
-                <a:solidFill>
-                  <a:schemeClr val="tx1"/>
-                </a:solidFill>
-                <a:latin typeface="Arial" charset="0"/>
-                <a:ea typeface="+mn-ea"/>
-                <a:cs typeface="+mn-cs"/>
-              </a:rPr>
-              <a:t>LTouchPad</a:t>
-            </a:r>
-            <a:r>
-              <a:rPr lang="en-US" altLang="ko-KR" sz="1200" kern="1200" dirty="0" smtClean="0">
-                <a:solidFill>
-                  <a:schemeClr val="tx1"/>
-                </a:solidFill>
-                <a:latin typeface="Arial" charset="0"/>
-                <a:ea typeface="+mn-ea"/>
-                <a:cs typeface="+mn-cs"/>
-              </a:rPr>
-              <a:t> </a:t>
-            </a:r>
-            <a:r>
-              <a:rPr lang="ko-KR" altLang="ko-KR" sz="1200" kern="1200" dirty="0" smtClean="0">
-                <a:solidFill>
-                  <a:schemeClr val="tx1"/>
-                </a:solidFill>
-                <a:latin typeface="Arial" charset="0"/>
-                <a:ea typeface="+mn-ea"/>
-                <a:cs typeface="+mn-cs"/>
-              </a:rPr>
-              <a:t>어플리케이션을 구현 했습니다</a:t>
-            </a:r>
-            <a:r>
-              <a:rPr lang="en-US" altLang="ko-KR" sz="1200" kern="1200" dirty="0" smtClean="0">
-                <a:solidFill>
-                  <a:schemeClr val="tx1"/>
-                </a:solidFill>
-                <a:latin typeface="Arial" charset="0"/>
-                <a:ea typeface="+mn-ea"/>
-                <a:cs typeface="+mn-cs"/>
-              </a:rPr>
-              <a:t>. </a:t>
-            </a:r>
-            <a:r>
-              <a:rPr lang="ko-KR" altLang="ko-KR" sz="1200" kern="1200" dirty="0" smtClean="0">
-                <a:solidFill>
-                  <a:schemeClr val="tx1"/>
-                </a:solidFill>
-                <a:latin typeface="Arial" charset="0"/>
-                <a:ea typeface="+mn-ea"/>
-                <a:cs typeface="+mn-cs"/>
-              </a:rPr>
-              <a:t>좌측이 </a:t>
-            </a:r>
-            <a:r>
-              <a:rPr lang="en-US" altLang="ko-KR" sz="1200" kern="1200" dirty="0" err="1" smtClean="0">
-                <a:solidFill>
-                  <a:schemeClr val="tx1"/>
-                </a:solidFill>
-                <a:latin typeface="Arial" charset="0"/>
-                <a:ea typeface="+mn-ea"/>
-                <a:cs typeface="+mn-cs"/>
-              </a:rPr>
-              <a:t>KatalkPCLinker</a:t>
-            </a:r>
-            <a:r>
-              <a:rPr lang="ko-KR" altLang="ko-KR" sz="1200" kern="1200" dirty="0" smtClean="0">
-                <a:solidFill>
-                  <a:schemeClr val="tx1"/>
-                </a:solidFill>
-                <a:latin typeface="Arial" charset="0"/>
-                <a:ea typeface="+mn-ea"/>
-                <a:cs typeface="+mn-cs"/>
-              </a:rPr>
-              <a:t>의 모습이고</a:t>
-            </a:r>
-            <a:r>
-              <a:rPr lang="en-US" altLang="ko-KR" sz="1200" kern="1200" dirty="0" smtClean="0">
-                <a:solidFill>
-                  <a:schemeClr val="tx1"/>
-                </a:solidFill>
-                <a:latin typeface="Arial" charset="0"/>
-                <a:ea typeface="+mn-ea"/>
-                <a:cs typeface="+mn-cs"/>
-              </a:rPr>
-              <a:t>, </a:t>
-            </a:r>
-            <a:r>
-              <a:rPr lang="ko-KR" altLang="ko-KR" sz="1200" kern="1200" dirty="0" smtClean="0">
-                <a:solidFill>
-                  <a:schemeClr val="tx1"/>
-                </a:solidFill>
-                <a:latin typeface="Arial" charset="0"/>
-                <a:ea typeface="+mn-ea"/>
-                <a:cs typeface="+mn-cs"/>
-              </a:rPr>
-              <a:t>우측이 </a:t>
-            </a:r>
-            <a:r>
-              <a:rPr lang="en-US" altLang="ko-KR" sz="1200" kern="1200" dirty="0" err="1" smtClean="0">
-                <a:solidFill>
-                  <a:schemeClr val="tx1"/>
-                </a:solidFill>
-                <a:latin typeface="Arial" charset="0"/>
-                <a:ea typeface="+mn-ea"/>
-                <a:cs typeface="+mn-cs"/>
-              </a:rPr>
-              <a:t>LTouchPad</a:t>
-            </a:r>
-            <a:r>
-              <a:rPr lang="ko-KR" altLang="ko-KR" sz="1200" kern="1200" dirty="0" smtClean="0">
-                <a:solidFill>
-                  <a:schemeClr val="tx1"/>
-                </a:solidFill>
-                <a:latin typeface="Arial" charset="0"/>
-                <a:ea typeface="+mn-ea"/>
-                <a:cs typeface="+mn-cs"/>
-              </a:rPr>
-              <a:t>의 모습입니다</a:t>
-            </a:r>
-            <a:r>
-              <a:rPr lang="en-US" altLang="ko-KR" sz="1200" kern="1200" dirty="0" smtClean="0">
-                <a:solidFill>
-                  <a:schemeClr val="tx1"/>
-                </a:solidFill>
-                <a:latin typeface="Arial" charset="0"/>
-                <a:ea typeface="+mn-ea"/>
-                <a:cs typeface="+mn-cs"/>
-              </a:rPr>
-              <a:t>. </a:t>
-            </a:r>
-            <a:endParaRPr lang="ko-KR" altLang="ko-KR" sz="1200" kern="1200" dirty="0">
-              <a:solidFill>
-                <a:schemeClr val="tx1"/>
-              </a:solidFill>
-              <a:latin typeface="Arial" charset="0"/>
-              <a:ea typeface="+mn-ea"/>
-              <a:cs typeface="+mn-cs"/>
-            </a:endParaRPr>
+              <a:t>USB</a:t>
+            </a:r>
+            <a:r>
+              <a:rPr lang="ko-KR" altLang="en-US" sz="1200" kern="1200" dirty="0" smtClean="0">
+                <a:solidFill>
+                  <a:schemeClr val="tx1"/>
+                </a:solidFill>
+                <a:latin typeface="Arial" charset="0"/>
+                <a:ea typeface="+mn-ea"/>
+                <a:cs typeface="+mn-cs"/>
+              </a:rPr>
+              <a:t>카메라로 인식돼서 어플리케이션의 수정 없이 </a:t>
+            </a:r>
+            <a:r>
+              <a:rPr lang="ko-KR" altLang="en-US" sz="1200" kern="1200" dirty="0" err="1" smtClean="0">
+                <a:solidFill>
+                  <a:schemeClr val="tx1"/>
+                </a:solidFill>
+                <a:latin typeface="Arial" charset="0"/>
+                <a:ea typeface="+mn-ea"/>
+                <a:cs typeface="+mn-cs"/>
+              </a:rPr>
+              <a:t>카카오톡</a:t>
+            </a:r>
+            <a:r>
+              <a:rPr lang="ko-KR" altLang="en-US" sz="1200" kern="1200" dirty="0" smtClean="0">
+                <a:solidFill>
+                  <a:schemeClr val="tx1"/>
+                </a:solidFill>
+                <a:latin typeface="Arial" charset="0"/>
+                <a:ea typeface="+mn-ea"/>
+                <a:cs typeface="+mn-cs"/>
+              </a:rPr>
+              <a:t> 화면뿐만 아니라 </a:t>
+            </a:r>
+            <a:r>
+              <a:rPr lang="ko-KR" altLang="en-US" sz="1200" kern="1200" baseline="0" dirty="0" err="1" smtClean="0">
+                <a:solidFill>
+                  <a:schemeClr val="tx1"/>
+                </a:solidFill>
+                <a:latin typeface="Arial" charset="0"/>
+                <a:ea typeface="+mn-ea"/>
+                <a:cs typeface="+mn-cs"/>
+              </a:rPr>
+              <a:t>스마트폰의</a:t>
+            </a:r>
+            <a:r>
+              <a:rPr lang="ko-KR" altLang="en-US" sz="1200" kern="1200" baseline="0" dirty="0" smtClean="0">
+                <a:solidFill>
+                  <a:schemeClr val="tx1"/>
+                </a:solidFill>
+                <a:latin typeface="Arial" charset="0"/>
+                <a:ea typeface="+mn-ea"/>
+                <a:cs typeface="+mn-cs"/>
+              </a:rPr>
+              <a:t> 모든 화면을 </a:t>
+            </a:r>
+            <a:r>
+              <a:rPr lang="en-US" altLang="ko-KR" sz="1200" kern="1200" baseline="0" dirty="0" smtClean="0">
+                <a:solidFill>
+                  <a:schemeClr val="tx1"/>
+                </a:solidFill>
+                <a:latin typeface="Arial" charset="0"/>
+                <a:ea typeface="+mn-ea"/>
+                <a:cs typeface="+mn-cs"/>
+              </a:rPr>
+              <a:t>PC</a:t>
+            </a:r>
+            <a:r>
+              <a:rPr lang="ko-KR" altLang="en-US" sz="1200" kern="1200" baseline="0" dirty="0" smtClean="0">
+                <a:solidFill>
+                  <a:schemeClr val="tx1"/>
+                </a:solidFill>
+                <a:latin typeface="Arial" charset="0"/>
+                <a:ea typeface="+mn-ea"/>
+                <a:cs typeface="+mn-cs"/>
+              </a:rPr>
+              <a:t>에서 </a:t>
+            </a:r>
+            <a:r>
+              <a:rPr lang="en-US" altLang="ko-KR" sz="1200" kern="1200" baseline="0" dirty="0" smtClean="0">
+                <a:solidFill>
+                  <a:schemeClr val="tx1"/>
+                </a:solidFill>
+                <a:latin typeface="Arial" charset="0"/>
+                <a:ea typeface="+mn-ea"/>
+                <a:cs typeface="+mn-cs"/>
+              </a:rPr>
+              <a:t>USB</a:t>
+            </a:r>
+            <a:r>
+              <a:rPr lang="ko-KR" altLang="en-US" sz="1200" kern="1200" baseline="0" dirty="0" smtClean="0">
+                <a:solidFill>
+                  <a:schemeClr val="tx1"/>
+                </a:solidFill>
+                <a:latin typeface="Arial" charset="0"/>
+                <a:ea typeface="+mn-ea"/>
+                <a:cs typeface="+mn-cs"/>
+              </a:rPr>
+              <a:t>카메라 영상처럼 볼 수 있습니다</a:t>
+            </a:r>
+            <a:r>
+              <a:rPr lang="en-US" altLang="ko-KR" sz="1200" kern="1200" baseline="0" dirty="0" smtClean="0">
+                <a:solidFill>
+                  <a:schemeClr val="tx1"/>
+                </a:solidFill>
+                <a:latin typeface="Arial" charset="0"/>
+                <a:ea typeface="+mn-ea"/>
+                <a:cs typeface="+mn-cs"/>
+              </a:rPr>
+              <a:t>.</a:t>
+            </a:r>
+            <a:endParaRPr lang="ko-KR" altLang="en-US" dirty="0"/>
           </a:p>
         </p:txBody>
       </p:sp>
@@ -2334,6 +2280,17 @@
               <a:t>KatalkPCLinker</a:t>
             </a:r>
             <a:r>
+              <a:rPr lang="en-US" altLang="ko-KR" sz="1200" kern="1200" dirty="0" smtClean="0">
+                <a:solidFill>
+                  <a:schemeClr val="tx1"/>
+                </a:solidFill>
+                <a:latin typeface="Arial" charset="0"/>
+                <a:ea typeface="+mn-ea"/>
+                <a:cs typeface="+mn-cs"/>
+              </a:rPr>
+              <a:t> </a:t>
+            </a:r>
+            <a:r>
               <a:rPr lang="ko-KR" altLang="en-US" sz="1200" kern="1200" dirty="0" smtClean="0">
                 <a:solidFill>
                   <a:schemeClr val="tx1"/>
@@ -2342,21 +2299,76 @@
                 <a:ea typeface="+mn-ea"/>
                 <a:cs typeface="+mn-cs"/>
               </a:rPr>
-              <a:t>로 </a:t>
-            </a:r>
-            <a:r>
-              <a:rPr lang="en-US" altLang="ko-KR" sz="1200" kern="1200" baseline="0" dirty="0" smtClean="0">
-                <a:solidFill>
-                  <a:schemeClr val="tx1"/>
-                </a:solidFill>
-                <a:latin typeface="Arial" charset="0"/>
-                <a:ea typeface="+mn-ea"/>
-                <a:cs typeface="+mn-cs"/>
-              </a:rPr>
-              <a:t>PC</a:t>
-            </a:r>
-            <a:r>
-              <a:rPr lang="ko-KR" altLang="en-US" sz="1200" kern="1200" baseline="0" dirty="0" smtClean="0">
+              <a:t>서비스의 구조입니다</a:t>
+            </a:r>
+            <a:r>
+              <a:rPr lang="en-US" altLang="ko-KR" sz="1200" kern="1200" dirty="0" smtClean="0">
+                <a:solidFill>
+                  <a:schemeClr val="tx1"/>
+                </a:solidFill>
+                <a:latin typeface="Arial" charset="0"/>
+                <a:ea typeface="+mn-ea"/>
+                <a:cs typeface="+mn-cs"/>
+              </a:rPr>
+              <a:t>. PC</a:t>
+            </a:r>
+            <a:r>
+              <a:rPr lang="ko-KR" altLang="en-US" sz="1200" kern="1200" dirty="0" smtClean="0">
+                <a:solidFill>
+                  <a:schemeClr val="tx1"/>
+                </a:solidFill>
+                <a:latin typeface="Arial" charset="0"/>
+                <a:ea typeface="+mn-ea"/>
+                <a:cs typeface="+mn-cs"/>
+              </a:rPr>
+              <a:t>에서 메시지를 전송하면 스마트폰에서 기본으로 설정된 키보드가 아닌 따로 구현한 소프트웨어 키보드로 입력한 것으로 인식합니다</a:t>
+            </a:r>
+            <a:r>
+              <a:rPr lang="en-US" altLang="ko-KR" sz="1200" kern="1200" dirty="0" smtClean="0">
+                <a:solidFill>
+                  <a:schemeClr val="tx1"/>
+                </a:solidFill>
+                <a:latin typeface="Arial" charset="0"/>
+                <a:ea typeface="+mn-ea"/>
+                <a:cs typeface="+mn-cs"/>
+              </a:rPr>
+              <a:t>. </a:t>
+            </a:r>
+            <a:r>
+              <a:rPr lang="ko-KR" altLang="en-US" sz="1200" kern="1200" dirty="0" err="1" smtClean="0">
+                <a:solidFill>
+                  <a:schemeClr val="tx1"/>
+                </a:solidFill>
+                <a:latin typeface="Arial" charset="0"/>
+                <a:ea typeface="+mn-ea"/>
+                <a:cs typeface="+mn-cs"/>
+              </a:rPr>
+              <a:t>스마트폰</a:t>
+            </a:r>
+            <a:r>
+              <a:rPr lang="ko-KR" altLang="en-US" sz="1200" kern="1200" dirty="0" smtClean="0">
+                <a:solidFill>
+                  <a:schemeClr val="tx1"/>
+                </a:solidFill>
+                <a:latin typeface="Arial" charset="0"/>
+                <a:ea typeface="+mn-ea"/>
+                <a:cs typeface="+mn-cs"/>
+              </a:rPr>
+              <a:t> 화면은</a:t>
+            </a:r>
+            <a:r>
+              <a:rPr lang="en-US" altLang="ko-KR" sz="1200" kern="1200" dirty="0" smtClean="0">
+                <a:solidFill>
+                  <a:schemeClr val="tx1"/>
+                </a:solidFill>
+                <a:latin typeface="Arial" charset="0"/>
+                <a:ea typeface="+mn-ea"/>
+                <a:cs typeface="+mn-cs"/>
+              </a:rPr>
+              <a:t> PC</a:t>
+            </a:r>
+            <a:r>
+              <a:rPr lang="ko-KR" altLang="en-US" sz="1200" kern="1200" dirty="0" smtClean="0">
                 <a:solidFill>
                   <a:schemeClr val="tx1"/>
                 </a:solidFill>
@@ -2367,116 +2379,6 @@
               <a:t>에서 </a:t>
             </a:r>
             <a:r>
-              <a:rPr lang="ko-KR" altLang="en-US" sz="1200" kern="1200" baseline="0" dirty="0" smtClean="0">
-                <a:solidFill>
-                  <a:schemeClr val="tx1"/>
-                </a:solidFill>
-                <a:latin typeface="Arial" charset="0"/>
-                <a:ea typeface="+mn-ea"/>
-                <a:cs typeface="+mn-cs"/>
-              </a:rPr>
-              <a:t>키보드로 스마트폰을 조작 할 수 있어서 </a:t>
-            </a:r>
-            <a:r>
-              <a:rPr lang="ko-KR" altLang="en-US" sz="1200" kern="1200" baseline="0" dirty="0" err="1" smtClean="0">
-                <a:solidFill>
-                  <a:schemeClr val="tx1"/>
-                </a:solidFill>
-                <a:latin typeface="Arial" charset="0"/>
-                <a:ea typeface="+mn-ea"/>
-                <a:cs typeface="+mn-cs"/>
-              </a:rPr>
-              <a:t>카카오톡과</a:t>
-            </a:r>
-            <a:r>
-              <a:rPr lang="ko-KR" altLang="en-US" sz="1200" kern="1200" baseline="0" dirty="0" smtClean="0">
-                <a:solidFill>
-                  <a:schemeClr val="tx1"/>
-                </a:solidFill>
-                <a:latin typeface="Arial" charset="0"/>
-                <a:ea typeface="+mn-ea"/>
-                <a:cs typeface="+mn-cs"/>
-              </a:rPr>
-              <a:t> 다른 어플리케이션을 </a:t>
-            </a:r>
-            <a:r>
-              <a:rPr lang="ko-KR" altLang="en-US" sz="1200" kern="1200" baseline="0" dirty="0" smtClean="0">
-                <a:solidFill>
-                  <a:schemeClr val="tx1"/>
-                </a:solidFill>
-                <a:latin typeface="Arial" charset="0"/>
-                <a:ea typeface="+mn-ea"/>
-                <a:cs typeface="+mn-cs"/>
-              </a:rPr>
-              <a:t>실행할 수 </a:t>
-            </a:r>
-            <a:r>
-              <a:rPr lang="ko-KR" altLang="en-US" sz="1200" kern="1200" baseline="0" dirty="0" smtClean="0">
-                <a:solidFill>
-                  <a:schemeClr val="tx1"/>
-                </a:solidFill>
-                <a:latin typeface="Arial" charset="0"/>
-                <a:ea typeface="+mn-ea"/>
-                <a:cs typeface="+mn-cs"/>
-              </a:rPr>
-              <a:t>있습니다</a:t>
-            </a:r>
-            <a:r>
-              <a:rPr lang="en-US" altLang="ko-KR" sz="1200" kern="1200" baseline="0" dirty="0" smtClean="0">
-                <a:solidFill>
-                  <a:schemeClr val="tx1"/>
-                </a:solidFill>
-                <a:latin typeface="Arial" charset="0"/>
-                <a:ea typeface="+mn-ea"/>
-                <a:cs typeface="+mn-cs"/>
-              </a:rPr>
-              <a:t>. </a:t>
-            </a:r>
-            <a:r>
-              <a:rPr lang="en-US" altLang="ko-KR" sz="1200" kern="1200" baseline="0" dirty="0" err="1" smtClean="0">
-                <a:solidFill>
-                  <a:schemeClr val="tx1"/>
-                </a:solidFill>
-                <a:latin typeface="Arial" charset="0"/>
-                <a:ea typeface="+mn-ea"/>
-                <a:cs typeface="+mn-cs"/>
-              </a:rPr>
-              <a:t>KatalkPCLinker</a:t>
-            </a:r>
-            <a:r>
-              <a:rPr lang="ko-KR" altLang="en-US" sz="1200" kern="1200" baseline="0" dirty="0" smtClean="0">
-                <a:solidFill>
-                  <a:schemeClr val="tx1"/>
-                </a:solidFill>
-                <a:latin typeface="Arial" charset="0"/>
-                <a:ea typeface="+mn-ea"/>
-                <a:cs typeface="+mn-cs"/>
-              </a:rPr>
-              <a:t>는 </a:t>
-            </a:r>
-            <a:r>
-              <a:rPr lang="en-US" altLang="ko-KR" sz="1200" kern="1200" baseline="0" dirty="0" smtClean="0">
-                <a:solidFill>
-                  <a:schemeClr val="tx1"/>
-                </a:solidFill>
-                <a:latin typeface="Arial" charset="0"/>
-                <a:ea typeface="+mn-ea"/>
-                <a:cs typeface="+mn-cs"/>
-              </a:rPr>
-              <a:t>PC</a:t>
-            </a:r>
-            <a:r>
-              <a:rPr lang="ko-KR" altLang="en-US" sz="1200" kern="1200" baseline="0" dirty="0" smtClean="0">
-                <a:solidFill>
-                  <a:schemeClr val="tx1"/>
-                </a:solidFill>
-                <a:latin typeface="Arial" charset="0"/>
-                <a:ea typeface="+mn-ea"/>
-                <a:cs typeface="+mn-cs"/>
-              </a:rPr>
-              <a:t>에 </a:t>
-            </a:r>
-            <a:r>
               <a:rPr lang="en-US" altLang="ko-KR" sz="1200" kern="1200" dirty="0" smtClean="0">
                 <a:solidFill>
                   <a:schemeClr val="tx1"/>
@@ -2496,7 +2398,7 @@
                 <a:ea typeface="+mn-ea"/>
                 <a:cs typeface="+mn-cs"/>
               </a:rPr>
-              <a:t>카메라로 인식돼서 어플리케이션의 수정 없이 </a:t>
+              <a:t>카메라 장치로 인식돼서 </a:t>
             </a:r>
             <a:r>
               <a:rPr lang="ko-KR" altLang="en-US" sz="1200" kern="1200" dirty="0" err="1" smtClean="0">
@@ -2507,7 +2409,7 @@
                 <a:ea typeface="+mn-ea"/>
                 <a:cs typeface="+mn-cs"/>
               </a:rPr>
-              <a:t>카카오톡</a:t>
+              <a:t>스마트폰의</a:t>
             </a:r>
             <a:r>
               <a:rPr lang="ko-KR" altLang="en-US" sz="1200" kern="1200" dirty="0" smtClean="0">
@@ -2518,76 +2420,10 @@
                 <a:ea typeface="+mn-ea"/>
                 <a:cs typeface="+mn-cs"/>
               </a:rPr>
-              <a:t> 화면뿐만 아니라 </a:t>
-            </a:r>
-            <a:r>
-              <a:rPr lang="ko-KR" altLang="en-US" sz="1200" kern="1200" baseline="0" dirty="0" err="1" smtClean="0">
-                <a:solidFill>
-                  <a:schemeClr val="tx1"/>
-                </a:solidFill>
-                <a:latin typeface="Arial" charset="0"/>
-                <a:ea typeface="+mn-ea"/>
-                <a:cs typeface="+mn-cs"/>
-              </a:rPr>
-              <a:t>스마트폰의</a:t>
-            </a:r>
-            <a:r>
-              <a:rPr lang="ko-KR" altLang="en-US" sz="1200" kern="1200" baseline="0" dirty="0" smtClean="0">
-                <a:solidFill>
-                  <a:schemeClr val="tx1"/>
-                </a:solidFill>
-                <a:latin typeface="Arial" charset="0"/>
-                <a:ea typeface="+mn-ea"/>
-                <a:cs typeface="+mn-cs"/>
-              </a:rPr>
-              <a:t> 모든 화면을 </a:t>
-            </a:r>
-            <a:r>
-              <a:rPr lang="en-US" altLang="ko-KR" sz="1200" kern="1200" baseline="0" dirty="0" smtClean="0">
-                <a:solidFill>
-                  <a:schemeClr val="tx1"/>
-                </a:solidFill>
-                <a:latin typeface="Arial" charset="0"/>
-                <a:ea typeface="+mn-ea"/>
-                <a:cs typeface="+mn-cs"/>
-              </a:rPr>
-              <a:t>PC</a:t>
-            </a:r>
-            <a:r>
-              <a:rPr lang="ko-KR" altLang="en-US" sz="1200" kern="1200" baseline="0" dirty="0" smtClean="0">
-                <a:solidFill>
-                  <a:schemeClr val="tx1"/>
-                </a:solidFill>
-                <a:latin typeface="Arial" charset="0"/>
-                <a:ea typeface="+mn-ea"/>
-                <a:cs typeface="+mn-cs"/>
-              </a:rPr>
-              <a:t>에서 </a:t>
-            </a:r>
-            <a:r>
-              <a:rPr lang="en-US" altLang="ko-KR" sz="1200" kern="1200" baseline="0" dirty="0" smtClean="0">
-                <a:solidFill>
-                  <a:schemeClr val="tx1"/>
-                </a:solidFill>
-                <a:latin typeface="Arial" charset="0"/>
-                <a:ea typeface="+mn-ea"/>
-                <a:cs typeface="+mn-cs"/>
-              </a:rPr>
-              <a:t>USB</a:t>
-            </a:r>
-            <a:r>
-              <a:rPr lang="ko-KR" altLang="en-US" sz="1200" kern="1200" baseline="0" dirty="0" smtClean="0">
-                <a:solidFill>
-                  <a:schemeClr val="tx1"/>
-                </a:solidFill>
-                <a:latin typeface="Arial" charset="0"/>
-                <a:ea typeface="+mn-ea"/>
-                <a:cs typeface="+mn-cs"/>
-              </a:rPr>
-              <a:t>카메라 영상처럼 볼 수 있습니다</a:t>
-            </a:r>
-            <a:r>
-              <a:rPr lang="en-US" altLang="ko-KR" sz="1200" kern="1200" baseline="0" dirty="0" smtClean="0">
+              <a:t> 움직이는 모든 화면을 볼 수 있게 됩니다</a:t>
+            </a:r>
+            <a:r>
+              <a:rPr lang="en-US" altLang="ko-KR" sz="1200" kern="1200" dirty="0" smtClean="0">
                 <a:solidFill>
                   <a:schemeClr val="tx1"/>
                 </a:solidFill>
@@ -2597,6 +2433,33 @@
               </a:rPr>
               <a:t>.</a:t>
             </a:r>
+            <a:endParaRPr lang="ko-KR" altLang="en-US" sz="1200" kern="1200" dirty="0" smtClean="0">
+              <a:solidFill>
+                <a:schemeClr val="tx1"/>
+              </a:solidFill>
+              <a:latin typeface="Arial" charset="0"/>
+              <a:ea typeface="+mn-ea"/>
+              <a:cs typeface="+mn-cs"/>
+            </a:endParaRPr>
+          </a:p>
+          <a:p>
+            <a:pPr marL="0" marR="0" indent="0" algn="l" defTabSz="914400" rtl="0" eaLnBrk="1" fontAlgn="base" latinLnBrk="0" hangingPunct="1">
+              <a:lnSpc>
+                <a:spcPct val="100000"/>
+              </a:lnSpc>
+              <a:spcBef>
+                <a:spcPct val="30000"/>
+              </a:spcBef>
+              <a:spcAft>
+                <a:spcPct val="0"/>
+              </a:spcAft>
+              <a:buClrTx/>
+              <a:buSzTx/>
+              <a:buFontTx/>
+              <a:buNone/>
+              <a:tabLst/>
+              <a:defRPr/>
+            </a:pPr>
             <a:endParaRPr lang="ko-KR" altLang="en-US" dirty="0"/>
           </a:p>
         </p:txBody>
@@ -2697,197 +2560,101 @@
               <a:defRPr/>
             </a:pPr>
             <a:r>
-              <a:rPr lang="en-US" altLang="ko-KR" sz="1200" kern="1200" dirty="0" err="1" smtClean="0">
-                <a:solidFill>
-                  <a:schemeClr val="tx1"/>
-                </a:solidFill>
-                <a:latin typeface="Arial" charset="0"/>
-                <a:ea typeface="+mn-ea"/>
-                <a:cs typeface="+mn-cs"/>
-              </a:rPr>
-              <a:t>KatalkPCLinker</a:t>
-            </a:r>
-            <a:r>
-              <a:rPr lang="en-US" altLang="ko-KR" sz="1200" kern="1200" dirty="0" smtClean="0">
-                <a:solidFill>
-                  <a:schemeClr val="tx1"/>
-                </a:solidFill>
-                <a:latin typeface="Arial" charset="0"/>
-                <a:ea typeface="+mn-ea"/>
-                <a:cs typeface="+mn-cs"/>
-              </a:rPr>
+              <a:rPr lang="en-US" altLang="ko-KR" dirty="0" err="1" smtClean="0"/>
+              <a:t>LTouchPad</a:t>
+            </a:r>
+            <a:r>
+              <a:rPr lang="ko-KR" altLang="en-US" dirty="0" smtClean="0"/>
+              <a:t>의 화면입니다</a:t>
+            </a:r>
+            <a:r>
+              <a:rPr lang="en-US" altLang="ko-KR" dirty="0" smtClean="0"/>
+              <a:t>. </a:t>
+            </a:r>
+            <a:r>
+              <a:rPr lang="ko-KR" altLang="en-US" dirty="0" smtClean="0"/>
+              <a:t>어플리케이션을 </a:t>
+            </a:r>
+            <a:r>
+              <a:rPr lang="en-US" altLang="ko-KR" baseline="0" dirty="0" smtClean="0"/>
+              <a:t>USB/IP</a:t>
+            </a:r>
+            <a:r>
+              <a:rPr lang="ko-KR" altLang="en-US" baseline="0" dirty="0" smtClean="0"/>
+              <a:t>로 연결하면 </a:t>
+            </a:r>
+            <a:r>
+              <a:rPr lang="en-US" altLang="ko-KR" baseline="0" dirty="0" smtClean="0"/>
+              <a:t>PC</a:t>
+            </a:r>
+            <a:r>
+              <a:rPr lang="ko-KR" altLang="en-US" baseline="0" dirty="0" smtClean="0"/>
+              <a:t>에서 마우스 장치로 인식하고</a:t>
+            </a:r>
+            <a:r>
+              <a:rPr lang="en-US" altLang="ko-KR" baseline="0" dirty="0" smtClean="0"/>
+              <a:t>,</a:t>
+            </a:r>
+            <a:r>
+              <a:rPr lang="ko-KR" altLang="en-US" baseline="0" dirty="0" smtClean="0"/>
+              <a:t> 어플리케이션을 통한 조작으로 터치패드로 사용할 수 있습니다</a:t>
+            </a:r>
+            <a:r>
+              <a:rPr lang="en-US" altLang="ko-KR" baseline="0" dirty="0" smtClean="0"/>
+              <a:t>.</a:t>
+            </a:r>
+            <a:r>
+              <a:rPr lang="ko-KR" altLang="en-US" baseline="0" dirty="0" smtClean="0"/>
               <a:t> </a:t>
             </a:r>
             <a:r>
-              <a:rPr lang="ko-KR" altLang="en-US" sz="1200" kern="1200" dirty="0" smtClean="0">
-                <a:solidFill>
-                  <a:schemeClr val="tx1"/>
-                </a:solidFill>
-                <a:latin typeface="Arial" charset="0"/>
-                <a:ea typeface="+mn-ea"/>
-                <a:cs typeface="+mn-cs"/>
-              </a:rPr>
-              <a:t>서비스의 구조입니다</a:t>
-            </a:r>
-            <a:r>
-              <a:rPr lang="en-US" altLang="ko-KR" sz="1200" kern="1200" dirty="0" smtClean="0">
-                <a:solidFill>
-                  <a:schemeClr val="tx1"/>
-                </a:solidFill>
-                <a:latin typeface="Arial" charset="0"/>
-                <a:ea typeface="+mn-ea"/>
-                <a:cs typeface="+mn-cs"/>
-              </a:rPr>
-              <a:t>. PC</a:t>
-            </a:r>
-            <a:r>
-              <a:rPr lang="ko-KR" altLang="en-US" sz="1200" kern="1200" dirty="0" smtClean="0">
-                <a:solidFill>
-                  <a:schemeClr val="tx1"/>
-                </a:solidFill>
-                <a:latin typeface="Arial" charset="0"/>
-                <a:ea typeface="+mn-ea"/>
-                <a:cs typeface="+mn-cs"/>
-              </a:rPr>
-              <a:t>에서 메시지를 전송하면 스마트폰에서 기본으로 설정된 키보드가 아닌 따로 구현한 소프트웨어 키보드로 입력한 것으로 인식합니다</a:t>
-            </a:r>
-            <a:r>
-              <a:rPr lang="en-US" altLang="ko-KR" sz="1200" kern="1200" dirty="0" smtClean="0">
-                <a:solidFill>
-                  <a:schemeClr val="tx1"/>
-                </a:solidFill>
-                <a:latin typeface="Arial" charset="0"/>
-                <a:ea typeface="+mn-ea"/>
-                <a:cs typeface="+mn-cs"/>
-              </a:rPr>
+              <a:rPr lang="ko-KR" altLang="en-US" dirty="0" smtClean="0"/>
+              <a:t>어플리케이션의 </a:t>
+            </a:r>
+            <a:r>
+              <a:rPr lang="en-US" altLang="ko-KR" dirty="0" smtClean="0"/>
+              <a:t>Left, Right</a:t>
+            </a:r>
+            <a:r>
+              <a:rPr lang="en-US" altLang="ko-KR" baseline="0" dirty="0" smtClean="0"/>
+              <a:t> </a:t>
+            </a:r>
+            <a:r>
+              <a:rPr lang="ko-KR" altLang="en-US" dirty="0" smtClean="0"/>
+              <a:t>버튼이 </a:t>
+            </a:r>
+            <a:r>
+              <a:rPr lang="en-US" altLang="ko-KR" dirty="0" smtClean="0"/>
+              <a:t>PC</a:t>
+            </a:r>
+            <a:r>
+              <a:rPr lang="ko-KR" altLang="en-US" dirty="0" smtClean="0"/>
+              <a:t>의 마우스 버튼</a:t>
+            </a:r>
+            <a:r>
+              <a:rPr lang="ko-KR" altLang="en-US" baseline="0" dirty="0" smtClean="0"/>
+              <a:t> 기능을 하고</a:t>
+            </a:r>
+            <a:r>
+              <a:rPr lang="en-US" altLang="ko-KR" baseline="0" dirty="0" smtClean="0"/>
+              <a:t>, </a:t>
+            </a:r>
+            <a:r>
+              <a:rPr lang="ko-KR" altLang="en-US" baseline="0" dirty="0" smtClean="0"/>
+              <a:t>버튼 위 부분에서 드래그를 하면 </a:t>
+            </a:r>
+            <a:r>
+              <a:rPr lang="en-US" altLang="ko-KR" baseline="0" dirty="0" smtClean="0"/>
+              <a:t>PC</a:t>
+            </a:r>
+            <a:r>
+              <a:rPr lang="ko-KR" altLang="en-US" baseline="0" dirty="0" smtClean="0"/>
+              <a:t>의 마우스 커서가 움직입니다</a:t>
+            </a:r>
+            <a:r>
+              <a:rPr lang="en-US" altLang="ko-KR" baseline="0" dirty="0" smtClean="0"/>
               <a:t>. </a:t>
             </a:r>
-            <a:r>
-              <a:rPr lang="ko-KR" altLang="en-US" sz="1200" kern="1200" dirty="0" err="1" smtClean="0">
-                <a:solidFill>
-                  <a:schemeClr val="tx1"/>
-                </a:solidFill>
-                <a:latin typeface="Arial" charset="0"/>
-                <a:ea typeface="+mn-ea"/>
-                <a:cs typeface="+mn-cs"/>
-              </a:rPr>
-              <a:t>스마트폰</a:t>
-            </a:r>
-            <a:r>
-              <a:rPr lang="ko-KR" altLang="en-US" sz="1200" kern="1200" dirty="0" smtClean="0">
-                <a:solidFill>
-                  <a:schemeClr val="tx1"/>
-                </a:solidFill>
-                <a:latin typeface="Arial" charset="0"/>
-                <a:ea typeface="+mn-ea"/>
-                <a:cs typeface="+mn-cs"/>
-              </a:rPr>
-              <a:t> 화면은</a:t>
-            </a:r>
-            <a:r>
-              <a:rPr lang="en-US" altLang="ko-KR" sz="1200" kern="1200" dirty="0" smtClean="0">
-                <a:solidFill>
-                  <a:schemeClr val="tx1"/>
-                </a:solidFill>
-                <a:latin typeface="Arial" charset="0"/>
-                <a:ea typeface="+mn-ea"/>
-                <a:cs typeface="+mn-cs"/>
-              </a:rPr>
-              <a:t> PC</a:t>
-            </a:r>
-            <a:r>
-              <a:rPr lang="ko-KR" altLang="en-US" sz="1200" kern="1200" dirty="0" smtClean="0">
-                <a:solidFill>
-                  <a:schemeClr val="tx1"/>
-                </a:solidFill>
-                <a:latin typeface="Arial" charset="0"/>
-                <a:ea typeface="+mn-ea"/>
-                <a:cs typeface="+mn-cs"/>
-              </a:rPr>
-              <a:t>에서 </a:t>
-            </a:r>
-            <a:r>
-              <a:rPr lang="en-US" altLang="ko-KR" sz="1200" kern="1200" dirty="0" smtClean="0">
-                <a:solidFill>
-                  <a:schemeClr val="tx1"/>
-                </a:solidFill>
-                <a:latin typeface="Arial" charset="0"/>
-                <a:ea typeface="+mn-ea"/>
-                <a:cs typeface="+mn-cs"/>
-              </a:rPr>
-              <a:t>USB</a:t>
-            </a:r>
-            <a:r>
-              <a:rPr lang="ko-KR" altLang="en-US" sz="1200" kern="1200" dirty="0" smtClean="0">
-                <a:solidFill>
-                  <a:schemeClr val="tx1"/>
-                </a:solidFill>
-                <a:latin typeface="Arial" charset="0"/>
-                <a:ea typeface="+mn-ea"/>
-                <a:cs typeface="+mn-cs"/>
-              </a:rPr>
-              <a:t>카메라 장치로 인식돼서 </a:t>
-            </a:r>
-            <a:r>
-              <a:rPr lang="ko-KR" altLang="en-US" sz="1200" kern="1200" dirty="0" err="1" smtClean="0">
-                <a:solidFill>
-                  <a:schemeClr val="tx1"/>
-                </a:solidFill>
-                <a:latin typeface="Arial" charset="0"/>
-                <a:ea typeface="+mn-ea"/>
-                <a:cs typeface="+mn-cs"/>
-              </a:rPr>
-              <a:t>스마트폰의</a:t>
-            </a:r>
-            <a:r>
-              <a:rPr lang="ko-KR" altLang="en-US" sz="1200" kern="1200" dirty="0" smtClean="0">
-                <a:solidFill>
-                  <a:schemeClr val="tx1"/>
-                </a:solidFill>
-                <a:latin typeface="Arial" charset="0"/>
-                <a:ea typeface="+mn-ea"/>
-                <a:cs typeface="+mn-cs"/>
-              </a:rPr>
-              <a:t> 움직이는 모든 화면을 볼 수 있게 됩니다</a:t>
-            </a:r>
-            <a:r>
-              <a:rPr lang="en-US" altLang="ko-KR" sz="1200" kern="1200" dirty="0" smtClean="0">
-                <a:solidFill>
-                  <a:schemeClr val="tx1"/>
-                </a:solidFill>
-                <a:latin typeface="Arial" charset="0"/>
-                <a:ea typeface="+mn-ea"/>
-                <a:cs typeface="+mn-cs"/>
-              </a:rPr>
-              <a:t>.</a:t>
-            </a:r>
-            <a:endParaRPr lang="ko-KR" altLang="en-US" sz="1200" kern="1200" dirty="0" smtClean="0">
-              <a:solidFill>
-                <a:schemeClr val="tx1"/>
-              </a:solidFill>
-              <a:latin typeface="Arial" charset="0"/>
-              <a:ea typeface="+mn-ea"/>
-              <a:cs typeface="+mn-cs"/>
-            </a:endParaRPr>
-          </a:p>
-          <a:p>
-            <a:pPr marL="0" marR="0" indent="0" algn="l" defTabSz="914400" rtl="0" eaLnBrk="1" fontAlgn="base" latinLnBrk="0" hangingPunct="1">
-              <a:lnSpc>
-                <a:spcPct val="100000"/>
-              </a:lnSpc>
-              <a:spcBef>
-                <a:spcPct val="30000"/>
-              </a:spcBef>
-              <a:spcAft>
-                <a:spcPct val="0"/>
-              </a:spcAft>
-              <a:buClrTx/>
-              <a:buSzTx/>
-              <a:buFontTx/>
-              <a:buNone/>
-              <a:tabLst/>
-              <a:defRPr/>
-            </a:pPr>
             <a:endParaRPr lang="ko-KR" altLang="en-US" dirty="0"/>
           </a:p>
         </p:txBody>
@@ -2988,100 +2755,279 @@
               <a:defRPr/>
             </a:pPr>
             <a:r>
-              <a:rPr lang="en-US" altLang="ko-KR" dirty="0" err="1" smtClean="0"/>
+              <a:rPr lang="en-US" altLang="ko-KR" sz="1200" kern="1200" dirty="0" err="1" smtClean="0">
+                <a:solidFill>
+                  <a:schemeClr val="tx1"/>
+                </a:solidFill>
+                <a:latin typeface="Arial" charset="0"/>
+                <a:ea typeface="+mn-ea"/>
+                <a:cs typeface="+mn-cs"/>
+              </a:rPr>
               <a:t>LTouchPad</a:t>
             </a:r>
             <a:r>
-              <a:rPr lang="ko-KR" altLang="en-US" dirty="0" smtClean="0"/>
-              <a:t>의 화면입니다</a:t>
-            </a:r>
-            <a:r>
-              <a:rPr lang="en-US" altLang="ko-KR" dirty="0" smtClean="0"/>
+              <a:rPr lang="en-US" altLang="ko-KR" sz="1200" kern="1200" dirty="0" smtClean="0">
+                <a:solidFill>
+                  <a:schemeClr val="tx1"/>
+                </a:solidFill>
+                <a:latin typeface="Arial" charset="0"/>
+                <a:ea typeface="+mn-ea"/>
+                <a:cs typeface="+mn-cs"/>
+              </a:rPr>
+              <a:t> </a:t>
+            </a:r>
+            <a:r>
+              <a:rPr lang="ko-KR" altLang="en-US" sz="1200" kern="1200" dirty="0" smtClean="0">
+                <a:solidFill>
+                  <a:schemeClr val="tx1"/>
+                </a:solidFill>
+                <a:latin typeface="Arial" charset="0"/>
+                <a:ea typeface="+mn-ea"/>
+                <a:cs typeface="+mn-cs"/>
+              </a:rPr>
+              <a:t>어플리케이션의 구조입니다</a:t>
+            </a:r>
+            <a:r>
+              <a:rPr lang="en-US" altLang="ko-KR" sz="1200" kern="1200" dirty="0" smtClean="0">
+                <a:solidFill>
+                  <a:schemeClr val="tx1"/>
+                </a:solidFill>
+                <a:latin typeface="Arial" charset="0"/>
+                <a:ea typeface="+mn-ea"/>
+                <a:cs typeface="+mn-cs"/>
+              </a:rPr>
               <a:t>. </a:t>
             </a:r>
             <a:r>
-              <a:rPr lang="ko-KR" altLang="en-US" dirty="0" smtClean="0"/>
-              <a:t>어플리케이션을 </a:t>
-            </a:r>
-            <a:r>
-              <a:rPr lang="en-US" altLang="ko-KR" baseline="0" dirty="0" smtClean="0"/>
+              <a:rPr lang="ko-KR" altLang="en-US" sz="1200" kern="1200" dirty="0" err="1" smtClean="0">
+                <a:solidFill>
+                  <a:schemeClr val="tx1"/>
+                </a:solidFill>
+                <a:latin typeface="Arial" charset="0"/>
+                <a:ea typeface="+mn-ea"/>
+                <a:cs typeface="+mn-cs"/>
+              </a:rPr>
+              <a:t>스마트폰에서</a:t>
+            </a:r>
+            <a:r>
+              <a:rPr lang="ko-KR" altLang="en-US" sz="1200" kern="1200" dirty="0" smtClean="0">
+                <a:solidFill>
+                  <a:schemeClr val="tx1"/>
+                </a:solidFill>
+                <a:latin typeface="Arial" charset="0"/>
+                <a:ea typeface="+mn-ea"/>
+                <a:cs typeface="+mn-cs"/>
+              </a:rPr>
+              <a:t> </a:t>
+            </a:r>
+            <a:r>
+              <a:rPr lang="en-US" altLang="ko-KR" sz="1200" kern="1200" dirty="0" err="1" smtClean="0">
+                <a:solidFill>
+                  <a:schemeClr val="tx1"/>
+                </a:solidFill>
+                <a:latin typeface="Arial" charset="0"/>
+                <a:ea typeface="+mn-ea"/>
+                <a:cs typeface="+mn-cs"/>
+              </a:rPr>
+              <a:t>LTouchPad</a:t>
+            </a:r>
+            <a:r>
+              <a:rPr lang="ko-KR" altLang="en-US" sz="1200" kern="1200" dirty="0" smtClean="0">
+                <a:solidFill>
+                  <a:schemeClr val="tx1"/>
+                </a:solidFill>
+                <a:latin typeface="Arial" charset="0"/>
+                <a:ea typeface="+mn-ea"/>
+                <a:cs typeface="+mn-cs"/>
+              </a:rPr>
+              <a:t>를 실행하면 </a:t>
+            </a:r>
+            <a:r>
+              <a:rPr lang="en-US" altLang="ko-KR" sz="1200" kern="1200" dirty="0" smtClean="0">
+                <a:solidFill>
+                  <a:schemeClr val="tx1"/>
+                </a:solidFill>
+                <a:latin typeface="Arial" charset="0"/>
+                <a:ea typeface="+mn-ea"/>
+                <a:cs typeface="+mn-cs"/>
+              </a:rPr>
               <a:t>USB/IP</a:t>
             </a:r>
             <a:r>
-              <a:rPr lang="ko-KR" altLang="en-US" baseline="0" dirty="0" smtClean="0"/>
-              <a:t>로 연결하면 </a:t>
-            </a:r>
-            <a:r>
-              <a:rPr lang="en-US" altLang="ko-KR" baseline="0" dirty="0" smtClean="0"/>
+              <a:rPr lang="ko-KR" altLang="en-US" sz="1200" kern="1200" dirty="0" smtClean="0">
+                <a:solidFill>
+                  <a:schemeClr val="tx1"/>
+                </a:solidFill>
+                <a:latin typeface="Arial" charset="0"/>
+                <a:ea typeface="+mn-ea"/>
+                <a:cs typeface="+mn-cs"/>
+              </a:rPr>
+              <a:t>를 통해 </a:t>
+            </a:r>
+            <a:r>
+              <a:rPr lang="en-US" altLang="ko-KR" sz="1200" kern="1200" dirty="0" smtClean="0">
+                <a:solidFill>
+                  <a:schemeClr val="tx1"/>
+                </a:solidFill>
+                <a:latin typeface="Arial" charset="0"/>
+                <a:ea typeface="+mn-ea"/>
+                <a:cs typeface="+mn-cs"/>
+              </a:rPr>
               <a:t>PC</a:t>
             </a:r>
             <a:r>
-              <a:rPr lang="ko-KR" altLang="en-US" baseline="0" dirty="0" smtClean="0"/>
-              <a:t>에서 마우스 장치로 인식하고</a:t>
-            </a:r>
-            <a:r>
-              <a:rPr lang="en-US" altLang="ko-KR" baseline="0" dirty="0" smtClean="0"/>
-              <a:t>,</a:t>
-            </a:r>
-            <a:r>
-              <a:rPr lang="ko-KR" altLang="en-US" baseline="0" dirty="0" smtClean="0"/>
-              <a:t> 어플리케이션을 통한 조작으로 터치패드로 사용할 수 있습니다</a:t>
-            </a:r>
-            <a:r>
-              <a:rPr lang="en-US" altLang="ko-KR" baseline="0" dirty="0" smtClean="0"/>
+              <a:rPr lang="ko-KR" altLang="en-US" sz="1200" kern="1200" dirty="0" smtClean="0">
+                <a:solidFill>
+                  <a:schemeClr val="tx1"/>
+                </a:solidFill>
+                <a:latin typeface="Arial" charset="0"/>
+                <a:ea typeface="+mn-ea"/>
+                <a:cs typeface="+mn-cs"/>
+              </a:rPr>
+              <a:t>에게 자신의 장치 정보를 보냅니다</a:t>
+            </a:r>
+            <a:r>
+              <a:rPr lang="en-US" altLang="ko-KR" sz="1200" kern="1200" dirty="0" smtClean="0">
+                <a:solidFill>
+                  <a:schemeClr val="tx1"/>
+                </a:solidFill>
+                <a:latin typeface="Arial" charset="0"/>
+                <a:ea typeface="+mn-ea"/>
+                <a:cs typeface="+mn-cs"/>
+              </a:rPr>
+              <a:t>. PC</a:t>
+            </a:r>
+            <a:r>
+              <a:rPr lang="ko-KR" altLang="en-US" sz="1200" kern="1200" dirty="0" smtClean="0">
+                <a:solidFill>
+                  <a:schemeClr val="tx1"/>
+                </a:solidFill>
+                <a:latin typeface="Arial" charset="0"/>
+                <a:ea typeface="+mn-ea"/>
+                <a:cs typeface="+mn-cs"/>
+              </a:rPr>
+              <a:t>에선 마우스 장치가 연결된 것처럼 보이고</a:t>
+            </a:r>
+            <a:r>
+              <a:rPr lang="en-US" altLang="ko-KR" sz="1200" kern="1200" dirty="0" smtClean="0">
+                <a:solidFill>
+                  <a:schemeClr val="tx1"/>
+                </a:solidFill>
+                <a:latin typeface="Arial" charset="0"/>
+                <a:ea typeface="+mn-ea"/>
+                <a:cs typeface="+mn-cs"/>
+              </a:rPr>
+              <a:t>, </a:t>
+            </a:r>
+            <a:r>
+              <a:rPr lang="ko-KR" altLang="en-US" sz="1200" kern="1200" dirty="0" smtClean="0">
+                <a:solidFill>
+                  <a:schemeClr val="tx1"/>
+                </a:solidFill>
+                <a:latin typeface="Arial" charset="0"/>
+                <a:ea typeface="+mn-ea"/>
+                <a:cs typeface="+mn-cs"/>
+              </a:rPr>
+              <a:t>연결된 후 </a:t>
+            </a:r>
+            <a:r>
+              <a:rPr lang="en-US" altLang="ko-KR" sz="1200" kern="1200" dirty="0" err="1" smtClean="0">
+                <a:solidFill>
+                  <a:schemeClr val="tx1"/>
+                </a:solidFill>
+                <a:latin typeface="Arial" charset="0"/>
+                <a:ea typeface="+mn-ea"/>
+                <a:cs typeface="+mn-cs"/>
+              </a:rPr>
+              <a:t>LTouchPad</a:t>
+            </a:r>
+            <a:r>
+              <a:rPr lang="ko-KR" altLang="en-US" sz="1200" kern="1200" dirty="0" smtClean="0">
+                <a:solidFill>
+                  <a:schemeClr val="tx1"/>
+                </a:solidFill>
+                <a:latin typeface="Arial" charset="0"/>
+                <a:ea typeface="+mn-ea"/>
+                <a:cs typeface="+mn-cs"/>
+              </a:rPr>
+              <a:t>로 입력한 클릭</a:t>
+            </a:r>
+            <a:r>
+              <a:rPr lang="en-US" altLang="ko-KR" sz="1200" kern="1200" dirty="0" smtClean="0">
+                <a:solidFill>
+                  <a:schemeClr val="tx1"/>
+                </a:solidFill>
+                <a:latin typeface="Arial" charset="0"/>
+                <a:ea typeface="+mn-ea"/>
+                <a:cs typeface="+mn-cs"/>
+              </a:rPr>
+              <a:t>, </a:t>
+            </a:r>
+            <a:r>
+              <a:rPr lang="ko-KR" altLang="en-US" sz="1200" kern="1200" dirty="0" smtClean="0">
+                <a:solidFill>
+                  <a:schemeClr val="tx1"/>
+                </a:solidFill>
+                <a:latin typeface="Arial" charset="0"/>
+                <a:ea typeface="+mn-ea"/>
+                <a:cs typeface="+mn-cs"/>
+              </a:rPr>
+              <a:t>더블 클릭</a:t>
+            </a:r>
+            <a:r>
+              <a:rPr lang="en-US" altLang="ko-KR" sz="1200" kern="1200" dirty="0" smtClean="0">
+                <a:solidFill>
+                  <a:schemeClr val="tx1"/>
+                </a:solidFill>
+                <a:latin typeface="Arial" charset="0"/>
+                <a:ea typeface="+mn-ea"/>
+                <a:cs typeface="+mn-cs"/>
+              </a:rPr>
+              <a:t>, </a:t>
+            </a:r>
+            <a:r>
+              <a:rPr lang="ko-KR" altLang="en-US" sz="1200" kern="1200" dirty="0" smtClean="0">
+                <a:solidFill>
+                  <a:schemeClr val="tx1"/>
+                </a:solidFill>
+                <a:latin typeface="Arial" charset="0"/>
+                <a:ea typeface="+mn-ea"/>
+                <a:cs typeface="+mn-cs"/>
+              </a:rPr>
+              <a:t>이동 등의 정보를 전송하여 </a:t>
+            </a:r>
+            <a:r>
+              <a:rPr lang="en-US" altLang="ko-KR" sz="1200" kern="1200" dirty="0" smtClean="0">
+                <a:solidFill>
+                  <a:schemeClr val="tx1"/>
+                </a:solidFill>
+                <a:latin typeface="Arial" charset="0"/>
+                <a:ea typeface="+mn-ea"/>
+                <a:cs typeface="+mn-cs"/>
+              </a:rPr>
+              <a:t>PC</a:t>
+            </a:r>
+            <a:r>
+              <a:rPr lang="ko-KR" altLang="en-US" sz="1200" kern="1200" dirty="0" smtClean="0">
+                <a:solidFill>
+                  <a:schemeClr val="tx1"/>
+                </a:solidFill>
+                <a:latin typeface="Arial" charset="0"/>
+                <a:ea typeface="+mn-ea"/>
+                <a:cs typeface="+mn-cs"/>
+              </a:rPr>
+              <a:t>에서 터치패드로 사용 할 수 있습니다</a:t>
+            </a:r>
+            <a:r>
+              <a:rPr lang="en-US" altLang="ko-KR" sz="1200" kern="1200" dirty="0" smtClean="0">
+                <a:solidFill>
+                  <a:schemeClr val="tx1"/>
+                </a:solidFill>
+                <a:latin typeface="Arial" charset="0"/>
+                <a:ea typeface="+mn-ea"/>
+                <a:cs typeface="+mn-cs"/>
+              </a:rPr>
               <a:t>.</a:t>
-            </a:r>
-            <a:r>
-              <a:rPr lang="ko-KR" altLang="en-US" baseline="0" dirty="0" smtClean="0"/>
-              <a:t> </a:t>
-            </a:r>
-            <a:r>
-              <a:rPr lang="ko-KR" altLang="en-US" dirty="0" smtClean="0"/>
-              <a:t>어플리케이션의 </a:t>
-            </a:r>
-            <a:r>
-              <a:rPr lang="en-US" altLang="ko-KR" dirty="0" smtClean="0"/>
-              <a:t>Left, Right</a:t>
-            </a:r>
-            <a:r>
-              <a:rPr lang="en-US" altLang="ko-KR" baseline="0" dirty="0" smtClean="0"/>
-              <a:t> </a:t>
-            </a:r>
-            <a:r>
-              <a:rPr lang="ko-KR" altLang="en-US" dirty="0" smtClean="0"/>
-              <a:t>버튼이 </a:t>
-            </a:r>
-            <a:r>
-              <a:rPr lang="en-US" altLang="ko-KR" dirty="0" smtClean="0"/>
-              <a:t>PC</a:t>
-            </a:r>
-            <a:r>
-              <a:rPr lang="ko-KR" altLang="en-US" dirty="0" smtClean="0"/>
-              <a:t>의 마우스 버튼</a:t>
-            </a:r>
-            <a:r>
-              <a:rPr lang="ko-KR" altLang="en-US" baseline="0" dirty="0" smtClean="0"/>
-              <a:t> 기능을 하고</a:t>
-            </a:r>
-            <a:r>
-              <a:rPr lang="en-US" altLang="ko-KR" baseline="0" dirty="0" smtClean="0"/>
-              <a:t>, </a:t>
-            </a:r>
-            <a:r>
-              <a:rPr lang="ko-KR" altLang="en-US" baseline="0" dirty="0" smtClean="0"/>
-              <a:t>버튼 위 부분에서 드래그를 하면 </a:t>
-            </a:r>
-            <a:r>
-              <a:rPr lang="en-US" altLang="ko-KR" baseline="0" dirty="0" smtClean="0"/>
-              <a:t>PC</a:t>
-            </a:r>
-            <a:r>
-              <a:rPr lang="ko-KR" altLang="en-US" baseline="0" dirty="0" smtClean="0"/>
-              <a:t>의 마우스 커서가 움직입니다</a:t>
-            </a:r>
-            <a:r>
-              <a:rPr lang="en-US" altLang="ko-KR" baseline="0" dirty="0" smtClean="0"/>
-              <a:t>. </a:t>
             </a:r>
             <a:endParaRPr lang="ko-KR" altLang="en-US" dirty="0"/>
           </a:p>
@@ -3106,380 +3052,6 @@
               <a:rPr lang="en-US" altLang="ko-KR" smtClean="0"/>
               <a:pPr/>
               <a:t>14</a:t>
-            </a:fld>
-            <a:endParaRPr lang="en-US" altLang="ko-KR"/>
-          </a:p>
-        </p:txBody>
-      </p:sp>
-    </p:spTree>
-  </p:cSld>
-  <p:clrMapOvr>
-    <a:masterClrMapping/>
-  </p:clrMapOvr>
-</p:notes>
-</file>
-
-<file path=ppt/notesSlides/notesSlide15.xml><?xml version="1.0" encoding="utf-8"?>
-<p:notes xmlns:a="http://schemas.openxmlformats.org/drawingml/2006/main" xmlns:r="http://schemas.openxmlformats.org/officeDocument/2006/relationships" xmlns:p="http://schemas.openxmlformats.org/presentationml/2006/main">
-  <p:cSld>
-    <p:spTree>
-      <p:nvGrpSpPr>
-        <p:cNvPr id="1" name=""/>
-        <p:cNvGrpSpPr/>
-        <p:nvPr/>
-      </p:nvGrpSpPr>
-      <p:grpSpPr>
-        <a:xfrm>
-          <a:off x="0" y="0"/>
-          <a:ext cx="0" cy="0"/>
-          <a:chOff x="0" y="0"/>
-          <a:chExt cx="0" cy="0"/>
-        </a:xfrm>
-      </p:grpSpPr>
-      <p:sp>
-        <p:nvSpPr>
-          <p:cNvPr id="2" name="슬라이드 이미지 개체 틀 1"/>
-          <p:cNvSpPr>
-            <a:spLocks noGrp="1" noRot="1" noChangeAspect="1"/>
-          </p:cNvSpPr>
-          <p:nvPr>
-            <p:ph type="sldImg"/>
-          </p:nvPr>
-        </p:nvSpPr>
-        <p:spPr/>
-      </p:sp>
-      <p:sp>
-        <p:nvSpPr>
-          <p:cNvPr id="3" name="슬라이드 노트 개체 틀 2"/>
-          <p:cNvSpPr>
-            <a:spLocks noGrp="1"/>
-          </p:cNvSpPr>
-          <p:nvPr>
-            <p:ph type="body" idx="1"/>
-          </p:nvPr>
-        </p:nvSpPr>
-        <p:spPr/>
-        <p:txBody>
-          <a:bodyPr>
-            <a:normAutofit/>
-          </a:bodyPr>
-          <a:lstStyle/>
-          <a:p>
-            <a:pPr marL="0" marR="0" indent="0" algn="just" defTabSz="914400" rtl="0" eaLnBrk="1" fontAlgn="base" latinLnBrk="0" hangingPunct="1">
-              <a:lnSpc>
-                <a:spcPct val="100000"/>
-              </a:lnSpc>
-              <a:spcBef>
-                <a:spcPct val="30000"/>
-              </a:spcBef>
-              <a:spcAft>
-                <a:spcPct val="0"/>
-              </a:spcAft>
-              <a:buClrTx/>
-              <a:buSzTx/>
-              <a:buFontTx/>
-              <a:buNone/>
-              <a:tabLst/>
-              <a:defRPr/>
-            </a:pPr>
-            <a:r>
-              <a:rPr lang="en-US" altLang="ko-KR" sz="1200" kern="1200" dirty="0" err="1" smtClean="0">
-                <a:solidFill>
-                  <a:schemeClr val="tx1"/>
-                </a:solidFill>
-                <a:latin typeface="Arial" charset="0"/>
-                <a:ea typeface="+mn-ea"/>
-                <a:cs typeface="+mn-cs"/>
-              </a:rPr>
-              <a:t>LTouchPad</a:t>
-            </a:r>
-            <a:r>
-              <a:rPr lang="en-US" altLang="ko-KR" sz="1200" kern="1200" dirty="0" smtClean="0">
-                <a:solidFill>
-                  <a:schemeClr val="tx1"/>
-                </a:solidFill>
-                <a:latin typeface="Arial" charset="0"/>
-                <a:ea typeface="+mn-ea"/>
-                <a:cs typeface="+mn-cs"/>
-              </a:rPr>
-              <a:t> </a:t>
-            </a:r>
-            <a:r>
-              <a:rPr lang="ko-KR" altLang="en-US" sz="1200" kern="1200" dirty="0" smtClean="0">
-                <a:solidFill>
-                  <a:schemeClr val="tx1"/>
-                </a:solidFill>
-                <a:latin typeface="Arial" charset="0"/>
-                <a:ea typeface="+mn-ea"/>
-                <a:cs typeface="+mn-cs"/>
-              </a:rPr>
-              <a:t>어플리케이션의 구조입니다</a:t>
-            </a:r>
-            <a:r>
-              <a:rPr lang="en-US" altLang="ko-KR" sz="1200" kern="1200" dirty="0" smtClean="0">
-                <a:solidFill>
-                  <a:schemeClr val="tx1"/>
-                </a:solidFill>
-                <a:latin typeface="Arial" charset="0"/>
-                <a:ea typeface="+mn-ea"/>
-                <a:cs typeface="+mn-cs"/>
-              </a:rPr>
-              <a:t>. </a:t>
-            </a:r>
-            <a:r>
-              <a:rPr lang="ko-KR" altLang="en-US" sz="1200" kern="1200" dirty="0" err="1" smtClean="0">
-                <a:solidFill>
-                  <a:schemeClr val="tx1"/>
-                </a:solidFill>
-                <a:latin typeface="Arial" charset="0"/>
-                <a:ea typeface="+mn-ea"/>
-                <a:cs typeface="+mn-cs"/>
-              </a:rPr>
-              <a:t>스마트폰에서</a:t>
-            </a:r>
-            <a:r>
-              <a:rPr lang="ko-KR" altLang="en-US" sz="1200" kern="1200" dirty="0" smtClean="0">
-                <a:solidFill>
-                  <a:schemeClr val="tx1"/>
-                </a:solidFill>
-                <a:latin typeface="Arial" charset="0"/>
-                <a:ea typeface="+mn-ea"/>
-                <a:cs typeface="+mn-cs"/>
-              </a:rPr>
-              <a:t> </a:t>
-            </a:r>
-            <a:r>
-              <a:rPr lang="en-US" altLang="ko-KR" sz="1200" kern="1200" dirty="0" err="1" smtClean="0">
-                <a:solidFill>
-                  <a:schemeClr val="tx1"/>
-                </a:solidFill>
-                <a:latin typeface="Arial" charset="0"/>
-                <a:ea typeface="+mn-ea"/>
-                <a:cs typeface="+mn-cs"/>
-              </a:rPr>
-              <a:t>LTouchPad</a:t>
-            </a:r>
-            <a:r>
-              <a:rPr lang="ko-KR" altLang="en-US" sz="1200" kern="1200" dirty="0" smtClean="0">
-                <a:solidFill>
-                  <a:schemeClr val="tx1"/>
-                </a:solidFill>
-                <a:latin typeface="Arial" charset="0"/>
-                <a:ea typeface="+mn-ea"/>
-                <a:cs typeface="+mn-cs"/>
-              </a:rPr>
-              <a:t>를 실행하면 </a:t>
-            </a:r>
-            <a:r>
-              <a:rPr lang="en-US" altLang="ko-KR" sz="1200" kern="1200" dirty="0" smtClean="0">
-                <a:solidFill>
-                  <a:schemeClr val="tx1"/>
-                </a:solidFill>
-                <a:latin typeface="Arial" charset="0"/>
-                <a:ea typeface="+mn-ea"/>
-                <a:cs typeface="+mn-cs"/>
-              </a:rPr>
-              <a:t>USB/IP</a:t>
-            </a:r>
-            <a:r>
-              <a:rPr lang="ko-KR" altLang="en-US" sz="1200" kern="1200" dirty="0" smtClean="0">
-                <a:solidFill>
-                  <a:schemeClr val="tx1"/>
-                </a:solidFill>
-                <a:latin typeface="Arial" charset="0"/>
-                <a:ea typeface="+mn-ea"/>
-                <a:cs typeface="+mn-cs"/>
-              </a:rPr>
-              <a:t>를 통해 </a:t>
-            </a:r>
-            <a:r>
-              <a:rPr lang="en-US" altLang="ko-KR" sz="1200" kern="1200" dirty="0" smtClean="0">
-                <a:solidFill>
-                  <a:schemeClr val="tx1"/>
-                </a:solidFill>
-                <a:latin typeface="Arial" charset="0"/>
-                <a:ea typeface="+mn-ea"/>
-                <a:cs typeface="+mn-cs"/>
-              </a:rPr>
-              <a:t>PC</a:t>
-            </a:r>
-            <a:r>
-              <a:rPr lang="ko-KR" altLang="en-US" sz="1200" kern="1200" dirty="0" smtClean="0">
-                <a:solidFill>
-                  <a:schemeClr val="tx1"/>
-                </a:solidFill>
-                <a:latin typeface="Arial" charset="0"/>
-                <a:ea typeface="+mn-ea"/>
-                <a:cs typeface="+mn-cs"/>
-              </a:rPr>
-              <a:t>에게 자신의 장치 정보를 보냅니다</a:t>
-            </a:r>
-            <a:r>
-              <a:rPr lang="en-US" altLang="ko-KR" sz="1200" kern="1200" dirty="0" smtClean="0">
-                <a:solidFill>
-                  <a:schemeClr val="tx1"/>
-                </a:solidFill>
-                <a:latin typeface="Arial" charset="0"/>
-                <a:ea typeface="+mn-ea"/>
-                <a:cs typeface="+mn-cs"/>
-              </a:rPr>
-              <a:t>. PC</a:t>
-            </a:r>
-            <a:r>
-              <a:rPr lang="ko-KR" altLang="en-US" sz="1200" kern="1200" dirty="0" smtClean="0">
-                <a:solidFill>
-                  <a:schemeClr val="tx1"/>
-                </a:solidFill>
-                <a:latin typeface="Arial" charset="0"/>
-                <a:ea typeface="+mn-ea"/>
-                <a:cs typeface="+mn-cs"/>
-              </a:rPr>
-              <a:t>에선 마우스 장치가 연결된 것처럼 보이고</a:t>
-            </a:r>
-            <a:r>
-              <a:rPr lang="en-US" altLang="ko-KR" sz="1200" kern="1200" dirty="0" smtClean="0">
-                <a:solidFill>
-                  <a:schemeClr val="tx1"/>
-                </a:solidFill>
-                <a:latin typeface="Arial" charset="0"/>
-                <a:ea typeface="+mn-ea"/>
-                <a:cs typeface="+mn-cs"/>
-              </a:rPr>
-              <a:t>, </a:t>
-            </a:r>
-            <a:r>
-              <a:rPr lang="ko-KR" altLang="en-US" sz="1200" kern="1200" dirty="0" smtClean="0">
-                <a:solidFill>
-                  <a:schemeClr val="tx1"/>
-                </a:solidFill>
-                <a:latin typeface="Arial" charset="0"/>
-                <a:ea typeface="+mn-ea"/>
-                <a:cs typeface="+mn-cs"/>
-              </a:rPr>
-              <a:t>연결된 후 </a:t>
-            </a:r>
-            <a:r>
-              <a:rPr lang="en-US" altLang="ko-KR" sz="1200" kern="1200" dirty="0" err="1" smtClean="0">
-                <a:solidFill>
-                  <a:schemeClr val="tx1"/>
-                </a:solidFill>
-                <a:latin typeface="Arial" charset="0"/>
-                <a:ea typeface="+mn-ea"/>
-                <a:cs typeface="+mn-cs"/>
-              </a:rPr>
-              <a:t>LTouchPad</a:t>
-            </a:r>
-            <a:r>
-              <a:rPr lang="ko-KR" altLang="en-US" sz="1200" kern="1200" dirty="0" smtClean="0">
-                <a:solidFill>
-                  <a:schemeClr val="tx1"/>
-                </a:solidFill>
-                <a:latin typeface="Arial" charset="0"/>
-                <a:ea typeface="+mn-ea"/>
-                <a:cs typeface="+mn-cs"/>
-              </a:rPr>
-              <a:t>로 입력한 클릭</a:t>
-            </a:r>
-            <a:r>
-              <a:rPr lang="en-US" altLang="ko-KR" sz="1200" kern="1200" dirty="0" smtClean="0">
-                <a:solidFill>
-                  <a:schemeClr val="tx1"/>
-                </a:solidFill>
-                <a:latin typeface="Arial" charset="0"/>
-                <a:ea typeface="+mn-ea"/>
-                <a:cs typeface="+mn-cs"/>
-              </a:rPr>
-              <a:t>, </a:t>
-            </a:r>
-            <a:r>
-              <a:rPr lang="ko-KR" altLang="en-US" sz="1200" kern="1200" dirty="0" smtClean="0">
-                <a:solidFill>
-                  <a:schemeClr val="tx1"/>
-                </a:solidFill>
-                <a:latin typeface="Arial" charset="0"/>
-                <a:ea typeface="+mn-ea"/>
-                <a:cs typeface="+mn-cs"/>
-              </a:rPr>
-              <a:t>더블 클릭</a:t>
-            </a:r>
-            <a:r>
-              <a:rPr lang="en-US" altLang="ko-KR" sz="1200" kern="1200" dirty="0" smtClean="0">
-                <a:solidFill>
-                  <a:schemeClr val="tx1"/>
-                </a:solidFill>
-                <a:latin typeface="Arial" charset="0"/>
-                <a:ea typeface="+mn-ea"/>
-                <a:cs typeface="+mn-cs"/>
-              </a:rPr>
-              <a:t>, </a:t>
-            </a:r>
-            <a:r>
-              <a:rPr lang="ko-KR" altLang="en-US" sz="1200" kern="1200" dirty="0" smtClean="0">
-                <a:solidFill>
-                  <a:schemeClr val="tx1"/>
-                </a:solidFill>
-                <a:latin typeface="Arial" charset="0"/>
-                <a:ea typeface="+mn-ea"/>
-                <a:cs typeface="+mn-cs"/>
-              </a:rPr>
-              <a:t>이동 등의 정보를 전송하여 </a:t>
-            </a:r>
-            <a:r>
-              <a:rPr lang="en-US" altLang="ko-KR" sz="1200" kern="1200" dirty="0" smtClean="0">
-                <a:solidFill>
-                  <a:schemeClr val="tx1"/>
-                </a:solidFill>
-                <a:latin typeface="Arial" charset="0"/>
-                <a:ea typeface="+mn-ea"/>
-                <a:cs typeface="+mn-cs"/>
-              </a:rPr>
-              <a:t>PC</a:t>
-            </a:r>
-            <a:r>
-              <a:rPr lang="ko-KR" altLang="en-US" sz="1200" kern="1200" dirty="0" smtClean="0">
-                <a:solidFill>
-                  <a:schemeClr val="tx1"/>
-                </a:solidFill>
-                <a:latin typeface="Arial" charset="0"/>
-                <a:ea typeface="+mn-ea"/>
-                <a:cs typeface="+mn-cs"/>
-              </a:rPr>
-              <a:t>에서 터치패드로 사용 할 수 있습니다</a:t>
-            </a:r>
-            <a:r>
-              <a:rPr lang="en-US" altLang="ko-KR" sz="1200" kern="1200" dirty="0" smtClean="0">
-                <a:solidFill>
-                  <a:schemeClr val="tx1"/>
-                </a:solidFill>
-                <a:latin typeface="Arial" charset="0"/>
-                <a:ea typeface="+mn-ea"/>
-                <a:cs typeface="+mn-cs"/>
-              </a:rPr>
-              <a:t>.</a:t>
-            </a:r>
-            <a:endParaRPr lang="ko-KR" altLang="en-US" dirty="0"/>
-          </a:p>
-        </p:txBody>
-      </p:sp>
-      <p:sp>
-        <p:nvSpPr>
-          <p:cNvPr id="4" name="슬라이드 번호 개체 틀 3"/>
-          <p:cNvSpPr>
-            <a:spLocks noGrp="1"/>
-          </p:cNvSpPr>
-          <p:nvPr>
-            <p:ph type="sldNum" sz="quarter" idx="10"/>
-          </p:nvPr>
-        </p:nvSpPr>
-        <p:spPr/>
-        <p:txBody>
-          <a:bodyPr/>
-          <a:lstStyle/>
-          <a:p>
-            <a:fld id="{A606312C-0A6A-4281-8CFC-2032C6C14C8F}" type="slidenum">
-              <a:rPr lang="en-US" altLang="ko-KR" smtClean="0"/>
-              <a:pPr/>
-              <a:t>15</a:t>
             </a:fld>
             <a:endParaRPr lang="en-US" altLang="ko-KR"/>
           </a:p>
@@ -3684,7 +3256,40 @@
                 <a:ea typeface="+mn-ea"/>
                 <a:cs typeface="+mn-cs"/>
               </a:rPr>
-              <a:t> 사용자가 </a:t>
+              <a:t> 사용자가 더 증가 할 것입니다</a:t>
+            </a:r>
+            <a:r>
+              <a:rPr lang="en-US" altLang="ko-KR" sz="1200" kern="1200" dirty="0" smtClean="0">
+                <a:solidFill>
+                  <a:schemeClr val="tx1"/>
+                </a:solidFill>
+                <a:latin typeface="Arial" charset="0"/>
+                <a:ea typeface="+mn-ea"/>
+                <a:cs typeface="+mn-cs"/>
+              </a:rPr>
+              <a:t>. </a:t>
+            </a:r>
+            <a:r>
+              <a:rPr lang="ko-KR" altLang="ko-KR" sz="1200" kern="1200" dirty="0" err="1" smtClean="0">
+                <a:solidFill>
+                  <a:schemeClr val="tx1"/>
+                </a:solidFill>
+                <a:latin typeface="Arial" charset="0"/>
+                <a:ea typeface="+mn-ea"/>
+                <a:cs typeface="+mn-cs"/>
+              </a:rPr>
+              <a:t>스마트폰</a:t>
+            </a:r>
+            <a:r>
+              <a:rPr lang="ko-KR" altLang="en-US" sz="1200" kern="1200" dirty="0" err="1" smtClean="0">
+                <a:solidFill>
+                  <a:schemeClr val="tx1"/>
+                </a:solidFill>
+                <a:latin typeface="Arial" charset="0"/>
+                <a:ea typeface="+mn-ea"/>
+                <a:cs typeface="+mn-cs"/>
+              </a:rPr>
+              <a:t>의</a:t>
             </a:r>
             <a:r>
               <a:rPr lang="ko-KR" altLang="en-US" sz="1200" kern="1200" dirty="0" smtClean="0">
@@ -3695,7 +3300,51 @@
                 <a:ea typeface="+mn-ea"/>
                 <a:cs typeface="+mn-cs"/>
               </a:rPr>
-              <a:t>더 증가 </a:t>
+              <a:t> 기능은 많지만</a:t>
+            </a:r>
+            <a:r>
+              <a:rPr lang="en-US" altLang="ko-KR" sz="1200" kern="1200" dirty="0" smtClean="0">
+                <a:solidFill>
+                  <a:schemeClr val="tx1"/>
+                </a:solidFill>
+                <a:latin typeface="Arial" charset="0"/>
+                <a:ea typeface="+mn-ea"/>
+                <a:cs typeface="+mn-cs"/>
+              </a:rPr>
+              <a:t>, </a:t>
+            </a:r>
+            <a:r>
+              <a:rPr lang="ko-KR" altLang="ko-KR" sz="1200" kern="1200" dirty="0" smtClean="0">
+                <a:solidFill>
+                  <a:schemeClr val="tx1"/>
+                </a:solidFill>
+                <a:latin typeface="Arial" charset="0"/>
+                <a:ea typeface="+mn-ea"/>
+                <a:cs typeface="+mn-cs"/>
+              </a:rPr>
+              <a:t>현재 </a:t>
+            </a:r>
+            <a:r>
+              <a:rPr lang="en-US" altLang="ko-KR" sz="1200" kern="1200" dirty="0" smtClean="0">
+                <a:solidFill>
+                  <a:schemeClr val="tx1"/>
+                </a:solidFill>
+                <a:latin typeface="Arial" charset="0"/>
+                <a:ea typeface="+mn-ea"/>
+                <a:cs typeface="+mn-cs"/>
+              </a:rPr>
+              <a:t>PC</a:t>
+            </a:r>
+            <a:r>
+              <a:rPr lang="ko-KR" altLang="ko-KR" sz="1200" kern="1200" dirty="0" smtClean="0">
+                <a:solidFill>
+                  <a:schemeClr val="tx1"/>
+                </a:solidFill>
+                <a:latin typeface="Arial" charset="0"/>
+                <a:ea typeface="+mn-ea"/>
+                <a:cs typeface="+mn-cs"/>
+              </a:rPr>
+              <a:t>와 연결해 사용하는 기능은 자료</a:t>
             </a:r>
             <a:r>
               <a:rPr lang="ko-KR" altLang="en-US" sz="1200" kern="1200" dirty="0" smtClean="0">
@@ -3706,62 +3355,7 @@
                 <a:ea typeface="+mn-ea"/>
                 <a:cs typeface="+mn-cs"/>
               </a:rPr>
-              <a:t>할 것입니다</a:t>
-            </a:r>
-            <a:r>
-              <a:rPr lang="en-US" altLang="ko-KR" sz="1200" kern="1200" dirty="0" smtClean="0">
-                <a:solidFill>
-                  <a:schemeClr val="tx1"/>
-                </a:solidFill>
-                <a:latin typeface="Arial" charset="0"/>
-                <a:ea typeface="+mn-ea"/>
-                <a:cs typeface="+mn-cs"/>
-              </a:rPr>
-              <a:t>. </a:t>
-            </a:r>
-            <a:r>
-              <a:rPr lang="ko-KR" altLang="ko-KR" sz="1200" kern="1200" dirty="0" err="1" smtClean="0">
-                <a:solidFill>
-                  <a:schemeClr val="tx1"/>
-                </a:solidFill>
-                <a:latin typeface="Arial" charset="0"/>
-                <a:ea typeface="+mn-ea"/>
-                <a:cs typeface="+mn-cs"/>
-              </a:rPr>
-              <a:t>스마트폰</a:t>
-            </a:r>
-            <a:r>
-              <a:rPr lang="ko-KR" altLang="en-US" sz="1200" kern="1200" dirty="0" err="1" smtClean="0">
-                <a:solidFill>
-                  <a:schemeClr val="tx1"/>
-                </a:solidFill>
-                <a:latin typeface="Arial" charset="0"/>
-                <a:ea typeface="+mn-ea"/>
-                <a:cs typeface="+mn-cs"/>
-              </a:rPr>
-              <a:t>의</a:t>
-            </a:r>
-            <a:r>
-              <a:rPr lang="ko-KR" altLang="en-US" sz="1200" kern="1200" dirty="0" smtClean="0">
-                <a:solidFill>
-                  <a:schemeClr val="tx1"/>
-                </a:solidFill>
-                <a:latin typeface="Arial" charset="0"/>
-                <a:ea typeface="+mn-ea"/>
-                <a:cs typeface="+mn-cs"/>
-              </a:rPr>
-              <a:t> 기능은 많지만</a:t>
-            </a:r>
-            <a:r>
-              <a:rPr lang="en-US" altLang="ko-KR" sz="1200" kern="1200" dirty="0" smtClean="0">
-                <a:solidFill>
-                  <a:schemeClr val="tx1"/>
-                </a:solidFill>
-                <a:latin typeface="Arial" charset="0"/>
-                <a:ea typeface="+mn-ea"/>
-                <a:cs typeface="+mn-cs"/>
-              </a:rPr>
-              <a:t>, </a:t>
+              <a:t>를</a:t>
             </a:r>
             <a:r>
               <a:rPr lang="ko-KR" altLang="ko-KR" sz="1200" kern="1200" dirty="0" smtClean="0">
@@ -3772,73 +3366,7 @@
                 <a:ea typeface="+mn-ea"/>
                 <a:cs typeface="+mn-cs"/>
               </a:rPr>
-              <a:t>현재 </a:t>
-            </a:r>
-            <a:r>
-              <a:rPr lang="en-US" altLang="ko-KR" sz="1200" kern="1200" dirty="0" smtClean="0">
-                <a:solidFill>
-                  <a:schemeClr val="tx1"/>
-                </a:solidFill>
-                <a:latin typeface="Arial" charset="0"/>
-                <a:ea typeface="+mn-ea"/>
-                <a:cs typeface="+mn-cs"/>
-              </a:rPr>
-              <a:t>PC</a:t>
-            </a:r>
-            <a:r>
-              <a:rPr lang="ko-KR" altLang="ko-KR" sz="1200" kern="1200" dirty="0" smtClean="0">
-                <a:solidFill>
-                  <a:schemeClr val="tx1"/>
-                </a:solidFill>
-                <a:latin typeface="Arial" charset="0"/>
-                <a:ea typeface="+mn-ea"/>
-                <a:cs typeface="+mn-cs"/>
-              </a:rPr>
-              <a:t>와 연결해 사용하는 기능은 </a:t>
-            </a:r>
-            <a:r>
-              <a:rPr lang="ko-KR" altLang="ko-KR" sz="1200" kern="1200" dirty="0" smtClean="0">
-                <a:solidFill>
-                  <a:schemeClr val="tx1"/>
-                </a:solidFill>
-                <a:latin typeface="Arial" charset="0"/>
-                <a:ea typeface="+mn-ea"/>
-                <a:cs typeface="+mn-cs"/>
-              </a:rPr>
-              <a:t>자료</a:t>
-            </a:r>
-            <a:r>
-              <a:rPr lang="ko-KR" altLang="en-US" sz="1200" kern="1200" dirty="0" smtClean="0">
-                <a:solidFill>
-                  <a:schemeClr val="tx1"/>
-                </a:solidFill>
-                <a:latin typeface="Arial" charset="0"/>
-                <a:ea typeface="+mn-ea"/>
-                <a:cs typeface="+mn-cs"/>
-              </a:rPr>
-              <a:t>를</a:t>
-            </a:r>
-            <a:r>
-              <a:rPr lang="ko-KR" altLang="ko-KR" sz="1200" kern="1200" dirty="0" smtClean="0">
-                <a:solidFill>
-                  <a:schemeClr val="tx1"/>
-                </a:solidFill>
-                <a:latin typeface="Arial" charset="0"/>
-                <a:ea typeface="+mn-ea"/>
-                <a:cs typeface="+mn-cs"/>
-              </a:rPr>
-              <a:t> </a:t>
-            </a:r>
-            <a:r>
-              <a:rPr lang="ko-KR" altLang="ko-KR" sz="1200" kern="1200" dirty="0" smtClean="0">
-                <a:solidFill>
-                  <a:schemeClr val="tx1"/>
-                </a:solidFill>
-                <a:latin typeface="Arial" charset="0"/>
-                <a:ea typeface="+mn-ea"/>
-                <a:cs typeface="+mn-cs"/>
-              </a:rPr>
-              <a:t>옮길 때 </a:t>
+              <a:t> 옮길 때 </a:t>
             </a:r>
             <a:r>
               <a:rPr lang="en-US" altLang="ko-KR" sz="1200" kern="1200" dirty="0" smtClean="0">
@@ -3933,7 +3461,7 @@
     </p:spTree>
     <p:extLst>
       <p:ext uri="{BB962C8B-B14F-4D97-AF65-F5344CB8AC3E}">
-        <p14:creationId xmlns="" xmlns:p14="http://schemas.microsoft.com/office/powerpoint/2010/main" val="483073219"/>
+        <p14:creationId xmlns:p14="http://schemas.microsoft.com/office/powerpoint/2010/main" xmlns="" val="483073219"/>
       </p:ext>
     </p:extLst>
   </p:cSld>
@@ -4320,6 +3848,55 @@
               <a:t>, </a:t>
             </a:r>
             <a:r>
+              <a:rPr lang="ko-KR" altLang="en-US" sz="1200" kern="1200" dirty="0" err="1" smtClean="0">
+                <a:solidFill>
+                  <a:schemeClr val="tx1"/>
+                </a:solidFill>
+                <a:latin typeface="Arial" charset="0"/>
+                <a:ea typeface="+mn-ea"/>
+                <a:cs typeface="+mn-cs"/>
+              </a:rPr>
+              <a:t>빠</a:t>
+            </a:r>
+            <a:endParaRPr lang="en-US" altLang="ko-KR" sz="1200" kern="1200" dirty="0" smtClean="0">
+              <a:solidFill>
+                <a:schemeClr val="tx1"/>
+              </a:solidFill>
+              <a:latin typeface="Arial" charset="0"/>
+              <a:ea typeface="+mn-ea"/>
+              <a:cs typeface="+mn-cs"/>
+            </a:endParaRPr>
+          </a:p>
+          <a:p>
+            <a:pPr marL="0" marR="0" indent="0" algn="l" defTabSz="914400" rtl="0" eaLnBrk="1" fontAlgn="base" latinLnBrk="0" hangingPunct="1">
+              <a:lnSpc>
+                <a:spcPct val="100000"/>
+              </a:lnSpc>
+              <a:spcBef>
+                <a:spcPct val="30000"/>
+              </a:spcBef>
+              <a:spcAft>
+                <a:spcPct val="0"/>
+              </a:spcAft>
+              <a:buClrTx/>
+              <a:buSzTx/>
+              <a:buFontTx/>
+              <a:buNone/>
+              <a:tabLst/>
+              <a:defRPr/>
+            </a:pPr>
+            <a:r>
+              <a:rPr lang="en-US" altLang="ko-KR" sz="1200" kern="1200" dirty="0" smtClean="0">
+                <a:solidFill>
+                  <a:schemeClr val="tx1"/>
+                </a:solidFill>
+                <a:latin typeface="Arial" charset="0"/>
+                <a:ea typeface="+mn-ea"/>
+                <a:cs typeface="+mn-cs"/>
+              </a:rPr>
+              <a:t>USB</a:t>
+            </a:r>
+            <a:r>
               <a:rPr lang="ko-KR" altLang="en-US" sz="1200" kern="1200" dirty="0" smtClean="0">
                 <a:solidFill>
                   <a:schemeClr val="tx1"/>
@@ -4328,7 +3905,314 @@
                 <a:ea typeface="+mn-ea"/>
                 <a:cs typeface="+mn-cs"/>
               </a:rPr>
-              <a:t>빠른 속도</a:t>
+              <a:t>는 많은 사람들이 사용하는 </a:t>
+            </a:r>
+            <a:r>
+              <a:rPr lang="en-US" altLang="ko-KR" sz="1200" kern="1200" dirty="0" smtClean="0">
+                <a:solidFill>
+                  <a:schemeClr val="tx1"/>
+                </a:solidFill>
+                <a:latin typeface="Arial" charset="0"/>
+                <a:ea typeface="+mn-ea"/>
+                <a:cs typeface="+mn-cs"/>
+              </a:rPr>
+              <a:t>USB</a:t>
+            </a:r>
+            <a:r>
+              <a:rPr lang="ko-KR" altLang="ko-KR" sz="1200" kern="1200" dirty="0" smtClean="0">
+                <a:solidFill>
+                  <a:schemeClr val="tx1"/>
+                </a:solidFill>
+                <a:latin typeface="Arial" charset="0"/>
+                <a:ea typeface="+mn-ea"/>
+                <a:cs typeface="+mn-cs"/>
+              </a:rPr>
+              <a:t>메모리</a:t>
+            </a:r>
+            <a:r>
+              <a:rPr lang="en-US" altLang="ko-KR" sz="1200" kern="1200" dirty="0" smtClean="0">
+                <a:solidFill>
+                  <a:schemeClr val="tx1"/>
+                </a:solidFill>
+                <a:latin typeface="Arial" charset="0"/>
+                <a:ea typeface="+mn-ea"/>
+                <a:cs typeface="+mn-cs"/>
+              </a:rPr>
+              <a:t>, </a:t>
+            </a:r>
+            <a:r>
+              <a:rPr lang="ko-KR" altLang="ko-KR" sz="1200" kern="1200" dirty="0" smtClean="0">
+                <a:solidFill>
+                  <a:schemeClr val="tx1"/>
+                </a:solidFill>
+                <a:latin typeface="Arial" charset="0"/>
+                <a:ea typeface="+mn-ea"/>
+                <a:cs typeface="+mn-cs"/>
+              </a:rPr>
+              <a:t>마우스</a:t>
+            </a:r>
+            <a:r>
+              <a:rPr lang="en-US" altLang="ko-KR" sz="1200" kern="1200" dirty="0" smtClean="0">
+                <a:solidFill>
+                  <a:schemeClr val="tx1"/>
+                </a:solidFill>
+                <a:latin typeface="Arial" charset="0"/>
+                <a:ea typeface="+mn-ea"/>
+                <a:cs typeface="+mn-cs"/>
+              </a:rPr>
+              <a:t>, </a:t>
+            </a:r>
+            <a:r>
+              <a:rPr lang="ko-KR" altLang="ko-KR" sz="1200" kern="1200" dirty="0" smtClean="0">
+                <a:solidFill>
+                  <a:schemeClr val="tx1"/>
+                </a:solidFill>
+                <a:latin typeface="Arial" charset="0"/>
+                <a:ea typeface="+mn-ea"/>
+                <a:cs typeface="+mn-cs"/>
+              </a:rPr>
+              <a:t>키보드</a:t>
+            </a:r>
+            <a:r>
+              <a:rPr lang="en-US" altLang="ko-KR" sz="1200" kern="1200" dirty="0" smtClean="0">
+                <a:solidFill>
+                  <a:schemeClr val="tx1"/>
+                </a:solidFill>
+                <a:latin typeface="Arial" charset="0"/>
+                <a:ea typeface="+mn-ea"/>
+                <a:cs typeface="+mn-cs"/>
+              </a:rPr>
+              <a:t>,</a:t>
+            </a:r>
+            <a:r>
+              <a:rPr lang="ko-KR" altLang="en-US" sz="1200" kern="1200" baseline="0" dirty="0" smtClean="0">
+                <a:solidFill>
+                  <a:schemeClr val="tx1"/>
+                </a:solidFill>
+                <a:latin typeface="Arial" charset="0"/>
+                <a:ea typeface="+mn-ea"/>
+                <a:cs typeface="+mn-cs"/>
+              </a:rPr>
+              <a:t> 프린터뿐만 아니라</a:t>
+            </a:r>
+            <a:r>
+              <a:rPr lang="ko-KR" altLang="ko-KR" sz="1200" kern="1200" dirty="0" smtClean="0">
+                <a:solidFill>
+                  <a:schemeClr val="tx1"/>
+                </a:solidFill>
+                <a:latin typeface="Arial" charset="0"/>
+                <a:ea typeface="+mn-ea"/>
+                <a:cs typeface="+mn-cs"/>
+              </a:rPr>
+              <a:t> </a:t>
+            </a:r>
+            <a:r>
+              <a:rPr lang="ko-KR" altLang="en-US" sz="1200" kern="1200" dirty="0" smtClean="0">
+                <a:solidFill>
+                  <a:schemeClr val="tx1"/>
+                </a:solidFill>
+                <a:latin typeface="Arial" charset="0"/>
+                <a:ea typeface="+mn-ea"/>
+                <a:cs typeface="+mn-cs"/>
+              </a:rPr>
+              <a:t>의료장비</a:t>
+            </a:r>
+            <a:r>
+              <a:rPr lang="en-US" altLang="ko-KR" sz="1200" kern="1200" dirty="0" smtClean="0">
+                <a:solidFill>
+                  <a:schemeClr val="tx1"/>
+                </a:solidFill>
+                <a:latin typeface="Arial" charset="0"/>
+                <a:ea typeface="+mn-ea"/>
+                <a:cs typeface="+mn-cs"/>
+              </a:rPr>
+              <a:t>, </a:t>
+            </a:r>
+            <a:r>
+              <a:rPr lang="ko-KR" altLang="en-US" sz="1200" kern="1200" dirty="0" smtClean="0">
+                <a:solidFill>
+                  <a:schemeClr val="tx1"/>
+                </a:solidFill>
+                <a:latin typeface="Arial" charset="0"/>
+                <a:ea typeface="+mn-ea"/>
+                <a:cs typeface="+mn-cs"/>
+              </a:rPr>
+              <a:t>산업장비</a:t>
+            </a:r>
+            <a:r>
+              <a:rPr lang="en-US" altLang="ko-KR" sz="1200" kern="1200" dirty="0" smtClean="0">
+                <a:solidFill>
+                  <a:schemeClr val="tx1"/>
+                </a:solidFill>
+                <a:latin typeface="Arial" charset="0"/>
+                <a:ea typeface="+mn-ea"/>
+                <a:cs typeface="+mn-cs"/>
+              </a:rPr>
+              <a:t>,</a:t>
+            </a:r>
+            <a:r>
+              <a:rPr lang="ko-KR" altLang="ko-KR" sz="1200" kern="1200" dirty="0" smtClean="0">
+                <a:solidFill>
+                  <a:schemeClr val="tx1"/>
+                </a:solidFill>
+                <a:latin typeface="Arial" charset="0"/>
+                <a:ea typeface="+mn-ea"/>
+                <a:cs typeface="+mn-cs"/>
+              </a:rPr>
+              <a:t> </a:t>
+            </a:r>
+            <a:r>
+              <a:rPr lang="ko-KR" altLang="en-US" sz="1200" kern="1200" dirty="0" smtClean="0">
+                <a:solidFill>
+                  <a:schemeClr val="tx1"/>
+                </a:solidFill>
+                <a:latin typeface="Arial" charset="0"/>
+                <a:ea typeface="+mn-ea"/>
+                <a:cs typeface="+mn-cs"/>
+              </a:rPr>
+              <a:t>아래 사진과 같은 다양한 </a:t>
+            </a:r>
+            <a:r>
+              <a:rPr lang="en-US" altLang="ko-KR" sz="1200" kern="1200" dirty="0" smtClean="0">
+                <a:solidFill>
+                  <a:schemeClr val="tx1"/>
+                </a:solidFill>
+                <a:latin typeface="Arial" charset="0"/>
+                <a:ea typeface="+mn-ea"/>
+                <a:cs typeface="+mn-cs"/>
+              </a:rPr>
+              <a:t>USB</a:t>
+            </a:r>
+            <a:r>
+              <a:rPr lang="ko-KR" altLang="en-US" sz="1200" kern="1200" dirty="0" smtClean="0">
+                <a:solidFill>
+                  <a:schemeClr val="tx1"/>
+                </a:solidFill>
+                <a:latin typeface="Arial" charset="0"/>
+                <a:ea typeface="+mn-ea"/>
+                <a:cs typeface="+mn-cs"/>
+              </a:rPr>
+              <a:t>기기들이 존재 합니다</a:t>
+            </a:r>
+            <a:r>
+              <a:rPr lang="en-US" altLang="ko-KR" sz="1200" kern="1200" dirty="0" smtClean="0">
+                <a:solidFill>
+                  <a:schemeClr val="tx1"/>
+                </a:solidFill>
+                <a:latin typeface="Arial" charset="0"/>
+                <a:ea typeface="+mn-ea"/>
+                <a:cs typeface="+mn-cs"/>
+              </a:rPr>
+              <a:t>. </a:t>
+            </a:r>
+            <a:r>
+              <a:rPr lang="ko-KR" altLang="en-US" sz="1200" kern="1200" dirty="0" smtClean="0">
+                <a:solidFill>
+                  <a:schemeClr val="tx1"/>
+                </a:solidFill>
+                <a:latin typeface="Arial" charset="0"/>
+                <a:ea typeface="+mn-ea"/>
+                <a:cs typeface="+mn-cs"/>
+              </a:rPr>
+              <a:t>이것은 앞 슬라이드에서 설명 드렸듯이 많은 </a:t>
+            </a:r>
+            <a:r>
+              <a:rPr lang="en-US" altLang="ko-KR" sz="1200" kern="1200" dirty="0" smtClean="0">
+                <a:solidFill>
+                  <a:schemeClr val="tx1"/>
+                </a:solidFill>
+                <a:latin typeface="Arial" charset="0"/>
+                <a:ea typeface="+mn-ea"/>
+                <a:cs typeface="+mn-cs"/>
+              </a:rPr>
+              <a:t>USB</a:t>
+            </a:r>
+            <a:r>
+              <a:rPr lang="ko-KR" altLang="en-US" sz="1200" kern="1200" dirty="0" smtClean="0">
+                <a:solidFill>
+                  <a:schemeClr val="tx1"/>
+                </a:solidFill>
+                <a:latin typeface="Arial" charset="0"/>
+                <a:ea typeface="+mn-ea"/>
+                <a:cs typeface="+mn-cs"/>
+              </a:rPr>
+              <a:t>의 장점이 있기 때문에 </a:t>
+            </a:r>
+            <a:r>
+              <a:rPr lang="en-US" altLang="ko-KR" sz="1200" kern="1200" dirty="0" smtClean="0">
+                <a:solidFill>
+                  <a:schemeClr val="tx1"/>
+                </a:solidFill>
+                <a:latin typeface="Arial" charset="0"/>
+                <a:ea typeface="+mn-ea"/>
+                <a:cs typeface="+mn-cs"/>
+              </a:rPr>
+              <a:t>USB</a:t>
+            </a:r>
+            <a:r>
+              <a:rPr lang="ko-KR" altLang="en-US" sz="1200" kern="1200" dirty="0" smtClean="0">
+                <a:solidFill>
+                  <a:schemeClr val="tx1"/>
+                </a:solidFill>
+                <a:latin typeface="Arial" charset="0"/>
+                <a:ea typeface="+mn-ea"/>
+                <a:cs typeface="+mn-cs"/>
+              </a:rPr>
+              <a:t>장치들이 보편적으로 사용되는 것입니다</a:t>
+            </a:r>
+            <a:r>
+              <a:rPr lang="en-US" altLang="ko-KR" sz="1200" kern="1200" dirty="0" smtClean="0">
+                <a:solidFill>
+                  <a:schemeClr val="tx1"/>
+                </a:solidFill>
+                <a:latin typeface="Arial" charset="0"/>
+                <a:ea typeface="+mn-ea"/>
+                <a:cs typeface="+mn-cs"/>
+              </a:rPr>
+              <a:t>.</a:t>
+            </a:r>
+            <a:endParaRPr lang="ko-KR" altLang="ko-KR" sz="1200" kern="1200" dirty="0" smtClean="0">
+              <a:solidFill>
+                <a:schemeClr val="tx1"/>
+              </a:solidFill>
+              <a:latin typeface="Arial" charset="0"/>
+              <a:ea typeface="+mn-ea"/>
+              <a:cs typeface="+mn-cs"/>
+            </a:endParaRPr>
+          </a:p>
+          <a:p>
+            <a:r>
+              <a:rPr lang="ko-KR" altLang="en-US" sz="1200" kern="1200" dirty="0" err="1" smtClean="0">
+                <a:solidFill>
+                  <a:schemeClr val="tx1"/>
+                </a:solidFill>
+                <a:latin typeface="Arial" charset="0"/>
+                <a:ea typeface="+mn-ea"/>
+                <a:cs typeface="+mn-cs"/>
+              </a:rPr>
+              <a:t>른</a:t>
+            </a:r>
+            <a:r>
+              <a:rPr lang="ko-KR" altLang="en-US" sz="1200" kern="1200" dirty="0" smtClean="0">
+                <a:solidFill>
+                  <a:schemeClr val="tx1"/>
+                </a:solidFill>
+                <a:latin typeface="Arial" charset="0"/>
+                <a:ea typeface="+mn-ea"/>
+                <a:cs typeface="+mn-cs"/>
+              </a:rPr>
+              <a:t> </a:t>
+            </a:r>
+            <a:r>
+              <a:rPr lang="ko-KR" altLang="en-US" sz="1200" kern="1200" dirty="0" smtClean="0">
+                <a:solidFill>
+                  <a:schemeClr val="tx1"/>
+                </a:solidFill>
+                <a:latin typeface="Arial" charset="0"/>
+                <a:ea typeface="+mn-ea"/>
+                <a:cs typeface="+mn-cs"/>
+              </a:rPr>
+              <a:t>속도</a:t>
             </a:r>
             <a:r>
               <a:rPr lang="en-US" altLang="ko-KR" sz="1200" kern="1200" dirty="0" smtClean="0">
@@ -4476,9 +4360,108 @@
                 <a:ea typeface="+mn-ea"/>
                 <a:cs typeface="+mn-cs"/>
               </a:rPr>
+              <a:t>PC</a:t>
+            </a:r>
+            <a:r>
+              <a:rPr lang="ko-KR" altLang="ko-KR" sz="1200" kern="1200" dirty="0" smtClean="0">
+                <a:solidFill>
+                  <a:schemeClr val="tx1"/>
+                </a:solidFill>
+                <a:latin typeface="Arial" charset="0"/>
+                <a:ea typeface="+mn-ea"/>
+                <a:cs typeface="+mn-cs"/>
+              </a:rPr>
+              <a:t>와 스마트폰의 연결방법으로는 </a:t>
+            </a:r>
+            <a:r>
+              <a:rPr lang="en-US" altLang="ko-KR" sz="1200" kern="1200" dirty="0" smtClean="0">
+                <a:solidFill>
+                  <a:schemeClr val="tx1"/>
+                </a:solidFill>
+                <a:latin typeface="Arial" charset="0"/>
+                <a:ea typeface="+mn-ea"/>
+                <a:cs typeface="+mn-cs"/>
+              </a:rPr>
+              <a:t>USB/IP</a:t>
+            </a:r>
+            <a:r>
+              <a:rPr lang="ko-KR" altLang="ko-KR" sz="1200" kern="1200" dirty="0" smtClean="0">
+                <a:solidFill>
+                  <a:schemeClr val="tx1"/>
+                </a:solidFill>
+                <a:latin typeface="Arial" charset="0"/>
+                <a:ea typeface="+mn-ea"/>
+                <a:cs typeface="+mn-cs"/>
+              </a:rPr>
+              <a:t>기술을 채택했습니다</a:t>
+            </a:r>
+            <a:r>
+              <a:rPr lang="en-US" altLang="ko-KR" sz="1200" kern="1200" dirty="0" smtClean="0">
+                <a:solidFill>
+                  <a:schemeClr val="tx1"/>
+                </a:solidFill>
+                <a:latin typeface="Arial" charset="0"/>
+                <a:ea typeface="+mn-ea"/>
+                <a:cs typeface="+mn-cs"/>
+              </a:rPr>
+              <a:t>. USB/IP</a:t>
+            </a:r>
+            <a:r>
+              <a:rPr lang="ko-KR" altLang="en-US" sz="1200" kern="1200" dirty="0" smtClean="0">
+                <a:solidFill>
+                  <a:schemeClr val="tx1"/>
+                </a:solidFill>
+                <a:latin typeface="Arial" charset="0"/>
+                <a:ea typeface="+mn-ea"/>
+                <a:cs typeface="+mn-cs"/>
+              </a:rPr>
+              <a:t>는 오픈 소스로 개발된 기술로써 </a:t>
+            </a:r>
+            <a:r>
+              <a:rPr lang="ko-KR" altLang="ko-KR" sz="1200" kern="1200" dirty="0" smtClean="0">
+                <a:solidFill>
+                  <a:schemeClr val="tx1"/>
+                </a:solidFill>
+                <a:latin typeface="Arial" charset="0"/>
+                <a:ea typeface="+mn-ea"/>
+                <a:cs typeface="+mn-cs"/>
+              </a:rPr>
+              <a:t>내 컴퓨터에 연결된 </a:t>
+            </a:r>
+            <a:r>
+              <a:rPr lang="en-US" altLang="ko-KR" sz="1200" kern="1200" dirty="0" smtClean="0">
+                <a:solidFill>
+                  <a:schemeClr val="tx1"/>
+                </a:solidFill>
+                <a:latin typeface="Arial" charset="0"/>
+                <a:ea typeface="+mn-ea"/>
+                <a:cs typeface="+mn-cs"/>
+              </a:rPr>
               <a:t>USB</a:t>
             </a:r>
             <a:r>
+              <a:rPr lang="ko-KR" altLang="ko-KR" sz="1200" kern="1200" dirty="0" smtClean="0">
+                <a:solidFill>
+                  <a:schemeClr val="tx1"/>
+                </a:solidFill>
+                <a:latin typeface="Arial" charset="0"/>
+                <a:ea typeface="+mn-ea"/>
+                <a:cs typeface="+mn-cs"/>
+              </a:rPr>
+              <a:t>장치를 무선으로 다른 사람의 컴퓨터에서 </a:t>
+            </a:r>
+            <a:r>
+              <a:rPr lang="en-US" altLang="ko-KR" sz="1200" kern="1200" dirty="0" smtClean="0">
+                <a:solidFill>
+                  <a:schemeClr val="tx1"/>
+                </a:solidFill>
+                <a:latin typeface="Arial" charset="0"/>
+                <a:ea typeface="+mn-ea"/>
+                <a:cs typeface="+mn-cs"/>
+              </a:rPr>
+              <a:t>USB</a:t>
+            </a:r>
+            <a:r>
               <a:rPr lang="ko-KR" altLang="en-US" sz="1200" kern="1200" dirty="0" smtClean="0">
                 <a:solidFill>
                   <a:schemeClr val="tx1"/>
@@ -4487,7 +4470,18 @@
                 <a:ea typeface="+mn-ea"/>
                 <a:cs typeface="+mn-cs"/>
               </a:rPr>
-              <a:t>는 많은 사람들이 사용하는 </a:t>
+              <a:t>장치가 직접 연결된 것처럼 </a:t>
+            </a:r>
+            <a:r>
+              <a:rPr lang="ko-KR" altLang="ko-KR" sz="1200" kern="1200" dirty="0" smtClean="0">
+                <a:solidFill>
+                  <a:schemeClr val="tx1"/>
+                </a:solidFill>
+                <a:latin typeface="Arial" charset="0"/>
+                <a:ea typeface="+mn-ea"/>
+                <a:cs typeface="+mn-cs"/>
+              </a:rPr>
+              <a:t>사용할 수 있는 기술입니다</a:t>
             </a:r>
             <a:r>
               <a:rPr lang="en-US" altLang="ko-KR" sz="1200" kern="1200" dirty="0" smtClean="0">
@@ -4498,18 +4492,18 @@
                 <a:ea typeface="+mn-ea"/>
                 <a:cs typeface="+mn-cs"/>
               </a:rPr>
-              <a:t>USB</a:t>
-            </a:r>
-            <a:r>
-              <a:rPr lang="ko-KR" altLang="ko-KR" sz="1200" kern="1200" dirty="0" smtClean="0">
-                <a:solidFill>
-                  <a:schemeClr val="tx1"/>
-                </a:solidFill>
-                <a:latin typeface="Arial" charset="0"/>
-                <a:ea typeface="+mn-ea"/>
-                <a:cs typeface="+mn-cs"/>
-              </a:rPr>
-              <a:t>메모리</a:t>
+              <a:t>. (</a:t>
+            </a:r>
+            <a:r>
+              <a:rPr lang="ko-KR" altLang="en-US" sz="1200" kern="1200" dirty="0" smtClean="0">
+                <a:solidFill>
+                  <a:schemeClr val="tx1"/>
+                </a:solidFill>
+                <a:latin typeface="Arial" charset="0"/>
+                <a:ea typeface="+mn-ea"/>
+                <a:cs typeface="+mn-cs"/>
+              </a:rPr>
+              <a:t>천천히</a:t>
             </a:r>
             <a:r>
               <a:rPr lang="en-US" altLang="ko-KR" sz="1200" kern="1200" dirty="0" smtClean="0">
@@ -4520,238 +4514,7 @@
                 <a:ea typeface="+mn-ea"/>
                 <a:cs typeface="+mn-cs"/>
               </a:rPr>
-              <a:t>, </a:t>
-            </a:r>
-            <a:r>
-              <a:rPr lang="ko-KR" altLang="ko-KR" sz="1200" kern="1200" dirty="0" smtClean="0">
-                <a:solidFill>
-                  <a:schemeClr val="tx1"/>
-                </a:solidFill>
-                <a:latin typeface="Arial" charset="0"/>
-                <a:ea typeface="+mn-ea"/>
-                <a:cs typeface="+mn-cs"/>
-              </a:rPr>
-              <a:t>마우스</a:t>
-            </a:r>
-            <a:r>
-              <a:rPr lang="en-US" altLang="ko-KR" sz="1200" kern="1200" dirty="0" smtClean="0">
-                <a:solidFill>
-                  <a:schemeClr val="tx1"/>
-                </a:solidFill>
-                <a:latin typeface="Arial" charset="0"/>
-                <a:ea typeface="+mn-ea"/>
-                <a:cs typeface="+mn-cs"/>
-              </a:rPr>
-              <a:t>, </a:t>
-            </a:r>
-            <a:r>
-              <a:rPr lang="ko-KR" altLang="ko-KR" sz="1200" kern="1200" dirty="0" smtClean="0">
-                <a:solidFill>
-                  <a:schemeClr val="tx1"/>
-                </a:solidFill>
-                <a:latin typeface="Arial" charset="0"/>
-                <a:ea typeface="+mn-ea"/>
-                <a:cs typeface="+mn-cs"/>
-              </a:rPr>
-              <a:t>키보드</a:t>
-            </a:r>
-            <a:r>
-              <a:rPr lang="en-US" altLang="ko-KR" sz="1200" kern="1200" dirty="0" smtClean="0">
-                <a:solidFill>
-                  <a:schemeClr val="tx1"/>
-                </a:solidFill>
-                <a:latin typeface="Arial" charset="0"/>
-                <a:ea typeface="+mn-ea"/>
-                <a:cs typeface="+mn-cs"/>
-              </a:rPr>
-              <a:t>,</a:t>
-            </a:r>
-            <a:r>
-              <a:rPr lang="ko-KR" altLang="en-US" sz="1200" kern="1200" baseline="0" dirty="0" smtClean="0">
-                <a:solidFill>
-                  <a:schemeClr val="tx1"/>
-                </a:solidFill>
-                <a:latin typeface="Arial" charset="0"/>
-                <a:ea typeface="+mn-ea"/>
-                <a:cs typeface="+mn-cs"/>
-              </a:rPr>
-              <a:t> 프린터뿐만 아니라</a:t>
-            </a:r>
-            <a:r>
-              <a:rPr lang="ko-KR" altLang="ko-KR" sz="1200" kern="1200" dirty="0" smtClean="0">
-                <a:solidFill>
-                  <a:schemeClr val="tx1"/>
-                </a:solidFill>
-                <a:latin typeface="Arial" charset="0"/>
-                <a:ea typeface="+mn-ea"/>
-                <a:cs typeface="+mn-cs"/>
-              </a:rPr>
-              <a:t> </a:t>
-            </a:r>
-            <a:r>
-              <a:rPr lang="ko-KR" altLang="en-US" sz="1200" kern="1200" dirty="0" smtClean="0">
-                <a:solidFill>
-                  <a:schemeClr val="tx1"/>
-                </a:solidFill>
-                <a:latin typeface="Arial" charset="0"/>
-                <a:ea typeface="+mn-ea"/>
-                <a:cs typeface="+mn-cs"/>
-              </a:rPr>
-              <a:t>의료장비</a:t>
-            </a:r>
-            <a:r>
-              <a:rPr lang="en-US" altLang="ko-KR" sz="1200" kern="1200" dirty="0" smtClean="0">
-                <a:solidFill>
-                  <a:schemeClr val="tx1"/>
-                </a:solidFill>
-                <a:latin typeface="Arial" charset="0"/>
-                <a:ea typeface="+mn-ea"/>
-                <a:cs typeface="+mn-cs"/>
-              </a:rPr>
-              <a:t>, </a:t>
-            </a:r>
-            <a:r>
-              <a:rPr lang="ko-KR" altLang="en-US" sz="1200" kern="1200" dirty="0" smtClean="0">
-                <a:solidFill>
-                  <a:schemeClr val="tx1"/>
-                </a:solidFill>
-                <a:latin typeface="Arial" charset="0"/>
-                <a:ea typeface="+mn-ea"/>
-                <a:cs typeface="+mn-cs"/>
-              </a:rPr>
-              <a:t>산업장비</a:t>
-            </a:r>
-            <a:r>
-              <a:rPr lang="en-US" altLang="ko-KR" sz="1200" kern="1200" dirty="0" smtClean="0">
-                <a:solidFill>
-                  <a:schemeClr val="tx1"/>
-                </a:solidFill>
-                <a:latin typeface="Arial" charset="0"/>
-                <a:ea typeface="+mn-ea"/>
-                <a:cs typeface="+mn-cs"/>
-              </a:rPr>
-              <a:t>,</a:t>
-            </a:r>
-            <a:r>
-              <a:rPr lang="ko-KR" altLang="ko-KR" sz="1200" kern="1200" dirty="0" smtClean="0">
-                <a:solidFill>
-                  <a:schemeClr val="tx1"/>
-                </a:solidFill>
-                <a:latin typeface="Arial" charset="0"/>
-                <a:ea typeface="+mn-ea"/>
-                <a:cs typeface="+mn-cs"/>
-              </a:rPr>
-              <a:t> </a:t>
-            </a:r>
-            <a:r>
-              <a:rPr lang="ko-KR" altLang="en-US" sz="1200" kern="1200" dirty="0" smtClean="0">
-                <a:solidFill>
-                  <a:schemeClr val="tx1"/>
-                </a:solidFill>
-                <a:latin typeface="Arial" charset="0"/>
-                <a:ea typeface="+mn-ea"/>
-                <a:cs typeface="+mn-cs"/>
-              </a:rPr>
-              <a:t>아래 사진과 같은 다양한 </a:t>
-            </a:r>
-            <a:r>
-              <a:rPr lang="en-US" altLang="ko-KR" sz="1200" kern="1200" dirty="0" smtClean="0">
-                <a:solidFill>
-                  <a:schemeClr val="tx1"/>
-                </a:solidFill>
-                <a:latin typeface="Arial" charset="0"/>
-                <a:ea typeface="+mn-ea"/>
-                <a:cs typeface="+mn-cs"/>
-              </a:rPr>
-              <a:t>USB</a:t>
-            </a:r>
-            <a:r>
-              <a:rPr lang="ko-KR" altLang="en-US" sz="1200" kern="1200" dirty="0" smtClean="0">
-                <a:solidFill>
-                  <a:schemeClr val="tx1"/>
-                </a:solidFill>
-                <a:latin typeface="Arial" charset="0"/>
-                <a:ea typeface="+mn-ea"/>
-                <a:cs typeface="+mn-cs"/>
-              </a:rPr>
-              <a:t>기기들이 존재 합니다</a:t>
-            </a:r>
-            <a:r>
-              <a:rPr lang="en-US" altLang="ko-KR" sz="1200" kern="1200" dirty="0" smtClean="0">
-                <a:solidFill>
-                  <a:schemeClr val="tx1"/>
-                </a:solidFill>
-                <a:latin typeface="Arial" charset="0"/>
-                <a:ea typeface="+mn-ea"/>
-                <a:cs typeface="+mn-cs"/>
-              </a:rPr>
-              <a:t>. </a:t>
-            </a:r>
-            <a:r>
-              <a:rPr lang="ko-KR" altLang="en-US" sz="1200" kern="1200" dirty="0" smtClean="0">
-                <a:solidFill>
-                  <a:schemeClr val="tx1"/>
-                </a:solidFill>
-                <a:latin typeface="Arial" charset="0"/>
-                <a:ea typeface="+mn-ea"/>
-                <a:cs typeface="+mn-cs"/>
-              </a:rPr>
-              <a:t>이것은 앞 슬라이드에서 설명 드렸듯이 많은 </a:t>
-            </a:r>
-            <a:r>
-              <a:rPr lang="en-US" altLang="ko-KR" sz="1200" kern="1200" dirty="0" smtClean="0">
-                <a:solidFill>
-                  <a:schemeClr val="tx1"/>
-                </a:solidFill>
-                <a:latin typeface="Arial" charset="0"/>
-                <a:ea typeface="+mn-ea"/>
-                <a:cs typeface="+mn-cs"/>
-              </a:rPr>
-              <a:t>USB</a:t>
-            </a:r>
-            <a:r>
-              <a:rPr lang="ko-KR" altLang="en-US" sz="1200" kern="1200" dirty="0" smtClean="0">
-                <a:solidFill>
-                  <a:schemeClr val="tx1"/>
-                </a:solidFill>
-                <a:latin typeface="Arial" charset="0"/>
-                <a:ea typeface="+mn-ea"/>
-                <a:cs typeface="+mn-cs"/>
-              </a:rPr>
-              <a:t>의 장점이 있기 때문에 </a:t>
-            </a:r>
-            <a:r>
-              <a:rPr lang="en-US" altLang="ko-KR" sz="1200" kern="1200" dirty="0" smtClean="0">
-                <a:solidFill>
-                  <a:schemeClr val="tx1"/>
-                </a:solidFill>
-                <a:latin typeface="Arial" charset="0"/>
-                <a:ea typeface="+mn-ea"/>
-                <a:cs typeface="+mn-cs"/>
-              </a:rPr>
-              <a:t>USB</a:t>
-            </a:r>
-            <a:r>
-              <a:rPr lang="ko-KR" altLang="en-US" sz="1200" kern="1200" dirty="0" smtClean="0">
-                <a:solidFill>
-                  <a:schemeClr val="tx1"/>
-                </a:solidFill>
-                <a:latin typeface="Arial" charset="0"/>
-                <a:ea typeface="+mn-ea"/>
-                <a:cs typeface="+mn-cs"/>
-              </a:rPr>
-              <a:t>장치들이 보편적으로 사용되는 것입니다</a:t>
-            </a:r>
-            <a:r>
-              <a:rPr lang="en-US" altLang="ko-KR" sz="1200" kern="1200" dirty="0" smtClean="0">
-                <a:solidFill>
-                  <a:schemeClr val="tx1"/>
-                </a:solidFill>
-                <a:latin typeface="Arial" charset="0"/>
-                <a:ea typeface="+mn-ea"/>
-                <a:cs typeface="+mn-cs"/>
-              </a:rPr>
-              <a:t>.</a:t>
+              <a:t>)</a:t>
             </a:r>
             <a:endParaRPr lang="ko-KR" altLang="ko-KR" sz="1200" kern="1200" dirty="0">
               <a:solidFill>
@@ -4842,6 +4605,23 @@
           </a:bodyPr>
           <a:lstStyle/>
           <a:p>
+            <a:pPr marL="0" marR="0" indent="0" algn="just" defTabSz="914400" rtl="0" eaLnBrk="1" fontAlgn="base" latinLnBrk="0" hangingPunct="1">
+              <a:lnSpc>
+                <a:spcPct val="100000"/>
+              </a:lnSpc>
+              <a:spcBef>
+                <a:spcPct val="30000"/>
+              </a:spcBef>
+              <a:spcAft>
+                <a:spcPct val="0"/>
+              </a:spcAft>
+              <a:buClrTx/>
+              <a:buSzTx/>
+              <a:buFontTx/>
+              <a:buNone/>
+              <a:tabLst/>
+              <a:defRPr/>
+            </a:pPr>
             <a:r>
               <a:rPr lang="en-US" altLang="ko-KR" sz="1200" kern="1200" dirty="0" smtClean="0">
                 <a:solidFill>
@@ -4851,53 +4631,229 @@
                 <a:ea typeface="+mn-ea"/>
                 <a:cs typeface="+mn-cs"/>
               </a:rPr>
+              <a:t>USB/IP</a:t>
+            </a:r>
+            <a:r>
+              <a:rPr lang="ko-KR" altLang="en-US" sz="1200" kern="1200" dirty="0" smtClean="0">
+                <a:solidFill>
+                  <a:schemeClr val="tx1"/>
+                </a:solidFill>
+                <a:latin typeface="Arial" charset="0"/>
+                <a:ea typeface="+mn-ea"/>
+                <a:cs typeface="+mn-cs"/>
+              </a:rPr>
+              <a:t>는 서버와 클라이언트로 나뉘어져있는데 서버를 </a:t>
+            </a:r>
+            <a:r>
+              <a:rPr lang="ko-KR" altLang="en-US" sz="1200" kern="1200" dirty="0" err="1" smtClean="0">
+                <a:solidFill>
+                  <a:schemeClr val="tx1"/>
+                </a:solidFill>
+                <a:latin typeface="Arial" charset="0"/>
+                <a:ea typeface="+mn-ea"/>
+                <a:cs typeface="+mn-cs"/>
+              </a:rPr>
+              <a:t>안드로이드</a:t>
+            </a:r>
+            <a:r>
+              <a:rPr lang="ko-KR" altLang="en-US" sz="1200" kern="1200" dirty="0" smtClean="0">
+                <a:solidFill>
+                  <a:schemeClr val="tx1"/>
+                </a:solidFill>
+                <a:latin typeface="Arial" charset="0"/>
+                <a:ea typeface="+mn-ea"/>
+                <a:cs typeface="+mn-cs"/>
+              </a:rPr>
+              <a:t> </a:t>
+            </a:r>
+            <a:r>
+              <a:rPr lang="ko-KR" altLang="en-US" sz="1200" kern="1200" dirty="0" err="1" smtClean="0">
+                <a:solidFill>
+                  <a:schemeClr val="tx1"/>
+                </a:solidFill>
+                <a:latin typeface="Arial" charset="0"/>
+                <a:ea typeface="+mn-ea"/>
+                <a:cs typeface="+mn-cs"/>
+              </a:rPr>
+              <a:t>스마트폰에</a:t>
+            </a:r>
+            <a:r>
+              <a:rPr lang="ko-KR" altLang="en-US" sz="1200" kern="1200" dirty="0" smtClean="0">
+                <a:solidFill>
+                  <a:schemeClr val="tx1"/>
+                </a:solidFill>
+                <a:latin typeface="Arial" charset="0"/>
+                <a:ea typeface="+mn-ea"/>
+                <a:cs typeface="+mn-cs"/>
+              </a:rPr>
+              <a:t> 포팅하고</a:t>
+            </a:r>
+            <a:r>
+              <a:rPr lang="en-US" altLang="ko-KR" sz="1200" kern="1200" dirty="0" smtClean="0">
+                <a:solidFill>
+                  <a:schemeClr val="tx1"/>
+                </a:solidFill>
+                <a:latin typeface="Arial" charset="0"/>
+                <a:ea typeface="+mn-ea"/>
+                <a:cs typeface="+mn-cs"/>
+              </a:rPr>
+              <a:t>, </a:t>
+            </a:r>
+            <a:r>
+              <a:rPr lang="ko-KR" altLang="en-US" sz="1200" kern="1200" dirty="0" smtClean="0">
+                <a:solidFill>
+                  <a:schemeClr val="tx1"/>
+                </a:solidFill>
+                <a:latin typeface="Arial" charset="0"/>
+                <a:ea typeface="+mn-ea"/>
+                <a:cs typeface="+mn-cs"/>
+              </a:rPr>
+              <a:t>어플리케이션을 </a:t>
+            </a:r>
+            <a:r>
+              <a:rPr lang="en-US" altLang="ko-KR" sz="1200" kern="1200" dirty="0" smtClean="0">
+                <a:solidFill>
+                  <a:schemeClr val="tx1"/>
+                </a:solidFill>
+                <a:latin typeface="Arial" charset="0"/>
+                <a:ea typeface="+mn-ea"/>
+                <a:cs typeface="+mn-cs"/>
+              </a:rPr>
+              <a:t>USB</a:t>
+            </a:r>
+            <a:r>
+              <a:rPr lang="ko-KR" altLang="en-US" sz="1200" kern="1200" dirty="0" smtClean="0">
+                <a:solidFill>
+                  <a:schemeClr val="tx1"/>
+                </a:solidFill>
+                <a:latin typeface="Arial" charset="0"/>
+                <a:ea typeface="+mn-ea"/>
+                <a:cs typeface="+mn-cs"/>
+              </a:rPr>
+              <a:t>장치처럼 보이도록 할 </a:t>
+            </a:r>
+            <a:r>
+              <a:rPr lang="en-US" altLang="ko-KR" sz="1200" kern="1200" dirty="0" smtClean="0">
+                <a:solidFill>
+                  <a:schemeClr val="tx1"/>
+                </a:solidFill>
+                <a:latin typeface="Arial" charset="0"/>
+                <a:ea typeface="+mn-ea"/>
+                <a:cs typeface="+mn-cs"/>
+              </a:rPr>
+              <a:t>VHCI</a:t>
+            </a:r>
+            <a:r>
+              <a:rPr lang="ko-KR" altLang="en-US" sz="1200" kern="1200" dirty="0" smtClean="0">
+                <a:solidFill>
+                  <a:schemeClr val="tx1"/>
+                </a:solidFill>
+                <a:latin typeface="Arial" charset="0"/>
+                <a:ea typeface="+mn-ea"/>
+                <a:cs typeface="+mn-cs"/>
+              </a:rPr>
+              <a:t>드라이버를 만들면</a:t>
+            </a:r>
+            <a:r>
+              <a:rPr lang="en-US" altLang="ko-KR" sz="1200" kern="1200" dirty="0" smtClean="0">
+                <a:solidFill>
+                  <a:schemeClr val="tx1"/>
+                </a:solidFill>
+                <a:latin typeface="Arial" charset="0"/>
+                <a:ea typeface="+mn-ea"/>
+                <a:cs typeface="+mn-cs"/>
+              </a:rPr>
+              <a:t>,</a:t>
+            </a:r>
+            <a:r>
+              <a:rPr lang="ko-KR" altLang="en-US" sz="1200" kern="1200" dirty="0" smtClean="0">
+                <a:solidFill>
+                  <a:schemeClr val="tx1"/>
+                </a:solidFill>
+                <a:latin typeface="Arial" charset="0"/>
+                <a:ea typeface="+mn-ea"/>
+                <a:cs typeface="+mn-cs"/>
+              </a:rPr>
+              <a:t> 어플리케이션이 </a:t>
+            </a:r>
+            <a:r>
+              <a:rPr lang="en-US" altLang="ko-KR" sz="1200" kern="1200" dirty="0" smtClean="0">
+                <a:solidFill>
+                  <a:schemeClr val="tx1"/>
+                </a:solidFill>
+                <a:latin typeface="Arial" charset="0"/>
+                <a:ea typeface="+mn-ea"/>
+                <a:cs typeface="+mn-cs"/>
+              </a:rPr>
+              <a:t>USB</a:t>
+            </a:r>
+            <a:r>
+              <a:rPr lang="ko-KR" altLang="en-US" sz="1200" kern="1200" dirty="0" smtClean="0">
+                <a:solidFill>
+                  <a:schemeClr val="tx1"/>
+                </a:solidFill>
+                <a:latin typeface="Arial" charset="0"/>
+                <a:ea typeface="+mn-ea"/>
+                <a:cs typeface="+mn-cs"/>
+              </a:rPr>
+              <a:t>장치로 인식됩니다</a:t>
+            </a:r>
+            <a:r>
+              <a:rPr lang="en-US" altLang="ko-KR" sz="1200" kern="1200" dirty="0" smtClean="0">
+                <a:solidFill>
+                  <a:schemeClr val="tx1"/>
+                </a:solidFill>
+                <a:latin typeface="Arial" charset="0"/>
+                <a:ea typeface="+mn-ea"/>
+                <a:cs typeface="+mn-cs"/>
+              </a:rPr>
+              <a:t>. </a:t>
+            </a:r>
+            <a:r>
+              <a:rPr lang="ko-KR" altLang="en-US" sz="1200" kern="1200" dirty="0" smtClean="0">
+                <a:solidFill>
+                  <a:schemeClr val="tx1"/>
+                </a:solidFill>
+                <a:latin typeface="Arial" charset="0"/>
+                <a:ea typeface="+mn-ea"/>
+                <a:cs typeface="+mn-cs"/>
+              </a:rPr>
+              <a:t>그리고 </a:t>
+            </a:r>
+            <a:r>
+              <a:rPr lang="en-US" altLang="ko-KR" sz="1200" kern="1200" dirty="0" smtClean="0">
+                <a:solidFill>
+                  <a:schemeClr val="tx1"/>
+                </a:solidFill>
+                <a:latin typeface="Arial" charset="0"/>
+                <a:ea typeface="+mn-ea"/>
+                <a:cs typeface="+mn-cs"/>
+              </a:rPr>
+              <a:t>USB/IP</a:t>
+            </a:r>
+            <a:r>
+              <a:rPr lang="ko-KR" altLang="en-US" sz="1200" kern="1200" dirty="0" smtClean="0">
+                <a:solidFill>
+                  <a:schemeClr val="tx1"/>
+                </a:solidFill>
+                <a:latin typeface="Arial" charset="0"/>
+                <a:ea typeface="+mn-ea"/>
+                <a:cs typeface="+mn-cs"/>
+              </a:rPr>
+              <a:t>를 통해 </a:t>
+            </a:r>
+            <a:r>
+              <a:rPr lang="en-US" altLang="ko-KR" sz="1200" kern="1200" dirty="0" smtClean="0">
+                <a:solidFill>
+                  <a:schemeClr val="tx1"/>
+                </a:solidFill>
+                <a:latin typeface="Arial" charset="0"/>
+                <a:ea typeface="+mn-ea"/>
+                <a:cs typeface="+mn-cs"/>
+              </a:rPr>
               <a:t>PC</a:t>
             </a:r>
             <a:r>
-              <a:rPr lang="ko-KR" altLang="ko-KR" sz="1200" kern="1200" dirty="0" smtClean="0">
-                <a:solidFill>
-                  <a:schemeClr val="tx1"/>
-                </a:solidFill>
-                <a:latin typeface="Arial" charset="0"/>
-                <a:ea typeface="+mn-ea"/>
-                <a:cs typeface="+mn-cs"/>
-              </a:rPr>
-              <a:t>와 스마트폰의 연결방법으로는 </a:t>
-            </a:r>
-            <a:r>
-              <a:rPr lang="en-US" altLang="ko-KR" sz="1200" kern="1200" dirty="0" smtClean="0">
-                <a:solidFill>
-                  <a:schemeClr val="tx1"/>
-                </a:solidFill>
-                <a:latin typeface="Arial" charset="0"/>
-                <a:ea typeface="+mn-ea"/>
-                <a:cs typeface="+mn-cs"/>
-              </a:rPr>
-              <a:t>USB/IP</a:t>
-            </a:r>
-            <a:r>
-              <a:rPr lang="ko-KR" altLang="ko-KR" sz="1200" kern="1200" dirty="0" smtClean="0">
-                <a:solidFill>
-                  <a:schemeClr val="tx1"/>
-                </a:solidFill>
-                <a:latin typeface="Arial" charset="0"/>
-                <a:ea typeface="+mn-ea"/>
-                <a:cs typeface="+mn-cs"/>
-              </a:rPr>
-              <a:t>기술을 채택했습니다</a:t>
-            </a:r>
-            <a:r>
-              <a:rPr lang="en-US" altLang="ko-KR" sz="1200" kern="1200" dirty="0" smtClean="0">
-                <a:solidFill>
-                  <a:schemeClr val="tx1"/>
-                </a:solidFill>
-                <a:latin typeface="Arial" charset="0"/>
-                <a:ea typeface="+mn-ea"/>
-                <a:cs typeface="+mn-cs"/>
-              </a:rPr>
-              <a:t>. USB/IP</a:t>
-            </a:r>
-            <a:r>
               <a:rPr lang="ko-KR" altLang="en-US" sz="1200" kern="1200" dirty="0" smtClean="0">
                 <a:solidFill>
                   <a:schemeClr val="tx1"/>
@@ -4906,108 +4862,53 @@
                 <a:ea typeface="+mn-ea"/>
                 <a:cs typeface="+mn-cs"/>
               </a:rPr>
-              <a:t>는 오픈 소스로 개발된 기술로써 </a:t>
-            </a:r>
-            <a:r>
-              <a:rPr lang="ko-KR" altLang="ko-KR" sz="1200" kern="1200" dirty="0" smtClean="0">
-                <a:solidFill>
-                  <a:schemeClr val="tx1"/>
-                </a:solidFill>
-                <a:latin typeface="Arial" charset="0"/>
-                <a:ea typeface="+mn-ea"/>
-                <a:cs typeface="+mn-cs"/>
-              </a:rPr>
-              <a:t>내 컴퓨터에 연결된 </a:t>
-            </a:r>
-            <a:r>
-              <a:rPr lang="en-US" altLang="ko-KR" sz="1200" kern="1200" dirty="0" smtClean="0">
-                <a:solidFill>
-                  <a:schemeClr val="tx1"/>
-                </a:solidFill>
-                <a:latin typeface="Arial" charset="0"/>
-                <a:ea typeface="+mn-ea"/>
-                <a:cs typeface="+mn-cs"/>
-              </a:rPr>
-              <a:t>USB</a:t>
-            </a:r>
-            <a:r>
-              <a:rPr lang="ko-KR" altLang="ko-KR" sz="1200" kern="1200" dirty="0" smtClean="0">
-                <a:solidFill>
-                  <a:schemeClr val="tx1"/>
-                </a:solidFill>
-                <a:latin typeface="Arial" charset="0"/>
-                <a:ea typeface="+mn-ea"/>
-                <a:cs typeface="+mn-cs"/>
-              </a:rPr>
-              <a:t>장치를 무선으로 다른 사람의 컴퓨터에서 </a:t>
-            </a:r>
-            <a:r>
-              <a:rPr lang="en-US" altLang="ko-KR" sz="1200" kern="1200" dirty="0" smtClean="0">
-                <a:solidFill>
-                  <a:schemeClr val="tx1"/>
-                </a:solidFill>
-                <a:latin typeface="Arial" charset="0"/>
-                <a:ea typeface="+mn-ea"/>
-                <a:cs typeface="+mn-cs"/>
-              </a:rPr>
-              <a:t>USB</a:t>
-            </a:r>
-            <a:r>
-              <a:rPr lang="ko-KR" altLang="en-US" sz="1200" kern="1200" dirty="0" smtClean="0">
-                <a:solidFill>
-                  <a:schemeClr val="tx1"/>
-                </a:solidFill>
-                <a:latin typeface="Arial" charset="0"/>
-                <a:ea typeface="+mn-ea"/>
-                <a:cs typeface="+mn-cs"/>
-              </a:rPr>
-              <a:t>장치가 직접 연결된 것처럼 </a:t>
-            </a:r>
-            <a:r>
-              <a:rPr lang="ko-KR" altLang="ko-KR" sz="1200" kern="1200" dirty="0" smtClean="0">
-                <a:solidFill>
-                  <a:schemeClr val="tx1"/>
-                </a:solidFill>
-                <a:latin typeface="Arial" charset="0"/>
-                <a:ea typeface="+mn-ea"/>
-                <a:cs typeface="+mn-cs"/>
-              </a:rPr>
-              <a:t>사용할 수 있는 기술입니다</a:t>
-            </a:r>
-            <a:r>
-              <a:rPr lang="en-US" altLang="ko-KR" sz="1200" kern="1200" dirty="0" smtClean="0">
-                <a:solidFill>
-                  <a:schemeClr val="tx1"/>
-                </a:solidFill>
-                <a:latin typeface="Arial" charset="0"/>
-                <a:ea typeface="+mn-ea"/>
-                <a:cs typeface="+mn-cs"/>
-              </a:rPr>
-              <a:t>. (</a:t>
-            </a:r>
-            <a:r>
-              <a:rPr lang="ko-KR" altLang="en-US" sz="1200" kern="1200" dirty="0" smtClean="0">
-                <a:solidFill>
-                  <a:schemeClr val="tx1"/>
-                </a:solidFill>
-                <a:latin typeface="Arial" charset="0"/>
-                <a:ea typeface="+mn-ea"/>
-                <a:cs typeface="+mn-cs"/>
-              </a:rPr>
-              <a:t>천천히</a:t>
-            </a:r>
-            <a:r>
-              <a:rPr lang="en-US" altLang="ko-KR" sz="1200" kern="1200" dirty="0" smtClean="0">
-                <a:solidFill>
-                  <a:schemeClr val="tx1"/>
-                </a:solidFill>
-                <a:latin typeface="Arial" charset="0"/>
-                <a:ea typeface="+mn-ea"/>
-                <a:cs typeface="+mn-cs"/>
-              </a:rPr>
-              <a:t>)</a:t>
-            </a:r>
-            <a:endParaRPr lang="ko-KR" altLang="ko-KR" sz="1200" kern="1200" dirty="0">
+              <a:t>에</a:t>
+            </a:r>
+            <a:r>
+              <a:rPr lang="ko-KR" altLang="en-US" sz="1200" kern="1200" baseline="0" dirty="0" smtClean="0">
+                <a:solidFill>
+                  <a:schemeClr val="tx1"/>
+                </a:solidFill>
+                <a:latin typeface="Arial" charset="0"/>
+                <a:ea typeface="+mn-ea"/>
+                <a:cs typeface="+mn-cs"/>
+              </a:rPr>
+              <a:t> 연결되서 </a:t>
+            </a:r>
+            <a:r>
+              <a:rPr lang="ko-KR" altLang="en-US" sz="1200" kern="1200" baseline="0" dirty="0" err="1" smtClean="0">
+                <a:solidFill>
+                  <a:schemeClr val="tx1"/>
+                </a:solidFill>
+                <a:latin typeface="Arial" charset="0"/>
+                <a:ea typeface="+mn-ea"/>
+                <a:cs typeface="+mn-cs"/>
+              </a:rPr>
+              <a:t>스마트폰의</a:t>
+            </a:r>
+            <a:r>
+              <a:rPr lang="ko-KR" altLang="en-US" sz="1200" kern="1200" baseline="0" dirty="0" smtClean="0">
+                <a:solidFill>
+                  <a:schemeClr val="tx1"/>
+                </a:solidFill>
+                <a:latin typeface="Arial" charset="0"/>
+                <a:ea typeface="+mn-ea"/>
+                <a:cs typeface="+mn-cs"/>
+              </a:rPr>
+              <a:t> 어플리케이션을 사용할 수 있습니다</a:t>
+            </a:r>
+            <a:r>
+              <a:rPr lang="en-US" altLang="ko-KR" sz="1200" kern="1200" baseline="0" dirty="0" smtClean="0">
+                <a:solidFill>
+                  <a:schemeClr val="tx1"/>
+                </a:solidFill>
+                <a:latin typeface="Arial" charset="0"/>
+                <a:ea typeface="+mn-ea"/>
+                <a:cs typeface="+mn-cs"/>
+              </a:rPr>
+              <a:t>..</a:t>
+            </a:r>
+            <a:endParaRPr lang="ko-KR" altLang="en-US" sz="1200" kern="1200" dirty="0" smtClean="0">
               <a:solidFill>
                 <a:schemeClr val="tx1"/>
               </a:solidFill>
@@ -5114,6 +5015,17 @@
               <a:defRPr/>
             </a:pPr>
             <a:r>
+              <a:rPr lang="ko-KR" altLang="en-US" sz="1200" kern="1200" dirty="0" smtClean="0">
+                <a:solidFill>
+                  <a:schemeClr val="tx1"/>
+                </a:solidFill>
+                <a:latin typeface="Arial" charset="0"/>
+                <a:ea typeface="+mn-ea"/>
+                <a:cs typeface="+mn-cs"/>
+              </a:rPr>
+              <a:t>예를 들어 좌측이 윈도우 어플리케이션에 </a:t>
+            </a:r>
+            <a:r>
               <a:rPr lang="en-US" altLang="ko-KR" sz="1200" kern="1200" dirty="0" smtClean="0">
                 <a:solidFill>
                   <a:schemeClr val="tx1"/>
@@ -5122,6 +5034,160 @@
                 <a:ea typeface="+mn-ea"/>
                 <a:cs typeface="+mn-cs"/>
               </a:rPr>
+              <a:t>USB</a:t>
+            </a:r>
+            <a:r>
+              <a:rPr lang="ko-KR" altLang="en-US" sz="1200" kern="1200" dirty="0" smtClean="0">
+                <a:solidFill>
+                  <a:schemeClr val="tx1"/>
+                </a:solidFill>
+                <a:latin typeface="Arial" charset="0"/>
+                <a:ea typeface="+mn-ea"/>
+                <a:cs typeface="+mn-cs"/>
+              </a:rPr>
+              <a:t>카메라를 연결한 모습이라면</a:t>
+            </a:r>
+            <a:r>
+              <a:rPr lang="en-US" altLang="ko-KR" sz="1200" kern="1200" dirty="0" smtClean="0">
+                <a:solidFill>
+                  <a:schemeClr val="tx1"/>
+                </a:solidFill>
+                <a:latin typeface="Arial" charset="0"/>
+                <a:ea typeface="+mn-ea"/>
+                <a:cs typeface="+mn-cs"/>
+              </a:rPr>
+              <a:t>, </a:t>
+            </a:r>
+            <a:r>
+              <a:rPr lang="ko-KR" altLang="en-US" sz="1200" kern="1200" dirty="0" smtClean="0">
+                <a:solidFill>
+                  <a:schemeClr val="tx1"/>
+                </a:solidFill>
+                <a:latin typeface="Arial" charset="0"/>
+                <a:ea typeface="+mn-ea"/>
+                <a:cs typeface="+mn-cs"/>
+              </a:rPr>
+              <a:t>우측</a:t>
+            </a:r>
+            <a:r>
+              <a:rPr lang="ko-KR" altLang="en-US" sz="1200" kern="1200" baseline="0" dirty="0" smtClean="0">
+                <a:solidFill>
+                  <a:schemeClr val="tx1"/>
+                </a:solidFill>
+                <a:latin typeface="Arial" charset="0"/>
+                <a:ea typeface="+mn-ea"/>
+                <a:cs typeface="+mn-cs"/>
+              </a:rPr>
+              <a:t>에서 </a:t>
+            </a:r>
+            <a:r>
+              <a:rPr lang="ko-KR" altLang="en-US" sz="1200" kern="1200" baseline="0" dirty="0" err="1" smtClean="0">
+                <a:solidFill>
+                  <a:schemeClr val="tx1"/>
+                </a:solidFill>
+                <a:latin typeface="Arial" charset="0"/>
+                <a:ea typeface="+mn-ea"/>
+                <a:cs typeface="+mn-cs"/>
+              </a:rPr>
+              <a:t>스마트폰의</a:t>
+            </a:r>
+            <a:r>
+              <a:rPr lang="ko-KR" altLang="en-US" sz="1200" kern="1200" baseline="0" dirty="0" smtClean="0">
+                <a:solidFill>
+                  <a:schemeClr val="tx1"/>
+                </a:solidFill>
+                <a:latin typeface="Arial" charset="0"/>
+                <a:ea typeface="+mn-ea"/>
+                <a:cs typeface="+mn-cs"/>
+              </a:rPr>
+              <a:t> </a:t>
+            </a:r>
+            <a:r>
+              <a:rPr lang="ko-KR" altLang="en-US" sz="1200" kern="1200" dirty="0" smtClean="0">
+                <a:solidFill>
+                  <a:schemeClr val="tx1"/>
+                </a:solidFill>
+                <a:latin typeface="Arial" charset="0"/>
+                <a:ea typeface="+mn-ea"/>
+                <a:cs typeface="+mn-cs"/>
+              </a:rPr>
+              <a:t>카메라 어플리케이션도 </a:t>
+            </a:r>
+            <a:r>
+              <a:rPr lang="en-US" altLang="ko-KR" sz="1200" kern="1200" dirty="0" smtClean="0">
+                <a:solidFill>
+                  <a:schemeClr val="tx1"/>
+                </a:solidFill>
+                <a:latin typeface="Arial" charset="0"/>
+                <a:ea typeface="+mn-ea"/>
+                <a:cs typeface="+mn-cs"/>
+              </a:rPr>
+              <a:t>VHCI</a:t>
+            </a:r>
+            <a:r>
+              <a:rPr lang="ko-KR" altLang="en-US" sz="1200" kern="1200" dirty="0" smtClean="0">
+                <a:solidFill>
+                  <a:schemeClr val="tx1"/>
+                </a:solidFill>
+                <a:latin typeface="Arial" charset="0"/>
+                <a:ea typeface="+mn-ea"/>
+                <a:cs typeface="+mn-cs"/>
+              </a:rPr>
+              <a:t>드라이버를 통해 </a:t>
+            </a:r>
+            <a:r>
+              <a:rPr lang="en-US" altLang="ko-KR" sz="1200" kern="1200" dirty="0" smtClean="0">
+                <a:solidFill>
+                  <a:schemeClr val="tx1"/>
+                </a:solidFill>
+                <a:latin typeface="Arial" charset="0"/>
+                <a:ea typeface="+mn-ea"/>
+                <a:cs typeface="+mn-cs"/>
+              </a:rPr>
+              <a:t>USB</a:t>
+            </a:r>
+            <a:r>
+              <a:rPr lang="ko-KR" altLang="en-US" sz="1200" kern="1200" dirty="0" smtClean="0">
+                <a:solidFill>
+                  <a:schemeClr val="tx1"/>
+                </a:solidFill>
+                <a:latin typeface="Arial" charset="0"/>
+                <a:ea typeface="+mn-ea"/>
+                <a:cs typeface="+mn-cs"/>
+              </a:rPr>
+              <a:t>장치로 인식되고</a:t>
+            </a:r>
+            <a:r>
+              <a:rPr lang="en-US" altLang="ko-KR" sz="1200" kern="1200" dirty="0" smtClean="0">
+                <a:solidFill>
+                  <a:schemeClr val="tx1"/>
+                </a:solidFill>
+                <a:latin typeface="Arial" charset="0"/>
+                <a:ea typeface="+mn-ea"/>
+                <a:cs typeface="+mn-cs"/>
+              </a:rPr>
+              <a:t>,</a:t>
+            </a:r>
+            <a:r>
+              <a:rPr lang="ko-KR" altLang="en-US" sz="1200" kern="1200" dirty="0" smtClean="0">
+                <a:solidFill>
+                  <a:schemeClr val="tx1"/>
+                </a:solidFill>
+                <a:latin typeface="Arial" charset="0"/>
+                <a:ea typeface="+mn-ea"/>
+                <a:cs typeface="+mn-cs"/>
+              </a:rPr>
+              <a:t> </a:t>
+            </a:r>
+            <a:r>
+              <a:rPr lang="en-US" altLang="ko-KR" sz="1200" kern="1200" dirty="0" smtClean="0">
+                <a:solidFill>
+                  <a:schemeClr val="tx1"/>
+                </a:solidFill>
+                <a:latin typeface="Arial" charset="0"/>
+                <a:ea typeface="+mn-ea"/>
+                <a:cs typeface="+mn-cs"/>
+              </a:rPr>
               <a:t>USB/IP</a:t>
             </a:r>
             <a:r>
@@ -5133,18 +5199,40 @@
                 <a:ea typeface="+mn-ea"/>
                 <a:cs typeface="+mn-cs"/>
               </a:rPr>
-              <a:t>는 서버와 클라이언트로 나뉘어져있는데 서버를 </a:t>
-            </a:r>
-            <a:r>
-              <a:rPr lang="ko-KR" altLang="en-US" sz="1200" kern="1200" dirty="0" err="1" smtClean="0">
-                <a:solidFill>
-                  <a:schemeClr val="tx1"/>
-                </a:solidFill>
-                <a:latin typeface="Arial" charset="0"/>
-                <a:ea typeface="+mn-ea"/>
-                <a:cs typeface="+mn-cs"/>
-              </a:rPr>
-              <a:t>안드로이드</a:t>
+              <a:t>를 거쳐</a:t>
+            </a:r>
+            <a:r>
+              <a:rPr lang="ko-KR" altLang="en-US" sz="1200" kern="1200" baseline="0" dirty="0" smtClean="0">
+                <a:solidFill>
+                  <a:schemeClr val="tx1"/>
+                </a:solidFill>
+                <a:latin typeface="Arial" charset="0"/>
+                <a:ea typeface="+mn-ea"/>
+                <a:cs typeface="+mn-cs"/>
+              </a:rPr>
+              <a:t> 어플리케이션의 수정 없이 </a:t>
+            </a:r>
+            <a:r>
+              <a:rPr lang="en-US" altLang="ko-KR" sz="1200" kern="1200" baseline="0" dirty="0" smtClean="0">
+                <a:solidFill>
+                  <a:schemeClr val="tx1"/>
+                </a:solidFill>
+                <a:latin typeface="Arial" charset="0"/>
+                <a:ea typeface="+mn-ea"/>
+                <a:cs typeface="+mn-cs"/>
+              </a:rPr>
+              <a:t>PC</a:t>
+            </a:r>
+            <a:r>
+              <a:rPr lang="ko-KR" altLang="en-US" sz="1200" kern="1200" baseline="0" dirty="0" smtClean="0">
+                <a:solidFill>
+                  <a:schemeClr val="tx1"/>
+                </a:solidFill>
+                <a:latin typeface="Arial" charset="0"/>
+                <a:ea typeface="+mn-ea"/>
+                <a:cs typeface="+mn-cs"/>
+              </a:rPr>
+              <a:t>에서</a:t>
             </a:r>
             <a:r>
               <a:rPr lang="ko-KR" altLang="en-US" sz="1200" kern="1200" dirty="0" smtClean="0">
@@ -5155,18 +5243,29 @@
                 <a:ea typeface="+mn-ea"/>
                 <a:cs typeface="+mn-cs"/>
               </a:rPr>
-              <a:t> </a:t>
-            </a:r>
-            <a:r>
-              <a:rPr lang="ko-KR" altLang="en-US" sz="1200" kern="1200" dirty="0" err="1" smtClean="0">
-                <a:solidFill>
-                  <a:schemeClr val="tx1"/>
-                </a:solidFill>
-                <a:latin typeface="Arial" charset="0"/>
-                <a:ea typeface="+mn-ea"/>
-                <a:cs typeface="+mn-cs"/>
-              </a:rPr>
-              <a:t>스마트폰에</a:t>
+              <a:t> 좌측과 동일하게 </a:t>
+            </a:r>
+            <a:r>
+              <a:rPr lang="en-US" altLang="ko-KR" sz="1200" kern="1200" dirty="0" smtClean="0">
+                <a:solidFill>
+                  <a:schemeClr val="tx1"/>
+                </a:solidFill>
+                <a:latin typeface="Arial" charset="0"/>
+                <a:ea typeface="+mn-ea"/>
+                <a:cs typeface="+mn-cs"/>
+              </a:rPr>
+              <a:t>USB </a:t>
+            </a:r>
+            <a:r>
+              <a:rPr lang="ko-KR" altLang="en-US" sz="1200" kern="1200" smtClean="0">
+                <a:solidFill>
+                  <a:schemeClr val="tx1"/>
+                </a:solidFill>
+                <a:latin typeface="Arial" charset="0"/>
+                <a:ea typeface="+mn-ea"/>
+                <a:cs typeface="+mn-cs"/>
+              </a:rPr>
+              <a:t>카메라로 인식되는 </a:t>
             </a:r>
             <a:r>
               <a:rPr lang="ko-KR" altLang="en-US" sz="1200" kern="1200" dirty="0" smtClean="0">
@@ -5177,7 +5276,7 @@
                 <a:ea typeface="+mn-ea"/>
                 <a:cs typeface="+mn-cs"/>
               </a:rPr>
-              <a:t> 포팅하고</a:t>
+              <a:t>모습입니다</a:t>
             </a:r>
             <a:r>
               <a:rPr lang="en-US" altLang="ko-KR" sz="1200" kern="1200" dirty="0" smtClean="0">
@@ -5188,216 +5287,7 @@
                 <a:ea typeface="+mn-ea"/>
                 <a:cs typeface="+mn-cs"/>
               </a:rPr>
-              <a:t>, </a:t>
-            </a:r>
-            <a:r>
-              <a:rPr lang="ko-KR" altLang="en-US" sz="1200" kern="1200" dirty="0" smtClean="0">
-                <a:solidFill>
-                  <a:schemeClr val="tx1"/>
-                </a:solidFill>
-                <a:latin typeface="Arial" charset="0"/>
-                <a:ea typeface="+mn-ea"/>
-                <a:cs typeface="+mn-cs"/>
-              </a:rPr>
-              <a:t>어플리케이션을 </a:t>
-            </a:r>
-            <a:r>
-              <a:rPr lang="en-US" altLang="ko-KR" sz="1200" kern="1200" dirty="0" smtClean="0">
-                <a:solidFill>
-                  <a:schemeClr val="tx1"/>
-                </a:solidFill>
-                <a:latin typeface="Arial" charset="0"/>
-                <a:ea typeface="+mn-ea"/>
-                <a:cs typeface="+mn-cs"/>
-              </a:rPr>
-              <a:t>USB</a:t>
-            </a:r>
-            <a:r>
-              <a:rPr lang="ko-KR" altLang="en-US" sz="1200" kern="1200" dirty="0" smtClean="0">
-                <a:solidFill>
-                  <a:schemeClr val="tx1"/>
-                </a:solidFill>
-                <a:latin typeface="Arial" charset="0"/>
-                <a:ea typeface="+mn-ea"/>
-                <a:cs typeface="+mn-cs"/>
-              </a:rPr>
-              <a:t>장치처럼 보이도록 할 </a:t>
-            </a:r>
-            <a:r>
-              <a:rPr lang="en-US" altLang="ko-KR" sz="1200" kern="1200" dirty="0" smtClean="0">
-                <a:solidFill>
-                  <a:schemeClr val="tx1"/>
-                </a:solidFill>
-                <a:latin typeface="Arial" charset="0"/>
-                <a:ea typeface="+mn-ea"/>
-                <a:cs typeface="+mn-cs"/>
-              </a:rPr>
-              <a:t>VHCI</a:t>
-            </a:r>
-            <a:r>
-              <a:rPr lang="ko-KR" altLang="en-US" sz="1200" kern="1200" dirty="0" smtClean="0">
-                <a:solidFill>
-                  <a:schemeClr val="tx1"/>
-                </a:solidFill>
-                <a:latin typeface="Arial" charset="0"/>
-                <a:ea typeface="+mn-ea"/>
-                <a:cs typeface="+mn-cs"/>
-              </a:rPr>
-              <a:t>드라이버를 만들면</a:t>
-            </a:r>
-            <a:r>
-              <a:rPr lang="en-US" altLang="ko-KR" sz="1200" kern="1200" dirty="0" smtClean="0">
-                <a:solidFill>
-                  <a:schemeClr val="tx1"/>
-                </a:solidFill>
-                <a:latin typeface="Arial" charset="0"/>
-                <a:ea typeface="+mn-ea"/>
-                <a:cs typeface="+mn-cs"/>
-              </a:rPr>
-              <a:t>,</a:t>
-            </a:r>
-            <a:r>
-              <a:rPr lang="ko-KR" altLang="en-US" sz="1200" kern="1200" dirty="0" smtClean="0">
-                <a:solidFill>
-                  <a:schemeClr val="tx1"/>
-                </a:solidFill>
-                <a:latin typeface="Arial" charset="0"/>
-                <a:ea typeface="+mn-ea"/>
-                <a:cs typeface="+mn-cs"/>
-              </a:rPr>
-              <a:t> 어플리케이션이 </a:t>
-            </a:r>
-            <a:r>
-              <a:rPr lang="en-US" altLang="ko-KR" sz="1200" kern="1200" dirty="0" smtClean="0">
-                <a:solidFill>
-                  <a:schemeClr val="tx1"/>
-                </a:solidFill>
-                <a:latin typeface="Arial" charset="0"/>
-                <a:ea typeface="+mn-ea"/>
-                <a:cs typeface="+mn-cs"/>
-              </a:rPr>
-              <a:t>USB</a:t>
-            </a:r>
-            <a:r>
-              <a:rPr lang="ko-KR" altLang="en-US" sz="1200" kern="1200" dirty="0" smtClean="0">
-                <a:solidFill>
-                  <a:schemeClr val="tx1"/>
-                </a:solidFill>
-                <a:latin typeface="Arial" charset="0"/>
-                <a:ea typeface="+mn-ea"/>
-                <a:cs typeface="+mn-cs"/>
-              </a:rPr>
-              <a:t>장치로 인식됩니다</a:t>
-            </a:r>
-            <a:r>
-              <a:rPr lang="en-US" altLang="ko-KR" sz="1200" kern="1200" dirty="0" smtClean="0">
-                <a:solidFill>
-                  <a:schemeClr val="tx1"/>
-                </a:solidFill>
-                <a:latin typeface="Arial" charset="0"/>
-                <a:ea typeface="+mn-ea"/>
-                <a:cs typeface="+mn-cs"/>
-              </a:rPr>
-              <a:t>. </a:t>
-            </a:r>
-            <a:r>
-              <a:rPr lang="ko-KR" altLang="en-US" sz="1200" kern="1200" dirty="0" smtClean="0">
-                <a:solidFill>
-                  <a:schemeClr val="tx1"/>
-                </a:solidFill>
-                <a:latin typeface="Arial" charset="0"/>
-                <a:ea typeface="+mn-ea"/>
-                <a:cs typeface="+mn-cs"/>
-              </a:rPr>
-              <a:t>그리고 </a:t>
-            </a:r>
-            <a:r>
-              <a:rPr lang="en-US" altLang="ko-KR" sz="1200" kern="1200" dirty="0" smtClean="0">
-                <a:solidFill>
-                  <a:schemeClr val="tx1"/>
-                </a:solidFill>
-                <a:latin typeface="Arial" charset="0"/>
-                <a:ea typeface="+mn-ea"/>
-                <a:cs typeface="+mn-cs"/>
-              </a:rPr>
-              <a:t>USB/IP</a:t>
-            </a:r>
-            <a:r>
-              <a:rPr lang="ko-KR" altLang="en-US" sz="1200" kern="1200" dirty="0" smtClean="0">
-                <a:solidFill>
-                  <a:schemeClr val="tx1"/>
-                </a:solidFill>
-                <a:latin typeface="Arial" charset="0"/>
-                <a:ea typeface="+mn-ea"/>
-                <a:cs typeface="+mn-cs"/>
-              </a:rPr>
-              <a:t>를 통해 </a:t>
-            </a:r>
-            <a:r>
-              <a:rPr lang="en-US" altLang="ko-KR" sz="1200" kern="1200" dirty="0" smtClean="0">
-                <a:solidFill>
-                  <a:schemeClr val="tx1"/>
-                </a:solidFill>
-                <a:latin typeface="Arial" charset="0"/>
-                <a:ea typeface="+mn-ea"/>
-                <a:cs typeface="+mn-cs"/>
-              </a:rPr>
-              <a:t>PC</a:t>
-            </a:r>
-            <a:r>
-              <a:rPr lang="ko-KR" altLang="en-US" sz="1200" kern="1200" dirty="0" smtClean="0">
-                <a:solidFill>
-                  <a:schemeClr val="tx1"/>
-                </a:solidFill>
-                <a:latin typeface="Arial" charset="0"/>
-                <a:ea typeface="+mn-ea"/>
-                <a:cs typeface="+mn-cs"/>
-              </a:rPr>
-              <a:t>에</a:t>
-            </a:r>
-            <a:r>
-              <a:rPr lang="ko-KR" altLang="en-US" sz="1200" kern="1200" baseline="0" dirty="0" smtClean="0">
-                <a:solidFill>
-                  <a:schemeClr val="tx1"/>
-                </a:solidFill>
-                <a:latin typeface="Arial" charset="0"/>
-                <a:ea typeface="+mn-ea"/>
-                <a:cs typeface="+mn-cs"/>
-              </a:rPr>
-              <a:t> 연결되서 </a:t>
-            </a:r>
-            <a:r>
-              <a:rPr lang="ko-KR" altLang="en-US" sz="1200" kern="1200" baseline="0" dirty="0" err="1" smtClean="0">
-                <a:solidFill>
-                  <a:schemeClr val="tx1"/>
-                </a:solidFill>
-                <a:latin typeface="Arial" charset="0"/>
-                <a:ea typeface="+mn-ea"/>
-                <a:cs typeface="+mn-cs"/>
-              </a:rPr>
-              <a:t>스마트폰의</a:t>
-            </a:r>
-            <a:r>
-              <a:rPr lang="ko-KR" altLang="en-US" sz="1200" kern="1200" baseline="0" dirty="0" smtClean="0">
-                <a:solidFill>
-                  <a:schemeClr val="tx1"/>
-                </a:solidFill>
-                <a:latin typeface="Arial" charset="0"/>
-                <a:ea typeface="+mn-ea"/>
-                <a:cs typeface="+mn-cs"/>
-              </a:rPr>
-              <a:t> 어플리케이션을 사용할 수 있습니다</a:t>
-            </a:r>
-            <a:r>
-              <a:rPr lang="en-US" altLang="ko-KR" sz="1200" kern="1200" baseline="0" dirty="0" smtClean="0">
-                <a:solidFill>
-                  <a:schemeClr val="tx1"/>
-                </a:solidFill>
-                <a:latin typeface="Arial" charset="0"/>
-                <a:ea typeface="+mn-ea"/>
-                <a:cs typeface="+mn-cs"/>
-              </a:rPr>
-              <a:t>..</a:t>
+              <a:t>.</a:t>
             </a:r>
             <a:endParaRPr lang="ko-KR" altLang="en-US" sz="1200" kern="1200" dirty="0" smtClean="0">
               <a:solidFill>
@@ -5407,6 +5297,9 @@
               <a:ea typeface="+mn-ea"/>
               <a:cs typeface="+mn-cs"/>
             </a:endParaRPr>
+          </a:p>
+          <a:p>
+            <a:endParaRPr lang="ko-KR" altLang="en-US" dirty="0"/>
           </a:p>
         </p:txBody>
       </p:sp>
@@ -5506,6 +5399,17 @@
               <a:defRPr/>
             </a:pPr>
             <a:r>
+              <a:rPr lang="en-US" altLang="ko-KR" sz="1200" kern="1200" dirty="0" smtClean="0">
+                <a:solidFill>
+                  <a:schemeClr val="tx1"/>
+                </a:solidFill>
+                <a:latin typeface="Arial" charset="0"/>
+                <a:ea typeface="+mn-ea"/>
+                <a:cs typeface="+mn-cs"/>
+              </a:rPr>
+              <a:t>USB/IP</a:t>
+            </a:r>
+            <a:r>
               <a:rPr lang="ko-KR" altLang="en-US" sz="1200" kern="1200" dirty="0" smtClean="0">
                 <a:solidFill>
                   <a:schemeClr val="tx1"/>
@@ -5514,7 +5418,7 @@
                 <a:ea typeface="+mn-ea"/>
                 <a:cs typeface="+mn-cs"/>
               </a:rPr>
-              <a:t>예를 들어 좌측이 윈도우 어플리케이션에 </a:t>
+              <a:t>를 이용하게 되면 앞에서 예로 든 </a:t>
             </a:r>
             <a:r>
               <a:rPr lang="en-US" altLang="ko-KR" sz="1200" kern="1200" dirty="0" smtClean="0">
@@ -5536,7 +5440,7 @@
                 <a:ea typeface="+mn-ea"/>
                 <a:cs typeface="+mn-cs"/>
               </a:rPr>
-              <a:t>카메라를 연결한 모습이라면</a:t>
+              <a:t>카메라의 경우처럼 기존에 </a:t>
             </a:r>
             <a:r>
               <a:rPr lang="en-US" altLang="ko-KR" sz="1200" kern="1200" dirty="0" smtClean="0">
@@ -5547,7 +5451,7 @@
                 <a:ea typeface="+mn-ea"/>
                 <a:cs typeface="+mn-cs"/>
               </a:rPr>
-              <a:t>, </a:t>
+              <a:t>USB</a:t>
             </a:r>
             <a:r>
               <a:rPr lang="ko-KR" altLang="en-US" sz="1200" kern="1200" dirty="0" smtClean="0">
@@ -5558,40 +5462,18 @@
                 <a:ea typeface="+mn-ea"/>
                 <a:cs typeface="+mn-cs"/>
               </a:rPr>
-              <a:t>우측</a:t>
-            </a:r>
-            <a:r>
-              <a:rPr lang="ko-KR" altLang="en-US" sz="1200" kern="1200" baseline="0" dirty="0" smtClean="0">
-                <a:solidFill>
-                  <a:schemeClr val="tx1"/>
-                </a:solidFill>
-                <a:latin typeface="Arial" charset="0"/>
-                <a:ea typeface="+mn-ea"/>
-                <a:cs typeface="+mn-cs"/>
-              </a:rPr>
-              <a:t>에서 </a:t>
-            </a:r>
-            <a:r>
-              <a:rPr lang="ko-KR" altLang="en-US" sz="1200" kern="1200" baseline="0" dirty="0" err="1" smtClean="0">
-                <a:solidFill>
-                  <a:schemeClr val="tx1"/>
-                </a:solidFill>
-                <a:latin typeface="Arial" charset="0"/>
-                <a:ea typeface="+mn-ea"/>
-                <a:cs typeface="+mn-cs"/>
-              </a:rPr>
-              <a:t>스마트폰의</a:t>
-            </a:r>
-            <a:r>
-              <a:rPr lang="ko-KR" altLang="en-US" sz="1200" kern="1200" baseline="0" dirty="0" smtClean="0">
-                <a:solidFill>
-                  <a:schemeClr val="tx1"/>
-                </a:solidFill>
-                <a:latin typeface="Arial" charset="0"/>
-                <a:ea typeface="+mn-ea"/>
-                <a:cs typeface="+mn-cs"/>
-              </a:rPr>
-              <a:t> </a:t>
+              <a:t> 장치를 사용하던 </a:t>
+            </a:r>
+            <a:r>
+              <a:rPr lang="en-US" altLang="ko-KR" sz="1200" kern="1200" dirty="0" smtClean="0">
+                <a:solidFill>
+                  <a:schemeClr val="tx1"/>
+                </a:solidFill>
+                <a:latin typeface="Arial" charset="0"/>
+                <a:ea typeface="+mn-ea"/>
+                <a:cs typeface="+mn-cs"/>
+              </a:rPr>
+              <a:t>PC</a:t>
             </a:r>
             <a:r>
               <a:rPr lang="ko-KR" altLang="en-US" sz="1200" kern="1200" dirty="0" smtClean="0">
@@ -5602,7 +5484,7 @@
                 <a:ea typeface="+mn-ea"/>
                 <a:cs typeface="+mn-cs"/>
               </a:rPr>
-              <a:t>카메라 어플리케이션도 </a:t>
+              <a:t>용 어플리케이션들을 수정 없이 사용할 수 있다는 장점을 갖습니다</a:t>
             </a:r>
             <a:r>
               <a:rPr lang="en-US" altLang="ko-KR" sz="1200" kern="1200" dirty="0" smtClean="0">
@@ -5613,7 +5495,7 @@
                 <a:ea typeface="+mn-ea"/>
                 <a:cs typeface="+mn-cs"/>
               </a:rPr>
-              <a:t>VHCI</a:t>
+              <a:t>. </a:t>
             </a:r>
             <a:r>
               <a:rPr lang="ko-KR" altLang="en-US" sz="1200" kern="1200" dirty="0" smtClean="0">
@@ -5624,7 +5506,7 @@
                 <a:ea typeface="+mn-ea"/>
                 <a:cs typeface="+mn-cs"/>
               </a:rPr>
-              <a:t>드라이버를 통해 </a:t>
+              <a:t>하지만 </a:t>
             </a:r>
             <a:r>
               <a:rPr lang="en-US" altLang="ko-KR" sz="1200" kern="1200" dirty="0" smtClean="0">
@@ -5635,6 +5517,28 @@
                 <a:ea typeface="+mn-ea"/>
                 <a:cs typeface="+mn-cs"/>
               </a:rPr>
+              <a:t>TCP/IP</a:t>
+            </a:r>
+            <a:r>
+              <a:rPr lang="ko-KR" altLang="en-US" sz="1200" kern="1200" dirty="0" smtClean="0">
+                <a:solidFill>
+                  <a:schemeClr val="tx1"/>
+                </a:solidFill>
+                <a:latin typeface="Arial" charset="0"/>
+                <a:ea typeface="+mn-ea"/>
+                <a:cs typeface="+mn-cs"/>
+              </a:rPr>
+              <a:t>로 연결해서 </a:t>
+            </a:r>
+            <a:r>
+              <a:rPr lang="en-US" altLang="ko-KR" sz="1200" kern="1200" dirty="0" smtClean="0">
+                <a:solidFill>
+                  <a:schemeClr val="tx1"/>
+                </a:solidFill>
+                <a:latin typeface="Arial" charset="0"/>
+                <a:ea typeface="+mn-ea"/>
+                <a:cs typeface="+mn-cs"/>
+              </a:rPr>
               <a:t>USB</a:t>
             </a:r>
             <a:r>
@@ -5646,128 +5550,7 @@
                 <a:ea typeface="+mn-ea"/>
                 <a:cs typeface="+mn-cs"/>
               </a:rPr>
-              <a:t>장치로 인식되고</a:t>
-            </a:r>
-            <a:r>
-              <a:rPr lang="en-US" altLang="ko-KR" sz="1200" kern="1200" dirty="0" smtClean="0">
-                <a:solidFill>
-                  <a:schemeClr val="tx1"/>
-                </a:solidFill>
-                <a:latin typeface="Arial" charset="0"/>
-                <a:ea typeface="+mn-ea"/>
-                <a:cs typeface="+mn-cs"/>
-              </a:rPr>
-              <a:t>,</a:t>
-            </a:r>
-            <a:r>
-              <a:rPr lang="ko-KR" altLang="en-US" sz="1200" kern="1200" dirty="0" smtClean="0">
-                <a:solidFill>
-                  <a:schemeClr val="tx1"/>
-                </a:solidFill>
-                <a:latin typeface="Arial" charset="0"/>
-                <a:ea typeface="+mn-ea"/>
-                <a:cs typeface="+mn-cs"/>
-              </a:rPr>
-              <a:t> </a:t>
-            </a:r>
-            <a:r>
-              <a:rPr lang="en-US" altLang="ko-KR" sz="1200" kern="1200" dirty="0" smtClean="0">
-                <a:solidFill>
-                  <a:schemeClr val="tx1"/>
-                </a:solidFill>
-                <a:latin typeface="Arial" charset="0"/>
-                <a:ea typeface="+mn-ea"/>
-                <a:cs typeface="+mn-cs"/>
-              </a:rPr>
-              <a:t>USB/IP</a:t>
-            </a:r>
-            <a:r>
-              <a:rPr lang="ko-KR" altLang="en-US" sz="1200" kern="1200" dirty="0" smtClean="0">
-                <a:solidFill>
-                  <a:schemeClr val="tx1"/>
-                </a:solidFill>
-                <a:latin typeface="Arial" charset="0"/>
-                <a:ea typeface="+mn-ea"/>
-                <a:cs typeface="+mn-cs"/>
-              </a:rPr>
-              <a:t>를 거쳐</a:t>
-            </a:r>
-            <a:r>
-              <a:rPr lang="ko-KR" altLang="en-US" sz="1200" kern="1200" baseline="0" dirty="0" smtClean="0">
-                <a:solidFill>
-                  <a:schemeClr val="tx1"/>
-                </a:solidFill>
-                <a:latin typeface="Arial" charset="0"/>
-                <a:ea typeface="+mn-ea"/>
-                <a:cs typeface="+mn-cs"/>
-              </a:rPr>
-              <a:t> 어플리케이션의 수정 없이 </a:t>
-            </a:r>
-            <a:r>
-              <a:rPr lang="en-US" altLang="ko-KR" sz="1200" kern="1200" baseline="0" dirty="0" smtClean="0">
-                <a:solidFill>
-                  <a:schemeClr val="tx1"/>
-                </a:solidFill>
-                <a:latin typeface="Arial" charset="0"/>
-                <a:ea typeface="+mn-ea"/>
-                <a:cs typeface="+mn-cs"/>
-              </a:rPr>
-              <a:t>PC</a:t>
-            </a:r>
-            <a:r>
-              <a:rPr lang="ko-KR" altLang="en-US" sz="1200" kern="1200" baseline="0" dirty="0" smtClean="0">
-                <a:solidFill>
-                  <a:schemeClr val="tx1"/>
-                </a:solidFill>
-                <a:latin typeface="Arial" charset="0"/>
-                <a:ea typeface="+mn-ea"/>
-                <a:cs typeface="+mn-cs"/>
-              </a:rPr>
-              <a:t>에서</a:t>
-            </a:r>
-            <a:r>
-              <a:rPr lang="ko-KR" altLang="en-US" sz="1200" kern="1200" dirty="0" smtClean="0">
-                <a:solidFill>
-                  <a:schemeClr val="tx1"/>
-                </a:solidFill>
-                <a:latin typeface="Arial" charset="0"/>
-                <a:ea typeface="+mn-ea"/>
-                <a:cs typeface="+mn-cs"/>
-              </a:rPr>
-              <a:t> 좌측과 동일하게 </a:t>
-            </a:r>
-            <a:r>
-              <a:rPr lang="en-US" altLang="ko-KR" sz="1200" kern="1200" dirty="0" smtClean="0">
-                <a:solidFill>
-                  <a:schemeClr val="tx1"/>
-                </a:solidFill>
-                <a:latin typeface="Arial" charset="0"/>
-                <a:ea typeface="+mn-ea"/>
-                <a:cs typeface="+mn-cs"/>
-              </a:rPr>
-              <a:t>USB </a:t>
-            </a:r>
-            <a:r>
-              <a:rPr lang="ko-KR" altLang="en-US" sz="1200" kern="1200" smtClean="0">
-                <a:solidFill>
-                  <a:schemeClr val="tx1"/>
-                </a:solidFill>
-                <a:latin typeface="Arial" charset="0"/>
-                <a:ea typeface="+mn-ea"/>
-                <a:cs typeface="+mn-cs"/>
-              </a:rPr>
-              <a:t>카메라로 인식되는 </a:t>
-            </a:r>
-            <a:r>
-              <a:rPr lang="ko-KR" altLang="en-US" sz="1200" kern="1200" dirty="0" smtClean="0">
-                <a:solidFill>
-                  <a:schemeClr val="tx1"/>
-                </a:solidFill>
-                <a:latin typeface="Arial" charset="0"/>
-                <a:ea typeface="+mn-ea"/>
-                <a:cs typeface="+mn-cs"/>
-              </a:rPr>
-              <a:t>모습입니다</a:t>
+              <a:t>장치를 사용하려면 어플리케이션을 수정 해야 되는 문제점이 있습니다</a:t>
             </a:r>
             <a:r>
               <a:rPr lang="en-US" altLang="ko-KR" sz="1200" kern="1200" dirty="0" smtClean="0">
@@ -5788,9 +5571,6 @@
               <a:ea typeface="+mn-ea"/>
               <a:cs typeface="+mn-cs"/>
             </a:endParaRPr>
-          </a:p>
-          <a:p>
-            <a:endParaRPr lang="ko-KR" altLang="en-US" dirty="0"/>
           </a:p>
         </p:txBody>
       </p:sp>
@@ -5898,7 +5678,7 @@
                 <a:ea typeface="+mn-ea"/>
                 <a:cs typeface="+mn-cs"/>
               </a:rPr>
-              <a:t>USB/IP</a:t>
+              <a:t>Android-USB </a:t>
             </a:r>
             <a:r>
               <a:rPr lang="ko-KR" altLang="en-US" sz="1200" kern="1200" dirty="0" smtClean="0">
@@ -5909,7 +5689,7 @@
                 <a:ea typeface="+mn-ea"/>
                 <a:cs typeface="+mn-cs"/>
               </a:rPr>
-              <a:t>를 이용하게 되면 앞에서 예로 든 </a:t>
+              <a:t>프로젝트를 활용해서</a:t>
             </a:r>
             <a:r>
               <a:rPr lang="en-US" altLang="ko-KR" sz="1200" kern="1200" dirty="0" smtClean="0">
@@ -5920,7 +5700,7 @@
                 <a:ea typeface="+mn-ea"/>
                 <a:cs typeface="+mn-cs"/>
               </a:rPr>
-              <a:t>USB</a:t>
+              <a:t> PC</a:t>
             </a:r>
             <a:r>
               <a:rPr lang="ko-KR" altLang="en-US" sz="1200" kern="1200" dirty="0" smtClean="0">
@@ -5931,7 +5711,18 @@
                 <a:ea typeface="+mn-ea"/>
                 <a:cs typeface="+mn-cs"/>
               </a:rPr>
-              <a:t>카메라의 경우처럼 기존에 </a:t>
+              <a:t>에서 스마트폰의 </a:t>
+            </a:r>
+            <a:r>
+              <a:rPr lang="ko-KR" altLang="en-US" sz="1200" kern="1200" dirty="0" err="1" smtClean="0">
+                <a:solidFill>
+                  <a:schemeClr val="tx1"/>
+                </a:solidFill>
+                <a:latin typeface="Arial" charset="0"/>
+                <a:ea typeface="+mn-ea"/>
+                <a:cs typeface="+mn-cs"/>
+              </a:rPr>
+              <a:t>카카오톡</a:t>
             </a:r>
             <a:r>
               <a:rPr lang="en-US" altLang="ko-KR" sz="1200" kern="1200" dirty="0" smtClean="0">
@@ -5942,7 +5733,7 @@
                 <a:ea typeface="+mn-ea"/>
                 <a:cs typeface="+mn-cs"/>
               </a:rPr>
-              <a:t>USB</a:t>
+              <a:t>, </a:t>
             </a:r>
             <a:r>
               <a:rPr lang="ko-KR" altLang="en-US" sz="1200" kern="1200" dirty="0" smtClean="0">
@@ -5953,7 +5744,7 @@
                 <a:ea typeface="+mn-ea"/>
                 <a:cs typeface="+mn-cs"/>
               </a:rPr>
-              <a:t> 장치를 사용하던 </a:t>
+              <a:t>문자메시지를 사용할 수 있습니다</a:t>
             </a:r>
             <a:r>
               <a:rPr lang="en-US" altLang="ko-KR" sz="1200" kern="1200" dirty="0" smtClean="0">
@@ -5964,6 +5755,50 @@
                 <a:ea typeface="+mn-ea"/>
                 <a:cs typeface="+mn-cs"/>
               </a:rPr>
+              <a:t>. </a:t>
+            </a:r>
+            <a:r>
+              <a:rPr lang="ko-KR" altLang="en-US" sz="1200" kern="1200" dirty="0" smtClean="0">
+                <a:solidFill>
+                  <a:schemeClr val="tx1"/>
+                </a:solidFill>
+                <a:latin typeface="Arial" charset="0"/>
+                <a:ea typeface="+mn-ea"/>
+                <a:cs typeface="+mn-cs"/>
+              </a:rPr>
+              <a:t>그리고</a:t>
+            </a:r>
+            <a:r>
+              <a:rPr lang="en-US" altLang="ko-KR" sz="1200" kern="1200" dirty="0" smtClean="0">
+                <a:solidFill>
+                  <a:schemeClr val="tx1"/>
+                </a:solidFill>
+                <a:latin typeface="Arial" charset="0"/>
+                <a:ea typeface="+mn-ea"/>
+                <a:cs typeface="+mn-cs"/>
+              </a:rPr>
+              <a:t> </a:t>
+            </a:r>
+            <a:r>
+              <a:rPr lang="ko-KR" altLang="en-US" sz="1200" kern="1200" dirty="0" smtClean="0">
+                <a:solidFill>
+                  <a:schemeClr val="tx1"/>
+                </a:solidFill>
+                <a:latin typeface="Arial" charset="0"/>
+                <a:ea typeface="+mn-ea"/>
+                <a:cs typeface="+mn-cs"/>
+              </a:rPr>
+              <a:t>카메라로 찍은 사진을 바로 </a:t>
+            </a:r>
+            <a:r>
+              <a:rPr lang="en-US" altLang="ko-KR" sz="1200" kern="1200" dirty="0" smtClean="0">
+                <a:solidFill>
+                  <a:schemeClr val="tx1"/>
+                </a:solidFill>
+                <a:latin typeface="Arial" charset="0"/>
+                <a:ea typeface="+mn-ea"/>
+                <a:cs typeface="+mn-cs"/>
+              </a:rPr>
               <a:t>PC</a:t>
             </a:r>
             <a:r>
@@ -5975,7 +5810,7 @@
                 <a:ea typeface="+mn-ea"/>
                 <a:cs typeface="+mn-cs"/>
               </a:rPr>
-              <a:t>용 어플리케이션들을 수정 없이 사용할 수 있다는 장점을 갖습니다</a:t>
+              <a:t>에 저장하는 서비스를 만들 수 있고</a:t>
             </a:r>
             <a:r>
               <a:rPr lang="en-US" altLang="ko-KR" sz="1200" kern="1200" dirty="0" smtClean="0">
@@ -5986,6 +5821,50 @@
                 <a:ea typeface="+mn-ea"/>
                 <a:cs typeface="+mn-cs"/>
               </a:rPr>
+              <a:t>,</a:t>
+            </a:r>
+            <a:r>
+              <a:rPr lang="ko-KR" altLang="en-US" sz="1200" kern="1200" dirty="0" smtClean="0">
+                <a:solidFill>
+                  <a:schemeClr val="tx1"/>
+                </a:solidFill>
+                <a:latin typeface="Arial" charset="0"/>
+                <a:ea typeface="+mn-ea"/>
+                <a:cs typeface="+mn-cs"/>
+              </a:rPr>
+              <a:t> </a:t>
+            </a:r>
+            <a:r>
+              <a:rPr lang="ko-KR" altLang="en-US" sz="1200" kern="1200" dirty="0" err="1" smtClean="0">
+                <a:solidFill>
+                  <a:schemeClr val="tx1"/>
+                </a:solidFill>
+                <a:latin typeface="Arial" charset="0"/>
+                <a:ea typeface="+mn-ea"/>
+                <a:cs typeface="+mn-cs"/>
+              </a:rPr>
+              <a:t>스마트폰을</a:t>
+            </a:r>
+            <a:r>
+              <a:rPr lang="ko-KR" altLang="en-US" sz="1200" kern="1200" dirty="0" smtClean="0">
+                <a:solidFill>
+                  <a:schemeClr val="tx1"/>
+                </a:solidFill>
+                <a:latin typeface="Arial" charset="0"/>
+                <a:ea typeface="+mn-ea"/>
+                <a:cs typeface="+mn-cs"/>
+              </a:rPr>
+              <a:t> 터치패드로 쓸 수도 있습니다</a:t>
+            </a:r>
+            <a:r>
+              <a:rPr lang="en-US" altLang="ko-KR" sz="1200" kern="1200" dirty="0" smtClean="0">
+                <a:solidFill>
+                  <a:schemeClr val="tx1"/>
+                </a:solidFill>
+                <a:latin typeface="Arial" charset="0"/>
+                <a:ea typeface="+mn-ea"/>
+                <a:cs typeface="+mn-cs"/>
+              </a:rPr>
               <a:t>. </a:t>
             </a:r>
             <a:r>
@@ -5997,7 +5876,7 @@
                 <a:ea typeface="+mn-ea"/>
                 <a:cs typeface="+mn-cs"/>
               </a:rPr>
-              <a:t>하지만 </a:t>
+              <a:t>이 외에도 스마트폰의 수 많은 다른 기능들을 </a:t>
             </a:r>
             <a:r>
               <a:rPr lang="en-US" altLang="ko-KR" sz="1200" kern="1200" dirty="0" smtClean="0">
@@ -6008,7 +5887,7 @@
                 <a:ea typeface="+mn-ea"/>
                 <a:cs typeface="+mn-cs"/>
               </a:rPr>
-              <a:t>TCP/IP</a:t>
+              <a:t>PC</a:t>
             </a:r>
             <a:r>
               <a:rPr lang="ko-KR" altLang="en-US" sz="1200" kern="1200" dirty="0" smtClean="0">
@@ -6019,29 +5898,7 @@
                 <a:ea typeface="+mn-ea"/>
                 <a:cs typeface="+mn-cs"/>
               </a:rPr>
-              <a:t>로 연결해서 </a:t>
-            </a:r>
-            <a:r>
-              <a:rPr lang="en-US" altLang="ko-KR" sz="1200" kern="1200" dirty="0" smtClean="0">
-                <a:solidFill>
-                  <a:schemeClr val="tx1"/>
-                </a:solidFill>
-                <a:latin typeface="Arial" charset="0"/>
-                <a:ea typeface="+mn-ea"/>
-                <a:cs typeface="+mn-cs"/>
-              </a:rPr>
-              <a:t>USB</a:t>
-            </a:r>
-            <a:r>
-              <a:rPr lang="ko-KR" altLang="en-US" sz="1200" kern="1200" dirty="0" smtClean="0">
-                <a:solidFill>
-                  <a:schemeClr val="tx1"/>
-                </a:solidFill>
-                <a:latin typeface="Arial" charset="0"/>
-                <a:ea typeface="+mn-ea"/>
-                <a:cs typeface="+mn-cs"/>
-              </a:rPr>
-              <a:t>장치를 사용하려면 어플리케이션을 수정 해야 되는 문제점이 있습니다</a:t>
+              <a:t>에서 사용할 수 있습니다</a:t>
             </a:r>
             <a:r>
               <a:rPr lang="en-US" altLang="ko-KR" sz="1200" kern="1200" dirty="0" smtClean="0">
@@ -6062,6 +5919,9 @@
               <a:ea typeface="+mn-ea"/>
               <a:cs typeface="+mn-cs"/>
             </a:endParaRPr>
+          </a:p>
+          <a:p>
+            <a:endParaRPr lang="ko-KR" altLang="en-US" dirty="0"/>
           </a:p>
         </p:txBody>
       </p:sp>
@@ -6143,7 +6003,7 @@
           </a:xfrm>
           <a:extLst>
             <a:ext uri="{AF507438-7753-43E0-B8FC-AC1667EBCBE1}">
-              <a14:hiddenEffects xmlns="" xmlns:a14="http://schemas.microsoft.com/office/drawing/2010/main">
+              <a14:hiddenEffects xmlns:a14="http://schemas.microsoft.com/office/drawing/2010/main" xmlns="">
                 <a:effectLst>
                   <a:outerShdw dist="17961" dir="2700000" algn="ctr" rotWithShape="0">
                     <a:schemeClr val="bg1"/>
@@ -6187,7 +6047,7 @@
           </a:xfrm>
           <a:extLst>
             <a:ext uri="{AF507438-7753-43E0-B8FC-AC1667EBCBE1}">
-              <a14:hiddenEffects xmlns="" xmlns:a14="http://schemas.microsoft.com/office/drawing/2010/main">
+              <a14:hiddenEffects xmlns:a14="http://schemas.microsoft.com/office/drawing/2010/main" xmlns="">
                 <a:effectLst>
                   <a:outerShdw dist="17961" dir="2700000" algn="ctr" rotWithShape="0">
                     <a:schemeClr val="bg1"/>
@@ -6323,7 +6183,7 @@
     </p:spTree>
     <p:extLst>
       <p:ext uri="{BB962C8B-B14F-4D97-AF65-F5344CB8AC3E}">
-        <p14:creationId xmlns="" xmlns:p14="http://schemas.microsoft.com/office/powerpoint/2010/main" val="3191849363"/>
+        <p14:creationId xmlns:p14="http://schemas.microsoft.com/office/powerpoint/2010/main" xmlns="" val="3191849363"/>
       </p:ext>
     </p:extLst>
   </p:cSld>
@@ -6438,7 +6298,7 @@
     </p:spTree>
     <p:extLst>
       <p:ext uri="{BB962C8B-B14F-4D97-AF65-F5344CB8AC3E}">
-        <p14:creationId xmlns="" xmlns:p14="http://schemas.microsoft.com/office/powerpoint/2010/main" val="1524186507"/>
+        <p14:creationId xmlns:p14="http://schemas.microsoft.com/office/powerpoint/2010/main" xmlns="" val="1524186507"/>
       </p:ext>
     </p:extLst>
   </p:cSld>
@@ -6543,7 +6403,7 @@
     </p:spTree>
     <p:extLst>
       <p:ext uri="{BB962C8B-B14F-4D97-AF65-F5344CB8AC3E}">
-        <p14:creationId xmlns="" xmlns:p14="http://schemas.microsoft.com/office/powerpoint/2010/main" val="3261712152"/>
+        <p14:creationId xmlns:p14="http://schemas.microsoft.com/office/powerpoint/2010/main" xmlns="" val="3261712152"/>
       </p:ext>
     </p:extLst>
   </p:cSld>
@@ -6670,7 +6530,7 @@
     </p:spTree>
     <p:extLst>
       <p:ext uri="{BB962C8B-B14F-4D97-AF65-F5344CB8AC3E}">
-        <p14:creationId xmlns="" xmlns:p14="http://schemas.microsoft.com/office/powerpoint/2010/main" val="346190723"/>
+        <p14:creationId xmlns:p14="http://schemas.microsoft.com/office/powerpoint/2010/main" xmlns="" val="346190723"/>
       </p:ext>
     </p:extLst>
   </p:cSld>
@@ -6893,7 +6753,7 @@
     </p:spTree>
     <p:extLst>
       <p:ext uri="{BB962C8B-B14F-4D97-AF65-F5344CB8AC3E}">
-        <p14:creationId xmlns="" xmlns:p14="http://schemas.microsoft.com/office/powerpoint/2010/main" val="4255224362"/>
+        <p14:creationId xmlns:p14="http://schemas.microsoft.com/office/powerpoint/2010/main" xmlns="" val="4255224362"/>
       </p:ext>
     </p:extLst>
   </p:cSld>
@@ -7255,7 +7115,7 @@
     </p:spTree>
     <p:extLst>
       <p:ext uri="{BB962C8B-B14F-4D97-AF65-F5344CB8AC3E}">
-        <p14:creationId xmlns="" xmlns:p14="http://schemas.microsoft.com/office/powerpoint/2010/main" val="234523478"/>
+        <p14:creationId xmlns:p14="http://schemas.microsoft.com/office/powerpoint/2010/main" xmlns="" val="234523478"/>
       </p:ext>
     </p:extLst>
   </p:cSld>
@@ -7308,7 +7168,7 @@
     </p:spTree>
     <p:extLst>
       <p:ext uri="{BB962C8B-B14F-4D97-AF65-F5344CB8AC3E}">
-        <p14:creationId xmlns="" xmlns:p14="http://schemas.microsoft.com/office/powerpoint/2010/main" val="4170126094"/>
+        <p14:creationId xmlns:p14="http://schemas.microsoft.com/office/powerpoint/2010/main" xmlns="" val="4170126094"/>
       </p:ext>
     </p:extLst>
   </p:cSld>
@@ -7338,7 +7198,7 @@
     </p:spTree>
     <p:extLst>
       <p:ext uri="{BB962C8B-B14F-4D97-AF65-F5344CB8AC3E}">
-        <p14:creationId xmlns="" xmlns:p14="http://schemas.microsoft.com/office/powerpoint/2010/main" val="3131819388"/>
+        <p14:creationId xmlns:p14="http://schemas.microsoft.com/office/powerpoint/2010/main" xmlns="" val="3131819388"/>
       </p:ext>
     </p:extLst>
   </p:cSld>
@@ -7550,7 +7410,7 @@
     </p:spTree>
     <p:extLst>
       <p:ext uri="{BB962C8B-B14F-4D97-AF65-F5344CB8AC3E}">
-        <p14:creationId xmlns="" xmlns:p14="http://schemas.microsoft.com/office/powerpoint/2010/main" val="1266256783"/>
+        <p14:creationId xmlns:p14="http://schemas.microsoft.com/office/powerpoint/2010/main" xmlns="" val="1266256783"/>
       </p:ext>
     </p:extLst>
   </p:cSld>
@@ -7742,7 +7602,7 @@
     </p:spTree>
     <p:extLst>
       <p:ext uri="{BB962C8B-B14F-4D97-AF65-F5344CB8AC3E}">
-        <p14:creationId xmlns="" xmlns:p14="http://schemas.microsoft.com/office/powerpoint/2010/main" val="511494401"/>
+        <p14:creationId xmlns:p14="http://schemas.microsoft.com/office/powerpoint/2010/main" xmlns="" val="511494401"/>
       </p:ext>
     </p:extLst>
   </p:cSld>
@@ -7806,14 +7666,14 @@
           <a:effectLst/>
           <a:extLst>
             <a:ext uri="{909E8E84-426E-40DD-AFC4-6F175D3DCCD1}">
-              <a14:hiddenFill xmlns="" xmlns:a14="http://schemas.microsoft.com/office/drawing/2010/main">
+              <a14:hiddenFill xmlns:a14="http://schemas.microsoft.com/office/drawing/2010/main" xmlns="">
                 <a:solidFill>
                   <a:schemeClr val="accent1"/>
                 </a:solidFill>
               </a14:hiddenFill>
             </a:ext>
             <a:ext uri="{91240B29-F687-4F45-9708-019B960494DF}">
-              <a14:hiddenLine xmlns="" xmlns:a14="http://schemas.microsoft.com/office/drawing/2010/main" w="9525">
+              <a14:hiddenLine xmlns:a14="http://schemas.microsoft.com/office/drawing/2010/main" xmlns="" w="9525">
                 <a:solidFill>
                   <a:schemeClr val="tx1"/>
                 </a:solidFill>
@@ -7823,7 +7683,7 @@
               </a14:hiddenLine>
             </a:ext>
             <a:ext uri="{AF507438-7753-43E0-B8FC-AC1667EBCBE1}">
-              <a14:hiddenEffects xmlns="" xmlns:a14="http://schemas.microsoft.com/office/drawing/2010/main">
+              <a14:hiddenEffects xmlns:a14="http://schemas.microsoft.com/office/drawing/2010/main" xmlns="">
                 <a:effectLst>
                   <a:outerShdw dist="35921" dir="2700000" algn="ctr" rotWithShape="0">
                     <a:schemeClr val="bg2"/>
@@ -7875,14 +7735,14 @@
           <a:effectLst/>
           <a:extLst>
             <a:ext uri="{909E8E84-426E-40DD-AFC4-6F175D3DCCD1}">
-              <a14:hiddenFill xmlns="" xmlns:a14="http://schemas.microsoft.com/office/drawing/2010/main">
+              <a14:hiddenFill xmlns:a14="http://schemas.microsoft.com/office/drawing/2010/main" xmlns="">
                 <a:solidFill>
                   <a:schemeClr val="accent1"/>
                 </a:solidFill>
               </a14:hiddenFill>
             </a:ext>
             <a:ext uri="{91240B29-F687-4F45-9708-019B960494DF}">
-              <a14:hiddenLine xmlns="" xmlns:a14="http://schemas.microsoft.com/office/drawing/2010/main" w="9525">
+              <a14:hiddenLine xmlns:a14="http://schemas.microsoft.com/office/drawing/2010/main" xmlns="" w="9525">
                 <a:solidFill>
                   <a:schemeClr val="tx1"/>
                 </a:solidFill>
@@ -7892,7 +7752,7 @@
               </a14:hiddenLine>
             </a:ext>
             <a:ext uri="{AF507438-7753-43E0-B8FC-AC1667EBCBE1}">
-              <a14:hiddenEffects xmlns="" xmlns:a14="http://schemas.microsoft.com/office/drawing/2010/main">
+              <a14:hiddenEffects xmlns:a14="http://schemas.microsoft.com/office/drawing/2010/main" xmlns="">
                 <a:effectLst>
                   <a:outerShdw dist="35921" dir="2700000" algn="ctr" rotWithShape="0">
                     <a:schemeClr val="bg2"/>
@@ -8349,32 +8209,6 @@
           <a:chExt cx="0" cy="0"/>
         </a:xfrm>
       </p:grpSpPr>
-      <p:pic>
-        <p:nvPicPr>
-          <p:cNvPr id="4099" name="Picture 3" descr="C:\Documents and Settings\Administrator\바탕 화면\6172053263_20120211164754.PNG"/>
-          <p:cNvPicPr>
-            <a:picLocks noChangeAspect="1" noChangeArrowheads="1"/>
-          </p:cNvPicPr>
-          <p:nvPr/>
-        </p:nvPicPr>
-        <p:blipFill>
-          <a:blip r:embed="rId3" cstate="print"/>
-          <a:srcRect/>
-          <a:stretch>
-            <a:fillRect/>
-          </a:stretch>
-        </p:blipFill>
-        <p:spPr bwMode="auto">
-          <a:xfrm>
-            <a:off x="1691680" y="1844824"/>
-            <a:ext cx="4638675" cy="3676650"/>
-          </a:xfrm>
-          <a:prstGeom prst="rect">
-            <a:avLst/>
-          </a:prstGeom>
-          <a:noFill/>
-        </p:spPr>
-      </p:pic>
       <p:graphicFrame>
         <p:nvGraphicFramePr>
           <p:cNvPr id="5" name="표 4"/>
@@ -8384,7 +8218,7 @@
           <p:nvPr>
             <p:extLst>
               <p:ext uri="{D42A27DB-BD31-4B8C-83A1-F6EECF244321}">
-                <p14:modId xmlns="" xmlns:p14="http://schemas.microsoft.com/office/powerpoint/2010/main" val="3019215210"/>
+                <p14:modId xmlns:p14="http://schemas.microsoft.com/office/powerpoint/2010/main" xmlns="" val="3019215210"/>
               </p:ext>
             </p:extLst>
           </p:nvPr>
@@ -9140,28 +8974,28 @@
       </p:sp>
       <p:grpSp>
         <p:nvGrpSpPr>
-          <p:cNvPr id="10" name="그룹 9"/>
+          <p:cNvPr id="9" name="그룹 8"/>
           <p:cNvGrpSpPr/>
           <p:nvPr/>
         </p:nvGrpSpPr>
         <p:grpSpPr>
           <a:xfrm>
-            <a:off x="2483768" y="2204864"/>
-            <a:ext cx="3024336" cy="1902307"/>
-            <a:chOff x="2483768" y="2204864"/>
-            <a:chExt cx="3024336" cy="1902307"/>
+            <a:off x="1690092" y="1700808"/>
+            <a:ext cx="4610100" cy="3667125"/>
+            <a:chOff x="1763688" y="1844824"/>
+            <a:chExt cx="4610100" cy="3667125"/>
           </a:xfrm>
         </p:grpSpPr>
         <p:pic>
           <p:nvPicPr>
-            <p:cNvPr id="1026" name="Picture 2" descr="C:\Documents and Settings\Administrator\바탕 화면\Untitled-1.gif"/>
+            <p:cNvPr id="2" name="Picture 2" descr="C:\Documents and Settings\Administrator\바탕 화면\Untitled-1.png"/>
             <p:cNvPicPr>
               <a:picLocks noChangeAspect="1" noChangeArrowheads="1"/>
             </p:cNvPicPr>
             <p:nvPr/>
           </p:nvPicPr>
           <p:blipFill>
-            <a:blip r:embed="rId4" cstate="print"/>
+            <a:blip r:embed="rId3" cstate="print"/>
             <a:srcRect/>
             <a:stretch>
               <a:fillRect/>
@@ -9169,8 +9003,8 @@
           </p:blipFill>
           <p:spPr bwMode="auto">
             <a:xfrm>
-              <a:off x="3347865" y="2204864"/>
-              <a:ext cx="1296144" cy="1902307"/>
+              <a:off x="1763688" y="1844824"/>
+              <a:ext cx="4610100" cy="3667125"/>
             </a:xfrm>
             <a:prstGeom prst="rect">
               <a:avLst/>
@@ -9178,47 +9012,88 @@
             <a:noFill/>
           </p:spPr>
         </p:pic>
-        <p:pic>
-          <p:nvPicPr>
-            <p:cNvPr id="3" name="Picture 2" descr="N:\설계프로젝트\임시저장\제목-없음-3.png"/>
-            <p:cNvPicPr>
-              <a:picLocks noChangeAspect="1" noChangeArrowheads="1"/>
-            </p:cNvPicPr>
+        <p:grpSp>
+          <p:nvGrpSpPr>
+            <p:cNvPr id="10" name="그룹 9"/>
+            <p:cNvGrpSpPr/>
             <p:nvPr/>
-          </p:nvPicPr>
-          <p:blipFill>
-            <a:blip r:embed="rId5" cstate="print">
+          </p:nvGrpSpPr>
+          <p:grpSpPr>
+            <a:xfrm>
+              <a:off x="2483768" y="2204864"/>
+              <a:ext cx="3024336" cy="1902307"/>
+              <a:chOff x="2483768" y="2204864"/>
+              <a:chExt cx="3024336" cy="1902307"/>
+            </a:xfrm>
+          </p:grpSpPr>
+          <p:pic>
+            <p:nvPicPr>
+              <p:cNvPr id="1026" name="Picture 2" descr="C:\Documents and Settings\Administrator\바탕 화면\Untitled-1.gif"/>
+              <p:cNvPicPr>
+                <a:picLocks noChangeAspect="1" noChangeArrowheads="1"/>
+              </p:cNvPicPr>
+              <p:nvPr/>
+            </p:nvPicPr>
+            <p:blipFill>
+              <a:blip r:embed="rId4" cstate="print"/>
+              <a:srcRect/>
+              <a:stretch>
+                <a:fillRect/>
+              </a:stretch>
+            </p:blipFill>
+            <p:spPr bwMode="auto">
+              <a:xfrm>
+                <a:off x="3347865" y="2204864"/>
+                <a:ext cx="1296144" cy="1902307"/>
+              </a:xfrm>
+              <a:prstGeom prst="rect">
+                <a:avLst/>
+              </a:prstGeom>
+              <a:noFill/>
+            </p:spPr>
+          </p:pic>
+          <p:pic>
+            <p:nvPicPr>
+              <p:cNvPr id="3" name="Picture 2" descr="N:\설계프로젝트\임시저장\제목-없음-3.png"/>
+              <p:cNvPicPr>
+                <a:picLocks noChangeAspect="1" noChangeArrowheads="1"/>
+              </p:cNvPicPr>
+              <p:nvPr/>
+            </p:nvPicPr>
+            <p:blipFill>
+              <a:blip r:embed="rId5" cstate="print">
+                <a:extLst>
+                  <a:ext uri="{28A0092B-C50C-407E-A947-70E740481C1C}">
+                    <a14:useLocalDpi xmlns:a14="http://schemas.microsoft.com/office/drawing/2010/main" xmlns="" val="0"/>
+                  </a:ext>
+                </a:extLst>
+              </a:blip>
+              <a:srcRect/>
+              <a:stretch>
+                <a:fillRect/>
+              </a:stretch>
+            </p:blipFill>
+            <p:spPr bwMode="auto">
+              <a:xfrm>
+                <a:off x="2483768" y="2306094"/>
+                <a:ext cx="3024336" cy="1728192"/>
+              </a:xfrm>
+              <a:prstGeom prst="rect">
+                <a:avLst/>
+              </a:prstGeom>
+              <a:noFill/>
               <a:extLst>
-                <a:ext uri="{28A0092B-C50C-407E-A947-70E740481C1C}">
-                  <a14:useLocalDpi xmlns="" xmlns:a14="http://schemas.microsoft.com/office/drawing/2010/main" val="0"/>
+                <a:ext uri="{909E8E84-426E-40DD-AFC4-6F175D3DCCD1}">
+                  <a14:hiddenFill xmlns:a14="http://schemas.microsoft.com/office/drawing/2010/main" xmlns="">
+                    <a:solidFill>
+                      <a:srgbClr val="FFFFFF"/>
+                    </a:solidFill>
+                  </a14:hiddenFill>
                 </a:ext>
               </a:extLst>
-            </a:blip>
-            <a:srcRect/>
-            <a:stretch>
-              <a:fillRect/>
-            </a:stretch>
-          </p:blipFill>
-          <p:spPr bwMode="auto">
-            <a:xfrm>
-              <a:off x="2483768" y="2306094"/>
-              <a:ext cx="3024336" cy="1728192"/>
-            </a:xfrm>
-            <a:prstGeom prst="rect">
-              <a:avLst/>
-            </a:prstGeom>
-            <a:noFill/>
-            <a:extLst>
-              <a:ext uri="{909E8E84-426E-40DD-AFC4-6F175D3DCCD1}">
-                <a14:hiddenFill xmlns="" xmlns:a14="http://schemas.microsoft.com/office/drawing/2010/main">
-                  <a:solidFill>
-                    <a:srgbClr val="FFFFFF"/>
-                  </a:solidFill>
-                </a14:hiddenFill>
-              </a:ext>
-            </a:extLst>
-          </p:spPr>
-        </p:pic>
+            </p:spPr>
+          </p:pic>
+        </p:grpSp>
       </p:grpSp>
     </p:spTree>
   </p:cSld>
@@ -9237,689 +9112,6 @@
 </file>
 
 <file path=ppt/slides/slide10.xml><?xml version="1.0" encoding="utf-8"?>
-<p:sld xmlns:a="http://schemas.openxmlformats.org/drawingml/2006/main" xmlns:r="http://schemas.openxmlformats.org/officeDocument/2006/relationships" xmlns:p="http://schemas.openxmlformats.org/presentationml/2006/main">
-  <p:cSld>
-    <p:spTree>
-      <p:nvGrpSpPr>
-        <p:cNvPr id="1" name=""/>
-        <p:cNvGrpSpPr/>
-        <p:nvPr/>
-      </p:nvGrpSpPr>
-      <p:grpSpPr>
-        <a:xfrm>
-          <a:off x="0" y="0"/>
-          <a:ext cx="0" cy="0"/>
-          <a:chOff x="0" y="0"/>
-          <a:chExt cx="0" cy="0"/>
-        </a:xfrm>
-      </p:grpSpPr>
-      <p:cxnSp>
-        <p:nvCxnSpPr>
-          <p:cNvPr id="20" name="직선 연결선 19"/>
-          <p:cNvCxnSpPr/>
-          <p:nvPr/>
-        </p:nvCxnSpPr>
-        <p:spPr>
-          <a:xfrm>
-            <a:off x="4583812" y="1700809"/>
-            <a:ext cx="0" cy="3125961"/>
-          </a:xfrm>
-          <a:prstGeom prst="line">
-            <a:avLst/>
-          </a:prstGeom>
-          <a:ln w="38100">
-            <a:solidFill>
-              <a:srgbClr val="000000"/>
-            </a:solidFill>
-            <a:prstDash val="dash"/>
-          </a:ln>
-        </p:spPr>
-        <p:style>
-          <a:lnRef idx="1">
-            <a:schemeClr val="accent1"/>
-          </a:lnRef>
-          <a:fillRef idx="0">
-            <a:schemeClr val="accent1"/>
-          </a:fillRef>
-          <a:effectRef idx="0">
-            <a:schemeClr val="accent1"/>
-          </a:effectRef>
-          <a:fontRef idx="minor">
-            <a:schemeClr val="tx1"/>
-          </a:fontRef>
-        </p:style>
-      </p:cxnSp>
-      <p:sp>
-        <p:nvSpPr>
-          <p:cNvPr id="2" name="제목 1"/>
-          <p:cNvSpPr>
-            <a:spLocks noGrp="1"/>
-          </p:cNvSpPr>
-          <p:nvPr>
-            <p:ph type="title"/>
-          </p:nvPr>
-        </p:nvSpPr>
-        <p:spPr/>
-        <p:txBody>
-          <a:bodyPr/>
-          <a:lstStyle/>
-          <a:p>
-            <a:pPr marL="914400" indent="-914400">
-              <a:buFont typeface="+mj-lt"/>
-              <a:buAutoNum type="arabicPeriod" startAt="4"/>
-            </a:pPr>
-            <a:r>
-              <a:rPr lang="ko-KR" altLang="en-US" sz="5400" spc="600" dirty="0" smtClean="0">
-                <a:solidFill>
-                  <a:srgbClr val="000000"/>
-                </a:solidFill>
-                <a:latin typeface="HY동녘M" pitchFamily="18" charset="-127"/>
-                <a:ea typeface="HY동녘M" pitchFamily="18" charset="-127"/>
-              </a:rPr>
-              <a:t>활용 서비스</a:t>
-            </a:r>
-            <a:endParaRPr lang="ko-KR" altLang="en-US" sz="5400" spc="600" dirty="0">
-              <a:solidFill>
-                <a:srgbClr val="000000"/>
-              </a:solidFill>
-              <a:latin typeface="HY동녘M" pitchFamily="18" charset="-127"/>
-              <a:ea typeface="HY동녘M" pitchFamily="18" charset="-127"/>
-            </a:endParaRPr>
-          </a:p>
-        </p:txBody>
-      </p:sp>
-      <p:pic>
-        <p:nvPicPr>
-          <p:cNvPr id="8" name="그림 7"/>
-          <p:cNvPicPr>
-            <a:picLocks noChangeAspect="1"/>
-          </p:cNvPicPr>
-          <p:nvPr/>
-        </p:nvPicPr>
-        <p:blipFill>
-          <a:blip r:embed="rId3" cstate="print">
-            <a:extLst>
-              <a:ext uri="{28A0092B-C50C-407E-A947-70E740481C1C}">
-                <a14:useLocalDpi xmlns="" xmlns:a14="http://schemas.microsoft.com/office/drawing/2010/main" val="0"/>
-              </a:ext>
-            </a:extLst>
-          </a:blip>
-          <a:stretch>
-            <a:fillRect/>
-          </a:stretch>
-        </p:blipFill>
-        <p:spPr>
-          <a:xfrm>
-            <a:off x="6372200" y="2110840"/>
-            <a:ext cx="1700153" cy="3219986"/>
-          </a:xfrm>
-          <a:prstGeom prst="rect">
-            <a:avLst/>
-          </a:prstGeom>
-        </p:spPr>
-      </p:pic>
-      <p:grpSp>
-        <p:nvGrpSpPr>
-          <p:cNvPr id="3" name="그룹 8"/>
-          <p:cNvGrpSpPr/>
-          <p:nvPr/>
-        </p:nvGrpSpPr>
-        <p:grpSpPr>
-          <a:xfrm>
-            <a:off x="3347864" y="2790910"/>
-            <a:ext cx="3096344" cy="1222528"/>
-            <a:chOff x="3511961" y="3632546"/>
-            <a:chExt cx="1921661" cy="936104"/>
-          </a:xfrm>
-        </p:grpSpPr>
-        <p:sp>
-          <p:nvSpPr>
-            <p:cNvPr id="10" name="아래쪽 화살표 9"/>
-            <p:cNvSpPr/>
-            <p:nvPr/>
-          </p:nvSpPr>
-          <p:spPr>
-            <a:xfrm rot="5400000">
-              <a:off x="3921300" y="3223207"/>
-              <a:ext cx="936104" cy="1754782"/>
-            </a:xfrm>
-            <a:prstGeom prst="downArrow">
-              <a:avLst/>
-            </a:prstGeom>
-          </p:spPr>
-          <p:style>
-            <a:lnRef idx="0">
-              <a:schemeClr val="accent1"/>
-            </a:lnRef>
-            <a:fillRef idx="3">
-              <a:schemeClr val="accent1"/>
-            </a:fillRef>
-            <a:effectRef idx="3">
-              <a:schemeClr val="accent1"/>
-            </a:effectRef>
-            <a:fontRef idx="minor">
-              <a:schemeClr val="lt1"/>
-            </a:fontRef>
-          </p:style>
-          <p:txBody>
-            <a:bodyPr rtlCol="0" anchor="ctr"/>
-            <a:lstStyle/>
-            <a:p>
-              <a:pPr algn="ctr"/>
-              <a:endParaRPr lang="ko-KR" altLang="en-US" dirty="0"/>
-            </a:p>
-          </p:txBody>
-        </p:sp>
-        <p:sp>
-          <p:nvSpPr>
-            <p:cNvPr id="11" name="TextBox 10"/>
-            <p:cNvSpPr txBox="1"/>
-            <p:nvPr/>
-          </p:nvSpPr>
-          <p:spPr>
-            <a:xfrm>
-              <a:off x="3707361" y="3894436"/>
-              <a:ext cx="1726261" cy="400636"/>
-            </a:xfrm>
-            <a:prstGeom prst="rect">
-              <a:avLst/>
-            </a:prstGeom>
-            <a:noFill/>
-          </p:spPr>
-          <p:txBody>
-            <a:bodyPr wrap="none" rtlCol="0">
-              <a:spAutoFit/>
-            </a:bodyPr>
-            <a:lstStyle/>
-            <a:p>
-              <a:r>
-                <a:rPr lang="en-US" altLang="ko-KR" sz="2800" dirty="0" smtClean="0">
-                  <a:solidFill>
-                    <a:schemeClr val="tx2">
-                      <a:lumMod val="50000"/>
-                    </a:schemeClr>
-                  </a:solidFill>
-                </a:rPr>
-                <a:t>Android-USB</a:t>
-              </a:r>
-              <a:endParaRPr lang="ko-KR" altLang="en-US" sz="2800" dirty="0">
-                <a:solidFill>
-                  <a:schemeClr val="tx2">
-                    <a:lumMod val="50000"/>
-                  </a:schemeClr>
-                </a:solidFill>
-              </a:endParaRPr>
-            </a:p>
-          </p:txBody>
-        </p:sp>
-      </p:grpSp>
-      <p:pic>
-        <p:nvPicPr>
-          <p:cNvPr id="12" name="Picture 2" descr="N:\설계프로젝트\임시저장\제목-없음-1.png"/>
-          <p:cNvPicPr>
-            <a:picLocks noChangeAspect="1" noChangeArrowheads="1"/>
-          </p:cNvPicPr>
-          <p:nvPr/>
-        </p:nvPicPr>
-        <p:blipFill>
-          <a:blip r:embed="rId4" cstate="print">
-            <a:extLst>
-              <a:ext uri="{28A0092B-C50C-407E-A947-70E740481C1C}">
-                <a14:useLocalDpi xmlns="" xmlns:a14="http://schemas.microsoft.com/office/drawing/2010/main" val="0"/>
-              </a:ext>
-            </a:extLst>
-          </a:blip>
-          <a:srcRect/>
-          <a:stretch>
-            <a:fillRect/>
-          </a:stretch>
-        </p:blipFill>
-        <p:spPr bwMode="auto">
-          <a:xfrm>
-            <a:off x="218383" y="1936838"/>
-            <a:ext cx="3813557" cy="3177964"/>
-          </a:xfrm>
-          <a:prstGeom prst="rect">
-            <a:avLst/>
-          </a:prstGeom>
-          <a:noFill/>
-          <a:extLst>
-            <a:ext uri="{909E8E84-426E-40DD-AFC4-6F175D3DCCD1}">
-              <a14:hiddenFill xmlns="" xmlns:a14="http://schemas.microsoft.com/office/drawing/2010/main">
-                <a:solidFill>
-                  <a:srgbClr val="FFFFFF"/>
-                </a:solidFill>
-              </a14:hiddenFill>
-            </a:ext>
-          </a:extLst>
-        </p:spPr>
-      </p:pic>
-      <p:pic>
-        <p:nvPicPr>
-          <p:cNvPr id="1027" name="Picture 3" descr="C:\Documents and Settings\XP\바탕 화면\무제-1.png"/>
-          <p:cNvPicPr>
-            <a:picLocks noChangeAspect="1" noChangeArrowheads="1"/>
-          </p:cNvPicPr>
-          <p:nvPr/>
-        </p:nvPicPr>
-        <p:blipFill>
-          <a:blip r:embed="rId5" cstate="print">
-            <a:extLst>
-              <a:ext uri="{28A0092B-C50C-407E-A947-70E740481C1C}">
-                <a14:useLocalDpi xmlns="" xmlns:a14="http://schemas.microsoft.com/office/drawing/2010/main" val="0"/>
-              </a:ext>
-            </a:extLst>
-          </a:blip>
-          <a:srcRect/>
-          <a:stretch>
-            <a:fillRect/>
-          </a:stretch>
-        </p:blipFill>
-        <p:spPr bwMode="auto">
-          <a:xfrm>
-            <a:off x="6657065" y="2954562"/>
-            <a:ext cx="476250" cy="476250"/>
-          </a:xfrm>
-          <a:prstGeom prst="rect">
-            <a:avLst/>
-          </a:prstGeom>
-          <a:noFill/>
-          <a:extLst>
-            <a:ext uri="{909E8E84-426E-40DD-AFC4-6F175D3DCCD1}">
-              <a14:hiddenFill xmlns="" xmlns:a14="http://schemas.microsoft.com/office/drawing/2010/main">
-                <a:solidFill>
-                  <a:srgbClr val="FFFFFF"/>
-                </a:solidFill>
-              </a14:hiddenFill>
-            </a:ext>
-          </a:extLst>
-        </p:spPr>
-      </p:pic>
-      <p:pic>
-        <p:nvPicPr>
-          <p:cNvPr id="1028" name="Picture 4" descr="C:\Documents and Settings\XP\바탕 화면\메시지.png"/>
-          <p:cNvPicPr>
-            <a:picLocks noChangeAspect="1" noChangeArrowheads="1"/>
-          </p:cNvPicPr>
-          <p:nvPr/>
-        </p:nvPicPr>
-        <p:blipFill>
-          <a:blip r:embed="rId6" cstate="print">
-            <a:extLst>
-              <a:ext uri="{28A0092B-C50C-407E-A947-70E740481C1C}">
-                <a14:useLocalDpi xmlns="" xmlns:a14="http://schemas.microsoft.com/office/drawing/2010/main" val="0"/>
-              </a:ext>
-            </a:extLst>
-          </a:blip>
-          <a:srcRect/>
-          <a:stretch>
-            <a:fillRect/>
-          </a:stretch>
-        </p:blipFill>
-        <p:spPr bwMode="auto">
-          <a:xfrm>
-            <a:off x="7336110" y="2966002"/>
-            <a:ext cx="476250" cy="476250"/>
-          </a:xfrm>
-          <a:prstGeom prst="rect">
-            <a:avLst/>
-          </a:prstGeom>
-          <a:noFill/>
-          <a:extLst>
-            <a:ext uri="{909E8E84-426E-40DD-AFC4-6F175D3DCCD1}">
-              <a14:hiddenFill xmlns="" xmlns:a14="http://schemas.microsoft.com/office/drawing/2010/main">
-                <a:solidFill>
-                  <a:srgbClr val="FFFFFF"/>
-                </a:solidFill>
-              </a14:hiddenFill>
-            </a:ext>
-          </a:extLst>
-        </p:spPr>
-      </p:pic>
-      <p:pic>
-        <p:nvPicPr>
-          <p:cNvPr id="18" name="Picture 3" descr="C:\Documents and Settings\XP\바탕 화면\무제-1.png"/>
-          <p:cNvPicPr>
-            <a:picLocks noChangeAspect="1" noChangeArrowheads="1"/>
-          </p:cNvPicPr>
-          <p:nvPr/>
-        </p:nvPicPr>
-        <p:blipFill>
-          <a:blip r:embed="rId5" cstate="print">
-            <a:extLst>
-              <a:ext uri="{28A0092B-C50C-407E-A947-70E740481C1C}">
-                <a14:useLocalDpi xmlns="" xmlns:a14="http://schemas.microsoft.com/office/drawing/2010/main" val="0"/>
-              </a:ext>
-            </a:extLst>
-          </a:blip>
-          <a:srcRect/>
-          <a:stretch>
-            <a:fillRect/>
-          </a:stretch>
-        </p:blipFill>
-        <p:spPr bwMode="auto">
-          <a:xfrm>
-            <a:off x="1547664" y="2594522"/>
-            <a:ext cx="476250" cy="476250"/>
-          </a:xfrm>
-          <a:prstGeom prst="rect">
-            <a:avLst/>
-          </a:prstGeom>
-          <a:noFill/>
-          <a:extLst>
-            <a:ext uri="{909E8E84-426E-40DD-AFC4-6F175D3DCCD1}">
-              <a14:hiddenFill xmlns="" xmlns:a14="http://schemas.microsoft.com/office/drawing/2010/main">
-                <a:solidFill>
-                  <a:srgbClr val="FFFFFF"/>
-                </a:solidFill>
-              </a14:hiddenFill>
-            </a:ext>
-          </a:extLst>
-        </p:spPr>
-      </p:pic>
-      <p:pic>
-        <p:nvPicPr>
-          <p:cNvPr id="19" name="Picture 4" descr="C:\Documents and Settings\XP\바탕 화면\메시지.png"/>
-          <p:cNvPicPr>
-            <a:picLocks noChangeAspect="1" noChangeArrowheads="1"/>
-          </p:cNvPicPr>
-          <p:nvPr/>
-        </p:nvPicPr>
-        <p:blipFill>
-          <a:blip r:embed="rId6" cstate="print">
-            <a:extLst>
-              <a:ext uri="{28A0092B-C50C-407E-A947-70E740481C1C}">
-                <a14:useLocalDpi xmlns="" xmlns:a14="http://schemas.microsoft.com/office/drawing/2010/main" val="0"/>
-              </a:ext>
-            </a:extLst>
-          </a:blip>
-          <a:srcRect/>
-          <a:stretch>
-            <a:fillRect/>
-          </a:stretch>
-        </p:blipFill>
-        <p:spPr bwMode="auto">
-          <a:xfrm>
-            <a:off x="2226709" y="2605962"/>
-            <a:ext cx="476250" cy="476250"/>
-          </a:xfrm>
-          <a:prstGeom prst="rect">
-            <a:avLst/>
-          </a:prstGeom>
-          <a:noFill/>
-          <a:extLst>
-            <a:ext uri="{909E8E84-426E-40DD-AFC4-6F175D3DCCD1}">
-              <a14:hiddenFill xmlns="" xmlns:a14="http://schemas.microsoft.com/office/drawing/2010/main">
-                <a:solidFill>
-                  <a:srgbClr val="FFFFFF"/>
-                </a:solidFill>
-              </a14:hiddenFill>
-            </a:ext>
-          </a:extLst>
-        </p:spPr>
-      </p:pic>
-      <p:sp>
-        <p:nvSpPr>
-          <p:cNvPr id="22" name="TextBox 21"/>
-          <p:cNvSpPr txBox="1"/>
-          <p:nvPr/>
-        </p:nvSpPr>
-        <p:spPr>
-          <a:xfrm>
-            <a:off x="1605627" y="1700808"/>
-            <a:ext cx="1039067" cy="461665"/>
-          </a:xfrm>
-          <a:prstGeom prst="rect">
-            <a:avLst/>
-          </a:prstGeom>
-          <a:noFill/>
-        </p:spPr>
-        <p:txBody>
-          <a:bodyPr wrap="none" rtlCol="0">
-            <a:spAutoFit/>
-          </a:bodyPr>
-          <a:lstStyle/>
-          <a:p>
-            <a:r>
-              <a:rPr lang="en-US" altLang="ko-KR" b="1" dirty="0" smtClean="0">
-                <a:solidFill>
-                  <a:srgbClr val="000000"/>
-                </a:solidFill>
-              </a:rPr>
-              <a:t>Client</a:t>
-            </a:r>
-            <a:endParaRPr lang="ko-KR" altLang="en-US" b="1" dirty="0">
-              <a:solidFill>
-                <a:srgbClr val="000000"/>
-              </a:solidFill>
-            </a:endParaRPr>
-          </a:p>
-        </p:txBody>
-      </p:sp>
-      <p:sp>
-        <p:nvSpPr>
-          <p:cNvPr id="23" name="TextBox 22"/>
-          <p:cNvSpPr txBox="1"/>
-          <p:nvPr/>
-        </p:nvSpPr>
-        <p:spPr>
-          <a:xfrm>
-            <a:off x="6701301" y="1700809"/>
-            <a:ext cx="1144865" cy="461665"/>
-          </a:xfrm>
-          <a:prstGeom prst="rect">
-            <a:avLst/>
-          </a:prstGeom>
-          <a:noFill/>
-        </p:spPr>
-        <p:txBody>
-          <a:bodyPr wrap="none" rtlCol="0">
-            <a:spAutoFit/>
-          </a:bodyPr>
-          <a:lstStyle/>
-          <a:p>
-            <a:r>
-              <a:rPr lang="en-US" altLang="ko-KR" b="1" dirty="0" smtClean="0">
-                <a:solidFill>
-                  <a:srgbClr val="000000"/>
-                </a:solidFill>
-              </a:rPr>
-              <a:t>Server</a:t>
-            </a:r>
-            <a:endParaRPr lang="ko-KR" altLang="en-US" b="1" dirty="0">
-              <a:solidFill>
-                <a:srgbClr val="000000"/>
-              </a:solidFill>
-            </a:endParaRPr>
-          </a:p>
-        </p:txBody>
-      </p:sp>
-      <p:pic>
-        <p:nvPicPr>
-          <p:cNvPr id="16" name="Picture 6" descr="C:\Documents and Settings\XP\바탕 화면\카메라.png"/>
-          <p:cNvPicPr>
-            <a:picLocks noChangeAspect="1" noChangeArrowheads="1"/>
-          </p:cNvPicPr>
-          <p:nvPr/>
-        </p:nvPicPr>
-        <p:blipFill>
-          <a:blip r:embed="rId7" cstate="print">
-            <a:extLst>
-              <a:ext uri="{28A0092B-C50C-407E-A947-70E740481C1C}">
-                <a14:useLocalDpi xmlns="" xmlns:a14="http://schemas.microsoft.com/office/drawing/2010/main" val="0"/>
-              </a:ext>
-            </a:extLst>
-          </a:blip>
-          <a:srcRect/>
-          <a:stretch>
-            <a:fillRect/>
-          </a:stretch>
-        </p:blipFill>
-        <p:spPr bwMode="auto">
-          <a:xfrm>
-            <a:off x="7035608" y="3560451"/>
-            <a:ext cx="476250" cy="476250"/>
-          </a:xfrm>
-          <a:prstGeom prst="rect">
-            <a:avLst/>
-          </a:prstGeom>
-          <a:noFill/>
-          <a:extLst>
-            <a:ext uri="{909E8E84-426E-40DD-AFC4-6F175D3DCCD1}">
-              <a14:hiddenFill xmlns="" xmlns:a14="http://schemas.microsoft.com/office/drawing/2010/main">
-                <a:solidFill>
-                  <a:srgbClr val="FFFFFF"/>
-                </a:solidFill>
-              </a14:hiddenFill>
-            </a:ext>
-          </a:extLst>
-        </p:spPr>
-      </p:pic>
-      <p:pic>
-        <p:nvPicPr>
-          <p:cNvPr id="17" name="Picture 5" descr="C:\Documents and Settings\XP\바탕 화면\사진.png"/>
-          <p:cNvPicPr>
-            <a:picLocks noChangeAspect="1" noChangeArrowheads="1"/>
-          </p:cNvPicPr>
-          <p:nvPr/>
-        </p:nvPicPr>
-        <p:blipFill>
-          <a:blip r:embed="rId8" cstate="print">
-            <a:extLst>
-              <a:ext uri="{28A0092B-C50C-407E-A947-70E740481C1C}">
-                <a14:useLocalDpi xmlns="" xmlns:a14="http://schemas.microsoft.com/office/drawing/2010/main" val="0"/>
-              </a:ext>
-            </a:extLst>
-          </a:blip>
-          <a:srcRect/>
-          <a:stretch>
-            <a:fillRect/>
-          </a:stretch>
-        </p:blipFill>
-        <p:spPr bwMode="auto">
-          <a:xfrm>
-            <a:off x="1887035" y="3273609"/>
-            <a:ext cx="476250" cy="476250"/>
-          </a:xfrm>
-          <a:prstGeom prst="rect">
-            <a:avLst/>
-          </a:prstGeom>
-          <a:noFill/>
-          <a:extLst>
-            <a:ext uri="{909E8E84-426E-40DD-AFC4-6F175D3DCCD1}">
-              <a14:hiddenFill xmlns="" xmlns:a14="http://schemas.microsoft.com/office/drawing/2010/main">
-                <a:solidFill>
-                  <a:srgbClr val="FFFFFF"/>
-                </a:solidFill>
-              </a14:hiddenFill>
-            </a:ext>
-          </a:extLst>
-        </p:spPr>
-      </p:pic>
-      <p:pic>
-        <p:nvPicPr>
-          <p:cNvPr id="21" name="Picture 2" descr="C:\Documents and Settings\XP\바탕 화면\무제-1.png"/>
-          <p:cNvPicPr>
-            <a:picLocks noChangeAspect="1" noChangeArrowheads="1"/>
-          </p:cNvPicPr>
-          <p:nvPr/>
-        </p:nvPicPr>
-        <p:blipFill>
-          <a:blip r:embed="rId9" cstate="print">
-            <a:extLst>
-              <a:ext uri="{28A0092B-C50C-407E-A947-70E740481C1C}">
-                <a14:useLocalDpi xmlns="" xmlns:a14="http://schemas.microsoft.com/office/drawing/2010/main" val="0"/>
-              </a:ext>
-            </a:extLst>
-          </a:blip>
-          <a:srcRect/>
-          <a:stretch>
-            <a:fillRect/>
-          </a:stretch>
-        </p:blipFill>
-        <p:spPr bwMode="auto">
-          <a:xfrm>
-            <a:off x="3059832" y="4538738"/>
-            <a:ext cx="1261769" cy="1261769"/>
-          </a:xfrm>
-          <a:prstGeom prst="rect">
-            <a:avLst/>
-          </a:prstGeom>
-          <a:noFill/>
-          <a:extLst>
-            <a:ext uri="{909E8E84-426E-40DD-AFC4-6F175D3DCCD1}">
-              <a14:hiddenFill xmlns="" xmlns:a14="http://schemas.microsoft.com/office/drawing/2010/main">
-                <a:solidFill>
-                  <a:srgbClr val="FFFFFF"/>
-                </a:solidFill>
-              </a14:hiddenFill>
-            </a:ext>
-          </a:extLst>
-        </p:spPr>
-      </p:pic>
-      <p:pic>
-        <p:nvPicPr>
-          <p:cNvPr id="24" name="Picture 3" descr="C:\Documents and Settings\XP\바탕 화면\무제-2.png"/>
-          <p:cNvPicPr>
-            <a:picLocks noChangeAspect="1" noChangeArrowheads="1"/>
-          </p:cNvPicPr>
-          <p:nvPr/>
-        </p:nvPicPr>
-        <p:blipFill>
-          <a:blip r:embed="rId10" cstate="print">
-            <a:extLst>
-              <a:ext uri="{28A0092B-C50C-407E-A947-70E740481C1C}">
-                <a14:useLocalDpi xmlns="" xmlns:a14="http://schemas.microsoft.com/office/drawing/2010/main" val="0"/>
-              </a:ext>
-            </a:extLst>
-          </a:blip>
-          <a:srcRect/>
-          <a:stretch>
-            <a:fillRect/>
-          </a:stretch>
-        </p:blipFill>
-        <p:spPr bwMode="auto">
-          <a:xfrm>
-            <a:off x="7540649" y="3638724"/>
-            <a:ext cx="1332969" cy="1332969"/>
-          </a:xfrm>
-          <a:prstGeom prst="rect">
-            <a:avLst/>
-          </a:prstGeom>
-          <a:noFill/>
-          <a:extLst>
-            <a:ext uri="{909E8E84-426E-40DD-AFC4-6F175D3DCCD1}">
-              <a14:hiddenFill xmlns="" xmlns:a14="http://schemas.microsoft.com/office/drawing/2010/main">
-                <a:solidFill>
-                  <a:srgbClr val="FFFFFF"/>
-                </a:solidFill>
-              </a14:hiddenFill>
-            </a:ext>
-          </a:extLst>
-        </p:spPr>
-      </p:pic>
-    </p:spTree>
-    <p:extLst>
-      <p:ext uri="{BB962C8B-B14F-4D97-AF65-F5344CB8AC3E}">
-        <p14:creationId xmlns="" xmlns:p14="http://schemas.microsoft.com/office/powerpoint/2010/main" val="1407908346"/>
-      </p:ext>
-    </p:extLst>
-  </p:cSld>
-  <p:clrMapOvr>
-    <a:masterClrMapping/>
-  </p:clrMapOvr>
-  <p:transition advClick="0" advTm="20000"/>
-  <p:timing>
-    <p:tnLst>
-      <p:par>
-        <p:cTn id="1" dur="indefinite" restart="never" nodeType="tmRoot"/>
-      </p:par>
-    </p:tnLst>
-  </p:timing>
-</p:sld>
-</file>
-
-<file path=ppt/slides/slide11.xml><?xml version="1.0" encoding="utf-8"?>
 <p:sld xmlns:a="http://schemas.openxmlformats.org/drawingml/2006/main" xmlns:r="http://schemas.openxmlformats.org/officeDocument/2006/relationships" xmlns:p="http://schemas.openxmlformats.org/presentationml/2006/main">
   <p:cSld>
     <p:spTree>
@@ -10298,7 +9490,7 @@
     </p:spTree>
     <p:extLst>
       <p:ext uri="{BB962C8B-B14F-4D97-AF65-F5344CB8AC3E}">
-        <p14:creationId xmlns="" xmlns:p14="http://schemas.microsoft.com/office/powerpoint/2010/main" val="2718990012"/>
+        <p14:creationId xmlns:p14="http://schemas.microsoft.com/office/powerpoint/2010/main" xmlns="" val="2718990012"/>
       </p:ext>
     </p:extLst>
   </p:cSld>
@@ -10316,7 +9508,7 @@
 </p:sld>
 </file>
 
-<file path=ppt/slides/slide12.xml><?xml version="1.0" encoding="utf-8"?>
+<file path=ppt/slides/slide11.xml><?xml version="1.0" encoding="utf-8"?>
 <p:sld xmlns:a="http://schemas.openxmlformats.org/drawingml/2006/main" xmlns:r="http://schemas.openxmlformats.org/officeDocument/2006/relationships" xmlns:p="http://schemas.openxmlformats.org/presentationml/2006/main">
   <p:cSld>
     <p:spTree>
@@ -10472,14 +9664,14 @@
           <a:effectLst/>
           <a:extLst>
             <a:ext uri="{909E8E84-426E-40DD-AFC4-6F175D3DCCD1}">
-              <a14:hiddenFill xmlns="" xmlns:a14="http://schemas.microsoft.com/office/drawing/2010/main">
+              <a14:hiddenFill xmlns:a14="http://schemas.microsoft.com/office/drawing/2010/main" xmlns="">
                 <a:solidFill>
                   <a:schemeClr val="accent1"/>
                 </a:solidFill>
               </a14:hiddenFill>
             </a:ext>
             <a:ext uri="{91240B29-F687-4F45-9708-019B960494DF}">
-              <a14:hiddenLine xmlns="" xmlns:a14="http://schemas.microsoft.com/office/drawing/2010/main" w="9525">
+              <a14:hiddenLine xmlns:a14="http://schemas.microsoft.com/office/drawing/2010/main" xmlns="" w="9525">
                 <a:solidFill>
                   <a:schemeClr val="tx1"/>
                 </a:solidFill>
@@ -10489,7 +9681,7 @@
               </a14:hiddenLine>
             </a:ext>
             <a:ext uri="{AF507438-7753-43E0-B8FC-AC1667EBCBE1}">
-              <a14:hiddenEffects xmlns="" xmlns:a14="http://schemas.microsoft.com/office/drawing/2010/main">
+              <a14:hiddenEffects xmlns:a14="http://schemas.microsoft.com/office/drawing/2010/main" xmlns="">
                 <a:effectLst>
                   <a:outerShdw dist="35921" dir="2700000" algn="ctr" rotWithShape="0">
                     <a:schemeClr val="bg2"/>
@@ -10630,14 +9822,14 @@
           <a:effectLst/>
           <a:extLst>
             <a:ext uri="{909E8E84-426E-40DD-AFC4-6F175D3DCCD1}">
-              <a14:hiddenFill xmlns="" xmlns:a14="http://schemas.microsoft.com/office/drawing/2010/main">
+              <a14:hiddenFill xmlns:a14="http://schemas.microsoft.com/office/drawing/2010/main" xmlns="">
                 <a:solidFill>
                   <a:schemeClr val="accent1"/>
                 </a:solidFill>
               </a14:hiddenFill>
             </a:ext>
             <a:ext uri="{91240B29-F687-4F45-9708-019B960494DF}">
-              <a14:hiddenLine xmlns="" xmlns:a14="http://schemas.microsoft.com/office/drawing/2010/main" w="9525">
+              <a14:hiddenLine xmlns:a14="http://schemas.microsoft.com/office/drawing/2010/main" xmlns="" w="9525">
                 <a:solidFill>
                   <a:schemeClr val="tx1"/>
                 </a:solidFill>
@@ -10647,7 +9839,7 @@
               </a14:hiddenLine>
             </a:ext>
             <a:ext uri="{AF507438-7753-43E0-B8FC-AC1667EBCBE1}">
-              <a14:hiddenEffects xmlns="" xmlns:a14="http://schemas.microsoft.com/office/drawing/2010/main">
+              <a14:hiddenEffects xmlns:a14="http://schemas.microsoft.com/office/drawing/2010/main" xmlns="">
                 <a:effectLst>
                   <a:outerShdw dist="35921" dir="2700000" algn="ctr" rotWithShape="0">
                     <a:schemeClr val="bg2"/>
@@ -10877,7 +10069,7 @@
     </p:spTree>
     <p:extLst>
       <p:ext uri="{BB962C8B-B14F-4D97-AF65-F5344CB8AC3E}">
-        <p14:creationId xmlns="" xmlns:p14="http://schemas.microsoft.com/office/powerpoint/2010/main" val="2718990012"/>
+        <p14:creationId xmlns:p14="http://schemas.microsoft.com/office/powerpoint/2010/main" xmlns="" val="2718990012"/>
       </p:ext>
     </p:extLst>
   </p:cSld>
@@ -10895,7 +10087,7 @@
 </p:sld>
 </file>
 
-<file path=ppt/slides/slide13.xml><?xml version="1.0" encoding="utf-8"?>
+<file path=ppt/slides/slide12.xml><?xml version="1.0" encoding="utf-8"?>
 <p:sld xmlns:a="http://schemas.openxmlformats.org/drawingml/2006/main" xmlns:r="http://schemas.openxmlformats.org/officeDocument/2006/relationships" xmlns:p="http://schemas.openxmlformats.org/presentationml/2006/main">
   <p:cSld>
     <p:spTree>
@@ -11223,7 +10415,7 @@
         <p:spPr>
           <a:xfrm>
             <a:off x="6516216" y="2348880"/>
-            <a:ext cx="2232247" cy="864096"/>
+            <a:ext cx="2232247" cy="648072"/>
           </a:xfrm>
           <a:prstGeom prst="rect">
             <a:avLst/>
@@ -11277,7 +10469,7 @@
         </p:nvSpPr>
         <p:spPr>
           <a:xfrm>
-            <a:off x="6516216" y="3429000"/>
+            <a:off x="6516216" y="3541734"/>
             <a:ext cx="1008111" cy="864096"/>
           </a:xfrm>
           <a:prstGeom prst="rect">
@@ -11360,7 +10552,7 @@
           <a:effectLst/>
           <a:extLst>
             <a:ext uri="{AF507438-7753-43E0-B8FC-AC1667EBCBE1}">
-              <a14:hiddenEffects xmlns="" xmlns:a14="http://schemas.microsoft.com/office/drawing/2010/main">
+              <a14:hiddenEffects xmlns:a14="http://schemas.microsoft.com/office/drawing/2010/main" xmlns="">
                 <a:effectLst>
                   <a:outerShdw dist="35921" dir="2700000" algn="ctr" rotWithShape="0">
                     <a:schemeClr val="bg2"/>
@@ -11385,7 +10577,7 @@
           <a:prstGeom prst="rect">
             <a:avLst/>
           </a:prstGeom>
-          <a:ln/>
+          <a:ln w="38100"/>
         </p:spPr>
         <p:style>
           <a:lnRef idx="2">
@@ -11544,7 +10736,7 @@
         </p:nvGrpSpPr>
         <p:grpSpPr>
           <a:xfrm>
-            <a:off x="6516216" y="4293096"/>
+            <a:off x="6516216" y="4405830"/>
             <a:ext cx="2232247" cy="1224136"/>
             <a:chOff x="6084168" y="3855528"/>
             <a:chExt cx="2394672" cy="1368152"/>
@@ -11742,120 +10934,6 @@
           </p:txBody>
         </p:sp>
       </p:grpSp>
-      <p:cxnSp>
-        <p:nvCxnSpPr>
-          <p:cNvPr id="14" name="직선 화살표 연결선 13"/>
-          <p:cNvCxnSpPr>
-            <a:stCxn id="6" idx="0"/>
-            <a:endCxn id="5" idx="2"/>
-          </p:cNvCxnSpPr>
-          <p:nvPr/>
-        </p:nvCxnSpPr>
-        <p:spPr bwMode="auto">
-          <a:xfrm flipV="1">
-            <a:off x="7020272" y="3212976"/>
-            <a:ext cx="612068" cy="216024"/>
-          </a:xfrm>
-          <a:prstGeom prst="straightConnector1">
-            <a:avLst/>
-          </a:prstGeom>
-          <a:gradFill rotWithShape="1">
-            <a:gsLst>
-              <a:gs pos="0">
-                <a:schemeClr val="bg2">
-                  <a:gamma/>
-                  <a:tint val="26667"/>
-                  <a:invGamma/>
-                </a:schemeClr>
-              </a:gs>
-              <a:gs pos="100000">
-                <a:schemeClr val="bg2">
-                  <a:alpha val="14999"/>
-                </a:schemeClr>
-              </a:gs>
-            </a:gsLst>
-            <a:lin ang="5400000" scaled="1"/>
-          </a:gradFill>
-          <a:ln w="38100" cap="flat" cmpd="sng" algn="ctr">
-            <a:solidFill>
-              <a:srgbClr val="000000"/>
-            </a:solidFill>
-            <a:prstDash val="solid"/>
-            <a:round/>
-            <a:headEnd type="none" w="med" len="med"/>
-            <a:tailEnd type="none" w="med" len="med"/>
-          </a:ln>
-          <a:effectLst/>
-          <a:extLst>
-            <a:ext uri="{AF507438-7753-43E0-B8FC-AC1667EBCBE1}">
-              <a14:hiddenEffects xmlns="" xmlns:a14="http://schemas.microsoft.com/office/drawing/2010/main">
-                <a:effectLst>
-                  <a:outerShdw dist="35921" dir="2700000" algn="ctr" rotWithShape="0">
-                    <a:schemeClr val="bg2"/>
-                  </a:outerShdw>
-                </a:effectLst>
-              </a14:hiddenEffects>
-            </a:ext>
-          </a:extLst>
-        </p:spPr>
-      </p:cxnSp>
-      <p:cxnSp>
-        <p:nvCxnSpPr>
-          <p:cNvPr id="16" name="직선 화살표 연결선 15"/>
-          <p:cNvCxnSpPr>
-            <a:stCxn id="22" idx="3"/>
-            <a:endCxn id="17" idx="1"/>
-          </p:cNvCxnSpPr>
-          <p:nvPr/>
-        </p:nvCxnSpPr>
-        <p:spPr bwMode="auto">
-          <a:xfrm>
-            <a:off x="2549431" y="3839710"/>
-            <a:ext cx="1446505" cy="0"/>
-          </a:xfrm>
-          <a:prstGeom prst="straightConnector1">
-            <a:avLst/>
-          </a:prstGeom>
-          <a:gradFill rotWithShape="1">
-            <a:gsLst>
-              <a:gs pos="0">
-                <a:schemeClr val="bg2">
-                  <a:gamma/>
-                  <a:tint val="26667"/>
-                  <a:invGamma/>
-                </a:schemeClr>
-              </a:gs>
-              <a:gs pos="100000">
-                <a:schemeClr val="bg2">
-                  <a:alpha val="14999"/>
-                </a:schemeClr>
-              </a:gs>
-            </a:gsLst>
-            <a:lin ang="5400000" scaled="1"/>
-          </a:gradFill>
-          <a:ln w="38100" cap="flat" cmpd="sng" algn="ctr">
-            <a:solidFill>
-              <a:srgbClr val="000000"/>
-            </a:solidFill>
-            <a:prstDash val="solid"/>
-            <a:round/>
-            <a:headEnd type="none" w="med" len="med"/>
-            <a:tailEnd type="none" w="med" len="med"/>
-          </a:ln>
-          <a:effectLst/>
-          <a:extLst>
-            <a:ext uri="{AF507438-7753-43E0-B8FC-AC1667EBCBE1}">
-              <a14:hiddenEffects xmlns="" xmlns:a14="http://schemas.microsoft.com/office/drawing/2010/main">
-                <a:effectLst>
-                  <a:outerShdw dist="35921" dir="2700000" algn="ctr" rotWithShape="0">
-                    <a:schemeClr val="bg2"/>
-                  </a:outerShdw>
-                </a:effectLst>
-              </a14:hiddenEffects>
-            </a:ext>
-          </a:extLst>
-        </p:spPr>
-      </p:cxnSp>
       <p:sp>
         <p:nvSpPr>
           <p:cNvPr id="17" name="직사각형 16"/>
@@ -11990,63 +11068,6 @@
           </a:p>
         </p:txBody>
       </p:sp>
-      <p:cxnSp>
-        <p:nvCxnSpPr>
-          <p:cNvPr id="21" name="직선 화살표 연결선 20"/>
-          <p:cNvCxnSpPr>
-            <a:stCxn id="18" idx="3"/>
-            <a:endCxn id="6" idx="1"/>
-          </p:cNvCxnSpPr>
-          <p:nvPr/>
-        </p:nvCxnSpPr>
-        <p:spPr bwMode="auto">
-          <a:xfrm flipV="1">
-            <a:off x="5689970" y="3861048"/>
-            <a:ext cx="826246" cy="106288"/>
-          </a:xfrm>
-          <a:prstGeom prst="straightConnector1">
-            <a:avLst/>
-          </a:prstGeom>
-          <a:gradFill rotWithShape="1">
-            <a:gsLst>
-              <a:gs pos="0">
-                <a:schemeClr val="bg2">
-                  <a:gamma/>
-                  <a:tint val="26667"/>
-                  <a:invGamma/>
-                </a:schemeClr>
-              </a:gs>
-              <a:gs pos="100000">
-                <a:schemeClr val="bg2">
-                  <a:alpha val="14999"/>
-                </a:schemeClr>
-              </a:gs>
-            </a:gsLst>
-            <a:lin ang="5400000" scaled="1"/>
-          </a:gradFill>
-          <a:ln w="38100" cap="flat" cmpd="sng" algn="ctr">
-            <a:solidFill>
-              <a:srgbClr val="000000"/>
-            </a:solidFill>
-            <a:prstDash val="solid"/>
-            <a:round/>
-            <a:headEnd type="none" w="med" len="med"/>
-            <a:tailEnd type="none" w="med" len="med"/>
-          </a:ln>
-          <a:effectLst/>
-          <a:extLst>
-            <a:ext uri="{AF507438-7753-43E0-B8FC-AC1667EBCBE1}">
-              <a14:hiddenEffects xmlns="" xmlns:a14="http://schemas.microsoft.com/office/drawing/2010/main">
-                <a:effectLst>
-                  <a:outerShdw dist="35921" dir="2700000" algn="ctr" rotWithShape="0">
-                    <a:schemeClr val="bg2"/>
-                  </a:outerShdw>
-                </a:effectLst>
-              </a14:hiddenEffects>
-            </a:ext>
-          </a:extLst>
-        </p:spPr>
-      </p:cxnSp>
       <p:sp>
         <p:nvSpPr>
           <p:cNvPr id="22" name="직사각형 21"/>
@@ -12170,63 +11191,6 @@
           </a:p>
         </p:txBody>
       </p:sp>
-      <p:cxnSp>
-        <p:nvCxnSpPr>
-          <p:cNvPr id="15" name="직선 화살표 연결선 14"/>
-          <p:cNvCxnSpPr>
-            <a:stCxn id="24" idx="3"/>
-            <a:endCxn id="19" idx="1"/>
-          </p:cNvCxnSpPr>
-          <p:nvPr/>
-        </p:nvCxnSpPr>
-        <p:spPr bwMode="auto">
-          <a:xfrm flipV="1">
-            <a:off x="2549431" y="5596443"/>
-            <a:ext cx="1451705" cy="16171"/>
-          </a:xfrm>
-          <a:prstGeom prst="straightConnector1">
-            <a:avLst/>
-          </a:prstGeom>
-          <a:gradFill rotWithShape="1">
-            <a:gsLst>
-              <a:gs pos="0">
-                <a:schemeClr val="bg2">
-                  <a:gamma/>
-                  <a:tint val="26667"/>
-                  <a:invGamma/>
-                </a:schemeClr>
-              </a:gs>
-              <a:gs pos="100000">
-                <a:schemeClr val="bg2">
-                  <a:alpha val="14999"/>
-                </a:schemeClr>
-              </a:gs>
-            </a:gsLst>
-            <a:lin ang="5400000" scaled="1"/>
-          </a:gradFill>
-          <a:ln w="38100" cap="flat" cmpd="sng" algn="ctr">
-            <a:solidFill>
-              <a:srgbClr val="000000"/>
-            </a:solidFill>
-            <a:prstDash val="solid"/>
-            <a:round/>
-            <a:headEnd type="none" w="med" len="med"/>
-            <a:tailEnd type="none" w="med" len="med"/>
-          </a:ln>
-          <a:effectLst/>
-          <a:extLst>
-            <a:ext uri="{AF507438-7753-43E0-B8FC-AC1667EBCBE1}">
-              <a14:hiddenEffects xmlns="" xmlns:a14="http://schemas.microsoft.com/office/drawing/2010/main">
-                <a:effectLst>
-                  <a:outerShdw dist="35921" dir="2700000" algn="ctr" rotWithShape="0">
-                    <a:schemeClr val="bg2"/>
-                  </a:outerShdw>
-                </a:effectLst>
-              </a14:hiddenEffects>
-            </a:ext>
-          </a:extLst>
-        </p:spPr>
-      </p:cxnSp>
       <p:sp>
         <p:nvSpPr>
           <p:cNvPr id="19" name="직사각형 18"/>
@@ -12540,7 +11504,7 @@
         </p:nvSpPr>
         <p:spPr>
           <a:xfrm>
-            <a:off x="7668344" y="3429000"/>
+            <a:off x="7668344" y="3541734"/>
             <a:ext cx="1080118" cy="864096"/>
           </a:xfrm>
           <a:prstGeom prst="rect">
@@ -12600,10 +11564,332 @@
           </a:p>
         </p:txBody>
       </p:sp>
+      <p:cxnSp>
+        <p:nvCxnSpPr>
+          <p:cNvPr id="31" name="직선 화살표 연결선 30"/>
+          <p:cNvCxnSpPr>
+            <a:stCxn id="22" idx="3"/>
+            <a:endCxn id="17" idx="1"/>
+          </p:cNvCxnSpPr>
+          <p:nvPr/>
+        </p:nvCxnSpPr>
+        <p:spPr bwMode="auto">
+          <a:xfrm>
+            <a:off x="2549431" y="3839710"/>
+            <a:ext cx="1446505" cy="0"/>
+          </a:xfrm>
+          <a:prstGeom prst="straightConnector1">
+            <a:avLst/>
+          </a:prstGeom>
+          <a:gradFill rotWithShape="1">
+            <a:gsLst>
+              <a:gs pos="0">
+                <a:schemeClr val="bg2">
+                  <a:gamma/>
+                  <a:tint val="26667"/>
+                  <a:invGamma/>
+                </a:schemeClr>
+              </a:gs>
+              <a:gs pos="100000">
+                <a:schemeClr val="bg2">
+                  <a:alpha val="14999"/>
+                </a:schemeClr>
+              </a:gs>
+            </a:gsLst>
+            <a:lin ang="5400000" scaled="1"/>
+          </a:gradFill>
+          <a:ln w="44450">
+            <a:solidFill>
+              <a:schemeClr val="tx1"/>
+            </a:solidFill>
+            <a:tailEnd type="arrow"/>
+          </a:ln>
+          <a:effectLst/>
+          <a:extLst>
+            <a:ext uri="{91240B29-F687-4F45-9708-019B960494DF}">
+              <a14:hiddenLine xmlns:a14="http://schemas.microsoft.com/office/drawing/2010/main" xmlns="" w="9525" cap="flat" cmpd="sng" algn="ctr">
+                <a:solidFill>
+                  <a:schemeClr val="tx1"/>
+                </a:solidFill>
+                <a:prstDash val="solid"/>
+                <a:round/>
+                <a:headEnd type="none" w="med" len="med"/>
+                <a:tailEnd type="none" w="med" len="med"/>
+              </a14:hiddenLine>
+            </a:ext>
+            <a:ext uri="{AF507438-7753-43E0-B8FC-AC1667EBCBE1}">
+              <a14:hiddenEffects xmlns:a14="http://schemas.microsoft.com/office/drawing/2010/main" xmlns="">
+                <a:effectLst>
+                  <a:outerShdw dist="35921" dir="2700000" algn="ctr" rotWithShape="0">
+                    <a:schemeClr val="bg2"/>
+                  </a:outerShdw>
+                </a:effectLst>
+              </a14:hiddenEffects>
+            </a:ext>
+          </a:extLst>
+        </p:spPr>
+      </p:cxnSp>
+      <p:cxnSp>
+        <p:nvCxnSpPr>
+          <p:cNvPr id="33" name="직선 화살표 연결선 32"/>
+          <p:cNvCxnSpPr>
+            <a:stCxn id="18" idx="3"/>
+            <a:endCxn id="6" idx="1"/>
+          </p:cNvCxnSpPr>
+          <p:nvPr/>
+        </p:nvCxnSpPr>
+        <p:spPr bwMode="auto">
+          <a:xfrm>
+            <a:off x="5689970" y="3967336"/>
+            <a:ext cx="826246" cy="6446"/>
+          </a:xfrm>
+          <a:prstGeom prst="straightConnector1">
+            <a:avLst/>
+          </a:prstGeom>
+          <a:gradFill rotWithShape="1">
+            <a:gsLst>
+              <a:gs pos="0">
+                <a:schemeClr val="bg2">
+                  <a:gamma/>
+                  <a:tint val="26667"/>
+                  <a:invGamma/>
+                </a:schemeClr>
+              </a:gs>
+              <a:gs pos="100000">
+                <a:schemeClr val="bg2">
+                  <a:alpha val="14999"/>
+                </a:schemeClr>
+              </a:gs>
+            </a:gsLst>
+            <a:lin ang="5400000" scaled="1"/>
+          </a:gradFill>
+          <a:ln w="44450">
+            <a:solidFill>
+              <a:schemeClr val="tx1"/>
+            </a:solidFill>
+            <a:tailEnd type="arrow"/>
+          </a:ln>
+          <a:effectLst/>
+          <a:extLst>
+            <a:ext uri="{91240B29-F687-4F45-9708-019B960494DF}">
+              <a14:hiddenLine xmlns:a14="http://schemas.microsoft.com/office/drawing/2010/main" xmlns="" w="9525" cap="flat" cmpd="sng" algn="ctr">
+                <a:solidFill>
+                  <a:schemeClr val="tx1"/>
+                </a:solidFill>
+                <a:prstDash val="solid"/>
+                <a:round/>
+                <a:headEnd type="none" w="med" len="med"/>
+                <a:tailEnd type="none" w="med" len="med"/>
+              </a14:hiddenLine>
+            </a:ext>
+            <a:ext uri="{AF507438-7753-43E0-B8FC-AC1667EBCBE1}">
+              <a14:hiddenEffects xmlns:a14="http://schemas.microsoft.com/office/drawing/2010/main" xmlns="">
+                <a:effectLst>
+                  <a:outerShdw dist="35921" dir="2700000" algn="ctr" rotWithShape="0">
+                    <a:schemeClr val="bg2"/>
+                  </a:outerShdw>
+                </a:effectLst>
+              </a14:hiddenEffects>
+            </a:ext>
+          </a:extLst>
+        </p:spPr>
+      </p:cxnSp>
+      <p:cxnSp>
+        <p:nvCxnSpPr>
+          <p:cNvPr id="39" name="직선 화살표 연결선 38"/>
+          <p:cNvCxnSpPr>
+            <a:stCxn id="19" idx="1"/>
+            <a:endCxn id="24" idx="3"/>
+          </p:cNvCxnSpPr>
+          <p:nvPr/>
+        </p:nvCxnSpPr>
+        <p:spPr bwMode="auto">
+          <a:xfrm flipH="1">
+            <a:off x="2549431" y="5596443"/>
+            <a:ext cx="1451705" cy="16171"/>
+          </a:xfrm>
+          <a:prstGeom prst="straightConnector1">
+            <a:avLst/>
+          </a:prstGeom>
+          <a:gradFill rotWithShape="1">
+            <a:gsLst>
+              <a:gs pos="0">
+                <a:schemeClr val="bg2">
+                  <a:gamma/>
+                  <a:tint val="26667"/>
+                  <a:invGamma/>
+                </a:schemeClr>
+              </a:gs>
+              <a:gs pos="100000">
+                <a:schemeClr val="bg2">
+                  <a:alpha val="14999"/>
+                </a:schemeClr>
+              </a:gs>
+            </a:gsLst>
+            <a:lin ang="5400000" scaled="1"/>
+          </a:gradFill>
+          <a:ln w="44450">
+            <a:solidFill>
+              <a:schemeClr val="tx1"/>
+            </a:solidFill>
+            <a:tailEnd type="arrow"/>
+          </a:ln>
+          <a:effectLst/>
+          <a:extLst>
+            <a:ext uri="{91240B29-F687-4F45-9708-019B960494DF}">
+              <a14:hiddenLine xmlns:a14="http://schemas.microsoft.com/office/drawing/2010/main" xmlns="" w="9525" cap="flat" cmpd="sng" algn="ctr">
+                <a:solidFill>
+                  <a:schemeClr val="tx1"/>
+                </a:solidFill>
+                <a:prstDash val="solid"/>
+                <a:round/>
+                <a:headEnd type="none" w="med" len="med"/>
+                <a:tailEnd type="none" w="med" len="med"/>
+              </a14:hiddenLine>
+            </a:ext>
+            <a:ext uri="{AF507438-7753-43E0-B8FC-AC1667EBCBE1}">
+              <a14:hiddenEffects xmlns:a14="http://schemas.microsoft.com/office/drawing/2010/main" xmlns="">
+                <a:effectLst>
+                  <a:outerShdw dist="35921" dir="2700000" algn="ctr" rotWithShape="0">
+                    <a:schemeClr val="bg2"/>
+                  </a:outerShdw>
+                </a:effectLst>
+              </a14:hiddenEffects>
+            </a:ext>
+          </a:extLst>
+        </p:spPr>
+      </p:cxnSp>
+      <p:cxnSp>
+        <p:nvCxnSpPr>
+          <p:cNvPr id="42" name="직선 화살표 연결선 41"/>
+          <p:cNvCxnSpPr>
+            <a:stCxn id="6" idx="0"/>
+          </p:cNvCxnSpPr>
+          <p:nvPr/>
+        </p:nvCxnSpPr>
+        <p:spPr bwMode="auto">
+          <a:xfrm flipV="1">
+            <a:off x="7020272" y="2996952"/>
+            <a:ext cx="0" cy="544782"/>
+          </a:xfrm>
+          <a:prstGeom prst="straightConnector1">
+            <a:avLst/>
+          </a:prstGeom>
+          <a:gradFill rotWithShape="1">
+            <a:gsLst>
+              <a:gs pos="0">
+                <a:schemeClr val="bg2">
+                  <a:gamma/>
+                  <a:tint val="26667"/>
+                  <a:invGamma/>
+                </a:schemeClr>
+              </a:gs>
+              <a:gs pos="100000">
+                <a:schemeClr val="bg2">
+                  <a:alpha val="14999"/>
+                </a:schemeClr>
+              </a:gs>
+            </a:gsLst>
+            <a:lin ang="5400000" scaled="1"/>
+          </a:gradFill>
+          <a:ln w="44450">
+            <a:solidFill>
+              <a:schemeClr val="tx1"/>
+            </a:solidFill>
+            <a:tailEnd type="arrow"/>
+          </a:ln>
+          <a:effectLst/>
+          <a:extLst>
+            <a:ext uri="{91240B29-F687-4F45-9708-019B960494DF}">
+              <a14:hiddenLine xmlns:a14="http://schemas.microsoft.com/office/drawing/2010/main" xmlns="" w="9525" cap="flat" cmpd="sng" algn="ctr">
+                <a:solidFill>
+                  <a:schemeClr val="tx1"/>
+                </a:solidFill>
+                <a:prstDash val="solid"/>
+                <a:round/>
+                <a:headEnd type="none" w="med" len="med"/>
+                <a:tailEnd type="none" w="med" len="med"/>
+              </a14:hiddenLine>
+            </a:ext>
+            <a:ext uri="{AF507438-7753-43E0-B8FC-AC1667EBCBE1}">
+              <a14:hiddenEffects xmlns:a14="http://schemas.microsoft.com/office/drawing/2010/main" xmlns="">
+                <a:effectLst>
+                  <a:outerShdw dist="35921" dir="2700000" algn="ctr" rotWithShape="0">
+                    <a:schemeClr val="bg2"/>
+                  </a:outerShdw>
+                </a:effectLst>
+              </a14:hiddenEffects>
+            </a:ext>
+          </a:extLst>
+        </p:spPr>
+      </p:cxnSp>
+      <p:cxnSp>
+        <p:nvCxnSpPr>
+          <p:cNvPr id="61" name="직선 화살표 연결선 60"/>
+          <p:cNvCxnSpPr/>
+          <p:nvPr/>
+        </p:nvCxnSpPr>
+        <p:spPr bwMode="auto">
+          <a:xfrm flipV="1">
+            <a:off x="8172400" y="2996952"/>
+            <a:ext cx="0" cy="544782"/>
+          </a:xfrm>
+          <a:prstGeom prst="straightConnector1">
+            <a:avLst/>
+          </a:prstGeom>
+          <a:gradFill rotWithShape="1">
+            <a:gsLst>
+              <a:gs pos="0">
+                <a:schemeClr val="bg2">
+                  <a:gamma/>
+                  <a:tint val="26667"/>
+                  <a:invGamma/>
+                </a:schemeClr>
+              </a:gs>
+              <a:gs pos="100000">
+                <a:schemeClr val="bg2">
+                  <a:alpha val="14999"/>
+                </a:schemeClr>
+              </a:gs>
+            </a:gsLst>
+            <a:lin ang="5400000" scaled="1"/>
+          </a:gradFill>
+          <a:ln w="44450">
+            <a:solidFill>
+              <a:schemeClr val="tx1"/>
+            </a:solidFill>
+            <a:prstDash val="sysDot"/>
+            <a:tailEnd type="arrow"/>
+          </a:ln>
+          <a:effectLst/>
+          <a:extLst>
+            <a:ext uri="{91240B29-F687-4F45-9708-019B960494DF}">
+              <a14:hiddenLine xmlns:a14="http://schemas.microsoft.com/office/drawing/2010/main" xmlns="" w="9525" cap="flat" cmpd="sng" algn="ctr">
+                <a:solidFill>
+                  <a:schemeClr val="tx1"/>
+                </a:solidFill>
+                <a:prstDash val="solid"/>
+                <a:round/>
+                <a:headEnd type="none" w="med" len="med"/>
+                <a:tailEnd type="none" w="med" len="med"/>
+              </a14:hiddenLine>
+            </a:ext>
+            <a:ext uri="{AF507438-7753-43E0-B8FC-AC1667EBCBE1}">
+              <a14:hiddenEffects xmlns:a14="http://schemas.microsoft.com/office/drawing/2010/main" xmlns="">
+                <a:effectLst>
+                  <a:outerShdw dist="35921" dir="2700000" algn="ctr" rotWithShape="0">
+                    <a:schemeClr val="bg2"/>
+                  </a:outerShdw>
+                </a:effectLst>
+              </a14:hiddenEffects>
+            </a:ext>
+          </a:extLst>
+        </p:spPr>
+      </p:cxnSp>
     </p:spTree>
     <p:extLst>
       <p:ext uri="{BB962C8B-B14F-4D97-AF65-F5344CB8AC3E}">
-        <p14:creationId xmlns="" xmlns:p14="http://schemas.microsoft.com/office/powerpoint/2010/main" val="2718990012"/>
+        <p14:creationId xmlns:p14="http://schemas.microsoft.com/office/powerpoint/2010/main" xmlns="" val="2718990012"/>
       </p:ext>
     </p:extLst>
   </p:cSld>
@@ -12621,7 +11907,7 @@
 </p:sld>
 </file>
 
-<file path=ppt/slides/slide14.xml><?xml version="1.0" encoding="utf-8"?>
+<file path=ppt/slides/slide13.xml><?xml version="1.0" encoding="utf-8"?>
 <p:sld xmlns:a="http://schemas.openxmlformats.org/drawingml/2006/main" xmlns:r="http://schemas.openxmlformats.org/officeDocument/2006/relationships" xmlns:p="http://schemas.openxmlformats.org/presentationml/2006/main">
   <p:cSld>
     <p:spTree>
@@ -12871,7 +12157,7 @@
     </p:spTree>
     <p:extLst>
       <p:ext uri="{BB962C8B-B14F-4D97-AF65-F5344CB8AC3E}">
-        <p14:creationId xmlns="" xmlns:p14="http://schemas.microsoft.com/office/powerpoint/2010/main" val="2718990012"/>
+        <p14:creationId xmlns:p14="http://schemas.microsoft.com/office/powerpoint/2010/main" xmlns="" val="2718990012"/>
       </p:ext>
     </p:extLst>
   </p:cSld>
@@ -12889,7 +12175,7 @@
 </p:sld>
 </file>
 
-<file path=ppt/slides/slide15.xml><?xml version="1.0" encoding="utf-8"?>
+<file path=ppt/slides/slide14.xml><?xml version="1.0" encoding="utf-8"?>
 <p:sld xmlns:a="http://schemas.openxmlformats.org/drawingml/2006/main" xmlns:r="http://schemas.openxmlformats.org/officeDocument/2006/relationships" xmlns:p="http://schemas.openxmlformats.org/presentationml/2006/main">
   <p:cSld>
     <p:spTree>
@@ -13140,7 +12426,7 @@
           <a:effectLst/>
           <a:extLst>
             <a:ext uri="{AF507438-7753-43E0-B8FC-AC1667EBCBE1}">
-              <a14:hiddenEffects xmlns="" xmlns:a14="http://schemas.microsoft.com/office/drawing/2010/main">
+              <a14:hiddenEffects xmlns:a14="http://schemas.microsoft.com/office/drawing/2010/main" xmlns="">
                 <a:effectLst>
                   <a:outerShdw dist="35921" dir="2700000" algn="ctr" rotWithShape="0">
                     <a:schemeClr val="bg2"/>
@@ -13294,7 +12580,7 @@
           <a:effectLst/>
           <a:extLst>
             <a:ext uri="{AF507438-7753-43E0-B8FC-AC1667EBCBE1}">
-              <a14:hiddenEffects xmlns="" xmlns:a14="http://schemas.microsoft.com/office/drawing/2010/main">
+              <a14:hiddenEffects xmlns:a14="http://schemas.microsoft.com/office/drawing/2010/main" xmlns="">
                 <a:effectLst>
                   <a:outerShdw dist="35921" dir="2700000" algn="ctr" rotWithShape="0">
                     <a:schemeClr val="bg2"/>
@@ -13398,14 +12684,14 @@
           <a:effectLst/>
           <a:extLst>
             <a:ext uri="{909E8E84-426E-40DD-AFC4-6F175D3DCCD1}">
-              <a14:hiddenFill xmlns="" xmlns:a14="http://schemas.microsoft.com/office/drawing/2010/main">
+              <a14:hiddenFill xmlns:a14="http://schemas.microsoft.com/office/drawing/2010/main" xmlns="">
                 <a:solidFill>
                   <a:schemeClr val="accent1"/>
                 </a:solidFill>
               </a14:hiddenFill>
             </a:ext>
             <a:ext uri="{91240B29-F687-4F45-9708-019B960494DF}">
-              <a14:hiddenLine xmlns="" xmlns:a14="http://schemas.microsoft.com/office/drawing/2010/main" w="9525">
+              <a14:hiddenLine xmlns:a14="http://schemas.microsoft.com/office/drawing/2010/main" xmlns="" w="9525">
                 <a:solidFill>
                   <a:schemeClr val="tx1"/>
                 </a:solidFill>
@@ -13415,7 +12701,7 @@
               </a14:hiddenLine>
             </a:ext>
             <a:ext uri="{AF507438-7753-43E0-B8FC-AC1667EBCBE1}">
-              <a14:hiddenEffects xmlns="" xmlns:a14="http://schemas.microsoft.com/office/drawing/2010/main">
+              <a14:hiddenEffects xmlns:a14="http://schemas.microsoft.com/office/drawing/2010/main" xmlns="">
                 <a:effectLst>
                   <a:outerShdw dist="35921" dir="2700000" algn="ctr" rotWithShape="0">
                     <a:schemeClr val="bg2"/>
@@ -13553,14 +12839,14 @@
           <a:effectLst/>
           <a:extLst>
             <a:ext uri="{909E8E84-426E-40DD-AFC4-6F175D3DCCD1}">
-              <a14:hiddenFill xmlns="" xmlns:a14="http://schemas.microsoft.com/office/drawing/2010/main">
+              <a14:hiddenFill xmlns:a14="http://schemas.microsoft.com/office/drawing/2010/main" xmlns="">
                 <a:solidFill>
                   <a:schemeClr val="accent1"/>
                 </a:solidFill>
               </a14:hiddenFill>
             </a:ext>
             <a:ext uri="{91240B29-F687-4F45-9708-019B960494DF}">
-              <a14:hiddenLine xmlns="" xmlns:a14="http://schemas.microsoft.com/office/drawing/2010/main" w="9525">
+              <a14:hiddenLine xmlns:a14="http://schemas.microsoft.com/office/drawing/2010/main" xmlns="" w="9525">
                 <a:solidFill>
                   <a:schemeClr val="tx1"/>
                 </a:solidFill>
@@ -13570,7 +12856,7 @@
               </a14:hiddenLine>
             </a:ext>
             <a:ext uri="{AF507438-7753-43E0-B8FC-AC1667EBCBE1}">
-              <a14:hiddenEffects xmlns="" xmlns:a14="http://schemas.microsoft.com/office/drawing/2010/main">
+              <a14:hiddenEffects xmlns:a14="http://schemas.microsoft.com/office/drawing/2010/main" xmlns="">
                 <a:effectLst>
                   <a:outerShdw dist="35921" dir="2700000" algn="ctr" rotWithShape="0">
                     <a:schemeClr val="bg2"/>
@@ -13666,7 +12952,7 @@
     </p:spTree>
     <p:extLst>
       <p:ext uri="{BB962C8B-B14F-4D97-AF65-F5344CB8AC3E}">
-        <p14:creationId xmlns="" xmlns:p14="http://schemas.microsoft.com/office/powerpoint/2010/main" val="2718990012"/>
+        <p14:creationId xmlns:p14="http://schemas.microsoft.com/office/powerpoint/2010/main" xmlns="" val="2718990012"/>
       </p:ext>
     </p:extLst>
   </p:cSld>
@@ -13747,7 +13033,7 @@
           <p:nvPr>
             <p:extLst>
               <p:ext uri="{D42A27DB-BD31-4B8C-83A1-F6EECF244321}">
-                <p14:modId xmlns="" xmlns:p14="http://schemas.microsoft.com/office/powerpoint/2010/main" val="864912804"/>
+                <p14:modId xmlns:p14="http://schemas.microsoft.com/office/powerpoint/2010/main" xmlns="" val="864912804"/>
               </p:ext>
             </p:extLst>
           </p:nvPr>
@@ -13769,7 +13055,7 @@
           <p:nvPr>
             <p:extLst>
               <p:ext uri="{D42A27DB-BD31-4B8C-83A1-F6EECF244321}">
-                <p14:modId xmlns="" xmlns:p14="http://schemas.microsoft.com/office/powerpoint/2010/main" val="550831738"/>
+                <p14:modId xmlns:p14="http://schemas.microsoft.com/office/powerpoint/2010/main" xmlns="" val="550831738"/>
               </p:ext>
             </p:extLst>
           </p:nvPr>
@@ -13881,7 +13167,7 @@
     </p:spTree>
     <p:extLst>
       <p:ext uri="{BB962C8B-B14F-4D97-AF65-F5344CB8AC3E}">
-        <p14:creationId xmlns="" xmlns:p14="http://schemas.microsoft.com/office/powerpoint/2010/main" val="3723977454"/>
+        <p14:creationId xmlns:p14="http://schemas.microsoft.com/office/powerpoint/2010/main" xmlns="" val="3723977454"/>
       </p:ext>
     </p:extLst>
   </p:cSld>
@@ -14041,7 +13327,7 @@
           <a:blip r:embed="rId3" cstate="print">
             <a:extLst>
               <a:ext uri="{28A0092B-C50C-407E-A947-70E740481C1C}">
-                <a14:useLocalDpi xmlns="" xmlns:a14="http://schemas.microsoft.com/office/drawing/2010/main" val="0"/>
+                <a14:useLocalDpi xmlns:a14="http://schemas.microsoft.com/office/drawing/2010/main" xmlns="" val="0"/>
               </a:ext>
             </a:extLst>
           </a:blip>
@@ -14057,47 +13343,6 @@
           <a:prstGeom prst="rect">
             <a:avLst/>
           </a:prstGeom>
-        </p:spPr>
-      </p:pic>
-      <p:pic>
-        <p:nvPicPr>
-          <p:cNvPr id="13" name="Picture 2" descr="N:\설계프로젝트\임시저장\제목-없음-1.png"/>
-          <p:cNvPicPr>
-            <a:picLocks noChangeAspect="1" noChangeArrowheads="1"/>
-          </p:cNvPicPr>
-          <p:nvPr/>
-        </p:nvPicPr>
-        <p:blipFill>
-          <a:blip r:embed="rId4" cstate="print">
-            <a:extLst>
-              <a:ext uri="{28A0092B-C50C-407E-A947-70E740481C1C}">
-                <a14:useLocalDpi xmlns="" xmlns:a14="http://schemas.microsoft.com/office/drawing/2010/main" val="0"/>
-              </a:ext>
-            </a:extLst>
-          </a:blip>
-          <a:srcRect/>
-          <a:stretch>
-            <a:fillRect/>
-          </a:stretch>
-        </p:blipFill>
-        <p:spPr bwMode="auto">
-          <a:xfrm>
-            <a:off x="497252" y="2512801"/>
-            <a:ext cx="4123776" cy="3436480"/>
-          </a:xfrm>
-          <a:prstGeom prst="rect">
-            <a:avLst/>
-          </a:prstGeom>
-          <a:noFill/>
-          <a:extLst>
-            <a:ext uri="{909E8E84-426E-40DD-AFC4-6F175D3DCCD1}">
-              <a14:hiddenFill xmlns="" xmlns:a14="http://schemas.microsoft.com/office/drawing/2010/main">
-                <a:solidFill>
-                  <a:srgbClr val="FFFFFF"/>
-                </a:solidFill>
-              </a14:hiddenFill>
-            </a:ext>
-          </a:extLst>
         </p:spPr>
       </p:pic>
       <p:grpSp>
@@ -14194,10 +13439,10 @@
           <p:nvPr/>
         </p:nvPicPr>
         <p:blipFill>
-          <a:blip r:embed="rId5" cstate="print">
+          <a:blip r:embed="rId4" cstate="print">
             <a:extLst>
               <a:ext uri="{28A0092B-C50C-407E-A947-70E740481C1C}">
-                <a14:useLocalDpi xmlns="" xmlns:a14="http://schemas.microsoft.com/office/drawing/2010/main" val="0"/>
+                <a14:useLocalDpi xmlns:a14="http://schemas.microsoft.com/office/drawing/2010/main" xmlns="" val="0"/>
               </a:ext>
             </a:extLst>
           </a:blip>
@@ -14217,7 +13462,7 @@
           <a:noFill/>
           <a:extLst>
             <a:ext uri="{909E8E84-426E-40DD-AFC4-6F175D3DCCD1}">
-              <a14:hiddenFill xmlns="" xmlns:a14="http://schemas.microsoft.com/office/drawing/2010/main">
+              <a14:hiddenFill xmlns:a14="http://schemas.microsoft.com/office/drawing/2010/main" xmlns="">
                 <a:solidFill>
                   <a:srgbClr val="FFFFFF"/>
                 </a:solidFill>
@@ -14235,10 +13480,10 @@
           <p:nvPr/>
         </p:nvPicPr>
         <p:blipFill>
-          <a:blip r:embed="rId6" cstate="print">
+          <a:blip r:embed="rId5" cstate="print">
             <a:extLst>
               <a:ext uri="{28A0092B-C50C-407E-A947-70E740481C1C}">
-                <a14:useLocalDpi xmlns="" xmlns:a14="http://schemas.microsoft.com/office/drawing/2010/main" val="0"/>
+                <a14:useLocalDpi xmlns:a14="http://schemas.microsoft.com/office/drawing/2010/main" xmlns="" val="0"/>
               </a:ext>
             </a:extLst>
           </a:blip>
@@ -14258,7 +13503,7 @@
           <a:noFill/>
           <a:extLst>
             <a:ext uri="{909E8E84-426E-40DD-AFC4-6F175D3DCCD1}">
-              <a14:hiddenFill xmlns="" xmlns:a14="http://schemas.microsoft.com/office/drawing/2010/main">
+              <a14:hiddenFill xmlns:a14="http://schemas.microsoft.com/office/drawing/2010/main" xmlns="">
                 <a:solidFill>
                   <a:srgbClr val="FFFFFF"/>
                 </a:solidFill>
@@ -14276,10 +13521,10 @@
           <p:nvPr/>
         </p:nvPicPr>
         <p:blipFill>
-          <a:blip r:embed="rId7" cstate="print">
+          <a:blip r:embed="rId6" cstate="print">
             <a:extLst>
               <a:ext uri="{28A0092B-C50C-407E-A947-70E740481C1C}">
-                <a14:useLocalDpi xmlns="" xmlns:a14="http://schemas.microsoft.com/office/drawing/2010/main" val="0"/>
+                <a14:useLocalDpi xmlns:a14="http://schemas.microsoft.com/office/drawing/2010/main" xmlns="" val="0"/>
               </a:ext>
             </a:extLst>
           </a:blip>
@@ -14299,7 +13544,7 @@
           <a:noFill/>
           <a:extLst>
             <a:ext uri="{909E8E84-426E-40DD-AFC4-6F175D3DCCD1}">
-              <a14:hiddenFill xmlns="" xmlns:a14="http://schemas.microsoft.com/office/drawing/2010/main">
+              <a14:hiddenFill xmlns:a14="http://schemas.microsoft.com/office/drawing/2010/main" xmlns="">
                 <a:solidFill>
                   <a:srgbClr val="FFFFFF"/>
                 </a:solidFill>
@@ -14308,10 +13553,36 @@
           </a:extLst>
         </p:spPr>
       </p:pic>
+      <p:pic>
+        <p:nvPicPr>
+          <p:cNvPr id="18" name="Picture 2" descr="C:\Documents and Settings\Administrator\바탕 화면\Untitled-1.png"/>
+          <p:cNvPicPr>
+            <a:picLocks noChangeAspect="1" noChangeArrowheads="1"/>
+          </p:cNvPicPr>
+          <p:nvPr/>
+        </p:nvPicPr>
+        <p:blipFill>
+          <a:blip r:embed="rId7" cstate="print"/>
+          <a:srcRect/>
+          <a:stretch>
+            <a:fillRect/>
+          </a:stretch>
+        </p:blipFill>
+        <p:spPr bwMode="auto">
+          <a:xfrm>
+            <a:off x="1043608" y="2492896"/>
+            <a:ext cx="3096344" cy="2592288"/>
+          </a:xfrm>
+          <a:prstGeom prst="rect">
+            <a:avLst/>
+          </a:prstGeom>
+          <a:noFill/>
+        </p:spPr>
+      </p:pic>
     </p:spTree>
     <p:extLst>
       <p:ext uri="{BB962C8B-B14F-4D97-AF65-F5344CB8AC3E}">
-        <p14:creationId xmlns="" xmlns:p14="http://schemas.microsoft.com/office/powerpoint/2010/main" val="26222973"/>
+        <p14:creationId xmlns:p14="http://schemas.microsoft.com/office/powerpoint/2010/main" xmlns="" val="26222973"/>
       </p:ext>
     </p:extLst>
   </p:cSld>
@@ -14431,7 +13702,7 @@
         </p:nvSpPr>
         <p:spPr>
           <a:xfrm>
-            <a:off x="2785054" y="4787860"/>
+            <a:off x="2785054" y="3717032"/>
             <a:ext cx="4667266" cy="461665"/>
           </a:xfrm>
           <a:prstGeom prst="rect">
@@ -14498,7 +13769,7 @@
           <a:blip r:embed="rId3" cstate="print">
             <a:extLst>
               <a:ext uri="{28A0092B-C50C-407E-A947-70E740481C1C}">
-                <a14:useLocalDpi xmlns="" xmlns:a14="http://schemas.microsoft.com/office/drawing/2010/main" val="0"/>
+                <a14:useLocalDpi xmlns:a14="http://schemas.microsoft.com/office/drawing/2010/main" xmlns="" val="0"/>
               </a:ext>
             </a:extLst>
           </a:blip>
@@ -14508,8 +13779,8 @@
         </p:blipFill>
         <p:spPr>
           <a:xfrm>
-            <a:off x="5580112" y="2780928"/>
-            <a:ext cx="3259008" cy="1805136"/>
+            <a:off x="5580112" y="2132856"/>
+            <a:ext cx="3259008" cy="1368152"/>
           </a:xfrm>
           <a:prstGeom prst="rect">
             <a:avLst/>
@@ -14526,7 +13797,7 @@
           <a:blip r:embed="rId4" cstate="print">
             <a:extLst>
               <a:ext uri="{28A0092B-C50C-407E-A947-70E740481C1C}">
-                <a14:useLocalDpi xmlns="" xmlns:a14="http://schemas.microsoft.com/office/drawing/2010/main" val="0"/>
+                <a14:useLocalDpi xmlns:a14="http://schemas.microsoft.com/office/drawing/2010/main" xmlns="" val="0"/>
               </a:ext>
             </a:extLst>
           </a:blip>
@@ -14536,598 +13807,23 @@
         </p:blipFill>
         <p:spPr>
           <a:xfrm>
-            <a:off x="704022" y="2780928"/>
-            <a:ext cx="4162063" cy="2006932"/>
+            <a:off x="704022" y="2132856"/>
+            <a:ext cx="4162063" cy="1521098"/>
           </a:xfrm>
           <a:prstGeom prst="rect">
             <a:avLst/>
           </a:prstGeom>
         </p:spPr>
       </p:pic>
-    </p:spTree>
-    <p:extLst>
-      <p:ext uri="{BB962C8B-B14F-4D97-AF65-F5344CB8AC3E}">
-        <p14:creationId xmlns="" xmlns:p14="http://schemas.microsoft.com/office/powerpoint/2010/main" val="846475234"/>
-      </p:ext>
-    </p:extLst>
-  </p:cSld>
-  <p:clrMapOvr>
-    <a:masterClrMapping/>
-  </p:clrMapOvr>
-  <p:transition advClick="0" advTm="20000"/>
-  <p:timing>
-    <p:tnLst>
-      <p:par>
-        <p:cTn id="1" dur="indefinite" restart="never" nodeType="tmRoot"/>
-      </p:par>
-    </p:tnLst>
-  </p:timing>
-</p:sld>
-</file>
-
-<file path=ppt/slides/slide5.xml><?xml version="1.0" encoding="utf-8"?>
-<p:sld xmlns:a="http://schemas.openxmlformats.org/drawingml/2006/main" xmlns:r="http://schemas.openxmlformats.org/officeDocument/2006/relationships" xmlns:p="http://schemas.openxmlformats.org/presentationml/2006/main">
-  <p:cSld>
-    <p:spTree>
-      <p:nvGrpSpPr>
-        <p:cNvPr id="1" name=""/>
-        <p:cNvGrpSpPr/>
-        <p:nvPr/>
-      </p:nvGrpSpPr>
-      <p:grpSpPr>
-        <a:xfrm>
-          <a:off x="0" y="0"/>
-          <a:ext cx="0" cy="0"/>
-          <a:chOff x="0" y="0"/>
-          <a:chExt cx="0" cy="0"/>
-        </a:xfrm>
-      </p:grpSpPr>
-      <p:sp>
-        <p:nvSpPr>
-          <p:cNvPr id="2" name="제목 1"/>
-          <p:cNvSpPr>
-            <a:spLocks noGrp="1"/>
-          </p:cNvSpPr>
-          <p:nvPr>
-            <p:ph type="title"/>
-          </p:nvPr>
-        </p:nvSpPr>
-        <p:spPr/>
-        <p:txBody>
-          <a:bodyPr/>
-          <a:lstStyle/>
-          <a:p>
-            <a:pPr marL="914400" indent="-914400">
-              <a:buFont typeface="+mj-lt"/>
-              <a:buAutoNum type="arabicPeriod" startAt="2"/>
-            </a:pPr>
-            <a:r>
-              <a:rPr lang="ko-KR" altLang="en-US" sz="5400" spc="600" dirty="0" smtClean="0">
-                <a:solidFill>
-                  <a:srgbClr val="000000"/>
-                </a:solidFill>
-                <a:latin typeface="HY동녘M" pitchFamily="18" charset="-127"/>
-                <a:ea typeface="HY동녘M" pitchFamily="18" charset="-127"/>
-              </a:rPr>
-              <a:t>관련기술 소개</a:t>
-            </a:r>
-            <a:endParaRPr lang="ko-KR" altLang="en-US" sz="5400" dirty="0">
-              <a:solidFill>
-                <a:srgbClr val="000000"/>
-              </a:solidFill>
-              <a:latin typeface="HY동녘M" pitchFamily="18" charset="-127"/>
-              <a:ea typeface="HY동녘M" pitchFamily="18" charset="-127"/>
-            </a:endParaRPr>
-          </a:p>
-        </p:txBody>
-      </p:sp>
-      <p:sp>
-        <p:nvSpPr>
-          <p:cNvPr id="16" name="내용 개체 틀 2"/>
-          <p:cNvSpPr txBox="1">
-            <a:spLocks/>
-          </p:cNvSpPr>
-          <p:nvPr/>
-        </p:nvSpPr>
-        <p:spPr bwMode="auto">
-          <a:xfrm>
-            <a:off x="755576" y="1196752"/>
-            <a:ext cx="6048672" cy="648072"/>
-          </a:xfrm>
-          <a:prstGeom prst="rect">
-            <a:avLst/>
-          </a:prstGeom>
-          <a:noFill/>
-          <a:ln>
-            <a:noFill/>
-          </a:ln>
-          <a:effectLst/>
-          <a:extLst>
-            <a:ext uri="{909E8E84-426E-40DD-AFC4-6F175D3DCCD1}">
-              <a14:hiddenFill xmlns="" xmlns:a14="http://schemas.microsoft.com/office/drawing/2010/main">
-                <a:solidFill>
-                  <a:schemeClr val="accent1"/>
-                </a:solidFill>
-              </a14:hiddenFill>
-            </a:ext>
-            <a:ext uri="{91240B29-F687-4F45-9708-019B960494DF}">
-              <a14:hiddenLine xmlns="" xmlns:a14="http://schemas.microsoft.com/office/drawing/2010/main" w="9525">
-                <a:solidFill>
-                  <a:schemeClr val="tx1"/>
-                </a:solidFill>
-                <a:miter lim="800000"/>
-                <a:headEnd/>
-                <a:tailEnd/>
-              </a14:hiddenLine>
-            </a:ext>
-            <a:ext uri="{AF507438-7753-43E0-B8FC-AC1667EBCBE1}">
-              <a14:hiddenEffects xmlns="" xmlns:a14="http://schemas.microsoft.com/office/drawing/2010/main">
-                <a:effectLst>
-                  <a:outerShdw dist="35921" dir="2700000" algn="ctr" rotWithShape="0">
-                    <a:schemeClr val="bg2"/>
-                  </a:outerShdw>
-                </a:effectLst>
-              </a14:hiddenEffects>
-            </a:ext>
-          </a:extLst>
-        </p:spPr>
-        <p:txBody>
-          <a:bodyPr vert="horz" wrap="square" lIns="91440" tIns="45720" rIns="91440" bIns="45720" numCol="1" anchor="t" anchorCtr="0" compatLnSpc="1">
-            <a:prstTxWarp prst="textNoShape">
-              <a:avLst/>
-            </a:prstTxWarp>
-          </a:bodyPr>
-          <a:lstStyle/>
-          <a:p>
-            <a:pPr marL="571500" marR="0" lvl="0" indent="-514350" algn="l" defTabSz="914400" rtl="0" eaLnBrk="1" fontAlgn="base" latinLnBrk="1" hangingPunct="1">
-              <a:lnSpc>
-                <a:spcPct val="100000"/>
-              </a:lnSpc>
-              <a:spcBef>
-                <a:spcPct val="20000"/>
-              </a:spcBef>
-              <a:spcAft>
-                <a:spcPct val="0"/>
-              </a:spcAft>
-              <a:buClrTx/>
-              <a:buSzTx/>
-              <a:buFont typeface="+mj-lt"/>
-              <a:buAutoNum type="alphaUcPeriod"/>
-              <a:tabLst/>
-              <a:defRPr/>
-            </a:pPr>
-            <a:r>
-              <a:rPr kumimoji="0" lang="en-US" altLang="ko-KR" sz="3200" b="0" i="0" u="none" strike="noStrike" kern="0" cap="none" spc="0" normalizeH="0" baseline="0" noProof="0" dirty="0" smtClean="0">
-                <a:ln>
-                  <a:noFill/>
-                </a:ln>
-                <a:solidFill>
-                  <a:srgbClr val="000000"/>
-                </a:solidFill>
-                <a:effectLst/>
-                <a:uLnTx/>
-                <a:uFillTx/>
-                <a:latin typeface="HY동녘M" pitchFamily="18" charset="-127"/>
-                <a:ea typeface="HY동녘M" pitchFamily="18" charset="-127"/>
-                <a:cs typeface="+mn-cs"/>
-              </a:rPr>
-              <a:t>USB</a:t>
-            </a:r>
-          </a:p>
-          <a:p>
-            <a:pPr marL="57150" marR="0" lvl="0" indent="0" algn="l" defTabSz="914400" rtl="0" eaLnBrk="1" fontAlgn="base" latinLnBrk="1" hangingPunct="1">
-              <a:lnSpc>
-                <a:spcPct val="100000"/>
-              </a:lnSpc>
-              <a:spcBef>
-                <a:spcPct val="20000"/>
-              </a:spcBef>
-              <a:spcAft>
-                <a:spcPct val="0"/>
-              </a:spcAft>
-              <a:buClrTx/>
-              <a:buSzTx/>
-              <a:buFontTx/>
-              <a:buNone/>
-              <a:tabLst/>
-              <a:defRPr/>
-            </a:pPr>
-            <a:endParaRPr kumimoji="0" lang="en-US" altLang="ko-KR" sz="1800" b="0" i="0" u="none" strike="noStrike" kern="0" cap="none" spc="0" normalizeH="0" baseline="0" noProof="0" dirty="0" smtClean="0">
-              <a:ln>
-                <a:noFill/>
-              </a:ln>
-              <a:solidFill>
-                <a:srgbClr val="000000"/>
-              </a:solidFill>
-              <a:effectLst/>
-              <a:uLnTx/>
-              <a:uFillTx/>
-              <a:latin typeface="HY동녘M" pitchFamily="18" charset="-127"/>
-              <a:ea typeface="HY동녘M" pitchFamily="18" charset="-127"/>
-              <a:cs typeface="+mn-cs"/>
-            </a:endParaRPr>
-          </a:p>
-        </p:txBody>
-      </p:sp>
       <p:grpSp>
         <p:nvGrpSpPr>
-          <p:cNvPr id="28" name="그룹 27"/>
+          <p:cNvPr id="7" name="그룹 6"/>
           <p:cNvGrpSpPr/>
           <p:nvPr/>
         </p:nvGrpSpPr>
         <p:grpSpPr>
           <a:xfrm>
-            <a:off x="1043608" y="1844824"/>
-            <a:ext cx="7128792" cy="2088232"/>
-            <a:chOff x="1115616" y="1772816"/>
-            <a:chExt cx="7128792" cy="4314736"/>
-          </a:xfrm>
-        </p:grpSpPr>
-        <p:pic>
-          <p:nvPicPr>
-            <p:cNvPr id="2052" name="Picture 4" descr="C:\Documents and Settings\Administrator\Local Settings\Temporary Internet Files\Content.IE5\MZ3O6A78\MC900433879[1].PNG"/>
-            <p:cNvPicPr>
-              <a:picLocks noChangeAspect="1" noChangeArrowheads="1"/>
-            </p:cNvPicPr>
-            <p:nvPr/>
-          </p:nvPicPr>
-          <p:blipFill>
-            <a:blip r:embed="rId3" cstate="print"/>
-            <a:srcRect/>
-            <a:stretch>
-              <a:fillRect/>
-            </a:stretch>
-          </p:blipFill>
-          <p:spPr bwMode="auto">
-            <a:xfrm>
-              <a:off x="1619672" y="4725144"/>
-              <a:ext cx="1296144" cy="1296144"/>
-            </a:xfrm>
-            <a:prstGeom prst="rect">
-              <a:avLst/>
-            </a:prstGeom>
-            <a:noFill/>
-          </p:spPr>
-        </p:pic>
-        <p:pic>
-          <p:nvPicPr>
-            <p:cNvPr id="2053" name="Picture 5"/>
-            <p:cNvPicPr>
-              <a:picLocks noChangeAspect="1" noChangeArrowheads="1"/>
-            </p:cNvPicPr>
-            <p:nvPr/>
-          </p:nvPicPr>
-          <p:blipFill>
-            <a:blip r:embed="rId4" cstate="print"/>
-            <a:srcRect/>
-            <a:stretch>
-              <a:fillRect/>
-            </a:stretch>
-          </p:blipFill>
-          <p:spPr bwMode="auto">
-            <a:xfrm>
-              <a:off x="3347864" y="2924944"/>
-              <a:ext cx="2097663" cy="1656184"/>
-            </a:xfrm>
-            <a:prstGeom prst="rect">
-              <a:avLst/>
-            </a:prstGeom>
-            <a:noFill/>
-            <a:ln w="9525">
-              <a:noFill/>
-              <a:miter lim="800000"/>
-              <a:headEnd/>
-              <a:tailEnd/>
-            </a:ln>
-            <a:effectLst/>
-          </p:spPr>
-        </p:pic>
-        <p:pic>
-          <p:nvPicPr>
-            <p:cNvPr id="2054" name="Picture 6"/>
-            <p:cNvPicPr>
-              <a:picLocks noChangeAspect="1" noChangeArrowheads="1"/>
-            </p:cNvPicPr>
-            <p:nvPr/>
-          </p:nvPicPr>
-          <p:blipFill>
-            <a:blip r:embed="rId5" cstate="print"/>
-            <a:srcRect/>
-            <a:stretch>
-              <a:fillRect/>
-            </a:stretch>
-          </p:blipFill>
-          <p:spPr bwMode="auto">
-            <a:xfrm>
-              <a:off x="6491260" y="1772816"/>
-              <a:ext cx="1681140" cy="1800200"/>
-            </a:xfrm>
-            <a:prstGeom prst="rect">
-              <a:avLst/>
-            </a:prstGeom>
-            <a:noFill/>
-            <a:ln w="9525">
-              <a:noFill/>
-              <a:miter lim="800000"/>
-              <a:headEnd/>
-              <a:tailEnd/>
-            </a:ln>
-            <a:effectLst/>
-          </p:spPr>
-        </p:pic>
-        <p:pic>
-          <p:nvPicPr>
-            <p:cNvPr id="2055" name="Picture 7"/>
-            <p:cNvPicPr>
-              <a:picLocks noChangeAspect="1" noChangeArrowheads="1"/>
-            </p:cNvPicPr>
-            <p:nvPr/>
-          </p:nvPicPr>
-          <p:blipFill>
-            <a:blip r:embed="rId6" cstate="print"/>
-            <a:srcRect/>
-            <a:stretch>
-              <a:fillRect/>
-            </a:stretch>
-          </p:blipFill>
-          <p:spPr bwMode="auto">
-            <a:xfrm>
-              <a:off x="6588224" y="4869160"/>
-              <a:ext cx="1656184" cy="1218392"/>
-            </a:xfrm>
-            <a:prstGeom prst="rect">
-              <a:avLst/>
-            </a:prstGeom>
-            <a:noFill/>
-            <a:ln w="9525">
-              <a:noFill/>
-              <a:miter lim="800000"/>
-              <a:headEnd/>
-              <a:tailEnd/>
-            </a:ln>
-            <a:effectLst/>
-          </p:spPr>
-        </p:pic>
-        <p:pic>
-          <p:nvPicPr>
-            <p:cNvPr id="2056" name="Picture 8" descr="C:\Documents and Settings\Administrator\Local Settings\Temporary Internet Files\Content.IE5\10ES2RA8\MC900440400[1].PNG"/>
-            <p:cNvPicPr>
-              <a:picLocks noChangeAspect="1" noChangeArrowheads="1"/>
-            </p:cNvPicPr>
-            <p:nvPr/>
-          </p:nvPicPr>
-          <p:blipFill>
-            <a:blip r:embed="rId7" cstate="print"/>
-            <a:srcRect/>
-            <a:stretch>
-              <a:fillRect/>
-            </a:stretch>
-          </p:blipFill>
-          <p:spPr bwMode="auto">
-            <a:xfrm>
-              <a:off x="1115616" y="1844824"/>
-              <a:ext cx="1512168" cy="1512168"/>
-            </a:xfrm>
-            <a:prstGeom prst="rect">
-              <a:avLst/>
-            </a:prstGeom>
-            <a:noFill/>
-          </p:spPr>
-        </p:pic>
-        <p:cxnSp>
-          <p:nvCxnSpPr>
-            <p:cNvPr id="13" name="직선 화살표 연결선 12"/>
-            <p:cNvCxnSpPr/>
-            <p:nvPr/>
-          </p:nvCxnSpPr>
-          <p:spPr bwMode="auto">
-            <a:xfrm>
-              <a:off x="2627784" y="2924944"/>
-              <a:ext cx="864096" cy="432048"/>
-            </a:xfrm>
-            <a:prstGeom prst="straightConnector1">
-              <a:avLst/>
-            </a:prstGeom>
-            <a:gradFill rotWithShape="1">
-              <a:gsLst>
-                <a:gs pos="0">
-                  <a:schemeClr val="bg2">
-                    <a:gamma/>
-                    <a:tint val="26667"/>
-                    <a:invGamma/>
-                  </a:schemeClr>
-                </a:gs>
-                <a:gs pos="100000">
-                  <a:schemeClr val="bg2">
-                    <a:alpha val="14999"/>
-                  </a:schemeClr>
-                </a:gs>
-              </a:gsLst>
-              <a:lin ang="5400000" scaled="1"/>
-            </a:gradFill>
-            <a:ln w="44450">
-              <a:solidFill>
-                <a:srgbClr val="00B0F0"/>
-              </a:solidFill>
-              <a:tailEnd type="arrow"/>
-            </a:ln>
-            <a:effectLst/>
-            <a:extLst>
-              <a:ext uri="{AF507438-7753-43E0-B8FC-AC1667EBCBE1}">
-                <a14:hiddenEffects xmlns="" xmlns:a14="http://schemas.microsoft.com/office/drawing/2010/main">
-                  <a:effectLst>
-                    <a:outerShdw dist="35921" dir="2700000" algn="ctr" rotWithShape="0">
-                      <a:schemeClr val="bg2"/>
-                    </a:outerShdw>
-                  </a:effectLst>
-                </a14:hiddenEffects>
-              </a:ext>
-            </a:extLst>
-          </p:spPr>
-        </p:cxnSp>
-        <p:cxnSp>
-          <p:nvCxnSpPr>
-            <p:cNvPr id="17" name="직선 화살표 연결선 16"/>
-            <p:cNvCxnSpPr/>
-            <p:nvPr/>
-          </p:nvCxnSpPr>
-          <p:spPr bwMode="auto">
-            <a:xfrm flipH="1">
-              <a:off x="5580112" y="2924944"/>
-              <a:ext cx="864096" cy="432048"/>
-            </a:xfrm>
-            <a:prstGeom prst="straightConnector1">
-              <a:avLst/>
-            </a:prstGeom>
-            <a:gradFill rotWithShape="1">
-              <a:gsLst>
-                <a:gs pos="0">
-                  <a:schemeClr val="bg2">
-                    <a:gamma/>
-                    <a:tint val="26667"/>
-                    <a:invGamma/>
-                  </a:schemeClr>
-                </a:gs>
-                <a:gs pos="100000">
-                  <a:schemeClr val="bg2">
-                    <a:alpha val="14999"/>
-                  </a:schemeClr>
-                </a:gs>
-              </a:gsLst>
-              <a:lin ang="5400000" scaled="1"/>
-            </a:gradFill>
-            <a:ln w="44450">
-              <a:solidFill>
-                <a:srgbClr val="00B0F0"/>
-              </a:solidFill>
-              <a:tailEnd type="arrow"/>
-            </a:ln>
-            <a:effectLst/>
-            <a:extLst>
-              <a:ext uri="{AF507438-7753-43E0-B8FC-AC1667EBCBE1}">
-                <a14:hiddenEffects xmlns="" xmlns:a14="http://schemas.microsoft.com/office/drawing/2010/main">
-                  <a:effectLst>
-                    <a:outerShdw dist="35921" dir="2700000" algn="ctr" rotWithShape="0">
-                      <a:schemeClr val="bg2"/>
-                    </a:outerShdw>
-                  </a:effectLst>
-                </a14:hiddenEffects>
-              </a:ext>
-            </a:extLst>
-          </p:spPr>
-        </p:cxnSp>
-        <p:cxnSp>
-          <p:nvCxnSpPr>
-            <p:cNvPr id="21" name="직선 화살표 연결선 20"/>
-            <p:cNvCxnSpPr/>
-            <p:nvPr/>
-          </p:nvCxnSpPr>
-          <p:spPr bwMode="auto">
-            <a:xfrm flipH="1" flipV="1">
-              <a:off x="5364088" y="4725144"/>
-              <a:ext cx="1008112" cy="576064"/>
-            </a:xfrm>
-            <a:prstGeom prst="straightConnector1">
-              <a:avLst/>
-            </a:prstGeom>
-            <a:gradFill rotWithShape="1">
-              <a:gsLst>
-                <a:gs pos="0">
-                  <a:schemeClr val="bg2">
-                    <a:gamma/>
-                    <a:tint val="26667"/>
-                    <a:invGamma/>
-                  </a:schemeClr>
-                </a:gs>
-                <a:gs pos="100000">
-                  <a:schemeClr val="bg2">
-                    <a:alpha val="14999"/>
-                  </a:schemeClr>
-                </a:gs>
-              </a:gsLst>
-              <a:lin ang="5400000" scaled="1"/>
-            </a:gradFill>
-            <a:ln w="44450">
-              <a:solidFill>
-                <a:srgbClr val="00B0F0"/>
-              </a:solidFill>
-              <a:tailEnd type="arrow"/>
-            </a:ln>
-            <a:effectLst/>
-            <a:extLst>
-              <a:ext uri="{AF507438-7753-43E0-B8FC-AC1667EBCBE1}">
-                <a14:hiddenEffects xmlns="" xmlns:a14="http://schemas.microsoft.com/office/drawing/2010/main">
-                  <a:effectLst>
-                    <a:outerShdw dist="35921" dir="2700000" algn="ctr" rotWithShape="0">
-                      <a:schemeClr val="bg2"/>
-                    </a:outerShdw>
-                  </a:effectLst>
-                </a14:hiddenEffects>
-              </a:ext>
-            </a:extLst>
-          </p:spPr>
-        </p:cxnSp>
-        <p:cxnSp>
-          <p:nvCxnSpPr>
-            <p:cNvPr id="24" name="직선 화살표 연결선 23"/>
-            <p:cNvCxnSpPr/>
-            <p:nvPr/>
-          </p:nvCxnSpPr>
-          <p:spPr bwMode="auto">
-            <a:xfrm flipV="1">
-              <a:off x="2699792" y="4581128"/>
-              <a:ext cx="864096" cy="504056"/>
-            </a:xfrm>
-            <a:prstGeom prst="straightConnector1">
-              <a:avLst/>
-            </a:prstGeom>
-            <a:gradFill rotWithShape="1">
-              <a:gsLst>
-                <a:gs pos="0">
-                  <a:schemeClr val="bg2">
-                    <a:gamma/>
-                    <a:tint val="26667"/>
-                    <a:invGamma/>
-                  </a:schemeClr>
-                </a:gs>
-                <a:gs pos="100000">
-                  <a:schemeClr val="bg2">
-                    <a:alpha val="14999"/>
-                  </a:schemeClr>
-                </a:gs>
-              </a:gsLst>
-              <a:lin ang="5400000" scaled="1"/>
-            </a:gradFill>
-            <a:ln w="44450">
-              <a:solidFill>
-                <a:srgbClr val="00B0F0"/>
-              </a:solidFill>
-              <a:tailEnd type="arrow"/>
-            </a:ln>
-            <a:effectLst/>
-            <a:extLst>
-              <a:ext uri="{AF507438-7753-43E0-B8FC-AC1667EBCBE1}">
-                <a14:hiddenEffects xmlns="" xmlns:a14="http://schemas.microsoft.com/office/drawing/2010/main">
-                  <a:effectLst>
-                    <a:outerShdw dist="35921" dir="2700000" algn="ctr" rotWithShape="0">
-                      <a:schemeClr val="bg2"/>
-                    </a:outerShdw>
-                  </a:effectLst>
-                </a14:hiddenEffects>
-              </a:ext>
-            </a:extLst>
-          </p:spPr>
-        </p:cxnSp>
-      </p:grpSp>
-      <p:grpSp>
-        <p:nvGrpSpPr>
-          <p:cNvPr id="30" name="그룹 29"/>
-          <p:cNvGrpSpPr/>
-          <p:nvPr/>
-        </p:nvGrpSpPr>
-        <p:grpSpPr>
-          <a:xfrm>
-            <a:off x="1571574" y="4149080"/>
+            <a:off x="1571574" y="4293096"/>
             <a:ext cx="7176890" cy="1800200"/>
             <a:chOff x="203673" y="2621195"/>
             <a:chExt cx="8448873" cy="3328085"/>
@@ -15135,17 +13831,17 @@
         </p:grpSpPr>
         <p:pic>
           <p:nvPicPr>
-            <p:cNvPr id="31" name="그림 30"/>
+            <p:cNvPr id="8" name="그림 7"/>
             <p:cNvPicPr>
               <a:picLocks noChangeAspect="1"/>
             </p:cNvPicPr>
             <p:nvPr/>
           </p:nvPicPr>
           <p:blipFill>
-            <a:blip r:embed="rId8" cstate="print">
+            <a:blip r:embed="rId5" cstate="print">
               <a:extLst>
                 <a:ext uri="{28A0092B-C50C-407E-A947-70E740481C1C}">
-                  <a14:useLocalDpi xmlns="" xmlns:a14="http://schemas.microsoft.com/office/drawing/2010/main" val="0"/>
+                  <a14:useLocalDpi xmlns:a14="http://schemas.microsoft.com/office/drawing/2010/main" xmlns="" val="0"/>
                 </a:ext>
               </a:extLst>
             </a:blip>
@@ -15165,17 +13861,17 @@
         </p:pic>
         <p:pic>
           <p:nvPicPr>
-            <p:cNvPr id="32" name="그림 31"/>
+            <p:cNvPr id="9" name="그림 8"/>
             <p:cNvPicPr>
               <a:picLocks noChangeAspect="1"/>
             </p:cNvPicPr>
             <p:nvPr/>
           </p:nvPicPr>
           <p:blipFill>
-            <a:blip r:embed="rId9" cstate="print">
+            <a:blip r:embed="rId6" cstate="print">
               <a:extLst>
                 <a:ext uri="{28A0092B-C50C-407E-A947-70E740481C1C}">
-                  <a14:useLocalDpi xmlns="" xmlns:a14="http://schemas.microsoft.com/office/drawing/2010/main" val="0"/>
+                  <a14:useLocalDpi xmlns:a14="http://schemas.microsoft.com/office/drawing/2010/main" xmlns="" val="0"/>
                 </a:ext>
               </a:extLst>
             </a:blip>
@@ -15195,7 +13891,7 @@
         </p:pic>
         <p:sp>
           <p:nvSpPr>
-            <p:cNvPr id="33" name="TextBox 32"/>
+            <p:cNvPr id="10" name="TextBox 9"/>
             <p:cNvSpPr txBox="1"/>
             <p:nvPr/>
           </p:nvSpPr>
@@ -15229,7 +13925,7 @@
         </p:sp>
         <p:sp>
           <p:nvSpPr>
-            <p:cNvPr id="34" name="TextBox 33"/>
+            <p:cNvPr id="11" name="TextBox 10"/>
             <p:cNvSpPr txBox="1"/>
             <p:nvPr/>
           </p:nvSpPr>
@@ -15263,17 +13959,17 @@
         </p:sp>
         <p:pic>
           <p:nvPicPr>
-            <p:cNvPr id="35" name="그림 34"/>
+            <p:cNvPr id="12" name="그림 11"/>
             <p:cNvPicPr>
               <a:picLocks noChangeAspect="1"/>
             </p:cNvPicPr>
             <p:nvPr/>
           </p:nvPicPr>
           <p:blipFill>
-            <a:blip r:embed="rId10" cstate="print">
+            <a:blip r:embed="rId7" cstate="print">
               <a:extLst>
                 <a:ext uri="{28A0092B-C50C-407E-A947-70E740481C1C}">
-                  <a14:useLocalDpi xmlns="" xmlns:a14="http://schemas.microsoft.com/office/drawing/2010/main" val="0"/>
+                  <a14:useLocalDpi xmlns:a14="http://schemas.microsoft.com/office/drawing/2010/main" xmlns="" val="0"/>
                 </a:ext>
               </a:extLst>
             </a:blip>
@@ -15293,7 +13989,7 @@
         </p:pic>
         <p:sp>
           <p:nvSpPr>
-            <p:cNvPr id="36" name="TextBox 35"/>
+            <p:cNvPr id="13" name="TextBox 12"/>
             <p:cNvSpPr txBox="1"/>
             <p:nvPr/>
           </p:nvSpPr>
@@ -15329,7 +14025,7 @@
     </p:spTree>
     <p:extLst>
       <p:ext uri="{BB962C8B-B14F-4D97-AF65-F5344CB8AC3E}">
-        <p14:creationId xmlns="" xmlns:p14="http://schemas.microsoft.com/office/powerpoint/2010/main" val="2437256557"/>
+        <p14:creationId xmlns:p14="http://schemas.microsoft.com/office/powerpoint/2010/main" xmlns="" val="846475234"/>
       </p:ext>
     </p:extLst>
   </p:cSld>
@@ -15347,7 +14043,7 @@
 </p:sld>
 </file>
 
-<file path=ppt/slides/slide6.xml><?xml version="1.0" encoding="utf-8"?>
+<file path=ppt/slides/slide5.xml><?xml version="1.0" encoding="utf-8"?>
 <p:sld xmlns:a="http://schemas.openxmlformats.org/drawingml/2006/main" xmlns:r="http://schemas.openxmlformats.org/officeDocument/2006/relationships" xmlns:p="http://schemas.openxmlformats.org/presentationml/2006/main">
   <p:cSld>
     <p:spTree>
@@ -15364,6 +14060,32 @@
           <a:chExt cx="0" cy="0"/>
         </a:xfrm>
       </p:grpSpPr>
+      <p:pic>
+        <p:nvPicPr>
+          <p:cNvPr id="23" name="Picture 2" descr="C:\Documents and Settings\Administrator\바탕 화면\웹캠.png"/>
+          <p:cNvPicPr>
+            <a:picLocks noChangeAspect="1" noChangeArrowheads="1"/>
+          </p:cNvPicPr>
+          <p:nvPr/>
+        </p:nvPicPr>
+        <p:blipFill>
+          <a:blip r:embed="rId3" cstate="print"/>
+          <a:srcRect/>
+          <a:stretch>
+            <a:fillRect/>
+          </a:stretch>
+        </p:blipFill>
+        <p:spPr bwMode="auto">
+          <a:xfrm>
+            <a:off x="251520" y="3717032"/>
+            <a:ext cx="1174527" cy="1174527"/>
+          </a:xfrm>
+          <a:prstGeom prst="rect">
+            <a:avLst/>
+          </a:prstGeom>
+          <a:noFill/>
+        </p:spPr>
+      </p:pic>
       <p:cxnSp>
         <p:nvCxnSpPr>
           <p:cNvPr id="18" name="직선 연결선 17"/>
@@ -15439,146 +14161,24 @@
           </a:p>
         </p:txBody>
       </p:sp>
-      <p:pic>
-        <p:nvPicPr>
-          <p:cNvPr id="7" name="Picture 2" descr="N:\설계프로젝트\임시저장\제목-없음-1.png"/>
-          <p:cNvPicPr>
-            <a:picLocks noChangeAspect="1" noChangeArrowheads="1"/>
-          </p:cNvPicPr>
-          <p:nvPr/>
-        </p:nvPicPr>
-        <p:blipFill>
-          <a:blip r:embed="rId3" cstate="print">
-            <a:extLst>
-              <a:ext uri="{28A0092B-C50C-407E-A947-70E740481C1C}">
-                <a14:useLocalDpi xmlns="" xmlns:a14="http://schemas.microsoft.com/office/drawing/2010/main" val="0"/>
-              </a:ext>
-            </a:extLst>
-          </a:blip>
-          <a:srcRect/>
-          <a:stretch>
-            <a:fillRect/>
-          </a:stretch>
-        </p:blipFill>
-        <p:spPr bwMode="auto">
-          <a:xfrm>
-            <a:off x="5366955" y="1691196"/>
-            <a:ext cx="3813557" cy="3177964"/>
-          </a:xfrm>
-          <a:prstGeom prst="rect">
-            <a:avLst/>
-          </a:prstGeom>
-          <a:noFill/>
-          <a:extLst>
-            <a:ext uri="{909E8E84-426E-40DD-AFC4-6F175D3DCCD1}">
-              <a14:hiddenFill xmlns="" xmlns:a14="http://schemas.microsoft.com/office/drawing/2010/main">
-                <a:solidFill>
-                  <a:srgbClr val="FFFFFF"/>
-                </a:solidFill>
-              </a14:hiddenFill>
-            </a:ext>
-          </a:extLst>
-        </p:spPr>
-      </p:pic>
-      <p:pic>
-        <p:nvPicPr>
-          <p:cNvPr id="8" name="Picture 2" descr="N:\설계프로젝트\임시저장\제목-없음-1.png"/>
-          <p:cNvPicPr>
-            <a:picLocks noChangeAspect="1" noChangeArrowheads="1"/>
-          </p:cNvPicPr>
-          <p:nvPr/>
-        </p:nvPicPr>
-        <p:blipFill>
-          <a:blip r:embed="rId3" cstate="print">
-            <a:extLst>
-              <a:ext uri="{28A0092B-C50C-407E-A947-70E740481C1C}">
-                <a14:useLocalDpi xmlns="" xmlns:a14="http://schemas.microsoft.com/office/drawing/2010/main" val="0"/>
-              </a:ext>
-            </a:extLst>
-          </a:blip>
-          <a:srcRect/>
-          <a:stretch>
-            <a:fillRect/>
-          </a:stretch>
-        </p:blipFill>
-        <p:spPr bwMode="auto">
-          <a:xfrm>
-            <a:off x="218383" y="1691196"/>
-            <a:ext cx="3813557" cy="3177964"/>
-          </a:xfrm>
-          <a:prstGeom prst="rect">
-            <a:avLst/>
-          </a:prstGeom>
-          <a:noFill/>
-          <a:extLst>
-            <a:ext uri="{909E8E84-426E-40DD-AFC4-6F175D3DCCD1}">
-              <a14:hiddenFill xmlns="" xmlns:a14="http://schemas.microsoft.com/office/drawing/2010/main">
-                <a:solidFill>
-                  <a:srgbClr val="FFFFFF"/>
-                </a:solidFill>
-              </a14:hiddenFill>
-            </a:ext>
-          </a:extLst>
-        </p:spPr>
-      </p:pic>
-      <p:pic>
-        <p:nvPicPr>
-          <p:cNvPr id="9" name="Picture 2" descr="N:\설계프로젝트\임시저장\제목-없음-2.png"/>
-          <p:cNvPicPr>
-            <a:picLocks noChangeAspect="1" noChangeArrowheads="1"/>
-          </p:cNvPicPr>
-          <p:nvPr/>
-        </p:nvPicPr>
-        <p:blipFill>
-          <a:blip r:embed="rId4" cstate="print">
-            <a:extLst>
-              <a:ext uri="{28A0092B-C50C-407E-A947-70E740481C1C}">
-                <a14:useLocalDpi xmlns="" xmlns:a14="http://schemas.microsoft.com/office/drawing/2010/main" val="0"/>
-              </a:ext>
-            </a:extLst>
-          </a:blip>
-          <a:srcRect/>
-          <a:stretch>
-            <a:fillRect/>
-          </a:stretch>
-        </p:blipFill>
-        <p:spPr bwMode="auto">
-          <a:xfrm rot="5400000">
-            <a:off x="5578209" y="4396336"/>
-            <a:ext cx="3456383" cy="2588481"/>
-          </a:xfrm>
-          <a:prstGeom prst="rect">
-            <a:avLst/>
-          </a:prstGeom>
-          <a:noFill/>
-          <a:extLst>
-            <a:ext uri="{909E8E84-426E-40DD-AFC4-6F175D3DCCD1}">
-              <a14:hiddenFill xmlns="" xmlns:a14="http://schemas.microsoft.com/office/drawing/2010/main">
-                <a:solidFill>
-                  <a:srgbClr val="FFFFFF"/>
-                </a:solidFill>
-              </a14:hiddenFill>
-            </a:ext>
-          </a:extLst>
-        </p:spPr>
-      </p:pic>
       <p:cxnSp>
         <p:nvCxnSpPr>
           <p:cNvPr id="13" name="직선 화살표 연결선 12"/>
-          <p:cNvCxnSpPr>
-            <a:stCxn id="9" idx="2"/>
-          </p:cNvCxnSpPr>
+          <p:cNvCxnSpPr/>
           <p:nvPr/>
         </p:nvCxnSpPr>
         <p:spPr>
-          <a:xfrm flipH="1" flipV="1">
-            <a:off x="3831599" y="4437112"/>
-            <a:ext cx="2180561" cy="1253465"/>
+          <a:xfrm flipH="1">
+            <a:off x="3995936" y="4437112"/>
+            <a:ext cx="864096" cy="0"/>
           </a:xfrm>
           <a:prstGeom prst="straightConnector1">
             <a:avLst/>
           </a:prstGeom>
           <a:ln w="50800">
+            <a:solidFill>
+              <a:srgbClr val="0070C0"/>
+            </a:solidFill>
             <a:prstDash val="sysDash"/>
             <a:tailEnd type="arrow"/>
           </a:ln>
@@ -15606,8 +14206,8 @@
         </p:nvSpPr>
         <p:spPr>
           <a:xfrm rot="5400000">
-            <a:off x="4112983" y="1799785"/>
-            <a:ext cx="1222528" cy="2320717"/>
+            <a:off x="4133529" y="1995263"/>
+            <a:ext cx="1222528" cy="1929761"/>
           </a:xfrm>
           <a:prstGeom prst="downArrow">
             <a:avLst/>
@@ -15647,8 +14247,8 @@
         </p:nvSpPr>
         <p:spPr>
           <a:xfrm>
-            <a:off x="3564810" y="2658682"/>
-            <a:ext cx="2559167" cy="683312"/>
+            <a:off x="3821004" y="2658682"/>
+            <a:ext cx="2128041" cy="523220"/>
           </a:xfrm>
           <a:prstGeom prst="rect">
             <a:avLst/>
@@ -15656,7 +14256,7 @@
           <a:noFill/>
         </p:spPr>
         <p:txBody>
-          <a:bodyPr wrap="none" rtlCol="0">
+          <a:bodyPr wrap="square" rtlCol="0">
             <a:spAutoFit/>
           </a:bodyPr>
           <a:lstStyle/>
@@ -15704,14 +14304,14 @@
           <a:effectLst/>
           <a:extLst>
             <a:ext uri="{909E8E84-426E-40DD-AFC4-6F175D3DCCD1}">
-              <a14:hiddenFill xmlns="" xmlns:a14="http://schemas.microsoft.com/office/drawing/2010/main">
+              <a14:hiddenFill xmlns:a14="http://schemas.microsoft.com/office/drawing/2010/main" xmlns="">
                 <a:solidFill>
                   <a:schemeClr val="accent1"/>
                 </a:solidFill>
               </a14:hiddenFill>
             </a:ext>
             <a:ext uri="{91240B29-F687-4F45-9708-019B960494DF}">
-              <a14:hiddenLine xmlns="" xmlns:a14="http://schemas.microsoft.com/office/drawing/2010/main" w="9525">
+              <a14:hiddenLine xmlns:a14="http://schemas.microsoft.com/office/drawing/2010/main" xmlns="" w="9525">
                 <a:solidFill>
                   <a:schemeClr val="tx1"/>
                 </a:solidFill>
@@ -15721,7 +14321,7 @@
               </a14:hiddenLine>
             </a:ext>
             <a:ext uri="{AF507438-7753-43E0-B8FC-AC1667EBCBE1}">
-              <a14:hiddenEffects xmlns="" xmlns:a14="http://schemas.microsoft.com/office/drawing/2010/main">
+              <a14:hiddenEffects xmlns:a14="http://schemas.microsoft.com/office/drawing/2010/main" xmlns="">
                 <a:effectLst>
                   <a:outerShdw dist="35921" dir="2700000" algn="ctr" rotWithShape="0">
                     <a:schemeClr val="bg2"/>
@@ -15831,10 +14431,129 @@
           </a:p>
         </p:txBody>
       </p:sp>
+      <p:pic>
+        <p:nvPicPr>
+          <p:cNvPr id="12" name="Picture 2" descr="C:\Documents and Settings\Administrator\바탕 화면\Untitled-1.png"/>
+          <p:cNvPicPr>
+            <a:picLocks noChangeAspect="1" noChangeArrowheads="1"/>
+          </p:cNvPicPr>
+          <p:nvPr/>
+        </p:nvPicPr>
+        <p:blipFill>
+          <a:blip r:embed="rId4" cstate="print"/>
+          <a:srcRect/>
+          <a:stretch>
+            <a:fillRect/>
+          </a:stretch>
+        </p:blipFill>
+        <p:spPr bwMode="auto">
+          <a:xfrm>
+            <a:off x="6084168" y="1916832"/>
+            <a:ext cx="2736304" cy="2592288"/>
+          </a:xfrm>
+          <a:prstGeom prst="rect">
+            <a:avLst/>
+          </a:prstGeom>
+          <a:noFill/>
+        </p:spPr>
+      </p:pic>
+      <p:grpSp>
+        <p:nvGrpSpPr>
+          <p:cNvPr id="24" name="그룹 23"/>
+          <p:cNvGrpSpPr/>
+          <p:nvPr/>
+        </p:nvGrpSpPr>
+        <p:grpSpPr>
+          <a:xfrm>
+            <a:off x="1115616" y="1916832"/>
+            <a:ext cx="2736304" cy="2592288"/>
+            <a:chOff x="755576" y="1916832"/>
+            <a:chExt cx="2736304" cy="2592288"/>
+          </a:xfrm>
+        </p:grpSpPr>
+        <p:pic>
+          <p:nvPicPr>
+            <p:cNvPr id="11" name="Picture 2" descr="C:\Documents and Settings\Administrator\바탕 화면\Untitled-1.png"/>
+            <p:cNvPicPr>
+              <a:picLocks noChangeAspect="1" noChangeArrowheads="1"/>
+            </p:cNvPicPr>
+            <p:nvPr/>
+          </p:nvPicPr>
+          <p:blipFill>
+            <a:blip r:embed="rId4" cstate="print"/>
+            <a:srcRect/>
+            <a:stretch>
+              <a:fillRect/>
+            </a:stretch>
+          </p:blipFill>
+          <p:spPr bwMode="auto">
+            <a:xfrm>
+              <a:off x="755576" y="1916832"/>
+              <a:ext cx="2736304" cy="2592288"/>
+            </a:xfrm>
+            <a:prstGeom prst="rect">
+              <a:avLst/>
+            </a:prstGeom>
+            <a:noFill/>
+          </p:spPr>
+        </p:pic>
+        <p:pic>
+          <p:nvPicPr>
+            <p:cNvPr id="2051" name="Picture 3" descr="C:\Documents and Settings\Administrator\바탕 화면\1.jpg"/>
+            <p:cNvPicPr>
+              <a:picLocks noChangeAspect="1" noChangeArrowheads="1"/>
+            </p:cNvPicPr>
+            <p:nvPr/>
+          </p:nvPicPr>
+          <p:blipFill>
+            <a:blip r:embed="rId5" cstate="print"/>
+            <a:srcRect/>
+            <a:stretch>
+              <a:fillRect/>
+            </a:stretch>
+          </p:blipFill>
+          <p:spPr bwMode="auto">
+            <a:xfrm>
+              <a:off x="1065833" y="2126506"/>
+              <a:ext cx="2088232" cy="1368152"/>
+            </a:xfrm>
+            <a:prstGeom prst="rect">
+              <a:avLst/>
+            </a:prstGeom>
+            <a:noFill/>
+          </p:spPr>
+        </p:pic>
+      </p:grpSp>
+      <p:pic>
+        <p:nvPicPr>
+          <p:cNvPr id="2054" name="Picture 6" descr="C:\Documents and Settings\Administrator\바탕 화면\Untitled-1.png"/>
+          <p:cNvPicPr>
+            <a:picLocks noChangeAspect="1" noChangeArrowheads="1"/>
+          </p:cNvPicPr>
+          <p:nvPr/>
+        </p:nvPicPr>
+        <p:blipFill>
+          <a:blip r:embed="rId6" cstate="print"/>
+          <a:srcRect/>
+          <a:stretch>
+            <a:fillRect/>
+          </a:stretch>
+        </p:blipFill>
+        <p:spPr bwMode="auto">
+          <a:xfrm>
+            <a:off x="4932040" y="3717032"/>
+            <a:ext cx="1337717" cy="1337717"/>
+          </a:xfrm>
+          <a:prstGeom prst="rect">
+            <a:avLst/>
+          </a:prstGeom>
+          <a:noFill/>
+        </p:spPr>
+      </p:pic>
     </p:spTree>
     <p:extLst>
       <p:ext uri="{BB962C8B-B14F-4D97-AF65-F5344CB8AC3E}">
-        <p14:creationId xmlns="" xmlns:p14="http://schemas.microsoft.com/office/powerpoint/2010/main" val="2437256557"/>
+        <p14:creationId xmlns:p14="http://schemas.microsoft.com/office/powerpoint/2010/main" xmlns="" val="2437256557"/>
       </p:ext>
     </p:extLst>
   </p:cSld>
@@ -15852,7 +14571,7 @@
 </p:sld>
 </file>
 
-<file path=ppt/slides/slide7.xml><?xml version="1.0" encoding="utf-8"?>
+<file path=ppt/slides/slide6.xml><?xml version="1.0" encoding="utf-8"?>
 <p:sld xmlns:a="http://schemas.openxmlformats.org/drawingml/2006/main" xmlns:r="http://schemas.openxmlformats.org/officeDocument/2006/relationships" xmlns:p="http://schemas.openxmlformats.org/presentationml/2006/main">
   <p:cSld>
     <p:spTree>
@@ -15869,6 +14588,73 @@
           <a:chExt cx="0" cy="0"/>
         </a:xfrm>
       </p:grpSpPr>
+      <p:grpSp>
+        <p:nvGrpSpPr>
+          <p:cNvPr id="32" name="그룹 31"/>
+          <p:cNvGrpSpPr/>
+          <p:nvPr/>
+        </p:nvGrpSpPr>
+        <p:grpSpPr>
+          <a:xfrm>
+            <a:off x="6300193" y="1340768"/>
+            <a:ext cx="1944215" cy="3168352"/>
+            <a:chOff x="5481817" y="1815602"/>
+            <a:chExt cx="2808311" cy="4709742"/>
+          </a:xfrm>
+        </p:grpSpPr>
+        <p:pic>
+          <p:nvPicPr>
+            <p:cNvPr id="33" name="Picture 2" descr="C:\Documents and Settings\Administrator\바탕 화면\Untitled-1.gif"/>
+            <p:cNvPicPr>
+              <a:picLocks noChangeAspect="1" noChangeArrowheads="1"/>
+            </p:cNvPicPr>
+            <p:nvPr/>
+          </p:nvPicPr>
+          <p:blipFill>
+            <a:blip r:embed="rId3" cstate="print"/>
+            <a:srcRect/>
+            <a:stretch>
+              <a:fillRect/>
+            </a:stretch>
+          </p:blipFill>
+          <p:spPr bwMode="auto">
+            <a:xfrm>
+              <a:off x="5481817" y="1815602"/>
+              <a:ext cx="2808311" cy="4709742"/>
+            </a:xfrm>
+            <a:prstGeom prst="rect">
+              <a:avLst/>
+            </a:prstGeom>
+            <a:noFill/>
+          </p:spPr>
+        </p:pic>
+        <p:pic>
+          <p:nvPicPr>
+            <p:cNvPr id="34" name="Picture 3" descr="N:\설계프로젝트\자료실, 소스코드\Screenshot_2012-05-22-21-04-09.png"/>
+            <p:cNvPicPr>
+              <a:picLocks noChangeAspect="1" noChangeArrowheads="1"/>
+            </p:cNvPicPr>
+            <p:nvPr/>
+          </p:nvPicPr>
+          <p:blipFill>
+            <a:blip r:embed="rId4" cstate="print"/>
+            <a:srcRect/>
+            <a:stretch>
+              <a:fillRect/>
+            </a:stretch>
+          </p:blipFill>
+          <p:spPr bwMode="auto">
+            <a:xfrm>
+              <a:off x="5652120" y="2348880"/>
+              <a:ext cx="2448272" cy="3569092"/>
+            </a:xfrm>
+            <a:prstGeom prst="rect">
+              <a:avLst/>
+            </a:prstGeom>
+            <a:noFill/>
+          </p:spPr>
+        </p:pic>
+      </p:grpSp>
       <p:pic>
         <p:nvPicPr>
           <p:cNvPr id="24" name="Picture 2" descr="N:\설계프로젝트\임시저장\ㅊㅊ.png"/>
@@ -15878,10 +14664,10 @@
           <p:nvPr/>
         </p:nvPicPr>
         <p:blipFill>
-          <a:blip r:embed="rId3" cstate="print">
+          <a:blip r:embed="rId5" cstate="print">
             <a:extLst>
               <a:ext uri="{28A0092B-C50C-407E-A947-70E740481C1C}">
-                <a14:useLocalDpi xmlns="" xmlns:a14="http://schemas.microsoft.com/office/drawing/2010/main" val="0"/>
+                <a14:useLocalDpi xmlns:a14="http://schemas.microsoft.com/office/drawing/2010/main" xmlns="" val="0"/>
               </a:ext>
             </a:extLst>
           </a:blip>
@@ -15901,7 +14687,7 @@
           <a:noFill/>
           <a:extLst>
             <a:ext uri="{909E8E84-426E-40DD-AFC4-6F175D3DCCD1}">
-              <a14:hiddenFill xmlns="" xmlns:a14="http://schemas.microsoft.com/office/drawing/2010/main">
+              <a14:hiddenFill xmlns:a14="http://schemas.microsoft.com/office/drawing/2010/main" xmlns="">
                 <a:solidFill>
                   <a:srgbClr val="FFFFFF"/>
                 </a:solidFill>
@@ -15985,77 +14771,6 @@
           </a:fontRef>
         </p:style>
       </p:cxnSp>
-      <p:pic>
-        <p:nvPicPr>
-          <p:cNvPr id="16" name="Picture 2" descr="N:\설계프로젝트\임시저장\제목-없음-1.png"/>
-          <p:cNvPicPr>
-            <a:picLocks noChangeAspect="1" noChangeArrowheads="1"/>
-          </p:cNvPicPr>
-          <p:nvPr/>
-        </p:nvPicPr>
-        <p:blipFill>
-          <a:blip r:embed="rId4" cstate="print">
-            <a:extLst>
-              <a:ext uri="{28A0092B-C50C-407E-A947-70E740481C1C}">
-                <a14:useLocalDpi xmlns="" xmlns:a14="http://schemas.microsoft.com/office/drawing/2010/main" val="0"/>
-              </a:ext>
-            </a:extLst>
-          </a:blip>
-          <a:srcRect/>
-          <a:stretch>
-            <a:fillRect/>
-          </a:stretch>
-        </p:blipFill>
-        <p:spPr bwMode="auto">
-          <a:xfrm>
-            <a:off x="218383" y="1691196"/>
-            <a:ext cx="3813557" cy="3177964"/>
-          </a:xfrm>
-          <a:prstGeom prst="rect">
-            <a:avLst/>
-          </a:prstGeom>
-          <a:noFill/>
-          <a:extLst>
-            <a:ext uri="{909E8E84-426E-40DD-AFC4-6F175D3DCCD1}">
-              <a14:hiddenFill xmlns="" xmlns:a14="http://schemas.microsoft.com/office/drawing/2010/main">
-                <a:solidFill>
-                  <a:srgbClr val="FFFFFF"/>
-                </a:solidFill>
-              </a14:hiddenFill>
-            </a:ext>
-          </a:extLst>
-        </p:spPr>
-      </p:pic>
-      <p:pic>
-        <p:nvPicPr>
-          <p:cNvPr id="18" name="그림 17"/>
-          <p:cNvPicPr>
-            <a:picLocks noChangeAspect="1"/>
-          </p:cNvPicPr>
-          <p:nvPr/>
-        </p:nvPicPr>
-        <p:blipFill>
-          <a:blip r:embed="rId5" cstate="print">
-            <a:extLst>
-              <a:ext uri="{28A0092B-C50C-407E-A947-70E740481C1C}">
-                <a14:useLocalDpi xmlns="" xmlns:a14="http://schemas.microsoft.com/office/drawing/2010/main" val="0"/>
-              </a:ext>
-            </a:extLst>
-          </a:blip>
-          <a:stretch>
-            <a:fillRect/>
-          </a:stretch>
-        </p:blipFill>
-        <p:spPr>
-          <a:xfrm>
-            <a:off x="6300192" y="1327531"/>
-            <a:ext cx="1976786" cy="3228565"/>
-          </a:xfrm>
-          <a:prstGeom prst="rect">
-            <a:avLst/>
-          </a:prstGeom>
-        </p:spPr>
-      </p:pic>
       <p:grpSp>
         <p:nvGrpSpPr>
           <p:cNvPr id="19" name="그룹 18"/>
@@ -16220,7 +14935,7 @@
             <a:blip r:embed="rId6" cstate="print">
               <a:extLst>
                 <a:ext uri="{28A0092B-C50C-407E-A947-70E740481C1C}">
-                  <a14:useLocalDpi xmlns="" xmlns:a14="http://schemas.microsoft.com/office/drawing/2010/main" val="0"/>
+                  <a14:useLocalDpi xmlns:a14="http://schemas.microsoft.com/office/drawing/2010/main" xmlns="" val="0"/>
                 </a:ext>
               </a:extLst>
             </a:blip>
@@ -16240,7 +14955,7 @@
             <a:noFill/>
             <a:extLst>
               <a:ext uri="{909E8E84-426E-40DD-AFC4-6F175D3DCCD1}">
-                <a14:hiddenFill xmlns="" xmlns:a14="http://schemas.microsoft.com/office/drawing/2010/main">
+                <a14:hiddenFill xmlns:a14="http://schemas.microsoft.com/office/drawing/2010/main" xmlns="">
                   <a:solidFill>
                     <a:srgbClr val="FFFFFF"/>
                   </a:solidFill>
@@ -16361,14 +15076,14 @@
           <a:effectLst/>
           <a:extLst>
             <a:ext uri="{909E8E84-426E-40DD-AFC4-6F175D3DCCD1}">
-              <a14:hiddenFill xmlns="" xmlns:a14="http://schemas.microsoft.com/office/drawing/2010/main">
+              <a14:hiddenFill xmlns:a14="http://schemas.microsoft.com/office/drawing/2010/main" xmlns="">
                 <a:solidFill>
                   <a:schemeClr val="accent1"/>
                 </a:solidFill>
               </a14:hiddenFill>
             </a:ext>
             <a:ext uri="{91240B29-F687-4F45-9708-019B960494DF}">
-              <a14:hiddenLine xmlns="" xmlns:a14="http://schemas.microsoft.com/office/drawing/2010/main" w="9525">
+              <a14:hiddenLine xmlns:a14="http://schemas.microsoft.com/office/drawing/2010/main" xmlns="" w="9525">
                 <a:solidFill>
                   <a:schemeClr val="tx1"/>
                 </a:solidFill>
@@ -16378,7 +15093,7 @@
               </a14:hiddenLine>
             </a:ext>
             <a:ext uri="{AF507438-7753-43E0-B8FC-AC1667EBCBE1}">
-              <a14:hiddenEffects xmlns="" xmlns:a14="http://schemas.microsoft.com/office/drawing/2010/main">
+              <a14:hiddenEffects xmlns:a14="http://schemas.microsoft.com/office/drawing/2010/main" xmlns="">
                 <a:effectLst>
                   <a:outerShdw dist="35921" dir="2700000" algn="ctr" rotWithShape="0">
                     <a:schemeClr val="bg2"/>
@@ -16520,10 +15235,62 @@
           </a:p>
         </p:txBody>
       </p:sp>
+      <p:pic>
+        <p:nvPicPr>
+          <p:cNvPr id="17" name="Picture 2" descr="C:\Documents and Settings\Administrator\바탕 화면\Untitled-1.png"/>
+          <p:cNvPicPr>
+            <a:picLocks noChangeAspect="1" noChangeArrowheads="1"/>
+          </p:cNvPicPr>
+          <p:nvPr/>
+        </p:nvPicPr>
+        <p:blipFill>
+          <a:blip r:embed="rId7" cstate="print"/>
+          <a:srcRect/>
+          <a:stretch>
+            <a:fillRect/>
+          </a:stretch>
+        </p:blipFill>
+        <p:spPr bwMode="auto">
+          <a:xfrm>
+            <a:off x="755576" y="1988840"/>
+            <a:ext cx="2736304" cy="2592288"/>
+          </a:xfrm>
+          <a:prstGeom prst="rect">
+            <a:avLst/>
+          </a:prstGeom>
+          <a:noFill/>
+        </p:spPr>
+      </p:pic>
+      <p:pic>
+        <p:nvPicPr>
+          <p:cNvPr id="27" name="Picture 3" descr="N:\설계프로젝트\자료실, 소스코드\Screenshot_2012-05-22-21-04-09.png"/>
+          <p:cNvPicPr>
+            <a:picLocks noChangeAspect="1" noChangeArrowheads="1"/>
+          </p:cNvPicPr>
+          <p:nvPr/>
+        </p:nvPicPr>
+        <p:blipFill>
+          <a:blip r:embed="rId4" cstate="print"/>
+          <a:srcRect/>
+          <a:stretch>
+            <a:fillRect/>
+          </a:stretch>
+        </p:blipFill>
+        <p:spPr bwMode="auto">
+          <a:xfrm>
+            <a:off x="1043609" y="2204865"/>
+            <a:ext cx="2088232" cy="1368151"/>
+          </a:xfrm>
+          <a:prstGeom prst="rect">
+            <a:avLst/>
+          </a:prstGeom>
+          <a:noFill/>
+        </p:spPr>
+      </p:pic>
     </p:spTree>
     <p:extLst>
       <p:ext uri="{BB962C8B-B14F-4D97-AF65-F5344CB8AC3E}">
-        <p14:creationId xmlns="" xmlns:p14="http://schemas.microsoft.com/office/powerpoint/2010/main" val="1709874429"/>
+        <p14:creationId xmlns:p14="http://schemas.microsoft.com/office/powerpoint/2010/main" xmlns="" val="1709874429"/>
       </p:ext>
     </p:extLst>
   </p:cSld>
@@ -16541,7 +15308,7 @@
 </p:sld>
 </file>
 
-<file path=ppt/slides/slide8.xml><?xml version="1.0" encoding="utf-8"?>
+<file path=ppt/slides/slide7.xml><?xml version="1.0" encoding="utf-8"?>
 <p:sld xmlns:a="http://schemas.openxmlformats.org/drawingml/2006/main" xmlns:r="http://schemas.openxmlformats.org/officeDocument/2006/relationships" xmlns:p="http://schemas.openxmlformats.org/presentationml/2006/main">
   <p:cSld>
     <p:spTree>
@@ -17254,7 +16021,7 @@
             <a:effectLst/>
             <a:extLst>
               <a:ext uri="{AF507438-7753-43E0-B8FC-AC1667EBCBE1}">
-                <a14:hiddenEffects xmlns="" xmlns:a14="http://schemas.microsoft.com/office/drawing/2010/main">
+                <a14:hiddenEffects xmlns:a14="http://schemas.microsoft.com/office/drawing/2010/main" xmlns="">
                   <a:effectLst>
                     <a:outerShdw dist="35921" dir="2700000" algn="ctr" rotWithShape="0">
                       <a:schemeClr val="bg2"/>
@@ -17304,7 +16071,7 @@
             <a:effectLst/>
             <a:extLst>
               <a:ext uri="{AF507438-7753-43E0-B8FC-AC1667EBCBE1}">
-                <a14:hiddenEffects xmlns="" xmlns:a14="http://schemas.microsoft.com/office/drawing/2010/main">
+                <a14:hiddenEffects xmlns:a14="http://schemas.microsoft.com/office/drawing/2010/main" xmlns="">
                   <a:effectLst>
                     <a:outerShdw dist="35921" dir="2700000" algn="ctr" rotWithShape="0">
                       <a:schemeClr val="bg2"/>
@@ -17354,7 +16121,7 @@
             <a:effectLst/>
             <a:extLst>
               <a:ext uri="{AF507438-7753-43E0-B8FC-AC1667EBCBE1}">
-                <a14:hiddenEffects xmlns="" xmlns:a14="http://schemas.microsoft.com/office/drawing/2010/main">
+                <a14:hiddenEffects xmlns:a14="http://schemas.microsoft.com/office/drawing/2010/main" xmlns="">
                   <a:effectLst>
                     <a:outerShdw dist="35921" dir="2700000" algn="ctr" rotWithShape="0">
                       <a:schemeClr val="bg2"/>
@@ -17404,7 +16171,7 @@
             <a:effectLst/>
             <a:extLst>
               <a:ext uri="{AF507438-7753-43E0-B8FC-AC1667EBCBE1}">
-                <a14:hiddenEffects xmlns="" xmlns:a14="http://schemas.microsoft.com/office/drawing/2010/main">
+                <a14:hiddenEffects xmlns:a14="http://schemas.microsoft.com/office/drawing/2010/main" xmlns="">
                   <a:effectLst>
                     <a:outerShdw dist="35921" dir="2700000" algn="ctr" rotWithShape="0">
                       <a:schemeClr val="bg2"/>
@@ -17454,7 +16221,7 @@
             <a:effectLst/>
             <a:extLst>
               <a:ext uri="{AF507438-7753-43E0-B8FC-AC1667EBCBE1}">
-                <a14:hiddenEffects xmlns="" xmlns:a14="http://schemas.microsoft.com/office/drawing/2010/main">
+                <a14:hiddenEffects xmlns:a14="http://schemas.microsoft.com/office/drawing/2010/main" xmlns="">
                   <a:effectLst>
                     <a:outerShdw dist="35921" dir="2700000" algn="ctr" rotWithShape="0">
                       <a:schemeClr val="bg2"/>
@@ -17504,7 +16271,7 @@
             <a:effectLst/>
             <a:extLst>
               <a:ext uri="{AF507438-7753-43E0-B8FC-AC1667EBCBE1}">
-                <a14:hiddenEffects xmlns="" xmlns:a14="http://schemas.microsoft.com/office/drawing/2010/main">
+                <a14:hiddenEffects xmlns:a14="http://schemas.microsoft.com/office/drawing/2010/main" xmlns="">
                   <a:effectLst>
                     <a:outerShdw dist="35921" dir="2700000" algn="ctr" rotWithShape="0">
                       <a:schemeClr val="bg2"/>
@@ -17576,7 +16343,7 @@
     </p:spTree>
     <p:extLst>
       <p:ext uri="{BB962C8B-B14F-4D97-AF65-F5344CB8AC3E}">
-        <p14:creationId xmlns="" xmlns:p14="http://schemas.microsoft.com/office/powerpoint/2010/main" val="1532431054"/>
+        <p14:creationId xmlns:p14="http://schemas.microsoft.com/office/powerpoint/2010/main" xmlns="" val="1532431054"/>
       </p:ext>
     </p:extLst>
   </p:cSld>
@@ -17594,7 +16361,7 @@
 </p:sld>
 </file>
 
-<file path=ppt/slides/slide9.xml><?xml version="1.0" encoding="utf-8"?>
+<file path=ppt/slides/slide8.xml><?xml version="1.0" encoding="utf-8"?>
 <p:sld xmlns:a="http://schemas.openxmlformats.org/drawingml/2006/main" xmlns:r="http://schemas.openxmlformats.org/officeDocument/2006/relationships" xmlns:p="http://schemas.openxmlformats.org/presentationml/2006/main">
   <p:cSld>
     <p:spTree>
@@ -18823,7 +17590,675 @@
     </p:spTree>
     <p:extLst>
       <p:ext uri="{BB962C8B-B14F-4D97-AF65-F5344CB8AC3E}">
-        <p14:creationId xmlns="" xmlns:p14="http://schemas.microsoft.com/office/powerpoint/2010/main" val="1410092498"/>
+        <p14:creationId xmlns:p14="http://schemas.microsoft.com/office/powerpoint/2010/main" xmlns="" val="1410092498"/>
+      </p:ext>
+    </p:extLst>
+  </p:cSld>
+  <p:clrMapOvr>
+    <a:masterClrMapping/>
+  </p:clrMapOvr>
+  <p:transition advClick="0" advTm="20000"/>
+  <p:timing>
+    <p:tnLst>
+      <p:par>
+        <p:cTn id="1" dur="indefinite" restart="never" nodeType="tmRoot"/>
+      </p:par>
+    </p:tnLst>
+  </p:timing>
+</p:sld>
+</file>
+
+<file path=ppt/slides/slide9.xml><?xml version="1.0" encoding="utf-8"?>
+<p:sld xmlns:a="http://schemas.openxmlformats.org/drawingml/2006/main" xmlns:r="http://schemas.openxmlformats.org/officeDocument/2006/relationships" xmlns:p="http://schemas.openxmlformats.org/presentationml/2006/main">
+  <p:cSld>
+    <p:spTree>
+      <p:nvGrpSpPr>
+        <p:cNvPr id="1" name=""/>
+        <p:cNvGrpSpPr/>
+        <p:nvPr/>
+      </p:nvGrpSpPr>
+      <p:grpSpPr>
+        <a:xfrm>
+          <a:off x="0" y="0"/>
+          <a:ext cx="0" cy="0"/>
+          <a:chOff x="0" y="0"/>
+          <a:chExt cx="0" cy="0"/>
+        </a:xfrm>
+      </p:grpSpPr>
+      <p:pic>
+        <p:nvPicPr>
+          <p:cNvPr id="25" name="Picture 2" descr="C:\Documents and Settings\Administrator\바탕 화면\Untitled-1.png"/>
+          <p:cNvPicPr>
+            <a:picLocks noChangeAspect="1" noChangeArrowheads="1"/>
+          </p:cNvPicPr>
+          <p:nvPr/>
+        </p:nvPicPr>
+        <p:blipFill>
+          <a:blip r:embed="rId3" cstate="print"/>
+          <a:srcRect/>
+          <a:stretch>
+            <a:fillRect/>
+          </a:stretch>
+        </p:blipFill>
+        <p:spPr bwMode="auto">
+          <a:xfrm>
+            <a:off x="755576" y="2276872"/>
+            <a:ext cx="2736304" cy="2592288"/>
+          </a:xfrm>
+          <a:prstGeom prst="rect">
+            <a:avLst/>
+          </a:prstGeom>
+          <a:noFill/>
+        </p:spPr>
+      </p:pic>
+      <p:cxnSp>
+        <p:nvCxnSpPr>
+          <p:cNvPr id="20" name="직선 연결선 19"/>
+          <p:cNvCxnSpPr/>
+          <p:nvPr/>
+        </p:nvCxnSpPr>
+        <p:spPr>
+          <a:xfrm>
+            <a:off x="4583812" y="1700809"/>
+            <a:ext cx="0" cy="3125961"/>
+          </a:xfrm>
+          <a:prstGeom prst="line">
+            <a:avLst/>
+          </a:prstGeom>
+          <a:ln w="38100">
+            <a:solidFill>
+              <a:srgbClr val="000000"/>
+            </a:solidFill>
+            <a:prstDash val="dash"/>
+          </a:ln>
+        </p:spPr>
+        <p:style>
+          <a:lnRef idx="1">
+            <a:schemeClr val="accent1"/>
+          </a:lnRef>
+          <a:fillRef idx="0">
+            <a:schemeClr val="accent1"/>
+          </a:fillRef>
+          <a:effectRef idx="0">
+            <a:schemeClr val="accent1"/>
+          </a:effectRef>
+          <a:fontRef idx="minor">
+            <a:schemeClr val="tx1"/>
+          </a:fontRef>
+        </p:style>
+      </p:cxnSp>
+      <p:sp>
+        <p:nvSpPr>
+          <p:cNvPr id="2" name="제목 1"/>
+          <p:cNvSpPr>
+            <a:spLocks noGrp="1"/>
+          </p:cNvSpPr>
+          <p:nvPr>
+            <p:ph type="title"/>
+          </p:nvPr>
+        </p:nvSpPr>
+        <p:spPr/>
+        <p:txBody>
+          <a:bodyPr/>
+          <a:lstStyle/>
+          <a:p>
+            <a:pPr marL="914400" indent="-914400">
+              <a:buFont typeface="+mj-lt"/>
+              <a:buAutoNum type="arabicPeriod" startAt="4"/>
+            </a:pPr>
+            <a:r>
+              <a:rPr lang="ko-KR" altLang="en-US" sz="5400" spc="600" dirty="0" smtClean="0">
+                <a:solidFill>
+                  <a:srgbClr val="000000"/>
+                </a:solidFill>
+                <a:latin typeface="HY동녘M" pitchFamily="18" charset="-127"/>
+                <a:ea typeface="HY동녘M" pitchFamily="18" charset="-127"/>
+              </a:rPr>
+              <a:t>활용 서비스</a:t>
+            </a:r>
+            <a:endParaRPr lang="ko-KR" altLang="en-US" sz="5400" spc="600" dirty="0">
+              <a:solidFill>
+                <a:srgbClr val="000000"/>
+              </a:solidFill>
+              <a:latin typeface="HY동녘M" pitchFamily="18" charset="-127"/>
+              <a:ea typeface="HY동녘M" pitchFamily="18" charset="-127"/>
+            </a:endParaRPr>
+          </a:p>
+        </p:txBody>
+      </p:sp>
+      <p:pic>
+        <p:nvPicPr>
+          <p:cNvPr id="8" name="그림 7"/>
+          <p:cNvPicPr>
+            <a:picLocks noChangeAspect="1"/>
+          </p:cNvPicPr>
+          <p:nvPr/>
+        </p:nvPicPr>
+        <p:blipFill>
+          <a:blip r:embed="rId4" cstate="print">
+            <a:extLst>
+              <a:ext uri="{28A0092B-C50C-407E-A947-70E740481C1C}">
+                <a14:useLocalDpi xmlns:a14="http://schemas.microsoft.com/office/drawing/2010/main" xmlns="" val="0"/>
+              </a:ext>
+            </a:extLst>
+          </a:blip>
+          <a:stretch>
+            <a:fillRect/>
+          </a:stretch>
+        </p:blipFill>
+        <p:spPr>
+          <a:xfrm>
+            <a:off x="6372200" y="2110840"/>
+            <a:ext cx="1700153" cy="3219986"/>
+          </a:xfrm>
+          <a:prstGeom prst="rect">
+            <a:avLst/>
+          </a:prstGeom>
+        </p:spPr>
+      </p:pic>
+      <p:grpSp>
+        <p:nvGrpSpPr>
+          <p:cNvPr id="3" name="그룹 8"/>
+          <p:cNvGrpSpPr/>
+          <p:nvPr/>
+        </p:nvGrpSpPr>
+        <p:grpSpPr>
+          <a:xfrm>
+            <a:off x="3347864" y="2790910"/>
+            <a:ext cx="3096344" cy="1222528"/>
+            <a:chOff x="3511961" y="3632546"/>
+            <a:chExt cx="1921661" cy="936104"/>
+          </a:xfrm>
+        </p:grpSpPr>
+        <p:sp>
+          <p:nvSpPr>
+            <p:cNvPr id="10" name="아래쪽 화살표 9"/>
+            <p:cNvSpPr/>
+            <p:nvPr/>
+          </p:nvSpPr>
+          <p:spPr>
+            <a:xfrm rot="5400000">
+              <a:off x="3921300" y="3223207"/>
+              <a:ext cx="936104" cy="1754782"/>
+            </a:xfrm>
+            <a:prstGeom prst="downArrow">
+              <a:avLst/>
+            </a:prstGeom>
+          </p:spPr>
+          <p:style>
+            <a:lnRef idx="0">
+              <a:schemeClr val="accent1"/>
+            </a:lnRef>
+            <a:fillRef idx="3">
+              <a:schemeClr val="accent1"/>
+            </a:fillRef>
+            <a:effectRef idx="3">
+              <a:schemeClr val="accent1"/>
+            </a:effectRef>
+            <a:fontRef idx="minor">
+              <a:schemeClr val="lt1"/>
+            </a:fontRef>
+          </p:style>
+          <p:txBody>
+            <a:bodyPr rtlCol="0" anchor="ctr"/>
+            <a:lstStyle/>
+            <a:p>
+              <a:pPr algn="ctr"/>
+              <a:endParaRPr lang="ko-KR" altLang="en-US" dirty="0"/>
+            </a:p>
+          </p:txBody>
+        </p:sp>
+        <p:sp>
+          <p:nvSpPr>
+            <p:cNvPr id="11" name="TextBox 10"/>
+            <p:cNvSpPr txBox="1"/>
+            <p:nvPr/>
+          </p:nvSpPr>
+          <p:spPr>
+            <a:xfrm>
+              <a:off x="3707361" y="3894436"/>
+              <a:ext cx="1726261" cy="400636"/>
+            </a:xfrm>
+            <a:prstGeom prst="rect">
+              <a:avLst/>
+            </a:prstGeom>
+            <a:noFill/>
+          </p:spPr>
+          <p:txBody>
+            <a:bodyPr wrap="none" rtlCol="0">
+              <a:spAutoFit/>
+            </a:bodyPr>
+            <a:lstStyle/>
+            <a:p>
+              <a:r>
+                <a:rPr lang="en-US" altLang="ko-KR" sz="2800" dirty="0" smtClean="0">
+                  <a:solidFill>
+                    <a:schemeClr val="tx2">
+                      <a:lumMod val="50000"/>
+                    </a:schemeClr>
+                  </a:solidFill>
+                </a:rPr>
+                <a:t>Android-USB</a:t>
+              </a:r>
+              <a:endParaRPr lang="ko-KR" altLang="en-US" sz="2800" dirty="0">
+                <a:solidFill>
+                  <a:schemeClr val="tx2">
+                    <a:lumMod val="50000"/>
+                  </a:schemeClr>
+                </a:solidFill>
+              </a:endParaRPr>
+            </a:p>
+          </p:txBody>
+        </p:sp>
+      </p:grpSp>
+      <p:pic>
+        <p:nvPicPr>
+          <p:cNvPr id="1027" name="Picture 3" descr="C:\Documents and Settings\XP\바탕 화면\무제-1.png"/>
+          <p:cNvPicPr>
+            <a:picLocks noChangeAspect="1" noChangeArrowheads="1"/>
+          </p:cNvPicPr>
+          <p:nvPr/>
+        </p:nvPicPr>
+        <p:blipFill>
+          <a:blip r:embed="rId5" cstate="print">
+            <a:extLst>
+              <a:ext uri="{28A0092B-C50C-407E-A947-70E740481C1C}">
+                <a14:useLocalDpi xmlns:a14="http://schemas.microsoft.com/office/drawing/2010/main" xmlns="" val="0"/>
+              </a:ext>
+            </a:extLst>
+          </a:blip>
+          <a:srcRect/>
+          <a:stretch>
+            <a:fillRect/>
+          </a:stretch>
+        </p:blipFill>
+        <p:spPr bwMode="auto">
+          <a:xfrm>
+            <a:off x="6657065" y="2954562"/>
+            <a:ext cx="476250" cy="476250"/>
+          </a:xfrm>
+          <a:prstGeom prst="rect">
+            <a:avLst/>
+          </a:prstGeom>
+          <a:noFill/>
+          <a:extLst>
+            <a:ext uri="{909E8E84-426E-40DD-AFC4-6F175D3DCCD1}">
+              <a14:hiddenFill xmlns:a14="http://schemas.microsoft.com/office/drawing/2010/main" xmlns="">
+                <a:solidFill>
+                  <a:srgbClr val="FFFFFF"/>
+                </a:solidFill>
+              </a14:hiddenFill>
+            </a:ext>
+          </a:extLst>
+        </p:spPr>
+      </p:pic>
+      <p:pic>
+        <p:nvPicPr>
+          <p:cNvPr id="1028" name="Picture 4" descr="C:\Documents and Settings\XP\바탕 화면\메시지.png"/>
+          <p:cNvPicPr>
+            <a:picLocks noChangeAspect="1" noChangeArrowheads="1"/>
+          </p:cNvPicPr>
+          <p:nvPr/>
+        </p:nvPicPr>
+        <p:blipFill>
+          <a:blip r:embed="rId6" cstate="print">
+            <a:extLst>
+              <a:ext uri="{28A0092B-C50C-407E-A947-70E740481C1C}">
+                <a14:useLocalDpi xmlns:a14="http://schemas.microsoft.com/office/drawing/2010/main" xmlns="" val="0"/>
+              </a:ext>
+            </a:extLst>
+          </a:blip>
+          <a:srcRect/>
+          <a:stretch>
+            <a:fillRect/>
+          </a:stretch>
+        </p:blipFill>
+        <p:spPr bwMode="auto">
+          <a:xfrm>
+            <a:off x="7336110" y="2966002"/>
+            <a:ext cx="476250" cy="476250"/>
+          </a:xfrm>
+          <a:prstGeom prst="rect">
+            <a:avLst/>
+          </a:prstGeom>
+          <a:noFill/>
+          <a:extLst>
+            <a:ext uri="{909E8E84-426E-40DD-AFC4-6F175D3DCCD1}">
+              <a14:hiddenFill xmlns:a14="http://schemas.microsoft.com/office/drawing/2010/main" xmlns="">
+                <a:solidFill>
+                  <a:srgbClr val="FFFFFF"/>
+                </a:solidFill>
+              </a14:hiddenFill>
+            </a:ext>
+          </a:extLst>
+        </p:spPr>
+      </p:pic>
+      <p:pic>
+        <p:nvPicPr>
+          <p:cNvPr id="18" name="Picture 3" descr="C:\Documents and Settings\XP\바탕 화면\무제-1.png"/>
+          <p:cNvPicPr>
+            <a:picLocks noChangeAspect="1" noChangeArrowheads="1"/>
+          </p:cNvPicPr>
+          <p:nvPr/>
+        </p:nvPicPr>
+        <p:blipFill>
+          <a:blip r:embed="rId5" cstate="print">
+            <a:extLst>
+              <a:ext uri="{28A0092B-C50C-407E-A947-70E740481C1C}">
+                <a14:useLocalDpi xmlns:a14="http://schemas.microsoft.com/office/drawing/2010/main" xmlns="" val="0"/>
+              </a:ext>
+            </a:extLst>
+          </a:blip>
+          <a:srcRect/>
+          <a:stretch>
+            <a:fillRect/>
+          </a:stretch>
+        </p:blipFill>
+        <p:spPr bwMode="auto">
+          <a:xfrm>
+            <a:off x="1547664" y="2594522"/>
+            <a:ext cx="476250" cy="476250"/>
+          </a:xfrm>
+          <a:prstGeom prst="rect">
+            <a:avLst/>
+          </a:prstGeom>
+          <a:noFill/>
+          <a:extLst>
+            <a:ext uri="{909E8E84-426E-40DD-AFC4-6F175D3DCCD1}">
+              <a14:hiddenFill xmlns:a14="http://schemas.microsoft.com/office/drawing/2010/main" xmlns="">
+                <a:solidFill>
+                  <a:srgbClr val="FFFFFF"/>
+                </a:solidFill>
+              </a14:hiddenFill>
+            </a:ext>
+          </a:extLst>
+        </p:spPr>
+      </p:pic>
+      <p:pic>
+        <p:nvPicPr>
+          <p:cNvPr id="19" name="Picture 4" descr="C:\Documents and Settings\XP\바탕 화면\메시지.png"/>
+          <p:cNvPicPr>
+            <a:picLocks noChangeAspect="1" noChangeArrowheads="1"/>
+          </p:cNvPicPr>
+          <p:nvPr/>
+        </p:nvPicPr>
+        <p:blipFill>
+          <a:blip r:embed="rId6" cstate="print">
+            <a:extLst>
+              <a:ext uri="{28A0092B-C50C-407E-A947-70E740481C1C}">
+                <a14:useLocalDpi xmlns:a14="http://schemas.microsoft.com/office/drawing/2010/main" xmlns="" val="0"/>
+              </a:ext>
+            </a:extLst>
+          </a:blip>
+          <a:srcRect/>
+          <a:stretch>
+            <a:fillRect/>
+          </a:stretch>
+        </p:blipFill>
+        <p:spPr bwMode="auto">
+          <a:xfrm>
+            <a:off x="2226709" y="2605962"/>
+            <a:ext cx="476250" cy="476250"/>
+          </a:xfrm>
+          <a:prstGeom prst="rect">
+            <a:avLst/>
+          </a:prstGeom>
+          <a:noFill/>
+          <a:extLst>
+            <a:ext uri="{909E8E84-426E-40DD-AFC4-6F175D3DCCD1}">
+              <a14:hiddenFill xmlns:a14="http://schemas.microsoft.com/office/drawing/2010/main" xmlns="">
+                <a:solidFill>
+                  <a:srgbClr val="FFFFFF"/>
+                </a:solidFill>
+              </a14:hiddenFill>
+            </a:ext>
+          </a:extLst>
+        </p:spPr>
+      </p:pic>
+      <p:sp>
+        <p:nvSpPr>
+          <p:cNvPr id="22" name="TextBox 21"/>
+          <p:cNvSpPr txBox="1"/>
+          <p:nvPr/>
+        </p:nvSpPr>
+        <p:spPr>
+          <a:xfrm>
+            <a:off x="1605627" y="1700808"/>
+            <a:ext cx="1039067" cy="461665"/>
+          </a:xfrm>
+          <a:prstGeom prst="rect">
+            <a:avLst/>
+          </a:prstGeom>
+          <a:noFill/>
+        </p:spPr>
+        <p:txBody>
+          <a:bodyPr wrap="none" rtlCol="0">
+            <a:spAutoFit/>
+          </a:bodyPr>
+          <a:lstStyle/>
+          <a:p>
+            <a:r>
+              <a:rPr lang="en-US" altLang="ko-KR" b="1" dirty="0" smtClean="0">
+                <a:solidFill>
+                  <a:srgbClr val="000000"/>
+                </a:solidFill>
+              </a:rPr>
+              <a:t>Client</a:t>
+            </a:r>
+            <a:endParaRPr lang="ko-KR" altLang="en-US" b="1" dirty="0">
+              <a:solidFill>
+                <a:srgbClr val="000000"/>
+              </a:solidFill>
+            </a:endParaRPr>
+          </a:p>
+        </p:txBody>
+      </p:sp>
+      <p:sp>
+        <p:nvSpPr>
+          <p:cNvPr id="23" name="TextBox 22"/>
+          <p:cNvSpPr txBox="1"/>
+          <p:nvPr/>
+        </p:nvSpPr>
+        <p:spPr>
+          <a:xfrm>
+            <a:off x="6701301" y="1700809"/>
+            <a:ext cx="1144865" cy="461665"/>
+          </a:xfrm>
+          <a:prstGeom prst="rect">
+            <a:avLst/>
+          </a:prstGeom>
+          <a:noFill/>
+        </p:spPr>
+        <p:txBody>
+          <a:bodyPr wrap="none" rtlCol="0">
+            <a:spAutoFit/>
+          </a:bodyPr>
+          <a:lstStyle/>
+          <a:p>
+            <a:r>
+              <a:rPr lang="en-US" altLang="ko-KR" b="1" dirty="0" smtClean="0">
+                <a:solidFill>
+                  <a:srgbClr val="000000"/>
+                </a:solidFill>
+              </a:rPr>
+              <a:t>Server</a:t>
+            </a:r>
+            <a:endParaRPr lang="ko-KR" altLang="en-US" b="1" dirty="0">
+              <a:solidFill>
+                <a:srgbClr val="000000"/>
+              </a:solidFill>
+            </a:endParaRPr>
+          </a:p>
+        </p:txBody>
+      </p:sp>
+      <p:pic>
+        <p:nvPicPr>
+          <p:cNvPr id="16" name="Picture 6" descr="C:\Documents and Settings\XP\바탕 화면\카메라.png"/>
+          <p:cNvPicPr>
+            <a:picLocks noChangeAspect="1" noChangeArrowheads="1"/>
+          </p:cNvPicPr>
+          <p:nvPr/>
+        </p:nvPicPr>
+        <p:blipFill>
+          <a:blip r:embed="rId7" cstate="print">
+            <a:extLst>
+              <a:ext uri="{28A0092B-C50C-407E-A947-70E740481C1C}">
+                <a14:useLocalDpi xmlns:a14="http://schemas.microsoft.com/office/drawing/2010/main" xmlns="" val="0"/>
+              </a:ext>
+            </a:extLst>
+          </a:blip>
+          <a:srcRect/>
+          <a:stretch>
+            <a:fillRect/>
+          </a:stretch>
+        </p:blipFill>
+        <p:spPr bwMode="auto">
+          <a:xfrm>
+            <a:off x="7035608" y="3560451"/>
+            <a:ext cx="476250" cy="476250"/>
+          </a:xfrm>
+          <a:prstGeom prst="rect">
+            <a:avLst/>
+          </a:prstGeom>
+          <a:noFill/>
+          <a:extLst>
+            <a:ext uri="{909E8E84-426E-40DD-AFC4-6F175D3DCCD1}">
+              <a14:hiddenFill xmlns:a14="http://schemas.microsoft.com/office/drawing/2010/main" xmlns="">
+                <a:solidFill>
+                  <a:srgbClr val="FFFFFF"/>
+                </a:solidFill>
+              </a14:hiddenFill>
+            </a:ext>
+          </a:extLst>
+        </p:spPr>
+      </p:pic>
+      <p:pic>
+        <p:nvPicPr>
+          <p:cNvPr id="17" name="Picture 5" descr="C:\Documents and Settings\XP\바탕 화면\사진.png"/>
+          <p:cNvPicPr>
+            <a:picLocks noChangeAspect="1" noChangeArrowheads="1"/>
+          </p:cNvPicPr>
+          <p:nvPr/>
+        </p:nvPicPr>
+        <p:blipFill>
+          <a:blip r:embed="rId8" cstate="print">
+            <a:extLst>
+              <a:ext uri="{28A0092B-C50C-407E-A947-70E740481C1C}">
+                <a14:useLocalDpi xmlns:a14="http://schemas.microsoft.com/office/drawing/2010/main" xmlns="" val="0"/>
+              </a:ext>
+            </a:extLst>
+          </a:blip>
+          <a:srcRect/>
+          <a:stretch>
+            <a:fillRect/>
+          </a:stretch>
+        </p:blipFill>
+        <p:spPr bwMode="auto">
+          <a:xfrm>
+            <a:off x="1887035" y="3273609"/>
+            <a:ext cx="476250" cy="476250"/>
+          </a:xfrm>
+          <a:prstGeom prst="rect">
+            <a:avLst/>
+          </a:prstGeom>
+          <a:noFill/>
+          <a:extLst>
+            <a:ext uri="{909E8E84-426E-40DD-AFC4-6F175D3DCCD1}">
+              <a14:hiddenFill xmlns:a14="http://schemas.microsoft.com/office/drawing/2010/main" xmlns="">
+                <a:solidFill>
+                  <a:srgbClr val="FFFFFF"/>
+                </a:solidFill>
+              </a14:hiddenFill>
+            </a:ext>
+          </a:extLst>
+        </p:spPr>
+      </p:pic>
+      <p:pic>
+        <p:nvPicPr>
+          <p:cNvPr id="21" name="Picture 2" descr="C:\Documents and Settings\XP\바탕 화면\무제-1.png"/>
+          <p:cNvPicPr>
+            <a:picLocks noChangeAspect="1" noChangeArrowheads="1"/>
+          </p:cNvPicPr>
+          <p:nvPr/>
+        </p:nvPicPr>
+        <p:blipFill>
+          <a:blip r:embed="rId9" cstate="print">
+            <a:extLst>
+              <a:ext uri="{28A0092B-C50C-407E-A947-70E740481C1C}">
+                <a14:useLocalDpi xmlns:a14="http://schemas.microsoft.com/office/drawing/2010/main" xmlns="" val="0"/>
+              </a:ext>
+            </a:extLst>
+          </a:blip>
+          <a:srcRect/>
+          <a:stretch>
+            <a:fillRect/>
+          </a:stretch>
+        </p:blipFill>
+        <p:spPr bwMode="auto">
+          <a:xfrm>
+            <a:off x="3059832" y="4538738"/>
+            <a:ext cx="1261769" cy="1261769"/>
+          </a:xfrm>
+          <a:prstGeom prst="rect">
+            <a:avLst/>
+          </a:prstGeom>
+          <a:noFill/>
+          <a:extLst>
+            <a:ext uri="{909E8E84-426E-40DD-AFC4-6F175D3DCCD1}">
+              <a14:hiddenFill xmlns:a14="http://schemas.microsoft.com/office/drawing/2010/main" xmlns="">
+                <a:solidFill>
+                  <a:srgbClr val="FFFFFF"/>
+                </a:solidFill>
+              </a14:hiddenFill>
+            </a:ext>
+          </a:extLst>
+        </p:spPr>
+      </p:pic>
+      <p:pic>
+        <p:nvPicPr>
+          <p:cNvPr id="24" name="Picture 3" descr="C:\Documents and Settings\XP\바탕 화면\무제-2.png"/>
+          <p:cNvPicPr>
+            <a:picLocks noChangeAspect="1" noChangeArrowheads="1"/>
+          </p:cNvPicPr>
+          <p:nvPr/>
+        </p:nvPicPr>
+        <p:blipFill>
+          <a:blip r:embed="rId10" cstate="print">
+            <a:extLst>
+              <a:ext uri="{28A0092B-C50C-407E-A947-70E740481C1C}">
+                <a14:useLocalDpi xmlns:a14="http://schemas.microsoft.com/office/drawing/2010/main" xmlns="" val="0"/>
+              </a:ext>
+            </a:extLst>
+          </a:blip>
+          <a:srcRect/>
+          <a:stretch>
+            <a:fillRect/>
+          </a:stretch>
+        </p:blipFill>
+        <p:spPr bwMode="auto">
+          <a:xfrm>
+            <a:off x="7540649" y="3638724"/>
+            <a:ext cx="1332969" cy="1332969"/>
+          </a:xfrm>
+          <a:prstGeom prst="rect">
+            <a:avLst/>
+          </a:prstGeom>
+          <a:noFill/>
+          <a:extLst>
+            <a:ext uri="{909E8E84-426E-40DD-AFC4-6F175D3DCCD1}">
+              <a14:hiddenFill xmlns:a14="http://schemas.microsoft.com/office/drawing/2010/main" xmlns="">
+                <a:solidFill>
+                  <a:srgbClr val="FFFFFF"/>
+                </a:solidFill>
+              </a14:hiddenFill>
+            </a:ext>
+          </a:extLst>
+        </p:spPr>
+      </p:pic>
+    </p:spTree>
+    <p:extLst>
+      <p:ext uri="{BB962C8B-B14F-4D97-AF65-F5344CB8AC3E}">
+        <p14:creationId xmlns:p14="http://schemas.microsoft.com/office/powerpoint/2010/main" xmlns="" val="1407908346"/>
       </p:ext>
     </p:extLst>
   </p:cSld>
@@ -19139,7 +18574,7 @@
         <a:effectLst/>
         <a:extLst>
           <a:ext uri="{91240B29-F687-4F45-9708-019B960494DF}">
-            <a14:hiddenLine xmlns="" xmlns:a14="http://schemas.microsoft.com/office/drawing/2010/main" w="9525" cap="flat" cmpd="sng" algn="ctr">
+            <a14:hiddenLine xmlns:a14="http://schemas.microsoft.com/office/drawing/2010/main" xmlns="" w="9525" cap="flat" cmpd="sng" algn="ctr">
               <a:solidFill>
                 <a:schemeClr val="tx1"/>
               </a:solidFill>
@@ -19150,7 +18585,7 @@
             </a14:hiddenLine>
           </a:ext>
           <a:ext uri="{AF507438-7753-43E0-B8FC-AC1667EBCBE1}">
-            <a14:hiddenEffects xmlns="" xmlns:a14="http://schemas.microsoft.com/office/drawing/2010/main">
+            <a14:hiddenEffects xmlns:a14="http://schemas.microsoft.com/office/drawing/2010/main" xmlns="">
               <a:effectLst>
                 <a:outerShdw dist="35921" dir="2700000" algn="ctr" rotWithShape="0">
                   <a:schemeClr val="bg2"/>

--- a/Documents/presentation doc/Final Presentation/final-presentation.pptx
+++ b/Documents/presentation doc/Final Presentation/final-presentation.pptx
@@ -5,23 +5,24 @@
     <p:sldMasterId id="2147483648" r:id="rId1"/>
   </p:sldMasterIdLst>
   <p:notesMasterIdLst>
-    <p:notesMasterId r:id="rId16"/>
+    <p:notesMasterId r:id="rId17"/>
   </p:notesMasterIdLst>
   <p:sldIdLst>
     <p:sldId id="319" r:id="rId2"/>
     <p:sldId id="320" r:id="rId3"/>
     <p:sldId id="318" r:id="rId4"/>
-    <p:sldId id="321" r:id="rId5"/>
-    <p:sldId id="287" r:id="rId6"/>
-    <p:sldId id="294" r:id="rId7"/>
-    <p:sldId id="312" r:id="rId8"/>
-    <p:sldId id="305" r:id="rId9"/>
-    <p:sldId id="306" r:id="rId10"/>
-    <p:sldId id="313" r:id="rId11"/>
-    <p:sldId id="316" r:id="rId12"/>
-    <p:sldId id="310" r:id="rId13"/>
-    <p:sldId id="317" r:id="rId14"/>
-    <p:sldId id="322" r:id="rId15"/>
+    <p:sldId id="323" r:id="rId5"/>
+    <p:sldId id="324" r:id="rId6"/>
+    <p:sldId id="287" r:id="rId7"/>
+    <p:sldId id="294" r:id="rId8"/>
+    <p:sldId id="312" r:id="rId9"/>
+    <p:sldId id="305" r:id="rId10"/>
+    <p:sldId id="306" r:id="rId11"/>
+    <p:sldId id="313" r:id="rId12"/>
+    <p:sldId id="316" r:id="rId13"/>
+    <p:sldId id="310" r:id="rId14"/>
+    <p:sldId id="317" r:id="rId15"/>
+    <p:sldId id="322" r:id="rId16"/>
   </p:sldIdLst>
   <p:sldSz cx="9144000" cy="6858000" type="screen4x3"/>
   <p:notesSz cx="6797675" cy="9874250"/>
@@ -165,10 +166,10 @@
           <c:layoutTarget val="inner"/>
           <c:xMode val="edge"/>
           <c:yMode val="edge"/>
-          <c:x val="0.13756541418769713"/>
-          <c:y val="0.3114212177482944"/>
+          <c:x val="0.13756541418769719"/>
+          <c:y val="0.31142121774829445"/>
           <c:w val="0.82290353753797463"/>
-          <c:h val="0.56776310568666644"/>
+          <c:h val="0.56776310568666633"/>
         </c:manualLayout>
       </c:layout>
       <c:barChart>
@@ -263,25 +264,25 @@
           <c:showVal val="1"/>
         </c:dLbls>
         <c:gapWidth val="75"/>
-        <c:axId val="61758848"/>
-        <c:axId val="61772928"/>
+        <c:axId val="63053184"/>
+        <c:axId val="63071360"/>
       </c:barChart>
       <c:catAx>
-        <c:axId val="61758848"/>
+        <c:axId val="63053184"/>
         <c:scaling>
           <c:orientation val="minMax"/>
         </c:scaling>
         <c:axPos val="b"/>
         <c:majorTickMark val="none"/>
         <c:tickLblPos val="nextTo"/>
-        <c:crossAx val="61772928"/>
+        <c:crossAx val="63071360"/>
         <c:crosses val="autoZero"/>
         <c:auto val="1"/>
         <c:lblAlgn val="ctr"/>
         <c:lblOffset val="100"/>
       </c:catAx>
       <c:valAx>
-        <c:axId val="61772928"/>
+        <c:axId val="63071360"/>
         <c:scaling>
           <c:orientation val="minMax"/>
           <c:min val="0"/>
@@ -290,7 +291,7 @@
         <c:numFmt formatCode="General" sourceLinked="1"/>
         <c:majorTickMark val="none"/>
         <c:tickLblPos val="nextTo"/>
-        <c:crossAx val="61758848"/>
+        <c:crossAx val="63053184"/>
         <c:crosses val="autoZero"/>
         <c:crossBetween val="between"/>
         <c:majorUnit val="20"/>
@@ -302,10 +303,10 @@
         <c:manualLayout>
           <c:xMode val="edge"/>
           <c:yMode val="edge"/>
-          <c:x val="0.18942124246731395"/>
-          <c:y val="3.0763248527941624E-2"/>
-          <c:w val="0.68117168015814988"/>
-          <c:h val="0.2234466011713008"/>
+          <c:x val="0.18942124246731401"/>
+          <c:y val="3.0763248527941635E-2"/>
+          <c:w val="0.68117168015815011"/>
+          <c:h val="0.22344660117130088"/>
         </c:manualLayout>
       </c:layout>
     </c:legend>
@@ -407,24 +408,24 @@
           </c:val>
         </c:ser>
         <c:marker val="1"/>
-        <c:axId val="69030272"/>
-        <c:axId val="69031808"/>
+        <c:axId val="69542272"/>
+        <c:axId val="69543808"/>
       </c:lineChart>
       <c:catAx>
-        <c:axId val="69030272"/>
+        <c:axId val="69542272"/>
         <c:scaling>
           <c:orientation val="minMax"/>
         </c:scaling>
         <c:axPos val="b"/>
         <c:tickLblPos val="nextTo"/>
-        <c:crossAx val="69031808"/>
+        <c:crossAx val="69543808"/>
         <c:crosses val="autoZero"/>
         <c:auto val="1"/>
         <c:lblAlgn val="ctr"/>
         <c:lblOffset val="100"/>
       </c:catAx>
       <c:valAx>
-        <c:axId val="69031808"/>
+        <c:axId val="69543808"/>
         <c:scaling>
           <c:orientation val="minMax"/>
           <c:max val="2000"/>
@@ -433,7 +434,7 @@
         <c:majorGridlines/>
         <c:numFmt formatCode="General" sourceLinked="1"/>
         <c:tickLblPos val="nextTo"/>
-        <c:crossAx val="69030272"/>
+        <c:crossAx val="69542272"/>
         <c:crosses val="autoZero"/>
         <c:crossBetween val="between"/>
         <c:majorUnit val="500"/>
@@ -506,14 +507,14 @@
           <a:effectLst/>
           <a:extLst>
             <a:ext uri="{909E8E84-426E-40DD-AFC4-6F175D3DCCD1}">
-              <a14:hiddenFill xmlns:a14="http://schemas.microsoft.com/office/drawing/2010/main" xmlns="">
+              <a14:hiddenFill xmlns="" xmlns:a14="http://schemas.microsoft.com/office/drawing/2010/main">
                 <a:solidFill>
                   <a:schemeClr val="accent1"/>
                 </a:solidFill>
               </a14:hiddenFill>
             </a:ext>
             <a:ext uri="{91240B29-F687-4F45-9708-019B960494DF}">
-              <a14:hiddenLine xmlns:a14="http://schemas.microsoft.com/office/drawing/2010/main" xmlns="" w="9525">
+              <a14:hiddenLine xmlns="" xmlns:a14="http://schemas.microsoft.com/office/drawing/2010/main" w="9525">
                 <a:solidFill>
                   <a:schemeClr val="tx1"/>
                 </a:solidFill>
@@ -523,7 +524,7 @@
               </a14:hiddenLine>
             </a:ext>
             <a:ext uri="{AF507438-7753-43E0-B8FC-AC1667EBCBE1}">
-              <a14:hiddenEffects xmlns:a14="http://schemas.microsoft.com/office/drawing/2010/main" xmlns="">
+              <a14:hiddenEffects xmlns="" xmlns:a14="http://schemas.microsoft.com/office/drawing/2010/main">
                 <a:effectLst>
                   <a:outerShdw dist="35921" dir="2700000" algn="ctr" rotWithShape="0">
                     <a:schemeClr val="bg2"/>
@@ -576,14 +577,14 @@
           <a:effectLst/>
           <a:extLst>
             <a:ext uri="{909E8E84-426E-40DD-AFC4-6F175D3DCCD1}">
-              <a14:hiddenFill xmlns:a14="http://schemas.microsoft.com/office/drawing/2010/main" xmlns="">
+              <a14:hiddenFill xmlns="" xmlns:a14="http://schemas.microsoft.com/office/drawing/2010/main">
                 <a:solidFill>
                   <a:schemeClr val="accent1"/>
                 </a:solidFill>
               </a14:hiddenFill>
             </a:ext>
             <a:ext uri="{91240B29-F687-4F45-9708-019B960494DF}">
-              <a14:hiddenLine xmlns:a14="http://schemas.microsoft.com/office/drawing/2010/main" xmlns="" w="9525">
+              <a14:hiddenLine xmlns="" xmlns:a14="http://schemas.microsoft.com/office/drawing/2010/main" w="9525">
                 <a:solidFill>
                   <a:schemeClr val="tx1"/>
                 </a:solidFill>
@@ -593,7 +594,7 @@
               </a14:hiddenLine>
             </a:ext>
             <a:ext uri="{AF507438-7753-43E0-B8FC-AC1667EBCBE1}">
-              <a14:hiddenEffects xmlns:a14="http://schemas.microsoft.com/office/drawing/2010/main" xmlns="">
+              <a14:hiddenEffects xmlns="" xmlns:a14="http://schemas.microsoft.com/office/drawing/2010/main">
                 <a:effectLst>
                   <a:outerShdw dist="35921" dir="2700000" algn="ctr" rotWithShape="0">
                     <a:schemeClr val="bg2"/>
@@ -651,7 +652,7 @@
           <a:effectLst/>
           <a:extLst>
             <a:ext uri="{AF507438-7753-43E0-B8FC-AC1667EBCBE1}">
-              <a14:hiddenEffects xmlns:a14="http://schemas.microsoft.com/office/drawing/2010/main" xmlns="">
+              <a14:hiddenEffects xmlns="" xmlns:a14="http://schemas.microsoft.com/office/drawing/2010/main">
                 <a:effectLst>
                   <a:outerShdw dist="35921" dir="2700000" algn="ctr" rotWithShape="0">
                     <a:srgbClr val="808080"/>
@@ -660,7 +661,7 @@
               </a14:hiddenEffects>
             </a:ext>
             <a:ext uri="{53640926-AAD7-44D8-BBD7-CCE9431645EC}">
-              <a14:shadowObscured xmlns:a14="http://schemas.microsoft.com/office/drawing/2010/main" xmlns="" val="1"/>
+              <a14:shadowObscured xmlns="" xmlns:a14="http://schemas.microsoft.com/office/drawing/2010/main" val="1"/>
             </a:ext>
           </a:extLst>
         </p:spPr>
@@ -690,14 +691,14 @@
           <a:effectLst/>
           <a:extLst>
             <a:ext uri="{909E8E84-426E-40DD-AFC4-6F175D3DCCD1}">
-              <a14:hiddenFill xmlns:a14="http://schemas.microsoft.com/office/drawing/2010/main" xmlns="">
+              <a14:hiddenFill xmlns="" xmlns:a14="http://schemas.microsoft.com/office/drawing/2010/main">
                 <a:solidFill>
                   <a:schemeClr val="accent1"/>
                 </a:solidFill>
               </a14:hiddenFill>
             </a:ext>
             <a:ext uri="{91240B29-F687-4F45-9708-019B960494DF}">
-              <a14:hiddenLine xmlns:a14="http://schemas.microsoft.com/office/drawing/2010/main" xmlns="" w="9525">
+              <a14:hiddenLine xmlns="" xmlns:a14="http://schemas.microsoft.com/office/drawing/2010/main" w="9525">
                 <a:solidFill>
                   <a:schemeClr val="tx1"/>
                 </a:solidFill>
@@ -707,7 +708,7 @@
               </a14:hiddenLine>
             </a:ext>
             <a:ext uri="{AF507438-7753-43E0-B8FC-AC1667EBCBE1}">
-              <a14:hiddenEffects xmlns:a14="http://schemas.microsoft.com/office/drawing/2010/main" xmlns="">
+              <a14:hiddenEffects xmlns="" xmlns:a14="http://schemas.microsoft.com/office/drawing/2010/main">
                 <a:effectLst>
                   <a:outerShdw dist="35921" dir="2700000" algn="ctr" rotWithShape="0">
                     <a:schemeClr val="bg2"/>
@@ -786,14 +787,14 @@
           <a:effectLst/>
           <a:extLst>
             <a:ext uri="{909E8E84-426E-40DD-AFC4-6F175D3DCCD1}">
-              <a14:hiddenFill xmlns:a14="http://schemas.microsoft.com/office/drawing/2010/main" xmlns="">
+              <a14:hiddenFill xmlns="" xmlns:a14="http://schemas.microsoft.com/office/drawing/2010/main">
                 <a:solidFill>
                   <a:schemeClr val="accent1"/>
                 </a:solidFill>
               </a14:hiddenFill>
             </a:ext>
             <a:ext uri="{91240B29-F687-4F45-9708-019B960494DF}">
-              <a14:hiddenLine xmlns:a14="http://schemas.microsoft.com/office/drawing/2010/main" xmlns="" w="9525">
+              <a14:hiddenLine xmlns="" xmlns:a14="http://schemas.microsoft.com/office/drawing/2010/main" w="9525">
                 <a:solidFill>
                   <a:schemeClr val="tx1"/>
                 </a:solidFill>
@@ -803,7 +804,7 @@
               </a14:hiddenLine>
             </a:ext>
             <a:ext uri="{AF507438-7753-43E0-B8FC-AC1667EBCBE1}">
-              <a14:hiddenEffects xmlns:a14="http://schemas.microsoft.com/office/drawing/2010/main" xmlns="">
+              <a14:hiddenEffects xmlns="" xmlns:a14="http://schemas.microsoft.com/office/drawing/2010/main">
                 <a:effectLst>
                   <a:outerShdw dist="35921" dir="2700000" algn="ctr" rotWithShape="0">
                     <a:schemeClr val="bg2"/>
@@ -856,14 +857,14 @@
           <a:effectLst/>
           <a:extLst>
             <a:ext uri="{909E8E84-426E-40DD-AFC4-6F175D3DCCD1}">
-              <a14:hiddenFill xmlns:a14="http://schemas.microsoft.com/office/drawing/2010/main" xmlns="">
+              <a14:hiddenFill xmlns="" xmlns:a14="http://schemas.microsoft.com/office/drawing/2010/main">
                 <a:solidFill>
                   <a:schemeClr val="accent1"/>
                 </a:solidFill>
               </a14:hiddenFill>
             </a:ext>
             <a:ext uri="{91240B29-F687-4F45-9708-019B960494DF}">
-              <a14:hiddenLine xmlns:a14="http://schemas.microsoft.com/office/drawing/2010/main" xmlns="" w="9525">
+              <a14:hiddenLine xmlns="" xmlns:a14="http://schemas.microsoft.com/office/drawing/2010/main" w="9525">
                 <a:solidFill>
                   <a:schemeClr val="tx1"/>
                 </a:solidFill>
@@ -873,7 +874,7 @@
               </a14:hiddenLine>
             </a:ext>
             <a:ext uri="{AF507438-7753-43E0-B8FC-AC1667EBCBE1}">
-              <a14:hiddenEffects xmlns:a14="http://schemas.microsoft.com/office/drawing/2010/main" xmlns="">
+              <a14:hiddenEffects xmlns="" xmlns:a14="http://schemas.microsoft.com/office/drawing/2010/main">
                 <a:effectLst>
                   <a:outerShdw dist="35921" dir="2700000" algn="ctr" rotWithShape="0">
                     <a:schemeClr val="bg2"/>
@@ -909,7 +910,7 @@
     </p:spTree>
     <p:extLst>
       <p:ext uri="{BB962C8B-B14F-4D97-AF65-F5344CB8AC3E}">
-        <p14:creationId xmlns:p14="http://schemas.microsoft.com/office/powerpoint/2010/main" xmlns="" val="3354467039"/>
+        <p14:creationId xmlns="" xmlns:p14="http://schemas.microsoft.com/office/powerpoint/2010/main" val="3354467039"/>
       </p:ext>
     </p:extLst>
   </p:cSld>
@@ -1474,7 +1475,51 @@
                 <a:ea typeface="+mn-ea"/>
                 <a:cs typeface="+mn-cs"/>
               </a:rPr>
-              <a:t>활용 서비스 순으로 진행 되겠습니다</a:t>
+              <a:t>활용 </a:t>
+            </a:r>
+            <a:r>
+              <a:rPr lang="ko-KR" altLang="en-US" sz="1200" kern="1200" dirty="0" smtClean="0">
+                <a:solidFill>
+                  <a:schemeClr val="tx1"/>
+                </a:solidFill>
+                <a:latin typeface="Arial" charset="0"/>
+                <a:ea typeface="+mn-ea"/>
+                <a:cs typeface="+mn-cs"/>
+              </a:rPr>
+              <a:t>서비스</a:t>
+            </a:r>
+            <a:r>
+              <a:rPr lang="en-US" altLang="ko-KR" sz="1200" kern="1200" baseline="0" dirty="0" smtClean="0">
+                <a:solidFill>
+                  <a:schemeClr val="tx1"/>
+                </a:solidFill>
+                <a:latin typeface="Arial" charset="0"/>
+                <a:ea typeface="+mn-ea"/>
+                <a:cs typeface="+mn-cs"/>
+              </a:rPr>
+              <a:t> </a:t>
+            </a:r>
+            <a:r>
+              <a:rPr lang="ko-KR" altLang="en-US" sz="1200" kern="1200" dirty="0" smtClean="0">
+                <a:solidFill>
+                  <a:schemeClr val="tx1"/>
+                </a:solidFill>
+                <a:latin typeface="Arial" charset="0"/>
+                <a:ea typeface="+mn-ea"/>
+                <a:cs typeface="+mn-cs"/>
+              </a:rPr>
+              <a:t>순으로 </a:t>
+            </a:r>
+            <a:r>
+              <a:rPr lang="ko-KR" altLang="en-US" sz="1200" kern="1200" dirty="0" smtClean="0">
+                <a:solidFill>
+                  <a:schemeClr val="tx1"/>
+                </a:solidFill>
+                <a:latin typeface="Arial" charset="0"/>
+                <a:ea typeface="+mn-ea"/>
+                <a:cs typeface="+mn-cs"/>
+              </a:rPr>
+              <a:t>진행 되겠습니다</a:t>
             </a:r>
             <a:r>
               <a:rPr lang="en-US" altLang="ko-KR" sz="1200" kern="1200" dirty="0" smtClean="0">
@@ -1579,17 +1624,23 @@
           </a:bodyPr>
           <a:lstStyle/>
           <a:p>
-            <a:r>
-              <a:rPr lang="ko-KR" altLang="ko-KR" sz="1200" kern="1200" dirty="0" smtClean="0">
-                <a:solidFill>
-                  <a:schemeClr val="tx1"/>
-                </a:solidFill>
-                <a:latin typeface="Arial" charset="0"/>
-                <a:ea typeface="+mn-ea"/>
-                <a:cs typeface="+mn-cs"/>
-              </a:rPr>
-              <a:t>저희는</a:t>
-            </a:r>
+            <a:pPr marL="0" marR="0" indent="0" algn="just" defTabSz="914400" rtl="0" eaLnBrk="1" fontAlgn="base" latinLnBrk="0" hangingPunct="1">
+              <a:lnSpc>
+                <a:spcPct val="100000"/>
+              </a:lnSpc>
+              <a:spcBef>
+                <a:spcPct val="30000"/>
+              </a:spcBef>
+              <a:spcAft>
+                <a:spcPct val="0"/>
+              </a:spcAft>
+              <a:buClrTx/>
+              <a:buSzTx/>
+              <a:buFontTx/>
+              <a:buNone/>
+              <a:tabLst/>
+              <a:defRPr/>
+            </a:pPr>
             <a:r>
               <a:rPr lang="en-US" altLang="ko-KR" sz="1200" kern="1200" dirty="0" smtClean="0">
                 <a:solidFill>
@@ -1599,10 +1650,10 @@
                 <a:ea typeface="+mn-ea"/>
                 <a:cs typeface="+mn-cs"/>
               </a:rPr>
-              <a:t> Android-USB </a:t>
-            </a:r>
-            <a:r>
-              <a:rPr lang="ko-KR" altLang="ko-KR" sz="1200" kern="1200" dirty="0" smtClean="0">
+              <a:t>Android-USB </a:t>
+            </a:r>
+            <a:r>
+              <a:rPr lang="ko-KR" altLang="en-US" sz="1200" kern="1200" dirty="0" smtClean="0">
                 <a:solidFill>
                   <a:schemeClr val="tx1"/>
                 </a:solidFill>
@@ -1624,40 +1675,139 @@
               <a:t> PC</a:t>
             </a:r>
             <a:r>
-              <a:rPr lang="ko-KR" altLang="ko-KR" sz="1200" kern="1200" dirty="0" smtClean="0">
-                <a:solidFill>
-                  <a:schemeClr val="tx1"/>
-                </a:solidFill>
-                <a:latin typeface="Arial" charset="0"/>
-                <a:ea typeface="+mn-ea"/>
-                <a:cs typeface="+mn-cs"/>
-              </a:rPr>
-              <a:t>에서 카카오톡을 쓸 수 있도록 연결하는 </a:t>
-            </a:r>
-            <a:r>
-              <a:rPr lang="en-US" altLang="ko-KR" sz="1200" kern="1200" dirty="0" err="1" smtClean="0">
-                <a:solidFill>
-                  <a:schemeClr val="tx1"/>
-                </a:solidFill>
-                <a:latin typeface="Arial" charset="0"/>
-                <a:ea typeface="+mn-ea"/>
-                <a:cs typeface="+mn-cs"/>
-              </a:rPr>
-              <a:t>KatalkPCLinker</a:t>
-            </a:r>
-            <a:r>
-              <a:rPr lang="ko-KR" altLang="ko-KR" sz="1200" kern="1200" dirty="0" smtClean="0">
-                <a:solidFill>
-                  <a:schemeClr val="tx1"/>
-                </a:solidFill>
-                <a:latin typeface="Arial" charset="0"/>
-                <a:ea typeface="+mn-ea"/>
-                <a:cs typeface="+mn-cs"/>
-              </a:rPr>
-              <a:t>서비스와 </a:t>
-            </a:r>
-            <a:r>
-              <a:rPr lang="ko-KR" altLang="ko-KR" sz="1200" kern="1200" dirty="0" err="1" smtClean="0">
+              <a:rPr lang="ko-KR" altLang="en-US" sz="1200" kern="1200" dirty="0" smtClean="0">
+                <a:solidFill>
+                  <a:schemeClr val="tx1"/>
+                </a:solidFill>
+                <a:latin typeface="Arial" charset="0"/>
+                <a:ea typeface="+mn-ea"/>
+                <a:cs typeface="+mn-cs"/>
+              </a:rPr>
+              <a:t>에서 스마트폰의 </a:t>
+            </a:r>
+            <a:r>
+              <a:rPr lang="ko-KR" altLang="en-US" sz="1200" kern="1200" dirty="0" err="1" smtClean="0">
+                <a:solidFill>
+                  <a:schemeClr val="tx1"/>
+                </a:solidFill>
+                <a:latin typeface="Arial" charset="0"/>
+                <a:ea typeface="+mn-ea"/>
+                <a:cs typeface="+mn-cs"/>
+              </a:rPr>
+              <a:t>카카오톡</a:t>
+            </a:r>
+            <a:r>
+              <a:rPr lang="en-US" altLang="ko-KR" sz="1200" kern="1200" dirty="0" smtClean="0">
+                <a:solidFill>
+                  <a:schemeClr val="tx1"/>
+                </a:solidFill>
+                <a:latin typeface="Arial" charset="0"/>
+                <a:ea typeface="+mn-ea"/>
+                <a:cs typeface="+mn-cs"/>
+              </a:rPr>
+              <a:t>, </a:t>
+            </a:r>
+            <a:r>
+              <a:rPr lang="ko-KR" altLang="en-US" sz="1200" kern="1200" dirty="0" smtClean="0">
+                <a:solidFill>
+                  <a:schemeClr val="tx1"/>
+                </a:solidFill>
+                <a:latin typeface="Arial" charset="0"/>
+                <a:ea typeface="+mn-ea"/>
+                <a:cs typeface="+mn-cs"/>
+              </a:rPr>
+              <a:t>문자메시지를 사용할 수 있습니다</a:t>
+            </a:r>
+            <a:r>
+              <a:rPr lang="en-US" altLang="ko-KR" sz="1200" kern="1200" dirty="0" smtClean="0">
+                <a:solidFill>
+                  <a:schemeClr val="tx1"/>
+                </a:solidFill>
+                <a:latin typeface="Arial" charset="0"/>
+                <a:ea typeface="+mn-ea"/>
+                <a:cs typeface="+mn-cs"/>
+              </a:rPr>
+              <a:t>. </a:t>
+            </a:r>
+            <a:r>
+              <a:rPr lang="ko-KR" altLang="en-US" sz="1200" kern="1200" dirty="0" smtClean="0">
+                <a:solidFill>
+                  <a:schemeClr val="tx1"/>
+                </a:solidFill>
+                <a:latin typeface="Arial" charset="0"/>
+                <a:ea typeface="+mn-ea"/>
+                <a:cs typeface="+mn-cs"/>
+              </a:rPr>
+              <a:t>그리고</a:t>
+            </a:r>
+            <a:r>
+              <a:rPr lang="en-US" altLang="ko-KR" sz="1200" kern="1200" dirty="0" smtClean="0">
+                <a:solidFill>
+                  <a:schemeClr val="tx1"/>
+                </a:solidFill>
+                <a:latin typeface="Arial" charset="0"/>
+                <a:ea typeface="+mn-ea"/>
+                <a:cs typeface="+mn-cs"/>
+              </a:rPr>
+              <a:t> </a:t>
+            </a:r>
+            <a:r>
+              <a:rPr lang="ko-KR" altLang="en-US" sz="1200" kern="1200" dirty="0" smtClean="0">
+                <a:solidFill>
+                  <a:schemeClr val="tx1"/>
+                </a:solidFill>
+                <a:latin typeface="Arial" charset="0"/>
+                <a:ea typeface="+mn-ea"/>
+                <a:cs typeface="+mn-cs"/>
+              </a:rPr>
+              <a:t>카메라로 찍은 사진을 바로 </a:t>
+            </a:r>
+            <a:r>
+              <a:rPr lang="en-US" altLang="ko-KR" sz="1200" kern="1200" dirty="0" smtClean="0">
+                <a:solidFill>
+                  <a:schemeClr val="tx1"/>
+                </a:solidFill>
+                <a:latin typeface="Arial" charset="0"/>
+                <a:ea typeface="+mn-ea"/>
+                <a:cs typeface="+mn-cs"/>
+              </a:rPr>
+              <a:t>PC</a:t>
+            </a:r>
+            <a:r>
+              <a:rPr lang="ko-KR" altLang="en-US" sz="1200" kern="1200" dirty="0" smtClean="0">
+                <a:solidFill>
+                  <a:schemeClr val="tx1"/>
+                </a:solidFill>
+                <a:latin typeface="Arial" charset="0"/>
+                <a:ea typeface="+mn-ea"/>
+                <a:cs typeface="+mn-cs"/>
+              </a:rPr>
+              <a:t>에 저장하는 서비스를 만들 수 있고</a:t>
+            </a:r>
+            <a:r>
+              <a:rPr lang="en-US" altLang="ko-KR" sz="1200" kern="1200" dirty="0" smtClean="0">
+                <a:solidFill>
+                  <a:schemeClr val="tx1"/>
+                </a:solidFill>
+                <a:latin typeface="Arial" charset="0"/>
+                <a:ea typeface="+mn-ea"/>
+                <a:cs typeface="+mn-cs"/>
+              </a:rPr>
+              <a:t>,</a:t>
+            </a:r>
+            <a:r>
+              <a:rPr lang="ko-KR" altLang="en-US" sz="1200" kern="1200" dirty="0" smtClean="0">
+                <a:solidFill>
+                  <a:schemeClr val="tx1"/>
+                </a:solidFill>
+                <a:latin typeface="Arial" charset="0"/>
+                <a:ea typeface="+mn-ea"/>
+                <a:cs typeface="+mn-cs"/>
+              </a:rPr>
+              <a:t> </a:t>
+            </a:r>
+            <a:r>
+              <a:rPr lang="ko-KR" altLang="en-US" sz="1200" kern="1200" dirty="0" err="1" smtClean="0">
                 <a:solidFill>
                   <a:schemeClr val="tx1"/>
                 </a:solidFill>
@@ -1668,15 +1818,15 @@
               <a:t>스마트폰을</a:t>
             </a:r>
             <a:r>
-              <a:rPr lang="ko-KR" altLang="ko-KR" sz="1200" kern="1200" dirty="0" smtClean="0">
-                <a:solidFill>
-                  <a:schemeClr val="tx1"/>
-                </a:solidFill>
-                <a:latin typeface="Arial" charset="0"/>
-                <a:ea typeface="+mn-ea"/>
-                <a:cs typeface="+mn-cs"/>
-              </a:rPr>
-              <a:t> 터치패드로 사용할 수 있는</a:t>
+              <a:rPr lang="ko-KR" altLang="en-US" sz="1200" kern="1200" dirty="0" smtClean="0">
+                <a:solidFill>
+                  <a:schemeClr val="tx1"/>
+                </a:solidFill>
+                <a:latin typeface="Arial" charset="0"/>
+                <a:ea typeface="+mn-ea"/>
+                <a:cs typeface="+mn-cs"/>
+              </a:rPr>
+              <a:t> 터치패드로 쓸 수도 있습니다</a:t>
             </a:r>
             <a:r>
               <a:rPr lang="en-US" altLang="ko-KR" sz="1200" kern="1200" dirty="0" smtClean="0">
@@ -1687,18 +1837,18 @@
                 <a:ea typeface="+mn-ea"/>
                 <a:cs typeface="+mn-cs"/>
               </a:rPr>
-              <a:t> </a:t>
-            </a:r>
-            <a:r>
-              <a:rPr lang="en-US" altLang="ko-KR" sz="1200" kern="1200" dirty="0" err="1" smtClean="0">
-                <a:solidFill>
-                  <a:schemeClr val="tx1"/>
-                </a:solidFill>
-                <a:latin typeface="Arial" charset="0"/>
-                <a:ea typeface="+mn-ea"/>
-                <a:cs typeface="+mn-cs"/>
-              </a:rPr>
-              <a:t>LTouchPad</a:t>
+              <a:t>. </a:t>
+            </a:r>
+            <a:r>
+              <a:rPr lang="ko-KR" altLang="en-US" sz="1200" kern="1200" dirty="0" smtClean="0">
+                <a:solidFill>
+                  <a:schemeClr val="tx1"/>
+                </a:solidFill>
+                <a:latin typeface="Arial" charset="0"/>
+                <a:ea typeface="+mn-ea"/>
+                <a:cs typeface="+mn-cs"/>
+              </a:rPr>
+              <a:t>이 외에도 스마트폰의 수 많은 다른 기능들을 </a:t>
             </a:r>
             <a:r>
               <a:rPr lang="en-US" altLang="ko-KR" sz="1200" kern="1200" dirty="0" smtClean="0">
@@ -1709,18 +1859,18 @@
                 <a:ea typeface="+mn-ea"/>
                 <a:cs typeface="+mn-cs"/>
               </a:rPr>
-              <a:t> </a:t>
-            </a:r>
-            <a:r>
-              <a:rPr lang="ko-KR" altLang="ko-KR" sz="1200" kern="1200" dirty="0" smtClean="0">
-                <a:solidFill>
-                  <a:schemeClr val="tx1"/>
-                </a:solidFill>
-                <a:latin typeface="Arial" charset="0"/>
-                <a:ea typeface="+mn-ea"/>
-                <a:cs typeface="+mn-cs"/>
-              </a:rPr>
-              <a:t>어플리케이션을 구현 했습니다</a:t>
+              <a:t>PC</a:t>
+            </a:r>
+            <a:r>
+              <a:rPr lang="ko-KR" altLang="en-US" sz="1200" kern="1200" dirty="0" smtClean="0">
+                <a:solidFill>
+                  <a:schemeClr val="tx1"/>
+                </a:solidFill>
+                <a:latin typeface="Arial" charset="0"/>
+                <a:ea typeface="+mn-ea"/>
+                <a:cs typeface="+mn-cs"/>
+              </a:rPr>
+              <a:t>에서 사용할 수 있습니다</a:t>
             </a:r>
             <a:r>
               <a:rPr lang="en-US" altLang="ko-KR" sz="1200" kern="1200" dirty="0" smtClean="0">
@@ -1731,97 +1881,9 @@
                 <a:ea typeface="+mn-ea"/>
                 <a:cs typeface="+mn-cs"/>
               </a:rPr>
-              <a:t>. </a:t>
-            </a:r>
-            <a:r>
-              <a:rPr lang="ko-KR" altLang="ko-KR" sz="1200" kern="1200" dirty="0" smtClean="0">
-                <a:solidFill>
-                  <a:schemeClr val="tx1"/>
-                </a:solidFill>
-                <a:latin typeface="Arial" charset="0"/>
-                <a:ea typeface="+mn-ea"/>
-                <a:cs typeface="+mn-cs"/>
-              </a:rPr>
-              <a:t>좌측이 </a:t>
-            </a:r>
-            <a:r>
-              <a:rPr lang="en-US" altLang="ko-KR" sz="1200" kern="1200" dirty="0" err="1" smtClean="0">
-                <a:solidFill>
-                  <a:schemeClr val="tx1"/>
-                </a:solidFill>
-                <a:latin typeface="Arial" charset="0"/>
-                <a:ea typeface="+mn-ea"/>
-                <a:cs typeface="+mn-cs"/>
-              </a:rPr>
-              <a:t>KatalkPCLinker</a:t>
-            </a:r>
-            <a:r>
-              <a:rPr lang="ko-KR" altLang="ko-KR" sz="1200" kern="1200" dirty="0" smtClean="0">
-                <a:solidFill>
-                  <a:schemeClr val="tx1"/>
-                </a:solidFill>
-                <a:latin typeface="Arial" charset="0"/>
-                <a:ea typeface="+mn-ea"/>
-                <a:cs typeface="+mn-cs"/>
-              </a:rPr>
-              <a:t>의 모습이고</a:t>
-            </a:r>
-            <a:r>
-              <a:rPr lang="en-US" altLang="ko-KR" sz="1200" kern="1200" dirty="0" smtClean="0">
-                <a:solidFill>
-                  <a:schemeClr val="tx1"/>
-                </a:solidFill>
-                <a:latin typeface="Arial" charset="0"/>
-                <a:ea typeface="+mn-ea"/>
-                <a:cs typeface="+mn-cs"/>
-              </a:rPr>
-              <a:t>, </a:t>
-            </a:r>
-            <a:r>
-              <a:rPr lang="ko-KR" altLang="ko-KR" sz="1200" kern="1200" dirty="0" smtClean="0">
-                <a:solidFill>
-                  <a:schemeClr val="tx1"/>
-                </a:solidFill>
-                <a:latin typeface="Arial" charset="0"/>
-                <a:ea typeface="+mn-ea"/>
-                <a:cs typeface="+mn-cs"/>
-              </a:rPr>
-              <a:t>우측이 </a:t>
-            </a:r>
-            <a:r>
-              <a:rPr lang="en-US" altLang="ko-KR" sz="1200" kern="1200" dirty="0" err="1" smtClean="0">
-                <a:solidFill>
-                  <a:schemeClr val="tx1"/>
-                </a:solidFill>
-                <a:latin typeface="Arial" charset="0"/>
-                <a:ea typeface="+mn-ea"/>
-                <a:cs typeface="+mn-cs"/>
-              </a:rPr>
-              <a:t>LTouchPad</a:t>
-            </a:r>
-            <a:r>
-              <a:rPr lang="ko-KR" altLang="ko-KR" sz="1200" kern="1200" dirty="0" smtClean="0">
-                <a:solidFill>
-                  <a:schemeClr val="tx1"/>
-                </a:solidFill>
-                <a:latin typeface="Arial" charset="0"/>
-                <a:ea typeface="+mn-ea"/>
-                <a:cs typeface="+mn-cs"/>
-              </a:rPr>
-              <a:t>의 모습입니다</a:t>
-            </a:r>
-            <a:r>
-              <a:rPr lang="en-US" altLang="ko-KR" sz="1200" kern="1200" dirty="0" smtClean="0">
-                <a:solidFill>
-                  <a:schemeClr val="tx1"/>
-                </a:solidFill>
-                <a:latin typeface="Arial" charset="0"/>
-                <a:ea typeface="+mn-ea"/>
-                <a:cs typeface="+mn-cs"/>
-              </a:rPr>
-              <a:t>. </a:t>
-            </a:r>
-            <a:endParaRPr lang="ko-KR" altLang="ko-KR" sz="1200" kern="1200" dirty="0">
+              <a:t>.</a:t>
+            </a:r>
+            <a:endParaRPr lang="ko-KR" altLang="en-US" sz="1200" kern="1200" dirty="0" smtClean="0">
               <a:solidFill>
                 <a:schemeClr val="tx1"/>
               </a:solidFill>
@@ -1829,6 +1891,9 @@
               <a:ea typeface="+mn-ea"/>
               <a:cs typeface="+mn-cs"/>
             </a:endParaRPr>
+          </a:p>
+          <a:p>
+            <a:endParaRPr lang="ko-KR" altLang="en-US" dirty="0"/>
           </a:p>
         </p:txBody>
       </p:sp>
@@ -1910,23 +1975,61 @@
           </a:bodyPr>
           <a:lstStyle/>
           <a:p>
-            <a:pPr marL="0" marR="0" indent="0" algn="just" defTabSz="914400" rtl="0" eaLnBrk="1" fontAlgn="base" latinLnBrk="0" hangingPunct="1">
-              <a:lnSpc>
-                <a:spcPct val="100000"/>
-              </a:lnSpc>
-              <a:spcBef>
-                <a:spcPct val="30000"/>
-              </a:spcBef>
-              <a:spcAft>
-                <a:spcPct val="0"/>
-              </a:spcAft>
-              <a:buClrTx/>
-              <a:buSzTx/>
-              <a:buFontTx/>
-              <a:buNone/>
-              <a:tabLst/>
-              <a:defRPr/>
-            </a:pPr>
+            <a:r>
+              <a:rPr lang="ko-KR" altLang="ko-KR" sz="1200" kern="1200" dirty="0" smtClean="0">
+                <a:solidFill>
+                  <a:schemeClr val="tx1"/>
+                </a:solidFill>
+                <a:latin typeface="Arial" charset="0"/>
+                <a:ea typeface="+mn-ea"/>
+                <a:cs typeface="+mn-cs"/>
+              </a:rPr>
+              <a:t>저희는</a:t>
+            </a:r>
+            <a:r>
+              <a:rPr lang="en-US" altLang="ko-KR" sz="1200" kern="1200" dirty="0" smtClean="0">
+                <a:solidFill>
+                  <a:schemeClr val="tx1"/>
+                </a:solidFill>
+                <a:latin typeface="Arial" charset="0"/>
+                <a:ea typeface="+mn-ea"/>
+                <a:cs typeface="+mn-cs"/>
+              </a:rPr>
+              <a:t> Android-USB </a:t>
+            </a:r>
+            <a:r>
+              <a:rPr lang="ko-KR" altLang="ko-KR" sz="1200" kern="1200" dirty="0" smtClean="0">
+                <a:solidFill>
+                  <a:schemeClr val="tx1"/>
+                </a:solidFill>
+                <a:latin typeface="Arial" charset="0"/>
+                <a:ea typeface="+mn-ea"/>
+                <a:cs typeface="+mn-cs"/>
+              </a:rPr>
+              <a:t>프로젝트를 활용해서</a:t>
+            </a:r>
+            <a:r>
+              <a:rPr lang="en-US" altLang="ko-KR" sz="1200" kern="1200" dirty="0" smtClean="0">
+                <a:solidFill>
+                  <a:schemeClr val="tx1"/>
+                </a:solidFill>
+                <a:latin typeface="Arial" charset="0"/>
+                <a:ea typeface="+mn-ea"/>
+                <a:cs typeface="+mn-cs"/>
+              </a:rPr>
+              <a:t> PC</a:t>
+            </a:r>
+            <a:r>
+              <a:rPr lang="ko-KR" altLang="ko-KR" sz="1200" kern="1200" dirty="0" smtClean="0">
+                <a:solidFill>
+                  <a:schemeClr val="tx1"/>
+                </a:solidFill>
+                <a:latin typeface="Arial" charset="0"/>
+                <a:ea typeface="+mn-ea"/>
+                <a:cs typeface="+mn-cs"/>
+              </a:rPr>
+              <a:t>에서 카카오톡을 쓸 수 있도록 연결하는 </a:t>
+            </a:r>
             <a:r>
               <a:rPr lang="en-US" altLang="ko-KR" sz="1200" kern="1200" dirty="0" err="1" smtClean="0">
                 <a:solidFill>
@@ -1939,62 +2042,84 @@
               <a:t>KatalkPCLinker</a:t>
             </a:r>
             <a:r>
-              <a:rPr lang="ko-KR" altLang="en-US" sz="1200" kern="1200" dirty="0" smtClean="0">
-                <a:solidFill>
-                  <a:schemeClr val="tx1"/>
-                </a:solidFill>
-                <a:latin typeface="Arial" charset="0"/>
-                <a:ea typeface="+mn-ea"/>
-                <a:cs typeface="+mn-cs"/>
-              </a:rPr>
-              <a:t>로 </a:t>
-            </a:r>
-            <a:r>
-              <a:rPr lang="en-US" altLang="ko-KR" sz="1200" kern="1200" baseline="0" dirty="0" smtClean="0">
-                <a:solidFill>
-                  <a:schemeClr val="tx1"/>
-                </a:solidFill>
-                <a:latin typeface="Arial" charset="0"/>
-                <a:ea typeface="+mn-ea"/>
-                <a:cs typeface="+mn-cs"/>
-              </a:rPr>
-              <a:t>PC</a:t>
-            </a:r>
-            <a:r>
-              <a:rPr lang="ko-KR" altLang="en-US" sz="1200" kern="1200" baseline="0" dirty="0" smtClean="0">
-                <a:solidFill>
-                  <a:schemeClr val="tx1"/>
-                </a:solidFill>
-                <a:latin typeface="Arial" charset="0"/>
-                <a:ea typeface="+mn-ea"/>
-                <a:cs typeface="+mn-cs"/>
-              </a:rPr>
-              <a:t>에서 키보드로 스마트폰을 조작 할 수 있어서 </a:t>
-            </a:r>
-            <a:r>
-              <a:rPr lang="ko-KR" altLang="en-US" sz="1200" kern="1200" baseline="0" dirty="0" err="1" smtClean="0">
-                <a:solidFill>
-                  <a:schemeClr val="tx1"/>
-                </a:solidFill>
-                <a:latin typeface="Arial" charset="0"/>
-                <a:ea typeface="+mn-ea"/>
-                <a:cs typeface="+mn-cs"/>
-              </a:rPr>
-              <a:t>카카오톡과</a:t>
-            </a:r>
-            <a:r>
-              <a:rPr lang="ko-KR" altLang="en-US" sz="1200" kern="1200" baseline="0" dirty="0" smtClean="0">
-                <a:solidFill>
-                  <a:schemeClr val="tx1"/>
-                </a:solidFill>
-                <a:latin typeface="Arial" charset="0"/>
-                <a:ea typeface="+mn-ea"/>
-                <a:cs typeface="+mn-cs"/>
-              </a:rPr>
-              <a:t> 다른 어플리케이션을 실행할 수 있습니다</a:t>
-            </a:r>
-            <a:r>
-              <a:rPr lang="en-US" altLang="ko-KR" sz="1200" kern="1200" baseline="0" dirty="0" smtClean="0">
+              <a:rPr lang="ko-KR" altLang="ko-KR" sz="1200" kern="1200" dirty="0" smtClean="0">
+                <a:solidFill>
+                  <a:schemeClr val="tx1"/>
+                </a:solidFill>
+                <a:latin typeface="Arial" charset="0"/>
+                <a:ea typeface="+mn-ea"/>
+                <a:cs typeface="+mn-cs"/>
+              </a:rPr>
+              <a:t>서비스와 </a:t>
+            </a:r>
+            <a:r>
+              <a:rPr lang="ko-KR" altLang="ko-KR" sz="1200" kern="1200" dirty="0" err="1" smtClean="0">
+                <a:solidFill>
+                  <a:schemeClr val="tx1"/>
+                </a:solidFill>
+                <a:latin typeface="Arial" charset="0"/>
+                <a:ea typeface="+mn-ea"/>
+                <a:cs typeface="+mn-cs"/>
+              </a:rPr>
+              <a:t>스마트폰을</a:t>
+            </a:r>
+            <a:r>
+              <a:rPr lang="ko-KR" altLang="ko-KR" sz="1200" kern="1200" dirty="0" smtClean="0">
+                <a:solidFill>
+                  <a:schemeClr val="tx1"/>
+                </a:solidFill>
+                <a:latin typeface="Arial" charset="0"/>
+                <a:ea typeface="+mn-ea"/>
+                <a:cs typeface="+mn-cs"/>
+              </a:rPr>
+              <a:t> 터치패드로 사용할 수 있는</a:t>
+            </a:r>
+            <a:r>
+              <a:rPr lang="en-US" altLang="ko-KR" sz="1200" kern="1200" dirty="0" smtClean="0">
+                <a:solidFill>
+                  <a:schemeClr val="tx1"/>
+                </a:solidFill>
+                <a:latin typeface="Arial" charset="0"/>
+                <a:ea typeface="+mn-ea"/>
+                <a:cs typeface="+mn-cs"/>
+              </a:rPr>
+              <a:t> </a:t>
+            </a:r>
+            <a:r>
+              <a:rPr lang="en-US" altLang="ko-KR" sz="1200" kern="1200" dirty="0" err="1" smtClean="0">
+                <a:solidFill>
+                  <a:schemeClr val="tx1"/>
+                </a:solidFill>
+                <a:latin typeface="Arial" charset="0"/>
+                <a:ea typeface="+mn-ea"/>
+                <a:cs typeface="+mn-cs"/>
+              </a:rPr>
+              <a:t>LTouchPad</a:t>
+            </a:r>
+            <a:r>
+              <a:rPr lang="en-US" altLang="ko-KR" sz="1200" kern="1200" dirty="0" smtClean="0">
+                <a:solidFill>
+                  <a:schemeClr val="tx1"/>
+                </a:solidFill>
+                <a:latin typeface="Arial" charset="0"/>
+                <a:ea typeface="+mn-ea"/>
+                <a:cs typeface="+mn-cs"/>
+              </a:rPr>
+              <a:t> </a:t>
+            </a:r>
+            <a:r>
+              <a:rPr lang="ko-KR" altLang="ko-KR" sz="1200" kern="1200" dirty="0" smtClean="0">
+                <a:solidFill>
+                  <a:schemeClr val="tx1"/>
+                </a:solidFill>
+                <a:latin typeface="Arial" charset="0"/>
+                <a:ea typeface="+mn-ea"/>
+                <a:cs typeface="+mn-cs"/>
+              </a:rPr>
+              <a:t>어플리케이션을 구현 했습니다</a:t>
+            </a:r>
+            <a:r>
+              <a:rPr lang="en-US" altLang="ko-KR" sz="1200" kern="1200" dirty="0" smtClean="0">
                 <a:solidFill>
                   <a:schemeClr val="tx1"/>
                 </a:solidFill>
@@ -2005,7 +2130,18 @@
               <a:t>. </a:t>
             </a:r>
             <a:r>
-              <a:rPr lang="en-US" altLang="ko-KR" sz="1200" kern="1200" baseline="0" dirty="0" err="1" smtClean="0">
+              <a:rPr lang="ko-KR" altLang="ko-KR" sz="1200" kern="1200" dirty="0" smtClean="0">
+                <a:solidFill>
+                  <a:schemeClr val="tx1"/>
+                </a:solidFill>
+                <a:latin typeface="Arial" charset="0"/>
+                <a:ea typeface="+mn-ea"/>
+                <a:cs typeface="+mn-cs"/>
+              </a:rPr>
+              <a:t>좌측이 </a:t>
+            </a:r>
+            <a:r>
+              <a:rPr lang="en-US" altLang="ko-KR" sz="1200" kern="1200" dirty="0" err="1" smtClean="0">
                 <a:solidFill>
                   <a:schemeClr val="tx1"/>
                 </a:solidFill>
@@ -2016,37 +2152,15 @@
               <a:t>KatalkPCLinker</a:t>
             </a:r>
             <a:r>
-              <a:rPr lang="ko-KR" altLang="en-US" sz="1200" kern="1200" baseline="0" dirty="0" smtClean="0">
-                <a:solidFill>
-                  <a:schemeClr val="tx1"/>
-                </a:solidFill>
-                <a:latin typeface="Arial" charset="0"/>
-                <a:ea typeface="+mn-ea"/>
-                <a:cs typeface="+mn-cs"/>
-              </a:rPr>
-              <a:t>는 </a:t>
-            </a:r>
-            <a:r>
-              <a:rPr lang="en-US" altLang="ko-KR" sz="1200" kern="1200" baseline="0" dirty="0" smtClean="0">
-                <a:solidFill>
-                  <a:schemeClr val="tx1"/>
-                </a:solidFill>
-                <a:latin typeface="Arial" charset="0"/>
-                <a:ea typeface="+mn-ea"/>
-                <a:cs typeface="+mn-cs"/>
-              </a:rPr>
-              <a:t>PC</a:t>
-            </a:r>
-            <a:r>
-              <a:rPr lang="ko-KR" altLang="en-US" sz="1200" kern="1200" baseline="0" dirty="0" smtClean="0">
-                <a:solidFill>
-                  <a:schemeClr val="tx1"/>
-                </a:solidFill>
-                <a:latin typeface="Arial" charset="0"/>
-                <a:ea typeface="+mn-ea"/>
-                <a:cs typeface="+mn-cs"/>
-              </a:rPr>
-              <a:t>에 </a:t>
+              <a:rPr lang="ko-KR" altLang="ko-KR" sz="1200" kern="1200" dirty="0" smtClean="0">
+                <a:solidFill>
+                  <a:schemeClr val="tx1"/>
+                </a:solidFill>
+                <a:latin typeface="Arial" charset="0"/>
+                <a:ea typeface="+mn-ea"/>
+                <a:cs typeface="+mn-cs"/>
+              </a:rPr>
+              <a:t>의 모습이고</a:t>
             </a:r>
             <a:r>
               <a:rPr lang="en-US" altLang="ko-KR" sz="1200" kern="1200" dirty="0" smtClean="0">
@@ -2057,119 +2171,60 @@
                 <a:ea typeface="+mn-ea"/>
                 <a:cs typeface="+mn-cs"/>
               </a:rPr>
-              <a:t>USB</a:t>
-            </a:r>
-            <a:r>
-              <a:rPr lang="ko-KR" altLang="en-US" sz="1200" kern="1200" dirty="0" smtClean="0">
-                <a:solidFill>
-                  <a:schemeClr val="tx1"/>
-                </a:solidFill>
-                <a:latin typeface="Arial" charset="0"/>
-                <a:ea typeface="+mn-ea"/>
-                <a:cs typeface="+mn-cs"/>
-              </a:rPr>
-              <a:t>카메라로 인식돼서 어플리케이션의 수정 없이 </a:t>
-            </a:r>
-            <a:r>
-              <a:rPr lang="ko-KR" altLang="en-US" sz="1200" kern="1200" dirty="0" err="1" smtClean="0">
-                <a:solidFill>
-                  <a:schemeClr val="tx1"/>
-                </a:solidFill>
-                <a:latin typeface="Arial" charset="0"/>
-                <a:ea typeface="+mn-ea"/>
-                <a:cs typeface="+mn-cs"/>
-              </a:rPr>
-              <a:t>카카오톡</a:t>
-            </a:r>
-            <a:r>
-              <a:rPr lang="ko-KR" altLang="en-US" sz="1200" kern="1200" dirty="0" smtClean="0">
-                <a:solidFill>
-                  <a:schemeClr val="tx1"/>
-                </a:solidFill>
-                <a:latin typeface="Arial" charset="0"/>
-                <a:ea typeface="+mn-ea"/>
-                <a:cs typeface="+mn-cs"/>
-              </a:rPr>
-              <a:t> 화면뿐만 아니라 </a:t>
-            </a:r>
-            <a:r>
-              <a:rPr lang="ko-KR" altLang="en-US" sz="1200" kern="1200" baseline="0" dirty="0" err="1" smtClean="0">
-                <a:solidFill>
-                  <a:schemeClr val="tx1"/>
-                </a:solidFill>
-                <a:latin typeface="Arial" charset="0"/>
-                <a:ea typeface="+mn-ea"/>
-                <a:cs typeface="+mn-cs"/>
-              </a:rPr>
-              <a:t>스마트폰의</a:t>
-            </a:r>
-            <a:r>
-              <a:rPr lang="ko-KR" altLang="en-US" sz="1200" kern="1200" baseline="0" dirty="0" smtClean="0">
-                <a:solidFill>
-                  <a:schemeClr val="tx1"/>
-                </a:solidFill>
-                <a:latin typeface="Arial" charset="0"/>
-                <a:ea typeface="+mn-ea"/>
-                <a:cs typeface="+mn-cs"/>
-              </a:rPr>
-              <a:t> 모든 화면을 </a:t>
-            </a:r>
-            <a:r>
-              <a:rPr lang="en-US" altLang="ko-KR" sz="1200" kern="1200" baseline="0" dirty="0" smtClean="0">
-                <a:solidFill>
-                  <a:schemeClr val="tx1"/>
-                </a:solidFill>
-                <a:latin typeface="Arial" charset="0"/>
-                <a:ea typeface="+mn-ea"/>
-                <a:cs typeface="+mn-cs"/>
-              </a:rPr>
-              <a:t>PC</a:t>
-            </a:r>
-            <a:r>
-              <a:rPr lang="ko-KR" altLang="en-US" sz="1200" kern="1200" baseline="0" dirty="0" smtClean="0">
-                <a:solidFill>
-                  <a:schemeClr val="tx1"/>
-                </a:solidFill>
-                <a:latin typeface="Arial" charset="0"/>
-                <a:ea typeface="+mn-ea"/>
-                <a:cs typeface="+mn-cs"/>
-              </a:rPr>
-              <a:t>에서 </a:t>
-            </a:r>
-            <a:r>
-              <a:rPr lang="en-US" altLang="ko-KR" sz="1200" kern="1200" baseline="0" dirty="0" smtClean="0">
-                <a:solidFill>
-                  <a:schemeClr val="tx1"/>
-                </a:solidFill>
-                <a:latin typeface="Arial" charset="0"/>
-                <a:ea typeface="+mn-ea"/>
-                <a:cs typeface="+mn-cs"/>
-              </a:rPr>
-              <a:t>USB</a:t>
-            </a:r>
-            <a:r>
-              <a:rPr lang="ko-KR" altLang="en-US" sz="1200" kern="1200" baseline="0" dirty="0" smtClean="0">
-                <a:solidFill>
-                  <a:schemeClr val="tx1"/>
-                </a:solidFill>
-                <a:latin typeface="Arial" charset="0"/>
-                <a:ea typeface="+mn-ea"/>
-                <a:cs typeface="+mn-cs"/>
-              </a:rPr>
-              <a:t>카메라 영상처럼 볼 수 있습니다</a:t>
-            </a:r>
-            <a:r>
-              <a:rPr lang="en-US" altLang="ko-KR" sz="1200" kern="1200" baseline="0" dirty="0" smtClean="0">
-                <a:solidFill>
-                  <a:schemeClr val="tx1"/>
-                </a:solidFill>
-                <a:latin typeface="Arial" charset="0"/>
-                <a:ea typeface="+mn-ea"/>
-                <a:cs typeface="+mn-cs"/>
-              </a:rPr>
-              <a:t>.</a:t>
-            </a:r>
-            <a:endParaRPr lang="ko-KR" altLang="en-US" dirty="0"/>
+              <a:t>, </a:t>
+            </a:r>
+            <a:r>
+              <a:rPr lang="ko-KR" altLang="ko-KR" sz="1200" kern="1200" dirty="0" smtClean="0">
+                <a:solidFill>
+                  <a:schemeClr val="tx1"/>
+                </a:solidFill>
+                <a:latin typeface="Arial" charset="0"/>
+                <a:ea typeface="+mn-ea"/>
+                <a:cs typeface="+mn-cs"/>
+              </a:rPr>
+              <a:t>우측이 </a:t>
+            </a:r>
+            <a:r>
+              <a:rPr lang="en-US" altLang="ko-KR" sz="1200" kern="1200" dirty="0" err="1" smtClean="0">
+                <a:solidFill>
+                  <a:schemeClr val="tx1"/>
+                </a:solidFill>
+                <a:latin typeface="Arial" charset="0"/>
+                <a:ea typeface="+mn-ea"/>
+                <a:cs typeface="+mn-cs"/>
+              </a:rPr>
+              <a:t>LTouchPad</a:t>
+            </a:r>
+            <a:r>
+              <a:rPr lang="ko-KR" altLang="ko-KR" sz="1200" kern="1200" dirty="0" smtClean="0">
+                <a:solidFill>
+                  <a:schemeClr val="tx1"/>
+                </a:solidFill>
+                <a:latin typeface="Arial" charset="0"/>
+                <a:ea typeface="+mn-ea"/>
+                <a:cs typeface="+mn-cs"/>
+              </a:rPr>
+              <a:t>의 모습입니다</a:t>
+            </a:r>
+            <a:r>
+              <a:rPr lang="en-US" altLang="ko-KR" sz="1200" kern="1200" dirty="0" smtClean="0">
+                <a:solidFill>
+                  <a:schemeClr val="tx1"/>
+                </a:solidFill>
+                <a:latin typeface="Arial" charset="0"/>
+                <a:ea typeface="+mn-ea"/>
+                <a:cs typeface="+mn-cs"/>
+              </a:rPr>
+              <a:t>. </a:t>
+            </a:r>
+            <a:endParaRPr lang="ko-KR" altLang="ko-KR" sz="1200" kern="1200" dirty="0">
+              <a:solidFill>
+                <a:schemeClr val="tx1"/>
+              </a:solidFill>
+              <a:latin typeface="Arial" charset="0"/>
+              <a:ea typeface="+mn-ea"/>
+              <a:cs typeface="+mn-cs"/>
+            </a:endParaRPr>
           </a:p>
         </p:txBody>
       </p:sp>
@@ -2280,6 +2335,116 @@
               <a:t>KatalkPCLinker</a:t>
             </a:r>
             <a:r>
+              <a:rPr lang="ko-KR" altLang="en-US" sz="1200" kern="1200" dirty="0" smtClean="0">
+                <a:solidFill>
+                  <a:schemeClr val="tx1"/>
+                </a:solidFill>
+                <a:latin typeface="Arial" charset="0"/>
+                <a:ea typeface="+mn-ea"/>
+                <a:cs typeface="+mn-cs"/>
+              </a:rPr>
+              <a:t>로 </a:t>
+            </a:r>
+            <a:r>
+              <a:rPr lang="en-US" altLang="ko-KR" sz="1200" kern="1200" baseline="0" dirty="0" smtClean="0">
+                <a:solidFill>
+                  <a:schemeClr val="tx1"/>
+                </a:solidFill>
+                <a:latin typeface="Arial" charset="0"/>
+                <a:ea typeface="+mn-ea"/>
+                <a:cs typeface="+mn-cs"/>
+              </a:rPr>
+              <a:t>PC</a:t>
+            </a:r>
+            <a:r>
+              <a:rPr lang="ko-KR" altLang="en-US" sz="1200" kern="1200" baseline="0" dirty="0" smtClean="0">
+                <a:solidFill>
+                  <a:schemeClr val="tx1"/>
+                </a:solidFill>
+                <a:latin typeface="Arial" charset="0"/>
+                <a:ea typeface="+mn-ea"/>
+                <a:cs typeface="+mn-cs"/>
+              </a:rPr>
+              <a:t>에서 키보드로 스마트폰을 조작 할 수 있어서 </a:t>
+            </a:r>
+            <a:r>
+              <a:rPr lang="ko-KR" altLang="en-US" sz="1200" kern="1200" baseline="0" dirty="0" err="1" smtClean="0">
+                <a:solidFill>
+                  <a:schemeClr val="tx1"/>
+                </a:solidFill>
+                <a:latin typeface="Arial" charset="0"/>
+                <a:ea typeface="+mn-ea"/>
+                <a:cs typeface="+mn-cs"/>
+              </a:rPr>
+              <a:t>카카오톡과</a:t>
+            </a:r>
+            <a:r>
+              <a:rPr lang="ko-KR" altLang="en-US" sz="1200" kern="1200" baseline="0" dirty="0" smtClean="0">
+                <a:solidFill>
+                  <a:schemeClr val="tx1"/>
+                </a:solidFill>
+                <a:latin typeface="Arial" charset="0"/>
+                <a:ea typeface="+mn-ea"/>
+                <a:cs typeface="+mn-cs"/>
+              </a:rPr>
+              <a:t> 다른 어플리케이션을 실행할 수 있습니다</a:t>
+            </a:r>
+            <a:r>
+              <a:rPr lang="en-US" altLang="ko-KR" sz="1200" kern="1200" baseline="0" dirty="0" smtClean="0">
+                <a:solidFill>
+                  <a:schemeClr val="tx1"/>
+                </a:solidFill>
+                <a:latin typeface="Arial" charset="0"/>
+                <a:ea typeface="+mn-ea"/>
+                <a:cs typeface="+mn-cs"/>
+              </a:rPr>
+              <a:t>. </a:t>
+            </a:r>
+            <a:r>
+              <a:rPr lang="en-US" altLang="ko-KR" sz="1200" kern="1200" baseline="0" dirty="0" err="1" smtClean="0">
+                <a:solidFill>
+                  <a:schemeClr val="tx1"/>
+                </a:solidFill>
+                <a:latin typeface="Arial" charset="0"/>
+                <a:ea typeface="+mn-ea"/>
+                <a:cs typeface="+mn-cs"/>
+              </a:rPr>
+              <a:t>KatalkPCLinker</a:t>
+            </a:r>
+            <a:r>
+              <a:rPr lang="ko-KR" altLang="en-US" sz="1200" kern="1200" baseline="0" dirty="0" smtClean="0">
+                <a:solidFill>
+                  <a:schemeClr val="tx1"/>
+                </a:solidFill>
+                <a:latin typeface="Arial" charset="0"/>
+                <a:ea typeface="+mn-ea"/>
+                <a:cs typeface="+mn-cs"/>
+              </a:rPr>
+              <a:t>는 </a:t>
+            </a:r>
+            <a:r>
+              <a:rPr lang="en-US" altLang="ko-KR" sz="1200" kern="1200" baseline="0" dirty="0" smtClean="0">
+                <a:solidFill>
+                  <a:schemeClr val="tx1"/>
+                </a:solidFill>
+                <a:latin typeface="Arial" charset="0"/>
+                <a:ea typeface="+mn-ea"/>
+                <a:cs typeface="+mn-cs"/>
+              </a:rPr>
+              <a:t>PC</a:t>
+            </a:r>
+            <a:r>
+              <a:rPr lang="ko-KR" altLang="en-US" sz="1200" kern="1200" baseline="0" dirty="0" smtClean="0">
+                <a:solidFill>
+                  <a:schemeClr val="tx1"/>
+                </a:solidFill>
+                <a:latin typeface="Arial" charset="0"/>
+                <a:ea typeface="+mn-ea"/>
+                <a:cs typeface="+mn-cs"/>
+              </a:rPr>
+              <a:t>에 </a:t>
+            </a:r>
+            <a:r>
               <a:rPr lang="en-US" altLang="ko-KR" sz="1200" kern="1200" dirty="0" smtClean="0">
                 <a:solidFill>
                   <a:schemeClr val="tx1"/>
@@ -2288,7 +2453,7 @@
                 <a:ea typeface="+mn-ea"/>
                 <a:cs typeface="+mn-cs"/>
               </a:rPr>
-              <a:t> </a:t>
+              <a:t>USB</a:t>
             </a:r>
             <a:r>
               <a:rPr lang="ko-KR" altLang="en-US" sz="1200" kern="1200" dirty="0" smtClean="0">
@@ -2299,18 +2464,18 @@
                 <a:ea typeface="+mn-ea"/>
                 <a:cs typeface="+mn-cs"/>
               </a:rPr>
-              <a:t>서비스의 구조입니다</a:t>
-            </a:r>
-            <a:r>
-              <a:rPr lang="en-US" altLang="ko-KR" sz="1200" kern="1200" dirty="0" smtClean="0">
-                <a:solidFill>
-                  <a:schemeClr val="tx1"/>
-                </a:solidFill>
-                <a:latin typeface="Arial" charset="0"/>
-                <a:ea typeface="+mn-ea"/>
-                <a:cs typeface="+mn-cs"/>
-              </a:rPr>
-              <a:t>. PC</a:t>
+              <a:t>카메라로 인식돼서 어플리케이션의 수정 없이 </a:t>
+            </a:r>
+            <a:r>
+              <a:rPr lang="ko-KR" altLang="en-US" sz="1200" kern="1200" dirty="0" err="1" smtClean="0">
+                <a:solidFill>
+                  <a:schemeClr val="tx1"/>
+                </a:solidFill>
+                <a:latin typeface="Arial" charset="0"/>
+                <a:ea typeface="+mn-ea"/>
+                <a:cs typeface="+mn-cs"/>
+              </a:rPr>
+              <a:t>카카오톡</a:t>
             </a:r>
             <a:r>
               <a:rPr lang="ko-KR" altLang="en-US" sz="1200" kern="1200" dirty="0" smtClean="0">
@@ -2321,54 +2486,43 @@
                 <a:ea typeface="+mn-ea"/>
                 <a:cs typeface="+mn-cs"/>
               </a:rPr>
-              <a:t>에서 메시지를 전송하면 스마트폰에서 기본으로 설정된 키보드가 아닌 따로 구현한 소프트웨어 키보드로 입력한 것으로 인식합니다</a:t>
-            </a:r>
-            <a:r>
-              <a:rPr lang="en-US" altLang="ko-KR" sz="1200" kern="1200" dirty="0" smtClean="0">
-                <a:solidFill>
-                  <a:schemeClr val="tx1"/>
-                </a:solidFill>
-                <a:latin typeface="Arial" charset="0"/>
-                <a:ea typeface="+mn-ea"/>
-                <a:cs typeface="+mn-cs"/>
-              </a:rPr>
-              <a:t>. </a:t>
-            </a:r>
-            <a:r>
-              <a:rPr lang="ko-KR" altLang="en-US" sz="1200" kern="1200" dirty="0" err="1" smtClean="0">
-                <a:solidFill>
-                  <a:schemeClr val="tx1"/>
-                </a:solidFill>
-                <a:latin typeface="Arial" charset="0"/>
-                <a:ea typeface="+mn-ea"/>
-                <a:cs typeface="+mn-cs"/>
-              </a:rPr>
-              <a:t>스마트폰</a:t>
-            </a:r>
-            <a:r>
-              <a:rPr lang="ko-KR" altLang="en-US" sz="1200" kern="1200" dirty="0" smtClean="0">
-                <a:solidFill>
-                  <a:schemeClr val="tx1"/>
-                </a:solidFill>
-                <a:latin typeface="Arial" charset="0"/>
-                <a:ea typeface="+mn-ea"/>
-                <a:cs typeface="+mn-cs"/>
-              </a:rPr>
-              <a:t> 화면은</a:t>
-            </a:r>
-            <a:r>
-              <a:rPr lang="en-US" altLang="ko-KR" sz="1200" kern="1200" dirty="0" smtClean="0">
-                <a:solidFill>
-                  <a:schemeClr val="tx1"/>
-                </a:solidFill>
-                <a:latin typeface="Arial" charset="0"/>
-                <a:ea typeface="+mn-ea"/>
-                <a:cs typeface="+mn-cs"/>
-              </a:rPr>
-              <a:t> PC</a:t>
-            </a:r>
-            <a:r>
-              <a:rPr lang="ko-KR" altLang="en-US" sz="1200" kern="1200" dirty="0" smtClean="0">
+              <a:t> 화면뿐만 아니라 </a:t>
+            </a:r>
+            <a:r>
+              <a:rPr lang="ko-KR" altLang="en-US" sz="1200" kern="1200" baseline="0" dirty="0" err="1" smtClean="0">
+                <a:solidFill>
+                  <a:schemeClr val="tx1"/>
+                </a:solidFill>
+                <a:latin typeface="Arial" charset="0"/>
+                <a:ea typeface="+mn-ea"/>
+                <a:cs typeface="+mn-cs"/>
+              </a:rPr>
+              <a:t>스마트폰의</a:t>
+            </a:r>
+            <a:r>
+              <a:rPr lang="ko-KR" altLang="en-US" sz="1200" kern="1200" baseline="0" dirty="0" smtClean="0">
+                <a:solidFill>
+                  <a:schemeClr val="tx1"/>
+                </a:solidFill>
+                <a:latin typeface="Arial" charset="0"/>
+                <a:ea typeface="+mn-ea"/>
+                <a:cs typeface="+mn-cs"/>
+              </a:rPr>
+              <a:t> 모든 화면을 </a:t>
+            </a:r>
+            <a:r>
+              <a:rPr lang="en-US" altLang="ko-KR" sz="1200" kern="1200" baseline="0" dirty="0" smtClean="0">
+                <a:solidFill>
+                  <a:schemeClr val="tx1"/>
+                </a:solidFill>
+                <a:latin typeface="Arial" charset="0"/>
+                <a:ea typeface="+mn-ea"/>
+                <a:cs typeface="+mn-cs"/>
+              </a:rPr>
+              <a:t>PC</a:t>
+            </a:r>
+            <a:r>
+              <a:rPr lang="ko-KR" altLang="en-US" sz="1200" kern="1200" baseline="0" dirty="0" smtClean="0">
                 <a:solidFill>
                   <a:schemeClr val="tx1"/>
                 </a:solidFill>
@@ -2379,7 +2533,7 @@
               <a:t>에서 </a:t>
             </a:r>
             <a:r>
-              <a:rPr lang="en-US" altLang="ko-KR" sz="1200" kern="1200" dirty="0" smtClean="0">
+              <a:rPr lang="en-US" altLang="ko-KR" sz="1200" kern="1200" baseline="0" dirty="0" smtClean="0">
                 <a:solidFill>
                   <a:schemeClr val="tx1"/>
                 </a:solidFill>
@@ -2390,40 +2544,18 @@
               <a:t>USB</a:t>
             </a:r>
             <a:r>
-              <a:rPr lang="ko-KR" altLang="en-US" sz="1200" kern="1200" dirty="0" smtClean="0">
-                <a:solidFill>
-                  <a:schemeClr val="tx1"/>
-                </a:solidFill>
-                <a:latin typeface="Arial" charset="0"/>
-                <a:ea typeface="+mn-ea"/>
-                <a:cs typeface="+mn-cs"/>
-              </a:rPr>
-              <a:t>카메라 장치로 인식돼서 </a:t>
-            </a:r>
-            <a:r>
-              <a:rPr lang="ko-KR" altLang="en-US" sz="1200" kern="1200" dirty="0" err="1" smtClean="0">
-                <a:solidFill>
-                  <a:schemeClr val="tx1"/>
-                </a:solidFill>
-                <a:latin typeface="Arial" charset="0"/>
-                <a:ea typeface="+mn-ea"/>
-                <a:cs typeface="+mn-cs"/>
-              </a:rPr>
-              <a:t>스마트폰의</a:t>
-            </a:r>
-            <a:r>
-              <a:rPr lang="ko-KR" altLang="en-US" sz="1200" kern="1200" dirty="0" smtClean="0">
-                <a:solidFill>
-                  <a:schemeClr val="tx1"/>
-                </a:solidFill>
-                <a:latin typeface="Arial" charset="0"/>
-                <a:ea typeface="+mn-ea"/>
-                <a:cs typeface="+mn-cs"/>
-              </a:rPr>
-              <a:t> 움직이는 모든 화면을 볼 수 있게 됩니다</a:t>
-            </a:r>
-            <a:r>
-              <a:rPr lang="en-US" altLang="ko-KR" sz="1200" kern="1200" dirty="0" smtClean="0">
+              <a:rPr lang="ko-KR" altLang="en-US" sz="1200" kern="1200" baseline="0" dirty="0" smtClean="0">
+                <a:solidFill>
+                  <a:schemeClr val="tx1"/>
+                </a:solidFill>
+                <a:latin typeface="Arial" charset="0"/>
+                <a:ea typeface="+mn-ea"/>
+                <a:cs typeface="+mn-cs"/>
+              </a:rPr>
+              <a:t>카메라 영상처럼 볼 수 있습니다</a:t>
+            </a:r>
+            <a:r>
+              <a:rPr lang="en-US" altLang="ko-KR" sz="1200" kern="1200" baseline="0" dirty="0" smtClean="0">
                 <a:solidFill>
                   <a:schemeClr val="tx1"/>
                 </a:solidFill>
@@ -2433,33 +2565,6 @@
               </a:rPr>
               <a:t>.</a:t>
             </a:r>
-            <a:endParaRPr lang="ko-KR" altLang="en-US" sz="1200" kern="1200" dirty="0" smtClean="0">
-              <a:solidFill>
-                <a:schemeClr val="tx1"/>
-              </a:solidFill>
-              <a:latin typeface="Arial" charset="0"/>
-              <a:ea typeface="+mn-ea"/>
-              <a:cs typeface="+mn-cs"/>
-            </a:endParaRPr>
-          </a:p>
-          <a:p>
-            <a:pPr marL="0" marR="0" indent="0" algn="l" defTabSz="914400" rtl="0" eaLnBrk="1" fontAlgn="base" latinLnBrk="0" hangingPunct="1">
-              <a:lnSpc>
-                <a:spcPct val="100000"/>
-              </a:lnSpc>
-              <a:spcBef>
-                <a:spcPct val="30000"/>
-              </a:spcBef>
-              <a:spcAft>
-                <a:spcPct val="0"/>
-              </a:spcAft>
-              <a:buClrTx/>
-              <a:buSzTx/>
-              <a:buFontTx/>
-              <a:buNone/>
-              <a:tabLst/>
-              <a:defRPr/>
-            </a:pPr>
             <a:endParaRPr lang="ko-KR" altLang="en-US" dirty="0"/>
           </a:p>
         </p:txBody>
@@ -2560,101 +2665,197 @@
               <a:defRPr/>
             </a:pPr>
             <a:r>
-              <a:rPr lang="en-US" altLang="ko-KR" dirty="0" err="1" smtClean="0"/>
-              <a:t>LTouchPad</a:t>
-            </a:r>
-            <a:r>
-              <a:rPr lang="ko-KR" altLang="en-US" dirty="0" smtClean="0"/>
-              <a:t>의 화면입니다</a:t>
-            </a:r>
-            <a:r>
-              <a:rPr lang="en-US" altLang="ko-KR" dirty="0" smtClean="0"/>
+              <a:rPr lang="en-US" altLang="ko-KR" sz="1200" kern="1200" dirty="0" err="1" smtClean="0">
+                <a:solidFill>
+                  <a:schemeClr val="tx1"/>
+                </a:solidFill>
+                <a:latin typeface="Arial" charset="0"/>
+                <a:ea typeface="+mn-ea"/>
+                <a:cs typeface="+mn-cs"/>
+              </a:rPr>
+              <a:t>KatalkPCLinker</a:t>
+            </a:r>
+            <a:r>
+              <a:rPr lang="en-US" altLang="ko-KR" sz="1200" kern="1200" dirty="0" smtClean="0">
+                <a:solidFill>
+                  <a:schemeClr val="tx1"/>
+                </a:solidFill>
+                <a:latin typeface="Arial" charset="0"/>
+                <a:ea typeface="+mn-ea"/>
+                <a:cs typeface="+mn-cs"/>
+              </a:rPr>
+              <a:t> </a:t>
+            </a:r>
+            <a:r>
+              <a:rPr lang="ko-KR" altLang="en-US" sz="1200" kern="1200" dirty="0" smtClean="0">
+                <a:solidFill>
+                  <a:schemeClr val="tx1"/>
+                </a:solidFill>
+                <a:latin typeface="Arial" charset="0"/>
+                <a:ea typeface="+mn-ea"/>
+                <a:cs typeface="+mn-cs"/>
+              </a:rPr>
+              <a:t>서비스의 구조입니다</a:t>
+            </a:r>
+            <a:r>
+              <a:rPr lang="en-US" altLang="ko-KR" sz="1200" kern="1200" dirty="0" smtClean="0">
+                <a:solidFill>
+                  <a:schemeClr val="tx1"/>
+                </a:solidFill>
+                <a:latin typeface="Arial" charset="0"/>
+                <a:ea typeface="+mn-ea"/>
+                <a:cs typeface="+mn-cs"/>
+              </a:rPr>
+              <a:t>. PC</a:t>
+            </a:r>
+            <a:r>
+              <a:rPr lang="ko-KR" altLang="en-US" sz="1200" kern="1200" dirty="0" smtClean="0">
+                <a:solidFill>
+                  <a:schemeClr val="tx1"/>
+                </a:solidFill>
+                <a:latin typeface="Arial" charset="0"/>
+                <a:ea typeface="+mn-ea"/>
+                <a:cs typeface="+mn-cs"/>
+              </a:rPr>
+              <a:t>에서 메시지를 전송하면 스마트폰에서 기본으로 설정된 키보드가 아닌 따로 구현한 소프트웨어 키보드로 입력한 것으로 인식합니다</a:t>
+            </a:r>
+            <a:r>
+              <a:rPr lang="en-US" altLang="ko-KR" sz="1200" kern="1200" dirty="0" smtClean="0">
+                <a:solidFill>
+                  <a:schemeClr val="tx1"/>
+                </a:solidFill>
+                <a:latin typeface="Arial" charset="0"/>
+                <a:ea typeface="+mn-ea"/>
+                <a:cs typeface="+mn-cs"/>
+              </a:rPr>
               <a:t>. </a:t>
             </a:r>
             <a:r>
-              <a:rPr lang="ko-KR" altLang="en-US" dirty="0" smtClean="0"/>
-              <a:t>어플리케이션을 </a:t>
-            </a:r>
-            <a:r>
-              <a:rPr lang="en-US" altLang="ko-KR" baseline="0" dirty="0" smtClean="0"/>
-              <a:t>USB/IP</a:t>
-            </a:r>
-            <a:r>
-              <a:rPr lang="ko-KR" altLang="en-US" baseline="0" dirty="0" smtClean="0"/>
-              <a:t>로 연결하면 </a:t>
-            </a:r>
-            <a:r>
-              <a:rPr lang="en-US" altLang="ko-KR" baseline="0" dirty="0" smtClean="0"/>
-              <a:t>PC</a:t>
-            </a:r>
-            <a:r>
-              <a:rPr lang="ko-KR" altLang="en-US" baseline="0" dirty="0" smtClean="0"/>
-              <a:t>에서 마우스 장치로 인식하고</a:t>
-            </a:r>
-            <a:r>
-              <a:rPr lang="en-US" altLang="ko-KR" baseline="0" dirty="0" smtClean="0"/>
-              <a:t>,</a:t>
-            </a:r>
-            <a:r>
-              <a:rPr lang="ko-KR" altLang="en-US" baseline="0" dirty="0" smtClean="0"/>
-              <a:t> 어플리케이션을 통한 조작으로 터치패드로 사용할 수 있습니다</a:t>
-            </a:r>
-            <a:r>
-              <a:rPr lang="en-US" altLang="ko-KR" baseline="0" dirty="0" smtClean="0"/>
+              <a:rPr lang="ko-KR" altLang="en-US" sz="1200" kern="1200" dirty="0" err="1" smtClean="0">
+                <a:solidFill>
+                  <a:schemeClr val="tx1"/>
+                </a:solidFill>
+                <a:latin typeface="Arial" charset="0"/>
+                <a:ea typeface="+mn-ea"/>
+                <a:cs typeface="+mn-cs"/>
+              </a:rPr>
+              <a:t>스마트폰</a:t>
+            </a:r>
+            <a:r>
+              <a:rPr lang="ko-KR" altLang="en-US" sz="1200" kern="1200" dirty="0" smtClean="0">
+                <a:solidFill>
+                  <a:schemeClr val="tx1"/>
+                </a:solidFill>
+                <a:latin typeface="Arial" charset="0"/>
+                <a:ea typeface="+mn-ea"/>
+                <a:cs typeface="+mn-cs"/>
+              </a:rPr>
+              <a:t> 화면은</a:t>
+            </a:r>
+            <a:r>
+              <a:rPr lang="en-US" altLang="ko-KR" sz="1200" kern="1200" dirty="0" smtClean="0">
+                <a:solidFill>
+                  <a:schemeClr val="tx1"/>
+                </a:solidFill>
+                <a:latin typeface="Arial" charset="0"/>
+                <a:ea typeface="+mn-ea"/>
+                <a:cs typeface="+mn-cs"/>
+              </a:rPr>
+              <a:t> PC</a:t>
+            </a:r>
+            <a:r>
+              <a:rPr lang="ko-KR" altLang="en-US" sz="1200" kern="1200" dirty="0" smtClean="0">
+                <a:solidFill>
+                  <a:schemeClr val="tx1"/>
+                </a:solidFill>
+                <a:latin typeface="Arial" charset="0"/>
+                <a:ea typeface="+mn-ea"/>
+                <a:cs typeface="+mn-cs"/>
+              </a:rPr>
+              <a:t>에서 </a:t>
+            </a:r>
+            <a:r>
+              <a:rPr lang="en-US" altLang="ko-KR" sz="1200" kern="1200" dirty="0" smtClean="0">
+                <a:solidFill>
+                  <a:schemeClr val="tx1"/>
+                </a:solidFill>
+                <a:latin typeface="Arial" charset="0"/>
+                <a:ea typeface="+mn-ea"/>
+                <a:cs typeface="+mn-cs"/>
+              </a:rPr>
+              <a:t>USB</a:t>
+            </a:r>
+            <a:r>
+              <a:rPr lang="ko-KR" altLang="en-US" sz="1200" kern="1200" dirty="0" smtClean="0">
+                <a:solidFill>
+                  <a:schemeClr val="tx1"/>
+                </a:solidFill>
+                <a:latin typeface="Arial" charset="0"/>
+                <a:ea typeface="+mn-ea"/>
+                <a:cs typeface="+mn-cs"/>
+              </a:rPr>
+              <a:t>카메라 장치로 인식돼서 </a:t>
+            </a:r>
+            <a:r>
+              <a:rPr lang="ko-KR" altLang="en-US" sz="1200" kern="1200" dirty="0" err="1" smtClean="0">
+                <a:solidFill>
+                  <a:schemeClr val="tx1"/>
+                </a:solidFill>
+                <a:latin typeface="Arial" charset="0"/>
+                <a:ea typeface="+mn-ea"/>
+                <a:cs typeface="+mn-cs"/>
+              </a:rPr>
+              <a:t>스마트폰의</a:t>
+            </a:r>
+            <a:r>
+              <a:rPr lang="ko-KR" altLang="en-US" sz="1200" kern="1200" dirty="0" smtClean="0">
+                <a:solidFill>
+                  <a:schemeClr val="tx1"/>
+                </a:solidFill>
+                <a:latin typeface="Arial" charset="0"/>
+                <a:ea typeface="+mn-ea"/>
+                <a:cs typeface="+mn-cs"/>
+              </a:rPr>
+              <a:t> 움직이는 모든 화면을 볼 수 있게 됩니다</a:t>
+            </a:r>
+            <a:r>
+              <a:rPr lang="en-US" altLang="ko-KR" sz="1200" kern="1200" dirty="0" smtClean="0">
+                <a:solidFill>
+                  <a:schemeClr val="tx1"/>
+                </a:solidFill>
+                <a:latin typeface="Arial" charset="0"/>
+                <a:ea typeface="+mn-ea"/>
+                <a:cs typeface="+mn-cs"/>
+              </a:rPr>
               <a:t>.</a:t>
             </a:r>
-            <a:r>
-              <a:rPr lang="ko-KR" altLang="en-US" baseline="0" dirty="0" smtClean="0"/>
-              <a:t> </a:t>
-            </a:r>
-            <a:r>
-              <a:rPr lang="ko-KR" altLang="en-US" dirty="0" smtClean="0"/>
-              <a:t>어플리케이션의 </a:t>
-            </a:r>
-            <a:r>
-              <a:rPr lang="en-US" altLang="ko-KR" dirty="0" smtClean="0"/>
-              <a:t>Left, Right</a:t>
-            </a:r>
-            <a:r>
-              <a:rPr lang="en-US" altLang="ko-KR" baseline="0" dirty="0" smtClean="0"/>
-              <a:t> </a:t>
-            </a:r>
-            <a:r>
-              <a:rPr lang="ko-KR" altLang="en-US" dirty="0" smtClean="0"/>
-              <a:t>버튼이 </a:t>
-            </a:r>
-            <a:r>
-              <a:rPr lang="en-US" altLang="ko-KR" dirty="0" smtClean="0"/>
-              <a:t>PC</a:t>
-            </a:r>
-            <a:r>
-              <a:rPr lang="ko-KR" altLang="en-US" dirty="0" smtClean="0"/>
-              <a:t>의 마우스 버튼</a:t>
-            </a:r>
-            <a:r>
-              <a:rPr lang="ko-KR" altLang="en-US" baseline="0" dirty="0" smtClean="0"/>
-              <a:t> 기능을 하고</a:t>
-            </a:r>
-            <a:r>
-              <a:rPr lang="en-US" altLang="ko-KR" baseline="0" dirty="0" smtClean="0"/>
-              <a:t>, </a:t>
-            </a:r>
-            <a:r>
-              <a:rPr lang="ko-KR" altLang="en-US" baseline="0" dirty="0" smtClean="0"/>
-              <a:t>버튼 위 부분에서 드래그를 하면 </a:t>
-            </a:r>
-            <a:r>
-              <a:rPr lang="en-US" altLang="ko-KR" baseline="0" dirty="0" smtClean="0"/>
-              <a:t>PC</a:t>
-            </a:r>
-            <a:r>
-              <a:rPr lang="ko-KR" altLang="en-US" baseline="0" dirty="0" smtClean="0"/>
-              <a:t>의 마우스 커서가 움직입니다</a:t>
-            </a:r>
-            <a:r>
-              <a:rPr lang="en-US" altLang="ko-KR" baseline="0" dirty="0" smtClean="0"/>
-              <a:t>. </a:t>
-            </a:r>
+            <a:endParaRPr lang="ko-KR" altLang="en-US" sz="1200" kern="1200" dirty="0" smtClean="0">
+              <a:solidFill>
+                <a:schemeClr val="tx1"/>
+              </a:solidFill>
+              <a:latin typeface="Arial" charset="0"/>
+              <a:ea typeface="+mn-ea"/>
+              <a:cs typeface="+mn-cs"/>
+            </a:endParaRPr>
+          </a:p>
+          <a:p>
+            <a:pPr marL="0" marR="0" indent="0" algn="l" defTabSz="914400" rtl="0" eaLnBrk="1" fontAlgn="base" latinLnBrk="0" hangingPunct="1">
+              <a:lnSpc>
+                <a:spcPct val="100000"/>
+              </a:lnSpc>
+              <a:spcBef>
+                <a:spcPct val="30000"/>
+              </a:spcBef>
+              <a:spcAft>
+                <a:spcPct val="0"/>
+              </a:spcAft>
+              <a:buClrTx/>
+              <a:buSzTx/>
+              <a:buFontTx/>
+              <a:buNone/>
+              <a:tabLst/>
+              <a:defRPr/>
+            </a:pPr>
             <a:endParaRPr lang="ko-KR" altLang="en-US" dirty="0"/>
           </a:p>
         </p:txBody>
@@ -2755,279 +2956,100 @@
               <a:defRPr/>
             </a:pPr>
             <a:r>
-              <a:rPr lang="en-US" altLang="ko-KR" sz="1200" kern="1200" dirty="0" err="1" smtClean="0">
-                <a:solidFill>
-                  <a:schemeClr val="tx1"/>
-                </a:solidFill>
-                <a:latin typeface="Arial" charset="0"/>
-                <a:ea typeface="+mn-ea"/>
-                <a:cs typeface="+mn-cs"/>
-              </a:rPr>
+              <a:rPr lang="en-US" altLang="ko-KR" dirty="0" err="1" smtClean="0"/>
               <a:t>LTouchPad</a:t>
             </a:r>
             <a:r>
-              <a:rPr lang="en-US" altLang="ko-KR" sz="1200" kern="1200" dirty="0" smtClean="0">
-                <a:solidFill>
-                  <a:schemeClr val="tx1"/>
-                </a:solidFill>
-                <a:latin typeface="Arial" charset="0"/>
-                <a:ea typeface="+mn-ea"/>
-                <a:cs typeface="+mn-cs"/>
-              </a:rPr>
+              <a:rPr lang="ko-KR" altLang="en-US" dirty="0" smtClean="0"/>
+              <a:t>의 화면입니다</a:t>
+            </a:r>
+            <a:r>
+              <a:rPr lang="en-US" altLang="ko-KR" dirty="0" smtClean="0"/>
+              <a:t>. </a:t>
+            </a:r>
+            <a:r>
+              <a:rPr lang="ko-KR" altLang="en-US" dirty="0" smtClean="0"/>
+              <a:t>어플리케이션을 </a:t>
+            </a:r>
+            <a:r>
+              <a:rPr lang="en-US" altLang="ko-KR" baseline="0" dirty="0" smtClean="0"/>
+              <a:t>USB/IP</a:t>
+            </a:r>
+            <a:r>
+              <a:rPr lang="ko-KR" altLang="en-US" baseline="0" dirty="0" smtClean="0"/>
+              <a:t>로 연결하면 </a:t>
+            </a:r>
+            <a:r>
+              <a:rPr lang="en-US" altLang="ko-KR" baseline="0" dirty="0" smtClean="0"/>
+              <a:t>PC</a:t>
+            </a:r>
+            <a:r>
+              <a:rPr lang="ko-KR" altLang="en-US" baseline="0" dirty="0" smtClean="0"/>
+              <a:t>에서 마우스 장치로 인식하고</a:t>
+            </a:r>
+            <a:r>
+              <a:rPr lang="en-US" altLang="ko-KR" baseline="0" dirty="0" smtClean="0"/>
+              <a:t>,</a:t>
+            </a:r>
+            <a:r>
+              <a:rPr lang="ko-KR" altLang="en-US" baseline="0" dirty="0" smtClean="0"/>
+              <a:t> 어플리케이션을 통한 조작으로 터치패드로 사용할 수 있습니다</a:t>
+            </a:r>
+            <a:r>
+              <a:rPr lang="en-US" altLang="ko-KR" baseline="0" dirty="0" smtClean="0"/>
+              <a:t>.</a:t>
+            </a:r>
+            <a:r>
+              <a:rPr lang="ko-KR" altLang="en-US" baseline="0" dirty="0" smtClean="0"/>
               <a:t> </a:t>
             </a:r>
             <a:r>
-              <a:rPr lang="ko-KR" altLang="en-US" sz="1200" kern="1200" dirty="0" smtClean="0">
-                <a:solidFill>
-                  <a:schemeClr val="tx1"/>
-                </a:solidFill>
-                <a:latin typeface="Arial" charset="0"/>
-                <a:ea typeface="+mn-ea"/>
-                <a:cs typeface="+mn-cs"/>
-              </a:rPr>
-              <a:t>어플리케이션의 구조입니다</a:t>
-            </a:r>
-            <a:r>
-              <a:rPr lang="en-US" altLang="ko-KR" sz="1200" kern="1200" dirty="0" smtClean="0">
-                <a:solidFill>
-                  <a:schemeClr val="tx1"/>
-                </a:solidFill>
-                <a:latin typeface="Arial" charset="0"/>
-                <a:ea typeface="+mn-ea"/>
-                <a:cs typeface="+mn-cs"/>
-              </a:rPr>
+              <a:rPr lang="ko-KR" altLang="en-US" dirty="0" smtClean="0"/>
+              <a:t>어플리케이션의 </a:t>
+            </a:r>
+            <a:r>
+              <a:rPr lang="en-US" altLang="ko-KR" dirty="0" smtClean="0"/>
+              <a:t>Left, Right</a:t>
+            </a:r>
+            <a:r>
+              <a:rPr lang="en-US" altLang="ko-KR" baseline="0" dirty="0" smtClean="0"/>
+              <a:t> </a:t>
+            </a:r>
+            <a:r>
+              <a:rPr lang="ko-KR" altLang="en-US" dirty="0" smtClean="0"/>
+              <a:t>버튼이 </a:t>
+            </a:r>
+            <a:r>
+              <a:rPr lang="en-US" altLang="ko-KR" dirty="0" smtClean="0"/>
+              <a:t>PC</a:t>
+            </a:r>
+            <a:r>
+              <a:rPr lang="ko-KR" altLang="en-US" dirty="0" smtClean="0"/>
+              <a:t>의 마우스 버튼</a:t>
+            </a:r>
+            <a:r>
+              <a:rPr lang="ko-KR" altLang="en-US" baseline="0" dirty="0" smtClean="0"/>
+              <a:t> 기능을 하고</a:t>
+            </a:r>
+            <a:r>
+              <a:rPr lang="en-US" altLang="ko-KR" baseline="0" dirty="0" smtClean="0"/>
+              <a:t>, </a:t>
+            </a:r>
+            <a:r>
+              <a:rPr lang="ko-KR" altLang="en-US" baseline="0" dirty="0" smtClean="0"/>
+              <a:t>버튼 위 부분에서 드래그를 하면 </a:t>
+            </a:r>
+            <a:r>
+              <a:rPr lang="en-US" altLang="ko-KR" baseline="0" dirty="0" smtClean="0"/>
+              <a:t>PC</a:t>
+            </a:r>
+            <a:r>
+              <a:rPr lang="ko-KR" altLang="en-US" baseline="0" dirty="0" smtClean="0"/>
+              <a:t>의 마우스 커서가 움직입니다</a:t>
+            </a:r>
+            <a:r>
+              <a:rPr lang="en-US" altLang="ko-KR" baseline="0" dirty="0" smtClean="0"/>
               <a:t>. </a:t>
-            </a:r>
-            <a:r>
-              <a:rPr lang="ko-KR" altLang="en-US" sz="1200" kern="1200" dirty="0" err="1" smtClean="0">
-                <a:solidFill>
-                  <a:schemeClr val="tx1"/>
-                </a:solidFill>
-                <a:latin typeface="Arial" charset="0"/>
-                <a:ea typeface="+mn-ea"/>
-                <a:cs typeface="+mn-cs"/>
-              </a:rPr>
-              <a:t>스마트폰에서</a:t>
-            </a:r>
-            <a:r>
-              <a:rPr lang="ko-KR" altLang="en-US" sz="1200" kern="1200" dirty="0" smtClean="0">
-                <a:solidFill>
-                  <a:schemeClr val="tx1"/>
-                </a:solidFill>
-                <a:latin typeface="Arial" charset="0"/>
-                <a:ea typeface="+mn-ea"/>
-                <a:cs typeface="+mn-cs"/>
-              </a:rPr>
-              <a:t> </a:t>
-            </a:r>
-            <a:r>
-              <a:rPr lang="en-US" altLang="ko-KR" sz="1200" kern="1200" dirty="0" err="1" smtClean="0">
-                <a:solidFill>
-                  <a:schemeClr val="tx1"/>
-                </a:solidFill>
-                <a:latin typeface="Arial" charset="0"/>
-                <a:ea typeface="+mn-ea"/>
-                <a:cs typeface="+mn-cs"/>
-              </a:rPr>
-              <a:t>LTouchPad</a:t>
-            </a:r>
-            <a:r>
-              <a:rPr lang="ko-KR" altLang="en-US" sz="1200" kern="1200" dirty="0" smtClean="0">
-                <a:solidFill>
-                  <a:schemeClr val="tx1"/>
-                </a:solidFill>
-                <a:latin typeface="Arial" charset="0"/>
-                <a:ea typeface="+mn-ea"/>
-                <a:cs typeface="+mn-cs"/>
-              </a:rPr>
-              <a:t>를 실행하면 </a:t>
-            </a:r>
-            <a:r>
-              <a:rPr lang="en-US" altLang="ko-KR" sz="1200" kern="1200" dirty="0" smtClean="0">
-                <a:solidFill>
-                  <a:schemeClr val="tx1"/>
-                </a:solidFill>
-                <a:latin typeface="Arial" charset="0"/>
-                <a:ea typeface="+mn-ea"/>
-                <a:cs typeface="+mn-cs"/>
-              </a:rPr>
-              <a:t>USB/IP</a:t>
-            </a:r>
-            <a:r>
-              <a:rPr lang="ko-KR" altLang="en-US" sz="1200" kern="1200" dirty="0" smtClean="0">
-                <a:solidFill>
-                  <a:schemeClr val="tx1"/>
-                </a:solidFill>
-                <a:latin typeface="Arial" charset="0"/>
-                <a:ea typeface="+mn-ea"/>
-                <a:cs typeface="+mn-cs"/>
-              </a:rPr>
-              <a:t>를 통해 </a:t>
-            </a:r>
-            <a:r>
-              <a:rPr lang="en-US" altLang="ko-KR" sz="1200" kern="1200" dirty="0" smtClean="0">
-                <a:solidFill>
-                  <a:schemeClr val="tx1"/>
-                </a:solidFill>
-                <a:latin typeface="Arial" charset="0"/>
-                <a:ea typeface="+mn-ea"/>
-                <a:cs typeface="+mn-cs"/>
-              </a:rPr>
-              <a:t>PC</a:t>
-            </a:r>
-            <a:r>
-              <a:rPr lang="ko-KR" altLang="en-US" sz="1200" kern="1200" dirty="0" smtClean="0">
-                <a:solidFill>
-                  <a:schemeClr val="tx1"/>
-                </a:solidFill>
-                <a:latin typeface="Arial" charset="0"/>
-                <a:ea typeface="+mn-ea"/>
-                <a:cs typeface="+mn-cs"/>
-              </a:rPr>
-              <a:t>에게 자신의 장치 정보를 보냅니다</a:t>
-            </a:r>
-            <a:r>
-              <a:rPr lang="en-US" altLang="ko-KR" sz="1200" kern="1200" dirty="0" smtClean="0">
-                <a:solidFill>
-                  <a:schemeClr val="tx1"/>
-                </a:solidFill>
-                <a:latin typeface="Arial" charset="0"/>
-                <a:ea typeface="+mn-ea"/>
-                <a:cs typeface="+mn-cs"/>
-              </a:rPr>
-              <a:t>. PC</a:t>
-            </a:r>
-            <a:r>
-              <a:rPr lang="ko-KR" altLang="en-US" sz="1200" kern="1200" dirty="0" smtClean="0">
-                <a:solidFill>
-                  <a:schemeClr val="tx1"/>
-                </a:solidFill>
-                <a:latin typeface="Arial" charset="0"/>
-                <a:ea typeface="+mn-ea"/>
-                <a:cs typeface="+mn-cs"/>
-              </a:rPr>
-              <a:t>에선 마우스 장치가 연결된 것처럼 보이고</a:t>
-            </a:r>
-            <a:r>
-              <a:rPr lang="en-US" altLang="ko-KR" sz="1200" kern="1200" dirty="0" smtClean="0">
-                <a:solidFill>
-                  <a:schemeClr val="tx1"/>
-                </a:solidFill>
-                <a:latin typeface="Arial" charset="0"/>
-                <a:ea typeface="+mn-ea"/>
-                <a:cs typeface="+mn-cs"/>
-              </a:rPr>
-              <a:t>, </a:t>
-            </a:r>
-            <a:r>
-              <a:rPr lang="ko-KR" altLang="en-US" sz="1200" kern="1200" dirty="0" smtClean="0">
-                <a:solidFill>
-                  <a:schemeClr val="tx1"/>
-                </a:solidFill>
-                <a:latin typeface="Arial" charset="0"/>
-                <a:ea typeface="+mn-ea"/>
-                <a:cs typeface="+mn-cs"/>
-              </a:rPr>
-              <a:t>연결된 후 </a:t>
-            </a:r>
-            <a:r>
-              <a:rPr lang="en-US" altLang="ko-KR" sz="1200" kern="1200" dirty="0" err="1" smtClean="0">
-                <a:solidFill>
-                  <a:schemeClr val="tx1"/>
-                </a:solidFill>
-                <a:latin typeface="Arial" charset="0"/>
-                <a:ea typeface="+mn-ea"/>
-                <a:cs typeface="+mn-cs"/>
-              </a:rPr>
-              <a:t>LTouchPad</a:t>
-            </a:r>
-            <a:r>
-              <a:rPr lang="ko-KR" altLang="en-US" sz="1200" kern="1200" dirty="0" smtClean="0">
-                <a:solidFill>
-                  <a:schemeClr val="tx1"/>
-                </a:solidFill>
-                <a:latin typeface="Arial" charset="0"/>
-                <a:ea typeface="+mn-ea"/>
-                <a:cs typeface="+mn-cs"/>
-              </a:rPr>
-              <a:t>로 입력한 클릭</a:t>
-            </a:r>
-            <a:r>
-              <a:rPr lang="en-US" altLang="ko-KR" sz="1200" kern="1200" dirty="0" smtClean="0">
-                <a:solidFill>
-                  <a:schemeClr val="tx1"/>
-                </a:solidFill>
-                <a:latin typeface="Arial" charset="0"/>
-                <a:ea typeface="+mn-ea"/>
-                <a:cs typeface="+mn-cs"/>
-              </a:rPr>
-              <a:t>, </a:t>
-            </a:r>
-            <a:r>
-              <a:rPr lang="ko-KR" altLang="en-US" sz="1200" kern="1200" dirty="0" smtClean="0">
-                <a:solidFill>
-                  <a:schemeClr val="tx1"/>
-                </a:solidFill>
-                <a:latin typeface="Arial" charset="0"/>
-                <a:ea typeface="+mn-ea"/>
-                <a:cs typeface="+mn-cs"/>
-              </a:rPr>
-              <a:t>더블 클릭</a:t>
-            </a:r>
-            <a:r>
-              <a:rPr lang="en-US" altLang="ko-KR" sz="1200" kern="1200" dirty="0" smtClean="0">
-                <a:solidFill>
-                  <a:schemeClr val="tx1"/>
-                </a:solidFill>
-                <a:latin typeface="Arial" charset="0"/>
-                <a:ea typeface="+mn-ea"/>
-                <a:cs typeface="+mn-cs"/>
-              </a:rPr>
-              <a:t>, </a:t>
-            </a:r>
-            <a:r>
-              <a:rPr lang="ko-KR" altLang="en-US" sz="1200" kern="1200" dirty="0" smtClean="0">
-                <a:solidFill>
-                  <a:schemeClr val="tx1"/>
-                </a:solidFill>
-                <a:latin typeface="Arial" charset="0"/>
-                <a:ea typeface="+mn-ea"/>
-                <a:cs typeface="+mn-cs"/>
-              </a:rPr>
-              <a:t>이동 등의 정보를 전송하여 </a:t>
-            </a:r>
-            <a:r>
-              <a:rPr lang="en-US" altLang="ko-KR" sz="1200" kern="1200" dirty="0" smtClean="0">
-                <a:solidFill>
-                  <a:schemeClr val="tx1"/>
-                </a:solidFill>
-                <a:latin typeface="Arial" charset="0"/>
-                <a:ea typeface="+mn-ea"/>
-                <a:cs typeface="+mn-cs"/>
-              </a:rPr>
-              <a:t>PC</a:t>
-            </a:r>
-            <a:r>
-              <a:rPr lang="ko-KR" altLang="en-US" sz="1200" kern="1200" dirty="0" smtClean="0">
-                <a:solidFill>
-                  <a:schemeClr val="tx1"/>
-                </a:solidFill>
-                <a:latin typeface="Arial" charset="0"/>
-                <a:ea typeface="+mn-ea"/>
-                <a:cs typeface="+mn-cs"/>
-              </a:rPr>
-              <a:t>에서 터치패드로 사용 할 수 있습니다</a:t>
-            </a:r>
-            <a:r>
-              <a:rPr lang="en-US" altLang="ko-KR" sz="1200" kern="1200" dirty="0" smtClean="0">
-                <a:solidFill>
-                  <a:schemeClr val="tx1"/>
-                </a:solidFill>
-                <a:latin typeface="Arial" charset="0"/>
-                <a:ea typeface="+mn-ea"/>
-                <a:cs typeface="+mn-cs"/>
-              </a:rPr>
-              <a:t>.</a:t>
             </a:r>
             <a:endParaRPr lang="ko-KR" altLang="en-US" dirty="0"/>
           </a:p>
@@ -3052,6 +3074,380 @@
               <a:rPr lang="en-US" altLang="ko-KR" smtClean="0"/>
               <a:pPr/>
               <a:t>14</a:t>
+            </a:fld>
+            <a:endParaRPr lang="en-US" altLang="ko-KR"/>
+          </a:p>
+        </p:txBody>
+      </p:sp>
+    </p:spTree>
+  </p:cSld>
+  <p:clrMapOvr>
+    <a:masterClrMapping/>
+  </p:clrMapOvr>
+</p:notes>
+</file>
+
+<file path=ppt/notesSlides/notesSlide15.xml><?xml version="1.0" encoding="utf-8"?>
+<p:notes xmlns:a="http://schemas.openxmlformats.org/drawingml/2006/main" xmlns:r="http://schemas.openxmlformats.org/officeDocument/2006/relationships" xmlns:p="http://schemas.openxmlformats.org/presentationml/2006/main">
+  <p:cSld>
+    <p:spTree>
+      <p:nvGrpSpPr>
+        <p:cNvPr id="1" name=""/>
+        <p:cNvGrpSpPr/>
+        <p:nvPr/>
+      </p:nvGrpSpPr>
+      <p:grpSpPr>
+        <a:xfrm>
+          <a:off x="0" y="0"/>
+          <a:ext cx="0" cy="0"/>
+          <a:chOff x="0" y="0"/>
+          <a:chExt cx="0" cy="0"/>
+        </a:xfrm>
+      </p:grpSpPr>
+      <p:sp>
+        <p:nvSpPr>
+          <p:cNvPr id="2" name="슬라이드 이미지 개체 틀 1"/>
+          <p:cNvSpPr>
+            <a:spLocks noGrp="1" noRot="1" noChangeAspect="1"/>
+          </p:cNvSpPr>
+          <p:nvPr>
+            <p:ph type="sldImg"/>
+          </p:nvPr>
+        </p:nvSpPr>
+        <p:spPr/>
+      </p:sp>
+      <p:sp>
+        <p:nvSpPr>
+          <p:cNvPr id="3" name="슬라이드 노트 개체 틀 2"/>
+          <p:cNvSpPr>
+            <a:spLocks noGrp="1"/>
+          </p:cNvSpPr>
+          <p:nvPr>
+            <p:ph type="body" idx="1"/>
+          </p:nvPr>
+        </p:nvSpPr>
+        <p:spPr/>
+        <p:txBody>
+          <a:bodyPr>
+            <a:normAutofit/>
+          </a:bodyPr>
+          <a:lstStyle/>
+          <a:p>
+            <a:pPr marL="0" marR="0" indent="0" algn="just" defTabSz="914400" rtl="0" eaLnBrk="1" fontAlgn="base" latinLnBrk="0" hangingPunct="1">
+              <a:lnSpc>
+                <a:spcPct val="100000"/>
+              </a:lnSpc>
+              <a:spcBef>
+                <a:spcPct val="30000"/>
+              </a:spcBef>
+              <a:spcAft>
+                <a:spcPct val="0"/>
+              </a:spcAft>
+              <a:buClrTx/>
+              <a:buSzTx/>
+              <a:buFontTx/>
+              <a:buNone/>
+              <a:tabLst/>
+              <a:defRPr/>
+            </a:pPr>
+            <a:r>
+              <a:rPr lang="en-US" altLang="ko-KR" sz="1200" kern="1200" dirty="0" err="1" smtClean="0">
+                <a:solidFill>
+                  <a:schemeClr val="tx1"/>
+                </a:solidFill>
+                <a:latin typeface="Arial" charset="0"/>
+                <a:ea typeface="+mn-ea"/>
+                <a:cs typeface="+mn-cs"/>
+              </a:rPr>
+              <a:t>LTouchPad</a:t>
+            </a:r>
+            <a:r>
+              <a:rPr lang="en-US" altLang="ko-KR" sz="1200" kern="1200" dirty="0" smtClean="0">
+                <a:solidFill>
+                  <a:schemeClr val="tx1"/>
+                </a:solidFill>
+                <a:latin typeface="Arial" charset="0"/>
+                <a:ea typeface="+mn-ea"/>
+                <a:cs typeface="+mn-cs"/>
+              </a:rPr>
+              <a:t> </a:t>
+            </a:r>
+            <a:r>
+              <a:rPr lang="ko-KR" altLang="en-US" sz="1200" kern="1200" dirty="0" smtClean="0">
+                <a:solidFill>
+                  <a:schemeClr val="tx1"/>
+                </a:solidFill>
+                <a:latin typeface="Arial" charset="0"/>
+                <a:ea typeface="+mn-ea"/>
+                <a:cs typeface="+mn-cs"/>
+              </a:rPr>
+              <a:t>어플리케이션의 구조입니다</a:t>
+            </a:r>
+            <a:r>
+              <a:rPr lang="en-US" altLang="ko-KR" sz="1200" kern="1200" dirty="0" smtClean="0">
+                <a:solidFill>
+                  <a:schemeClr val="tx1"/>
+                </a:solidFill>
+                <a:latin typeface="Arial" charset="0"/>
+                <a:ea typeface="+mn-ea"/>
+                <a:cs typeface="+mn-cs"/>
+              </a:rPr>
+              <a:t>. </a:t>
+            </a:r>
+            <a:r>
+              <a:rPr lang="ko-KR" altLang="en-US" sz="1200" kern="1200" dirty="0" err="1" smtClean="0">
+                <a:solidFill>
+                  <a:schemeClr val="tx1"/>
+                </a:solidFill>
+                <a:latin typeface="Arial" charset="0"/>
+                <a:ea typeface="+mn-ea"/>
+                <a:cs typeface="+mn-cs"/>
+              </a:rPr>
+              <a:t>스마트폰에서</a:t>
+            </a:r>
+            <a:r>
+              <a:rPr lang="ko-KR" altLang="en-US" sz="1200" kern="1200" dirty="0" smtClean="0">
+                <a:solidFill>
+                  <a:schemeClr val="tx1"/>
+                </a:solidFill>
+                <a:latin typeface="Arial" charset="0"/>
+                <a:ea typeface="+mn-ea"/>
+                <a:cs typeface="+mn-cs"/>
+              </a:rPr>
+              <a:t> </a:t>
+            </a:r>
+            <a:r>
+              <a:rPr lang="en-US" altLang="ko-KR" sz="1200" kern="1200" dirty="0" err="1" smtClean="0">
+                <a:solidFill>
+                  <a:schemeClr val="tx1"/>
+                </a:solidFill>
+                <a:latin typeface="Arial" charset="0"/>
+                <a:ea typeface="+mn-ea"/>
+                <a:cs typeface="+mn-cs"/>
+              </a:rPr>
+              <a:t>LTouchPad</a:t>
+            </a:r>
+            <a:r>
+              <a:rPr lang="ko-KR" altLang="en-US" sz="1200" kern="1200" dirty="0" smtClean="0">
+                <a:solidFill>
+                  <a:schemeClr val="tx1"/>
+                </a:solidFill>
+                <a:latin typeface="Arial" charset="0"/>
+                <a:ea typeface="+mn-ea"/>
+                <a:cs typeface="+mn-cs"/>
+              </a:rPr>
+              <a:t>를 실행하면 </a:t>
+            </a:r>
+            <a:r>
+              <a:rPr lang="en-US" altLang="ko-KR" sz="1200" kern="1200" dirty="0" smtClean="0">
+                <a:solidFill>
+                  <a:schemeClr val="tx1"/>
+                </a:solidFill>
+                <a:latin typeface="Arial" charset="0"/>
+                <a:ea typeface="+mn-ea"/>
+                <a:cs typeface="+mn-cs"/>
+              </a:rPr>
+              <a:t>USB/IP</a:t>
+            </a:r>
+            <a:r>
+              <a:rPr lang="ko-KR" altLang="en-US" sz="1200" kern="1200" dirty="0" smtClean="0">
+                <a:solidFill>
+                  <a:schemeClr val="tx1"/>
+                </a:solidFill>
+                <a:latin typeface="Arial" charset="0"/>
+                <a:ea typeface="+mn-ea"/>
+                <a:cs typeface="+mn-cs"/>
+              </a:rPr>
+              <a:t>를 통해 </a:t>
+            </a:r>
+            <a:r>
+              <a:rPr lang="en-US" altLang="ko-KR" sz="1200" kern="1200" dirty="0" smtClean="0">
+                <a:solidFill>
+                  <a:schemeClr val="tx1"/>
+                </a:solidFill>
+                <a:latin typeface="Arial" charset="0"/>
+                <a:ea typeface="+mn-ea"/>
+                <a:cs typeface="+mn-cs"/>
+              </a:rPr>
+              <a:t>PC</a:t>
+            </a:r>
+            <a:r>
+              <a:rPr lang="ko-KR" altLang="en-US" sz="1200" kern="1200" dirty="0" smtClean="0">
+                <a:solidFill>
+                  <a:schemeClr val="tx1"/>
+                </a:solidFill>
+                <a:latin typeface="Arial" charset="0"/>
+                <a:ea typeface="+mn-ea"/>
+                <a:cs typeface="+mn-cs"/>
+              </a:rPr>
+              <a:t>에게 자신의 장치 정보를 보냅니다</a:t>
+            </a:r>
+            <a:r>
+              <a:rPr lang="en-US" altLang="ko-KR" sz="1200" kern="1200" dirty="0" smtClean="0">
+                <a:solidFill>
+                  <a:schemeClr val="tx1"/>
+                </a:solidFill>
+                <a:latin typeface="Arial" charset="0"/>
+                <a:ea typeface="+mn-ea"/>
+                <a:cs typeface="+mn-cs"/>
+              </a:rPr>
+              <a:t>. PC</a:t>
+            </a:r>
+            <a:r>
+              <a:rPr lang="ko-KR" altLang="en-US" sz="1200" kern="1200" dirty="0" smtClean="0">
+                <a:solidFill>
+                  <a:schemeClr val="tx1"/>
+                </a:solidFill>
+                <a:latin typeface="Arial" charset="0"/>
+                <a:ea typeface="+mn-ea"/>
+                <a:cs typeface="+mn-cs"/>
+              </a:rPr>
+              <a:t>에선 마우스 장치가 연결된 것처럼 보이고</a:t>
+            </a:r>
+            <a:r>
+              <a:rPr lang="en-US" altLang="ko-KR" sz="1200" kern="1200" dirty="0" smtClean="0">
+                <a:solidFill>
+                  <a:schemeClr val="tx1"/>
+                </a:solidFill>
+                <a:latin typeface="Arial" charset="0"/>
+                <a:ea typeface="+mn-ea"/>
+                <a:cs typeface="+mn-cs"/>
+              </a:rPr>
+              <a:t>, </a:t>
+            </a:r>
+            <a:r>
+              <a:rPr lang="ko-KR" altLang="en-US" sz="1200" kern="1200" dirty="0" smtClean="0">
+                <a:solidFill>
+                  <a:schemeClr val="tx1"/>
+                </a:solidFill>
+                <a:latin typeface="Arial" charset="0"/>
+                <a:ea typeface="+mn-ea"/>
+                <a:cs typeface="+mn-cs"/>
+              </a:rPr>
+              <a:t>연결된 후 </a:t>
+            </a:r>
+            <a:r>
+              <a:rPr lang="en-US" altLang="ko-KR" sz="1200" kern="1200" dirty="0" err="1" smtClean="0">
+                <a:solidFill>
+                  <a:schemeClr val="tx1"/>
+                </a:solidFill>
+                <a:latin typeface="Arial" charset="0"/>
+                <a:ea typeface="+mn-ea"/>
+                <a:cs typeface="+mn-cs"/>
+              </a:rPr>
+              <a:t>LTouchPad</a:t>
+            </a:r>
+            <a:r>
+              <a:rPr lang="ko-KR" altLang="en-US" sz="1200" kern="1200" dirty="0" smtClean="0">
+                <a:solidFill>
+                  <a:schemeClr val="tx1"/>
+                </a:solidFill>
+                <a:latin typeface="Arial" charset="0"/>
+                <a:ea typeface="+mn-ea"/>
+                <a:cs typeface="+mn-cs"/>
+              </a:rPr>
+              <a:t>로 입력한 클릭</a:t>
+            </a:r>
+            <a:r>
+              <a:rPr lang="en-US" altLang="ko-KR" sz="1200" kern="1200" dirty="0" smtClean="0">
+                <a:solidFill>
+                  <a:schemeClr val="tx1"/>
+                </a:solidFill>
+                <a:latin typeface="Arial" charset="0"/>
+                <a:ea typeface="+mn-ea"/>
+                <a:cs typeface="+mn-cs"/>
+              </a:rPr>
+              <a:t>, </a:t>
+            </a:r>
+            <a:r>
+              <a:rPr lang="ko-KR" altLang="en-US" sz="1200" kern="1200" dirty="0" smtClean="0">
+                <a:solidFill>
+                  <a:schemeClr val="tx1"/>
+                </a:solidFill>
+                <a:latin typeface="Arial" charset="0"/>
+                <a:ea typeface="+mn-ea"/>
+                <a:cs typeface="+mn-cs"/>
+              </a:rPr>
+              <a:t>더블 클릭</a:t>
+            </a:r>
+            <a:r>
+              <a:rPr lang="en-US" altLang="ko-KR" sz="1200" kern="1200" dirty="0" smtClean="0">
+                <a:solidFill>
+                  <a:schemeClr val="tx1"/>
+                </a:solidFill>
+                <a:latin typeface="Arial" charset="0"/>
+                <a:ea typeface="+mn-ea"/>
+                <a:cs typeface="+mn-cs"/>
+              </a:rPr>
+              <a:t>, </a:t>
+            </a:r>
+            <a:r>
+              <a:rPr lang="ko-KR" altLang="en-US" sz="1200" kern="1200" dirty="0" smtClean="0">
+                <a:solidFill>
+                  <a:schemeClr val="tx1"/>
+                </a:solidFill>
+                <a:latin typeface="Arial" charset="0"/>
+                <a:ea typeface="+mn-ea"/>
+                <a:cs typeface="+mn-cs"/>
+              </a:rPr>
+              <a:t>이동 등의 정보를 전송하여 </a:t>
+            </a:r>
+            <a:r>
+              <a:rPr lang="en-US" altLang="ko-KR" sz="1200" kern="1200" dirty="0" smtClean="0">
+                <a:solidFill>
+                  <a:schemeClr val="tx1"/>
+                </a:solidFill>
+                <a:latin typeface="Arial" charset="0"/>
+                <a:ea typeface="+mn-ea"/>
+                <a:cs typeface="+mn-cs"/>
+              </a:rPr>
+              <a:t>PC</a:t>
+            </a:r>
+            <a:r>
+              <a:rPr lang="ko-KR" altLang="en-US" sz="1200" kern="1200" dirty="0" smtClean="0">
+                <a:solidFill>
+                  <a:schemeClr val="tx1"/>
+                </a:solidFill>
+                <a:latin typeface="Arial" charset="0"/>
+                <a:ea typeface="+mn-ea"/>
+                <a:cs typeface="+mn-cs"/>
+              </a:rPr>
+              <a:t>에서 터치패드로 사용 할 수 있습니다</a:t>
+            </a:r>
+            <a:r>
+              <a:rPr lang="en-US" altLang="ko-KR" sz="1200" kern="1200" dirty="0" smtClean="0">
+                <a:solidFill>
+                  <a:schemeClr val="tx1"/>
+                </a:solidFill>
+                <a:latin typeface="Arial" charset="0"/>
+                <a:ea typeface="+mn-ea"/>
+                <a:cs typeface="+mn-cs"/>
+              </a:rPr>
+              <a:t>.</a:t>
+            </a:r>
+            <a:endParaRPr lang="ko-KR" altLang="en-US" dirty="0"/>
+          </a:p>
+        </p:txBody>
+      </p:sp>
+      <p:sp>
+        <p:nvSpPr>
+          <p:cNvPr id="4" name="슬라이드 번호 개체 틀 3"/>
+          <p:cNvSpPr>
+            <a:spLocks noGrp="1"/>
+          </p:cNvSpPr>
+          <p:nvPr>
+            <p:ph type="sldNum" sz="quarter" idx="10"/>
+          </p:nvPr>
+        </p:nvSpPr>
+        <p:spPr/>
+        <p:txBody>
+          <a:bodyPr/>
+          <a:lstStyle/>
+          <a:p>
+            <a:fld id="{A606312C-0A6A-4281-8CFC-2032C6C14C8F}" type="slidenum">
+              <a:rPr lang="en-US" altLang="ko-KR" smtClean="0"/>
+              <a:pPr/>
+              <a:t>15</a:t>
             </a:fld>
             <a:endParaRPr lang="en-US" altLang="ko-KR"/>
           </a:p>
@@ -3461,7 +3857,7 @@
     </p:spTree>
     <p:extLst>
       <p:ext uri="{BB962C8B-B14F-4D97-AF65-F5344CB8AC3E}">
-        <p14:creationId xmlns:p14="http://schemas.microsoft.com/office/powerpoint/2010/main" xmlns="" val="483073219"/>
+        <p14:creationId xmlns="" xmlns:p14="http://schemas.microsoft.com/office/powerpoint/2010/main" val="483073219"/>
       </p:ext>
     </p:extLst>
   </p:cSld>
@@ -3848,43 +4244,16 @@
               <a:t>, </a:t>
             </a:r>
             <a:r>
-              <a:rPr lang="ko-KR" altLang="en-US" sz="1200" kern="1200" dirty="0" err="1" smtClean="0">
-                <a:solidFill>
-                  <a:schemeClr val="tx1"/>
-                </a:solidFill>
-                <a:latin typeface="Arial" charset="0"/>
-                <a:ea typeface="+mn-ea"/>
-                <a:cs typeface="+mn-cs"/>
-              </a:rPr>
-              <a:t>빠</a:t>
-            </a:r>
-            <a:endParaRPr lang="en-US" altLang="ko-KR" sz="1200" kern="1200" dirty="0" smtClean="0">
-              <a:solidFill>
-                <a:schemeClr val="tx1"/>
-              </a:solidFill>
-              <a:latin typeface="Arial" charset="0"/>
-              <a:ea typeface="+mn-ea"/>
-              <a:cs typeface="+mn-cs"/>
-            </a:endParaRPr>
-          </a:p>
-          <a:p>
-            <a:pPr marL="0" marR="0" indent="0" algn="l" defTabSz="914400" rtl="0" eaLnBrk="1" fontAlgn="base" latinLnBrk="0" hangingPunct="1">
-              <a:lnSpc>
-                <a:spcPct val="100000"/>
-              </a:lnSpc>
-              <a:spcBef>
-                <a:spcPct val="30000"/>
-              </a:spcBef>
-              <a:spcAft>
-                <a:spcPct val="0"/>
-              </a:spcAft>
-              <a:buClrTx/>
-              <a:buSzTx/>
-              <a:buFontTx/>
-              <a:buNone/>
-              <a:tabLst/>
-              <a:defRPr/>
-            </a:pPr>
+              <a:rPr lang="ko-KR" altLang="en-US" sz="1200" kern="1200" dirty="0" smtClean="0">
+                <a:solidFill>
+                  <a:schemeClr val="tx1"/>
+                </a:solidFill>
+                <a:latin typeface="Arial" charset="0"/>
+                <a:ea typeface="+mn-ea"/>
+                <a:cs typeface="+mn-cs"/>
+              </a:rPr>
+              <a:t>빠른 속도</a:t>
+            </a:r>
             <a:r>
               <a:rPr lang="en-US" altLang="ko-KR" sz="1200" kern="1200" dirty="0" smtClean="0">
                 <a:solidFill>
@@ -3894,7 +4263,7 @@
                 <a:ea typeface="+mn-ea"/>
                 <a:cs typeface="+mn-cs"/>
               </a:rPr>
-              <a:t>USB</a:t>
+              <a:t>, </a:t>
             </a:r>
             <a:r>
               <a:rPr lang="ko-KR" altLang="en-US" sz="1200" kern="1200" dirty="0" smtClean="0">
@@ -3905,7 +4274,7 @@
                 <a:ea typeface="+mn-ea"/>
                 <a:cs typeface="+mn-cs"/>
               </a:rPr>
-              <a:t>는 많은 사람들이 사용하는 </a:t>
+              <a:t>낮은 전력 소비 등의 장점이 있습니다</a:t>
             </a:r>
             <a:r>
               <a:rPr lang="en-US" altLang="ko-KR" sz="1200" kern="1200" dirty="0" smtClean="0">
@@ -3916,358 +4285,7 @@
                 <a:ea typeface="+mn-ea"/>
                 <a:cs typeface="+mn-cs"/>
               </a:rPr>
-              <a:t>USB</a:t>
-            </a:r>
-            <a:r>
-              <a:rPr lang="ko-KR" altLang="ko-KR" sz="1200" kern="1200" dirty="0" smtClean="0">
-                <a:solidFill>
-                  <a:schemeClr val="tx1"/>
-                </a:solidFill>
-                <a:latin typeface="Arial" charset="0"/>
-                <a:ea typeface="+mn-ea"/>
-                <a:cs typeface="+mn-cs"/>
-              </a:rPr>
-              <a:t>메모리</a:t>
-            </a:r>
-            <a:r>
-              <a:rPr lang="en-US" altLang="ko-KR" sz="1200" kern="1200" dirty="0" smtClean="0">
-                <a:solidFill>
-                  <a:schemeClr val="tx1"/>
-                </a:solidFill>
-                <a:latin typeface="Arial" charset="0"/>
-                <a:ea typeface="+mn-ea"/>
-                <a:cs typeface="+mn-cs"/>
-              </a:rPr>
-              <a:t>, </a:t>
-            </a:r>
-            <a:r>
-              <a:rPr lang="ko-KR" altLang="ko-KR" sz="1200" kern="1200" dirty="0" smtClean="0">
-                <a:solidFill>
-                  <a:schemeClr val="tx1"/>
-                </a:solidFill>
-                <a:latin typeface="Arial" charset="0"/>
-                <a:ea typeface="+mn-ea"/>
-                <a:cs typeface="+mn-cs"/>
-              </a:rPr>
-              <a:t>마우스</a:t>
-            </a:r>
-            <a:r>
-              <a:rPr lang="en-US" altLang="ko-KR" sz="1200" kern="1200" dirty="0" smtClean="0">
-                <a:solidFill>
-                  <a:schemeClr val="tx1"/>
-                </a:solidFill>
-                <a:latin typeface="Arial" charset="0"/>
-                <a:ea typeface="+mn-ea"/>
-                <a:cs typeface="+mn-cs"/>
-              </a:rPr>
-              <a:t>, </a:t>
-            </a:r>
-            <a:r>
-              <a:rPr lang="ko-KR" altLang="ko-KR" sz="1200" kern="1200" dirty="0" smtClean="0">
-                <a:solidFill>
-                  <a:schemeClr val="tx1"/>
-                </a:solidFill>
-                <a:latin typeface="Arial" charset="0"/>
-                <a:ea typeface="+mn-ea"/>
-                <a:cs typeface="+mn-cs"/>
-              </a:rPr>
-              <a:t>키보드</a:t>
-            </a:r>
-            <a:r>
-              <a:rPr lang="en-US" altLang="ko-KR" sz="1200" kern="1200" dirty="0" smtClean="0">
-                <a:solidFill>
-                  <a:schemeClr val="tx1"/>
-                </a:solidFill>
-                <a:latin typeface="Arial" charset="0"/>
-                <a:ea typeface="+mn-ea"/>
-                <a:cs typeface="+mn-cs"/>
-              </a:rPr>
-              <a:t>,</a:t>
-            </a:r>
-            <a:r>
-              <a:rPr lang="ko-KR" altLang="en-US" sz="1200" kern="1200" baseline="0" dirty="0" smtClean="0">
-                <a:solidFill>
-                  <a:schemeClr val="tx1"/>
-                </a:solidFill>
-                <a:latin typeface="Arial" charset="0"/>
-                <a:ea typeface="+mn-ea"/>
-                <a:cs typeface="+mn-cs"/>
-              </a:rPr>
-              <a:t> 프린터뿐만 아니라</a:t>
-            </a:r>
-            <a:r>
-              <a:rPr lang="ko-KR" altLang="ko-KR" sz="1200" kern="1200" dirty="0" smtClean="0">
-                <a:solidFill>
-                  <a:schemeClr val="tx1"/>
-                </a:solidFill>
-                <a:latin typeface="Arial" charset="0"/>
-                <a:ea typeface="+mn-ea"/>
-                <a:cs typeface="+mn-cs"/>
-              </a:rPr>
-              <a:t> </a:t>
-            </a:r>
-            <a:r>
-              <a:rPr lang="ko-KR" altLang="en-US" sz="1200" kern="1200" dirty="0" smtClean="0">
-                <a:solidFill>
-                  <a:schemeClr val="tx1"/>
-                </a:solidFill>
-                <a:latin typeface="Arial" charset="0"/>
-                <a:ea typeface="+mn-ea"/>
-                <a:cs typeface="+mn-cs"/>
-              </a:rPr>
-              <a:t>의료장비</a:t>
-            </a:r>
-            <a:r>
-              <a:rPr lang="en-US" altLang="ko-KR" sz="1200" kern="1200" dirty="0" smtClean="0">
-                <a:solidFill>
-                  <a:schemeClr val="tx1"/>
-                </a:solidFill>
-                <a:latin typeface="Arial" charset="0"/>
-                <a:ea typeface="+mn-ea"/>
-                <a:cs typeface="+mn-cs"/>
-              </a:rPr>
-              <a:t>, </a:t>
-            </a:r>
-            <a:r>
-              <a:rPr lang="ko-KR" altLang="en-US" sz="1200" kern="1200" dirty="0" smtClean="0">
-                <a:solidFill>
-                  <a:schemeClr val="tx1"/>
-                </a:solidFill>
-                <a:latin typeface="Arial" charset="0"/>
-                <a:ea typeface="+mn-ea"/>
-                <a:cs typeface="+mn-cs"/>
-              </a:rPr>
-              <a:t>산업장비</a:t>
-            </a:r>
-            <a:r>
-              <a:rPr lang="en-US" altLang="ko-KR" sz="1200" kern="1200" dirty="0" smtClean="0">
-                <a:solidFill>
-                  <a:schemeClr val="tx1"/>
-                </a:solidFill>
-                <a:latin typeface="Arial" charset="0"/>
-                <a:ea typeface="+mn-ea"/>
-                <a:cs typeface="+mn-cs"/>
-              </a:rPr>
-              <a:t>,</a:t>
-            </a:r>
-            <a:r>
-              <a:rPr lang="ko-KR" altLang="ko-KR" sz="1200" kern="1200" dirty="0" smtClean="0">
-                <a:solidFill>
-                  <a:schemeClr val="tx1"/>
-                </a:solidFill>
-                <a:latin typeface="Arial" charset="0"/>
-                <a:ea typeface="+mn-ea"/>
-                <a:cs typeface="+mn-cs"/>
-              </a:rPr>
-              <a:t> </a:t>
-            </a:r>
-            <a:r>
-              <a:rPr lang="ko-KR" altLang="en-US" sz="1200" kern="1200" dirty="0" smtClean="0">
-                <a:solidFill>
-                  <a:schemeClr val="tx1"/>
-                </a:solidFill>
-                <a:latin typeface="Arial" charset="0"/>
-                <a:ea typeface="+mn-ea"/>
-                <a:cs typeface="+mn-cs"/>
-              </a:rPr>
-              <a:t>아래 사진과 같은 다양한 </a:t>
-            </a:r>
-            <a:r>
-              <a:rPr lang="en-US" altLang="ko-KR" sz="1200" kern="1200" dirty="0" smtClean="0">
-                <a:solidFill>
-                  <a:schemeClr val="tx1"/>
-                </a:solidFill>
-                <a:latin typeface="Arial" charset="0"/>
-                <a:ea typeface="+mn-ea"/>
-                <a:cs typeface="+mn-cs"/>
-              </a:rPr>
-              <a:t>USB</a:t>
-            </a:r>
-            <a:r>
-              <a:rPr lang="ko-KR" altLang="en-US" sz="1200" kern="1200" dirty="0" smtClean="0">
-                <a:solidFill>
-                  <a:schemeClr val="tx1"/>
-                </a:solidFill>
-                <a:latin typeface="Arial" charset="0"/>
-                <a:ea typeface="+mn-ea"/>
-                <a:cs typeface="+mn-cs"/>
-              </a:rPr>
-              <a:t>기기들이 존재 합니다</a:t>
-            </a:r>
-            <a:r>
-              <a:rPr lang="en-US" altLang="ko-KR" sz="1200" kern="1200" dirty="0" smtClean="0">
-                <a:solidFill>
-                  <a:schemeClr val="tx1"/>
-                </a:solidFill>
-                <a:latin typeface="Arial" charset="0"/>
-                <a:ea typeface="+mn-ea"/>
-                <a:cs typeface="+mn-cs"/>
-              </a:rPr>
-              <a:t>. </a:t>
-            </a:r>
-            <a:r>
-              <a:rPr lang="ko-KR" altLang="en-US" sz="1200" kern="1200" dirty="0" smtClean="0">
-                <a:solidFill>
-                  <a:schemeClr val="tx1"/>
-                </a:solidFill>
-                <a:latin typeface="Arial" charset="0"/>
-                <a:ea typeface="+mn-ea"/>
-                <a:cs typeface="+mn-cs"/>
-              </a:rPr>
-              <a:t>이것은 앞 슬라이드에서 설명 드렸듯이 많은 </a:t>
-            </a:r>
-            <a:r>
-              <a:rPr lang="en-US" altLang="ko-KR" sz="1200" kern="1200" dirty="0" smtClean="0">
-                <a:solidFill>
-                  <a:schemeClr val="tx1"/>
-                </a:solidFill>
-                <a:latin typeface="Arial" charset="0"/>
-                <a:ea typeface="+mn-ea"/>
-                <a:cs typeface="+mn-cs"/>
-              </a:rPr>
-              <a:t>USB</a:t>
-            </a:r>
-            <a:r>
-              <a:rPr lang="ko-KR" altLang="en-US" sz="1200" kern="1200" dirty="0" smtClean="0">
-                <a:solidFill>
-                  <a:schemeClr val="tx1"/>
-                </a:solidFill>
-                <a:latin typeface="Arial" charset="0"/>
-                <a:ea typeface="+mn-ea"/>
-                <a:cs typeface="+mn-cs"/>
-              </a:rPr>
-              <a:t>의 장점이 있기 때문에 </a:t>
-            </a:r>
-            <a:r>
-              <a:rPr lang="en-US" altLang="ko-KR" sz="1200" kern="1200" dirty="0" smtClean="0">
-                <a:solidFill>
-                  <a:schemeClr val="tx1"/>
-                </a:solidFill>
-                <a:latin typeface="Arial" charset="0"/>
-                <a:ea typeface="+mn-ea"/>
-                <a:cs typeface="+mn-cs"/>
-              </a:rPr>
-              <a:t>USB</a:t>
-            </a:r>
-            <a:r>
-              <a:rPr lang="ko-KR" altLang="en-US" sz="1200" kern="1200" dirty="0" smtClean="0">
-                <a:solidFill>
-                  <a:schemeClr val="tx1"/>
-                </a:solidFill>
-                <a:latin typeface="Arial" charset="0"/>
-                <a:ea typeface="+mn-ea"/>
-                <a:cs typeface="+mn-cs"/>
-              </a:rPr>
-              <a:t>장치들이 보편적으로 사용되는 것입니다</a:t>
-            </a:r>
-            <a:r>
-              <a:rPr lang="en-US" altLang="ko-KR" sz="1200" kern="1200" dirty="0" smtClean="0">
-                <a:solidFill>
-                  <a:schemeClr val="tx1"/>
-                </a:solidFill>
-                <a:latin typeface="Arial" charset="0"/>
-                <a:ea typeface="+mn-ea"/>
-                <a:cs typeface="+mn-cs"/>
-              </a:rPr>
               <a:t>.</a:t>
-            </a:r>
-            <a:endParaRPr lang="ko-KR" altLang="ko-KR" sz="1200" kern="1200" dirty="0" smtClean="0">
-              <a:solidFill>
-                <a:schemeClr val="tx1"/>
-              </a:solidFill>
-              <a:latin typeface="Arial" charset="0"/>
-              <a:ea typeface="+mn-ea"/>
-              <a:cs typeface="+mn-cs"/>
-            </a:endParaRPr>
-          </a:p>
-          <a:p>
-            <a:r>
-              <a:rPr lang="ko-KR" altLang="en-US" sz="1200" kern="1200" dirty="0" err="1" smtClean="0">
-                <a:solidFill>
-                  <a:schemeClr val="tx1"/>
-                </a:solidFill>
-                <a:latin typeface="Arial" charset="0"/>
-                <a:ea typeface="+mn-ea"/>
-                <a:cs typeface="+mn-cs"/>
-              </a:rPr>
-              <a:t>른</a:t>
-            </a:r>
-            <a:r>
-              <a:rPr lang="ko-KR" altLang="en-US" sz="1200" kern="1200" dirty="0" smtClean="0">
-                <a:solidFill>
-                  <a:schemeClr val="tx1"/>
-                </a:solidFill>
-                <a:latin typeface="Arial" charset="0"/>
-                <a:ea typeface="+mn-ea"/>
-                <a:cs typeface="+mn-cs"/>
-              </a:rPr>
-              <a:t> </a:t>
-            </a:r>
-            <a:r>
-              <a:rPr lang="ko-KR" altLang="en-US" sz="1200" kern="1200" dirty="0" smtClean="0">
-                <a:solidFill>
-                  <a:schemeClr val="tx1"/>
-                </a:solidFill>
-                <a:latin typeface="Arial" charset="0"/>
-                <a:ea typeface="+mn-ea"/>
-                <a:cs typeface="+mn-cs"/>
-              </a:rPr>
-              <a:t>속도</a:t>
-            </a:r>
-            <a:r>
-              <a:rPr lang="en-US" altLang="ko-KR" sz="1200" kern="1200" dirty="0" smtClean="0">
-                <a:solidFill>
-                  <a:schemeClr val="tx1"/>
-                </a:solidFill>
-                <a:latin typeface="Arial" charset="0"/>
-                <a:ea typeface="+mn-ea"/>
-                <a:cs typeface="+mn-cs"/>
-              </a:rPr>
-              <a:t>, </a:t>
-            </a:r>
-            <a:r>
-              <a:rPr lang="ko-KR" altLang="en-US" sz="1200" kern="1200" dirty="0" smtClean="0">
-                <a:solidFill>
-                  <a:schemeClr val="tx1"/>
-                </a:solidFill>
-                <a:latin typeface="Arial" charset="0"/>
-                <a:ea typeface="+mn-ea"/>
-                <a:cs typeface="+mn-cs"/>
-              </a:rPr>
-              <a:t>낮은 전력 소비 등의 장점이 있습니다</a:t>
-            </a:r>
-            <a:r>
-              <a:rPr lang="en-US" altLang="ko-KR" sz="1200" kern="1200" dirty="0" smtClean="0">
-                <a:solidFill>
-                  <a:schemeClr val="tx1"/>
-                </a:solidFill>
-                <a:latin typeface="Arial" charset="0"/>
-                <a:ea typeface="+mn-ea"/>
-                <a:cs typeface="+mn-cs"/>
-              </a:rPr>
-              <a:t>.(</a:t>
-            </a:r>
-            <a:r>
-              <a:rPr lang="ko-KR" altLang="en-US" sz="1200" kern="1200" dirty="0" smtClean="0">
-                <a:solidFill>
-                  <a:schemeClr val="tx1"/>
-                </a:solidFill>
-                <a:latin typeface="Arial" charset="0"/>
-                <a:ea typeface="+mn-ea"/>
-                <a:cs typeface="+mn-cs"/>
-              </a:rPr>
-              <a:t>천천히</a:t>
-            </a:r>
-            <a:r>
-              <a:rPr lang="en-US" altLang="ko-KR" sz="1200" kern="1200" dirty="0" smtClean="0">
-                <a:solidFill>
-                  <a:schemeClr val="tx1"/>
-                </a:solidFill>
-                <a:latin typeface="Arial" charset="0"/>
-                <a:ea typeface="+mn-ea"/>
-                <a:cs typeface="+mn-cs"/>
-              </a:rPr>
-              <a:t>)</a:t>
             </a:r>
             <a:endParaRPr lang="ko-KR" altLang="en-US" dirty="0"/>
           </a:p>
@@ -4360,7 +4378,29 @@
                 <a:ea typeface="+mn-ea"/>
                 <a:cs typeface="+mn-cs"/>
               </a:rPr>
-              <a:t>PC</a:t>
+              <a:t>USB</a:t>
+            </a:r>
+            <a:r>
+              <a:rPr lang="ko-KR" altLang="en-US" sz="1200" kern="1200" dirty="0" smtClean="0">
+                <a:solidFill>
+                  <a:schemeClr val="tx1"/>
+                </a:solidFill>
+                <a:latin typeface="Arial" charset="0"/>
+                <a:ea typeface="+mn-ea"/>
+                <a:cs typeface="+mn-cs"/>
+              </a:rPr>
+              <a:t>는 많은 사람들이 사용하는 </a:t>
+            </a:r>
+            <a:r>
+              <a:rPr lang="en-US" altLang="ko-KR" sz="1200" kern="1200" dirty="0" smtClean="0">
+                <a:solidFill>
+                  <a:schemeClr val="tx1"/>
+                </a:solidFill>
+                <a:latin typeface="Arial" charset="0"/>
+                <a:ea typeface="+mn-ea"/>
+                <a:cs typeface="+mn-cs"/>
+              </a:rPr>
+              <a:t>USB</a:t>
             </a:r>
             <a:r>
               <a:rPr lang="ko-KR" altLang="ko-KR" sz="1200" kern="1200" dirty="0" smtClean="0">
@@ -4371,7 +4411,7 @@
                 <a:ea typeface="+mn-ea"/>
                 <a:cs typeface="+mn-cs"/>
               </a:rPr>
-              <a:t>와 스마트폰의 연결방법으로는 </a:t>
+              <a:t>메모리</a:t>
             </a:r>
             <a:r>
               <a:rPr lang="en-US" altLang="ko-KR" sz="1200" kern="1200" dirty="0" smtClean="0">
@@ -4382,7 +4422,7 @@
                 <a:ea typeface="+mn-ea"/>
                 <a:cs typeface="+mn-cs"/>
               </a:rPr>
-              <a:t>USB/IP</a:t>
+              <a:t>, </a:t>
             </a:r>
             <a:r>
               <a:rPr lang="ko-KR" altLang="ko-KR" sz="1200" kern="1200" dirty="0" smtClean="0">
@@ -4393,7 +4433,7 @@
                 <a:ea typeface="+mn-ea"/>
                 <a:cs typeface="+mn-cs"/>
               </a:rPr>
-              <a:t>기술을 채택했습니다</a:t>
+              <a:t>마우스</a:t>
             </a:r>
             <a:r>
               <a:rPr lang="en-US" altLang="ko-KR" sz="1200" kern="1200" dirty="0" smtClean="0">
@@ -4404,7 +4444,51 @@
                 <a:ea typeface="+mn-ea"/>
                 <a:cs typeface="+mn-cs"/>
               </a:rPr>
-              <a:t>. USB/IP</a:t>
+              <a:t>, </a:t>
+            </a:r>
+            <a:r>
+              <a:rPr lang="ko-KR" altLang="ko-KR" sz="1200" kern="1200" dirty="0" smtClean="0">
+                <a:solidFill>
+                  <a:schemeClr val="tx1"/>
+                </a:solidFill>
+                <a:latin typeface="Arial" charset="0"/>
+                <a:ea typeface="+mn-ea"/>
+                <a:cs typeface="+mn-cs"/>
+              </a:rPr>
+              <a:t>키보드</a:t>
+            </a:r>
+            <a:r>
+              <a:rPr lang="en-US" altLang="ko-KR" sz="1200" kern="1200" dirty="0" smtClean="0">
+                <a:solidFill>
+                  <a:schemeClr val="tx1"/>
+                </a:solidFill>
+                <a:latin typeface="Arial" charset="0"/>
+                <a:ea typeface="+mn-ea"/>
+                <a:cs typeface="+mn-cs"/>
+              </a:rPr>
+              <a:t>,</a:t>
+            </a:r>
+            <a:r>
+              <a:rPr lang="ko-KR" altLang="en-US" sz="1200" kern="1200" baseline="0" dirty="0" smtClean="0">
+                <a:solidFill>
+                  <a:schemeClr val="tx1"/>
+                </a:solidFill>
+                <a:latin typeface="Arial" charset="0"/>
+                <a:ea typeface="+mn-ea"/>
+                <a:cs typeface="+mn-cs"/>
+              </a:rPr>
+              <a:t> 프린터뿐만 아니라</a:t>
+            </a:r>
+            <a:r>
+              <a:rPr lang="ko-KR" altLang="ko-KR" sz="1200" kern="1200" dirty="0" smtClean="0">
+                <a:solidFill>
+                  <a:schemeClr val="tx1"/>
+                </a:solidFill>
+                <a:latin typeface="Arial" charset="0"/>
+                <a:ea typeface="+mn-ea"/>
+                <a:cs typeface="+mn-cs"/>
+              </a:rPr>
+              <a:t> </a:t>
             </a:r>
             <a:r>
               <a:rPr lang="ko-KR" altLang="en-US" sz="1200" kern="1200" dirty="0" smtClean="0">
@@ -4415,7 +4499,40 @@
                 <a:ea typeface="+mn-ea"/>
                 <a:cs typeface="+mn-cs"/>
               </a:rPr>
-              <a:t>는 오픈 소스로 개발된 기술로써 </a:t>
+              <a:t>의료장비</a:t>
+            </a:r>
+            <a:r>
+              <a:rPr lang="en-US" altLang="ko-KR" sz="1200" kern="1200" dirty="0" smtClean="0">
+                <a:solidFill>
+                  <a:schemeClr val="tx1"/>
+                </a:solidFill>
+                <a:latin typeface="Arial" charset="0"/>
+                <a:ea typeface="+mn-ea"/>
+                <a:cs typeface="+mn-cs"/>
+              </a:rPr>
+              <a:t>, </a:t>
+            </a:r>
+            <a:r>
+              <a:rPr lang="ko-KR" altLang="en-US" sz="1200" kern="1200" dirty="0" smtClean="0">
+                <a:solidFill>
+                  <a:schemeClr val="tx1"/>
+                </a:solidFill>
+                <a:latin typeface="Arial" charset="0"/>
+                <a:ea typeface="+mn-ea"/>
+                <a:cs typeface="+mn-cs"/>
+              </a:rPr>
+              <a:t>산업장비</a:t>
+            </a:r>
+            <a:r>
+              <a:rPr lang="en-US" altLang="ko-KR" sz="1200" kern="1200" dirty="0" smtClean="0">
+                <a:solidFill>
+                  <a:schemeClr val="tx1"/>
+                </a:solidFill>
+                <a:latin typeface="Arial" charset="0"/>
+                <a:ea typeface="+mn-ea"/>
+                <a:cs typeface="+mn-cs"/>
+              </a:rPr>
+              <a:t>,</a:t>
             </a:r>
             <a:r>
               <a:rPr lang="ko-KR" altLang="ko-KR" sz="1200" kern="1200" dirty="0" smtClean="0">
@@ -4426,7 +4543,18 @@
                 <a:ea typeface="+mn-ea"/>
                 <a:cs typeface="+mn-cs"/>
               </a:rPr>
-              <a:t>내 컴퓨터에 연결된 </a:t>
+              <a:t> </a:t>
+            </a:r>
+            <a:r>
+              <a:rPr lang="ko-KR" altLang="en-US" sz="1200" kern="1200" dirty="0" smtClean="0">
+                <a:solidFill>
+                  <a:schemeClr val="tx1"/>
+                </a:solidFill>
+                <a:latin typeface="Arial" charset="0"/>
+                <a:ea typeface="+mn-ea"/>
+                <a:cs typeface="+mn-cs"/>
+              </a:rPr>
+              <a:t>아래 사진과 같은 다양한 </a:t>
             </a:r>
             <a:r>
               <a:rPr lang="en-US" altLang="ko-KR" sz="1200" kern="1200" dirty="0" smtClean="0">
@@ -4440,15 +4568,15 @@
               <a:t>USB</a:t>
             </a:r>
             <a:r>
-              <a:rPr lang="ko-KR" altLang="ko-KR" sz="1200" kern="1200" dirty="0" smtClean="0">
-                <a:solidFill>
-                  <a:schemeClr val="tx1"/>
-                </a:solidFill>
-                <a:latin typeface="Arial" charset="0"/>
-                <a:ea typeface="+mn-ea"/>
-                <a:cs typeface="+mn-cs"/>
-              </a:rPr>
-              <a:t>장치를 무선으로 다른 사람의 컴퓨터에서 </a:t>
+              <a:rPr lang="ko-KR" altLang="en-US" sz="1200" kern="1200" dirty="0" smtClean="0">
+                <a:solidFill>
+                  <a:schemeClr val="tx1"/>
+                </a:solidFill>
+                <a:latin typeface="Arial" charset="0"/>
+                <a:ea typeface="+mn-ea"/>
+                <a:cs typeface="+mn-cs"/>
+              </a:rPr>
+              <a:t>기기들이 존재 합니다</a:t>
             </a:r>
             <a:r>
               <a:rPr lang="en-US" altLang="ko-KR" sz="1200" kern="1200" dirty="0" smtClean="0">
@@ -4459,6 +4587,28 @@
                 <a:ea typeface="+mn-ea"/>
                 <a:cs typeface="+mn-cs"/>
               </a:rPr>
+              <a:t>. </a:t>
+            </a:r>
+            <a:r>
+              <a:rPr lang="ko-KR" altLang="en-US" sz="1200" kern="1200" dirty="0" smtClean="0">
+                <a:solidFill>
+                  <a:schemeClr val="tx1"/>
+                </a:solidFill>
+                <a:latin typeface="Arial" charset="0"/>
+                <a:ea typeface="+mn-ea"/>
+                <a:cs typeface="+mn-cs"/>
+              </a:rPr>
+              <a:t>이것은 앞 슬라이드에서 설명 드렸듯이 많은 </a:t>
+            </a:r>
+            <a:r>
+              <a:rPr lang="en-US" altLang="ko-KR" sz="1200" kern="1200" dirty="0" smtClean="0">
+                <a:solidFill>
+                  <a:schemeClr val="tx1"/>
+                </a:solidFill>
+                <a:latin typeface="Arial" charset="0"/>
+                <a:ea typeface="+mn-ea"/>
+                <a:cs typeface="+mn-cs"/>
+              </a:rPr>
               <a:t>USB</a:t>
             </a:r>
             <a:r>
@@ -4470,18 +4620,7 @@
                 <a:ea typeface="+mn-ea"/>
                 <a:cs typeface="+mn-cs"/>
               </a:rPr>
-              <a:t>장치가 직접 연결된 것처럼 </a:t>
-            </a:r>
-            <a:r>
-              <a:rPr lang="ko-KR" altLang="ko-KR" sz="1200" kern="1200" dirty="0" smtClean="0">
-                <a:solidFill>
-                  <a:schemeClr val="tx1"/>
-                </a:solidFill>
-                <a:latin typeface="Arial" charset="0"/>
-                <a:ea typeface="+mn-ea"/>
-                <a:cs typeface="+mn-cs"/>
-              </a:rPr>
-              <a:t>사용할 수 있는 기술입니다</a:t>
+              <a:t>의 장점이 있기 때문에 </a:t>
             </a:r>
             <a:r>
               <a:rPr lang="en-US" altLang="ko-KR" sz="1200" kern="1200" dirty="0" smtClean="0">
@@ -4492,7 +4631,7 @@
                 <a:ea typeface="+mn-ea"/>
                 <a:cs typeface="+mn-cs"/>
               </a:rPr>
-              <a:t>. (</a:t>
+              <a:t>USB</a:t>
             </a:r>
             <a:r>
               <a:rPr lang="ko-KR" altLang="en-US" sz="1200" kern="1200" dirty="0" smtClean="0">
@@ -4503,7 +4642,7 @@
                 <a:ea typeface="+mn-ea"/>
                 <a:cs typeface="+mn-cs"/>
               </a:rPr>
-              <a:t>천천히</a:t>
+              <a:t>장치들이 보편적으로 사용되는 것입니다</a:t>
             </a:r>
             <a:r>
               <a:rPr lang="en-US" altLang="ko-KR" sz="1200" kern="1200" dirty="0" smtClean="0">
@@ -4514,7 +4653,7 @@
                 <a:ea typeface="+mn-ea"/>
                 <a:cs typeface="+mn-cs"/>
               </a:rPr>
-              <a:t>)</a:t>
+              <a:t>.</a:t>
             </a:r>
             <a:endParaRPr lang="ko-KR" altLang="ko-KR" sz="1200" kern="1200" dirty="0">
               <a:solidFill>
@@ -4605,23 +4744,6 @@
           </a:bodyPr>
           <a:lstStyle/>
           <a:p>
-            <a:pPr marL="0" marR="0" indent="0" algn="just" defTabSz="914400" rtl="0" eaLnBrk="1" fontAlgn="base" latinLnBrk="0" hangingPunct="1">
-              <a:lnSpc>
-                <a:spcPct val="100000"/>
-              </a:lnSpc>
-              <a:spcBef>
-                <a:spcPct val="30000"/>
-              </a:spcBef>
-              <a:spcAft>
-                <a:spcPct val="0"/>
-              </a:spcAft>
-              <a:buClrTx/>
-              <a:buSzTx/>
-              <a:buFontTx/>
-              <a:buNone/>
-              <a:tabLst/>
-              <a:defRPr/>
-            </a:pPr>
             <a:r>
               <a:rPr lang="en-US" altLang="ko-KR" sz="1200" kern="1200" dirty="0" smtClean="0">
                 <a:solidFill>
@@ -4631,9 +4753,53 @@
                 <a:ea typeface="+mn-ea"/>
                 <a:cs typeface="+mn-cs"/>
               </a:rPr>
+              <a:t>PC</a:t>
+            </a:r>
+            <a:r>
+              <a:rPr lang="ko-KR" altLang="ko-KR" sz="1200" kern="1200" dirty="0" smtClean="0">
+                <a:solidFill>
+                  <a:schemeClr val="tx1"/>
+                </a:solidFill>
+                <a:latin typeface="Arial" charset="0"/>
+                <a:ea typeface="+mn-ea"/>
+                <a:cs typeface="+mn-cs"/>
+              </a:rPr>
+              <a:t>와 스마트폰의 연결방법으로는 </a:t>
+            </a:r>
+            <a:r>
+              <a:rPr lang="en-US" altLang="ko-KR" sz="1200" kern="1200" dirty="0" smtClean="0">
+                <a:solidFill>
+                  <a:schemeClr val="tx1"/>
+                </a:solidFill>
+                <a:latin typeface="Arial" charset="0"/>
+                <a:ea typeface="+mn-ea"/>
+                <a:cs typeface="+mn-cs"/>
+              </a:rPr>
               <a:t>USB/IP</a:t>
             </a:r>
             <a:r>
+              <a:rPr lang="ko-KR" altLang="ko-KR" sz="1200" kern="1200" dirty="0" smtClean="0">
+                <a:solidFill>
+                  <a:schemeClr val="tx1"/>
+                </a:solidFill>
+                <a:latin typeface="Arial" charset="0"/>
+                <a:ea typeface="+mn-ea"/>
+                <a:cs typeface="+mn-cs"/>
+              </a:rPr>
+              <a:t>기술을 채택했습니다</a:t>
+            </a:r>
+            <a:r>
+              <a:rPr lang="en-US" altLang="ko-KR" sz="1200" kern="1200" dirty="0" smtClean="0">
+                <a:solidFill>
+                  <a:schemeClr val="tx1"/>
+                </a:solidFill>
+                <a:latin typeface="Arial" charset="0"/>
+                <a:ea typeface="+mn-ea"/>
+                <a:cs typeface="+mn-cs"/>
+              </a:rPr>
+              <a:t>. USB/IP</a:t>
+            </a:r>
+            <a:r>
               <a:rPr lang="ko-KR" altLang="en-US" sz="1200" kern="1200" dirty="0" smtClean="0">
                 <a:solidFill>
                   <a:schemeClr val="tx1"/>
@@ -4642,18 +4808,51 @@
                 <a:ea typeface="+mn-ea"/>
                 <a:cs typeface="+mn-cs"/>
               </a:rPr>
-              <a:t>는 서버와 클라이언트로 나뉘어져있는데 서버를 </a:t>
-            </a:r>
-            <a:r>
-              <a:rPr lang="ko-KR" altLang="en-US" sz="1200" kern="1200" dirty="0" err="1" smtClean="0">
-                <a:solidFill>
-                  <a:schemeClr val="tx1"/>
-                </a:solidFill>
-                <a:latin typeface="Arial" charset="0"/>
-                <a:ea typeface="+mn-ea"/>
-                <a:cs typeface="+mn-cs"/>
-              </a:rPr>
-              <a:t>안드로이드</a:t>
+              <a:t>는 오픈 소스로 개발된 기술로써 </a:t>
+            </a:r>
+            <a:r>
+              <a:rPr lang="ko-KR" altLang="ko-KR" sz="1200" kern="1200" dirty="0" smtClean="0">
+                <a:solidFill>
+                  <a:schemeClr val="tx1"/>
+                </a:solidFill>
+                <a:latin typeface="Arial" charset="0"/>
+                <a:ea typeface="+mn-ea"/>
+                <a:cs typeface="+mn-cs"/>
+              </a:rPr>
+              <a:t>내 컴퓨터에 연결된 </a:t>
+            </a:r>
+            <a:r>
+              <a:rPr lang="en-US" altLang="ko-KR" sz="1200" kern="1200" dirty="0" smtClean="0">
+                <a:solidFill>
+                  <a:schemeClr val="tx1"/>
+                </a:solidFill>
+                <a:latin typeface="Arial" charset="0"/>
+                <a:ea typeface="+mn-ea"/>
+                <a:cs typeface="+mn-cs"/>
+              </a:rPr>
+              <a:t>USB</a:t>
+            </a:r>
+            <a:r>
+              <a:rPr lang="ko-KR" altLang="ko-KR" sz="1200" kern="1200" dirty="0" smtClean="0">
+                <a:solidFill>
+                  <a:schemeClr val="tx1"/>
+                </a:solidFill>
+                <a:latin typeface="Arial" charset="0"/>
+                <a:ea typeface="+mn-ea"/>
+                <a:cs typeface="+mn-cs"/>
+              </a:rPr>
+              <a:t>장치를 무선으로 다른 사람의 컴퓨터에서 </a:t>
+            </a:r>
+            <a:r>
+              <a:rPr lang="en-US" altLang="ko-KR" sz="1200" kern="1200" dirty="0" smtClean="0">
+                <a:solidFill>
+                  <a:schemeClr val="tx1"/>
+                </a:solidFill>
+                <a:latin typeface="Arial" charset="0"/>
+                <a:ea typeface="+mn-ea"/>
+                <a:cs typeface="+mn-cs"/>
+              </a:rPr>
+              <a:t>USB</a:t>
             </a:r>
             <a:r>
               <a:rPr lang="ko-KR" altLang="en-US" sz="1200" kern="1200" dirty="0" smtClean="0">
@@ -4664,18 +4863,29 @@
                 <a:ea typeface="+mn-ea"/>
                 <a:cs typeface="+mn-cs"/>
               </a:rPr>
-              <a:t> </a:t>
-            </a:r>
-            <a:r>
-              <a:rPr lang="ko-KR" altLang="en-US" sz="1200" kern="1200" dirty="0" err="1" smtClean="0">
-                <a:solidFill>
-                  <a:schemeClr val="tx1"/>
-                </a:solidFill>
-                <a:latin typeface="Arial" charset="0"/>
-                <a:ea typeface="+mn-ea"/>
-                <a:cs typeface="+mn-cs"/>
-              </a:rPr>
-              <a:t>스마트폰에</a:t>
+              <a:t>장치가 직접 연결된 것처럼 </a:t>
+            </a:r>
+            <a:r>
+              <a:rPr lang="ko-KR" altLang="ko-KR" sz="1200" kern="1200" dirty="0" smtClean="0">
+                <a:solidFill>
+                  <a:schemeClr val="tx1"/>
+                </a:solidFill>
+                <a:latin typeface="Arial" charset="0"/>
+                <a:ea typeface="+mn-ea"/>
+                <a:cs typeface="+mn-cs"/>
+              </a:rPr>
+              <a:t>사용할 수 있는 기술입니다</a:t>
+            </a:r>
+            <a:r>
+              <a:rPr lang="en-US" altLang="ko-KR" sz="1200" kern="1200" dirty="0" smtClean="0">
+                <a:solidFill>
+                  <a:schemeClr val="tx1"/>
+                </a:solidFill>
+                <a:latin typeface="Arial" charset="0"/>
+                <a:ea typeface="+mn-ea"/>
+                <a:cs typeface="+mn-cs"/>
+              </a:rPr>
+              <a:t>. (</a:t>
             </a:r>
             <a:r>
               <a:rPr lang="ko-KR" altLang="en-US" sz="1200" kern="1200" dirty="0" smtClean="0">
@@ -4686,7 +4896,7 @@
                 <a:ea typeface="+mn-ea"/>
                 <a:cs typeface="+mn-cs"/>
               </a:rPr>
-              <a:t> 포팅하고</a:t>
+              <a:t>천천히</a:t>
             </a:r>
             <a:r>
               <a:rPr lang="en-US" altLang="ko-KR" sz="1200" kern="1200" dirty="0" smtClean="0">
@@ -4697,218 +4907,9 @@
                 <a:ea typeface="+mn-ea"/>
                 <a:cs typeface="+mn-cs"/>
               </a:rPr>
-              <a:t>, </a:t>
-            </a:r>
-            <a:r>
-              <a:rPr lang="ko-KR" altLang="en-US" sz="1200" kern="1200" dirty="0" smtClean="0">
-                <a:solidFill>
-                  <a:schemeClr val="tx1"/>
-                </a:solidFill>
-                <a:latin typeface="Arial" charset="0"/>
-                <a:ea typeface="+mn-ea"/>
-                <a:cs typeface="+mn-cs"/>
-              </a:rPr>
-              <a:t>어플리케이션을 </a:t>
-            </a:r>
-            <a:r>
-              <a:rPr lang="en-US" altLang="ko-KR" sz="1200" kern="1200" dirty="0" smtClean="0">
-                <a:solidFill>
-                  <a:schemeClr val="tx1"/>
-                </a:solidFill>
-                <a:latin typeface="Arial" charset="0"/>
-                <a:ea typeface="+mn-ea"/>
-                <a:cs typeface="+mn-cs"/>
-              </a:rPr>
-              <a:t>USB</a:t>
-            </a:r>
-            <a:r>
-              <a:rPr lang="ko-KR" altLang="en-US" sz="1200" kern="1200" dirty="0" smtClean="0">
-                <a:solidFill>
-                  <a:schemeClr val="tx1"/>
-                </a:solidFill>
-                <a:latin typeface="Arial" charset="0"/>
-                <a:ea typeface="+mn-ea"/>
-                <a:cs typeface="+mn-cs"/>
-              </a:rPr>
-              <a:t>장치처럼 보이도록 할 </a:t>
-            </a:r>
-            <a:r>
-              <a:rPr lang="en-US" altLang="ko-KR" sz="1200" kern="1200" dirty="0" smtClean="0">
-                <a:solidFill>
-                  <a:schemeClr val="tx1"/>
-                </a:solidFill>
-                <a:latin typeface="Arial" charset="0"/>
-                <a:ea typeface="+mn-ea"/>
-                <a:cs typeface="+mn-cs"/>
-              </a:rPr>
-              <a:t>VHCI</a:t>
-            </a:r>
-            <a:r>
-              <a:rPr lang="ko-KR" altLang="en-US" sz="1200" kern="1200" dirty="0" smtClean="0">
-                <a:solidFill>
-                  <a:schemeClr val="tx1"/>
-                </a:solidFill>
-                <a:latin typeface="Arial" charset="0"/>
-                <a:ea typeface="+mn-ea"/>
-                <a:cs typeface="+mn-cs"/>
-              </a:rPr>
-              <a:t>드라이버를 만들면</a:t>
-            </a:r>
-            <a:r>
-              <a:rPr lang="en-US" altLang="ko-KR" sz="1200" kern="1200" dirty="0" smtClean="0">
-                <a:solidFill>
-                  <a:schemeClr val="tx1"/>
-                </a:solidFill>
-                <a:latin typeface="Arial" charset="0"/>
-                <a:ea typeface="+mn-ea"/>
-                <a:cs typeface="+mn-cs"/>
-              </a:rPr>
-              <a:t>,</a:t>
-            </a:r>
-            <a:r>
-              <a:rPr lang="ko-KR" altLang="en-US" sz="1200" kern="1200" dirty="0" smtClean="0">
-                <a:solidFill>
-                  <a:schemeClr val="tx1"/>
-                </a:solidFill>
-                <a:latin typeface="Arial" charset="0"/>
-                <a:ea typeface="+mn-ea"/>
-                <a:cs typeface="+mn-cs"/>
-              </a:rPr>
-              <a:t> 어플리케이션이 </a:t>
-            </a:r>
-            <a:r>
-              <a:rPr lang="en-US" altLang="ko-KR" sz="1200" kern="1200" dirty="0" smtClean="0">
-                <a:solidFill>
-                  <a:schemeClr val="tx1"/>
-                </a:solidFill>
-                <a:latin typeface="Arial" charset="0"/>
-                <a:ea typeface="+mn-ea"/>
-                <a:cs typeface="+mn-cs"/>
-              </a:rPr>
-              <a:t>USB</a:t>
-            </a:r>
-            <a:r>
-              <a:rPr lang="ko-KR" altLang="en-US" sz="1200" kern="1200" dirty="0" smtClean="0">
-                <a:solidFill>
-                  <a:schemeClr val="tx1"/>
-                </a:solidFill>
-                <a:latin typeface="Arial" charset="0"/>
-                <a:ea typeface="+mn-ea"/>
-                <a:cs typeface="+mn-cs"/>
-              </a:rPr>
-              <a:t>장치로 인식됩니다</a:t>
-            </a:r>
-            <a:r>
-              <a:rPr lang="en-US" altLang="ko-KR" sz="1200" kern="1200" dirty="0" smtClean="0">
-                <a:solidFill>
-                  <a:schemeClr val="tx1"/>
-                </a:solidFill>
-                <a:latin typeface="Arial" charset="0"/>
-                <a:ea typeface="+mn-ea"/>
-                <a:cs typeface="+mn-cs"/>
-              </a:rPr>
-              <a:t>. </a:t>
-            </a:r>
-            <a:r>
-              <a:rPr lang="ko-KR" altLang="en-US" sz="1200" kern="1200" dirty="0" smtClean="0">
-                <a:solidFill>
-                  <a:schemeClr val="tx1"/>
-                </a:solidFill>
-                <a:latin typeface="Arial" charset="0"/>
-                <a:ea typeface="+mn-ea"/>
-                <a:cs typeface="+mn-cs"/>
-              </a:rPr>
-              <a:t>그리고 </a:t>
-            </a:r>
-            <a:r>
-              <a:rPr lang="en-US" altLang="ko-KR" sz="1200" kern="1200" dirty="0" smtClean="0">
-                <a:solidFill>
-                  <a:schemeClr val="tx1"/>
-                </a:solidFill>
-                <a:latin typeface="Arial" charset="0"/>
-                <a:ea typeface="+mn-ea"/>
-                <a:cs typeface="+mn-cs"/>
-              </a:rPr>
-              <a:t>USB/IP</a:t>
-            </a:r>
-            <a:r>
-              <a:rPr lang="ko-KR" altLang="en-US" sz="1200" kern="1200" dirty="0" smtClean="0">
-                <a:solidFill>
-                  <a:schemeClr val="tx1"/>
-                </a:solidFill>
-                <a:latin typeface="Arial" charset="0"/>
-                <a:ea typeface="+mn-ea"/>
-                <a:cs typeface="+mn-cs"/>
-              </a:rPr>
-              <a:t>를 통해 </a:t>
-            </a:r>
-            <a:r>
-              <a:rPr lang="en-US" altLang="ko-KR" sz="1200" kern="1200" dirty="0" smtClean="0">
-                <a:solidFill>
-                  <a:schemeClr val="tx1"/>
-                </a:solidFill>
-                <a:latin typeface="Arial" charset="0"/>
-                <a:ea typeface="+mn-ea"/>
-                <a:cs typeface="+mn-cs"/>
-              </a:rPr>
-              <a:t>PC</a:t>
-            </a:r>
-            <a:r>
-              <a:rPr lang="ko-KR" altLang="en-US" sz="1200" kern="1200" dirty="0" smtClean="0">
-                <a:solidFill>
-                  <a:schemeClr val="tx1"/>
-                </a:solidFill>
-                <a:latin typeface="Arial" charset="0"/>
-                <a:ea typeface="+mn-ea"/>
-                <a:cs typeface="+mn-cs"/>
-              </a:rPr>
-              <a:t>에</a:t>
-            </a:r>
-            <a:r>
-              <a:rPr lang="ko-KR" altLang="en-US" sz="1200" kern="1200" baseline="0" dirty="0" smtClean="0">
-                <a:solidFill>
-                  <a:schemeClr val="tx1"/>
-                </a:solidFill>
-                <a:latin typeface="Arial" charset="0"/>
-                <a:ea typeface="+mn-ea"/>
-                <a:cs typeface="+mn-cs"/>
-              </a:rPr>
-              <a:t> 연결되서 </a:t>
-            </a:r>
-            <a:r>
-              <a:rPr lang="ko-KR" altLang="en-US" sz="1200" kern="1200" baseline="0" dirty="0" err="1" smtClean="0">
-                <a:solidFill>
-                  <a:schemeClr val="tx1"/>
-                </a:solidFill>
-                <a:latin typeface="Arial" charset="0"/>
-                <a:ea typeface="+mn-ea"/>
-                <a:cs typeface="+mn-cs"/>
-              </a:rPr>
-              <a:t>스마트폰의</a:t>
-            </a:r>
-            <a:r>
-              <a:rPr lang="ko-KR" altLang="en-US" sz="1200" kern="1200" baseline="0" dirty="0" smtClean="0">
-                <a:solidFill>
-                  <a:schemeClr val="tx1"/>
-                </a:solidFill>
-                <a:latin typeface="Arial" charset="0"/>
-                <a:ea typeface="+mn-ea"/>
-                <a:cs typeface="+mn-cs"/>
-              </a:rPr>
-              <a:t> 어플리케이션을 사용할 수 있습니다</a:t>
-            </a:r>
-            <a:r>
-              <a:rPr lang="en-US" altLang="ko-KR" sz="1200" kern="1200" baseline="0" dirty="0" smtClean="0">
-                <a:solidFill>
-                  <a:schemeClr val="tx1"/>
-                </a:solidFill>
-                <a:latin typeface="Arial" charset="0"/>
-                <a:ea typeface="+mn-ea"/>
-                <a:cs typeface="+mn-cs"/>
-              </a:rPr>
-              <a:t>..</a:t>
-            </a:r>
-            <a:endParaRPr lang="ko-KR" altLang="en-US" sz="1200" kern="1200" dirty="0" smtClean="0">
+              <a:t>)</a:t>
+            </a:r>
+            <a:endParaRPr lang="ko-KR" altLang="ko-KR" sz="1200" kern="1200" dirty="0">
               <a:solidFill>
                 <a:schemeClr val="tx1"/>
               </a:solidFill>
@@ -5015,6 +5016,17 @@
               <a:defRPr/>
             </a:pPr>
             <a:r>
+              <a:rPr lang="en-US" altLang="ko-KR" sz="1200" kern="1200" dirty="0" smtClean="0">
+                <a:solidFill>
+                  <a:schemeClr val="tx1"/>
+                </a:solidFill>
+                <a:latin typeface="Arial" charset="0"/>
+                <a:ea typeface="+mn-ea"/>
+                <a:cs typeface="+mn-cs"/>
+              </a:rPr>
+              <a:t>USB/IP</a:t>
+            </a:r>
+            <a:r>
               <a:rPr lang="ko-KR" altLang="en-US" sz="1200" kern="1200" dirty="0" smtClean="0">
                 <a:solidFill>
                   <a:schemeClr val="tx1"/>
@@ -5023,7 +5035,51 @@
                 <a:ea typeface="+mn-ea"/>
                 <a:cs typeface="+mn-cs"/>
               </a:rPr>
-              <a:t>예를 들어 좌측이 윈도우 어플리케이션에 </a:t>
+              <a:t>는 서버와 클라이언트로 나뉘어져있는데 서버를 </a:t>
+            </a:r>
+            <a:r>
+              <a:rPr lang="ko-KR" altLang="en-US" sz="1200" kern="1200" dirty="0" err="1" smtClean="0">
+                <a:solidFill>
+                  <a:schemeClr val="tx1"/>
+                </a:solidFill>
+                <a:latin typeface="Arial" charset="0"/>
+                <a:ea typeface="+mn-ea"/>
+                <a:cs typeface="+mn-cs"/>
+              </a:rPr>
+              <a:t>안드로이드</a:t>
+            </a:r>
+            <a:r>
+              <a:rPr lang="ko-KR" altLang="en-US" sz="1200" kern="1200" dirty="0" smtClean="0">
+                <a:solidFill>
+                  <a:schemeClr val="tx1"/>
+                </a:solidFill>
+                <a:latin typeface="Arial" charset="0"/>
+                <a:ea typeface="+mn-ea"/>
+                <a:cs typeface="+mn-cs"/>
+              </a:rPr>
+              <a:t> </a:t>
+            </a:r>
+            <a:r>
+              <a:rPr lang="ko-KR" altLang="en-US" sz="1200" kern="1200" dirty="0" err="1" smtClean="0">
+                <a:solidFill>
+                  <a:schemeClr val="tx1"/>
+                </a:solidFill>
+                <a:latin typeface="Arial" charset="0"/>
+                <a:ea typeface="+mn-ea"/>
+                <a:cs typeface="+mn-cs"/>
+              </a:rPr>
+              <a:t>스마트폰에</a:t>
+            </a:r>
+            <a:r>
+              <a:rPr lang="ko-KR" altLang="en-US" sz="1200" kern="1200" dirty="0" smtClean="0">
+                <a:solidFill>
+                  <a:schemeClr val="tx1"/>
+                </a:solidFill>
+                <a:latin typeface="Arial" charset="0"/>
+                <a:ea typeface="+mn-ea"/>
+                <a:cs typeface="+mn-cs"/>
+              </a:rPr>
+              <a:t> 포팅하고</a:t>
             </a:r>
             <a:r>
               <a:rPr lang="en-US" altLang="ko-KR" sz="1200" kern="1200" dirty="0" smtClean="0">
@@ -5034,6 +5090,28 @@
                 <a:ea typeface="+mn-ea"/>
                 <a:cs typeface="+mn-cs"/>
               </a:rPr>
+              <a:t>, </a:t>
+            </a:r>
+            <a:r>
+              <a:rPr lang="ko-KR" altLang="en-US" sz="1200" kern="1200" dirty="0" smtClean="0">
+                <a:solidFill>
+                  <a:schemeClr val="tx1"/>
+                </a:solidFill>
+                <a:latin typeface="Arial" charset="0"/>
+                <a:ea typeface="+mn-ea"/>
+                <a:cs typeface="+mn-cs"/>
+              </a:rPr>
+              <a:t>어플리케이션을 </a:t>
+            </a:r>
+            <a:r>
+              <a:rPr lang="en-US" altLang="ko-KR" sz="1200" kern="1200" dirty="0" smtClean="0">
+                <a:solidFill>
+                  <a:schemeClr val="tx1"/>
+                </a:solidFill>
+                <a:latin typeface="Arial" charset="0"/>
+                <a:ea typeface="+mn-ea"/>
+                <a:cs typeface="+mn-cs"/>
+              </a:rPr>
               <a:t>USB</a:t>
             </a:r>
             <a:r>
@@ -5045,7 +5123,7 @@
                 <a:ea typeface="+mn-ea"/>
                 <a:cs typeface="+mn-cs"/>
               </a:rPr>
-              <a:t>카메라를 연결한 모습이라면</a:t>
+              <a:t>장치처럼 보이도록 할 </a:t>
             </a:r>
             <a:r>
               <a:rPr lang="en-US" altLang="ko-KR" sz="1200" kern="1200" dirty="0" smtClean="0">
@@ -5056,7 +5134,7 @@
                 <a:ea typeface="+mn-ea"/>
                 <a:cs typeface="+mn-cs"/>
               </a:rPr>
-              <a:t>, </a:t>
+              <a:t>VHCI</a:t>
             </a:r>
             <a:r>
               <a:rPr lang="ko-KR" altLang="en-US" sz="1200" kern="1200" dirty="0" smtClean="0">
@@ -5067,7 +5145,117 @@
                 <a:ea typeface="+mn-ea"/>
                 <a:cs typeface="+mn-cs"/>
               </a:rPr>
-              <a:t>우측</a:t>
+              <a:t>드라이버를 만들면</a:t>
+            </a:r>
+            <a:r>
+              <a:rPr lang="en-US" altLang="ko-KR" sz="1200" kern="1200" dirty="0" smtClean="0">
+                <a:solidFill>
+                  <a:schemeClr val="tx1"/>
+                </a:solidFill>
+                <a:latin typeface="Arial" charset="0"/>
+                <a:ea typeface="+mn-ea"/>
+                <a:cs typeface="+mn-cs"/>
+              </a:rPr>
+              <a:t>,</a:t>
+            </a:r>
+            <a:r>
+              <a:rPr lang="ko-KR" altLang="en-US" sz="1200" kern="1200" dirty="0" smtClean="0">
+                <a:solidFill>
+                  <a:schemeClr val="tx1"/>
+                </a:solidFill>
+                <a:latin typeface="Arial" charset="0"/>
+                <a:ea typeface="+mn-ea"/>
+                <a:cs typeface="+mn-cs"/>
+              </a:rPr>
+              <a:t> 어플리케이션이 </a:t>
+            </a:r>
+            <a:r>
+              <a:rPr lang="en-US" altLang="ko-KR" sz="1200" kern="1200" dirty="0" smtClean="0">
+                <a:solidFill>
+                  <a:schemeClr val="tx1"/>
+                </a:solidFill>
+                <a:latin typeface="Arial" charset="0"/>
+                <a:ea typeface="+mn-ea"/>
+                <a:cs typeface="+mn-cs"/>
+              </a:rPr>
+              <a:t>USB</a:t>
+            </a:r>
+            <a:r>
+              <a:rPr lang="ko-KR" altLang="en-US" sz="1200" kern="1200" dirty="0" smtClean="0">
+                <a:solidFill>
+                  <a:schemeClr val="tx1"/>
+                </a:solidFill>
+                <a:latin typeface="Arial" charset="0"/>
+                <a:ea typeface="+mn-ea"/>
+                <a:cs typeface="+mn-cs"/>
+              </a:rPr>
+              <a:t>장치로 인식됩니다</a:t>
+            </a:r>
+            <a:r>
+              <a:rPr lang="en-US" altLang="ko-KR" sz="1200" kern="1200" dirty="0" smtClean="0">
+                <a:solidFill>
+                  <a:schemeClr val="tx1"/>
+                </a:solidFill>
+                <a:latin typeface="Arial" charset="0"/>
+                <a:ea typeface="+mn-ea"/>
+                <a:cs typeface="+mn-cs"/>
+              </a:rPr>
+              <a:t>. </a:t>
+            </a:r>
+            <a:r>
+              <a:rPr lang="ko-KR" altLang="en-US" sz="1200" kern="1200" dirty="0" smtClean="0">
+                <a:solidFill>
+                  <a:schemeClr val="tx1"/>
+                </a:solidFill>
+                <a:latin typeface="Arial" charset="0"/>
+                <a:ea typeface="+mn-ea"/>
+                <a:cs typeface="+mn-cs"/>
+              </a:rPr>
+              <a:t>그리고 </a:t>
+            </a:r>
+            <a:r>
+              <a:rPr lang="en-US" altLang="ko-KR" sz="1200" kern="1200" dirty="0" smtClean="0">
+                <a:solidFill>
+                  <a:schemeClr val="tx1"/>
+                </a:solidFill>
+                <a:latin typeface="Arial" charset="0"/>
+                <a:ea typeface="+mn-ea"/>
+                <a:cs typeface="+mn-cs"/>
+              </a:rPr>
+              <a:t>USB/IP</a:t>
+            </a:r>
+            <a:r>
+              <a:rPr lang="ko-KR" altLang="en-US" sz="1200" kern="1200" dirty="0" smtClean="0">
+                <a:solidFill>
+                  <a:schemeClr val="tx1"/>
+                </a:solidFill>
+                <a:latin typeface="Arial" charset="0"/>
+                <a:ea typeface="+mn-ea"/>
+                <a:cs typeface="+mn-cs"/>
+              </a:rPr>
+              <a:t>를 통해 </a:t>
+            </a:r>
+            <a:r>
+              <a:rPr lang="en-US" altLang="ko-KR" sz="1200" kern="1200" dirty="0" smtClean="0">
+                <a:solidFill>
+                  <a:schemeClr val="tx1"/>
+                </a:solidFill>
+                <a:latin typeface="Arial" charset="0"/>
+                <a:ea typeface="+mn-ea"/>
+                <a:cs typeface="+mn-cs"/>
+              </a:rPr>
+              <a:t>PC</a:t>
+            </a:r>
+            <a:r>
+              <a:rPr lang="ko-KR" altLang="en-US" sz="1200" kern="1200" dirty="0" smtClean="0">
+                <a:solidFill>
+                  <a:schemeClr val="tx1"/>
+                </a:solidFill>
+                <a:latin typeface="Arial" charset="0"/>
+                <a:ea typeface="+mn-ea"/>
+                <a:cs typeface="+mn-cs"/>
+              </a:rPr>
+              <a:t>에</a:t>
             </a:r>
             <a:r>
               <a:rPr lang="ko-KR" altLang="en-US" sz="1200" kern="1200" baseline="0" dirty="0" smtClean="0">
@@ -5078,7 +5266,7 @@
                 <a:ea typeface="+mn-ea"/>
                 <a:cs typeface="+mn-cs"/>
               </a:rPr>
-              <a:t>에서 </a:t>
+              <a:t> 연결되서 </a:t>
             </a:r>
             <a:r>
               <a:rPr lang="ko-KR" altLang="en-US" sz="1200" kern="1200" baseline="0" dirty="0" err="1" smtClean="0">
@@ -5100,117 +5288,7 @@
                 <a:ea typeface="+mn-ea"/>
                 <a:cs typeface="+mn-cs"/>
               </a:rPr>
-              <a:t> </a:t>
-            </a:r>
-            <a:r>
-              <a:rPr lang="ko-KR" altLang="en-US" sz="1200" kern="1200" dirty="0" smtClean="0">
-                <a:solidFill>
-                  <a:schemeClr val="tx1"/>
-                </a:solidFill>
-                <a:latin typeface="Arial" charset="0"/>
-                <a:ea typeface="+mn-ea"/>
-                <a:cs typeface="+mn-cs"/>
-              </a:rPr>
-              <a:t>카메라 어플리케이션도 </a:t>
-            </a:r>
-            <a:r>
-              <a:rPr lang="en-US" altLang="ko-KR" sz="1200" kern="1200" dirty="0" smtClean="0">
-                <a:solidFill>
-                  <a:schemeClr val="tx1"/>
-                </a:solidFill>
-                <a:latin typeface="Arial" charset="0"/>
-                <a:ea typeface="+mn-ea"/>
-                <a:cs typeface="+mn-cs"/>
-              </a:rPr>
-              <a:t>VHCI</a:t>
-            </a:r>
-            <a:r>
-              <a:rPr lang="ko-KR" altLang="en-US" sz="1200" kern="1200" dirty="0" smtClean="0">
-                <a:solidFill>
-                  <a:schemeClr val="tx1"/>
-                </a:solidFill>
-                <a:latin typeface="Arial" charset="0"/>
-                <a:ea typeface="+mn-ea"/>
-                <a:cs typeface="+mn-cs"/>
-              </a:rPr>
-              <a:t>드라이버를 통해 </a:t>
-            </a:r>
-            <a:r>
-              <a:rPr lang="en-US" altLang="ko-KR" sz="1200" kern="1200" dirty="0" smtClean="0">
-                <a:solidFill>
-                  <a:schemeClr val="tx1"/>
-                </a:solidFill>
-                <a:latin typeface="Arial" charset="0"/>
-                <a:ea typeface="+mn-ea"/>
-                <a:cs typeface="+mn-cs"/>
-              </a:rPr>
-              <a:t>USB</a:t>
-            </a:r>
-            <a:r>
-              <a:rPr lang="ko-KR" altLang="en-US" sz="1200" kern="1200" dirty="0" smtClean="0">
-                <a:solidFill>
-                  <a:schemeClr val="tx1"/>
-                </a:solidFill>
-                <a:latin typeface="Arial" charset="0"/>
-                <a:ea typeface="+mn-ea"/>
-                <a:cs typeface="+mn-cs"/>
-              </a:rPr>
-              <a:t>장치로 인식되고</a:t>
-            </a:r>
-            <a:r>
-              <a:rPr lang="en-US" altLang="ko-KR" sz="1200" kern="1200" dirty="0" smtClean="0">
-                <a:solidFill>
-                  <a:schemeClr val="tx1"/>
-                </a:solidFill>
-                <a:latin typeface="Arial" charset="0"/>
-                <a:ea typeface="+mn-ea"/>
-                <a:cs typeface="+mn-cs"/>
-              </a:rPr>
-              <a:t>,</a:t>
-            </a:r>
-            <a:r>
-              <a:rPr lang="ko-KR" altLang="en-US" sz="1200" kern="1200" dirty="0" smtClean="0">
-                <a:solidFill>
-                  <a:schemeClr val="tx1"/>
-                </a:solidFill>
-                <a:latin typeface="Arial" charset="0"/>
-                <a:ea typeface="+mn-ea"/>
-                <a:cs typeface="+mn-cs"/>
-              </a:rPr>
-              <a:t> </a:t>
-            </a:r>
-            <a:r>
-              <a:rPr lang="en-US" altLang="ko-KR" sz="1200" kern="1200" dirty="0" smtClean="0">
-                <a:solidFill>
-                  <a:schemeClr val="tx1"/>
-                </a:solidFill>
-                <a:latin typeface="Arial" charset="0"/>
-                <a:ea typeface="+mn-ea"/>
-                <a:cs typeface="+mn-cs"/>
-              </a:rPr>
-              <a:t>USB/IP</a:t>
-            </a:r>
-            <a:r>
-              <a:rPr lang="ko-KR" altLang="en-US" sz="1200" kern="1200" dirty="0" smtClean="0">
-                <a:solidFill>
-                  <a:schemeClr val="tx1"/>
-                </a:solidFill>
-                <a:latin typeface="Arial" charset="0"/>
-                <a:ea typeface="+mn-ea"/>
-                <a:cs typeface="+mn-cs"/>
-              </a:rPr>
-              <a:t>를 거쳐</a:t>
-            </a:r>
-            <a:r>
-              <a:rPr lang="ko-KR" altLang="en-US" sz="1200" kern="1200" baseline="0" dirty="0" smtClean="0">
-                <a:solidFill>
-                  <a:schemeClr val="tx1"/>
-                </a:solidFill>
-                <a:latin typeface="Arial" charset="0"/>
-                <a:ea typeface="+mn-ea"/>
-                <a:cs typeface="+mn-cs"/>
-              </a:rPr>
-              <a:t> 어플리케이션의 수정 없이 </a:t>
+              <a:t> 어플리케이션을 사용할 수 있습니다</a:t>
             </a:r>
             <a:r>
               <a:rPr lang="en-US" altLang="ko-KR" sz="1200" kern="1200" baseline="0" dirty="0" smtClean="0">
@@ -5221,73 +5299,7 @@
                 <a:ea typeface="+mn-ea"/>
                 <a:cs typeface="+mn-cs"/>
               </a:rPr>
-              <a:t>PC</a:t>
-            </a:r>
-            <a:r>
-              <a:rPr lang="ko-KR" altLang="en-US" sz="1200" kern="1200" baseline="0" dirty="0" smtClean="0">
-                <a:solidFill>
-                  <a:schemeClr val="tx1"/>
-                </a:solidFill>
-                <a:latin typeface="Arial" charset="0"/>
-                <a:ea typeface="+mn-ea"/>
-                <a:cs typeface="+mn-cs"/>
-              </a:rPr>
-              <a:t>에서</a:t>
-            </a:r>
-            <a:r>
-              <a:rPr lang="ko-KR" altLang="en-US" sz="1200" kern="1200" dirty="0" smtClean="0">
-                <a:solidFill>
-                  <a:schemeClr val="tx1"/>
-                </a:solidFill>
-                <a:latin typeface="Arial" charset="0"/>
-                <a:ea typeface="+mn-ea"/>
-                <a:cs typeface="+mn-cs"/>
-              </a:rPr>
-              <a:t> 좌측과 동일하게 </a:t>
-            </a:r>
-            <a:r>
-              <a:rPr lang="en-US" altLang="ko-KR" sz="1200" kern="1200" dirty="0" smtClean="0">
-                <a:solidFill>
-                  <a:schemeClr val="tx1"/>
-                </a:solidFill>
-                <a:latin typeface="Arial" charset="0"/>
-                <a:ea typeface="+mn-ea"/>
-                <a:cs typeface="+mn-cs"/>
-              </a:rPr>
-              <a:t>USB </a:t>
-            </a:r>
-            <a:r>
-              <a:rPr lang="ko-KR" altLang="en-US" sz="1200" kern="1200" smtClean="0">
-                <a:solidFill>
-                  <a:schemeClr val="tx1"/>
-                </a:solidFill>
-                <a:latin typeface="Arial" charset="0"/>
-                <a:ea typeface="+mn-ea"/>
-                <a:cs typeface="+mn-cs"/>
-              </a:rPr>
-              <a:t>카메라로 인식되는 </a:t>
-            </a:r>
-            <a:r>
-              <a:rPr lang="ko-KR" altLang="en-US" sz="1200" kern="1200" dirty="0" smtClean="0">
-                <a:solidFill>
-                  <a:schemeClr val="tx1"/>
-                </a:solidFill>
-                <a:latin typeface="Arial" charset="0"/>
-                <a:ea typeface="+mn-ea"/>
-                <a:cs typeface="+mn-cs"/>
-              </a:rPr>
-              <a:t>모습입니다</a:t>
-            </a:r>
-            <a:r>
-              <a:rPr lang="en-US" altLang="ko-KR" sz="1200" kern="1200" dirty="0" smtClean="0">
-                <a:solidFill>
-                  <a:schemeClr val="tx1"/>
-                </a:solidFill>
-                <a:latin typeface="Arial" charset="0"/>
-                <a:ea typeface="+mn-ea"/>
-                <a:cs typeface="+mn-cs"/>
-              </a:rPr>
-              <a:t>.</a:t>
+              <a:t>..</a:t>
             </a:r>
             <a:endParaRPr lang="ko-KR" altLang="en-US" sz="1200" kern="1200" dirty="0" smtClean="0">
               <a:solidFill>
@@ -5297,9 +5309,6 @@
               <a:ea typeface="+mn-ea"/>
               <a:cs typeface="+mn-cs"/>
             </a:endParaRPr>
-          </a:p>
-          <a:p>
-            <a:endParaRPr lang="ko-KR" altLang="en-US" dirty="0"/>
           </a:p>
         </p:txBody>
       </p:sp>
@@ -5399,6 +5408,17 @@
               <a:defRPr/>
             </a:pPr>
             <a:r>
+              <a:rPr lang="ko-KR" altLang="en-US" sz="1200" kern="1200" dirty="0" smtClean="0">
+                <a:solidFill>
+                  <a:schemeClr val="tx1"/>
+                </a:solidFill>
+                <a:latin typeface="Arial" charset="0"/>
+                <a:ea typeface="+mn-ea"/>
+                <a:cs typeface="+mn-cs"/>
+              </a:rPr>
+              <a:t>예를 들어 좌측이 윈도우 어플리케이션에 </a:t>
+            </a:r>
+            <a:r>
               <a:rPr lang="en-US" altLang="ko-KR" sz="1200" kern="1200" dirty="0" smtClean="0">
                 <a:solidFill>
                   <a:schemeClr val="tx1"/>
@@ -5407,6 +5427,160 @@
                 <a:ea typeface="+mn-ea"/>
                 <a:cs typeface="+mn-cs"/>
               </a:rPr>
+              <a:t>USB</a:t>
+            </a:r>
+            <a:r>
+              <a:rPr lang="ko-KR" altLang="en-US" sz="1200" kern="1200" dirty="0" smtClean="0">
+                <a:solidFill>
+                  <a:schemeClr val="tx1"/>
+                </a:solidFill>
+                <a:latin typeface="Arial" charset="0"/>
+                <a:ea typeface="+mn-ea"/>
+                <a:cs typeface="+mn-cs"/>
+              </a:rPr>
+              <a:t>카메라를 연결한 모습이라면</a:t>
+            </a:r>
+            <a:r>
+              <a:rPr lang="en-US" altLang="ko-KR" sz="1200" kern="1200" dirty="0" smtClean="0">
+                <a:solidFill>
+                  <a:schemeClr val="tx1"/>
+                </a:solidFill>
+                <a:latin typeface="Arial" charset="0"/>
+                <a:ea typeface="+mn-ea"/>
+                <a:cs typeface="+mn-cs"/>
+              </a:rPr>
+              <a:t>, </a:t>
+            </a:r>
+            <a:r>
+              <a:rPr lang="ko-KR" altLang="en-US" sz="1200" kern="1200" dirty="0" smtClean="0">
+                <a:solidFill>
+                  <a:schemeClr val="tx1"/>
+                </a:solidFill>
+                <a:latin typeface="Arial" charset="0"/>
+                <a:ea typeface="+mn-ea"/>
+                <a:cs typeface="+mn-cs"/>
+              </a:rPr>
+              <a:t>우측</a:t>
+            </a:r>
+            <a:r>
+              <a:rPr lang="ko-KR" altLang="en-US" sz="1200" kern="1200" baseline="0" dirty="0" smtClean="0">
+                <a:solidFill>
+                  <a:schemeClr val="tx1"/>
+                </a:solidFill>
+                <a:latin typeface="Arial" charset="0"/>
+                <a:ea typeface="+mn-ea"/>
+                <a:cs typeface="+mn-cs"/>
+              </a:rPr>
+              <a:t>에서 </a:t>
+            </a:r>
+            <a:r>
+              <a:rPr lang="ko-KR" altLang="en-US" sz="1200" kern="1200" baseline="0" dirty="0" err="1" smtClean="0">
+                <a:solidFill>
+                  <a:schemeClr val="tx1"/>
+                </a:solidFill>
+                <a:latin typeface="Arial" charset="0"/>
+                <a:ea typeface="+mn-ea"/>
+                <a:cs typeface="+mn-cs"/>
+              </a:rPr>
+              <a:t>스마트폰의</a:t>
+            </a:r>
+            <a:r>
+              <a:rPr lang="ko-KR" altLang="en-US" sz="1200" kern="1200" baseline="0" dirty="0" smtClean="0">
+                <a:solidFill>
+                  <a:schemeClr val="tx1"/>
+                </a:solidFill>
+                <a:latin typeface="Arial" charset="0"/>
+                <a:ea typeface="+mn-ea"/>
+                <a:cs typeface="+mn-cs"/>
+              </a:rPr>
+              <a:t> </a:t>
+            </a:r>
+            <a:r>
+              <a:rPr lang="ko-KR" altLang="en-US" sz="1200" kern="1200" dirty="0" smtClean="0">
+                <a:solidFill>
+                  <a:schemeClr val="tx1"/>
+                </a:solidFill>
+                <a:latin typeface="Arial" charset="0"/>
+                <a:ea typeface="+mn-ea"/>
+                <a:cs typeface="+mn-cs"/>
+              </a:rPr>
+              <a:t>카메라 어플리케이션도 </a:t>
+            </a:r>
+            <a:r>
+              <a:rPr lang="en-US" altLang="ko-KR" sz="1200" kern="1200" dirty="0" smtClean="0">
+                <a:solidFill>
+                  <a:schemeClr val="tx1"/>
+                </a:solidFill>
+                <a:latin typeface="Arial" charset="0"/>
+                <a:ea typeface="+mn-ea"/>
+                <a:cs typeface="+mn-cs"/>
+              </a:rPr>
+              <a:t>VHCI</a:t>
+            </a:r>
+            <a:r>
+              <a:rPr lang="ko-KR" altLang="en-US" sz="1200" kern="1200" dirty="0" smtClean="0">
+                <a:solidFill>
+                  <a:schemeClr val="tx1"/>
+                </a:solidFill>
+                <a:latin typeface="Arial" charset="0"/>
+                <a:ea typeface="+mn-ea"/>
+                <a:cs typeface="+mn-cs"/>
+              </a:rPr>
+              <a:t>드라이버를 통해 </a:t>
+            </a:r>
+            <a:r>
+              <a:rPr lang="en-US" altLang="ko-KR" sz="1200" kern="1200" dirty="0" smtClean="0">
+                <a:solidFill>
+                  <a:schemeClr val="tx1"/>
+                </a:solidFill>
+                <a:latin typeface="Arial" charset="0"/>
+                <a:ea typeface="+mn-ea"/>
+                <a:cs typeface="+mn-cs"/>
+              </a:rPr>
+              <a:t>USB</a:t>
+            </a:r>
+            <a:r>
+              <a:rPr lang="ko-KR" altLang="en-US" sz="1200" kern="1200" dirty="0" smtClean="0">
+                <a:solidFill>
+                  <a:schemeClr val="tx1"/>
+                </a:solidFill>
+                <a:latin typeface="Arial" charset="0"/>
+                <a:ea typeface="+mn-ea"/>
+                <a:cs typeface="+mn-cs"/>
+              </a:rPr>
+              <a:t>장치로 인식되고</a:t>
+            </a:r>
+            <a:r>
+              <a:rPr lang="en-US" altLang="ko-KR" sz="1200" kern="1200" dirty="0" smtClean="0">
+                <a:solidFill>
+                  <a:schemeClr val="tx1"/>
+                </a:solidFill>
+                <a:latin typeface="Arial" charset="0"/>
+                <a:ea typeface="+mn-ea"/>
+                <a:cs typeface="+mn-cs"/>
+              </a:rPr>
+              <a:t>,</a:t>
+            </a:r>
+            <a:r>
+              <a:rPr lang="ko-KR" altLang="en-US" sz="1200" kern="1200" dirty="0" smtClean="0">
+                <a:solidFill>
+                  <a:schemeClr val="tx1"/>
+                </a:solidFill>
+                <a:latin typeface="Arial" charset="0"/>
+                <a:ea typeface="+mn-ea"/>
+                <a:cs typeface="+mn-cs"/>
+              </a:rPr>
+              <a:t> </a:t>
+            </a:r>
+            <a:r>
+              <a:rPr lang="en-US" altLang="ko-KR" sz="1200" kern="1200" dirty="0" smtClean="0">
+                <a:solidFill>
+                  <a:schemeClr val="tx1"/>
+                </a:solidFill>
+                <a:latin typeface="Arial" charset="0"/>
+                <a:ea typeface="+mn-ea"/>
+                <a:cs typeface="+mn-cs"/>
+              </a:rPr>
               <a:t>USB/IP</a:t>
             </a:r>
             <a:r>
@@ -5418,7 +5592,51 @@
                 <a:ea typeface="+mn-ea"/>
                 <a:cs typeface="+mn-cs"/>
               </a:rPr>
-              <a:t>를 이용하게 되면 앞에서 예로 든 </a:t>
+              <a:t>를 거쳐</a:t>
+            </a:r>
+            <a:r>
+              <a:rPr lang="ko-KR" altLang="en-US" sz="1200" kern="1200" baseline="0" dirty="0" smtClean="0">
+                <a:solidFill>
+                  <a:schemeClr val="tx1"/>
+                </a:solidFill>
+                <a:latin typeface="Arial" charset="0"/>
+                <a:ea typeface="+mn-ea"/>
+                <a:cs typeface="+mn-cs"/>
+              </a:rPr>
+              <a:t> 어플리케이션의 수정 없이 </a:t>
+            </a:r>
+            <a:r>
+              <a:rPr lang="en-US" altLang="ko-KR" sz="1200" kern="1200" baseline="0" dirty="0" smtClean="0">
+                <a:solidFill>
+                  <a:schemeClr val="tx1"/>
+                </a:solidFill>
+                <a:latin typeface="Arial" charset="0"/>
+                <a:ea typeface="+mn-ea"/>
+                <a:cs typeface="+mn-cs"/>
+              </a:rPr>
+              <a:t>PC</a:t>
+            </a:r>
+            <a:r>
+              <a:rPr lang="ko-KR" altLang="en-US" sz="1200" kern="1200" baseline="0" dirty="0" smtClean="0">
+                <a:solidFill>
+                  <a:schemeClr val="tx1"/>
+                </a:solidFill>
+                <a:latin typeface="Arial" charset="0"/>
+                <a:ea typeface="+mn-ea"/>
+                <a:cs typeface="+mn-cs"/>
+              </a:rPr>
+              <a:t>에서</a:t>
+            </a:r>
+            <a:r>
+              <a:rPr lang="ko-KR" altLang="en-US" sz="1200" kern="1200" dirty="0" smtClean="0">
+                <a:solidFill>
+                  <a:schemeClr val="tx1"/>
+                </a:solidFill>
+                <a:latin typeface="Arial" charset="0"/>
+                <a:ea typeface="+mn-ea"/>
+                <a:cs typeface="+mn-cs"/>
+              </a:rPr>
+              <a:t> 좌측과 동일하게 </a:t>
             </a:r>
             <a:r>
               <a:rPr lang="en-US" altLang="ko-KR" sz="1200" kern="1200" dirty="0" smtClean="0">
@@ -5429,7 +5647,18 @@
                 <a:ea typeface="+mn-ea"/>
                 <a:cs typeface="+mn-cs"/>
               </a:rPr>
-              <a:t>USB</a:t>
+              <a:t>USB </a:t>
+            </a:r>
+            <a:r>
+              <a:rPr lang="ko-KR" altLang="en-US" sz="1200" kern="1200" smtClean="0">
+                <a:solidFill>
+                  <a:schemeClr val="tx1"/>
+                </a:solidFill>
+                <a:latin typeface="Arial" charset="0"/>
+                <a:ea typeface="+mn-ea"/>
+                <a:cs typeface="+mn-cs"/>
+              </a:rPr>
+              <a:t>카메라로 인식되는 </a:t>
             </a:r>
             <a:r>
               <a:rPr lang="ko-KR" altLang="en-US" sz="1200" kern="1200" dirty="0" smtClean="0">
@@ -5440,117 +5669,7 @@
                 <a:ea typeface="+mn-ea"/>
                 <a:cs typeface="+mn-cs"/>
               </a:rPr>
-              <a:t>카메라의 경우처럼 기존에 </a:t>
-            </a:r>
-            <a:r>
-              <a:rPr lang="en-US" altLang="ko-KR" sz="1200" kern="1200" dirty="0" smtClean="0">
-                <a:solidFill>
-                  <a:schemeClr val="tx1"/>
-                </a:solidFill>
-                <a:latin typeface="Arial" charset="0"/>
-                <a:ea typeface="+mn-ea"/>
-                <a:cs typeface="+mn-cs"/>
-              </a:rPr>
-              <a:t>USB</a:t>
-            </a:r>
-            <a:r>
-              <a:rPr lang="ko-KR" altLang="en-US" sz="1200" kern="1200" dirty="0" smtClean="0">
-                <a:solidFill>
-                  <a:schemeClr val="tx1"/>
-                </a:solidFill>
-                <a:latin typeface="Arial" charset="0"/>
-                <a:ea typeface="+mn-ea"/>
-                <a:cs typeface="+mn-cs"/>
-              </a:rPr>
-              <a:t> 장치를 사용하던 </a:t>
-            </a:r>
-            <a:r>
-              <a:rPr lang="en-US" altLang="ko-KR" sz="1200" kern="1200" dirty="0" smtClean="0">
-                <a:solidFill>
-                  <a:schemeClr val="tx1"/>
-                </a:solidFill>
-                <a:latin typeface="Arial" charset="0"/>
-                <a:ea typeface="+mn-ea"/>
-                <a:cs typeface="+mn-cs"/>
-              </a:rPr>
-              <a:t>PC</a:t>
-            </a:r>
-            <a:r>
-              <a:rPr lang="ko-KR" altLang="en-US" sz="1200" kern="1200" dirty="0" smtClean="0">
-                <a:solidFill>
-                  <a:schemeClr val="tx1"/>
-                </a:solidFill>
-                <a:latin typeface="Arial" charset="0"/>
-                <a:ea typeface="+mn-ea"/>
-                <a:cs typeface="+mn-cs"/>
-              </a:rPr>
-              <a:t>용 어플리케이션들을 수정 없이 사용할 수 있다는 장점을 갖습니다</a:t>
-            </a:r>
-            <a:r>
-              <a:rPr lang="en-US" altLang="ko-KR" sz="1200" kern="1200" dirty="0" smtClean="0">
-                <a:solidFill>
-                  <a:schemeClr val="tx1"/>
-                </a:solidFill>
-                <a:latin typeface="Arial" charset="0"/>
-                <a:ea typeface="+mn-ea"/>
-                <a:cs typeface="+mn-cs"/>
-              </a:rPr>
-              <a:t>. </a:t>
-            </a:r>
-            <a:r>
-              <a:rPr lang="ko-KR" altLang="en-US" sz="1200" kern="1200" dirty="0" smtClean="0">
-                <a:solidFill>
-                  <a:schemeClr val="tx1"/>
-                </a:solidFill>
-                <a:latin typeface="Arial" charset="0"/>
-                <a:ea typeface="+mn-ea"/>
-                <a:cs typeface="+mn-cs"/>
-              </a:rPr>
-              <a:t>하지만 </a:t>
-            </a:r>
-            <a:r>
-              <a:rPr lang="en-US" altLang="ko-KR" sz="1200" kern="1200" dirty="0" smtClean="0">
-                <a:solidFill>
-                  <a:schemeClr val="tx1"/>
-                </a:solidFill>
-                <a:latin typeface="Arial" charset="0"/>
-                <a:ea typeface="+mn-ea"/>
-                <a:cs typeface="+mn-cs"/>
-              </a:rPr>
-              <a:t>TCP/IP</a:t>
-            </a:r>
-            <a:r>
-              <a:rPr lang="ko-KR" altLang="en-US" sz="1200" kern="1200" dirty="0" smtClean="0">
-                <a:solidFill>
-                  <a:schemeClr val="tx1"/>
-                </a:solidFill>
-                <a:latin typeface="Arial" charset="0"/>
-                <a:ea typeface="+mn-ea"/>
-                <a:cs typeface="+mn-cs"/>
-              </a:rPr>
-              <a:t>로 연결해서 </a:t>
-            </a:r>
-            <a:r>
-              <a:rPr lang="en-US" altLang="ko-KR" sz="1200" kern="1200" dirty="0" smtClean="0">
-                <a:solidFill>
-                  <a:schemeClr val="tx1"/>
-                </a:solidFill>
-                <a:latin typeface="Arial" charset="0"/>
-                <a:ea typeface="+mn-ea"/>
-                <a:cs typeface="+mn-cs"/>
-              </a:rPr>
-              <a:t>USB</a:t>
-            </a:r>
-            <a:r>
-              <a:rPr lang="ko-KR" altLang="en-US" sz="1200" kern="1200" dirty="0" smtClean="0">
-                <a:solidFill>
-                  <a:schemeClr val="tx1"/>
-                </a:solidFill>
-                <a:latin typeface="Arial" charset="0"/>
-                <a:ea typeface="+mn-ea"/>
-                <a:cs typeface="+mn-cs"/>
-              </a:rPr>
-              <a:t>장치를 사용하려면 어플리케이션을 수정 해야 되는 문제점이 있습니다</a:t>
+              <a:t>모습입니다</a:t>
             </a:r>
             <a:r>
               <a:rPr lang="en-US" altLang="ko-KR" sz="1200" kern="1200" dirty="0" smtClean="0">
@@ -5571,6 +5690,9 @@
               <a:ea typeface="+mn-ea"/>
               <a:cs typeface="+mn-cs"/>
             </a:endParaRPr>
+          </a:p>
+          <a:p>
+            <a:endParaRPr lang="ko-KR" altLang="en-US" dirty="0"/>
           </a:p>
         </p:txBody>
       </p:sp>
@@ -5678,7 +5800,7 @@
                 <a:ea typeface="+mn-ea"/>
                 <a:cs typeface="+mn-cs"/>
               </a:rPr>
-              <a:t>Android-USB </a:t>
+              <a:t>USB/IP</a:t>
             </a:r>
             <a:r>
               <a:rPr lang="ko-KR" altLang="en-US" sz="1200" kern="1200" dirty="0" smtClean="0">
@@ -5689,7 +5811,7 @@
                 <a:ea typeface="+mn-ea"/>
                 <a:cs typeface="+mn-cs"/>
               </a:rPr>
-              <a:t>프로젝트를 활용해서</a:t>
+              <a:t>를 이용하게 되면 앞에서 예로 든 </a:t>
             </a:r>
             <a:r>
               <a:rPr lang="en-US" altLang="ko-KR" sz="1200" kern="1200" dirty="0" smtClean="0">
@@ -5700,7 +5822,7 @@
                 <a:ea typeface="+mn-ea"/>
                 <a:cs typeface="+mn-cs"/>
               </a:rPr>
-              <a:t> PC</a:t>
+              <a:t>USB</a:t>
             </a:r>
             <a:r>
               <a:rPr lang="ko-KR" altLang="en-US" sz="1200" kern="1200" dirty="0" smtClean="0">
@@ -5711,18 +5833,7 @@
                 <a:ea typeface="+mn-ea"/>
                 <a:cs typeface="+mn-cs"/>
               </a:rPr>
-              <a:t>에서 스마트폰의 </a:t>
-            </a:r>
-            <a:r>
-              <a:rPr lang="ko-KR" altLang="en-US" sz="1200" kern="1200" dirty="0" err="1" smtClean="0">
-                <a:solidFill>
-                  <a:schemeClr val="tx1"/>
-                </a:solidFill>
-                <a:latin typeface="Arial" charset="0"/>
-                <a:ea typeface="+mn-ea"/>
-                <a:cs typeface="+mn-cs"/>
-              </a:rPr>
-              <a:t>카카오톡</a:t>
+              <a:t>카메라의 경우처럼 기존에 </a:t>
             </a:r>
             <a:r>
               <a:rPr lang="en-US" altLang="ko-KR" sz="1200" kern="1200" dirty="0" smtClean="0">
@@ -5733,7 +5844,7 @@
                 <a:ea typeface="+mn-ea"/>
                 <a:cs typeface="+mn-cs"/>
               </a:rPr>
-              <a:t>, </a:t>
+              <a:t>USB</a:t>
             </a:r>
             <a:r>
               <a:rPr lang="ko-KR" altLang="en-US" sz="1200" kern="1200" dirty="0" smtClean="0">
@@ -5744,7 +5855,7 @@
                 <a:ea typeface="+mn-ea"/>
                 <a:cs typeface="+mn-cs"/>
               </a:rPr>
-              <a:t>문자메시지를 사용할 수 있습니다</a:t>
+              <a:t> 장치를 사용하던 </a:t>
             </a:r>
             <a:r>
               <a:rPr lang="en-US" altLang="ko-KR" sz="1200" kern="1200" dirty="0" smtClean="0">
@@ -5755,6 +5866,28 @@
                 <a:ea typeface="+mn-ea"/>
                 <a:cs typeface="+mn-cs"/>
               </a:rPr>
+              <a:t>PC</a:t>
+            </a:r>
+            <a:r>
+              <a:rPr lang="ko-KR" altLang="en-US" sz="1200" kern="1200" dirty="0" smtClean="0">
+                <a:solidFill>
+                  <a:schemeClr val="tx1"/>
+                </a:solidFill>
+                <a:latin typeface="Arial" charset="0"/>
+                <a:ea typeface="+mn-ea"/>
+                <a:cs typeface="+mn-cs"/>
+              </a:rPr>
+              <a:t>용 어플리케이션들을 수정 없이 사용할 수 있다는 장점을 갖습니다</a:t>
+            </a:r>
+            <a:r>
+              <a:rPr lang="en-US" altLang="ko-KR" sz="1200" kern="1200" dirty="0" smtClean="0">
+                <a:solidFill>
+                  <a:schemeClr val="tx1"/>
+                </a:solidFill>
+                <a:latin typeface="Arial" charset="0"/>
+                <a:ea typeface="+mn-ea"/>
+                <a:cs typeface="+mn-cs"/>
+              </a:rPr>
               <a:t>. </a:t>
             </a:r>
             <a:r>
@@ -5766,7 +5899,7 @@
                 <a:ea typeface="+mn-ea"/>
                 <a:cs typeface="+mn-cs"/>
               </a:rPr>
-              <a:t>그리고</a:t>
+              <a:t>하지만 </a:t>
             </a:r>
             <a:r>
               <a:rPr lang="en-US" altLang="ko-KR" sz="1200" kern="1200" dirty="0" smtClean="0">
@@ -5777,7 +5910,7 @@
                 <a:ea typeface="+mn-ea"/>
                 <a:cs typeface="+mn-cs"/>
               </a:rPr>
-              <a:t> </a:t>
+              <a:t>TCP/IP</a:t>
             </a:r>
             <a:r>
               <a:rPr lang="ko-KR" altLang="en-US" sz="1200" kern="1200" dirty="0" smtClean="0">
@@ -5788,7 +5921,7 @@
                 <a:ea typeface="+mn-ea"/>
                 <a:cs typeface="+mn-cs"/>
               </a:rPr>
-              <a:t>카메라로 찍은 사진을 바로 </a:t>
+              <a:t>로 연결해서 </a:t>
             </a:r>
             <a:r>
               <a:rPr lang="en-US" altLang="ko-KR" sz="1200" kern="1200" dirty="0" smtClean="0">
@@ -5799,7 +5932,7 @@
                 <a:ea typeface="+mn-ea"/>
                 <a:cs typeface="+mn-cs"/>
               </a:rPr>
-              <a:t>PC</a:t>
+              <a:t>USB</a:t>
             </a:r>
             <a:r>
               <a:rPr lang="ko-KR" altLang="en-US" sz="1200" kern="1200" dirty="0" smtClean="0">
@@ -5810,95 +5943,7 @@
                 <a:ea typeface="+mn-ea"/>
                 <a:cs typeface="+mn-cs"/>
               </a:rPr>
-              <a:t>에 저장하는 서비스를 만들 수 있고</a:t>
-            </a:r>
-            <a:r>
-              <a:rPr lang="en-US" altLang="ko-KR" sz="1200" kern="1200" dirty="0" smtClean="0">
-                <a:solidFill>
-                  <a:schemeClr val="tx1"/>
-                </a:solidFill>
-                <a:latin typeface="Arial" charset="0"/>
-                <a:ea typeface="+mn-ea"/>
-                <a:cs typeface="+mn-cs"/>
-              </a:rPr>
-              <a:t>,</a:t>
-            </a:r>
-            <a:r>
-              <a:rPr lang="ko-KR" altLang="en-US" sz="1200" kern="1200" dirty="0" smtClean="0">
-                <a:solidFill>
-                  <a:schemeClr val="tx1"/>
-                </a:solidFill>
-                <a:latin typeface="Arial" charset="0"/>
-                <a:ea typeface="+mn-ea"/>
-                <a:cs typeface="+mn-cs"/>
-              </a:rPr>
-              <a:t> </a:t>
-            </a:r>
-            <a:r>
-              <a:rPr lang="ko-KR" altLang="en-US" sz="1200" kern="1200" dirty="0" err="1" smtClean="0">
-                <a:solidFill>
-                  <a:schemeClr val="tx1"/>
-                </a:solidFill>
-                <a:latin typeface="Arial" charset="0"/>
-                <a:ea typeface="+mn-ea"/>
-                <a:cs typeface="+mn-cs"/>
-              </a:rPr>
-              <a:t>스마트폰을</a:t>
-            </a:r>
-            <a:r>
-              <a:rPr lang="ko-KR" altLang="en-US" sz="1200" kern="1200" dirty="0" smtClean="0">
-                <a:solidFill>
-                  <a:schemeClr val="tx1"/>
-                </a:solidFill>
-                <a:latin typeface="Arial" charset="0"/>
-                <a:ea typeface="+mn-ea"/>
-                <a:cs typeface="+mn-cs"/>
-              </a:rPr>
-              <a:t> 터치패드로 쓸 수도 있습니다</a:t>
-            </a:r>
-            <a:r>
-              <a:rPr lang="en-US" altLang="ko-KR" sz="1200" kern="1200" dirty="0" smtClean="0">
-                <a:solidFill>
-                  <a:schemeClr val="tx1"/>
-                </a:solidFill>
-                <a:latin typeface="Arial" charset="0"/>
-                <a:ea typeface="+mn-ea"/>
-                <a:cs typeface="+mn-cs"/>
-              </a:rPr>
-              <a:t>. </a:t>
-            </a:r>
-            <a:r>
-              <a:rPr lang="ko-KR" altLang="en-US" sz="1200" kern="1200" dirty="0" smtClean="0">
-                <a:solidFill>
-                  <a:schemeClr val="tx1"/>
-                </a:solidFill>
-                <a:latin typeface="Arial" charset="0"/>
-                <a:ea typeface="+mn-ea"/>
-                <a:cs typeface="+mn-cs"/>
-              </a:rPr>
-              <a:t>이 외에도 스마트폰의 수 많은 다른 기능들을 </a:t>
-            </a:r>
-            <a:r>
-              <a:rPr lang="en-US" altLang="ko-KR" sz="1200" kern="1200" dirty="0" smtClean="0">
-                <a:solidFill>
-                  <a:schemeClr val="tx1"/>
-                </a:solidFill>
-                <a:latin typeface="Arial" charset="0"/>
-                <a:ea typeface="+mn-ea"/>
-                <a:cs typeface="+mn-cs"/>
-              </a:rPr>
-              <a:t>PC</a:t>
-            </a:r>
-            <a:r>
-              <a:rPr lang="ko-KR" altLang="en-US" sz="1200" kern="1200" dirty="0" smtClean="0">
-                <a:solidFill>
-                  <a:schemeClr val="tx1"/>
-                </a:solidFill>
-                <a:latin typeface="Arial" charset="0"/>
-                <a:ea typeface="+mn-ea"/>
-                <a:cs typeface="+mn-cs"/>
-              </a:rPr>
-              <a:t>에서 사용할 수 있습니다</a:t>
+              <a:t>장치를 사용하려면 어플리케이션을 수정 해야 되는 문제점이 있습니다</a:t>
             </a:r>
             <a:r>
               <a:rPr lang="en-US" altLang="ko-KR" sz="1200" kern="1200" dirty="0" smtClean="0">
@@ -5919,9 +5964,6 @@
               <a:ea typeface="+mn-ea"/>
               <a:cs typeface="+mn-cs"/>
             </a:endParaRPr>
-          </a:p>
-          <a:p>
-            <a:endParaRPr lang="ko-KR" altLang="en-US" dirty="0"/>
           </a:p>
         </p:txBody>
       </p:sp>
@@ -6003,7 +6045,7 @@
           </a:xfrm>
           <a:extLst>
             <a:ext uri="{AF507438-7753-43E0-B8FC-AC1667EBCBE1}">
-              <a14:hiddenEffects xmlns:a14="http://schemas.microsoft.com/office/drawing/2010/main" xmlns="">
+              <a14:hiddenEffects xmlns="" xmlns:a14="http://schemas.microsoft.com/office/drawing/2010/main">
                 <a:effectLst>
                   <a:outerShdw dist="17961" dir="2700000" algn="ctr" rotWithShape="0">
                     <a:schemeClr val="bg1"/>
@@ -6047,7 +6089,7 @@
           </a:xfrm>
           <a:extLst>
             <a:ext uri="{AF507438-7753-43E0-B8FC-AC1667EBCBE1}">
-              <a14:hiddenEffects xmlns:a14="http://schemas.microsoft.com/office/drawing/2010/main" xmlns="">
+              <a14:hiddenEffects xmlns="" xmlns:a14="http://schemas.microsoft.com/office/drawing/2010/main">
                 <a:effectLst>
                   <a:outerShdw dist="17961" dir="2700000" algn="ctr" rotWithShape="0">
                     <a:schemeClr val="bg1"/>
@@ -6183,7 +6225,7 @@
     </p:spTree>
     <p:extLst>
       <p:ext uri="{BB962C8B-B14F-4D97-AF65-F5344CB8AC3E}">
-        <p14:creationId xmlns:p14="http://schemas.microsoft.com/office/powerpoint/2010/main" xmlns="" val="3191849363"/>
+        <p14:creationId xmlns="" xmlns:p14="http://schemas.microsoft.com/office/powerpoint/2010/main" val="3191849363"/>
       </p:ext>
     </p:extLst>
   </p:cSld>
@@ -6298,7 +6340,7 @@
     </p:spTree>
     <p:extLst>
       <p:ext uri="{BB962C8B-B14F-4D97-AF65-F5344CB8AC3E}">
-        <p14:creationId xmlns:p14="http://schemas.microsoft.com/office/powerpoint/2010/main" xmlns="" val="1524186507"/>
+        <p14:creationId xmlns="" xmlns:p14="http://schemas.microsoft.com/office/powerpoint/2010/main" val="1524186507"/>
       </p:ext>
     </p:extLst>
   </p:cSld>
@@ -6403,7 +6445,7 @@
     </p:spTree>
     <p:extLst>
       <p:ext uri="{BB962C8B-B14F-4D97-AF65-F5344CB8AC3E}">
-        <p14:creationId xmlns:p14="http://schemas.microsoft.com/office/powerpoint/2010/main" xmlns="" val="3261712152"/>
+        <p14:creationId xmlns="" xmlns:p14="http://schemas.microsoft.com/office/powerpoint/2010/main" val="3261712152"/>
       </p:ext>
     </p:extLst>
   </p:cSld>
@@ -6530,7 +6572,7 @@
     </p:spTree>
     <p:extLst>
       <p:ext uri="{BB962C8B-B14F-4D97-AF65-F5344CB8AC3E}">
-        <p14:creationId xmlns:p14="http://schemas.microsoft.com/office/powerpoint/2010/main" xmlns="" val="346190723"/>
+        <p14:creationId xmlns="" xmlns:p14="http://schemas.microsoft.com/office/powerpoint/2010/main" val="346190723"/>
       </p:ext>
     </p:extLst>
   </p:cSld>
@@ -6753,7 +6795,7 @@
     </p:spTree>
     <p:extLst>
       <p:ext uri="{BB962C8B-B14F-4D97-AF65-F5344CB8AC3E}">
-        <p14:creationId xmlns:p14="http://schemas.microsoft.com/office/powerpoint/2010/main" xmlns="" val="4255224362"/>
+        <p14:creationId xmlns="" xmlns:p14="http://schemas.microsoft.com/office/powerpoint/2010/main" val="4255224362"/>
       </p:ext>
     </p:extLst>
   </p:cSld>
@@ -7115,7 +7157,7 @@
     </p:spTree>
     <p:extLst>
       <p:ext uri="{BB962C8B-B14F-4D97-AF65-F5344CB8AC3E}">
-        <p14:creationId xmlns:p14="http://schemas.microsoft.com/office/powerpoint/2010/main" xmlns="" val="234523478"/>
+        <p14:creationId xmlns="" xmlns:p14="http://schemas.microsoft.com/office/powerpoint/2010/main" val="234523478"/>
       </p:ext>
     </p:extLst>
   </p:cSld>
@@ -7168,7 +7210,7 @@
     </p:spTree>
     <p:extLst>
       <p:ext uri="{BB962C8B-B14F-4D97-AF65-F5344CB8AC3E}">
-        <p14:creationId xmlns:p14="http://schemas.microsoft.com/office/powerpoint/2010/main" xmlns="" val="4170126094"/>
+        <p14:creationId xmlns="" xmlns:p14="http://schemas.microsoft.com/office/powerpoint/2010/main" val="4170126094"/>
       </p:ext>
     </p:extLst>
   </p:cSld>
@@ -7198,7 +7240,7 @@
     </p:spTree>
     <p:extLst>
       <p:ext uri="{BB962C8B-B14F-4D97-AF65-F5344CB8AC3E}">
-        <p14:creationId xmlns:p14="http://schemas.microsoft.com/office/powerpoint/2010/main" xmlns="" val="3131819388"/>
+        <p14:creationId xmlns="" xmlns:p14="http://schemas.microsoft.com/office/powerpoint/2010/main" val="3131819388"/>
       </p:ext>
     </p:extLst>
   </p:cSld>
@@ -7410,7 +7452,7 @@
     </p:spTree>
     <p:extLst>
       <p:ext uri="{BB962C8B-B14F-4D97-AF65-F5344CB8AC3E}">
-        <p14:creationId xmlns:p14="http://schemas.microsoft.com/office/powerpoint/2010/main" xmlns="" val="1266256783"/>
+        <p14:creationId xmlns="" xmlns:p14="http://schemas.microsoft.com/office/powerpoint/2010/main" val="1266256783"/>
       </p:ext>
     </p:extLst>
   </p:cSld>
@@ -7602,7 +7644,7 @@
     </p:spTree>
     <p:extLst>
       <p:ext uri="{BB962C8B-B14F-4D97-AF65-F5344CB8AC3E}">
-        <p14:creationId xmlns:p14="http://schemas.microsoft.com/office/powerpoint/2010/main" xmlns="" val="511494401"/>
+        <p14:creationId xmlns="" xmlns:p14="http://schemas.microsoft.com/office/powerpoint/2010/main" val="511494401"/>
       </p:ext>
     </p:extLst>
   </p:cSld>
@@ -7666,14 +7708,14 @@
           <a:effectLst/>
           <a:extLst>
             <a:ext uri="{909E8E84-426E-40DD-AFC4-6F175D3DCCD1}">
-              <a14:hiddenFill xmlns:a14="http://schemas.microsoft.com/office/drawing/2010/main" xmlns="">
+              <a14:hiddenFill xmlns="" xmlns:a14="http://schemas.microsoft.com/office/drawing/2010/main">
                 <a:solidFill>
                   <a:schemeClr val="accent1"/>
                 </a:solidFill>
               </a14:hiddenFill>
             </a:ext>
             <a:ext uri="{91240B29-F687-4F45-9708-019B960494DF}">
-              <a14:hiddenLine xmlns:a14="http://schemas.microsoft.com/office/drawing/2010/main" xmlns="" w="9525">
+              <a14:hiddenLine xmlns="" xmlns:a14="http://schemas.microsoft.com/office/drawing/2010/main" w="9525">
                 <a:solidFill>
                   <a:schemeClr val="tx1"/>
                 </a:solidFill>
@@ -7683,7 +7725,7 @@
               </a14:hiddenLine>
             </a:ext>
             <a:ext uri="{AF507438-7753-43E0-B8FC-AC1667EBCBE1}">
-              <a14:hiddenEffects xmlns:a14="http://schemas.microsoft.com/office/drawing/2010/main" xmlns="">
+              <a14:hiddenEffects xmlns="" xmlns:a14="http://schemas.microsoft.com/office/drawing/2010/main">
                 <a:effectLst>
                   <a:outerShdw dist="35921" dir="2700000" algn="ctr" rotWithShape="0">
                     <a:schemeClr val="bg2"/>
@@ -7735,14 +7777,14 @@
           <a:effectLst/>
           <a:extLst>
             <a:ext uri="{909E8E84-426E-40DD-AFC4-6F175D3DCCD1}">
-              <a14:hiddenFill xmlns:a14="http://schemas.microsoft.com/office/drawing/2010/main" xmlns="">
+              <a14:hiddenFill xmlns="" xmlns:a14="http://schemas.microsoft.com/office/drawing/2010/main">
                 <a:solidFill>
                   <a:schemeClr val="accent1"/>
                 </a:solidFill>
               </a14:hiddenFill>
             </a:ext>
             <a:ext uri="{91240B29-F687-4F45-9708-019B960494DF}">
-              <a14:hiddenLine xmlns:a14="http://schemas.microsoft.com/office/drawing/2010/main" xmlns="" w="9525">
+              <a14:hiddenLine xmlns="" xmlns:a14="http://schemas.microsoft.com/office/drawing/2010/main" w="9525">
                 <a:solidFill>
                   <a:schemeClr val="tx1"/>
                 </a:solidFill>
@@ -7752,7 +7794,7 @@
               </a14:hiddenLine>
             </a:ext>
             <a:ext uri="{AF507438-7753-43E0-B8FC-AC1667EBCBE1}">
-              <a14:hiddenEffects xmlns:a14="http://schemas.microsoft.com/office/drawing/2010/main" xmlns="">
+              <a14:hiddenEffects xmlns="" xmlns:a14="http://schemas.microsoft.com/office/drawing/2010/main">
                 <a:effectLst>
                   <a:outerShdw dist="35921" dir="2700000" algn="ctr" rotWithShape="0">
                     <a:schemeClr val="bg2"/>
@@ -8218,7 +8260,7 @@
           <p:nvPr>
             <p:extLst>
               <p:ext uri="{D42A27DB-BD31-4B8C-83A1-F6EECF244321}">
-                <p14:modId xmlns:p14="http://schemas.microsoft.com/office/powerpoint/2010/main" xmlns="" val="3019215210"/>
+                <p14:modId xmlns="" xmlns:p14="http://schemas.microsoft.com/office/powerpoint/2010/main" val="3019215210"/>
               </p:ext>
             </p:extLst>
           </p:nvPr>
@@ -9064,7 +9106,7 @@
               <a:blip r:embed="rId5" cstate="print">
                 <a:extLst>
                   <a:ext uri="{28A0092B-C50C-407E-A947-70E740481C1C}">
-                    <a14:useLocalDpi xmlns:a14="http://schemas.microsoft.com/office/drawing/2010/main" xmlns="" val="0"/>
+                    <a14:useLocalDpi xmlns="" xmlns:a14="http://schemas.microsoft.com/office/drawing/2010/main" val="0"/>
                   </a:ext>
                 </a:extLst>
               </a:blip>
@@ -9084,7 +9126,7 @@
               <a:noFill/>
               <a:extLst>
                 <a:ext uri="{909E8E84-426E-40DD-AFC4-6F175D3DCCD1}">
-                  <a14:hiddenFill xmlns:a14="http://schemas.microsoft.com/office/drawing/2010/main" xmlns="">
+                  <a14:hiddenFill xmlns="" xmlns:a14="http://schemas.microsoft.com/office/drawing/2010/main">
                     <a:solidFill>
                       <a:srgbClr val="FFFFFF"/>
                     </a:solidFill>
@@ -9112,6 +9154,674 @@
 </file>
 
 <file path=ppt/slides/slide10.xml><?xml version="1.0" encoding="utf-8"?>
+<p:sld xmlns:a="http://schemas.openxmlformats.org/drawingml/2006/main" xmlns:r="http://schemas.openxmlformats.org/officeDocument/2006/relationships" xmlns:p="http://schemas.openxmlformats.org/presentationml/2006/main">
+  <p:cSld>
+    <p:spTree>
+      <p:nvGrpSpPr>
+        <p:cNvPr id="1" name=""/>
+        <p:cNvGrpSpPr/>
+        <p:nvPr/>
+      </p:nvGrpSpPr>
+      <p:grpSpPr>
+        <a:xfrm>
+          <a:off x="0" y="0"/>
+          <a:ext cx="0" cy="0"/>
+          <a:chOff x="0" y="0"/>
+          <a:chExt cx="0" cy="0"/>
+        </a:xfrm>
+      </p:grpSpPr>
+      <p:pic>
+        <p:nvPicPr>
+          <p:cNvPr id="25" name="Picture 2" descr="C:\Documents and Settings\Administrator\바탕 화면\Untitled-1.png"/>
+          <p:cNvPicPr>
+            <a:picLocks noChangeAspect="1" noChangeArrowheads="1"/>
+          </p:cNvPicPr>
+          <p:nvPr/>
+        </p:nvPicPr>
+        <p:blipFill>
+          <a:blip r:embed="rId3" cstate="print"/>
+          <a:srcRect/>
+          <a:stretch>
+            <a:fillRect/>
+          </a:stretch>
+        </p:blipFill>
+        <p:spPr bwMode="auto">
+          <a:xfrm>
+            <a:off x="755576" y="2276872"/>
+            <a:ext cx="2736304" cy="2592288"/>
+          </a:xfrm>
+          <a:prstGeom prst="rect">
+            <a:avLst/>
+          </a:prstGeom>
+          <a:noFill/>
+        </p:spPr>
+      </p:pic>
+      <p:cxnSp>
+        <p:nvCxnSpPr>
+          <p:cNvPr id="20" name="직선 연결선 19"/>
+          <p:cNvCxnSpPr/>
+          <p:nvPr/>
+        </p:nvCxnSpPr>
+        <p:spPr>
+          <a:xfrm>
+            <a:off x="4583812" y="1700809"/>
+            <a:ext cx="0" cy="3125961"/>
+          </a:xfrm>
+          <a:prstGeom prst="line">
+            <a:avLst/>
+          </a:prstGeom>
+          <a:ln w="38100">
+            <a:solidFill>
+              <a:srgbClr val="000000"/>
+            </a:solidFill>
+            <a:prstDash val="dash"/>
+          </a:ln>
+        </p:spPr>
+        <p:style>
+          <a:lnRef idx="1">
+            <a:schemeClr val="accent1"/>
+          </a:lnRef>
+          <a:fillRef idx="0">
+            <a:schemeClr val="accent1"/>
+          </a:fillRef>
+          <a:effectRef idx="0">
+            <a:schemeClr val="accent1"/>
+          </a:effectRef>
+          <a:fontRef idx="minor">
+            <a:schemeClr val="tx1"/>
+          </a:fontRef>
+        </p:style>
+      </p:cxnSp>
+      <p:sp>
+        <p:nvSpPr>
+          <p:cNvPr id="2" name="제목 1"/>
+          <p:cNvSpPr>
+            <a:spLocks noGrp="1"/>
+          </p:cNvSpPr>
+          <p:nvPr>
+            <p:ph type="title"/>
+          </p:nvPr>
+        </p:nvSpPr>
+        <p:spPr/>
+        <p:txBody>
+          <a:bodyPr/>
+          <a:lstStyle/>
+          <a:p>
+            <a:pPr marL="914400" indent="-914400">
+              <a:buFont typeface="+mj-lt"/>
+              <a:buAutoNum type="arabicPeriod" startAt="4"/>
+            </a:pPr>
+            <a:r>
+              <a:rPr lang="ko-KR" altLang="en-US" sz="5400" spc="600" dirty="0" smtClean="0">
+                <a:solidFill>
+                  <a:srgbClr val="000000"/>
+                </a:solidFill>
+                <a:latin typeface="HY동녘M" pitchFamily="18" charset="-127"/>
+                <a:ea typeface="HY동녘M" pitchFamily="18" charset="-127"/>
+              </a:rPr>
+              <a:t>활용 서비스</a:t>
+            </a:r>
+            <a:endParaRPr lang="ko-KR" altLang="en-US" sz="5400" spc="600" dirty="0">
+              <a:solidFill>
+                <a:srgbClr val="000000"/>
+              </a:solidFill>
+              <a:latin typeface="HY동녘M" pitchFamily="18" charset="-127"/>
+              <a:ea typeface="HY동녘M" pitchFamily="18" charset="-127"/>
+            </a:endParaRPr>
+          </a:p>
+        </p:txBody>
+      </p:sp>
+      <p:pic>
+        <p:nvPicPr>
+          <p:cNvPr id="8" name="그림 7"/>
+          <p:cNvPicPr>
+            <a:picLocks noChangeAspect="1"/>
+          </p:cNvPicPr>
+          <p:nvPr/>
+        </p:nvPicPr>
+        <p:blipFill>
+          <a:blip r:embed="rId4" cstate="print">
+            <a:extLst>
+              <a:ext uri="{28A0092B-C50C-407E-A947-70E740481C1C}">
+                <a14:useLocalDpi xmlns="" xmlns:a14="http://schemas.microsoft.com/office/drawing/2010/main" val="0"/>
+              </a:ext>
+            </a:extLst>
+          </a:blip>
+          <a:stretch>
+            <a:fillRect/>
+          </a:stretch>
+        </p:blipFill>
+        <p:spPr>
+          <a:xfrm>
+            <a:off x="6372200" y="2110840"/>
+            <a:ext cx="1700153" cy="3219986"/>
+          </a:xfrm>
+          <a:prstGeom prst="rect">
+            <a:avLst/>
+          </a:prstGeom>
+        </p:spPr>
+      </p:pic>
+      <p:grpSp>
+        <p:nvGrpSpPr>
+          <p:cNvPr id="3" name="그룹 8"/>
+          <p:cNvGrpSpPr/>
+          <p:nvPr/>
+        </p:nvGrpSpPr>
+        <p:grpSpPr>
+          <a:xfrm>
+            <a:off x="3347864" y="2790910"/>
+            <a:ext cx="3096344" cy="1222528"/>
+            <a:chOff x="3511961" y="3632546"/>
+            <a:chExt cx="1921661" cy="936104"/>
+          </a:xfrm>
+        </p:grpSpPr>
+        <p:sp>
+          <p:nvSpPr>
+            <p:cNvPr id="10" name="아래쪽 화살표 9"/>
+            <p:cNvSpPr/>
+            <p:nvPr/>
+          </p:nvSpPr>
+          <p:spPr>
+            <a:xfrm rot="5400000">
+              <a:off x="3921300" y="3223207"/>
+              <a:ext cx="936104" cy="1754782"/>
+            </a:xfrm>
+            <a:prstGeom prst="downArrow">
+              <a:avLst/>
+            </a:prstGeom>
+          </p:spPr>
+          <p:style>
+            <a:lnRef idx="0">
+              <a:schemeClr val="accent1"/>
+            </a:lnRef>
+            <a:fillRef idx="3">
+              <a:schemeClr val="accent1"/>
+            </a:fillRef>
+            <a:effectRef idx="3">
+              <a:schemeClr val="accent1"/>
+            </a:effectRef>
+            <a:fontRef idx="minor">
+              <a:schemeClr val="lt1"/>
+            </a:fontRef>
+          </p:style>
+          <p:txBody>
+            <a:bodyPr rtlCol="0" anchor="ctr"/>
+            <a:lstStyle/>
+            <a:p>
+              <a:pPr algn="ctr"/>
+              <a:endParaRPr lang="ko-KR" altLang="en-US" dirty="0"/>
+            </a:p>
+          </p:txBody>
+        </p:sp>
+        <p:sp>
+          <p:nvSpPr>
+            <p:cNvPr id="11" name="TextBox 10"/>
+            <p:cNvSpPr txBox="1"/>
+            <p:nvPr/>
+          </p:nvSpPr>
+          <p:spPr>
+            <a:xfrm>
+              <a:off x="3707361" y="3894436"/>
+              <a:ext cx="1726261" cy="400636"/>
+            </a:xfrm>
+            <a:prstGeom prst="rect">
+              <a:avLst/>
+            </a:prstGeom>
+            <a:noFill/>
+          </p:spPr>
+          <p:txBody>
+            <a:bodyPr wrap="none" rtlCol="0">
+              <a:spAutoFit/>
+            </a:bodyPr>
+            <a:lstStyle/>
+            <a:p>
+              <a:r>
+                <a:rPr lang="en-US" altLang="ko-KR" sz="2800" dirty="0" smtClean="0">
+                  <a:solidFill>
+                    <a:schemeClr val="tx2">
+                      <a:lumMod val="50000"/>
+                    </a:schemeClr>
+                  </a:solidFill>
+                </a:rPr>
+                <a:t>Android-USB</a:t>
+              </a:r>
+              <a:endParaRPr lang="ko-KR" altLang="en-US" sz="2800" dirty="0">
+                <a:solidFill>
+                  <a:schemeClr val="tx2">
+                    <a:lumMod val="50000"/>
+                  </a:schemeClr>
+                </a:solidFill>
+              </a:endParaRPr>
+            </a:p>
+          </p:txBody>
+        </p:sp>
+      </p:grpSp>
+      <p:pic>
+        <p:nvPicPr>
+          <p:cNvPr id="1027" name="Picture 3" descr="C:\Documents and Settings\XP\바탕 화면\무제-1.png"/>
+          <p:cNvPicPr>
+            <a:picLocks noChangeAspect="1" noChangeArrowheads="1"/>
+          </p:cNvPicPr>
+          <p:nvPr/>
+        </p:nvPicPr>
+        <p:blipFill>
+          <a:blip r:embed="rId5" cstate="print">
+            <a:extLst>
+              <a:ext uri="{28A0092B-C50C-407E-A947-70E740481C1C}">
+                <a14:useLocalDpi xmlns="" xmlns:a14="http://schemas.microsoft.com/office/drawing/2010/main" val="0"/>
+              </a:ext>
+            </a:extLst>
+          </a:blip>
+          <a:srcRect/>
+          <a:stretch>
+            <a:fillRect/>
+          </a:stretch>
+        </p:blipFill>
+        <p:spPr bwMode="auto">
+          <a:xfrm>
+            <a:off x="6657065" y="2954562"/>
+            <a:ext cx="476250" cy="476250"/>
+          </a:xfrm>
+          <a:prstGeom prst="rect">
+            <a:avLst/>
+          </a:prstGeom>
+          <a:noFill/>
+          <a:extLst>
+            <a:ext uri="{909E8E84-426E-40DD-AFC4-6F175D3DCCD1}">
+              <a14:hiddenFill xmlns="" xmlns:a14="http://schemas.microsoft.com/office/drawing/2010/main">
+                <a:solidFill>
+                  <a:srgbClr val="FFFFFF"/>
+                </a:solidFill>
+              </a14:hiddenFill>
+            </a:ext>
+          </a:extLst>
+        </p:spPr>
+      </p:pic>
+      <p:pic>
+        <p:nvPicPr>
+          <p:cNvPr id="1028" name="Picture 4" descr="C:\Documents and Settings\XP\바탕 화면\메시지.png"/>
+          <p:cNvPicPr>
+            <a:picLocks noChangeAspect="1" noChangeArrowheads="1"/>
+          </p:cNvPicPr>
+          <p:nvPr/>
+        </p:nvPicPr>
+        <p:blipFill>
+          <a:blip r:embed="rId6" cstate="print">
+            <a:extLst>
+              <a:ext uri="{28A0092B-C50C-407E-A947-70E740481C1C}">
+                <a14:useLocalDpi xmlns="" xmlns:a14="http://schemas.microsoft.com/office/drawing/2010/main" val="0"/>
+              </a:ext>
+            </a:extLst>
+          </a:blip>
+          <a:srcRect/>
+          <a:stretch>
+            <a:fillRect/>
+          </a:stretch>
+        </p:blipFill>
+        <p:spPr bwMode="auto">
+          <a:xfrm>
+            <a:off x="7336110" y="2966002"/>
+            <a:ext cx="476250" cy="476250"/>
+          </a:xfrm>
+          <a:prstGeom prst="rect">
+            <a:avLst/>
+          </a:prstGeom>
+          <a:noFill/>
+          <a:extLst>
+            <a:ext uri="{909E8E84-426E-40DD-AFC4-6F175D3DCCD1}">
+              <a14:hiddenFill xmlns="" xmlns:a14="http://schemas.microsoft.com/office/drawing/2010/main">
+                <a:solidFill>
+                  <a:srgbClr val="FFFFFF"/>
+                </a:solidFill>
+              </a14:hiddenFill>
+            </a:ext>
+          </a:extLst>
+        </p:spPr>
+      </p:pic>
+      <p:pic>
+        <p:nvPicPr>
+          <p:cNvPr id="18" name="Picture 3" descr="C:\Documents and Settings\XP\바탕 화면\무제-1.png"/>
+          <p:cNvPicPr>
+            <a:picLocks noChangeAspect="1" noChangeArrowheads="1"/>
+          </p:cNvPicPr>
+          <p:nvPr/>
+        </p:nvPicPr>
+        <p:blipFill>
+          <a:blip r:embed="rId5" cstate="print">
+            <a:extLst>
+              <a:ext uri="{28A0092B-C50C-407E-A947-70E740481C1C}">
+                <a14:useLocalDpi xmlns="" xmlns:a14="http://schemas.microsoft.com/office/drawing/2010/main" val="0"/>
+              </a:ext>
+            </a:extLst>
+          </a:blip>
+          <a:srcRect/>
+          <a:stretch>
+            <a:fillRect/>
+          </a:stretch>
+        </p:blipFill>
+        <p:spPr bwMode="auto">
+          <a:xfrm>
+            <a:off x="1547664" y="2594522"/>
+            <a:ext cx="476250" cy="476250"/>
+          </a:xfrm>
+          <a:prstGeom prst="rect">
+            <a:avLst/>
+          </a:prstGeom>
+          <a:noFill/>
+          <a:extLst>
+            <a:ext uri="{909E8E84-426E-40DD-AFC4-6F175D3DCCD1}">
+              <a14:hiddenFill xmlns="" xmlns:a14="http://schemas.microsoft.com/office/drawing/2010/main">
+                <a:solidFill>
+                  <a:srgbClr val="FFFFFF"/>
+                </a:solidFill>
+              </a14:hiddenFill>
+            </a:ext>
+          </a:extLst>
+        </p:spPr>
+      </p:pic>
+      <p:pic>
+        <p:nvPicPr>
+          <p:cNvPr id="19" name="Picture 4" descr="C:\Documents and Settings\XP\바탕 화면\메시지.png"/>
+          <p:cNvPicPr>
+            <a:picLocks noChangeAspect="1" noChangeArrowheads="1"/>
+          </p:cNvPicPr>
+          <p:nvPr/>
+        </p:nvPicPr>
+        <p:blipFill>
+          <a:blip r:embed="rId6" cstate="print">
+            <a:extLst>
+              <a:ext uri="{28A0092B-C50C-407E-A947-70E740481C1C}">
+                <a14:useLocalDpi xmlns="" xmlns:a14="http://schemas.microsoft.com/office/drawing/2010/main" val="0"/>
+              </a:ext>
+            </a:extLst>
+          </a:blip>
+          <a:srcRect/>
+          <a:stretch>
+            <a:fillRect/>
+          </a:stretch>
+        </p:blipFill>
+        <p:spPr bwMode="auto">
+          <a:xfrm>
+            <a:off x="2226709" y="2605962"/>
+            <a:ext cx="476250" cy="476250"/>
+          </a:xfrm>
+          <a:prstGeom prst="rect">
+            <a:avLst/>
+          </a:prstGeom>
+          <a:noFill/>
+          <a:extLst>
+            <a:ext uri="{909E8E84-426E-40DD-AFC4-6F175D3DCCD1}">
+              <a14:hiddenFill xmlns="" xmlns:a14="http://schemas.microsoft.com/office/drawing/2010/main">
+                <a:solidFill>
+                  <a:srgbClr val="FFFFFF"/>
+                </a:solidFill>
+              </a14:hiddenFill>
+            </a:ext>
+          </a:extLst>
+        </p:spPr>
+      </p:pic>
+      <p:sp>
+        <p:nvSpPr>
+          <p:cNvPr id="22" name="TextBox 21"/>
+          <p:cNvSpPr txBox="1"/>
+          <p:nvPr/>
+        </p:nvSpPr>
+        <p:spPr>
+          <a:xfrm>
+            <a:off x="1605627" y="1700808"/>
+            <a:ext cx="1039067" cy="461665"/>
+          </a:xfrm>
+          <a:prstGeom prst="rect">
+            <a:avLst/>
+          </a:prstGeom>
+          <a:noFill/>
+        </p:spPr>
+        <p:txBody>
+          <a:bodyPr wrap="none" rtlCol="0">
+            <a:spAutoFit/>
+          </a:bodyPr>
+          <a:lstStyle/>
+          <a:p>
+            <a:r>
+              <a:rPr lang="en-US" altLang="ko-KR" b="1" dirty="0" smtClean="0">
+                <a:solidFill>
+                  <a:srgbClr val="000000"/>
+                </a:solidFill>
+              </a:rPr>
+              <a:t>Client</a:t>
+            </a:r>
+            <a:endParaRPr lang="ko-KR" altLang="en-US" b="1" dirty="0">
+              <a:solidFill>
+                <a:srgbClr val="000000"/>
+              </a:solidFill>
+            </a:endParaRPr>
+          </a:p>
+        </p:txBody>
+      </p:sp>
+      <p:sp>
+        <p:nvSpPr>
+          <p:cNvPr id="23" name="TextBox 22"/>
+          <p:cNvSpPr txBox="1"/>
+          <p:nvPr/>
+        </p:nvSpPr>
+        <p:spPr>
+          <a:xfrm>
+            <a:off x="6701301" y="1700809"/>
+            <a:ext cx="1144865" cy="461665"/>
+          </a:xfrm>
+          <a:prstGeom prst="rect">
+            <a:avLst/>
+          </a:prstGeom>
+          <a:noFill/>
+        </p:spPr>
+        <p:txBody>
+          <a:bodyPr wrap="none" rtlCol="0">
+            <a:spAutoFit/>
+          </a:bodyPr>
+          <a:lstStyle/>
+          <a:p>
+            <a:r>
+              <a:rPr lang="en-US" altLang="ko-KR" b="1" dirty="0" smtClean="0">
+                <a:solidFill>
+                  <a:srgbClr val="000000"/>
+                </a:solidFill>
+              </a:rPr>
+              <a:t>Server</a:t>
+            </a:r>
+            <a:endParaRPr lang="ko-KR" altLang="en-US" b="1" dirty="0">
+              <a:solidFill>
+                <a:srgbClr val="000000"/>
+              </a:solidFill>
+            </a:endParaRPr>
+          </a:p>
+        </p:txBody>
+      </p:sp>
+      <p:pic>
+        <p:nvPicPr>
+          <p:cNvPr id="16" name="Picture 6" descr="C:\Documents and Settings\XP\바탕 화면\카메라.png"/>
+          <p:cNvPicPr>
+            <a:picLocks noChangeAspect="1" noChangeArrowheads="1"/>
+          </p:cNvPicPr>
+          <p:nvPr/>
+        </p:nvPicPr>
+        <p:blipFill>
+          <a:blip r:embed="rId7" cstate="print">
+            <a:extLst>
+              <a:ext uri="{28A0092B-C50C-407E-A947-70E740481C1C}">
+                <a14:useLocalDpi xmlns="" xmlns:a14="http://schemas.microsoft.com/office/drawing/2010/main" val="0"/>
+              </a:ext>
+            </a:extLst>
+          </a:blip>
+          <a:srcRect/>
+          <a:stretch>
+            <a:fillRect/>
+          </a:stretch>
+        </p:blipFill>
+        <p:spPr bwMode="auto">
+          <a:xfrm>
+            <a:off x="7035608" y="3560451"/>
+            <a:ext cx="476250" cy="476250"/>
+          </a:xfrm>
+          <a:prstGeom prst="rect">
+            <a:avLst/>
+          </a:prstGeom>
+          <a:noFill/>
+          <a:extLst>
+            <a:ext uri="{909E8E84-426E-40DD-AFC4-6F175D3DCCD1}">
+              <a14:hiddenFill xmlns="" xmlns:a14="http://schemas.microsoft.com/office/drawing/2010/main">
+                <a:solidFill>
+                  <a:srgbClr val="FFFFFF"/>
+                </a:solidFill>
+              </a14:hiddenFill>
+            </a:ext>
+          </a:extLst>
+        </p:spPr>
+      </p:pic>
+      <p:pic>
+        <p:nvPicPr>
+          <p:cNvPr id="17" name="Picture 5" descr="C:\Documents and Settings\XP\바탕 화면\사진.png"/>
+          <p:cNvPicPr>
+            <a:picLocks noChangeAspect="1" noChangeArrowheads="1"/>
+          </p:cNvPicPr>
+          <p:nvPr/>
+        </p:nvPicPr>
+        <p:blipFill>
+          <a:blip r:embed="rId8" cstate="print">
+            <a:extLst>
+              <a:ext uri="{28A0092B-C50C-407E-A947-70E740481C1C}">
+                <a14:useLocalDpi xmlns="" xmlns:a14="http://schemas.microsoft.com/office/drawing/2010/main" val="0"/>
+              </a:ext>
+            </a:extLst>
+          </a:blip>
+          <a:srcRect/>
+          <a:stretch>
+            <a:fillRect/>
+          </a:stretch>
+        </p:blipFill>
+        <p:spPr bwMode="auto">
+          <a:xfrm>
+            <a:off x="1887035" y="3273609"/>
+            <a:ext cx="476250" cy="476250"/>
+          </a:xfrm>
+          <a:prstGeom prst="rect">
+            <a:avLst/>
+          </a:prstGeom>
+          <a:noFill/>
+          <a:extLst>
+            <a:ext uri="{909E8E84-426E-40DD-AFC4-6F175D3DCCD1}">
+              <a14:hiddenFill xmlns="" xmlns:a14="http://schemas.microsoft.com/office/drawing/2010/main">
+                <a:solidFill>
+                  <a:srgbClr val="FFFFFF"/>
+                </a:solidFill>
+              </a14:hiddenFill>
+            </a:ext>
+          </a:extLst>
+        </p:spPr>
+      </p:pic>
+      <p:pic>
+        <p:nvPicPr>
+          <p:cNvPr id="21" name="Picture 2" descr="C:\Documents and Settings\XP\바탕 화면\무제-1.png"/>
+          <p:cNvPicPr>
+            <a:picLocks noChangeAspect="1" noChangeArrowheads="1"/>
+          </p:cNvPicPr>
+          <p:nvPr/>
+        </p:nvPicPr>
+        <p:blipFill>
+          <a:blip r:embed="rId9" cstate="print">
+            <a:extLst>
+              <a:ext uri="{28A0092B-C50C-407E-A947-70E740481C1C}">
+                <a14:useLocalDpi xmlns="" xmlns:a14="http://schemas.microsoft.com/office/drawing/2010/main" val="0"/>
+              </a:ext>
+            </a:extLst>
+          </a:blip>
+          <a:srcRect/>
+          <a:stretch>
+            <a:fillRect/>
+          </a:stretch>
+        </p:blipFill>
+        <p:spPr bwMode="auto">
+          <a:xfrm>
+            <a:off x="3059832" y="4538738"/>
+            <a:ext cx="1261769" cy="1261769"/>
+          </a:xfrm>
+          <a:prstGeom prst="rect">
+            <a:avLst/>
+          </a:prstGeom>
+          <a:noFill/>
+          <a:extLst>
+            <a:ext uri="{909E8E84-426E-40DD-AFC4-6F175D3DCCD1}">
+              <a14:hiddenFill xmlns="" xmlns:a14="http://schemas.microsoft.com/office/drawing/2010/main">
+                <a:solidFill>
+                  <a:srgbClr val="FFFFFF"/>
+                </a:solidFill>
+              </a14:hiddenFill>
+            </a:ext>
+          </a:extLst>
+        </p:spPr>
+      </p:pic>
+      <p:pic>
+        <p:nvPicPr>
+          <p:cNvPr id="24" name="Picture 3" descr="C:\Documents and Settings\XP\바탕 화면\무제-2.png"/>
+          <p:cNvPicPr>
+            <a:picLocks noChangeAspect="1" noChangeArrowheads="1"/>
+          </p:cNvPicPr>
+          <p:nvPr/>
+        </p:nvPicPr>
+        <p:blipFill>
+          <a:blip r:embed="rId10" cstate="print">
+            <a:extLst>
+              <a:ext uri="{28A0092B-C50C-407E-A947-70E740481C1C}">
+                <a14:useLocalDpi xmlns="" xmlns:a14="http://schemas.microsoft.com/office/drawing/2010/main" val="0"/>
+              </a:ext>
+            </a:extLst>
+          </a:blip>
+          <a:srcRect/>
+          <a:stretch>
+            <a:fillRect/>
+          </a:stretch>
+        </p:blipFill>
+        <p:spPr bwMode="auto">
+          <a:xfrm>
+            <a:off x="7540649" y="3638724"/>
+            <a:ext cx="1332969" cy="1332969"/>
+          </a:xfrm>
+          <a:prstGeom prst="rect">
+            <a:avLst/>
+          </a:prstGeom>
+          <a:noFill/>
+          <a:extLst>
+            <a:ext uri="{909E8E84-426E-40DD-AFC4-6F175D3DCCD1}">
+              <a14:hiddenFill xmlns="" xmlns:a14="http://schemas.microsoft.com/office/drawing/2010/main">
+                <a:solidFill>
+                  <a:srgbClr val="FFFFFF"/>
+                </a:solidFill>
+              </a14:hiddenFill>
+            </a:ext>
+          </a:extLst>
+        </p:spPr>
+      </p:pic>
+    </p:spTree>
+    <p:extLst>
+      <p:ext uri="{BB962C8B-B14F-4D97-AF65-F5344CB8AC3E}">
+        <p14:creationId xmlns="" xmlns:p14="http://schemas.microsoft.com/office/powerpoint/2010/main" val="1407908346"/>
+      </p:ext>
+    </p:extLst>
+  </p:cSld>
+  <p:clrMapOvr>
+    <a:masterClrMapping/>
+  </p:clrMapOvr>
+  <p:transition advClick="0" advTm="20000"/>
+  <p:timing>
+    <p:tnLst>
+      <p:par>
+        <p:cTn id="1" dur="indefinite" restart="never" nodeType="tmRoot"/>
+      </p:par>
+    </p:tnLst>
+  </p:timing>
+</p:sld>
+</file>
+
+<file path=ppt/slides/slide11.xml><?xml version="1.0" encoding="utf-8"?>
 <p:sld xmlns:a="http://schemas.openxmlformats.org/drawingml/2006/main" xmlns:r="http://schemas.openxmlformats.org/officeDocument/2006/relationships" xmlns:p="http://schemas.openxmlformats.org/presentationml/2006/main">
   <p:cSld>
     <p:spTree>
@@ -9490,7 +10200,7 @@
     </p:spTree>
     <p:extLst>
       <p:ext uri="{BB962C8B-B14F-4D97-AF65-F5344CB8AC3E}">
-        <p14:creationId xmlns:p14="http://schemas.microsoft.com/office/powerpoint/2010/main" xmlns="" val="2718990012"/>
+        <p14:creationId xmlns="" xmlns:p14="http://schemas.microsoft.com/office/powerpoint/2010/main" val="2718990012"/>
       </p:ext>
     </p:extLst>
   </p:cSld>
@@ -9508,7 +10218,7 @@
 </p:sld>
 </file>
 
-<file path=ppt/slides/slide11.xml><?xml version="1.0" encoding="utf-8"?>
+<file path=ppt/slides/slide12.xml><?xml version="1.0" encoding="utf-8"?>
 <p:sld xmlns:a="http://schemas.openxmlformats.org/drawingml/2006/main" xmlns:r="http://schemas.openxmlformats.org/officeDocument/2006/relationships" xmlns:p="http://schemas.openxmlformats.org/presentationml/2006/main">
   <p:cSld>
     <p:spTree>
@@ -9664,14 +10374,14 @@
           <a:effectLst/>
           <a:extLst>
             <a:ext uri="{909E8E84-426E-40DD-AFC4-6F175D3DCCD1}">
-              <a14:hiddenFill xmlns:a14="http://schemas.microsoft.com/office/drawing/2010/main" xmlns="">
+              <a14:hiddenFill xmlns="" xmlns:a14="http://schemas.microsoft.com/office/drawing/2010/main">
                 <a:solidFill>
                   <a:schemeClr val="accent1"/>
                 </a:solidFill>
               </a14:hiddenFill>
             </a:ext>
             <a:ext uri="{91240B29-F687-4F45-9708-019B960494DF}">
-              <a14:hiddenLine xmlns:a14="http://schemas.microsoft.com/office/drawing/2010/main" xmlns="" w="9525">
+              <a14:hiddenLine xmlns="" xmlns:a14="http://schemas.microsoft.com/office/drawing/2010/main" w="9525">
                 <a:solidFill>
                   <a:schemeClr val="tx1"/>
                 </a:solidFill>
@@ -9681,7 +10391,7 @@
               </a14:hiddenLine>
             </a:ext>
             <a:ext uri="{AF507438-7753-43E0-B8FC-AC1667EBCBE1}">
-              <a14:hiddenEffects xmlns:a14="http://schemas.microsoft.com/office/drawing/2010/main" xmlns="">
+              <a14:hiddenEffects xmlns="" xmlns:a14="http://schemas.microsoft.com/office/drawing/2010/main">
                 <a:effectLst>
                   <a:outerShdw dist="35921" dir="2700000" algn="ctr" rotWithShape="0">
                     <a:schemeClr val="bg2"/>
@@ -9822,14 +10532,14 @@
           <a:effectLst/>
           <a:extLst>
             <a:ext uri="{909E8E84-426E-40DD-AFC4-6F175D3DCCD1}">
-              <a14:hiddenFill xmlns:a14="http://schemas.microsoft.com/office/drawing/2010/main" xmlns="">
+              <a14:hiddenFill xmlns="" xmlns:a14="http://schemas.microsoft.com/office/drawing/2010/main">
                 <a:solidFill>
                   <a:schemeClr val="accent1"/>
                 </a:solidFill>
               </a14:hiddenFill>
             </a:ext>
             <a:ext uri="{91240B29-F687-4F45-9708-019B960494DF}">
-              <a14:hiddenLine xmlns:a14="http://schemas.microsoft.com/office/drawing/2010/main" xmlns="" w="9525">
+              <a14:hiddenLine xmlns="" xmlns:a14="http://schemas.microsoft.com/office/drawing/2010/main" w="9525">
                 <a:solidFill>
                   <a:schemeClr val="tx1"/>
                 </a:solidFill>
@@ -9839,7 +10549,7 @@
               </a14:hiddenLine>
             </a:ext>
             <a:ext uri="{AF507438-7753-43E0-B8FC-AC1667EBCBE1}">
-              <a14:hiddenEffects xmlns:a14="http://schemas.microsoft.com/office/drawing/2010/main" xmlns="">
+              <a14:hiddenEffects xmlns="" xmlns:a14="http://schemas.microsoft.com/office/drawing/2010/main">
                 <a:effectLst>
                   <a:outerShdw dist="35921" dir="2700000" algn="ctr" rotWithShape="0">
                     <a:schemeClr val="bg2"/>
@@ -10069,7 +10779,7 @@
     </p:spTree>
     <p:extLst>
       <p:ext uri="{BB962C8B-B14F-4D97-AF65-F5344CB8AC3E}">
-        <p14:creationId xmlns:p14="http://schemas.microsoft.com/office/powerpoint/2010/main" xmlns="" val="2718990012"/>
+        <p14:creationId xmlns="" xmlns:p14="http://schemas.microsoft.com/office/powerpoint/2010/main" val="2718990012"/>
       </p:ext>
     </p:extLst>
   </p:cSld>
@@ -10087,7 +10797,7 @@
 </p:sld>
 </file>
 
-<file path=ppt/slides/slide12.xml><?xml version="1.0" encoding="utf-8"?>
+<file path=ppt/slides/slide13.xml><?xml version="1.0" encoding="utf-8"?>
 <p:sld xmlns:a="http://schemas.openxmlformats.org/drawingml/2006/main" xmlns:r="http://schemas.openxmlformats.org/officeDocument/2006/relationships" xmlns:p="http://schemas.openxmlformats.org/presentationml/2006/main">
   <p:cSld>
     <p:spTree>
@@ -10552,7 +11262,7 @@
           <a:effectLst/>
           <a:extLst>
             <a:ext uri="{AF507438-7753-43E0-B8FC-AC1667EBCBE1}">
-              <a14:hiddenEffects xmlns:a14="http://schemas.microsoft.com/office/drawing/2010/main" xmlns="">
+              <a14:hiddenEffects xmlns="" xmlns:a14="http://schemas.microsoft.com/office/drawing/2010/main">
                 <a:effectLst>
                   <a:outerShdw dist="35921" dir="2700000" algn="ctr" rotWithShape="0">
                     <a:schemeClr val="bg2"/>
@@ -11607,7 +12317,7 @@
           <a:effectLst/>
           <a:extLst>
             <a:ext uri="{91240B29-F687-4F45-9708-019B960494DF}">
-              <a14:hiddenLine xmlns:a14="http://schemas.microsoft.com/office/drawing/2010/main" xmlns="" w="9525" cap="flat" cmpd="sng" algn="ctr">
+              <a14:hiddenLine xmlns="" xmlns:a14="http://schemas.microsoft.com/office/drawing/2010/main" w="9525" cap="flat" cmpd="sng" algn="ctr">
                 <a:solidFill>
                   <a:schemeClr val="tx1"/>
                 </a:solidFill>
@@ -11618,7 +12328,7 @@
               </a14:hiddenLine>
             </a:ext>
             <a:ext uri="{AF507438-7753-43E0-B8FC-AC1667EBCBE1}">
-              <a14:hiddenEffects xmlns:a14="http://schemas.microsoft.com/office/drawing/2010/main" xmlns="">
+              <a14:hiddenEffects xmlns="" xmlns:a14="http://schemas.microsoft.com/office/drawing/2010/main">
                 <a:effectLst>
                   <a:outerShdw dist="35921" dir="2700000" algn="ctr" rotWithShape="0">
                     <a:schemeClr val="bg2"/>
@@ -11672,7 +12382,7 @@
           <a:effectLst/>
           <a:extLst>
             <a:ext uri="{91240B29-F687-4F45-9708-019B960494DF}">
-              <a14:hiddenLine xmlns:a14="http://schemas.microsoft.com/office/drawing/2010/main" xmlns="" w="9525" cap="flat" cmpd="sng" algn="ctr">
+              <a14:hiddenLine xmlns="" xmlns:a14="http://schemas.microsoft.com/office/drawing/2010/main" w="9525" cap="flat" cmpd="sng" algn="ctr">
                 <a:solidFill>
                   <a:schemeClr val="tx1"/>
                 </a:solidFill>
@@ -11683,7 +12393,7 @@
               </a14:hiddenLine>
             </a:ext>
             <a:ext uri="{AF507438-7753-43E0-B8FC-AC1667EBCBE1}">
-              <a14:hiddenEffects xmlns:a14="http://schemas.microsoft.com/office/drawing/2010/main" xmlns="">
+              <a14:hiddenEffects xmlns="" xmlns:a14="http://schemas.microsoft.com/office/drawing/2010/main">
                 <a:effectLst>
                   <a:outerShdw dist="35921" dir="2700000" algn="ctr" rotWithShape="0">
                     <a:schemeClr val="bg2"/>
@@ -11737,7 +12447,7 @@
           <a:effectLst/>
           <a:extLst>
             <a:ext uri="{91240B29-F687-4F45-9708-019B960494DF}">
-              <a14:hiddenLine xmlns:a14="http://schemas.microsoft.com/office/drawing/2010/main" xmlns="" w="9525" cap="flat" cmpd="sng" algn="ctr">
+              <a14:hiddenLine xmlns="" xmlns:a14="http://schemas.microsoft.com/office/drawing/2010/main" w="9525" cap="flat" cmpd="sng" algn="ctr">
                 <a:solidFill>
                   <a:schemeClr val="tx1"/>
                 </a:solidFill>
@@ -11748,7 +12458,7 @@
               </a14:hiddenLine>
             </a:ext>
             <a:ext uri="{AF507438-7753-43E0-B8FC-AC1667EBCBE1}">
-              <a14:hiddenEffects xmlns:a14="http://schemas.microsoft.com/office/drawing/2010/main" xmlns="">
+              <a14:hiddenEffects xmlns="" xmlns:a14="http://schemas.microsoft.com/office/drawing/2010/main">
                 <a:effectLst>
                   <a:outerShdw dist="35921" dir="2700000" algn="ctr" rotWithShape="0">
                     <a:schemeClr val="bg2"/>
@@ -11801,7 +12511,7 @@
           <a:effectLst/>
           <a:extLst>
             <a:ext uri="{91240B29-F687-4F45-9708-019B960494DF}">
-              <a14:hiddenLine xmlns:a14="http://schemas.microsoft.com/office/drawing/2010/main" xmlns="" w="9525" cap="flat" cmpd="sng" algn="ctr">
+              <a14:hiddenLine xmlns="" xmlns:a14="http://schemas.microsoft.com/office/drawing/2010/main" w="9525" cap="flat" cmpd="sng" algn="ctr">
                 <a:solidFill>
                   <a:schemeClr val="tx1"/>
                 </a:solidFill>
@@ -11812,7 +12522,7 @@
               </a14:hiddenLine>
             </a:ext>
             <a:ext uri="{AF507438-7753-43E0-B8FC-AC1667EBCBE1}">
-              <a14:hiddenEffects xmlns:a14="http://schemas.microsoft.com/office/drawing/2010/main" xmlns="">
+              <a14:hiddenEffects xmlns="" xmlns:a14="http://schemas.microsoft.com/office/drawing/2010/main">
                 <a:effectLst>
                   <a:outerShdw dist="35921" dir="2700000" algn="ctr" rotWithShape="0">
                     <a:schemeClr val="bg2"/>
@@ -11864,7 +12574,7 @@
           <a:effectLst/>
           <a:extLst>
             <a:ext uri="{91240B29-F687-4F45-9708-019B960494DF}">
-              <a14:hiddenLine xmlns:a14="http://schemas.microsoft.com/office/drawing/2010/main" xmlns="" w="9525" cap="flat" cmpd="sng" algn="ctr">
+              <a14:hiddenLine xmlns="" xmlns:a14="http://schemas.microsoft.com/office/drawing/2010/main" w="9525" cap="flat" cmpd="sng" algn="ctr">
                 <a:solidFill>
                   <a:schemeClr val="tx1"/>
                 </a:solidFill>
@@ -11875,7 +12585,7 @@
               </a14:hiddenLine>
             </a:ext>
             <a:ext uri="{AF507438-7753-43E0-B8FC-AC1667EBCBE1}">
-              <a14:hiddenEffects xmlns:a14="http://schemas.microsoft.com/office/drawing/2010/main" xmlns="">
+              <a14:hiddenEffects xmlns="" xmlns:a14="http://schemas.microsoft.com/office/drawing/2010/main">
                 <a:effectLst>
                   <a:outerShdw dist="35921" dir="2700000" algn="ctr" rotWithShape="0">
                     <a:schemeClr val="bg2"/>
@@ -11889,7 +12599,7 @@
     </p:spTree>
     <p:extLst>
       <p:ext uri="{BB962C8B-B14F-4D97-AF65-F5344CB8AC3E}">
-        <p14:creationId xmlns:p14="http://schemas.microsoft.com/office/powerpoint/2010/main" xmlns="" val="2718990012"/>
+        <p14:creationId xmlns="" xmlns:p14="http://schemas.microsoft.com/office/powerpoint/2010/main" val="2718990012"/>
       </p:ext>
     </p:extLst>
   </p:cSld>
@@ -11907,7 +12617,7 @@
 </p:sld>
 </file>
 
-<file path=ppt/slides/slide13.xml><?xml version="1.0" encoding="utf-8"?>
+<file path=ppt/slides/slide14.xml><?xml version="1.0" encoding="utf-8"?>
 <p:sld xmlns:a="http://schemas.openxmlformats.org/drawingml/2006/main" xmlns:r="http://schemas.openxmlformats.org/officeDocument/2006/relationships" xmlns:p="http://schemas.openxmlformats.org/presentationml/2006/main">
   <p:cSld>
     <p:spTree>
@@ -12157,7 +12867,7 @@
     </p:spTree>
     <p:extLst>
       <p:ext uri="{BB962C8B-B14F-4D97-AF65-F5344CB8AC3E}">
-        <p14:creationId xmlns:p14="http://schemas.microsoft.com/office/powerpoint/2010/main" xmlns="" val="2718990012"/>
+        <p14:creationId xmlns="" xmlns:p14="http://schemas.microsoft.com/office/powerpoint/2010/main" val="2718990012"/>
       </p:ext>
     </p:extLst>
   </p:cSld>
@@ -12175,7 +12885,7 @@
 </p:sld>
 </file>
 
-<file path=ppt/slides/slide14.xml><?xml version="1.0" encoding="utf-8"?>
+<file path=ppt/slides/slide15.xml><?xml version="1.0" encoding="utf-8"?>
 <p:sld xmlns:a="http://schemas.openxmlformats.org/drawingml/2006/main" xmlns:r="http://schemas.openxmlformats.org/officeDocument/2006/relationships" xmlns:p="http://schemas.openxmlformats.org/presentationml/2006/main">
   <p:cSld>
     <p:spTree>
@@ -12426,7 +13136,7 @@
           <a:effectLst/>
           <a:extLst>
             <a:ext uri="{AF507438-7753-43E0-B8FC-AC1667EBCBE1}">
-              <a14:hiddenEffects xmlns:a14="http://schemas.microsoft.com/office/drawing/2010/main" xmlns="">
+              <a14:hiddenEffects xmlns="" xmlns:a14="http://schemas.microsoft.com/office/drawing/2010/main">
                 <a:effectLst>
                   <a:outerShdw dist="35921" dir="2700000" algn="ctr" rotWithShape="0">
                     <a:schemeClr val="bg2"/>
@@ -12580,7 +13290,7 @@
           <a:effectLst/>
           <a:extLst>
             <a:ext uri="{AF507438-7753-43E0-B8FC-AC1667EBCBE1}">
-              <a14:hiddenEffects xmlns:a14="http://schemas.microsoft.com/office/drawing/2010/main" xmlns="">
+              <a14:hiddenEffects xmlns="" xmlns:a14="http://schemas.microsoft.com/office/drawing/2010/main">
                 <a:effectLst>
                   <a:outerShdw dist="35921" dir="2700000" algn="ctr" rotWithShape="0">
                     <a:schemeClr val="bg2"/>
@@ -12684,14 +13394,14 @@
           <a:effectLst/>
           <a:extLst>
             <a:ext uri="{909E8E84-426E-40DD-AFC4-6F175D3DCCD1}">
-              <a14:hiddenFill xmlns:a14="http://schemas.microsoft.com/office/drawing/2010/main" xmlns="">
+              <a14:hiddenFill xmlns="" xmlns:a14="http://schemas.microsoft.com/office/drawing/2010/main">
                 <a:solidFill>
                   <a:schemeClr val="accent1"/>
                 </a:solidFill>
               </a14:hiddenFill>
             </a:ext>
             <a:ext uri="{91240B29-F687-4F45-9708-019B960494DF}">
-              <a14:hiddenLine xmlns:a14="http://schemas.microsoft.com/office/drawing/2010/main" xmlns="" w="9525">
+              <a14:hiddenLine xmlns="" xmlns:a14="http://schemas.microsoft.com/office/drawing/2010/main" w="9525">
                 <a:solidFill>
                   <a:schemeClr val="tx1"/>
                 </a:solidFill>
@@ -12701,7 +13411,7 @@
               </a14:hiddenLine>
             </a:ext>
             <a:ext uri="{AF507438-7753-43E0-B8FC-AC1667EBCBE1}">
-              <a14:hiddenEffects xmlns:a14="http://schemas.microsoft.com/office/drawing/2010/main" xmlns="">
+              <a14:hiddenEffects xmlns="" xmlns:a14="http://schemas.microsoft.com/office/drawing/2010/main">
                 <a:effectLst>
                   <a:outerShdw dist="35921" dir="2700000" algn="ctr" rotWithShape="0">
                     <a:schemeClr val="bg2"/>
@@ -12839,14 +13549,14 @@
           <a:effectLst/>
           <a:extLst>
             <a:ext uri="{909E8E84-426E-40DD-AFC4-6F175D3DCCD1}">
-              <a14:hiddenFill xmlns:a14="http://schemas.microsoft.com/office/drawing/2010/main" xmlns="">
+              <a14:hiddenFill xmlns="" xmlns:a14="http://schemas.microsoft.com/office/drawing/2010/main">
                 <a:solidFill>
                   <a:schemeClr val="accent1"/>
                 </a:solidFill>
               </a14:hiddenFill>
             </a:ext>
             <a:ext uri="{91240B29-F687-4F45-9708-019B960494DF}">
-              <a14:hiddenLine xmlns:a14="http://schemas.microsoft.com/office/drawing/2010/main" xmlns="" w="9525">
+              <a14:hiddenLine xmlns="" xmlns:a14="http://schemas.microsoft.com/office/drawing/2010/main" w="9525">
                 <a:solidFill>
                   <a:schemeClr val="tx1"/>
                 </a:solidFill>
@@ -12856,7 +13566,7 @@
               </a14:hiddenLine>
             </a:ext>
             <a:ext uri="{AF507438-7753-43E0-B8FC-AC1667EBCBE1}">
-              <a14:hiddenEffects xmlns:a14="http://schemas.microsoft.com/office/drawing/2010/main" xmlns="">
+              <a14:hiddenEffects xmlns="" xmlns:a14="http://schemas.microsoft.com/office/drawing/2010/main">
                 <a:effectLst>
                   <a:outerShdw dist="35921" dir="2700000" algn="ctr" rotWithShape="0">
                     <a:schemeClr val="bg2"/>
@@ -12952,7 +13662,7 @@
     </p:spTree>
     <p:extLst>
       <p:ext uri="{BB962C8B-B14F-4D97-AF65-F5344CB8AC3E}">
-        <p14:creationId xmlns:p14="http://schemas.microsoft.com/office/powerpoint/2010/main" xmlns="" val="2718990012"/>
+        <p14:creationId xmlns="" xmlns:p14="http://schemas.microsoft.com/office/powerpoint/2010/main" val="2718990012"/>
       </p:ext>
     </p:extLst>
   </p:cSld>
@@ -13033,7 +13743,7 @@
           <p:nvPr>
             <p:extLst>
               <p:ext uri="{D42A27DB-BD31-4B8C-83A1-F6EECF244321}">
-                <p14:modId xmlns:p14="http://schemas.microsoft.com/office/powerpoint/2010/main" xmlns="" val="864912804"/>
+                <p14:modId xmlns="" xmlns:p14="http://schemas.microsoft.com/office/powerpoint/2010/main" val="864912804"/>
               </p:ext>
             </p:extLst>
           </p:nvPr>
@@ -13055,7 +13765,7 @@
           <p:nvPr>
             <p:extLst>
               <p:ext uri="{D42A27DB-BD31-4B8C-83A1-F6EECF244321}">
-                <p14:modId xmlns:p14="http://schemas.microsoft.com/office/powerpoint/2010/main" xmlns="" val="550831738"/>
+                <p14:modId xmlns="" xmlns:p14="http://schemas.microsoft.com/office/powerpoint/2010/main" val="550831738"/>
               </p:ext>
             </p:extLst>
           </p:nvPr>
@@ -13167,7 +13877,7 @@
     </p:spTree>
     <p:extLst>
       <p:ext uri="{BB962C8B-B14F-4D97-AF65-F5344CB8AC3E}">
-        <p14:creationId xmlns:p14="http://schemas.microsoft.com/office/powerpoint/2010/main" xmlns="" val="3723977454"/>
+        <p14:creationId xmlns="" xmlns:p14="http://schemas.microsoft.com/office/powerpoint/2010/main" val="3723977454"/>
       </p:ext>
     </p:extLst>
   </p:cSld>
@@ -13327,7 +14037,7 @@
           <a:blip r:embed="rId3" cstate="print">
             <a:extLst>
               <a:ext uri="{28A0092B-C50C-407E-A947-70E740481C1C}">
-                <a14:useLocalDpi xmlns:a14="http://schemas.microsoft.com/office/drawing/2010/main" xmlns="" val="0"/>
+                <a14:useLocalDpi xmlns="" xmlns:a14="http://schemas.microsoft.com/office/drawing/2010/main" val="0"/>
               </a:ext>
             </a:extLst>
           </a:blip>
@@ -13442,7 +14152,7 @@
           <a:blip r:embed="rId4" cstate="print">
             <a:extLst>
               <a:ext uri="{28A0092B-C50C-407E-A947-70E740481C1C}">
-                <a14:useLocalDpi xmlns:a14="http://schemas.microsoft.com/office/drawing/2010/main" xmlns="" val="0"/>
+                <a14:useLocalDpi xmlns="" xmlns:a14="http://schemas.microsoft.com/office/drawing/2010/main" val="0"/>
               </a:ext>
             </a:extLst>
           </a:blip>
@@ -13462,7 +14172,7 @@
           <a:noFill/>
           <a:extLst>
             <a:ext uri="{909E8E84-426E-40DD-AFC4-6F175D3DCCD1}">
-              <a14:hiddenFill xmlns:a14="http://schemas.microsoft.com/office/drawing/2010/main" xmlns="">
+              <a14:hiddenFill xmlns="" xmlns:a14="http://schemas.microsoft.com/office/drawing/2010/main">
                 <a:solidFill>
                   <a:srgbClr val="FFFFFF"/>
                 </a:solidFill>
@@ -13483,7 +14193,7 @@
           <a:blip r:embed="rId5" cstate="print">
             <a:extLst>
               <a:ext uri="{28A0092B-C50C-407E-A947-70E740481C1C}">
-                <a14:useLocalDpi xmlns:a14="http://schemas.microsoft.com/office/drawing/2010/main" xmlns="" val="0"/>
+                <a14:useLocalDpi xmlns="" xmlns:a14="http://schemas.microsoft.com/office/drawing/2010/main" val="0"/>
               </a:ext>
             </a:extLst>
           </a:blip>
@@ -13503,7 +14213,7 @@
           <a:noFill/>
           <a:extLst>
             <a:ext uri="{909E8E84-426E-40DD-AFC4-6F175D3DCCD1}">
-              <a14:hiddenFill xmlns:a14="http://schemas.microsoft.com/office/drawing/2010/main" xmlns="">
+              <a14:hiddenFill xmlns="" xmlns:a14="http://schemas.microsoft.com/office/drawing/2010/main">
                 <a:solidFill>
                   <a:srgbClr val="FFFFFF"/>
                 </a:solidFill>
@@ -13524,7 +14234,7 @@
           <a:blip r:embed="rId6" cstate="print">
             <a:extLst>
               <a:ext uri="{28A0092B-C50C-407E-A947-70E740481C1C}">
-                <a14:useLocalDpi xmlns:a14="http://schemas.microsoft.com/office/drawing/2010/main" xmlns="" val="0"/>
+                <a14:useLocalDpi xmlns="" xmlns:a14="http://schemas.microsoft.com/office/drawing/2010/main" val="0"/>
               </a:ext>
             </a:extLst>
           </a:blip>
@@ -13544,7 +14254,7 @@
           <a:noFill/>
           <a:extLst>
             <a:ext uri="{909E8E84-426E-40DD-AFC4-6F175D3DCCD1}">
-              <a14:hiddenFill xmlns:a14="http://schemas.microsoft.com/office/drawing/2010/main" xmlns="">
+              <a14:hiddenFill xmlns="" xmlns:a14="http://schemas.microsoft.com/office/drawing/2010/main">
                 <a:solidFill>
                   <a:srgbClr val="FFFFFF"/>
                 </a:solidFill>
@@ -13582,7 +14292,7 @@
     </p:spTree>
     <p:extLst>
       <p:ext uri="{BB962C8B-B14F-4D97-AF65-F5344CB8AC3E}">
-        <p14:creationId xmlns:p14="http://schemas.microsoft.com/office/powerpoint/2010/main" xmlns="" val="26222973"/>
+        <p14:creationId xmlns="" xmlns:p14="http://schemas.microsoft.com/office/powerpoint/2010/main" val="26222973"/>
       </p:ext>
     </p:extLst>
   </p:cSld>
@@ -13702,7 +14412,7 @@
         </p:nvSpPr>
         <p:spPr>
           <a:xfrm>
-            <a:off x="2785054" y="3717032"/>
+            <a:off x="2785054" y="4787860"/>
             <a:ext cx="4667266" cy="461665"/>
           </a:xfrm>
           <a:prstGeom prst="rect">
@@ -13769,7 +14479,7 @@
           <a:blip r:embed="rId3" cstate="print">
             <a:extLst>
               <a:ext uri="{28A0092B-C50C-407E-A947-70E740481C1C}">
-                <a14:useLocalDpi xmlns:a14="http://schemas.microsoft.com/office/drawing/2010/main" xmlns="" val="0"/>
+                <a14:useLocalDpi xmlns="" xmlns:a14="http://schemas.microsoft.com/office/drawing/2010/main" val="0"/>
               </a:ext>
             </a:extLst>
           </a:blip>
@@ -13779,8 +14489,8 @@
         </p:blipFill>
         <p:spPr>
           <a:xfrm>
-            <a:off x="5580112" y="2132856"/>
-            <a:ext cx="3259008" cy="1368152"/>
+            <a:off x="5580112" y="2780928"/>
+            <a:ext cx="3259008" cy="1805136"/>
           </a:xfrm>
           <a:prstGeom prst="rect">
             <a:avLst/>
@@ -13797,7 +14507,7 @@
           <a:blip r:embed="rId4" cstate="print">
             <a:extLst>
               <a:ext uri="{28A0092B-C50C-407E-A947-70E740481C1C}">
-                <a14:useLocalDpi xmlns:a14="http://schemas.microsoft.com/office/drawing/2010/main" xmlns="" val="0"/>
+                <a14:useLocalDpi xmlns="" xmlns:a14="http://schemas.microsoft.com/office/drawing/2010/main" val="0"/>
               </a:ext>
             </a:extLst>
           </a:blip>
@@ -13807,23 +14517,598 @@
         </p:blipFill>
         <p:spPr>
           <a:xfrm>
-            <a:off x="704022" y="2132856"/>
-            <a:ext cx="4162063" cy="1521098"/>
+            <a:off x="704022" y="2780928"/>
+            <a:ext cx="4162063" cy="2006932"/>
           </a:xfrm>
           <a:prstGeom prst="rect">
             <a:avLst/>
           </a:prstGeom>
         </p:spPr>
       </p:pic>
+    </p:spTree>
+    <p:extLst>
+      <p:ext uri="{BB962C8B-B14F-4D97-AF65-F5344CB8AC3E}">
+        <p14:creationId xmlns="" xmlns:p14="http://schemas.microsoft.com/office/powerpoint/2010/main" val="846475234"/>
+      </p:ext>
+    </p:extLst>
+  </p:cSld>
+  <p:clrMapOvr>
+    <a:masterClrMapping/>
+  </p:clrMapOvr>
+  <p:transition advClick="0" advTm="20000"/>
+  <p:timing>
+    <p:tnLst>
+      <p:par>
+        <p:cTn id="1" dur="indefinite" restart="never" nodeType="tmRoot"/>
+      </p:par>
+    </p:tnLst>
+  </p:timing>
+</p:sld>
+</file>
+
+<file path=ppt/slides/slide5.xml><?xml version="1.0" encoding="utf-8"?>
+<p:sld xmlns:a="http://schemas.openxmlformats.org/drawingml/2006/main" xmlns:r="http://schemas.openxmlformats.org/officeDocument/2006/relationships" xmlns:p="http://schemas.openxmlformats.org/presentationml/2006/main">
+  <p:cSld>
+    <p:spTree>
+      <p:nvGrpSpPr>
+        <p:cNvPr id="1" name=""/>
+        <p:cNvGrpSpPr/>
+        <p:nvPr/>
+      </p:nvGrpSpPr>
+      <p:grpSpPr>
+        <a:xfrm>
+          <a:off x="0" y="0"/>
+          <a:ext cx="0" cy="0"/>
+          <a:chOff x="0" y="0"/>
+          <a:chExt cx="0" cy="0"/>
+        </a:xfrm>
+      </p:grpSpPr>
+      <p:sp>
+        <p:nvSpPr>
+          <p:cNvPr id="2" name="제목 1"/>
+          <p:cNvSpPr>
+            <a:spLocks noGrp="1"/>
+          </p:cNvSpPr>
+          <p:nvPr>
+            <p:ph type="title"/>
+          </p:nvPr>
+        </p:nvSpPr>
+        <p:spPr/>
+        <p:txBody>
+          <a:bodyPr/>
+          <a:lstStyle/>
+          <a:p>
+            <a:pPr marL="914400" indent="-914400">
+              <a:buFont typeface="+mj-lt"/>
+              <a:buAutoNum type="arabicPeriod" startAt="2"/>
+            </a:pPr>
+            <a:r>
+              <a:rPr lang="ko-KR" altLang="en-US" sz="5400" spc="600" dirty="0" smtClean="0">
+                <a:solidFill>
+                  <a:srgbClr val="000000"/>
+                </a:solidFill>
+                <a:latin typeface="HY동녘M" pitchFamily="18" charset="-127"/>
+                <a:ea typeface="HY동녘M" pitchFamily="18" charset="-127"/>
+              </a:rPr>
+              <a:t>관련기술 소개</a:t>
+            </a:r>
+            <a:endParaRPr lang="ko-KR" altLang="en-US" sz="5400" dirty="0">
+              <a:solidFill>
+                <a:srgbClr val="000000"/>
+              </a:solidFill>
+              <a:latin typeface="HY동녘M" pitchFamily="18" charset="-127"/>
+              <a:ea typeface="HY동녘M" pitchFamily="18" charset="-127"/>
+            </a:endParaRPr>
+          </a:p>
+        </p:txBody>
+      </p:sp>
+      <p:sp>
+        <p:nvSpPr>
+          <p:cNvPr id="16" name="내용 개체 틀 2"/>
+          <p:cNvSpPr txBox="1">
+            <a:spLocks/>
+          </p:cNvSpPr>
+          <p:nvPr/>
+        </p:nvSpPr>
+        <p:spPr bwMode="auto">
+          <a:xfrm>
+            <a:off x="755576" y="1196752"/>
+            <a:ext cx="6048672" cy="648072"/>
+          </a:xfrm>
+          <a:prstGeom prst="rect">
+            <a:avLst/>
+          </a:prstGeom>
+          <a:noFill/>
+          <a:ln>
+            <a:noFill/>
+          </a:ln>
+          <a:effectLst/>
+          <a:extLst>
+            <a:ext uri="{909E8E84-426E-40DD-AFC4-6F175D3DCCD1}">
+              <a14:hiddenFill xmlns="" xmlns:a14="http://schemas.microsoft.com/office/drawing/2010/main">
+                <a:solidFill>
+                  <a:schemeClr val="accent1"/>
+                </a:solidFill>
+              </a14:hiddenFill>
+            </a:ext>
+            <a:ext uri="{91240B29-F687-4F45-9708-019B960494DF}">
+              <a14:hiddenLine xmlns="" xmlns:a14="http://schemas.microsoft.com/office/drawing/2010/main" w="9525">
+                <a:solidFill>
+                  <a:schemeClr val="tx1"/>
+                </a:solidFill>
+                <a:miter lim="800000"/>
+                <a:headEnd/>
+                <a:tailEnd/>
+              </a14:hiddenLine>
+            </a:ext>
+            <a:ext uri="{AF507438-7753-43E0-B8FC-AC1667EBCBE1}">
+              <a14:hiddenEffects xmlns="" xmlns:a14="http://schemas.microsoft.com/office/drawing/2010/main">
+                <a:effectLst>
+                  <a:outerShdw dist="35921" dir="2700000" algn="ctr" rotWithShape="0">
+                    <a:schemeClr val="bg2"/>
+                  </a:outerShdw>
+                </a:effectLst>
+              </a14:hiddenEffects>
+            </a:ext>
+          </a:extLst>
+        </p:spPr>
+        <p:txBody>
+          <a:bodyPr vert="horz" wrap="square" lIns="91440" tIns="45720" rIns="91440" bIns="45720" numCol="1" anchor="t" anchorCtr="0" compatLnSpc="1">
+            <a:prstTxWarp prst="textNoShape">
+              <a:avLst/>
+            </a:prstTxWarp>
+          </a:bodyPr>
+          <a:lstStyle/>
+          <a:p>
+            <a:pPr marL="571500" marR="0" lvl="0" indent="-514350" algn="l" defTabSz="914400" rtl="0" eaLnBrk="1" fontAlgn="base" latinLnBrk="1" hangingPunct="1">
+              <a:lnSpc>
+                <a:spcPct val="100000"/>
+              </a:lnSpc>
+              <a:spcBef>
+                <a:spcPct val="20000"/>
+              </a:spcBef>
+              <a:spcAft>
+                <a:spcPct val="0"/>
+              </a:spcAft>
+              <a:buClrTx/>
+              <a:buSzTx/>
+              <a:buFont typeface="+mj-lt"/>
+              <a:buAutoNum type="alphaUcPeriod"/>
+              <a:tabLst/>
+              <a:defRPr/>
+            </a:pPr>
+            <a:r>
+              <a:rPr kumimoji="0" lang="en-US" altLang="ko-KR" sz="3200" b="0" i="0" u="none" strike="noStrike" kern="0" cap="none" spc="0" normalizeH="0" baseline="0" noProof="0" dirty="0" smtClean="0">
+                <a:ln>
+                  <a:noFill/>
+                </a:ln>
+                <a:solidFill>
+                  <a:srgbClr val="000000"/>
+                </a:solidFill>
+                <a:effectLst/>
+                <a:uLnTx/>
+                <a:uFillTx/>
+                <a:latin typeface="HY동녘M" pitchFamily="18" charset="-127"/>
+                <a:ea typeface="HY동녘M" pitchFamily="18" charset="-127"/>
+                <a:cs typeface="+mn-cs"/>
+              </a:rPr>
+              <a:t>USB</a:t>
+            </a:r>
+          </a:p>
+          <a:p>
+            <a:pPr marL="57150" marR="0" lvl="0" indent="0" algn="l" defTabSz="914400" rtl="0" eaLnBrk="1" fontAlgn="base" latinLnBrk="1" hangingPunct="1">
+              <a:lnSpc>
+                <a:spcPct val="100000"/>
+              </a:lnSpc>
+              <a:spcBef>
+                <a:spcPct val="20000"/>
+              </a:spcBef>
+              <a:spcAft>
+                <a:spcPct val="0"/>
+              </a:spcAft>
+              <a:buClrTx/>
+              <a:buSzTx/>
+              <a:buFontTx/>
+              <a:buNone/>
+              <a:tabLst/>
+              <a:defRPr/>
+            </a:pPr>
+            <a:endParaRPr kumimoji="0" lang="en-US" altLang="ko-KR" sz="1800" b="0" i="0" u="none" strike="noStrike" kern="0" cap="none" spc="0" normalizeH="0" baseline="0" noProof="0" dirty="0" smtClean="0">
+              <a:ln>
+                <a:noFill/>
+              </a:ln>
+              <a:solidFill>
+                <a:srgbClr val="000000"/>
+              </a:solidFill>
+              <a:effectLst/>
+              <a:uLnTx/>
+              <a:uFillTx/>
+              <a:latin typeface="HY동녘M" pitchFamily="18" charset="-127"/>
+              <a:ea typeface="HY동녘M" pitchFamily="18" charset="-127"/>
+              <a:cs typeface="+mn-cs"/>
+            </a:endParaRPr>
+          </a:p>
+        </p:txBody>
+      </p:sp>
       <p:grpSp>
         <p:nvGrpSpPr>
-          <p:cNvPr id="7" name="그룹 6"/>
+          <p:cNvPr id="3" name="그룹 27"/>
           <p:cNvGrpSpPr/>
           <p:nvPr/>
         </p:nvGrpSpPr>
         <p:grpSpPr>
           <a:xfrm>
-            <a:off x="1571574" y="4293096"/>
+            <a:off x="1043608" y="1844824"/>
+            <a:ext cx="7128792" cy="2088232"/>
+            <a:chOff x="1115616" y="1772816"/>
+            <a:chExt cx="7128792" cy="4314736"/>
+          </a:xfrm>
+        </p:grpSpPr>
+        <p:pic>
+          <p:nvPicPr>
+            <p:cNvPr id="2052" name="Picture 4" descr="C:\Documents and Settings\Administrator\Local Settings\Temporary Internet Files\Content.IE5\MZ3O6A78\MC900433879[1].PNG"/>
+            <p:cNvPicPr>
+              <a:picLocks noChangeAspect="1" noChangeArrowheads="1"/>
+            </p:cNvPicPr>
+            <p:nvPr/>
+          </p:nvPicPr>
+          <p:blipFill>
+            <a:blip r:embed="rId3" cstate="print"/>
+            <a:srcRect/>
+            <a:stretch>
+              <a:fillRect/>
+            </a:stretch>
+          </p:blipFill>
+          <p:spPr bwMode="auto">
+            <a:xfrm>
+              <a:off x="1619672" y="4725144"/>
+              <a:ext cx="1296144" cy="1296144"/>
+            </a:xfrm>
+            <a:prstGeom prst="rect">
+              <a:avLst/>
+            </a:prstGeom>
+            <a:noFill/>
+          </p:spPr>
+        </p:pic>
+        <p:pic>
+          <p:nvPicPr>
+            <p:cNvPr id="2053" name="Picture 5"/>
+            <p:cNvPicPr>
+              <a:picLocks noChangeAspect="1" noChangeArrowheads="1"/>
+            </p:cNvPicPr>
+            <p:nvPr/>
+          </p:nvPicPr>
+          <p:blipFill>
+            <a:blip r:embed="rId4" cstate="print"/>
+            <a:srcRect/>
+            <a:stretch>
+              <a:fillRect/>
+            </a:stretch>
+          </p:blipFill>
+          <p:spPr bwMode="auto">
+            <a:xfrm>
+              <a:off x="3347864" y="2924944"/>
+              <a:ext cx="2097663" cy="1656184"/>
+            </a:xfrm>
+            <a:prstGeom prst="rect">
+              <a:avLst/>
+            </a:prstGeom>
+            <a:noFill/>
+            <a:ln w="9525">
+              <a:noFill/>
+              <a:miter lim="800000"/>
+              <a:headEnd/>
+              <a:tailEnd/>
+            </a:ln>
+            <a:effectLst/>
+          </p:spPr>
+        </p:pic>
+        <p:pic>
+          <p:nvPicPr>
+            <p:cNvPr id="2054" name="Picture 6"/>
+            <p:cNvPicPr>
+              <a:picLocks noChangeAspect="1" noChangeArrowheads="1"/>
+            </p:cNvPicPr>
+            <p:nvPr/>
+          </p:nvPicPr>
+          <p:blipFill>
+            <a:blip r:embed="rId5" cstate="print"/>
+            <a:srcRect/>
+            <a:stretch>
+              <a:fillRect/>
+            </a:stretch>
+          </p:blipFill>
+          <p:spPr bwMode="auto">
+            <a:xfrm>
+              <a:off x="6491260" y="1772816"/>
+              <a:ext cx="1681140" cy="1800200"/>
+            </a:xfrm>
+            <a:prstGeom prst="rect">
+              <a:avLst/>
+            </a:prstGeom>
+            <a:noFill/>
+            <a:ln w="9525">
+              <a:noFill/>
+              <a:miter lim="800000"/>
+              <a:headEnd/>
+              <a:tailEnd/>
+            </a:ln>
+            <a:effectLst/>
+          </p:spPr>
+        </p:pic>
+        <p:pic>
+          <p:nvPicPr>
+            <p:cNvPr id="2055" name="Picture 7"/>
+            <p:cNvPicPr>
+              <a:picLocks noChangeAspect="1" noChangeArrowheads="1"/>
+            </p:cNvPicPr>
+            <p:nvPr/>
+          </p:nvPicPr>
+          <p:blipFill>
+            <a:blip r:embed="rId6" cstate="print"/>
+            <a:srcRect/>
+            <a:stretch>
+              <a:fillRect/>
+            </a:stretch>
+          </p:blipFill>
+          <p:spPr bwMode="auto">
+            <a:xfrm>
+              <a:off x="6588224" y="4869160"/>
+              <a:ext cx="1656184" cy="1218392"/>
+            </a:xfrm>
+            <a:prstGeom prst="rect">
+              <a:avLst/>
+            </a:prstGeom>
+            <a:noFill/>
+            <a:ln w="9525">
+              <a:noFill/>
+              <a:miter lim="800000"/>
+              <a:headEnd/>
+              <a:tailEnd/>
+            </a:ln>
+            <a:effectLst/>
+          </p:spPr>
+        </p:pic>
+        <p:pic>
+          <p:nvPicPr>
+            <p:cNvPr id="2056" name="Picture 8" descr="C:\Documents and Settings\Administrator\Local Settings\Temporary Internet Files\Content.IE5\10ES2RA8\MC900440400[1].PNG"/>
+            <p:cNvPicPr>
+              <a:picLocks noChangeAspect="1" noChangeArrowheads="1"/>
+            </p:cNvPicPr>
+            <p:nvPr/>
+          </p:nvPicPr>
+          <p:blipFill>
+            <a:blip r:embed="rId7" cstate="print"/>
+            <a:srcRect/>
+            <a:stretch>
+              <a:fillRect/>
+            </a:stretch>
+          </p:blipFill>
+          <p:spPr bwMode="auto">
+            <a:xfrm>
+              <a:off x="1115616" y="1844824"/>
+              <a:ext cx="1512168" cy="1512168"/>
+            </a:xfrm>
+            <a:prstGeom prst="rect">
+              <a:avLst/>
+            </a:prstGeom>
+            <a:noFill/>
+          </p:spPr>
+        </p:pic>
+        <p:cxnSp>
+          <p:nvCxnSpPr>
+            <p:cNvPr id="13" name="직선 화살표 연결선 12"/>
+            <p:cNvCxnSpPr/>
+            <p:nvPr/>
+          </p:nvCxnSpPr>
+          <p:spPr bwMode="auto">
+            <a:xfrm>
+              <a:off x="2627784" y="2924944"/>
+              <a:ext cx="864096" cy="432048"/>
+            </a:xfrm>
+            <a:prstGeom prst="straightConnector1">
+              <a:avLst/>
+            </a:prstGeom>
+            <a:gradFill rotWithShape="1">
+              <a:gsLst>
+                <a:gs pos="0">
+                  <a:schemeClr val="bg2">
+                    <a:gamma/>
+                    <a:tint val="26667"/>
+                    <a:invGamma/>
+                  </a:schemeClr>
+                </a:gs>
+                <a:gs pos="100000">
+                  <a:schemeClr val="bg2">
+                    <a:alpha val="14999"/>
+                  </a:schemeClr>
+                </a:gs>
+              </a:gsLst>
+              <a:lin ang="5400000" scaled="1"/>
+            </a:gradFill>
+            <a:ln w="44450">
+              <a:solidFill>
+                <a:srgbClr val="00B0F0"/>
+              </a:solidFill>
+              <a:tailEnd type="arrow"/>
+            </a:ln>
+            <a:effectLst/>
+            <a:extLst>
+              <a:ext uri="{AF507438-7753-43E0-B8FC-AC1667EBCBE1}">
+                <a14:hiddenEffects xmlns="" xmlns:a14="http://schemas.microsoft.com/office/drawing/2010/main">
+                  <a:effectLst>
+                    <a:outerShdw dist="35921" dir="2700000" algn="ctr" rotWithShape="0">
+                      <a:schemeClr val="bg2"/>
+                    </a:outerShdw>
+                  </a:effectLst>
+                </a14:hiddenEffects>
+              </a:ext>
+            </a:extLst>
+          </p:spPr>
+        </p:cxnSp>
+        <p:cxnSp>
+          <p:nvCxnSpPr>
+            <p:cNvPr id="17" name="직선 화살표 연결선 16"/>
+            <p:cNvCxnSpPr/>
+            <p:nvPr/>
+          </p:nvCxnSpPr>
+          <p:spPr bwMode="auto">
+            <a:xfrm flipH="1">
+              <a:off x="5580112" y="2924944"/>
+              <a:ext cx="864096" cy="432048"/>
+            </a:xfrm>
+            <a:prstGeom prst="straightConnector1">
+              <a:avLst/>
+            </a:prstGeom>
+            <a:gradFill rotWithShape="1">
+              <a:gsLst>
+                <a:gs pos="0">
+                  <a:schemeClr val="bg2">
+                    <a:gamma/>
+                    <a:tint val="26667"/>
+                    <a:invGamma/>
+                  </a:schemeClr>
+                </a:gs>
+                <a:gs pos="100000">
+                  <a:schemeClr val="bg2">
+                    <a:alpha val="14999"/>
+                  </a:schemeClr>
+                </a:gs>
+              </a:gsLst>
+              <a:lin ang="5400000" scaled="1"/>
+            </a:gradFill>
+            <a:ln w="44450">
+              <a:solidFill>
+                <a:srgbClr val="00B0F0"/>
+              </a:solidFill>
+              <a:tailEnd type="arrow"/>
+            </a:ln>
+            <a:effectLst/>
+            <a:extLst>
+              <a:ext uri="{AF507438-7753-43E0-B8FC-AC1667EBCBE1}">
+                <a14:hiddenEffects xmlns="" xmlns:a14="http://schemas.microsoft.com/office/drawing/2010/main">
+                  <a:effectLst>
+                    <a:outerShdw dist="35921" dir="2700000" algn="ctr" rotWithShape="0">
+                      <a:schemeClr val="bg2"/>
+                    </a:outerShdw>
+                  </a:effectLst>
+                </a14:hiddenEffects>
+              </a:ext>
+            </a:extLst>
+          </p:spPr>
+        </p:cxnSp>
+        <p:cxnSp>
+          <p:nvCxnSpPr>
+            <p:cNvPr id="21" name="직선 화살표 연결선 20"/>
+            <p:cNvCxnSpPr/>
+            <p:nvPr/>
+          </p:nvCxnSpPr>
+          <p:spPr bwMode="auto">
+            <a:xfrm flipH="1" flipV="1">
+              <a:off x="5364088" y="4725144"/>
+              <a:ext cx="1008112" cy="576064"/>
+            </a:xfrm>
+            <a:prstGeom prst="straightConnector1">
+              <a:avLst/>
+            </a:prstGeom>
+            <a:gradFill rotWithShape="1">
+              <a:gsLst>
+                <a:gs pos="0">
+                  <a:schemeClr val="bg2">
+                    <a:gamma/>
+                    <a:tint val="26667"/>
+                    <a:invGamma/>
+                  </a:schemeClr>
+                </a:gs>
+                <a:gs pos="100000">
+                  <a:schemeClr val="bg2">
+                    <a:alpha val="14999"/>
+                  </a:schemeClr>
+                </a:gs>
+              </a:gsLst>
+              <a:lin ang="5400000" scaled="1"/>
+            </a:gradFill>
+            <a:ln w="44450">
+              <a:solidFill>
+                <a:srgbClr val="00B0F0"/>
+              </a:solidFill>
+              <a:tailEnd type="arrow"/>
+            </a:ln>
+            <a:effectLst/>
+            <a:extLst>
+              <a:ext uri="{AF507438-7753-43E0-B8FC-AC1667EBCBE1}">
+                <a14:hiddenEffects xmlns="" xmlns:a14="http://schemas.microsoft.com/office/drawing/2010/main">
+                  <a:effectLst>
+                    <a:outerShdw dist="35921" dir="2700000" algn="ctr" rotWithShape="0">
+                      <a:schemeClr val="bg2"/>
+                    </a:outerShdw>
+                  </a:effectLst>
+                </a14:hiddenEffects>
+              </a:ext>
+            </a:extLst>
+          </p:spPr>
+        </p:cxnSp>
+        <p:cxnSp>
+          <p:nvCxnSpPr>
+            <p:cNvPr id="24" name="직선 화살표 연결선 23"/>
+            <p:cNvCxnSpPr/>
+            <p:nvPr/>
+          </p:nvCxnSpPr>
+          <p:spPr bwMode="auto">
+            <a:xfrm flipV="1">
+              <a:off x="2699792" y="4581128"/>
+              <a:ext cx="864096" cy="504056"/>
+            </a:xfrm>
+            <a:prstGeom prst="straightConnector1">
+              <a:avLst/>
+            </a:prstGeom>
+            <a:gradFill rotWithShape="1">
+              <a:gsLst>
+                <a:gs pos="0">
+                  <a:schemeClr val="bg2">
+                    <a:gamma/>
+                    <a:tint val="26667"/>
+                    <a:invGamma/>
+                  </a:schemeClr>
+                </a:gs>
+                <a:gs pos="100000">
+                  <a:schemeClr val="bg2">
+                    <a:alpha val="14999"/>
+                  </a:schemeClr>
+                </a:gs>
+              </a:gsLst>
+              <a:lin ang="5400000" scaled="1"/>
+            </a:gradFill>
+            <a:ln w="44450">
+              <a:solidFill>
+                <a:srgbClr val="00B0F0"/>
+              </a:solidFill>
+              <a:tailEnd type="arrow"/>
+            </a:ln>
+            <a:effectLst/>
+            <a:extLst>
+              <a:ext uri="{AF507438-7753-43E0-B8FC-AC1667EBCBE1}">
+                <a14:hiddenEffects xmlns="" xmlns:a14="http://schemas.microsoft.com/office/drawing/2010/main">
+                  <a:effectLst>
+                    <a:outerShdw dist="35921" dir="2700000" algn="ctr" rotWithShape="0">
+                      <a:schemeClr val="bg2"/>
+                    </a:outerShdw>
+                  </a:effectLst>
+                </a14:hiddenEffects>
+              </a:ext>
+            </a:extLst>
+          </p:spPr>
+        </p:cxnSp>
+      </p:grpSp>
+      <p:grpSp>
+        <p:nvGrpSpPr>
+          <p:cNvPr id="4" name="그룹 29"/>
+          <p:cNvGrpSpPr/>
+          <p:nvPr/>
+        </p:nvGrpSpPr>
+        <p:grpSpPr>
+          <a:xfrm>
+            <a:off x="1571574" y="4149080"/>
             <a:ext cx="7176890" cy="1800200"/>
             <a:chOff x="203673" y="2621195"/>
             <a:chExt cx="8448873" cy="3328085"/>
@@ -13831,17 +15116,17 @@
         </p:grpSpPr>
         <p:pic>
           <p:nvPicPr>
-            <p:cNvPr id="8" name="그림 7"/>
+            <p:cNvPr id="31" name="그림 30"/>
             <p:cNvPicPr>
               <a:picLocks noChangeAspect="1"/>
             </p:cNvPicPr>
             <p:nvPr/>
           </p:nvPicPr>
           <p:blipFill>
-            <a:blip r:embed="rId5" cstate="print">
+            <a:blip r:embed="rId8" cstate="print">
               <a:extLst>
                 <a:ext uri="{28A0092B-C50C-407E-A947-70E740481C1C}">
-                  <a14:useLocalDpi xmlns:a14="http://schemas.microsoft.com/office/drawing/2010/main" xmlns="" val="0"/>
+                  <a14:useLocalDpi xmlns="" xmlns:a14="http://schemas.microsoft.com/office/drawing/2010/main" val="0"/>
                 </a:ext>
               </a:extLst>
             </a:blip>
@@ -13861,17 +15146,17 @@
         </p:pic>
         <p:pic>
           <p:nvPicPr>
-            <p:cNvPr id="9" name="그림 8"/>
+            <p:cNvPr id="32" name="그림 31"/>
             <p:cNvPicPr>
               <a:picLocks noChangeAspect="1"/>
             </p:cNvPicPr>
             <p:nvPr/>
           </p:nvPicPr>
           <p:blipFill>
-            <a:blip r:embed="rId6" cstate="print">
+            <a:blip r:embed="rId9" cstate="print">
               <a:extLst>
                 <a:ext uri="{28A0092B-C50C-407E-A947-70E740481C1C}">
-                  <a14:useLocalDpi xmlns:a14="http://schemas.microsoft.com/office/drawing/2010/main" xmlns="" val="0"/>
+                  <a14:useLocalDpi xmlns="" xmlns:a14="http://schemas.microsoft.com/office/drawing/2010/main" val="0"/>
                 </a:ext>
               </a:extLst>
             </a:blip>
@@ -13891,7 +15176,7 @@
         </p:pic>
         <p:sp>
           <p:nvSpPr>
-            <p:cNvPr id="10" name="TextBox 9"/>
+            <p:cNvPr id="33" name="TextBox 32"/>
             <p:cNvSpPr txBox="1"/>
             <p:nvPr/>
           </p:nvSpPr>
@@ -13925,7 +15210,7 @@
         </p:sp>
         <p:sp>
           <p:nvSpPr>
-            <p:cNvPr id="11" name="TextBox 10"/>
+            <p:cNvPr id="34" name="TextBox 33"/>
             <p:cNvSpPr txBox="1"/>
             <p:nvPr/>
           </p:nvSpPr>
@@ -13959,17 +15244,17 @@
         </p:sp>
         <p:pic>
           <p:nvPicPr>
-            <p:cNvPr id="12" name="그림 11"/>
+            <p:cNvPr id="35" name="그림 34"/>
             <p:cNvPicPr>
               <a:picLocks noChangeAspect="1"/>
             </p:cNvPicPr>
             <p:nvPr/>
           </p:nvPicPr>
           <p:blipFill>
-            <a:blip r:embed="rId7" cstate="print">
+            <a:blip r:embed="rId10" cstate="print">
               <a:extLst>
                 <a:ext uri="{28A0092B-C50C-407E-A947-70E740481C1C}">
-                  <a14:useLocalDpi xmlns:a14="http://schemas.microsoft.com/office/drawing/2010/main" xmlns="" val="0"/>
+                  <a14:useLocalDpi xmlns="" xmlns:a14="http://schemas.microsoft.com/office/drawing/2010/main" val="0"/>
                 </a:ext>
               </a:extLst>
             </a:blip>
@@ -13989,7 +15274,7 @@
         </p:pic>
         <p:sp>
           <p:nvSpPr>
-            <p:cNvPr id="13" name="TextBox 12"/>
+            <p:cNvPr id="36" name="TextBox 35"/>
             <p:cNvSpPr txBox="1"/>
             <p:nvPr/>
           </p:nvSpPr>
@@ -14025,7 +15310,7 @@
     </p:spTree>
     <p:extLst>
       <p:ext uri="{BB962C8B-B14F-4D97-AF65-F5344CB8AC3E}">
-        <p14:creationId xmlns:p14="http://schemas.microsoft.com/office/powerpoint/2010/main" xmlns="" val="846475234"/>
+        <p14:creationId xmlns="" xmlns:p14="http://schemas.microsoft.com/office/powerpoint/2010/main" val="2437256557"/>
       </p:ext>
     </p:extLst>
   </p:cSld>
@@ -14043,7 +15328,7 @@
 </p:sld>
 </file>
 
-<file path=ppt/slides/slide5.xml><?xml version="1.0" encoding="utf-8"?>
+<file path=ppt/slides/slide6.xml><?xml version="1.0" encoding="utf-8"?>
 <p:sld xmlns:a="http://schemas.openxmlformats.org/drawingml/2006/main" xmlns:r="http://schemas.openxmlformats.org/officeDocument/2006/relationships" xmlns:p="http://schemas.openxmlformats.org/presentationml/2006/main">
   <p:cSld>
     <p:spTree>
@@ -14304,14 +15589,14 @@
           <a:effectLst/>
           <a:extLst>
             <a:ext uri="{909E8E84-426E-40DD-AFC4-6F175D3DCCD1}">
-              <a14:hiddenFill xmlns:a14="http://schemas.microsoft.com/office/drawing/2010/main" xmlns="">
+              <a14:hiddenFill xmlns="" xmlns:a14="http://schemas.microsoft.com/office/drawing/2010/main">
                 <a:solidFill>
                   <a:schemeClr val="accent1"/>
                 </a:solidFill>
               </a14:hiddenFill>
             </a:ext>
             <a:ext uri="{91240B29-F687-4F45-9708-019B960494DF}">
-              <a14:hiddenLine xmlns:a14="http://schemas.microsoft.com/office/drawing/2010/main" xmlns="" w="9525">
+              <a14:hiddenLine xmlns="" xmlns:a14="http://schemas.microsoft.com/office/drawing/2010/main" w="9525">
                 <a:solidFill>
                   <a:schemeClr val="tx1"/>
                 </a:solidFill>
@@ -14321,7 +15606,7 @@
               </a14:hiddenLine>
             </a:ext>
             <a:ext uri="{AF507438-7753-43E0-B8FC-AC1667EBCBE1}">
-              <a14:hiddenEffects xmlns:a14="http://schemas.microsoft.com/office/drawing/2010/main" xmlns="">
+              <a14:hiddenEffects xmlns="" xmlns:a14="http://schemas.microsoft.com/office/drawing/2010/main">
                 <a:effectLst>
                   <a:outerShdw dist="35921" dir="2700000" algn="ctr" rotWithShape="0">
                     <a:schemeClr val="bg2"/>
@@ -14553,7 +15838,7 @@
     </p:spTree>
     <p:extLst>
       <p:ext uri="{BB962C8B-B14F-4D97-AF65-F5344CB8AC3E}">
-        <p14:creationId xmlns:p14="http://schemas.microsoft.com/office/powerpoint/2010/main" xmlns="" val="2437256557"/>
+        <p14:creationId xmlns="" xmlns:p14="http://schemas.microsoft.com/office/powerpoint/2010/main" val="2437256557"/>
       </p:ext>
     </p:extLst>
   </p:cSld>
@@ -14571,7 +15856,7 @@
 </p:sld>
 </file>
 
-<file path=ppt/slides/slide6.xml><?xml version="1.0" encoding="utf-8"?>
+<file path=ppt/slides/slide7.xml><?xml version="1.0" encoding="utf-8"?>
 <p:sld xmlns:a="http://schemas.openxmlformats.org/drawingml/2006/main" xmlns:r="http://schemas.openxmlformats.org/officeDocument/2006/relationships" xmlns:p="http://schemas.openxmlformats.org/presentationml/2006/main">
   <p:cSld>
     <p:spTree>
@@ -14667,7 +15952,7 @@
           <a:blip r:embed="rId5" cstate="print">
             <a:extLst>
               <a:ext uri="{28A0092B-C50C-407E-A947-70E740481C1C}">
-                <a14:useLocalDpi xmlns:a14="http://schemas.microsoft.com/office/drawing/2010/main" xmlns="" val="0"/>
+                <a14:useLocalDpi xmlns="" xmlns:a14="http://schemas.microsoft.com/office/drawing/2010/main" val="0"/>
               </a:ext>
             </a:extLst>
           </a:blip>
@@ -14687,7 +15972,7 @@
           <a:noFill/>
           <a:extLst>
             <a:ext uri="{909E8E84-426E-40DD-AFC4-6F175D3DCCD1}">
-              <a14:hiddenFill xmlns:a14="http://schemas.microsoft.com/office/drawing/2010/main" xmlns="">
+              <a14:hiddenFill xmlns="" xmlns:a14="http://schemas.microsoft.com/office/drawing/2010/main">
                 <a:solidFill>
                   <a:srgbClr val="FFFFFF"/>
                 </a:solidFill>
@@ -14935,7 +16220,7 @@
             <a:blip r:embed="rId6" cstate="print">
               <a:extLst>
                 <a:ext uri="{28A0092B-C50C-407E-A947-70E740481C1C}">
-                  <a14:useLocalDpi xmlns:a14="http://schemas.microsoft.com/office/drawing/2010/main" xmlns="" val="0"/>
+                  <a14:useLocalDpi xmlns="" xmlns:a14="http://schemas.microsoft.com/office/drawing/2010/main" val="0"/>
                 </a:ext>
               </a:extLst>
             </a:blip>
@@ -14955,7 +16240,7 @@
             <a:noFill/>
             <a:extLst>
               <a:ext uri="{909E8E84-426E-40DD-AFC4-6F175D3DCCD1}">
-                <a14:hiddenFill xmlns:a14="http://schemas.microsoft.com/office/drawing/2010/main" xmlns="">
+                <a14:hiddenFill xmlns="" xmlns:a14="http://schemas.microsoft.com/office/drawing/2010/main">
                   <a:solidFill>
                     <a:srgbClr val="FFFFFF"/>
                   </a:solidFill>
@@ -15076,14 +16361,14 @@
           <a:effectLst/>
           <a:extLst>
             <a:ext uri="{909E8E84-426E-40DD-AFC4-6F175D3DCCD1}">
-              <a14:hiddenFill xmlns:a14="http://schemas.microsoft.com/office/drawing/2010/main" xmlns="">
+              <a14:hiddenFill xmlns="" xmlns:a14="http://schemas.microsoft.com/office/drawing/2010/main">
                 <a:solidFill>
                   <a:schemeClr val="accent1"/>
                 </a:solidFill>
               </a14:hiddenFill>
             </a:ext>
             <a:ext uri="{91240B29-F687-4F45-9708-019B960494DF}">
-              <a14:hiddenLine xmlns:a14="http://schemas.microsoft.com/office/drawing/2010/main" xmlns="" w="9525">
+              <a14:hiddenLine xmlns="" xmlns:a14="http://schemas.microsoft.com/office/drawing/2010/main" w="9525">
                 <a:solidFill>
                   <a:schemeClr val="tx1"/>
                 </a:solidFill>
@@ -15093,7 +16378,7 @@
               </a14:hiddenLine>
             </a:ext>
             <a:ext uri="{AF507438-7753-43E0-B8FC-AC1667EBCBE1}">
-              <a14:hiddenEffects xmlns:a14="http://schemas.microsoft.com/office/drawing/2010/main" xmlns="">
+              <a14:hiddenEffects xmlns="" xmlns:a14="http://schemas.microsoft.com/office/drawing/2010/main">
                 <a:effectLst>
                   <a:outerShdw dist="35921" dir="2700000" algn="ctr" rotWithShape="0">
                     <a:schemeClr val="bg2"/>
@@ -15290,7 +16575,7 @@
     </p:spTree>
     <p:extLst>
       <p:ext uri="{BB962C8B-B14F-4D97-AF65-F5344CB8AC3E}">
-        <p14:creationId xmlns:p14="http://schemas.microsoft.com/office/powerpoint/2010/main" xmlns="" val="1709874429"/>
+        <p14:creationId xmlns="" xmlns:p14="http://schemas.microsoft.com/office/powerpoint/2010/main" val="1709874429"/>
       </p:ext>
     </p:extLst>
   </p:cSld>
@@ -15308,7 +16593,7 @@
 </p:sld>
 </file>
 
-<file path=ppt/slides/slide7.xml><?xml version="1.0" encoding="utf-8"?>
+<file path=ppt/slides/slide8.xml><?xml version="1.0" encoding="utf-8"?>
 <p:sld xmlns:a="http://schemas.openxmlformats.org/drawingml/2006/main" xmlns:r="http://schemas.openxmlformats.org/officeDocument/2006/relationships" xmlns:p="http://schemas.openxmlformats.org/presentationml/2006/main">
   <p:cSld>
     <p:spTree>
@@ -16021,7 +17306,7 @@
             <a:effectLst/>
             <a:extLst>
               <a:ext uri="{AF507438-7753-43E0-B8FC-AC1667EBCBE1}">
-                <a14:hiddenEffects xmlns:a14="http://schemas.microsoft.com/office/drawing/2010/main" xmlns="">
+                <a14:hiddenEffects xmlns="" xmlns:a14="http://schemas.microsoft.com/office/drawing/2010/main">
                   <a:effectLst>
                     <a:outerShdw dist="35921" dir="2700000" algn="ctr" rotWithShape="0">
                       <a:schemeClr val="bg2"/>
@@ -16071,7 +17356,7 @@
             <a:effectLst/>
             <a:extLst>
               <a:ext uri="{AF507438-7753-43E0-B8FC-AC1667EBCBE1}">
-                <a14:hiddenEffects xmlns:a14="http://schemas.microsoft.com/office/drawing/2010/main" xmlns="">
+                <a14:hiddenEffects xmlns="" xmlns:a14="http://schemas.microsoft.com/office/drawing/2010/main">
                   <a:effectLst>
                     <a:outerShdw dist="35921" dir="2700000" algn="ctr" rotWithShape="0">
                       <a:schemeClr val="bg2"/>
@@ -16121,7 +17406,7 @@
             <a:effectLst/>
             <a:extLst>
               <a:ext uri="{AF507438-7753-43E0-B8FC-AC1667EBCBE1}">
-                <a14:hiddenEffects xmlns:a14="http://schemas.microsoft.com/office/drawing/2010/main" xmlns="">
+                <a14:hiddenEffects xmlns="" xmlns:a14="http://schemas.microsoft.com/office/drawing/2010/main">
                   <a:effectLst>
                     <a:outerShdw dist="35921" dir="2700000" algn="ctr" rotWithShape="0">
                       <a:schemeClr val="bg2"/>
@@ -16171,7 +17456,7 @@
             <a:effectLst/>
             <a:extLst>
               <a:ext uri="{AF507438-7753-43E0-B8FC-AC1667EBCBE1}">
-                <a14:hiddenEffects xmlns:a14="http://schemas.microsoft.com/office/drawing/2010/main" xmlns="">
+                <a14:hiddenEffects xmlns="" xmlns:a14="http://schemas.microsoft.com/office/drawing/2010/main">
                   <a:effectLst>
                     <a:outerShdw dist="35921" dir="2700000" algn="ctr" rotWithShape="0">
                       <a:schemeClr val="bg2"/>
@@ -16221,7 +17506,7 @@
             <a:effectLst/>
             <a:extLst>
               <a:ext uri="{AF507438-7753-43E0-B8FC-AC1667EBCBE1}">
-                <a14:hiddenEffects xmlns:a14="http://schemas.microsoft.com/office/drawing/2010/main" xmlns="">
+                <a14:hiddenEffects xmlns="" xmlns:a14="http://schemas.microsoft.com/office/drawing/2010/main">
                   <a:effectLst>
                     <a:outerShdw dist="35921" dir="2700000" algn="ctr" rotWithShape="0">
                       <a:schemeClr val="bg2"/>
@@ -16271,7 +17556,7 @@
             <a:effectLst/>
             <a:extLst>
               <a:ext uri="{AF507438-7753-43E0-B8FC-AC1667EBCBE1}">
-                <a14:hiddenEffects xmlns:a14="http://schemas.microsoft.com/office/drawing/2010/main" xmlns="">
+                <a14:hiddenEffects xmlns="" xmlns:a14="http://schemas.microsoft.com/office/drawing/2010/main">
                   <a:effectLst>
                     <a:outerShdw dist="35921" dir="2700000" algn="ctr" rotWithShape="0">
                       <a:schemeClr val="bg2"/>
@@ -16343,7 +17628,7 @@
     </p:spTree>
     <p:extLst>
       <p:ext uri="{BB962C8B-B14F-4D97-AF65-F5344CB8AC3E}">
-        <p14:creationId xmlns:p14="http://schemas.microsoft.com/office/powerpoint/2010/main" xmlns="" val="1532431054"/>
+        <p14:creationId xmlns="" xmlns:p14="http://schemas.microsoft.com/office/powerpoint/2010/main" val="1532431054"/>
       </p:ext>
     </p:extLst>
   </p:cSld>
@@ -16361,7 +17646,7 @@
 </p:sld>
 </file>
 
-<file path=ppt/slides/slide8.xml><?xml version="1.0" encoding="utf-8"?>
+<file path=ppt/slides/slide9.xml><?xml version="1.0" encoding="utf-8"?>
 <p:sld xmlns:a="http://schemas.openxmlformats.org/drawingml/2006/main" xmlns:r="http://schemas.openxmlformats.org/officeDocument/2006/relationships" xmlns:p="http://schemas.openxmlformats.org/presentationml/2006/main">
   <p:cSld>
     <p:spTree>
@@ -17590,675 +18875,7 @@
     </p:spTree>
     <p:extLst>
       <p:ext uri="{BB962C8B-B14F-4D97-AF65-F5344CB8AC3E}">
-        <p14:creationId xmlns:p14="http://schemas.microsoft.com/office/powerpoint/2010/main" xmlns="" val="1410092498"/>
-      </p:ext>
-    </p:extLst>
-  </p:cSld>
-  <p:clrMapOvr>
-    <a:masterClrMapping/>
-  </p:clrMapOvr>
-  <p:transition advClick="0" advTm="20000"/>
-  <p:timing>
-    <p:tnLst>
-      <p:par>
-        <p:cTn id="1" dur="indefinite" restart="never" nodeType="tmRoot"/>
-      </p:par>
-    </p:tnLst>
-  </p:timing>
-</p:sld>
-</file>
-
-<file path=ppt/slides/slide9.xml><?xml version="1.0" encoding="utf-8"?>
-<p:sld xmlns:a="http://schemas.openxmlformats.org/drawingml/2006/main" xmlns:r="http://schemas.openxmlformats.org/officeDocument/2006/relationships" xmlns:p="http://schemas.openxmlformats.org/presentationml/2006/main">
-  <p:cSld>
-    <p:spTree>
-      <p:nvGrpSpPr>
-        <p:cNvPr id="1" name=""/>
-        <p:cNvGrpSpPr/>
-        <p:nvPr/>
-      </p:nvGrpSpPr>
-      <p:grpSpPr>
-        <a:xfrm>
-          <a:off x="0" y="0"/>
-          <a:ext cx="0" cy="0"/>
-          <a:chOff x="0" y="0"/>
-          <a:chExt cx="0" cy="0"/>
-        </a:xfrm>
-      </p:grpSpPr>
-      <p:pic>
-        <p:nvPicPr>
-          <p:cNvPr id="25" name="Picture 2" descr="C:\Documents and Settings\Administrator\바탕 화면\Untitled-1.png"/>
-          <p:cNvPicPr>
-            <a:picLocks noChangeAspect="1" noChangeArrowheads="1"/>
-          </p:cNvPicPr>
-          <p:nvPr/>
-        </p:nvPicPr>
-        <p:blipFill>
-          <a:blip r:embed="rId3" cstate="print"/>
-          <a:srcRect/>
-          <a:stretch>
-            <a:fillRect/>
-          </a:stretch>
-        </p:blipFill>
-        <p:spPr bwMode="auto">
-          <a:xfrm>
-            <a:off x="755576" y="2276872"/>
-            <a:ext cx="2736304" cy="2592288"/>
-          </a:xfrm>
-          <a:prstGeom prst="rect">
-            <a:avLst/>
-          </a:prstGeom>
-          <a:noFill/>
-        </p:spPr>
-      </p:pic>
-      <p:cxnSp>
-        <p:nvCxnSpPr>
-          <p:cNvPr id="20" name="직선 연결선 19"/>
-          <p:cNvCxnSpPr/>
-          <p:nvPr/>
-        </p:nvCxnSpPr>
-        <p:spPr>
-          <a:xfrm>
-            <a:off x="4583812" y="1700809"/>
-            <a:ext cx="0" cy="3125961"/>
-          </a:xfrm>
-          <a:prstGeom prst="line">
-            <a:avLst/>
-          </a:prstGeom>
-          <a:ln w="38100">
-            <a:solidFill>
-              <a:srgbClr val="000000"/>
-            </a:solidFill>
-            <a:prstDash val="dash"/>
-          </a:ln>
-        </p:spPr>
-        <p:style>
-          <a:lnRef idx="1">
-            <a:schemeClr val="accent1"/>
-          </a:lnRef>
-          <a:fillRef idx="0">
-            <a:schemeClr val="accent1"/>
-          </a:fillRef>
-          <a:effectRef idx="0">
-            <a:schemeClr val="accent1"/>
-          </a:effectRef>
-          <a:fontRef idx="minor">
-            <a:schemeClr val="tx1"/>
-          </a:fontRef>
-        </p:style>
-      </p:cxnSp>
-      <p:sp>
-        <p:nvSpPr>
-          <p:cNvPr id="2" name="제목 1"/>
-          <p:cNvSpPr>
-            <a:spLocks noGrp="1"/>
-          </p:cNvSpPr>
-          <p:nvPr>
-            <p:ph type="title"/>
-          </p:nvPr>
-        </p:nvSpPr>
-        <p:spPr/>
-        <p:txBody>
-          <a:bodyPr/>
-          <a:lstStyle/>
-          <a:p>
-            <a:pPr marL="914400" indent="-914400">
-              <a:buFont typeface="+mj-lt"/>
-              <a:buAutoNum type="arabicPeriod" startAt="4"/>
-            </a:pPr>
-            <a:r>
-              <a:rPr lang="ko-KR" altLang="en-US" sz="5400" spc="600" dirty="0" smtClean="0">
-                <a:solidFill>
-                  <a:srgbClr val="000000"/>
-                </a:solidFill>
-                <a:latin typeface="HY동녘M" pitchFamily="18" charset="-127"/>
-                <a:ea typeface="HY동녘M" pitchFamily="18" charset="-127"/>
-              </a:rPr>
-              <a:t>활용 서비스</a:t>
-            </a:r>
-            <a:endParaRPr lang="ko-KR" altLang="en-US" sz="5400" spc="600" dirty="0">
-              <a:solidFill>
-                <a:srgbClr val="000000"/>
-              </a:solidFill>
-              <a:latin typeface="HY동녘M" pitchFamily="18" charset="-127"/>
-              <a:ea typeface="HY동녘M" pitchFamily="18" charset="-127"/>
-            </a:endParaRPr>
-          </a:p>
-        </p:txBody>
-      </p:sp>
-      <p:pic>
-        <p:nvPicPr>
-          <p:cNvPr id="8" name="그림 7"/>
-          <p:cNvPicPr>
-            <a:picLocks noChangeAspect="1"/>
-          </p:cNvPicPr>
-          <p:nvPr/>
-        </p:nvPicPr>
-        <p:blipFill>
-          <a:blip r:embed="rId4" cstate="print">
-            <a:extLst>
-              <a:ext uri="{28A0092B-C50C-407E-A947-70E740481C1C}">
-                <a14:useLocalDpi xmlns:a14="http://schemas.microsoft.com/office/drawing/2010/main" xmlns="" val="0"/>
-              </a:ext>
-            </a:extLst>
-          </a:blip>
-          <a:stretch>
-            <a:fillRect/>
-          </a:stretch>
-        </p:blipFill>
-        <p:spPr>
-          <a:xfrm>
-            <a:off x="6372200" y="2110840"/>
-            <a:ext cx="1700153" cy="3219986"/>
-          </a:xfrm>
-          <a:prstGeom prst="rect">
-            <a:avLst/>
-          </a:prstGeom>
-        </p:spPr>
-      </p:pic>
-      <p:grpSp>
-        <p:nvGrpSpPr>
-          <p:cNvPr id="3" name="그룹 8"/>
-          <p:cNvGrpSpPr/>
-          <p:nvPr/>
-        </p:nvGrpSpPr>
-        <p:grpSpPr>
-          <a:xfrm>
-            <a:off x="3347864" y="2790910"/>
-            <a:ext cx="3096344" cy="1222528"/>
-            <a:chOff x="3511961" y="3632546"/>
-            <a:chExt cx="1921661" cy="936104"/>
-          </a:xfrm>
-        </p:grpSpPr>
-        <p:sp>
-          <p:nvSpPr>
-            <p:cNvPr id="10" name="아래쪽 화살표 9"/>
-            <p:cNvSpPr/>
-            <p:nvPr/>
-          </p:nvSpPr>
-          <p:spPr>
-            <a:xfrm rot="5400000">
-              <a:off x="3921300" y="3223207"/>
-              <a:ext cx="936104" cy="1754782"/>
-            </a:xfrm>
-            <a:prstGeom prst="downArrow">
-              <a:avLst/>
-            </a:prstGeom>
-          </p:spPr>
-          <p:style>
-            <a:lnRef idx="0">
-              <a:schemeClr val="accent1"/>
-            </a:lnRef>
-            <a:fillRef idx="3">
-              <a:schemeClr val="accent1"/>
-            </a:fillRef>
-            <a:effectRef idx="3">
-              <a:schemeClr val="accent1"/>
-            </a:effectRef>
-            <a:fontRef idx="minor">
-              <a:schemeClr val="lt1"/>
-            </a:fontRef>
-          </p:style>
-          <p:txBody>
-            <a:bodyPr rtlCol="0" anchor="ctr"/>
-            <a:lstStyle/>
-            <a:p>
-              <a:pPr algn="ctr"/>
-              <a:endParaRPr lang="ko-KR" altLang="en-US" dirty="0"/>
-            </a:p>
-          </p:txBody>
-        </p:sp>
-        <p:sp>
-          <p:nvSpPr>
-            <p:cNvPr id="11" name="TextBox 10"/>
-            <p:cNvSpPr txBox="1"/>
-            <p:nvPr/>
-          </p:nvSpPr>
-          <p:spPr>
-            <a:xfrm>
-              <a:off x="3707361" y="3894436"/>
-              <a:ext cx="1726261" cy="400636"/>
-            </a:xfrm>
-            <a:prstGeom prst="rect">
-              <a:avLst/>
-            </a:prstGeom>
-            <a:noFill/>
-          </p:spPr>
-          <p:txBody>
-            <a:bodyPr wrap="none" rtlCol="0">
-              <a:spAutoFit/>
-            </a:bodyPr>
-            <a:lstStyle/>
-            <a:p>
-              <a:r>
-                <a:rPr lang="en-US" altLang="ko-KR" sz="2800" dirty="0" smtClean="0">
-                  <a:solidFill>
-                    <a:schemeClr val="tx2">
-                      <a:lumMod val="50000"/>
-                    </a:schemeClr>
-                  </a:solidFill>
-                </a:rPr>
-                <a:t>Android-USB</a:t>
-              </a:r>
-              <a:endParaRPr lang="ko-KR" altLang="en-US" sz="2800" dirty="0">
-                <a:solidFill>
-                  <a:schemeClr val="tx2">
-                    <a:lumMod val="50000"/>
-                  </a:schemeClr>
-                </a:solidFill>
-              </a:endParaRPr>
-            </a:p>
-          </p:txBody>
-        </p:sp>
-      </p:grpSp>
-      <p:pic>
-        <p:nvPicPr>
-          <p:cNvPr id="1027" name="Picture 3" descr="C:\Documents and Settings\XP\바탕 화면\무제-1.png"/>
-          <p:cNvPicPr>
-            <a:picLocks noChangeAspect="1" noChangeArrowheads="1"/>
-          </p:cNvPicPr>
-          <p:nvPr/>
-        </p:nvPicPr>
-        <p:blipFill>
-          <a:blip r:embed="rId5" cstate="print">
-            <a:extLst>
-              <a:ext uri="{28A0092B-C50C-407E-A947-70E740481C1C}">
-                <a14:useLocalDpi xmlns:a14="http://schemas.microsoft.com/office/drawing/2010/main" xmlns="" val="0"/>
-              </a:ext>
-            </a:extLst>
-          </a:blip>
-          <a:srcRect/>
-          <a:stretch>
-            <a:fillRect/>
-          </a:stretch>
-        </p:blipFill>
-        <p:spPr bwMode="auto">
-          <a:xfrm>
-            <a:off x="6657065" y="2954562"/>
-            <a:ext cx="476250" cy="476250"/>
-          </a:xfrm>
-          <a:prstGeom prst="rect">
-            <a:avLst/>
-          </a:prstGeom>
-          <a:noFill/>
-          <a:extLst>
-            <a:ext uri="{909E8E84-426E-40DD-AFC4-6F175D3DCCD1}">
-              <a14:hiddenFill xmlns:a14="http://schemas.microsoft.com/office/drawing/2010/main" xmlns="">
-                <a:solidFill>
-                  <a:srgbClr val="FFFFFF"/>
-                </a:solidFill>
-              </a14:hiddenFill>
-            </a:ext>
-          </a:extLst>
-        </p:spPr>
-      </p:pic>
-      <p:pic>
-        <p:nvPicPr>
-          <p:cNvPr id="1028" name="Picture 4" descr="C:\Documents and Settings\XP\바탕 화면\메시지.png"/>
-          <p:cNvPicPr>
-            <a:picLocks noChangeAspect="1" noChangeArrowheads="1"/>
-          </p:cNvPicPr>
-          <p:nvPr/>
-        </p:nvPicPr>
-        <p:blipFill>
-          <a:blip r:embed="rId6" cstate="print">
-            <a:extLst>
-              <a:ext uri="{28A0092B-C50C-407E-A947-70E740481C1C}">
-                <a14:useLocalDpi xmlns:a14="http://schemas.microsoft.com/office/drawing/2010/main" xmlns="" val="0"/>
-              </a:ext>
-            </a:extLst>
-          </a:blip>
-          <a:srcRect/>
-          <a:stretch>
-            <a:fillRect/>
-          </a:stretch>
-        </p:blipFill>
-        <p:spPr bwMode="auto">
-          <a:xfrm>
-            <a:off x="7336110" y="2966002"/>
-            <a:ext cx="476250" cy="476250"/>
-          </a:xfrm>
-          <a:prstGeom prst="rect">
-            <a:avLst/>
-          </a:prstGeom>
-          <a:noFill/>
-          <a:extLst>
-            <a:ext uri="{909E8E84-426E-40DD-AFC4-6F175D3DCCD1}">
-              <a14:hiddenFill xmlns:a14="http://schemas.microsoft.com/office/drawing/2010/main" xmlns="">
-                <a:solidFill>
-                  <a:srgbClr val="FFFFFF"/>
-                </a:solidFill>
-              </a14:hiddenFill>
-            </a:ext>
-          </a:extLst>
-        </p:spPr>
-      </p:pic>
-      <p:pic>
-        <p:nvPicPr>
-          <p:cNvPr id="18" name="Picture 3" descr="C:\Documents and Settings\XP\바탕 화면\무제-1.png"/>
-          <p:cNvPicPr>
-            <a:picLocks noChangeAspect="1" noChangeArrowheads="1"/>
-          </p:cNvPicPr>
-          <p:nvPr/>
-        </p:nvPicPr>
-        <p:blipFill>
-          <a:blip r:embed="rId5" cstate="print">
-            <a:extLst>
-              <a:ext uri="{28A0092B-C50C-407E-A947-70E740481C1C}">
-                <a14:useLocalDpi xmlns:a14="http://schemas.microsoft.com/office/drawing/2010/main" xmlns="" val="0"/>
-              </a:ext>
-            </a:extLst>
-          </a:blip>
-          <a:srcRect/>
-          <a:stretch>
-            <a:fillRect/>
-          </a:stretch>
-        </p:blipFill>
-        <p:spPr bwMode="auto">
-          <a:xfrm>
-            <a:off x="1547664" y="2594522"/>
-            <a:ext cx="476250" cy="476250"/>
-          </a:xfrm>
-          <a:prstGeom prst="rect">
-            <a:avLst/>
-          </a:prstGeom>
-          <a:noFill/>
-          <a:extLst>
-            <a:ext uri="{909E8E84-426E-40DD-AFC4-6F175D3DCCD1}">
-              <a14:hiddenFill xmlns:a14="http://schemas.microsoft.com/office/drawing/2010/main" xmlns="">
-                <a:solidFill>
-                  <a:srgbClr val="FFFFFF"/>
-                </a:solidFill>
-              </a14:hiddenFill>
-            </a:ext>
-          </a:extLst>
-        </p:spPr>
-      </p:pic>
-      <p:pic>
-        <p:nvPicPr>
-          <p:cNvPr id="19" name="Picture 4" descr="C:\Documents and Settings\XP\바탕 화면\메시지.png"/>
-          <p:cNvPicPr>
-            <a:picLocks noChangeAspect="1" noChangeArrowheads="1"/>
-          </p:cNvPicPr>
-          <p:nvPr/>
-        </p:nvPicPr>
-        <p:blipFill>
-          <a:blip r:embed="rId6" cstate="print">
-            <a:extLst>
-              <a:ext uri="{28A0092B-C50C-407E-A947-70E740481C1C}">
-                <a14:useLocalDpi xmlns:a14="http://schemas.microsoft.com/office/drawing/2010/main" xmlns="" val="0"/>
-              </a:ext>
-            </a:extLst>
-          </a:blip>
-          <a:srcRect/>
-          <a:stretch>
-            <a:fillRect/>
-          </a:stretch>
-        </p:blipFill>
-        <p:spPr bwMode="auto">
-          <a:xfrm>
-            <a:off x="2226709" y="2605962"/>
-            <a:ext cx="476250" cy="476250"/>
-          </a:xfrm>
-          <a:prstGeom prst="rect">
-            <a:avLst/>
-          </a:prstGeom>
-          <a:noFill/>
-          <a:extLst>
-            <a:ext uri="{909E8E84-426E-40DD-AFC4-6F175D3DCCD1}">
-              <a14:hiddenFill xmlns:a14="http://schemas.microsoft.com/office/drawing/2010/main" xmlns="">
-                <a:solidFill>
-                  <a:srgbClr val="FFFFFF"/>
-                </a:solidFill>
-              </a14:hiddenFill>
-            </a:ext>
-          </a:extLst>
-        </p:spPr>
-      </p:pic>
-      <p:sp>
-        <p:nvSpPr>
-          <p:cNvPr id="22" name="TextBox 21"/>
-          <p:cNvSpPr txBox="1"/>
-          <p:nvPr/>
-        </p:nvSpPr>
-        <p:spPr>
-          <a:xfrm>
-            <a:off x="1605627" y="1700808"/>
-            <a:ext cx="1039067" cy="461665"/>
-          </a:xfrm>
-          <a:prstGeom prst="rect">
-            <a:avLst/>
-          </a:prstGeom>
-          <a:noFill/>
-        </p:spPr>
-        <p:txBody>
-          <a:bodyPr wrap="none" rtlCol="0">
-            <a:spAutoFit/>
-          </a:bodyPr>
-          <a:lstStyle/>
-          <a:p>
-            <a:r>
-              <a:rPr lang="en-US" altLang="ko-KR" b="1" dirty="0" smtClean="0">
-                <a:solidFill>
-                  <a:srgbClr val="000000"/>
-                </a:solidFill>
-              </a:rPr>
-              <a:t>Client</a:t>
-            </a:r>
-            <a:endParaRPr lang="ko-KR" altLang="en-US" b="1" dirty="0">
-              <a:solidFill>
-                <a:srgbClr val="000000"/>
-              </a:solidFill>
-            </a:endParaRPr>
-          </a:p>
-        </p:txBody>
-      </p:sp>
-      <p:sp>
-        <p:nvSpPr>
-          <p:cNvPr id="23" name="TextBox 22"/>
-          <p:cNvSpPr txBox="1"/>
-          <p:nvPr/>
-        </p:nvSpPr>
-        <p:spPr>
-          <a:xfrm>
-            <a:off x="6701301" y="1700809"/>
-            <a:ext cx="1144865" cy="461665"/>
-          </a:xfrm>
-          <a:prstGeom prst="rect">
-            <a:avLst/>
-          </a:prstGeom>
-          <a:noFill/>
-        </p:spPr>
-        <p:txBody>
-          <a:bodyPr wrap="none" rtlCol="0">
-            <a:spAutoFit/>
-          </a:bodyPr>
-          <a:lstStyle/>
-          <a:p>
-            <a:r>
-              <a:rPr lang="en-US" altLang="ko-KR" b="1" dirty="0" smtClean="0">
-                <a:solidFill>
-                  <a:srgbClr val="000000"/>
-                </a:solidFill>
-              </a:rPr>
-              <a:t>Server</a:t>
-            </a:r>
-            <a:endParaRPr lang="ko-KR" altLang="en-US" b="1" dirty="0">
-              <a:solidFill>
-                <a:srgbClr val="000000"/>
-              </a:solidFill>
-            </a:endParaRPr>
-          </a:p>
-        </p:txBody>
-      </p:sp>
-      <p:pic>
-        <p:nvPicPr>
-          <p:cNvPr id="16" name="Picture 6" descr="C:\Documents and Settings\XP\바탕 화면\카메라.png"/>
-          <p:cNvPicPr>
-            <a:picLocks noChangeAspect="1" noChangeArrowheads="1"/>
-          </p:cNvPicPr>
-          <p:nvPr/>
-        </p:nvPicPr>
-        <p:blipFill>
-          <a:blip r:embed="rId7" cstate="print">
-            <a:extLst>
-              <a:ext uri="{28A0092B-C50C-407E-A947-70E740481C1C}">
-                <a14:useLocalDpi xmlns:a14="http://schemas.microsoft.com/office/drawing/2010/main" xmlns="" val="0"/>
-              </a:ext>
-            </a:extLst>
-          </a:blip>
-          <a:srcRect/>
-          <a:stretch>
-            <a:fillRect/>
-          </a:stretch>
-        </p:blipFill>
-        <p:spPr bwMode="auto">
-          <a:xfrm>
-            <a:off x="7035608" y="3560451"/>
-            <a:ext cx="476250" cy="476250"/>
-          </a:xfrm>
-          <a:prstGeom prst="rect">
-            <a:avLst/>
-          </a:prstGeom>
-          <a:noFill/>
-          <a:extLst>
-            <a:ext uri="{909E8E84-426E-40DD-AFC4-6F175D3DCCD1}">
-              <a14:hiddenFill xmlns:a14="http://schemas.microsoft.com/office/drawing/2010/main" xmlns="">
-                <a:solidFill>
-                  <a:srgbClr val="FFFFFF"/>
-                </a:solidFill>
-              </a14:hiddenFill>
-            </a:ext>
-          </a:extLst>
-        </p:spPr>
-      </p:pic>
-      <p:pic>
-        <p:nvPicPr>
-          <p:cNvPr id="17" name="Picture 5" descr="C:\Documents and Settings\XP\바탕 화면\사진.png"/>
-          <p:cNvPicPr>
-            <a:picLocks noChangeAspect="1" noChangeArrowheads="1"/>
-          </p:cNvPicPr>
-          <p:nvPr/>
-        </p:nvPicPr>
-        <p:blipFill>
-          <a:blip r:embed="rId8" cstate="print">
-            <a:extLst>
-              <a:ext uri="{28A0092B-C50C-407E-A947-70E740481C1C}">
-                <a14:useLocalDpi xmlns:a14="http://schemas.microsoft.com/office/drawing/2010/main" xmlns="" val="0"/>
-              </a:ext>
-            </a:extLst>
-          </a:blip>
-          <a:srcRect/>
-          <a:stretch>
-            <a:fillRect/>
-          </a:stretch>
-        </p:blipFill>
-        <p:spPr bwMode="auto">
-          <a:xfrm>
-            <a:off x="1887035" y="3273609"/>
-            <a:ext cx="476250" cy="476250"/>
-          </a:xfrm>
-          <a:prstGeom prst="rect">
-            <a:avLst/>
-          </a:prstGeom>
-          <a:noFill/>
-          <a:extLst>
-            <a:ext uri="{909E8E84-426E-40DD-AFC4-6F175D3DCCD1}">
-              <a14:hiddenFill xmlns:a14="http://schemas.microsoft.com/office/drawing/2010/main" xmlns="">
-                <a:solidFill>
-                  <a:srgbClr val="FFFFFF"/>
-                </a:solidFill>
-              </a14:hiddenFill>
-            </a:ext>
-          </a:extLst>
-        </p:spPr>
-      </p:pic>
-      <p:pic>
-        <p:nvPicPr>
-          <p:cNvPr id="21" name="Picture 2" descr="C:\Documents and Settings\XP\바탕 화면\무제-1.png"/>
-          <p:cNvPicPr>
-            <a:picLocks noChangeAspect="1" noChangeArrowheads="1"/>
-          </p:cNvPicPr>
-          <p:nvPr/>
-        </p:nvPicPr>
-        <p:blipFill>
-          <a:blip r:embed="rId9" cstate="print">
-            <a:extLst>
-              <a:ext uri="{28A0092B-C50C-407E-A947-70E740481C1C}">
-                <a14:useLocalDpi xmlns:a14="http://schemas.microsoft.com/office/drawing/2010/main" xmlns="" val="0"/>
-              </a:ext>
-            </a:extLst>
-          </a:blip>
-          <a:srcRect/>
-          <a:stretch>
-            <a:fillRect/>
-          </a:stretch>
-        </p:blipFill>
-        <p:spPr bwMode="auto">
-          <a:xfrm>
-            <a:off x="3059832" y="4538738"/>
-            <a:ext cx="1261769" cy="1261769"/>
-          </a:xfrm>
-          <a:prstGeom prst="rect">
-            <a:avLst/>
-          </a:prstGeom>
-          <a:noFill/>
-          <a:extLst>
-            <a:ext uri="{909E8E84-426E-40DD-AFC4-6F175D3DCCD1}">
-              <a14:hiddenFill xmlns:a14="http://schemas.microsoft.com/office/drawing/2010/main" xmlns="">
-                <a:solidFill>
-                  <a:srgbClr val="FFFFFF"/>
-                </a:solidFill>
-              </a14:hiddenFill>
-            </a:ext>
-          </a:extLst>
-        </p:spPr>
-      </p:pic>
-      <p:pic>
-        <p:nvPicPr>
-          <p:cNvPr id="24" name="Picture 3" descr="C:\Documents and Settings\XP\바탕 화면\무제-2.png"/>
-          <p:cNvPicPr>
-            <a:picLocks noChangeAspect="1" noChangeArrowheads="1"/>
-          </p:cNvPicPr>
-          <p:nvPr/>
-        </p:nvPicPr>
-        <p:blipFill>
-          <a:blip r:embed="rId10" cstate="print">
-            <a:extLst>
-              <a:ext uri="{28A0092B-C50C-407E-A947-70E740481C1C}">
-                <a14:useLocalDpi xmlns:a14="http://schemas.microsoft.com/office/drawing/2010/main" xmlns="" val="0"/>
-              </a:ext>
-            </a:extLst>
-          </a:blip>
-          <a:srcRect/>
-          <a:stretch>
-            <a:fillRect/>
-          </a:stretch>
-        </p:blipFill>
-        <p:spPr bwMode="auto">
-          <a:xfrm>
-            <a:off x="7540649" y="3638724"/>
-            <a:ext cx="1332969" cy="1332969"/>
-          </a:xfrm>
-          <a:prstGeom prst="rect">
-            <a:avLst/>
-          </a:prstGeom>
-          <a:noFill/>
-          <a:extLst>
-            <a:ext uri="{909E8E84-426E-40DD-AFC4-6F175D3DCCD1}">
-              <a14:hiddenFill xmlns:a14="http://schemas.microsoft.com/office/drawing/2010/main" xmlns="">
-                <a:solidFill>
-                  <a:srgbClr val="FFFFFF"/>
-                </a:solidFill>
-              </a14:hiddenFill>
-            </a:ext>
-          </a:extLst>
-        </p:spPr>
-      </p:pic>
-    </p:spTree>
-    <p:extLst>
-      <p:ext uri="{BB962C8B-B14F-4D97-AF65-F5344CB8AC3E}">
-        <p14:creationId xmlns:p14="http://schemas.microsoft.com/office/powerpoint/2010/main" xmlns="" val="1407908346"/>
+        <p14:creationId xmlns="" xmlns:p14="http://schemas.microsoft.com/office/powerpoint/2010/main" val="1410092498"/>
       </p:ext>
     </p:extLst>
   </p:cSld>
@@ -18574,7 +19191,7 @@
         <a:effectLst/>
         <a:extLst>
           <a:ext uri="{91240B29-F687-4F45-9708-019B960494DF}">
-            <a14:hiddenLine xmlns:a14="http://schemas.microsoft.com/office/drawing/2010/main" xmlns="" w="9525" cap="flat" cmpd="sng" algn="ctr">
+            <a14:hiddenLine xmlns="" xmlns:a14="http://schemas.microsoft.com/office/drawing/2010/main" w="9525" cap="flat" cmpd="sng" algn="ctr">
               <a:solidFill>
                 <a:schemeClr val="tx1"/>
               </a:solidFill>
@@ -18585,7 +19202,7 @@
             </a14:hiddenLine>
           </a:ext>
           <a:ext uri="{AF507438-7753-43E0-B8FC-AC1667EBCBE1}">
-            <a14:hiddenEffects xmlns:a14="http://schemas.microsoft.com/office/drawing/2010/main" xmlns="">
+            <a14:hiddenEffects xmlns="" xmlns:a14="http://schemas.microsoft.com/office/drawing/2010/main">
               <a:effectLst>
                 <a:outerShdw dist="35921" dir="2700000" algn="ctr" rotWithShape="0">
                   <a:schemeClr val="bg2"/>

--- a/Documents/presentation doc/Final Presentation/final-presentation.pptx
+++ b/Documents/presentation doc/Final Presentation/final-presentation.pptx
@@ -12,17 +12,17 @@
     <p:sldId id="320" r:id="rId3"/>
     <p:sldId id="318" r:id="rId4"/>
     <p:sldId id="323" r:id="rId5"/>
-    <p:sldId id="324" r:id="rId6"/>
-    <p:sldId id="287" r:id="rId7"/>
-    <p:sldId id="294" r:id="rId8"/>
-    <p:sldId id="312" r:id="rId9"/>
-    <p:sldId id="305" r:id="rId10"/>
-    <p:sldId id="306" r:id="rId11"/>
-    <p:sldId id="313" r:id="rId12"/>
-    <p:sldId id="316" r:id="rId13"/>
-    <p:sldId id="310" r:id="rId14"/>
-    <p:sldId id="317" r:id="rId15"/>
-    <p:sldId id="322" r:id="rId16"/>
+    <p:sldId id="287" r:id="rId6"/>
+    <p:sldId id="294" r:id="rId7"/>
+    <p:sldId id="312" r:id="rId8"/>
+    <p:sldId id="305" r:id="rId9"/>
+    <p:sldId id="306" r:id="rId10"/>
+    <p:sldId id="313" r:id="rId11"/>
+    <p:sldId id="316" r:id="rId12"/>
+    <p:sldId id="310" r:id="rId13"/>
+    <p:sldId id="317" r:id="rId14"/>
+    <p:sldId id="322" r:id="rId15"/>
+    <p:sldId id="324" r:id="rId16"/>
   </p:sldIdLst>
   <p:sldSz cx="9144000" cy="6858000" type="screen4x3"/>
   <p:notesSz cx="6797675" cy="9874250"/>
@@ -156,6 +156,7 @@
 
 <file path=ppt/charts/chart1.xml><?xml version="1.0" encoding="utf-8"?>
 <c:chartSpace xmlns:c="http://schemas.openxmlformats.org/drawingml/2006/chart" xmlns:a="http://schemas.openxmlformats.org/drawingml/2006/main" xmlns:r="http://schemas.openxmlformats.org/officeDocument/2006/relationships">
+  <c:date1904 val="1"/>
   <c:lang val="ko-KR"/>
   <c:style val="27"/>
   <c:chart>
@@ -166,10 +167,10 @@
           <c:layoutTarget val="inner"/>
           <c:xMode val="edge"/>
           <c:yMode val="edge"/>
-          <c:x val="0.13756541418769719"/>
-          <c:y val="0.31142121774829445"/>
+          <c:x val="0.13756541418769724"/>
+          <c:y val="0.31142121774829451"/>
           <c:w val="0.82290353753797463"/>
-          <c:h val="0.56776310568666633"/>
+          <c:h val="0.56776310568666621"/>
         </c:manualLayout>
       </c:layout>
       <c:barChart>
@@ -264,25 +265,25 @@
           <c:showVal val="1"/>
         </c:dLbls>
         <c:gapWidth val="75"/>
-        <c:axId val="63053184"/>
-        <c:axId val="63071360"/>
+        <c:axId val="71729920"/>
+        <c:axId val="71731456"/>
       </c:barChart>
       <c:catAx>
-        <c:axId val="63053184"/>
+        <c:axId val="71729920"/>
         <c:scaling>
           <c:orientation val="minMax"/>
         </c:scaling>
         <c:axPos val="b"/>
         <c:majorTickMark val="none"/>
         <c:tickLblPos val="nextTo"/>
-        <c:crossAx val="63071360"/>
+        <c:crossAx val="71731456"/>
         <c:crosses val="autoZero"/>
         <c:auto val="1"/>
         <c:lblAlgn val="ctr"/>
         <c:lblOffset val="100"/>
       </c:catAx>
       <c:valAx>
-        <c:axId val="63071360"/>
+        <c:axId val="71731456"/>
         <c:scaling>
           <c:orientation val="minMax"/>
           <c:min val="0"/>
@@ -291,7 +292,7 @@
         <c:numFmt formatCode="General" sourceLinked="1"/>
         <c:majorTickMark val="none"/>
         <c:tickLblPos val="nextTo"/>
-        <c:crossAx val="63053184"/>
+        <c:crossAx val="71729920"/>
         <c:crosses val="autoZero"/>
         <c:crossBetween val="between"/>
         <c:majorUnit val="20"/>
@@ -303,143 +304,13 @@
         <c:manualLayout>
           <c:xMode val="edge"/>
           <c:yMode val="edge"/>
-          <c:x val="0.18942124246731401"/>
-          <c:y val="3.0763248527941635E-2"/>
-          <c:w val="0.68117168015815011"/>
-          <c:h val="0.22344660117130088"/>
+          <c:x val="0.18942124246731407"/>
+          <c:y val="3.0763248527941645E-2"/>
+          <c:w val="0.68117168015815033"/>
+          <c:h val="0.22344660117130097"/>
         </c:manualLayout>
       </c:layout>
     </c:legend>
-    <c:plotVisOnly val="1"/>
-    <c:dispBlanksAs val="gap"/>
-  </c:chart>
-  <c:txPr>
-    <a:bodyPr/>
-    <a:lstStyle/>
-    <a:p>
-      <a:pPr>
-        <a:defRPr sz="1800"/>
-      </a:pPr>
-      <a:endParaRPr lang="ko-KR"/>
-    </a:p>
-  </c:txPr>
-  <c:externalData r:id="rId1"/>
-</c:chartSpace>
-</file>
-
-<file path=ppt/charts/chart2.xml><?xml version="1.0" encoding="utf-8"?>
-<c:chartSpace xmlns:c="http://schemas.openxmlformats.org/drawingml/2006/chart" xmlns:a="http://schemas.openxmlformats.org/drawingml/2006/main" xmlns:r="http://schemas.openxmlformats.org/officeDocument/2006/relationships">
-  <c:date1904 val="1"/>
-  <c:lang val="ko-KR"/>
-  <c:style val="26"/>
-  <c:chart>
-    <c:title>
-      <c:layout/>
-    </c:title>
-    <c:plotArea>
-      <c:layout/>
-      <c:lineChart>
-        <c:grouping val="standard"/>
-        <c:ser>
-          <c:idx val="0"/>
-          <c:order val="0"/>
-          <c:tx>
-            <c:strRef>
-              <c:f>Sheet1!$B$1</c:f>
-              <c:strCache>
-                <c:ptCount val="1"/>
-                <c:pt idx="0">
-                  <c:v>국내 스마트폰
-가입자 수
-(단위=만명)</c:v>
-                </c:pt>
-              </c:strCache>
-            </c:strRef>
-          </c:tx>
-          <c:marker>
-            <c:symbol val="none"/>
-          </c:marker>
-          <c:cat>
-            <c:strRef>
-              <c:f>Sheet1!$A$2:$A$6</c:f>
-              <c:strCache>
-                <c:ptCount val="5"/>
-                <c:pt idx="0">
-                  <c:v>09년 4분기</c:v>
-                </c:pt>
-                <c:pt idx="1">
-                  <c:v>10년 2분기</c:v>
-                </c:pt>
-                <c:pt idx="2">
-                  <c:v>10년 4분기</c:v>
-                </c:pt>
-                <c:pt idx="3">
-                  <c:v>11년 2분기</c:v>
-                </c:pt>
-                <c:pt idx="4">
-                  <c:v>11년 4분기</c:v>
-                </c:pt>
-              </c:strCache>
-            </c:strRef>
-          </c:cat>
-          <c:val>
-            <c:numRef>
-              <c:f>Sheet1!$B$2:$B$6</c:f>
-              <c:numCache>
-                <c:formatCode>General</c:formatCode>
-                <c:ptCount val="5"/>
-                <c:pt idx="0">
-                  <c:v>80</c:v>
-                </c:pt>
-                <c:pt idx="1">
-                  <c:v>247</c:v>
-                </c:pt>
-                <c:pt idx="2">
-                  <c:v>722</c:v>
-                </c:pt>
-                <c:pt idx="3" formatCode="#,##0">
-                  <c:v>1487</c:v>
-                </c:pt>
-                <c:pt idx="4" formatCode="#,##0">
-                  <c:v>2000</c:v>
-                </c:pt>
-              </c:numCache>
-            </c:numRef>
-          </c:val>
-        </c:ser>
-        <c:marker val="1"/>
-        <c:axId val="69542272"/>
-        <c:axId val="69543808"/>
-      </c:lineChart>
-      <c:catAx>
-        <c:axId val="69542272"/>
-        <c:scaling>
-          <c:orientation val="minMax"/>
-        </c:scaling>
-        <c:axPos val="b"/>
-        <c:tickLblPos val="nextTo"/>
-        <c:crossAx val="69543808"/>
-        <c:crosses val="autoZero"/>
-        <c:auto val="1"/>
-        <c:lblAlgn val="ctr"/>
-        <c:lblOffset val="100"/>
-      </c:catAx>
-      <c:valAx>
-        <c:axId val="69543808"/>
-        <c:scaling>
-          <c:orientation val="minMax"/>
-          <c:max val="2000"/>
-        </c:scaling>
-        <c:axPos val="l"/>
-        <c:majorGridlines/>
-        <c:numFmt formatCode="General" sourceLinked="1"/>
-        <c:tickLblPos val="nextTo"/>
-        <c:crossAx val="69542272"/>
-        <c:crosses val="autoZero"/>
-        <c:crossBetween val="between"/>
-        <c:majorUnit val="500"/>
-      </c:valAx>
-    </c:plotArea>
     <c:plotVisOnly val="1"/>
     <c:dispBlanksAs val="gap"/>
   </c:chart>
@@ -507,14 +378,14 @@
           <a:effectLst/>
           <a:extLst>
             <a:ext uri="{909E8E84-426E-40DD-AFC4-6F175D3DCCD1}">
-              <a14:hiddenFill xmlns="" xmlns:a14="http://schemas.microsoft.com/office/drawing/2010/main">
+              <a14:hiddenFill xmlns:a14="http://schemas.microsoft.com/office/drawing/2010/main" xmlns="">
                 <a:solidFill>
                   <a:schemeClr val="accent1"/>
                 </a:solidFill>
               </a14:hiddenFill>
             </a:ext>
             <a:ext uri="{91240B29-F687-4F45-9708-019B960494DF}">
-              <a14:hiddenLine xmlns="" xmlns:a14="http://schemas.microsoft.com/office/drawing/2010/main" w="9525">
+              <a14:hiddenLine xmlns:a14="http://schemas.microsoft.com/office/drawing/2010/main" xmlns="" w="9525">
                 <a:solidFill>
                   <a:schemeClr val="tx1"/>
                 </a:solidFill>
@@ -524,7 +395,7 @@
               </a14:hiddenLine>
             </a:ext>
             <a:ext uri="{AF507438-7753-43E0-B8FC-AC1667EBCBE1}">
-              <a14:hiddenEffects xmlns="" xmlns:a14="http://schemas.microsoft.com/office/drawing/2010/main">
+              <a14:hiddenEffects xmlns:a14="http://schemas.microsoft.com/office/drawing/2010/main" xmlns="">
                 <a:effectLst>
                   <a:outerShdw dist="35921" dir="2700000" algn="ctr" rotWithShape="0">
                     <a:schemeClr val="bg2"/>
@@ -577,14 +448,14 @@
           <a:effectLst/>
           <a:extLst>
             <a:ext uri="{909E8E84-426E-40DD-AFC4-6F175D3DCCD1}">
-              <a14:hiddenFill xmlns="" xmlns:a14="http://schemas.microsoft.com/office/drawing/2010/main">
+              <a14:hiddenFill xmlns:a14="http://schemas.microsoft.com/office/drawing/2010/main" xmlns="">
                 <a:solidFill>
                   <a:schemeClr val="accent1"/>
                 </a:solidFill>
               </a14:hiddenFill>
             </a:ext>
             <a:ext uri="{91240B29-F687-4F45-9708-019B960494DF}">
-              <a14:hiddenLine xmlns="" xmlns:a14="http://schemas.microsoft.com/office/drawing/2010/main" w="9525">
+              <a14:hiddenLine xmlns:a14="http://schemas.microsoft.com/office/drawing/2010/main" xmlns="" w="9525">
                 <a:solidFill>
                   <a:schemeClr val="tx1"/>
                 </a:solidFill>
@@ -594,7 +465,7 @@
               </a14:hiddenLine>
             </a:ext>
             <a:ext uri="{AF507438-7753-43E0-B8FC-AC1667EBCBE1}">
-              <a14:hiddenEffects xmlns="" xmlns:a14="http://schemas.microsoft.com/office/drawing/2010/main">
+              <a14:hiddenEffects xmlns:a14="http://schemas.microsoft.com/office/drawing/2010/main" xmlns="">
                 <a:effectLst>
                   <a:outerShdw dist="35921" dir="2700000" algn="ctr" rotWithShape="0">
                     <a:schemeClr val="bg2"/>
@@ -652,7 +523,7 @@
           <a:effectLst/>
           <a:extLst>
             <a:ext uri="{AF507438-7753-43E0-B8FC-AC1667EBCBE1}">
-              <a14:hiddenEffects xmlns="" xmlns:a14="http://schemas.microsoft.com/office/drawing/2010/main">
+              <a14:hiddenEffects xmlns:a14="http://schemas.microsoft.com/office/drawing/2010/main" xmlns="">
                 <a:effectLst>
                   <a:outerShdw dist="35921" dir="2700000" algn="ctr" rotWithShape="0">
                     <a:srgbClr val="808080"/>
@@ -661,7 +532,7 @@
               </a14:hiddenEffects>
             </a:ext>
             <a:ext uri="{53640926-AAD7-44D8-BBD7-CCE9431645EC}">
-              <a14:shadowObscured xmlns="" xmlns:a14="http://schemas.microsoft.com/office/drawing/2010/main" val="1"/>
+              <a14:shadowObscured xmlns:a14="http://schemas.microsoft.com/office/drawing/2010/main" xmlns="" val="1"/>
             </a:ext>
           </a:extLst>
         </p:spPr>
@@ -691,14 +562,14 @@
           <a:effectLst/>
           <a:extLst>
             <a:ext uri="{909E8E84-426E-40DD-AFC4-6F175D3DCCD1}">
-              <a14:hiddenFill xmlns="" xmlns:a14="http://schemas.microsoft.com/office/drawing/2010/main">
+              <a14:hiddenFill xmlns:a14="http://schemas.microsoft.com/office/drawing/2010/main" xmlns="">
                 <a:solidFill>
                   <a:schemeClr val="accent1"/>
                 </a:solidFill>
               </a14:hiddenFill>
             </a:ext>
             <a:ext uri="{91240B29-F687-4F45-9708-019B960494DF}">
-              <a14:hiddenLine xmlns="" xmlns:a14="http://schemas.microsoft.com/office/drawing/2010/main" w="9525">
+              <a14:hiddenLine xmlns:a14="http://schemas.microsoft.com/office/drawing/2010/main" xmlns="" w="9525">
                 <a:solidFill>
                   <a:schemeClr val="tx1"/>
                 </a:solidFill>
@@ -708,7 +579,7 @@
               </a14:hiddenLine>
             </a:ext>
             <a:ext uri="{AF507438-7753-43E0-B8FC-AC1667EBCBE1}">
-              <a14:hiddenEffects xmlns="" xmlns:a14="http://schemas.microsoft.com/office/drawing/2010/main">
+              <a14:hiddenEffects xmlns:a14="http://schemas.microsoft.com/office/drawing/2010/main" xmlns="">
                 <a:effectLst>
                   <a:outerShdw dist="35921" dir="2700000" algn="ctr" rotWithShape="0">
                     <a:schemeClr val="bg2"/>
@@ -787,14 +658,14 @@
           <a:effectLst/>
           <a:extLst>
             <a:ext uri="{909E8E84-426E-40DD-AFC4-6F175D3DCCD1}">
-              <a14:hiddenFill xmlns="" xmlns:a14="http://schemas.microsoft.com/office/drawing/2010/main">
+              <a14:hiddenFill xmlns:a14="http://schemas.microsoft.com/office/drawing/2010/main" xmlns="">
                 <a:solidFill>
                   <a:schemeClr val="accent1"/>
                 </a:solidFill>
               </a14:hiddenFill>
             </a:ext>
             <a:ext uri="{91240B29-F687-4F45-9708-019B960494DF}">
-              <a14:hiddenLine xmlns="" xmlns:a14="http://schemas.microsoft.com/office/drawing/2010/main" w="9525">
+              <a14:hiddenLine xmlns:a14="http://schemas.microsoft.com/office/drawing/2010/main" xmlns="" w="9525">
                 <a:solidFill>
                   <a:schemeClr val="tx1"/>
                 </a:solidFill>
@@ -804,7 +675,7 @@
               </a14:hiddenLine>
             </a:ext>
             <a:ext uri="{AF507438-7753-43E0-B8FC-AC1667EBCBE1}">
-              <a14:hiddenEffects xmlns="" xmlns:a14="http://schemas.microsoft.com/office/drawing/2010/main">
+              <a14:hiddenEffects xmlns:a14="http://schemas.microsoft.com/office/drawing/2010/main" xmlns="">
                 <a:effectLst>
                   <a:outerShdw dist="35921" dir="2700000" algn="ctr" rotWithShape="0">
                     <a:schemeClr val="bg2"/>
@@ -857,14 +728,14 @@
           <a:effectLst/>
           <a:extLst>
             <a:ext uri="{909E8E84-426E-40DD-AFC4-6F175D3DCCD1}">
-              <a14:hiddenFill xmlns="" xmlns:a14="http://schemas.microsoft.com/office/drawing/2010/main">
+              <a14:hiddenFill xmlns:a14="http://schemas.microsoft.com/office/drawing/2010/main" xmlns="">
                 <a:solidFill>
                   <a:schemeClr val="accent1"/>
                 </a:solidFill>
               </a14:hiddenFill>
             </a:ext>
             <a:ext uri="{91240B29-F687-4F45-9708-019B960494DF}">
-              <a14:hiddenLine xmlns="" xmlns:a14="http://schemas.microsoft.com/office/drawing/2010/main" w="9525">
+              <a14:hiddenLine xmlns:a14="http://schemas.microsoft.com/office/drawing/2010/main" xmlns="" w="9525">
                 <a:solidFill>
                   <a:schemeClr val="tx1"/>
                 </a:solidFill>
@@ -874,7 +745,7 @@
               </a14:hiddenLine>
             </a:ext>
             <a:ext uri="{AF507438-7753-43E0-B8FC-AC1667EBCBE1}">
-              <a14:hiddenEffects xmlns="" xmlns:a14="http://schemas.microsoft.com/office/drawing/2010/main">
+              <a14:hiddenEffects xmlns:a14="http://schemas.microsoft.com/office/drawing/2010/main" xmlns="">
                 <a:effectLst>
                   <a:outerShdw dist="35921" dir="2700000" algn="ctr" rotWithShape="0">
                     <a:schemeClr val="bg2"/>
@@ -910,7 +781,7 @@
     </p:spTree>
     <p:extLst>
       <p:ext uri="{BB962C8B-B14F-4D97-AF65-F5344CB8AC3E}">
-        <p14:creationId xmlns="" xmlns:p14="http://schemas.microsoft.com/office/powerpoint/2010/main" val="3354467039"/>
+        <p14:creationId xmlns:p14="http://schemas.microsoft.com/office/powerpoint/2010/main" xmlns="" val="3354467039"/>
       </p:ext>
     </p:extLst>
   </p:cSld>
@@ -1475,7 +1346,18 @@
                 <a:ea typeface="+mn-ea"/>
                 <a:cs typeface="+mn-cs"/>
               </a:rPr>
-              <a:t>활용 </a:t>
+              <a:t>활용 서비스</a:t>
+            </a:r>
+            <a:r>
+              <a:rPr lang="en-US" altLang="ko-KR" sz="1200" kern="1200" baseline="0" dirty="0" smtClean="0">
+                <a:solidFill>
+                  <a:schemeClr val="tx1"/>
+                </a:solidFill>
+                <a:latin typeface="Arial" charset="0"/>
+                <a:ea typeface="+mn-ea"/>
+                <a:cs typeface="+mn-cs"/>
+              </a:rPr>
+              <a:t> </a:t>
             </a:r>
             <a:r>
               <a:rPr lang="ko-KR" altLang="en-US" sz="1200" kern="1200" dirty="0" smtClean="0">
@@ -1486,40 +1368,7 @@
                 <a:ea typeface="+mn-ea"/>
                 <a:cs typeface="+mn-cs"/>
               </a:rPr>
-              <a:t>서비스</a:t>
-            </a:r>
-            <a:r>
-              <a:rPr lang="en-US" altLang="ko-KR" sz="1200" kern="1200" baseline="0" dirty="0" smtClean="0">
-                <a:solidFill>
-                  <a:schemeClr val="tx1"/>
-                </a:solidFill>
-                <a:latin typeface="Arial" charset="0"/>
-                <a:ea typeface="+mn-ea"/>
-                <a:cs typeface="+mn-cs"/>
-              </a:rPr>
-              <a:t> </a:t>
-            </a:r>
-            <a:r>
-              <a:rPr lang="ko-KR" altLang="en-US" sz="1200" kern="1200" dirty="0" smtClean="0">
-                <a:solidFill>
-                  <a:schemeClr val="tx1"/>
-                </a:solidFill>
-                <a:latin typeface="Arial" charset="0"/>
-                <a:ea typeface="+mn-ea"/>
-                <a:cs typeface="+mn-cs"/>
-              </a:rPr>
-              <a:t>순으로 </a:t>
-            </a:r>
-            <a:r>
-              <a:rPr lang="ko-KR" altLang="en-US" sz="1200" kern="1200" dirty="0" smtClean="0">
-                <a:solidFill>
-                  <a:schemeClr val="tx1"/>
-                </a:solidFill>
-                <a:latin typeface="Arial" charset="0"/>
-                <a:ea typeface="+mn-ea"/>
-                <a:cs typeface="+mn-cs"/>
-              </a:rPr>
-              <a:t>진행 되겠습니다</a:t>
+              <a:t>순으로 진행 되겠습니다</a:t>
             </a:r>
             <a:r>
               <a:rPr lang="en-US" altLang="ko-KR" sz="1200" kern="1200" dirty="0" smtClean="0">
@@ -1624,23 +1473,17 @@
           </a:bodyPr>
           <a:lstStyle/>
           <a:p>
-            <a:pPr marL="0" marR="0" indent="0" algn="just" defTabSz="914400" rtl="0" eaLnBrk="1" fontAlgn="base" latinLnBrk="0" hangingPunct="1">
-              <a:lnSpc>
-                <a:spcPct val="100000"/>
-              </a:lnSpc>
-              <a:spcBef>
-                <a:spcPct val="30000"/>
-              </a:spcBef>
-              <a:spcAft>
-                <a:spcPct val="0"/>
-              </a:spcAft>
-              <a:buClrTx/>
-              <a:buSzTx/>
-              <a:buFontTx/>
-              <a:buNone/>
-              <a:tabLst/>
-              <a:defRPr/>
-            </a:pPr>
+            <a:r>
+              <a:rPr lang="ko-KR" altLang="ko-KR" sz="1200" kern="1200" dirty="0" smtClean="0">
+                <a:solidFill>
+                  <a:schemeClr val="tx1"/>
+                </a:solidFill>
+                <a:latin typeface="Arial" charset="0"/>
+                <a:ea typeface="+mn-ea"/>
+                <a:cs typeface="+mn-cs"/>
+              </a:rPr>
+              <a:t>저희는</a:t>
+            </a:r>
             <a:r>
               <a:rPr lang="en-US" altLang="ko-KR" sz="1200" kern="1200" dirty="0" smtClean="0">
                 <a:solidFill>
@@ -1650,10 +1493,10 @@
                 <a:ea typeface="+mn-ea"/>
                 <a:cs typeface="+mn-cs"/>
               </a:rPr>
-              <a:t>Android-USB </a:t>
-            </a:r>
-            <a:r>
-              <a:rPr lang="ko-KR" altLang="en-US" sz="1200" kern="1200" dirty="0" smtClean="0">
+              <a:t> Android-USB </a:t>
+            </a:r>
+            <a:r>
+              <a:rPr lang="ko-KR" altLang="ko-KR" sz="1200" kern="1200" dirty="0" smtClean="0">
                 <a:solidFill>
                   <a:schemeClr val="tx1"/>
                 </a:solidFill>
@@ -1675,26 +1518,59 @@
               <a:t> PC</a:t>
             </a:r>
             <a:r>
-              <a:rPr lang="ko-KR" altLang="en-US" sz="1200" kern="1200" dirty="0" smtClean="0">
-                <a:solidFill>
-                  <a:schemeClr val="tx1"/>
-                </a:solidFill>
-                <a:latin typeface="Arial" charset="0"/>
-                <a:ea typeface="+mn-ea"/>
-                <a:cs typeface="+mn-cs"/>
-              </a:rPr>
-              <a:t>에서 스마트폰의 </a:t>
-            </a:r>
-            <a:r>
-              <a:rPr lang="ko-KR" altLang="en-US" sz="1200" kern="1200" dirty="0" err="1" smtClean="0">
-                <a:solidFill>
-                  <a:schemeClr val="tx1"/>
-                </a:solidFill>
-                <a:latin typeface="Arial" charset="0"/>
-                <a:ea typeface="+mn-ea"/>
-                <a:cs typeface="+mn-cs"/>
-              </a:rPr>
-              <a:t>카카오톡</a:t>
+              <a:rPr lang="ko-KR" altLang="ko-KR" sz="1200" kern="1200" dirty="0" smtClean="0">
+                <a:solidFill>
+                  <a:schemeClr val="tx1"/>
+                </a:solidFill>
+                <a:latin typeface="Arial" charset="0"/>
+                <a:ea typeface="+mn-ea"/>
+                <a:cs typeface="+mn-cs"/>
+              </a:rPr>
+              <a:t>에서 카카오톡을 쓸 수 있도록 연결하는 </a:t>
+            </a:r>
+            <a:r>
+              <a:rPr lang="en-US" altLang="ko-KR" sz="1200" kern="1200" dirty="0" err="1" smtClean="0">
+                <a:solidFill>
+                  <a:schemeClr val="tx1"/>
+                </a:solidFill>
+                <a:latin typeface="Arial" charset="0"/>
+                <a:ea typeface="+mn-ea"/>
+                <a:cs typeface="+mn-cs"/>
+              </a:rPr>
+              <a:t>KatalkPCLinker</a:t>
+            </a:r>
+            <a:r>
+              <a:rPr lang="ko-KR" altLang="ko-KR" sz="1200" kern="1200" dirty="0" smtClean="0">
+                <a:solidFill>
+                  <a:schemeClr val="tx1"/>
+                </a:solidFill>
+                <a:latin typeface="Arial" charset="0"/>
+                <a:ea typeface="+mn-ea"/>
+                <a:cs typeface="+mn-cs"/>
+              </a:rPr>
+              <a:t>서비스와 </a:t>
+            </a:r>
+            <a:r>
+              <a:rPr lang="ko-KR" altLang="ko-KR" sz="1200" kern="1200" dirty="0" err="1" smtClean="0">
+                <a:solidFill>
+                  <a:schemeClr val="tx1"/>
+                </a:solidFill>
+                <a:latin typeface="Arial" charset="0"/>
+                <a:ea typeface="+mn-ea"/>
+                <a:cs typeface="+mn-cs"/>
+              </a:rPr>
+              <a:t>스마트폰을</a:t>
+            </a:r>
+            <a:r>
+              <a:rPr lang="ko-KR" altLang="ko-KR" sz="1200" kern="1200" dirty="0" smtClean="0">
+                <a:solidFill>
+                  <a:schemeClr val="tx1"/>
+                </a:solidFill>
+                <a:latin typeface="Arial" charset="0"/>
+                <a:ea typeface="+mn-ea"/>
+                <a:cs typeface="+mn-cs"/>
+              </a:rPr>
+              <a:t> 터치패드로 사용할 수 있는</a:t>
             </a:r>
             <a:r>
               <a:rPr lang="en-US" altLang="ko-KR" sz="1200" kern="1200" dirty="0" smtClean="0">
@@ -1705,18 +1581,128 @@
                 <a:ea typeface="+mn-ea"/>
                 <a:cs typeface="+mn-cs"/>
               </a:rPr>
+              <a:t> </a:t>
+            </a:r>
+            <a:r>
+              <a:rPr lang="en-US" altLang="ko-KR" sz="1200" kern="1200" dirty="0" err="1" smtClean="0">
+                <a:solidFill>
+                  <a:schemeClr val="tx1"/>
+                </a:solidFill>
+                <a:latin typeface="Arial" charset="0"/>
+                <a:ea typeface="+mn-ea"/>
+                <a:cs typeface="+mn-cs"/>
+              </a:rPr>
+              <a:t>LTouchPad</a:t>
+            </a:r>
+            <a:r>
+              <a:rPr lang="en-US" altLang="ko-KR" sz="1200" kern="1200" dirty="0" smtClean="0">
+                <a:solidFill>
+                  <a:schemeClr val="tx1"/>
+                </a:solidFill>
+                <a:latin typeface="Arial" charset="0"/>
+                <a:ea typeface="+mn-ea"/>
+                <a:cs typeface="+mn-cs"/>
+              </a:rPr>
+              <a:t> </a:t>
+            </a:r>
+            <a:r>
+              <a:rPr lang="ko-KR" altLang="ko-KR" sz="1200" kern="1200" dirty="0" smtClean="0">
+                <a:solidFill>
+                  <a:schemeClr val="tx1"/>
+                </a:solidFill>
+                <a:latin typeface="Arial" charset="0"/>
+                <a:ea typeface="+mn-ea"/>
+                <a:cs typeface="+mn-cs"/>
+              </a:rPr>
+              <a:t>어플리케이션을 구현 했습니다</a:t>
+            </a:r>
+            <a:r>
+              <a:rPr lang="en-US" altLang="ko-KR" sz="1200" kern="1200" dirty="0" smtClean="0">
+                <a:solidFill>
+                  <a:schemeClr val="tx1"/>
+                </a:solidFill>
+                <a:latin typeface="Arial" charset="0"/>
+                <a:ea typeface="+mn-ea"/>
+                <a:cs typeface="+mn-cs"/>
+              </a:rPr>
+              <a:t>. </a:t>
+            </a:r>
+            <a:r>
+              <a:rPr lang="ko-KR" altLang="ko-KR" sz="1200" kern="1200" dirty="0" smtClean="0">
+                <a:solidFill>
+                  <a:schemeClr val="tx1"/>
+                </a:solidFill>
+                <a:latin typeface="Arial" charset="0"/>
+                <a:ea typeface="+mn-ea"/>
+                <a:cs typeface="+mn-cs"/>
+              </a:rPr>
+              <a:t>좌측이 </a:t>
+            </a:r>
+            <a:r>
+              <a:rPr lang="en-US" altLang="ko-KR" sz="1200" kern="1200" dirty="0" err="1" smtClean="0">
+                <a:solidFill>
+                  <a:schemeClr val="tx1"/>
+                </a:solidFill>
+                <a:latin typeface="Arial" charset="0"/>
+                <a:ea typeface="+mn-ea"/>
+                <a:cs typeface="+mn-cs"/>
+              </a:rPr>
+              <a:t>KatalkPCLinker</a:t>
+            </a:r>
+            <a:r>
+              <a:rPr lang="ko-KR" altLang="ko-KR" sz="1200" kern="1200" dirty="0" smtClean="0">
+                <a:solidFill>
+                  <a:schemeClr val="tx1"/>
+                </a:solidFill>
+                <a:latin typeface="Arial" charset="0"/>
+                <a:ea typeface="+mn-ea"/>
+                <a:cs typeface="+mn-cs"/>
+              </a:rPr>
+              <a:t>의 모습이고</a:t>
+            </a:r>
+            <a:r>
+              <a:rPr lang="en-US" altLang="ko-KR" sz="1200" kern="1200" dirty="0" smtClean="0">
+                <a:solidFill>
+                  <a:schemeClr val="tx1"/>
+                </a:solidFill>
+                <a:latin typeface="Arial" charset="0"/>
+                <a:ea typeface="+mn-ea"/>
+                <a:cs typeface="+mn-cs"/>
+              </a:rPr>
               <a:t>, </a:t>
             </a:r>
             <a:r>
-              <a:rPr lang="ko-KR" altLang="en-US" sz="1200" kern="1200" dirty="0" smtClean="0">
-                <a:solidFill>
-                  <a:schemeClr val="tx1"/>
-                </a:solidFill>
-                <a:latin typeface="Arial" charset="0"/>
-                <a:ea typeface="+mn-ea"/>
-                <a:cs typeface="+mn-cs"/>
-              </a:rPr>
-              <a:t>문자메시지를 사용할 수 있습니다</a:t>
+              <a:rPr lang="ko-KR" altLang="ko-KR" sz="1200" kern="1200" dirty="0" smtClean="0">
+                <a:solidFill>
+                  <a:schemeClr val="tx1"/>
+                </a:solidFill>
+                <a:latin typeface="Arial" charset="0"/>
+                <a:ea typeface="+mn-ea"/>
+                <a:cs typeface="+mn-cs"/>
+              </a:rPr>
+              <a:t>우측이 </a:t>
+            </a:r>
+            <a:r>
+              <a:rPr lang="en-US" altLang="ko-KR" sz="1200" kern="1200" dirty="0" err="1" smtClean="0">
+                <a:solidFill>
+                  <a:schemeClr val="tx1"/>
+                </a:solidFill>
+                <a:latin typeface="Arial" charset="0"/>
+                <a:ea typeface="+mn-ea"/>
+                <a:cs typeface="+mn-cs"/>
+              </a:rPr>
+              <a:t>LTouchPad</a:t>
+            </a:r>
+            <a:r>
+              <a:rPr lang="ko-KR" altLang="ko-KR" sz="1200" kern="1200" dirty="0" smtClean="0">
+                <a:solidFill>
+                  <a:schemeClr val="tx1"/>
+                </a:solidFill>
+                <a:latin typeface="Arial" charset="0"/>
+                <a:ea typeface="+mn-ea"/>
+                <a:cs typeface="+mn-cs"/>
+              </a:rPr>
+              <a:t>의 모습입니다</a:t>
             </a:r>
             <a:r>
               <a:rPr lang="en-US" altLang="ko-KR" sz="1200" kern="1200" dirty="0" smtClean="0">
@@ -1729,161 +1715,7 @@
               </a:rPr>
               <a:t>. </a:t>
             </a:r>
-            <a:r>
-              <a:rPr lang="ko-KR" altLang="en-US" sz="1200" kern="1200" dirty="0" smtClean="0">
-                <a:solidFill>
-                  <a:schemeClr val="tx1"/>
-                </a:solidFill>
-                <a:latin typeface="Arial" charset="0"/>
-                <a:ea typeface="+mn-ea"/>
-                <a:cs typeface="+mn-cs"/>
-              </a:rPr>
-              <a:t>그리고</a:t>
-            </a:r>
-            <a:r>
-              <a:rPr lang="en-US" altLang="ko-KR" sz="1200" kern="1200" dirty="0" smtClean="0">
-                <a:solidFill>
-                  <a:schemeClr val="tx1"/>
-                </a:solidFill>
-                <a:latin typeface="Arial" charset="0"/>
-                <a:ea typeface="+mn-ea"/>
-                <a:cs typeface="+mn-cs"/>
-              </a:rPr>
-              <a:t> </a:t>
-            </a:r>
-            <a:r>
-              <a:rPr lang="ko-KR" altLang="en-US" sz="1200" kern="1200" dirty="0" smtClean="0">
-                <a:solidFill>
-                  <a:schemeClr val="tx1"/>
-                </a:solidFill>
-                <a:latin typeface="Arial" charset="0"/>
-                <a:ea typeface="+mn-ea"/>
-                <a:cs typeface="+mn-cs"/>
-              </a:rPr>
-              <a:t>카메라로 찍은 사진을 바로 </a:t>
-            </a:r>
-            <a:r>
-              <a:rPr lang="en-US" altLang="ko-KR" sz="1200" kern="1200" dirty="0" smtClean="0">
-                <a:solidFill>
-                  <a:schemeClr val="tx1"/>
-                </a:solidFill>
-                <a:latin typeface="Arial" charset="0"/>
-                <a:ea typeface="+mn-ea"/>
-                <a:cs typeface="+mn-cs"/>
-              </a:rPr>
-              <a:t>PC</a:t>
-            </a:r>
-            <a:r>
-              <a:rPr lang="ko-KR" altLang="en-US" sz="1200" kern="1200" dirty="0" smtClean="0">
-                <a:solidFill>
-                  <a:schemeClr val="tx1"/>
-                </a:solidFill>
-                <a:latin typeface="Arial" charset="0"/>
-                <a:ea typeface="+mn-ea"/>
-                <a:cs typeface="+mn-cs"/>
-              </a:rPr>
-              <a:t>에 저장하는 서비스를 만들 수 있고</a:t>
-            </a:r>
-            <a:r>
-              <a:rPr lang="en-US" altLang="ko-KR" sz="1200" kern="1200" dirty="0" smtClean="0">
-                <a:solidFill>
-                  <a:schemeClr val="tx1"/>
-                </a:solidFill>
-                <a:latin typeface="Arial" charset="0"/>
-                <a:ea typeface="+mn-ea"/>
-                <a:cs typeface="+mn-cs"/>
-              </a:rPr>
-              <a:t>,</a:t>
-            </a:r>
-            <a:r>
-              <a:rPr lang="ko-KR" altLang="en-US" sz="1200" kern="1200" dirty="0" smtClean="0">
-                <a:solidFill>
-                  <a:schemeClr val="tx1"/>
-                </a:solidFill>
-                <a:latin typeface="Arial" charset="0"/>
-                <a:ea typeface="+mn-ea"/>
-                <a:cs typeface="+mn-cs"/>
-              </a:rPr>
-              <a:t> </a:t>
-            </a:r>
-            <a:r>
-              <a:rPr lang="ko-KR" altLang="en-US" sz="1200" kern="1200" dirty="0" err="1" smtClean="0">
-                <a:solidFill>
-                  <a:schemeClr val="tx1"/>
-                </a:solidFill>
-                <a:latin typeface="Arial" charset="0"/>
-                <a:ea typeface="+mn-ea"/>
-                <a:cs typeface="+mn-cs"/>
-              </a:rPr>
-              <a:t>스마트폰을</a:t>
-            </a:r>
-            <a:r>
-              <a:rPr lang="ko-KR" altLang="en-US" sz="1200" kern="1200" dirty="0" smtClean="0">
-                <a:solidFill>
-                  <a:schemeClr val="tx1"/>
-                </a:solidFill>
-                <a:latin typeface="Arial" charset="0"/>
-                <a:ea typeface="+mn-ea"/>
-                <a:cs typeface="+mn-cs"/>
-              </a:rPr>
-              <a:t> 터치패드로 쓸 수도 있습니다</a:t>
-            </a:r>
-            <a:r>
-              <a:rPr lang="en-US" altLang="ko-KR" sz="1200" kern="1200" dirty="0" smtClean="0">
-                <a:solidFill>
-                  <a:schemeClr val="tx1"/>
-                </a:solidFill>
-                <a:latin typeface="Arial" charset="0"/>
-                <a:ea typeface="+mn-ea"/>
-                <a:cs typeface="+mn-cs"/>
-              </a:rPr>
-              <a:t>. </a:t>
-            </a:r>
-            <a:r>
-              <a:rPr lang="ko-KR" altLang="en-US" sz="1200" kern="1200" dirty="0" smtClean="0">
-                <a:solidFill>
-                  <a:schemeClr val="tx1"/>
-                </a:solidFill>
-                <a:latin typeface="Arial" charset="0"/>
-                <a:ea typeface="+mn-ea"/>
-                <a:cs typeface="+mn-cs"/>
-              </a:rPr>
-              <a:t>이 외에도 스마트폰의 수 많은 다른 기능들을 </a:t>
-            </a:r>
-            <a:r>
-              <a:rPr lang="en-US" altLang="ko-KR" sz="1200" kern="1200" dirty="0" smtClean="0">
-                <a:solidFill>
-                  <a:schemeClr val="tx1"/>
-                </a:solidFill>
-                <a:latin typeface="Arial" charset="0"/>
-                <a:ea typeface="+mn-ea"/>
-                <a:cs typeface="+mn-cs"/>
-              </a:rPr>
-              <a:t>PC</a:t>
-            </a:r>
-            <a:r>
-              <a:rPr lang="ko-KR" altLang="en-US" sz="1200" kern="1200" dirty="0" smtClean="0">
-                <a:solidFill>
-                  <a:schemeClr val="tx1"/>
-                </a:solidFill>
-                <a:latin typeface="Arial" charset="0"/>
-                <a:ea typeface="+mn-ea"/>
-                <a:cs typeface="+mn-cs"/>
-              </a:rPr>
-              <a:t>에서 사용할 수 있습니다</a:t>
-            </a:r>
-            <a:r>
-              <a:rPr lang="en-US" altLang="ko-KR" sz="1200" kern="1200" dirty="0" smtClean="0">
-                <a:solidFill>
-                  <a:schemeClr val="tx1"/>
-                </a:solidFill>
-                <a:latin typeface="Arial" charset="0"/>
-                <a:ea typeface="+mn-ea"/>
-                <a:cs typeface="+mn-cs"/>
-              </a:rPr>
-              <a:t>.</a:t>
-            </a:r>
-            <a:endParaRPr lang="ko-KR" altLang="en-US" sz="1200" kern="1200" dirty="0" smtClean="0">
+            <a:endParaRPr lang="ko-KR" altLang="ko-KR" sz="1200" kern="1200" dirty="0">
               <a:solidFill>
                 <a:schemeClr val="tx1"/>
               </a:solidFill>
@@ -1891,9 +1723,6 @@
               <a:ea typeface="+mn-ea"/>
               <a:cs typeface="+mn-cs"/>
             </a:endParaRPr>
-          </a:p>
-          <a:p>
-            <a:endParaRPr lang="ko-KR" altLang="en-US" dirty="0"/>
           </a:p>
         </p:txBody>
       </p:sp>
@@ -1975,16 +1804,143 @@
           </a:bodyPr>
           <a:lstStyle/>
           <a:p>
-            <a:r>
-              <a:rPr lang="ko-KR" altLang="ko-KR" sz="1200" kern="1200" dirty="0" smtClean="0">
-                <a:solidFill>
-                  <a:schemeClr val="tx1"/>
-                </a:solidFill>
-                <a:latin typeface="Arial" charset="0"/>
-                <a:ea typeface="+mn-ea"/>
-                <a:cs typeface="+mn-cs"/>
-              </a:rPr>
-              <a:t>저희는</a:t>
+            <a:pPr marL="0" marR="0" indent="0" algn="just" defTabSz="914400" rtl="0" eaLnBrk="1" fontAlgn="base" latinLnBrk="0" hangingPunct="1">
+              <a:lnSpc>
+                <a:spcPct val="100000"/>
+              </a:lnSpc>
+              <a:spcBef>
+                <a:spcPct val="30000"/>
+              </a:spcBef>
+              <a:spcAft>
+                <a:spcPct val="0"/>
+              </a:spcAft>
+              <a:buClrTx/>
+              <a:buSzTx/>
+              <a:buFontTx/>
+              <a:buNone/>
+              <a:tabLst/>
+              <a:defRPr/>
+            </a:pPr>
+            <a:r>
+              <a:rPr lang="en-US" altLang="ko-KR" sz="1200" kern="1200" dirty="0" err="1" smtClean="0">
+                <a:solidFill>
+                  <a:schemeClr val="tx1"/>
+                </a:solidFill>
+                <a:latin typeface="Arial" charset="0"/>
+                <a:ea typeface="+mn-ea"/>
+                <a:cs typeface="+mn-cs"/>
+              </a:rPr>
+              <a:t>KatalkPCLinker</a:t>
+            </a:r>
+            <a:r>
+              <a:rPr lang="ko-KR" altLang="en-US" sz="1200" kern="1200" dirty="0" smtClean="0">
+                <a:solidFill>
+                  <a:schemeClr val="tx1"/>
+                </a:solidFill>
+                <a:latin typeface="Arial" charset="0"/>
+                <a:ea typeface="+mn-ea"/>
+                <a:cs typeface="+mn-cs"/>
+              </a:rPr>
+              <a:t>로 </a:t>
+            </a:r>
+            <a:r>
+              <a:rPr lang="en-US" altLang="ko-KR" sz="1200" kern="1200" baseline="0" dirty="0" smtClean="0">
+                <a:solidFill>
+                  <a:schemeClr val="tx1"/>
+                </a:solidFill>
+                <a:latin typeface="Arial" charset="0"/>
+                <a:ea typeface="+mn-ea"/>
+                <a:cs typeface="+mn-cs"/>
+              </a:rPr>
+              <a:t>PC</a:t>
+            </a:r>
+            <a:r>
+              <a:rPr lang="ko-KR" altLang="en-US" sz="1200" kern="1200" baseline="0" dirty="0" smtClean="0">
+                <a:solidFill>
+                  <a:schemeClr val="tx1"/>
+                </a:solidFill>
+                <a:latin typeface="Arial" charset="0"/>
+                <a:ea typeface="+mn-ea"/>
+                <a:cs typeface="+mn-cs"/>
+              </a:rPr>
+              <a:t>에서 키보드로 스마트폰을 조작 할 수 있어서 </a:t>
+            </a:r>
+            <a:r>
+              <a:rPr lang="ko-KR" altLang="en-US" sz="1200" kern="1200" baseline="0" dirty="0" err="1" smtClean="0">
+                <a:solidFill>
+                  <a:schemeClr val="tx1"/>
+                </a:solidFill>
+                <a:latin typeface="Arial" charset="0"/>
+                <a:ea typeface="+mn-ea"/>
+                <a:cs typeface="+mn-cs"/>
+              </a:rPr>
+              <a:t>카카오톡과</a:t>
+            </a:r>
+            <a:r>
+              <a:rPr lang="ko-KR" altLang="en-US" sz="1200" kern="1200" baseline="0" dirty="0" smtClean="0">
+                <a:solidFill>
+                  <a:schemeClr val="tx1"/>
+                </a:solidFill>
+                <a:latin typeface="Arial" charset="0"/>
+                <a:ea typeface="+mn-ea"/>
+                <a:cs typeface="+mn-cs"/>
+              </a:rPr>
+              <a:t> 다른 어플리케이션을 실행할 수 있습니다</a:t>
+            </a:r>
+            <a:r>
+              <a:rPr lang="en-US" altLang="ko-KR" sz="1200" kern="1200" baseline="0" dirty="0" smtClean="0">
+                <a:solidFill>
+                  <a:schemeClr val="tx1"/>
+                </a:solidFill>
+                <a:latin typeface="Arial" charset="0"/>
+                <a:ea typeface="+mn-ea"/>
+                <a:cs typeface="+mn-cs"/>
+              </a:rPr>
+              <a:t>. </a:t>
+            </a:r>
+            <a:r>
+              <a:rPr lang="en-US" altLang="ko-KR" sz="1200" kern="1200" baseline="0" dirty="0" err="1" smtClean="0">
+                <a:solidFill>
+                  <a:schemeClr val="tx1"/>
+                </a:solidFill>
+                <a:latin typeface="Arial" charset="0"/>
+                <a:ea typeface="+mn-ea"/>
+                <a:cs typeface="+mn-cs"/>
+              </a:rPr>
+              <a:t>KatalkPCLinker</a:t>
+            </a:r>
+            <a:r>
+              <a:rPr lang="ko-KR" altLang="en-US" sz="1200" kern="1200" baseline="0" dirty="0" smtClean="0">
+                <a:solidFill>
+                  <a:schemeClr val="tx1"/>
+                </a:solidFill>
+                <a:latin typeface="Arial" charset="0"/>
+                <a:ea typeface="+mn-ea"/>
+                <a:cs typeface="+mn-cs"/>
+              </a:rPr>
+              <a:t>는 </a:t>
+            </a:r>
+            <a:r>
+              <a:rPr lang="en-US" altLang="ko-KR" sz="1200" kern="1200" baseline="0" dirty="0" smtClean="0">
+                <a:solidFill>
+                  <a:schemeClr val="tx1"/>
+                </a:solidFill>
+                <a:latin typeface="Arial" charset="0"/>
+                <a:ea typeface="+mn-ea"/>
+                <a:cs typeface="+mn-cs"/>
+              </a:rPr>
+              <a:t>PC</a:t>
+            </a:r>
+            <a:r>
+              <a:rPr lang="ko-KR" altLang="en-US" sz="1200" kern="1200" baseline="0" dirty="0" smtClean="0">
+                <a:solidFill>
+                  <a:schemeClr val="tx1"/>
+                </a:solidFill>
+                <a:latin typeface="Arial" charset="0"/>
+                <a:ea typeface="+mn-ea"/>
+                <a:cs typeface="+mn-cs"/>
+              </a:rPr>
+              <a:t>에 </a:t>
             </a:r>
             <a:r>
               <a:rPr lang="en-US" altLang="ko-KR" sz="1200" kern="1200" dirty="0" smtClean="0">
@@ -1995,236 +1951,119 @@
                 <a:ea typeface="+mn-ea"/>
                 <a:cs typeface="+mn-cs"/>
               </a:rPr>
-              <a:t> Android-USB </a:t>
-            </a:r>
-            <a:r>
-              <a:rPr lang="ko-KR" altLang="ko-KR" sz="1200" kern="1200" dirty="0" smtClean="0">
-                <a:solidFill>
-                  <a:schemeClr val="tx1"/>
-                </a:solidFill>
-                <a:latin typeface="Arial" charset="0"/>
-                <a:ea typeface="+mn-ea"/>
-                <a:cs typeface="+mn-cs"/>
-              </a:rPr>
-              <a:t>프로젝트를 활용해서</a:t>
-            </a:r>
-            <a:r>
-              <a:rPr lang="en-US" altLang="ko-KR" sz="1200" kern="1200" dirty="0" smtClean="0">
-                <a:solidFill>
-                  <a:schemeClr val="tx1"/>
-                </a:solidFill>
-                <a:latin typeface="Arial" charset="0"/>
-                <a:ea typeface="+mn-ea"/>
-                <a:cs typeface="+mn-cs"/>
-              </a:rPr>
-              <a:t> PC</a:t>
-            </a:r>
-            <a:r>
-              <a:rPr lang="ko-KR" altLang="ko-KR" sz="1200" kern="1200" dirty="0" smtClean="0">
-                <a:solidFill>
-                  <a:schemeClr val="tx1"/>
-                </a:solidFill>
-                <a:latin typeface="Arial" charset="0"/>
-                <a:ea typeface="+mn-ea"/>
-                <a:cs typeface="+mn-cs"/>
-              </a:rPr>
-              <a:t>에서 카카오톡을 쓸 수 있도록 연결하는 </a:t>
-            </a:r>
-            <a:r>
-              <a:rPr lang="en-US" altLang="ko-KR" sz="1200" kern="1200" dirty="0" err="1" smtClean="0">
-                <a:solidFill>
-                  <a:schemeClr val="tx1"/>
-                </a:solidFill>
-                <a:latin typeface="Arial" charset="0"/>
-                <a:ea typeface="+mn-ea"/>
-                <a:cs typeface="+mn-cs"/>
-              </a:rPr>
-              <a:t>KatalkPCLinker</a:t>
-            </a:r>
-            <a:r>
-              <a:rPr lang="ko-KR" altLang="ko-KR" sz="1200" kern="1200" dirty="0" smtClean="0">
-                <a:solidFill>
-                  <a:schemeClr val="tx1"/>
-                </a:solidFill>
-                <a:latin typeface="Arial" charset="0"/>
-                <a:ea typeface="+mn-ea"/>
-                <a:cs typeface="+mn-cs"/>
-              </a:rPr>
-              <a:t>서비스와 </a:t>
-            </a:r>
-            <a:r>
-              <a:rPr lang="ko-KR" altLang="ko-KR" sz="1200" kern="1200" dirty="0" err="1" smtClean="0">
-                <a:solidFill>
-                  <a:schemeClr val="tx1"/>
-                </a:solidFill>
-                <a:latin typeface="Arial" charset="0"/>
-                <a:ea typeface="+mn-ea"/>
-                <a:cs typeface="+mn-cs"/>
-              </a:rPr>
-              <a:t>스마트폰을</a:t>
-            </a:r>
-            <a:r>
-              <a:rPr lang="ko-KR" altLang="ko-KR" sz="1200" kern="1200" dirty="0" smtClean="0">
-                <a:solidFill>
-                  <a:schemeClr val="tx1"/>
-                </a:solidFill>
-                <a:latin typeface="Arial" charset="0"/>
-                <a:ea typeface="+mn-ea"/>
-                <a:cs typeface="+mn-cs"/>
-              </a:rPr>
-              <a:t> 터치패드로 사용할 수 있는</a:t>
-            </a:r>
-            <a:r>
-              <a:rPr lang="en-US" altLang="ko-KR" sz="1200" kern="1200" dirty="0" smtClean="0">
-                <a:solidFill>
-                  <a:schemeClr val="tx1"/>
-                </a:solidFill>
-                <a:latin typeface="Arial" charset="0"/>
-                <a:ea typeface="+mn-ea"/>
-                <a:cs typeface="+mn-cs"/>
-              </a:rPr>
-              <a:t> </a:t>
-            </a:r>
-            <a:r>
-              <a:rPr lang="en-US" altLang="ko-KR" sz="1200" kern="1200" dirty="0" err="1" smtClean="0">
-                <a:solidFill>
-                  <a:schemeClr val="tx1"/>
-                </a:solidFill>
-                <a:latin typeface="Arial" charset="0"/>
-                <a:ea typeface="+mn-ea"/>
-                <a:cs typeface="+mn-cs"/>
-              </a:rPr>
-              <a:t>LTouchPad</a:t>
-            </a:r>
-            <a:r>
-              <a:rPr lang="en-US" altLang="ko-KR" sz="1200" kern="1200" dirty="0" smtClean="0">
-                <a:solidFill>
-                  <a:schemeClr val="tx1"/>
-                </a:solidFill>
-                <a:latin typeface="Arial" charset="0"/>
-                <a:ea typeface="+mn-ea"/>
-                <a:cs typeface="+mn-cs"/>
-              </a:rPr>
-              <a:t> </a:t>
-            </a:r>
-            <a:r>
-              <a:rPr lang="ko-KR" altLang="ko-KR" sz="1200" kern="1200" dirty="0" smtClean="0">
-                <a:solidFill>
-                  <a:schemeClr val="tx1"/>
-                </a:solidFill>
-                <a:latin typeface="Arial" charset="0"/>
-                <a:ea typeface="+mn-ea"/>
-                <a:cs typeface="+mn-cs"/>
-              </a:rPr>
-              <a:t>어플리케이션을 구현 했습니다</a:t>
-            </a:r>
-            <a:r>
-              <a:rPr lang="en-US" altLang="ko-KR" sz="1200" kern="1200" dirty="0" smtClean="0">
-                <a:solidFill>
-                  <a:schemeClr val="tx1"/>
-                </a:solidFill>
-                <a:latin typeface="Arial" charset="0"/>
-                <a:ea typeface="+mn-ea"/>
-                <a:cs typeface="+mn-cs"/>
-              </a:rPr>
-              <a:t>. </a:t>
-            </a:r>
-            <a:r>
-              <a:rPr lang="ko-KR" altLang="ko-KR" sz="1200" kern="1200" dirty="0" smtClean="0">
-                <a:solidFill>
-                  <a:schemeClr val="tx1"/>
-                </a:solidFill>
-                <a:latin typeface="Arial" charset="0"/>
-                <a:ea typeface="+mn-ea"/>
-                <a:cs typeface="+mn-cs"/>
-              </a:rPr>
-              <a:t>좌측이 </a:t>
-            </a:r>
-            <a:r>
-              <a:rPr lang="en-US" altLang="ko-KR" sz="1200" kern="1200" dirty="0" err="1" smtClean="0">
-                <a:solidFill>
-                  <a:schemeClr val="tx1"/>
-                </a:solidFill>
-                <a:latin typeface="Arial" charset="0"/>
-                <a:ea typeface="+mn-ea"/>
-                <a:cs typeface="+mn-cs"/>
-              </a:rPr>
-              <a:t>KatalkPCLinker</a:t>
-            </a:r>
-            <a:r>
-              <a:rPr lang="ko-KR" altLang="ko-KR" sz="1200" kern="1200" dirty="0" smtClean="0">
-                <a:solidFill>
-                  <a:schemeClr val="tx1"/>
-                </a:solidFill>
-                <a:latin typeface="Arial" charset="0"/>
-                <a:ea typeface="+mn-ea"/>
-                <a:cs typeface="+mn-cs"/>
-              </a:rPr>
-              <a:t>의 모습이고</a:t>
-            </a:r>
-            <a:r>
-              <a:rPr lang="en-US" altLang="ko-KR" sz="1200" kern="1200" dirty="0" smtClean="0">
-                <a:solidFill>
-                  <a:schemeClr val="tx1"/>
-                </a:solidFill>
-                <a:latin typeface="Arial" charset="0"/>
-                <a:ea typeface="+mn-ea"/>
-                <a:cs typeface="+mn-cs"/>
-              </a:rPr>
-              <a:t>, </a:t>
-            </a:r>
-            <a:r>
-              <a:rPr lang="ko-KR" altLang="ko-KR" sz="1200" kern="1200" dirty="0" smtClean="0">
-                <a:solidFill>
-                  <a:schemeClr val="tx1"/>
-                </a:solidFill>
-                <a:latin typeface="Arial" charset="0"/>
-                <a:ea typeface="+mn-ea"/>
-                <a:cs typeface="+mn-cs"/>
-              </a:rPr>
-              <a:t>우측이 </a:t>
-            </a:r>
-            <a:r>
-              <a:rPr lang="en-US" altLang="ko-KR" sz="1200" kern="1200" dirty="0" err="1" smtClean="0">
-                <a:solidFill>
-                  <a:schemeClr val="tx1"/>
-                </a:solidFill>
-                <a:latin typeface="Arial" charset="0"/>
-                <a:ea typeface="+mn-ea"/>
-                <a:cs typeface="+mn-cs"/>
-              </a:rPr>
-              <a:t>LTouchPad</a:t>
-            </a:r>
-            <a:r>
-              <a:rPr lang="ko-KR" altLang="ko-KR" sz="1200" kern="1200" dirty="0" smtClean="0">
-                <a:solidFill>
-                  <a:schemeClr val="tx1"/>
-                </a:solidFill>
-                <a:latin typeface="Arial" charset="0"/>
-                <a:ea typeface="+mn-ea"/>
-                <a:cs typeface="+mn-cs"/>
-              </a:rPr>
-              <a:t>의 모습입니다</a:t>
-            </a:r>
-            <a:r>
-              <a:rPr lang="en-US" altLang="ko-KR" sz="1200" kern="1200" dirty="0" smtClean="0">
-                <a:solidFill>
-                  <a:schemeClr val="tx1"/>
-                </a:solidFill>
-                <a:latin typeface="Arial" charset="0"/>
-                <a:ea typeface="+mn-ea"/>
-                <a:cs typeface="+mn-cs"/>
-              </a:rPr>
-              <a:t>. </a:t>
-            </a:r>
-            <a:endParaRPr lang="ko-KR" altLang="ko-KR" sz="1200" kern="1200" dirty="0">
-              <a:solidFill>
-                <a:schemeClr val="tx1"/>
-              </a:solidFill>
-              <a:latin typeface="Arial" charset="0"/>
-              <a:ea typeface="+mn-ea"/>
-              <a:cs typeface="+mn-cs"/>
-            </a:endParaRPr>
+              <a:t>USB</a:t>
+            </a:r>
+            <a:r>
+              <a:rPr lang="ko-KR" altLang="en-US" sz="1200" kern="1200" dirty="0" smtClean="0">
+                <a:solidFill>
+                  <a:schemeClr val="tx1"/>
+                </a:solidFill>
+                <a:latin typeface="Arial" charset="0"/>
+                <a:ea typeface="+mn-ea"/>
+                <a:cs typeface="+mn-cs"/>
+              </a:rPr>
+              <a:t>카메라로 인식돼서 어플리케이션의 수정 없이 </a:t>
+            </a:r>
+            <a:r>
+              <a:rPr lang="ko-KR" altLang="en-US" sz="1200" kern="1200" dirty="0" err="1" smtClean="0">
+                <a:solidFill>
+                  <a:schemeClr val="tx1"/>
+                </a:solidFill>
+                <a:latin typeface="Arial" charset="0"/>
+                <a:ea typeface="+mn-ea"/>
+                <a:cs typeface="+mn-cs"/>
+              </a:rPr>
+              <a:t>카카오톡</a:t>
+            </a:r>
+            <a:r>
+              <a:rPr lang="ko-KR" altLang="en-US" sz="1200" kern="1200" dirty="0" smtClean="0">
+                <a:solidFill>
+                  <a:schemeClr val="tx1"/>
+                </a:solidFill>
+                <a:latin typeface="Arial" charset="0"/>
+                <a:ea typeface="+mn-ea"/>
+                <a:cs typeface="+mn-cs"/>
+              </a:rPr>
+              <a:t> 화면뿐만 아니라 </a:t>
+            </a:r>
+            <a:r>
+              <a:rPr lang="ko-KR" altLang="en-US" sz="1200" kern="1200" baseline="0" dirty="0" err="1" smtClean="0">
+                <a:solidFill>
+                  <a:schemeClr val="tx1"/>
+                </a:solidFill>
+                <a:latin typeface="Arial" charset="0"/>
+                <a:ea typeface="+mn-ea"/>
+                <a:cs typeface="+mn-cs"/>
+              </a:rPr>
+              <a:t>스마트폰의</a:t>
+            </a:r>
+            <a:r>
+              <a:rPr lang="ko-KR" altLang="en-US" sz="1200" kern="1200" baseline="0" dirty="0" smtClean="0">
+                <a:solidFill>
+                  <a:schemeClr val="tx1"/>
+                </a:solidFill>
+                <a:latin typeface="Arial" charset="0"/>
+                <a:ea typeface="+mn-ea"/>
+                <a:cs typeface="+mn-cs"/>
+              </a:rPr>
+              <a:t> 모든 화면을 </a:t>
+            </a:r>
+            <a:r>
+              <a:rPr lang="en-US" altLang="ko-KR" sz="1200" kern="1200" baseline="0" dirty="0" smtClean="0">
+                <a:solidFill>
+                  <a:schemeClr val="tx1"/>
+                </a:solidFill>
+                <a:latin typeface="Arial" charset="0"/>
+                <a:ea typeface="+mn-ea"/>
+                <a:cs typeface="+mn-cs"/>
+              </a:rPr>
+              <a:t>PC</a:t>
+            </a:r>
+            <a:r>
+              <a:rPr lang="ko-KR" altLang="en-US" sz="1200" kern="1200" baseline="0" dirty="0" smtClean="0">
+                <a:solidFill>
+                  <a:schemeClr val="tx1"/>
+                </a:solidFill>
+                <a:latin typeface="Arial" charset="0"/>
+                <a:ea typeface="+mn-ea"/>
+                <a:cs typeface="+mn-cs"/>
+              </a:rPr>
+              <a:t>에서 </a:t>
+            </a:r>
+            <a:r>
+              <a:rPr lang="en-US" altLang="ko-KR" sz="1200" kern="1200" baseline="0" dirty="0" smtClean="0">
+                <a:solidFill>
+                  <a:schemeClr val="tx1"/>
+                </a:solidFill>
+                <a:latin typeface="Arial" charset="0"/>
+                <a:ea typeface="+mn-ea"/>
+                <a:cs typeface="+mn-cs"/>
+              </a:rPr>
+              <a:t>USB</a:t>
+            </a:r>
+            <a:r>
+              <a:rPr lang="ko-KR" altLang="en-US" sz="1200" kern="1200" baseline="0" dirty="0" smtClean="0">
+                <a:solidFill>
+                  <a:schemeClr val="tx1"/>
+                </a:solidFill>
+                <a:latin typeface="Arial" charset="0"/>
+                <a:ea typeface="+mn-ea"/>
+                <a:cs typeface="+mn-cs"/>
+              </a:rPr>
+              <a:t>카메라 영상처럼 볼 수 있습니다</a:t>
+            </a:r>
+            <a:r>
+              <a:rPr lang="en-US" altLang="ko-KR" sz="1200" kern="1200" baseline="0" dirty="0" smtClean="0">
+                <a:solidFill>
+                  <a:schemeClr val="tx1"/>
+                </a:solidFill>
+                <a:latin typeface="Arial" charset="0"/>
+                <a:ea typeface="+mn-ea"/>
+                <a:cs typeface="+mn-cs"/>
+              </a:rPr>
+              <a:t>.</a:t>
+            </a:r>
+            <a:endParaRPr lang="ko-KR" altLang="en-US" dirty="0"/>
           </a:p>
         </p:txBody>
       </p:sp>
@@ -2335,6 +2174,17 @@
               <a:t>KatalkPCLinker</a:t>
             </a:r>
             <a:r>
+              <a:rPr lang="en-US" altLang="ko-KR" sz="1200" kern="1200" dirty="0" smtClean="0">
+                <a:solidFill>
+                  <a:schemeClr val="tx1"/>
+                </a:solidFill>
+                <a:latin typeface="Arial" charset="0"/>
+                <a:ea typeface="+mn-ea"/>
+                <a:cs typeface="+mn-cs"/>
+              </a:rPr>
+              <a:t> </a:t>
+            </a:r>
+            <a:r>
               <a:rPr lang="ko-KR" altLang="en-US" sz="1200" kern="1200" dirty="0" smtClean="0">
                 <a:solidFill>
                   <a:schemeClr val="tx1"/>
@@ -2343,54 +2193,32 @@
                 <a:ea typeface="+mn-ea"/>
                 <a:cs typeface="+mn-cs"/>
               </a:rPr>
-              <a:t>로 </a:t>
-            </a:r>
-            <a:r>
-              <a:rPr lang="en-US" altLang="ko-KR" sz="1200" kern="1200" baseline="0" dirty="0" smtClean="0">
-                <a:solidFill>
-                  <a:schemeClr val="tx1"/>
-                </a:solidFill>
-                <a:latin typeface="Arial" charset="0"/>
-                <a:ea typeface="+mn-ea"/>
-                <a:cs typeface="+mn-cs"/>
-              </a:rPr>
-              <a:t>PC</a:t>
-            </a:r>
-            <a:r>
-              <a:rPr lang="ko-KR" altLang="en-US" sz="1200" kern="1200" baseline="0" dirty="0" smtClean="0">
-                <a:solidFill>
-                  <a:schemeClr val="tx1"/>
-                </a:solidFill>
-                <a:latin typeface="Arial" charset="0"/>
-                <a:ea typeface="+mn-ea"/>
-                <a:cs typeface="+mn-cs"/>
-              </a:rPr>
-              <a:t>에서 키보드로 스마트폰을 조작 할 수 있어서 </a:t>
-            </a:r>
-            <a:r>
-              <a:rPr lang="ko-KR" altLang="en-US" sz="1200" kern="1200" baseline="0" dirty="0" err="1" smtClean="0">
-                <a:solidFill>
-                  <a:schemeClr val="tx1"/>
-                </a:solidFill>
-                <a:latin typeface="Arial" charset="0"/>
-                <a:ea typeface="+mn-ea"/>
-                <a:cs typeface="+mn-cs"/>
-              </a:rPr>
-              <a:t>카카오톡과</a:t>
-            </a:r>
-            <a:r>
-              <a:rPr lang="ko-KR" altLang="en-US" sz="1200" kern="1200" baseline="0" dirty="0" smtClean="0">
-                <a:solidFill>
-                  <a:schemeClr val="tx1"/>
-                </a:solidFill>
-                <a:latin typeface="Arial" charset="0"/>
-                <a:ea typeface="+mn-ea"/>
-                <a:cs typeface="+mn-cs"/>
-              </a:rPr>
-              <a:t> 다른 어플리케이션을 실행할 수 있습니다</a:t>
-            </a:r>
-            <a:r>
-              <a:rPr lang="en-US" altLang="ko-KR" sz="1200" kern="1200" baseline="0" dirty="0" smtClean="0">
+              <a:t>서비스의 구조입니다</a:t>
+            </a:r>
+            <a:r>
+              <a:rPr lang="en-US" altLang="ko-KR" sz="1200" kern="1200" dirty="0" smtClean="0">
+                <a:solidFill>
+                  <a:schemeClr val="tx1"/>
+                </a:solidFill>
+                <a:latin typeface="Arial" charset="0"/>
+                <a:ea typeface="+mn-ea"/>
+                <a:cs typeface="+mn-cs"/>
+              </a:rPr>
+              <a:t>. PC</a:t>
+            </a:r>
+            <a:r>
+              <a:rPr lang="ko-KR" altLang="en-US" sz="1200" kern="1200" dirty="0" smtClean="0">
+                <a:solidFill>
+                  <a:schemeClr val="tx1"/>
+                </a:solidFill>
+                <a:latin typeface="Arial" charset="0"/>
+                <a:ea typeface="+mn-ea"/>
+                <a:cs typeface="+mn-cs"/>
+              </a:rPr>
+              <a:t>에서 메시지를 전송하면 스마트폰에서 기본으로 설정된 키보드가 아닌 따로 구현한 소프트웨어 키보드로 입력한 것으로 인식합니다</a:t>
+            </a:r>
+            <a:r>
+              <a:rPr lang="en-US" altLang="ko-KR" sz="1200" kern="1200" dirty="0" smtClean="0">
                 <a:solidFill>
                   <a:schemeClr val="tx1"/>
                 </a:solidFill>
@@ -2401,48 +2229,26 @@
               <a:t>. </a:t>
             </a:r>
             <a:r>
-              <a:rPr lang="en-US" altLang="ko-KR" sz="1200" kern="1200" baseline="0" dirty="0" err="1" smtClean="0">
-                <a:solidFill>
-                  <a:schemeClr val="tx1"/>
-                </a:solidFill>
-                <a:latin typeface="Arial" charset="0"/>
-                <a:ea typeface="+mn-ea"/>
-                <a:cs typeface="+mn-cs"/>
-              </a:rPr>
-              <a:t>KatalkPCLinker</a:t>
-            </a:r>
-            <a:r>
-              <a:rPr lang="ko-KR" altLang="en-US" sz="1200" kern="1200" baseline="0" dirty="0" smtClean="0">
-                <a:solidFill>
-                  <a:schemeClr val="tx1"/>
-                </a:solidFill>
-                <a:latin typeface="Arial" charset="0"/>
-                <a:ea typeface="+mn-ea"/>
-                <a:cs typeface="+mn-cs"/>
-              </a:rPr>
-              <a:t>는 </a:t>
-            </a:r>
-            <a:r>
-              <a:rPr lang="en-US" altLang="ko-KR" sz="1200" kern="1200" baseline="0" dirty="0" smtClean="0">
-                <a:solidFill>
-                  <a:schemeClr val="tx1"/>
-                </a:solidFill>
-                <a:latin typeface="Arial" charset="0"/>
-                <a:ea typeface="+mn-ea"/>
-                <a:cs typeface="+mn-cs"/>
-              </a:rPr>
-              <a:t>PC</a:t>
-            </a:r>
-            <a:r>
-              <a:rPr lang="ko-KR" altLang="en-US" sz="1200" kern="1200" baseline="0" dirty="0" smtClean="0">
-                <a:solidFill>
-                  <a:schemeClr val="tx1"/>
-                </a:solidFill>
-                <a:latin typeface="Arial" charset="0"/>
-                <a:ea typeface="+mn-ea"/>
-                <a:cs typeface="+mn-cs"/>
-              </a:rPr>
-              <a:t>에 </a:t>
+              <a:rPr lang="ko-KR" altLang="en-US" sz="1200" kern="1200" dirty="0" err="1" smtClean="0">
+                <a:solidFill>
+                  <a:schemeClr val="tx1"/>
+                </a:solidFill>
+                <a:latin typeface="Arial" charset="0"/>
+                <a:ea typeface="+mn-ea"/>
+                <a:cs typeface="+mn-cs"/>
+              </a:rPr>
+              <a:t>스마트폰</a:t>
+            </a:r>
+            <a:r>
+              <a:rPr lang="ko-KR" altLang="en-US" sz="1200" kern="1200" dirty="0" smtClean="0">
+                <a:solidFill>
+                  <a:schemeClr val="tx1"/>
+                </a:solidFill>
+                <a:latin typeface="Arial" charset="0"/>
+                <a:ea typeface="+mn-ea"/>
+                <a:cs typeface="+mn-cs"/>
+              </a:rPr>
+              <a:t> 화면은</a:t>
             </a:r>
             <a:r>
               <a:rPr lang="en-US" altLang="ko-KR" sz="1200" kern="1200" dirty="0" smtClean="0">
@@ -2453,6 +2259,28 @@
                 <a:ea typeface="+mn-ea"/>
                 <a:cs typeface="+mn-cs"/>
               </a:rPr>
+              <a:t> PC</a:t>
+            </a:r>
+            <a:r>
+              <a:rPr lang="ko-KR" altLang="en-US" sz="1200" kern="1200" dirty="0" smtClean="0">
+                <a:solidFill>
+                  <a:schemeClr val="tx1"/>
+                </a:solidFill>
+                <a:latin typeface="Arial" charset="0"/>
+                <a:ea typeface="+mn-ea"/>
+                <a:cs typeface="+mn-cs"/>
+              </a:rPr>
+              <a:t>에서 </a:t>
+            </a:r>
+            <a:r>
+              <a:rPr lang="en-US" altLang="ko-KR" sz="1200" kern="1200" dirty="0" smtClean="0">
+                <a:solidFill>
+                  <a:schemeClr val="tx1"/>
+                </a:solidFill>
+                <a:latin typeface="Arial" charset="0"/>
+                <a:ea typeface="+mn-ea"/>
+                <a:cs typeface="+mn-cs"/>
+              </a:rPr>
               <a:t>USB</a:t>
             </a:r>
             <a:r>
@@ -2464,7 +2292,7 @@
                 <a:ea typeface="+mn-ea"/>
                 <a:cs typeface="+mn-cs"/>
               </a:rPr>
-              <a:t>카메라로 인식돼서 어플리케이션의 수정 없이 </a:t>
+              <a:t>카메라 장치로 인식돼서 </a:t>
             </a:r>
             <a:r>
               <a:rPr lang="ko-KR" altLang="en-US" sz="1200" kern="1200" dirty="0" err="1" smtClean="0">
@@ -2475,7 +2303,7 @@
                 <a:ea typeface="+mn-ea"/>
                 <a:cs typeface="+mn-cs"/>
               </a:rPr>
-              <a:t>카카오톡</a:t>
+              <a:t>스마트폰의</a:t>
             </a:r>
             <a:r>
               <a:rPr lang="ko-KR" altLang="en-US" sz="1200" kern="1200" dirty="0" smtClean="0">
@@ -2486,76 +2314,10 @@
                 <a:ea typeface="+mn-ea"/>
                 <a:cs typeface="+mn-cs"/>
               </a:rPr>
-              <a:t> 화면뿐만 아니라 </a:t>
-            </a:r>
-            <a:r>
-              <a:rPr lang="ko-KR" altLang="en-US" sz="1200" kern="1200" baseline="0" dirty="0" err="1" smtClean="0">
-                <a:solidFill>
-                  <a:schemeClr val="tx1"/>
-                </a:solidFill>
-                <a:latin typeface="Arial" charset="0"/>
-                <a:ea typeface="+mn-ea"/>
-                <a:cs typeface="+mn-cs"/>
-              </a:rPr>
-              <a:t>스마트폰의</a:t>
-            </a:r>
-            <a:r>
-              <a:rPr lang="ko-KR" altLang="en-US" sz="1200" kern="1200" baseline="0" dirty="0" smtClean="0">
-                <a:solidFill>
-                  <a:schemeClr val="tx1"/>
-                </a:solidFill>
-                <a:latin typeface="Arial" charset="0"/>
-                <a:ea typeface="+mn-ea"/>
-                <a:cs typeface="+mn-cs"/>
-              </a:rPr>
-              <a:t> 모든 화면을 </a:t>
-            </a:r>
-            <a:r>
-              <a:rPr lang="en-US" altLang="ko-KR" sz="1200" kern="1200" baseline="0" dirty="0" smtClean="0">
-                <a:solidFill>
-                  <a:schemeClr val="tx1"/>
-                </a:solidFill>
-                <a:latin typeface="Arial" charset="0"/>
-                <a:ea typeface="+mn-ea"/>
-                <a:cs typeface="+mn-cs"/>
-              </a:rPr>
-              <a:t>PC</a:t>
-            </a:r>
-            <a:r>
-              <a:rPr lang="ko-KR" altLang="en-US" sz="1200" kern="1200" baseline="0" dirty="0" smtClean="0">
-                <a:solidFill>
-                  <a:schemeClr val="tx1"/>
-                </a:solidFill>
-                <a:latin typeface="Arial" charset="0"/>
-                <a:ea typeface="+mn-ea"/>
-                <a:cs typeface="+mn-cs"/>
-              </a:rPr>
-              <a:t>에서 </a:t>
-            </a:r>
-            <a:r>
-              <a:rPr lang="en-US" altLang="ko-KR" sz="1200" kern="1200" baseline="0" dirty="0" smtClean="0">
-                <a:solidFill>
-                  <a:schemeClr val="tx1"/>
-                </a:solidFill>
-                <a:latin typeface="Arial" charset="0"/>
-                <a:ea typeface="+mn-ea"/>
-                <a:cs typeface="+mn-cs"/>
-              </a:rPr>
-              <a:t>USB</a:t>
-            </a:r>
-            <a:r>
-              <a:rPr lang="ko-KR" altLang="en-US" sz="1200" kern="1200" baseline="0" dirty="0" smtClean="0">
-                <a:solidFill>
-                  <a:schemeClr val="tx1"/>
-                </a:solidFill>
-                <a:latin typeface="Arial" charset="0"/>
-                <a:ea typeface="+mn-ea"/>
-                <a:cs typeface="+mn-cs"/>
-              </a:rPr>
-              <a:t>카메라 영상처럼 볼 수 있습니다</a:t>
-            </a:r>
-            <a:r>
-              <a:rPr lang="en-US" altLang="ko-KR" sz="1200" kern="1200" baseline="0" dirty="0" smtClean="0">
+              <a:t> 움직이는 모든 화면을 볼 수 있게 됩니다</a:t>
+            </a:r>
+            <a:r>
+              <a:rPr lang="en-US" altLang="ko-KR" sz="1200" kern="1200" dirty="0" smtClean="0">
                 <a:solidFill>
                   <a:schemeClr val="tx1"/>
                 </a:solidFill>
@@ -2565,6 +2327,33 @@
               </a:rPr>
               <a:t>.</a:t>
             </a:r>
+            <a:endParaRPr lang="ko-KR" altLang="en-US" sz="1200" kern="1200" dirty="0" smtClean="0">
+              <a:solidFill>
+                <a:schemeClr val="tx1"/>
+              </a:solidFill>
+              <a:latin typeface="Arial" charset="0"/>
+              <a:ea typeface="+mn-ea"/>
+              <a:cs typeface="+mn-cs"/>
+            </a:endParaRPr>
+          </a:p>
+          <a:p>
+            <a:pPr marL="0" marR="0" indent="0" algn="l" defTabSz="914400" rtl="0" eaLnBrk="1" fontAlgn="base" latinLnBrk="0" hangingPunct="1">
+              <a:lnSpc>
+                <a:spcPct val="100000"/>
+              </a:lnSpc>
+              <a:spcBef>
+                <a:spcPct val="30000"/>
+              </a:spcBef>
+              <a:spcAft>
+                <a:spcPct val="0"/>
+              </a:spcAft>
+              <a:buClrTx/>
+              <a:buSzTx/>
+              <a:buFontTx/>
+              <a:buNone/>
+              <a:tabLst/>
+              <a:defRPr/>
+            </a:pPr>
             <a:endParaRPr lang="ko-KR" altLang="en-US" dirty="0"/>
           </a:p>
         </p:txBody>
@@ -2665,197 +2454,101 @@
               <a:defRPr/>
             </a:pPr>
             <a:r>
-              <a:rPr lang="en-US" altLang="ko-KR" sz="1200" kern="1200" dirty="0" err="1" smtClean="0">
-                <a:solidFill>
-                  <a:schemeClr val="tx1"/>
-                </a:solidFill>
-                <a:latin typeface="Arial" charset="0"/>
-                <a:ea typeface="+mn-ea"/>
-                <a:cs typeface="+mn-cs"/>
-              </a:rPr>
-              <a:t>KatalkPCLinker</a:t>
-            </a:r>
-            <a:r>
-              <a:rPr lang="en-US" altLang="ko-KR" sz="1200" kern="1200" dirty="0" smtClean="0">
-                <a:solidFill>
-                  <a:schemeClr val="tx1"/>
-                </a:solidFill>
-                <a:latin typeface="Arial" charset="0"/>
-                <a:ea typeface="+mn-ea"/>
-                <a:cs typeface="+mn-cs"/>
-              </a:rPr>
+              <a:rPr lang="en-US" altLang="ko-KR" dirty="0" err="1" smtClean="0"/>
+              <a:t>LTouchPad</a:t>
+            </a:r>
+            <a:r>
+              <a:rPr lang="ko-KR" altLang="en-US" dirty="0" smtClean="0"/>
+              <a:t>의 화면입니다</a:t>
+            </a:r>
+            <a:r>
+              <a:rPr lang="en-US" altLang="ko-KR" dirty="0" smtClean="0"/>
+              <a:t>. </a:t>
+            </a:r>
+            <a:r>
+              <a:rPr lang="ko-KR" altLang="en-US" dirty="0" smtClean="0"/>
+              <a:t>어플리케이션을 </a:t>
+            </a:r>
+            <a:r>
+              <a:rPr lang="en-US" altLang="ko-KR" baseline="0" dirty="0" smtClean="0"/>
+              <a:t>USB/IP</a:t>
+            </a:r>
+            <a:r>
+              <a:rPr lang="ko-KR" altLang="en-US" baseline="0" dirty="0" smtClean="0"/>
+              <a:t>로 연결하면 </a:t>
+            </a:r>
+            <a:r>
+              <a:rPr lang="en-US" altLang="ko-KR" baseline="0" dirty="0" smtClean="0"/>
+              <a:t>PC</a:t>
+            </a:r>
+            <a:r>
+              <a:rPr lang="ko-KR" altLang="en-US" baseline="0" dirty="0" smtClean="0"/>
+              <a:t>에서 마우스 장치로 인식하고</a:t>
+            </a:r>
+            <a:r>
+              <a:rPr lang="en-US" altLang="ko-KR" baseline="0" dirty="0" smtClean="0"/>
+              <a:t>,</a:t>
+            </a:r>
+            <a:r>
+              <a:rPr lang="ko-KR" altLang="en-US" baseline="0" dirty="0" smtClean="0"/>
+              <a:t> 어플리케이션을 통한 조작으로 터치패드로 사용할 수 있습니다</a:t>
+            </a:r>
+            <a:r>
+              <a:rPr lang="en-US" altLang="ko-KR" baseline="0" dirty="0" smtClean="0"/>
+              <a:t>.</a:t>
+            </a:r>
+            <a:r>
+              <a:rPr lang="ko-KR" altLang="en-US" baseline="0" dirty="0" smtClean="0"/>
               <a:t> </a:t>
             </a:r>
             <a:r>
-              <a:rPr lang="ko-KR" altLang="en-US" sz="1200" kern="1200" dirty="0" smtClean="0">
-                <a:solidFill>
-                  <a:schemeClr val="tx1"/>
-                </a:solidFill>
-                <a:latin typeface="Arial" charset="0"/>
-                <a:ea typeface="+mn-ea"/>
-                <a:cs typeface="+mn-cs"/>
-              </a:rPr>
-              <a:t>서비스의 구조입니다</a:t>
-            </a:r>
-            <a:r>
-              <a:rPr lang="en-US" altLang="ko-KR" sz="1200" kern="1200" dirty="0" smtClean="0">
-                <a:solidFill>
-                  <a:schemeClr val="tx1"/>
-                </a:solidFill>
-                <a:latin typeface="Arial" charset="0"/>
-                <a:ea typeface="+mn-ea"/>
-                <a:cs typeface="+mn-cs"/>
-              </a:rPr>
-              <a:t>. PC</a:t>
-            </a:r>
-            <a:r>
-              <a:rPr lang="ko-KR" altLang="en-US" sz="1200" kern="1200" dirty="0" smtClean="0">
-                <a:solidFill>
-                  <a:schemeClr val="tx1"/>
-                </a:solidFill>
-                <a:latin typeface="Arial" charset="0"/>
-                <a:ea typeface="+mn-ea"/>
-                <a:cs typeface="+mn-cs"/>
-              </a:rPr>
-              <a:t>에서 메시지를 전송하면 스마트폰에서 기본으로 설정된 키보드가 아닌 따로 구현한 소프트웨어 키보드로 입력한 것으로 인식합니다</a:t>
-            </a:r>
-            <a:r>
-              <a:rPr lang="en-US" altLang="ko-KR" sz="1200" kern="1200" dirty="0" smtClean="0">
-                <a:solidFill>
-                  <a:schemeClr val="tx1"/>
-                </a:solidFill>
-                <a:latin typeface="Arial" charset="0"/>
-                <a:ea typeface="+mn-ea"/>
-                <a:cs typeface="+mn-cs"/>
-              </a:rPr>
+              <a:rPr lang="ko-KR" altLang="en-US" dirty="0" smtClean="0"/>
+              <a:t>어플리케이션의 </a:t>
+            </a:r>
+            <a:r>
+              <a:rPr lang="en-US" altLang="ko-KR" dirty="0" smtClean="0"/>
+              <a:t>Left, Right</a:t>
+            </a:r>
+            <a:r>
+              <a:rPr lang="en-US" altLang="ko-KR" baseline="0" dirty="0" smtClean="0"/>
+              <a:t> </a:t>
+            </a:r>
+            <a:r>
+              <a:rPr lang="ko-KR" altLang="en-US" dirty="0" smtClean="0"/>
+              <a:t>버튼이 </a:t>
+            </a:r>
+            <a:r>
+              <a:rPr lang="en-US" altLang="ko-KR" dirty="0" smtClean="0"/>
+              <a:t>PC</a:t>
+            </a:r>
+            <a:r>
+              <a:rPr lang="ko-KR" altLang="en-US" dirty="0" smtClean="0"/>
+              <a:t>의 마우스 버튼</a:t>
+            </a:r>
+            <a:r>
+              <a:rPr lang="ko-KR" altLang="en-US" baseline="0" dirty="0" smtClean="0"/>
+              <a:t> 기능을 하고</a:t>
+            </a:r>
+            <a:r>
+              <a:rPr lang="en-US" altLang="ko-KR" baseline="0" dirty="0" smtClean="0"/>
+              <a:t>, </a:t>
+            </a:r>
+            <a:r>
+              <a:rPr lang="ko-KR" altLang="en-US" baseline="0" dirty="0" smtClean="0"/>
+              <a:t>버튼 위 부분에서 드래그를 하면 </a:t>
+            </a:r>
+            <a:r>
+              <a:rPr lang="en-US" altLang="ko-KR" baseline="0" dirty="0" smtClean="0"/>
+              <a:t>PC</a:t>
+            </a:r>
+            <a:r>
+              <a:rPr lang="ko-KR" altLang="en-US" baseline="0" dirty="0" smtClean="0"/>
+              <a:t>의 마우스 커서가 움직입니다</a:t>
+            </a:r>
+            <a:r>
+              <a:rPr lang="en-US" altLang="ko-KR" baseline="0" dirty="0" smtClean="0"/>
               <a:t>. </a:t>
             </a:r>
-            <a:r>
-              <a:rPr lang="ko-KR" altLang="en-US" sz="1200" kern="1200" dirty="0" err="1" smtClean="0">
-                <a:solidFill>
-                  <a:schemeClr val="tx1"/>
-                </a:solidFill>
-                <a:latin typeface="Arial" charset="0"/>
-                <a:ea typeface="+mn-ea"/>
-                <a:cs typeface="+mn-cs"/>
-              </a:rPr>
-              <a:t>스마트폰</a:t>
-            </a:r>
-            <a:r>
-              <a:rPr lang="ko-KR" altLang="en-US" sz="1200" kern="1200" dirty="0" smtClean="0">
-                <a:solidFill>
-                  <a:schemeClr val="tx1"/>
-                </a:solidFill>
-                <a:latin typeface="Arial" charset="0"/>
-                <a:ea typeface="+mn-ea"/>
-                <a:cs typeface="+mn-cs"/>
-              </a:rPr>
-              <a:t> 화면은</a:t>
-            </a:r>
-            <a:r>
-              <a:rPr lang="en-US" altLang="ko-KR" sz="1200" kern="1200" dirty="0" smtClean="0">
-                <a:solidFill>
-                  <a:schemeClr val="tx1"/>
-                </a:solidFill>
-                <a:latin typeface="Arial" charset="0"/>
-                <a:ea typeface="+mn-ea"/>
-                <a:cs typeface="+mn-cs"/>
-              </a:rPr>
-              <a:t> PC</a:t>
-            </a:r>
-            <a:r>
-              <a:rPr lang="ko-KR" altLang="en-US" sz="1200" kern="1200" dirty="0" smtClean="0">
-                <a:solidFill>
-                  <a:schemeClr val="tx1"/>
-                </a:solidFill>
-                <a:latin typeface="Arial" charset="0"/>
-                <a:ea typeface="+mn-ea"/>
-                <a:cs typeface="+mn-cs"/>
-              </a:rPr>
-              <a:t>에서 </a:t>
-            </a:r>
-            <a:r>
-              <a:rPr lang="en-US" altLang="ko-KR" sz="1200" kern="1200" dirty="0" smtClean="0">
-                <a:solidFill>
-                  <a:schemeClr val="tx1"/>
-                </a:solidFill>
-                <a:latin typeface="Arial" charset="0"/>
-                <a:ea typeface="+mn-ea"/>
-                <a:cs typeface="+mn-cs"/>
-              </a:rPr>
-              <a:t>USB</a:t>
-            </a:r>
-            <a:r>
-              <a:rPr lang="ko-KR" altLang="en-US" sz="1200" kern="1200" dirty="0" smtClean="0">
-                <a:solidFill>
-                  <a:schemeClr val="tx1"/>
-                </a:solidFill>
-                <a:latin typeface="Arial" charset="0"/>
-                <a:ea typeface="+mn-ea"/>
-                <a:cs typeface="+mn-cs"/>
-              </a:rPr>
-              <a:t>카메라 장치로 인식돼서 </a:t>
-            </a:r>
-            <a:r>
-              <a:rPr lang="ko-KR" altLang="en-US" sz="1200" kern="1200" dirty="0" err="1" smtClean="0">
-                <a:solidFill>
-                  <a:schemeClr val="tx1"/>
-                </a:solidFill>
-                <a:latin typeface="Arial" charset="0"/>
-                <a:ea typeface="+mn-ea"/>
-                <a:cs typeface="+mn-cs"/>
-              </a:rPr>
-              <a:t>스마트폰의</a:t>
-            </a:r>
-            <a:r>
-              <a:rPr lang="ko-KR" altLang="en-US" sz="1200" kern="1200" dirty="0" smtClean="0">
-                <a:solidFill>
-                  <a:schemeClr val="tx1"/>
-                </a:solidFill>
-                <a:latin typeface="Arial" charset="0"/>
-                <a:ea typeface="+mn-ea"/>
-                <a:cs typeface="+mn-cs"/>
-              </a:rPr>
-              <a:t> 움직이는 모든 화면을 볼 수 있게 됩니다</a:t>
-            </a:r>
-            <a:r>
-              <a:rPr lang="en-US" altLang="ko-KR" sz="1200" kern="1200" dirty="0" smtClean="0">
-                <a:solidFill>
-                  <a:schemeClr val="tx1"/>
-                </a:solidFill>
-                <a:latin typeface="Arial" charset="0"/>
-                <a:ea typeface="+mn-ea"/>
-                <a:cs typeface="+mn-cs"/>
-              </a:rPr>
-              <a:t>.</a:t>
-            </a:r>
-            <a:endParaRPr lang="ko-KR" altLang="en-US" sz="1200" kern="1200" dirty="0" smtClean="0">
-              <a:solidFill>
-                <a:schemeClr val="tx1"/>
-              </a:solidFill>
-              <a:latin typeface="Arial" charset="0"/>
-              <a:ea typeface="+mn-ea"/>
-              <a:cs typeface="+mn-cs"/>
-            </a:endParaRPr>
-          </a:p>
-          <a:p>
-            <a:pPr marL="0" marR="0" indent="0" algn="l" defTabSz="914400" rtl="0" eaLnBrk="1" fontAlgn="base" latinLnBrk="0" hangingPunct="1">
-              <a:lnSpc>
-                <a:spcPct val="100000"/>
-              </a:lnSpc>
-              <a:spcBef>
-                <a:spcPct val="30000"/>
-              </a:spcBef>
-              <a:spcAft>
-                <a:spcPct val="0"/>
-              </a:spcAft>
-              <a:buClrTx/>
-              <a:buSzTx/>
-              <a:buFontTx/>
-              <a:buNone/>
-              <a:tabLst/>
-              <a:defRPr/>
-            </a:pPr>
             <a:endParaRPr lang="ko-KR" altLang="en-US" dirty="0"/>
           </a:p>
         </p:txBody>
@@ -2956,100 +2649,279 @@
               <a:defRPr/>
             </a:pPr>
             <a:r>
-              <a:rPr lang="en-US" altLang="ko-KR" dirty="0" err="1" smtClean="0"/>
+              <a:rPr lang="en-US" altLang="ko-KR" sz="1200" kern="1200" dirty="0" err="1" smtClean="0">
+                <a:solidFill>
+                  <a:schemeClr val="tx1"/>
+                </a:solidFill>
+                <a:latin typeface="Arial" charset="0"/>
+                <a:ea typeface="+mn-ea"/>
+                <a:cs typeface="+mn-cs"/>
+              </a:rPr>
               <a:t>LTouchPad</a:t>
             </a:r>
             <a:r>
-              <a:rPr lang="ko-KR" altLang="en-US" dirty="0" smtClean="0"/>
-              <a:t>의 화면입니다</a:t>
-            </a:r>
-            <a:r>
-              <a:rPr lang="en-US" altLang="ko-KR" dirty="0" smtClean="0"/>
+              <a:rPr lang="en-US" altLang="ko-KR" sz="1200" kern="1200" dirty="0" smtClean="0">
+                <a:solidFill>
+                  <a:schemeClr val="tx1"/>
+                </a:solidFill>
+                <a:latin typeface="Arial" charset="0"/>
+                <a:ea typeface="+mn-ea"/>
+                <a:cs typeface="+mn-cs"/>
+              </a:rPr>
+              <a:t> </a:t>
+            </a:r>
+            <a:r>
+              <a:rPr lang="ko-KR" altLang="en-US" sz="1200" kern="1200" dirty="0" smtClean="0">
+                <a:solidFill>
+                  <a:schemeClr val="tx1"/>
+                </a:solidFill>
+                <a:latin typeface="Arial" charset="0"/>
+                <a:ea typeface="+mn-ea"/>
+                <a:cs typeface="+mn-cs"/>
+              </a:rPr>
+              <a:t>어플리케이션의 구조입니다</a:t>
+            </a:r>
+            <a:r>
+              <a:rPr lang="en-US" altLang="ko-KR" sz="1200" kern="1200" dirty="0" smtClean="0">
+                <a:solidFill>
+                  <a:schemeClr val="tx1"/>
+                </a:solidFill>
+                <a:latin typeface="Arial" charset="0"/>
+                <a:ea typeface="+mn-ea"/>
+                <a:cs typeface="+mn-cs"/>
+              </a:rPr>
               <a:t>. </a:t>
             </a:r>
             <a:r>
-              <a:rPr lang="ko-KR" altLang="en-US" dirty="0" smtClean="0"/>
-              <a:t>어플리케이션을 </a:t>
-            </a:r>
-            <a:r>
-              <a:rPr lang="en-US" altLang="ko-KR" baseline="0" dirty="0" smtClean="0"/>
+              <a:rPr lang="ko-KR" altLang="en-US" sz="1200" kern="1200" dirty="0" err="1" smtClean="0">
+                <a:solidFill>
+                  <a:schemeClr val="tx1"/>
+                </a:solidFill>
+                <a:latin typeface="Arial" charset="0"/>
+                <a:ea typeface="+mn-ea"/>
+                <a:cs typeface="+mn-cs"/>
+              </a:rPr>
+              <a:t>스마트폰에서</a:t>
+            </a:r>
+            <a:r>
+              <a:rPr lang="ko-KR" altLang="en-US" sz="1200" kern="1200" dirty="0" smtClean="0">
+                <a:solidFill>
+                  <a:schemeClr val="tx1"/>
+                </a:solidFill>
+                <a:latin typeface="Arial" charset="0"/>
+                <a:ea typeface="+mn-ea"/>
+                <a:cs typeface="+mn-cs"/>
+              </a:rPr>
+              <a:t> </a:t>
+            </a:r>
+            <a:r>
+              <a:rPr lang="en-US" altLang="ko-KR" sz="1200" kern="1200" dirty="0" err="1" smtClean="0">
+                <a:solidFill>
+                  <a:schemeClr val="tx1"/>
+                </a:solidFill>
+                <a:latin typeface="Arial" charset="0"/>
+                <a:ea typeface="+mn-ea"/>
+                <a:cs typeface="+mn-cs"/>
+              </a:rPr>
+              <a:t>LTouchPad</a:t>
+            </a:r>
+            <a:r>
+              <a:rPr lang="ko-KR" altLang="en-US" sz="1200" kern="1200" dirty="0" smtClean="0">
+                <a:solidFill>
+                  <a:schemeClr val="tx1"/>
+                </a:solidFill>
+                <a:latin typeface="Arial" charset="0"/>
+                <a:ea typeface="+mn-ea"/>
+                <a:cs typeface="+mn-cs"/>
+              </a:rPr>
+              <a:t>를 실행하면 </a:t>
+            </a:r>
+            <a:r>
+              <a:rPr lang="en-US" altLang="ko-KR" sz="1200" kern="1200" dirty="0" smtClean="0">
+                <a:solidFill>
+                  <a:schemeClr val="tx1"/>
+                </a:solidFill>
+                <a:latin typeface="Arial" charset="0"/>
+                <a:ea typeface="+mn-ea"/>
+                <a:cs typeface="+mn-cs"/>
+              </a:rPr>
               <a:t>USB/IP</a:t>
             </a:r>
             <a:r>
-              <a:rPr lang="ko-KR" altLang="en-US" baseline="0" dirty="0" smtClean="0"/>
-              <a:t>로 연결하면 </a:t>
-            </a:r>
-            <a:r>
-              <a:rPr lang="en-US" altLang="ko-KR" baseline="0" dirty="0" smtClean="0"/>
+              <a:rPr lang="ko-KR" altLang="en-US" sz="1200" kern="1200" dirty="0" smtClean="0">
+                <a:solidFill>
+                  <a:schemeClr val="tx1"/>
+                </a:solidFill>
+                <a:latin typeface="Arial" charset="0"/>
+                <a:ea typeface="+mn-ea"/>
+                <a:cs typeface="+mn-cs"/>
+              </a:rPr>
+              <a:t>를 통해 </a:t>
+            </a:r>
+            <a:r>
+              <a:rPr lang="en-US" altLang="ko-KR" sz="1200" kern="1200" dirty="0" smtClean="0">
+                <a:solidFill>
+                  <a:schemeClr val="tx1"/>
+                </a:solidFill>
+                <a:latin typeface="Arial" charset="0"/>
+                <a:ea typeface="+mn-ea"/>
+                <a:cs typeface="+mn-cs"/>
+              </a:rPr>
               <a:t>PC</a:t>
             </a:r>
             <a:r>
-              <a:rPr lang="ko-KR" altLang="en-US" baseline="0" dirty="0" smtClean="0"/>
-              <a:t>에서 마우스 장치로 인식하고</a:t>
-            </a:r>
-            <a:r>
-              <a:rPr lang="en-US" altLang="ko-KR" baseline="0" dirty="0" smtClean="0"/>
-              <a:t>,</a:t>
-            </a:r>
-            <a:r>
-              <a:rPr lang="ko-KR" altLang="en-US" baseline="0" dirty="0" smtClean="0"/>
-              <a:t> 어플리케이션을 통한 조작으로 터치패드로 사용할 수 있습니다</a:t>
-            </a:r>
-            <a:r>
-              <a:rPr lang="en-US" altLang="ko-KR" baseline="0" dirty="0" smtClean="0"/>
+              <a:rPr lang="ko-KR" altLang="en-US" sz="1200" kern="1200" dirty="0" smtClean="0">
+                <a:solidFill>
+                  <a:schemeClr val="tx1"/>
+                </a:solidFill>
+                <a:latin typeface="Arial" charset="0"/>
+                <a:ea typeface="+mn-ea"/>
+                <a:cs typeface="+mn-cs"/>
+              </a:rPr>
+              <a:t>에게 자신의 장치 정보를 보냅니다</a:t>
+            </a:r>
+            <a:r>
+              <a:rPr lang="en-US" altLang="ko-KR" sz="1200" kern="1200" dirty="0" smtClean="0">
+                <a:solidFill>
+                  <a:schemeClr val="tx1"/>
+                </a:solidFill>
+                <a:latin typeface="Arial" charset="0"/>
+                <a:ea typeface="+mn-ea"/>
+                <a:cs typeface="+mn-cs"/>
+              </a:rPr>
+              <a:t>. PC</a:t>
+            </a:r>
+            <a:r>
+              <a:rPr lang="ko-KR" altLang="en-US" sz="1200" kern="1200" dirty="0" smtClean="0">
+                <a:solidFill>
+                  <a:schemeClr val="tx1"/>
+                </a:solidFill>
+                <a:latin typeface="Arial" charset="0"/>
+                <a:ea typeface="+mn-ea"/>
+                <a:cs typeface="+mn-cs"/>
+              </a:rPr>
+              <a:t>에선 마우스 장치가 연결된 것처럼 보이고</a:t>
+            </a:r>
+            <a:r>
+              <a:rPr lang="en-US" altLang="ko-KR" sz="1200" kern="1200" dirty="0" smtClean="0">
+                <a:solidFill>
+                  <a:schemeClr val="tx1"/>
+                </a:solidFill>
+                <a:latin typeface="Arial" charset="0"/>
+                <a:ea typeface="+mn-ea"/>
+                <a:cs typeface="+mn-cs"/>
+              </a:rPr>
+              <a:t>, </a:t>
+            </a:r>
+            <a:r>
+              <a:rPr lang="ko-KR" altLang="en-US" sz="1200" kern="1200" dirty="0" smtClean="0">
+                <a:solidFill>
+                  <a:schemeClr val="tx1"/>
+                </a:solidFill>
+                <a:latin typeface="Arial" charset="0"/>
+                <a:ea typeface="+mn-ea"/>
+                <a:cs typeface="+mn-cs"/>
+              </a:rPr>
+              <a:t>연결된 후 </a:t>
+            </a:r>
+            <a:r>
+              <a:rPr lang="en-US" altLang="ko-KR" sz="1200" kern="1200" dirty="0" err="1" smtClean="0">
+                <a:solidFill>
+                  <a:schemeClr val="tx1"/>
+                </a:solidFill>
+                <a:latin typeface="Arial" charset="0"/>
+                <a:ea typeface="+mn-ea"/>
+                <a:cs typeface="+mn-cs"/>
+              </a:rPr>
+              <a:t>LTouchPad</a:t>
+            </a:r>
+            <a:r>
+              <a:rPr lang="ko-KR" altLang="en-US" sz="1200" kern="1200" dirty="0" smtClean="0">
+                <a:solidFill>
+                  <a:schemeClr val="tx1"/>
+                </a:solidFill>
+                <a:latin typeface="Arial" charset="0"/>
+                <a:ea typeface="+mn-ea"/>
+                <a:cs typeface="+mn-cs"/>
+              </a:rPr>
+              <a:t>로 입력한 클릭</a:t>
+            </a:r>
+            <a:r>
+              <a:rPr lang="en-US" altLang="ko-KR" sz="1200" kern="1200" dirty="0" smtClean="0">
+                <a:solidFill>
+                  <a:schemeClr val="tx1"/>
+                </a:solidFill>
+                <a:latin typeface="Arial" charset="0"/>
+                <a:ea typeface="+mn-ea"/>
+                <a:cs typeface="+mn-cs"/>
+              </a:rPr>
+              <a:t>, </a:t>
+            </a:r>
+            <a:r>
+              <a:rPr lang="ko-KR" altLang="en-US" sz="1200" kern="1200" dirty="0" smtClean="0">
+                <a:solidFill>
+                  <a:schemeClr val="tx1"/>
+                </a:solidFill>
+                <a:latin typeface="Arial" charset="0"/>
+                <a:ea typeface="+mn-ea"/>
+                <a:cs typeface="+mn-cs"/>
+              </a:rPr>
+              <a:t>더블 클릭</a:t>
+            </a:r>
+            <a:r>
+              <a:rPr lang="en-US" altLang="ko-KR" sz="1200" kern="1200" dirty="0" smtClean="0">
+                <a:solidFill>
+                  <a:schemeClr val="tx1"/>
+                </a:solidFill>
+                <a:latin typeface="Arial" charset="0"/>
+                <a:ea typeface="+mn-ea"/>
+                <a:cs typeface="+mn-cs"/>
+              </a:rPr>
+              <a:t>, </a:t>
+            </a:r>
+            <a:r>
+              <a:rPr lang="ko-KR" altLang="en-US" sz="1200" kern="1200" dirty="0" smtClean="0">
+                <a:solidFill>
+                  <a:schemeClr val="tx1"/>
+                </a:solidFill>
+                <a:latin typeface="Arial" charset="0"/>
+                <a:ea typeface="+mn-ea"/>
+                <a:cs typeface="+mn-cs"/>
+              </a:rPr>
+              <a:t>이동 등의 정보를 전송하여 </a:t>
+            </a:r>
+            <a:r>
+              <a:rPr lang="en-US" altLang="ko-KR" sz="1200" kern="1200" dirty="0" smtClean="0">
+                <a:solidFill>
+                  <a:schemeClr val="tx1"/>
+                </a:solidFill>
+                <a:latin typeface="Arial" charset="0"/>
+                <a:ea typeface="+mn-ea"/>
+                <a:cs typeface="+mn-cs"/>
+              </a:rPr>
+              <a:t>PC</a:t>
+            </a:r>
+            <a:r>
+              <a:rPr lang="ko-KR" altLang="en-US" sz="1200" kern="1200" dirty="0" smtClean="0">
+                <a:solidFill>
+                  <a:schemeClr val="tx1"/>
+                </a:solidFill>
+                <a:latin typeface="Arial" charset="0"/>
+                <a:ea typeface="+mn-ea"/>
+                <a:cs typeface="+mn-cs"/>
+              </a:rPr>
+              <a:t>에서 터치패드로 사용 할 수 있습니다</a:t>
+            </a:r>
+            <a:r>
+              <a:rPr lang="en-US" altLang="ko-KR" sz="1200" kern="1200" dirty="0" smtClean="0">
+                <a:solidFill>
+                  <a:schemeClr val="tx1"/>
+                </a:solidFill>
+                <a:latin typeface="Arial" charset="0"/>
+                <a:ea typeface="+mn-ea"/>
+                <a:cs typeface="+mn-cs"/>
+              </a:rPr>
               <a:t>.</a:t>
-            </a:r>
-            <a:r>
-              <a:rPr lang="ko-KR" altLang="en-US" baseline="0" dirty="0" smtClean="0"/>
-              <a:t> </a:t>
-            </a:r>
-            <a:r>
-              <a:rPr lang="ko-KR" altLang="en-US" dirty="0" smtClean="0"/>
-              <a:t>어플리케이션의 </a:t>
-            </a:r>
-            <a:r>
-              <a:rPr lang="en-US" altLang="ko-KR" dirty="0" smtClean="0"/>
-              <a:t>Left, Right</a:t>
-            </a:r>
-            <a:r>
-              <a:rPr lang="en-US" altLang="ko-KR" baseline="0" dirty="0" smtClean="0"/>
-              <a:t> </a:t>
-            </a:r>
-            <a:r>
-              <a:rPr lang="ko-KR" altLang="en-US" dirty="0" smtClean="0"/>
-              <a:t>버튼이 </a:t>
-            </a:r>
-            <a:r>
-              <a:rPr lang="en-US" altLang="ko-KR" dirty="0" smtClean="0"/>
-              <a:t>PC</a:t>
-            </a:r>
-            <a:r>
-              <a:rPr lang="ko-KR" altLang="en-US" dirty="0" smtClean="0"/>
-              <a:t>의 마우스 버튼</a:t>
-            </a:r>
-            <a:r>
-              <a:rPr lang="ko-KR" altLang="en-US" baseline="0" dirty="0" smtClean="0"/>
-              <a:t> 기능을 하고</a:t>
-            </a:r>
-            <a:r>
-              <a:rPr lang="en-US" altLang="ko-KR" baseline="0" dirty="0" smtClean="0"/>
-              <a:t>, </a:t>
-            </a:r>
-            <a:r>
-              <a:rPr lang="ko-KR" altLang="en-US" baseline="0" dirty="0" smtClean="0"/>
-              <a:t>버튼 위 부분에서 드래그를 하면 </a:t>
-            </a:r>
-            <a:r>
-              <a:rPr lang="en-US" altLang="ko-KR" baseline="0" dirty="0" smtClean="0"/>
-              <a:t>PC</a:t>
-            </a:r>
-            <a:r>
-              <a:rPr lang="ko-KR" altLang="en-US" baseline="0" dirty="0" smtClean="0"/>
-              <a:t>의 마우스 커서가 움직입니다</a:t>
-            </a:r>
-            <a:r>
-              <a:rPr lang="en-US" altLang="ko-KR" baseline="0" dirty="0" smtClean="0"/>
-              <a:t>. </a:t>
             </a:r>
             <a:endParaRPr lang="ko-KR" altLang="en-US" dirty="0"/>
           </a:p>
@@ -3150,281 +3022,6 @@
               <a:tabLst/>
               <a:defRPr/>
             </a:pPr>
-            <a:r>
-              <a:rPr lang="en-US" altLang="ko-KR" sz="1200" kern="1200" dirty="0" err="1" smtClean="0">
-                <a:solidFill>
-                  <a:schemeClr val="tx1"/>
-                </a:solidFill>
-                <a:latin typeface="Arial" charset="0"/>
-                <a:ea typeface="+mn-ea"/>
-                <a:cs typeface="+mn-cs"/>
-              </a:rPr>
-              <a:t>LTouchPad</a:t>
-            </a:r>
-            <a:r>
-              <a:rPr lang="en-US" altLang="ko-KR" sz="1200" kern="1200" dirty="0" smtClean="0">
-                <a:solidFill>
-                  <a:schemeClr val="tx1"/>
-                </a:solidFill>
-                <a:latin typeface="Arial" charset="0"/>
-                <a:ea typeface="+mn-ea"/>
-                <a:cs typeface="+mn-cs"/>
-              </a:rPr>
-              <a:t> </a:t>
-            </a:r>
-            <a:r>
-              <a:rPr lang="ko-KR" altLang="en-US" sz="1200" kern="1200" dirty="0" smtClean="0">
-                <a:solidFill>
-                  <a:schemeClr val="tx1"/>
-                </a:solidFill>
-                <a:latin typeface="Arial" charset="0"/>
-                <a:ea typeface="+mn-ea"/>
-                <a:cs typeface="+mn-cs"/>
-              </a:rPr>
-              <a:t>어플리케이션의 구조입니다</a:t>
-            </a:r>
-            <a:r>
-              <a:rPr lang="en-US" altLang="ko-KR" sz="1200" kern="1200" dirty="0" smtClean="0">
-                <a:solidFill>
-                  <a:schemeClr val="tx1"/>
-                </a:solidFill>
-                <a:latin typeface="Arial" charset="0"/>
-                <a:ea typeface="+mn-ea"/>
-                <a:cs typeface="+mn-cs"/>
-              </a:rPr>
-              <a:t>. </a:t>
-            </a:r>
-            <a:r>
-              <a:rPr lang="ko-KR" altLang="en-US" sz="1200" kern="1200" dirty="0" err="1" smtClean="0">
-                <a:solidFill>
-                  <a:schemeClr val="tx1"/>
-                </a:solidFill>
-                <a:latin typeface="Arial" charset="0"/>
-                <a:ea typeface="+mn-ea"/>
-                <a:cs typeface="+mn-cs"/>
-              </a:rPr>
-              <a:t>스마트폰에서</a:t>
-            </a:r>
-            <a:r>
-              <a:rPr lang="ko-KR" altLang="en-US" sz="1200" kern="1200" dirty="0" smtClean="0">
-                <a:solidFill>
-                  <a:schemeClr val="tx1"/>
-                </a:solidFill>
-                <a:latin typeface="Arial" charset="0"/>
-                <a:ea typeface="+mn-ea"/>
-                <a:cs typeface="+mn-cs"/>
-              </a:rPr>
-              <a:t> </a:t>
-            </a:r>
-            <a:r>
-              <a:rPr lang="en-US" altLang="ko-KR" sz="1200" kern="1200" dirty="0" err="1" smtClean="0">
-                <a:solidFill>
-                  <a:schemeClr val="tx1"/>
-                </a:solidFill>
-                <a:latin typeface="Arial" charset="0"/>
-                <a:ea typeface="+mn-ea"/>
-                <a:cs typeface="+mn-cs"/>
-              </a:rPr>
-              <a:t>LTouchPad</a:t>
-            </a:r>
-            <a:r>
-              <a:rPr lang="ko-KR" altLang="en-US" sz="1200" kern="1200" dirty="0" smtClean="0">
-                <a:solidFill>
-                  <a:schemeClr val="tx1"/>
-                </a:solidFill>
-                <a:latin typeface="Arial" charset="0"/>
-                <a:ea typeface="+mn-ea"/>
-                <a:cs typeface="+mn-cs"/>
-              </a:rPr>
-              <a:t>를 실행하면 </a:t>
-            </a:r>
-            <a:r>
-              <a:rPr lang="en-US" altLang="ko-KR" sz="1200" kern="1200" dirty="0" smtClean="0">
-                <a:solidFill>
-                  <a:schemeClr val="tx1"/>
-                </a:solidFill>
-                <a:latin typeface="Arial" charset="0"/>
-                <a:ea typeface="+mn-ea"/>
-                <a:cs typeface="+mn-cs"/>
-              </a:rPr>
-              <a:t>USB/IP</a:t>
-            </a:r>
-            <a:r>
-              <a:rPr lang="ko-KR" altLang="en-US" sz="1200" kern="1200" dirty="0" smtClean="0">
-                <a:solidFill>
-                  <a:schemeClr val="tx1"/>
-                </a:solidFill>
-                <a:latin typeface="Arial" charset="0"/>
-                <a:ea typeface="+mn-ea"/>
-                <a:cs typeface="+mn-cs"/>
-              </a:rPr>
-              <a:t>를 통해 </a:t>
-            </a:r>
-            <a:r>
-              <a:rPr lang="en-US" altLang="ko-KR" sz="1200" kern="1200" dirty="0" smtClean="0">
-                <a:solidFill>
-                  <a:schemeClr val="tx1"/>
-                </a:solidFill>
-                <a:latin typeface="Arial" charset="0"/>
-                <a:ea typeface="+mn-ea"/>
-                <a:cs typeface="+mn-cs"/>
-              </a:rPr>
-              <a:t>PC</a:t>
-            </a:r>
-            <a:r>
-              <a:rPr lang="ko-KR" altLang="en-US" sz="1200" kern="1200" dirty="0" smtClean="0">
-                <a:solidFill>
-                  <a:schemeClr val="tx1"/>
-                </a:solidFill>
-                <a:latin typeface="Arial" charset="0"/>
-                <a:ea typeface="+mn-ea"/>
-                <a:cs typeface="+mn-cs"/>
-              </a:rPr>
-              <a:t>에게 자신의 장치 정보를 보냅니다</a:t>
-            </a:r>
-            <a:r>
-              <a:rPr lang="en-US" altLang="ko-KR" sz="1200" kern="1200" dirty="0" smtClean="0">
-                <a:solidFill>
-                  <a:schemeClr val="tx1"/>
-                </a:solidFill>
-                <a:latin typeface="Arial" charset="0"/>
-                <a:ea typeface="+mn-ea"/>
-                <a:cs typeface="+mn-cs"/>
-              </a:rPr>
-              <a:t>. PC</a:t>
-            </a:r>
-            <a:r>
-              <a:rPr lang="ko-KR" altLang="en-US" sz="1200" kern="1200" dirty="0" smtClean="0">
-                <a:solidFill>
-                  <a:schemeClr val="tx1"/>
-                </a:solidFill>
-                <a:latin typeface="Arial" charset="0"/>
-                <a:ea typeface="+mn-ea"/>
-                <a:cs typeface="+mn-cs"/>
-              </a:rPr>
-              <a:t>에선 마우스 장치가 연결된 것처럼 보이고</a:t>
-            </a:r>
-            <a:r>
-              <a:rPr lang="en-US" altLang="ko-KR" sz="1200" kern="1200" dirty="0" smtClean="0">
-                <a:solidFill>
-                  <a:schemeClr val="tx1"/>
-                </a:solidFill>
-                <a:latin typeface="Arial" charset="0"/>
-                <a:ea typeface="+mn-ea"/>
-                <a:cs typeface="+mn-cs"/>
-              </a:rPr>
-              <a:t>, </a:t>
-            </a:r>
-            <a:r>
-              <a:rPr lang="ko-KR" altLang="en-US" sz="1200" kern="1200" dirty="0" smtClean="0">
-                <a:solidFill>
-                  <a:schemeClr val="tx1"/>
-                </a:solidFill>
-                <a:latin typeface="Arial" charset="0"/>
-                <a:ea typeface="+mn-ea"/>
-                <a:cs typeface="+mn-cs"/>
-              </a:rPr>
-              <a:t>연결된 후 </a:t>
-            </a:r>
-            <a:r>
-              <a:rPr lang="en-US" altLang="ko-KR" sz="1200" kern="1200" dirty="0" err="1" smtClean="0">
-                <a:solidFill>
-                  <a:schemeClr val="tx1"/>
-                </a:solidFill>
-                <a:latin typeface="Arial" charset="0"/>
-                <a:ea typeface="+mn-ea"/>
-                <a:cs typeface="+mn-cs"/>
-              </a:rPr>
-              <a:t>LTouchPad</a:t>
-            </a:r>
-            <a:r>
-              <a:rPr lang="ko-KR" altLang="en-US" sz="1200" kern="1200" dirty="0" smtClean="0">
-                <a:solidFill>
-                  <a:schemeClr val="tx1"/>
-                </a:solidFill>
-                <a:latin typeface="Arial" charset="0"/>
-                <a:ea typeface="+mn-ea"/>
-                <a:cs typeface="+mn-cs"/>
-              </a:rPr>
-              <a:t>로 입력한 클릭</a:t>
-            </a:r>
-            <a:r>
-              <a:rPr lang="en-US" altLang="ko-KR" sz="1200" kern="1200" dirty="0" smtClean="0">
-                <a:solidFill>
-                  <a:schemeClr val="tx1"/>
-                </a:solidFill>
-                <a:latin typeface="Arial" charset="0"/>
-                <a:ea typeface="+mn-ea"/>
-                <a:cs typeface="+mn-cs"/>
-              </a:rPr>
-              <a:t>, </a:t>
-            </a:r>
-            <a:r>
-              <a:rPr lang="ko-KR" altLang="en-US" sz="1200" kern="1200" dirty="0" smtClean="0">
-                <a:solidFill>
-                  <a:schemeClr val="tx1"/>
-                </a:solidFill>
-                <a:latin typeface="Arial" charset="0"/>
-                <a:ea typeface="+mn-ea"/>
-                <a:cs typeface="+mn-cs"/>
-              </a:rPr>
-              <a:t>더블 클릭</a:t>
-            </a:r>
-            <a:r>
-              <a:rPr lang="en-US" altLang="ko-KR" sz="1200" kern="1200" dirty="0" smtClean="0">
-                <a:solidFill>
-                  <a:schemeClr val="tx1"/>
-                </a:solidFill>
-                <a:latin typeface="Arial" charset="0"/>
-                <a:ea typeface="+mn-ea"/>
-                <a:cs typeface="+mn-cs"/>
-              </a:rPr>
-              <a:t>, </a:t>
-            </a:r>
-            <a:r>
-              <a:rPr lang="ko-KR" altLang="en-US" sz="1200" kern="1200" dirty="0" smtClean="0">
-                <a:solidFill>
-                  <a:schemeClr val="tx1"/>
-                </a:solidFill>
-                <a:latin typeface="Arial" charset="0"/>
-                <a:ea typeface="+mn-ea"/>
-                <a:cs typeface="+mn-cs"/>
-              </a:rPr>
-              <a:t>이동 등의 정보를 전송하여 </a:t>
-            </a:r>
-            <a:r>
-              <a:rPr lang="en-US" altLang="ko-KR" sz="1200" kern="1200" dirty="0" smtClean="0">
-                <a:solidFill>
-                  <a:schemeClr val="tx1"/>
-                </a:solidFill>
-                <a:latin typeface="Arial" charset="0"/>
-                <a:ea typeface="+mn-ea"/>
-                <a:cs typeface="+mn-cs"/>
-              </a:rPr>
-              <a:t>PC</a:t>
-            </a:r>
-            <a:r>
-              <a:rPr lang="ko-KR" altLang="en-US" sz="1200" kern="1200" dirty="0" smtClean="0">
-                <a:solidFill>
-                  <a:schemeClr val="tx1"/>
-                </a:solidFill>
-                <a:latin typeface="Arial" charset="0"/>
-                <a:ea typeface="+mn-ea"/>
-                <a:cs typeface="+mn-cs"/>
-              </a:rPr>
-              <a:t>에서 터치패드로 사용 할 수 있습니다</a:t>
-            </a:r>
-            <a:r>
-              <a:rPr lang="en-US" altLang="ko-KR" sz="1200" kern="1200" dirty="0" smtClean="0">
-                <a:solidFill>
-                  <a:schemeClr val="tx1"/>
-                </a:solidFill>
-                <a:latin typeface="Arial" charset="0"/>
-                <a:ea typeface="+mn-ea"/>
-                <a:cs typeface="+mn-cs"/>
-              </a:rPr>
-              <a:t>.</a:t>
-            </a:r>
             <a:endParaRPr lang="ko-KR" altLang="en-US" dirty="0"/>
           </a:p>
         </p:txBody>
@@ -3523,7 +3120,7 @@
               <a:defRPr/>
             </a:pPr>
             <a:r>
-              <a:rPr lang="ko-KR" altLang="ko-KR" sz="1200" kern="1200" dirty="0" smtClean="0">
+              <a:rPr lang="ko-KR" altLang="en-US" sz="1200" kern="1200" dirty="0" smtClean="0">
                 <a:solidFill>
                   <a:schemeClr val="tx1"/>
                 </a:solidFill>
@@ -3534,26 +3131,26 @@
               <a:t>차트에서 볼 수 있듯이 </a:t>
             </a:r>
             <a:r>
-              <a:rPr lang="ko-KR" altLang="ko-KR" sz="1200" kern="1200" dirty="0" err="1" smtClean="0">
-                <a:solidFill>
-                  <a:schemeClr val="tx1"/>
-                </a:solidFill>
-                <a:latin typeface="Arial" charset="0"/>
-                <a:ea typeface="+mn-ea"/>
-                <a:cs typeface="+mn-cs"/>
-              </a:rPr>
-              <a:t>스마트폰</a:t>
-            </a:r>
-            <a:r>
-              <a:rPr lang="ko-KR" altLang="ko-KR" sz="1200" kern="1200" dirty="0" smtClean="0">
-                <a:solidFill>
-                  <a:schemeClr val="tx1"/>
-                </a:solidFill>
-                <a:latin typeface="Arial" charset="0"/>
-                <a:ea typeface="+mn-ea"/>
-                <a:cs typeface="+mn-cs"/>
-              </a:rPr>
-              <a:t> 사용자 수가 매년 증가하고 있습니다</a:t>
+              <a:rPr lang="ko-KR" altLang="en-US" sz="1200" kern="1200" dirty="0" err="1" smtClean="0">
+                <a:solidFill>
+                  <a:schemeClr val="tx1"/>
+                </a:solidFill>
+                <a:latin typeface="Arial" charset="0"/>
+                <a:ea typeface="+mn-ea"/>
+                <a:cs typeface="+mn-cs"/>
+              </a:rPr>
+              <a:t>안드로이드</a:t>
+            </a:r>
+            <a:r>
+              <a:rPr lang="ko-KR" altLang="en-US" sz="1200" kern="1200" dirty="0" smtClean="0">
+                <a:solidFill>
+                  <a:schemeClr val="tx1"/>
+                </a:solidFill>
+                <a:latin typeface="Arial" charset="0"/>
+                <a:ea typeface="+mn-ea"/>
+                <a:cs typeface="+mn-cs"/>
+              </a:rPr>
+              <a:t> 어플리케이션의 수가 빠른 속도로 증가해 현재 마켓에 </a:t>
             </a:r>
             <a:r>
               <a:rPr lang="en-US" altLang="ko-KR" sz="1200" kern="1200" dirty="0" smtClean="0">
@@ -3564,6 +3161,28 @@
                 <a:ea typeface="+mn-ea"/>
                 <a:cs typeface="+mn-cs"/>
               </a:rPr>
+              <a:t>45</a:t>
+            </a:r>
+            <a:r>
+              <a:rPr lang="ko-KR" altLang="en-US" sz="1200" kern="1200" dirty="0" smtClean="0">
+                <a:solidFill>
+                  <a:schemeClr val="tx1"/>
+                </a:solidFill>
+                <a:latin typeface="Arial" charset="0"/>
+                <a:ea typeface="+mn-ea"/>
+                <a:cs typeface="+mn-cs"/>
+              </a:rPr>
+              <a:t>만개가 등록돼있습니다</a:t>
+            </a:r>
+            <a:r>
+              <a:rPr lang="en-US" altLang="ko-KR" sz="1200" kern="1200" dirty="0" smtClean="0">
+                <a:solidFill>
+                  <a:schemeClr val="tx1"/>
+                </a:solidFill>
+                <a:latin typeface="Arial" charset="0"/>
+                <a:ea typeface="+mn-ea"/>
+                <a:cs typeface="+mn-cs"/>
+              </a:rPr>
               <a:t>. </a:t>
             </a:r>
             <a:r>
@@ -3575,7 +3194,18 @@
                 <a:ea typeface="+mn-ea"/>
                 <a:cs typeface="+mn-cs"/>
               </a:rPr>
-              <a:t>제조사들도 </a:t>
+              <a:t>하지만</a:t>
+            </a:r>
+            <a:r>
+              <a:rPr lang="en-US" altLang="ko-KR" sz="1200" kern="1200" dirty="0" smtClean="0">
+                <a:solidFill>
+                  <a:schemeClr val="tx1"/>
+                </a:solidFill>
+                <a:latin typeface="Arial" charset="0"/>
+                <a:ea typeface="+mn-ea"/>
+                <a:cs typeface="+mn-cs"/>
+              </a:rPr>
+              <a:t> </a:t>
             </a:r>
             <a:r>
               <a:rPr lang="ko-KR" altLang="en-US" sz="1200" kern="1200" dirty="0" err="1" smtClean="0">
@@ -3586,7 +3216,7 @@
                 <a:ea typeface="+mn-ea"/>
                 <a:cs typeface="+mn-cs"/>
               </a:rPr>
-              <a:t>피쳐폰</a:t>
+              <a:t>스마트폰보다</a:t>
             </a:r>
             <a:r>
               <a:rPr lang="ko-KR" altLang="en-US" sz="1200" kern="1200" dirty="0" smtClean="0">
@@ -3597,7 +3227,7 @@
                 <a:ea typeface="+mn-ea"/>
                 <a:cs typeface="+mn-cs"/>
               </a:rPr>
-              <a:t> 생산을 줄이고</a:t>
+              <a:t> 성능이 좋은 </a:t>
             </a:r>
             <a:r>
               <a:rPr lang="en-US" altLang="ko-KR" sz="1200" kern="1200" dirty="0" smtClean="0">
@@ -3608,216 +3238,18 @@
                 <a:ea typeface="+mn-ea"/>
                 <a:cs typeface="+mn-cs"/>
               </a:rPr>
-              <a:t>, </a:t>
-            </a:r>
-            <a:r>
-              <a:rPr lang="ko-KR" altLang="en-US" sz="1200" kern="1200" dirty="0" err="1" smtClean="0">
-                <a:solidFill>
-                  <a:schemeClr val="tx1"/>
-                </a:solidFill>
-                <a:latin typeface="Arial" charset="0"/>
-                <a:ea typeface="+mn-ea"/>
-                <a:cs typeface="+mn-cs"/>
-              </a:rPr>
-              <a:t>스마트폰</a:t>
-            </a:r>
-            <a:r>
-              <a:rPr lang="ko-KR" altLang="en-US" sz="1200" kern="1200" dirty="0" smtClean="0">
-                <a:solidFill>
-                  <a:schemeClr val="tx1"/>
-                </a:solidFill>
-                <a:latin typeface="Arial" charset="0"/>
-                <a:ea typeface="+mn-ea"/>
-                <a:cs typeface="+mn-cs"/>
-              </a:rPr>
-              <a:t> 위주로 생산하는 추세라 앞으로 </a:t>
-            </a:r>
-            <a:r>
-              <a:rPr lang="ko-KR" altLang="en-US" sz="1200" kern="1200" dirty="0" err="1" smtClean="0">
-                <a:solidFill>
-                  <a:schemeClr val="tx1"/>
-                </a:solidFill>
-                <a:latin typeface="Arial" charset="0"/>
-                <a:ea typeface="+mn-ea"/>
-                <a:cs typeface="+mn-cs"/>
-              </a:rPr>
-              <a:t>스마트폰</a:t>
-            </a:r>
-            <a:r>
-              <a:rPr lang="ko-KR" altLang="en-US" sz="1200" kern="1200" dirty="0" smtClean="0">
-                <a:solidFill>
-                  <a:schemeClr val="tx1"/>
-                </a:solidFill>
-                <a:latin typeface="Arial" charset="0"/>
-                <a:ea typeface="+mn-ea"/>
-                <a:cs typeface="+mn-cs"/>
-              </a:rPr>
-              <a:t> 사용자가 더 증가 할 것입니다</a:t>
-            </a:r>
-            <a:r>
-              <a:rPr lang="en-US" altLang="ko-KR" sz="1200" kern="1200" dirty="0" smtClean="0">
-                <a:solidFill>
-                  <a:schemeClr val="tx1"/>
-                </a:solidFill>
-                <a:latin typeface="Arial" charset="0"/>
-                <a:ea typeface="+mn-ea"/>
-                <a:cs typeface="+mn-cs"/>
-              </a:rPr>
-              <a:t>. </a:t>
-            </a:r>
-            <a:r>
-              <a:rPr lang="ko-KR" altLang="ko-KR" sz="1200" kern="1200" dirty="0" err="1" smtClean="0">
-                <a:solidFill>
-                  <a:schemeClr val="tx1"/>
-                </a:solidFill>
-                <a:latin typeface="Arial" charset="0"/>
-                <a:ea typeface="+mn-ea"/>
-                <a:cs typeface="+mn-cs"/>
-              </a:rPr>
-              <a:t>스마트폰</a:t>
-            </a:r>
-            <a:r>
-              <a:rPr lang="ko-KR" altLang="en-US" sz="1200" kern="1200" dirty="0" err="1" smtClean="0">
-                <a:solidFill>
-                  <a:schemeClr val="tx1"/>
-                </a:solidFill>
-                <a:latin typeface="Arial" charset="0"/>
-                <a:ea typeface="+mn-ea"/>
-                <a:cs typeface="+mn-cs"/>
-              </a:rPr>
-              <a:t>의</a:t>
-            </a:r>
-            <a:r>
-              <a:rPr lang="ko-KR" altLang="en-US" sz="1200" kern="1200" dirty="0" smtClean="0">
-                <a:solidFill>
-                  <a:schemeClr val="tx1"/>
-                </a:solidFill>
-                <a:latin typeface="Arial" charset="0"/>
-                <a:ea typeface="+mn-ea"/>
-                <a:cs typeface="+mn-cs"/>
-              </a:rPr>
-              <a:t> 기능은 많지만</a:t>
-            </a:r>
-            <a:r>
-              <a:rPr lang="en-US" altLang="ko-KR" sz="1200" kern="1200" dirty="0" smtClean="0">
-                <a:solidFill>
-                  <a:schemeClr val="tx1"/>
-                </a:solidFill>
-                <a:latin typeface="Arial" charset="0"/>
-                <a:ea typeface="+mn-ea"/>
-                <a:cs typeface="+mn-cs"/>
-              </a:rPr>
-              <a:t>, </a:t>
-            </a:r>
-            <a:r>
-              <a:rPr lang="ko-KR" altLang="ko-KR" sz="1200" kern="1200" dirty="0" smtClean="0">
-                <a:solidFill>
-                  <a:schemeClr val="tx1"/>
-                </a:solidFill>
-                <a:latin typeface="Arial" charset="0"/>
-                <a:ea typeface="+mn-ea"/>
-                <a:cs typeface="+mn-cs"/>
-              </a:rPr>
-              <a:t>현재 </a:t>
-            </a:r>
-            <a:r>
-              <a:rPr lang="en-US" altLang="ko-KR" sz="1200" kern="1200" dirty="0" smtClean="0">
-                <a:solidFill>
-                  <a:schemeClr val="tx1"/>
-                </a:solidFill>
-                <a:latin typeface="Arial" charset="0"/>
-                <a:ea typeface="+mn-ea"/>
-                <a:cs typeface="+mn-cs"/>
-              </a:rPr>
               <a:t>PC</a:t>
             </a:r>
             <a:r>
-              <a:rPr lang="ko-KR" altLang="ko-KR" sz="1200" kern="1200" dirty="0" smtClean="0">
-                <a:solidFill>
-                  <a:schemeClr val="tx1"/>
-                </a:solidFill>
-                <a:latin typeface="Arial" charset="0"/>
-                <a:ea typeface="+mn-ea"/>
-                <a:cs typeface="+mn-cs"/>
-              </a:rPr>
-              <a:t>와 연결해 사용하는 기능은 자료</a:t>
-            </a:r>
-            <a:r>
-              <a:rPr lang="ko-KR" altLang="en-US" sz="1200" kern="1200" dirty="0" smtClean="0">
-                <a:solidFill>
-                  <a:schemeClr val="tx1"/>
-                </a:solidFill>
-                <a:latin typeface="Arial" charset="0"/>
-                <a:ea typeface="+mn-ea"/>
-                <a:cs typeface="+mn-cs"/>
-              </a:rPr>
-              <a:t>를</a:t>
-            </a:r>
-            <a:r>
-              <a:rPr lang="ko-KR" altLang="ko-KR" sz="1200" kern="1200" dirty="0" smtClean="0">
-                <a:solidFill>
-                  <a:schemeClr val="tx1"/>
-                </a:solidFill>
-                <a:latin typeface="Arial" charset="0"/>
-                <a:ea typeface="+mn-ea"/>
-                <a:cs typeface="+mn-cs"/>
-              </a:rPr>
-              <a:t> 옮길 때 </a:t>
-            </a:r>
-            <a:r>
-              <a:rPr lang="en-US" altLang="ko-KR" sz="1200" kern="1200" dirty="0" smtClean="0">
-                <a:solidFill>
-                  <a:schemeClr val="tx1"/>
-                </a:solidFill>
-                <a:latin typeface="Arial" charset="0"/>
-                <a:ea typeface="+mn-ea"/>
-                <a:cs typeface="+mn-cs"/>
-              </a:rPr>
-              <a:t>USB</a:t>
-            </a:r>
-            <a:r>
-              <a:rPr lang="ko-KR" altLang="ko-KR" sz="1200" kern="1200" dirty="0" smtClean="0">
-                <a:solidFill>
-                  <a:schemeClr val="tx1"/>
-                </a:solidFill>
-                <a:latin typeface="Arial" charset="0"/>
-                <a:ea typeface="+mn-ea"/>
-                <a:cs typeface="+mn-cs"/>
-              </a:rPr>
-              <a:t>메모리 대용으로 쓰는 정도밖에 안됩니다</a:t>
-            </a:r>
-            <a:r>
-              <a:rPr lang="en-US" altLang="ko-KR" sz="1200" kern="1200" dirty="0" smtClean="0">
-                <a:solidFill>
-                  <a:schemeClr val="tx1"/>
-                </a:solidFill>
-                <a:latin typeface="Arial" charset="0"/>
-                <a:ea typeface="+mn-ea"/>
-                <a:cs typeface="+mn-cs"/>
-              </a:rPr>
-              <a:t>. (</a:t>
-            </a:r>
-            <a:r>
-              <a:rPr lang="ko-KR" altLang="en-US" sz="1200" kern="1200" dirty="0" smtClean="0">
-                <a:solidFill>
-                  <a:schemeClr val="tx1"/>
-                </a:solidFill>
-                <a:latin typeface="Arial" charset="0"/>
-                <a:ea typeface="+mn-ea"/>
-                <a:cs typeface="+mn-cs"/>
-              </a:rPr>
-              <a:t>빠르게</a:t>
-            </a:r>
-            <a:r>
-              <a:rPr lang="en-US" altLang="ko-KR" sz="1200" kern="1200" dirty="0" smtClean="0">
-                <a:solidFill>
-                  <a:schemeClr val="tx1"/>
-                </a:solidFill>
-                <a:latin typeface="Arial" charset="0"/>
-                <a:ea typeface="+mn-ea"/>
-                <a:cs typeface="+mn-cs"/>
-              </a:rPr>
-              <a:t>)</a:t>
+              <a:rPr lang="ko-KR" altLang="en-US" sz="1200" kern="1200" smtClean="0">
+                <a:solidFill>
+                  <a:schemeClr val="tx1"/>
+                </a:solidFill>
+                <a:latin typeface="Arial" charset="0"/>
+                <a:ea typeface="+mn-ea"/>
+                <a:cs typeface="+mn-cs"/>
+              </a:rPr>
+              <a:t>에서는 ㅈ</a:t>
             </a:r>
             <a:endParaRPr lang="ko-KR" altLang="ko-KR" sz="1200" kern="1200" dirty="0">
               <a:solidFill>
@@ -3857,7 +3289,7 @@
     </p:spTree>
     <p:extLst>
       <p:ext uri="{BB962C8B-B14F-4D97-AF65-F5344CB8AC3E}">
-        <p14:creationId xmlns="" xmlns:p14="http://schemas.microsoft.com/office/powerpoint/2010/main" val="483073219"/>
+        <p14:creationId xmlns:p14="http://schemas.microsoft.com/office/powerpoint/2010/main" xmlns="" val="483073219"/>
       </p:ext>
     </p:extLst>
   </p:cSld>
@@ -4274,7 +3706,18 @@
                 <a:ea typeface="+mn-ea"/>
                 <a:cs typeface="+mn-cs"/>
               </a:rPr>
-              <a:t>낮은 전력 소비 등의 장점이 있습니다</a:t>
+              <a:t>낮은 전력 소비 등의 </a:t>
+            </a:r>
+            <a:r>
+              <a:rPr lang="ko-KR" altLang="en-US" sz="1200" kern="1200" dirty="0" smtClean="0">
+                <a:solidFill>
+                  <a:schemeClr val="tx1"/>
+                </a:solidFill>
+                <a:latin typeface="Arial" charset="0"/>
+                <a:ea typeface="+mn-ea"/>
+                <a:cs typeface="+mn-cs"/>
+              </a:rPr>
+              <a:t>장점이 있기 때문에 </a:t>
             </a:r>
             <a:r>
               <a:rPr lang="en-US" altLang="ko-KR" sz="1200" kern="1200" dirty="0" smtClean="0">
@@ -4285,8 +3728,40 @@
                 <a:ea typeface="+mn-ea"/>
                 <a:cs typeface="+mn-cs"/>
               </a:rPr>
+              <a:t>USB</a:t>
+            </a:r>
+            <a:r>
+              <a:rPr lang="ko-KR" altLang="en-US" sz="1200" kern="1200" dirty="0" smtClean="0">
+                <a:solidFill>
+                  <a:schemeClr val="tx1"/>
+                </a:solidFill>
+                <a:latin typeface="Arial" charset="0"/>
+                <a:ea typeface="+mn-ea"/>
+                <a:cs typeface="+mn-cs"/>
+              </a:rPr>
+              <a:t>장치들이 많이 사용되고 있습니다</a:t>
+            </a:r>
+            <a:r>
+              <a:rPr lang="en-US" altLang="ko-KR" sz="1200" kern="1200" dirty="0" smtClean="0">
+                <a:solidFill>
+                  <a:schemeClr val="tx1"/>
+                </a:solidFill>
+                <a:latin typeface="Arial" charset="0"/>
+                <a:ea typeface="+mn-ea"/>
+                <a:cs typeface="+mn-cs"/>
+              </a:rPr>
               <a:t>.</a:t>
             </a:r>
+            <a:endParaRPr lang="ko-KR" altLang="ko-KR" sz="1200" kern="1200" dirty="0" smtClean="0">
+              <a:solidFill>
+                <a:schemeClr val="tx1"/>
+              </a:solidFill>
+              <a:latin typeface="Arial" charset="0"/>
+              <a:ea typeface="+mn-ea"/>
+              <a:cs typeface="+mn-cs"/>
+            </a:endParaRPr>
+          </a:p>
+          <a:p>
             <a:endParaRPr lang="ko-KR" altLang="en-US" dirty="0"/>
           </a:p>
         </p:txBody>
@@ -4378,9 +3853,108 @@
                 <a:ea typeface="+mn-ea"/>
                 <a:cs typeface="+mn-cs"/>
               </a:rPr>
+              <a:t>PC</a:t>
+            </a:r>
+            <a:r>
+              <a:rPr lang="ko-KR" altLang="ko-KR" sz="1200" kern="1200" dirty="0" smtClean="0">
+                <a:solidFill>
+                  <a:schemeClr val="tx1"/>
+                </a:solidFill>
+                <a:latin typeface="Arial" charset="0"/>
+                <a:ea typeface="+mn-ea"/>
+                <a:cs typeface="+mn-cs"/>
+              </a:rPr>
+              <a:t>와 스마트폰의 연결방법으로는 </a:t>
+            </a:r>
+            <a:r>
+              <a:rPr lang="en-US" altLang="ko-KR" sz="1200" kern="1200" dirty="0" smtClean="0">
+                <a:solidFill>
+                  <a:schemeClr val="tx1"/>
+                </a:solidFill>
+                <a:latin typeface="Arial" charset="0"/>
+                <a:ea typeface="+mn-ea"/>
+                <a:cs typeface="+mn-cs"/>
+              </a:rPr>
+              <a:t>USB/IP</a:t>
+            </a:r>
+            <a:r>
+              <a:rPr lang="ko-KR" altLang="ko-KR" sz="1200" kern="1200" dirty="0" smtClean="0">
+                <a:solidFill>
+                  <a:schemeClr val="tx1"/>
+                </a:solidFill>
+                <a:latin typeface="Arial" charset="0"/>
+                <a:ea typeface="+mn-ea"/>
+                <a:cs typeface="+mn-cs"/>
+              </a:rPr>
+              <a:t>기술을 채택했습니다</a:t>
+            </a:r>
+            <a:r>
+              <a:rPr lang="en-US" altLang="ko-KR" sz="1200" kern="1200" dirty="0" smtClean="0">
+                <a:solidFill>
+                  <a:schemeClr val="tx1"/>
+                </a:solidFill>
+                <a:latin typeface="Arial" charset="0"/>
+                <a:ea typeface="+mn-ea"/>
+                <a:cs typeface="+mn-cs"/>
+              </a:rPr>
+              <a:t>. USB/IP</a:t>
+            </a:r>
+            <a:r>
+              <a:rPr lang="ko-KR" altLang="en-US" sz="1200" kern="1200" dirty="0" smtClean="0">
+                <a:solidFill>
+                  <a:schemeClr val="tx1"/>
+                </a:solidFill>
+                <a:latin typeface="Arial" charset="0"/>
+                <a:ea typeface="+mn-ea"/>
+                <a:cs typeface="+mn-cs"/>
+              </a:rPr>
+              <a:t>는 오픈 소스로 개발된 기술로써 </a:t>
+            </a:r>
+            <a:r>
+              <a:rPr lang="ko-KR" altLang="ko-KR" sz="1200" kern="1200" dirty="0" smtClean="0">
+                <a:solidFill>
+                  <a:schemeClr val="tx1"/>
+                </a:solidFill>
+                <a:latin typeface="Arial" charset="0"/>
+                <a:ea typeface="+mn-ea"/>
+                <a:cs typeface="+mn-cs"/>
+              </a:rPr>
+              <a:t>내 컴퓨터에 연결된 </a:t>
+            </a:r>
+            <a:r>
+              <a:rPr lang="en-US" altLang="ko-KR" sz="1200" kern="1200" dirty="0" smtClean="0">
+                <a:solidFill>
+                  <a:schemeClr val="tx1"/>
+                </a:solidFill>
+                <a:latin typeface="Arial" charset="0"/>
+                <a:ea typeface="+mn-ea"/>
+                <a:cs typeface="+mn-cs"/>
+              </a:rPr>
               <a:t>USB</a:t>
             </a:r>
             <a:r>
+              <a:rPr lang="ko-KR" altLang="ko-KR" sz="1200" kern="1200" dirty="0" smtClean="0">
+                <a:solidFill>
+                  <a:schemeClr val="tx1"/>
+                </a:solidFill>
+                <a:latin typeface="Arial" charset="0"/>
+                <a:ea typeface="+mn-ea"/>
+                <a:cs typeface="+mn-cs"/>
+              </a:rPr>
+              <a:t>장치를 무선으로 다른 사람의 컴퓨터에서 </a:t>
+            </a:r>
+            <a:r>
+              <a:rPr lang="en-US" altLang="ko-KR" sz="1200" kern="1200" dirty="0" smtClean="0">
+                <a:solidFill>
+                  <a:schemeClr val="tx1"/>
+                </a:solidFill>
+                <a:latin typeface="Arial" charset="0"/>
+                <a:ea typeface="+mn-ea"/>
+                <a:cs typeface="+mn-cs"/>
+              </a:rPr>
+              <a:t>USB</a:t>
+            </a:r>
+            <a:r>
               <a:rPr lang="ko-KR" altLang="en-US" sz="1200" kern="1200" dirty="0" smtClean="0">
                 <a:solidFill>
                   <a:schemeClr val="tx1"/>
@@ -4389,7 +3963,18 @@
                 <a:ea typeface="+mn-ea"/>
                 <a:cs typeface="+mn-cs"/>
               </a:rPr>
-              <a:t>는 많은 사람들이 사용하는 </a:t>
+              <a:t>장치가 직접 연결된 것처럼 </a:t>
+            </a:r>
+            <a:r>
+              <a:rPr lang="ko-KR" altLang="ko-KR" sz="1200" kern="1200" dirty="0" smtClean="0">
+                <a:solidFill>
+                  <a:schemeClr val="tx1"/>
+                </a:solidFill>
+                <a:latin typeface="Arial" charset="0"/>
+                <a:ea typeface="+mn-ea"/>
+                <a:cs typeface="+mn-cs"/>
+              </a:rPr>
+              <a:t>사용할 수 있는 기술입니다</a:t>
             </a:r>
             <a:r>
               <a:rPr lang="en-US" altLang="ko-KR" sz="1200" kern="1200" dirty="0" smtClean="0">
@@ -4400,18 +3985,18 @@
                 <a:ea typeface="+mn-ea"/>
                 <a:cs typeface="+mn-cs"/>
               </a:rPr>
-              <a:t>USB</a:t>
-            </a:r>
-            <a:r>
-              <a:rPr lang="ko-KR" altLang="ko-KR" sz="1200" kern="1200" dirty="0" smtClean="0">
-                <a:solidFill>
-                  <a:schemeClr val="tx1"/>
-                </a:solidFill>
-                <a:latin typeface="Arial" charset="0"/>
-                <a:ea typeface="+mn-ea"/>
-                <a:cs typeface="+mn-cs"/>
-              </a:rPr>
-              <a:t>메모리</a:t>
+              <a:t>. (</a:t>
+            </a:r>
+            <a:r>
+              <a:rPr lang="ko-KR" altLang="en-US" sz="1200" kern="1200" dirty="0" smtClean="0">
+                <a:solidFill>
+                  <a:schemeClr val="tx1"/>
+                </a:solidFill>
+                <a:latin typeface="Arial" charset="0"/>
+                <a:ea typeface="+mn-ea"/>
+                <a:cs typeface="+mn-cs"/>
+              </a:rPr>
+              <a:t>천천히</a:t>
             </a:r>
             <a:r>
               <a:rPr lang="en-US" altLang="ko-KR" sz="1200" kern="1200" dirty="0" smtClean="0">
@@ -4422,238 +4007,7 @@
                 <a:ea typeface="+mn-ea"/>
                 <a:cs typeface="+mn-cs"/>
               </a:rPr>
-              <a:t>, </a:t>
-            </a:r>
-            <a:r>
-              <a:rPr lang="ko-KR" altLang="ko-KR" sz="1200" kern="1200" dirty="0" smtClean="0">
-                <a:solidFill>
-                  <a:schemeClr val="tx1"/>
-                </a:solidFill>
-                <a:latin typeface="Arial" charset="0"/>
-                <a:ea typeface="+mn-ea"/>
-                <a:cs typeface="+mn-cs"/>
-              </a:rPr>
-              <a:t>마우스</a:t>
-            </a:r>
-            <a:r>
-              <a:rPr lang="en-US" altLang="ko-KR" sz="1200" kern="1200" dirty="0" smtClean="0">
-                <a:solidFill>
-                  <a:schemeClr val="tx1"/>
-                </a:solidFill>
-                <a:latin typeface="Arial" charset="0"/>
-                <a:ea typeface="+mn-ea"/>
-                <a:cs typeface="+mn-cs"/>
-              </a:rPr>
-              <a:t>, </a:t>
-            </a:r>
-            <a:r>
-              <a:rPr lang="ko-KR" altLang="ko-KR" sz="1200" kern="1200" dirty="0" smtClean="0">
-                <a:solidFill>
-                  <a:schemeClr val="tx1"/>
-                </a:solidFill>
-                <a:latin typeface="Arial" charset="0"/>
-                <a:ea typeface="+mn-ea"/>
-                <a:cs typeface="+mn-cs"/>
-              </a:rPr>
-              <a:t>키보드</a:t>
-            </a:r>
-            <a:r>
-              <a:rPr lang="en-US" altLang="ko-KR" sz="1200" kern="1200" dirty="0" smtClean="0">
-                <a:solidFill>
-                  <a:schemeClr val="tx1"/>
-                </a:solidFill>
-                <a:latin typeface="Arial" charset="0"/>
-                <a:ea typeface="+mn-ea"/>
-                <a:cs typeface="+mn-cs"/>
-              </a:rPr>
-              <a:t>,</a:t>
-            </a:r>
-            <a:r>
-              <a:rPr lang="ko-KR" altLang="en-US" sz="1200" kern="1200" baseline="0" dirty="0" smtClean="0">
-                <a:solidFill>
-                  <a:schemeClr val="tx1"/>
-                </a:solidFill>
-                <a:latin typeface="Arial" charset="0"/>
-                <a:ea typeface="+mn-ea"/>
-                <a:cs typeface="+mn-cs"/>
-              </a:rPr>
-              <a:t> 프린터뿐만 아니라</a:t>
-            </a:r>
-            <a:r>
-              <a:rPr lang="ko-KR" altLang="ko-KR" sz="1200" kern="1200" dirty="0" smtClean="0">
-                <a:solidFill>
-                  <a:schemeClr val="tx1"/>
-                </a:solidFill>
-                <a:latin typeface="Arial" charset="0"/>
-                <a:ea typeface="+mn-ea"/>
-                <a:cs typeface="+mn-cs"/>
-              </a:rPr>
-              <a:t> </a:t>
-            </a:r>
-            <a:r>
-              <a:rPr lang="ko-KR" altLang="en-US" sz="1200" kern="1200" dirty="0" smtClean="0">
-                <a:solidFill>
-                  <a:schemeClr val="tx1"/>
-                </a:solidFill>
-                <a:latin typeface="Arial" charset="0"/>
-                <a:ea typeface="+mn-ea"/>
-                <a:cs typeface="+mn-cs"/>
-              </a:rPr>
-              <a:t>의료장비</a:t>
-            </a:r>
-            <a:r>
-              <a:rPr lang="en-US" altLang="ko-KR" sz="1200" kern="1200" dirty="0" smtClean="0">
-                <a:solidFill>
-                  <a:schemeClr val="tx1"/>
-                </a:solidFill>
-                <a:latin typeface="Arial" charset="0"/>
-                <a:ea typeface="+mn-ea"/>
-                <a:cs typeface="+mn-cs"/>
-              </a:rPr>
-              <a:t>, </a:t>
-            </a:r>
-            <a:r>
-              <a:rPr lang="ko-KR" altLang="en-US" sz="1200" kern="1200" dirty="0" smtClean="0">
-                <a:solidFill>
-                  <a:schemeClr val="tx1"/>
-                </a:solidFill>
-                <a:latin typeface="Arial" charset="0"/>
-                <a:ea typeface="+mn-ea"/>
-                <a:cs typeface="+mn-cs"/>
-              </a:rPr>
-              <a:t>산업장비</a:t>
-            </a:r>
-            <a:r>
-              <a:rPr lang="en-US" altLang="ko-KR" sz="1200" kern="1200" dirty="0" smtClean="0">
-                <a:solidFill>
-                  <a:schemeClr val="tx1"/>
-                </a:solidFill>
-                <a:latin typeface="Arial" charset="0"/>
-                <a:ea typeface="+mn-ea"/>
-                <a:cs typeface="+mn-cs"/>
-              </a:rPr>
-              <a:t>,</a:t>
-            </a:r>
-            <a:r>
-              <a:rPr lang="ko-KR" altLang="ko-KR" sz="1200" kern="1200" dirty="0" smtClean="0">
-                <a:solidFill>
-                  <a:schemeClr val="tx1"/>
-                </a:solidFill>
-                <a:latin typeface="Arial" charset="0"/>
-                <a:ea typeface="+mn-ea"/>
-                <a:cs typeface="+mn-cs"/>
-              </a:rPr>
-              <a:t> </a:t>
-            </a:r>
-            <a:r>
-              <a:rPr lang="ko-KR" altLang="en-US" sz="1200" kern="1200" dirty="0" smtClean="0">
-                <a:solidFill>
-                  <a:schemeClr val="tx1"/>
-                </a:solidFill>
-                <a:latin typeface="Arial" charset="0"/>
-                <a:ea typeface="+mn-ea"/>
-                <a:cs typeface="+mn-cs"/>
-              </a:rPr>
-              <a:t>아래 사진과 같은 다양한 </a:t>
-            </a:r>
-            <a:r>
-              <a:rPr lang="en-US" altLang="ko-KR" sz="1200" kern="1200" dirty="0" smtClean="0">
-                <a:solidFill>
-                  <a:schemeClr val="tx1"/>
-                </a:solidFill>
-                <a:latin typeface="Arial" charset="0"/>
-                <a:ea typeface="+mn-ea"/>
-                <a:cs typeface="+mn-cs"/>
-              </a:rPr>
-              <a:t>USB</a:t>
-            </a:r>
-            <a:r>
-              <a:rPr lang="ko-KR" altLang="en-US" sz="1200" kern="1200" dirty="0" smtClean="0">
-                <a:solidFill>
-                  <a:schemeClr val="tx1"/>
-                </a:solidFill>
-                <a:latin typeface="Arial" charset="0"/>
-                <a:ea typeface="+mn-ea"/>
-                <a:cs typeface="+mn-cs"/>
-              </a:rPr>
-              <a:t>기기들이 존재 합니다</a:t>
-            </a:r>
-            <a:r>
-              <a:rPr lang="en-US" altLang="ko-KR" sz="1200" kern="1200" dirty="0" smtClean="0">
-                <a:solidFill>
-                  <a:schemeClr val="tx1"/>
-                </a:solidFill>
-                <a:latin typeface="Arial" charset="0"/>
-                <a:ea typeface="+mn-ea"/>
-                <a:cs typeface="+mn-cs"/>
-              </a:rPr>
-              <a:t>. </a:t>
-            </a:r>
-            <a:r>
-              <a:rPr lang="ko-KR" altLang="en-US" sz="1200" kern="1200" dirty="0" smtClean="0">
-                <a:solidFill>
-                  <a:schemeClr val="tx1"/>
-                </a:solidFill>
-                <a:latin typeface="Arial" charset="0"/>
-                <a:ea typeface="+mn-ea"/>
-                <a:cs typeface="+mn-cs"/>
-              </a:rPr>
-              <a:t>이것은 앞 슬라이드에서 설명 드렸듯이 많은 </a:t>
-            </a:r>
-            <a:r>
-              <a:rPr lang="en-US" altLang="ko-KR" sz="1200" kern="1200" dirty="0" smtClean="0">
-                <a:solidFill>
-                  <a:schemeClr val="tx1"/>
-                </a:solidFill>
-                <a:latin typeface="Arial" charset="0"/>
-                <a:ea typeface="+mn-ea"/>
-                <a:cs typeface="+mn-cs"/>
-              </a:rPr>
-              <a:t>USB</a:t>
-            </a:r>
-            <a:r>
-              <a:rPr lang="ko-KR" altLang="en-US" sz="1200" kern="1200" dirty="0" smtClean="0">
-                <a:solidFill>
-                  <a:schemeClr val="tx1"/>
-                </a:solidFill>
-                <a:latin typeface="Arial" charset="0"/>
-                <a:ea typeface="+mn-ea"/>
-                <a:cs typeface="+mn-cs"/>
-              </a:rPr>
-              <a:t>의 장점이 있기 때문에 </a:t>
-            </a:r>
-            <a:r>
-              <a:rPr lang="en-US" altLang="ko-KR" sz="1200" kern="1200" dirty="0" smtClean="0">
-                <a:solidFill>
-                  <a:schemeClr val="tx1"/>
-                </a:solidFill>
-                <a:latin typeface="Arial" charset="0"/>
-                <a:ea typeface="+mn-ea"/>
-                <a:cs typeface="+mn-cs"/>
-              </a:rPr>
-              <a:t>USB</a:t>
-            </a:r>
-            <a:r>
-              <a:rPr lang="ko-KR" altLang="en-US" sz="1200" kern="1200" dirty="0" smtClean="0">
-                <a:solidFill>
-                  <a:schemeClr val="tx1"/>
-                </a:solidFill>
-                <a:latin typeface="Arial" charset="0"/>
-                <a:ea typeface="+mn-ea"/>
-                <a:cs typeface="+mn-cs"/>
-              </a:rPr>
-              <a:t>장치들이 보편적으로 사용되는 것입니다</a:t>
-            </a:r>
-            <a:r>
-              <a:rPr lang="en-US" altLang="ko-KR" sz="1200" kern="1200" dirty="0" smtClean="0">
-                <a:solidFill>
-                  <a:schemeClr val="tx1"/>
-                </a:solidFill>
-                <a:latin typeface="Arial" charset="0"/>
-                <a:ea typeface="+mn-ea"/>
-                <a:cs typeface="+mn-cs"/>
-              </a:rPr>
-              <a:t>.</a:t>
+              <a:t>)</a:t>
             </a:r>
             <a:endParaRPr lang="ko-KR" altLang="ko-KR" sz="1200" kern="1200" dirty="0">
               <a:solidFill>
@@ -4744,6 +4098,23 @@
           </a:bodyPr>
           <a:lstStyle/>
           <a:p>
+            <a:pPr marL="0" marR="0" indent="0" algn="just" defTabSz="914400" rtl="0" eaLnBrk="1" fontAlgn="base" latinLnBrk="0" hangingPunct="1">
+              <a:lnSpc>
+                <a:spcPct val="100000"/>
+              </a:lnSpc>
+              <a:spcBef>
+                <a:spcPct val="30000"/>
+              </a:spcBef>
+              <a:spcAft>
+                <a:spcPct val="0"/>
+              </a:spcAft>
+              <a:buClrTx/>
+              <a:buSzTx/>
+              <a:buFontTx/>
+              <a:buNone/>
+              <a:tabLst/>
+              <a:defRPr/>
+            </a:pPr>
             <a:r>
               <a:rPr lang="en-US" altLang="ko-KR" sz="1200" kern="1200" dirty="0" smtClean="0">
                 <a:solidFill>
@@ -4753,53 +4124,229 @@
                 <a:ea typeface="+mn-ea"/>
                 <a:cs typeface="+mn-cs"/>
               </a:rPr>
+              <a:t>USB/IP</a:t>
+            </a:r>
+            <a:r>
+              <a:rPr lang="ko-KR" altLang="en-US" sz="1200" kern="1200" dirty="0" smtClean="0">
+                <a:solidFill>
+                  <a:schemeClr val="tx1"/>
+                </a:solidFill>
+                <a:latin typeface="Arial" charset="0"/>
+                <a:ea typeface="+mn-ea"/>
+                <a:cs typeface="+mn-cs"/>
+              </a:rPr>
+              <a:t>는 서버와 클라이언트로 나뉘어져있는데 서버를 </a:t>
+            </a:r>
+            <a:r>
+              <a:rPr lang="ko-KR" altLang="en-US" sz="1200" kern="1200" dirty="0" err="1" smtClean="0">
+                <a:solidFill>
+                  <a:schemeClr val="tx1"/>
+                </a:solidFill>
+                <a:latin typeface="Arial" charset="0"/>
+                <a:ea typeface="+mn-ea"/>
+                <a:cs typeface="+mn-cs"/>
+              </a:rPr>
+              <a:t>안드로이드</a:t>
+            </a:r>
+            <a:r>
+              <a:rPr lang="ko-KR" altLang="en-US" sz="1200" kern="1200" dirty="0" smtClean="0">
+                <a:solidFill>
+                  <a:schemeClr val="tx1"/>
+                </a:solidFill>
+                <a:latin typeface="Arial" charset="0"/>
+                <a:ea typeface="+mn-ea"/>
+                <a:cs typeface="+mn-cs"/>
+              </a:rPr>
+              <a:t> </a:t>
+            </a:r>
+            <a:r>
+              <a:rPr lang="ko-KR" altLang="en-US" sz="1200" kern="1200" dirty="0" err="1" smtClean="0">
+                <a:solidFill>
+                  <a:schemeClr val="tx1"/>
+                </a:solidFill>
+                <a:latin typeface="Arial" charset="0"/>
+                <a:ea typeface="+mn-ea"/>
+                <a:cs typeface="+mn-cs"/>
+              </a:rPr>
+              <a:t>스마트폰에</a:t>
+            </a:r>
+            <a:r>
+              <a:rPr lang="ko-KR" altLang="en-US" sz="1200" kern="1200" dirty="0" smtClean="0">
+                <a:solidFill>
+                  <a:schemeClr val="tx1"/>
+                </a:solidFill>
+                <a:latin typeface="Arial" charset="0"/>
+                <a:ea typeface="+mn-ea"/>
+                <a:cs typeface="+mn-cs"/>
+              </a:rPr>
+              <a:t> 포팅하고</a:t>
+            </a:r>
+            <a:r>
+              <a:rPr lang="en-US" altLang="ko-KR" sz="1200" kern="1200" dirty="0" smtClean="0">
+                <a:solidFill>
+                  <a:schemeClr val="tx1"/>
+                </a:solidFill>
+                <a:latin typeface="Arial" charset="0"/>
+                <a:ea typeface="+mn-ea"/>
+                <a:cs typeface="+mn-cs"/>
+              </a:rPr>
+              <a:t>, </a:t>
+            </a:r>
+            <a:r>
+              <a:rPr lang="ko-KR" altLang="en-US" sz="1200" kern="1200" dirty="0" smtClean="0">
+                <a:solidFill>
+                  <a:schemeClr val="tx1"/>
+                </a:solidFill>
+                <a:latin typeface="Arial" charset="0"/>
+                <a:ea typeface="+mn-ea"/>
+                <a:cs typeface="+mn-cs"/>
+              </a:rPr>
+              <a:t>어플리케이션을 </a:t>
+            </a:r>
+            <a:r>
+              <a:rPr lang="en-US" altLang="ko-KR" sz="1200" kern="1200" dirty="0" smtClean="0">
+                <a:solidFill>
+                  <a:schemeClr val="tx1"/>
+                </a:solidFill>
+                <a:latin typeface="Arial" charset="0"/>
+                <a:ea typeface="+mn-ea"/>
+                <a:cs typeface="+mn-cs"/>
+              </a:rPr>
+              <a:t>USB</a:t>
+            </a:r>
+            <a:r>
+              <a:rPr lang="ko-KR" altLang="en-US" sz="1200" kern="1200" dirty="0" smtClean="0">
+                <a:solidFill>
+                  <a:schemeClr val="tx1"/>
+                </a:solidFill>
+                <a:latin typeface="Arial" charset="0"/>
+                <a:ea typeface="+mn-ea"/>
+                <a:cs typeface="+mn-cs"/>
+              </a:rPr>
+              <a:t>장치처럼 보이도록 할 </a:t>
+            </a:r>
+            <a:r>
+              <a:rPr lang="en-US" altLang="ko-KR" sz="1200" kern="1200" dirty="0" smtClean="0">
+                <a:solidFill>
+                  <a:schemeClr val="tx1"/>
+                </a:solidFill>
+                <a:latin typeface="Arial" charset="0"/>
+                <a:ea typeface="+mn-ea"/>
+                <a:cs typeface="+mn-cs"/>
+              </a:rPr>
+              <a:t>VHCI</a:t>
+            </a:r>
+            <a:r>
+              <a:rPr lang="ko-KR" altLang="en-US" sz="1200" kern="1200" dirty="0" smtClean="0">
+                <a:solidFill>
+                  <a:schemeClr val="tx1"/>
+                </a:solidFill>
+                <a:latin typeface="Arial" charset="0"/>
+                <a:ea typeface="+mn-ea"/>
+                <a:cs typeface="+mn-cs"/>
+              </a:rPr>
+              <a:t>드라이버를 만들면</a:t>
+            </a:r>
+            <a:r>
+              <a:rPr lang="en-US" altLang="ko-KR" sz="1200" kern="1200" dirty="0" smtClean="0">
+                <a:solidFill>
+                  <a:schemeClr val="tx1"/>
+                </a:solidFill>
+                <a:latin typeface="Arial" charset="0"/>
+                <a:ea typeface="+mn-ea"/>
+                <a:cs typeface="+mn-cs"/>
+              </a:rPr>
+              <a:t>,</a:t>
+            </a:r>
+            <a:r>
+              <a:rPr lang="ko-KR" altLang="en-US" sz="1200" kern="1200" dirty="0" smtClean="0">
+                <a:solidFill>
+                  <a:schemeClr val="tx1"/>
+                </a:solidFill>
+                <a:latin typeface="Arial" charset="0"/>
+                <a:ea typeface="+mn-ea"/>
+                <a:cs typeface="+mn-cs"/>
+              </a:rPr>
+              <a:t> 어플리케이션이 </a:t>
+            </a:r>
+            <a:r>
+              <a:rPr lang="en-US" altLang="ko-KR" sz="1200" kern="1200" dirty="0" smtClean="0">
+                <a:solidFill>
+                  <a:schemeClr val="tx1"/>
+                </a:solidFill>
+                <a:latin typeface="Arial" charset="0"/>
+                <a:ea typeface="+mn-ea"/>
+                <a:cs typeface="+mn-cs"/>
+              </a:rPr>
+              <a:t>USB</a:t>
+            </a:r>
+            <a:r>
+              <a:rPr lang="ko-KR" altLang="en-US" sz="1200" kern="1200" dirty="0" smtClean="0">
+                <a:solidFill>
+                  <a:schemeClr val="tx1"/>
+                </a:solidFill>
+                <a:latin typeface="Arial" charset="0"/>
+                <a:ea typeface="+mn-ea"/>
+                <a:cs typeface="+mn-cs"/>
+              </a:rPr>
+              <a:t>장치로 인식됩니다</a:t>
+            </a:r>
+            <a:r>
+              <a:rPr lang="en-US" altLang="ko-KR" sz="1200" kern="1200" dirty="0" smtClean="0">
+                <a:solidFill>
+                  <a:schemeClr val="tx1"/>
+                </a:solidFill>
+                <a:latin typeface="Arial" charset="0"/>
+                <a:ea typeface="+mn-ea"/>
+                <a:cs typeface="+mn-cs"/>
+              </a:rPr>
+              <a:t>. </a:t>
+            </a:r>
+            <a:r>
+              <a:rPr lang="ko-KR" altLang="en-US" sz="1200" kern="1200" dirty="0" smtClean="0">
+                <a:solidFill>
+                  <a:schemeClr val="tx1"/>
+                </a:solidFill>
+                <a:latin typeface="Arial" charset="0"/>
+                <a:ea typeface="+mn-ea"/>
+                <a:cs typeface="+mn-cs"/>
+              </a:rPr>
+              <a:t>그리고 </a:t>
+            </a:r>
+            <a:r>
+              <a:rPr lang="en-US" altLang="ko-KR" sz="1200" kern="1200" dirty="0" smtClean="0">
+                <a:solidFill>
+                  <a:schemeClr val="tx1"/>
+                </a:solidFill>
+                <a:latin typeface="Arial" charset="0"/>
+                <a:ea typeface="+mn-ea"/>
+                <a:cs typeface="+mn-cs"/>
+              </a:rPr>
+              <a:t>USB/IP</a:t>
+            </a:r>
+            <a:r>
+              <a:rPr lang="ko-KR" altLang="en-US" sz="1200" kern="1200" dirty="0" smtClean="0">
+                <a:solidFill>
+                  <a:schemeClr val="tx1"/>
+                </a:solidFill>
+                <a:latin typeface="Arial" charset="0"/>
+                <a:ea typeface="+mn-ea"/>
+                <a:cs typeface="+mn-cs"/>
+              </a:rPr>
+              <a:t>를 통해 </a:t>
+            </a:r>
+            <a:r>
+              <a:rPr lang="en-US" altLang="ko-KR" sz="1200" kern="1200" dirty="0" smtClean="0">
+                <a:solidFill>
+                  <a:schemeClr val="tx1"/>
+                </a:solidFill>
+                <a:latin typeface="Arial" charset="0"/>
+                <a:ea typeface="+mn-ea"/>
+                <a:cs typeface="+mn-cs"/>
+              </a:rPr>
               <a:t>PC</a:t>
             </a:r>
             <a:r>
-              <a:rPr lang="ko-KR" altLang="ko-KR" sz="1200" kern="1200" dirty="0" smtClean="0">
-                <a:solidFill>
-                  <a:schemeClr val="tx1"/>
-                </a:solidFill>
-                <a:latin typeface="Arial" charset="0"/>
-                <a:ea typeface="+mn-ea"/>
-                <a:cs typeface="+mn-cs"/>
-              </a:rPr>
-              <a:t>와 스마트폰의 연결방법으로는 </a:t>
-            </a:r>
-            <a:r>
-              <a:rPr lang="en-US" altLang="ko-KR" sz="1200" kern="1200" dirty="0" smtClean="0">
-                <a:solidFill>
-                  <a:schemeClr val="tx1"/>
-                </a:solidFill>
-                <a:latin typeface="Arial" charset="0"/>
-                <a:ea typeface="+mn-ea"/>
-                <a:cs typeface="+mn-cs"/>
-              </a:rPr>
-              <a:t>USB/IP</a:t>
-            </a:r>
-            <a:r>
-              <a:rPr lang="ko-KR" altLang="ko-KR" sz="1200" kern="1200" dirty="0" smtClean="0">
-                <a:solidFill>
-                  <a:schemeClr val="tx1"/>
-                </a:solidFill>
-                <a:latin typeface="Arial" charset="0"/>
-                <a:ea typeface="+mn-ea"/>
-                <a:cs typeface="+mn-cs"/>
-              </a:rPr>
-              <a:t>기술을 채택했습니다</a:t>
-            </a:r>
-            <a:r>
-              <a:rPr lang="en-US" altLang="ko-KR" sz="1200" kern="1200" dirty="0" smtClean="0">
-                <a:solidFill>
-                  <a:schemeClr val="tx1"/>
-                </a:solidFill>
-                <a:latin typeface="Arial" charset="0"/>
-                <a:ea typeface="+mn-ea"/>
-                <a:cs typeface="+mn-cs"/>
-              </a:rPr>
-              <a:t>. USB/IP</a:t>
-            </a:r>
-            <a:r>
               <a:rPr lang="ko-KR" altLang="en-US" sz="1200" kern="1200" dirty="0" smtClean="0">
                 <a:solidFill>
                   <a:schemeClr val="tx1"/>
@@ -4808,108 +4355,53 @@
                 <a:ea typeface="+mn-ea"/>
                 <a:cs typeface="+mn-cs"/>
               </a:rPr>
-              <a:t>는 오픈 소스로 개발된 기술로써 </a:t>
-            </a:r>
-            <a:r>
-              <a:rPr lang="ko-KR" altLang="ko-KR" sz="1200" kern="1200" dirty="0" smtClean="0">
-                <a:solidFill>
-                  <a:schemeClr val="tx1"/>
-                </a:solidFill>
-                <a:latin typeface="Arial" charset="0"/>
-                <a:ea typeface="+mn-ea"/>
-                <a:cs typeface="+mn-cs"/>
-              </a:rPr>
-              <a:t>내 컴퓨터에 연결된 </a:t>
-            </a:r>
-            <a:r>
-              <a:rPr lang="en-US" altLang="ko-KR" sz="1200" kern="1200" dirty="0" smtClean="0">
-                <a:solidFill>
-                  <a:schemeClr val="tx1"/>
-                </a:solidFill>
-                <a:latin typeface="Arial" charset="0"/>
-                <a:ea typeface="+mn-ea"/>
-                <a:cs typeface="+mn-cs"/>
-              </a:rPr>
-              <a:t>USB</a:t>
-            </a:r>
-            <a:r>
-              <a:rPr lang="ko-KR" altLang="ko-KR" sz="1200" kern="1200" dirty="0" smtClean="0">
-                <a:solidFill>
-                  <a:schemeClr val="tx1"/>
-                </a:solidFill>
-                <a:latin typeface="Arial" charset="0"/>
-                <a:ea typeface="+mn-ea"/>
-                <a:cs typeface="+mn-cs"/>
-              </a:rPr>
-              <a:t>장치를 무선으로 다른 사람의 컴퓨터에서 </a:t>
-            </a:r>
-            <a:r>
-              <a:rPr lang="en-US" altLang="ko-KR" sz="1200" kern="1200" dirty="0" smtClean="0">
-                <a:solidFill>
-                  <a:schemeClr val="tx1"/>
-                </a:solidFill>
-                <a:latin typeface="Arial" charset="0"/>
-                <a:ea typeface="+mn-ea"/>
-                <a:cs typeface="+mn-cs"/>
-              </a:rPr>
-              <a:t>USB</a:t>
-            </a:r>
-            <a:r>
-              <a:rPr lang="ko-KR" altLang="en-US" sz="1200" kern="1200" dirty="0" smtClean="0">
-                <a:solidFill>
-                  <a:schemeClr val="tx1"/>
-                </a:solidFill>
-                <a:latin typeface="Arial" charset="0"/>
-                <a:ea typeface="+mn-ea"/>
-                <a:cs typeface="+mn-cs"/>
-              </a:rPr>
-              <a:t>장치가 직접 연결된 것처럼 </a:t>
-            </a:r>
-            <a:r>
-              <a:rPr lang="ko-KR" altLang="ko-KR" sz="1200" kern="1200" dirty="0" smtClean="0">
-                <a:solidFill>
-                  <a:schemeClr val="tx1"/>
-                </a:solidFill>
-                <a:latin typeface="Arial" charset="0"/>
-                <a:ea typeface="+mn-ea"/>
-                <a:cs typeface="+mn-cs"/>
-              </a:rPr>
-              <a:t>사용할 수 있는 기술입니다</a:t>
-            </a:r>
-            <a:r>
-              <a:rPr lang="en-US" altLang="ko-KR" sz="1200" kern="1200" dirty="0" smtClean="0">
-                <a:solidFill>
-                  <a:schemeClr val="tx1"/>
-                </a:solidFill>
-                <a:latin typeface="Arial" charset="0"/>
-                <a:ea typeface="+mn-ea"/>
-                <a:cs typeface="+mn-cs"/>
-              </a:rPr>
-              <a:t>. (</a:t>
-            </a:r>
-            <a:r>
-              <a:rPr lang="ko-KR" altLang="en-US" sz="1200" kern="1200" dirty="0" smtClean="0">
-                <a:solidFill>
-                  <a:schemeClr val="tx1"/>
-                </a:solidFill>
-                <a:latin typeface="Arial" charset="0"/>
-                <a:ea typeface="+mn-ea"/>
-                <a:cs typeface="+mn-cs"/>
-              </a:rPr>
-              <a:t>천천히</a:t>
-            </a:r>
-            <a:r>
-              <a:rPr lang="en-US" altLang="ko-KR" sz="1200" kern="1200" dirty="0" smtClean="0">
-                <a:solidFill>
-                  <a:schemeClr val="tx1"/>
-                </a:solidFill>
-                <a:latin typeface="Arial" charset="0"/>
-                <a:ea typeface="+mn-ea"/>
-                <a:cs typeface="+mn-cs"/>
-              </a:rPr>
-              <a:t>)</a:t>
-            </a:r>
-            <a:endParaRPr lang="ko-KR" altLang="ko-KR" sz="1200" kern="1200" dirty="0">
+              <a:t>에</a:t>
+            </a:r>
+            <a:r>
+              <a:rPr lang="ko-KR" altLang="en-US" sz="1200" kern="1200" baseline="0" dirty="0" smtClean="0">
+                <a:solidFill>
+                  <a:schemeClr val="tx1"/>
+                </a:solidFill>
+                <a:latin typeface="Arial" charset="0"/>
+                <a:ea typeface="+mn-ea"/>
+                <a:cs typeface="+mn-cs"/>
+              </a:rPr>
+              <a:t> 연결되서 </a:t>
+            </a:r>
+            <a:r>
+              <a:rPr lang="ko-KR" altLang="en-US" sz="1200" kern="1200" baseline="0" dirty="0" err="1" smtClean="0">
+                <a:solidFill>
+                  <a:schemeClr val="tx1"/>
+                </a:solidFill>
+                <a:latin typeface="Arial" charset="0"/>
+                <a:ea typeface="+mn-ea"/>
+                <a:cs typeface="+mn-cs"/>
+              </a:rPr>
+              <a:t>스마트폰의</a:t>
+            </a:r>
+            <a:r>
+              <a:rPr lang="ko-KR" altLang="en-US" sz="1200" kern="1200" baseline="0" dirty="0" smtClean="0">
+                <a:solidFill>
+                  <a:schemeClr val="tx1"/>
+                </a:solidFill>
+                <a:latin typeface="Arial" charset="0"/>
+                <a:ea typeface="+mn-ea"/>
+                <a:cs typeface="+mn-cs"/>
+              </a:rPr>
+              <a:t> 어플리케이션을 사용할 수 있습니다</a:t>
+            </a:r>
+            <a:r>
+              <a:rPr lang="en-US" altLang="ko-KR" sz="1200" kern="1200" baseline="0" dirty="0" smtClean="0">
+                <a:solidFill>
+                  <a:schemeClr val="tx1"/>
+                </a:solidFill>
+                <a:latin typeface="Arial" charset="0"/>
+                <a:ea typeface="+mn-ea"/>
+                <a:cs typeface="+mn-cs"/>
+              </a:rPr>
+              <a:t>..</a:t>
+            </a:r>
+            <a:endParaRPr lang="ko-KR" altLang="en-US" sz="1200" kern="1200" dirty="0" smtClean="0">
               <a:solidFill>
                 <a:schemeClr val="tx1"/>
               </a:solidFill>
@@ -5016,6 +4508,17 @@
               <a:defRPr/>
             </a:pPr>
             <a:r>
+              <a:rPr lang="ko-KR" altLang="en-US" sz="1200" kern="1200" dirty="0" smtClean="0">
+                <a:solidFill>
+                  <a:schemeClr val="tx1"/>
+                </a:solidFill>
+                <a:latin typeface="Arial" charset="0"/>
+                <a:ea typeface="+mn-ea"/>
+                <a:cs typeface="+mn-cs"/>
+              </a:rPr>
+              <a:t>예를 들어 좌측이 윈도우 어플리케이션에 </a:t>
+            </a:r>
+            <a:r>
               <a:rPr lang="en-US" altLang="ko-KR" sz="1200" kern="1200" dirty="0" smtClean="0">
                 <a:solidFill>
                   <a:schemeClr val="tx1"/>
@@ -5024,6 +4527,160 @@
                 <a:ea typeface="+mn-ea"/>
                 <a:cs typeface="+mn-cs"/>
               </a:rPr>
+              <a:t>USB</a:t>
+            </a:r>
+            <a:r>
+              <a:rPr lang="ko-KR" altLang="en-US" sz="1200" kern="1200" dirty="0" smtClean="0">
+                <a:solidFill>
+                  <a:schemeClr val="tx1"/>
+                </a:solidFill>
+                <a:latin typeface="Arial" charset="0"/>
+                <a:ea typeface="+mn-ea"/>
+                <a:cs typeface="+mn-cs"/>
+              </a:rPr>
+              <a:t>카메라를 연결한 모습이라면</a:t>
+            </a:r>
+            <a:r>
+              <a:rPr lang="en-US" altLang="ko-KR" sz="1200" kern="1200" dirty="0" smtClean="0">
+                <a:solidFill>
+                  <a:schemeClr val="tx1"/>
+                </a:solidFill>
+                <a:latin typeface="Arial" charset="0"/>
+                <a:ea typeface="+mn-ea"/>
+                <a:cs typeface="+mn-cs"/>
+              </a:rPr>
+              <a:t>, </a:t>
+            </a:r>
+            <a:r>
+              <a:rPr lang="ko-KR" altLang="en-US" sz="1200" kern="1200" dirty="0" smtClean="0">
+                <a:solidFill>
+                  <a:schemeClr val="tx1"/>
+                </a:solidFill>
+                <a:latin typeface="Arial" charset="0"/>
+                <a:ea typeface="+mn-ea"/>
+                <a:cs typeface="+mn-cs"/>
+              </a:rPr>
+              <a:t>우측</a:t>
+            </a:r>
+            <a:r>
+              <a:rPr lang="ko-KR" altLang="en-US" sz="1200" kern="1200" baseline="0" dirty="0" smtClean="0">
+                <a:solidFill>
+                  <a:schemeClr val="tx1"/>
+                </a:solidFill>
+                <a:latin typeface="Arial" charset="0"/>
+                <a:ea typeface="+mn-ea"/>
+                <a:cs typeface="+mn-cs"/>
+              </a:rPr>
+              <a:t>에서 </a:t>
+            </a:r>
+            <a:r>
+              <a:rPr lang="ko-KR" altLang="en-US" sz="1200" kern="1200" baseline="0" dirty="0" err="1" smtClean="0">
+                <a:solidFill>
+                  <a:schemeClr val="tx1"/>
+                </a:solidFill>
+                <a:latin typeface="Arial" charset="0"/>
+                <a:ea typeface="+mn-ea"/>
+                <a:cs typeface="+mn-cs"/>
+              </a:rPr>
+              <a:t>스마트폰의</a:t>
+            </a:r>
+            <a:r>
+              <a:rPr lang="ko-KR" altLang="en-US" sz="1200" kern="1200" baseline="0" dirty="0" smtClean="0">
+                <a:solidFill>
+                  <a:schemeClr val="tx1"/>
+                </a:solidFill>
+                <a:latin typeface="Arial" charset="0"/>
+                <a:ea typeface="+mn-ea"/>
+                <a:cs typeface="+mn-cs"/>
+              </a:rPr>
+              <a:t> </a:t>
+            </a:r>
+            <a:r>
+              <a:rPr lang="ko-KR" altLang="en-US" sz="1200" kern="1200" dirty="0" smtClean="0">
+                <a:solidFill>
+                  <a:schemeClr val="tx1"/>
+                </a:solidFill>
+                <a:latin typeface="Arial" charset="0"/>
+                <a:ea typeface="+mn-ea"/>
+                <a:cs typeface="+mn-cs"/>
+              </a:rPr>
+              <a:t>카메라 어플리케이션도 </a:t>
+            </a:r>
+            <a:r>
+              <a:rPr lang="en-US" altLang="ko-KR" sz="1200" kern="1200" dirty="0" smtClean="0">
+                <a:solidFill>
+                  <a:schemeClr val="tx1"/>
+                </a:solidFill>
+                <a:latin typeface="Arial" charset="0"/>
+                <a:ea typeface="+mn-ea"/>
+                <a:cs typeface="+mn-cs"/>
+              </a:rPr>
+              <a:t>VHCI</a:t>
+            </a:r>
+            <a:r>
+              <a:rPr lang="ko-KR" altLang="en-US" sz="1200" kern="1200" dirty="0" smtClean="0">
+                <a:solidFill>
+                  <a:schemeClr val="tx1"/>
+                </a:solidFill>
+                <a:latin typeface="Arial" charset="0"/>
+                <a:ea typeface="+mn-ea"/>
+                <a:cs typeface="+mn-cs"/>
+              </a:rPr>
+              <a:t>드라이버를 통해 </a:t>
+            </a:r>
+            <a:r>
+              <a:rPr lang="en-US" altLang="ko-KR" sz="1200" kern="1200" dirty="0" smtClean="0">
+                <a:solidFill>
+                  <a:schemeClr val="tx1"/>
+                </a:solidFill>
+                <a:latin typeface="Arial" charset="0"/>
+                <a:ea typeface="+mn-ea"/>
+                <a:cs typeface="+mn-cs"/>
+              </a:rPr>
+              <a:t>USB</a:t>
+            </a:r>
+            <a:r>
+              <a:rPr lang="ko-KR" altLang="en-US" sz="1200" kern="1200" dirty="0" smtClean="0">
+                <a:solidFill>
+                  <a:schemeClr val="tx1"/>
+                </a:solidFill>
+                <a:latin typeface="Arial" charset="0"/>
+                <a:ea typeface="+mn-ea"/>
+                <a:cs typeface="+mn-cs"/>
+              </a:rPr>
+              <a:t>장치로 인식되고</a:t>
+            </a:r>
+            <a:r>
+              <a:rPr lang="en-US" altLang="ko-KR" sz="1200" kern="1200" dirty="0" smtClean="0">
+                <a:solidFill>
+                  <a:schemeClr val="tx1"/>
+                </a:solidFill>
+                <a:latin typeface="Arial" charset="0"/>
+                <a:ea typeface="+mn-ea"/>
+                <a:cs typeface="+mn-cs"/>
+              </a:rPr>
+              <a:t>,</a:t>
+            </a:r>
+            <a:r>
+              <a:rPr lang="ko-KR" altLang="en-US" sz="1200" kern="1200" dirty="0" smtClean="0">
+                <a:solidFill>
+                  <a:schemeClr val="tx1"/>
+                </a:solidFill>
+                <a:latin typeface="Arial" charset="0"/>
+                <a:ea typeface="+mn-ea"/>
+                <a:cs typeface="+mn-cs"/>
+              </a:rPr>
+              <a:t> </a:t>
+            </a:r>
+            <a:r>
+              <a:rPr lang="en-US" altLang="ko-KR" sz="1200" kern="1200" dirty="0" smtClean="0">
+                <a:solidFill>
+                  <a:schemeClr val="tx1"/>
+                </a:solidFill>
+                <a:latin typeface="Arial" charset="0"/>
+                <a:ea typeface="+mn-ea"/>
+                <a:cs typeface="+mn-cs"/>
+              </a:rPr>
               <a:t>USB/IP</a:t>
             </a:r>
             <a:r>
@@ -5035,18 +4692,40 @@
                 <a:ea typeface="+mn-ea"/>
                 <a:cs typeface="+mn-cs"/>
               </a:rPr>
-              <a:t>는 서버와 클라이언트로 나뉘어져있는데 서버를 </a:t>
-            </a:r>
-            <a:r>
-              <a:rPr lang="ko-KR" altLang="en-US" sz="1200" kern="1200" dirty="0" err="1" smtClean="0">
-                <a:solidFill>
-                  <a:schemeClr val="tx1"/>
-                </a:solidFill>
-                <a:latin typeface="Arial" charset="0"/>
-                <a:ea typeface="+mn-ea"/>
-                <a:cs typeface="+mn-cs"/>
-              </a:rPr>
-              <a:t>안드로이드</a:t>
+              <a:t>를 거쳐</a:t>
+            </a:r>
+            <a:r>
+              <a:rPr lang="ko-KR" altLang="en-US" sz="1200" kern="1200" baseline="0" dirty="0" smtClean="0">
+                <a:solidFill>
+                  <a:schemeClr val="tx1"/>
+                </a:solidFill>
+                <a:latin typeface="Arial" charset="0"/>
+                <a:ea typeface="+mn-ea"/>
+                <a:cs typeface="+mn-cs"/>
+              </a:rPr>
+              <a:t> 어플리케이션의 수정 없이 </a:t>
+            </a:r>
+            <a:r>
+              <a:rPr lang="en-US" altLang="ko-KR" sz="1200" kern="1200" baseline="0" dirty="0" smtClean="0">
+                <a:solidFill>
+                  <a:schemeClr val="tx1"/>
+                </a:solidFill>
+                <a:latin typeface="Arial" charset="0"/>
+                <a:ea typeface="+mn-ea"/>
+                <a:cs typeface="+mn-cs"/>
+              </a:rPr>
+              <a:t>PC</a:t>
+            </a:r>
+            <a:r>
+              <a:rPr lang="ko-KR" altLang="en-US" sz="1200" kern="1200" baseline="0" dirty="0" smtClean="0">
+                <a:solidFill>
+                  <a:schemeClr val="tx1"/>
+                </a:solidFill>
+                <a:latin typeface="Arial" charset="0"/>
+                <a:ea typeface="+mn-ea"/>
+                <a:cs typeface="+mn-cs"/>
+              </a:rPr>
+              <a:t>에서</a:t>
             </a:r>
             <a:r>
               <a:rPr lang="ko-KR" altLang="en-US" sz="1200" kern="1200" dirty="0" smtClean="0">
@@ -5057,18 +4736,29 @@
                 <a:ea typeface="+mn-ea"/>
                 <a:cs typeface="+mn-cs"/>
               </a:rPr>
-              <a:t> </a:t>
-            </a:r>
-            <a:r>
-              <a:rPr lang="ko-KR" altLang="en-US" sz="1200" kern="1200" dirty="0" err="1" smtClean="0">
-                <a:solidFill>
-                  <a:schemeClr val="tx1"/>
-                </a:solidFill>
-                <a:latin typeface="Arial" charset="0"/>
-                <a:ea typeface="+mn-ea"/>
-                <a:cs typeface="+mn-cs"/>
-              </a:rPr>
-              <a:t>스마트폰에</a:t>
+              <a:t> 좌측과 동일하게 </a:t>
+            </a:r>
+            <a:r>
+              <a:rPr lang="en-US" altLang="ko-KR" sz="1200" kern="1200" dirty="0" smtClean="0">
+                <a:solidFill>
+                  <a:schemeClr val="tx1"/>
+                </a:solidFill>
+                <a:latin typeface="Arial" charset="0"/>
+                <a:ea typeface="+mn-ea"/>
+                <a:cs typeface="+mn-cs"/>
+              </a:rPr>
+              <a:t>USB </a:t>
+            </a:r>
+            <a:r>
+              <a:rPr lang="ko-KR" altLang="en-US" sz="1200" kern="1200" smtClean="0">
+                <a:solidFill>
+                  <a:schemeClr val="tx1"/>
+                </a:solidFill>
+                <a:latin typeface="Arial" charset="0"/>
+                <a:ea typeface="+mn-ea"/>
+                <a:cs typeface="+mn-cs"/>
+              </a:rPr>
+              <a:t>카메라로 인식되는 </a:t>
             </a:r>
             <a:r>
               <a:rPr lang="ko-KR" altLang="en-US" sz="1200" kern="1200" dirty="0" smtClean="0">
@@ -5079,7 +4769,7 @@
                 <a:ea typeface="+mn-ea"/>
                 <a:cs typeface="+mn-cs"/>
               </a:rPr>
-              <a:t> 포팅하고</a:t>
+              <a:t>모습입니다</a:t>
             </a:r>
             <a:r>
               <a:rPr lang="en-US" altLang="ko-KR" sz="1200" kern="1200" dirty="0" smtClean="0">
@@ -5090,216 +4780,7 @@
                 <a:ea typeface="+mn-ea"/>
                 <a:cs typeface="+mn-cs"/>
               </a:rPr>
-              <a:t>, </a:t>
-            </a:r>
-            <a:r>
-              <a:rPr lang="ko-KR" altLang="en-US" sz="1200" kern="1200" dirty="0" smtClean="0">
-                <a:solidFill>
-                  <a:schemeClr val="tx1"/>
-                </a:solidFill>
-                <a:latin typeface="Arial" charset="0"/>
-                <a:ea typeface="+mn-ea"/>
-                <a:cs typeface="+mn-cs"/>
-              </a:rPr>
-              <a:t>어플리케이션을 </a:t>
-            </a:r>
-            <a:r>
-              <a:rPr lang="en-US" altLang="ko-KR" sz="1200" kern="1200" dirty="0" smtClean="0">
-                <a:solidFill>
-                  <a:schemeClr val="tx1"/>
-                </a:solidFill>
-                <a:latin typeface="Arial" charset="0"/>
-                <a:ea typeface="+mn-ea"/>
-                <a:cs typeface="+mn-cs"/>
-              </a:rPr>
-              <a:t>USB</a:t>
-            </a:r>
-            <a:r>
-              <a:rPr lang="ko-KR" altLang="en-US" sz="1200" kern="1200" dirty="0" smtClean="0">
-                <a:solidFill>
-                  <a:schemeClr val="tx1"/>
-                </a:solidFill>
-                <a:latin typeface="Arial" charset="0"/>
-                <a:ea typeface="+mn-ea"/>
-                <a:cs typeface="+mn-cs"/>
-              </a:rPr>
-              <a:t>장치처럼 보이도록 할 </a:t>
-            </a:r>
-            <a:r>
-              <a:rPr lang="en-US" altLang="ko-KR" sz="1200" kern="1200" dirty="0" smtClean="0">
-                <a:solidFill>
-                  <a:schemeClr val="tx1"/>
-                </a:solidFill>
-                <a:latin typeface="Arial" charset="0"/>
-                <a:ea typeface="+mn-ea"/>
-                <a:cs typeface="+mn-cs"/>
-              </a:rPr>
-              <a:t>VHCI</a:t>
-            </a:r>
-            <a:r>
-              <a:rPr lang="ko-KR" altLang="en-US" sz="1200" kern="1200" dirty="0" smtClean="0">
-                <a:solidFill>
-                  <a:schemeClr val="tx1"/>
-                </a:solidFill>
-                <a:latin typeface="Arial" charset="0"/>
-                <a:ea typeface="+mn-ea"/>
-                <a:cs typeface="+mn-cs"/>
-              </a:rPr>
-              <a:t>드라이버를 만들면</a:t>
-            </a:r>
-            <a:r>
-              <a:rPr lang="en-US" altLang="ko-KR" sz="1200" kern="1200" dirty="0" smtClean="0">
-                <a:solidFill>
-                  <a:schemeClr val="tx1"/>
-                </a:solidFill>
-                <a:latin typeface="Arial" charset="0"/>
-                <a:ea typeface="+mn-ea"/>
-                <a:cs typeface="+mn-cs"/>
-              </a:rPr>
-              <a:t>,</a:t>
-            </a:r>
-            <a:r>
-              <a:rPr lang="ko-KR" altLang="en-US" sz="1200" kern="1200" dirty="0" smtClean="0">
-                <a:solidFill>
-                  <a:schemeClr val="tx1"/>
-                </a:solidFill>
-                <a:latin typeface="Arial" charset="0"/>
-                <a:ea typeface="+mn-ea"/>
-                <a:cs typeface="+mn-cs"/>
-              </a:rPr>
-              <a:t> 어플리케이션이 </a:t>
-            </a:r>
-            <a:r>
-              <a:rPr lang="en-US" altLang="ko-KR" sz="1200" kern="1200" dirty="0" smtClean="0">
-                <a:solidFill>
-                  <a:schemeClr val="tx1"/>
-                </a:solidFill>
-                <a:latin typeface="Arial" charset="0"/>
-                <a:ea typeface="+mn-ea"/>
-                <a:cs typeface="+mn-cs"/>
-              </a:rPr>
-              <a:t>USB</a:t>
-            </a:r>
-            <a:r>
-              <a:rPr lang="ko-KR" altLang="en-US" sz="1200" kern="1200" dirty="0" smtClean="0">
-                <a:solidFill>
-                  <a:schemeClr val="tx1"/>
-                </a:solidFill>
-                <a:latin typeface="Arial" charset="0"/>
-                <a:ea typeface="+mn-ea"/>
-                <a:cs typeface="+mn-cs"/>
-              </a:rPr>
-              <a:t>장치로 인식됩니다</a:t>
-            </a:r>
-            <a:r>
-              <a:rPr lang="en-US" altLang="ko-KR" sz="1200" kern="1200" dirty="0" smtClean="0">
-                <a:solidFill>
-                  <a:schemeClr val="tx1"/>
-                </a:solidFill>
-                <a:latin typeface="Arial" charset="0"/>
-                <a:ea typeface="+mn-ea"/>
-                <a:cs typeface="+mn-cs"/>
-              </a:rPr>
-              <a:t>. </a:t>
-            </a:r>
-            <a:r>
-              <a:rPr lang="ko-KR" altLang="en-US" sz="1200" kern="1200" dirty="0" smtClean="0">
-                <a:solidFill>
-                  <a:schemeClr val="tx1"/>
-                </a:solidFill>
-                <a:latin typeface="Arial" charset="0"/>
-                <a:ea typeface="+mn-ea"/>
-                <a:cs typeface="+mn-cs"/>
-              </a:rPr>
-              <a:t>그리고 </a:t>
-            </a:r>
-            <a:r>
-              <a:rPr lang="en-US" altLang="ko-KR" sz="1200" kern="1200" dirty="0" smtClean="0">
-                <a:solidFill>
-                  <a:schemeClr val="tx1"/>
-                </a:solidFill>
-                <a:latin typeface="Arial" charset="0"/>
-                <a:ea typeface="+mn-ea"/>
-                <a:cs typeface="+mn-cs"/>
-              </a:rPr>
-              <a:t>USB/IP</a:t>
-            </a:r>
-            <a:r>
-              <a:rPr lang="ko-KR" altLang="en-US" sz="1200" kern="1200" dirty="0" smtClean="0">
-                <a:solidFill>
-                  <a:schemeClr val="tx1"/>
-                </a:solidFill>
-                <a:latin typeface="Arial" charset="0"/>
-                <a:ea typeface="+mn-ea"/>
-                <a:cs typeface="+mn-cs"/>
-              </a:rPr>
-              <a:t>를 통해 </a:t>
-            </a:r>
-            <a:r>
-              <a:rPr lang="en-US" altLang="ko-KR" sz="1200" kern="1200" dirty="0" smtClean="0">
-                <a:solidFill>
-                  <a:schemeClr val="tx1"/>
-                </a:solidFill>
-                <a:latin typeface="Arial" charset="0"/>
-                <a:ea typeface="+mn-ea"/>
-                <a:cs typeface="+mn-cs"/>
-              </a:rPr>
-              <a:t>PC</a:t>
-            </a:r>
-            <a:r>
-              <a:rPr lang="ko-KR" altLang="en-US" sz="1200" kern="1200" dirty="0" smtClean="0">
-                <a:solidFill>
-                  <a:schemeClr val="tx1"/>
-                </a:solidFill>
-                <a:latin typeface="Arial" charset="0"/>
-                <a:ea typeface="+mn-ea"/>
-                <a:cs typeface="+mn-cs"/>
-              </a:rPr>
-              <a:t>에</a:t>
-            </a:r>
-            <a:r>
-              <a:rPr lang="ko-KR" altLang="en-US" sz="1200" kern="1200" baseline="0" dirty="0" smtClean="0">
-                <a:solidFill>
-                  <a:schemeClr val="tx1"/>
-                </a:solidFill>
-                <a:latin typeface="Arial" charset="0"/>
-                <a:ea typeface="+mn-ea"/>
-                <a:cs typeface="+mn-cs"/>
-              </a:rPr>
-              <a:t> 연결되서 </a:t>
-            </a:r>
-            <a:r>
-              <a:rPr lang="ko-KR" altLang="en-US" sz="1200" kern="1200" baseline="0" dirty="0" err="1" smtClean="0">
-                <a:solidFill>
-                  <a:schemeClr val="tx1"/>
-                </a:solidFill>
-                <a:latin typeface="Arial" charset="0"/>
-                <a:ea typeface="+mn-ea"/>
-                <a:cs typeface="+mn-cs"/>
-              </a:rPr>
-              <a:t>스마트폰의</a:t>
-            </a:r>
-            <a:r>
-              <a:rPr lang="ko-KR" altLang="en-US" sz="1200" kern="1200" baseline="0" dirty="0" smtClean="0">
-                <a:solidFill>
-                  <a:schemeClr val="tx1"/>
-                </a:solidFill>
-                <a:latin typeface="Arial" charset="0"/>
-                <a:ea typeface="+mn-ea"/>
-                <a:cs typeface="+mn-cs"/>
-              </a:rPr>
-              <a:t> 어플리케이션을 사용할 수 있습니다</a:t>
-            </a:r>
-            <a:r>
-              <a:rPr lang="en-US" altLang="ko-KR" sz="1200" kern="1200" baseline="0" dirty="0" smtClean="0">
-                <a:solidFill>
-                  <a:schemeClr val="tx1"/>
-                </a:solidFill>
-                <a:latin typeface="Arial" charset="0"/>
-                <a:ea typeface="+mn-ea"/>
-                <a:cs typeface="+mn-cs"/>
-              </a:rPr>
-              <a:t>..</a:t>
+              <a:t>.</a:t>
             </a:r>
             <a:endParaRPr lang="ko-KR" altLang="en-US" sz="1200" kern="1200" dirty="0" smtClean="0">
               <a:solidFill>
@@ -5309,6 +4790,9 @@
               <a:ea typeface="+mn-ea"/>
               <a:cs typeface="+mn-cs"/>
             </a:endParaRPr>
+          </a:p>
+          <a:p>
+            <a:endParaRPr lang="ko-KR" altLang="en-US" dirty="0"/>
           </a:p>
         </p:txBody>
       </p:sp>
@@ -5408,6 +4892,17 @@
               <a:defRPr/>
             </a:pPr>
             <a:r>
+              <a:rPr lang="en-US" altLang="ko-KR" sz="1200" kern="1200" dirty="0" smtClean="0">
+                <a:solidFill>
+                  <a:schemeClr val="tx1"/>
+                </a:solidFill>
+                <a:latin typeface="Arial" charset="0"/>
+                <a:ea typeface="+mn-ea"/>
+                <a:cs typeface="+mn-cs"/>
+              </a:rPr>
+              <a:t>USB/IP</a:t>
+            </a:r>
+            <a:r>
               <a:rPr lang="ko-KR" altLang="en-US" sz="1200" kern="1200" dirty="0" smtClean="0">
                 <a:solidFill>
                   <a:schemeClr val="tx1"/>
@@ -5416,7 +4911,7 @@
                 <a:ea typeface="+mn-ea"/>
                 <a:cs typeface="+mn-cs"/>
               </a:rPr>
-              <a:t>예를 들어 좌측이 윈도우 어플리케이션에 </a:t>
+              <a:t>를 이용하게 되면 앞에서 예로 든 </a:t>
             </a:r>
             <a:r>
               <a:rPr lang="en-US" altLang="ko-KR" sz="1200" kern="1200" dirty="0" smtClean="0">
@@ -5438,7 +4933,7 @@
                 <a:ea typeface="+mn-ea"/>
                 <a:cs typeface="+mn-cs"/>
               </a:rPr>
-              <a:t>카메라를 연결한 모습이라면</a:t>
+              <a:t>카메라의 경우처럼 기존에 </a:t>
             </a:r>
             <a:r>
               <a:rPr lang="en-US" altLang="ko-KR" sz="1200" kern="1200" dirty="0" smtClean="0">
@@ -5449,7 +4944,7 @@
                 <a:ea typeface="+mn-ea"/>
                 <a:cs typeface="+mn-cs"/>
               </a:rPr>
-              <a:t>, </a:t>
+              <a:t>USB</a:t>
             </a:r>
             <a:r>
               <a:rPr lang="ko-KR" altLang="en-US" sz="1200" kern="1200" dirty="0" smtClean="0">
@@ -5460,40 +4955,18 @@
                 <a:ea typeface="+mn-ea"/>
                 <a:cs typeface="+mn-cs"/>
               </a:rPr>
-              <a:t>우측</a:t>
-            </a:r>
-            <a:r>
-              <a:rPr lang="ko-KR" altLang="en-US" sz="1200" kern="1200" baseline="0" dirty="0" smtClean="0">
-                <a:solidFill>
-                  <a:schemeClr val="tx1"/>
-                </a:solidFill>
-                <a:latin typeface="Arial" charset="0"/>
-                <a:ea typeface="+mn-ea"/>
-                <a:cs typeface="+mn-cs"/>
-              </a:rPr>
-              <a:t>에서 </a:t>
-            </a:r>
-            <a:r>
-              <a:rPr lang="ko-KR" altLang="en-US" sz="1200" kern="1200" baseline="0" dirty="0" err="1" smtClean="0">
-                <a:solidFill>
-                  <a:schemeClr val="tx1"/>
-                </a:solidFill>
-                <a:latin typeface="Arial" charset="0"/>
-                <a:ea typeface="+mn-ea"/>
-                <a:cs typeface="+mn-cs"/>
-              </a:rPr>
-              <a:t>스마트폰의</a:t>
-            </a:r>
-            <a:r>
-              <a:rPr lang="ko-KR" altLang="en-US" sz="1200" kern="1200" baseline="0" dirty="0" smtClean="0">
-                <a:solidFill>
-                  <a:schemeClr val="tx1"/>
-                </a:solidFill>
-                <a:latin typeface="Arial" charset="0"/>
-                <a:ea typeface="+mn-ea"/>
-                <a:cs typeface="+mn-cs"/>
-              </a:rPr>
-              <a:t> </a:t>
+              <a:t> 장치를 사용하던 </a:t>
+            </a:r>
+            <a:r>
+              <a:rPr lang="en-US" altLang="ko-KR" sz="1200" kern="1200" dirty="0" smtClean="0">
+                <a:solidFill>
+                  <a:schemeClr val="tx1"/>
+                </a:solidFill>
+                <a:latin typeface="Arial" charset="0"/>
+                <a:ea typeface="+mn-ea"/>
+                <a:cs typeface="+mn-cs"/>
+              </a:rPr>
+              <a:t>PC</a:t>
             </a:r>
             <a:r>
               <a:rPr lang="ko-KR" altLang="en-US" sz="1200" kern="1200" dirty="0" smtClean="0">
@@ -5504,7 +4977,7 @@
                 <a:ea typeface="+mn-ea"/>
                 <a:cs typeface="+mn-cs"/>
               </a:rPr>
-              <a:t>카메라 어플리케이션도 </a:t>
+              <a:t>용 어플리케이션들을 수정 없이 사용할 수 있다는 장점을 갖습니다</a:t>
             </a:r>
             <a:r>
               <a:rPr lang="en-US" altLang="ko-KR" sz="1200" kern="1200" dirty="0" smtClean="0">
@@ -5515,7 +4988,7 @@
                 <a:ea typeface="+mn-ea"/>
                 <a:cs typeface="+mn-cs"/>
               </a:rPr>
-              <a:t>VHCI</a:t>
+              <a:t>. </a:t>
             </a:r>
             <a:r>
               <a:rPr lang="ko-KR" altLang="en-US" sz="1200" kern="1200" dirty="0" smtClean="0">
@@ -5526,7 +4999,7 @@
                 <a:ea typeface="+mn-ea"/>
                 <a:cs typeface="+mn-cs"/>
               </a:rPr>
-              <a:t>드라이버를 통해 </a:t>
+              <a:t>하지만 </a:t>
             </a:r>
             <a:r>
               <a:rPr lang="en-US" altLang="ko-KR" sz="1200" kern="1200" dirty="0" smtClean="0">
@@ -5537,6 +5010,28 @@
                 <a:ea typeface="+mn-ea"/>
                 <a:cs typeface="+mn-cs"/>
               </a:rPr>
+              <a:t>TCP/IP</a:t>
+            </a:r>
+            <a:r>
+              <a:rPr lang="ko-KR" altLang="en-US" sz="1200" kern="1200" dirty="0" smtClean="0">
+                <a:solidFill>
+                  <a:schemeClr val="tx1"/>
+                </a:solidFill>
+                <a:latin typeface="Arial" charset="0"/>
+                <a:ea typeface="+mn-ea"/>
+                <a:cs typeface="+mn-cs"/>
+              </a:rPr>
+              <a:t>로 연결해서 </a:t>
+            </a:r>
+            <a:r>
+              <a:rPr lang="en-US" altLang="ko-KR" sz="1200" kern="1200" dirty="0" smtClean="0">
+                <a:solidFill>
+                  <a:schemeClr val="tx1"/>
+                </a:solidFill>
+                <a:latin typeface="Arial" charset="0"/>
+                <a:ea typeface="+mn-ea"/>
+                <a:cs typeface="+mn-cs"/>
+              </a:rPr>
               <a:t>USB</a:t>
             </a:r>
             <a:r>
@@ -5548,128 +5043,7 @@
                 <a:ea typeface="+mn-ea"/>
                 <a:cs typeface="+mn-cs"/>
               </a:rPr>
-              <a:t>장치로 인식되고</a:t>
-            </a:r>
-            <a:r>
-              <a:rPr lang="en-US" altLang="ko-KR" sz="1200" kern="1200" dirty="0" smtClean="0">
-                <a:solidFill>
-                  <a:schemeClr val="tx1"/>
-                </a:solidFill>
-                <a:latin typeface="Arial" charset="0"/>
-                <a:ea typeface="+mn-ea"/>
-                <a:cs typeface="+mn-cs"/>
-              </a:rPr>
-              <a:t>,</a:t>
-            </a:r>
-            <a:r>
-              <a:rPr lang="ko-KR" altLang="en-US" sz="1200" kern="1200" dirty="0" smtClean="0">
-                <a:solidFill>
-                  <a:schemeClr val="tx1"/>
-                </a:solidFill>
-                <a:latin typeface="Arial" charset="0"/>
-                <a:ea typeface="+mn-ea"/>
-                <a:cs typeface="+mn-cs"/>
-              </a:rPr>
-              <a:t> </a:t>
-            </a:r>
-            <a:r>
-              <a:rPr lang="en-US" altLang="ko-KR" sz="1200" kern="1200" dirty="0" smtClean="0">
-                <a:solidFill>
-                  <a:schemeClr val="tx1"/>
-                </a:solidFill>
-                <a:latin typeface="Arial" charset="0"/>
-                <a:ea typeface="+mn-ea"/>
-                <a:cs typeface="+mn-cs"/>
-              </a:rPr>
-              <a:t>USB/IP</a:t>
-            </a:r>
-            <a:r>
-              <a:rPr lang="ko-KR" altLang="en-US" sz="1200" kern="1200" dirty="0" smtClean="0">
-                <a:solidFill>
-                  <a:schemeClr val="tx1"/>
-                </a:solidFill>
-                <a:latin typeface="Arial" charset="0"/>
-                <a:ea typeface="+mn-ea"/>
-                <a:cs typeface="+mn-cs"/>
-              </a:rPr>
-              <a:t>를 거쳐</a:t>
-            </a:r>
-            <a:r>
-              <a:rPr lang="ko-KR" altLang="en-US" sz="1200" kern="1200" baseline="0" dirty="0" smtClean="0">
-                <a:solidFill>
-                  <a:schemeClr val="tx1"/>
-                </a:solidFill>
-                <a:latin typeface="Arial" charset="0"/>
-                <a:ea typeface="+mn-ea"/>
-                <a:cs typeface="+mn-cs"/>
-              </a:rPr>
-              <a:t> 어플리케이션의 수정 없이 </a:t>
-            </a:r>
-            <a:r>
-              <a:rPr lang="en-US" altLang="ko-KR" sz="1200" kern="1200" baseline="0" dirty="0" smtClean="0">
-                <a:solidFill>
-                  <a:schemeClr val="tx1"/>
-                </a:solidFill>
-                <a:latin typeface="Arial" charset="0"/>
-                <a:ea typeface="+mn-ea"/>
-                <a:cs typeface="+mn-cs"/>
-              </a:rPr>
-              <a:t>PC</a:t>
-            </a:r>
-            <a:r>
-              <a:rPr lang="ko-KR" altLang="en-US" sz="1200" kern="1200" baseline="0" dirty="0" smtClean="0">
-                <a:solidFill>
-                  <a:schemeClr val="tx1"/>
-                </a:solidFill>
-                <a:latin typeface="Arial" charset="0"/>
-                <a:ea typeface="+mn-ea"/>
-                <a:cs typeface="+mn-cs"/>
-              </a:rPr>
-              <a:t>에서</a:t>
-            </a:r>
-            <a:r>
-              <a:rPr lang="ko-KR" altLang="en-US" sz="1200" kern="1200" dirty="0" smtClean="0">
-                <a:solidFill>
-                  <a:schemeClr val="tx1"/>
-                </a:solidFill>
-                <a:latin typeface="Arial" charset="0"/>
-                <a:ea typeface="+mn-ea"/>
-                <a:cs typeface="+mn-cs"/>
-              </a:rPr>
-              <a:t> 좌측과 동일하게 </a:t>
-            </a:r>
-            <a:r>
-              <a:rPr lang="en-US" altLang="ko-KR" sz="1200" kern="1200" dirty="0" smtClean="0">
-                <a:solidFill>
-                  <a:schemeClr val="tx1"/>
-                </a:solidFill>
-                <a:latin typeface="Arial" charset="0"/>
-                <a:ea typeface="+mn-ea"/>
-                <a:cs typeface="+mn-cs"/>
-              </a:rPr>
-              <a:t>USB </a:t>
-            </a:r>
-            <a:r>
-              <a:rPr lang="ko-KR" altLang="en-US" sz="1200" kern="1200" smtClean="0">
-                <a:solidFill>
-                  <a:schemeClr val="tx1"/>
-                </a:solidFill>
-                <a:latin typeface="Arial" charset="0"/>
-                <a:ea typeface="+mn-ea"/>
-                <a:cs typeface="+mn-cs"/>
-              </a:rPr>
-              <a:t>카메라로 인식되는 </a:t>
-            </a:r>
-            <a:r>
-              <a:rPr lang="ko-KR" altLang="en-US" sz="1200" kern="1200" dirty="0" smtClean="0">
-                <a:solidFill>
-                  <a:schemeClr val="tx1"/>
-                </a:solidFill>
-                <a:latin typeface="Arial" charset="0"/>
-                <a:ea typeface="+mn-ea"/>
-                <a:cs typeface="+mn-cs"/>
-              </a:rPr>
-              <a:t>모습입니다</a:t>
+              <a:t>장치를 사용하려면 어플리케이션을 수정 해야 되는 문제점이 있습니다</a:t>
             </a:r>
             <a:r>
               <a:rPr lang="en-US" altLang="ko-KR" sz="1200" kern="1200" dirty="0" smtClean="0">
@@ -5690,9 +5064,6 @@
               <a:ea typeface="+mn-ea"/>
               <a:cs typeface="+mn-cs"/>
             </a:endParaRPr>
-          </a:p>
-          <a:p>
-            <a:endParaRPr lang="ko-KR" altLang="en-US" dirty="0"/>
           </a:p>
         </p:txBody>
       </p:sp>
@@ -5800,7 +5171,7 @@
                 <a:ea typeface="+mn-ea"/>
                 <a:cs typeface="+mn-cs"/>
               </a:rPr>
-              <a:t>USB/IP</a:t>
+              <a:t>Android-USB </a:t>
             </a:r>
             <a:r>
               <a:rPr lang="ko-KR" altLang="en-US" sz="1200" kern="1200" dirty="0" smtClean="0">
@@ -5811,7 +5182,7 @@
                 <a:ea typeface="+mn-ea"/>
                 <a:cs typeface="+mn-cs"/>
               </a:rPr>
-              <a:t>를 이용하게 되면 앞에서 예로 든 </a:t>
+              <a:t>프로젝트를 활용해서</a:t>
             </a:r>
             <a:r>
               <a:rPr lang="en-US" altLang="ko-KR" sz="1200" kern="1200" dirty="0" smtClean="0">
@@ -5822,7 +5193,7 @@
                 <a:ea typeface="+mn-ea"/>
                 <a:cs typeface="+mn-cs"/>
               </a:rPr>
-              <a:t>USB</a:t>
+              <a:t> PC</a:t>
             </a:r>
             <a:r>
               <a:rPr lang="ko-KR" altLang="en-US" sz="1200" kern="1200" dirty="0" smtClean="0">
@@ -5833,7 +5204,18 @@
                 <a:ea typeface="+mn-ea"/>
                 <a:cs typeface="+mn-cs"/>
               </a:rPr>
-              <a:t>카메라의 경우처럼 기존에 </a:t>
+              <a:t>에서 스마트폰의 </a:t>
+            </a:r>
+            <a:r>
+              <a:rPr lang="ko-KR" altLang="en-US" sz="1200" kern="1200" dirty="0" err="1" smtClean="0">
+                <a:solidFill>
+                  <a:schemeClr val="tx1"/>
+                </a:solidFill>
+                <a:latin typeface="Arial" charset="0"/>
+                <a:ea typeface="+mn-ea"/>
+                <a:cs typeface="+mn-cs"/>
+              </a:rPr>
+              <a:t>카카오톡</a:t>
             </a:r>
             <a:r>
               <a:rPr lang="en-US" altLang="ko-KR" sz="1200" kern="1200" dirty="0" smtClean="0">
@@ -5844,7 +5226,7 @@
                 <a:ea typeface="+mn-ea"/>
                 <a:cs typeface="+mn-cs"/>
               </a:rPr>
-              <a:t>USB</a:t>
+              <a:t>, </a:t>
             </a:r>
             <a:r>
               <a:rPr lang="ko-KR" altLang="en-US" sz="1200" kern="1200" dirty="0" smtClean="0">
@@ -5855,7 +5237,7 @@
                 <a:ea typeface="+mn-ea"/>
                 <a:cs typeface="+mn-cs"/>
               </a:rPr>
-              <a:t> 장치를 사용하던 </a:t>
+              <a:t>문자메시지를 사용할 수 있습니다</a:t>
             </a:r>
             <a:r>
               <a:rPr lang="en-US" altLang="ko-KR" sz="1200" kern="1200" dirty="0" smtClean="0">
@@ -5866,6 +5248,50 @@
                 <a:ea typeface="+mn-ea"/>
                 <a:cs typeface="+mn-cs"/>
               </a:rPr>
+              <a:t>. </a:t>
+            </a:r>
+            <a:r>
+              <a:rPr lang="ko-KR" altLang="en-US" sz="1200" kern="1200" dirty="0" smtClean="0">
+                <a:solidFill>
+                  <a:schemeClr val="tx1"/>
+                </a:solidFill>
+                <a:latin typeface="Arial" charset="0"/>
+                <a:ea typeface="+mn-ea"/>
+                <a:cs typeface="+mn-cs"/>
+              </a:rPr>
+              <a:t>그리고</a:t>
+            </a:r>
+            <a:r>
+              <a:rPr lang="en-US" altLang="ko-KR" sz="1200" kern="1200" dirty="0" smtClean="0">
+                <a:solidFill>
+                  <a:schemeClr val="tx1"/>
+                </a:solidFill>
+                <a:latin typeface="Arial" charset="0"/>
+                <a:ea typeface="+mn-ea"/>
+                <a:cs typeface="+mn-cs"/>
+              </a:rPr>
+              <a:t> </a:t>
+            </a:r>
+            <a:r>
+              <a:rPr lang="ko-KR" altLang="en-US" sz="1200" kern="1200" dirty="0" smtClean="0">
+                <a:solidFill>
+                  <a:schemeClr val="tx1"/>
+                </a:solidFill>
+                <a:latin typeface="Arial" charset="0"/>
+                <a:ea typeface="+mn-ea"/>
+                <a:cs typeface="+mn-cs"/>
+              </a:rPr>
+              <a:t>카메라로 찍은 사진을 바로 </a:t>
+            </a:r>
+            <a:r>
+              <a:rPr lang="en-US" altLang="ko-KR" sz="1200" kern="1200" dirty="0" smtClean="0">
+                <a:solidFill>
+                  <a:schemeClr val="tx1"/>
+                </a:solidFill>
+                <a:latin typeface="Arial" charset="0"/>
+                <a:ea typeface="+mn-ea"/>
+                <a:cs typeface="+mn-cs"/>
+              </a:rPr>
               <a:t>PC</a:t>
             </a:r>
             <a:r>
@@ -5877,7 +5303,7 @@
                 <a:ea typeface="+mn-ea"/>
                 <a:cs typeface="+mn-cs"/>
               </a:rPr>
-              <a:t>용 어플리케이션들을 수정 없이 사용할 수 있다는 장점을 갖습니다</a:t>
+              <a:t>에 저장하는 서비스를 만들 수 있고</a:t>
             </a:r>
             <a:r>
               <a:rPr lang="en-US" altLang="ko-KR" sz="1200" kern="1200" dirty="0" smtClean="0">
@@ -5888,6 +5314,50 @@
                 <a:ea typeface="+mn-ea"/>
                 <a:cs typeface="+mn-cs"/>
               </a:rPr>
+              <a:t>,</a:t>
+            </a:r>
+            <a:r>
+              <a:rPr lang="ko-KR" altLang="en-US" sz="1200" kern="1200" dirty="0" smtClean="0">
+                <a:solidFill>
+                  <a:schemeClr val="tx1"/>
+                </a:solidFill>
+                <a:latin typeface="Arial" charset="0"/>
+                <a:ea typeface="+mn-ea"/>
+                <a:cs typeface="+mn-cs"/>
+              </a:rPr>
+              <a:t> </a:t>
+            </a:r>
+            <a:r>
+              <a:rPr lang="ko-KR" altLang="en-US" sz="1200" kern="1200" dirty="0" err="1" smtClean="0">
+                <a:solidFill>
+                  <a:schemeClr val="tx1"/>
+                </a:solidFill>
+                <a:latin typeface="Arial" charset="0"/>
+                <a:ea typeface="+mn-ea"/>
+                <a:cs typeface="+mn-cs"/>
+              </a:rPr>
+              <a:t>스마트폰을</a:t>
+            </a:r>
+            <a:r>
+              <a:rPr lang="ko-KR" altLang="en-US" sz="1200" kern="1200" dirty="0" smtClean="0">
+                <a:solidFill>
+                  <a:schemeClr val="tx1"/>
+                </a:solidFill>
+                <a:latin typeface="Arial" charset="0"/>
+                <a:ea typeface="+mn-ea"/>
+                <a:cs typeface="+mn-cs"/>
+              </a:rPr>
+              <a:t> 터치패드로 쓸 수도 있습니다</a:t>
+            </a:r>
+            <a:r>
+              <a:rPr lang="en-US" altLang="ko-KR" sz="1200" kern="1200" dirty="0" smtClean="0">
+                <a:solidFill>
+                  <a:schemeClr val="tx1"/>
+                </a:solidFill>
+                <a:latin typeface="Arial" charset="0"/>
+                <a:ea typeface="+mn-ea"/>
+                <a:cs typeface="+mn-cs"/>
+              </a:rPr>
               <a:t>. </a:t>
             </a:r>
             <a:r>
@@ -5899,7 +5369,7 @@
                 <a:ea typeface="+mn-ea"/>
                 <a:cs typeface="+mn-cs"/>
               </a:rPr>
-              <a:t>하지만 </a:t>
+              <a:t>이 외에도 스마트폰의 수 많은 다른 기능들을 </a:t>
             </a:r>
             <a:r>
               <a:rPr lang="en-US" altLang="ko-KR" sz="1200" kern="1200" dirty="0" smtClean="0">
@@ -5910,7 +5380,7 @@
                 <a:ea typeface="+mn-ea"/>
                 <a:cs typeface="+mn-cs"/>
               </a:rPr>
-              <a:t>TCP/IP</a:t>
+              <a:t>PC</a:t>
             </a:r>
             <a:r>
               <a:rPr lang="ko-KR" altLang="en-US" sz="1200" kern="1200" dirty="0" smtClean="0">
@@ -5921,29 +5391,7 @@
                 <a:ea typeface="+mn-ea"/>
                 <a:cs typeface="+mn-cs"/>
               </a:rPr>
-              <a:t>로 연결해서 </a:t>
-            </a:r>
-            <a:r>
-              <a:rPr lang="en-US" altLang="ko-KR" sz="1200" kern="1200" dirty="0" smtClean="0">
-                <a:solidFill>
-                  <a:schemeClr val="tx1"/>
-                </a:solidFill>
-                <a:latin typeface="Arial" charset="0"/>
-                <a:ea typeface="+mn-ea"/>
-                <a:cs typeface="+mn-cs"/>
-              </a:rPr>
-              <a:t>USB</a:t>
-            </a:r>
-            <a:r>
-              <a:rPr lang="ko-KR" altLang="en-US" sz="1200" kern="1200" dirty="0" smtClean="0">
-                <a:solidFill>
-                  <a:schemeClr val="tx1"/>
-                </a:solidFill>
-                <a:latin typeface="Arial" charset="0"/>
-                <a:ea typeface="+mn-ea"/>
-                <a:cs typeface="+mn-cs"/>
-              </a:rPr>
-              <a:t>장치를 사용하려면 어플리케이션을 수정 해야 되는 문제점이 있습니다</a:t>
+              <a:t>에서 사용할 수 있습니다</a:t>
             </a:r>
             <a:r>
               <a:rPr lang="en-US" altLang="ko-KR" sz="1200" kern="1200" dirty="0" smtClean="0">
@@ -5964,6 +5412,9 @@
               <a:ea typeface="+mn-ea"/>
               <a:cs typeface="+mn-cs"/>
             </a:endParaRPr>
+          </a:p>
+          <a:p>
+            <a:endParaRPr lang="ko-KR" altLang="en-US" dirty="0"/>
           </a:p>
         </p:txBody>
       </p:sp>
@@ -6045,7 +5496,7 @@
           </a:xfrm>
           <a:extLst>
             <a:ext uri="{AF507438-7753-43E0-B8FC-AC1667EBCBE1}">
-              <a14:hiddenEffects xmlns="" xmlns:a14="http://schemas.microsoft.com/office/drawing/2010/main">
+              <a14:hiddenEffects xmlns:a14="http://schemas.microsoft.com/office/drawing/2010/main" xmlns="">
                 <a:effectLst>
                   <a:outerShdw dist="17961" dir="2700000" algn="ctr" rotWithShape="0">
                     <a:schemeClr val="bg1"/>
@@ -6089,7 +5540,7 @@
           </a:xfrm>
           <a:extLst>
             <a:ext uri="{AF507438-7753-43E0-B8FC-AC1667EBCBE1}">
-              <a14:hiddenEffects xmlns="" xmlns:a14="http://schemas.microsoft.com/office/drawing/2010/main">
+              <a14:hiddenEffects xmlns:a14="http://schemas.microsoft.com/office/drawing/2010/main" xmlns="">
                 <a:effectLst>
                   <a:outerShdw dist="17961" dir="2700000" algn="ctr" rotWithShape="0">
                     <a:schemeClr val="bg1"/>
@@ -6225,7 +5676,7 @@
     </p:spTree>
     <p:extLst>
       <p:ext uri="{BB962C8B-B14F-4D97-AF65-F5344CB8AC3E}">
-        <p14:creationId xmlns="" xmlns:p14="http://schemas.microsoft.com/office/powerpoint/2010/main" val="3191849363"/>
+        <p14:creationId xmlns:p14="http://schemas.microsoft.com/office/powerpoint/2010/main" xmlns="" val="3191849363"/>
       </p:ext>
     </p:extLst>
   </p:cSld>
@@ -6340,7 +5791,7 @@
     </p:spTree>
     <p:extLst>
       <p:ext uri="{BB962C8B-B14F-4D97-AF65-F5344CB8AC3E}">
-        <p14:creationId xmlns="" xmlns:p14="http://schemas.microsoft.com/office/powerpoint/2010/main" val="1524186507"/>
+        <p14:creationId xmlns:p14="http://schemas.microsoft.com/office/powerpoint/2010/main" xmlns="" val="1524186507"/>
       </p:ext>
     </p:extLst>
   </p:cSld>
@@ -6445,7 +5896,7 @@
     </p:spTree>
     <p:extLst>
       <p:ext uri="{BB962C8B-B14F-4D97-AF65-F5344CB8AC3E}">
-        <p14:creationId xmlns="" xmlns:p14="http://schemas.microsoft.com/office/powerpoint/2010/main" val="3261712152"/>
+        <p14:creationId xmlns:p14="http://schemas.microsoft.com/office/powerpoint/2010/main" xmlns="" val="3261712152"/>
       </p:ext>
     </p:extLst>
   </p:cSld>
@@ -6572,7 +6023,7 @@
     </p:spTree>
     <p:extLst>
       <p:ext uri="{BB962C8B-B14F-4D97-AF65-F5344CB8AC3E}">
-        <p14:creationId xmlns="" xmlns:p14="http://schemas.microsoft.com/office/powerpoint/2010/main" val="346190723"/>
+        <p14:creationId xmlns:p14="http://schemas.microsoft.com/office/powerpoint/2010/main" xmlns="" val="346190723"/>
       </p:ext>
     </p:extLst>
   </p:cSld>
@@ -6795,7 +6246,7 @@
     </p:spTree>
     <p:extLst>
       <p:ext uri="{BB962C8B-B14F-4D97-AF65-F5344CB8AC3E}">
-        <p14:creationId xmlns="" xmlns:p14="http://schemas.microsoft.com/office/powerpoint/2010/main" val="4255224362"/>
+        <p14:creationId xmlns:p14="http://schemas.microsoft.com/office/powerpoint/2010/main" xmlns="" val="4255224362"/>
       </p:ext>
     </p:extLst>
   </p:cSld>
@@ -7157,7 +6608,7 @@
     </p:spTree>
     <p:extLst>
       <p:ext uri="{BB962C8B-B14F-4D97-AF65-F5344CB8AC3E}">
-        <p14:creationId xmlns="" xmlns:p14="http://schemas.microsoft.com/office/powerpoint/2010/main" val="234523478"/>
+        <p14:creationId xmlns:p14="http://schemas.microsoft.com/office/powerpoint/2010/main" xmlns="" val="234523478"/>
       </p:ext>
     </p:extLst>
   </p:cSld>
@@ -7210,7 +6661,7 @@
     </p:spTree>
     <p:extLst>
       <p:ext uri="{BB962C8B-B14F-4D97-AF65-F5344CB8AC3E}">
-        <p14:creationId xmlns="" xmlns:p14="http://schemas.microsoft.com/office/powerpoint/2010/main" val="4170126094"/>
+        <p14:creationId xmlns:p14="http://schemas.microsoft.com/office/powerpoint/2010/main" xmlns="" val="4170126094"/>
       </p:ext>
     </p:extLst>
   </p:cSld>
@@ -7240,7 +6691,7 @@
     </p:spTree>
     <p:extLst>
       <p:ext uri="{BB962C8B-B14F-4D97-AF65-F5344CB8AC3E}">
-        <p14:creationId xmlns="" xmlns:p14="http://schemas.microsoft.com/office/powerpoint/2010/main" val="3131819388"/>
+        <p14:creationId xmlns:p14="http://schemas.microsoft.com/office/powerpoint/2010/main" xmlns="" val="3131819388"/>
       </p:ext>
     </p:extLst>
   </p:cSld>
@@ -7452,7 +6903,7 @@
     </p:spTree>
     <p:extLst>
       <p:ext uri="{BB962C8B-B14F-4D97-AF65-F5344CB8AC3E}">
-        <p14:creationId xmlns="" xmlns:p14="http://schemas.microsoft.com/office/powerpoint/2010/main" val="1266256783"/>
+        <p14:creationId xmlns:p14="http://schemas.microsoft.com/office/powerpoint/2010/main" xmlns="" val="1266256783"/>
       </p:ext>
     </p:extLst>
   </p:cSld>
@@ -7644,7 +7095,7 @@
     </p:spTree>
     <p:extLst>
       <p:ext uri="{BB962C8B-B14F-4D97-AF65-F5344CB8AC3E}">
-        <p14:creationId xmlns="" xmlns:p14="http://schemas.microsoft.com/office/powerpoint/2010/main" val="511494401"/>
+        <p14:creationId xmlns:p14="http://schemas.microsoft.com/office/powerpoint/2010/main" xmlns="" val="511494401"/>
       </p:ext>
     </p:extLst>
   </p:cSld>
@@ -7708,14 +7159,14 @@
           <a:effectLst/>
           <a:extLst>
             <a:ext uri="{909E8E84-426E-40DD-AFC4-6F175D3DCCD1}">
-              <a14:hiddenFill xmlns="" xmlns:a14="http://schemas.microsoft.com/office/drawing/2010/main">
+              <a14:hiddenFill xmlns:a14="http://schemas.microsoft.com/office/drawing/2010/main" xmlns="">
                 <a:solidFill>
                   <a:schemeClr val="accent1"/>
                 </a:solidFill>
               </a14:hiddenFill>
             </a:ext>
             <a:ext uri="{91240B29-F687-4F45-9708-019B960494DF}">
-              <a14:hiddenLine xmlns="" xmlns:a14="http://schemas.microsoft.com/office/drawing/2010/main" w="9525">
+              <a14:hiddenLine xmlns:a14="http://schemas.microsoft.com/office/drawing/2010/main" xmlns="" w="9525">
                 <a:solidFill>
                   <a:schemeClr val="tx1"/>
                 </a:solidFill>
@@ -7725,7 +7176,7 @@
               </a14:hiddenLine>
             </a:ext>
             <a:ext uri="{AF507438-7753-43E0-B8FC-AC1667EBCBE1}">
-              <a14:hiddenEffects xmlns="" xmlns:a14="http://schemas.microsoft.com/office/drawing/2010/main">
+              <a14:hiddenEffects xmlns:a14="http://schemas.microsoft.com/office/drawing/2010/main" xmlns="">
                 <a:effectLst>
                   <a:outerShdw dist="35921" dir="2700000" algn="ctr" rotWithShape="0">
                     <a:schemeClr val="bg2"/>
@@ -7777,14 +7228,14 @@
           <a:effectLst/>
           <a:extLst>
             <a:ext uri="{909E8E84-426E-40DD-AFC4-6F175D3DCCD1}">
-              <a14:hiddenFill xmlns="" xmlns:a14="http://schemas.microsoft.com/office/drawing/2010/main">
+              <a14:hiddenFill xmlns:a14="http://schemas.microsoft.com/office/drawing/2010/main" xmlns="">
                 <a:solidFill>
                   <a:schemeClr val="accent1"/>
                 </a:solidFill>
               </a14:hiddenFill>
             </a:ext>
             <a:ext uri="{91240B29-F687-4F45-9708-019B960494DF}">
-              <a14:hiddenLine xmlns="" xmlns:a14="http://schemas.microsoft.com/office/drawing/2010/main" w="9525">
+              <a14:hiddenLine xmlns:a14="http://schemas.microsoft.com/office/drawing/2010/main" xmlns="" w="9525">
                 <a:solidFill>
                   <a:schemeClr val="tx1"/>
                 </a:solidFill>
@@ -7794,7 +7245,7 @@
               </a14:hiddenLine>
             </a:ext>
             <a:ext uri="{AF507438-7753-43E0-B8FC-AC1667EBCBE1}">
-              <a14:hiddenEffects xmlns="" xmlns:a14="http://schemas.microsoft.com/office/drawing/2010/main">
+              <a14:hiddenEffects xmlns:a14="http://schemas.microsoft.com/office/drawing/2010/main" xmlns="">
                 <a:effectLst>
                   <a:outerShdw dist="35921" dir="2700000" algn="ctr" rotWithShape="0">
                     <a:schemeClr val="bg2"/>
@@ -8260,7 +7711,7 @@
           <p:nvPr>
             <p:extLst>
               <p:ext uri="{D42A27DB-BD31-4B8C-83A1-F6EECF244321}">
-                <p14:modId xmlns="" xmlns:p14="http://schemas.microsoft.com/office/powerpoint/2010/main" val="3019215210"/>
+                <p14:modId xmlns:p14="http://schemas.microsoft.com/office/powerpoint/2010/main" xmlns="" val="3019215210"/>
               </p:ext>
             </p:extLst>
           </p:nvPr>
@@ -9106,7 +8557,7 @@
               <a:blip r:embed="rId5" cstate="print">
                 <a:extLst>
                   <a:ext uri="{28A0092B-C50C-407E-A947-70E740481C1C}">
-                    <a14:useLocalDpi xmlns="" xmlns:a14="http://schemas.microsoft.com/office/drawing/2010/main" val="0"/>
+                    <a14:useLocalDpi xmlns:a14="http://schemas.microsoft.com/office/drawing/2010/main" xmlns="" val="0"/>
                   </a:ext>
                 </a:extLst>
               </a:blip>
@@ -9126,7 +8577,7 @@
               <a:noFill/>
               <a:extLst>
                 <a:ext uri="{909E8E84-426E-40DD-AFC4-6F175D3DCCD1}">
-                  <a14:hiddenFill xmlns="" xmlns:a14="http://schemas.microsoft.com/office/drawing/2010/main">
+                  <a14:hiddenFill xmlns:a14="http://schemas.microsoft.com/office/drawing/2010/main" xmlns="">
                     <a:solidFill>
                       <a:srgbClr val="FFFFFF"/>
                     </a:solidFill>
@@ -9154,674 +8605,6 @@
 </file>
 
 <file path=ppt/slides/slide10.xml><?xml version="1.0" encoding="utf-8"?>
-<p:sld xmlns:a="http://schemas.openxmlformats.org/drawingml/2006/main" xmlns:r="http://schemas.openxmlformats.org/officeDocument/2006/relationships" xmlns:p="http://schemas.openxmlformats.org/presentationml/2006/main">
-  <p:cSld>
-    <p:spTree>
-      <p:nvGrpSpPr>
-        <p:cNvPr id="1" name=""/>
-        <p:cNvGrpSpPr/>
-        <p:nvPr/>
-      </p:nvGrpSpPr>
-      <p:grpSpPr>
-        <a:xfrm>
-          <a:off x="0" y="0"/>
-          <a:ext cx="0" cy="0"/>
-          <a:chOff x="0" y="0"/>
-          <a:chExt cx="0" cy="0"/>
-        </a:xfrm>
-      </p:grpSpPr>
-      <p:pic>
-        <p:nvPicPr>
-          <p:cNvPr id="25" name="Picture 2" descr="C:\Documents and Settings\Administrator\바탕 화면\Untitled-1.png"/>
-          <p:cNvPicPr>
-            <a:picLocks noChangeAspect="1" noChangeArrowheads="1"/>
-          </p:cNvPicPr>
-          <p:nvPr/>
-        </p:nvPicPr>
-        <p:blipFill>
-          <a:blip r:embed="rId3" cstate="print"/>
-          <a:srcRect/>
-          <a:stretch>
-            <a:fillRect/>
-          </a:stretch>
-        </p:blipFill>
-        <p:spPr bwMode="auto">
-          <a:xfrm>
-            <a:off x="755576" y="2276872"/>
-            <a:ext cx="2736304" cy="2592288"/>
-          </a:xfrm>
-          <a:prstGeom prst="rect">
-            <a:avLst/>
-          </a:prstGeom>
-          <a:noFill/>
-        </p:spPr>
-      </p:pic>
-      <p:cxnSp>
-        <p:nvCxnSpPr>
-          <p:cNvPr id="20" name="직선 연결선 19"/>
-          <p:cNvCxnSpPr/>
-          <p:nvPr/>
-        </p:nvCxnSpPr>
-        <p:spPr>
-          <a:xfrm>
-            <a:off x="4583812" y="1700809"/>
-            <a:ext cx="0" cy="3125961"/>
-          </a:xfrm>
-          <a:prstGeom prst="line">
-            <a:avLst/>
-          </a:prstGeom>
-          <a:ln w="38100">
-            <a:solidFill>
-              <a:srgbClr val="000000"/>
-            </a:solidFill>
-            <a:prstDash val="dash"/>
-          </a:ln>
-        </p:spPr>
-        <p:style>
-          <a:lnRef idx="1">
-            <a:schemeClr val="accent1"/>
-          </a:lnRef>
-          <a:fillRef idx="0">
-            <a:schemeClr val="accent1"/>
-          </a:fillRef>
-          <a:effectRef idx="0">
-            <a:schemeClr val="accent1"/>
-          </a:effectRef>
-          <a:fontRef idx="minor">
-            <a:schemeClr val="tx1"/>
-          </a:fontRef>
-        </p:style>
-      </p:cxnSp>
-      <p:sp>
-        <p:nvSpPr>
-          <p:cNvPr id="2" name="제목 1"/>
-          <p:cNvSpPr>
-            <a:spLocks noGrp="1"/>
-          </p:cNvSpPr>
-          <p:nvPr>
-            <p:ph type="title"/>
-          </p:nvPr>
-        </p:nvSpPr>
-        <p:spPr/>
-        <p:txBody>
-          <a:bodyPr/>
-          <a:lstStyle/>
-          <a:p>
-            <a:pPr marL="914400" indent="-914400">
-              <a:buFont typeface="+mj-lt"/>
-              <a:buAutoNum type="arabicPeriod" startAt="4"/>
-            </a:pPr>
-            <a:r>
-              <a:rPr lang="ko-KR" altLang="en-US" sz="5400" spc="600" dirty="0" smtClean="0">
-                <a:solidFill>
-                  <a:srgbClr val="000000"/>
-                </a:solidFill>
-                <a:latin typeface="HY동녘M" pitchFamily="18" charset="-127"/>
-                <a:ea typeface="HY동녘M" pitchFamily="18" charset="-127"/>
-              </a:rPr>
-              <a:t>활용 서비스</a:t>
-            </a:r>
-            <a:endParaRPr lang="ko-KR" altLang="en-US" sz="5400" spc="600" dirty="0">
-              <a:solidFill>
-                <a:srgbClr val="000000"/>
-              </a:solidFill>
-              <a:latin typeface="HY동녘M" pitchFamily="18" charset="-127"/>
-              <a:ea typeface="HY동녘M" pitchFamily="18" charset="-127"/>
-            </a:endParaRPr>
-          </a:p>
-        </p:txBody>
-      </p:sp>
-      <p:pic>
-        <p:nvPicPr>
-          <p:cNvPr id="8" name="그림 7"/>
-          <p:cNvPicPr>
-            <a:picLocks noChangeAspect="1"/>
-          </p:cNvPicPr>
-          <p:nvPr/>
-        </p:nvPicPr>
-        <p:blipFill>
-          <a:blip r:embed="rId4" cstate="print">
-            <a:extLst>
-              <a:ext uri="{28A0092B-C50C-407E-A947-70E740481C1C}">
-                <a14:useLocalDpi xmlns="" xmlns:a14="http://schemas.microsoft.com/office/drawing/2010/main" val="0"/>
-              </a:ext>
-            </a:extLst>
-          </a:blip>
-          <a:stretch>
-            <a:fillRect/>
-          </a:stretch>
-        </p:blipFill>
-        <p:spPr>
-          <a:xfrm>
-            <a:off x="6372200" y="2110840"/>
-            <a:ext cx="1700153" cy="3219986"/>
-          </a:xfrm>
-          <a:prstGeom prst="rect">
-            <a:avLst/>
-          </a:prstGeom>
-        </p:spPr>
-      </p:pic>
-      <p:grpSp>
-        <p:nvGrpSpPr>
-          <p:cNvPr id="3" name="그룹 8"/>
-          <p:cNvGrpSpPr/>
-          <p:nvPr/>
-        </p:nvGrpSpPr>
-        <p:grpSpPr>
-          <a:xfrm>
-            <a:off x="3347864" y="2790910"/>
-            <a:ext cx="3096344" cy="1222528"/>
-            <a:chOff x="3511961" y="3632546"/>
-            <a:chExt cx="1921661" cy="936104"/>
-          </a:xfrm>
-        </p:grpSpPr>
-        <p:sp>
-          <p:nvSpPr>
-            <p:cNvPr id="10" name="아래쪽 화살표 9"/>
-            <p:cNvSpPr/>
-            <p:nvPr/>
-          </p:nvSpPr>
-          <p:spPr>
-            <a:xfrm rot="5400000">
-              <a:off x="3921300" y="3223207"/>
-              <a:ext cx="936104" cy="1754782"/>
-            </a:xfrm>
-            <a:prstGeom prst="downArrow">
-              <a:avLst/>
-            </a:prstGeom>
-          </p:spPr>
-          <p:style>
-            <a:lnRef idx="0">
-              <a:schemeClr val="accent1"/>
-            </a:lnRef>
-            <a:fillRef idx="3">
-              <a:schemeClr val="accent1"/>
-            </a:fillRef>
-            <a:effectRef idx="3">
-              <a:schemeClr val="accent1"/>
-            </a:effectRef>
-            <a:fontRef idx="minor">
-              <a:schemeClr val="lt1"/>
-            </a:fontRef>
-          </p:style>
-          <p:txBody>
-            <a:bodyPr rtlCol="0" anchor="ctr"/>
-            <a:lstStyle/>
-            <a:p>
-              <a:pPr algn="ctr"/>
-              <a:endParaRPr lang="ko-KR" altLang="en-US" dirty="0"/>
-            </a:p>
-          </p:txBody>
-        </p:sp>
-        <p:sp>
-          <p:nvSpPr>
-            <p:cNvPr id="11" name="TextBox 10"/>
-            <p:cNvSpPr txBox="1"/>
-            <p:nvPr/>
-          </p:nvSpPr>
-          <p:spPr>
-            <a:xfrm>
-              <a:off x="3707361" y="3894436"/>
-              <a:ext cx="1726261" cy="400636"/>
-            </a:xfrm>
-            <a:prstGeom prst="rect">
-              <a:avLst/>
-            </a:prstGeom>
-            <a:noFill/>
-          </p:spPr>
-          <p:txBody>
-            <a:bodyPr wrap="none" rtlCol="0">
-              <a:spAutoFit/>
-            </a:bodyPr>
-            <a:lstStyle/>
-            <a:p>
-              <a:r>
-                <a:rPr lang="en-US" altLang="ko-KR" sz="2800" dirty="0" smtClean="0">
-                  <a:solidFill>
-                    <a:schemeClr val="tx2">
-                      <a:lumMod val="50000"/>
-                    </a:schemeClr>
-                  </a:solidFill>
-                </a:rPr>
-                <a:t>Android-USB</a:t>
-              </a:r>
-              <a:endParaRPr lang="ko-KR" altLang="en-US" sz="2800" dirty="0">
-                <a:solidFill>
-                  <a:schemeClr val="tx2">
-                    <a:lumMod val="50000"/>
-                  </a:schemeClr>
-                </a:solidFill>
-              </a:endParaRPr>
-            </a:p>
-          </p:txBody>
-        </p:sp>
-      </p:grpSp>
-      <p:pic>
-        <p:nvPicPr>
-          <p:cNvPr id="1027" name="Picture 3" descr="C:\Documents and Settings\XP\바탕 화면\무제-1.png"/>
-          <p:cNvPicPr>
-            <a:picLocks noChangeAspect="1" noChangeArrowheads="1"/>
-          </p:cNvPicPr>
-          <p:nvPr/>
-        </p:nvPicPr>
-        <p:blipFill>
-          <a:blip r:embed="rId5" cstate="print">
-            <a:extLst>
-              <a:ext uri="{28A0092B-C50C-407E-A947-70E740481C1C}">
-                <a14:useLocalDpi xmlns="" xmlns:a14="http://schemas.microsoft.com/office/drawing/2010/main" val="0"/>
-              </a:ext>
-            </a:extLst>
-          </a:blip>
-          <a:srcRect/>
-          <a:stretch>
-            <a:fillRect/>
-          </a:stretch>
-        </p:blipFill>
-        <p:spPr bwMode="auto">
-          <a:xfrm>
-            <a:off x="6657065" y="2954562"/>
-            <a:ext cx="476250" cy="476250"/>
-          </a:xfrm>
-          <a:prstGeom prst="rect">
-            <a:avLst/>
-          </a:prstGeom>
-          <a:noFill/>
-          <a:extLst>
-            <a:ext uri="{909E8E84-426E-40DD-AFC4-6F175D3DCCD1}">
-              <a14:hiddenFill xmlns="" xmlns:a14="http://schemas.microsoft.com/office/drawing/2010/main">
-                <a:solidFill>
-                  <a:srgbClr val="FFFFFF"/>
-                </a:solidFill>
-              </a14:hiddenFill>
-            </a:ext>
-          </a:extLst>
-        </p:spPr>
-      </p:pic>
-      <p:pic>
-        <p:nvPicPr>
-          <p:cNvPr id="1028" name="Picture 4" descr="C:\Documents and Settings\XP\바탕 화면\메시지.png"/>
-          <p:cNvPicPr>
-            <a:picLocks noChangeAspect="1" noChangeArrowheads="1"/>
-          </p:cNvPicPr>
-          <p:nvPr/>
-        </p:nvPicPr>
-        <p:blipFill>
-          <a:blip r:embed="rId6" cstate="print">
-            <a:extLst>
-              <a:ext uri="{28A0092B-C50C-407E-A947-70E740481C1C}">
-                <a14:useLocalDpi xmlns="" xmlns:a14="http://schemas.microsoft.com/office/drawing/2010/main" val="0"/>
-              </a:ext>
-            </a:extLst>
-          </a:blip>
-          <a:srcRect/>
-          <a:stretch>
-            <a:fillRect/>
-          </a:stretch>
-        </p:blipFill>
-        <p:spPr bwMode="auto">
-          <a:xfrm>
-            <a:off x="7336110" y="2966002"/>
-            <a:ext cx="476250" cy="476250"/>
-          </a:xfrm>
-          <a:prstGeom prst="rect">
-            <a:avLst/>
-          </a:prstGeom>
-          <a:noFill/>
-          <a:extLst>
-            <a:ext uri="{909E8E84-426E-40DD-AFC4-6F175D3DCCD1}">
-              <a14:hiddenFill xmlns="" xmlns:a14="http://schemas.microsoft.com/office/drawing/2010/main">
-                <a:solidFill>
-                  <a:srgbClr val="FFFFFF"/>
-                </a:solidFill>
-              </a14:hiddenFill>
-            </a:ext>
-          </a:extLst>
-        </p:spPr>
-      </p:pic>
-      <p:pic>
-        <p:nvPicPr>
-          <p:cNvPr id="18" name="Picture 3" descr="C:\Documents and Settings\XP\바탕 화면\무제-1.png"/>
-          <p:cNvPicPr>
-            <a:picLocks noChangeAspect="1" noChangeArrowheads="1"/>
-          </p:cNvPicPr>
-          <p:nvPr/>
-        </p:nvPicPr>
-        <p:blipFill>
-          <a:blip r:embed="rId5" cstate="print">
-            <a:extLst>
-              <a:ext uri="{28A0092B-C50C-407E-A947-70E740481C1C}">
-                <a14:useLocalDpi xmlns="" xmlns:a14="http://schemas.microsoft.com/office/drawing/2010/main" val="0"/>
-              </a:ext>
-            </a:extLst>
-          </a:blip>
-          <a:srcRect/>
-          <a:stretch>
-            <a:fillRect/>
-          </a:stretch>
-        </p:blipFill>
-        <p:spPr bwMode="auto">
-          <a:xfrm>
-            <a:off x="1547664" y="2594522"/>
-            <a:ext cx="476250" cy="476250"/>
-          </a:xfrm>
-          <a:prstGeom prst="rect">
-            <a:avLst/>
-          </a:prstGeom>
-          <a:noFill/>
-          <a:extLst>
-            <a:ext uri="{909E8E84-426E-40DD-AFC4-6F175D3DCCD1}">
-              <a14:hiddenFill xmlns="" xmlns:a14="http://schemas.microsoft.com/office/drawing/2010/main">
-                <a:solidFill>
-                  <a:srgbClr val="FFFFFF"/>
-                </a:solidFill>
-              </a14:hiddenFill>
-            </a:ext>
-          </a:extLst>
-        </p:spPr>
-      </p:pic>
-      <p:pic>
-        <p:nvPicPr>
-          <p:cNvPr id="19" name="Picture 4" descr="C:\Documents and Settings\XP\바탕 화면\메시지.png"/>
-          <p:cNvPicPr>
-            <a:picLocks noChangeAspect="1" noChangeArrowheads="1"/>
-          </p:cNvPicPr>
-          <p:nvPr/>
-        </p:nvPicPr>
-        <p:blipFill>
-          <a:blip r:embed="rId6" cstate="print">
-            <a:extLst>
-              <a:ext uri="{28A0092B-C50C-407E-A947-70E740481C1C}">
-                <a14:useLocalDpi xmlns="" xmlns:a14="http://schemas.microsoft.com/office/drawing/2010/main" val="0"/>
-              </a:ext>
-            </a:extLst>
-          </a:blip>
-          <a:srcRect/>
-          <a:stretch>
-            <a:fillRect/>
-          </a:stretch>
-        </p:blipFill>
-        <p:spPr bwMode="auto">
-          <a:xfrm>
-            <a:off x="2226709" y="2605962"/>
-            <a:ext cx="476250" cy="476250"/>
-          </a:xfrm>
-          <a:prstGeom prst="rect">
-            <a:avLst/>
-          </a:prstGeom>
-          <a:noFill/>
-          <a:extLst>
-            <a:ext uri="{909E8E84-426E-40DD-AFC4-6F175D3DCCD1}">
-              <a14:hiddenFill xmlns="" xmlns:a14="http://schemas.microsoft.com/office/drawing/2010/main">
-                <a:solidFill>
-                  <a:srgbClr val="FFFFFF"/>
-                </a:solidFill>
-              </a14:hiddenFill>
-            </a:ext>
-          </a:extLst>
-        </p:spPr>
-      </p:pic>
-      <p:sp>
-        <p:nvSpPr>
-          <p:cNvPr id="22" name="TextBox 21"/>
-          <p:cNvSpPr txBox="1"/>
-          <p:nvPr/>
-        </p:nvSpPr>
-        <p:spPr>
-          <a:xfrm>
-            <a:off x="1605627" y="1700808"/>
-            <a:ext cx="1039067" cy="461665"/>
-          </a:xfrm>
-          <a:prstGeom prst="rect">
-            <a:avLst/>
-          </a:prstGeom>
-          <a:noFill/>
-        </p:spPr>
-        <p:txBody>
-          <a:bodyPr wrap="none" rtlCol="0">
-            <a:spAutoFit/>
-          </a:bodyPr>
-          <a:lstStyle/>
-          <a:p>
-            <a:r>
-              <a:rPr lang="en-US" altLang="ko-KR" b="1" dirty="0" smtClean="0">
-                <a:solidFill>
-                  <a:srgbClr val="000000"/>
-                </a:solidFill>
-              </a:rPr>
-              <a:t>Client</a:t>
-            </a:r>
-            <a:endParaRPr lang="ko-KR" altLang="en-US" b="1" dirty="0">
-              <a:solidFill>
-                <a:srgbClr val="000000"/>
-              </a:solidFill>
-            </a:endParaRPr>
-          </a:p>
-        </p:txBody>
-      </p:sp>
-      <p:sp>
-        <p:nvSpPr>
-          <p:cNvPr id="23" name="TextBox 22"/>
-          <p:cNvSpPr txBox="1"/>
-          <p:nvPr/>
-        </p:nvSpPr>
-        <p:spPr>
-          <a:xfrm>
-            <a:off x="6701301" y="1700809"/>
-            <a:ext cx="1144865" cy="461665"/>
-          </a:xfrm>
-          <a:prstGeom prst="rect">
-            <a:avLst/>
-          </a:prstGeom>
-          <a:noFill/>
-        </p:spPr>
-        <p:txBody>
-          <a:bodyPr wrap="none" rtlCol="0">
-            <a:spAutoFit/>
-          </a:bodyPr>
-          <a:lstStyle/>
-          <a:p>
-            <a:r>
-              <a:rPr lang="en-US" altLang="ko-KR" b="1" dirty="0" smtClean="0">
-                <a:solidFill>
-                  <a:srgbClr val="000000"/>
-                </a:solidFill>
-              </a:rPr>
-              <a:t>Server</a:t>
-            </a:r>
-            <a:endParaRPr lang="ko-KR" altLang="en-US" b="1" dirty="0">
-              <a:solidFill>
-                <a:srgbClr val="000000"/>
-              </a:solidFill>
-            </a:endParaRPr>
-          </a:p>
-        </p:txBody>
-      </p:sp>
-      <p:pic>
-        <p:nvPicPr>
-          <p:cNvPr id="16" name="Picture 6" descr="C:\Documents and Settings\XP\바탕 화면\카메라.png"/>
-          <p:cNvPicPr>
-            <a:picLocks noChangeAspect="1" noChangeArrowheads="1"/>
-          </p:cNvPicPr>
-          <p:nvPr/>
-        </p:nvPicPr>
-        <p:blipFill>
-          <a:blip r:embed="rId7" cstate="print">
-            <a:extLst>
-              <a:ext uri="{28A0092B-C50C-407E-A947-70E740481C1C}">
-                <a14:useLocalDpi xmlns="" xmlns:a14="http://schemas.microsoft.com/office/drawing/2010/main" val="0"/>
-              </a:ext>
-            </a:extLst>
-          </a:blip>
-          <a:srcRect/>
-          <a:stretch>
-            <a:fillRect/>
-          </a:stretch>
-        </p:blipFill>
-        <p:spPr bwMode="auto">
-          <a:xfrm>
-            <a:off x="7035608" y="3560451"/>
-            <a:ext cx="476250" cy="476250"/>
-          </a:xfrm>
-          <a:prstGeom prst="rect">
-            <a:avLst/>
-          </a:prstGeom>
-          <a:noFill/>
-          <a:extLst>
-            <a:ext uri="{909E8E84-426E-40DD-AFC4-6F175D3DCCD1}">
-              <a14:hiddenFill xmlns="" xmlns:a14="http://schemas.microsoft.com/office/drawing/2010/main">
-                <a:solidFill>
-                  <a:srgbClr val="FFFFFF"/>
-                </a:solidFill>
-              </a14:hiddenFill>
-            </a:ext>
-          </a:extLst>
-        </p:spPr>
-      </p:pic>
-      <p:pic>
-        <p:nvPicPr>
-          <p:cNvPr id="17" name="Picture 5" descr="C:\Documents and Settings\XP\바탕 화면\사진.png"/>
-          <p:cNvPicPr>
-            <a:picLocks noChangeAspect="1" noChangeArrowheads="1"/>
-          </p:cNvPicPr>
-          <p:nvPr/>
-        </p:nvPicPr>
-        <p:blipFill>
-          <a:blip r:embed="rId8" cstate="print">
-            <a:extLst>
-              <a:ext uri="{28A0092B-C50C-407E-A947-70E740481C1C}">
-                <a14:useLocalDpi xmlns="" xmlns:a14="http://schemas.microsoft.com/office/drawing/2010/main" val="0"/>
-              </a:ext>
-            </a:extLst>
-          </a:blip>
-          <a:srcRect/>
-          <a:stretch>
-            <a:fillRect/>
-          </a:stretch>
-        </p:blipFill>
-        <p:spPr bwMode="auto">
-          <a:xfrm>
-            <a:off x="1887035" y="3273609"/>
-            <a:ext cx="476250" cy="476250"/>
-          </a:xfrm>
-          <a:prstGeom prst="rect">
-            <a:avLst/>
-          </a:prstGeom>
-          <a:noFill/>
-          <a:extLst>
-            <a:ext uri="{909E8E84-426E-40DD-AFC4-6F175D3DCCD1}">
-              <a14:hiddenFill xmlns="" xmlns:a14="http://schemas.microsoft.com/office/drawing/2010/main">
-                <a:solidFill>
-                  <a:srgbClr val="FFFFFF"/>
-                </a:solidFill>
-              </a14:hiddenFill>
-            </a:ext>
-          </a:extLst>
-        </p:spPr>
-      </p:pic>
-      <p:pic>
-        <p:nvPicPr>
-          <p:cNvPr id="21" name="Picture 2" descr="C:\Documents and Settings\XP\바탕 화면\무제-1.png"/>
-          <p:cNvPicPr>
-            <a:picLocks noChangeAspect="1" noChangeArrowheads="1"/>
-          </p:cNvPicPr>
-          <p:nvPr/>
-        </p:nvPicPr>
-        <p:blipFill>
-          <a:blip r:embed="rId9" cstate="print">
-            <a:extLst>
-              <a:ext uri="{28A0092B-C50C-407E-A947-70E740481C1C}">
-                <a14:useLocalDpi xmlns="" xmlns:a14="http://schemas.microsoft.com/office/drawing/2010/main" val="0"/>
-              </a:ext>
-            </a:extLst>
-          </a:blip>
-          <a:srcRect/>
-          <a:stretch>
-            <a:fillRect/>
-          </a:stretch>
-        </p:blipFill>
-        <p:spPr bwMode="auto">
-          <a:xfrm>
-            <a:off x="3059832" y="4538738"/>
-            <a:ext cx="1261769" cy="1261769"/>
-          </a:xfrm>
-          <a:prstGeom prst="rect">
-            <a:avLst/>
-          </a:prstGeom>
-          <a:noFill/>
-          <a:extLst>
-            <a:ext uri="{909E8E84-426E-40DD-AFC4-6F175D3DCCD1}">
-              <a14:hiddenFill xmlns="" xmlns:a14="http://schemas.microsoft.com/office/drawing/2010/main">
-                <a:solidFill>
-                  <a:srgbClr val="FFFFFF"/>
-                </a:solidFill>
-              </a14:hiddenFill>
-            </a:ext>
-          </a:extLst>
-        </p:spPr>
-      </p:pic>
-      <p:pic>
-        <p:nvPicPr>
-          <p:cNvPr id="24" name="Picture 3" descr="C:\Documents and Settings\XP\바탕 화면\무제-2.png"/>
-          <p:cNvPicPr>
-            <a:picLocks noChangeAspect="1" noChangeArrowheads="1"/>
-          </p:cNvPicPr>
-          <p:nvPr/>
-        </p:nvPicPr>
-        <p:blipFill>
-          <a:blip r:embed="rId10" cstate="print">
-            <a:extLst>
-              <a:ext uri="{28A0092B-C50C-407E-A947-70E740481C1C}">
-                <a14:useLocalDpi xmlns="" xmlns:a14="http://schemas.microsoft.com/office/drawing/2010/main" val="0"/>
-              </a:ext>
-            </a:extLst>
-          </a:blip>
-          <a:srcRect/>
-          <a:stretch>
-            <a:fillRect/>
-          </a:stretch>
-        </p:blipFill>
-        <p:spPr bwMode="auto">
-          <a:xfrm>
-            <a:off x="7540649" y="3638724"/>
-            <a:ext cx="1332969" cy="1332969"/>
-          </a:xfrm>
-          <a:prstGeom prst="rect">
-            <a:avLst/>
-          </a:prstGeom>
-          <a:noFill/>
-          <a:extLst>
-            <a:ext uri="{909E8E84-426E-40DD-AFC4-6F175D3DCCD1}">
-              <a14:hiddenFill xmlns="" xmlns:a14="http://schemas.microsoft.com/office/drawing/2010/main">
-                <a:solidFill>
-                  <a:srgbClr val="FFFFFF"/>
-                </a:solidFill>
-              </a14:hiddenFill>
-            </a:ext>
-          </a:extLst>
-        </p:spPr>
-      </p:pic>
-    </p:spTree>
-    <p:extLst>
-      <p:ext uri="{BB962C8B-B14F-4D97-AF65-F5344CB8AC3E}">
-        <p14:creationId xmlns="" xmlns:p14="http://schemas.microsoft.com/office/powerpoint/2010/main" val="1407908346"/>
-      </p:ext>
-    </p:extLst>
-  </p:cSld>
-  <p:clrMapOvr>
-    <a:masterClrMapping/>
-  </p:clrMapOvr>
-  <p:transition advClick="0" advTm="20000"/>
-  <p:timing>
-    <p:tnLst>
-      <p:par>
-        <p:cTn id="1" dur="indefinite" restart="never" nodeType="tmRoot"/>
-      </p:par>
-    </p:tnLst>
-  </p:timing>
-</p:sld>
-</file>
-
-<file path=ppt/slides/slide11.xml><?xml version="1.0" encoding="utf-8"?>
 <p:sld xmlns:a="http://schemas.openxmlformats.org/drawingml/2006/main" xmlns:r="http://schemas.openxmlformats.org/officeDocument/2006/relationships" xmlns:p="http://schemas.openxmlformats.org/presentationml/2006/main">
   <p:cSld>
     <p:spTree>
@@ -9938,7 +8721,7 @@
         <p:spPr>
           <a:xfrm>
             <a:off x="971600" y="1268760"/>
-            <a:ext cx="7416824" cy="4267200"/>
+            <a:ext cx="5544616" cy="576064"/>
           </a:xfrm>
         </p:spPr>
         <p:txBody>
@@ -10200,7 +8983,7 @@
     </p:spTree>
     <p:extLst>
       <p:ext uri="{BB962C8B-B14F-4D97-AF65-F5344CB8AC3E}">
-        <p14:creationId xmlns="" xmlns:p14="http://schemas.microsoft.com/office/powerpoint/2010/main" val="2718990012"/>
+        <p14:creationId xmlns:p14="http://schemas.microsoft.com/office/powerpoint/2010/main" xmlns="" val="2718990012"/>
       </p:ext>
     </p:extLst>
   </p:cSld>
@@ -10218,7 +9001,7 @@
 </p:sld>
 </file>
 
-<file path=ppt/slides/slide12.xml><?xml version="1.0" encoding="utf-8"?>
+<file path=ppt/slides/slide11.xml><?xml version="1.0" encoding="utf-8"?>
 <p:sld xmlns:a="http://schemas.openxmlformats.org/drawingml/2006/main" xmlns:r="http://schemas.openxmlformats.org/officeDocument/2006/relationships" xmlns:p="http://schemas.openxmlformats.org/presentationml/2006/main">
   <p:cSld>
     <p:spTree>
@@ -10374,14 +9157,14 @@
           <a:effectLst/>
           <a:extLst>
             <a:ext uri="{909E8E84-426E-40DD-AFC4-6F175D3DCCD1}">
-              <a14:hiddenFill xmlns="" xmlns:a14="http://schemas.microsoft.com/office/drawing/2010/main">
+              <a14:hiddenFill xmlns:a14="http://schemas.microsoft.com/office/drawing/2010/main" xmlns="">
                 <a:solidFill>
                   <a:schemeClr val="accent1"/>
                 </a:solidFill>
               </a14:hiddenFill>
             </a:ext>
             <a:ext uri="{91240B29-F687-4F45-9708-019B960494DF}">
-              <a14:hiddenLine xmlns="" xmlns:a14="http://schemas.microsoft.com/office/drawing/2010/main" w="9525">
+              <a14:hiddenLine xmlns:a14="http://schemas.microsoft.com/office/drawing/2010/main" xmlns="" w="9525">
                 <a:solidFill>
                   <a:schemeClr val="tx1"/>
                 </a:solidFill>
@@ -10391,7 +9174,7 @@
               </a14:hiddenLine>
             </a:ext>
             <a:ext uri="{AF507438-7753-43E0-B8FC-AC1667EBCBE1}">
-              <a14:hiddenEffects xmlns="" xmlns:a14="http://schemas.microsoft.com/office/drawing/2010/main">
+              <a14:hiddenEffects xmlns:a14="http://schemas.microsoft.com/office/drawing/2010/main" xmlns="">
                 <a:effectLst>
                   <a:outerShdw dist="35921" dir="2700000" algn="ctr" rotWithShape="0">
                     <a:schemeClr val="bg2"/>
@@ -10532,14 +9315,14 @@
           <a:effectLst/>
           <a:extLst>
             <a:ext uri="{909E8E84-426E-40DD-AFC4-6F175D3DCCD1}">
-              <a14:hiddenFill xmlns="" xmlns:a14="http://schemas.microsoft.com/office/drawing/2010/main">
+              <a14:hiddenFill xmlns:a14="http://schemas.microsoft.com/office/drawing/2010/main" xmlns="">
                 <a:solidFill>
                   <a:schemeClr val="accent1"/>
                 </a:solidFill>
               </a14:hiddenFill>
             </a:ext>
             <a:ext uri="{91240B29-F687-4F45-9708-019B960494DF}">
-              <a14:hiddenLine xmlns="" xmlns:a14="http://schemas.microsoft.com/office/drawing/2010/main" w="9525">
+              <a14:hiddenLine xmlns:a14="http://schemas.microsoft.com/office/drawing/2010/main" xmlns="" w="9525">
                 <a:solidFill>
                   <a:schemeClr val="tx1"/>
                 </a:solidFill>
@@ -10549,7 +9332,7 @@
               </a14:hiddenLine>
             </a:ext>
             <a:ext uri="{AF507438-7753-43E0-B8FC-AC1667EBCBE1}">
-              <a14:hiddenEffects xmlns="" xmlns:a14="http://schemas.microsoft.com/office/drawing/2010/main">
+              <a14:hiddenEffects xmlns:a14="http://schemas.microsoft.com/office/drawing/2010/main" xmlns="">
                 <a:effectLst>
                   <a:outerShdw dist="35921" dir="2700000" algn="ctr" rotWithShape="0">
                     <a:schemeClr val="bg2"/>
@@ -10779,7 +9562,7 @@
     </p:spTree>
     <p:extLst>
       <p:ext uri="{BB962C8B-B14F-4D97-AF65-F5344CB8AC3E}">
-        <p14:creationId xmlns="" xmlns:p14="http://schemas.microsoft.com/office/powerpoint/2010/main" val="2718990012"/>
+        <p14:creationId xmlns:p14="http://schemas.microsoft.com/office/powerpoint/2010/main" xmlns="" val="2718990012"/>
       </p:ext>
     </p:extLst>
   </p:cSld>
@@ -10797,7 +9580,7 @@
 </p:sld>
 </file>
 
-<file path=ppt/slides/slide13.xml><?xml version="1.0" encoding="utf-8"?>
+<file path=ppt/slides/slide12.xml><?xml version="1.0" encoding="utf-8"?>
 <p:sld xmlns:a="http://schemas.openxmlformats.org/drawingml/2006/main" xmlns:r="http://schemas.openxmlformats.org/officeDocument/2006/relationships" xmlns:p="http://schemas.openxmlformats.org/presentationml/2006/main">
   <p:cSld>
     <p:spTree>
@@ -10866,7 +9649,7 @@
         <p:spPr>
           <a:xfrm>
             <a:off x="971600" y="1268760"/>
-            <a:ext cx="7416824" cy="4267200"/>
+            <a:ext cx="4032448" cy="576064"/>
           </a:xfrm>
         </p:spPr>
         <p:txBody>
@@ -11262,7 +10045,7 @@
           <a:effectLst/>
           <a:extLst>
             <a:ext uri="{AF507438-7753-43E0-B8FC-AC1667EBCBE1}">
-              <a14:hiddenEffects xmlns="" xmlns:a14="http://schemas.microsoft.com/office/drawing/2010/main">
+              <a14:hiddenEffects xmlns:a14="http://schemas.microsoft.com/office/drawing/2010/main" xmlns="">
                 <a:effectLst>
                   <a:outerShdw dist="35921" dir="2700000" algn="ctr" rotWithShape="0">
                     <a:schemeClr val="bg2"/>
@@ -11909,7 +10692,7 @@
         </p:nvSpPr>
         <p:spPr>
           <a:xfrm>
-            <a:off x="4001136" y="5185733"/>
+            <a:off x="4001136" y="5200247"/>
             <a:ext cx="1865863" cy="821420"/>
           </a:xfrm>
           <a:prstGeom prst="rect">
@@ -12317,7 +11100,7 @@
           <a:effectLst/>
           <a:extLst>
             <a:ext uri="{91240B29-F687-4F45-9708-019B960494DF}">
-              <a14:hiddenLine xmlns="" xmlns:a14="http://schemas.microsoft.com/office/drawing/2010/main" w="9525" cap="flat" cmpd="sng" algn="ctr">
+              <a14:hiddenLine xmlns:a14="http://schemas.microsoft.com/office/drawing/2010/main" xmlns="" w="9525" cap="flat" cmpd="sng" algn="ctr">
                 <a:solidFill>
                   <a:schemeClr val="tx1"/>
                 </a:solidFill>
@@ -12328,7 +11111,7 @@
               </a14:hiddenLine>
             </a:ext>
             <a:ext uri="{AF507438-7753-43E0-B8FC-AC1667EBCBE1}">
-              <a14:hiddenEffects xmlns="" xmlns:a14="http://schemas.microsoft.com/office/drawing/2010/main">
+              <a14:hiddenEffects xmlns:a14="http://schemas.microsoft.com/office/drawing/2010/main" xmlns="">
                 <a:effectLst>
                   <a:outerShdw dist="35921" dir="2700000" algn="ctr" rotWithShape="0">
                     <a:schemeClr val="bg2"/>
@@ -12382,7 +11165,7 @@
           <a:effectLst/>
           <a:extLst>
             <a:ext uri="{91240B29-F687-4F45-9708-019B960494DF}">
-              <a14:hiddenLine xmlns="" xmlns:a14="http://schemas.microsoft.com/office/drawing/2010/main" w="9525" cap="flat" cmpd="sng" algn="ctr">
+              <a14:hiddenLine xmlns:a14="http://schemas.microsoft.com/office/drawing/2010/main" xmlns="" w="9525" cap="flat" cmpd="sng" algn="ctr">
                 <a:solidFill>
                   <a:schemeClr val="tx1"/>
                 </a:solidFill>
@@ -12393,7 +11176,7 @@
               </a14:hiddenLine>
             </a:ext>
             <a:ext uri="{AF507438-7753-43E0-B8FC-AC1667EBCBE1}">
-              <a14:hiddenEffects xmlns="" xmlns:a14="http://schemas.microsoft.com/office/drawing/2010/main">
+              <a14:hiddenEffects xmlns:a14="http://schemas.microsoft.com/office/drawing/2010/main" xmlns="">
                 <a:effectLst>
                   <a:outerShdw dist="35921" dir="2700000" algn="ctr" rotWithShape="0">
                     <a:schemeClr val="bg2"/>
@@ -12415,8 +11198,8 @@
         </p:nvCxnSpPr>
         <p:spPr bwMode="auto">
           <a:xfrm flipH="1">
-            <a:off x="2549431" y="5596443"/>
-            <a:ext cx="1451705" cy="16171"/>
+            <a:off x="2549431" y="5610957"/>
+            <a:ext cx="1451705" cy="1657"/>
           </a:xfrm>
           <a:prstGeom prst="straightConnector1">
             <a:avLst/>
@@ -12447,7 +11230,7 @@
           <a:effectLst/>
           <a:extLst>
             <a:ext uri="{91240B29-F687-4F45-9708-019B960494DF}">
-              <a14:hiddenLine xmlns="" xmlns:a14="http://schemas.microsoft.com/office/drawing/2010/main" w="9525" cap="flat" cmpd="sng" algn="ctr">
+              <a14:hiddenLine xmlns:a14="http://schemas.microsoft.com/office/drawing/2010/main" xmlns="" w="9525" cap="flat" cmpd="sng" algn="ctr">
                 <a:solidFill>
                   <a:schemeClr val="tx1"/>
                 </a:solidFill>
@@ -12458,7 +11241,7 @@
               </a14:hiddenLine>
             </a:ext>
             <a:ext uri="{AF507438-7753-43E0-B8FC-AC1667EBCBE1}">
-              <a14:hiddenEffects xmlns="" xmlns:a14="http://schemas.microsoft.com/office/drawing/2010/main">
+              <a14:hiddenEffects xmlns:a14="http://schemas.microsoft.com/office/drawing/2010/main" xmlns="">
                 <a:effectLst>
                   <a:outerShdw dist="35921" dir="2700000" algn="ctr" rotWithShape="0">
                     <a:schemeClr val="bg2"/>
@@ -12511,7 +11294,7 @@
           <a:effectLst/>
           <a:extLst>
             <a:ext uri="{91240B29-F687-4F45-9708-019B960494DF}">
-              <a14:hiddenLine xmlns="" xmlns:a14="http://schemas.microsoft.com/office/drawing/2010/main" w="9525" cap="flat" cmpd="sng" algn="ctr">
+              <a14:hiddenLine xmlns:a14="http://schemas.microsoft.com/office/drawing/2010/main" xmlns="" w="9525" cap="flat" cmpd="sng" algn="ctr">
                 <a:solidFill>
                   <a:schemeClr val="tx1"/>
                 </a:solidFill>
@@ -12522,7 +11305,7 @@
               </a14:hiddenLine>
             </a:ext>
             <a:ext uri="{AF507438-7753-43E0-B8FC-AC1667EBCBE1}">
-              <a14:hiddenEffects xmlns="" xmlns:a14="http://schemas.microsoft.com/office/drawing/2010/main">
+              <a14:hiddenEffects xmlns:a14="http://schemas.microsoft.com/office/drawing/2010/main" xmlns="">
                 <a:effectLst>
                   <a:outerShdw dist="35921" dir="2700000" algn="ctr" rotWithShape="0">
                     <a:schemeClr val="bg2"/>
@@ -12574,7 +11357,7 @@
           <a:effectLst/>
           <a:extLst>
             <a:ext uri="{91240B29-F687-4F45-9708-019B960494DF}">
-              <a14:hiddenLine xmlns="" xmlns:a14="http://schemas.microsoft.com/office/drawing/2010/main" w="9525" cap="flat" cmpd="sng" algn="ctr">
+              <a14:hiddenLine xmlns:a14="http://schemas.microsoft.com/office/drawing/2010/main" xmlns="" w="9525" cap="flat" cmpd="sng" algn="ctr">
                 <a:solidFill>
                   <a:schemeClr val="tx1"/>
                 </a:solidFill>
@@ -12585,7 +11368,7 @@
               </a14:hiddenLine>
             </a:ext>
             <a:ext uri="{AF507438-7753-43E0-B8FC-AC1667EBCBE1}">
-              <a14:hiddenEffects xmlns="" xmlns:a14="http://schemas.microsoft.com/office/drawing/2010/main">
+              <a14:hiddenEffects xmlns:a14="http://schemas.microsoft.com/office/drawing/2010/main" xmlns="">
                 <a:effectLst>
                   <a:outerShdw dist="35921" dir="2700000" algn="ctr" rotWithShape="0">
                     <a:schemeClr val="bg2"/>
@@ -12599,7 +11382,7 @@
     </p:spTree>
     <p:extLst>
       <p:ext uri="{BB962C8B-B14F-4D97-AF65-F5344CB8AC3E}">
-        <p14:creationId xmlns="" xmlns:p14="http://schemas.microsoft.com/office/powerpoint/2010/main" val="2718990012"/>
+        <p14:creationId xmlns:p14="http://schemas.microsoft.com/office/powerpoint/2010/main" xmlns="" val="2718990012"/>
       </p:ext>
     </p:extLst>
   </p:cSld>
@@ -12617,7 +11400,7 @@
 </p:sld>
 </file>
 
-<file path=ppt/slides/slide14.xml><?xml version="1.0" encoding="utf-8"?>
+<file path=ppt/slides/slide13.xml><?xml version="1.0" encoding="utf-8"?>
 <p:sld xmlns:a="http://schemas.openxmlformats.org/drawingml/2006/main" xmlns:r="http://schemas.openxmlformats.org/officeDocument/2006/relationships" xmlns:p="http://schemas.openxmlformats.org/presentationml/2006/main">
   <p:cSld>
     <p:spTree>
@@ -12686,7 +11469,7 @@
         <p:spPr>
           <a:xfrm>
             <a:off x="971600" y="1268760"/>
-            <a:ext cx="7416824" cy="4267200"/>
+            <a:ext cx="2592288" cy="576064"/>
           </a:xfrm>
         </p:spPr>
         <p:txBody>
@@ -12867,7 +11650,802 @@
     </p:spTree>
     <p:extLst>
       <p:ext uri="{BB962C8B-B14F-4D97-AF65-F5344CB8AC3E}">
-        <p14:creationId xmlns="" xmlns:p14="http://schemas.microsoft.com/office/powerpoint/2010/main" val="2718990012"/>
+        <p14:creationId xmlns:p14="http://schemas.microsoft.com/office/powerpoint/2010/main" xmlns="" val="2718990012"/>
+      </p:ext>
+    </p:extLst>
+  </p:cSld>
+  <p:clrMapOvr>
+    <a:masterClrMapping/>
+  </p:clrMapOvr>
+  <p:transition advClick="0" advTm="20000"/>
+  <p:timing>
+    <p:tnLst>
+      <p:par>
+        <p:cTn id="1" dur="indefinite" restart="never" nodeType="tmRoot"/>
+      </p:par>
+    </p:tnLst>
+  </p:timing>
+</p:sld>
+</file>
+
+<file path=ppt/slides/slide14.xml><?xml version="1.0" encoding="utf-8"?>
+<p:sld xmlns:a="http://schemas.openxmlformats.org/drawingml/2006/main" xmlns:r="http://schemas.openxmlformats.org/officeDocument/2006/relationships" xmlns:p="http://schemas.openxmlformats.org/presentationml/2006/main">
+  <p:cSld>
+    <p:spTree>
+      <p:nvGrpSpPr>
+        <p:cNvPr id="1" name=""/>
+        <p:cNvGrpSpPr/>
+        <p:nvPr/>
+      </p:nvGrpSpPr>
+      <p:grpSpPr>
+        <a:xfrm>
+          <a:off x="0" y="0"/>
+          <a:ext cx="0" cy="0"/>
+          <a:chOff x="0" y="0"/>
+          <a:chExt cx="0" cy="0"/>
+        </a:xfrm>
+      </p:grpSpPr>
+      <p:sp>
+        <p:nvSpPr>
+          <p:cNvPr id="2" name="제목 1"/>
+          <p:cNvSpPr>
+            <a:spLocks noGrp="1"/>
+          </p:cNvSpPr>
+          <p:nvPr>
+            <p:ph type="title"/>
+          </p:nvPr>
+        </p:nvSpPr>
+        <p:spPr/>
+        <p:txBody>
+          <a:bodyPr/>
+          <a:lstStyle/>
+          <a:p>
+            <a:pPr marL="914400" indent="-914400">
+              <a:buFont typeface="+mj-lt"/>
+              <a:buAutoNum type="arabicPeriod" startAt="4"/>
+            </a:pPr>
+            <a:r>
+              <a:rPr lang="ko-KR" altLang="en-US" sz="5400" spc="600" dirty="0" smtClean="0">
+                <a:solidFill>
+                  <a:srgbClr val="000000"/>
+                </a:solidFill>
+                <a:latin typeface="HY동녘M" pitchFamily="18" charset="-127"/>
+                <a:ea typeface="HY동녘M" pitchFamily="18" charset="-127"/>
+              </a:rPr>
+              <a:t>활용 서비스</a:t>
+            </a:r>
+            <a:endParaRPr lang="en-US" altLang="ko-KR" sz="5400" dirty="0">
+              <a:solidFill>
+                <a:srgbClr val="000000"/>
+              </a:solidFill>
+              <a:latin typeface="HY동녘M" pitchFamily="18" charset="-127"/>
+              <a:ea typeface="HY동녘M" pitchFamily="18" charset="-127"/>
+            </a:endParaRPr>
+          </a:p>
+        </p:txBody>
+      </p:sp>
+      <p:sp>
+        <p:nvSpPr>
+          <p:cNvPr id="3" name="내용 개체 틀 2"/>
+          <p:cNvSpPr>
+            <a:spLocks noGrp="1"/>
+          </p:cNvSpPr>
+          <p:nvPr>
+            <p:ph idx="1"/>
+          </p:nvPr>
+        </p:nvSpPr>
+        <p:spPr>
+          <a:xfrm>
+            <a:off x="971600" y="1268760"/>
+            <a:ext cx="3384376" cy="576064"/>
+          </a:xfrm>
+        </p:spPr>
+        <p:txBody>
+          <a:bodyPr/>
+          <a:lstStyle/>
+          <a:p>
+            <a:pPr marL="514350" lvl="1" indent="-514350">
+              <a:buNone/>
+            </a:pPr>
+            <a:r>
+              <a:rPr lang="en-US" altLang="ko-KR" dirty="0" smtClean="0">
+                <a:solidFill>
+                  <a:srgbClr val="000000"/>
+                </a:solidFill>
+                <a:latin typeface="HY동녘M" pitchFamily="18" charset="-127"/>
+                <a:ea typeface="HY동녘M" pitchFamily="18" charset="-127"/>
+              </a:rPr>
+              <a:t>- </a:t>
+            </a:r>
+            <a:r>
+              <a:rPr lang="en-US" altLang="ko-KR" dirty="0" err="1" smtClean="0">
+                <a:solidFill>
+                  <a:srgbClr val="000000"/>
+                </a:solidFill>
+                <a:latin typeface="HY동녘M" pitchFamily="18" charset="-127"/>
+                <a:ea typeface="HY동녘M" pitchFamily="18" charset="-127"/>
+              </a:rPr>
+              <a:t>LTouchPad</a:t>
+            </a:r>
+            <a:r>
+              <a:rPr lang="en-US" altLang="ko-KR" dirty="0" smtClean="0">
+                <a:solidFill>
+                  <a:srgbClr val="000000"/>
+                </a:solidFill>
+                <a:latin typeface="HY동녘M" pitchFamily="18" charset="-127"/>
+                <a:ea typeface="HY동녘M" pitchFamily="18" charset="-127"/>
+              </a:rPr>
+              <a:t> </a:t>
+            </a:r>
+            <a:r>
+              <a:rPr lang="ko-KR" altLang="en-US" dirty="0" smtClean="0">
+                <a:solidFill>
+                  <a:srgbClr val="000000"/>
+                </a:solidFill>
+                <a:latin typeface="HY동녘M" pitchFamily="18" charset="-127"/>
+                <a:ea typeface="HY동녘M" pitchFamily="18" charset="-127"/>
+              </a:rPr>
+              <a:t>구조</a:t>
+            </a:r>
+            <a:endParaRPr lang="en-US" altLang="ko-KR" dirty="0" smtClean="0">
+              <a:solidFill>
+                <a:srgbClr val="000000"/>
+              </a:solidFill>
+              <a:latin typeface="HY동녘M" pitchFamily="18" charset="-127"/>
+              <a:ea typeface="HY동녘M" pitchFamily="18" charset="-127"/>
+            </a:endParaRPr>
+          </a:p>
+          <a:p>
+            <a:pPr marL="857250" lvl="3" indent="0">
+              <a:buNone/>
+            </a:pPr>
+            <a:endParaRPr lang="en-US" altLang="ko-KR" sz="1600" dirty="0">
+              <a:solidFill>
+                <a:srgbClr val="000000"/>
+              </a:solidFill>
+              <a:latin typeface="HY동녘M" pitchFamily="18" charset="-127"/>
+              <a:ea typeface="HY동녘M" pitchFamily="18" charset="-127"/>
+            </a:endParaRPr>
+          </a:p>
+          <a:p>
+            <a:pPr marL="742950" lvl="2" indent="-342900">
+              <a:buFont typeface="Wingdings" pitchFamily="2" charset="2"/>
+              <a:buChar char="l"/>
+            </a:pPr>
+            <a:endParaRPr lang="en-US" altLang="ko-KR" sz="2000" dirty="0" smtClean="0">
+              <a:solidFill>
+                <a:srgbClr val="000000"/>
+              </a:solidFill>
+              <a:latin typeface="HY동녘M" pitchFamily="18" charset="-127"/>
+              <a:ea typeface="HY동녘M" pitchFamily="18" charset="-127"/>
+            </a:endParaRPr>
+          </a:p>
+        </p:txBody>
+      </p:sp>
+      <p:sp>
+        <p:nvSpPr>
+          <p:cNvPr id="5" name="직사각형 4"/>
+          <p:cNvSpPr/>
+          <p:nvPr/>
+        </p:nvSpPr>
+        <p:spPr>
+          <a:xfrm>
+            <a:off x="5101108" y="2780928"/>
+            <a:ext cx="2232247" cy="864096"/>
+          </a:xfrm>
+          <a:prstGeom prst="rect">
+            <a:avLst/>
+          </a:prstGeom>
+          <a:ln/>
+        </p:spPr>
+        <p:style>
+          <a:lnRef idx="2">
+            <a:schemeClr val="accent2"/>
+          </a:lnRef>
+          <a:fillRef idx="1">
+            <a:schemeClr val="lt1"/>
+          </a:fillRef>
+          <a:effectRef idx="0">
+            <a:schemeClr val="accent2"/>
+          </a:effectRef>
+          <a:fontRef idx="minor">
+            <a:schemeClr val="dk1"/>
+          </a:fontRef>
+        </p:style>
+        <p:txBody>
+          <a:bodyPr rtlCol="0" anchor="ctr"/>
+          <a:lstStyle/>
+          <a:p>
+            <a:r>
+              <a:rPr lang="en-US" altLang="ko-KR" dirty="0" err="1" smtClean="0">
+                <a:solidFill>
+                  <a:srgbClr val="000000"/>
+                </a:solidFill>
+                <a:latin typeface="HY동녘M" pitchFamily="18" charset="-127"/>
+                <a:ea typeface="HY동녘M" pitchFamily="18" charset="-127"/>
+              </a:rPr>
+              <a:t>LTouchPad</a:t>
+            </a:r>
+            <a:endParaRPr lang="ko-KR" altLang="en-US" b="1" dirty="0">
+              <a:solidFill>
+                <a:schemeClr val="tx1"/>
+              </a:solidFill>
+              <a:latin typeface="HY동녘M" pitchFamily="18" charset="-127"/>
+              <a:ea typeface="HY동녘M" pitchFamily="18" charset="-127"/>
+            </a:endParaRPr>
+          </a:p>
+        </p:txBody>
+      </p:sp>
+      <p:cxnSp>
+        <p:nvCxnSpPr>
+          <p:cNvPr id="7" name="직선 연결선 6"/>
+          <p:cNvCxnSpPr/>
+          <p:nvPr/>
+        </p:nvCxnSpPr>
+        <p:spPr bwMode="auto">
+          <a:xfrm>
+            <a:off x="4716016" y="2276872"/>
+            <a:ext cx="0" cy="4176464"/>
+          </a:xfrm>
+          <a:prstGeom prst="line">
+            <a:avLst/>
+          </a:prstGeom>
+          <a:gradFill rotWithShape="1">
+            <a:gsLst>
+              <a:gs pos="0">
+                <a:schemeClr val="bg2">
+                  <a:gamma/>
+                  <a:tint val="26667"/>
+                  <a:invGamma/>
+                </a:schemeClr>
+              </a:gs>
+              <a:gs pos="100000">
+                <a:schemeClr val="bg2">
+                  <a:alpha val="14999"/>
+                </a:schemeClr>
+              </a:gs>
+            </a:gsLst>
+            <a:lin ang="5400000" scaled="1"/>
+          </a:gradFill>
+          <a:ln w="38100" cap="flat" cmpd="sng" algn="ctr">
+            <a:solidFill>
+              <a:schemeClr val="tx1"/>
+            </a:solidFill>
+            <a:prstDash val="dash"/>
+            <a:round/>
+            <a:headEnd type="none" w="med" len="med"/>
+            <a:tailEnd type="none" w="med" len="med"/>
+          </a:ln>
+          <a:effectLst/>
+          <a:extLst>
+            <a:ext uri="{AF507438-7753-43E0-B8FC-AC1667EBCBE1}">
+              <a14:hiddenEffects xmlns:a14="http://schemas.microsoft.com/office/drawing/2010/main" xmlns="">
+                <a:effectLst>
+                  <a:outerShdw dist="35921" dir="2700000" algn="ctr" rotWithShape="0">
+                    <a:schemeClr val="bg2"/>
+                  </a:outerShdw>
+                </a:effectLst>
+              </a14:hiddenEffects>
+            </a:ext>
+          </a:extLst>
+        </p:spPr>
+      </p:cxnSp>
+      <p:sp>
+        <p:nvSpPr>
+          <p:cNvPr id="28" name="직사각형 27"/>
+          <p:cNvSpPr/>
+          <p:nvPr/>
+        </p:nvSpPr>
+        <p:spPr>
+          <a:xfrm>
+            <a:off x="2123727" y="3789040"/>
+            <a:ext cx="2232247" cy="864096"/>
+          </a:xfrm>
+          <a:prstGeom prst="rect">
+            <a:avLst/>
+          </a:prstGeom>
+          <a:ln/>
+        </p:spPr>
+        <p:style>
+          <a:lnRef idx="2">
+            <a:schemeClr val="accent2"/>
+          </a:lnRef>
+          <a:fillRef idx="1">
+            <a:schemeClr val="lt1"/>
+          </a:fillRef>
+          <a:effectRef idx="0">
+            <a:schemeClr val="accent2"/>
+          </a:effectRef>
+          <a:fontRef idx="minor">
+            <a:schemeClr val="dk1"/>
+          </a:fontRef>
+        </p:style>
+        <p:txBody>
+          <a:bodyPr rtlCol="0" anchor="ctr"/>
+          <a:lstStyle/>
+          <a:p>
+            <a:r>
+              <a:rPr lang="en-US" altLang="ko-KR" b="1" dirty="0" smtClean="0">
+                <a:solidFill>
+                  <a:schemeClr val="tx1"/>
+                </a:solidFill>
+                <a:latin typeface="HY동녘M" pitchFamily="18" charset="-127"/>
+                <a:ea typeface="HY동녘M" pitchFamily="18" charset="-127"/>
+              </a:rPr>
+              <a:t>Mouse Driver</a:t>
+            </a:r>
+          </a:p>
+        </p:txBody>
+      </p:sp>
+      <p:sp>
+        <p:nvSpPr>
+          <p:cNvPr id="29" name="직사각형 28"/>
+          <p:cNvSpPr/>
+          <p:nvPr/>
+        </p:nvSpPr>
+        <p:spPr>
+          <a:xfrm>
+            <a:off x="2123728" y="4653136"/>
+            <a:ext cx="5184576" cy="864096"/>
+          </a:xfrm>
+          <a:prstGeom prst="rect">
+            <a:avLst/>
+          </a:prstGeom>
+          <a:ln/>
+        </p:spPr>
+        <p:style>
+          <a:lnRef idx="2">
+            <a:schemeClr val="accent2"/>
+          </a:lnRef>
+          <a:fillRef idx="1">
+            <a:schemeClr val="lt1"/>
+          </a:fillRef>
+          <a:effectRef idx="0">
+            <a:schemeClr val="accent2"/>
+          </a:effectRef>
+          <a:fontRef idx="minor">
+            <a:schemeClr val="dk1"/>
+          </a:fontRef>
+        </p:style>
+        <p:txBody>
+          <a:bodyPr rtlCol="0" anchor="ctr"/>
+          <a:lstStyle/>
+          <a:p>
+            <a:r>
+              <a:rPr lang="en-US" altLang="ko-KR" b="1" dirty="0" smtClean="0">
+                <a:solidFill>
+                  <a:schemeClr val="tx1"/>
+                </a:solidFill>
+                <a:latin typeface="HY동녘M" pitchFamily="18" charset="-127"/>
+                <a:ea typeface="HY동녘M" pitchFamily="18" charset="-127"/>
+              </a:rPr>
+              <a:t>USB/IP</a:t>
+            </a:r>
+            <a:endParaRPr lang="ko-KR" altLang="en-US" b="1" dirty="0">
+              <a:solidFill>
+                <a:schemeClr val="tx1"/>
+              </a:solidFill>
+              <a:latin typeface="HY동녘M" pitchFamily="18" charset="-127"/>
+              <a:ea typeface="HY동녘M" pitchFamily="18" charset="-127"/>
+            </a:endParaRPr>
+          </a:p>
+        </p:txBody>
+      </p:sp>
+      <p:cxnSp>
+        <p:nvCxnSpPr>
+          <p:cNvPr id="31" name="직선 화살표 연결선 30"/>
+          <p:cNvCxnSpPr>
+            <a:stCxn id="5" idx="2"/>
+          </p:cNvCxnSpPr>
+          <p:nvPr/>
+        </p:nvCxnSpPr>
+        <p:spPr bwMode="auto">
+          <a:xfrm>
+            <a:off x="6217232" y="3645024"/>
+            <a:ext cx="10952" cy="1008112"/>
+          </a:xfrm>
+          <a:prstGeom prst="straightConnector1">
+            <a:avLst/>
+          </a:prstGeom>
+          <a:gradFill rotWithShape="1">
+            <a:gsLst>
+              <a:gs pos="0">
+                <a:schemeClr val="bg2">
+                  <a:gamma/>
+                  <a:tint val="26667"/>
+                  <a:invGamma/>
+                </a:schemeClr>
+              </a:gs>
+              <a:gs pos="100000">
+                <a:schemeClr val="bg2">
+                  <a:alpha val="14999"/>
+                </a:schemeClr>
+              </a:gs>
+            </a:gsLst>
+            <a:lin ang="5400000" scaled="1"/>
+          </a:gradFill>
+          <a:ln w="38100">
+            <a:solidFill>
+              <a:schemeClr val="tx1"/>
+            </a:solidFill>
+            <a:tailEnd type="arrow"/>
+          </a:ln>
+          <a:effectLst/>
+          <a:extLst>
+            <a:ext uri="{AF507438-7753-43E0-B8FC-AC1667EBCBE1}">
+              <a14:hiddenEffects xmlns:a14="http://schemas.microsoft.com/office/drawing/2010/main" xmlns="">
+                <a:effectLst>
+                  <a:outerShdw dist="35921" dir="2700000" algn="ctr" rotWithShape="0">
+                    <a:schemeClr val="bg2"/>
+                  </a:outerShdw>
+                </a:effectLst>
+              </a14:hiddenEffects>
+            </a:ext>
+          </a:extLst>
+        </p:spPr>
+      </p:cxnSp>
+      <p:sp>
+        <p:nvSpPr>
+          <p:cNvPr id="43" name="TextBox 42"/>
+          <p:cNvSpPr txBox="1"/>
+          <p:nvPr/>
+        </p:nvSpPr>
+        <p:spPr>
+          <a:xfrm>
+            <a:off x="4932040" y="3861048"/>
+            <a:ext cx="1296144" cy="384721"/>
+          </a:xfrm>
+          <a:prstGeom prst="rect">
+            <a:avLst/>
+          </a:prstGeom>
+          <a:noFill/>
+        </p:spPr>
+        <p:txBody>
+          <a:bodyPr wrap="square" rtlCol="0">
+            <a:spAutoFit/>
+          </a:bodyPr>
+          <a:lstStyle/>
+          <a:p>
+            <a:r>
+              <a:rPr lang="ko-KR" altLang="en-US" sz="1900" b="1" dirty="0" smtClean="0"/>
+              <a:t>장치 정보</a:t>
+            </a:r>
+            <a:endParaRPr lang="ko-KR" altLang="en-US" sz="1900" b="1" dirty="0"/>
+          </a:p>
+        </p:txBody>
+      </p:sp>
+      <p:sp>
+        <p:nvSpPr>
+          <p:cNvPr id="44" name="TextBox 43"/>
+          <p:cNvSpPr txBox="1"/>
+          <p:nvPr/>
+        </p:nvSpPr>
+        <p:spPr>
+          <a:xfrm>
+            <a:off x="6156176" y="3832012"/>
+            <a:ext cx="2016224" cy="677108"/>
+          </a:xfrm>
+          <a:prstGeom prst="rect">
+            <a:avLst/>
+          </a:prstGeom>
+          <a:noFill/>
+        </p:spPr>
+        <p:txBody>
+          <a:bodyPr wrap="square" rtlCol="0">
+            <a:spAutoFit/>
+          </a:bodyPr>
+          <a:lstStyle/>
+          <a:p>
+            <a:r>
+              <a:rPr lang="ko-KR" altLang="en-US" sz="1900" b="1" dirty="0" smtClean="0"/>
+              <a:t>터치패드 클릭</a:t>
+            </a:r>
+            <a:r>
+              <a:rPr lang="en-US" altLang="ko-KR" sz="1900" b="1" dirty="0" smtClean="0"/>
+              <a:t>, </a:t>
+            </a:r>
+          </a:p>
+          <a:p>
+            <a:r>
+              <a:rPr lang="ko-KR" altLang="en-US" sz="1900" b="1" dirty="0" smtClean="0"/>
+              <a:t>이동 정보</a:t>
+            </a:r>
+            <a:endParaRPr lang="ko-KR" altLang="en-US" sz="1900" b="1" dirty="0"/>
+          </a:p>
+        </p:txBody>
+      </p:sp>
+      <p:sp>
+        <p:nvSpPr>
+          <p:cNvPr id="52" name="내용 개체 틀 2"/>
+          <p:cNvSpPr txBox="1">
+            <a:spLocks/>
+          </p:cNvSpPr>
+          <p:nvPr/>
+        </p:nvSpPr>
+        <p:spPr bwMode="auto">
+          <a:xfrm>
+            <a:off x="1403648" y="2060848"/>
+            <a:ext cx="2592288" cy="576064"/>
+          </a:xfrm>
+          <a:prstGeom prst="rect">
+            <a:avLst/>
+          </a:prstGeom>
+          <a:noFill/>
+          <a:ln>
+            <a:noFill/>
+          </a:ln>
+          <a:effectLst/>
+          <a:extLst>
+            <a:ext uri="{909E8E84-426E-40DD-AFC4-6F175D3DCCD1}">
+              <a14:hiddenFill xmlns:a14="http://schemas.microsoft.com/office/drawing/2010/main" xmlns="">
+                <a:solidFill>
+                  <a:schemeClr val="accent1"/>
+                </a:solidFill>
+              </a14:hiddenFill>
+            </a:ext>
+            <a:ext uri="{91240B29-F687-4F45-9708-019B960494DF}">
+              <a14:hiddenLine xmlns:a14="http://schemas.microsoft.com/office/drawing/2010/main" xmlns="" w="9525">
+                <a:solidFill>
+                  <a:schemeClr val="tx1"/>
+                </a:solidFill>
+                <a:miter lim="800000"/>
+                <a:headEnd/>
+                <a:tailEnd/>
+              </a14:hiddenLine>
+            </a:ext>
+            <a:ext uri="{AF507438-7753-43E0-B8FC-AC1667EBCBE1}">
+              <a14:hiddenEffects xmlns:a14="http://schemas.microsoft.com/office/drawing/2010/main" xmlns="">
+                <a:effectLst>
+                  <a:outerShdw dist="35921" dir="2700000" algn="ctr" rotWithShape="0">
+                    <a:schemeClr val="bg2"/>
+                  </a:outerShdw>
+                </a:effectLst>
+              </a14:hiddenEffects>
+            </a:ext>
+          </a:extLst>
+        </p:spPr>
+        <p:txBody>
+          <a:bodyPr vert="horz" wrap="square" lIns="91440" tIns="45720" rIns="91440" bIns="45720" numCol="1" anchor="t" anchorCtr="0" compatLnSpc="1">
+            <a:prstTxWarp prst="textNoShape">
+              <a:avLst/>
+            </a:prstTxWarp>
+          </a:bodyPr>
+          <a:lstStyle/>
+          <a:p>
+            <a:pPr marL="514350" marR="0" lvl="1" indent="-514350" algn="l" defTabSz="914400" rtl="0" eaLnBrk="1" fontAlgn="base" latinLnBrk="1" hangingPunct="1">
+              <a:lnSpc>
+                <a:spcPct val="100000"/>
+              </a:lnSpc>
+              <a:spcBef>
+                <a:spcPct val="20000"/>
+              </a:spcBef>
+              <a:spcAft>
+                <a:spcPct val="0"/>
+              </a:spcAft>
+              <a:buClrTx/>
+              <a:buSzTx/>
+              <a:buFontTx/>
+              <a:buNone/>
+              <a:tabLst/>
+              <a:defRPr/>
+            </a:pPr>
+            <a:r>
+              <a:rPr kumimoji="0" lang="en-US" altLang="ko-KR" sz="2800" b="0" i="0" u="none" strike="noStrike" kern="0" cap="none" spc="0" normalizeH="0" baseline="0" noProof="0" dirty="0" smtClean="0">
+                <a:ln>
+                  <a:noFill/>
+                </a:ln>
+                <a:solidFill>
+                  <a:srgbClr val="000000"/>
+                </a:solidFill>
+                <a:effectLst/>
+                <a:uLnTx/>
+                <a:uFillTx/>
+                <a:latin typeface="HY동녘M" pitchFamily="18" charset="-127"/>
+                <a:ea typeface="HY동녘M" pitchFamily="18" charset="-127"/>
+              </a:rPr>
+              <a:t>Windows</a:t>
+            </a:r>
+            <a:r>
+              <a:rPr kumimoji="0" lang="en-US" altLang="ko-KR" sz="2800" b="0" i="0" u="none" strike="noStrike" kern="0" cap="none" spc="0" normalizeH="0" noProof="0" dirty="0" smtClean="0">
+                <a:ln>
+                  <a:noFill/>
+                </a:ln>
+                <a:solidFill>
+                  <a:srgbClr val="000000"/>
+                </a:solidFill>
+                <a:effectLst/>
+                <a:uLnTx/>
+                <a:uFillTx/>
+                <a:latin typeface="HY동녘M" pitchFamily="18" charset="-127"/>
+                <a:ea typeface="HY동녘M" pitchFamily="18" charset="-127"/>
+              </a:rPr>
+              <a:t> PC</a:t>
+            </a:r>
+            <a:endParaRPr kumimoji="0" lang="en-US" altLang="ko-KR" sz="1600" b="0" i="0" u="none" strike="noStrike" kern="0" cap="none" spc="0" normalizeH="0" baseline="0" noProof="0" dirty="0" smtClean="0">
+              <a:ln>
+                <a:noFill/>
+              </a:ln>
+              <a:solidFill>
+                <a:srgbClr val="000000"/>
+              </a:solidFill>
+              <a:effectLst/>
+              <a:uLnTx/>
+              <a:uFillTx/>
+              <a:latin typeface="HY동녘M" pitchFamily="18" charset="-127"/>
+              <a:ea typeface="HY동녘M" pitchFamily="18" charset="-127"/>
+            </a:endParaRPr>
+          </a:p>
+          <a:p>
+            <a:pPr marL="742950" marR="0" lvl="2" indent="-342900" algn="l" defTabSz="914400" rtl="0" eaLnBrk="1" fontAlgn="base" latinLnBrk="1" hangingPunct="1">
+              <a:lnSpc>
+                <a:spcPct val="100000"/>
+              </a:lnSpc>
+              <a:spcBef>
+                <a:spcPct val="20000"/>
+              </a:spcBef>
+              <a:spcAft>
+                <a:spcPct val="0"/>
+              </a:spcAft>
+              <a:buClrTx/>
+              <a:buSzTx/>
+              <a:buFont typeface="Wingdings" pitchFamily="2" charset="2"/>
+              <a:buChar char="l"/>
+              <a:tabLst/>
+              <a:defRPr/>
+            </a:pPr>
+            <a:endParaRPr kumimoji="0" lang="en-US" altLang="ko-KR" sz="2000" b="0" i="0" u="none" strike="noStrike" kern="0" cap="none" spc="0" normalizeH="0" baseline="0" noProof="0" dirty="0" smtClean="0">
+              <a:ln>
+                <a:noFill/>
+              </a:ln>
+              <a:solidFill>
+                <a:srgbClr val="000000"/>
+              </a:solidFill>
+              <a:effectLst/>
+              <a:uLnTx/>
+              <a:uFillTx/>
+              <a:latin typeface="HY동녘M" pitchFamily="18" charset="-127"/>
+              <a:ea typeface="HY동녘M" pitchFamily="18" charset="-127"/>
+            </a:endParaRPr>
+          </a:p>
+        </p:txBody>
+      </p:sp>
+      <p:sp>
+        <p:nvSpPr>
+          <p:cNvPr id="53" name="내용 개체 틀 2"/>
+          <p:cNvSpPr txBox="1">
+            <a:spLocks/>
+          </p:cNvSpPr>
+          <p:nvPr/>
+        </p:nvSpPr>
+        <p:spPr bwMode="auto">
+          <a:xfrm>
+            <a:off x="5364088" y="1988840"/>
+            <a:ext cx="2592288" cy="576064"/>
+          </a:xfrm>
+          <a:prstGeom prst="rect">
+            <a:avLst/>
+          </a:prstGeom>
+          <a:noFill/>
+          <a:ln>
+            <a:noFill/>
+          </a:ln>
+          <a:effectLst/>
+          <a:extLst>
+            <a:ext uri="{909E8E84-426E-40DD-AFC4-6F175D3DCCD1}">
+              <a14:hiddenFill xmlns:a14="http://schemas.microsoft.com/office/drawing/2010/main" xmlns="">
+                <a:solidFill>
+                  <a:schemeClr val="accent1"/>
+                </a:solidFill>
+              </a14:hiddenFill>
+            </a:ext>
+            <a:ext uri="{91240B29-F687-4F45-9708-019B960494DF}">
+              <a14:hiddenLine xmlns:a14="http://schemas.microsoft.com/office/drawing/2010/main" xmlns="" w="9525">
+                <a:solidFill>
+                  <a:schemeClr val="tx1"/>
+                </a:solidFill>
+                <a:miter lim="800000"/>
+                <a:headEnd/>
+                <a:tailEnd/>
+              </a14:hiddenLine>
+            </a:ext>
+            <a:ext uri="{AF507438-7753-43E0-B8FC-AC1667EBCBE1}">
+              <a14:hiddenEffects xmlns:a14="http://schemas.microsoft.com/office/drawing/2010/main" xmlns="">
+                <a:effectLst>
+                  <a:outerShdw dist="35921" dir="2700000" algn="ctr" rotWithShape="0">
+                    <a:schemeClr val="bg2"/>
+                  </a:outerShdw>
+                </a:effectLst>
+              </a14:hiddenEffects>
+            </a:ext>
+          </a:extLst>
+        </p:spPr>
+        <p:txBody>
+          <a:bodyPr vert="horz" wrap="square" lIns="91440" tIns="45720" rIns="91440" bIns="45720" numCol="1" anchor="t" anchorCtr="0" compatLnSpc="1">
+            <a:prstTxWarp prst="textNoShape">
+              <a:avLst/>
+            </a:prstTxWarp>
+          </a:bodyPr>
+          <a:lstStyle/>
+          <a:p>
+            <a:pPr marL="514350" marR="0" lvl="1" indent="-514350" algn="l" defTabSz="914400" rtl="0" eaLnBrk="1" fontAlgn="base" latinLnBrk="1" hangingPunct="1">
+              <a:lnSpc>
+                <a:spcPct val="100000"/>
+              </a:lnSpc>
+              <a:spcBef>
+                <a:spcPct val="20000"/>
+              </a:spcBef>
+              <a:spcAft>
+                <a:spcPct val="0"/>
+              </a:spcAft>
+              <a:buClrTx/>
+              <a:buSzTx/>
+              <a:buFontTx/>
+              <a:buNone/>
+              <a:tabLst/>
+              <a:defRPr/>
+            </a:pPr>
+            <a:r>
+              <a:rPr lang="ko-KR" altLang="en-US" sz="2800" kern="0" dirty="0" err="1" smtClean="0">
+                <a:solidFill>
+                  <a:srgbClr val="000000"/>
+                </a:solidFill>
+                <a:latin typeface="HY동녘M" pitchFamily="18" charset="-127"/>
+                <a:ea typeface="HY동녘M" pitchFamily="18" charset="-127"/>
+              </a:rPr>
+              <a:t>스마트폰</a:t>
+            </a:r>
+            <a:endParaRPr kumimoji="0" lang="en-US" altLang="ko-KR" sz="1600" b="0" i="0" u="none" strike="noStrike" kern="0" cap="none" spc="0" normalizeH="0" baseline="0" noProof="0" dirty="0" smtClean="0">
+              <a:ln>
+                <a:noFill/>
+              </a:ln>
+              <a:solidFill>
+                <a:srgbClr val="000000"/>
+              </a:solidFill>
+              <a:effectLst/>
+              <a:uLnTx/>
+              <a:uFillTx/>
+              <a:latin typeface="HY동녘M" pitchFamily="18" charset="-127"/>
+              <a:ea typeface="HY동녘M" pitchFamily="18" charset="-127"/>
+            </a:endParaRPr>
+          </a:p>
+          <a:p>
+            <a:pPr marL="742950" marR="0" lvl="2" indent="-342900" algn="l" defTabSz="914400" rtl="0" eaLnBrk="1" fontAlgn="base" latinLnBrk="1" hangingPunct="1">
+              <a:lnSpc>
+                <a:spcPct val="100000"/>
+              </a:lnSpc>
+              <a:spcBef>
+                <a:spcPct val="20000"/>
+              </a:spcBef>
+              <a:spcAft>
+                <a:spcPct val="0"/>
+              </a:spcAft>
+              <a:buClrTx/>
+              <a:buSzTx/>
+              <a:buFont typeface="Wingdings" pitchFamily="2" charset="2"/>
+              <a:buChar char="l"/>
+              <a:tabLst/>
+              <a:defRPr/>
+            </a:pPr>
+            <a:endParaRPr kumimoji="0" lang="en-US" altLang="ko-KR" sz="2000" b="0" i="0" u="none" strike="noStrike" kern="0" cap="none" spc="0" normalizeH="0" baseline="0" noProof="0" dirty="0" smtClean="0">
+              <a:ln>
+                <a:noFill/>
+              </a:ln>
+              <a:solidFill>
+                <a:srgbClr val="000000"/>
+              </a:solidFill>
+              <a:effectLst/>
+              <a:uLnTx/>
+              <a:uFillTx/>
+              <a:latin typeface="HY동녘M" pitchFamily="18" charset="-127"/>
+              <a:ea typeface="HY동녘M" pitchFamily="18" charset="-127"/>
+            </a:endParaRPr>
+          </a:p>
+        </p:txBody>
+      </p:sp>
+    </p:spTree>
+    <p:extLst>
+      <p:ext uri="{BB962C8B-B14F-4D97-AF65-F5344CB8AC3E}">
+        <p14:creationId xmlns:p14="http://schemas.microsoft.com/office/powerpoint/2010/main" xmlns="" val="2718990012"/>
       </p:ext>
     </p:extLst>
   </p:cSld>
@@ -12917,19 +12495,26 @@
           <a:bodyPr/>
           <a:lstStyle/>
           <a:p>
-            <a:pPr marL="914400" indent="-914400">
-              <a:buFont typeface="+mj-lt"/>
-              <a:buAutoNum type="arabicPeriod" startAt="4"/>
-            </a:pPr>
-            <a:r>
-              <a:rPr lang="ko-KR" altLang="en-US" sz="5400" spc="600" dirty="0" smtClean="0">
+            <a:pPr marL="914400" indent="-914400"/>
+            <a:r>
+              <a:rPr lang="en-US" altLang="ko-KR" sz="5400" spc="600" dirty="0" smtClean="0">
                 <a:solidFill>
                   <a:srgbClr val="000000"/>
                 </a:solidFill>
                 <a:latin typeface="HY동녘M" pitchFamily="18" charset="-127"/>
                 <a:ea typeface="HY동녘M" pitchFamily="18" charset="-127"/>
               </a:rPr>
-              <a:t>활용 서비스</a:t>
+              <a:t>5. </a:t>
+            </a:r>
+            <a:r>
+              <a:rPr lang="ko-KR" altLang="en-US" sz="5400" spc="600" dirty="0" smtClean="0">
+                <a:solidFill>
+                  <a:srgbClr val="000000"/>
+                </a:solidFill>
+                <a:latin typeface="HY동녘M" pitchFamily="18" charset="-127"/>
+                <a:ea typeface="HY동녘M" pitchFamily="18" charset="-127"/>
+              </a:rPr>
+              <a:t>요약</a:t>
             </a:r>
             <a:endParaRPr lang="en-US" altLang="ko-KR" sz="5400" dirty="0">
               <a:solidFill>
@@ -12941,728 +12526,10 @@
           </a:p>
         </p:txBody>
       </p:sp>
-      <p:sp>
-        <p:nvSpPr>
-          <p:cNvPr id="3" name="내용 개체 틀 2"/>
-          <p:cNvSpPr>
-            <a:spLocks noGrp="1"/>
-          </p:cNvSpPr>
-          <p:nvPr>
-            <p:ph idx="1"/>
-          </p:nvPr>
-        </p:nvSpPr>
-        <p:spPr>
-          <a:xfrm>
-            <a:off x="971600" y="1268760"/>
-            <a:ext cx="3384376" cy="576064"/>
-          </a:xfrm>
-        </p:spPr>
-        <p:txBody>
-          <a:bodyPr/>
-          <a:lstStyle/>
-          <a:p>
-            <a:pPr marL="514350" lvl="1" indent="-514350">
-              <a:buNone/>
-            </a:pPr>
-            <a:r>
-              <a:rPr lang="en-US" altLang="ko-KR" dirty="0" smtClean="0">
-                <a:solidFill>
-                  <a:srgbClr val="000000"/>
-                </a:solidFill>
-                <a:latin typeface="HY동녘M" pitchFamily="18" charset="-127"/>
-                <a:ea typeface="HY동녘M" pitchFamily="18" charset="-127"/>
-              </a:rPr>
-              <a:t>- </a:t>
-            </a:r>
-            <a:r>
-              <a:rPr lang="en-US" altLang="ko-KR" dirty="0" err="1" smtClean="0">
-                <a:solidFill>
-                  <a:srgbClr val="000000"/>
-                </a:solidFill>
-                <a:latin typeface="HY동녘M" pitchFamily="18" charset="-127"/>
-                <a:ea typeface="HY동녘M" pitchFamily="18" charset="-127"/>
-              </a:rPr>
-              <a:t>LTouchPad</a:t>
-            </a:r>
-            <a:r>
-              <a:rPr lang="en-US" altLang="ko-KR" dirty="0" smtClean="0">
-                <a:solidFill>
-                  <a:srgbClr val="000000"/>
-                </a:solidFill>
-                <a:latin typeface="HY동녘M" pitchFamily="18" charset="-127"/>
-                <a:ea typeface="HY동녘M" pitchFamily="18" charset="-127"/>
-              </a:rPr>
-              <a:t> </a:t>
-            </a:r>
-            <a:r>
-              <a:rPr lang="ko-KR" altLang="en-US" dirty="0" smtClean="0">
-                <a:solidFill>
-                  <a:srgbClr val="000000"/>
-                </a:solidFill>
-                <a:latin typeface="HY동녘M" pitchFamily="18" charset="-127"/>
-                <a:ea typeface="HY동녘M" pitchFamily="18" charset="-127"/>
-              </a:rPr>
-              <a:t>구조</a:t>
-            </a:r>
-            <a:endParaRPr lang="en-US" altLang="ko-KR" dirty="0" smtClean="0">
-              <a:solidFill>
-                <a:srgbClr val="000000"/>
-              </a:solidFill>
-              <a:latin typeface="HY동녘M" pitchFamily="18" charset="-127"/>
-              <a:ea typeface="HY동녘M" pitchFamily="18" charset="-127"/>
-            </a:endParaRPr>
-          </a:p>
-          <a:p>
-            <a:pPr marL="857250" lvl="3" indent="0">
-              <a:buNone/>
-            </a:pPr>
-            <a:endParaRPr lang="en-US" altLang="ko-KR" sz="1600" dirty="0">
-              <a:solidFill>
-                <a:srgbClr val="000000"/>
-              </a:solidFill>
-              <a:latin typeface="HY동녘M" pitchFamily="18" charset="-127"/>
-              <a:ea typeface="HY동녘M" pitchFamily="18" charset="-127"/>
-            </a:endParaRPr>
-          </a:p>
-          <a:p>
-            <a:pPr marL="742950" lvl="2" indent="-342900">
-              <a:buFont typeface="Wingdings" pitchFamily="2" charset="2"/>
-              <a:buChar char="l"/>
-            </a:pPr>
-            <a:endParaRPr lang="en-US" altLang="ko-KR" sz="2000" dirty="0" smtClean="0">
-              <a:solidFill>
-                <a:srgbClr val="000000"/>
-              </a:solidFill>
-              <a:latin typeface="HY동녘M" pitchFamily="18" charset="-127"/>
-              <a:ea typeface="HY동녘M" pitchFamily="18" charset="-127"/>
-            </a:endParaRPr>
-          </a:p>
-        </p:txBody>
-      </p:sp>
-      <p:sp>
-        <p:nvSpPr>
-          <p:cNvPr id="5" name="직사각형 4"/>
-          <p:cNvSpPr/>
-          <p:nvPr/>
-        </p:nvSpPr>
-        <p:spPr>
-          <a:xfrm>
-            <a:off x="5101108" y="2780928"/>
-            <a:ext cx="2232247" cy="864096"/>
-          </a:xfrm>
-          <a:prstGeom prst="rect">
-            <a:avLst/>
-          </a:prstGeom>
-          <a:ln/>
-        </p:spPr>
-        <p:style>
-          <a:lnRef idx="2">
-            <a:schemeClr val="accent2"/>
-          </a:lnRef>
-          <a:fillRef idx="1">
-            <a:schemeClr val="lt1"/>
-          </a:fillRef>
-          <a:effectRef idx="0">
-            <a:schemeClr val="accent2"/>
-          </a:effectRef>
-          <a:fontRef idx="minor">
-            <a:schemeClr val="dk1"/>
-          </a:fontRef>
-        </p:style>
-        <p:txBody>
-          <a:bodyPr rtlCol="0" anchor="ctr"/>
-          <a:lstStyle/>
-          <a:p>
-            <a:r>
-              <a:rPr lang="en-US" altLang="ko-KR" dirty="0" err="1" smtClean="0">
-                <a:solidFill>
-                  <a:srgbClr val="000000"/>
-                </a:solidFill>
-                <a:latin typeface="HY동녘M" pitchFamily="18" charset="-127"/>
-                <a:ea typeface="HY동녘M" pitchFamily="18" charset="-127"/>
-              </a:rPr>
-              <a:t>LTouchPad</a:t>
-            </a:r>
-            <a:endParaRPr lang="ko-KR" altLang="en-US" b="1" dirty="0">
-              <a:solidFill>
-                <a:schemeClr val="tx1"/>
-              </a:solidFill>
-              <a:latin typeface="HY동녘M" pitchFamily="18" charset="-127"/>
-              <a:ea typeface="HY동녘M" pitchFamily="18" charset="-127"/>
-            </a:endParaRPr>
-          </a:p>
-        </p:txBody>
-      </p:sp>
-      <p:cxnSp>
-        <p:nvCxnSpPr>
-          <p:cNvPr id="7" name="직선 연결선 6"/>
-          <p:cNvCxnSpPr/>
-          <p:nvPr/>
-        </p:nvCxnSpPr>
-        <p:spPr bwMode="auto">
-          <a:xfrm>
-            <a:off x="4716016" y="2276872"/>
-            <a:ext cx="0" cy="4176464"/>
-          </a:xfrm>
-          <a:prstGeom prst="line">
-            <a:avLst/>
-          </a:prstGeom>
-          <a:gradFill rotWithShape="1">
-            <a:gsLst>
-              <a:gs pos="0">
-                <a:schemeClr val="bg2">
-                  <a:gamma/>
-                  <a:tint val="26667"/>
-                  <a:invGamma/>
-                </a:schemeClr>
-              </a:gs>
-              <a:gs pos="100000">
-                <a:schemeClr val="bg2">
-                  <a:alpha val="14999"/>
-                </a:schemeClr>
-              </a:gs>
-            </a:gsLst>
-            <a:lin ang="5400000" scaled="1"/>
-          </a:gradFill>
-          <a:ln w="38100" cap="flat" cmpd="sng" algn="ctr">
-            <a:solidFill>
-              <a:schemeClr val="tx1"/>
-            </a:solidFill>
-            <a:prstDash val="dash"/>
-            <a:round/>
-            <a:headEnd type="none" w="med" len="med"/>
-            <a:tailEnd type="none" w="med" len="med"/>
-          </a:ln>
-          <a:effectLst/>
-          <a:extLst>
-            <a:ext uri="{AF507438-7753-43E0-B8FC-AC1667EBCBE1}">
-              <a14:hiddenEffects xmlns="" xmlns:a14="http://schemas.microsoft.com/office/drawing/2010/main">
-                <a:effectLst>
-                  <a:outerShdw dist="35921" dir="2700000" algn="ctr" rotWithShape="0">
-                    <a:schemeClr val="bg2"/>
-                  </a:outerShdw>
-                </a:effectLst>
-              </a14:hiddenEffects>
-            </a:ext>
-          </a:extLst>
-        </p:spPr>
-      </p:cxnSp>
-      <p:sp>
-        <p:nvSpPr>
-          <p:cNvPr id="28" name="직사각형 27"/>
-          <p:cNvSpPr/>
-          <p:nvPr/>
-        </p:nvSpPr>
-        <p:spPr>
-          <a:xfrm>
-            <a:off x="2123727" y="3789040"/>
-            <a:ext cx="2232247" cy="864096"/>
-          </a:xfrm>
-          <a:prstGeom prst="rect">
-            <a:avLst/>
-          </a:prstGeom>
-          <a:ln/>
-        </p:spPr>
-        <p:style>
-          <a:lnRef idx="2">
-            <a:schemeClr val="accent2"/>
-          </a:lnRef>
-          <a:fillRef idx="1">
-            <a:schemeClr val="lt1"/>
-          </a:fillRef>
-          <a:effectRef idx="0">
-            <a:schemeClr val="accent2"/>
-          </a:effectRef>
-          <a:fontRef idx="minor">
-            <a:schemeClr val="dk1"/>
-          </a:fontRef>
-        </p:style>
-        <p:txBody>
-          <a:bodyPr rtlCol="0" anchor="ctr"/>
-          <a:lstStyle/>
-          <a:p>
-            <a:r>
-              <a:rPr lang="en-US" altLang="ko-KR" b="1" dirty="0" smtClean="0">
-                <a:solidFill>
-                  <a:schemeClr val="tx1"/>
-                </a:solidFill>
-                <a:latin typeface="HY동녘M" pitchFamily="18" charset="-127"/>
-                <a:ea typeface="HY동녘M" pitchFamily="18" charset="-127"/>
-              </a:rPr>
-              <a:t>Mouse Driver</a:t>
-            </a:r>
-          </a:p>
-        </p:txBody>
-      </p:sp>
-      <p:sp>
-        <p:nvSpPr>
-          <p:cNvPr id="29" name="직사각형 28"/>
-          <p:cNvSpPr/>
-          <p:nvPr/>
-        </p:nvSpPr>
-        <p:spPr>
-          <a:xfrm>
-            <a:off x="2123728" y="4653136"/>
-            <a:ext cx="5184576" cy="864096"/>
-          </a:xfrm>
-          <a:prstGeom prst="rect">
-            <a:avLst/>
-          </a:prstGeom>
-          <a:ln/>
-        </p:spPr>
-        <p:style>
-          <a:lnRef idx="2">
-            <a:schemeClr val="accent2"/>
-          </a:lnRef>
-          <a:fillRef idx="1">
-            <a:schemeClr val="lt1"/>
-          </a:fillRef>
-          <a:effectRef idx="0">
-            <a:schemeClr val="accent2"/>
-          </a:effectRef>
-          <a:fontRef idx="minor">
-            <a:schemeClr val="dk1"/>
-          </a:fontRef>
-        </p:style>
-        <p:txBody>
-          <a:bodyPr rtlCol="0" anchor="ctr"/>
-          <a:lstStyle/>
-          <a:p>
-            <a:r>
-              <a:rPr lang="en-US" altLang="ko-KR" b="1" dirty="0" smtClean="0">
-                <a:solidFill>
-                  <a:schemeClr val="tx1"/>
-                </a:solidFill>
-                <a:latin typeface="HY동녘M" pitchFamily="18" charset="-127"/>
-                <a:ea typeface="HY동녘M" pitchFamily="18" charset="-127"/>
-              </a:rPr>
-              <a:t>USB/IP</a:t>
-            </a:r>
-            <a:endParaRPr lang="ko-KR" altLang="en-US" b="1" dirty="0">
-              <a:solidFill>
-                <a:schemeClr val="tx1"/>
-              </a:solidFill>
-              <a:latin typeface="HY동녘M" pitchFamily="18" charset="-127"/>
-              <a:ea typeface="HY동녘M" pitchFamily="18" charset="-127"/>
-            </a:endParaRPr>
-          </a:p>
-        </p:txBody>
-      </p:sp>
-      <p:cxnSp>
-        <p:nvCxnSpPr>
-          <p:cNvPr id="31" name="직선 화살표 연결선 30"/>
-          <p:cNvCxnSpPr>
-            <a:stCxn id="5" idx="2"/>
-          </p:cNvCxnSpPr>
-          <p:nvPr/>
-        </p:nvCxnSpPr>
-        <p:spPr bwMode="auto">
-          <a:xfrm>
-            <a:off x="6217232" y="3645024"/>
-            <a:ext cx="10952" cy="1008112"/>
-          </a:xfrm>
-          <a:prstGeom prst="straightConnector1">
-            <a:avLst/>
-          </a:prstGeom>
-          <a:gradFill rotWithShape="1">
-            <a:gsLst>
-              <a:gs pos="0">
-                <a:schemeClr val="bg2">
-                  <a:gamma/>
-                  <a:tint val="26667"/>
-                  <a:invGamma/>
-                </a:schemeClr>
-              </a:gs>
-              <a:gs pos="100000">
-                <a:schemeClr val="bg2">
-                  <a:alpha val="14999"/>
-                </a:schemeClr>
-              </a:gs>
-            </a:gsLst>
-            <a:lin ang="5400000" scaled="1"/>
-          </a:gradFill>
-          <a:ln w="38100">
-            <a:solidFill>
-              <a:schemeClr val="tx1"/>
-            </a:solidFill>
-            <a:tailEnd type="arrow"/>
-          </a:ln>
-          <a:effectLst/>
-          <a:extLst>
-            <a:ext uri="{AF507438-7753-43E0-B8FC-AC1667EBCBE1}">
-              <a14:hiddenEffects xmlns="" xmlns:a14="http://schemas.microsoft.com/office/drawing/2010/main">
-                <a:effectLst>
-                  <a:outerShdw dist="35921" dir="2700000" algn="ctr" rotWithShape="0">
-                    <a:schemeClr val="bg2"/>
-                  </a:outerShdw>
-                </a:effectLst>
-              </a14:hiddenEffects>
-            </a:ext>
-          </a:extLst>
-        </p:spPr>
-      </p:cxnSp>
-      <p:sp>
-        <p:nvSpPr>
-          <p:cNvPr id="43" name="TextBox 42"/>
-          <p:cNvSpPr txBox="1"/>
-          <p:nvPr/>
-        </p:nvSpPr>
-        <p:spPr>
-          <a:xfrm>
-            <a:off x="4932040" y="3861048"/>
-            <a:ext cx="1296144" cy="384721"/>
-          </a:xfrm>
-          <a:prstGeom prst="rect">
-            <a:avLst/>
-          </a:prstGeom>
-          <a:noFill/>
-        </p:spPr>
-        <p:txBody>
-          <a:bodyPr wrap="square" rtlCol="0">
-            <a:spAutoFit/>
-          </a:bodyPr>
-          <a:lstStyle/>
-          <a:p>
-            <a:r>
-              <a:rPr lang="ko-KR" altLang="en-US" sz="1900" b="1" dirty="0" smtClean="0"/>
-              <a:t>장치 정보</a:t>
-            </a:r>
-            <a:endParaRPr lang="ko-KR" altLang="en-US" sz="1900" b="1" dirty="0"/>
-          </a:p>
-        </p:txBody>
-      </p:sp>
-      <p:sp>
-        <p:nvSpPr>
-          <p:cNvPr id="44" name="TextBox 43"/>
-          <p:cNvSpPr txBox="1"/>
-          <p:nvPr/>
-        </p:nvSpPr>
-        <p:spPr>
-          <a:xfrm>
-            <a:off x="6156176" y="3832012"/>
-            <a:ext cx="2016224" cy="677108"/>
-          </a:xfrm>
-          <a:prstGeom prst="rect">
-            <a:avLst/>
-          </a:prstGeom>
-          <a:noFill/>
-        </p:spPr>
-        <p:txBody>
-          <a:bodyPr wrap="square" rtlCol="0">
-            <a:spAutoFit/>
-          </a:bodyPr>
-          <a:lstStyle/>
-          <a:p>
-            <a:r>
-              <a:rPr lang="ko-KR" altLang="en-US" sz="1900" b="1" dirty="0" smtClean="0"/>
-              <a:t>터치패드 클릭</a:t>
-            </a:r>
-            <a:r>
-              <a:rPr lang="en-US" altLang="ko-KR" sz="1900" b="1" dirty="0" smtClean="0"/>
-              <a:t>, </a:t>
-            </a:r>
-          </a:p>
-          <a:p>
-            <a:r>
-              <a:rPr lang="ko-KR" altLang="en-US" sz="1900" b="1" dirty="0" smtClean="0"/>
-              <a:t>이동 정보</a:t>
-            </a:r>
-            <a:endParaRPr lang="ko-KR" altLang="en-US" sz="1900" b="1" dirty="0"/>
-          </a:p>
-        </p:txBody>
-      </p:sp>
-      <p:sp>
-        <p:nvSpPr>
-          <p:cNvPr id="52" name="내용 개체 틀 2"/>
-          <p:cNvSpPr txBox="1">
-            <a:spLocks/>
-          </p:cNvSpPr>
-          <p:nvPr/>
-        </p:nvSpPr>
-        <p:spPr bwMode="auto">
-          <a:xfrm>
-            <a:off x="1403648" y="2060848"/>
-            <a:ext cx="2592288" cy="576064"/>
-          </a:xfrm>
-          <a:prstGeom prst="rect">
-            <a:avLst/>
-          </a:prstGeom>
-          <a:noFill/>
-          <a:ln>
-            <a:noFill/>
-          </a:ln>
-          <a:effectLst/>
-          <a:extLst>
-            <a:ext uri="{909E8E84-426E-40DD-AFC4-6F175D3DCCD1}">
-              <a14:hiddenFill xmlns="" xmlns:a14="http://schemas.microsoft.com/office/drawing/2010/main">
-                <a:solidFill>
-                  <a:schemeClr val="accent1"/>
-                </a:solidFill>
-              </a14:hiddenFill>
-            </a:ext>
-            <a:ext uri="{91240B29-F687-4F45-9708-019B960494DF}">
-              <a14:hiddenLine xmlns="" xmlns:a14="http://schemas.microsoft.com/office/drawing/2010/main" w="9525">
-                <a:solidFill>
-                  <a:schemeClr val="tx1"/>
-                </a:solidFill>
-                <a:miter lim="800000"/>
-                <a:headEnd/>
-                <a:tailEnd/>
-              </a14:hiddenLine>
-            </a:ext>
-            <a:ext uri="{AF507438-7753-43E0-B8FC-AC1667EBCBE1}">
-              <a14:hiddenEffects xmlns="" xmlns:a14="http://schemas.microsoft.com/office/drawing/2010/main">
-                <a:effectLst>
-                  <a:outerShdw dist="35921" dir="2700000" algn="ctr" rotWithShape="0">
-                    <a:schemeClr val="bg2"/>
-                  </a:outerShdw>
-                </a:effectLst>
-              </a14:hiddenEffects>
-            </a:ext>
-          </a:extLst>
-        </p:spPr>
-        <p:txBody>
-          <a:bodyPr vert="horz" wrap="square" lIns="91440" tIns="45720" rIns="91440" bIns="45720" numCol="1" anchor="t" anchorCtr="0" compatLnSpc="1">
-            <a:prstTxWarp prst="textNoShape">
-              <a:avLst/>
-            </a:prstTxWarp>
-          </a:bodyPr>
-          <a:lstStyle/>
-          <a:p>
-            <a:pPr marL="514350" marR="0" lvl="1" indent="-514350" algn="l" defTabSz="914400" rtl="0" eaLnBrk="1" fontAlgn="base" latinLnBrk="1" hangingPunct="1">
-              <a:lnSpc>
-                <a:spcPct val="100000"/>
-              </a:lnSpc>
-              <a:spcBef>
-                <a:spcPct val="20000"/>
-              </a:spcBef>
-              <a:spcAft>
-                <a:spcPct val="0"/>
-              </a:spcAft>
-              <a:buClrTx/>
-              <a:buSzTx/>
-              <a:buFontTx/>
-              <a:buNone/>
-              <a:tabLst/>
-              <a:defRPr/>
-            </a:pPr>
-            <a:r>
-              <a:rPr kumimoji="0" lang="en-US" altLang="ko-KR" sz="2800" b="0" i="0" u="none" strike="noStrike" kern="0" cap="none" spc="0" normalizeH="0" baseline="0" noProof="0" dirty="0" smtClean="0">
-                <a:ln>
-                  <a:noFill/>
-                </a:ln>
-                <a:solidFill>
-                  <a:srgbClr val="000000"/>
-                </a:solidFill>
-                <a:effectLst/>
-                <a:uLnTx/>
-                <a:uFillTx/>
-                <a:latin typeface="HY동녘M" pitchFamily="18" charset="-127"/>
-                <a:ea typeface="HY동녘M" pitchFamily="18" charset="-127"/>
-              </a:rPr>
-              <a:t>Windows</a:t>
-            </a:r>
-            <a:r>
-              <a:rPr kumimoji="0" lang="en-US" altLang="ko-KR" sz="2800" b="0" i="0" u="none" strike="noStrike" kern="0" cap="none" spc="0" normalizeH="0" noProof="0" dirty="0" smtClean="0">
-                <a:ln>
-                  <a:noFill/>
-                </a:ln>
-                <a:solidFill>
-                  <a:srgbClr val="000000"/>
-                </a:solidFill>
-                <a:effectLst/>
-                <a:uLnTx/>
-                <a:uFillTx/>
-                <a:latin typeface="HY동녘M" pitchFamily="18" charset="-127"/>
-                <a:ea typeface="HY동녘M" pitchFamily="18" charset="-127"/>
-              </a:rPr>
-              <a:t> PC</a:t>
-            </a:r>
-            <a:endParaRPr kumimoji="0" lang="en-US" altLang="ko-KR" sz="1600" b="0" i="0" u="none" strike="noStrike" kern="0" cap="none" spc="0" normalizeH="0" baseline="0" noProof="0" dirty="0" smtClean="0">
-              <a:ln>
-                <a:noFill/>
-              </a:ln>
-              <a:solidFill>
-                <a:srgbClr val="000000"/>
-              </a:solidFill>
-              <a:effectLst/>
-              <a:uLnTx/>
-              <a:uFillTx/>
-              <a:latin typeface="HY동녘M" pitchFamily="18" charset="-127"/>
-              <a:ea typeface="HY동녘M" pitchFamily="18" charset="-127"/>
-            </a:endParaRPr>
-          </a:p>
-          <a:p>
-            <a:pPr marL="742950" marR="0" lvl="2" indent="-342900" algn="l" defTabSz="914400" rtl="0" eaLnBrk="1" fontAlgn="base" latinLnBrk="1" hangingPunct="1">
-              <a:lnSpc>
-                <a:spcPct val="100000"/>
-              </a:lnSpc>
-              <a:spcBef>
-                <a:spcPct val="20000"/>
-              </a:spcBef>
-              <a:spcAft>
-                <a:spcPct val="0"/>
-              </a:spcAft>
-              <a:buClrTx/>
-              <a:buSzTx/>
-              <a:buFont typeface="Wingdings" pitchFamily="2" charset="2"/>
-              <a:buChar char="l"/>
-              <a:tabLst/>
-              <a:defRPr/>
-            </a:pPr>
-            <a:endParaRPr kumimoji="0" lang="en-US" altLang="ko-KR" sz="2000" b="0" i="0" u="none" strike="noStrike" kern="0" cap="none" spc="0" normalizeH="0" baseline="0" noProof="0" dirty="0" smtClean="0">
-              <a:ln>
-                <a:noFill/>
-              </a:ln>
-              <a:solidFill>
-                <a:srgbClr val="000000"/>
-              </a:solidFill>
-              <a:effectLst/>
-              <a:uLnTx/>
-              <a:uFillTx/>
-              <a:latin typeface="HY동녘M" pitchFamily="18" charset="-127"/>
-              <a:ea typeface="HY동녘M" pitchFamily="18" charset="-127"/>
-            </a:endParaRPr>
-          </a:p>
-        </p:txBody>
-      </p:sp>
-      <p:sp>
-        <p:nvSpPr>
-          <p:cNvPr id="53" name="내용 개체 틀 2"/>
-          <p:cNvSpPr txBox="1">
-            <a:spLocks/>
-          </p:cNvSpPr>
-          <p:nvPr/>
-        </p:nvSpPr>
-        <p:spPr bwMode="auto">
-          <a:xfrm>
-            <a:off x="5364088" y="1988840"/>
-            <a:ext cx="2592288" cy="576064"/>
-          </a:xfrm>
-          <a:prstGeom prst="rect">
-            <a:avLst/>
-          </a:prstGeom>
-          <a:noFill/>
-          <a:ln>
-            <a:noFill/>
-          </a:ln>
-          <a:effectLst/>
-          <a:extLst>
-            <a:ext uri="{909E8E84-426E-40DD-AFC4-6F175D3DCCD1}">
-              <a14:hiddenFill xmlns="" xmlns:a14="http://schemas.microsoft.com/office/drawing/2010/main">
-                <a:solidFill>
-                  <a:schemeClr val="accent1"/>
-                </a:solidFill>
-              </a14:hiddenFill>
-            </a:ext>
-            <a:ext uri="{91240B29-F687-4F45-9708-019B960494DF}">
-              <a14:hiddenLine xmlns="" xmlns:a14="http://schemas.microsoft.com/office/drawing/2010/main" w="9525">
-                <a:solidFill>
-                  <a:schemeClr val="tx1"/>
-                </a:solidFill>
-                <a:miter lim="800000"/>
-                <a:headEnd/>
-                <a:tailEnd/>
-              </a14:hiddenLine>
-            </a:ext>
-            <a:ext uri="{AF507438-7753-43E0-B8FC-AC1667EBCBE1}">
-              <a14:hiddenEffects xmlns="" xmlns:a14="http://schemas.microsoft.com/office/drawing/2010/main">
-                <a:effectLst>
-                  <a:outerShdw dist="35921" dir="2700000" algn="ctr" rotWithShape="0">
-                    <a:schemeClr val="bg2"/>
-                  </a:outerShdw>
-                </a:effectLst>
-              </a14:hiddenEffects>
-            </a:ext>
-          </a:extLst>
-        </p:spPr>
-        <p:txBody>
-          <a:bodyPr vert="horz" wrap="square" lIns="91440" tIns="45720" rIns="91440" bIns="45720" numCol="1" anchor="t" anchorCtr="0" compatLnSpc="1">
-            <a:prstTxWarp prst="textNoShape">
-              <a:avLst/>
-            </a:prstTxWarp>
-          </a:bodyPr>
-          <a:lstStyle/>
-          <a:p>
-            <a:pPr marL="514350" marR="0" lvl="1" indent="-514350" algn="l" defTabSz="914400" rtl="0" eaLnBrk="1" fontAlgn="base" latinLnBrk="1" hangingPunct="1">
-              <a:lnSpc>
-                <a:spcPct val="100000"/>
-              </a:lnSpc>
-              <a:spcBef>
-                <a:spcPct val="20000"/>
-              </a:spcBef>
-              <a:spcAft>
-                <a:spcPct val="0"/>
-              </a:spcAft>
-              <a:buClrTx/>
-              <a:buSzTx/>
-              <a:buFontTx/>
-              <a:buNone/>
-              <a:tabLst/>
-              <a:defRPr/>
-            </a:pPr>
-            <a:r>
-              <a:rPr lang="ko-KR" altLang="en-US" sz="2800" kern="0" dirty="0" err="1" smtClean="0">
-                <a:solidFill>
-                  <a:srgbClr val="000000"/>
-                </a:solidFill>
-                <a:latin typeface="HY동녘M" pitchFamily="18" charset="-127"/>
-                <a:ea typeface="HY동녘M" pitchFamily="18" charset="-127"/>
-              </a:rPr>
-              <a:t>스마트폰</a:t>
-            </a:r>
-            <a:endParaRPr kumimoji="0" lang="en-US" altLang="ko-KR" sz="1600" b="0" i="0" u="none" strike="noStrike" kern="0" cap="none" spc="0" normalizeH="0" baseline="0" noProof="0" dirty="0" smtClean="0">
-              <a:ln>
-                <a:noFill/>
-              </a:ln>
-              <a:solidFill>
-                <a:srgbClr val="000000"/>
-              </a:solidFill>
-              <a:effectLst/>
-              <a:uLnTx/>
-              <a:uFillTx/>
-              <a:latin typeface="HY동녘M" pitchFamily="18" charset="-127"/>
-              <a:ea typeface="HY동녘M" pitchFamily="18" charset="-127"/>
-            </a:endParaRPr>
-          </a:p>
-          <a:p>
-            <a:pPr marL="742950" marR="0" lvl="2" indent="-342900" algn="l" defTabSz="914400" rtl="0" eaLnBrk="1" fontAlgn="base" latinLnBrk="1" hangingPunct="1">
-              <a:lnSpc>
-                <a:spcPct val="100000"/>
-              </a:lnSpc>
-              <a:spcBef>
-                <a:spcPct val="20000"/>
-              </a:spcBef>
-              <a:spcAft>
-                <a:spcPct val="0"/>
-              </a:spcAft>
-              <a:buClrTx/>
-              <a:buSzTx/>
-              <a:buFont typeface="Wingdings" pitchFamily="2" charset="2"/>
-              <a:buChar char="l"/>
-              <a:tabLst/>
-              <a:defRPr/>
-            </a:pPr>
-            <a:endParaRPr kumimoji="0" lang="en-US" altLang="ko-KR" sz="2000" b="0" i="0" u="none" strike="noStrike" kern="0" cap="none" spc="0" normalizeH="0" baseline="0" noProof="0" dirty="0" smtClean="0">
-              <a:ln>
-                <a:noFill/>
-              </a:ln>
-              <a:solidFill>
-                <a:srgbClr val="000000"/>
-              </a:solidFill>
-              <a:effectLst/>
-              <a:uLnTx/>
-              <a:uFillTx/>
-              <a:latin typeface="HY동녘M" pitchFamily="18" charset="-127"/>
-              <a:ea typeface="HY동녘M" pitchFamily="18" charset="-127"/>
-            </a:endParaRPr>
-          </a:p>
-        </p:txBody>
-      </p:sp>
     </p:spTree>
     <p:extLst>
       <p:ext uri="{BB962C8B-B14F-4D97-AF65-F5344CB8AC3E}">
-        <p14:creationId xmlns="" xmlns:p14="http://schemas.microsoft.com/office/powerpoint/2010/main" val="2718990012"/>
+        <p14:creationId xmlns:p14="http://schemas.microsoft.com/office/powerpoint/2010/main" xmlns="" val="2718990012"/>
       </p:ext>
     </p:extLst>
   </p:cSld>
@@ -13743,13 +12610,13 @@
           <p:nvPr>
             <p:extLst>
               <p:ext uri="{D42A27DB-BD31-4B8C-83A1-F6EECF244321}">
-                <p14:modId xmlns="" xmlns:p14="http://schemas.microsoft.com/office/powerpoint/2010/main" val="864912804"/>
+                <p14:modId xmlns:p14="http://schemas.microsoft.com/office/powerpoint/2010/main" xmlns="" val="864912804"/>
               </p:ext>
             </p:extLst>
           </p:nvPr>
         </p:nvGraphicFramePr>
         <p:xfrm>
-          <a:off x="4572000" y="2011419"/>
+          <a:off x="4572000" y="1219601"/>
           <a:ext cx="4176464" cy="3780420"/>
         </p:xfrm>
         <a:graphic>
@@ -13758,84 +12625,6 @@
           </a:graphicData>
         </a:graphic>
       </p:graphicFrame>
-      <p:graphicFrame>
-        <p:nvGraphicFramePr>
-          <p:cNvPr id="7" name="차트 6"/>
-          <p:cNvGraphicFramePr/>
-          <p:nvPr>
-            <p:extLst>
-              <p:ext uri="{D42A27DB-BD31-4B8C-83A1-F6EECF244321}">
-                <p14:modId xmlns="" xmlns:p14="http://schemas.microsoft.com/office/powerpoint/2010/main" val="550831738"/>
-              </p:ext>
-            </p:extLst>
-          </p:nvPr>
-        </p:nvGraphicFramePr>
-        <p:xfrm>
-          <a:off x="251520" y="2082959"/>
-          <a:ext cx="4213534" cy="3744416"/>
-        </p:xfrm>
-        <a:graphic>
-          <a:graphicData uri="http://schemas.openxmlformats.org/drawingml/2006/chart">
-            <c:chart xmlns:c="http://schemas.openxmlformats.org/drawingml/2006/chart" xmlns:r="http://schemas.openxmlformats.org/officeDocument/2006/relationships" r:id="rId4"/>
-          </a:graphicData>
-        </a:graphic>
-      </p:graphicFrame>
-      <p:sp>
-        <p:nvSpPr>
-          <p:cNvPr id="8" name="TextBox 7"/>
-          <p:cNvSpPr txBox="1"/>
-          <p:nvPr/>
-        </p:nvSpPr>
-        <p:spPr>
-          <a:xfrm>
-            <a:off x="2051720" y="5827375"/>
-            <a:ext cx="2808312" cy="584775"/>
-          </a:xfrm>
-          <a:prstGeom prst="rect">
-            <a:avLst/>
-          </a:prstGeom>
-          <a:noFill/>
-        </p:spPr>
-        <p:txBody>
-          <a:bodyPr wrap="square" rtlCol="0">
-            <a:spAutoFit/>
-          </a:bodyPr>
-          <a:lstStyle/>
-          <a:p>
-            <a:r>
-              <a:rPr lang="ko-KR" altLang="en-US" sz="1600" dirty="0" smtClean="0"/>
-              <a:t>출처 </a:t>
-            </a:r>
-            <a:r>
-              <a:rPr lang="en-US" altLang="ko-KR" sz="1600" dirty="0" smtClean="0"/>
-              <a:t>: </a:t>
-            </a:r>
-            <a:r>
-              <a:rPr lang="ko-KR" altLang="en-US" sz="1600" dirty="0" smtClean="0"/>
-              <a:t>각통신사</a:t>
-            </a:r>
-            <a:r>
-              <a:rPr lang="en-US" altLang="ko-KR" sz="1600" dirty="0" smtClean="0"/>
-              <a:t>, </a:t>
-            </a:r>
-          </a:p>
-          <a:p>
-            <a:r>
-              <a:rPr lang="en-US" altLang="ko-KR" sz="1600" dirty="0"/>
-              <a:t> </a:t>
-            </a:r>
-            <a:r>
-              <a:rPr lang="en-US" altLang="ko-KR" sz="1600" dirty="0" smtClean="0"/>
-              <a:t>                    </a:t>
-            </a:r>
-            <a:r>
-              <a:rPr lang="ko-KR" altLang="en-US" sz="1600" dirty="0" smtClean="0"/>
-              <a:t>방송통신위원회</a:t>
-            </a:r>
-            <a:endParaRPr lang="en-US" altLang="ko-KR" sz="1600" dirty="0" smtClean="0"/>
-          </a:p>
-        </p:txBody>
-      </p:sp>
       <p:sp>
         <p:nvSpPr>
           <p:cNvPr id="9" name="TextBox 8"/>
@@ -13844,7 +12633,7 @@
         </p:nvSpPr>
         <p:spPr>
           <a:xfrm>
-            <a:off x="6876256" y="5826480"/>
+            <a:off x="6876256" y="5034662"/>
             <a:ext cx="1800200" cy="338554"/>
           </a:xfrm>
           <a:prstGeom prst="rect">
@@ -13874,10 +12663,74 @@
           </a:p>
         </p:txBody>
       </p:sp>
+      <p:pic>
+        <p:nvPicPr>
+          <p:cNvPr id="1026" name="Picture 2" descr="C:\Documents and Settings\XP\바탕 화면\number-of-android-apps.png"/>
+          <p:cNvPicPr>
+            <a:picLocks noChangeAspect="1" noChangeArrowheads="1"/>
+          </p:cNvPicPr>
+          <p:nvPr/>
+        </p:nvPicPr>
+        <p:blipFill>
+          <a:blip r:embed="rId4" cstate="print"/>
+          <a:srcRect/>
+          <a:stretch>
+            <a:fillRect/>
+          </a:stretch>
+        </p:blipFill>
+        <p:spPr bwMode="auto">
+          <a:xfrm>
+            <a:off x="611560" y="1412776"/>
+            <a:ext cx="3891682" cy="3600670"/>
+          </a:xfrm>
+          <a:prstGeom prst="rect">
+            <a:avLst/>
+          </a:prstGeom>
+          <a:noFill/>
+        </p:spPr>
+      </p:pic>
+      <p:sp>
+        <p:nvSpPr>
+          <p:cNvPr id="10" name="TextBox 9"/>
+          <p:cNvSpPr txBox="1"/>
+          <p:nvPr/>
+        </p:nvSpPr>
+        <p:spPr>
+          <a:xfrm>
+            <a:off x="2771800" y="5013176"/>
+            <a:ext cx="1800200" cy="338554"/>
+          </a:xfrm>
+          <a:prstGeom prst="rect">
+            <a:avLst/>
+          </a:prstGeom>
+          <a:noFill/>
+        </p:spPr>
+        <p:txBody>
+          <a:bodyPr wrap="square" rtlCol="0">
+            <a:spAutoFit/>
+          </a:bodyPr>
+          <a:lstStyle/>
+          <a:p>
+            <a:r>
+              <a:rPr lang="ko-KR" altLang="en-US" sz="1600" dirty="0" smtClean="0"/>
+              <a:t>출처 </a:t>
+            </a:r>
+            <a:r>
+              <a:rPr lang="en-US" altLang="ko-KR" sz="1600" dirty="0"/>
+              <a:t>: </a:t>
+            </a:r>
+            <a:r>
+              <a:rPr lang="en-US" altLang="ko-KR" sz="1600" dirty="0" err="1" smtClean="0"/>
+              <a:t>AppBrain</a:t>
+            </a:r>
+            <a:endParaRPr lang="ko-KR" altLang="en-US" sz="1600" dirty="0"/>
+          </a:p>
+        </p:txBody>
+      </p:sp>
     </p:spTree>
     <p:extLst>
       <p:ext uri="{BB962C8B-B14F-4D97-AF65-F5344CB8AC3E}">
-        <p14:creationId xmlns="" xmlns:p14="http://schemas.microsoft.com/office/powerpoint/2010/main" val="3723977454"/>
+        <p14:creationId xmlns:p14="http://schemas.microsoft.com/office/powerpoint/2010/main" xmlns="" val="3723977454"/>
       </p:ext>
     </p:extLst>
   </p:cSld>
@@ -13961,7 +12814,12 @@
             <p:ph idx="1"/>
           </p:nvPr>
         </p:nvSpPr>
-        <p:spPr/>
+        <p:spPr>
+          <a:xfrm>
+            <a:off x="1066800" y="1524000"/>
+            <a:ext cx="4513312" cy="680864"/>
+          </a:xfrm>
+        </p:spPr>
         <p:txBody>
           <a:bodyPr/>
           <a:lstStyle/>
@@ -14037,7 +12895,7 @@
           <a:blip r:embed="rId3" cstate="print">
             <a:extLst>
               <a:ext uri="{28A0092B-C50C-407E-A947-70E740481C1C}">
-                <a14:useLocalDpi xmlns="" xmlns:a14="http://schemas.microsoft.com/office/drawing/2010/main" val="0"/>
+                <a14:useLocalDpi xmlns:a14="http://schemas.microsoft.com/office/drawing/2010/main" xmlns="" val="0"/>
               </a:ext>
             </a:extLst>
           </a:blip>
@@ -14152,7 +13010,7 @@
           <a:blip r:embed="rId4" cstate="print">
             <a:extLst>
               <a:ext uri="{28A0092B-C50C-407E-A947-70E740481C1C}">
-                <a14:useLocalDpi xmlns="" xmlns:a14="http://schemas.microsoft.com/office/drawing/2010/main" val="0"/>
+                <a14:useLocalDpi xmlns:a14="http://schemas.microsoft.com/office/drawing/2010/main" xmlns="" val="0"/>
               </a:ext>
             </a:extLst>
           </a:blip>
@@ -14172,7 +13030,7 @@
           <a:noFill/>
           <a:extLst>
             <a:ext uri="{909E8E84-426E-40DD-AFC4-6F175D3DCCD1}">
-              <a14:hiddenFill xmlns="" xmlns:a14="http://schemas.microsoft.com/office/drawing/2010/main">
+              <a14:hiddenFill xmlns:a14="http://schemas.microsoft.com/office/drawing/2010/main" xmlns="">
                 <a:solidFill>
                   <a:srgbClr val="FFFFFF"/>
                 </a:solidFill>
@@ -14193,7 +13051,7 @@
           <a:blip r:embed="rId5" cstate="print">
             <a:extLst>
               <a:ext uri="{28A0092B-C50C-407E-A947-70E740481C1C}">
-                <a14:useLocalDpi xmlns="" xmlns:a14="http://schemas.microsoft.com/office/drawing/2010/main" val="0"/>
+                <a14:useLocalDpi xmlns:a14="http://schemas.microsoft.com/office/drawing/2010/main" xmlns="" val="0"/>
               </a:ext>
             </a:extLst>
           </a:blip>
@@ -14213,7 +13071,7 @@
           <a:noFill/>
           <a:extLst>
             <a:ext uri="{909E8E84-426E-40DD-AFC4-6F175D3DCCD1}">
-              <a14:hiddenFill xmlns="" xmlns:a14="http://schemas.microsoft.com/office/drawing/2010/main">
+              <a14:hiddenFill xmlns:a14="http://schemas.microsoft.com/office/drawing/2010/main" xmlns="">
                 <a:solidFill>
                   <a:srgbClr val="FFFFFF"/>
                 </a:solidFill>
@@ -14234,7 +13092,7 @@
           <a:blip r:embed="rId6" cstate="print">
             <a:extLst>
               <a:ext uri="{28A0092B-C50C-407E-A947-70E740481C1C}">
-                <a14:useLocalDpi xmlns="" xmlns:a14="http://schemas.microsoft.com/office/drawing/2010/main" val="0"/>
+                <a14:useLocalDpi xmlns:a14="http://schemas.microsoft.com/office/drawing/2010/main" xmlns="" val="0"/>
               </a:ext>
             </a:extLst>
           </a:blip>
@@ -14254,7 +13112,7 @@
           <a:noFill/>
           <a:extLst>
             <a:ext uri="{909E8E84-426E-40DD-AFC4-6F175D3DCCD1}">
-              <a14:hiddenFill xmlns="" xmlns:a14="http://schemas.microsoft.com/office/drawing/2010/main">
+              <a14:hiddenFill xmlns:a14="http://schemas.microsoft.com/office/drawing/2010/main" xmlns="">
                 <a:solidFill>
                   <a:srgbClr val="FFFFFF"/>
                 </a:solidFill>
@@ -14292,7 +13150,7 @@
     </p:spTree>
     <p:extLst>
       <p:ext uri="{BB962C8B-B14F-4D97-AF65-F5344CB8AC3E}">
-        <p14:creationId xmlns="" xmlns:p14="http://schemas.microsoft.com/office/powerpoint/2010/main" val="26222973"/>
+        <p14:creationId xmlns:p14="http://schemas.microsoft.com/office/powerpoint/2010/main" xmlns="" val="26222973"/>
       </p:ext>
     </p:extLst>
   </p:cSld>
@@ -14383,7 +13241,12 @@
             <p:ph idx="1"/>
           </p:nvPr>
         </p:nvSpPr>
-        <p:spPr/>
+        <p:spPr>
+          <a:xfrm>
+            <a:off x="1066800" y="1524000"/>
+            <a:ext cx="1921024" cy="608856"/>
+          </a:xfrm>
+        </p:spPr>
         <p:txBody>
           <a:bodyPr/>
           <a:lstStyle/>
@@ -14412,7 +13275,7 @@
         </p:nvSpPr>
         <p:spPr>
           <a:xfrm>
-            <a:off x="2785054" y="4787860"/>
+            <a:off x="2411760" y="3573016"/>
             <a:ext cx="4667266" cy="461665"/>
           </a:xfrm>
           <a:prstGeom prst="rect">
@@ -14479,7 +13342,7 @@
           <a:blip r:embed="rId3" cstate="print">
             <a:extLst>
               <a:ext uri="{28A0092B-C50C-407E-A947-70E740481C1C}">
-                <a14:useLocalDpi xmlns="" xmlns:a14="http://schemas.microsoft.com/office/drawing/2010/main" val="0"/>
+                <a14:useLocalDpi xmlns:a14="http://schemas.microsoft.com/office/drawing/2010/main" xmlns="" val="0"/>
               </a:ext>
             </a:extLst>
           </a:blip>
@@ -14489,8 +13352,8 @@
         </p:blipFill>
         <p:spPr>
           <a:xfrm>
-            <a:off x="5580112" y="2780928"/>
-            <a:ext cx="3259008" cy="1805136"/>
+            <a:off x="5580112" y="2204864"/>
+            <a:ext cx="3259008" cy="1152128"/>
           </a:xfrm>
           <a:prstGeom prst="rect">
             <a:avLst/>
@@ -14507,7 +13370,7 @@
           <a:blip r:embed="rId4" cstate="print">
             <a:extLst>
               <a:ext uri="{28A0092B-C50C-407E-A947-70E740481C1C}">
-                <a14:useLocalDpi xmlns="" xmlns:a14="http://schemas.microsoft.com/office/drawing/2010/main" val="0"/>
+                <a14:useLocalDpi xmlns:a14="http://schemas.microsoft.com/office/drawing/2010/main" xmlns="" val="0"/>
               </a:ext>
             </a:extLst>
           </a:blip>
@@ -14517,598 +13380,23 @@
         </p:blipFill>
         <p:spPr>
           <a:xfrm>
-            <a:off x="704022" y="2780928"/>
-            <a:ext cx="4162063" cy="2006932"/>
+            <a:off x="704022" y="2204864"/>
+            <a:ext cx="4162063" cy="1280924"/>
           </a:xfrm>
           <a:prstGeom prst="rect">
             <a:avLst/>
           </a:prstGeom>
         </p:spPr>
       </p:pic>
-    </p:spTree>
-    <p:extLst>
-      <p:ext uri="{BB962C8B-B14F-4D97-AF65-F5344CB8AC3E}">
-        <p14:creationId xmlns="" xmlns:p14="http://schemas.microsoft.com/office/powerpoint/2010/main" val="846475234"/>
-      </p:ext>
-    </p:extLst>
-  </p:cSld>
-  <p:clrMapOvr>
-    <a:masterClrMapping/>
-  </p:clrMapOvr>
-  <p:transition advClick="0" advTm="20000"/>
-  <p:timing>
-    <p:tnLst>
-      <p:par>
-        <p:cTn id="1" dur="indefinite" restart="never" nodeType="tmRoot"/>
-      </p:par>
-    </p:tnLst>
-  </p:timing>
-</p:sld>
-</file>
-
-<file path=ppt/slides/slide5.xml><?xml version="1.0" encoding="utf-8"?>
-<p:sld xmlns:a="http://schemas.openxmlformats.org/drawingml/2006/main" xmlns:r="http://schemas.openxmlformats.org/officeDocument/2006/relationships" xmlns:p="http://schemas.openxmlformats.org/presentationml/2006/main">
-  <p:cSld>
-    <p:spTree>
-      <p:nvGrpSpPr>
-        <p:cNvPr id="1" name=""/>
-        <p:cNvGrpSpPr/>
-        <p:nvPr/>
-      </p:nvGrpSpPr>
-      <p:grpSpPr>
-        <a:xfrm>
-          <a:off x="0" y="0"/>
-          <a:ext cx="0" cy="0"/>
-          <a:chOff x="0" y="0"/>
-          <a:chExt cx="0" cy="0"/>
-        </a:xfrm>
-      </p:grpSpPr>
-      <p:sp>
-        <p:nvSpPr>
-          <p:cNvPr id="2" name="제목 1"/>
-          <p:cNvSpPr>
-            <a:spLocks noGrp="1"/>
-          </p:cNvSpPr>
-          <p:nvPr>
-            <p:ph type="title"/>
-          </p:nvPr>
-        </p:nvSpPr>
-        <p:spPr/>
-        <p:txBody>
-          <a:bodyPr/>
-          <a:lstStyle/>
-          <a:p>
-            <a:pPr marL="914400" indent="-914400">
-              <a:buFont typeface="+mj-lt"/>
-              <a:buAutoNum type="arabicPeriod" startAt="2"/>
-            </a:pPr>
-            <a:r>
-              <a:rPr lang="ko-KR" altLang="en-US" sz="5400" spc="600" dirty="0" smtClean="0">
-                <a:solidFill>
-                  <a:srgbClr val="000000"/>
-                </a:solidFill>
-                <a:latin typeface="HY동녘M" pitchFamily="18" charset="-127"/>
-                <a:ea typeface="HY동녘M" pitchFamily="18" charset="-127"/>
-              </a:rPr>
-              <a:t>관련기술 소개</a:t>
-            </a:r>
-            <a:endParaRPr lang="ko-KR" altLang="en-US" sz="5400" dirty="0">
-              <a:solidFill>
-                <a:srgbClr val="000000"/>
-              </a:solidFill>
-              <a:latin typeface="HY동녘M" pitchFamily="18" charset="-127"/>
-              <a:ea typeface="HY동녘M" pitchFamily="18" charset="-127"/>
-            </a:endParaRPr>
-          </a:p>
-        </p:txBody>
-      </p:sp>
-      <p:sp>
-        <p:nvSpPr>
-          <p:cNvPr id="16" name="내용 개체 틀 2"/>
-          <p:cNvSpPr txBox="1">
-            <a:spLocks/>
-          </p:cNvSpPr>
-          <p:nvPr/>
-        </p:nvSpPr>
-        <p:spPr bwMode="auto">
-          <a:xfrm>
-            <a:off x="755576" y="1196752"/>
-            <a:ext cx="6048672" cy="648072"/>
-          </a:xfrm>
-          <a:prstGeom prst="rect">
-            <a:avLst/>
-          </a:prstGeom>
-          <a:noFill/>
-          <a:ln>
-            <a:noFill/>
-          </a:ln>
-          <a:effectLst/>
-          <a:extLst>
-            <a:ext uri="{909E8E84-426E-40DD-AFC4-6F175D3DCCD1}">
-              <a14:hiddenFill xmlns="" xmlns:a14="http://schemas.microsoft.com/office/drawing/2010/main">
-                <a:solidFill>
-                  <a:schemeClr val="accent1"/>
-                </a:solidFill>
-              </a14:hiddenFill>
-            </a:ext>
-            <a:ext uri="{91240B29-F687-4F45-9708-019B960494DF}">
-              <a14:hiddenLine xmlns="" xmlns:a14="http://schemas.microsoft.com/office/drawing/2010/main" w="9525">
-                <a:solidFill>
-                  <a:schemeClr val="tx1"/>
-                </a:solidFill>
-                <a:miter lim="800000"/>
-                <a:headEnd/>
-                <a:tailEnd/>
-              </a14:hiddenLine>
-            </a:ext>
-            <a:ext uri="{AF507438-7753-43E0-B8FC-AC1667EBCBE1}">
-              <a14:hiddenEffects xmlns="" xmlns:a14="http://schemas.microsoft.com/office/drawing/2010/main">
-                <a:effectLst>
-                  <a:outerShdw dist="35921" dir="2700000" algn="ctr" rotWithShape="0">
-                    <a:schemeClr val="bg2"/>
-                  </a:outerShdw>
-                </a:effectLst>
-              </a14:hiddenEffects>
-            </a:ext>
-          </a:extLst>
-        </p:spPr>
-        <p:txBody>
-          <a:bodyPr vert="horz" wrap="square" lIns="91440" tIns="45720" rIns="91440" bIns="45720" numCol="1" anchor="t" anchorCtr="0" compatLnSpc="1">
-            <a:prstTxWarp prst="textNoShape">
-              <a:avLst/>
-            </a:prstTxWarp>
-          </a:bodyPr>
-          <a:lstStyle/>
-          <a:p>
-            <a:pPr marL="571500" marR="0" lvl="0" indent="-514350" algn="l" defTabSz="914400" rtl="0" eaLnBrk="1" fontAlgn="base" latinLnBrk="1" hangingPunct="1">
-              <a:lnSpc>
-                <a:spcPct val="100000"/>
-              </a:lnSpc>
-              <a:spcBef>
-                <a:spcPct val="20000"/>
-              </a:spcBef>
-              <a:spcAft>
-                <a:spcPct val="0"/>
-              </a:spcAft>
-              <a:buClrTx/>
-              <a:buSzTx/>
-              <a:buFont typeface="+mj-lt"/>
-              <a:buAutoNum type="alphaUcPeriod"/>
-              <a:tabLst/>
-              <a:defRPr/>
-            </a:pPr>
-            <a:r>
-              <a:rPr kumimoji="0" lang="en-US" altLang="ko-KR" sz="3200" b="0" i="0" u="none" strike="noStrike" kern="0" cap="none" spc="0" normalizeH="0" baseline="0" noProof="0" dirty="0" smtClean="0">
-                <a:ln>
-                  <a:noFill/>
-                </a:ln>
-                <a:solidFill>
-                  <a:srgbClr val="000000"/>
-                </a:solidFill>
-                <a:effectLst/>
-                <a:uLnTx/>
-                <a:uFillTx/>
-                <a:latin typeface="HY동녘M" pitchFamily="18" charset="-127"/>
-                <a:ea typeface="HY동녘M" pitchFamily="18" charset="-127"/>
-                <a:cs typeface="+mn-cs"/>
-              </a:rPr>
-              <a:t>USB</a:t>
-            </a:r>
-          </a:p>
-          <a:p>
-            <a:pPr marL="57150" marR="0" lvl="0" indent="0" algn="l" defTabSz="914400" rtl="0" eaLnBrk="1" fontAlgn="base" latinLnBrk="1" hangingPunct="1">
-              <a:lnSpc>
-                <a:spcPct val="100000"/>
-              </a:lnSpc>
-              <a:spcBef>
-                <a:spcPct val="20000"/>
-              </a:spcBef>
-              <a:spcAft>
-                <a:spcPct val="0"/>
-              </a:spcAft>
-              <a:buClrTx/>
-              <a:buSzTx/>
-              <a:buFontTx/>
-              <a:buNone/>
-              <a:tabLst/>
-              <a:defRPr/>
-            </a:pPr>
-            <a:endParaRPr kumimoji="0" lang="en-US" altLang="ko-KR" sz="1800" b="0" i="0" u="none" strike="noStrike" kern="0" cap="none" spc="0" normalizeH="0" baseline="0" noProof="0" dirty="0" smtClean="0">
-              <a:ln>
-                <a:noFill/>
-              </a:ln>
-              <a:solidFill>
-                <a:srgbClr val="000000"/>
-              </a:solidFill>
-              <a:effectLst/>
-              <a:uLnTx/>
-              <a:uFillTx/>
-              <a:latin typeface="HY동녘M" pitchFamily="18" charset="-127"/>
-              <a:ea typeface="HY동녘M" pitchFamily="18" charset="-127"/>
-              <a:cs typeface="+mn-cs"/>
-            </a:endParaRPr>
-          </a:p>
-        </p:txBody>
-      </p:sp>
       <p:grpSp>
         <p:nvGrpSpPr>
-          <p:cNvPr id="3" name="그룹 27"/>
+          <p:cNvPr id="7" name="그룹 29"/>
           <p:cNvGrpSpPr/>
           <p:nvPr/>
         </p:nvGrpSpPr>
         <p:grpSpPr>
           <a:xfrm>
-            <a:off x="1043608" y="1844824"/>
-            <a:ext cx="7128792" cy="2088232"/>
-            <a:chOff x="1115616" y="1772816"/>
-            <a:chExt cx="7128792" cy="4314736"/>
-          </a:xfrm>
-        </p:grpSpPr>
-        <p:pic>
-          <p:nvPicPr>
-            <p:cNvPr id="2052" name="Picture 4" descr="C:\Documents and Settings\Administrator\Local Settings\Temporary Internet Files\Content.IE5\MZ3O6A78\MC900433879[1].PNG"/>
-            <p:cNvPicPr>
-              <a:picLocks noChangeAspect="1" noChangeArrowheads="1"/>
-            </p:cNvPicPr>
-            <p:nvPr/>
-          </p:nvPicPr>
-          <p:blipFill>
-            <a:blip r:embed="rId3" cstate="print"/>
-            <a:srcRect/>
-            <a:stretch>
-              <a:fillRect/>
-            </a:stretch>
-          </p:blipFill>
-          <p:spPr bwMode="auto">
-            <a:xfrm>
-              <a:off x="1619672" y="4725144"/>
-              <a:ext cx="1296144" cy="1296144"/>
-            </a:xfrm>
-            <a:prstGeom prst="rect">
-              <a:avLst/>
-            </a:prstGeom>
-            <a:noFill/>
-          </p:spPr>
-        </p:pic>
-        <p:pic>
-          <p:nvPicPr>
-            <p:cNvPr id="2053" name="Picture 5"/>
-            <p:cNvPicPr>
-              <a:picLocks noChangeAspect="1" noChangeArrowheads="1"/>
-            </p:cNvPicPr>
-            <p:nvPr/>
-          </p:nvPicPr>
-          <p:blipFill>
-            <a:blip r:embed="rId4" cstate="print"/>
-            <a:srcRect/>
-            <a:stretch>
-              <a:fillRect/>
-            </a:stretch>
-          </p:blipFill>
-          <p:spPr bwMode="auto">
-            <a:xfrm>
-              <a:off x="3347864" y="2924944"/>
-              <a:ext cx="2097663" cy="1656184"/>
-            </a:xfrm>
-            <a:prstGeom prst="rect">
-              <a:avLst/>
-            </a:prstGeom>
-            <a:noFill/>
-            <a:ln w="9525">
-              <a:noFill/>
-              <a:miter lim="800000"/>
-              <a:headEnd/>
-              <a:tailEnd/>
-            </a:ln>
-            <a:effectLst/>
-          </p:spPr>
-        </p:pic>
-        <p:pic>
-          <p:nvPicPr>
-            <p:cNvPr id="2054" name="Picture 6"/>
-            <p:cNvPicPr>
-              <a:picLocks noChangeAspect="1" noChangeArrowheads="1"/>
-            </p:cNvPicPr>
-            <p:nvPr/>
-          </p:nvPicPr>
-          <p:blipFill>
-            <a:blip r:embed="rId5" cstate="print"/>
-            <a:srcRect/>
-            <a:stretch>
-              <a:fillRect/>
-            </a:stretch>
-          </p:blipFill>
-          <p:spPr bwMode="auto">
-            <a:xfrm>
-              <a:off x="6491260" y="1772816"/>
-              <a:ext cx="1681140" cy="1800200"/>
-            </a:xfrm>
-            <a:prstGeom prst="rect">
-              <a:avLst/>
-            </a:prstGeom>
-            <a:noFill/>
-            <a:ln w="9525">
-              <a:noFill/>
-              <a:miter lim="800000"/>
-              <a:headEnd/>
-              <a:tailEnd/>
-            </a:ln>
-            <a:effectLst/>
-          </p:spPr>
-        </p:pic>
-        <p:pic>
-          <p:nvPicPr>
-            <p:cNvPr id="2055" name="Picture 7"/>
-            <p:cNvPicPr>
-              <a:picLocks noChangeAspect="1" noChangeArrowheads="1"/>
-            </p:cNvPicPr>
-            <p:nvPr/>
-          </p:nvPicPr>
-          <p:blipFill>
-            <a:blip r:embed="rId6" cstate="print"/>
-            <a:srcRect/>
-            <a:stretch>
-              <a:fillRect/>
-            </a:stretch>
-          </p:blipFill>
-          <p:spPr bwMode="auto">
-            <a:xfrm>
-              <a:off x="6588224" y="4869160"/>
-              <a:ext cx="1656184" cy="1218392"/>
-            </a:xfrm>
-            <a:prstGeom prst="rect">
-              <a:avLst/>
-            </a:prstGeom>
-            <a:noFill/>
-            <a:ln w="9525">
-              <a:noFill/>
-              <a:miter lim="800000"/>
-              <a:headEnd/>
-              <a:tailEnd/>
-            </a:ln>
-            <a:effectLst/>
-          </p:spPr>
-        </p:pic>
-        <p:pic>
-          <p:nvPicPr>
-            <p:cNvPr id="2056" name="Picture 8" descr="C:\Documents and Settings\Administrator\Local Settings\Temporary Internet Files\Content.IE5\10ES2RA8\MC900440400[1].PNG"/>
-            <p:cNvPicPr>
-              <a:picLocks noChangeAspect="1" noChangeArrowheads="1"/>
-            </p:cNvPicPr>
-            <p:nvPr/>
-          </p:nvPicPr>
-          <p:blipFill>
-            <a:blip r:embed="rId7" cstate="print"/>
-            <a:srcRect/>
-            <a:stretch>
-              <a:fillRect/>
-            </a:stretch>
-          </p:blipFill>
-          <p:spPr bwMode="auto">
-            <a:xfrm>
-              <a:off x="1115616" y="1844824"/>
-              <a:ext cx="1512168" cy="1512168"/>
-            </a:xfrm>
-            <a:prstGeom prst="rect">
-              <a:avLst/>
-            </a:prstGeom>
-            <a:noFill/>
-          </p:spPr>
-        </p:pic>
-        <p:cxnSp>
-          <p:nvCxnSpPr>
-            <p:cNvPr id="13" name="직선 화살표 연결선 12"/>
-            <p:cNvCxnSpPr/>
-            <p:nvPr/>
-          </p:nvCxnSpPr>
-          <p:spPr bwMode="auto">
-            <a:xfrm>
-              <a:off x="2627784" y="2924944"/>
-              <a:ext cx="864096" cy="432048"/>
-            </a:xfrm>
-            <a:prstGeom prst="straightConnector1">
-              <a:avLst/>
-            </a:prstGeom>
-            <a:gradFill rotWithShape="1">
-              <a:gsLst>
-                <a:gs pos="0">
-                  <a:schemeClr val="bg2">
-                    <a:gamma/>
-                    <a:tint val="26667"/>
-                    <a:invGamma/>
-                  </a:schemeClr>
-                </a:gs>
-                <a:gs pos="100000">
-                  <a:schemeClr val="bg2">
-                    <a:alpha val="14999"/>
-                  </a:schemeClr>
-                </a:gs>
-              </a:gsLst>
-              <a:lin ang="5400000" scaled="1"/>
-            </a:gradFill>
-            <a:ln w="44450">
-              <a:solidFill>
-                <a:srgbClr val="00B0F0"/>
-              </a:solidFill>
-              <a:tailEnd type="arrow"/>
-            </a:ln>
-            <a:effectLst/>
-            <a:extLst>
-              <a:ext uri="{AF507438-7753-43E0-B8FC-AC1667EBCBE1}">
-                <a14:hiddenEffects xmlns="" xmlns:a14="http://schemas.microsoft.com/office/drawing/2010/main">
-                  <a:effectLst>
-                    <a:outerShdw dist="35921" dir="2700000" algn="ctr" rotWithShape="0">
-                      <a:schemeClr val="bg2"/>
-                    </a:outerShdw>
-                  </a:effectLst>
-                </a14:hiddenEffects>
-              </a:ext>
-            </a:extLst>
-          </p:spPr>
-        </p:cxnSp>
-        <p:cxnSp>
-          <p:nvCxnSpPr>
-            <p:cNvPr id="17" name="직선 화살표 연결선 16"/>
-            <p:cNvCxnSpPr/>
-            <p:nvPr/>
-          </p:nvCxnSpPr>
-          <p:spPr bwMode="auto">
-            <a:xfrm flipH="1">
-              <a:off x="5580112" y="2924944"/>
-              <a:ext cx="864096" cy="432048"/>
-            </a:xfrm>
-            <a:prstGeom prst="straightConnector1">
-              <a:avLst/>
-            </a:prstGeom>
-            <a:gradFill rotWithShape="1">
-              <a:gsLst>
-                <a:gs pos="0">
-                  <a:schemeClr val="bg2">
-                    <a:gamma/>
-                    <a:tint val="26667"/>
-                    <a:invGamma/>
-                  </a:schemeClr>
-                </a:gs>
-                <a:gs pos="100000">
-                  <a:schemeClr val="bg2">
-                    <a:alpha val="14999"/>
-                  </a:schemeClr>
-                </a:gs>
-              </a:gsLst>
-              <a:lin ang="5400000" scaled="1"/>
-            </a:gradFill>
-            <a:ln w="44450">
-              <a:solidFill>
-                <a:srgbClr val="00B0F0"/>
-              </a:solidFill>
-              <a:tailEnd type="arrow"/>
-            </a:ln>
-            <a:effectLst/>
-            <a:extLst>
-              <a:ext uri="{AF507438-7753-43E0-B8FC-AC1667EBCBE1}">
-                <a14:hiddenEffects xmlns="" xmlns:a14="http://schemas.microsoft.com/office/drawing/2010/main">
-                  <a:effectLst>
-                    <a:outerShdw dist="35921" dir="2700000" algn="ctr" rotWithShape="0">
-                      <a:schemeClr val="bg2"/>
-                    </a:outerShdw>
-                  </a:effectLst>
-                </a14:hiddenEffects>
-              </a:ext>
-            </a:extLst>
-          </p:spPr>
-        </p:cxnSp>
-        <p:cxnSp>
-          <p:nvCxnSpPr>
-            <p:cNvPr id="21" name="직선 화살표 연결선 20"/>
-            <p:cNvCxnSpPr/>
-            <p:nvPr/>
-          </p:nvCxnSpPr>
-          <p:spPr bwMode="auto">
-            <a:xfrm flipH="1" flipV="1">
-              <a:off x="5364088" y="4725144"/>
-              <a:ext cx="1008112" cy="576064"/>
-            </a:xfrm>
-            <a:prstGeom prst="straightConnector1">
-              <a:avLst/>
-            </a:prstGeom>
-            <a:gradFill rotWithShape="1">
-              <a:gsLst>
-                <a:gs pos="0">
-                  <a:schemeClr val="bg2">
-                    <a:gamma/>
-                    <a:tint val="26667"/>
-                    <a:invGamma/>
-                  </a:schemeClr>
-                </a:gs>
-                <a:gs pos="100000">
-                  <a:schemeClr val="bg2">
-                    <a:alpha val="14999"/>
-                  </a:schemeClr>
-                </a:gs>
-              </a:gsLst>
-              <a:lin ang="5400000" scaled="1"/>
-            </a:gradFill>
-            <a:ln w="44450">
-              <a:solidFill>
-                <a:srgbClr val="00B0F0"/>
-              </a:solidFill>
-              <a:tailEnd type="arrow"/>
-            </a:ln>
-            <a:effectLst/>
-            <a:extLst>
-              <a:ext uri="{AF507438-7753-43E0-B8FC-AC1667EBCBE1}">
-                <a14:hiddenEffects xmlns="" xmlns:a14="http://schemas.microsoft.com/office/drawing/2010/main">
-                  <a:effectLst>
-                    <a:outerShdw dist="35921" dir="2700000" algn="ctr" rotWithShape="0">
-                      <a:schemeClr val="bg2"/>
-                    </a:outerShdw>
-                  </a:effectLst>
-                </a14:hiddenEffects>
-              </a:ext>
-            </a:extLst>
-          </p:spPr>
-        </p:cxnSp>
-        <p:cxnSp>
-          <p:nvCxnSpPr>
-            <p:cNvPr id="24" name="직선 화살표 연결선 23"/>
-            <p:cNvCxnSpPr/>
-            <p:nvPr/>
-          </p:nvCxnSpPr>
-          <p:spPr bwMode="auto">
-            <a:xfrm flipV="1">
-              <a:off x="2699792" y="4581128"/>
-              <a:ext cx="864096" cy="504056"/>
-            </a:xfrm>
-            <a:prstGeom prst="straightConnector1">
-              <a:avLst/>
-            </a:prstGeom>
-            <a:gradFill rotWithShape="1">
-              <a:gsLst>
-                <a:gs pos="0">
-                  <a:schemeClr val="bg2">
-                    <a:gamma/>
-                    <a:tint val="26667"/>
-                    <a:invGamma/>
-                  </a:schemeClr>
-                </a:gs>
-                <a:gs pos="100000">
-                  <a:schemeClr val="bg2">
-                    <a:alpha val="14999"/>
-                  </a:schemeClr>
-                </a:gs>
-              </a:gsLst>
-              <a:lin ang="5400000" scaled="1"/>
-            </a:gradFill>
-            <a:ln w="44450">
-              <a:solidFill>
-                <a:srgbClr val="00B0F0"/>
-              </a:solidFill>
-              <a:tailEnd type="arrow"/>
-            </a:ln>
-            <a:effectLst/>
-            <a:extLst>
-              <a:ext uri="{AF507438-7753-43E0-B8FC-AC1667EBCBE1}">
-                <a14:hiddenEffects xmlns="" xmlns:a14="http://schemas.microsoft.com/office/drawing/2010/main">
-                  <a:effectLst>
-                    <a:outerShdw dist="35921" dir="2700000" algn="ctr" rotWithShape="0">
-                      <a:schemeClr val="bg2"/>
-                    </a:outerShdw>
-                  </a:effectLst>
-                </a14:hiddenEffects>
-              </a:ext>
-            </a:extLst>
-          </p:spPr>
-        </p:cxnSp>
-      </p:grpSp>
-      <p:grpSp>
-        <p:nvGrpSpPr>
-          <p:cNvPr id="4" name="그룹 29"/>
-          <p:cNvGrpSpPr/>
-          <p:nvPr/>
-        </p:nvGrpSpPr>
-        <p:grpSpPr>
-          <a:xfrm>
-            <a:off x="1571574" y="4149080"/>
+            <a:off x="1643582" y="4221088"/>
             <a:ext cx="7176890" cy="1800200"/>
             <a:chOff x="203673" y="2621195"/>
             <a:chExt cx="8448873" cy="3328085"/>
@@ -15116,17 +13404,17 @@
         </p:grpSpPr>
         <p:pic>
           <p:nvPicPr>
-            <p:cNvPr id="31" name="그림 30"/>
+            <p:cNvPr id="8" name="그림 7"/>
             <p:cNvPicPr>
               <a:picLocks noChangeAspect="1"/>
             </p:cNvPicPr>
             <p:nvPr/>
           </p:nvPicPr>
           <p:blipFill>
-            <a:blip r:embed="rId8" cstate="print">
+            <a:blip r:embed="rId5" cstate="print">
               <a:extLst>
                 <a:ext uri="{28A0092B-C50C-407E-A947-70E740481C1C}">
-                  <a14:useLocalDpi xmlns="" xmlns:a14="http://schemas.microsoft.com/office/drawing/2010/main" val="0"/>
+                  <a14:useLocalDpi xmlns:a14="http://schemas.microsoft.com/office/drawing/2010/main" xmlns="" val="0"/>
                 </a:ext>
               </a:extLst>
             </a:blip>
@@ -15146,17 +13434,17 @@
         </p:pic>
         <p:pic>
           <p:nvPicPr>
-            <p:cNvPr id="32" name="그림 31"/>
+            <p:cNvPr id="9" name="그림 8"/>
             <p:cNvPicPr>
               <a:picLocks noChangeAspect="1"/>
             </p:cNvPicPr>
             <p:nvPr/>
           </p:nvPicPr>
           <p:blipFill>
-            <a:blip r:embed="rId9" cstate="print">
+            <a:blip r:embed="rId6" cstate="print">
               <a:extLst>
                 <a:ext uri="{28A0092B-C50C-407E-A947-70E740481C1C}">
-                  <a14:useLocalDpi xmlns="" xmlns:a14="http://schemas.microsoft.com/office/drawing/2010/main" val="0"/>
+                  <a14:useLocalDpi xmlns:a14="http://schemas.microsoft.com/office/drawing/2010/main" xmlns="" val="0"/>
                 </a:ext>
               </a:extLst>
             </a:blip>
@@ -15176,7 +13464,7 @@
         </p:pic>
         <p:sp>
           <p:nvSpPr>
-            <p:cNvPr id="33" name="TextBox 32"/>
+            <p:cNvPr id="10" name="TextBox 9"/>
             <p:cNvSpPr txBox="1"/>
             <p:nvPr/>
           </p:nvSpPr>
@@ -15210,7 +13498,7 @@
         </p:sp>
         <p:sp>
           <p:nvSpPr>
-            <p:cNvPr id="34" name="TextBox 33"/>
+            <p:cNvPr id="11" name="TextBox 10"/>
             <p:cNvSpPr txBox="1"/>
             <p:nvPr/>
           </p:nvSpPr>
@@ -15244,17 +13532,17 @@
         </p:sp>
         <p:pic>
           <p:nvPicPr>
-            <p:cNvPr id="35" name="그림 34"/>
+            <p:cNvPr id="12" name="그림 11"/>
             <p:cNvPicPr>
               <a:picLocks noChangeAspect="1"/>
             </p:cNvPicPr>
             <p:nvPr/>
           </p:nvPicPr>
           <p:blipFill>
-            <a:blip r:embed="rId10" cstate="print">
+            <a:blip r:embed="rId7" cstate="print">
               <a:extLst>
                 <a:ext uri="{28A0092B-C50C-407E-A947-70E740481C1C}">
-                  <a14:useLocalDpi xmlns="" xmlns:a14="http://schemas.microsoft.com/office/drawing/2010/main" val="0"/>
+                  <a14:useLocalDpi xmlns:a14="http://schemas.microsoft.com/office/drawing/2010/main" xmlns="" val="0"/>
                 </a:ext>
               </a:extLst>
             </a:blip>
@@ -15274,7 +13562,7 @@
         </p:pic>
         <p:sp>
           <p:nvSpPr>
-            <p:cNvPr id="36" name="TextBox 35"/>
+            <p:cNvPr id="13" name="TextBox 12"/>
             <p:cNvSpPr txBox="1"/>
             <p:nvPr/>
           </p:nvSpPr>
@@ -15310,7 +13598,7 @@
     </p:spTree>
     <p:extLst>
       <p:ext uri="{BB962C8B-B14F-4D97-AF65-F5344CB8AC3E}">
-        <p14:creationId xmlns="" xmlns:p14="http://schemas.microsoft.com/office/powerpoint/2010/main" val="2437256557"/>
+        <p14:creationId xmlns:p14="http://schemas.microsoft.com/office/powerpoint/2010/main" xmlns="" val="846475234"/>
       </p:ext>
     </p:extLst>
   </p:cSld>
@@ -15328,7 +13616,7 @@
 </p:sld>
 </file>
 
-<file path=ppt/slides/slide6.xml><?xml version="1.0" encoding="utf-8"?>
+<file path=ppt/slides/slide5.xml><?xml version="1.0" encoding="utf-8"?>
 <p:sld xmlns:a="http://schemas.openxmlformats.org/drawingml/2006/main" xmlns:r="http://schemas.openxmlformats.org/officeDocument/2006/relationships" xmlns:p="http://schemas.openxmlformats.org/presentationml/2006/main">
   <p:cSld>
     <p:spTree>
@@ -15577,7 +13865,7 @@
         <p:spPr bwMode="auto">
           <a:xfrm>
             <a:off x="755576" y="1196752"/>
-            <a:ext cx="6048672" cy="648072"/>
+            <a:ext cx="2448272" cy="648072"/>
           </a:xfrm>
           <a:prstGeom prst="rect">
             <a:avLst/>
@@ -15589,14 +13877,14 @@
           <a:effectLst/>
           <a:extLst>
             <a:ext uri="{909E8E84-426E-40DD-AFC4-6F175D3DCCD1}">
-              <a14:hiddenFill xmlns="" xmlns:a14="http://schemas.microsoft.com/office/drawing/2010/main">
+              <a14:hiddenFill xmlns:a14="http://schemas.microsoft.com/office/drawing/2010/main" xmlns="">
                 <a:solidFill>
                   <a:schemeClr val="accent1"/>
                 </a:solidFill>
               </a14:hiddenFill>
             </a:ext>
             <a:ext uri="{91240B29-F687-4F45-9708-019B960494DF}">
-              <a14:hiddenLine xmlns="" xmlns:a14="http://schemas.microsoft.com/office/drawing/2010/main" w="9525">
+              <a14:hiddenLine xmlns:a14="http://schemas.microsoft.com/office/drawing/2010/main" xmlns="" w="9525">
                 <a:solidFill>
                   <a:schemeClr val="tx1"/>
                 </a:solidFill>
@@ -15606,7 +13894,7 @@
               </a14:hiddenLine>
             </a:ext>
             <a:ext uri="{AF507438-7753-43E0-B8FC-AC1667EBCBE1}">
-              <a14:hiddenEffects xmlns="" xmlns:a14="http://schemas.microsoft.com/office/drawing/2010/main">
+              <a14:hiddenEffects xmlns:a14="http://schemas.microsoft.com/office/drawing/2010/main" xmlns="">
                 <a:effectLst>
                   <a:outerShdw dist="35921" dir="2700000" algn="ctr" rotWithShape="0">
                     <a:schemeClr val="bg2"/>
@@ -15838,7 +14126,7 @@
     </p:spTree>
     <p:extLst>
       <p:ext uri="{BB962C8B-B14F-4D97-AF65-F5344CB8AC3E}">
-        <p14:creationId xmlns="" xmlns:p14="http://schemas.microsoft.com/office/powerpoint/2010/main" val="2437256557"/>
+        <p14:creationId xmlns:p14="http://schemas.microsoft.com/office/powerpoint/2010/main" xmlns="" val="2437256557"/>
       </p:ext>
     </p:extLst>
   </p:cSld>
@@ -15856,7 +14144,7 @@
 </p:sld>
 </file>
 
-<file path=ppt/slides/slide7.xml><?xml version="1.0" encoding="utf-8"?>
+<file path=ppt/slides/slide6.xml><?xml version="1.0" encoding="utf-8"?>
 <p:sld xmlns:a="http://schemas.openxmlformats.org/drawingml/2006/main" xmlns:r="http://schemas.openxmlformats.org/officeDocument/2006/relationships" xmlns:p="http://schemas.openxmlformats.org/presentationml/2006/main">
   <p:cSld>
     <p:spTree>
@@ -15952,7 +14240,7 @@
           <a:blip r:embed="rId5" cstate="print">
             <a:extLst>
               <a:ext uri="{28A0092B-C50C-407E-A947-70E740481C1C}">
-                <a14:useLocalDpi xmlns="" xmlns:a14="http://schemas.microsoft.com/office/drawing/2010/main" val="0"/>
+                <a14:useLocalDpi xmlns:a14="http://schemas.microsoft.com/office/drawing/2010/main" xmlns="" val="0"/>
               </a:ext>
             </a:extLst>
           </a:blip>
@@ -15972,7 +14260,7 @@
           <a:noFill/>
           <a:extLst>
             <a:ext uri="{909E8E84-426E-40DD-AFC4-6F175D3DCCD1}">
-              <a14:hiddenFill xmlns="" xmlns:a14="http://schemas.microsoft.com/office/drawing/2010/main">
+              <a14:hiddenFill xmlns:a14="http://schemas.microsoft.com/office/drawing/2010/main" xmlns="">
                 <a:solidFill>
                   <a:srgbClr val="FFFFFF"/>
                 </a:solidFill>
@@ -16220,7 +14508,7 @@
             <a:blip r:embed="rId6" cstate="print">
               <a:extLst>
                 <a:ext uri="{28A0092B-C50C-407E-A947-70E740481C1C}">
-                  <a14:useLocalDpi xmlns="" xmlns:a14="http://schemas.microsoft.com/office/drawing/2010/main" val="0"/>
+                  <a14:useLocalDpi xmlns:a14="http://schemas.microsoft.com/office/drawing/2010/main" xmlns="" val="0"/>
                 </a:ext>
               </a:extLst>
             </a:blip>
@@ -16240,7 +14528,7 @@
             <a:noFill/>
             <a:extLst>
               <a:ext uri="{909E8E84-426E-40DD-AFC4-6F175D3DCCD1}">
-                <a14:hiddenFill xmlns="" xmlns:a14="http://schemas.microsoft.com/office/drawing/2010/main">
+                <a14:hiddenFill xmlns:a14="http://schemas.microsoft.com/office/drawing/2010/main" xmlns="">
                   <a:solidFill>
                     <a:srgbClr val="FFFFFF"/>
                   </a:solidFill>
@@ -16349,7 +14637,7 @@
         <p:spPr bwMode="auto">
           <a:xfrm>
             <a:off x="755576" y="1196752"/>
-            <a:ext cx="6048672" cy="648072"/>
+            <a:ext cx="3744416" cy="648072"/>
           </a:xfrm>
           <a:prstGeom prst="rect">
             <a:avLst/>
@@ -16361,14 +14649,14 @@
           <a:effectLst/>
           <a:extLst>
             <a:ext uri="{909E8E84-426E-40DD-AFC4-6F175D3DCCD1}">
-              <a14:hiddenFill xmlns="" xmlns:a14="http://schemas.microsoft.com/office/drawing/2010/main">
+              <a14:hiddenFill xmlns:a14="http://schemas.microsoft.com/office/drawing/2010/main" xmlns="">
                 <a:solidFill>
                   <a:schemeClr val="accent1"/>
                 </a:solidFill>
               </a14:hiddenFill>
             </a:ext>
             <a:ext uri="{91240B29-F687-4F45-9708-019B960494DF}">
-              <a14:hiddenLine xmlns="" xmlns:a14="http://schemas.microsoft.com/office/drawing/2010/main" w="9525">
+              <a14:hiddenLine xmlns:a14="http://schemas.microsoft.com/office/drawing/2010/main" xmlns="" w="9525">
                 <a:solidFill>
                   <a:schemeClr val="tx1"/>
                 </a:solidFill>
@@ -16378,7 +14666,7 @@
               </a14:hiddenLine>
             </a:ext>
             <a:ext uri="{AF507438-7753-43E0-B8FC-AC1667EBCBE1}">
-              <a14:hiddenEffects xmlns="" xmlns:a14="http://schemas.microsoft.com/office/drawing/2010/main">
+              <a14:hiddenEffects xmlns:a14="http://schemas.microsoft.com/office/drawing/2010/main" xmlns="">
                 <a:effectLst>
                   <a:outerShdw dist="35921" dir="2700000" algn="ctr" rotWithShape="0">
                     <a:schemeClr val="bg2"/>
@@ -16575,7 +14863,7 @@
     </p:spTree>
     <p:extLst>
       <p:ext uri="{BB962C8B-B14F-4D97-AF65-F5344CB8AC3E}">
-        <p14:creationId xmlns="" xmlns:p14="http://schemas.microsoft.com/office/powerpoint/2010/main" val="1709874429"/>
+        <p14:creationId xmlns:p14="http://schemas.microsoft.com/office/powerpoint/2010/main" xmlns="" val="1709874429"/>
       </p:ext>
     </p:extLst>
   </p:cSld>
@@ -16593,7 +14881,7 @@
 </p:sld>
 </file>
 
-<file path=ppt/slides/slide8.xml><?xml version="1.0" encoding="utf-8"?>
+<file path=ppt/slides/slide7.xml><?xml version="1.0" encoding="utf-8"?>
 <p:sld xmlns:a="http://schemas.openxmlformats.org/drawingml/2006/main" xmlns:r="http://schemas.openxmlformats.org/officeDocument/2006/relationships" xmlns:p="http://schemas.openxmlformats.org/presentationml/2006/main">
   <p:cSld>
     <p:spTree>
@@ -17306,7 +15594,7 @@
             <a:effectLst/>
             <a:extLst>
               <a:ext uri="{AF507438-7753-43E0-B8FC-AC1667EBCBE1}">
-                <a14:hiddenEffects xmlns="" xmlns:a14="http://schemas.microsoft.com/office/drawing/2010/main">
+                <a14:hiddenEffects xmlns:a14="http://schemas.microsoft.com/office/drawing/2010/main" xmlns="">
                   <a:effectLst>
                     <a:outerShdw dist="35921" dir="2700000" algn="ctr" rotWithShape="0">
                       <a:schemeClr val="bg2"/>
@@ -17356,7 +15644,7 @@
             <a:effectLst/>
             <a:extLst>
               <a:ext uri="{AF507438-7753-43E0-B8FC-AC1667EBCBE1}">
-                <a14:hiddenEffects xmlns="" xmlns:a14="http://schemas.microsoft.com/office/drawing/2010/main">
+                <a14:hiddenEffects xmlns:a14="http://schemas.microsoft.com/office/drawing/2010/main" xmlns="">
                   <a:effectLst>
                     <a:outerShdw dist="35921" dir="2700000" algn="ctr" rotWithShape="0">
                       <a:schemeClr val="bg2"/>
@@ -17406,7 +15694,7 @@
             <a:effectLst/>
             <a:extLst>
               <a:ext uri="{AF507438-7753-43E0-B8FC-AC1667EBCBE1}">
-                <a14:hiddenEffects xmlns="" xmlns:a14="http://schemas.microsoft.com/office/drawing/2010/main">
+                <a14:hiddenEffects xmlns:a14="http://schemas.microsoft.com/office/drawing/2010/main" xmlns="">
                   <a:effectLst>
                     <a:outerShdw dist="35921" dir="2700000" algn="ctr" rotWithShape="0">
                       <a:schemeClr val="bg2"/>
@@ -17456,7 +15744,7 @@
             <a:effectLst/>
             <a:extLst>
               <a:ext uri="{AF507438-7753-43E0-B8FC-AC1667EBCBE1}">
-                <a14:hiddenEffects xmlns="" xmlns:a14="http://schemas.microsoft.com/office/drawing/2010/main">
+                <a14:hiddenEffects xmlns:a14="http://schemas.microsoft.com/office/drawing/2010/main" xmlns="">
                   <a:effectLst>
                     <a:outerShdw dist="35921" dir="2700000" algn="ctr" rotWithShape="0">
                       <a:schemeClr val="bg2"/>
@@ -17506,7 +15794,7 @@
             <a:effectLst/>
             <a:extLst>
               <a:ext uri="{AF507438-7753-43E0-B8FC-AC1667EBCBE1}">
-                <a14:hiddenEffects xmlns="" xmlns:a14="http://schemas.microsoft.com/office/drawing/2010/main">
+                <a14:hiddenEffects xmlns:a14="http://schemas.microsoft.com/office/drawing/2010/main" xmlns="">
                   <a:effectLst>
                     <a:outerShdw dist="35921" dir="2700000" algn="ctr" rotWithShape="0">
                       <a:schemeClr val="bg2"/>
@@ -17556,7 +15844,7 @@
             <a:effectLst/>
             <a:extLst>
               <a:ext uri="{AF507438-7753-43E0-B8FC-AC1667EBCBE1}">
-                <a14:hiddenEffects xmlns="" xmlns:a14="http://schemas.microsoft.com/office/drawing/2010/main">
+                <a14:hiddenEffects xmlns:a14="http://schemas.microsoft.com/office/drawing/2010/main" xmlns="">
                   <a:effectLst>
                     <a:outerShdw dist="35921" dir="2700000" algn="ctr" rotWithShape="0">
                       <a:schemeClr val="bg2"/>
@@ -17628,7 +15916,7 @@
     </p:spTree>
     <p:extLst>
       <p:ext uri="{BB962C8B-B14F-4D97-AF65-F5344CB8AC3E}">
-        <p14:creationId xmlns="" xmlns:p14="http://schemas.microsoft.com/office/powerpoint/2010/main" val="1532431054"/>
+        <p14:creationId xmlns:p14="http://schemas.microsoft.com/office/powerpoint/2010/main" xmlns="" val="1532431054"/>
       </p:ext>
     </p:extLst>
   </p:cSld>
@@ -17646,7 +15934,7 @@
 </p:sld>
 </file>
 
-<file path=ppt/slides/slide9.xml><?xml version="1.0" encoding="utf-8"?>
+<file path=ppt/slides/slide8.xml><?xml version="1.0" encoding="utf-8"?>
 <p:sld xmlns:a="http://schemas.openxmlformats.org/drawingml/2006/main" xmlns:r="http://schemas.openxmlformats.org/officeDocument/2006/relationships" xmlns:p="http://schemas.openxmlformats.org/presentationml/2006/main">
   <p:cSld>
     <p:spTree>
@@ -18875,7 +17163,675 @@
     </p:spTree>
     <p:extLst>
       <p:ext uri="{BB962C8B-B14F-4D97-AF65-F5344CB8AC3E}">
-        <p14:creationId xmlns="" xmlns:p14="http://schemas.microsoft.com/office/powerpoint/2010/main" val="1410092498"/>
+        <p14:creationId xmlns:p14="http://schemas.microsoft.com/office/powerpoint/2010/main" xmlns="" val="1410092498"/>
+      </p:ext>
+    </p:extLst>
+  </p:cSld>
+  <p:clrMapOvr>
+    <a:masterClrMapping/>
+  </p:clrMapOvr>
+  <p:transition advClick="0" advTm="20000"/>
+  <p:timing>
+    <p:tnLst>
+      <p:par>
+        <p:cTn id="1" dur="indefinite" restart="never" nodeType="tmRoot"/>
+      </p:par>
+    </p:tnLst>
+  </p:timing>
+</p:sld>
+</file>
+
+<file path=ppt/slides/slide9.xml><?xml version="1.0" encoding="utf-8"?>
+<p:sld xmlns:a="http://schemas.openxmlformats.org/drawingml/2006/main" xmlns:r="http://schemas.openxmlformats.org/officeDocument/2006/relationships" xmlns:p="http://schemas.openxmlformats.org/presentationml/2006/main">
+  <p:cSld>
+    <p:spTree>
+      <p:nvGrpSpPr>
+        <p:cNvPr id="1" name=""/>
+        <p:cNvGrpSpPr/>
+        <p:nvPr/>
+      </p:nvGrpSpPr>
+      <p:grpSpPr>
+        <a:xfrm>
+          <a:off x="0" y="0"/>
+          <a:ext cx="0" cy="0"/>
+          <a:chOff x="0" y="0"/>
+          <a:chExt cx="0" cy="0"/>
+        </a:xfrm>
+      </p:grpSpPr>
+      <p:pic>
+        <p:nvPicPr>
+          <p:cNvPr id="25" name="Picture 2" descr="C:\Documents and Settings\Administrator\바탕 화면\Untitled-1.png"/>
+          <p:cNvPicPr>
+            <a:picLocks noChangeAspect="1" noChangeArrowheads="1"/>
+          </p:cNvPicPr>
+          <p:nvPr/>
+        </p:nvPicPr>
+        <p:blipFill>
+          <a:blip r:embed="rId3" cstate="print"/>
+          <a:srcRect/>
+          <a:stretch>
+            <a:fillRect/>
+          </a:stretch>
+        </p:blipFill>
+        <p:spPr bwMode="auto">
+          <a:xfrm>
+            <a:off x="755576" y="2276872"/>
+            <a:ext cx="2736304" cy="2592288"/>
+          </a:xfrm>
+          <a:prstGeom prst="rect">
+            <a:avLst/>
+          </a:prstGeom>
+          <a:noFill/>
+        </p:spPr>
+      </p:pic>
+      <p:cxnSp>
+        <p:nvCxnSpPr>
+          <p:cNvPr id="20" name="직선 연결선 19"/>
+          <p:cNvCxnSpPr/>
+          <p:nvPr/>
+        </p:nvCxnSpPr>
+        <p:spPr>
+          <a:xfrm>
+            <a:off x="4583812" y="1700809"/>
+            <a:ext cx="0" cy="3125961"/>
+          </a:xfrm>
+          <a:prstGeom prst="line">
+            <a:avLst/>
+          </a:prstGeom>
+          <a:ln w="38100">
+            <a:solidFill>
+              <a:srgbClr val="000000"/>
+            </a:solidFill>
+            <a:prstDash val="dash"/>
+          </a:ln>
+        </p:spPr>
+        <p:style>
+          <a:lnRef idx="1">
+            <a:schemeClr val="accent1"/>
+          </a:lnRef>
+          <a:fillRef idx="0">
+            <a:schemeClr val="accent1"/>
+          </a:fillRef>
+          <a:effectRef idx="0">
+            <a:schemeClr val="accent1"/>
+          </a:effectRef>
+          <a:fontRef idx="minor">
+            <a:schemeClr val="tx1"/>
+          </a:fontRef>
+        </p:style>
+      </p:cxnSp>
+      <p:sp>
+        <p:nvSpPr>
+          <p:cNvPr id="2" name="제목 1"/>
+          <p:cNvSpPr>
+            <a:spLocks noGrp="1"/>
+          </p:cNvSpPr>
+          <p:nvPr>
+            <p:ph type="title"/>
+          </p:nvPr>
+        </p:nvSpPr>
+        <p:spPr/>
+        <p:txBody>
+          <a:bodyPr/>
+          <a:lstStyle/>
+          <a:p>
+            <a:pPr marL="914400" indent="-914400">
+              <a:buFont typeface="+mj-lt"/>
+              <a:buAutoNum type="arabicPeriod" startAt="4"/>
+            </a:pPr>
+            <a:r>
+              <a:rPr lang="ko-KR" altLang="en-US" sz="5400" spc="600" dirty="0" smtClean="0">
+                <a:solidFill>
+                  <a:srgbClr val="000000"/>
+                </a:solidFill>
+                <a:latin typeface="HY동녘M" pitchFamily="18" charset="-127"/>
+                <a:ea typeface="HY동녘M" pitchFamily="18" charset="-127"/>
+              </a:rPr>
+              <a:t>활용 서비스</a:t>
+            </a:r>
+            <a:endParaRPr lang="ko-KR" altLang="en-US" sz="5400" spc="600" dirty="0">
+              <a:solidFill>
+                <a:srgbClr val="000000"/>
+              </a:solidFill>
+              <a:latin typeface="HY동녘M" pitchFamily="18" charset="-127"/>
+              <a:ea typeface="HY동녘M" pitchFamily="18" charset="-127"/>
+            </a:endParaRPr>
+          </a:p>
+        </p:txBody>
+      </p:sp>
+      <p:pic>
+        <p:nvPicPr>
+          <p:cNvPr id="8" name="그림 7"/>
+          <p:cNvPicPr>
+            <a:picLocks noChangeAspect="1"/>
+          </p:cNvPicPr>
+          <p:nvPr/>
+        </p:nvPicPr>
+        <p:blipFill>
+          <a:blip r:embed="rId4" cstate="print">
+            <a:extLst>
+              <a:ext uri="{28A0092B-C50C-407E-A947-70E740481C1C}">
+                <a14:useLocalDpi xmlns:a14="http://schemas.microsoft.com/office/drawing/2010/main" xmlns="" val="0"/>
+              </a:ext>
+            </a:extLst>
+          </a:blip>
+          <a:stretch>
+            <a:fillRect/>
+          </a:stretch>
+        </p:blipFill>
+        <p:spPr>
+          <a:xfrm>
+            <a:off x="6372200" y="2110840"/>
+            <a:ext cx="1700153" cy="3219986"/>
+          </a:xfrm>
+          <a:prstGeom prst="rect">
+            <a:avLst/>
+          </a:prstGeom>
+        </p:spPr>
+      </p:pic>
+      <p:grpSp>
+        <p:nvGrpSpPr>
+          <p:cNvPr id="3" name="그룹 8"/>
+          <p:cNvGrpSpPr/>
+          <p:nvPr/>
+        </p:nvGrpSpPr>
+        <p:grpSpPr>
+          <a:xfrm>
+            <a:off x="3347864" y="2790910"/>
+            <a:ext cx="3096344" cy="1222528"/>
+            <a:chOff x="3511961" y="3632546"/>
+            <a:chExt cx="1921661" cy="936104"/>
+          </a:xfrm>
+        </p:grpSpPr>
+        <p:sp>
+          <p:nvSpPr>
+            <p:cNvPr id="10" name="아래쪽 화살표 9"/>
+            <p:cNvSpPr/>
+            <p:nvPr/>
+          </p:nvSpPr>
+          <p:spPr>
+            <a:xfrm rot="5400000">
+              <a:off x="3921300" y="3223207"/>
+              <a:ext cx="936104" cy="1754782"/>
+            </a:xfrm>
+            <a:prstGeom prst="downArrow">
+              <a:avLst/>
+            </a:prstGeom>
+          </p:spPr>
+          <p:style>
+            <a:lnRef idx="0">
+              <a:schemeClr val="accent1"/>
+            </a:lnRef>
+            <a:fillRef idx="3">
+              <a:schemeClr val="accent1"/>
+            </a:fillRef>
+            <a:effectRef idx="3">
+              <a:schemeClr val="accent1"/>
+            </a:effectRef>
+            <a:fontRef idx="minor">
+              <a:schemeClr val="lt1"/>
+            </a:fontRef>
+          </p:style>
+          <p:txBody>
+            <a:bodyPr rtlCol="0" anchor="ctr"/>
+            <a:lstStyle/>
+            <a:p>
+              <a:pPr algn="ctr"/>
+              <a:endParaRPr lang="ko-KR" altLang="en-US" dirty="0"/>
+            </a:p>
+          </p:txBody>
+        </p:sp>
+        <p:sp>
+          <p:nvSpPr>
+            <p:cNvPr id="11" name="TextBox 10"/>
+            <p:cNvSpPr txBox="1"/>
+            <p:nvPr/>
+          </p:nvSpPr>
+          <p:spPr>
+            <a:xfrm>
+              <a:off x="3707361" y="3894436"/>
+              <a:ext cx="1726261" cy="400636"/>
+            </a:xfrm>
+            <a:prstGeom prst="rect">
+              <a:avLst/>
+            </a:prstGeom>
+            <a:noFill/>
+          </p:spPr>
+          <p:txBody>
+            <a:bodyPr wrap="none" rtlCol="0">
+              <a:spAutoFit/>
+            </a:bodyPr>
+            <a:lstStyle/>
+            <a:p>
+              <a:r>
+                <a:rPr lang="en-US" altLang="ko-KR" sz="2800" dirty="0" smtClean="0">
+                  <a:solidFill>
+                    <a:schemeClr val="tx2">
+                      <a:lumMod val="50000"/>
+                    </a:schemeClr>
+                  </a:solidFill>
+                </a:rPr>
+                <a:t>Android-USB</a:t>
+              </a:r>
+              <a:endParaRPr lang="ko-KR" altLang="en-US" sz="2800" dirty="0">
+                <a:solidFill>
+                  <a:schemeClr val="tx2">
+                    <a:lumMod val="50000"/>
+                  </a:schemeClr>
+                </a:solidFill>
+              </a:endParaRPr>
+            </a:p>
+          </p:txBody>
+        </p:sp>
+      </p:grpSp>
+      <p:pic>
+        <p:nvPicPr>
+          <p:cNvPr id="1027" name="Picture 3" descr="C:\Documents and Settings\XP\바탕 화면\무제-1.png"/>
+          <p:cNvPicPr>
+            <a:picLocks noChangeAspect="1" noChangeArrowheads="1"/>
+          </p:cNvPicPr>
+          <p:nvPr/>
+        </p:nvPicPr>
+        <p:blipFill>
+          <a:blip r:embed="rId5" cstate="print">
+            <a:extLst>
+              <a:ext uri="{28A0092B-C50C-407E-A947-70E740481C1C}">
+                <a14:useLocalDpi xmlns:a14="http://schemas.microsoft.com/office/drawing/2010/main" xmlns="" val="0"/>
+              </a:ext>
+            </a:extLst>
+          </a:blip>
+          <a:srcRect/>
+          <a:stretch>
+            <a:fillRect/>
+          </a:stretch>
+        </p:blipFill>
+        <p:spPr bwMode="auto">
+          <a:xfrm>
+            <a:off x="6657065" y="2954562"/>
+            <a:ext cx="476250" cy="476250"/>
+          </a:xfrm>
+          <a:prstGeom prst="rect">
+            <a:avLst/>
+          </a:prstGeom>
+          <a:noFill/>
+          <a:extLst>
+            <a:ext uri="{909E8E84-426E-40DD-AFC4-6F175D3DCCD1}">
+              <a14:hiddenFill xmlns:a14="http://schemas.microsoft.com/office/drawing/2010/main" xmlns="">
+                <a:solidFill>
+                  <a:srgbClr val="FFFFFF"/>
+                </a:solidFill>
+              </a14:hiddenFill>
+            </a:ext>
+          </a:extLst>
+        </p:spPr>
+      </p:pic>
+      <p:pic>
+        <p:nvPicPr>
+          <p:cNvPr id="1028" name="Picture 4" descr="C:\Documents and Settings\XP\바탕 화면\메시지.png"/>
+          <p:cNvPicPr>
+            <a:picLocks noChangeAspect="1" noChangeArrowheads="1"/>
+          </p:cNvPicPr>
+          <p:nvPr/>
+        </p:nvPicPr>
+        <p:blipFill>
+          <a:blip r:embed="rId6" cstate="print">
+            <a:extLst>
+              <a:ext uri="{28A0092B-C50C-407E-A947-70E740481C1C}">
+                <a14:useLocalDpi xmlns:a14="http://schemas.microsoft.com/office/drawing/2010/main" xmlns="" val="0"/>
+              </a:ext>
+            </a:extLst>
+          </a:blip>
+          <a:srcRect/>
+          <a:stretch>
+            <a:fillRect/>
+          </a:stretch>
+        </p:blipFill>
+        <p:spPr bwMode="auto">
+          <a:xfrm>
+            <a:off x="7336110" y="2966002"/>
+            <a:ext cx="476250" cy="476250"/>
+          </a:xfrm>
+          <a:prstGeom prst="rect">
+            <a:avLst/>
+          </a:prstGeom>
+          <a:noFill/>
+          <a:extLst>
+            <a:ext uri="{909E8E84-426E-40DD-AFC4-6F175D3DCCD1}">
+              <a14:hiddenFill xmlns:a14="http://schemas.microsoft.com/office/drawing/2010/main" xmlns="">
+                <a:solidFill>
+                  <a:srgbClr val="FFFFFF"/>
+                </a:solidFill>
+              </a14:hiddenFill>
+            </a:ext>
+          </a:extLst>
+        </p:spPr>
+      </p:pic>
+      <p:pic>
+        <p:nvPicPr>
+          <p:cNvPr id="18" name="Picture 3" descr="C:\Documents and Settings\XP\바탕 화면\무제-1.png"/>
+          <p:cNvPicPr>
+            <a:picLocks noChangeAspect="1" noChangeArrowheads="1"/>
+          </p:cNvPicPr>
+          <p:nvPr/>
+        </p:nvPicPr>
+        <p:blipFill>
+          <a:blip r:embed="rId5" cstate="print">
+            <a:extLst>
+              <a:ext uri="{28A0092B-C50C-407E-A947-70E740481C1C}">
+                <a14:useLocalDpi xmlns:a14="http://schemas.microsoft.com/office/drawing/2010/main" xmlns="" val="0"/>
+              </a:ext>
+            </a:extLst>
+          </a:blip>
+          <a:srcRect/>
+          <a:stretch>
+            <a:fillRect/>
+          </a:stretch>
+        </p:blipFill>
+        <p:spPr bwMode="auto">
+          <a:xfrm>
+            <a:off x="1547664" y="2594522"/>
+            <a:ext cx="476250" cy="476250"/>
+          </a:xfrm>
+          <a:prstGeom prst="rect">
+            <a:avLst/>
+          </a:prstGeom>
+          <a:noFill/>
+          <a:extLst>
+            <a:ext uri="{909E8E84-426E-40DD-AFC4-6F175D3DCCD1}">
+              <a14:hiddenFill xmlns:a14="http://schemas.microsoft.com/office/drawing/2010/main" xmlns="">
+                <a:solidFill>
+                  <a:srgbClr val="FFFFFF"/>
+                </a:solidFill>
+              </a14:hiddenFill>
+            </a:ext>
+          </a:extLst>
+        </p:spPr>
+      </p:pic>
+      <p:pic>
+        <p:nvPicPr>
+          <p:cNvPr id="19" name="Picture 4" descr="C:\Documents and Settings\XP\바탕 화면\메시지.png"/>
+          <p:cNvPicPr>
+            <a:picLocks noChangeAspect="1" noChangeArrowheads="1"/>
+          </p:cNvPicPr>
+          <p:nvPr/>
+        </p:nvPicPr>
+        <p:blipFill>
+          <a:blip r:embed="rId6" cstate="print">
+            <a:extLst>
+              <a:ext uri="{28A0092B-C50C-407E-A947-70E740481C1C}">
+                <a14:useLocalDpi xmlns:a14="http://schemas.microsoft.com/office/drawing/2010/main" xmlns="" val="0"/>
+              </a:ext>
+            </a:extLst>
+          </a:blip>
+          <a:srcRect/>
+          <a:stretch>
+            <a:fillRect/>
+          </a:stretch>
+        </p:blipFill>
+        <p:spPr bwMode="auto">
+          <a:xfrm>
+            <a:off x="2226709" y="2605962"/>
+            <a:ext cx="476250" cy="476250"/>
+          </a:xfrm>
+          <a:prstGeom prst="rect">
+            <a:avLst/>
+          </a:prstGeom>
+          <a:noFill/>
+          <a:extLst>
+            <a:ext uri="{909E8E84-426E-40DD-AFC4-6F175D3DCCD1}">
+              <a14:hiddenFill xmlns:a14="http://schemas.microsoft.com/office/drawing/2010/main" xmlns="">
+                <a:solidFill>
+                  <a:srgbClr val="FFFFFF"/>
+                </a:solidFill>
+              </a14:hiddenFill>
+            </a:ext>
+          </a:extLst>
+        </p:spPr>
+      </p:pic>
+      <p:sp>
+        <p:nvSpPr>
+          <p:cNvPr id="22" name="TextBox 21"/>
+          <p:cNvSpPr txBox="1"/>
+          <p:nvPr/>
+        </p:nvSpPr>
+        <p:spPr>
+          <a:xfrm>
+            <a:off x="1605627" y="1700808"/>
+            <a:ext cx="1039067" cy="461665"/>
+          </a:xfrm>
+          <a:prstGeom prst="rect">
+            <a:avLst/>
+          </a:prstGeom>
+          <a:noFill/>
+        </p:spPr>
+        <p:txBody>
+          <a:bodyPr wrap="none" rtlCol="0">
+            <a:spAutoFit/>
+          </a:bodyPr>
+          <a:lstStyle/>
+          <a:p>
+            <a:r>
+              <a:rPr lang="en-US" altLang="ko-KR" b="1" dirty="0" smtClean="0">
+                <a:solidFill>
+                  <a:srgbClr val="000000"/>
+                </a:solidFill>
+              </a:rPr>
+              <a:t>Client</a:t>
+            </a:r>
+            <a:endParaRPr lang="ko-KR" altLang="en-US" b="1" dirty="0">
+              <a:solidFill>
+                <a:srgbClr val="000000"/>
+              </a:solidFill>
+            </a:endParaRPr>
+          </a:p>
+        </p:txBody>
+      </p:sp>
+      <p:sp>
+        <p:nvSpPr>
+          <p:cNvPr id="23" name="TextBox 22"/>
+          <p:cNvSpPr txBox="1"/>
+          <p:nvPr/>
+        </p:nvSpPr>
+        <p:spPr>
+          <a:xfrm>
+            <a:off x="6701301" y="1700809"/>
+            <a:ext cx="1144865" cy="461665"/>
+          </a:xfrm>
+          <a:prstGeom prst="rect">
+            <a:avLst/>
+          </a:prstGeom>
+          <a:noFill/>
+        </p:spPr>
+        <p:txBody>
+          <a:bodyPr wrap="none" rtlCol="0">
+            <a:spAutoFit/>
+          </a:bodyPr>
+          <a:lstStyle/>
+          <a:p>
+            <a:r>
+              <a:rPr lang="en-US" altLang="ko-KR" b="1" dirty="0" smtClean="0">
+                <a:solidFill>
+                  <a:srgbClr val="000000"/>
+                </a:solidFill>
+              </a:rPr>
+              <a:t>Server</a:t>
+            </a:r>
+            <a:endParaRPr lang="ko-KR" altLang="en-US" b="1" dirty="0">
+              <a:solidFill>
+                <a:srgbClr val="000000"/>
+              </a:solidFill>
+            </a:endParaRPr>
+          </a:p>
+        </p:txBody>
+      </p:sp>
+      <p:pic>
+        <p:nvPicPr>
+          <p:cNvPr id="16" name="Picture 6" descr="C:\Documents and Settings\XP\바탕 화면\카메라.png"/>
+          <p:cNvPicPr>
+            <a:picLocks noChangeAspect="1" noChangeArrowheads="1"/>
+          </p:cNvPicPr>
+          <p:nvPr/>
+        </p:nvPicPr>
+        <p:blipFill>
+          <a:blip r:embed="rId7" cstate="print">
+            <a:extLst>
+              <a:ext uri="{28A0092B-C50C-407E-A947-70E740481C1C}">
+                <a14:useLocalDpi xmlns:a14="http://schemas.microsoft.com/office/drawing/2010/main" xmlns="" val="0"/>
+              </a:ext>
+            </a:extLst>
+          </a:blip>
+          <a:srcRect/>
+          <a:stretch>
+            <a:fillRect/>
+          </a:stretch>
+        </p:blipFill>
+        <p:spPr bwMode="auto">
+          <a:xfrm>
+            <a:off x="7035608" y="3560451"/>
+            <a:ext cx="476250" cy="476250"/>
+          </a:xfrm>
+          <a:prstGeom prst="rect">
+            <a:avLst/>
+          </a:prstGeom>
+          <a:noFill/>
+          <a:extLst>
+            <a:ext uri="{909E8E84-426E-40DD-AFC4-6F175D3DCCD1}">
+              <a14:hiddenFill xmlns:a14="http://schemas.microsoft.com/office/drawing/2010/main" xmlns="">
+                <a:solidFill>
+                  <a:srgbClr val="FFFFFF"/>
+                </a:solidFill>
+              </a14:hiddenFill>
+            </a:ext>
+          </a:extLst>
+        </p:spPr>
+      </p:pic>
+      <p:pic>
+        <p:nvPicPr>
+          <p:cNvPr id="17" name="Picture 5" descr="C:\Documents and Settings\XP\바탕 화면\사진.png"/>
+          <p:cNvPicPr>
+            <a:picLocks noChangeAspect="1" noChangeArrowheads="1"/>
+          </p:cNvPicPr>
+          <p:nvPr/>
+        </p:nvPicPr>
+        <p:blipFill>
+          <a:blip r:embed="rId8" cstate="print">
+            <a:extLst>
+              <a:ext uri="{28A0092B-C50C-407E-A947-70E740481C1C}">
+                <a14:useLocalDpi xmlns:a14="http://schemas.microsoft.com/office/drawing/2010/main" xmlns="" val="0"/>
+              </a:ext>
+            </a:extLst>
+          </a:blip>
+          <a:srcRect/>
+          <a:stretch>
+            <a:fillRect/>
+          </a:stretch>
+        </p:blipFill>
+        <p:spPr bwMode="auto">
+          <a:xfrm>
+            <a:off x="1887035" y="3273609"/>
+            <a:ext cx="476250" cy="476250"/>
+          </a:xfrm>
+          <a:prstGeom prst="rect">
+            <a:avLst/>
+          </a:prstGeom>
+          <a:noFill/>
+          <a:extLst>
+            <a:ext uri="{909E8E84-426E-40DD-AFC4-6F175D3DCCD1}">
+              <a14:hiddenFill xmlns:a14="http://schemas.microsoft.com/office/drawing/2010/main" xmlns="">
+                <a:solidFill>
+                  <a:srgbClr val="FFFFFF"/>
+                </a:solidFill>
+              </a14:hiddenFill>
+            </a:ext>
+          </a:extLst>
+        </p:spPr>
+      </p:pic>
+      <p:pic>
+        <p:nvPicPr>
+          <p:cNvPr id="21" name="Picture 2" descr="C:\Documents and Settings\XP\바탕 화면\무제-1.png"/>
+          <p:cNvPicPr>
+            <a:picLocks noChangeAspect="1" noChangeArrowheads="1"/>
+          </p:cNvPicPr>
+          <p:nvPr/>
+        </p:nvPicPr>
+        <p:blipFill>
+          <a:blip r:embed="rId9" cstate="print">
+            <a:extLst>
+              <a:ext uri="{28A0092B-C50C-407E-A947-70E740481C1C}">
+                <a14:useLocalDpi xmlns:a14="http://schemas.microsoft.com/office/drawing/2010/main" xmlns="" val="0"/>
+              </a:ext>
+            </a:extLst>
+          </a:blip>
+          <a:srcRect/>
+          <a:stretch>
+            <a:fillRect/>
+          </a:stretch>
+        </p:blipFill>
+        <p:spPr bwMode="auto">
+          <a:xfrm>
+            <a:off x="3059832" y="4538738"/>
+            <a:ext cx="1261769" cy="1261769"/>
+          </a:xfrm>
+          <a:prstGeom prst="rect">
+            <a:avLst/>
+          </a:prstGeom>
+          <a:noFill/>
+          <a:extLst>
+            <a:ext uri="{909E8E84-426E-40DD-AFC4-6F175D3DCCD1}">
+              <a14:hiddenFill xmlns:a14="http://schemas.microsoft.com/office/drawing/2010/main" xmlns="">
+                <a:solidFill>
+                  <a:srgbClr val="FFFFFF"/>
+                </a:solidFill>
+              </a14:hiddenFill>
+            </a:ext>
+          </a:extLst>
+        </p:spPr>
+      </p:pic>
+      <p:pic>
+        <p:nvPicPr>
+          <p:cNvPr id="24" name="Picture 3" descr="C:\Documents and Settings\XP\바탕 화면\무제-2.png"/>
+          <p:cNvPicPr>
+            <a:picLocks noChangeAspect="1" noChangeArrowheads="1"/>
+          </p:cNvPicPr>
+          <p:nvPr/>
+        </p:nvPicPr>
+        <p:blipFill>
+          <a:blip r:embed="rId10" cstate="print">
+            <a:extLst>
+              <a:ext uri="{28A0092B-C50C-407E-A947-70E740481C1C}">
+                <a14:useLocalDpi xmlns:a14="http://schemas.microsoft.com/office/drawing/2010/main" xmlns="" val="0"/>
+              </a:ext>
+            </a:extLst>
+          </a:blip>
+          <a:srcRect/>
+          <a:stretch>
+            <a:fillRect/>
+          </a:stretch>
+        </p:blipFill>
+        <p:spPr bwMode="auto">
+          <a:xfrm>
+            <a:off x="7540649" y="3638724"/>
+            <a:ext cx="1332969" cy="1332969"/>
+          </a:xfrm>
+          <a:prstGeom prst="rect">
+            <a:avLst/>
+          </a:prstGeom>
+          <a:noFill/>
+          <a:extLst>
+            <a:ext uri="{909E8E84-426E-40DD-AFC4-6F175D3DCCD1}">
+              <a14:hiddenFill xmlns:a14="http://schemas.microsoft.com/office/drawing/2010/main" xmlns="">
+                <a:solidFill>
+                  <a:srgbClr val="FFFFFF"/>
+                </a:solidFill>
+              </a14:hiddenFill>
+            </a:ext>
+          </a:extLst>
+        </p:spPr>
+      </p:pic>
+    </p:spTree>
+    <p:extLst>
+      <p:ext uri="{BB962C8B-B14F-4D97-AF65-F5344CB8AC3E}">
+        <p14:creationId xmlns:p14="http://schemas.microsoft.com/office/powerpoint/2010/main" xmlns="" val="1407908346"/>
       </p:ext>
     </p:extLst>
   </p:cSld>
@@ -19191,7 +18147,7 @@
         <a:effectLst/>
         <a:extLst>
           <a:ext uri="{91240B29-F687-4F45-9708-019B960494DF}">
-            <a14:hiddenLine xmlns="" xmlns:a14="http://schemas.microsoft.com/office/drawing/2010/main" w="9525" cap="flat" cmpd="sng" algn="ctr">
+            <a14:hiddenLine xmlns:a14="http://schemas.microsoft.com/office/drawing/2010/main" xmlns="" w="9525" cap="flat" cmpd="sng" algn="ctr">
               <a:solidFill>
                 <a:schemeClr val="tx1"/>
               </a:solidFill>
@@ -19202,7 +18158,7 @@
             </a14:hiddenLine>
           </a:ext>
           <a:ext uri="{AF507438-7753-43E0-B8FC-AC1667EBCBE1}">
-            <a14:hiddenEffects xmlns="" xmlns:a14="http://schemas.microsoft.com/office/drawing/2010/main">
+            <a14:hiddenEffects xmlns:a14="http://schemas.microsoft.com/office/drawing/2010/main" xmlns="">
               <a:effectLst>
                 <a:outerShdw dist="35921" dir="2700000" algn="ctr" rotWithShape="0">
                   <a:schemeClr val="bg2"/>

--- a/Documents/presentation doc/Final Presentation/final-presentation.pptx
+++ b/Documents/presentation doc/Final Presentation/final-presentation.pptx
@@ -12,17 +12,17 @@
     <p:sldId id="320" r:id="rId3"/>
     <p:sldId id="318" r:id="rId4"/>
     <p:sldId id="323" r:id="rId5"/>
-    <p:sldId id="324" r:id="rId6"/>
-    <p:sldId id="287" r:id="rId7"/>
-    <p:sldId id="294" r:id="rId8"/>
-    <p:sldId id="312" r:id="rId9"/>
-    <p:sldId id="305" r:id="rId10"/>
-    <p:sldId id="306" r:id="rId11"/>
-    <p:sldId id="313" r:id="rId12"/>
-    <p:sldId id="316" r:id="rId13"/>
-    <p:sldId id="310" r:id="rId14"/>
-    <p:sldId id="317" r:id="rId15"/>
-    <p:sldId id="322" r:id="rId16"/>
+    <p:sldId id="287" r:id="rId6"/>
+    <p:sldId id="294" r:id="rId7"/>
+    <p:sldId id="312" r:id="rId8"/>
+    <p:sldId id="305" r:id="rId9"/>
+    <p:sldId id="306" r:id="rId10"/>
+    <p:sldId id="313" r:id="rId11"/>
+    <p:sldId id="316" r:id="rId12"/>
+    <p:sldId id="310" r:id="rId13"/>
+    <p:sldId id="317" r:id="rId14"/>
+    <p:sldId id="322" r:id="rId15"/>
+    <p:sldId id="324" r:id="rId16"/>
   </p:sldIdLst>
   <p:sldSz cx="9144000" cy="6858000" type="screen4x3"/>
   <p:notesSz cx="6797675" cy="9874250"/>
@@ -156,6 +156,7 @@
 
 <file path=ppt/charts/chart1.xml><?xml version="1.0" encoding="utf-8"?>
 <c:chartSpace xmlns:c="http://schemas.openxmlformats.org/drawingml/2006/chart" xmlns:a="http://schemas.openxmlformats.org/drawingml/2006/main" xmlns:r="http://schemas.openxmlformats.org/officeDocument/2006/relationships">
+  <c:date1904 val="1"/>
   <c:lang val="ko-KR"/>
   <c:style val="27"/>
   <c:chart>
@@ -166,10 +167,10 @@
           <c:layoutTarget val="inner"/>
           <c:xMode val="edge"/>
           <c:yMode val="edge"/>
-          <c:x val="0.13756541418769719"/>
-          <c:y val="0.31142121774829445"/>
+          <c:x val="0.13756541418769727"/>
+          <c:y val="0.31142121774829457"/>
           <c:w val="0.82290353753797463"/>
-          <c:h val="0.56776310568666633"/>
+          <c:h val="0.5677631056866661"/>
         </c:manualLayout>
       </c:layout>
       <c:barChart>
@@ -264,25 +265,25 @@
           <c:showVal val="1"/>
         </c:dLbls>
         <c:gapWidth val="75"/>
-        <c:axId val="63053184"/>
-        <c:axId val="63071360"/>
+        <c:axId val="72123520"/>
+        <c:axId val="72125056"/>
       </c:barChart>
       <c:catAx>
-        <c:axId val="63053184"/>
+        <c:axId val="72123520"/>
         <c:scaling>
           <c:orientation val="minMax"/>
         </c:scaling>
         <c:axPos val="b"/>
         <c:majorTickMark val="none"/>
         <c:tickLblPos val="nextTo"/>
-        <c:crossAx val="63071360"/>
+        <c:crossAx val="72125056"/>
         <c:crosses val="autoZero"/>
         <c:auto val="1"/>
         <c:lblAlgn val="ctr"/>
         <c:lblOffset val="100"/>
       </c:catAx>
       <c:valAx>
-        <c:axId val="63071360"/>
+        <c:axId val="72125056"/>
         <c:scaling>
           <c:orientation val="minMax"/>
           <c:min val="0"/>
@@ -291,7 +292,7 @@
         <c:numFmt formatCode="General" sourceLinked="1"/>
         <c:majorTickMark val="none"/>
         <c:tickLblPos val="nextTo"/>
-        <c:crossAx val="63053184"/>
+        <c:crossAx val="72123520"/>
         <c:crosses val="autoZero"/>
         <c:crossBetween val="between"/>
         <c:majorUnit val="20"/>
@@ -303,143 +304,13 @@
         <c:manualLayout>
           <c:xMode val="edge"/>
           <c:yMode val="edge"/>
-          <c:x val="0.18942124246731401"/>
-          <c:y val="3.0763248527941635E-2"/>
-          <c:w val="0.68117168015815011"/>
-          <c:h val="0.22344660117130088"/>
+          <c:x val="0.18942124246731415"/>
+          <c:y val="3.0763248527941652E-2"/>
+          <c:w val="0.68117168015815055"/>
+          <c:h val="0.22344660117130105"/>
         </c:manualLayout>
       </c:layout>
     </c:legend>
-    <c:plotVisOnly val="1"/>
-    <c:dispBlanksAs val="gap"/>
-  </c:chart>
-  <c:txPr>
-    <a:bodyPr/>
-    <a:lstStyle/>
-    <a:p>
-      <a:pPr>
-        <a:defRPr sz="1800"/>
-      </a:pPr>
-      <a:endParaRPr lang="ko-KR"/>
-    </a:p>
-  </c:txPr>
-  <c:externalData r:id="rId1"/>
-</c:chartSpace>
-</file>
-
-<file path=ppt/charts/chart2.xml><?xml version="1.0" encoding="utf-8"?>
-<c:chartSpace xmlns:c="http://schemas.openxmlformats.org/drawingml/2006/chart" xmlns:a="http://schemas.openxmlformats.org/drawingml/2006/main" xmlns:r="http://schemas.openxmlformats.org/officeDocument/2006/relationships">
-  <c:date1904 val="1"/>
-  <c:lang val="ko-KR"/>
-  <c:style val="26"/>
-  <c:chart>
-    <c:title>
-      <c:layout/>
-    </c:title>
-    <c:plotArea>
-      <c:layout/>
-      <c:lineChart>
-        <c:grouping val="standard"/>
-        <c:ser>
-          <c:idx val="0"/>
-          <c:order val="0"/>
-          <c:tx>
-            <c:strRef>
-              <c:f>Sheet1!$B$1</c:f>
-              <c:strCache>
-                <c:ptCount val="1"/>
-                <c:pt idx="0">
-                  <c:v>국내 스마트폰
-가입자 수
-(단위=만명)</c:v>
-                </c:pt>
-              </c:strCache>
-            </c:strRef>
-          </c:tx>
-          <c:marker>
-            <c:symbol val="none"/>
-          </c:marker>
-          <c:cat>
-            <c:strRef>
-              <c:f>Sheet1!$A$2:$A$6</c:f>
-              <c:strCache>
-                <c:ptCount val="5"/>
-                <c:pt idx="0">
-                  <c:v>09년 4분기</c:v>
-                </c:pt>
-                <c:pt idx="1">
-                  <c:v>10년 2분기</c:v>
-                </c:pt>
-                <c:pt idx="2">
-                  <c:v>10년 4분기</c:v>
-                </c:pt>
-                <c:pt idx="3">
-                  <c:v>11년 2분기</c:v>
-                </c:pt>
-                <c:pt idx="4">
-                  <c:v>11년 4분기</c:v>
-                </c:pt>
-              </c:strCache>
-            </c:strRef>
-          </c:cat>
-          <c:val>
-            <c:numRef>
-              <c:f>Sheet1!$B$2:$B$6</c:f>
-              <c:numCache>
-                <c:formatCode>General</c:formatCode>
-                <c:ptCount val="5"/>
-                <c:pt idx="0">
-                  <c:v>80</c:v>
-                </c:pt>
-                <c:pt idx="1">
-                  <c:v>247</c:v>
-                </c:pt>
-                <c:pt idx="2">
-                  <c:v>722</c:v>
-                </c:pt>
-                <c:pt idx="3" formatCode="#,##0">
-                  <c:v>1487</c:v>
-                </c:pt>
-                <c:pt idx="4" formatCode="#,##0">
-                  <c:v>2000</c:v>
-                </c:pt>
-              </c:numCache>
-            </c:numRef>
-          </c:val>
-        </c:ser>
-        <c:marker val="1"/>
-        <c:axId val="69542272"/>
-        <c:axId val="69543808"/>
-      </c:lineChart>
-      <c:catAx>
-        <c:axId val="69542272"/>
-        <c:scaling>
-          <c:orientation val="minMax"/>
-        </c:scaling>
-        <c:axPos val="b"/>
-        <c:tickLblPos val="nextTo"/>
-        <c:crossAx val="69543808"/>
-        <c:crosses val="autoZero"/>
-        <c:auto val="1"/>
-        <c:lblAlgn val="ctr"/>
-        <c:lblOffset val="100"/>
-      </c:catAx>
-      <c:valAx>
-        <c:axId val="69543808"/>
-        <c:scaling>
-          <c:orientation val="minMax"/>
-          <c:max val="2000"/>
-        </c:scaling>
-        <c:axPos val="l"/>
-        <c:majorGridlines/>
-        <c:numFmt formatCode="General" sourceLinked="1"/>
-        <c:tickLblPos val="nextTo"/>
-        <c:crossAx val="69542272"/>
-        <c:crosses val="autoZero"/>
-        <c:crossBetween val="between"/>
-        <c:majorUnit val="500"/>
-      </c:valAx>
-    </c:plotArea>
     <c:plotVisOnly val="1"/>
     <c:dispBlanksAs val="gap"/>
   </c:chart>
@@ -1475,7 +1346,18 @@
                 <a:ea typeface="+mn-ea"/>
                 <a:cs typeface="+mn-cs"/>
               </a:rPr>
-              <a:t>활용 </a:t>
+              <a:t>활용 서비스</a:t>
+            </a:r>
+            <a:r>
+              <a:rPr lang="en-US" altLang="ko-KR" sz="1200" kern="1200" baseline="0" dirty="0" smtClean="0">
+                <a:solidFill>
+                  <a:schemeClr val="tx1"/>
+                </a:solidFill>
+                <a:latin typeface="Arial" charset="0"/>
+                <a:ea typeface="+mn-ea"/>
+                <a:cs typeface="+mn-cs"/>
+              </a:rPr>
+              <a:t> </a:t>
             </a:r>
             <a:r>
               <a:rPr lang="ko-KR" altLang="en-US" sz="1200" kern="1200" dirty="0" smtClean="0">
@@ -1486,40 +1368,7 @@
                 <a:ea typeface="+mn-ea"/>
                 <a:cs typeface="+mn-cs"/>
               </a:rPr>
-              <a:t>서비스</a:t>
-            </a:r>
-            <a:r>
-              <a:rPr lang="en-US" altLang="ko-KR" sz="1200" kern="1200" baseline="0" dirty="0" smtClean="0">
-                <a:solidFill>
-                  <a:schemeClr val="tx1"/>
-                </a:solidFill>
-                <a:latin typeface="Arial" charset="0"/>
-                <a:ea typeface="+mn-ea"/>
-                <a:cs typeface="+mn-cs"/>
-              </a:rPr>
-              <a:t> </a:t>
-            </a:r>
-            <a:r>
-              <a:rPr lang="ko-KR" altLang="en-US" sz="1200" kern="1200" dirty="0" smtClean="0">
-                <a:solidFill>
-                  <a:schemeClr val="tx1"/>
-                </a:solidFill>
-                <a:latin typeface="Arial" charset="0"/>
-                <a:ea typeface="+mn-ea"/>
-                <a:cs typeface="+mn-cs"/>
-              </a:rPr>
-              <a:t>순으로 </a:t>
-            </a:r>
-            <a:r>
-              <a:rPr lang="ko-KR" altLang="en-US" sz="1200" kern="1200" dirty="0" smtClean="0">
-                <a:solidFill>
-                  <a:schemeClr val="tx1"/>
-                </a:solidFill>
-                <a:latin typeface="Arial" charset="0"/>
-                <a:ea typeface="+mn-ea"/>
-                <a:cs typeface="+mn-cs"/>
-              </a:rPr>
-              <a:t>진행 되겠습니다</a:t>
+              <a:t>순으로 진행 되겠습니다</a:t>
             </a:r>
             <a:r>
               <a:rPr lang="en-US" altLang="ko-KR" sz="1200" kern="1200" dirty="0" smtClean="0">
@@ -1624,23 +1473,17 @@
           </a:bodyPr>
           <a:lstStyle/>
           <a:p>
-            <a:pPr marL="0" marR="0" indent="0" algn="just" defTabSz="914400" rtl="0" eaLnBrk="1" fontAlgn="base" latinLnBrk="0" hangingPunct="1">
-              <a:lnSpc>
-                <a:spcPct val="100000"/>
-              </a:lnSpc>
-              <a:spcBef>
-                <a:spcPct val="30000"/>
-              </a:spcBef>
-              <a:spcAft>
-                <a:spcPct val="0"/>
-              </a:spcAft>
-              <a:buClrTx/>
-              <a:buSzTx/>
-              <a:buFontTx/>
-              <a:buNone/>
-              <a:tabLst/>
-              <a:defRPr/>
-            </a:pPr>
+            <a:r>
+              <a:rPr lang="ko-KR" altLang="ko-KR" sz="1200" kern="1200" dirty="0" smtClean="0">
+                <a:solidFill>
+                  <a:schemeClr val="tx1"/>
+                </a:solidFill>
+                <a:latin typeface="Arial" charset="0"/>
+                <a:ea typeface="+mn-ea"/>
+                <a:cs typeface="+mn-cs"/>
+              </a:rPr>
+              <a:t>저희는</a:t>
+            </a:r>
             <a:r>
               <a:rPr lang="en-US" altLang="ko-KR" sz="1200" kern="1200" dirty="0" smtClean="0">
                 <a:solidFill>
@@ -1650,10 +1493,10 @@
                 <a:ea typeface="+mn-ea"/>
                 <a:cs typeface="+mn-cs"/>
               </a:rPr>
-              <a:t>Android-USB </a:t>
-            </a:r>
-            <a:r>
-              <a:rPr lang="ko-KR" altLang="en-US" sz="1200" kern="1200" dirty="0" smtClean="0">
+              <a:t> Android-USB </a:t>
+            </a:r>
+            <a:r>
+              <a:rPr lang="ko-KR" altLang="ko-KR" sz="1200" kern="1200" dirty="0" smtClean="0">
                 <a:solidFill>
                   <a:schemeClr val="tx1"/>
                 </a:solidFill>
@@ -1675,26 +1518,59 @@
               <a:t> PC</a:t>
             </a:r>
             <a:r>
-              <a:rPr lang="ko-KR" altLang="en-US" sz="1200" kern="1200" dirty="0" smtClean="0">
-                <a:solidFill>
-                  <a:schemeClr val="tx1"/>
-                </a:solidFill>
-                <a:latin typeface="Arial" charset="0"/>
-                <a:ea typeface="+mn-ea"/>
-                <a:cs typeface="+mn-cs"/>
-              </a:rPr>
-              <a:t>에서 스마트폰의 </a:t>
-            </a:r>
-            <a:r>
-              <a:rPr lang="ko-KR" altLang="en-US" sz="1200" kern="1200" dirty="0" err="1" smtClean="0">
-                <a:solidFill>
-                  <a:schemeClr val="tx1"/>
-                </a:solidFill>
-                <a:latin typeface="Arial" charset="0"/>
-                <a:ea typeface="+mn-ea"/>
-                <a:cs typeface="+mn-cs"/>
-              </a:rPr>
-              <a:t>카카오톡</a:t>
+              <a:rPr lang="ko-KR" altLang="ko-KR" sz="1200" kern="1200" dirty="0" smtClean="0">
+                <a:solidFill>
+                  <a:schemeClr val="tx1"/>
+                </a:solidFill>
+                <a:latin typeface="Arial" charset="0"/>
+                <a:ea typeface="+mn-ea"/>
+                <a:cs typeface="+mn-cs"/>
+              </a:rPr>
+              <a:t>에서 카카오톡을 쓸 수 있도록 연결하는 </a:t>
+            </a:r>
+            <a:r>
+              <a:rPr lang="en-US" altLang="ko-KR" sz="1200" kern="1200" dirty="0" err="1" smtClean="0">
+                <a:solidFill>
+                  <a:schemeClr val="tx1"/>
+                </a:solidFill>
+                <a:latin typeface="Arial" charset="0"/>
+                <a:ea typeface="+mn-ea"/>
+                <a:cs typeface="+mn-cs"/>
+              </a:rPr>
+              <a:t>KatalkPCLinker</a:t>
+            </a:r>
+            <a:r>
+              <a:rPr lang="ko-KR" altLang="ko-KR" sz="1200" kern="1200" dirty="0" smtClean="0">
+                <a:solidFill>
+                  <a:schemeClr val="tx1"/>
+                </a:solidFill>
+                <a:latin typeface="Arial" charset="0"/>
+                <a:ea typeface="+mn-ea"/>
+                <a:cs typeface="+mn-cs"/>
+              </a:rPr>
+              <a:t>서비스와 </a:t>
+            </a:r>
+            <a:r>
+              <a:rPr lang="ko-KR" altLang="ko-KR" sz="1200" kern="1200" dirty="0" err="1" smtClean="0">
+                <a:solidFill>
+                  <a:schemeClr val="tx1"/>
+                </a:solidFill>
+                <a:latin typeface="Arial" charset="0"/>
+                <a:ea typeface="+mn-ea"/>
+                <a:cs typeface="+mn-cs"/>
+              </a:rPr>
+              <a:t>스마트폰을</a:t>
+            </a:r>
+            <a:r>
+              <a:rPr lang="ko-KR" altLang="ko-KR" sz="1200" kern="1200" dirty="0" smtClean="0">
+                <a:solidFill>
+                  <a:schemeClr val="tx1"/>
+                </a:solidFill>
+                <a:latin typeface="Arial" charset="0"/>
+                <a:ea typeface="+mn-ea"/>
+                <a:cs typeface="+mn-cs"/>
+              </a:rPr>
+              <a:t> 터치패드로 사용할 수 있는</a:t>
             </a:r>
             <a:r>
               <a:rPr lang="en-US" altLang="ko-KR" sz="1200" kern="1200" dirty="0" smtClean="0">
@@ -1705,18 +1581,128 @@
                 <a:ea typeface="+mn-ea"/>
                 <a:cs typeface="+mn-cs"/>
               </a:rPr>
+              <a:t> </a:t>
+            </a:r>
+            <a:r>
+              <a:rPr lang="en-US" altLang="ko-KR" sz="1200" kern="1200" dirty="0" err="1" smtClean="0">
+                <a:solidFill>
+                  <a:schemeClr val="tx1"/>
+                </a:solidFill>
+                <a:latin typeface="Arial" charset="0"/>
+                <a:ea typeface="+mn-ea"/>
+                <a:cs typeface="+mn-cs"/>
+              </a:rPr>
+              <a:t>LTouchPad</a:t>
+            </a:r>
+            <a:r>
+              <a:rPr lang="en-US" altLang="ko-KR" sz="1200" kern="1200" dirty="0" smtClean="0">
+                <a:solidFill>
+                  <a:schemeClr val="tx1"/>
+                </a:solidFill>
+                <a:latin typeface="Arial" charset="0"/>
+                <a:ea typeface="+mn-ea"/>
+                <a:cs typeface="+mn-cs"/>
+              </a:rPr>
+              <a:t> </a:t>
+            </a:r>
+            <a:r>
+              <a:rPr lang="ko-KR" altLang="ko-KR" sz="1200" kern="1200" dirty="0" smtClean="0">
+                <a:solidFill>
+                  <a:schemeClr val="tx1"/>
+                </a:solidFill>
+                <a:latin typeface="Arial" charset="0"/>
+                <a:ea typeface="+mn-ea"/>
+                <a:cs typeface="+mn-cs"/>
+              </a:rPr>
+              <a:t>어플리케이션을 구현 했습니다</a:t>
+            </a:r>
+            <a:r>
+              <a:rPr lang="en-US" altLang="ko-KR" sz="1200" kern="1200" dirty="0" smtClean="0">
+                <a:solidFill>
+                  <a:schemeClr val="tx1"/>
+                </a:solidFill>
+                <a:latin typeface="Arial" charset="0"/>
+                <a:ea typeface="+mn-ea"/>
+                <a:cs typeface="+mn-cs"/>
+              </a:rPr>
+              <a:t>. </a:t>
+            </a:r>
+            <a:r>
+              <a:rPr lang="ko-KR" altLang="ko-KR" sz="1200" kern="1200" dirty="0" smtClean="0">
+                <a:solidFill>
+                  <a:schemeClr val="tx1"/>
+                </a:solidFill>
+                <a:latin typeface="Arial" charset="0"/>
+                <a:ea typeface="+mn-ea"/>
+                <a:cs typeface="+mn-cs"/>
+              </a:rPr>
+              <a:t>좌측이 </a:t>
+            </a:r>
+            <a:r>
+              <a:rPr lang="en-US" altLang="ko-KR" sz="1200" kern="1200" dirty="0" err="1" smtClean="0">
+                <a:solidFill>
+                  <a:schemeClr val="tx1"/>
+                </a:solidFill>
+                <a:latin typeface="Arial" charset="0"/>
+                <a:ea typeface="+mn-ea"/>
+                <a:cs typeface="+mn-cs"/>
+              </a:rPr>
+              <a:t>KatalkPCLinker</a:t>
+            </a:r>
+            <a:r>
+              <a:rPr lang="ko-KR" altLang="ko-KR" sz="1200" kern="1200" dirty="0" smtClean="0">
+                <a:solidFill>
+                  <a:schemeClr val="tx1"/>
+                </a:solidFill>
+                <a:latin typeface="Arial" charset="0"/>
+                <a:ea typeface="+mn-ea"/>
+                <a:cs typeface="+mn-cs"/>
+              </a:rPr>
+              <a:t>의 모습이고</a:t>
+            </a:r>
+            <a:r>
+              <a:rPr lang="en-US" altLang="ko-KR" sz="1200" kern="1200" dirty="0" smtClean="0">
+                <a:solidFill>
+                  <a:schemeClr val="tx1"/>
+                </a:solidFill>
+                <a:latin typeface="Arial" charset="0"/>
+                <a:ea typeface="+mn-ea"/>
+                <a:cs typeface="+mn-cs"/>
+              </a:rPr>
               <a:t>, </a:t>
             </a:r>
             <a:r>
-              <a:rPr lang="ko-KR" altLang="en-US" sz="1200" kern="1200" dirty="0" smtClean="0">
-                <a:solidFill>
-                  <a:schemeClr val="tx1"/>
-                </a:solidFill>
-                <a:latin typeface="Arial" charset="0"/>
-                <a:ea typeface="+mn-ea"/>
-                <a:cs typeface="+mn-cs"/>
-              </a:rPr>
-              <a:t>문자메시지를 사용할 수 있습니다</a:t>
+              <a:rPr lang="ko-KR" altLang="ko-KR" sz="1200" kern="1200" dirty="0" smtClean="0">
+                <a:solidFill>
+                  <a:schemeClr val="tx1"/>
+                </a:solidFill>
+                <a:latin typeface="Arial" charset="0"/>
+                <a:ea typeface="+mn-ea"/>
+                <a:cs typeface="+mn-cs"/>
+              </a:rPr>
+              <a:t>우측이 </a:t>
+            </a:r>
+            <a:r>
+              <a:rPr lang="en-US" altLang="ko-KR" sz="1200" kern="1200" dirty="0" err="1" smtClean="0">
+                <a:solidFill>
+                  <a:schemeClr val="tx1"/>
+                </a:solidFill>
+                <a:latin typeface="Arial" charset="0"/>
+                <a:ea typeface="+mn-ea"/>
+                <a:cs typeface="+mn-cs"/>
+              </a:rPr>
+              <a:t>LTouchPad</a:t>
+            </a:r>
+            <a:r>
+              <a:rPr lang="ko-KR" altLang="ko-KR" sz="1200" kern="1200" dirty="0" smtClean="0">
+                <a:solidFill>
+                  <a:schemeClr val="tx1"/>
+                </a:solidFill>
+                <a:latin typeface="Arial" charset="0"/>
+                <a:ea typeface="+mn-ea"/>
+                <a:cs typeface="+mn-cs"/>
+              </a:rPr>
+              <a:t>의 모습입니다</a:t>
             </a:r>
             <a:r>
               <a:rPr lang="en-US" altLang="ko-KR" sz="1200" kern="1200" dirty="0" smtClean="0">
@@ -1729,161 +1715,7 @@
               </a:rPr>
               <a:t>. </a:t>
             </a:r>
-            <a:r>
-              <a:rPr lang="ko-KR" altLang="en-US" sz="1200" kern="1200" dirty="0" smtClean="0">
-                <a:solidFill>
-                  <a:schemeClr val="tx1"/>
-                </a:solidFill>
-                <a:latin typeface="Arial" charset="0"/>
-                <a:ea typeface="+mn-ea"/>
-                <a:cs typeface="+mn-cs"/>
-              </a:rPr>
-              <a:t>그리고</a:t>
-            </a:r>
-            <a:r>
-              <a:rPr lang="en-US" altLang="ko-KR" sz="1200" kern="1200" dirty="0" smtClean="0">
-                <a:solidFill>
-                  <a:schemeClr val="tx1"/>
-                </a:solidFill>
-                <a:latin typeface="Arial" charset="0"/>
-                <a:ea typeface="+mn-ea"/>
-                <a:cs typeface="+mn-cs"/>
-              </a:rPr>
-              <a:t> </a:t>
-            </a:r>
-            <a:r>
-              <a:rPr lang="ko-KR" altLang="en-US" sz="1200" kern="1200" dirty="0" smtClean="0">
-                <a:solidFill>
-                  <a:schemeClr val="tx1"/>
-                </a:solidFill>
-                <a:latin typeface="Arial" charset="0"/>
-                <a:ea typeface="+mn-ea"/>
-                <a:cs typeface="+mn-cs"/>
-              </a:rPr>
-              <a:t>카메라로 찍은 사진을 바로 </a:t>
-            </a:r>
-            <a:r>
-              <a:rPr lang="en-US" altLang="ko-KR" sz="1200" kern="1200" dirty="0" smtClean="0">
-                <a:solidFill>
-                  <a:schemeClr val="tx1"/>
-                </a:solidFill>
-                <a:latin typeface="Arial" charset="0"/>
-                <a:ea typeface="+mn-ea"/>
-                <a:cs typeface="+mn-cs"/>
-              </a:rPr>
-              <a:t>PC</a:t>
-            </a:r>
-            <a:r>
-              <a:rPr lang="ko-KR" altLang="en-US" sz="1200" kern="1200" dirty="0" smtClean="0">
-                <a:solidFill>
-                  <a:schemeClr val="tx1"/>
-                </a:solidFill>
-                <a:latin typeface="Arial" charset="0"/>
-                <a:ea typeface="+mn-ea"/>
-                <a:cs typeface="+mn-cs"/>
-              </a:rPr>
-              <a:t>에 저장하는 서비스를 만들 수 있고</a:t>
-            </a:r>
-            <a:r>
-              <a:rPr lang="en-US" altLang="ko-KR" sz="1200" kern="1200" dirty="0" smtClean="0">
-                <a:solidFill>
-                  <a:schemeClr val="tx1"/>
-                </a:solidFill>
-                <a:latin typeface="Arial" charset="0"/>
-                <a:ea typeface="+mn-ea"/>
-                <a:cs typeface="+mn-cs"/>
-              </a:rPr>
-              <a:t>,</a:t>
-            </a:r>
-            <a:r>
-              <a:rPr lang="ko-KR" altLang="en-US" sz="1200" kern="1200" dirty="0" smtClean="0">
-                <a:solidFill>
-                  <a:schemeClr val="tx1"/>
-                </a:solidFill>
-                <a:latin typeface="Arial" charset="0"/>
-                <a:ea typeface="+mn-ea"/>
-                <a:cs typeface="+mn-cs"/>
-              </a:rPr>
-              <a:t> </a:t>
-            </a:r>
-            <a:r>
-              <a:rPr lang="ko-KR" altLang="en-US" sz="1200" kern="1200" dirty="0" err="1" smtClean="0">
-                <a:solidFill>
-                  <a:schemeClr val="tx1"/>
-                </a:solidFill>
-                <a:latin typeface="Arial" charset="0"/>
-                <a:ea typeface="+mn-ea"/>
-                <a:cs typeface="+mn-cs"/>
-              </a:rPr>
-              <a:t>스마트폰을</a:t>
-            </a:r>
-            <a:r>
-              <a:rPr lang="ko-KR" altLang="en-US" sz="1200" kern="1200" dirty="0" smtClean="0">
-                <a:solidFill>
-                  <a:schemeClr val="tx1"/>
-                </a:solidFill>
-                <a:latin typeface="Arial" charset="0"/>
-                <a:ea typeface="+mn-ea"/>
-                <a:cs typeface="+mn-cs"/>
-              </a:rPr>
-              <a:t> 터치패드로 쓸 수도 있습니다</a:t>
-            </a:r>
-            <a:r>
-              <a:rPr lang="en-US" altLang="ko-KR" sz="1200" kern="1200" dirty="0" smtClean="0">
-                <a:solidFill>
-                  <a:schemeClr val="tx1"/>
-                </a:solidFill>
-                <a:latin typeface="Arial" charset="0"/>
-                <a:ea typeface="+mn-ea"/>
-                <a:cs typeface="+mn-cs"/>
-              </a:rPr>
-              <a:t>. </a:t>
-            </a:r>
-            <a:r>
-              <a:rPr lang="ko-KR" altLang="en-US" sz="1200" kern="1200" dirty="0" smtClean="0">
-                <a:solidFill>
-                  <a:schemeClr val="tx1"/>
-                </a:solidFill>
-                <a:latin typeface="Arial" charset="0"/>
-                <a:ea typeface="+mn-ea"/>
-                <a:cs typeface="+mn-cs"/>
-              </a:rPr>
-              <a:t>이 외에도 스마트폰의 수 많은 다른 기능들을 </a:t>
-            </a:r>
-            <a:r>
-              <a:rPr lang="en-US" altLang="ko-KR" sz="1200" kern="1200" dirty="0" smtClean="0">
-                <a:solidFill>
-                  <a:schemeClr val="tx1"/>
-                </a:solidFill>
-                <a:latin typeface="Arial" charset="0"/>
-                <a:ea typeface="+mn-ea"/>
-                <a:cs typeface="+mn-cs"/>
-              </a:rPr>
-              <a:t>PC</a:t>
-            </a:r>
-            <a:r>
-              <a:rPr lang="ko-KR" altLang="en-US" sz="1200" kern="1200" dirty="0" smtClean="0">
-                <a:solidFill>
-                  <a:schemeClr val="tx1"/>
-                </a:solidFill>
-                <a:latin typeface="Arial" charset="0"/>
-                <a:ea typeface="+mn-ea"/>
-                <a:cs typeface="+mn-cs"/>
-              </a:rPr>
-              <a:t>에서 사용할 수 있습니다</a:t>
-            </a:r>
-            <a:r>
-              <a:rPr lang="en-US" altLang="ko-KR" sz="1200" kern="1200" dirty="0" smtClean="0">
-                <a:solidFill>
-                  <a:schemeClr val="tx1"/>
-                </a:solidFill>
-                <a:latin typeface="Arial" charset="0"/>
-                <a:ea typeface="+mn-ea"/>
-                <a:cs typeface="+mn-cs"/>
-              </a:rPr>
-              <a:t>.</a:t>
-            </a:r>
-            <a:endParaRPr lang="ko-KR" altLang="en-US" sz="1200" kern="1200" dirty="0" smtClean="0">
+            <a:endParaRPr lang="ko-KR" altLang="ko-KR" sz="1200" kern="1200" dirty="0">
               <a:solidFill>
                 <a:schemeClr val="tx1"/>
               </a:solidFill>
@@ -1891,9 +1723,6 @@
               <a:ea typeface="+mn-ea"/>
               <a:cs typeface="+mn-cs"/>
             </a:endParaRPr>
-          </a:p>
-          <a:p>
-            <a:endParaRPr lang="ko-KR" altLang="en-US" dirty="0"/>
           </a:p>
         </p:txBody>
       </p:sp>
@@ -1975,16 +1804,143 @@
           </a:bodyPr>
           <a:lstStyle/>
           <a:p>
-            <a:r>
-              <a:rPr lang="ko-KR" altLang="ko-KR" sz="1200" kern="1200" dirty="0" smtClean="0">
-                <a:solidFill>
-                  <a:schemeClr val="tx1"/>
-                </a:solidFill>
-                <a:latin typeface="Arial" charset="0"/>
-                <a:ea typeface="+mn-ea"/>
-                <a:cs typeface="+mn-cs"/>
-              </a:rPr>
-              <a:t>저희는</a:t>
+            <a:pPr marL="0" marR="0" indent="0" algn="just" defTabSz="914400" rtl="0" eaLnBrk="1" fontAlgn="base" latinLnBrk="0" hangingPunct="1">
+              <a:lnSpc>
+                <a:spcPct val="100000"/>
+              </a:lnSpc>
+              <a:spcBef>
+                <a:spcPct val="30000"/>
+              </a:spcBef>
+              <a:spcAft>
+                <a:spcPct val="0"/>
+              </a:spcAft>
+              <a:buClrTx/>
+              <a:buSzTx/>
+              <a:buFontTx/>
+              <a:buNone/>
+              <a:tabLst/>
+              <a:defRPr/>
+            </a:pPr>
+            <a:r>
+              <a:rPr lang="en-US" altLang="ko-KR" sz="1200" kern="1200" dirty="0" err="1" smtClean="0">
+                <a:solidFill>
+                  <a:schemeClr val="tx1"/>
+                </a:solidFill>
+                <a:latin typeface="Arial" charset="0"/>
+                <a:ea typeface="+mn-ea"/>
+                <a:cs typeface="+mn-cs"/>
+              </a:rPr>
+              <a:t>KatalkPCLinker</a:t>
+            </a:r>
+            <a:r>
+              <a:rPr lang="ko-KR" altLang="en-US" sz="1200" kern="1200" dirty="0" smtClean="0">
+                <a:solidFill>
+                  <a:schemeClr val="tx1"/>
+                </a:solidFill>
+                <a:latin typeface="Arial" charset="0"/>
+                <a:ea typeface="+mn-ea"/>
+                <a:cs typeface="+mn-cs"/>
+              </a:rPr>
+              <a:t>로 </a:t>
+            </a:r>
+            <a:r>
+              <a:rPr lang="en-US" altLang="ko-KR" sz="1200" kern="1200" baseline="0" dirty="0" smtClean="0">
+                <a:solidFill>
+                  <a:schemeClr val="tx1"/>
+                </a:solidFill>
+                <a:latin typeface="Arial" charset="0"/>
+                <a:ea typeface="+mn-ea"/>
+                <a:cs typeface="+mn-cs"/>
+              </a:rPr>
+              <a:t>PC</a:t>
+            </a:r>
+            <a:r>
+              <a:rPr lang="ko-KR" altLang="en-US" sz="1200" kern="1200" baseline="0" dirty="0" smtClean="0">
+                <a:solidFill>
+                  <a:schemeClr val="tx1"/>
+                </a:solidFill>
+                <a:latin typeface="Arial" charset="0"/>
+                <a:ea typeface="+mn-ea"/>
+                <a:cs typeface="+mn-cs"/>
+              </a:rPr>
+              <a:t>에서 키보드로 스마트폰을 조작 할 수 있어서 </a:t>
+            </a:r>
+            <a:r>
+              <a:rPr lang="ko-KR" altLang="en-US" sz="1200" kern="1200" baseline="0" dirty="0" err="1" smtClean="0">
+                <a:solidFill>
+                  <a:schemeClr val="tx1"/>
+                </a:solidFill>
+                <a:latin typeface="Arial" charset="0"/>
+                <a:ea typeface="+mn-ea"/>
+                <a:cs typeface="+mn-cs"/>
+              </a:rPr>
+              <a:t>카카오톡과</a:t>
+            </a:r>
+            <a:r>
+              <a:rPr lang="ko-KR" altLang="en-US" sz="1200" kern="1200" baseline="0" dirty="0" smtClean="0">
+                <a:solidFill>
+                  <a:schemeClr val="tx1"/>
+                </a:solidFill>
+                <a:latin typeface="Arial" charset="0"/>
+                <a:ea typeface="+mn-ea"/>
+                <a:cs typeface="+mn-cs"/>
+              </a:rPr>
+              <a:t> 다른 어플리케이션을 실행할 수 있습니다</a:t>
+            </a:r>
+            <a:r>
+              <a:rPr lang="en-US" altLang="ko-KR" sz="1200" kern="1200" baseline="0" dirty="0" smtClean="0">
+                <a:solidFill>
+                  <a:schemeClr val="tx1"/>
+                </a:solidFill>
+                <a:latin typeface="Arial" charset="0"/>
+                <a:ea typeface="+mn-ea"/>
+                <a:cs typeface="+mn-cs"/>
+              </a:rPr>
+              <a:t>. </a:t>
+            </a:r>
+            <a:r>
+              <a:rPr lang="en-US" altLang="ko-KR" sz="1200" kern="1200" baseline="0" dirty="0" err="1" smtClean="0">
+                <a:solidFill>
+                  <a:schemeClr val="tx1"/>
+                </a:solidFill>
+                <a:latin typeface="Arial" charset="0"/>
+                <a:ea typeface="+mn-ea"/>
+                <a:cs typeface="+mn-cs"/>
+              </a:rPr>
+              <a:t>KatalkPCLinker</a:t>
+            </a:r>
+            <a:r>
+              <a:rPr lang="ko-KR" altLang="en-US" sz="1200" kern="1200" baseline="0" dirty="0" smtClean="0">
+                <a:solidFill>
+                  <a:schemeClr val="tx1"/>
+                </a:solidFill>
+                <a:latin typeface="Arial" charset="0"/>
+                <a:ea typeface="+mn-ea"/>
+                <a:cs typeface="+mn-cs"/>
+              </a:rPr>
+              <a:t>는 </a:t>
+            </a:r>
+            <a:r>
+              <a:rPr lang="en-US" altLang="ko-KR" sz="1200" kern="1200" baseline="0" dirty="0" smtClean="0">
+                <a:solidFill>
+                  <a:schemeClr val="tx1"/>
+                </a:solidFill>
+                <a:latin typeface="Arial" charset="0"/>
+                <a:ea typeface="+mn-ea"/>
+                <a:cs typeface="+mn-cs"/>
+              </a:rPr>
+              <a:t>PC</a:t>
+            </a:r>
+            <a:r>
+              <a:rPr lang="ko-KR" altLang="en-US" sz="1200" kern="1200" baseline="0" dirty="0" smtClean="0">
+                <a:solidFill>
+                  <a:schemeClr val="tx1"/>
+                </a:solidFill>
+                <a:latin typeface="Arial" charset="0"/>
+                <a:ea typeface="+mn-ea"/>
+                <a:cs typeface="+mn-cs"/>
+              </a:rPr>
+              <a:t>에 </a:t>
             </a:r>
             <a:r>
               <a:rPr lang="en-US" altLang="ko-KR" sz="1200" kern="1200" dirty="0" smtClean="0">
@@ -1995,236 +1951,119 @@
                 <a:ea typeface="+mn-ea"/>
                 <a:cs typeface="+mn-cs"/>
               </a:rPr>
-              <a:t> Android-USB </a:t>
-            </a:r>
-            <a:r>
-              <a:rPr lang="ko-KR" altLang="ko-KR" sz="1200" kern="1200" dirty="0" smtClean="0">
-                <a:solidFill>
-                  <a:schemeClr val="tx1"/>
-                </a:solidFill>
-                <a:latin typeface="Arial" charset="0"/>
-                <a:ea typeface="+mn-ea"/>
-                <a:cs typeface="+mn-cs"/>
-              </a:rPr>
-              <a:t>프로젝트를 활용해서</a:t>
-            </a:r>
-            <a:r>
-              <a:rPr lang="en-US" altLang="ko-KR" sz="1200" kern="1200" dirty="0" smtClean="0">
-                <a:solidFill>
-                  <a:schemeClr val="tx1"/>
-                </a:solidFill>
-                <a:latin typeface="Arial" charset="0"/>
-                <a:ea typeface="+mn-ea"/>
-                <a:cs typeface="+mn-cs"/>
-              </a:rPr>
-              <a:t> PC</a:t>
-            </a:r>
-            <a:r>
-              <a:rPr lang="ko-KR" altLang="ko-KR" sz="1200" kern="1200" dirty="0" smtClean="0">
-                <a:solidFill>
-                  <a:schemeClr val="tx1"/>
-                </a:solidFill>
-                <a:latin typeface="Arial" charset="0"/>
-                <a:ea typeface="+mn-ea"/>
-                <a:cs typeface="+mn-cs"/>
-              </a:rPr>
-              <a:t>에서 카카오톡을 쓸 수 있도록 연결하는 </a:t>
-            </a:r>
-            <a:r>
-              <a:rPr lang="en-US" altLang="ko-KR" sz="1200" kern="1200" dirty="0" err="1" smtClean="0">
-                <a:solidFill>
-                  <a:schemeClr val="tx1"/>
-                </a:solidFill>
-                <a:latin typeface="Arial" charset="0"/>
-                <a:ea typeface="+mn-ea"/>
-                <a:cs typeface="+mn-cs"/>
-              </a:rPr>
-              <a:t>KatalkPCLinker</a:t>
-            </a:r>
-            <a:r>
-              <a:rPr lang="ko-KR" altLang="ko-KR" sz="1200" kern="1200" dirty="0" smtClean="0">
-                <a:solidFill>
-                  <a:schemeClr val="tx1"/>
-                </a:solidFill>
-                <a:latin typeface="Arial" charset="0"/>
-                <a:ea typeface="+mn-ea"/>
-                <a:cs typeface="+mn-cs"/>
-              </a:rPr>
-              <a:t>서비스와 </a:t>
-            </a:r>
-            <a:r>
-              <a:rPr lang="ko-KR" altLang="ko-KR" sz="1200" kern="1200" dirty="0" err="1" smtClean="0">
-                <a:solidFill>
-                  <a:schemeClr val="tx1"/>
-                </a:solidFill>
-                <a:latin typeface="Arial" charset="0"/>
-                <a:ea typeface="+mn-ea"/>
-                <a:cs typeface="+mn-cs"/>
-              </a:rPr>
-              <a:t>스마트폰을</a:t>
-            </a:r>
-            <a:r>
-              <a:rPr lang="ko-KR" altLang="ko-KR" sz="1200" kern="1200" dirty="0" smtClean="0">
-                <a:solidFill>
-                  <a:schemeClr val="tx1"/>
-                </a:solidFill>
-                <a:latin typeface="Arial" charset="0"/>
-                <a:ea typeface="+mn-ea"/>
-                <a:cs typeface="+mn-cs"/>
-              </a:rPr>
-              <a:t> 터치패드로 사용할 수 있는</a:t>
-            </a:r>
-            <a:r>
-              <a:rPr lang="en-US" altLang="ko-KR" sz="1200" kern="1200" dirty="0" smtClean="0">
-                <a:solidFill>
-                  <a:schemeClr val="tx1"/>
-                </a:solidFill>
-                <a:latin typeface="Arial" charset="0"/>
-                <a:ea typeface="+mn-ea"/>
-                <a:cs typeface="+mn-cs"/>
-              </a:rPr>
-              <a:t> </a:t>
-            </a:r>
-            <a:r>
-              <a:rPr lang="en-US" altLang="ko-KR" sz="1200" kern="1200" dirty="0" err="1" smtClean="0">
-                <a:solidFill>
-                  <a:schemeClr val="tx1"/>
-                </a:solidFill>
-                <a:latin typeface="Arial" charset="0"/>
-                <a:ea typeface="+mn-ea"/>
-                <a:cs typeface="+mn-cs"/>
-              </a:rPr>
-              <a:t>LTouchPad</a:t>
-            </a:r>
-            <a:r>
-              <a:rPr lang="en-US" altLang="ko-KR" sz="1200" kern="1200" dirty="0" smtClean="0">
-                <a:solidFill>
-                  <a:schemeClr val="tx1"/>
-                </a:solidFill>
-                <a:latin typeface="Arial" charset="0"/>
-                <a:ea typeface="+mn-ea"/>
-                <a:cs typeface="+mn-cs"/>
-              </a:rPr>
-              <a:t> </a:t>
-            </a:r>
-            <a:r>
-              <a:rPr lang="ko-KR" altLang="ko-KR" sz="1200" kern="1200" dirty="0" smtClean="0">
-                <a:solidFill>
-                  <a:schemeClr val="tx1"/>
-                </a:solidFill>
-                <a:latin typeface="Arial" charset="0"/>
-                <a:ea typeface="+mn-ea"/>
-                <a:cs typeface="+mn-cs"/>
-              </a:rPr>
-              <a:t>어플리케이션을 구현 했습니다</a:t>
-            </a:r>
-            <a:r>
-              <a:rPr lang="en-US" altLang="ko-KR" sz="1200" kern="1200" dirty="0" smtClean="0">
-                <a:solidFill>
-                  <a:schemeClr val="tx1"/>
-                </a:solidFill>
-                <a:latin typeface="Arial" charset="0"/>
-                <a:ea typeface="+mn-ea"/>
-                <a:cs typeface="+mn-cs"/>
-              </a:rPr>
-              <a:t>. </a:t>
-            </a:r>
-            <a:r>
-              <a:rPr lang="ko-KR" altLang="ko-KR" sz="1200" kern="1200" dirty="0" smtClean="0">
-                <a:solidFill>
-                  <a:schemeClr val="tx1"/>
-                </a:solidFill>
-                <a:latin typeface="Arial" charset="0"/>
-                <a:ea typeface="+mn-ea"/>
-                <a:cs typeface="+mn-cs"/>
-              </a:rPr>
-              <a:t>좌측이 </a:t>
-            </a:r>
-            <a:r>
-              <a:rPr lang="en-US" altLang="ko-KR" sz="1200" kern="1200" dirty="0" err="1" smtClean="0">
-                <a:solidFill>
-                  <a:schemeClr val="tx1"/>
-                </a:solidFill>
-                <a:latin typeface="Arial" charset="0"/>
-                <a:ea typeface="+mn-ea"/>
-                <a:cs typeface="+mn-cs"/>
-              </a:rPr>
-              <a:t>KatalkPCLinker</a:t>
-            </a:r>
-            <a:r>
-              <a:rPr lang="ko-KR" altLang="ko-KR" sz="1200" kern="1200" dirty="0" smtClean="0">
-                <a:solidFill>
-                  <a:schemeClr val="tx1"/>
-                </a:solidFill>
-                <a:latin typeface="Arial" charset="0"/>
-                <a:ea typeface="+mn-ea"/>
-                <a:cs typeface="+mn-cs"/>
-              </a:rPr>
-              <a:t>의 모습이고</a:t>
-            </a:r>
-            <a:r>
-              <a:rPr lang="en-US" altLang="ko-KR" sz="1200" kern="1200" dirty="0" smtClean="0">
-                <a:solidFill>
-                  <a:schemeClr val="tx1"/>
-                </a:solidFill>
-                <a:latin typeface="Arial" charset="0"/>
-                <a:ea typeface="+mn-ea"/>
-                <a:cs typeface="+mn-cs"/>
-              </a:rPr>
-              <a:t>, </a:t>
-            </a:r>
-            <a:r>
-              <a:rPr lang="ko-KR" altLang="ko-KR" sz="1200" kern="1200" dirty="0" smtClean="0">
-                <a:solidFill>
-                  <a:schemeClr val="tx1"/>
-                </a:solidFill>
-                <a:latin typeface="Arial" charset="0"/>
-                <a:ea typeface="+mn-ea"/>
-                <a:cs typeface="+mn-cs"/>
-              </a:rPr>
-              <a:t>우측이 </a:t>
-            </a:r>
-            <a:r>
-              <a:rPr lang="en-US" altLang="ko-KR" sz="1200" kern="1200" dirty="0" err="1" smtClean="0">
-                <a:solidFill>
-                  <a:schemeClr val="tx1"/>
-                </a:solidFill>
-                <a:latin typeface="Arial" charset="0"/>
-                <a:ea typeface="+mn-ea"/>
-                <a:cs typeface="+mn-cs"/>
-              </a:rPr>
-              <a:t>LTouchPad</a:t>
-            </a:r>
-            <a:r>
-              <a:rPr lang="ko-KR" altLang="ko-KR" sz="1200" kern="1200" dirty="0" smtClean="0">
-                <a:solidFill>
-                  <a:schemeClr val="tx1"/>
-                </a:solidFill>
-                <a:latin typeface="Arial" charset="0"/>
-                <a:ea typeface="+mn-ea"/>
-                <a:cs typeface="+mn-cs"/>
-              </a:rPr>
-              <a:t>의 모습입니다</a:t>
-            </a:r>
-            <a:r>
-              <a:rPr lang="en-US" altLang="ko-KR" sz="1200" kern="1200" dirty="0" smtClean="0">
-                <a:solidFill>
-                  <a:schemeClr val="tx1"/>
-                </a:solidFill>
-                <a:latin typeface="Arial" charset="0"/>
-                <a:ea typeface="+mn-ea"/>
-                <a:cs typeface="+mn-cs"/>
-              </a:rPr>
-              <a:t>. </a:t>
-            </a:r>
-            <a:endParaRPr lang="ko-KR" altLang="ko-KR" sz="1200" kern="1200" dirty="0">
-              <a:solidFill>
-                <a:schemeClr val="tx1"/>
-              </a:solidFill>
-              <a:latin typeface="Arial" charset="0"/>
-              <a:ea typeface="+mn-ea"/>
-              <a:cs typeface="+mn-cs"/>
-            </a:endParaRPr>
+              <a:t>USB</a:t>
+            </a:r>
+            <a:r>
+              <a:rPr lang="ko-KR" altLang="en-US" sz="1200" kern="1200" dirty="0" smtClean="0">
+                <a:solidFill>
+                  <a:schemeClr val="tx1"/>
+                </a:solidFill>
+                <a:latin typeface="Arial" charset="0"/>
+                <a:ea typeface="+mn-ea"/>
+                <a:cs typeface="+mn-cs"/>
+              </a:rPr>
+              <a:t>카메라로 인식돼서 어플리케이션의 수정 없이 </a:t>
+            </a:r>
+            <a:r>
+              <a:rPr lang="ko-KR" altLang="en-US" sz="1200" kern="1200" dirty="0" err="1" smtClean="0">
+                <a:solidFill>
+                  <a:schemeClr val="tx1"/>
+                </a:solidFill>
+                <a:latin typeface="Arial" charset="0"/>
+                <a:ea typeface="+mn-ea"/>
+                <a:cs typeface="+mn-cs"/>
+              </a:rPr>
+              <a:t>카카오톡</a:t>
+            </a:r>
+            <a:r>
+              <a:rPr lang="ko-KR" altLang="en-US" sz="1200" kern="1200" dirty="0" smtClean="0">
+                <a:solidFill>
+                  <a:schemeClr val="tx1"/>
+                </a:solidFill>
+                <a:latin typeface="Arial" charset="0"/>
+                <a:ea typeface="+mn-ea"/>
+                <a:cs typeface="+mn-cs"/>
+              </a:rPr>
+              <a:t> 화면뿐만 아니라 </a:t>
+            </a:r>
+            <a:r>
+              <a:rPr lang="ko-KR" altLang="en-US" sz="1200" kern="1200" baseline="0" dirty="0" err="1" smtClean="0">
+                <a:solidFill>
+                  <a:schemeClr val="tx1"/>
+                </a:solidFill>
+                <a:latin typeface="Arial" charset="0"/>
+                <a:ea typeface="+mn-ea"/>
+                <a:cs typeface="+mn-cs"/>
+              </a:rPr>
+              <a:t>스마트폰의</a:t>
+            </a:r>
+            <a:r>
+              <a:rPr lang="ko-KR" altLang="en-US" sz="1200" kern="1200" baseline="0" dirty="0" smtClean="0">
+                <a:solidFill>
+                  <a:schemeClr val="tx1"/>
+                </a:solidFill>
+                <a:latin typeface="Arial" charset="0"/>
+                <a:ea typeface="+mn-ea"/>
+                <a:cs typeface="+mn-cs"/>
+              </a:rPr>
+              <a:t> 모든 화면을 </a:t>
+            </a:r>
+            <a:r>
+              <a:rPr lang="en-US" altLang="ko-KR" sz="1200" kern="1200" baseline="0" dirty="0" smtClean="0">
+                <a:solidFill>
+                  <a:schemeClr val="tx1"/>
+                </a:solidFill>
+                <a:latin typeface="Arial" charset="0"/>
+                <a:ea typeface="+mn-ea"/>
+                <a:cs typeface="+mn-cs"/>
+              </a:rPr>
+              <a:t>PC</a:t>
+            </a:r>
+            <a:r>
+              <a:rPr lang="ko-KR" altLang="en-US" sz="1200" kern="1200" baseline="0" dirty="0" smtClean="0">
+                <a:solidFill>
+                  <a:schemeClr val="tx1"/>
+                </a:solidFill>
+                <a:latin typeface="Arial" charset="0"/>
+                <a:ea typeface="+mn-ea"/>
+                <a:cs typeface="+mn-cs"/>
+              </a:rPr>
+              <a:t>에서 </a:t>
+            </a:r>
+            <a:r>
+              <a:rPr lang="en-US" altLang="ko-KR" sz="1200" kern="1200" baseline="0" dirty="0" smtClean="0">
+                <a:solidFill>
+                  <a:schemeClr val="tx1"/>
+                </a:solidFill>
+                <a:latin typeface="Arial" charset="0"/>
+                <a:ea typeface="+mn-ea"/>
+                <a:cs typeface="+mn-cs"/>
+              </a:rPr>
+              <a:t>USB</a:t>
+            </a:r>
+            <a:r>
+              <a:rPr lang="ko-KR" altLang="en-US" sz="1200" kern="1200" baseline="0" dirty="0" smtClean="0">
+                <a:solidFill>
+                  <a:schemeClr val="tx1"/>
+                </a:solidFill>
+                <a:latin typeface="Arial" charset="0"/>
+                <a:ea typeface="+mn-ea"/>
+                <a:cs typeface="+mn-cs"/>
+              </a:rPr>
+              <a:t>카메라 영상처럼 볼 수 있습니다</a:t>
+            </a:r>
+            <a:r>
+              <a:rPr lang="en-US" altLang="ko-KR" sz="1200" kern="1200" baseline="0" dirty="0" smtClean="0">
+                <a:solidFill>
+                  <a:schemeClr val="tx1"/>
+                </a:solidFill>
+                <a:latin typeface="Arial" charset="0"/>
+                <a:ea typeface="+mn-ea"/>
+                <a:cs typeface="+mn-cs"/>
+              </a:rPr>
+              <a:t>.</a:t>
+            </a:r>
+            <a:endParaRPr lang="ko-KR" altLang="en-US" dirty="0"/>
           </a:p>
         </p:txBody>
       </p:sp>
@@ -2335,6 +2174,17 @@
               <a:t>KatalkPCLinker</a:t>
             </a:r>
             <a:r>
+              <a:rPr lang="en-US" altLang="ko-KR" sz="1200" kern="1200" dirty="0" smtClean="0">
+                <a:solidFill>
+                  <a:schemeClr val="tx1"/>
+                </a:solidFill>
+                <a:latin typeface="Arial" charset="0"/>
+                <a:ea typeface="+mn-ea"/>
+                <a:cs typeface="+mn-cs"/>
+              </a:rPr>
+              <a:t> </a:t>
+            </a:r>
+            <a:r>
               <a:rPr lang="ko-KR" altLang="en-US" sz="1200" kern="1200" dirty="0" smtClean="0">
                 <a:solidFill>
                   <a:schemeClr val="tx1"/>
@@ -2343,54 +2193,32 @@
                 <a:ea typeface="+mn-ea"/>
                 <a:cs typeface="+mn-cs"/>
               </a:rPr>
-              <a:t>로 </a:t>
-            </a:r>
-            <a:r>
-              <a:rPr lang="en-US" altLang="ko-KR" sz="1200" kern="1200" baseline="0" dirty="0" smtClean="0">
-                <a:solidFill>
-                  <a:schemeClr val="tx1"/>
-                </a:solidFill>
-                <a:latin typeface="Arial" charset="0"/>
-                <a:ea typeface="+mn-ea"/>
-                <a:cs typeface="+mn-cs"/>
-              </a:rPr>
-              <a:t>PC</a:t>
-            </a:r>
-            <a:r>
-              <a:rPr lang="ko-KR" altLang="en-US" sz="1200" kern="1200" baseline="0" dirty="0" smtClean="0">
-                <a:solidFill>
-                  <a:schemeClr val="tx1"/>
-                </a:solidFill>
-                <a:latin typeface="Arial" charset="0"/>
-                <a:ea typeface="+mn-ea"/>
-                <a:cs typeface="+mn-cs"/>
-              </a:rPr>
-              <a:t>에서 키보드로 스마트폰을 조작 할 수 있어서 </a:t>
-            </a:r>
-            <a:r>
-              <a:rPr lang="ko-KR" altLang="en-US" sz="1200" kern="1200" baseline="0" dirty="0" err="1" smtClean="0">
-                <a:solidFill>
-                  <a:schemeClr val="tx1"/>
-                </a:solidFill>
-                <a:latin typeface="Arial" charset="0"/>
-                <a:ea typeface="+mn-ea"/>
-                <a:cs typeface="+mn-cs"/>
-              </a:rPr>
-              <a:t>카카오톡과</a:t>
-            </a:r>
-            <a:r>
-              <a:rPr lang="ko-KR" altLang="en-US" sz="1200" kern="1200" baseline="0" dirty="0" smtClean="0">
-                <a:solidFill>
-                  <a:schemeClr val="tx1"/>
-                </a:solidFill>
-                <a:latin typeface="Arial" charset="0"/>
-                <a:ea typeface="+mn-ea"/>
-                <a:cs typeface="+mn-cs"/>
-              </a:rPr>
-              <a:t> 다른 어플리케이션을 실행할 수 있습니다</a:t>
-            </a:r>
-            <a:r>
-              <a:rPr lang="en-US" altLang="ko-KR" sz="1200" kern="1200" baseline="0" dirty="0" smtClean="0">
+              <a:t>서비스의 구조입니다</a:t>
+            </a:r>
+            <a:r>
+              <a:rPr lang="en-US" altLang="ko-KR" sz="1200" kern="1200" dirty="0" smtClean="0">
+                <a:solidFill>
+                  <a:schemeClr val="tx1"/>
+                </a:solidFill>
+                <a:latin typeface="Arial" charset="0"/>
+                <a:ea typeface="+mn-ea"/>
+                <a:cs typeface="+mn-cs"/>
+              </a:rPr>
+              <a:t>. PC</a:t>
+            </a:r>
+            <a:r>
+              <a:rPr lang="ko-KR" altLang="en-US" sz="1200" kern="1200" dirty="0" smtClean="0">
+                <a:solidFill>
+                  <a:schemeClr val="tx1"/>
+                </a:solidFill>
+                <a:latin typeface="Arial" charset="0"/>
+                <a:ea typeface="+mn-ea"/>
+                <a:cs typeface="+mn-cs"/>
+              </a:rPr>
+              <a:t>에서 메시지를 전송하면 스마트폰에서 기본으로 설정된 키보드가 아닌 따로 구현한 소프트웨어 키보드로 입력한 것으로 인식합니다</a:t>
+            </a:r>
+            <a:r>
+              <a:rPr lang="en-US" altLang="ko-KR" sz="1200" kern="1200" dirty="0" smtClean="0">
                 <a:solidFill>
                   <a:schemeClr val="tx1"/>
                 </a:solidFill>
@@ -2401,48 +2229,26 @@
               <a:t>. </a:t>
             </a:r>
             <a:r>
-              <a:rPr lang="en-US" altLang="ko-KR" sz="1200" kern="1200" baseline="0" dirty="0" err="1" smtClean="0">
-                <a:solidFill>
-                  <a:schemeClr val="tx1"/>
-                </a:solidFill>
-                <a:latin typeface="Arial" charset="0"/>
-                <a:ea typeface="+mn-ea"/>
-                <a:cs typeface="+mn-cs"/>
-              </a:rPr>
-              <a:t>KatalkPCLinker</a:t>
-            </a:r>
-            <a:r>
-              <a:rPr lang="ko-KR" altLang="en-US" sz="1200" kern="1200" baseline="0" dirty="0" smtClean="0">
-                <a:solidFill>
-                  <a:schemeClr val="tx1"/>
-                </a:solidFill>
-                <a:latin typeface="Arial" charset="0"/>
-                <a:ea typeface="+mn-ea"/>
-                <a:cs typeface="+mn-cs"/>
-              </a:rPr>
-              <a:t>는 </a:t>
-            </a:r>
-            <a:r>
-              <a:rPr lang="en-US" altLang="ko-KR" sz="1200" kern="1200" baseline="0" dirty="0" smtClean="0">
-                <a:solidFill>
-                  <a:schemeClr val="tx1"/>
-                </a:solidFill>
-                <a:latin typeface="Arial" charset="0"/>
-                <a:ea typeface="+mn-ea"/>
-                <a:cs typeface="+mn-cs"/>
-              </a:rPr>
-              <a:t>PC</a:t>
-            </a:r>
-            <a:r>
-              <a:rPr lang="ko-KR" altLang="en-US" sz="1200" kern="1200" baseline="0" dirty="0" smtClean="0">
-                <a:solidFill>
-                  <a:schemeClr val="tx1"/>
-                </a:solidFill>
-                <a:latin typeface="Arial" charset="0"/>
-                <a:ea typeface="+mn-ea"/>
-                <a:cs typeface="+mn-cs"/>
-              </a:rPr>
-              <a:t>에 </a:t>
+              <a:rPr lang="ko-KR" altLang="en-US" sz="1200" kern="1200" dirty="0" err="1" smtClean="0">
+                <a:solidFill>
+                  <a:schemeClr val="tx1"/>
+                </a:solidFill>
+                <a:latin typeface="Arial" charset="0"/>
+                <a:ea typeface="+mn-ea"/>
+                <a:cs typeface="+mn-cs"/>
+              </a:rPr>
+              <a:t>스마트폰</a:t>
+            </a:r>
+            <a:r>
+              <a:rPr lang="ko-KR" altLang="en-US" sz="1200" kern="1200" dirty="0" smtClean="0">
+                <a:solidFill>
+                  <a:schemeClr val="tx1"/>
+                </a:solidFill>
+                <a:latin typeface="Arial" charset="0"/>
+                <a:ea typeface="+mn-ea"/>
+                <a:cs typeface="+mn-cs"/>
+              </a:rPr>
+              <a:t> 화면은</a:t>
             </a:r>
             <a:r>
               <a:rPr lang="en-US" altLang="ko-KR" sz="1200" kern="1200" dirty="0" smtClean="0">
@@ -2453,6 +2259,28 @@
                 <a:ea typeface="+mn-ea"/>
                 <a:cs typeface="+mn-cs"/>
               </a:rPr>
+              <a:t> PC</a:t>
+            </a:r>
+            <a:r>
+              <a:rPr lang="ko-KR" altLang="en-US" sz="1200" kern="1200" dirty="0" smtClean="0">
+                <a:solidFill>
+                  <a:schemeClr val="tx1"/>
+                </a:solidFill>
+                <a:latin typeface="Arial" charset="0"/>
+                <a:ea typeface="+mn-ea"/>
+                <a:cs typeface="+mn-cs"/>
+              </a:rPr>
+              <a:t>에서 </a:t>
+            </a:r>
+            <a:r>
+              <a:rPr lang="en-US" altLang="ko-KR" sz="1200" kern="1200" dirty="0" smtClean="0">
+                <a:solidFill>
+                  <a:schemeClr val="tx1"/>
+                </a:solidFill>
+                <a:latin typeface="Arial" charset="0"/>
+                <a:ea typeface="+mn-ea"/>
+                <a:cs typeface="+mn-cs"/>
+              </a:rPr>
               <a:t>USB</a:t>
             </a:r>
             <a:r>
@@ -2464,7 +2292,7 @@
                 <a:ea typeface="+mn-ea"/>
                 <a:cs typeface="+mn-cs"/>
               </a:rPr>
-              <a:t>카메라로 인식돼서 어플리케이션의 수정 없이 </a:t>
+              <a:t>카메라 장치로 인식돼서 </a:t>
             </a:r>
             <a:r>
               <a:rPr lang="ko-KR" altLang="en-US" sz="1200" kern="1200" dirty="0" err="1" smtClean="0">
@@ -2475,7 +2303,7 @@
                 <a:ea typeface="+mn-ea"/>
                 <a:cs typeface="+mn-cs"/>
               </a:rPr>
-              <a:t>카카오톡</a:t>
+              <a:t>스마트폰의</a:t>
             </a:r>
             <a:r>
               <a:rPr lang="ko-KR" altLang="en-US" sz="1200" kern="1200" dirty="0" smtClean="0">
@@ -2486,76 +2314,10 @@
                 <a:ea typeface="+mn-ea"/>
                 <a:cs typeface="+mn-cs"/>
               </a:rPr>
-              <a:t> 화면뿐만 아니라 </a:t>
-            </a:r>
-            <a:r>
-              <a:rPr lang="ko-KR" altLang="en-US" sz="1200" kern="1200" baseline="0" dirty="0" err="1" smtClean="0">
-                <a:solidFill>
-                  <a:schemeClr val="tx1"/>
-                </a:solidFill>
-                <a:latin typeface="Arial" charset="0"/>
-                <a:ea typeface="+mn-ea"/>
-                <a:cs typeface="+mn-cs"/>
-              </a:rPr>
-              <a:t>스마트폰의</a:t>
-            </a:r>
-            <a:r>
-              <a:rPr lang="ko-KR" altLang="en-US" sz="1200" kern="1200" baseline="0" dirty="0" smtClean="0">
-                <a:solidFill>
-                  <a:schemeClr val="tx1"/>
-                </a:solidFill>
-                <a:latin typeface="Arial" charset="0"/>
-                <a:ea typeface="+mn-ea"/>
-                <a:cs typeface="+mn-cs"/>
-              </a:rPr>
-              <a:t> 모든 화면을 </a:t>
-            </a:r>
-            <a:r>
-              <a:rPr lang="en-US" altLang="ko-KR" sz="1200" kern="1200" baseline="0" dirty="0" smtClean="0">
-                <a:solidFill>
-                  <a:schemeClr val="tx1"/>
-                </a:solidFill>
-                <a:latin typeface="Arial" charset="0"/>
-                <a:ea typeface="+mn-ea"/>
-                <a:cs typeface="+mn-cs"/>
-              </a:rPr>
-              <a:t>PC</a:t>
-            </a:r>
-            <a:r>
-              <a:rPr lang="ko-KR" altLang="en-US" sz="1200" kern="1200" baseline="0" dirty="0" smtClean="0">
-                <a:solidFill>
-                  <a:schemeClr val="tx1"/>
-                </a:solidFill>
-                <a:latin typeface="Arial" charset="0"/>
-                <a:ea typeface="+mn-ea"/>
-                <a:cs typeface="+mn-cs"/>
-              </a:rPr>
-              <a:t>에서 </a:t>
-            </a:r>
-            <a:r>
-              <a:rPr lang="en-US" altLang="ko-KR" sz="1200" kern="1200" baseline="0" dirty="0" smtClean="0">
-                <a:solidFill>
-                  <a:schemeClr val="tx1"/>
-                </a:solidFill>
-                <a:latin typeface="Arial" charset="0"/>
-                <a:ea typeface="+mn-ea"/>
-                <a:cs typeface="+mn-cs"/>
-              </a:rPr>
-              <a:t>USB</a:t>
-            </a:r>
-            <a:r>
-              <a:rPr lang="ko-KR" altLang="en-US" sz="1200" kern="1200" baseline="0" dirty="0" smtClean="0">
-                <a:solidFill>
-                  <a:schemeClr val="tx1"/>
-                </a:solidFill>
-                <a:latin typeface="Arial" charset="0"/>
-                <a:ea typeface="+mn-ea"/>
-                <a:cs typeface="+mn-cs"/>
-              </a:rPr>
-              <a:t>카메라 영상처럼 볼 수 있습니다</a:t>
-            </a:r>
-            <a:r>
-              <a:rPr lang="en-US" altLang="ko-KR" sz="1200" kern="1200" baseline="0" dirty="0" smtClean="0">
+              <a:t> 움직이는 모든 화면을 볼 수 있게 됩니다</a:t>
+            </a:r>
+            <a:r>
+              <a:rPr lang="en-US" altLang="ko-KR" sz="1200" kern="1200" dirty="0" smtClean="0">
                 <a:solidFill>
                   <a:schemeClr val="tx1"/>
                 </a:solidFill>
@@ -2565,6 +2327,33 @@
               </a:rPr>
               <a:t>.</a:t>
             </a:r>
+            <a:endParaRPr lang="ko-KR" altLang="en-US" sz="1200" kern="1200" dirty="0" smtClean="0">
+              <a:solidFill>
+                <a:schemeClr val="tx1"/>
+              </a:solidFill>
+              <a:latin typeface="Arial" charset="0"/>
+              <a:ea typeface="+mn-ea"/>
+              <a:cs typeface="+mn-cs"/>
+            </a:endParaRPr>
+          </a:p>
+          <a:p>
+            <a:pPr marL="0" marR="0" indent="0" algn="l" defTabSz="914400" rtl="0" eaLnBrk="1" fontAlgn="base" latinLnBrk="0" hangingPunct="1">
+              <a:lnSpc>
+                <a:spcPct val="100000"/>
+              </a:lnSpc>
+              <a:spcBef>
+                <a:spcPct val="30000"/>
+              </a:spcBef>
+              <a:spcAft>
+                <a:spcPct val="0"/>
+              </a:spcAft>
+              <a:buClrTx/>
+              <a:buSzTx/>
+              <a:buFontTx/>
+              <a:buNone/>
+              <a:tabLst/>
+              <a:defRPr/>
+            </a:pPr>
             <a:endParaRPr lang="ko-KR" altLang="en-US" dirty="0"/>
           </a:p>
         </p:txBody>
@@ -2665,197 +2454,101 @@
               <a:defRPr/>
             </a:pPr>
             <a:r>
-              <a:rPr lang="en-US" altLang="ko-KR" sz="1200" kern="1200" dirty="0" err="1" smtClean="0">
-                <a:solidFill>
-                  <a:schemeClr val="tx1"/>
-                </a:solidFill>
-                <a:latin typeface="Arial" charset="0"/>
-                <a:ea typeface="+mn-ea"/>
-                <a:cs typeface="+mn-cs"/>
-              </a:rPr>
-              <a:t>KatalkPCLinker</a:t>
-            </a:r>
-            <a:r>
-              <a:rPr lang="en-US" altLang="ko-KR" sz="1200" kern="1200" dirty="0" smtClean="0">
-                <a:solidFill>
-                  <a:schemeClr val="tx1"/>
-                </a:solidFill>
-                <a:latin typeface="Arial" charset="0"/>
-                <a:ea typeface="+mn-ea"/>
-                <a:cs typeface="+mn-cs"/>
-              </a:rPr>
+              <a:rPr lang="en-US" altLang="ko-KR" dirty="0" err="1" smtClean="0"/>
+              <a:t>LTouchPad</a:t>
+            </a:r>
+            <a:r>
+              <a:rPr lang="ko-KR" altLang="en-US" dirty="0" smtClean="0"/>
+              <a:t>의 화면입니다</a:t>
+            </a:r>
+            <a:r>
+              <a:rPr lang="en-US" altLang="ko-KR" dirty="0" smtClean="0"/>
+              <a:t>. </a:t>
+            </a:r>
+            <a:r>
+              <a:rPr lang="ko-KR" altLang="en-US" dirty="0" smtClean="0"/>
+              <a:t>어플리케이션을 </a:t>
+            </a:r>
+            <a:r>
+              <a:rPr lang="en-US" altLang="ko-KR" baseline="0" dirty="0" smtClean="0"/>
+              <a:t>USB/IP</a:t>
+            </a:r>
+            <a:r>
+              <a:rPr lang="ko-KR" altLang="en-US" baseline="0" dirty="0" smtClean="0"/>
+              <a:t>로 연결하면 </a:t>
+            </a:r>
+            <a:r>
+              <a:rPr lang="en-US" altLang="ko-KR" baseline="0" dirty="0" smtClean="0"/>
+              <a:t>PC</a:t>
+            </a:r>
+            <a:r>
+              <a:rPr lang="ko-KR" altLang="en-US" baseline="0" dirty="0" smtClean="0"/>
+              <a:t>에서 마우스 장치로 인식하고</a:t>
+            </a:r>
+            <a:r>
+              <a:rPr lang="en-US" altLang="ko-KR" baseline="0" dirty="0" smtClean="0"/>
+              <a:t>,</a:t>
+            </a:r>
+            <a:r>
+              <a:rPr lang="ko-KR" altLang="en-US" baseline="0" dirty="0" smtClean="0"/>
+              <a:t> 어플리케이션을 통한 조작으로 터치패드로 사용할 수 있습니다</a:t>
+            </a:r>
+            <a:r>
+              <a:rPr lang="en-US" altLang="ko-KR" baseline="0" dirty="0" smtClean="0"/>
+              <a:t>.</a:t>
+            </a:r>
+            <a:r>
+              <a:rPr lang="ko-KR" altLang="en-US" baseline="0" dirty="0" smtClean="0"/>
               <a:t> </a:t>
             </a:r>
             <a:r>
-              <a:rPr lang="ko-KR" altLang="en-US" sz="1200" kern="1200" dirty="0" smtClean="0">
-                <a:solidFill>
-                  <a:schemeClr val="tx1"/>
-                </a:solidFill>
-                <a:latin typeface="Arial" charset="0"/>
-                <a:ea typeface="+mn-ea"/>
-                <a:cs typeface="+mn-cs"/>
-              </a:rPr>
-              <a:t>서비스의 구조입니다</a:t>
-            </a:r>
-            <a:r>
-              <a:rPr lang="en-US" altLang="ko-KR" sz="1200" kern="1200" dirty="0" smtClean="0">
-                <a:solidFill>
-                  <a:schemeClr val="tx1"/>
-                </a:solidFill>
-                <a:latin typeface="Arial" charset="0"/>
-                <a:ea typeface="+mn-ea"/>
-                <a:cs typeface="+mn-cs"/>
-              </a:rPr>
-              <a:t>. PC</a:t>
-            </a:r>
-            <a:r>
-              <a:rPr lang="ko-KR" altLang="en-US" sz="1200" kern="1200" dirty="0" smtClean="0">
-                <a:solidFill>
-                  <a:schemeClr val="tx1"/>
-                </a:solidFill>
-                <a:latin typeface="Arial" charset="0"/>
-                <a:ea typeface="+mn-ea"/>
-                <a:cs typeface="+mn-cs"/>
-              </a:rPr>
-              <a:t>에서 메시지를 전송하면 스마트폰에서 기본으로 설정된 키보드가 아닌 따로 구현한 소프트웨어 키보드로 입력한 것으로 인식합니다</a:t>
-            </a:r>
-            <a:r>
-              <a:rPr lang="en-US" altLang="ko-KR" sz="1200" kern="1200" dirty="0" smtClean="0">
-                <a:solidFill>
-                  <a:schemeClr val="tx1"/>
-                </a:solidFill>
-                <a:latin typeface="Arial" charset="0"/>
-                <a:ea typeface="+mn-ea"/>
-                <a:cs typeface="+mn-cs"/>
-              </a:rPr>
+              <a:rPr lang="ko-KR" altLang="en-US" dirty="0" smtClean="0"/>
+              <a:t>어플리케이션의 </a:t>
+            </a:r>
+            <a:r>
+              <a:rPr lang="en-US" altLang="ko-KR" dirty="0" smtClean="0"/>
+              <a:t>Left, Right</a:t>
+            </a:r>
+            <a:r>
+              <a:rPr lang="en-US" altLang="ko-KR" baseline="0" dirty="0" smtClean="0"/>
+              <a:t> </a:t>
+            </a:r>
+            <a:r>
+              <a:rPr lang="ko-KR" altLang="en-US" dirty="0" smtClean="0"/>
+              <a:t>버튼이 </a:t>
+            </a:r>
+            <a:r>
+              <a:rPr lang="en-US" altLang="ko-KR" dirty="0" smtClean="0"/>
+              <a:t>PC</a:t>
+            </a:r>
+            <a:r>
+              <a:rPr lang="ko-KR" altLang="en-US" dirty="0" smtClean="0"/>
+              <a:t>의 마우스 버튼</a:t>
+            </a:r>
+            <a:r>
+              <a:rPr lang="ko-KR" altLang="en-US" baseline="0" dirty="0" smtClean="0"/>
+              <a:t> 기능을 하고</a:t>
+            </a:r>
+            <a:r>
+              <a:rPr lang="en-US" altLang="ko-KR" baseline="0" dirty="0" smtClean="0"/>
+              <a:t>, </a:t>
+            </a:r>
+            <a:r>
+              <a:rPr lang="ko-KR" altLang="en-US" baseline="0" dirty="0" smtClean="0"/>
+              <a:t>버튼 위 부분에서 드래그를 하면 </a:t>
+            </a:r>
+            <a:r>
+              <a:rPr lang="en-US" altLang="ko-KR" baseline="0" dirty="0" smtClean="0"/>
+              <a:t>PC</a:t>
+            </a:r>
+            <a:r>
+              <a:rPr lang="ko-KR" altLang="en-US" baseline="0" dirty="0" smtClean="0"/>
+              <a:t>의 마우스 커서가 움직입니다</a:t>
+            </a:r>
+            <a:r>
+              <a:rPr lang="en-US" altLang="ko-KR" baseline="0" dirty="0" smtClean="0"/>
               <a:t>. </a:t>
             </a:r>
-            <a:r>
-              <a:rPr lang="ko-KR" altLang="en-US" sz="1200" kern="1200" dirty="0" err="1" smtClean="0">
-                <a:solidFill>
-                  <a:schemeClr val="tx1"/>
-                </a:solidFill>
-                <a:latin typeface="Arial" charset="0"/>
-                <a:ea typeface="+mn-ea"/>
-                <a:cs typeface="+mn-cs"/>
-              </a:rPr>
-              <a:t>스마트폰</a:t>
-            </a:r>
-            <a:r>
-              <a:rPr lang="ko-KR" altLang="en-US" sz="1200" kern="1200" dirty="0" smtClean="0">
-                <a:solidFill>
-                  <a:schemeClr val="tx1"/>
-                </a:solidFill>
-                <a:latin typeface="Arial" charset="0"/>
-                <a:ea typeface="+mn-ea"/>
-                <a:cs typeface="+mn-cs"/>
-              </a:rPr>
-              <a:t> 화면은</a:t>
-            </a:r>
-            <a:r>
-              <a:rPr lang="en-US" altLang="ko-KR" sz="1200" kern="1200" dirty="0" smtClean="0">
-                <a:solidFill>
-                  <a:schemeClr val="tx1"/>
-                </a:solidFill>
-                <a:latin typeface="Arial" charset="0"/>
-                <a:ea typeface="+mn-ea"/>
-                <a:cs typeface="+mn-cs"/>
-              </a:rPr>
-              <a:t> PC</a:t>
-            </a:r>
-            <a:r>
-              <a:rPr lang="ko-KR" altLang="en-US" sz="1200" kern="1200" dirty="0" smtClean="0">
-                <a:solidFill>
-                  <a:schemeClr val="tx1"/>
-                </a:solidFill>
-                <a:latin typeface="Arial" charset="0"/>
-                <a:ea typeface="+mn-ea"/>
-                <a:cs typeface="+mn-cs"/>
-              </a:rPr>
-              <a:t>에서 </a:t>
-            </a:r>
-            <a:r>
-              <a:rPr lang="en-US" altLang="ko-KR" sz="1200" kern="1200" dirty="0" smtClean="0">
-                <a:solidFill>
-                  <a:schemeClr val="tx1"/>
-                </a:solidFill>
-                <a:latin typeface="Arial" charset="0"/>
-                <a:ea typeface="+mn-ea"/>
-                <a:cs typeface="+mn-cs"/>
-              </a:rPr>
-              <a:t>USB</a:t>
-            </a:r>
-            <a:r>
-              <a:rPr lang="ko-KR" altLang="en-US" sz="1200" kern="1200" dirty="0" smtClean="0">
-                <a:solidFill>
-                  <a:schemeClr val="tx1"/>
-                </a:solidFill>
-                <a:latin typeface="Arial" charset="0"/>
-                <a:ea typeface="+mn-ea"/>
-                <a:cs typeface="+mn-cs"/>
-              </a:rPr>
-              <a:t>카메라 장치로 인식돼서 </a:t>
-            </a:r>
-            <a:r>
-              <a:rPr lang="ko-KR" altLang="en-US" sz="1200" kern="1200" dirty="0" err="1" smtClean="0">
-                <a:solidFill>
-                  <a:schemeClr val="tx1"/>
-                </a:solidFill>
-                <a:latin typeface="Arial" charset="0"/>
-                <a:ea typeface="+mn-ea"/>
-                <a:cs typeface="+mn-cs"/>
-              </a:rPr>
-              <a:t>스마트폰의</a:t>
-            </a:r>
-            <a:r>
-              <a:rPr lang="ko-KR" altLang="en-US" sz="1200" kern="1200" dirty="0" smtClean="0">
-                <a:solidFill>
-                  <a:schemeClr val="tx1"/>
-                </a:solidFill>
-                <a:latin typeface="Arial" charset="0"/>
-                <a:ea typeface="+mn-ea"/>
-                <a:cs typeface="+mn-cs"/>
-              </a:rPr>
-              <a:t> 움직이는 모든 화면을 볼 수 있게 됩니다</a:t>
-            </a:r>
-            <a:r>
-              <a:rPr lang="en-US" altLang="ko-KR" sz="1200" kern="1200" dirty="0" smtClean="0">
-                <a:solidFill>
-                  <a:schemeClr val="tx1"/>
-                </a:solidFill>
-                <a:latin typeface="Arial" charset="0"/>
-                <a:ea typeface="+mn-ea"/>
-                <a:cs typeface="+mn-cs"/>
-              </a:rPr>
-              <a:t>.</a:t>
-            </a:r>
-            <a:endParaRPr lang="ko-KR" altLang="en-US" sz="1200" kern="1200" dirty="0" smtClean="0">
-              <a:solidFill>
-                <a:schemeClr val="tx1"/>
-              </a:solidFill>
-              <a:latin typeface="Arial" charset="0"/>
-              <a:ea typeface="+mn-ea"/>
-              <a:cs typeface="+mn-cs"/>
-            </a:endParaRPr>
-          </a:p>
-          <a:p>
-            <a:pPr marL="0" marR="0" indent="0" algn="l" defTabSz="914400" rtl="0" eaLnBrk="1" fontAlgn="base" latinLnBrk="0" hangingPunct="1">
-              <a:lnSpc>
-                <a:spcPct val="100000"/>
-              </a:lnSpc>
-              <a:spcBef>
-                <a:spcPct val="30000"/>
-              </a:spcBef>
-              <a:spcAft>
-                <a:spcPct val="0"/>
-              </a:spcAft>
-              <a:buClrTx/>
-              <a:buSzTx/>
-              <a:buFontTx/>
-              <a:buNone/>
-              <a:tabLst/>
-              <a:defRPr/>
-            </a:pPr>
             <a:endParaRPr lang="ko-KR" altLang="en-US" dirty="0"/>
           </a:p>
         </p:txBody>
@@ -2956,100 +2649,279 @@
               <a:defRPr/>
             </a:pPr>
             <a:r>
-              <a:rPr lang="en-US" altLang="ko-KR" dirty="0" err="1" smtClean="0"/>
+              <a:rPr lang="en-US" altLang="ko-KR" sz="1200" kern="1200" dirty="0" err="1" smtClean="0">
+                <a:solidFill>
+                  <a:schemeClr val="tx1"/>
+                </a:solidFill>
+                <a:latin typeface="Arial" charset="0"/>
+                <a:ea typeface="+mn-ea"/>
+                <a:cs typeface="+mn-cs"/>
+              </a:rPr>
               <a:t>LTouchPad</a:t>
             </a:r>
             <a:r>
-              <a:rPr lang="ko-KR" altLang="en-US" dirty="0" smtClean="0"/>
-              <a:t>의 화면입니다</a:t>
-            </a:r>
-            <a:r>
-              <a:rPr lang="en-US" altLang="ko-KR" dirty="0" smtClean="0"/>
+              <a:rPr lang="en-US" altLang="ko-KR" sz="1200" kern="1200" dirty="0" smtClean="0">
+                <a:solidFill>
+                  <a:schemeClr val="tx1"/>
+                </a:solidFill>
+                <a:latin typeface="Arial" charset="0"/>
+                <a:ea typeface="+mn-ea"/>
+                <a:cs typeface="+mn-cs"/>
+              </a:rPr>
+              <a:t> </a:t>
+            </a:r>
+            <a:r>
+              <a:rPr lang="ko-KR" altLang="en-US" sz="1200" kern="1200" dirty="0" smtClean="0">
+                <a:solidFill>
+                  <a:schemeClr val="tx1"/>
+                </a:solidFill>
+                <a:latin typeface="Arial" charset="0"/>
+                <a:ea typeface="+mn-ea"/>
+                <a:cs typeface="+mn-cs"/>
+              </a:rPr>
+              <a:t>어플리케이션의 구조입니다</a:t>
+            </a:r>
+            <a:r>
+              <a:rPr lang="en-US" altLang="ko-KR" sz="1200" kern="1200" dirty="0" smtClean="0">
+                <a:solidFill>
+                  <a:schemeClr val="tx1"/>
+                </a:solidFill>
+                <a:latin typeface="Arial" charset="0"/>
+                <a:ea typeface="+mn-ea"/>
+                <a:cs typeface="+mn-cs"/>
+              </a:rPr>
               <a:t>. </a:t>
             </a:r>
             <a:r>
-              <a:rPr lang="ko-KR" altLang="en-US" dirty="0" smtClean="0"/>
-              <a:t>어플리케이션을 </a:t>
-            </a:r>
-            <a:r>
-              <a:rPr lang="en-US" altLang="ko-KR" baseline="0" dirty="0" smtClean="0"/>
+              <a:rPr lang="ko-KR" altLang="en-US" sz="1200" kern="1200" dirty="0" err="1" smtClean="0">
+                <a:solidFill>
+                  <a:schemeClr val="tx1"/>
+                </a:solidFill>
+                <a:latin typeface="Arial" charset="0"/>
+                <a:ea typeface="+mn-ea"/>
+                <a:cs typeface="+mn-cs"/>
+              </a:rPr>
+              <a:t>스마트폰에서</a:t>
+            </a:r>
+            <a:r>
+              <a:rPr lang="ko-KR" altLang="en-US" sz="1200" kern="1200" dirty="0" smtClean="0">
+                <a:solidFill>
+                  <a:schemeClr val="tx1"/>
+                </a:solidFill>
+                <a:latin typeface="Arial" charset="0"/>
+                <a:ea typeface="+mn-ea"/>
+                <a:cs typeface="+mn-cs"/>
+              </a:rPr>
+              <a:t> </a:t>
+            </a:r>
+            <a:r>
+              <a:rPr lang="en-US" altLang="ko-KR" sz="1200" kern="1200" dirty="0" err="1" smtClean="0">
+                <a:solidFill>
+                  <a:schemeClr val="tx1"/>
+                </a:solidFill>
+                <a:latin typeface="Arial" charset="0"/>
+                <a:ea typeface="+mn-ea"/>
+                <a:cs typeface="+mn-cs"/>
+              </a:rPr>
+              <a:t>LTouchPad</a:t>
+            </a:r>
+            <a:r>
+              <a:rPr lang="ko-KR" altLang="en-US" sz="1200" kern="1200" dirty="0" smtClean="0">
+                <a:solidFill>
+                  <a:schemeClr val="tx1"/>
+                </a:solidFill>
+                <a:latin typeface="Arial" charset="0"/>
+                <a:ea typeface="+mn-ea"/>
+                <a:cs typeface="+mn-cs"/>
+              </a:rPr>
+              <a:t>를 실행하면 </a:t>
+            </a:r>
+            <a:r>
+              <a:rPr lang="en-US" altLang="ko-KR" sz="1200" kern="1200" dirty="0" smtClean="0">
+                <a:solidFill>
+                  <a:schemeClr val="tx1"/>
+                </a:solidFill>
+                <a:latin typeface="Arial" charset="0"/>
+                <a:ea typeface="+mn-ea"/>
+                <a:cs typeface="+mn-cs"/>
+              </a:rPr>
               <a:t>USB/IP</a:t>
             </a:r>
             <a:r>
-              <a:rPr lang="ko-KR" altLang="en-US" baseline="0" dirty="0" smtClean="0"/>
-              <a:t>로 연결하면 </a:t>
-            </a:r>
-            <a:r>
-              <a:rPr lang="en-US" altLang="ko-KR" baseline="0" dirty="0" smtClean="0"/>
+              <a:rPr lang="ko-KR" altLang="en-US" sz="1200" kern="1200" dirty="0" smtClean="0">
+                <a:solidFill>
+                  <a:schemeClr val="tx1"/>
+                </a:solidFill>
+                <a:latin typeface="Arial" charset="0"/>
+                <a:ea typeface="+mn-ea"/>
+                <a:cs typeface="+mn-cs"/>
+              </a:rPr>
+              <a:t>를 통해 </a:t>
+            </a:r>
+            <a:r>
+              <a:rPr lang="en-US" altLang="ko-KR" sz="1200" kern="1200" dirty="0" smtClean="0">
+                <a:solidFill>
+                  <a:schemeClr val="tx1"/>
+                </a:solidFill>
+                <a:latin typeface="Arial" charset="0"/>
+                <a:ea typeface="+mn-ea"/>
+                <a:cs typeface="+mn-cs"/>
+              </a:rPr>
               <a:t>PC</a:t>
             </a:r>
             <a:r>
-              <a:rPr lang="ko-KR" altLang="en-US" baseline="0" dirty="0" smtClean="0"/>
-              <a:t>에서 마우스 장치로 인식하고</a:t>
-            </a:r>
-            <a:r>
-              <a:rPr lang="en-US" altLang="ko-KR" baseline="0" dirty="0" smtClean="0"/>
-              <a:t>,</a:t>
-            </a:r>
-            <a:r>
-              <a:rPr lang="ko-KR" altLang="en-US" baseline="0" dirty="0" smtClean="0"/>
-              <a:t> 어플리케이션을 통한 조작으로 터치패드로 사용할 수 있습니다</a:t>
-            </a:r>
-            <a:r>
-              <a:rPr lang="en-US" altLang="ko-KR" baseline="0" dirty="0" smtClean="0"/>
+              <a:rPr lang="ko-KR" altLang="en-US" sz="1200" kern="1200" dirty="0" smtClean="0">
+                <a:solidFill>
+                  <a:schemeClr val="tx1"/>
+                </a:solidFill>
+                <a:latin typeface="Arial" charset="0"/>
+                <a:ea typeface="+mn-ea"/>
+                <a:cs typeface="+mn-cs"/>
+              </a:rPr>
+              <a:t>에게 자신의 장치 정보를 보냅니다</a:t>
+            </a:r>
+            <a:r>
+              <a:rPr lang="en-US" altLang="ko-KR" sz="1200" kern="1200" dirty="0" smtClean="0">
+                <a:solidFill>
+                  <a:schemeClr val="tx1"/>
+                </a:solidFill>
+                <a:latin typeface="Arial" charset="0"/>
+                <a:ea typeface="+mn-ea"/>
+                <a:cs typeface="+mn-cs"/>
+              </a:rPr>
+              <a:t>. PC</a:t>
+            </a:r>
+            <a:r>
+              <a:rPr lang="ko-KR" altLang="en-US" sz="1200" kern="1200" dirty="0" smtClean="0">
+                <a:solidFill>
+                  <a:schemeClr val="tx1"/>
+                </a:solidFill>
+                <a:latin typeface="Arial" charset="0"/>
+                <a:ea typeface="+mn-ea"/>
+                <a:cs typeface="+mn-cs"/>
+              </a:rPr>
+              <a:t>에선 마우스 장치가 연결된 것처럼 보이고</a:t>
+            </a:r>
+            <a:r>
+              <a:rPr lang="en-US" altLang="ko-KR" sz="1200" kern="1200" dirty="0" smtClean="0">
+                <a:solidFill>
+                  <a:schemeClr val="tx1"/>
+                </a:solidFill>
+                <a:latin typeface="Arial" charset="0"/>
+                <a:ea typeface="+mn-ea"/>
+                <a:cs typeface="+mn-cs"/>
+              </a:rPr>
+              <a:t>, </a:t>
+            </a:r>
+            <a:r>
+              <a:rPr lang="ko-KR" altLang="en-US" sz="1200" kern="1200" dirty="0" smtClean="0">
+                <a:solidFill>
+                  <a:schemeClr val="tx1"/>
+                </a:solidFill>
+                <a:latin typeface="Arial" charset="0"/>
+                <a:ea typeface="+mn-ea"/>
+                <a:cs typeface="+mn-cs"/>
+              </a:rPr>
+              <a:t>연결된 후 </a:t>
+            </a:r>
+            <a:r>
+              <a:rPr lang="en-US" altLang="ko-KR" sz="1200" kern="1200" dirty="0" err="1" smtClean="0">
+                <a:solidFill>
+                  <a:schemeClr val="tx1"/>
+                </a:solidFill>
+                <a:latin typeface="Arial" charset="0"/>
+                <a:ea typeface="+mn-ea"/>
+                <a:cs typeface="+mn-cs"/>
+              </a:rPr>
+              <a:t>LTouchPad</a:t>
+            </a:r>
+            <a:r>
+              <a:rPr lang="ko-KR" altLang="en-US" sz="1200" kern="1200" dirty="0" smtClean="0">
+                <a:solidFill>
+                  <a:schemeClr val="tx1"/>
+                </a:solidFill>
+                <a:latin typeface="Arial" charset="0"/>
+                <a:ea typeface="+mn-ea"/>
+                <a:cs typeface="+mn-cs"/>
+              </a:rPr>
+              <a:t>로 입력한 클릭</a:t>
+            </a:r>
+            <a:r>
+              <a:rPr lang="en-US" altLang="ko-KR" sz="1200" kern="1200" dirty="0" smtClean="0">
+                <a:solidFill>
+                  <a:schemeClr val="tx1"/>
+                </a:solidFill>
+                <a:latin typeface="Arial" charset="0"/>
+                <a:ea typeface="+mn-ea"/>
+                <a:cs typeface="+mn-cs"/>
+              </a:rPr>
+              <a:t>, </a:t>
+            </a:r>
+            <a:r>
+              <a:rPr lang="ko-KR" altLang="en-US" sz="1200" kern="1200" dirty="0" smtClean="0">
+                <a:solidFill>
+                  <a:schemeClr val="tx1"/>
+                </a:solidFill>
+                <a:latin typeface="Arial" charset="0"/>
+                <a:ea typeface="+mn-ea"/>
+                <a:cs typeface="+mn-cs"/>
+              </a:rPr>
+              <a:t>더블 클릭</a:t>
+            </a:r>
+            <a:r>
+              <a:rPr lang="en-US" altLang="ko-KR" sz="1200" kern="1200" dirty="0" smtClean="0">
+                <a:solidFill>
+                  <a:schemeClr val="tx1"/>
+                </a:solidFill>
+                <a:latin typeface="Arial" charset="0"/>
+                <a:ea typeface="+mn-ea"/>
+                <a:cs typeface="+mn-cs"/>
+              </a:rPr>
+              <a:t>, </a:t>
+            </a:r>
+            <a:r>
+              <a:rPr lang="ko-KR" altLang="en-US" sz="1200" kern="1200" dirty="0" smtClean="0">
+                <a:solidFill>
+                  <a:schemeClr val="tx1"/>
+                </a:solidFill>
+                <a:latin typeface="Arial" charset="0"/>
+                <a:ea typeface="+mn-ea"/>
+                <a:cs typeface="+mn-cs"/>
+              </a:rPr>
+              <a:t>이동 등의 정보를 전송하여 </a:t>
+            </a:r>
+            <a:r>
+              <a:rPr lang="en-US" altLang="ko-KR" sz="1200" kern="1200" dirty="0" smtClean="0">
+                <a:solidFill>
+                  <a:schemeClr val="tx1"/>
+                </a:solidFill>
+                <a:latin typeface="Arial" charset="0"/>
+                <a:ea typeface="+mn-ea"/>
+                <a:cs typeface="+mn-cs"/>
+              </a:rPr>
+              <a:t>PC</a:t>
+            </a:r>
+            <a:r>
+              <a:rPr lang="ko-KR" altLang="en-US" sz="1200" kern="1200" dirty="0" smtClean="0">
+                <a:solidFill>
+                  <a:schemeClr val="tx1"/>
+                </a:solidFill>
+                <a:latin typeface="Arial" charset="0"/>
+                <a:ea typeface="+mn-ea"/>
+                <a:cs typeface="+mn-cs"/>
+              </a:rPr>
+              <a:t>에서 터치패드로 사용 할 수 있습니다</a:t>
+            </a:r>
+            <a:r>
+              <a:rPr lang="en-US" altLang="ko-KR" sz="1200" kern="1200" dirty="0" smtClean="0">
+                <a:solidFill>
+                  <a:schemeClr val="tx1"/>
+                </a:solidFill>
+                <a:latin typeface="Arial" charset="0"/>
+                <a:ea typeface="+mn-ea"/>
+                <a:cs typeface="+mn-cs"/>
+              </a:rPr>
               <a:t>.</a:t>
-            </a:r>
-            <a:r>
-              <a:rPr lang="ko-KR" altLang="en-US" baseline="0" dirty="0" smtClean="0"/>
-              <a:t> </a:t>
-            </a:r>
-            <a:r>
-              <a:rPr lang="ko-KR" altLang="en-US" dirty="0" smtClean="0"/>
-              <a:t>어플리케이션의 </a:t>
-            </a:r>
-            <a:r>
-              <a:rPr lang="en-US" altLang="ko-KR" dirty="0" smtClean="0"/>
-              <a:t>Left, Right</a:t>
-            </a:r>
-            <a:r>
-              <a:rPr lang="en-US" altLang="ko-KR" baseline="0" dirty="0" smtClean="0"/>
-              <a:t> </a:t>
-            </a:r>
-            <a:r>
-              <a:rPr lang="ko-KR" altLang="en-US" dirty="0" smtClean="0"/>
-              <a:t>버튼이 </a:t>
-            </a:r>
-            <a:r>
-              <a:rPr lang="en-US" altLang="ko-KR" dirty="0" smtClean="0"/>
-              <a:t>PC</a:t>
-            </a:r>
-            <a:r>
-              <a:rPr lang="ko-KR" altLang="en-US" dirty="0" smtClean="0"/>
-              <a:t>의 마우스 버튼</a:t>
-            </a:r>
-            <a:r>
-              <a:rPr lang="ko-KR" altLang="en-US" baseline="0" dirty="0" smtClean="0"/>
-              <a:t> 기능을 하고</a:t>
-            </a:r>
-            <a:r>
-              <a:rPr lang="en-US" altLang="ko-KR" baseline="0" dirty="0" smtClean="0"/>
-              <a:t>, </a:t>
-            </a:r>
-            <a:r>
-              <a:rPr lang="ko-KR" altLang="en-US" baseline="0" dirty="0" smtClean="0"/>
-              <a:t>버튼 위 부분에서 드래그를 하면 </a:t>
-            </a:r>
-            <a:r>
-              <a:rPr lang="en-US" altLang="ko-KR" baseline="0" dirty="0" smtClean="0"/>
-              <a:t>PC</a:t>
-            </a:r>
-            <a:r>
-              <a:rPr lang="ko-KR" altLang="en-US" baseline="0" dirty="0" smtClean="0"/>
-              <a:t>의 마우스 커서가 움직입니다</a:t>
-            </a:r>
-            <a:r>
-              <a:rPr lang="en-US" altLang="ko-KR" baseline="0" dirty="0" smtClean="0"/>
-              <a:t>. </a:t>
             </a:r>
             <a:endParaRPr lang="ko-KR" altLang="en-US" dirty="0"/>
           </a:p>
@@ -3150,281 +3022,6 @@
               <a:tabLst/>
               <a:defRPr/>
             </a:pPr>
-            <a:r>
-              <a:rPr lang="en-US" altLang="ko-KR" sz="1200" kern="1200" dirty="0" err="1" smtClean="0">
-                <a:solidFill>
-                  <a:schemeClr val="tx1"/>
-                </a:solidFill>
-                <a:latin typeface="Arial" charset="0"/>
-                <a:ea typeface="+mn-ea"/>
-                <a:cs typeface="+mn-cs"/>
-              </a:rPr>
-              <a:t>LTouchPad</a:t>
-            </a:r>
-            <a:r>
-              <a:rPr lang="en-US" altLang="ko-KR" sz="1200" kern="1200" dirty="0" smtClean="0">
-                <a:solidFill>
-                  <a:schemeClr val="tx1"/>
-                </a:solidFill>
-                <a:latin typeface="Arial" charset="0"/>
-                <a:ea typeface="+mn-ea"/>
-                <a:cs typeface="+mn-cs"/>
-              </a:rPr>
-              <a:t> </a:t>
-            </a:r>
-            <a:r>
-              <a:rPr lang="ko-KR" altLang="en-US" sz="1200" kern="1200" dirty="0" smtClean="0">
-                <a:solidFill>
-                  <a:schemeClr val="tx1"/>
-                </a:solidFill>
-                <a:latin typeface="Arial" charset="0"/>
-                <a:ea typeface="+mn-ea"/>
-                <a:cs typeface="+mn-cs"/>
-              </a:rPr>
-              <a:t>어플리케이션의 구조입니다</a:t>
-            </a:r>
-            <a:r>
-              <a:rPr lang="en-US" altLang="ko-KR" sz="1200" kern="1200" dirty="0" smtClean="0">
-                <a:solidFill>
-                  <a:schemeClr val="tx1"/>
-                </a:solidFill>
-                <a:latin typeface="Arial" charset="0"/>
-                <a:ea typeface="+mn-ea"/>
-                <a:cs typeface="+mn-cs"/>
-              </a:rPr>
-              <a:t>. </a:t>
-            </a:r>
-            <a:r>
-              <a:rPr lang="ko-KR" altLang="en-US" sz="1200" kern="1200" dirty="0" err="1" smtClean="0">
-                <a:solidFill>
-                  <a:schemeClr val="tx1"/>
-                </a:solidFill>
-                <a:latin typeface="Arial" charset="0"/>
-                <a:ea typeface="+mn-ea"/>
-                <a:cs typeface="+mn-cs"/>
-              </a:rPr>
-              <a:t>스마트폰에서</a:t>
-            </a:r>
-            <a:r>
-              <a:rPr lang="ko-KR" altLang="en-US" sz="1200" kern="1200" dirty="0" smtClean="0">
-                <a:solidFill>
-                  <a:schemeClr val="tx1"/>
-                </a:solidFill>
-                <a:latin typeface="Arial" charset="0"/>
-                <a:ea typeface="+mn-ea"/>
-                <a:cs typeface="+mn-cs"/>
-              </a:rPr>
-              <a:t> </a:t>
-            </a:r>
-            <a:r>
-              <a:rPr lang="en-US" altLang="ko-KR" sz="1200" kern="1200" dirty="0" err="1" smtClean="0">
-                <a:solidFill>
-                  <a:schemeClr val="tx1"/>
-                </a:solidFill>
-                <a:latin typeface="Arial" charset="0"/>
-                <a:ea typeface="+mn-ea"/>
-                <a:cs typeface="+mn-cs"/>
-              </a:rPr>
-              <a:t>LTouchPad</a:t>
-            </a:r>
-            <a:r>
-              <a:rPr lang="ko-KR" altLang="en-US" sz="1200" kern="1200" dirty="0" smtClean="0">
-                <a:solidFill>
-                  <a:schemeClr val="tx1"/>
-                </a:solidFill>
-                <a:latin typeface="Arial" charset="0"/>
-                <a:ea typeface="+mn-ea"/>
-                <a:cs typeface="+mn-cs"/>
-              </a:rPr>
-              <a:t>를 실행하면 </a:t>
-            </a:r>
-            <a:r>
-              <a:rPr lang="en-US" altLang="ko-KR" sz="1200" kern="1200" dirty="0" smtClean="0">
-                <a:solidFill>
-                  <a:schemeClr val="tx1"/>
-                </a:solidFill>
-                <a:latin typeface="Arial" charset="0"/>
-                <a:ea typeface="+mn-ea"/>
-                <a:cs typeface="+mn-cs"/>
-              </a:rPr>
-              <a:t>USB/IP</a:t>
-            </a:r>
-            <a:r>
-              <a:rPr lang="ko-KR" altLang="en-US" sz="1200" kern="1200" dirty="0" smtClean="0">
-                <a:solidFill>
-                  <a:schemeClr val="tx1"/>
-                </a:solidFill>
-                <a:latin typeface="Arial" charset="0"/>
-                <a:ea typeface="+mn-ea"/>
-                <a:cs typeface="+mn-cs"/>
-              </a:rPr>
-              <a:t>를 통해 </a:t>
-            </a:r>
-            <a:r>
-              <a:rPr lang="en-US" altLang="ko-KR" sz="1200" kern="1200" dirty="0" smtClean="0">
-                <a:solidFill>
-                  <a:schemeClr val="tx1"/>
-                </a:solidFill>
-                <a:latin typeface="Arial" charset="0"/>
-                <a:ea typeface="+mn-ea"/>
-                <a:cs typeface="+mn-cs"/>
-              </a:rPr>
-              <a:t>PC</a:t>
-            </a:r>
-            <a:r>
-              <a:rPr lang="ko-KR" altLang="en-US" sz="1200" kern="1200" dirty="0" smtClean="0">
-                <a:solidFill>
-                  <a:schemeClr val="tx1"/>
-                </a:solidFill>
-                <a:latin typeface="Arial" charset="0"/>
-                <a:ea typeface="+mn-ea"/>
-                <a:cs typeface="+mn-cs"/>
-              </a:rPr>
-              <a:t>에게 자신의 장치 정보를 보냅니다</a:t>
-            </a:r>
-            <a:r>
-              <a:rPr lang="en-US" altLang="ko-KR" sz="1200" kern="1200" dirty="0" smtClean="0">
-                <a:solidFill>
-                  <a:schemeClr val="tx1"/>
-                </a:solidFill>
-                <a:latin typeface="Arial" charset="0"/>
-                <a:ea typeface="+mn-ea"/>
-                <a:cs typeface="+mn-cs"/>
-              </a:rPr>
-              <a:t>. PC</a:t>
-            </a:r>
-            <a:r>
-              <a:rPr lang="ko-KR" altLang="en-US" sz="1200" kern="1200" dirty="0" smtClean="0">
-                <a:solidFill>
-                  <a:schemeClr val="tx1"/>
-                </a:solidFill>
-                <a:latin typeface="Arial" charset="0"/>
-                <a:ea typeface="+mn-ea"/>
-                <a:cs typeface="+mn-cs"/>
-              </a:rPr>
-              <a:t>에선 마우스 장치가 연결된 것처럼 보이고</a:t>
-            </a:r>
-            <a:r>
-              <a:rPr lang="en-US" altLang="ko-KR" sz="1200" kern="1200" dirty="0" smtClean="0">
-                <a:solidFill>
-                  <a:schemeClr val="tx1"/>
-                </a:solidFill>
-                <a:latin typeface="Arial" charset="0"/>
-                <a:ea typeface="+mn-ea"/>
-                <a:cs typeface="+mn-cs"/>
-              </a:rPr>
-              <a:t>, </a:t>
-            </a:r>
-            <a:r>
-              <a:rPr lang="ko-KR" altLang="en-US" sz="1200" kern="1200" dirty="0" smtClean="0">
-                <a:solidFill>
-                  <a:schemeClr val="tx1"/>
-                </a:solidFill>
-                <a:latin typeface="Arial" charset="0"/>
-                <a:ea typeface="+mn-ea"/>
-                <a:cs typeface="+mn-cs"/>
-              </a:rPr>
-              <a:t>연결된 후 </a:t>
-            </a:r>
-            <a:r>
-              <a:rPr lang="en-US" altLang="ko-KR" sz="1200" kern="1200" dirty="0" err="1" smtClean="0">
-                <a:solidFill>
-                  <a:schemeClr val="tx1"/>
-                </a:solidFill>
-                <a:latin typeface="Arial" charset="0"/>
-                <a:ea typeface="+mn-ea"/>
-                <a:cs typeface="+mn-cs"/>
-              </a:rPr>
-              <a:t>LTouchPad</a:t>
-            </a:r>
-            <a:r>
-              <a:rPr lang="ko-KR" altLang="en-US" sz="1200" kern="1200" dirty="0" smtClean="0">
-                <a:solidFill>
-                  <a:schemeClr val="tx1"/>
-                </a:solidFill>
-                <a:latin typeface="Arial" charset="0"/>
-                <a:ea typeface="+mn-ea"/>
-                <a:cs typeface="+mn-cs"/>
-              </a:rPr>
-              <a:t>로 입력한 클릭</a:t>
-            </a:r>
-            <a:r>
-              <a:rPr lang="en-US" altLang="ko-KR" sz="1200" kern="1200" dirty="0" smtClean="0">
-                <a:solidFill>
-                  <a:schemeClr val="tx1"/>
-                </a:solidFill>
-                <a:latin typeface="Arial" charset="0"/>
-                <a:ea typeface="+mn-ea"/>
-                <a:cs typeface="+mn-cs"/>
-              </a:rPr>
-              <a:t>, </a:t>
-            </a:r>
-            <a:r>
-              <a:rPr lang="ko-KR" altLang="en-US" sz="1200" kern="1200" dirty="0" smtClean="0">
-                <a:solidFill>
-                  <a:schemeClr val="tx1"/>
-                </a:solidFill>
-                <a:latin typeface="Arial" charset="0"/>
-                <a:ea typeface="+mn-ea"/>
-                <a:cs typeface="+mn-cs"/>
-              </a:rPr>
-              <a:t>더블 클릭</a:t>
-            </a:r>
-            <a:r>
-              <a:rPr lang="en-US" altLang="ko-KR" sz="1200" kern="1200" dirty="0" smtClean="0">
-                <a:solidFill>
-                  <a:schemeClr val="tx1"/>
-                </a:solidFill>
-                <a:latin typeface="Arial" charset="0"/>
-                <a:ea typeface="+mn-ea"/>
-                <a:cs typeface="+mn-cs"/>
-              </a:rPr>
-              <a:t>, </a:t>
-            </a:r>
-            <a:r>
-              <a:rPr lang="ko-KR" altLang="en-US" sz="1200" kern="1200" dirty="0" smtClean="0">
-                <a:solidFill>
-                  <a:schemeClr val="tx1"/>
-                </a:solidFill>
-                <a:latin typeface="Arial" charset="0"/>
-                <a:ea typeface="+mn-ea"/>
-                <a:cs typeface="+mn-cs"/>
-              </a:rPr>
-              <a:t>이동 등의 정보를 전송하여 </a:t>
-            </a:r>
-            <a:r>
-              <a:rPr lang="en-US" altLang="ko-KR" sz="1200" kern="1200" dirty="0" smtClean="0">
-                <a:solidFill>
-                  <a:schemeClr val="tx1"/>
-                </a:solidFill>
-                <a:latin typeface="Arial" charset="0"/>
-                <a:ea typeface="+mn-ea"/>
-                <a:cs typeface="+mn-cs"/>
-              </a:rPr>
-              <a:t>PC</a:t>
-            </a:r>
-            <a:r>
-              <a:rPr lang="ko-KR" altLang="en-US" sz="1200" kern="1200" dirty="0" smtClean="0">
-                <a:solidFill>
-                  <a:schemeClr val="tx1"/>
-                </a:solidFill>
-                <a:latin typeface="Arial" charset="0"/>
-                <a:ea typeface="+mn-ea"/>
-                <a:cs typeface="+mn-cs"/>
-              </a:rPr>
-              <a:t>에서 터치패드로 사용 할 수 있습니다</a:t>
-            </a:r>
-            <a:r>
-              <a:rPr lang="en-US" altLang="ko-KR" sz="1200" kern="1200" dirty="0" smtClean="0">
-                <a:solidFill>
-                  <a:schemeClr val="tx1"/>
-                </a:solidFill>
-                <a:latin typeface="Arial" charset="0"/>
-                <a:ea typeface="+mn-ea"/>
-                <a:cs typeface="+mn-cs"/>
-              </a:rPr>
-              <a:t>.</a:t>
-            </a:r>
             <a:endParaRPr lang="ko-KR" altLang="en-US" dirty="0"/>
           </a:p>
         </p:txBody>
@@ -3523,7 +3120,7 @@
               <a:defRPr/>
             </a:pPr>
             <a:r>
-              <a:rPr lang="ko-KR" altLang="ko-KR" sz="1200" kern="1200" dirty="0" smtClean="0">
+              <a:rPr lang="ko-KR" altLang="en-US" sz="1200" kern="1200" dirty="0" smtClean="0">
                 <a:solidFill>
                   <a:schemeClr val="tx1"/>
                 </a:solidFill>
@@ -3534,26 +3131,26 @@
               <a:t>차트에서 볼 수 있듯이 </a:t>
             </a:r>
             <a:r>
-              <a:rPr lang="ko-KR" altLang="ko-KR" sz="1200" kern="1200" dirty="0" err="1" smtClean="0">
-                <a:solidFill>
-                  <a:schemeClr val="tx1"/>
-                </a:solidFill>
-                <a:latin typeface="Arial" charset="0"/>
-                <a:ea typeface="+mn-ea"/>
-                <a:cs typeface="+mn-cs"/>
-              </a:rPr>
-              <a:t>스마트폰</a:t>
-            </a:r>
-            <a:r>
-              <a:rPr lang="ko-KR" altLang="ko-KR" sz="1200" kern="1200" dirty="0" smtClean="0">
-                <a:solidFill>
-                  <a:schemeClr val="tx1"/>
-                </a:solidFill>
-                <a:latin typeface="Arial" charset="0"/>
-                <a:ea typeface="+mn-ea"/>
-                <a:cs typeface="+mn-cs"/>
-              </a:rPr>
-              <a:t> 사용자 수가 매년 증가하고 있습니다</a:t>
+              <a:rPr lang="ko-KR" altLang="en-US" sz="1200" kern="1200" dirty="0" err="1" smtClean="0">
+                <a:solidFill>
+                  <a:schemeClr val="tx1"/>
+                </a:solidFill>
+                <a:latin typeface="Arial" charset="0"/>
+                <a:ea typeface="+mn-ea"/>
+                <a:cs typeface="+mn-cs"/>
+              </a:rPr>
+              <a:t>안드로이드</a:t>
+            </a:r>
+            <a:r>
+              <a:rPr lang="ko-KR" altLang="en-US" sz="1200" kern="1200" dirty="0" smtClean="0">
+                <a:solidFill>
+                  <a:schemeClr val="tx1"/>
+                </a:solidFill>
+                <a:latin typeface="Arial" charset="0"/>
+                <a:ea typeface="+mn-ea"/>
+                <a:cs typeface="+mn-cs"/>
+              </a:rPr>
+              <a:t> 어플리케이션의 수가 빠른 속도로 증가해 현재 마켓에 </a:t>
             </a:r>
             <a:r>
               <a:rPr lang="en-US" altLang="ko-KR" sz="1200" kern="1200" dirty="0" smtClean="0">
@@ -3564,6 +3161,28 @@
                 <a:ea typeface="+mn-ea"/>
                 <a:cs typeface="+mn-cs"/>
               </a:rPr>
+              <a:t>45</a:t>
+            </a:r>
+            <a:r>
+              <a:rPr lang="ko-KR" altLang="en-US" sz="1200" kern="1200" dirty="0" smtClean="0">
+                <a:solidFill>
+                  <a:schemeClr val="tx1"/>
+                </a:solidFill>
+                <a:latin typeface="Arial" charset="0"/>
+                <a:ea typeface="+mn-ea"/>
+                <a:cs typeface="+mn-cs"/>
+              </a:rPr>
+              <a:t>만개가 등록돼있습니다</a:t>
+            </a:r>
+            <a:r>
+              <a:rPr lang="en-US" altLang="ko-KR" sz="1200" kern="1200" dirty="0" smtClean="0">
+                <a:solidFill>
+                  <a:schemeClr val="tx1"/>
+                </a:solidFill>
+                <a:latin typeface="Arial" charset="0"/>
+                <a:ea typeface="+mn-ea"/>
+                <a:cs typeface="+mn-cs"/>
+              </a:rPr>
               <a:t>. </a:t>
             </a:r>
             <a:r>
@@ -3575,7 +3194,18 @@
                 <a:ea typeface="+mn-ea"/>
                 <a:cs typeface="+mn-cs"/>
               </a:rPr>
-              <a:t>제조사들도 </a:t>
+              <a:t>하지만</a:t>
+            </a:r>
+            <a:r>
+              <a:rPr lang="en-US" altLang="ko-KR" sz="1200" kern="1200" dirty="0" smtClean="0">
+                <a:solidFill>
+                  <a:schemeClr val="tx1"/>
+                </a:solidFill>
+                <a:latin typeface="Arial" charset="0"/>
+                <a:ea typeface="+mn-ea"/>
+                <a:cs typeface="+mn-cs"/>
+              </a:rPr>
+              <a:t> </a:t>
             </a:r>
             <a:r>
               <a:rPr lang="ko-KR" altLang="en-US" sz="1200" kern="1200" dirty="0" err="1" smtClean="0">
@@ -3586,7 +3216,7 @@
                 <a:ea typeface="+mn-ea"/>
                 <a:cs typeface="+mn-cs"/>
               </a:rPr>
-              <a:t>피쳐폰</a:t>
+              <a:t>스마트폰보다</a:t>
             </a:r>
             <a:r>
               <a:rPr lang="ko-KR" altLang="en-US" sz="1200" kern="1200" dirty="0" smtClean="0">
@@ -3597,7 +3227,7 @@
                 <a:ea typeface="+mn-ea"/>
                 <a:cs typeface="+mn-cs"/>
               </a:rPr>
-              <a:t> 생산을 줄이고</a:t>
+              <a:t> 성능이 좋은 </a:t>
             </a:r>
             <a:r>
               <a:rPr lang="en-US" altLang="ko-KR" sz="1200" kern="1200" dirty="0" smtClean="0">
@@ -3608,216 +3238,18 @@
                 <a:ea typeface="+mn-ea"/>
                 <a:cs typeface="+mn-cs"/>
               </a:rPr>
-              <a:t>, </a:t>
-            </a:r>
-            <a:r>
-              <a:rPr lang="ko-KR" altLang="en-US" sz="1200" kern="1200" dirty="0" err="1" smtClean="0">
-                <a:solidFill>
-                  <a:schemeClr val="tx1"/>
-                </a:solidFill>
-                <a:latin typeface="Arial" charset="0"/>
-                <a:ea typeface="+mn-ea"/>
-                <a:cs typeface="+mn-cs"/>
-              </a:rPr>
-              <a:t>스마트폰</a:t>
-            </a:r>
-            <a:r>
-              <a:rPr lang="ko-KR" altLang="en-US" sz="1200" kern="1200" dirty="0" smtClean="0">
-                <a:solidFill>
-                  <a:schemeClr val="tx1"/>
-                </a:solidFill>
-                <a:latin typeface="Arial" charset="0"/>
-                <a:ea typeface="+mn-ea"/>
-                <a:cs typeface="+mn-cs"/>
-              </a:rPr>
-              <a:t> 위주로 생산하는 추세라 앞으로 </a:t>
-            </a:r>
-            <a:r>
-              <a:rPr lang="ko-KR" altLang="en-US" sz="1200" kern="1200" dirty="0" err="1" smtClean="0">
-                <a:solidFill>
-                  <a:schemeClr val="tx1"/>
-                </a:solidFill>
-                <a:latin typeface="Arial" charset="0"/>
-                <a:ea typeface="+mn-ea"/>
-                <a:cs typeface="+mn-cs"/>
-              </a:rPr>
-              <a:t>스마트폰</a:t>
-            </a:r>
-            <a:r>
-              <a:rPr lang="ko-KR" altLang="en-US" sz="1200" kern="1200" dirty="0" smtClean="0">
-                <a:solidFill>
-                  <a:schemeClr val="tx1"/>
-                </a:solidFill>
-                <a:latin typeface="Arial" charset="0"/>
-                <a:ea typeface="+mn-ea"/>
-                <a:cs typeface="+mn-cs"/>
-              </a:rPr>
-              <a:t> 사용자가 더 증가 할 것입니다</a:t>
-            </a:r>
-            <a:r>
-              <a:rPr lang="en-US" altLang="ko-KR" sz="1200" kern="1200" dirty="0" smtClean="0">
-                <a:solidFill>
-                  <a:schemeClr val="tx1"/>
-                </a:solidFill>
-                <a:latin typeface="Arial" charset="0"/>
-                <a:ea typeface="+mn-ea"/>
-                <a:cs typeface="+mn-cs"/>
-              </a:rPr>
-              <a:t>. </a:t>
-            </a:r>
-            <a:r>
-              <a:rPr lang="ko-KR" altLang="ko-KR" sz="1200" kern="1200" dirty="0" err="1" smtClean="0">
-                <a:solidFill>
-                  <a:schemeClr val="tx1"/>
-                </a:solidFill>
-                <a:latin typeface="Arial" charset="0"/>
-                <a:ea typeface="+mn-ea"/>
-                <a:cs typeface="+mn-cs"/>
-              </a:rPr>
-              <a:t>스마트폰</a:t>
-            </a:r>
-            <a:r>
-              <a:rPr lang="ko-KR" altLang="en-US" sz="1200" kern="1200" dirty="0" err="1" smtClean="0">
-                <a:solidFill>
-                  <a:schemeClr val="tx1"/>
-                </a:solidFill>
-                <a:latin typeface="Arial" charset="0"/>
-                <a:ea typeface="+mn-ea"/>
-                <a:cs typeface="+mn-cs"/>
-              </a:rPr>
-              <a:t>의</a:t>
-            </a:r>
-            <a:r>
-              <a:rPr lang="ko-KR" altLang="en-US" sz="1200" kern="1200" dirty="0" smtClean="0">
-                <a:solidFill>
-                  <a:schemeClr val="tx1"/>
-                </a:solidFill>
-                <a:latin typeface="Arial" charset="0"/>
-                <a:ea typeface="+mn-ea"/>
-                <a:cs typeface="+mn-cs"/>
-              </a:rPr>
-              <a:t> 기능은 많지만</a:t>
-            </a:r>
-            <a:r>
-              <a:rPr lang="en-US" altLang="ko-KR" sz="1200" kern="1200" dirty="0" smtClean="0">
-                <a:solidFill>
-                  <a:schemeClr val="tx1"/>
-                </a:solidFill>
-                <a:latin typeface="Arial" charset="0"/>
-                <a:ea typeface="+mn-ea"/>
-                <a:cs typeface="+mn-cs"/>
-              </a:rPr>
-              <a:t>, </a:t>
-            </a:r>
-            <a:r>
-              <a:rPr lang="ko-KR" altLang="ko-KR" sz="1200" kern="1200" dirty="0" smtClean="0">
-                <a:solidFill>
-                  <a:schemeClr val="tx1"/>
-                </a:solidFill>
-                <a:latin typeface="Arial" charset="0"/>
-                <a:ea typeface="+mn-ea"/>
-                <a:cs typeface="+mn-cs"/>
-              </a:rPr>
-              <a:t>현재 </a:t>
-            </a:r>
-            <a:r>
-              <a:rPr lang="en-US" altLang="ko-KR" sz="1200" kern="1200" dirty="0" smtClean="0">
-                <a:solidFill>
-                  <a:schemeClr val="tx1"/>
-                </a:solidFill>
-                <a:latin typeface="Arial" charset="0"/>
-                <a:ea typeface="+mn-ea"/>
-                <a:cs typeface="+mn-cs"/>
-              </a:rPr>
               <a:t>PC</a:t>
             </a:r>
             <a:r>
-              <a:rPr lang="ko-KR" altLang="ko-KR" sz="1200" kern="1200" dirty="0" smtClean="0">
-                <a:solidFill>
-                  <a:schemeClr val="tx1"/>
-                </a:solidFill>
-                <a:latin typeface="Arial" charset="0"/>
-                <a:ea typeface="+mn-ea"/>
-                <a:cs typeface="+mn-cs"/>
-              </a:rPr>
-              <a:t>와 연결해 사용하는 기능은 자료</a:t>
-            </a:r>
-            <a:r>
-              <a:rPr lang="ko-KR" altLang="en-US" sz="1200" kern="1200" dirty="0" smtClean="0">
-                <a:solidFill>
-                  <a:schemeClr val="tx1"/>
-                </a:solidFill>
-                <a:latin typeface="Arial" charset="0"/>
-                <a:ea typeface="+mn-ea"/>
-                <a:cs typeface="+mn-cs"/>
-              </a:rPr>
-              <a:t>를</a:t>
-            </a:r>
-            <a:r>
-              <a:rPr lang="ko-KR" altLang="ko-KR" sz="1200" kern="1200" dirty="0" smtClean="0">
-                <a:solidFill>
-                  <a:schemeClr val="tx1"/>
-                </a:solidFill>
-                <a:latin typeface="Arial" charset="0"/>
-                <a:ea typeface="+mn-ea"/>
-                <a:cs typeface="+mn-cs"/>
-              </a:rPr>
-              <a:t> 옮길 때 </a:t>
-            </a:r>
-            <a:r>
-              <a:rPr lang="en-US" altLang="ko-KR" sz="1200" kern="1200" dirty="0" smtClean="0">
-                <a:solidFill>
-                  <a:schemeClr val="tx1"/>
-                </a:solidFill>
-                <a:latin typeface="Arial" charset="0"/>
-                <a:ea typeface="+mn-ea"/>
-                <a:cs typeface="+mn-cs"/>
-              </a:rPr>
-              <a:t>USB</a:t>
-            </a:r>
-            <a:r>
-              <a:rPr lang="ko-KR" altLang="ko-KR" sz="1200" kern="1200" dirty="0" smtClean="0">
-                <a:solidFill>
-                  <a:schemeClr val="tx1"/>
-                </a:solidFill>
-                <a:latin typeface="Arial" charset="0"/>
-                <a:ea typeface="+mn-ea"/>
-                <a:cs typeface="+mn-cs"/>
-              </a:rPr>
-              <a:t>메모리 대용으로 쓰는 정도밖에 안됩니다</a:t>
-            </a:r>
-            <a:r>
-              <a:rPr lang="en-US" altLang="ko-KR" sz="1200" kern="1200" dirty="0" smtClean="0">
-                <a:solidFill>
-                  <a:schemeClr val="tx1"/>
-                </a:solidFill>
-                <a:latin typeface="Arial" charset="0"/>
-                <a:ea typeface="+mn-ea"/>
-                <a:cs typeface="+mn-cs"/>
-              </a:rPr>
-              <a:t>. (</a:t>
-            </a:r>
-            <a:r>
-              <a:rPr lang="ko-KR" altLang="en-US" sz="1200" kern="1200" dirty="0" smtClean="0">
-                <a:solidFill>
-                  <a:schemeClr val="tx1"/>
-                </a:solidFill>
-                <a:latin typeface="Arial" charset="0"/>
-                <a:ea typeface="+mn-ea"/>
-                <a:cs typeface="+mn-cs"/>
-              </a:rPr>
-              <a:t>빠르게</a:t>
-            </a:r>
-            <a:r>
-              <a:rPr lang="en-US" altLang="ko-KR" sz="1200" kern="1200" dirty="0" smtClean="0">
-                <a:solidFill>
-                  <a:schemeClr val="tx1"/>
-                </a:solidFill>
-                <a:latin typeface="Arial" charset="0"/>
-                <a:ea typeface="+mn-ea"/>
-                <a:cs typeface="+mn-cs"/>
-              </a:rPr>
-              <a:t>)</a:t>
+              <a:rPr lang="ko-KR" altLang="en-US" sz="1200" kern="1200" smtClean="0">
+                <a:solidFill>
+                  <a:schemeClr val="tx1"/>
+                </a:solidFill>
+                <a:latin typeface="Arial" charset="0"/>
+                <a:ea typeface="+mn-ea"/>
+                <a:cs typeface="+mn-cs"/>
+              </a:rPr>
+              <a:t>에서는 ㅈ</a:t>
             </a:r>
             <a:endParaRPr lang="ko-KR" altLang="ko-KR" sz="1200" kern="1200" dirty="0">
               <a:solidFill>
@@ -4274,7 +3706,7 @@
                 <a:ea typeface="+mn-ea"/>
                 <a:cs typeface="+mn-cs"/>
               </a:rPr>
-              <a:t>낮은 전력 소비 등의 장점이 있습니다</a:t>
+              <a:t>낮은 전력 소비 등의 장점이 있기 때문에 </a:t>
             </a:r>
             <a:r>
               <a:rPr lang="en-US" altLang="ko-KR" sz="1200" kern="1200" dirty="0" smtClean="0">
@@ -4285,8 +3717,40 @@
                 <a:ea typeface="+mn-ea"/>
                 <a:cs typeface="+mn-cs"/>
               </a:rPr>
+              <a:t>USB</a:t>
+            </a:r>
+            <a:r>
+              <a:rPr lang="ko-KR" altLang="en-US" sz="1200" kern="1200" dirty="0" smtClean="0">
+                <a:solidFill>
+                  <a:schemeClr val="tx1"/>
+                </a:solidFill>
+                <a:latin typeface="Arial" charset="0"/>
+                <a:ea typeface="+mn-ea"/>
+                <a:cs typeface="+mn-cs"/>
+              </a:rPr>
+              <a:t>장치들이 많이 사용되고 있습니다</a:t>
+            </a:r>
+            <a:r>
+              <a:rPr lang="en-US" altLang="ko-KR" sz="1200" kern="1200" dirty="0" smtClean="0">
+                <a:solidFill>
+                  <a:schemeClr val="tx1"/>
+                </a:solidFill>
+                <a:latin typeface="Arial" charset="0"/>
+                <a:ea typeface="+mn-ea"/>
+                <a:cs typeface="+mn-cs"/>
+              </a:rPr>
               <a:t>.</a:t>
             </a:r>
+            <a:endParaRPr lang="ko-KR" altLang="ko-KR" sz="1200" kern="1200" dirty="0" smtClean="0">
+              <a:solidFill>
+                <a:schemeClr val="tx1"/>
+              </a:solidFill>
+              <a:latin typeface="Arial" charset="0"/>
+              <a:ea typeface="+mn-ea"/>
+              <a:cs typeface="+mn-cs"/>
+            </a:endParaRPr>
+          </a:p>
+          <a:p>
             <a:endParaRPr lang="ko-KR" altLang="en-US" dirty="0"/>
           </a:p>
         </p:txBody>
@@ -4378,9 +3842,108 @@
                 <a:ea typeface="+mn-ea"/>
                 <a:cs typeface="+mn-cs"/>
               </a:rPr>
+              <a:t>PC</a:t>
+            </a:r>
+            <a:r>
+              <a:rPr lang="ko-KR" altLang="ko-KR" sz="1200" kern="1200" dirty="0" smtClean="0">
+                <a:solidFill>
+                  <a:schemeClr val="tx1"/>
+                </a:solidFill>
+                <a:latin typeface="Arial" charset="0"/>
+                <a:ea typeface="+mn-ea"/>
+                <a:cs typeface="+mn-cs"/>
+              </a:rPr>
+              <a:t>와 스마트폰의 연결방법으로는 </a:t>
+            </a:r>
+            <a:r>
+              <a:rPr lang="en-US" altLang="ko-KR" sz="1200" kern="1200" dirty="0" smtClean="0">
+                <a:solidFill>
+                  <a:schemeClr val="tx1"/>
+                </a:solidFill>
+                <a:latin typeface="Arial" charset="0"/>
+                <a:ea typeface="+mn-ea"/>
+                <a:cs typeface="+mn-cs"/>
+              </a:rPr>
+              <a:t>USB/IP</a:t>
+            </a:r>
+            <a:r>
+              <a:rPr lang="ko-KR" altLang="ko-KR" sz="1200" kern="1200" dirty="0" smtClean="0">
+                <a:solidFill>
+                  <a:schemeClr val="tx1"/>
+                </a:solidFill>
+                <a:latin typeface="Arial" charset="0"/>
+                <a:ea typeface="+mn-ea"/>
+                <a:cs typeface="+mn-cs"/>
+              </a:rPr>
+              <a:t>기술을 채택했습니다</a:t>
+            </a:r>
+            <a:r>
+              <a:rPr lang="en-US" altLang="ko-KR" sz="1200" kern="1200" dirty="0" smtClean="0">
+                <a:solidFill>
+                  <a:schemeClr val="tx1"/>
+                </a:solidFill>
+                <a:latin typeface="Arial" charset="0"/>
+                <a:ea typeface="+mn-ea"/>
+                <a:cs typeface="+mn-cs"/>
+              </a:rPr>
+              <a:t>. USB/IP</a:t>
+            </a:r>
+            <a:r>
+              <a:rPr lang="ko-KR" altLang="en-US" sz="1200" kern="1200" dirty="0" smtClean="0">
+                <a:solidFill>
+                  <a:schemeClr val="tx1"/>
+                </a:solidFill>
+                <a:latin typeface="Arial" charset="0"/>
+                <a:ea typeface="+mn-ea"/>
+                <a:cs typeface="+mn-cs"/>
+              </a:rPr>
+              <a:t>는 오픈 소스로 개발된 기술로써 </a:t>
+            </a:r>
+            <a:r>
+              <a:rPr lang="ko-KR" altLang="ko-KR" sz="1200" kern="1200" dirty="0" smtClean="0">
+                <a:solidFill>
+                  <a:schemeClr val="tx1"/>
+                </a:solidFill>
+                <a:latin typeface="Arial" charset="0"/>
+                <a:ea typeface="+mn-ea"/>
+                <a:cs typeface="+mn-cs"/>
+              </a:rPr>
+              <a:t>내 컴퓨터에 연결된 </a:t>
+            </a:r>
+            <a:r>
+              <a:rPr lang="en-US" altLang="ko-KR" sz="1200" kern="1200" dirty="0" smtClean="0">
+                <a:solidFill>
+                  <a:schemeClr val="tx1"/>
+                </a:solidFill>
+                <a:latin typeface="Arial" charset="0"/>
+                <a:ea typeface="+mn-ea"/>
+                <a:cs typeface="+mn-cs"/>
+              </a:rPr>
               <a:t>USB</a:t>
             </a:r>
             <a:r>
+              <a:rPr lang="ko-KR" altLang="ko-KR" sz="1200" kern="1200" dirty="0" smtClean="0">
+                <a:solidFill>
+                  <a:schemeClr val="tx1"/>
+                </a:solidFill>
+                <a:latin typeface="Arial" charset="0"/>
+                <a:ea typeface="+mn-ea"/>
+                <a:cs typeface="+mn-cs"/>
+              </a:rPr>
+              <a:t>장치를 무선으로 다른 사람의 컴퓨터에서 </a:t>
+            </a:r>
+            <a:r>
+              <a:rPr lang="en-US" altLang="ko-KR" sz="1200" kern="1200" dirty="0" smtClean="0">
+                <a:solidFill>
+                  <a:schemeClr val="tx1"/>
+                </a:solidFill>
+                <a:latin typeface="Arial" charset="0"/>
+                <a:ea typeface="+mn-ea"/>
+                <a:cs typeface="+mn-cs"/>
+              </a:rPr>
+              <a:t>USB</a:t>
+            </a:r>
+            <a:r>
               <a:rPr lang="ko-KR" altLang="en-US" sz="1200" kern="1200" dirty="0" smtClean="0">
                 <a:solidFill>
                   <a:schemeClr val="tx1"/>
@@ -4389,7 +3952,18 @@
                 <a:ea typeface="+mn-ea"/>
                 <a:cs typeface="+mn-cs"/>
               </a:rPr>
-              <a:t>는 많은 사람들이 사용하는 </a:t>
+              <a:t>장치가 직접 연결된 것처럼 </a:t>
+            </a:r>
+            <a:r>
+              <a:rPr lang="ko-KR" altLang="ko-KR" sz="1200" kern="1200" dirty="0" smtClean="0">
+                <a:solidFill>
+                  <a:schemeClr val="tx1"/>
+                </a:solidFill>
+                <a:latin typeface="Arial" charset="0"/>
+                <a:ea typeface="+mn-ea"/>
+                <a:cs typeface="+mn-cs"/>
+              </a:rPr>
+              <a:t>사용할 수 있는 기술입니다</a:t>
             </a:r>
             <a:r>
               <a:rPr lang="en-US" altLang="ko-KR" sz="1200" kern="1200" dirty="0" smtClean="0">
@@ -4400,18 +3974,18 @@
                 <a:ea typeface="+mn-ea"/>
                 <a:cs typeface="+mn-cs"/>
               </a:rPr>
-              <a:t>USB</a:t>
-            </a:r>
-            <a:r>
-              <a:rPr lang="ko-KR" altLang="ko-KR" sz="1200" kern="1200" dirty="0" smtClean="0">
-                <a:solidFill>
-                  <a:schemeClr val="tx1"/>
-                </a:solidFill>
-                <a:latin typeface="Arial" charset="0"/>
-                <a:ea typeface="+mn-ea"/>
-                <a:cs typeface="+mn-cs"/>
-              </a:rPr>
-              <a:t>메모리</a:t>
+              <a:t>. (</a:t>
+            </a:r>
+            <a:r>
+              <a:rPr lang="ko-KR" altLang="en-US" sz="1200" kern="1200" dirty="0" smtClean="0">
+                <a:solidFill>
+                  <a:schemeClr val="tx1"/>
+                </a:solidFill>
+                <a:latin typeface="Arial" charset="0"/>
+                <a:ea typeface="+mn-ea"/>
+                <a:cs typeface="+mn-cs"/>
+              </a:rPr>
+              <a:t>천천히</a:t>
             </a:r>
             <a:r>
               <a:rPr lang="en-US" altLang="ko-KR" sz="1200" kern="1200" dirty="0" smtClean="0">
@@ -4422,238 +3996,7 @@
                 <a:ea typeface="+mn-ea"/>
                 <a:cs typeface="+mn-cs"/>
               </a:rPr>
-              <a:t>, </a:t>
-            </a:r>
-            <a:r>
-              <a:rPr lang="ko-KR" altLang="ko-KR" sz="1200" kern="1200" dirty="0" smtClean="0">
-                <a:solidFill>
-                  <a:schemeClr val="tx1"/>
-                </a:solidFill>
-                <a:latin typeface="Arial" charset="0"/>
-                <a:ea typeface="+mn-ea"/>
-                <a:cs typeface="+mn-cs"/>
-              </a:rPr>
-              <a:t>마우스</a:t>
-            </a:r>
-            <a:r>
-              <a:rPr lang="en-US" altLang="ko-KR" sz="1200" kern="1200" dirty="0" smtClean="0">
-                <a:solidFill>
-                  <a:schemeClr val="tx1"/>
-                </a:solidFill>
-                <a:latin typeface="Arial" charset="0"/>
-                <a:ea typeface="+mn-ea"/>
-                <a:cs typeface="+mn-cs"/>
-              </a:rPr>
-              <a:t>, </a:t>
-            </a:r>
-            <a:r>
-              <a:rPr lang="ko-KR" altLang="ko-KR" sz="1200" kern="1200" dirty="0" smtClean="0">
-                <a:solidFill>
-                  <a:schemeClr val="tx1"/>
-                </a:solidFill>
-                <a:latin typeface="Arial" charset="0"/>
-                <a:ea typeface="+mn-ea"/>
-                <a:cs typeface="+mn-cs"/>
-              </a:rPr>
-              <a:t>키보드</a:t>
-            </a:r>
-            <a:r>
-              <a:rPr lang="en-US" altLang="ko-KR" sz="1200" kern="1200" dirty="0" smtClean="0">
-                <a:solidFill>
-                  <a:schemeClr val="tx1"/>
-                </a:solidFill>
-                <a:latin typeface="Arial" charset="0"/>
-                <a:ea typeface="+mn-ea"/>
-                <a:cs typeface="+mn-cs"/>
-              </a:rPr>
-              <a:t>,</a:t>
-            </a:r>
-            <a:r>
-              <a:rPr lang="ko-KR" altLang="en-US" sz="1200" kern="1200" baseline="0" dirty="0" smtClean="0">
-                <a:solidFill>
-                  <a:schemeClr val="tx1"/>
-                </a:solidFill>
-                <a:latin typeface="Arial" charset="0"/>
-                <a:ea typeface="+mn-ea"/>
-                <a:cs typeface="+mn-cs"/>
-              </a:rPr>
-              <a:t> 프린터뿐만 아니라</a:t>
-            </a:r>
-            <a:r>
-              <a:rPr lang="ko-KR" altLang="ko-KR" sz="1200" kern="1200" dirty="0" smtClean="0">
-                <a:solidFill>
-                  <a:schemeClr val="tx1"/>
-                </a:solidFill>
-                <a:latin typeface="Arial" charset="0"/>
-                <a:ea typeface="+mn-ea"/>
-                <a:cs typeface="+mn-cs"/>
-              </a:rPr>
-              <a:t> </a:t>
-            </a:r>
-            <a:r>
-              <a:rPr lang="ko-KR" altLang="en-US" sz="1200" kern="1200" dirty="0" smtClean="0">
-                <a:solidFill>
-                  <a:schemeClr val="tx1"/>
-                </a:solidFill>
-                <a:latin typeface="Arial" charset="0"/>
-                <a:ea typeface="+mn-ea"/>
-                <a:cs typeface="+mn-cs"/>
-              </a:rPr>
-              <a:t>의료장비</a:t>
-            </a:r>
-            <a:r>
-              <a:rPr lang="en-US" altLang="ko-KR" sz="1200" kern="1200" dirty="0" smtClean="0">
-                <a:solidFill>
-                  <a:schemeClr val="tx1"/>
-                </a:solidFill>
-                <a:latin typeface="Arial" charset="0"/>
-                <a:ea typeface="+mn-ea"/>
-                <a:cs typeface="+mn-cs"/>
-              </a:rPr>
-              <a:t>, </a:t>
-            </a:r>
-            <a:r>
-              <a:rPr lang="ko-KR" altLang="en-US" sz="1200" kern="1200" dirty="0" smtClean="0">
-                <a:solidFill>
-                  <a:schemeClr val="tx1"/>
-                </a:solidFill>
-                <a:latin typeface="Arial" charset="0"/>
-                <a:ea typeface="+mn-ea"/>
-                <a:cs typeface="+mn-cs"/>
-              </a:rPr>
-              <a:t>산업장비</a:t>
-            </a:r>
-            <a:r>
-              <a:rPr lang="en-US" altLang="ko-KR" sz="1200" kern="1200" dirty="0" smtClean="0">
-                <a:solidFill>
-                  <a:schemeClr val="tx1"/>
-                </a:solidFill>
-                <a:latin typeface="Arial" charset="0"/>
-                <a:ea typeface="+mn-ea"/>
-                <a:cs typeface="+mn-cs"/>
-              </a:rPr>
-              <a:t>,</a:t>
-            </a:r>
-            <a:r>
-              <a:rPr lang="ko-KR" altLang="ko-KR" sz="1200" kern="1200" dirty="0" smtClean="0">
-                <a:solidFill>
-                  <a:schemeClr val="tx1"/>
-                </a:solidFill>
-                <a:latin typeface="Arial" charset="0"/>
-                <a:ea typeface="+mn-ea"/>
-                <a:cs typeface="+mn-cs"/>
-              </a:rPr>
-              <a:t> </a:t>
-            </a:r>
-            <a:r>
-              <a:rPr lang="ko-KR" altLang="en-US" sz="1200" kern="1200" dirty="0" smtClean="0">
-                <a:solidFill>
-                  <a:schemeClr val="tx1"/>
-                </a:solidFill>
-                <a:latin typeface="Arial" charset="0"/>
-                <a:ea typeface="+mn-ea"/>
-                <a:cs typeface="+mn-cs"/>
-              </a:rPr>
-              <a:t>아래 사진과 같은 다양한 </a:t>
-            </a:r>
-            <a:r>
-              <a:rPr lang="en-US" altLang="ko-KR" sz="1200" kern="1200" dirty="0" smtClean="0">
-                <a:solidFill>
-                  <a:schemeClr val="tx1"/>
-                </a:solidFill>
-                <a:latin typeface="Arial" charset="0"/>
-                <a:ea typeface="+mn-ea"/>
-                <a:cs typeface="+mn-cs"/>
-              </a:rPr>
-              <a:t>USB</a:t>
-            </a:r>
-            <a:r>
-              <a:rPr lang="ko-KR" altLang="en-US" sz="1200" kern="1200" dirty="0" smtClean="0">
-                <a:solidFill>
-                  <a:schemeClr val="tx1"/>
-                </a:solidFill>
-                <a:latin typeface="Arial" charset="0"/>
-                <a:ea typeface="+mn-ea"/>
-                <a:cs typeface="+mn-cs"/>
-              </a:rPr>
-              <a:t>기기들이 존재 합니다</a:t>
-            </a:r>
-            <a:r>
-              <a:rPr lang="en-US" altLang="ko-KR" sz="1200" kern="1200" dirty="0" smtClean="0">
-                <a:solidFill>
-                  <a:schemeClr val="tx1"/>
-                </a:solidFill>
-                <a:latin typeface="Arial" charset="0"/>
-                <a:ea typeface="+mn-ea"/>
-                <a:cs typeface="+mn-cs"/>
-              </a:rPr>
-              <a:t>. </a:t>
-            </a:r>
-            <a:r>
-              <a:rPr lang="ko-KR" altLang="en-US" sz="1200" kern="1200" dirty="0" smtClean="0">
-                <a:solidFill>
-                  <a:schemeClr val="tx1"/>
-                </a:solidFill>
-                <a:latin typeface="Arial" charset="0"/>
-                <a:ea typeface="+mn-ea"/>
-                <a:cs typeface="+mn-cs"/>
-              </a:rPr>
-              <a:t>이것은 앞 슬라이드에서 설명 드렸듯이 많은 </a:t>
-            </a:r>
-            <a:r>
-              <a:rPr lang="en-US" altLang="ko-KR" sz="1200" kern="1200" dirty="0" smtClean="0">
-                <a:solidFill>
-                  <a:schemeClr val="tx1"/>
-                </a:solidFill>
-                <a:latin typeface="Arial" charset="0"/>
-                <a:ea typeface="+mn-ea"/>
-                <a:cs typeface="+mn-cs"/>
-              </a:rPr>
-              <a:t>USB</a:t>
-            </a:r>
-            <a:r>
-              <a:rPr lang="ko-KR" altLang="en-US" sz="1200" kern="1200" dirty="0" smtClean="0">
-                <a:solidFill>
-                  <a:schemeClr val="tx1"/>
-                </a:solidFill>
-                <a:latin typeface="Arial" charset="0"/>
-                <a:ea typeface="+mn-ea"/>
-                <a:cs typeface="+mn-cs"/>
-              </a:rPr>
-              <a:t>의 장점이 있기 때문에 </a:t>
-            </a:r>
-            <a:r>
-              <a:rPr lang="en-US" altLang="ko-KR" sz="1200" kern="1200" dirty="0" smtClean="0">
-                <a:solidFill>
-                  <a:schemeClr val="tx1"/>
-                </a:solidFill>
-                <a:latin typeface="Arial" charset="0"/>
-                <a:ea typeface="+mn-ea"/>
-                <a:cs typeface="+mn-cs"/>
-              </a:rPr>
-              <a:t>USB</a:t>
-            </a:r>
-            <a:r>
-              <a:rPr lang="ko-KR" altLang="en-US" sz="1200" kern="1200" dirty="0" smtClean="0">
-                <a:solidFill>
-                  <a:schemeClr val="tx1"/>
-                </a:solidFill>
-                <a:latin typeface="Arial" charset="0"/>
-                <a:ea typeface="+mn-ea"/>
-                <a:cs typeface="+mn-cs"/>
-              </a:rPr>
-              <a:t>장치들이 보편적으로 사용되는 것입니다</a:t>
-            </a:r>
-            <a:r>
-              <a:rPr lang="en-US" altLang="ko-KR" sz="1200" kern="1200" dirty="0" smtClean="0">
-                <a:solidFill>
-                  <a:schemeClr val="tx1"/>
-                </a:solidFill>
-                <a:latin typeface="Arial" charset="0"/>
-                <a:ea typeface="+mn-ea"/>
-                <a:cs typeface="+mn-cs"/>
-              </a:rPr>
-              <a:t>.</a:t>
+              <a:t>)</a:t>
             </a:r>
             <a:endParaRPr lang="ko-KR" altLang="ko-KR" sz="1200" kern="1200" dirty="0">
               <a:solidFill>
@@ -4744,6 +4087,23 @@
           </a:bodyPr>
           <a:lstStyle/>
           <a:p>
+            <a:pPr marL="0" marR="0" indent="0" algn="just" defTabSz="914400" rtl="0" eaLnBrk="1" fontAlgn="base" latinLnBrk="0" hangingPunct="1">
+              <a:lnSpc>
+                <a:spcPct val="100000"/>
+              </a:lnSpc>
+              <a:spcBef>
+                <a:spcPct val="30000"/>
+              </a:spcBef>
+              <a:spcAft>
+                <a:spcPct val="0"/>
+              </a:spcAft>
+              <a:buClrTx/>
+              <a:buSzTx/>
+              <a:buFontTx/>
+              <a:buNone/>
+              <a:tabLst/>
+              <a:defRPr/>
+            </a:pPr>
             <a:r>
               <a:rPr lang="en-US" altLang="ko-KR" sz="1200" kern="1200" dirty="0" smtClean="0">
                 <a:solidFill>
@@ -4753,53 +4113,229 @@
                 <a:ea typeface="+mn-ea"/>
                 <a:cs typeface="+mn-cs"/>
               </a:rPr>
+              <a:t>USB/IP</a:t>
+            </a:r>
+            <a:r>
+              <a:rPr lang="ko-KR" altLang="en-US" sz="1200" kern="1200" dirty="0" smtClean="0">
+                <a:solidFill>
+                  <a:schemeClr val="tx1"/>
+                </a:solidFill>
+                <a:latin typeface="Arial" charset="0"/>
+                <a:ea typeface="+mn-ea"/>
+                <a:cs typeface="+mn-cs"/>
+              </a:rPr>
+              <a:t>는 서버와 클라이언트로 나뉘어져있는데 서버를 </a:t>
+            </a:r>
+            <a:r>
+              <a:rPr lang="ko-KR" altLang="en-US" sz="1200" kern="1200" dirty="0" err="1" smtClean="0">
+                <a:solidFill>
+                  <a:schemeClr val="tx1"/>
+                </a:solidFill>
+                <a:latin typeface="Arial" charset="0"/>
+                <a:ea typeface="+mn-ea"/>
+                <a:cs typeface="+mn-cs"/>
+              </a:rPr>
+              <a:t>안드로이드</a:t>
+            </a:r>
+            <a:r>
+              <a:rPr lang="ko-KR" altLang="en-US" sz="1200" kern="1200" dirty="0" smtClean="0">
+                <a:solidFill>
+                  <a:schemeClr val="tx1"/>
+                </a:solidFill>
+                <a:latin typeface="Arial" charset="0"/>
+                <a:ea typeface="+mn-ea"/>
+                <a:cs typeface="+mn-cs"/>
+              </a:rPr>
+              <a:t> </a:t>
+            </a:r>
+            <a:r>
+              <a:rPr lang="ko-KR" altLang="en-US" sz="1200" kern="1200" dirty="0" err="1" smtClean="0">
+                <a:solidFill>
+                  <a:schemeClr val="tx1"/>
+                </a:solidFill>
+                <a:latin typeface="Arial" charset="0"/>
+                <a:ea typeface="+mn-ea"/>
+                <a:cs typeface="+mn-cs"/>
+              </a:rPr>
+              <a:t>스마트폰에</a:t>
+            </a:r>
+            <a:r>
+              <a:rPr lang="ko-KR" altLang="en-US" sz="1200" kern="1200" dirty="0" smtClean="0">
+                <a:solidFill>
+                  <a:schemeClr val="tx1"/>
+                </a:solidFill>
+                <a:latin typeface="Arial" charset="0"/>
+                <a:ea typeface="+mn-ea"/>
+                <a:cs typeface="+mn-cs"/>
+              </a:rPr>
+              <a:t> 포팅하고</a:t>
+            </a:r>
+            <a:r>
+              <a:rPr lang="en-US" altLang="ko-KR" sz="1200" kern="1200" dirty="0" smtClean="0">
+                <a:solidFill>
+                  <a:schemeClr val="tx1"/>
+                </a:solidFill>
+                <a:latin typeface="Arial" charset="0"/>
+                <a:ea typeface="+mn-ea"/>
+                <a:cs typeface="+mn-cs"/>
+              </a:rPr>
+              <a:t>, </a:t>
+            </a:r>
+            <a:r>
+              <a:rPr lang="ko-KR" altLang="en-US" sz="1200" kern="1200" dirty="0" smtClean="0">
+                <a:solidFill>
+                  <a:schemeClr val="tx1"/>
+                </a:solidFill>
+                <a:latin typeface="Arial" charset="0"/>
+                <a:ea typeface="+mn-ea"/>
+                <a:cs typeface="+mn-cs"/>
+              </a:rPr>
+              <a:t>어플리케이션을 </a:t>
+            </a:r>
+            <a:r>
+              <a:rPr lang="en-US" altLang="ko-KR" sz="1200" kern="1200" dirty="0" smtClean="0">
+                <a:solidFill>
+                  <a:schemeClr val="tx1"/>
+                </a:solidFill>
+                <a:latin typeface="Arial" charset="0"/>
+                <a:ea typeface="+mn-ea"/>
+                <a:cs typeface="+mn-cs"/>
+              </a:rPr>
+              <a:t>USB</a:t>
+            </a:r>
+            <a:r>
+              <a:rPr lang="ko-KR" altLang="en-US" sz="1200" kern="1200" dirty="0" smtClean="0">
+                <a:solidFill>
+                  <a:schemeClr val="tx1"/>
+                </a:solidFill>
+                <a:latin typeface="Arial" charset="0"/>
+                <a:ea typeface="+mn-ea"/>
+                <a:cs typeface="+mn-cs"/>
+              </a:rPr>
+              <a:t>장치처럼 보이도록 할 </a:t>
+            </a:r>
+            <a:r>
+              <a:rPr lang="en-US" altLang="ko-KR" sz="1200" kern="1200" dirty="0" smtClean="0">
+                <a:solidFill>
+                  <a:schemeClr val="tx1"/>
+                </a:solidFill>
+                <a:latin typeface="Arial" charset="0"/>
+                <a:ea typeface="+mn-ea"/>
+                <a:cs typeface="+mn-cs"/>
+              </a:rPr>
+              <a:t>VHCI</a:t>
+            </a:r>
+            <a:r>
+              <a:rPr lang="ko-KR" altLang="en-US" sz="1200" kern="1200" dirty="0" smtClean="0">
+                <a:solidFill>
+                  <a:schemeClr val="tx1"/>
+                </a:solidFill>
+                <a:latin typeface="Arial" charset="0"/>
+                <a:ea typeface="+mn-ea"/>
+                <a:cs typeface="+mn-cs"/>
+              </a:rPr>
+              <a:t>드라이버를 만들면</a:t>
+            </a:r>
+            <a:r>
+              <a:rPr lang="en-US" altLang="ko-KR" sz="1200" kern="1200" dirty="0" smtClean="0">
+                <a:solidFill>
+                  <a:schemeClr val="tx1"/>
+                </a:solidFill>
+                <a:latin typeface="Arial" charset="0"/>
+                <a:ea typeface="+mn-ea"/>
+                <a:cs typeface="+mn-cs"/>
+              </a:rPr>
+              <a:t>,</a:t>
+            </a:r>
+            <a:r>
+              <a:rPr lang="ko-KR" altLang="en-US" sz="1200" kern="1200" dirty="0" smtClean="0">
+                <a:solidFill>
+                  <a:schemeClr val="tx1"/>
+                </a:solidFill>
+                <a:latin typeface="Arial" charset="0"/>
+                <a:ea typeface="+mn-ea"/>
+                <a:cs typeface="+mn-cs"/>
+              </a:rPr>
+              <a:t> 어플리케이션이 </a:t>
+            </a:r>
+            <a:r>
+              <a:rPr lang="en-US" altLang="ko-KR" sz="1200" kern="1200" dirty="0" smtClean="0">
+                <a:solidFill>
+                  <a:schemeClr val="tx1"/>
+                </a:solidFill>
+                <a:latin typeface="Arial" charset="0"/>
+                <a:ea typeface="+mn-ea"/>
+                <a:cs typeface="+mn-cs"/>
+              </a:rPr>
+              <a:t>USB</a:t>
+            </a:r>
+            <a:r>
+              <a:rPr lang="ko-KR" altLang="en-US" sz="1200" kern="1200" dirty="0" smtClean="0">
+                <a:solidFill>
+                  <a:schemeClr val="tx1"/>
+                </a:solidFill>
+                <a:latin typeface="Arial" charset="0"/>
+                <a:ea typeface="+mn-ea"/>
+                <a:cs typeface="+mn-cs"/>
+              </a:rPr>
+              <a:t>장치로 인식됩니다</a:t>
+            </a:r>
+            <a:r>
+              <a:rPr lang="en-US" altLang="ko-KR" sz="1200" kern="1200" dirty="0" smtClean="0">
+                <a:solidFill>
+                  <a:schemeClr val="tx1"/>
+                </a:solidFill>
+                <a:latin typeface="Arial" charset="0"/>
+                <a:ea typeface="+mn-ea"/>
+                <a:cs typeface="+mn-cs"/>
+              </a:rPr>
+              <a:t>. </a:t>
+            </a:r>
+            <a:r>
+              <a:rPr lang="ko-KR" altLang="en-US" sz="1200" kern="1200" dirty="0" smtClean="0">
+                <a:solidFill>
+                  <a:schemeClr val="tx1"/>
+                </a:solidFill>
+                <a:latin typeface="Arial" charset="0"/>
+                <a:ea typeface="+mn-ea"/>
+                <a:cs typeface="+mn-cs"/>
+              </a:rPr>
+              <a:t>그리고 </a:t>
+            </a:r>
+            <a:r>
+              <a:rPr lang="en-US" altLang="ko-KR" sz="1200" kern="1200" dirty="0" smtClean="0">
+                <a:solidFill>
+                  <a:schemeClr val="tx1"/>
+                </a:solidFill>
+                <a:latin typeface="Arial" charset="0"/>
+                <a:ea typeface="+mn-ea"/>
+                <a:cs typeface="+mn-cs"/>
+              </a:rPr>
+              <a:t>USB/IP</a:t>
+            </a:r>
+            <a:r>
+              <a:rPr lang="ko-KR" altLang="en-US" sz="1200" kern="1200" dirty="0" smtClean="0">
+                <a:solidFill>
+                  <a:schemeClr val="tx1"/>
+                </a:solidFill>
+                <a:latin typeface="Arial" charset="0"/>
+                <a:ea typeface="+mn-ea"/>
+                <a:cs typeface="+mn-cs"/>
+              </a:rPr>
+              <a:t>를 통해 </a:t>
+            </a:r>
+            <a:r>
+              <a:rPr lang="en-US" altLang="ko-KR" sz="1200" kern="1200" dirty="0" smtClean="0">
+                <a:solidFill>
+                  <a:schemeClr val="tx1"/>
+                </a:solidFill>
+                <a:latin typeface="Arial" charset="0"/>
+                <a:ea typeface="+mn-ea"/>
+                <a:cs typeface="+mn-cs"/>
+              </a:rPr>
               <a:t>PC</a:t>
             </a:r>
             <a:r>
-              <a:rPr lang="ko-KR" altLang="ko-KR" sz="1200" kern="1200" dirty="0" smtClean="0">
-                <a:solidFill>
-                  <a:schemeClr val="tx1"/>
-                </a:solidFill>
-                <a:latin typeface="Arial" charset="0"/>
-                <a:ea typeface="+mn-ea"/>
-                <a:cs typeface="+mn-cs"/>
-              </a:rPr>
-              <a:t>와 스마트폰의 연결방법으로는 </a:t>
-            </a:r>
-            <a:r>
-              <a:rPr lang="en-US" altLang="ko-KR" sz="1200" kern="1200" dirty="0" smtClean="0">
-                <a:solidFill>
-                  <a:schemeClr val="tx1"/>
-                </a:solidFill>
-                <a:latin typeface="Arial" charset="0"/>
-                <a:ea typeface="+mn-ea"/>
-                <a:cs typeface="+mn-cs"/>
-              </a:rPr>
-              <a:t>USB/IP</a:t>
-            </a:r>
-            <a:r>
-              <a:rPr lang="ko-KR" altLang="ko-KR" sz="1200" kern="1200" dirty="0" smtClean="0">
-                <a:solidFill>
-                  <a:schemeClr val="tx1"/>
-                </a:solidFill>
-                <a:latin typeface="Arial" charset="0"/>
-                <a:ea typeface="+mn-ea"/>
-                <a:cs typeface="+mn-cs"/>
-              </a:rPr>
-              <a:t>기술을 채택했습니다</a:t>
-            </a:r>
-            <a:r>
-              <a:rPr lang="en-US" altLang="ko-KR" sz="1200" kern="1200" dirty="0" smtClean="0">
-                <a:solidFill>
-                  <a:schemeClr val="tx1"/>
-                </a:solidFill>
-                <a:latin typeface="Arial" charset="0"/>
-                <a:ea typeface="+mn-ea"/>
-                <a:cs typeface="+mn-cs"/>
-              </a:rPr>
-              <a:t>. USB/IP</a:t>
-            </a:r>
-            <a:r>
               <a:rPr lang="ko-KR" altLang="en-US" sz="1200" kern="1200" dirty="0" smtClean="0">
                 <a:solidFill>
                   <a:schemeClr val="tx1"/>
@@ -4808,108 +4344,53 @@
                 <a:ea typeface="+mn-ea"/>
                 <a:cs typeface="+mn-cs"/>
               </a:rPr>
-              <a:t>는 오픈 소스로 개발된 기술로써 </a:t>
-            </a:r>
-            <a:r>
-              <a:rPr lang="ko-KR" altLang="ko-KR" sz="1200" kern="1200" dirty="0" smtClean="0">
-                <a:solidFill>
-                  <a:schemeClr val="tx1"/>
-                </a:solidFill>
-                <a:latin typeface="Arial" charset="0"/>
-                <a:ea typeface="+mn-ea"/>
-                <a:cs typeface="+mn-cs"/>
-              </a:rPr>
-              <a:t>내 컴퓨터에 연결된 </a:t>
-            </a:r>
-            <a:r>
-              <a:rPr lang="en-US" altLang="ko-KR" sz="1200" kern="1200" dirty="0" smtClean="0">
-                <a:solidFill>
-                  <a:schemeClr val="tx1"/>
-                </a:solidFill>
-                <a:latin typeface="Arial" charset="0"/>
-                <a:ea typeface="+mn-ea"/>
-                <a:cs typeface="+mn-cs"/>
-              </a:rPr>
-              <a:t>USB</a:t>
-            </a:r>
-            <a:r>
-              <a:rPr lang="ko-KR" altLang="ko-KR" sz="1200" kern="1200" dirty="0" smtClean="0">
-                <a:solidFill>
-                  <a:schemeClr val="tx1"/>
-                </a:solidFill>
-                <a:latin typeface="Arial" charset="0"/>
-                <a:ea typeface="+mn-ea"/>
-                <a:cs typeface="+mn-cs"/>
-              </a:rPr>
-              <a:t>장치를 무선으로 다른 사람의 컴퓨터에서 </a:t>
-            </a:r>
-            <a:r>
-              <a:rPr lang="en-US" altLang="ko-KR" sz="1200" kern="1200" dirty="0" smtClean="0">
-                <a:solidFill>
-                  <a:schemeClr val="tx1"/>
-                </a:solidFill>
-                <a:latin typeface="Arial" charset="0"/>
-                <a:ea typeface="+mn-ea"/>
-                <a:cs typeface="+mn-cs"/>
-              </a:rPr>
-              <a:t>USB</a:t>
-            </a:r>
-            <a:r>
-              <a:rPr lang="ko-KR" altLang="en-US" sz="1200" kern="1200" dirty="0" smtClean="0">
-                <a:solidFill>
-                  <a:schemeClr val="tx1"/>
-                </a:solidFill>
-                <a:latin typeface="Arial" charset="0"/>
-                <a:ea typeface="+mn-ea"/>
-                <a:cs typeface="+mn-cs"/>
-              </a:rPr>
-              <a:t>장치가 직접 연결된 것처럼 </a:t>
-            </a:r>
-            <a:r>
-              <a:rPr lang="ko-KR" altLang="ko-KR" sz="1200" kern="1200" dirty="0" smtClean="0">
-                <a:solidFill>
-                  <a:schemeClr val="tx1"/>
-                </a:solidFill>
-                <a:latin typeface="Arial" charset="0"/>
-                <a:ea typeface="+mn-ea"/>
-                <a:cs typeface="+mn-cs"/>
-              </a:rPr>
-              <a:t>사용할 수 있는 기술입니다</a:t>
-            </a:r>
-            <a:r>
-              <a:rPr lang="en-US" altLang="ko-KR" sz="1200" kern="1200" dirty="0" smtClean="0">
-                <a:solidFill>
-                  <a:schemeClr val="tx1"/>
-                </a:solidFill>
-                <a:latin typeface="Arial" charset="0"/>
-                <a:ea typeface="+mn-ea"/>
-                <a:cs typeface="+mn-cs"/>
-              </a:rPr>
-              <a:t>. (</a:t>
-            </a:r>
-            <a:r>
-              <a:rPr lang="ko-KR" altLang="en-US" sz="1200" kern="1200" dirty="0" smtClean="0">
-                <a:solidFill>
-                  <a:schemeClr val="tx1"/>
-                </a:solidFill>
-                <a:latin typeface="Arial" charset="0"/>
-                <a:ea typeface="+mn-ea"/>
-                <a:cs typeface="+mn-cs"/>
-              </a:rPr>
-              <a:t>천천히</a:t>
-            </a:r>
-            <a:r>
-              <a:rPr lang="en-US" altLang="ko-KR" sz="1200" kern="1200" dirty="0" smtClean="0">
-                <a:solidFill>
-                  <a:schemeClr val="tx1"/>
-                </a:solidFill>
-                <a:latin typeface="Arial" charset="0"/>
-                <a:ea typeface="+mn-ea"/>
-                <a:cs typeface="+mn-cs"/>
-              </a:rPr>
-              <a:t>)</a:t>
-            </a:r>
-            <a:endParaRPr lang="ko-KR" altLang="ko-KR" sz="1200" kern="1200" dirty="0">
+              <a:t>에</a:t>
+            </a:r>
+            <a:r>
+              <a:rPr lang="ko-KR" altLang="en-US" sz="1200" kern="1200" baseline="0" dirty="0" smtClean="0">
+                <a:solidFill>
+                  <a:schemeClr val="tx1"/>
+                </a:solidFill>
+                <a:latin typeface="Arial" charset="0"/>
+                <a:ea typeface="+mn-ea"/>
+                <a:cs typeface="+mn-cs"/>
+              </a:rPr>
+              <a:t> 연결되서 </a:t>
+            </a:r>
+            <a:r>
+              <a:rPr lang="ko-KR" altLang="en-US" sz="1200" kern="1200" baseline="0" dirty="0" err="1" smtClean="0">
+                <a:solidFill>
+                  <a:schemeClr val="tx1"/>
+                </a:solidFill>
+                <a:latin typeface="Arial" charset="0"/>
+                <a:ea typeface="+mn-ea"/>
+                <a:cs typeface="+mn-cs"/>
+              </a:rPr>
+              <a:t>스마트폰의</a:t>
+            </a:r>
+            <a:r>
+              <a:rPr lang="ko-KR" altLang="en-US" sz="1200" kern="1200" baseline="0" dirty="0" smtClean="0">
+                <a:solidFill>
+                  <a:schemeClr val="tx1"/>
+                </a:solidFill>
+                <a:latin typeface="Arial" charset="0"/>
+                <a:ea typeface="+mn-ea"/>
+                <a:cs typeface="+mn-cs"/>
+              </a:rPr>
+              <a:t> 어플리케이션을 사용할 수 있습니다</a:t>
+            </a:r>
+            <a:r>
+              <a:rPr lang="en-US" altLang="ko-KR" sz="1200" kern="1200" baseline="0" dirty="0" smtClean="0">
+                <a:solidFill>
+                  <a:schemeClr val="tx1"/>
+                </a:solidFill>
+                <a:latin typeface="Arial" charset="0"/>
+                <a:ea typeface="+mn-ea"/>
+                <a:cs typeface="+mn-cs"/>
+              </a:rPr>
+              <a:t>..</a:t>
+            </a:r>
+            <a:endParaRPr lang="ko-KR" altLang="en-US" sz="1200" kern="1200" dirty="0" smtClean="0">
               <a:solidFill>
                 <a:schemeClr val="tx1"/>
               </a:solidFill>
@@ -5016,6 +4497,17 @@
               <a:defRPr/>
             </a:pPr>
             <a:r>
+              <a:rPr lang="ko-KR" altLang="en-US" sz="1200" kern="1200" dirty="0" smtClean="0">
+                <a:solidFill>
+                  <a:schemeClr val="tx1"/>
+                </a:solidFill>
+                <a:latin typeface="Arial" charset="0"/>
+                <a:ea typeface="+mn-ea"/>
+                <a:cs typeface="+mn-cs"/>
+              </a:rPr>
+              <a:t>예를 들어 좌측이 윈도우 어플리케이션에 </a:t>
+            </a:r>
+            <a:r>
               <a:rPr lang="en-US" altLang="ko-KR" sz="1200" kern="1200" dirty="0" smtClean="0">
                 <a:solidFill>
                   <a:schemeClr val="tx1"/>
@@ -5024,6 +4516,160 @@
                 <a:ea typeface="+mn-ea"/>
                 <a:cs typeface="+mn-cs"/>
               </a:rPr>
+              <a:t>USB</a:t>
+            </a:r>
+            <a:r>
+              <a:rPr lang="ko-KR" altLang="en-US" sz="1200" kern="1200" dirty="0" smtClean="0">
+                <a:solidFill>
+                  <a:schemeClr val="tx1"/>
+                </a:solidFill>
+                <a:latin typeface="Arial" charset="0"/>
+                <a:ea typeface="+mn-ea"/>
+                <a:cs typeface="+mn-cs"/>
+              </a:rPr>
+              <a:t>카메라를 연결한 모습이라면</a:t>
+            </a:r>
+            <a:r>
+              <a:rPr lang="en-US" altLang="ko-KR" sz="1200" kern="1200" dirty="0" smtClean="0">
+                <a:solidFill>
+                  <a:schemeClr val="tx1"/>
+                </a:solidFill>
+                <a:latin typeface="Arial" charset="0"/>
+                <a:ea typeface="+mn-ea"/>
+                <a:cs typeface="+mn-cs"/>
+              </a:rPr>
+              <a:t>, </a:t>
+            </a:r>
+            <a:r>
+              <a:rPr lang="ko-KR" altLang="en-US" sz="1200" kern="1200" dirty="0" smtClean="0">
+                <a:solidFill>
+                  <a:schemeClr val="tx1"/>
+                </a:solidFill>
+                <a:latin typeface="Arial" charset="0"/>
+                <a:ea typeface="+mn-ea"/>
+                <a:cs typeface="+mn-cs"/>
+              </a:rPr>
+              <a:t>우측</a:t>
+            </a:r>
+            <a:r>
+              <a:rPr lang="ko-KR" altLang="en-US" sz="1200" kern="1200" baseline="0" dirty="0" smtClean="0">
+                <a:solidFill>
+                  <a:schemeClr val="tx1"/>
+                </a:solidFill>
+                <a:latin typeface="Arial" charset="0"/>
+                <a:ea typeface="+mn-ea"/>
+                <a:cs typeface="+mn-cs"/>
+              </a:rPr>
+              <a:t>에서 </a:t>
+            </a:r>
+            <a:r>
+              <a:rPr lang="ko-KR" altLang="en-US" sz="1200" kern="1200" baseline="0" dirty="0" err="1" smtClean="0">
+                <a:solidFill>
+                  <a:schemeClr val="tx1"/>
+                </a:solidFill>
+                <a:latin typeface="Arial" charset="0"/>
+                <a:ea typeface="+mn-ea"/>
+                <a:cs typeface="+mn-cs"/>
+              </a:rPr>
+              <a:t>스마트폰의</a:t>
+            </a:r>
+            <a:r>
+              <a:rPr lang="ko-KR" altLang="en-US" sz="1200" kern="1200" baseline="0" dirty="0" smtClean="0">
+                <a:solidFill>
+                  <a:schemeClr val="tx1"/>
+                </a:solidFill>
+                <a:latin typeface="Arial" charset="0"/>
+                <a:ea typeface="+mn-ea"/>
+                <a:cs typeface="+mn-cs"/>
+              </a:rPr>
+              <a:t> </a:t>
+            </a:r>
+            <a:r>
+              <a:rPr lang="ko-KR" altLang="en-US" sz="1200" kern="1200" dirty="0" smtClean="0">
+                <a:solidFill>
+                  <a:schemeClr val="tx1"/>
+                </a:solidFill>
+                <a:latin typeface="Arial" charset="0"/>
+                <a:ea typeface="+mn-ea"/>
+                <a:cs typeface="+mn-cs"/>
+              </a:rPr>
+              <a:t>카메라 어플리케이션도 </a:t>
+            </a:r>
+            <a:r>
+              <a:rPr lang="en-US" altLang="ko-KR" sz="1200" kern="1200" dirty="0" smtClean="0">
+                <a:solidFill>
+                  <a:schemeClr val="tx1"/>
+                </a:solidFill>
+                <a:latin typeface="Arial" charset="0"/>
+                <a:ea typeface="+mn-ea"/>
+                <a:cs typeface="+mn-cs"/>
+              </a:rPr>
+              <a:t>VHCI</a:t>
+            </a:r>
+            <a:r>
+              <a:rPr lang="ko-KR" altLang="en-US" sz="1200" kern="1200" dirty="0" smtClean="0">
+                <a:solidFill>
+                  <a:schemeClr val="tx1"/>
+                </a:solidFill>
+                <a:latin typeface="Arial" charset="0"/>
+                <a:ea typeface="+mn-ea"/>
+                <a:cs typeface="+mn-cs"/>
+              </a:rPr>
+              <a:t>드라이버를 통해 </a:t>
+            </a:r>
+            <a:r>
+              <a:rPr lang="en-US" altLang="ko-KR" sz="1200" kern="1200" dirty="0" smtClean="0">
+                <a:solidFill>
+                  <a:schemeClr val="tx1"/>
+                </a:solidFill>
+                <a:latin typeface="Arial" charset="0"/>
+                <a:ea typeface="+mn-ea"/>
+                <a:cs typeface="+mn-cs"/>
+              </a:rPr>
+              <a:t>USB</a:t>
+            </a:r>
+            <a:r>
+              <a:rPr lang="ko-KR" altLang="en-US" sz="1200" kern="1200" dirty="0" smtClean="0">
+                <a:solidFill>
+                  <a:schemeClr val="tx1"/>
+                </a:solidFill>
+                <a:latin typeface="Arial" charset="0"/>
+                <a:ea typeface="+mn-ea"/>
+                <a:cs typeface="+mn-cs"/>
+              </a:rPr>
+              <a:t>장치로 인식되고</a:t>
+            </a:r>
+            <a:r>
+              <a:rPr lang="en-US" altLang="ko-KR" sz="1200" kern="1200" dirty="0" smtClean="0">
+                <a:solidFill>
+                  <a:schemeClr val="tx1"/>
+                </a:solidFill>
+                <a:latin typeface="Arial" charset="0"/>
+                <a:ea typeface="+mn-ea"/>
+                <a:cs typeface="+mn-cs"/>
+              </a:rPr>
+              <a:t>,</a:t>
+            </a:r>
+            <a:r>
+              <a:rPr lang="ko-KR" altLang="en-US" sz="1200" kern="1200" dirty="0" smtClean="0">
+                <a:solidFill>
+                  <a:schemeClr val="tx1"/>
+                </a:solidFill>
+                <a:latin typeface="Arial" charset="0"/>
+                <a:ea typeface="+mn-ea"/>
+                <a:cs typeface="+mn-cs"/>
+              </a:rPr>
+              <a:t> </a:t>
+            </a:r>
+            <a:r>
+              <a:rPr lang="en-US" altLang="ko-KR" sz="1200" kern="1200" dirty="0" smtClean="0">
+                <a:solidFill>
+                  <a:schemeClr val="tx1"/>
+                </a:solidFill>
+                <a:latin typeface="Arial" charset="0"/>
+                <a:ea typeface="+mn-ea"/>
+                <a:cs typeface="+mn-cs"/>
+              </a:rPr>
               <a:t>USB/IP</a:t>
             </a:r>
             <a:r>
@@ -5035,18 +4681,40 @@
                 <a:ea typeface="+mn-ea"/>
                 <a:cs typeface="+mn-cs"/>
               </a:rPr>
-              <a:t>는 서버와 클라이언트로 나뉘어져있는데 서버를 </a:t>
-            </a:r>
-            <a:r>
-              <a:rPr lang="ko-KR" altLang="en-US" sz="1200" kern="1200" dirty="0" err="1" smtClean="0">
-                <a:solidFill>
-                  <a:schemeClr val="tx1"/>
-                </a:solidFill>
-                <a:latin typeface="Arial" charset="0"/>
-                <a:ea typeface="+mn-ea"/>
-                <a:cs typeface="+mn-cs"/>
-              </a:rPr>
-              <a:t>안드로이드</a:t>
+              <a:t>를 거쳐</a:t>
+            </a:r>
+            <a:r>
+              <a:rPr lang="ko-KR" altLang="en-US" sz="1200" kern="1200" baseline="0" dirty="0" smtClean="0">
+                <a:solidFill>
+                  <a:schemeClr val="tx1"/>
+                </a:solidFill>
+                <a:latin typeface="Arial" charset="0"/>
+                <a:ea typeface="+mn-ea"/>
+                <a:cs typeface="+mn-cs"/>
+              </a:rPr>
+              <a:t> 어플리케이션의 수정 없이 </a:t>
+            </a:r>
+            <a:r>
+              <a:rPr lang="en-US" altLang="ko-KR" sz="1200" kern="1200" baseline="0" dirty="0" smtClean="0">
+                <a:solidFill>
+                  <a:schemeClr val="tx1"/>
+                </a:solidFill>
+                <a:latin typeface="Arial" charset="0"/>
+                <a:ea typeface="+mn-ea"/>
+                <a:cs typeface="+mn-cs"/>
+              </a:rPr>
+              <a:t>PC</a:t>
+            </a:r>
+            <a:r>
+              <a:rPr lang="ko-KR" altLang="en-US" sz="1200" kern="1200" baseline="0" dirty="0" smtClean="0">
+                <a:solidFill>
+                  <a:schemeClr val="tx1"/>
+                </a:solidFill>
+                <a:latin typeface="Arial" charset="0"/>
+                <a:ea typeface="+mn-ea"/>
+                <a:cs typeface="+mn-cs"/>
+              </a:rPr>
+              <a:t>에서</a:t>
             </a:r>
             <a:r>
               <a:rPr lang="ko-KR" altLang="en-US" sz="1200" kern="1200" dirty="0" smtClean="0">
@@ -5057,18 +4725,29 @@
                 <a:ea typeface="+mn-ea"/>
                 <a:cs typeface="+mn-cs"/>
               </a:rPr>
-              <a:t> </a:t>
-            </a:r>
-            <a:r>
-              <a:rPr lang="ko-KR" altLang="en-US" sz="1200" kern="1200" dirty="0" err="1" smtClean="0">
-                <a:solidFill>
-                  <a:schemeClr val="tx1"/>
-                </a:solidFill>
-                <a:latin typeface="Arial" charset="0"/>
-                <a:ea typeface="+mn-ea"/>
-                <a:cs typeface="+mn-cs"/>
-              </a:rPr>
-              <a:t>스마트폰에</a:t>
+              <a:t> 좌측과 동일하게 </a:t>
+            </a:r>
+            <a:r>
+              <a:rPr lang="en-US" altLang="ko-KR" sz="1200" kern="1200" dirty="0" smtClean="0">
+                <a:solidFill>
+                  <a:schemeClr val="tx1"/>
+                </a:solidFill>
+                <a:latin typeface="Arial" charset="0"/>
+                <a:ea typeface="+mn-ea"/>
+                <a:cs typeface="+mn-cs"/>
+              </a:rPr>
+              <a:t>USB </a:t>
+            </a:r>
+            <a:r>
+              <a:rPr lang="ko-KR" altLang="en-US" sz="1200" kern="1200" smtClean="0">
+                <a:solidFill>
+                  <a:schemeClr val="tx1"/>
+                </a:solidFill>
+                <a:latin typeface="Arial" charset="0"/>
+                <a:ea typeface="+mn-ea"/>
+                <a:cs typeface="+mn-cs"/>
+              </a:rPr>
+              <a:t>카메라로 인식되는 </a:t>
             </a:r>
             <a:r>
               <a:rPr lang="ko-KR" altLang="en-US" sz="1200" kern="1200" dirty="0" smtClean="0">
@@ -5079,7 +4758,7 @@
                 <a:ea typeface="+mn-ea"/>
                 <a:cs typeface="+mn-cs"/>
               </a:rPr>
-              <a:t> 포팅하고</a:t>
+              <a:t>모습입니다</a:t>
             </a:r>
             <a:r>
               <a:rPr lang="en-US" altLang="ko-KR" sz="1200" kern="1200" dirty="0" smtClean="0">
@@ -5090,216 +4769,7 @@
                 <a:ea typeface="+mn-ea"/>
                 <a:cs typeface="+mn-cs"/>
               </a:rPr>
-              <a:t>, </a:t>
-            </a:r>
-            <a:r>
-              <a:rPr lang="ko-KR" altLang="en-US" sz="1200" kern="1200" dirty="0" smtClean="0">
-                <a:solidFill>
-                  <a:schemeClr val="tx1"/>
-                </a:solidFill>
-                <a:latin typeface="Arial" charset="0"/>
-                <a:ea typeface="+mn-ea"/>
-                <a:cs typeface="+mn-cs"/>
-              </a:rPr>
-              <a:t>어플리케이션을 </a:t>
-            </a:r>
-            <a:r>
-              <a:rPr lang="en-US" altLang="ko-KR" sz="1200" kern="1200" dirty="0" smtClean="0">
-                <a:solidFill>
-                  <a:schemeClr val="tx1"/>
-                </a:solidFill>
-                <a:latin typeface="Arial" charset="0"/>
-                <a:ea typeface="+mn-ea"/>
-                <a:cs typeface="+mn-cs"/>
-              </a:rPr>
-              <a:t>USB</a:t>
-            </a:r>
-            <a:r>
-              <a:rPr lang="ko-KR" altLang="en-US" sz="1200" kern="1200" dirty="0" smtClean="0">
-                <a:solidFill>
-                  <a:schemeClr val="tx1"/>
-                </a:solidFill>
-                <a:latin typeface="Arial" charset="0"/>
-                <a:ea typeface="+mn-ea"/>
-                <a:cs typeface="+mn-cs"/>
-              </a:rPr>
-              <a:t>장치처럼 보이도록 할 </a:t>
-            </a:r>
-            <a:r>
-              <a:rPr lang="en-US" altLang="ko-KR" sz="1200" kern="1200" dirty="0" smtClean="0">
-                <a:solidFill>
-                  <a:schemeClr val="tx1"/>
-                </a:solidFill>
-                <a:latin typeface="Arial" charset="0"/>
-                <a:ea typeface="+mn-ea"/>
-                <a:cs typeface="+mn-cs"/>
-              </a:rPr>
-              <a:t>VHCI</a:t>
-            </a:r>
-            <a:r>
-              <a:rPr lang="ko-KR" altLang="en-US" sz="1200" kern="1200" dirty="0" smtClean="0">
-                <a:solidFill>
-                  <a:schemeClr val="tx1"/>
-                </a:solidFill>
-                <a:latin typeface="Arial" charset="0"/>
-                <a:ea typeface="+mn-ea"/>
-                <a:cs typeface="+mn-cs"/>
-              </a:rPr>
-              <a:t>드라이버를 만들면</a:t>
-            </a:r>
-            <a:r>
-              <a:rPr lang="en-US" altLang="ko-KR" sz="1200" kern="1200" dirty="0" smtClean="0">
-                <a:solidFill>
-                  <a:schemeClr val="tx1"/>
-                </a:solidFill>
-                <a:latin typeface="Arial" charset="0"/>
-                <a:ea typeface="+mn-ea"/>
-                <a:cs typeface="+mn-cs"/>
-              </a:rPr>
-              <a:t>,</a:t>
-            </a:r>
-            <a:r>
-              <a:rPr lang="ko-KR" altLang="en-US" sz="1200" kern="1200" dirty="0" smtClean="0">
-                <a:solidFill>
-                  <a:schemeClr val="tx1"/>
-                </a:solidFill>
-                <a:latin typeface="Arial" charset="0"/>
-                <a:ea typeface="+mn-ea"/>
-                <a:cs typeface="+mn-cs"/>
-              </a:rPr>
-              <a:t> 어플리케이션이 </a:t>
-            </a:r>
-            <a:r>
-              <a:rPr lang="en-US" altLang="ko-KR" sz="1200" kern="1200" dirty="0" smtClean="0">
-                <a:solidFill>
-                  <a:schemeClr val="tx1"/>
-                </a:solidFill>
-                <a:latin typeface="Arial" charset="0"/>
-                <a:ea typeface="+mn-ea"/>
-                <a:cs typeface="+mn-cs"/>
-              </a:rPr>
-              <a:t>USB</a:t>
-            </a:r>
-            <a:r>
-              <a:rPr lang="ko-KR" altLang="en-US" sz="1200" kern="1200" dirty="0" smtClean="0">
-                <a:solidFill>
-                  <a:schemeClr val="tx1"/>
-                </a:solidFill>
-                <a:latin typeface="Arial" charset="0"/>
-                <a:ea typeface="+mn-ea"/>
-                <a:cs typeface="+mn-cs"/>
-              </a:rPr>
-              <a:t>장치로 인식됩니다</a:t>
-            </a:r>
-            <a:r>
-              <a:rPr lang="en-US" altLang="ko-KR" sz="1200" kern="1200" dirty="0" smtClean="0">
-                <a:solidFill>
-                  <a:schemeClr val="tx1"/>
-                </a:solidFill>
-                <a:latin typeface="Arial" charset="0"/>
-                <a:ea typeface="+mn-ea"/>
-                <a:cs typeface="+mn-cs"/>
-              </a:rPr>
-              <a:t>. </a:t>
-            </a:r>
-            <a:r>
-              <a:rPr lang="ko-KR" altLang="en-US" sz="1200" kern="1200" dirty="0" smtClean="0">
-                <a:solidFill>
-                  <a:schemeClr val="tx1"/>
-                </a:solidFill>
-                <a:latin typeface="Arial" charset="0"/>
-                <a:ea typeface="+mn-ea"/>
-                <a:cs typeface="+mn-cs"/>
-              </a:rPr>
-              <a:t>그리고 </a:t>
-            </a:r>
-            <a:r>
-              <a:rPr lang="en-US" altLang="ko-KR" sz="1200" kern="1200" dirty="0" smtClean="0">
-                <a:solidFill>
-                  <a:schemeClr val="tx1"/>
-                </a:solidFill>
-                <a:latin typeface="Arial" charset="0"/>
-                <a:ea typeface="+mn-ea"/>
-                <a:cs typeface="+mn-cs"/>
-              </a:rPr>
-              <a:t>USB/IP</a:t>
-            </a:r>
-            <a:r>
-              <a:rPr lang="ko-KR" altLang="en-US" sz="1200" kern="1200" dirty="0" smtClean="0">
-                <a:solidFill>
-                  <a:schemeClr val="tx1"/>
-                </a:solidFill>
-                <a:latin typeface="Arial" charset="0"/>
-                <a:ea typeface="+mn-ea"/>
-                <a:cs typeface="+mn-cs"/>
-              </a:rPr>
-              <a:t>를 통해 </a:t>
-            </a:r>
-            <a:r>
-              <a:rPr lang="en-US" altLang="ko-KR" sz="1200" kern="1200" dirty="0" smtClean="0">
-                <a:solidFill>
-                  <a:schemeClr val="tx1"/>
-                </a:solidFill>
-                <a:latin typeface="Arial" charset="0"/>
-                <a:ea typeface="+mn-ea"/>
-                <a:cs typeface="+mn-cs"/>
-              </a:rPr>
-              <a:t>PC</a:t>
-            </a:r>
-            <a:r>
-              <a:rPr lang="ko-KR" altLang="en-US" sz="1200" kern="1200" dirty="0" smtClean="0">
-                <a:solidFill>
-                  <a:schemeClr val="tx1"/>
-                </a:solidFill>
-                <a:latin typeface="Arial" charset="0"/>
-                <a:ea typeface="+mn-ea"/>
-                <a:cs typeface="+mn-cs"/>
-              </a:rPr>
-              <a:t>에</a:t>
-            </a:r>
-            <a:r>
-              <a:rPr lang="ko-KR" altLang="en-US" sz="1200" kern="1200" baseline="0" dirty="0" smtClean="0">
-                <a:solidFill>
-                  <a:schemeClr val="tx1"/>
-                </a:solidFill>
-                <a:latin typeface="Arial" charset="0"/>
-                <a:ea typeface="+mn-ea"/>
-                <a:cs typeface="+mn-cs"/>
-              </a:rPr>
-              <a:t> 연결되서 </a:t>
-            </a:r>
-            <a:r>
-              <a:rPr lang="ko-KR" altLang="en-US" sz="1200" kern="1200" baseline="0" dirty="0" err="1" smtClean="0">
-                <a:solidFill>
-                  <a:schemeClr val="tx1"/>
-                </a:solidFill>
-                <a:latin typeface="Arial" charset="0"/>
-                <a:ea typeface="+mn-ea"/>
-                <a:cs typeface="+mn-cs"/>
-              </a:rPr>
-              <a:t>스마트폰의</a:t>
-            </a:r>
-            <a:r>
-              <a:rPr lang="ko-KR" altLang="en-US" sz="1200" kern="1200" baseline="0" dirty="0" smtClean="0">
-                <a:solidFill>
-                  <a:schemeClr val="tx1"/>
-                </a:solidFill>
-                <a:latin typeface="Arial" charset="0"/>
-                <a:ea typeface="+mn-ea"/>
-                <a:cs typeface="+mn-cs"/>
-              </a:rPr>
-              <a:t> 어플리케이션을 사용할 수 있습니다</a:t>
-            </a:r>
-            <a:r>
-              <a:rPr lang="en-US" altLang="ko-KR" sz="1200" kern="1200" baseline="0" dirty="0" smtClean="0">
-                <a:solidFill>
-                  <a:schemeClr val="tx1"/>
-                </a:solidFill>
-                <a:latin typeface="Arial" charset="0"/>
-                <a:ea typeface="+mn-ea"/>
-                <a:cs typeface="+mn-cs"/>
-              </a:rPr>
-              <a:t>..</a:t>
+              <a:t>.</a:t>
             </a:r>
             <a:endParaRPr lang="ko-KR" altLang="en-US" sz="1200" kern="1200" dirty="0" smtClean="0">
               <a:solidFill>
@@ -5309,6 +4779,9 @@
               <a:ea typeface="+mn-ea"/>
               <a:cs typeface="+mn-cs"/>
             </a:endParaRPr>
+          </a:p>
+          <a:p>
+            <a:endParaRPr lang="ko-KR" altLang="en-US" dirty="0"/>
           </a:p>
         </p:txBody>
       </p:sp>
@@ -5408,6 +4881,17 @@
               <a:defRPr/>
             </a:pPr>
             <a:r>
+              <a:rPr lang="en-US" altLang="ko-KR" sz="1200" kern="1200" dirty="0" smtClean="0">
+                <a:solidFill>
+                  <a:schemeClr val="tx1"/>
+                </a:solidFill>
+                <a:latin typeface="Arial" charset="0"/>
+                <a:ea typeface="+mn-ea"/>
+                <a:cs typeface="+mn-cs"/>
+              </a:rPr>
+              <a:t>USB/IP</a:t>
+            </a:r>
+            <a:r>
               <a:rPr lang="ko-KR" altLang="en-US" sz="1200" kern="1200" dirty="0" smtClean="0">
                 <a:solidFill>
                   <a:schemeClr val="tx1"/>
@@ -5416,7 +4900,7 @@
                 <a:ea typeface="+mn-ea"/>
                 <a:cs typeface="+mn-cs"/>
               </a:rPr>
-              <a:t>예를 들어 좌측이 윈도우 어플리케이션에 </a:t>
+              <a:t>를 이용하게 되면 앞에서 예로 든 </a:t>
             </a:r>
             <a:r>
               <a:rPr lang="en-US" altLang="ko-KR" sz="1200" kern="1200" dirty="0" smtClean="0">
@@ -5438,7 +4922,7 @@
                 <a:ea typeface="+mn-ea"/>
                 <a:cs typeface="+mn-cs"/>
               </a:rPr>
-              <a:t>카메라를 연결한 모습이라면</a:t>
+              <a:t>카메라의 경우처럼 기존에 </a:t>
             </a:r>
             <a:r>
               <a:rPr lang="en-US" altLang="ko-KR" sz="1200" kern="1200" dirty="0" smtClean="0">
@@ -5449,7 +4933,7 @@
                 <a:ea typeface="+mn-ea"/>
                 <a:cs typeface="+mn-cs"/>
               </a:rPr>
-              <a:t>, </a:t>
+              <a:t>USB</a:t>
             </a:r>
             <a:r>
               <a:rPr lang="ko-KR" altLang="en-US" sz="1200" kern="1200" dirty="0" smtClean="0">
@@ -5460,40 +4944,18 @@
                 <a:ea typeface="+mn-ea"/>
                 <a:cs typeface="+mn-cs"/>
               </a:rPr>
-              <a:t>우측</a:t>
-            </a:r>
-            <a:r>
-              <a:rPr lang="ko-KR" altLang="en-US" sz="1200" kern="1200" baseline="0" dirty="0" smtClean="0">
-                <a:solidFill>
-                  <a:schemeClr val="tx1"/>
-                </a:solidFill>
-                <a:latin typeface="Arial" charset="0"/>
-                <a:ea typeface="+mn-ea"/>
-                <a:cs typeface="+mn-cs"/>
-              </a:rPr>
-              <a:t>에서 </a:t>
-            </a:r>
-            <a:r>
-              <a:rPr lang="ko-KR" altLang="en-US" sz="1200" kern="1200" baseline="0" dirty="0" err="1" smtClean="0">
-                <a:solidFill>
-                  <a:schemeClr val="tx1"/>
-                </a:solidFill>
-                <a:latin typeface="Arial" charset="0"/>
-                <a:ea typeface="+mn-ea"/>
-                <a:cs typeface="+mn-cs"/>
-              </a:rPr>
-              <a:t>스마트폰의</a:t>
-            </a:r>
-            <a:r>
-              <a:rPr lang="ko-KR" altLang="en-US" sz="1200" kern="1200" baseline="0" dirty="0" smtClean="0">
-                <a:solidFill>
-                  <a:schemeClr val="tx1"/>
-                </a:solidFill>
-                <a:latin typeface="Arial" charset="0"/>
-                <a:ea typeface="+mn-ea"/>
-                <a:cs typeface="+mn-cs"/>
-              </a:rPr>
-              <a:t> </a:t>
+              <a:t> 장치를 사용하던 </a:t>
+            </a:r>
+            <a:r>
+              <a:rPr lang="en-US" altLang="ko-KR" sz="1200" kern="1200" dirty="0" smtClean="0">
+                <a:solidFill>
+                  <a:schemeClr val="tx1"/>
+                </a:solidFill>
+                <a:latin typeface="Arial" charset="0"/>
+                <a:ea typeface="+mn-ea"/>
+                <a:cs typeface="+mn-cs"/>
+              </a:rPr>
+              <a:t>PC</a:t>
             </a:r>
             <a:r>
               <a:rPr lang="ko-KR" altLang="en-US" sz="1200" kern="1200" dirty="0" smtClean="0">
@@ -5504,7 +4966,7 @@
                 <a:ea typeface="+mn-ea"/>
                 <a:cs typeface="+mn-cs"/>
               </a:rPr>
-              <a:t>카메라 어플리케이션도 </a:t>
+              <a:t>용 어플리케이션들을 수정 없이 사용할 수 있다는 장점을 갖습니다</a:t>
             </a:r>
             <a:r>
               <a:rPr lang="en-US" altLang="ko-KR" sz="1200" kern="1200" dirty="0" smtClean="0">
@@ -5515,7 +4977,7 @@
                 <a:ea typeface="+mn-ea"/>
                 <a:cs typeface="+mn-cs"/>
               </a:rPr>
-              <a:t>VHCI</a:t>
+              <a:t>. </a:t>
             </a:r>
             <a:r>
               <a:rPr lang="ko-KR" altLang="en-US" sz="1200" kern="1200" dirty="0" smtClean="0">
@@ -5526,7 +4988,7 @@
                 <a:ea typeface="+mn-ea"/>
                 <a:cs typeface="+mn-cs"/>
               </a:rPr>
-              <a:t>드라이버를 통해 </a:t>
+              <a:t>하지만 </a:t>
             </a:r>
             <a:r>
               <a:rPr lang="en-US" altLang="ko-KR" sz="1200" kern="1200" dirty="0" smtClean="0">
@@ -5537,6 +4999,28 @@
                 <a:ea typeface="+mn-ea"/>
                 <a:cs typeface="+mn-cs"/>
               </a:rPr>
+              <a:t>TCP/IP</a:t>
+            </a:r>
+            <a:r>
+              <a:rPr lang="ko-KR" altLang="en-US" sz="1200" kern="1200" dirty="0" smtClean="0">
+                <a:solidFill>
+                  <a:schemeClr val="tx1"/>
+                </a:solidFill>
+                <a:latin typeface="Arial" charset="0"/>
+                <a:ea typeface="+mn-ea"/>
+                <a:cs typeface="+mn-cs"/>
+              </a:rPr>
+              <a:t>로 연결해서 </a:t>
+            </a:r>
+            <a:r>
+              <a:rPr lang="en-US" altLang="ko-KR" sz="1200" kern="1200" dirty="0" smtClean="0">
+                <a:solidFill>
+                  <a:schemeClr val="tx1"/>
+                </a:solidFill>
+                <a:latin typeface="Arial" charset="0"/>
+                <a:ea typeface="+mn-ea"/>
+                <a:cs typeface="+mn-cs"/>
+              </a:rPr>
               <a:t>USB</a:t>
             </a:r>
             <a:r>
@@ -5548,128 +5032,7 @@
                 <a:ea typeface="+mn-ea"/>
                 <a:cs typeface="+mn-cs"/>
               </a:rPr>
-              <a:t>장치로 인식되고</a:t>
-            </a:r>
-            <a:r>
-              <a:rPr lang="en-US" altLang="ko-KR" sz="1200" kern="1200" dirty="0" smtClean="0">
-                <a:solidFill>
-                  <a:schemeClr val="tx1"/>
-                </a:solidFill>
-                <a:latin typeface="Arial" charset="0"/>
-                <a:ea typeface="+mn-ea"/>
-                <a:cs typeface="+mn-cs"/>
-              </a:rPr>
-              <a:t>,</a:t>
-            </a:r>
-            <a:r>
-              <a:rPr lang="ko-KR" altLang="en-US" sz="1200" kern="1200" dirty="0" smtClean="0">
-                <a:solidFill>
-                  <a:schemeClr val="tx1"/>
-                </a:solidFill>
-                <a:latin typeface="Arial" charset="0"/>
-                <a:ea typeface="+mn-ea"/>
-                <a:cs typeface="+mn-cs"/>
-              </a:rPr>
-              <a:t> </a:t>
-            </a:r>
-            <a:r>
-              <a:rPr lang="en-US" altLang="ko-KR" sz="1200" kern="1200" dirty="0" smtClean="0">
-                <a:solidFill>
-                  <a:schemeClr val="tx1"/>
-                </a:solidFill>
-                <a:latin typeface="Arial" charset="0"/>
-                <a:ea typeface="+mn-ea"/>
-                <a:cs typeface="+mn-cs"/>
-              </a:rPr>
-              <a:t>USB/IP</a:t>
-            </a:r>
-            <a:r>
-              <a:rPr lang="ko-KR" altLang="en-US" sz="1200" kern="1200" dirty="0" smtClean="0">
-                <a:solidFill>
-                  <a:schemeClr val="tx1"/>
-                </a:solidFill>
-                <a:latin typeface="Arial" charset="0"/>
-                <a:ea typeface="+mn-ea"/>
-                <a:cs typeface="+mn-cs"/>
-              </a:rPr>
-              <a:t>를 거쳐</a:t>
-            </a:r>
-            <a:r>
-              <a:rPr lang="ko-KR" altLang="en-US" sz="1200" kern="1200" baseline="0" dirty="0" smtClean="0">
-                <a:solidFill>
-                  <a:schemeClr val="tx1"/>
-                </a:solidFill>
-                <a:latin typeface="Arial" charset="0"/>
-                <a:ea typeface="+mn-ea"/>
-                <a:cs typeface="+mn-cs"/>
-              </a:rPr>
-              <a:t> 어플리케이션의 수정 없이 </a:t>
-            </a:r>
-            <a:r>
-              <a:rPr lang="en-US" altLang="ko-KR" sz="1200" kern="1200" baseline="0" dirty="0" smtClean="0">
-                <a:solidFill>
-                  <a:schemeClr val="tx1"/>
-                </a:solidFill>
-                <a:latin typeface="Arial" charset="0"/>
-                <a:ea typeface="+mn-ea"/>
-                <a:cs typeface="+mn-cs"/>
-              </a:rPr>
-              <a:t>PC</a:t>
-            </a:r>
-            <a:r>
-              <a:rPr lang="ko-KR" altLang="en-US" sz="1200" kern="1200" baseline="0" dirty="0" smtClean="0">
-                <a:solidFill>
-                  <a:schemeClr val="tx1"/>
-                </a:solidFill>
-                <a:latin typeface="Arial" charset="0"/>
-                <a:ea typeface="+mn-ea"/>
-                <a:cs typeface="+mn-cs"/>
-              </a:rPr>
-              <a:t>에서</a:t>
-            </a:r>
-            <a:r>
-              <a:rPr lang="ko-KR" altLang="en-US" sz="1200" kern="1200" dirty="0" smtClean="0">
-                <a:solidFill>
-                  <a:schemeClr val="tx1"/>
-                </a:solidFill>
-                <a:latin typeface="Arial" charset="0"/>
-                <a:ea typeface="+mn-ea"/>
-                <a:cs typeface="+mn-cs"/>
-              </a:rPr>
-              <a:t> 좌측과 동일하게 </a:t>
-            </a:r>
-            <a:r>
-              <a:rPr lang="en-US" altLang="ko-KR" sz="1200" kern="1200" dirty="0" smtClean="0">
-                <a:solidFill>
-                  <a:schemeClr val="tx1"/>
-                </a:solidFill>
-                <a:latin typeface="Arial" charset="0"/>
-                <a:ea typeface="+mn-ea"/>
-                <a:cs typeface="+mn-cs"/>
-              </a:rPr>
-              <a:t>USB </a:t>
-            </a:r>
-            <a:r>
-              <a:rPr lang="ko-KR" altLang="en-US" sz="1200" kern="1200" smtClean="0">
-                <a:solidFill>
-                  <a:schemeClr val="tx1"/>
-                </a:solidFill>
-                <a:latin typeface="Arial" charset="0"/>
-                <a:ea typeface="+mn-ea"/>
-                <a:cs typeface="+mn-cs"/>
-              </a:rPr>
-              <a:t>카메라로 인식되는 </a:t>
-            </a:r>
-            <a:r>
-              <a:rPr lang="ko-KR" altLang="en-US" sz="1200" kern="1200" dirty="0" smtClean="0">
-                <a:solidFill>
-                  <a:schemeClr val="tx1"/>
-                </a:solidFill>
-                <a:latin typeface="Arial" charset="0"/>
-                <a:ea typeface="+mn-ea"/>
-                <a:cs typeface="+mn-cs"/>
-              </a:rPr>
-              <a:t>모습입니다</a:t>
+              <a:t>장치를 사용하려면 어플리케이션을 수정 해야 되는 문제점이 있습니다</a:t>
             </a:r>
             <a:r>
               <a:rPr lang="en-US" altLang="ko-KR" sz="1200" kern="1200" dirty="0" smtClean="0">
@@ -5690,9 +5053,6 @@
               <a:ea typeface="+mn-ea"/>
               <a:cs typeface="+mn-cs"/>
             </a:endParaRPr>
-          </a:p>
-          <a:p>
-            <a:endParaRPr lang="ko-KR" altLang="en-US" dirty="0"/>
           </a:p>
         </p:txBody>
       </p:sp>
@@ -5800,7 +5160,7 @@
                 <a:ea typeface="+mn-ea"/>
                 <a:cs typeface="+mn-cs"/>
               </a:rPr>
-              <a:t>USB/IP</a:t>
+              <a:t>Android-USB </a:t>
             </a:r>
             <a:r>
               <a:rPr lang="ko-KR" altLang="en-US" sz="1200" kern="1200" dirty="0" smtClean="0">
@@ -5811,7 +5171,7 @@
                 <a:ea typeface="+mn-ea"/>
                 <a:cs typeface="+mn-cs"/>
               </a:rPr>
-              <a:t>를 이용하게 되면 앞에서 예로 든 </a:t>
+              <a:t>프로젝트를 활용해서</a:t>
             </a:r>
             <a:r>
               <a:rPr lang="en-US" altLang="ko-KR" sz="1200" kern="1200" dirty="0" smtClean="0">
@@ -5822,7 +5182,7 @@
                 <a:ea typeface="+mn-ea"/>
                 <a:cs typeface="+mn-cs"/>
               </a:rPr>
-              <a:t>USB</a:t>
+              <a:t> PC</a:t>
             </a:r>
             <a:r>
               <a:rPr lang="ko-KR" altLang="en-US" sz="1200" kern="1200" dirty="0" smtClean="0">
@@ -5833,7 +5193,18 @@
                 <a:ea typeface="+mn-ea"/>
                 <a:cs typeface="+mn-cs"/>
               </a:rPr>
-              <a:t>카메라의 경우처럼 기존에 </a:t>
+              <a:t>에서 스마트폰의 </a:t>
+            </a:r>
+            <a:r>
+              <a:rPr lang="ko-KR" altLang="en-US" sz="1200" kern="1200" dirty="0" err="1" smtClean="0">
+                <a:solidFill>
+                  <a:schemeClr val="tx1"/>
+                </a:solidFill>
+                <a:latin typeface="Arial" charset="0"/>
+                <a:ea typeface="+mn-ea"/>
+                <a:cs typeface="+mn-cs"/>
+              </a:rPr>
+              <a:t>카카오톡</a:t>
             </a:r>
             <a:r>
               <a:rPr lang="en-US" altLang="ko-KR" sz="1200" kern="1200" dirty="0" smtClean="0">
@@ -5844,7 +5215,7 @@
                 <a:ea typeface="+mn-ea"/>
                 <a:cs typeface="+mn-cs"/>
               </a:rPr>
-              <a:t>USB</a:t>
+              <a:t>, </a:t>
             </a:r>
             <a:r>
               <a:rPr lang="ko-KR" altLang="en-US" sz="1200" kern="1200" dirty="0" smtClean="0">
@@ -5855,7 +5226,7 @@
                 <a:ea typeface="+mn-ea"/>
                 <a:cs typeface="+mn-cs"/>
               </a:rPr>
-              <a:t> 장치를 사용하던 </a:t>
+              <a:t>문자메시지를 사용할 수 있습니다</a:t>
             </a:r>
             <a:r>
               <a:rPr lang="en-US" altLang="ko-KR" sz="1200" kern="1200" dirty="0" smtClean="0">
@@ -5866,6 +5237,50 @@
                 <a:ea typeface="+mn-ea"/>
                 <a:cs typeface="+mn-cs"/>
               </a:rPr>
+              <a:t>. </a:t>
+            </a:r>
+            <a:r>
+              <a:rPr lang="ko-KR" altLang="en-US" sz="1200" kern="1200" dirty="0" smtClean="0">
+                <a:solidFill>
+                  <a:schemeClr val="tx1"/>
+                </a:solidFill>
+                <a:latin typeface="Arial" charset="0"/>
+                <a:ea typeface="+mn-ea"/>
+                <a:cs typeface="+mn-cs"/>
+              </a:rPr>
+              <a:t>그리고</a:t>
+            </a:r>
+            <a:r>
+              <a:rPr lang="en-US" altLang="ko-KR" sz="1200" kern="1200" dirty="0" smtClean="0">
+                <a:solidFill>
+                  <a:schemeClr val="tx1"/>
+                </a:solidFill>
+                <a:latin typeface="Arial" charset="0"/>
+                <a:ea typeface="+mn-ea"/>
+                <a:cs typeface="+mn-cs"/>
+              </a:rPr>
+              <a:t> </a:t>
+            </a:r>
+            <a:r>
+              <a:rPr lang="ko-KR" altLang="en-US" sz="1200" kern="1200" dirty="0" smtClean="0">
+                <a:solidFill>
+                  <a:schemeClr val="tx1"/>
+                </a:solidFill>
+                <a:latin typeface="Arial" charset="0"/>
+                <a:ea typeface="+mn-ea"/>
+                <a:cs typeface="+mn-cs"/>
+              </a:rPr>
+              <a:t>카메라로 찍은 사진을 바로 </a:t>
+            </a:r>
+            <a:r>
+              <a:rPr lang="en-US" altLang="ko-KR" sz="1200" kern="1200" dirty="0" smtClean="0">
+                <a:solidFill>
+                  <a:schemeClr val="tx1"/>
+                </a:solidFill>
+                <a:latin typeface="Arial" charset="0"/>
+                <a:ea typeface="+mn-ea"/>
+                <a:cs typeface="+mn-cs"/>
+              </a:rPr>
               <a:t>PC</a:t>
             </a:r>
             <a:r>
@@ -5877,7 +5292,7 @@
                 <a:ea typeface="+mn-ea"/>
                 <a:cs typeface="+mn-cs"/>
               </a:rPr>
-              <a:t>용 어플리케이션들을 수정 없이 사용할 수 있다는 장점을 갖습니다</a:t>
+              <a:t>에 저장하는 서비스를 만들 수 있고</a:t>
             </a:r>
             <a:r>
               <a:rPr lang="en-US" altLang="ko-KR" sz="1200" kern="1200" dirty="0" smtClean="0">
@@ -5888,6 +5303,50 @@
                 <a:ea typeface="+mn-ea"/>
                 <a:cs typeface="+mn-cs"/>
               </a:rPr>
+              <a:t>,</a:t>
+            </a:r>
+            <a:r>
+              <a:rPr lang="ko-KR" altLang="en-US" sz="1200" kern="1200" dirty="0" smtClean="0">
+                <a:solidFill>
+                  <a:schemeClr val="tx1"/>
+                </a:solidFill>
+                <a:latin typeface="Arial" charset="0"/>
+                <a:ea typeface="+mn-ea"/>
+                <a:cs typeface="+mn-cs"/>
+              </a:rPr>
+              <a:t> </a:t>
+            </a:r>
+            <a:r>
+              <a:rPr lang="ko-KR" altLang="en-US" sz="1200" kern="1200" dirty="0" err="1" smtClean="0">
+                <a:solidFill>
+                  <a:schemeClr val="tx1"/>
+                </a:solidFill>
+                <a:latin typeface="Arial" charset="0"/>
+                <a:ea typeface="+mn-ea"/>
+                <a:cs typeface="+mn-cs"/>
+              </a:rPr>
+              <a:t>스마트폰을</a:t>
+            </a:r>
+            <a:r>
+              <a:rPr lang="ko-KR" altLang="en-US" sz="1200" kern="1200" dirty="0" smtClean="0">
+                <a:solidFill>
+                  <a:schemeClr val="tx1"/>
+                </a:solidFill>
+                <a:latin typeface="Arial" charset="0"/>
+                <a:ea typeface="+mn-ea"/>
+                <a:cs typeface="+mn-cs"/>
+              </a:rPr>
+              <a:t> 터치패드로 쓸 수도 있습니다</a:t>
+            </a:r>
+            <a:r>
+              <a:rPr lang="en-US" altLang="ko-KR" sz="1200" kern="1200" dirty="0" smtClean="0">
+                <a:solidFill>
+                  <a:schemeClr val="tx1"/>
+                </a:solidFill>
+                <a:latin typeface="Arial" charset="0"/>
+                <a:ea typeface="+mn-ea"/>
+                <a:cs typeface="+mn-cs"/>
+              </a:rPr>
               <a:t>. </a:t>
             </a:r>
             <a:r>
@@ -5899,7 +5358,7 @@
                 <a:ea typeface="+mn-ea"/>
                 <a:cs typeface="+mn-cs"/>
               </a:rPr>
-              <a:t>하지만 </a:t>
+              <a:t>이 외에도 스마트폰의 수 많은 다른 기능들을 </a:t>
             </a:r>
             <a:r>
               <a:rPr lang="en-US" altLang="ko-KR" sz="1200" kern="1200" dirty="0" smtClean="0">
@@ -5910,7 +5369,7 @@
                 <a:ea typeface="+mn-ea"/>
                 <a:cs typeface="+mn-cs"/>
               </a:rPr>
-              <a:t>TCP/IP</a:t>
+              <a:t>PC</a:t>
             </a:r>
             <a:r>
               <a:rPr lang="ko-KR" altLang="en-US" sz="1200" kern="1200" dirty="0" smtClean="0">
@@ -5921,29 +5380,7 @@
                 <a:ea typeface="+mn-ea"/>
                 <a:cs typeface="+mn-cs"/>
               </a:rPr>
-              <a:t>로 연결해서 </a:t>
-            </a:r>
-            <a:r>
-              <a:rPr lang="en-US" altLang="ko-KR" sz="1200" kern="1200" dirty="0" smtClean="0">
-                <a:solidFill>
-                  <a:schemeClr val="tx1"/>
-                </a:solidFill>
-                <a:latin typeface="Arial" charset="0"/>
-                <a:ea typeface="+mn-ea"/>
-                <a:cs typeface="+mn-cs"/>
-              </a:rPr>
-              <a:t>USB</a:t>
-            </a:r>
-            <a:r>
-              <a:rPr lang="ko-KR" altLang="en-US" sz="1200" kern="1200" dirty="0" smtClean="0">
-                <a:solidFill>
-                  <a:schemeClr val="tx1"/>
-                </a:solidFill>
-                <a:latin typeface="Arial" charset="0"/>
-                <a:ea typeface="+mn-ea"/>
-                <a:cs typeface="+mn-cs"/>
-              </a:rPr>
-              <a:t>장치를 사용하려면 어플리케이션을 수정 해야 되는 문제점이 있습니다</a:t>
+              <a:t>에서 사용할 수 있습니다</a:t>
             </a:r>
             <a:r>
               <a:rPr lang="en-US" altLang="ko-KR" sz="1200" kern="1200" dirty="0" smtClean="0">
@@ -5964,6 +5401,9 @@
               <a:ea typeface="+mn-ea"/>
               <a:cs typeface="+mn-cs"/>
             </a:endParaRPr>
+          </a:p>
+          <a:p>
+            <a:endParaRPr lang="ko-KR" altLang="en-US" dirty="0"/>
           </a:p>
         </p:txBody>
       </p:sp>
@@ -9170,674 +8610,6 @@
           <a:chExt cx="0" cy="0"/>
         </a:xfrm>
       </p:grpSpPr>
-      <p:pic>
-        <p:nvPicPr>
-          <p:cNvPr id="25" name="Picture 2" descr="C:\Documents and Settings\Administrator\바탕 화면\Untitled-1.png"/>
-          <p:cNvPicPr>
-            <a:picLocks noChangeAspect="1" noChangeArrowheads="1"/>
-          </p:cNvPicPr>
-          <p:nvPr/>
-        </p:nvPicPr>
-        <p:blipFill>
-          <a:blip r:embed="rId3" cstate="print"/>
-          <a:srcRect/>
-          <a:stretch>
-            <a:fillRect/>
-          </a:stretch>
-        </p:blipFill>
-        <p:spPr bwMode="auto">
-          <a:xfrm>
-            <a:off x="755576" y="2276872"/>
-            <a:ext cx="2736304" cy="2592288"/>
-          </a:xfrm>
-          <a:prstGeom prst="rect">
-            <a:avLst/>
-          </a:prstGeom>
-          <a:noFill/>
-        </p:spPr>
-      </p:pic>
-      <p:cxnSp>
-        <p:nvCxnSpPr>
-          <p:cNvPr id="20" name="직선 연결선 19"/>
-          <p:cNvCxnSpPr/>
-          <p:nvPr/>
-        </p:nvCxnSpPr>
-        <p:spPr>
-          <a:xfrm>
-            <a:off x="4583812" y="1700809"/>
-            <a:ext cx="0" cy="3125961"/>
-          </a:xfrm>
-          <a:prstGeom prst="line">
-            <a:avLst/>
-          </a:prstGeom>
-          <a:ln w="38100">
-            <a:solidFill>
-              <a:srgbClr val="000000"/>
-            </a:solidFill>
-            <a:prstDash val="dash"/>
-          </a:ln>
-        </p:spPr>
-        <p:style>
-          <a:lnRef idx="1">
-            <a:schemeClr val="accent1"/>
-          </a:lnRef>
-          <a:fillRef idx="0">
-            <a:schemeClr val="accent1"/>
-          </a:fillRef>
-          <a:effectRef idx="0">
-            <a:schemeClr val="accent1"/>
-          </a:effectRef>
-          <a:fontRef idx="minor">
-            <a:schemeClr val="tx1"/>
-          </a:fontRef>
-        </p:style>
-      </p:cxnSp>
-      <p:sp>
-        <p:nvSpPr>
-          <p:cNvPr id="2" name="제목 1"/>
-          <p:cNvSpPr>
-            <a:spLocks noGrp="1"/>
-          </p:cNvSpPr>
-          <p:nvPr>
-            <p:ph type="title"/>
-          </p:nvPr>
-        </p:nvSpPr>
-        <p:spPr/>
-        <p:txBody>
-          <a:bodyPr/>
-          <a:lstStyle/>
-          <a:p>
-            <a:pPr marL="914400" indent="-914400">
-              <a:buFont typeface="+mj-lt"/>
-              <a:buAutoNum type="arabicPeriod" startAt="4"/>
-            </a:pPr>
-            <a:r>
-              <a:rPr lang="ko-KR" altLang="en-US" sz="5400" spc="600" dirty="0" smtClean="0">
-                <a:solidFill>
-                  <a:srgbClr val="000000"/>
-                </a:solidFill>
-                <a:latin typeface="HY동녘M" pitchFamily="18" charset="-127"/>
-                <a:ea typeface="HY동녘M" pitchFamily="18" charset="-127"/>
-              </a:rPr>
-              <a:t>활용 서비스</a:t>
-            </a:r>
-            <a:endParaRPr lang="ko-KR" altLang="en-US" sz="5400" spc="600" dirty="0">
-              <a:solidFill>
-                <a:srgbClr val="000000"/>
-              </a:solidFill>
-              <a:latin typeface="HY동녘M" pitchFamily="18" charset="-127"/>
-              <a:ea typeface="HY동녘M" pitchFamily="18" charset="-127"/>
-            </a:endParaRPr>
-          </a:p>
-        </p:txBody>
-      </p:sp>
-      <p:pic>
-        <p:nvPicPr>
-          <p:cNvPr id="8" name="그림 7"/>
-          <p:cNvPicPr>
-            <a:picLocks noChangeAspect="1"/>
-          </p:cNvPicPr>
-          <p:nvPr/>
-        </p:nvPicPr>
-        <p:blipFill>
-          <a:blip r:embed="rId4" cstate="print">
-            <a:extLst>
-              <a:ext uri="{28A0092B-C50C-407E-A947-70E740481C1C}">
-                <a14:useLocalDpi xmlns="" xmlns:a14="http://schemas.microsoft.com/office/drawing/2010/main" val="0"/>
-              </a:ext>
-            </a:extLst>
-          </a:blip>
-          <a:stretch>
-            <a:fillRect/>
-          </a:stretch>
-        </p:blipFill>
-        <p:spPr>
-          <a:xfrm>
-            <a:off x="6372200" y="2110840"/>
-            <a:ext cx="1700153" cy="3219986"/>
-          </a:xfrm>
-          <a:prstGeom prst="rect">
-            <a:avLst/>
-          </a:prstGeom>
-        </p:spPr>
-      </p:pic>
-      <p:grpSp>
-        <p:nvGrpSpPr>
-          <p:cNvPr id="3" name="그룹 8"/>
-          <p:cNvGrpSpPr/>
-          <p:nvPr/>
-        </p:nvGrpSpPr>
-        <p:grpSpPr>
-          <a:xfrm>
-            <a:off x="3347864" y="2790910"/>
-            <a:ext cx="3096344" cy="1222528"/>
-            <a:chOff x="3511961" y="3632546"/>
-            <a:chExt cx="1921661" cy="936104"/>
-          </a:xfrm>
-        </p:grpSpPr>
-        <p:sp>
-          <p:nvSpPr>
-            <p:cNvPr id="10" name="아래쪽 화살표 9"/>
-            <p:cNvSpPr/>
-            <p:nvPr/>
-          </p:nvSpPr>
-          <p:spPr>
-            <a:xfrm rot="5400000">
-              <a:off x="3921300" y="3223207"/>
-              <a:ext cx="936104" cy="1754782"/>
-            </a:xfrm>
-            <a:prstGeom prst="downArrow">
-              <a:avLst/>
-            </a:prstGeom>
-          </p:spPr>
-          <p:style>
-            <a:lnRef idx="0">
-              <a:schemeClr val="accent1"/>
-            </a:lnRef>
-            <a:fillRef idx="3">
-              <a:schemeClr val="accent1"/>
-            </a:fillRef>
-            <a:effectRef idx="3">
-              <a:schemeClr val="accent1"/>
-            </a:effectRef>
-            <a:fontRef idx="minor">
-              <a:schemeClr val="lt1"/>
-            </a:fontRef>
-          </p:style>
-          <p:txBody>
-            <a:bodyPr rtlCol="0" anchor="ctr"/>
-            <a:lstStyle/>
-            <a:p>
-              <a:pPr algn="ctr"/>
-              <a:endParaRPr lang="ko-KR" altLang="en-US" dirty="0"/>
-            </a:p>
-          </p:txBody>
-        </p:sp>
-        <p:sp>
-          <p:nvSpPr>
-            <p:cNvPr id="11" name="TextBox 10"/>
-            <p:cNvSpPr txBox="1"/>
-            <p:nvPr/>
-          </p:nvSpPr>
-          <p:spPr>
-            <a:xfrm>
-              <a:off x="3707361" y="3894436"/>
-              <a:ext cx="1726261" cy="400636"/>
-            </a:xfrm>
-            <a:prstGeom prst="rect">
-              <a:avLst/>
-            </a:prstGeom>
-            <a:noFill/>
-          </p:spPr>
-          <p:txBody>
-            <a:bodyPr wrap="none" rtlCol="0">
-              <a:spAutoFit/>
-            </a:bodyPr>
-            <a:lstStyle/>
-            <a:p>
-              <a:r>
-                <a:rPr lang="en-US" altLang="ko-KR" sz="2800" dirty="0" smtClean="0">
-                  <a:solidFill>
-                    <a:schemeClr val="tx2">
-                      <a:lumMod val="50000"/>
-                    </a:schemeClr>
-                  </a:solidFill>
-                </a:rPr>
-                <a:t>Android-USB</a:t>
-              </a:r>
-              <a:endParaRPr lang="ko-KR" altLang="en-US" sz="2800" dirty="0">
-                <a:solidFill>
-                  <a:schemeClr val="tx2">
-                    <a:lumMod val="50000"/>
-                  </a:schemeClr>
-                </a:solidFill>
-              </a:endParaRPr>
-            </a:p>
-          </p:txBody>
-        </p:sp>
-      </p:grpSp>
-      <p:pic>
-        <p:nvPicPr>
-          <p:cNvPr id="1027" name="Picture 3" descr="C:\Documents and Settings\XP\바탕 화면\무제-1.png"/>
-          <p:cNvPicPr>
-            <a:picLocks noChangeAspect="1" noChangeArrowheads="1"/>
-          </p:cNvPicPr>
-          <p:nvPr/>
-        </p:nvPicPr>
-        <p:blipFill>
-          <a:blip r:embed="rId5" cstate="print">
-            <a:extLst>
-              <a:ext uri="{28A0092B-C50C-407E-A947-70E740481C1C}">
-                <a14:useLocalDpi xmlns="" xmlns:a14="http://schemas.microsoft.com/office/drawing/2010/main" val="0"/>
-              </a:ext>
-            </a:extLst>
-          </a:blip>
-          <a:srcRect/>
-          <a:stretch>
-            <a:fillRect/>
-          </a:stretch>
-        </p:blipFill>
-        <p:spPr bwMode="auto">
-          <a:xfrm>
-            <a:off x="6657065" y="2954562"/>
-            <a:ext cx="476250" cy="476250"/>
-          </a:xfrm>
-          <a:prstGeom prst="rect">
-            <a:avLst/>
-          </a:prstGeom>
-          <a:noFill/>
-          <a:extLst>
-            <a:ext uri="{909E8E84-426E-40DD-AFC4-6F175D3DCCD1}">
-              <a14:hiddenFill xmlns="" xmlns:a14="http://schemas.microsoft.com/office/drawing/2010/main">
-                <a:solidFill>
-                  <a:srgbClr val="FFFFFF"/>
-                </a:solidFill>
-              </a14:hiddenFill>
-            </a:ext>
-          </a:extLst>
-        </p:spPr>
-      </p:pic>
-      <p:pic>
-        <p:nvPicPr>
-          <p:cNvPr id="1028" name="Picture 4" descr="C:\Documents and Settings\XP\바탕 화면\메시지.png"/>
-          <p:cNvPicPr>
-            <a:picLocks noChangeAspect="1" noChangeArrowheads="1"/>
-          </p:cNvPicPr>
-          <p:nvPr/>
-        </p:nvPicPr>
-        <p:blipFill>
-          <a:blip r:embed="rId6" cstate="print">
-            <a:extLst>
-              <a:ext uri="{28A0092B-C50C-407E-A947-70E740481C1C}">
-                <a14:useLocalDpi xmlns="" xmlns:a14="http://schemas.microsoft.com/office/drawing/2010/main" val="0"/>
-              </a:ext>
-            </a:extLst>
-          </a:blip>
-          <a:srcRect/>
-          <a:stretch>
-            <a:fillRect/>
-          </a:stretch>
-        </p:blipFill>
-        <p:spPr bwMode="auto">
-          <a:xfrm>
-            <a:off x="7336110" y="2966002"/>
-            <a:ext cx="476250" cy="476250"/>
-          </a:xfrm>
-          <a:prstGeom prst="rect">
-            <a:avLst/>
-          </a:prstGeom>
-          <a:noFill/>
-          <a:extLst>
-            <a:ext uri="{909E8E84-426E-40DD-AFC4-6F175D3DCCD1}">
-              <a14:hiddenFill xmlns="" xmlns:a14="http://schemas.microsoft.com/office/drawing/2010/main">
-                <a:solidFill>
-                  <a:srgbClr val="FFFFFF"/>
-                </a:solidFill>
-              </a14:hiddenFill>
-            </a:ext>
-          </a:extLst>
-        </p:spPr>
-      </p:pic>
-      <p:pic>
-        <p:nvPicPr>
-          <p:cNvPr id="18" name="Picture 3" descr="C:\Documents and Settings\XP\바탕 화면\무제-1.png"/>
-          <p:cNvPicPr>
-            <a:picLocks noChangeAspect="1" noChangeArrowheads="1"/>
-          </p:cNvPicPr>
-          <p:nvPr/>
-        </p:nvPicPr>
-        <p:blipFill>
-          <a:blip r:embed="rId5" cstate="print">
-            <a:extLst>
-              <a:ext uri="{28A0092B-C50C-407E-A947-70E740481C1C}">
-                <a14:useLocalDpi xmlns="" xmlns:a14="http://schemas.microsoft.com/office/drawing/2010/main" val="0"/>
-              </a:ext>
-            </a:extLst>
-          </a:blip>
-          <a:srcRect/>
-          <a:stretch>
-            <a:fillRect/>
-          </a:stretch>
-        </p:blipFill>
-        <p:spPr bwMode="auto">
-          <a:xfrm>
-            <a:off x="1547664" y="2594522"/>
-            <a:ext cx="476250" cy="476250"/>
-          </a:xfrm>
-          <a:prstGeom prst="rect">
-            <a:avLst/>
-          </a:prstGeom>
-          <a:noFill/>
-          <a:extLst>
-            <a:ext uri="{909E8E84-426E-40DD-AFC4-6F175D3DCCD1}">
-              <a14:hiddenFill xmlns="" xmlns:a14="http://schemas.microsoft.com/office/drawing/2010/main">
-                <a:solidFill>
-                  <a:srgbClr val="FFFFFF"/>
-                </a:solidFill>
-              </a14:hiddenFill>
-            </a:ext>
-          </a:extLst>
-        </p:spPr>
-      </p:pic>
-      <p:pic>
-        <p:nvPicPr>
-          <p:cNvPr id="19" name="Picture 4" descr="C:\Documents and Settings\XP\바탕 화면\메시지.png"/>
-          <p:cNvPicPr>
-            <a:picLocks noChangeAspect="1" noChangeArrowheads="1"/>
-          </p:cNvPicPr>
-          <p:nvPr/>
-        </p:nvPicPr>
-        <p:blipFill>
-          <a:blip r:embed="rId6" cstate="print">
-            <a:extLst>
-              <a:ext uri="{28A0092B-C50C-407E-A947-70E740481C1C}">
-                <a14:useLocalDpi xmlns="" xmlns:a14="http://schemas.microsoft.com/office/drawing/2010/main" val="0"/>
-              </a:ext>
-            </a:extLst>
-          </a:blip>
-          <a:srcRect/>
-          <a:stretch>
-            <a:fillRect/>
-          </a:stretch>
-        </p:blipFill>
-        <p:spPr bwMode="auto">
-          <a:xfrm>
-            <a:off x="2226709" y="2605962"/>
-            <a:ext cx="476250" cy="476250"/>
-          </a:xfrm>
-          <a:prstGeom prst="rect">
-            <a:avLst/>
-          </a:prstGeom>
-          <a:noFill/>
-          <a:extLst>
-            <a:ext uri="{909E8E84-426E-40DD-AFC4-6F175D3DCCD1}">
-              <a14:hiddenFill xmlns="" xmlns:a14="http://schemas.microsoft.com/office/drawing/2010/main">
-                <a:solidFill>
-                  <a:srgbClr val="FFFFFF"/>
-                </a:solidFill>
-              </a14:hiddenFill>
-            </a:ext>
-          </a:extLst>
-        </p:spPr>
-      </p:pic>
-      <p:sp>
-        <p:nvSpPr>
-          <p:cNvPr id="22" name="TextBox 21"/>
-          <p:cNvSpPr txBox="1"/>
-          <p:nvPr/>
-        </p:nvSpPr>
-        <p:spPr>
-          <a:xfrm>
-            <a:off x="1605627" y="1700808"/>
-            <a:ext cx="1039067" cy="461665"/>
-          </a:xfrm>
-          <a:prstGeom prst="rect">
-            <a:avLst/>
-          </a:prstGeom>
-          <a:noFill/>
-        </p:spPr>
-        <p:txBody>
-          <a:bodyPr wrap="none" rtlCol="0">
-            <a:spAutoFit/>
-          </a:bodyPr>
-          <a:lstStyle/>
-          <a:p>
-            <a:r>
-              <a:rPr lang="en-US" altLang="ko-KR" b="1" dirty="0" smtClean="0">
-                <a:solidFill>
-                  <a:srgbClr val="000000"/>
-                </a:solidFill>
-              </a:rPr>
-              <a:t>Client</a:t>
-            </a:r>
-            <a:endParaRPr lang="ko-KR" altLang="en-US" b="1" dirty="0">
-              <a:solidFill>
-                <a:srgbClr val="000000"/>
-              </a:solidFill>
-            </a:endParaRPr>
-          </a:p>
-        </p:txBody>
-      </p:sp>
-      <p:sp>
-        <p:nvSpPr>
-          <p:cNvPr id="23" name="TextBox 22"/>
-          <p:cNvSpPr txBox="1"/>
-          <p:nvPr/>
-        </p:nvSpPr>
-        <p:spPr>
-          <a:xfrm>
-            <a:off x="6701301" y="1700809"/>
-            <a:ext cx="1144865" cy="461665"/>
-          </a:xfrm>
-          <a:prstGeom prst="rect">
-            <a:avLst/>
-          </a:prstGeom>
-          <a:noFill/>
-        </p:spPr>
-        <p:txBody>
-          <a:bodyPr wrap="none" rtlCol="0">
-            <a:spAutoFit/>
-          </a:bodyPr>
-          <a:lstStyle/>
-          <a:p>
-            <a:r>
-              <a:rPr lang="en-US" altLang="ko-KR" b="1" dirty="0" smtClean="0">
-                <a:solidFill>
-                  <a:srgbClr val="000000"/>
-                </a:solidFill>
-              </a:rPr>
-              <a:t>Server</a:t>
-            </a:r>
-            <a:endParaRPr lang="ko-KR" altLang="en-US" b="1" dirty="0">
-              <a:solidFill>
-                <a:srgbClr val="000000"/>
-              </a:solidFill>
-            </a:endParaRPr>
-          </a:p>
-        </p:txBody>
-      </p:sp>
-      <p:pic>
-        <p:nvPicPr>
-          <p:cNvPr id="16" name="Picture 6" descr="C:\Documents and Settings\XP\바탕 화면\카메라.png"/>
-          <p:cNvPicPr>
-            <a:picLocks noChangeAspect="1" noChangeArrowheads="1"/>
-          </p:cNvPicPr>
-          <p:nvPr/>
-        </p:nvPicPr>
-        <p:blipFill>
-          <a:blip r:embed="rId7" cstate="print">
-            <a:extLst>
-              <a:ext uri="{28A0092B-C50C-407E-A947-70E740481C1C}">
-                <a14:useLocalDpi xmlns="" xmlns:a14="http://schemas.microsoft.com/office/drawing/2010/main" val="0"/>
-              </a:ext>
-            </a:extLst>
-          </a:blip>
-          <a:srcRect/>
-          <a:stretch>
-            <a:fillRect/>
-          </a:stretch>
-        </p:blipFill>
-        <p:spPr bwMode="auto">
-          <a:xfrm>
-            <a:off x="7035608" y="3560451"/>
-            <a:ext cx="476250" cy="476250"/>
-          </a:xfrm>
-          <a:prstGeom prst="rect">
-            <a:avLst/>
-          </a:prstGeom>
-          <a:noFill/>
-          <a:extLst>
-            <a:ext uri="{909E8E84-426E-40DD-AFC4-6F175D3DCCD1}">
-              <a14:hiddenFill xmlns="" xmlns:a14="http://schemas.microsoft.com/office/drawing/2010/main">
-                <a:solidFill>
-                  <a:srgbClr val="FFFFFF"/>
-                </a:solidFill>
-              </a14:hiddenFill>
-            </a:ext>
-          </a:extLst>
-        </p:spPr>
-      </p:pic>
-      <p:pic>
-        <p:nvPicPr>
-          <p:cNvPr id="17" name="Picture 5" descr="C:\Documents and Settings\XP\바탕 화면\사진.png"/>
-          <p:cNvPicPr>
-            <a:picLocks noChangeAspect="1" noChangeArrowheads="1"/>
-          </p:cNvPicPr>
-          <p:nvPr/>
-        </p:nvPicPr>
-        <p:blipFill>
-          <a:blip r:embed="rId8" cstate="print">
-            <a:extLst>
-              <a:ext uri="{28A0092B-C50C-407E-A947-70E740481C1C}">
-                <a14:useLocalDpi xmlns="" xmlns:a14="http://schemas.microsoft.com/office/drawing/2010/main" val="0"/>
-              </a:ext>
-            </a:extLst>
-          </a:blip>
-          <a:srcRect/>
-          <a:stretch>
-            <a:fillRect/>
-          </a:stretch>
-        </p:blipFill>
-        <p:spPr bwMode="auto">
-          <a:xfrm>
-            <a:off x="1887035" y="3273609"/>
-            <a:ext cx="476250" cy="476250"/>
-          </a:xfrm>
-          <a:prstGeom prst="rect">
-            <a:avLst/>
-          </a:prstGeom>
-          <a:noFill/>
-          <a:extLst>
-            <a:ext uri="{909E8E84-426E-40DD-AFC4-6F175D3DCCD1}">
-              <a14:hiddenFill xmlns="" xmlns:a14="http://schemas.microsoft.com/office/drawing/2010/main">
-                <a:solidFill>
-                  <a:srgbClr val="FFFFFF"/>
-                </a:solidFill>
-              </a14:hiddenFill>
-            </a:ext>
-          </a:extLst>
-        </p:spPr>
-      </p:pic>
-      <p:pic>
-        <p:nvPicPr>
-          <p:cNvPr id="21" name="Picture 2" descr="C:\Documents and Settings\XP\바탕 화면\무제-1.png"/>
-          <p:cNvPicPr>
-            <a:picLocks noChangeAspect="1" noChangeArrowheads="1"/>
-          </p:cNvPicPr>
-          <p:nvPr/>
-        </p:nvPicPr>
-        <p:blipFill>
-          <a:blip r:embed="rId9" cstate="print">
-            <a:extLst>
-              <a:ext uri="{28A0092B-C50C-407E-A947-70E740481C1C}">
-                <a14:useLocalDpi xmlns="" xmlns:a14="http://schemas.microsoft.com/office/drawing/2010/main" val="0"/>
-              </a:ext>
-            </a:extLst>
-          </a:blip>
-          <a:srcRect/>
-          <a:stretch>
-            <a:fillRect/>
-          </a:stretch>
-        </p:blipFill>
-        <p:spPr bwMode="auto">
-          <a:xfrm>
-            <a:off x="3059832" y="4538738"/>
-            <a:ext cx="1261769" cy="1261769"/>
-          </a:xfrm>
-          <a:prstGeom prst="rect">
-            <a:avLst/>
-          </a:prstGeom>
-          <a:noFill/>
-          <a:extLst>
-            <a:ext uri="{909E8E84-426E-40DD-AFC4-6F175D3DCCD1}">
-              <a14:hiddenFill xmlns="" xmlns:a14="http://schemas.microsoft.com/office/drawing/2010/main">
-                <a:solidFill>
-                  <a:srgbClr val="FFFFFF"/>
-                </a:solidFill>
-              </a14:hiddenFill>
-            </a:ext>
-          </a:extLst>
-        </p:spPr>
-      </p:pic>
-      <p:pic>
-        <p:nvPicPr>
-          <p:cNvPr id="24" name="Picture 3" descr="C:\Documents and Settings\XP\바탕 화면\무제-2.png"/>
-          <p:cNvPicPr>
-            <a:picLocks noChangeAspect="1" noChangeArrowheads="1"/>
-          </p:cNvPicPr>
-          <p:nvPr/>
-        </p:nvPicPr>
-        <p:blipFill>
-          <a:blip r:embed="rId10" cstate="print">
-            <a:extLst>
-              <a:ext uri="{28A0092B-C50C-407E-A947-70E740481C1C}">
-                <a14:useLocalDpi xmlns="" xmlns:a14="http://schemas.microsoft.com/office/drawing/2010/main" val="0"/>
-              </a:ext>
-            </a:extLst>
-          </a:blip>
-          <a:srcRect/>
-          <a:stretch>
-            <a:fillRect/>
-          </a:stretch>
-        </p:blipFill>
-        <p:spPr bwMode="auto">
-          <a:xfrm>
-            <a:off x="7540649" y="3638724"/>
-            <a:ext cx="1332969" cy="1332969"/>
-          </a:xfrm>
-          <a:prstGeom prst="rect">
-            <a:avLst/>
-          </a:prstGeom>
-          <a:noFill/>
-          <a:extLst>
-            <a:ext uri="{909E8E84-426E-40DD-AFC4-6F175D3DCCD1}">
-              <a14:hiddenFill xmlns="" xmlns:a14="http://schemas.microsoft.com/office/drawing/2010/main">
-                <a:solidFill>
-                  <a:srgbClr val="FFFFFF"/>
-                </a:solidFill>
-              </a14:hiddenFill>
-            </a:ext>
-          </a:extLst>
-        </p:spPr>
-      </p:pic>
-    </p:spTree>
-    <p:extLst>
-      <p:ext uri="{BB962C8B-B14F-4D97-AF65-F5344CB8AC3E}">
-        <p14:creationId xmlns="" xmlns:p14="http://schemas.microsoft.com/office/powerpoint/2010/main" val="1407908346"/>
-      </p:ext>
-    </p:extLst>
-  </p:cSld>
-  <p:clrMapOvr>
-    <a:masterClrMapping/>
-  </p:clrMapOvr>
-  <p:transition advClick="0" advTm="20000"/>
-  <p:timing>
-    <p:tnLst>
-      <p:par>
-        <p:cTn id="1" dur="indefinite" restart="never" nodeType="tmRoot"/>
-      </p:par>
-    </p:tnLst>
-  </p:timing>
-</p:sld>
-</file>
-
-<file path=ppt/slides/slide11.xml><?xml version="1.0" encoding="utf-8"?>
-<p:sld xmlns:a="http://schemas.openxmlformats.org/drawingml/2006/main" xmlns:r="http://schemas.openxmlformats.org/officeDocument/2006/relationships" xmlns:p="http://schemas.openxmlformats.org/presentationml/2006/main">
-  <p:cSld>
-    <p:spTree>
-      <p:nvGrpSpPr>
-        <p:cNvPr id="1" name=""/>
-        <p:cNvGrpSpPr/>
-        <p:nvPr/>
-      </p:nvGrpSpPr>
-      <p:grpSpPr>
-        <a:xfrm>
-          <a:off x="0" y="0"/>
-          <a:ext cx="0" cy="0"/>
-          <a:chOff x="0" y="0"/>
-          <a:chExt cx="0" cy="0"/>
-        </a:xfrm>
-      </p:grpSpPr>
       <p:sp>
         <p:nvSpPr>
           <p:cNvPr id="6" name="모서리가 둥근 직사각형 5"/>
@@ -9938,7 +8710,7 @@
         <p:spPr>
           <a:xfrm>
             <a:off x="971600" y="1268760"/>
-            <a:ext cx="7416824" cy="4267200"/>
+            <a:ext cx="5544616" cy="576064"/>
           </a:xfrm>
         </p:spPr>
         <p:txBody>
@@ -10218,7 +8990,7 @@
 </p:sld>
 </file>
 
-<file path=ppt/slides/slide12.xml><?xml version="1.0" encoding="utf-8"?>
+<file path=ppt/slides/slide11.xml><?xml version="1.0" encoding="utf-8"?>
 <p:sld xmlns:a="http://schemas.openxmlformats.org/drawingml/2006/main" xmlns:r="http://schemas.openxmlformats.org/officeDocument/2006/relationships" xmlns:p="http://schemas.openxmlformats.org/presentationml/2006/main">
   <p:cSld>
     <p:spTree>
@@ -10797,7 +9569,7 @@
 </p:sld>
 </file>
 
-<file path=ppt/slides/slide13.xml><?xml version="1.0" encoding="utf-8"?>
+<file path=ppt/slides/slide12.xml><?xml version="1.0" encoding="utf-8"?>
 <p:sld xmlns:a="http://schemas.openxmlformats.org/drawingml/2006/main" xmlns:r="http://schemas.openxmlformats.org/officeDocument/2006/relationships" xmlns:p="http://schemas.openxmlformats.org/presentationml/2006/main">
   <p:cSld>
     <p:spTree>
@@ -10866,7 +9638,7 @@
         <p:spPr>
           <a:xfrm>
             <a:off x="971600" y="1268760"/>
-            <a:ext cx="7416824" cy="4267200"/>
+            <a:ext cx="4032448" cy="576064"/>
           </a:xfrm>
         </p:spPr>
         <p:txBody>
@@ -11909,7 +10681,7 @@
         </p:nvSpPr>
         <p:spPr>
           <a:xfrm>
-            <a:off x="4001136" y="5185733"/>
+            <a:off x="4001136" y="5200247"/>
             <a:ext cx="1865863" cy="821420"/>
           </a:xfrm>
           <a:prstGeom prst="rect">
@@ -12415,8 +11187,8 @@
         </p:nvCxnSpPr>
         <p:spPr bwMode="auto">
           <a:xfrm flipH="1">
-            <a:off x="2549431" y="5596443"/>
-            <a:ext cx="1451705" cy="16171"/>
+            <a:off x="2549431" y="5610957"/>
+            <a:ext cx="1451705" cy="1657"/>
           </a:xfrm>
           <a:prstGeom prst="straightConnector1">
             <a:avLst/>
@@ -12617,7 +11389,7 @@
 </p:sld>
 </file>
 
-<file path=ppt/slides/slide14.xml><?xml version="1.0" encoding="utf-8"?>
+<file path=ppt/slides/slide13.xml><?xml version="1.0" encoding="utf-8"?>
 <p:sld xmlns:a="http://schemas.openxmlformats.org/drawingml/2006/main" xmlns:r="http://schemas.openxmlformats.org/officeDocument/2006/relationships" xmlns:p="http://schemas.openxmlformats.org/presentationml/2006/main">
   <p:cSld>
     <p:spTree>
@@ -12686,7 +11458,7 @@
         <p:spPr>
           <a:xfrm>
             <a:off x="971600" y="1268760"/>
-            <a:ext cx="7416824" cy="4267200"/>
+            <a:ext cx="2592288" cy="576064"/>
           </a:xfrm>
         </p:spPr>
         <p:txBody>
@@ -12885,7 +11657,7 @@
 </p:sld>
 </file>
 
-<file path=ppt/slides/slide15.xml><?xml version="1.0" encoding="utf-8"?>
+<file path=ppt/slides/slide14.xml><?xml version="1.0" encoding="utf-8"?>
 <p:sld xmlns:a="http://schemas.openxmlformats.org/drawingml/2006/main" xmlns:r="http://schemas.openxmlformats.org/officeDocument/2006/relationships" xmlns:p="http://schemas.openxmlformats.org/presentationml/2006/main">
   <p:cSld>
     <p:spTree>
@@ -13680,6 +12452,90 @@
 </p:sld>
 </file>
 
+<file path=ppt/slides/slide15.xml><?xml version="1.0" encoding="utf-8"?>
+<p:sld xmlns:a="http://schemas.openxmlformats.org/drawingml/2006/main" xmlns:r="http://schemas.openxmlformats.org/officeDocument/2006/relationships" xmlns:p="http://schemas.openxmlformats.org/presentationml/2006/main">
+  <p:cSld>
+    <p:spTree>
+      <p:nvGrpSpPr>
+        <p:cNvPr id="1" name=""/>
+        <p:cNvGrpSpPr/>
+        <p:nvPr/>
+      </p:nvGrpSpPr>
+      <p:grpSpPr>
+        <a:xfrm>
+          <a:off x="0" y="0"/>
+          <a:ext cx="0" cy="0"/>
+          <a:chOff x="0" y="0"/>
+          <a:chExt cx="0" cy="0"/>
+        </a:xfrm>
+      </p:grpSpPr>
+      <p:sp>
+        <p:nvSpPr>
+          <p:cNvPr id="2" name="제목 1"/>
+          <p:cNvSpPr>
+            <a:spLocks noGrp="1"/>
+          </p:cNvSpPr>
+          <p:nvPr>
+            <p:ph type="title"/>
+          </p:nvPr>
+        </p:nvSpPr>
+        <p:spPr/>
+        <p:txBody>
+          <a:bodyPr/>
+          <a:lstStyle/>
+          <a:p>
+            <a:pPr marL="914400" indent="-914400"/>
+            <a:r>
+              <a:rPr lang="en-US" altLang="ko-KR" sz="5400" spc="600" dirty="0" smtClean="0">
+                <a:solidFill>
+                  <a:srgbClr val="000000"/>
+                </a:solidFill>
+                <a:latin typeface="HY동녘M" pitchFamily="18" charset="-127"/>
+                <a:ea typeface="HY동녘M" pitchFamily="18" charset="-127"/>
+              </a:rPr>
+              <a:t>5. </a:t>
+            </a:r>
+            <a:r>
+              <a:rPr lang="ko-KR" altLang="en-US" sz="5400" spc="600" dirty="0" smtClean="0">
+                <a:solidFill>
+                  <a:srgbClr val="000000"/>
+                </a:solidFill>
+                <a:latin typeface="HY동녘M" pitchFamily="18" charset="-127"/>
+                <a:ea typeface="HY동녘M" pitchFamily="18" charset="-127"/>
+              </a:rPr>
+              <a:t>요약</a:t>
+            </a:r>
+            <a:endParaRPr lang="en-US" altLang="ko-KR" sz="5400" dirty="0">
+              <a:solidFill>
+                <a:srgbClr val="000000"/>
+              </a:solidFill>
+              <a:latin typeface="HY동녘M" pitchFamily="18" charset="-127"/>
+              <a:ea typeface="HY동녘M" pitchFamily="18" charset="-127"/>
+            </a:endParaRPr>
+          </a:p>
+        </p:txBody>
+      </p:sp>
+    </p:spTree>
+    <p:extLst>
+      <p:ext uri="{BB962C8B-B14F-4D97-AF65-F5344CB8AC3E}">
+        <p14:creationId xmlns="" xmlns:p14="http://schemas.microsoft.com/office/powerpoint/2010/main" val="2718990012"/>
+      </p:ext>
+    </p:extLst>
+  </p:cSld>
+  <p:clrMapOvr>
+    <a:masterClrMapping/>
+  </p:clrMapOvr>
+  <p:transition advClick="0" advTm="20000"/>
+  <p:timing>
+    <p:tnLst>
+      <p:par>
+        <p:cTn id="1" dur="indefinite" restart="never" nodeType="tmRoot"/>
+      </p:par>
+    </p:tnLst>
+  </p:timing>
+</p:sld>
+</file>
+
 <file path=ppt/slides/slide2.xml><?xml version="1.0" encoding="utf-8"?>
 <p:sld xmlns:a="http://schemas.openxmlformats.org/drawingml/2006/main" xmlns:r="http://schemas.openxmlformats.org/officeDocument/2006/relationships" xmlns:p="http://schemas.openxmlformats.org/presentationml/2006/main">
   <p:cSld>
@@ -13749,7 +12605,7 @@
           </p:nvPr>
         </p:nvGraphicFramePr>
         <p:xfrm>
-          <a:off x="4572000" y="2011419"/>
+          <a:off x="4572000" y="1219601"/>
           <a:ext cx="4176464" cy="3780420"/>
         </p:xfrm>
         <a:graphic>
@@ -13758,84 +12614,6 @@
           </a:graphicData>
         </a:graphic>
       </p:graphicFrame>
-      <p:graphicFrame>
-        <p:nvGraphicFramePr>
-          <p:cNvPr id="7" name="차트 6"/>
-          <p:cNvGraphicFramePr/>
-          <p:nvPr>
-            <p:extLst>
-              <p:ext uri="{D42A27DB-BD31-4B8C-83A1-F6EECF244321}">
-                <p14:modId xmlns="" xmlns:p14="http://schemas.microsoft.com/office/powerpoint/2010/main" val="550831738"/>
-              </p:ext>
-            </p:extLst>
-          </p:nvPr>
-        </p:nvGraphicFramePr>
-        <p:xfrm>
-          <a:off x="251520" y="2082959"/>
-          <a:ext cx="4213534" cy="3744416"/>
-        </p:xfrm>
-        <a:graphic>
-          <a:graphicData uri="http://schemas.openxmlformats.org/drawingml/2006/chart">
-            <c:chart xmlns:c="http://schemas.openxmlformats.org/drawingml/2006/chart" xmlns:r="http://schemas.openxmlformats.org/officeDocument/2006/relationships" r:id="rId4"/>
-          </a:graphicData>
-        </a:graphic>
-      </p:graphicFrame>
-      <p:sp>
-        <p:nvSpPr>
-          <p:cNvPr id="8" name="TextBox 7"/>
-          <p:cNvSpPr txBox="1"/>
-          <p:nvPr/>
-        </p:nvSpPr>
-        <p:spPr>
-          <a:xfrm>
-            <a:off x="2051720" y="5827375"/>
-            <a:ext cx="2808312" cy="584775"/>
-          </a:xfrm>
-          <a:prstGeom prst="rect">
-            <a:avLst/>
-          </a:prstGeom>
-          <a:noFill/>
-        </p:spPr>
-        <p:txBody>
-          <a:bodyPr wrap="square" rtlCol="0">
-            <a:spAutoFit/>
-          </a:bodyPr>
-          <a:lstStyle/>
-          <a:p>
-            <a:r>
-              <a:rPr lang="ko-KR" altLang="en-US" sz="1600" dirty="0" smtClean="0"/>
-              <a:t>출처 </a:t>
-            </a:r>
-            <a:r>
-              <a:rPr lang="en-US" altLang="ko-KR" sz="1600" dirty="0" smtClean="0"/>
-              <a:t>: </a:t>
-            </a:r>
-            <a:r>
-              <a:rPr lang="ko-KR" altLang="en-US" sz="1600" dirty="0" smtClean="0"/>
-              <a:t>각통신사</a:t>
-            </a:r>
-            <a:r>
-              <a:rPr lang="en-US" altLang="ko-KR" sz="1600" dirty="0" smtClean="0"/>
-              <a:t>, </a:t>
-            </a:r>
-          </a:p>
-          <a:p>
-            <a:r>
-              <a:rPr lang="en-US" altLang="ko-KR" sz="1600" dirty="0"/>
-              <a:t> </a:t>
-            </a:r>
-            <a:r>
-              <a:rPr lang="en-US" altLang="ko-KR" sz="1600" dirty="0" smtClean="0"/>
-              <a:t>                    </a:t>
-            </a:r>
-            <a:r>
-              <a:rPr lang="ko-KR" altLang="en-US" sz="1600" dirty="0" smtClean="0"/>
-              <a:t>방송통신위원회</a:t>
-            </a:r>
-            <a:endParaRPr lang="en-US" altLang="ko-KR" sz="1600" dirty="0" smtClean="0"/>
-          </a:p>
-        </p:txBody>
-      </p:sp>
       <p:sp>
         <p:nvSpPr>
           <p:cNvPr id="9" name="TextBox 8"/>
@@ -13844,7 +12622,7 @@
         </p:nvSpPr>
         <p:spPr>
           <a:xfrm>
-            <a:off x="6876256" y="5826480"/>
+            <a:off x="6876256" y="5034662"/>
             <a:ext cx="1800200" cy="338554"/>
           </a:xfrm>
           <a:prstGeom prst="rect">
@@ -13869,6 +12647,70 @@
             <a:r>
               <a:rPr lang="ko-KR" altLang="en-US" sz="1600" dirty="0" err="1"/>
               <a:t>행정안전부</a:t>
+            </a:r>
+            <a:endParaRPr lang="ko-KR" altLang="en-US" sz="1600" dirty="0"/>
+          </a:p>
+        </p:txBody>
+      </p:sp>
+      <p:pic>
+        <p:nvPicPr>
+          <p:cNvPr id="1026" name="Picture 2" descr="C:\Documents and Settings\XP\바탕 화면\number-of-android-apps.png"/>
+          <p:cNvPicPr>
+            <a:picLocks noChangeAspect="1" noChangeArrowheads="1"/>
+          </p:cNvPicPr>
+          <p:nvPr/>
+        </p:nvPicPr>
+        <p:blipFill>
+          <a:blip r:embed="rId4" cstate="print"/>
+          <a:srcRect/>
+          <a:stretch>
+            <a:fillRect/>
+          </a:stretch>
+        </p:blipFill>
+        <p:spPr bwMode="auto">
+          <a:xfrm>
+            <a:off x="611560" y="1412776"/>
+            <a:ext cx="3891682" cy="3600670"/>
+          </a:xfrm>
+          <a:prstGeom prst="rect">
+            <a:avLst/>
+          </a:prstGeom>
+          <a:noFill/>
+        </p:spPr>
+      </p:pic>
+      <p:sp>
+        <p:nvSpPr>
+          <p:cNvPr id="10" name="TextBox 9"/>
+          <p:cNvSpPr txBox="1"/>
+          <p:nvPr/>
+        </p:nvSpPr>
+        <p:spPr>
+          <a:xfrm>
+            <a:off x="2771800" y="5013176"/>
+            <a:ext cx="1800200" cy="338554"/>
+          </a:xfrm>
+          <a:prstGeom prst="rect">
+            <a:avLst/>
+          </a:prstGeom>
+          <a:noFill/>
+        </p:spPr>
+        <p:txBody>
+          <a:bodyPr wrap="square" rtlCol="0">
+            <a:spAutoFit/>
+          </a:bodyPr>
+          <a:lstStyle/>
+          <a:p>
+            <a:r>
+              <a:rPr lang="ko-KR" altLang="en-US" sz="1600" dirty="0" smtClean="0"/>
+              <a:t>출처 </a:t>
+            </a:r>
+            <a:r>
+              <a:rPr lang="en-US" altLang="ko-KR" sz="1600" dirty="0"/>
+              <a:t>: </a:t>
+            </a:r>
+            <a:r>
+              <a:rPr lang="en-US" altLang="ko-KR" sz="1600" dirty="0" err="1" smtClean="0"/>
+              <a:t>AppBrain</a:t>
             </a:r>
             <a:endParaRPr lang="ko-KR" altLang="en-US" sz="1600" dirty="0"/>
           </a:p>
@@ -13961,7 +12803,12 @@
             <p:ph idx="1"/>
           </p:nvPr>
         </p:nvSpPr>
-        <p:spPr/>
+        <p:spPr>
+          <a:xfrm>
+            <a:off x="1066800" y="1524000"/>
+            <a:ext cx="4513312" cy="680864"/>
+          </a:xfrm>
+        </p:spPr>
         <p:txBody>
           <a:bodyPr/>
           <a:lstStyle/>
@@ -14383,7 +13230,12 @@
             <p:ph idx="1"/>
           </p:nvPr>
         </p:nvSpPr>
-        <p:spPr/>
+        <p:spPr>
+          <a:xfrm>
+            <a:off x="1066800" y="1524000"/>
+            <a:ext cx="1921024" cy="608856"/>
+          </a:xfrm>
+        </p:spPr>
         <p:txBody>
           <a:bodyPr/>
           <a:lstStyle/>
@@ -14412,7 +13264,7 @@
         </p:nvSpPr>
         <p:spPr>
           <a:xfrm>
-            <a:off x="2785054" y="4787860"/>
+            <a:off x="2411760" y="3573016"/>
             <a:ext cx="4667266" cy="461665"/>
           </a:xfrm>
           <a:prstGeom prst="rect">
@@ -14489,8 +13341,8 @@
         </p:blipFill>
         <p:spPr>
           <a:xfrm>
-            <a:off x="5580112" y="2780928"/>
-            <a:ext cx="3259008" cy="1805136"/>
+            <a:off x="5580112" y="2204864"/>
+            <a:ext cx="3259008" cy="1152128"/>
           </a:xfrm>
           <a:prstGeom prst="rect">
             <a:avLst/>
@@ -14517,598 +13369,23 @@
         </p:blipFill>
         <p:spPr>
           <a:xfrm>
-            <a:off x="704022" y="2780928"/>
-            <a:ext cx="4162063" cy="2006932"/>
+            <a:off x="704022" y="2204864"/>
+            <a:ext cx="4162063" cy="1280924"/>
           </a:xfrm>
           <a:prstGeom prst="rect">
             <a:avLst/>
           </a:prstGeom>
         </p:spPr>
       </p:pic>
-    </p:spTree>
-    <p:extLst>
-      <p:ext uri="{BB962C8B-B14F-4D97-AF65-F5344CB8AC3E}">
-        <p14:creationId xmlns="" xmlns:p14="http://schemas.microsoft.com/office/powerpoint/2010/main" val="846475234"/>
-      </p:ext>
-    </p:extLst>
-  </p:cSld>
-  <p:clrMapOvr>
-    <a:masterClrMapping/>
-  </p:clrMapOvr>
-  <p:transition advClick="0" advTm="20000"/>
-  <p:timing>
-    <p:tnLst>
-      <p:par>
-        <p:cTn id="1" dur="indefinite" restart="never" nodeType="tmRoot"/>
-      </p:par>
-    </p:tnLst>
-  </p:timing>
-</p:sld>
-</file>
-
-<file path=ppt/slides/slide5.xml><?xml version="1.0" encoding="utf-8"?>
-<p:sld xmlns:a="http://schemas.openxmlformats.org/drawingml/2006/main" xmlns:r="http://schemas.openxmlformats.org/officeDocument/2006/relationships" xmlns:p="http://schemas.openxmlformats.org/presentationml/2006/main">
-  <p:cSld>
-    <p:spTree>
-      <p:nvGrpSpPr>
-        <p:cNvPr id="1" name=""/>
-        <p:cNvGrpSpPr/>
-        <p:nvPr/>
-      </p:nvGrpSpPr>
-      <p:grpSpPr>
-        <a:xfrm>
-          <a:off x="0" y="0"/>
-          <a:ext cx="0" cy="0"/>
-          <a:chOff x="0" y="0"/>
-          <a:chExt cx="0" cy="0"/>
-        </a:xfrm>
-      </p:grpSpPr>
-      <p:sp>
-        <p:nvSpPr>
-          <p:cNvPr id="2" name="제목 1"/>
-          <p:cNvSpPr>
-            <a:spLocks noGrp="1"/>
-          </p:cNvSpPr>
-          <p:nvPr>
-            <p:ph type="title"/>
-          </p:nvPr>
-        </p:nvSpPr>
-        <p:spPr/>
-        <p:txBody>
-          <a:bodyPr/>
-          <a:lstStyle/>
-          <a:p>
-            <a:pPr marL="914400" indent="-914400">
-              <a:buFont typeface="+mj-lt"/>
-              <a:buAutoNum type="arabicPeriod" startAt="2"/>
-            </a:pPr>
-            <a:r>
-              <a:rPr lang="ko-KR" altLang="en-US" sz="5400" spc="600" dirty="0" smtClean="0">
-                <a:solidFill>
-                  <a:srgbClr val="000000"/>
-                </a:solidFill>
-                <a:latin typeface="HY동녘M" pitchFamily="18" charset="-127"/>
-                <a:ea typeface="HY동녘M" pitchFamily="18" charset="-127"/>
-              </a:rPr>
-              <a:t>관련기술 소개</a:t>
-            </a:r>
-            <a:endParaRPr lang="ko-KR" altLang="en-US" sz="5400" dirty="0">
-              <a:solidFill>
-                <a:srgbClr val="000000"/>
-              </a:solidFill>
-              <a:latin typeface="HY동녘M" pitchFamily="18" charset="-127"/>
-              <a:ea typeface="HY동녘M" pitchFamily="18" charset="-127"/>
-            </a:endParaRPr>
-          </a:p>
-        </p:txBody>
-      </p:sp>
-      <p:sp>
-        <p:nvSpPr>
-          <p:cNvPr id="16" name="내용 개체 틀 2"/>
-          <p:cNvSpPr txBox="1">
-            <a:spLocks/>
-          </p:cNvSpPr>
-          <p:nvPr/>
-        </p:nvSpPr>
-        <p:spPr bwMode="auto">
-          <a:xfrm>
-            <a:off x="755576" y="1196752"/>
-            <a:ext cx="6048672" cy="648072"/>
-          </a:xfrm>
-          <a:prstGeom prst="rect">
-            <a:avLst/>
-          </a:prstGeom>
-          <a:noFill/>
-          <a:ln>
-            <a:noFill/>
-          </a:ln>
-          <a:effectLst/>
-          <a:extLst>
-            <a:ext uri="{909E8E84-426E-40DD-AFC4-6F175D3DCCD1}">
-              <a14:hiddenFill xmlns="" xmlns:a14="http://schemas.microsoft.com/office/drawing/2010/main">
-                <a:solidFill>
-                  <a:schemeClr val="accent1"/>
-                </a:solidFill>
-              </a14:hiddenFill>
-            </a:ext>
-            <a:ext uri="{91240B29-F687-4F45-9708-019B960494DF}">
-              <a14:hiddenLine xmlns="" xmlns:a14="http://schemas.microsoft.com/office/drawing/2010/main" w="9525">
-                <a:solidFill>
-                  <a:schemeClr val="tx1"/>
-                </a:solidFill>
-                <a:miter lim="800000"/>
-                <a:headEnd/>
-                <a:tailEnd/>
-              </a14:hiddenLine>
-            </a:ext>
-            <a:ext uri="{AF507438-7753-43E0-B8FC-AC1667EBCBE1}">
-              <a14:hiddenEffects xmlns="" xmlns:a14="http://schemas.microsoft.com/office/drawing/2010/main">
-                <a:effectLst>
-                  <a:outerShdw dist="35921" dir="2700000" algn="ctr" rotWithShape="0">
-                    <a:schemeClr val="bg2"/>
-                  </a:outerShdw>
-                </a:effectLst>
-              </a14:hiddenEffects>
-            </a:ext>
-          </a:extLst>
-        </p:spPr>
-        <p:txBody>
-          <a:bodyPr vert="horz" wrap="square" lIns="91440" tIns="45720" rIns="91440" bIns="45720" numCol="1" anchor="t" anchorCtr="0" compatLnSpc="1">
-            <a:prstTxWarp prst="textNoShape">
-              <a:avLst/>
-            </a:prstTxWarp>
-          </a:bodyPr>
-          <a:lstStyle/>
-          <a:p>
-            <a:pPr marL="571500" marR="0" lvl="0" indent="-514350" algn="l" defTabSz="914400" rtl="0" eaLnBrk="1" fontAlgn="base" latinLnBrk="1" hangingPunct="1">
-              <a:lnSpc>
-                <a:spcPct val="100000"/>
-              </a:lnSpc>
-              <a:spcBef>
-                <a:spcPct val="20000"/>
-              </a:spcBef>
-              <a:spcAft>
-                <a:spcPct val="0"/>
-              </a:spcAft>
-              <a:buClrTx/>
-              <a:buSzTx/>
-              <a:buFont typeface="+mj-lt"/>
-              <a:buAutoNum type="alphaUcPeriod"/>
-              <a:tabLst/>
-              <a:defRPr/>
-            </a:pPr>
-            <a:r>
-              <a:rPr kumimoji="0" lang="en-US" altLang="ko-KR" sz="3200" b="0" i="0" u="none" strike="noStrike" kern="0" cap="none" spc="0" normalizeH="0" baseline="0" noProof="0" dirty="0" smtClean="0">
-                <a:ln>
-                  <a:noFill/>
-                </a:ln>
-                <a:solidFill>
-                  <a:srgbClr val="000000"/>
-                </a:solidFill>
-                <a:effectLst/>
-                <a:uLnTx/>
-                <a:uFillTx/>
-                <a:latin typeface="HY동녘M" pitchFamily="18" charset="-127"/>
-                <a:ea typeface="HY동녘M" pitchFamily="18" charset="-127"/>
-                <a:cs typeface="+mn-cs"/>
-              </a:rPr>
-              <a:t>USB</a:t>
-            </a:r>
-          </a:p>
-          <a:p>
-            <a:pPr marL="57150" marR="0" lvl="0" indent="0" algn="l" defTabSz="914400" rtl="0" eaLnBrk="1" fontAlgn="base" latinLnBrk="1" hangingPunct="1">
-              <a:lnSpc>
-                <a:spcPct val="100000"/>
-              </a:lnSpc>
-              <a:spcBef>
-                <a:spcPct val="20000"/>
-              </a:spcBef>
-              <a:spcAft>
-                <a:spcPct val="0"/>
-              </a:spcAft>
-              <a:buClrTx/>
-              <a:buSzTx/>
-              <a:buFontTx/>
-              <a:buNone/>
-              <a:tabLst/>
-              <a:defRPr/>
-            </a:pPr>
-            <a:endParaRPr kumimoji="0" lang="en-US" altLang="ko-KR" sz="1800" b="0" i="0" u="none" strike="noStrike" kern="0" cap="none" spc="0" normalizeH="0" baseline="0" noProof="0" dirty="0" smtClean="0">
-              <a:ln>
-                <a:noFill/>
-              </a:ln>
-              <a:solidFill>
-                <a:srgbClr val="000000"/>
-              </a:solidFill>
-              <a:effectLst/>
-              <a:uLnTx/>
-              <a:uFillTx/>
-              <a:latin typeface="HY동녘M" pitchFamily="18" charset="-127"/>
-              <a:ea typeface="HY동녘M" pitchFamily="18" charset="-127"/>
-              <a:cs typeface="+mn-cs"/>
-            </a:endParaRPr>
-          </a:p>
-        </p:txBody>
-      </p:sp>
       <p:grpSp>
         <p:nvGrpSpPr>
-          <p:cNvPr id="3" name="그룹 27"/>
+          <p:cNvPr id="7" name="그룹 29"/>
           <p:cNvGrpSpPr/>
           <p:nvPr/>
         </p:nvGrpSpPr>
         <p:grpSpPr>
           <a:xfrm>
-            <a:off x="1043608" y="1844824"/>
-            <a:ext cx="7128792" cy="2088232"/>
-            <a:chOff x="1115616" y="1772816"/>
-            <a:chExt cx="7128792" cy="4314736"/>
-          </a:xfrm>
-        </p:grpSpPr>
-        <p:pic>
-          <p:nvPicPr>
-            <p:cNvPr id="2052" name="Picture 4" descr="C:\Documents and Settings\Administrator\Local Settings\Temporary Internet Files\Content.IE5\MZ3O6A78\MC900433879[1].PNG"/>
-            <p:cNvPicPr>
-              <a:picLocks noChangeAspect="1" noChangeArrowheads="1"/>
-            </p:cNvPicPr>
-            <p:nvPr/>
-          </p:nvPicPr>
-          <p:blipFill>
-            <a:blip r:embed="rId3" cstate="print"/>
-            <a:srcRect/>
-            <a:stretch>
-              <a:fillRect/>
-            </a:stretch>
-          </p:blipFill>
-          <p:spPr bwMode="auto">
-            <a:xfrm>
-              <a:off x="1619672" y="4725144"/>
-              <a:ext cx="1296144" cy="1296144"/>
-            </a:xfrm>
-            <a:prstGeom prst="rect">
-              <a:avLst/>
-            </a:prstGeom>
-            <a:noFill/>
-          </p:spPr>
-        </p:pic>
-        <p:pic>
-          <p:nvPicPr>
-            <p:cNvPr id="2053" name="Picture 5"/>
-            <p:cNvPicPr>
-              <a:picLocks noChangeAspect="1" noChangeArrowheads="1"/>
-            </p:cNvPicPr>
-            <p:nvPr/>
-          </p:nvPicPr>
-          <p:blipFill>
-            <a:blip r:embed="rId4" cstate="print"/>
-            <a:srcRect/>
-            <a:stretch>
-              <a:fillRect/>
-            </a:stretch>
-          </p:blipFill>
-          <p:spPr bwMode="auto">
-            <a:xfrm>
-              <a:off x="3347864" y="2924944"/>
-              <a:ext cx="2097663" cy="1656184"/>
-            </a:xfrm>
-            <a:prstGeom prst="rect">
-              <a:avLst/>
-            </a:prstGeom>
-            <a:noFill/>
-            <a:ln w="9525">
-              <a:noFill/>
-              <a:miter lim="800000"/>
-              <a:headEnd/>
-              <a:tailEnd/>
-            </a:ln>
-            <a:effectLst/>
-          </p:spPr>
-        </p:pic>
-        <p:pic>
-          <p:nvPicPr>
-            <p:cNvPr id="2054" name="Picture 6"/>
-            <p:cNvPicPr>
-              <a:picLocks noChangeAspect="1" noChangeArrowheads="1"/>
-            </p:cNvPicPr>
-            <p:nvPr/>
-          </p:nvPicPr>
-          <p:blipFill>
-            <a:blip r:embed="rId5" cstate="print"/>
-            <a:srcRect/>
-            <a:stretch>
-              <a:fillRect/>
-            </a:stretch>
-          </p:blipFill>
-          <p:spPr bwMode="auto">
-            <a:xfrm>
-              <a:off x="6491260" y="1772816"/>
-              <a:ext cx="1681140" cy="1800200"/>
-            </a:xfrm>
-            <a:prstGeom prst="rect">
-              <a:avLst/>
-            </a:prstGeom>
-            <a:noFill/>
-            <a:ln w="9525">
-              <a:noFill/>
-              <a:miter lim="800000"/>
-              <a:headEnd/>
-              <a:tailEnd/>
-            </a:ln>
-            <a:effectLst/>
-          </p:spPr>
-        </p:pic>
-        <p:pic>
-          <p:nvPicPr>
-            <p:cNvPr id="2055" name="Picture 7"/>
-            <p:cNvPicPr>
-              <a:picLocks noChangeAspect="1" noChangeArrowheads="1"/>
-            </p:cNvPicPr>
-            <p:nvPr/>
-          </p:nvPicPr>
-          <p:blipFill>
-            <a:blip r:embed="rId6" cstate="print"/>
-            <a:srcRect/>
-            <a:stretch>
-              <a:fillRect/>
-            </a:stretch>
-          </p:blipFill>
-          <p:spPr bwMode="auto">
-            <a:xfrm>
-              <a:off x="6588224" y="4869160"/>
-              <a:ext cx="1656184" cy="1218392"/>
-            </a:xfrm>
-            <a:prstGeom prst="rect">
-              <a:avLst/>
-            </a:prstGeom>
-            <a:noFill/>
-            <a:ln w="9525">
-              <a:noFill/>
-              <a:miter lim="800000"/>
-              <a:headEnd/>
-              <a:tailEnd/>
-            </a:ln>
-            <a:effectLst/>
-          </p:spPr>
-        </p:pic>
-        <p:pic>
-          <p:nvPicPr>
-            <p:cNvPr id="2056" name="Picture 8" descr="C:\Documents and Settings\Administrator\Local Settings\Temporary Internet Files\Content.IE5\10ES2RA8\MC900440400[1].PNG"/>
-            <p:cNvPicPr>
-              <a:picLocks noChangeAspect="1" noChangeArrowheads="1"/>
-            </p:cNvPicPr>
-            <p:nvPr/>
-          </p:nvPicPr>
-          <p:blipFill>
-            <a:blip r:embed="rId7" cstate="print"/>
-            <a:srcRect/>
-            <a:stretch>
-              <a:fillRect/>
-            </a:stretch>
-          </p:blipFill>
-          <p:spPr bwMode="auto">
-            <a:xfrm>
-              <a:off x="1115616" y="1844824"/>
-              <a:ext cx="1512168" cy="1512168"/>
-            </a:xfrm>
-            <a:prstGeom prst="rect">
-              <a:avLst/>
-            </a:prstGeom>
-            <a:noFill/>
-          </p:spPr>
-        </p:pic>
-        <p:cxnSp>
-          <p:nvCxnSpPr>
-            <p:cNvPr id="13" name="직선 화살표 연결선 12"/>
-            <p:cNvCxnSpPr/>
-            <p:nvPr/>
-          </p:nvCxnSpPr>
-          <p:spPr bwMode="auto">
-            <a:xfrm>
-              <a:off x="2627784" y="2924944"/>
-              <a:ext cx="864096" cy="432048"/>
-            </a:xfrm>
-            <a:prstGeom prst="straightConnector1">
-              <a:avLst/>
-            </a:prstGeom>
-            <a:gradFill rotWithShape="1">
-              <a:gsLst>
-                <a:gs pos="0">
-                  <a:schemeClr val="bg2">
-                    <a:gamma/>
-                    <a:tint val="26667"/>
-                    <a:invGamma/>
-                  </a:schemeClr>
-                </a:gs>
-                <a:gs pos="100000">
-                  <a:schemeClr val="bg2">
-                    <a:alpha val="14999"/>
-                  </a:schemeClr>
-                </a:gs>
-              </a:gsLst>
-              <a:lin ang="5400000" scaled="1"/>
-            </a:gradFill>
-            <a:ln w="44450">
-              <a:solidFill>
-                <a:srgbClr val="00B0F0"/>
-              </a:solidFill>
-              <a:tailEnd type="arrow"/>
-            </a:ln>
-            <a:effectLst/>
-            <a:extLst>
-              <a:ext uri="{AF507438-7753-43E0-B8FC-AC1667EBCBE1}">
-                <a14:hiddenEffects xmlns="" xmlns:a14="http://schemas.microsoft.com/office/drawing/2010/main">
-                  <a:effectLst>
-                    <a:outerShdw dist="35921" dir="2700000" algn="ctr" rotWithShape="0">
-                      <a:schemeClr val="bg2"/>
-                    </a:outerShdw>
-                  </a:effectLst>
-                </a14:hiddenEffects>
-              </a:ext>
-            </a:extLst>
-          </p:spPr>
-        </p:cxnSp>
-        <p:cxnSp>
-          <p:nvCxnSpPr>
-            <p:cNvPr id="17" name="직선 화살표 연결선 16"/>
-            <p:cNvCxnSpPr/>
-            <p:nvPr/>
-          </p:nvCxnSpPr>
-          <p:spPr bwMode="auto">
-            <a:xfrm flipH="1">
-              <a:off x="5580112" y="2924944"/>
-              <a:ext cx="864096" cy="432048"/>
-            </a:xfrm>
-            <a:prstGeom prst="straightConnector1">
-              <a:avLst/>
-            </a:prstGeom>
-            <a:gradFill rotWithShape="1">
-              <a:gsLst>
-                <a:gs pos="0">
-                  <a:schemeClr val="bg2">
-                    <a:gamma/>
-                    <a:tint val="26667"/>
-                    <a:invGamma/>
-                  </a:schemeClr>
-                </a:gs>
-                <a:gs pos="100000">
-                  <a:schemeClr val="bg2">
-                    <a:alpha val="14999"/>
-                  </a:schemeClr>
-                </a:gs>
-              </a:gsLst>
-              <a:lin ang="5400000" scaled="1"/>
-            </a:gradFill>
-            <a:ln w="44450">
-              <a:solidFill>
-                <a:srgbClr val="00B0F0"/>
-              </a:solidFill>
-              <a:tailEnd type="arrow"/>
-            </a:ln>
-            <a:effectLst/>
-            <a:extLst>
-              <a:ext uri="{AF507438-7753-43E0-B8FC-AC1667EBCBE1}">
-                <a14:hiddenEffects xmlns="" xmlns:a14="http://schemas.microsoft.com/office/drawing/2010/main">
-                  <a:effectLst>
-                    <a:outerShdw dist="35921" dir="2700000" algn="ctr" rotWithShape="0">
-                      <a:schemeClr val="bg2"/>
-                    </a:outerShdw>
-                  </a:effectLst>
-                </a14:hiddenEffects>
-              </a:ext>
-            </a:extLst>
-          </p:spPr>
-        </p:cxnSp>
-        <p:cxnSp>
-          <p:nvCxnSpPr>
-            <p:cNvPr id="21" name="직선 화살표 연결선 20"/>
-            <p:cNvCxnSpPr/>
-            <p:nvPr/>
-          </p:nvCxnSpPr>
-          <p:spPr bwMode="auto">
-            <a:xfrm flipH="1" flipV="1">
-              <a:off x="5364088" y="4725144"/>
-              <a:ext cx="1008112" cy="576064"/>
-            </a:xfrm>
-            <a:prstGeom prst="straightConnector1">
-              <a:avLst/>
-            </a:prstGeom>
-            <a:gradFill rotWithShape="1">
-              <a:gsLst>
-                <a:gs pos="0">
-                  <a:schemeClr val="bg2">
-                    <a:gamma/>
-                    <a:tint val="26667"/>
-                    <a:invGamma/>
-                  </a:schemeClr>
-                </a:gs>
-                <a:gs pos="100000">
-                  <a:schemeClr val="bg2">
-                    <a:alpha val="14999"/>
-                  </a:schemeClr>
-                </a:gs>
-              </a:gsLst>
-              <a:lin ang="5400000" scaled="1"/>
-            </a:gradFill>
-            <a:ln w="44450">
-              <a:solidFill>
-                <a:srgbClr val="00B0F0"/>
-              </a:solidFill>
-              <a:tailEnd type="arrow"/>
-            </a:ln>
-            <a:effectLst/>
-            <a:extLst>
-              <a:ext uri="{AF507438-7753-43E0-B8FC-AC1667EBCBE1}">
-                <a14:hiddenEffects xmlns="" xmlns:a14="http://schemas.microsoft.com/office/drawing/2010/main">
-                  <a:effectLst>
-                    <a:outerShdw dist="35921" dir="2700000" algn="ctr" rotWithShape="0">
-                      <a:schemeClr val="bg2"/>
-                    </a:outerShdw>
-                  </a:effectLst>
-                </a14:hiddenEffects>
-              </a:ext>
-            </a:extLst>
-          </p:spPr>
-        </p:cxnSp>
-        <p:cxnSp>
-          <p:nvCxnSpPr>
-            <p:cNvPr id="24" name="직선 화살표 연결선 23"/>
-            <p:cNvCxnSpPr/>
-            <p:nvPr/>
-          </p:nvCxnSpPr>
-          <p:spPr bwMode="auto">
-            <a:xfrm flipV="1">
-              <a:off x="2699792" y="4581128"/>
-              <a:ext cx="864096" cy="504056"/>
-            </a:xfrm>
-            <a:prstGeom prst="straightConnector1">
-              <a:avLst/>
-            </a:prstGeom>
-            <a:gradFill rotWithShape="1">
-              <a:gsLst>
-                <a:gs pos="0">
-                  <a:schemeClr val="bg2">
-                    <a:gamma/>
-                    <a:tint val="26667"/>
-                    <a:invGamma/>
-                  </a:schemeClr>
-                </a:gs>
-                <a:gs pos="100000">
-                  <a:schemeClr val="bg2">
-                    <a:alpha val="14999"/>
-                  </a:schemeClr>
-                </a:gs>
-              </a:gsLst>
-              <a:lin ang="5400000" scaled="1"/>
-            </a:gradFill>
-            <a:ln w="44450">
-              <a:solidFill>
-                <a:srgbClr val="00B0F0"/>
-              </a:solidFill>
-              <a:tailEnd type="arrow"/>
-            </a:ln>
-            <a:effectLst/>
-            <a:extLst>
-              <a:ext uri="{AF507438-7753-43E0-B8FC-AC1667EBCBE1}">
-                <a14:hiddenEffects xmlns="" xmlns:a14="http://schemas.microsoft.com/office/drawing/2010/main">
-                  <a:effectLst>
-                    <a:outerShdw dist="35921" dir="2700000" algn="ctr" rotWithShape="0">
-                      <a:schemeClr val="bg2"/>
-                    </a:outerShdw>
-                  </a:effectLst>
-                </a14:hiddenEffects>
-              </a:ext>
-            </a:extLst>
-          </p:spPr>
-        </p:cxnSp>
-      </p:grpSp>
-      <p:grpSp>
-        <p:nvGrpSpPr>
-          <p:cNvPr id="4" name="그룹 29"/>
-          <p:cNvGrpSpPr/>
-          <p:nvPr/>
-        </p:nvGrpSpPr>
-        <p:grpSpPr>
-          <a:xfrm>
-            <a:off x="1571574" y="4149080"/>
+            <a:off x="1643582" y="4221088"/>
             <a:ext cx="7176890" cy="1800200"/>
             <a:chOff x="203673" y="2621195"/>
             <a:chExt cx="8448873" cy="3328085"/>
@@ -15116,14 +13393,14 @@
         </p:grpSpPr>
         <p:pic>
           <p:nvPicPr>
-            <p:cNvPr id="31" name="그림 30"/>
+            <p:cNvPr id="8" name="그림 7"/>
             <p:cNvPicPr>
               <a:picLocks noChangeAspect="1"/>
             </p:cNvPicPr>
             <p:nvPr/>
           </p:nvPicPr>
           <p:blipFill>
-            <a:blip r:embed="rId8" cstate="print">
+            <a:blip r:embed="rId5" cstate="print">
               <a:extLst>
                 <a:ext uri="{28A0092B-C50C-407E-A947-70E740481C1C}">
                   <a14:useLocalDpi xmlns="" xmlns:a14="http://schemas.microsoft.com/office/drawing/2010/main" val="0"/>
@@ -15146,14 +13423,14 @@
         </p:pic>
         <p:pic>
           <p:nvPicPr>
-            <p:cNvPr id="32" name="그림 31"/>
+            <p:cNvPr id="9" name="그림 8"/>
             <p:cNvPicPr>
               <a:picLocks noChangeAspect="1"/>
             </p:cNvPicPr>
             <p:nvPr/>
           </p:nvPicPr>
           <p:blipFill>
-            <a:blip r:embed="rId9" cstate="print">
+            <a:blip r:embed="rId6" cstate="print">
               <a:extLst>
                 <a:ext uri="{28A0092B-C50C-407E-A947-70E740481C1C}">
                   <a14:useLocalDpi xmlns="" xmlns:a14="http://schemas.microsoft.com/office/drawing/2010/main" val="0"/>
@@ -15176,7 +13453,7 @@
         </p:pic>
         <p:sp>
           <p:nvSpPr>
-            <p:cNvPr id="33" name="TextBox 32"/>
+            <p:cNvPr id="10" name="TextBox 9"/>
             <p:cNvSpPr txBox="1"/>
             <p:nvPr/>
           </p:nvSpPr>
@@ -15210,7 +13487,7 @@
         </p:sp>
         <p:sp>
           <p:nvSpPr>
-            <p:cNvPr id="34" name="TextBox 33"/>
+            <p:cNvPr id="11" name="TextBox 10"/>
             <p:cNvSpPr txBox="1"/>
             <p:nvPr/>
           </p:nvSpPr>
@@ -15244,14 +13521,14 @@
         </p:sp>
         <p:pic>
           <p:nvPicPr>
-            <p:cNvPr id="35" name="그림 34"/>
+            <p:cNvPr id="12" name="그림 11"/>
             <p:cNvPicPr>
               <a:picLocks noChangeAspect="1"/>
             </p:cNvPicPr>
             <p:nvPr/>
           </p:nvPicPr>
           <p:blipFill>
-            <a:blip r:embed="rId10" cstate="print">
+            <a:blip r:embed="rId7" cstate="print">
               <a:extLst>
                 <a:ext uri="{28A0092B-C50C-407E-A947-70E740481C1C}">
                   <a14:useLocalDpi xmlns="" xmlns:a14="http://schemas.microsoft.com/office/drawing/2010/main" val="0"/>
@@ -15274,7 +13551,7 @@
         </p:pic>
         <p:sp>
           <p:nvSpPr>
-            <p:cNvPr id="36" name="TextBox 35"/>
+            <p:cNvPr id="13" name="TextBox 12"/>
             <p:cNvSpPr txBox="1"/>
             <p:nvPr/>
           </p:nvSpPr>
@@ -15310,7 +13587,7 @@
     </p:spTree>
     <p:extLst>
       <p:ext uri="{BB962C8B-B14F-4D97-AF65-F5344CB8AC3E}">
-        <p14:creationId xmlns="" xmlns:p14="http://schemas.microsoft.com/office/powerpoint/2010/main" val="2437256557"/>
+        <p14:creationId xmlns="" xmlns:p14="http://schemas.microsoft.com/office/powerpoint/2010/main" val="846475234"/>
       </p:ext>
     </p:extLst>
   </p:cSld>
@@ -15328,7 +13605,7 @@
 </p:sld>
 </file>
 
-<file path=ppt/slides/slide6.xml><?xml version="1.0" encoding="utf-8"?>
+<file path=ppt/slides/slide5.xml><?xml version="1.0" encoding="utf-8"?>
 <p:sld xmlns:a="http://schemas.openxmlformats.org/drawingml/2006/main" xmlns:r="http://schemas.openxmlformats.org/officeDocument/2006/relationships" xmlns:p="http://schemas.openxmlformats.org/presentationml/2006/main">
   <p:cSld>
     <p:spTree>
@@ -15577,7 +13854,7 @@
         <p:spPr bwMode="auto">
           <a:xfrm>
             <a:off x="755576" y="1196752"/>
-            <a:ext cx="6048672" cy="648072"/>
+            <a:ext cx="2448272" cy="648072"/>
           </a:xfrm>
           <a:prstGeom prst="rect">
             <a:avLst/>
@@ -15856,7 +14133,7 @@
 </p:sld>
 </file>
 
-<file path=ppt/slides/slide7.xml><?xml version="1.0" encoding="utf-8"?>
+<file path=ppt/slides/slide6.xml><?xml version="1.0" encoding="utf-8"?>
 <p:sld xmlns:a="http://schemas.openxmlformats.org/drawingml/2006/main" xmlns:r="http://schemas.openxmlformats.org/officeDocument/2006/relationships" xmlns:p="http://schemas.openxmlformats.org/presentationml/2006/main">
   <p:cSld>
     <p:spTree>
@@ -15881,7 +14158,7 @@
         </p:nvGrpSpPr>
         <p:grpSpPr>
           <a:xfrm>
-            <a:off x="6300193" y="1340768"/>
+            <a:off x="6358249" y="1340768"/>
             <a:ext cx="1944215" cy="3168352"/>
             <a:chOff x="5481817" y="1815602"/>
             <a:chExt cx="2808311" cy="4709742"/>
@@ -15963,7 +14240,7 @@
         </p:blipFill>
         <p:spPr bwMode="auto">
           <a:xfrm>
-            <a:off x="7441697" y="4493822"/>
+            <a:off x="6851681" y="4493822"/>
             <a:ext cx="1018156" cy="1570626"/>
           </a:xfrm>
           <a:prstGeom prst="rect">
@@ -16159,7 +14436,7 @@
         </p:nvGrpSpPr>
         <p:grpSpPr>
           <a:xfrm>
-            <a:off x="5724128" y="5076740"/>
+            <a:off x="5134112" y="5076740"/>
             <a:ext cx="1120073" cy="1089508"/>
             <a:chOff x="7556383" y="5191610"/>
             <a:chExt cx="1120073" cy="1026696"/>
@@ -16258,7 +14535,7 @@
         </p:nvSpPr>
         <p:spPr>
           <a:xfrm>
-            <a:off x="6876256" y="5284512"/>
+            <a:off x="6286240" y="5284512"/>
             <a:ext cx="705855" cy="736776"/>
           </a:xfrm>
           <a:prstGeom prst="mathPlus">
@@ -16304,40 +14581,6 @@
           </a:p>
         </p:txBody>
       </p:sp>
-      <p:cxnSp>
-        <p:nvCxnSpPr>
-          <p:cNvPr id="25" name="직선 화살표 연결선 24"/>
-          <p:cNvCxnSpPr/>
-          <p:nvPr/>
-        </p:nvCxnSpPr>
-        <p:spPr>
-          <a:xfrm flipH="1" flipV="1">
-            <a:off x="3563888" y="3861050"/>
-            <a:ext cx="1960340" cy="1512166"/>
-          </a:xfrm>
-          <a:prstGeom prst="straightConnector1">
-            <a:avLst/>
-          </a:prstGeom>
-          <a:ln w="50800">
-            <a:prstDash val="sysDash"/>
-            <a:tailEnd type="arrow"/>
-          </a:ln>
-        </p:spPr>
-        <p:style>
-          <a:lnRef idx="1">
-            <a:schemeClr val="accent1"/>
-          </a:lnRef>
-          <a:fillRef idx="0">
-            <a:schemeClr val="accent1"/>
-          </a:fillRef>
-          <a:effectRef idx="0">
-            <a:schemeClr val="accent1"/>
-          </a:effectRef>
-          <a:fontRef idx="minor">
-            <a:schemeClr val="tx1"/>
-          </a:fontRef>
-        </p:style>
-      </p:cxnSp>
       <p:sp>
         <p:nvSpPr>
           <p:cNvPr id="26" name="내용 개체 틀 2"/>
@@ -16349,7 +14592,7 @@
         <p:spPr bwMode="auto">
           <a:xfrm>
             <a:off x="755576" y="1196752"/>
-            <a:ext cx="6048672" cy="648072"/>
+            <a:ext cx="3744416" cy="648072"/>
           </a:xfrm>
           <a:prstGeom prst="rect">
             <a:avLst/>
@@ -16474,7 +14717,7 @@
         </p:nvSpPr>
         <p:spPr>
           <a:xfrm>
-            <a:off x="7596336" y="5076740"/>
+            <a:off x="7006320" y="5076740"/>
             <a:ext cx="1224136" cy="1044704"/>
           </a:xfrm>
           <a:prstGeom prst="roundRect">
@@ -16572,6 +14815,64 @@
           <a:noFill/>
         </p:spPr>
       </p:pic>
+      <p:cxnSp>
+        <p:nvCxnSpPr>
+          <p:cNvPr id="40" name="꺾인 연결선 39"/>
+          <p:cNvCxnSpPr>
+            <a:stCxn id="5" idx="0"/>
+          </p:cNvCxnSpPr>
+          <p:nvPr/>
+        </p:nvCxnSpPr>
+        <p:spPr bwMode="auto">
+          <a:xfrm rot="16200000" flipV="1">
+            <a:off x="4057177" y="3439767"/>
+            <a:ext cx="1215692" cy="2058253"/>
+          </a:xfrm>
+          <a:prstGeom prst="bentConnector2">
+            <a:avLst/>
+          </a:prstGeom>
+          <a:ln w="50800">
+            <a:prstDash val="sysDash"/>
+            <a:tailEnd type="arrow"/>
+          </a:ln>
+          <a:extLst>
+            <a:ext uri="{91240B29-F687-4F45-9708-019B960494DF}">
+              <a14:hiddenLine xmlns="" xmlns:a14="http://schemas.microsoft.com/office/drawing/2010/main" w="9525" cap="flat" cmpd="sng" algn="ctr">
+                <a:solidFill>
+                  <a:schemeClr val="tx1"/>
+                </a:solidFill>
+                <a:prstDash val="solid"/>
+                <a:round/>
+                <a:headEnd type="none" w="med" len="med"/>
+                <a:tailEnd type="none" w="med" len="med"/>
+              </a14:hiddenLine>
+            </a:ext>
+            <a:ext uri="{AF507438-7753-43E0-B8FC-AC1667EBCBE1}">
+              <a14:hiddenEffects xmlns="" xmlns:a14="http://schemas.microsoft.com/office/drawing/2010/main">
+                <a:effectLst>
+                  <a:outerShdw dist="35921" dir="2700000" algn="ctr" rotWithShape="0">
+                    <a:schemeClr val="bg2"/>
+                  </a:outerShdw>
+                </a:effectLst>
+              </a14:hiddenEffects>
+            </a:ext>
+          </a:extLst>
+        </p:spPr>
+        <p:style>
+          <a:lnRef idx="1">
+            <a:schemeClr val="accent1"/>
+          </a:lnRef>
+          <a:fillRef idx="0">
+            <a:schemeClr val="accent1"/>
+          </a:fillRef>
+          <a:effectRef idx="0">
+            <a:schemeClr val="accent1"/>
+          </a:effectRef>
+          <a:fontRef idx="minor">
+            <a:schemeClr val="tx1"/>
+          </a:fontRef>
+        </p:style>
+      </p:cxnSp>
     </p:spTree>
     <p:extLst>
       <p:ext uri="{BB962C8B-B14F-4D97-AF65-F5344CB8AC3E}">
@@ -16593,7 +14894,7 @@
 </p:sld>
 </file>
 
-<file path=ppt/slides/slide8.xml><?xml version="1.0" encoding="utf-8"?>
+<file path=ppt/slides/slide7.xml><?xml version="1.0" encoding="utf-8"?>
 <p:sld xmlns:a="http://schemas.openxmlformats.org/drawingml/2006/main" xmlns:r="http://schemas.openxmlformats.org/officeDocument/2006/relationships" xmlns:p="http://schemas.openxmlformats.org/presentationml/2006/main">
   <p:cSld>
     <p:spTree>
@@ -17646,7 +15947,7 @@
 </p:sld>
 </file>
 
-<file path=ppt/slides/slide9.xml><?xml version="1.0" encoding="utf-8"?>
+<file path=ppt/slides/slide8.xml><?xml version="1.0" encoding="utf-8"?>
 <p:sld xmlns:a="http://schemas.openxmlformats.org/drawingml/2006/main" xmlns:r="http://schemas.openxmlformats.org/officeDocument/2006/relationships" xmlns:p="http://schemas.openxmlformats.org/presentationml/2006/main">
   <p:cSld>
     <p:spTree>
@@ -18876,6 +17177,674 @@
     <p:extLst>
       <p:ext uri="{BB962C8B-B14F-4D97-AF65-F5344CB8AC3E}">
         <p14:creationId xmlns="" xmlns:p14="http://schemas.microsoft.com/office/powerpoint/2010/main" val="1410092498"/>
+      </p:ext>
+    </p:extLst>
+  </p:cSld>
+  <p:clrMapOvr>
+    <a:masterClrMapping/>
+  </p:clrMapOvr>
+  <p:transition advClick="0" advTm="20000"/>
+  <p:timing>
+    <p:tnLst>
+      <p:par>
+        <p:cTn id="1" dur="indefinite" restart="never" nodeType="tmRoot"/>
+      </p:par>
+    </p:tnLst>
+  </p:timing>
+</p:sld>
+</file>
+
+<file path=ppt/slides/slide9.xml><?xml version="1.0" encoding="utf-8"?>
+<p:sld xmlns:a="http://schemas.openxmlformats.org/drawingml/2006/main" xmlns:r="http://schemas.openxmlformats.org/officeDocument/2006/relationships" xmlns:p="http://schemas.openxmlformats.org/presentationml/2006/main">
+  <p:cSld>
+    <p:spTree>
+      <p:nvGrpSpPr>
+        <p:cNvPr id="1" name=""/>
+        <p:cNvGrpSpPr/>
+        <p:nvPr/>
+      </p:nvGrpSpPr>
+      <p:grpSpPr>
+        <a:xfrm>
+          <a:off x="0" y="0"/>
+          <a:ext cx="0" cy="0"/>
+          <a:chOff x="0" y="0"/>
+          <a:chExt cx="0" cy="0"/>
+        </a:xfrm>
+      </p:grpSpPr>
+      <p:pic>
+        <p:nvPicPr>
+          <p:cNvPr id="25" name="Picture 2" descr="C:\Documents and Settings\Administrator\바탕 화면\Untitled-1.png"/>
+          <p:cNvPicPr>
+            <a:picLocks noChangeAspect="1" noChangeArrowheads="1"/>
+          </p:cNvPicPr>
+          <p:nvPr/>
+        </p:nvPicPr>
+        <p:blipFill>
+          <a:blip r:embed="rId3" cstate="print"/>
+          <a:srcRect/>
+          <a:stretch>
+            <a:fillRect/>
+          </a:stretch>
+        </p:blipFill>
+        <p:spPr bwMode="auto">
+          <a:xfrm>
+            <a:off x="755576" y="2276872"/>
+            <a:ext cx="2736304" cy="2592288"/>
+          </a:xfrm>
+          <a:prstGeom prst="rect">
+            <a:avLst/>
+          </a:prstGeom>
+          <a:noFill/>
+        </p:spPr>
+      </p:pic>
+      <p:cxnSp>
+        <p:nvCxnSpPr>
+          <p:cNvPr id="20" name="직선 연결선 19"/>
+          <p:cNvCxnSpPr/>
+          <p:nvPr/>
+        </p:nvCxnSpPr>
+        <p:spPr>
+          <a:xfrm>
+            <a:off x="4583812" y="1700809"/>
+            <a:ext cx="0" cy="3125961"/>
+          </a:xfrm>
+          <a:prstGeom prst="line">
+            <a:avLst/>
+          </a:prstGeom>
+          <a:ln w="38100">
+            <a:solidFill>
+              <a:srgbClr val="000000"/>
+            </a:solidFill>
+            <a:prstDash val="dash"/>
+          </a:ln>
+        </p:spPr>
+        <p:style>
+          <a:lnRef idx="1">
+            <a:schemeClr val="accent1"/>
+          </a:lnRef>
+          <a:fillRef idx="0">
+            <a:schemeClr val="accent1"/>
+          </a:fillRef>
+          <a:effectRef idx="0">
+            <a:schemeClr val="accent1"/>
+          </a:effectRef>
+          <a:fontRef idx="minor">
+            <a:schemeClr val="tx1"/>
+          </a:fontRef>
+        </p:style>
+      </p:cxnSp>
+      <p:sp>
+        <p:nvSpPr>
+          <p:cNvPr id="2" name="제목 1"/>
+          <p:cNvSpPr>
+            <a:spLocks noGrp="1"/>
+          </p:cNvSpPr>
+          <p:nvPr>
+            <p:ph type="title"/>
+          </p:nvPr>
+        </p:nvSpPr>
+        <p:spPr/>
+        <p:txBody>
+          <a:bodyPr/>
+          <a:lstStyle/>
+          <a:p>
+            <a:pPr marL="914400" indent="-914400">
+              <a:buFont typeface="+mj-lt"/>
+              <a:buAutoNum type="arabicPeriod" startAt="4"/>
+            </a:pPr>
+            <a:r>
+              <a:rPr lang="ko-KR" altLang="en-US" sz="5400" spc="600" dirty="0" smtClean="0">
+                <a:solidFill>
+                  <a:srgbClr val="000000"/>
+                </a:solidFill>
+                <a:latin typeface="HY동녘M" pitchFamily="18" charset="-127"/>
+                <a:ea typeface="HY동녘M" pitchFamily="18" charset="-127"/>
+              </a:rPr>
+              <a:t>활용 서비스</a:t>
+            </a:r>
+            <a:endParaRPr lang="ko-KR" altLang="en-US" sz="5400" spc="600" dirty="0">
+              <a:solidFill>
+                <a:srgbClr val="000000"/>
+              </a:solidFill>
+              <a:latin typeface="HY동녘M" pitchFamily="18" charset="-127"/>
+              <a:ea typeface="HY동녘M" pitchFamily="18" charset="-127"/>
+            </a:endParaRPr>
+          </a:p>
+        </p:txBody>
+      </p:sp>
+      <p:pic>
+        <p:nvPicPr>
+          <p:cNvPr id="8" name="그림 7"/>
+          <p:cNvPicPr>
+            <a:picLocks noChangeAspect="1"/>
+          </p:cNvPicPr>
+          <p:nvPr/>
+        </p:nvPicPr>
+        <p:blipFill>
+          <a:blip r:embed="rId4" cstate="print">
+            <a:extLst>
+              <a:ext uri="{28A0092B-C50C-407E-A947-70E740481C1C}">
+                <a14:useLocalDpi xmlns="" xmlns:a14="http://schemas.microsoft.com/office/drawing/2010/main" val="0"/>
+              </a:ext>
+            </a:extLst>
+          </a:blip>
+          <a:stretch>
+            <a:fillRect/>
+          </a:stretch>
+        </p:blipFill>
+        <p:spPr>
+          <a:xfrm>
+            <a:off x="6372200" y="2110840"/>
+            <a:ext cx="1700153" cy="3219986"/>
+          </a:xfrm>
+          <a:prstGeom prst="rect">
+            <a:avLst/>
+          </a:prstGeom>
+        </p:spPr>
+      </p:pic>
+      <p:grpSp>
+        <p:nvGrpSpPr>
+          <p:cNvPr id="3" name="그룹 8"/>
+          <p:cNvGrpSpPr/>
+          <p:nvPr/>
+        </p:nvGrpSpPr>
+        <p:grpSpPr>
+          <a:xfrm>
+            <a:off x="3347864" y="2790910"/>
+            <a:ext cx="3096344" cy="1222528"/>
+            <a:chOff x="3511961" y="3632546"/>
+            <a:chExt cx="1921661" cy="936104"/>
+          </a:xfrm>
+        </p:grpSpPr>
+        <p:sp>
+          <p:nvSpPr>
+            <p:cNvPr id="10" name="아래쪽 화살표 9"/>
+            <p:cNvSpPr/>
+            <p:nvPr/>
+          </p:nvSpPr>
+          <p:spPr>
+            <a:xfrm rot="5400000">
+              <a:off x="3921300" y="3223207"/>
+              <a:ext cx="936104" cy="1754782"/>
+            </a:xfrm>
+            <a:prstGeom prst="downArrow">
+              <a:avLst/>
+            </a:prstGeom>
+          </p:spPr>
+          <p:style>
+            <a:lnRef idx="0">
+              <a:schemeClr val="accent1"/>
+            </a:lnRef>
+            <a:fillRef idx="3">
+              <a:schemeClr val="accent1"/>
+            </a:fillRef>
+            <a:effectRef idx="3">
+              <a:schemeClr val="accent1"/>
+            </a:effectRef>
+            <a:fontRef idx="minor">
+              <a:schemeClr val="lt1"/>
+            </a:fontRef>
+          </p:style>
+          <p:txBody>
+            <a:bodyPr rtlCol="0" anchor="ctr"/>
+            <a:lstStyle/>
+            <a:p>
+              <a:pPr algn="ctr"/>
+              <a:endParaRPr lang="ko-KR" altLang="en-US" dirty="0"/>
+            </a:p>
+          </p:txBody>
+        </p:sp>
+        <p:sp>
+          <p:nvSpPr>
+            <p:cNvPr id="11" name="TextBox 10"/>
+            <p:cNvSpPr txBox="1"/>
+            <p:nvPr/>
+          </p:nvSpPr>
+          <p:spPr>
+            <a:xfrm>
+              <a:off x="3707361" y="3894436"/>
+              <a:ext cx="1726261" cy="400636"/>
+            </a:xfrm>
+            <a:prstGeom prst="rect">
+              <a:avLst/>
+            </a:prstGeom>
+            <a:noFill/>
+          </p:spPr>
+          <p:txBody>
+            <a:bodyPr wrap="none" rtlCol="0">
+              <a:spAutoFit/>
+            </a:bodyPr>
+            <a:lstStyle/>
+            <a:p>
+              <a:r>
+                <a:rPr lang="en-US" altLang="ko-KR" sz="2800" dirty="0" smtClean="0">
+                  <a:solidFill>
+                    <a:schemeClr val="tx2">
+                      <a:lumMod val="50000"/>
+                    </a:schemeClr>
+                  </a:solidFill>
+                </a:rPr>
+                <a:t>Android-USB</a:t>
+              </a:r>
+              <a:endParaRPr lang="ko-KR" altLang="en-US" sz="2800" dirty="0">
+                <a:solidFill>
+                  <a:schemeClr val="tx2">
+                    <a:lumMod val="50000"/>
+                  </a:schemeClr>
+                </a:solidFill>
+              </a:endParaRPr>
+            </a:p>
+          </p:txBody>
+        </p:sp>
+      </p:grpSp>
+      <p:pic>
+        <p:nvPicPr>
+          <p:cNvPr id="1027" name="Picture 3" descr="C:\Documents and Settings\XP\바탕 화면\무제-1.png"/>
+          <p:cNvPicPr>
+            <a:picLocks noChangeAspect="1" noChangeArrowheads="1"/>
+          </p:cNvPicPr>
+          <p:nvPr/>
+        </p:nvPicPr>
+        <p:blipFill>
+          <a:blip r:embed="rId5" cstate="print">
+            <a:extLst>
+              <a:ext uri="{28A0092B-C50C-407E-A947-70E740481C1C}">
+                <a14:useLocalDpi xmlns="" xmlns:a14="http://schemas.microsoft.com/office/drawing/2010/main" val="0"/>
+              </a:ext>
+            </a:extLst>
+          </a:blip>
+          <a:srcRect/>
+          <a:stretch>
+            <a:fillRect/>
+          </a:stretch>
+        </p:blipFill>
+        <p:spPr bwMode="auto">
+          <a:xfrm>
+            <a:off x="6657065" y="2954562"/>
+            <a:ext cx="476250" cy="476250"/>
+          </a:xfrm>
+          <a:prstGeom prst="rect">
+            <a:avLst/>
+          </a:prstGeom>
+          <a:noFill/>
+          <a:extLst>
+            <a:ext uri="{909E8E84-426E-40DD-AFC4-6F175D3DCCD1}">
+              <a14:hiddenFill xmlns="" xmlns:a14="http://schemas.microsoft.com/office/drawing/2010/main">
+                <a:solidFill>
+                  <a:srgbClr val="FFFFFF"/>
+                </a:solidFill>
+              </a14:hiddenFill>
+            </a:ext>
+          </a:extLst>
+        </p:spPr>
+      </p:pic>
+      <p:pic>
+        <p:nvPicPr>
+          <p:cNvPr id="1028" name="Picture 4" descr="C:\Documents and Settings\XP\바탕 화면\메시지.png"/>
+          <p:cNvPicPr>
+            <a:picLocks noChangeAspect="1" noChangeArrowheads="1"/>
+          </p:cNvPicPr>
+          <p:nvPr/>
+        </p:nvPicPr>
+        <p:blipFill>
+          <a:blip r:embed="rId6" cstate="print">
+            <a:extLst>
+              <a:ext uri="{28A0092B-C50C-407E-A947-70E740481C1C}">
+                <a14:useLocalDpi xmlns="" xmlns:a14="http://schemas.microsoft.com/office/drawing/2010/main" val="0"/>
+              </a:ext>
+            </a:extLst>
+          </a:blip>
+          <a:srcRect/>
+          <a:stretch>
+            <a:fillRect/>
+          </a:stretch>
+        </p:blipFill>
+        <p:spPr bwMode="auto">
+          <a:xfrm>
+            <a:off x="7336110" y="2966002"/>
+            <a:ext cx="476250" cy="476250"/>
+          </a:xfrm>
+          <a:prstGeom prst="rect">
+            <a:avLst/>
+          </a:prstGeom>
+          <a:noFill/>
+          <a:extLst>
+            <a:ext uri="{909E8E84-426E-40DD-AFC4-6F175D3DCCD1}">
+              <a14:hiddenFill xmlns="" xmlns:a14="http://schemas.microsoft.com/office/drawing/2010/main">
+                <a:solidFill>
+                  <a:srgbClr val="FFFFFF"/>
+                </a:solidFill>
+              </a14:hiddenFill>
+            </a:ext>
+          </a:extLst>
+        </p:spPr>
+      </p:pic>
+      <p:pic>
+        <p:nvPicPr>
+          <p:cNvPr id="18" name="Picture 3" descr="C:\Documents and Settings\XP\바탕 화면\무제-1.png"/>
+          <p:cNvPicPr>
+            <a:picLocks noChangeAspect="1" noChangeArrowheads="1"/>
+          </p:cNvPicPr>
+          <p:nvPr/>
+        </p:nvPicPr>
+        <p:blipFill>
+          <a:blip r:embed="rId5" cstate="print">
+            <a:extLst>
+              <a:ext uri="{28A0092B-C50C-407E-A947-70E740481C1C}">
+                <a14:useLocalDpi xmlns="" xmlns:a14="http://schemas.microsoft.com/office/drawing/2010/main" val="0"/>
+              </a:ext>
+            </a:extLst>
+          </a:blip>
+          <a:srcRect/>
+          <a:stretch>
+            <a:fillRect/>
+          </a:stretch>
+        </p:blipFill>
+        <p:spPr bwMode="auto">
+          <a:xfrm>
+            <a:off x="1547664" y="2594522"/>
+            <a:ext cx="476250" cy="476250"/>
+          </a:xfrm>
+          <a:prstGeom prst="rect">
+            <a:avLst/>
+          </a:prstGeom>
+          <a:noFill/>
+          <a:extLst>
+            <a:ext uri="{909E8E84-426E-40DD-AFC4-6F175D3DCCD1}">
+              <a14:hiddenFill xmlns="" xmlns:a14="http://schemas.microsoft.com/office/drawing/2010/main">
+                <a:solidFill>
+                  <a:srgbClr val="FFFFFF"/>
+                </a:solidFill>
+              </a14:hiddenFill>
+            </a:ext>
+          </a:extLst>
+        </p:spPr>
+      </p:pic>
+      <p:pic>
+        <p:nvPicPr>
+          <p:cNvPr id="19" name="Picture 4" descr="C:\Documents and Settings\XP\바탕 화면\메시지.png"/>
+          <p:cNvPicPr>
+            <a:picLocks noChangeAspect="1" noChangeArrowheads="1"/>
+          </p:cNvPicPr>
+          <p:nvPr/>
+        </p:nvPicPr>
+        <p:blipFill>
+          <a:blip r:embed="rId6" cstate="print">
+            <a:extLst>
+              <a:ext uri="{28A0092B-C50C-407E-A947-70E740481C1C}">
+                <a14:useLocalDpi xmlns="" xmlns:a14="http://schemas.microsoft.com/office/drawing/2010/main" val="0"/>
+              </a:ext>
+            </a:extLst>
+          </a:blip>
+          <a:srcRect/>
+          <a:stretch>
+            <a:fillRect/>
+          </a:stretch>
+        </p:blipFill>
+        <p:spPr bwMode="auto">
+          <a:xfrm>
+            <a:off x="2226709" y="2605962"/>
+            <a:ext cx="476250" cy="476250"/>
+          </a:xfrm>
+          <a:prstGeom prst="rect">
+            <a:avLst/>
+          </a:prstGeom>
+          <a:noFill/>
+          <a:extLst>
+            <a:ext uri="{909E8E84-426E-40DD-AFC4-6F175D3DCCD1}">
+              <a14:hiddenFill xmlns="" xmlns:a14="http://schemas.microsoft.com/office/drawing/2010/main">
+                <a:solidFill>
+                  <a:srgbClr val="FFFFFF"/>
+                </a:solidFill>
+              </a14:hiddenFill>
+            </a:ext>
+          </a:extLst>
+        </p:spPr>
+      </p:pic>
+      <p:sp>
+        <p:nvSpPr>
+          <p:cNvPr id="22" name="TextBox 21"/>
+          <p:cNvSpPr txBox="1"/>
+          <p:nvPr/>
+        </p:nvSpPr>
+        <p:spPr>
+          <a:xfrm>
+            <a:off x="1605627" y="1700808"/>
+            <a:ext cx="1039067" cy="461665"/>
+          </a:xfrm>
+          <a:prstGeom prst="rect">
+            <a:avLst/>
+          </a:prstGeom>
+          <a:noFill/>
+        </p:spPr>
+        <p:txBody>
+          <a:bodyPr wrap="none" rtlCol="0">
+            <a:spAutoFit/>
+          </a:bodyPr>
+          <a:lstStyle/>
+          <a:p>
+            <a:r>
+              <a:rPr lang="en-US" altLang="ko-KR" b="1" dirty="0" smtClean="0">
+                <a:solidFill>
+                  <a:srgbClr val="000000"/>
+                </a:solidFill>
+              </a:rPr>
+              <a:t>Client</a:t>
+            </a:r>
+            <a:endParaRPr lang="ko-KR" altLang="en-US" b="1" dirty="0">
+              <a:solidFill>
+                <a:srgbClr val="000000"/>
+              </a:solidFill>
+            </a:endParaRPr>
+          </a:p>
+        </p:txBody>
+      </p:sp>
+      <p:sp>
+        <p:nvSpPr>
+          <p:cNvPr id="23" name="TextBox 22"/>
+          <p:cNvSpPr txBox="1"/>
+          <p:nvPr/>
+        </p:nvSpPr>
+        <p:spPr>
+          <a:xfrm>
+            <a:off x="6701301" y="1700809"/>
+            <a:ext cx="1144865" cy="461665"/>
+          </a:xfrm>
+          <a:prstGeom prst="rect">
+            <a:avLst/>
+          </a:prstGeom>
+          <a:noFill/>
+        </p:spPr>
+        <p:txBody>
+          <a:bodyPr wrap="none" rtlCol="0">
+            <a:spAutoFit/>
+          </a:bodyPr>
+          <a:lstStyle/>
+          <a:p>
+            <a:r>
+              <a:rPr lang="en-US" altLang="ko-KR" b="1" dirty="0" smtClean="0">
+                <a:solidFill>
+                  <a:srgbClr val="000000"/>
+                </a:solidFill>
+              </a:rPr>
+              <a:t>Server</a:t>
+            </a:r>
+            <a:endParaRPr lang="ko-KR" altLang="en-US" b="1" dirty="0">
+              <a:solidFill>
+                <a:srgbClr val="000000"/>
+              </a:solidFill>
+            </a:endParaRPr>
+          </a:p>
+        </p:txBody>
+      </p:sp>
+      <p:pic>
+        <p:nvPicPr>
+          <p:cNvPr id="16" name="Picture 6" descr="C:\Documents and Settings\XP\바탕 화면\카메라.png"/>
+          <p:cNvPicPr>
+            <a:picLocks noChangeAspect="1" noChangeArrowheads="1"/>
+          </p:cNvPicPr>
+          <p:nvPr/>
+        </p:nvPicPr>
+        <p:blipFill>
+          <a:blip r:embed="rId7" cstate="print">
+            <a:extLst>
+              <a:ext uri="{28A0092B-C50C-407E-A947-70E740481C1C}">
+                <a14:useLocalDpi xmlns="" xmlns:a14="http://schemas.microsoft.com/office/drawing/2010/main" val="0"/>
+              </a:ext>
+            </a:extLst>
+          </a:blip>
+          <a:srcRect/>
+          <a:stretch>
+            <a:fillRect/>
+          </a:stretch>
+        </p:blipFill>
+        <p:spPr bwMode="auto">
+          <a:xfrm>
+            <a:off x="7035608" y="3560451"/>
+            <a:ext cx="476250" cy="476250"/>
+          </a:xfrm>
+          <a:prstGeom prst="rect">
+            <a:avLst/>
+          </a:prstGeom>
+          <a:noFill/>
+          <a:extLst>
+            <a:ext uri="{909E8E84-426E-40DD-AFC4-6F175D3DCCD1}">
+              <a14:hiddenFill xmlns="" xmlns:a14="http://schemas.microsoft.com/office/drawing/2010/main">
+                <a:solidFill>
+                  <a:srgbClr val="FFFFFF"/>
+                </a:solidFill>
+              </a14:hiddenFill>
+            </a:ext>
+          </a:extLst>
+        </p:spPr>
+      </p:pic>
+      <p:pic>
+        <p:nvPicPr>
+          <p:cNvPr id="17" name="Picture 5" descr="C:\Documents and Settings\XP\바탕 화면\사진.png"/>
+          <p:cNvPicPr>
+            <a:picLocks noChangeAspect="1" noChangeArrowheads="1"/>
+          </p:cNvPicPr>
+          <p:nvPr/>
+        </p:nvPicPr>
+        <p:blipFill>
+          <a:blip r:embed="rId8" cstate="print">
+            <a:extLst>
+              <a:ext uri="{28A0092B-C50C-407E-A947-70E740481C1C}">
+                <a14:useLocalDpi xmlns="" xmlns:a14="http://schemas.microsoft.com/office/drawing/2010/main" val="0"/>
+              </a:ext>
+            </a:extLst>
+          </a:blip>
+          <a:srcRect/>
+          <a:stretch>
+            <a:fillRect/>
+          </a:stretch>
+        </p:blipFill>
+        <p:spPr bwMode="auto">
+          <a:xfrm>
+            <a:off x="1887035" y="3273609"/>
+            <a:ext cx="476250" cy="476250"/>
+          </a:xfrm>
+          <a:prstGeom prst="rect">
+            <a:avLst/>
+          </a:prstGeom>
+          <a:noFill/>
+          <a:extLst>
+            <a:ext uri="{909E8E84-426E-40DD-AFC4-6F175D3DCCD1}">
+              <a14:hiddenFill xmlns="" xmlns:a14="http://schemas.microsoft.com/office/drawing/2010/main">
+                <a:solidFill>
+                  <a:srgbClr val="FFFFFF"/>
+                </a:solidFill>
+              </a14:hiddenFill>
+            </a:ext>
+          </a:extLst>
+        </p:spPr>
+      </p:pic>
+      <p:pic>
+        <p:nvPicPr>
+          <p:cNvPr id="21" name="Picture 2" descr="C:\Documents and Settings\XP\바탕 화면\무제-1.png"/>
+          <p:cNvPicPr>
+            <a:picLocks noChangeAspect="1" noChangeArrowheads="1"/>
+          </p:cNvPicPr>
+          <p:nvPr/>
+        </p:nvPicPr>
+        <p:blipFill>
+          <a:blip r:embed="rId9" cstate="print">
+            <a:extLst>
+              <a:ext uri="{28A0092B-C50C-407E-A947-70E740481C1C}">
+                <a14:useLocalDpi xmlns="" xmlns:a14="http://schemas.microsoft.com/office/drawing/2010/main" val="0"/>
+              </a:ext>
+            </a:extLst>
+          </a:blip>
+          <a:srcRect/>
+          <a:stretch>
+            <a:fillRect/>
+          </a:stretch>
+        </p:blipFill>
+        <p:spPr bwMode="auto">
+          <a:xfrm>
+            <a:off x="3059832" y="4538738"/>
+            <a:ext cx="1261769" cy="1261769"/>
+          </a:xfrm>
+          <a:prstGeom prst="rect">
+            <a:avLst/>
+          </a:prstGeom>
+          <a:noFill/>
+          <a:extLst>
+            <a:ext uri="{909E8E84-426E-40DD-AFC4-6F175D3DCCD1}">
+              <a14:hiddenFill xmlns="" xmlns:a14="http://schemas.microsoft.com/office/drawing/2010/main">
+                <a:solidFill>
+                  <a:srgbClr val="FFFFFF"/>
+                </a:solidFill>
+              </a14:hiddenFill>
+            </a:ext>
+          </a:extLst>
+        </p:spPr>
+      </p:pic>
+      <p:pic>
+        <p:nvPicPr>
+          <p:cNvPr id="24" name="Picture 3" descr="C:\Documents and Settings\XP\바탕 화면\무제-2.png"/>
+          <p:cNvPicPr>
+            <a:picLocks noChangeAspect="1" noChangeArrowheads="1"/>
+          </p:cNvPicPr>
+          <p:nvPr/>
+        </p:nvPicPr>
+        <p:blipFill>
+          <a:blip r:embed="rId10" cstate="print">
+            <a:extLst>
+              <a:ext uri="{28A0092B-C50C-407E-A947-70E740481C1C}">
+                <a14:useLocalDpi xmlns="" xmlns:a14="http://schemas.microsoft.com/office/drawing/2010/main" val="0"/>
+              </a:ext>
+            </a:extLst>
+          </a:blip>
+          <a:srcRect/>
+          <a:stretch>
+            <a:fillRect/>
+          </a:stretch>
+        </p:blipFill>
+        <p:spPr bwMode="auto">
+          <a:xfrm>
+            <a:off x="7540649" y="3638724"/>
+            <a:ext cx="1332969" cy="1332969"/>
+          </a:xfrm>
+          <a:prstGeom prst="rect">
+            <a:avLst/>
+          </a:prstGeom>
+          <a:noFill/>
+          <a:extLst>
+            <a:ext uri="{909E8E84-426E-40DD-AFC4-6F175D3DCCD1}">
+              <a14:hiddenFill xmlns="" xmlns:a14="http://schemas.microsoft.com/office/drawing/2010/main">
+                <a:solidFill>
+                  <a:srgbClr val="FFFFFF"/>
+                </a:solidFill>
+              </a14:hiddenFill>
+            </a:ext>
+          </a:extLst>
+        </p:spPr>
+      </p:pic>
+    </p:spTree>
+    <p:extLst>
+      <p:ext uri="{BB962C8B-B14F-4D97-AF65-F5344CB8AC3E}">
+        <p14:creationId xmlns="" xmlns:p14="http://schemas.microsoft.com/office/powerpoint/2010/main" val="1407908346"/>
       </p:ext>
     </p:extLst>
   </p:cSld>

--- a/Documents/presentation doc/Final Presentation/final-presentation.pptx
+++ b/Documents/presentation doc/Final Presentation/final-presentation.pptx
@@ -167,10 +167,10 @@
           <c:layoutTarget val="inner"/>
           <c:xMode val="edge"/>
           <c:yMode val="edge"/>
-          <c:x val="0.13756541418769727"/>
-          <c:y val="0.31142121774829457"/>
+          <c:x val="0.13756541418769738"/>
+          <c:y val="0.31142121774829468"/>
           <c:w val="0.82290353753797463"/>
-          <c:h val="0.5677631056866661"/>
+          <c:h val="0.56776310568666588"/>
         </c:manualLayout>
       </c:layout>
       <c:barChart>
@@ -265,25 +265,25 @@
           <c:showVal val="1"/>
         </c:dLbls>
         <c:gapWidth val="75"/>
-        <c:axId val="72123520"/>
-        <c:axId val="72125056"/>
+        <c:axId val="73350144"/>
+        <c:axId val="73356032"/>
       </c:barChart>
       <c:catAx>
-        <c:axId val="72123520"/>
+        <c:axId val="73350144"/>
         <c:scaling>
           <c:orientation val="minMax"/>
         </c:scaling>
         <c:axPos val="b"/>
         <c:majorTickMark val="none"/>
         <c:tickLblPos val="nextTo"/>
-        <c:crossAx val="72125056"/>
+        <c:crossAx val="73356032"/>
         <c:crosses val="autoZero"/>
         <c:auto val="1"/>
         <c:lblAlgn val="ctr"/>
         <c:lblOffset val="100"/>
       </c:catAx>
       <c:valAx>
-        <c:axId val="72125056"/>
+        <c:axId val="73356032"/>
         <c:scaling>
           <c:orientation val="minMax"/>
           <c:min val="0"/>
@@ -292,7 +292,7 @@
         <c:numFmt formatCode="General" sourceLinked="1"/>
         <c:majorTickMark val="none"/>
         <c:tickLblPos val="nextTo"/>
-        <c:crossAx val="72123520"/>
+        <c:crossAx val="73350144"/>
         <c:crosses val="autoZero"/>
         <c:crossBetween val="between"/>
         <c:majorUnit val="20"/>
@@ -304,10 +304,10 @@
         <c:manualLayout>
           <c:xMode val="edge"/>
           <c:yMode val="edge"/>
-          <c:x val="0.18942124246731415"/>
-          <c:y val="3.0763248527941652E-2"/>
-          <c:w val="0.68117168015815055"/>
-          <c:h val="0.22344660117130105"/>
+          <c:x val="0.18942124246731429"/>
+          <c:y val="3.0763248527941663E-2"/>
+          <c:w val="0.68117168015815099"/>
+          <c:h val="0.22344660117130122"/>
         </c:manualLayout>
       </c:layout>
     </c:legend>
@@ -3216,7 +3216,7 @@
                 <a:ea typeface="+mn-ea"/>
                 <a:cs typeface="+mn-cs"/>
               </a:rPr>
-              <a:t>스마트폰보다</a:t>
+              <a:t>스마트폰에서</a:t>
             </a:r>
             <a:r>
               <a:rPr lang="ko-KR" altLang="en-US" sz="1200" kern="1200" dirty="0" smtClean="0">
@@ -3227,7 +3227,7 @@
                 <a:ea typeface="+mn-ea"/>
                 <a:cs typeface="+mn-cs"/>
               </a:rPr>
-              <a:t> 성능이 좋은 </a:t>
+              <a:t> 주로 쓰는 기능은 생각보다 별로 없습니다</a:t>
             </a:r>
             <a:r>
               <a:rPr lang="en-US" altLang="ko-KR" sz="1200" kern="1200" dirty="0" smtClean="0">
@@ -3238,18 +3238,40 @@
                 <a:ea typeface="+mn-ea"/>
                 <a:cs typeface="+mn-cs"/>
               </a:rPr>
-              <a:t>PC</a:t>
-            </a:r>
-            <a:r>
-              <a:rPr lang="ko-KR" altLang="en-US" sz="1200" kern="1200" smtClean="0">
-                <a:solidFill>
-                  <a:schemeClr val="tx1"/>
-                </a:solidFill>
-                <a:latin typeface="Arial" charset="0"/>
-                <a:ea typeface="+mn-ea"/>
-                <a:cs typeface="+mn-cs"/>
-              </a:rPr>
-              <a:t>에서는 ㅈ</a:t>
+              <a:t>.</a:t>
+            </a:r>
+            <a:r>
+              <a:rPr lang="en-US" altLang="ko-KR" sz="1200" kern="1200" baseline="0" dirty="0" smtClean="0">
+                <a:solidFill>
+                  <a:schemeClr val="tx1"/>
+                </a:solidFill>
+                <a:latin typeface="Arial" charset="0"/>
+                <a:ea typeface="+mn-ea"/>
+                <a:cs typeface="+mn-cs"/>
+              </a:rPr>
+              <a:t> PC</a:t>
+            </a:r>
+            <a:r>
+              <a:rPr lang="ko-KR" altLang="en-US" sz="1200" kern="1200" baseline="0" dirty="0" smtClean="0">
+                <a:solidFill>
+                  <a:schemeClr val="tx1"/>
+                </a:solidFill>
+                <a:latin typeface="Arial" charset="0"/>
+                <a:ea typeface="+mn-ea"/>
+                <a:cs typeface="+mn-cs"/>
+              </a:rPr>
+              <a:t>와 연결해 비싼 가격의 스마트폰을 지금보다 다양하게 활용하고자 프로젝트를 기획하게 됐습니다</a:t>
+            </a:r>
+            <a:r>
+              <a:rPr lang="en-US" altLang="ko-KR" sz="1200" kern="1200" baseline="0" dirty="0" smtClean="0">
+                <a:solidFill>
+                  <a:schemeClr val="tx1"/>
+                </a:solidFill>
+                <a:latin typeface="Arial" charset="0"/>
+                <a:ea typeface="+mn-ea"/>
+                <a:cs typeface="+mn-cs"/>
+              </a:rPr>
+              <a:t>.</a:t>
             </a:r>
             <a:endParaRPr lang="ko-KR" altLang="ko-KR" sz="1200" kern="1200" dirty="0">
               <a:solidFill>
@@ -8494,89 +8516,59 @@
             <a:noFill/>
           </p:spPr>
         </p:pic>
-        <p:grpSp>
-          <p:nvGrpSpPr>
-            <p:cNvPr id="10" name="그룹 9"/>
-            <p:cNvGrpSpPr/>
+        <p:pic>
+          <p:nvPicPr>
+            <p:cNvPr id="1026" name="Picture 2" descr="C:\Documents and Settings\Administrator\바탕 화면\Untitled-1.gif"/>
+            <p:cNvPicPr>
+              <a:picLocks noChangeAspect="1" noChangeArrowheads="1"/>
+            </p:cNvPicPr>
             <p:nvPr/>
-          </p:nvGrpSpPr>
-          <p:grpSpPr>
+          </p:nvPicPr>
+          <p:blipFill>
+            <a:blip r:embed="rId4" cstate="print"/>
+            <a:srcRect/>
+            <a:stretch>
+              <a:fillRect/>
+            </a:stretch>
+          </p:blipFill>
+          <p:spPr bwMode="auto">
             <a:xfrm>
-              <a:off x="2483768" y="2204864"/>
-              <a:ext cx="3024336" cy="1902307"/>
-              <a:chOff x="2483768" y="2204864"/>
-              <a:chExt cx="3024336" cy="1902307"/>
+              <a:off x="3347865" y="2204864"/>
+              <a:ext cx="1296144" cy="1902307"/>
             </a:xfrm>
-          </p:grpSpPr>
-          <p:pic>
-            <p:nvPicPr>
-              <p:cNvPr id="1026" name="Picture 2" descr="C:\Documents and Settings\Administrator\바탕 화면\Untitled-1.gif"/>
-              <p:cNvPicPr>
-                <a:picLocks noChangeAspect="1" noChangeArrowheads="1"/>
-              </p:cNvPicPr>
-              <p:nvPr/>
-            </p:nvPicPr>
-            <p:blipFill>
-              <a:blip r:embed="rId4" cstate="print"/>
-              <a:srcRect/>
-              <a:stretch>
-                <a:fillRect/>
-              </a:stretch>
-            </p:blipFill>
-            <p:spPr bwMode="auto">
-              <a:xfrm>
-                <a:off x="3347865" y="2204864"/>
-                <a:ext cx="1296144" cy="1902307"/>
-              </a:xfrm>
-              <a:prstGeom prst="rect">
-                <a:avLst/>
-              </a:prstGeom>
-              <a:noFill/>
-            </p:spPr>
-          </p:pic>
-          <p:pic>
-            <p:nvPicPr>
-              <p:cNvPr id="3" name="Picture 2" descr="N:\설계프로젝트\임시저장\제목-없음-3.png"/>
-              <p:cNvPicPr>
-                <a:picLocks noChangeAspect="1" noChangeArrowheads="1"/>
-              </p:cNvPicPr>
-              <p:nvPr/>
-            </p:nvPicPr>
-            <p:blipFill>
-              <a:blip r:embed="rId5" cstate="print">
-                <a:extLst>
-                  <a:ext uri="{28A0092B-C50C-407E-A947-70E740481C1C}">
-                    <a14:useLocalDpi xmlns="" xmlns:a14="http://schemas.microsoft.com/office/drawing/2010/main" val="0"/>
-                  </a:ext>
-                </a:extLst>
-              </a:blip>
-              <a:srcRect/>
-              <a:stretch>
-                <a:fillRect/>
-              </a:stretch>
-            </p:blipFill>
-            <p:spPr bwMode="auto">
-              <a:xfrm>
-                <a:off x="2483768" y="2306094"/>
-                <a:ext cx="3024336" cy="1728192"/>
-              </a:xfrm>
-              <a:prstGeom prst="rect">
-                <a:avLst/>
-              </a:prstGeom>
-              <a:noFill/>
-              <a:extLst>
-                <a:ext uri="{909E8E84-426E-40DD-AFC4-6F175D3DCCD1}">
-                  <a14:hiddenFill xmlns="" xmlns:a14="http://schemas.microsoft.com/office/drawing/2010/main">
-                    <a:solidFill>
-                      <a:srgbClr val="FFFFFF"/>
-                    </a:solidFill>
-                  </a14:hiddenFill>
-                </a:ext>
-              </a:extLst>
-            </p:spPr>
-          </p:pic>
-        </p:grpSp>
+            <a:prstGeom prst="rect">
+              <a:avLst/>
+            </a:prstGeom>
+            <a:noFill/>
+          </p:spPr>
+        </p:pic>
       </p:grpSp>
+      <p:pic>
+        <p:nvPicPr>
+          <p:cNvPr id="2050" name="Picture 2" descr="C:\Documents and Settings\Administrator\바탕 화면\Untitled-1.png"/>
+          <p:cNvPicPr>
+            <a:picLocks noChangeAspect="1" noChangeArrowheads="1"/>
+          </p:cNvPicPr>
+          <p:nvPr/>
+        </p:nvPicPr>
+        <p:blipFill>
+          <a:blip r:embed="rId5" cstate="print"/>
+          <a:srcRect/>
+          <a:stretch>
+            <a:fillRect/>
+          </a:stretch>
+        </p:blipFill>
+        <p:spPr bwMode="auto">
+          <a:xfrm>
+            <a:off x="3419872" y="2393751"/>
+            <a:ext cx="1080120" cy="1251273"/>
+          </a:xfrm>
+          <a:prstGeom prst="rect">
+            <a:avLst/>
+          </a:prstGeom>
+          <a:noFill/>
+        </p:spPr>
+      </p:pic>
     </p:spTree>
   </p:cSld>
   <p:clrMapOvr>
@@ -12469,6 +12461,32 @@
           <a:chExt cx="0" cy="0"/>
         </a:xfrm>
       </p:grpSpPr>
+      <p:pic>
+        <p:nvPicPr>
+          <p:cNvPr id="1030" name="Picture 6" descr="C:\Documents and Settings\Administrator\바탕 화면\부스지도.png"/>
+          <p:cNvPicPr>
+            <a:picLocks noChangeAspect="1" noChangeArrowheads="1"/>
+          </p:cNvPicPr>
+          <p:nvPr/>
+        </p:nvPicPr>
+        <p:blipFill>
+          <a:blip r:embed="rId3" cstate="print"/>
+          <a:srcRect/>
+          <a:stretch>
+            <a:fillRect/>
+          </a:stretch>
+        </p:blipFill>
+        <p:spPr bwMode="auto">
+          <a:xfrm>
+            <a:off x="6486626" y="3501008"/>
+            <a:ext cx="2555776" cy="3094384"/>
+          </a:xfrm>
+          <a:prstGeom prst="rect">
+            <a:avLst/>
+          </a:prstGeom>
+          <a:noFill/>
+        </p:spPr>
+      </p:pic>
       <p:sp>
         <p:nvSpPr>
           <p:cNvPr id="2" name="제목 1"/>
@@ -12515,6 +12533,118 @@
           </a:p>
         </p:txBody>
       </p:sp>
+      <p:pic>
+        <p:nvPicPr>
+          <p:cNvPr id="1026" name="Picture 2" descr="C:\Documents and Settings\Administrator\바탕 화면\Android-USB.png"/>
+          <p:cNvPicPr>
+            <a:picLocks noChangeAspect="1" noChangeArrowheads="1"/>
+          </p:cNvPicPr>
+          <p:nvPr/>
+        </p:nvPicPr>
+        <p:blipFill>
+          <a:blip r:embed="rId4" cstate="print"/>
+          <a:srcRect/>
+          <a:stretch>
+            <a:fillRect/>
+          </a:stretch>
+        </p:blipFill>
+        <p:spPr bwMode="auto">
+          <a:xfrm>
+            <a:off x="3707904" y="1916832"/>
+            <a:ext cx="2448272" cy="2873896"/>
+          </a:xfrm>
+          <a:prstGeom prst="rect">
+            <a:avLst/>
+          </a:prstGeom>
+          <a:noFill/>
+        </p:spPr>
+      </p:pic>
+      <p:pic>
+        <p:nvPicPr>
+          <p:cNvPr id="4" name="Picture 2" descr="C:\Documents and Settings\Administrator\바탕 화면\Untitled-1.png"/>
+          <p:cNvPicPr>
+            <a:picLocks noChangeAspect="1" noChangeArrowheads="1"/>
+          </p:cNvPicPr>
+          <p:nvPr/>
+        </p:nvPicPr>
+        <p:blipFill>
+          <a:blip r:embed="rId5" cstate="print"/>
+          <a:srcRect/>
+          <a:stretch>
+            <a:fillRect/>
+          </a:stretch>
+        </p:blipFill>
+        <p:spPr bwMode="auto">
+          <a:xfrm>
+            <a:off x="755576" y="2060848"/>
+            <a:ext cx="2304256" cy="2592288"/>
+          </a:xfrm>
+          <a:prstGeom prst="rect">
+            <a:avLst/>
+          </a:prstGeom>
+          <a:noFill/>
+        </p:spPr>
+      </p:pic>
+      <p:sp>
+        <p:nvSpPr>
+          <p:cNvPr id="5" name="TextBox 4"/>
+          <p:cNvSpPr txBox="1"/>
+          <p:nvPr/>
+        </p:nvSpPr>
+        <p:spPr>
+          <a:xfrm>
+            <a:off x="179512" y="1196752"/>
+            <a:ext cx="8640960" cy="461665"/>
+          </a:xfrm>
+          <a:prstGeom prst="rect">
+            <a:avLst/>
+          </a:prstGeom>
+          <a:noFill/>
+        </p:spPr>
+        <p:txBody>
+          <a:bodyPr wrap="square" rtlCol="0">
+            <a:spAutoFit/>
+          </a:bodyPr>
+          <a:lstStyle/>
+          <a:p>
+            <a:r>
+              <a:rPr lang="ko-KR" altLang="en-US" dirty="0" smtClean="0"/>
+              <a:t>홈페이지 </a:t>
+            </a:r>
+            <a:r>
+              <a:rPr lang="en-US" altLang="ko-KR" dirty="0" smtClean="0"/>
+              <a:t>: www.github.com/Sanghyun-Lee/Android-USB</a:t>
+            </a:r>
+            <a:endParaRPr lang="ko-KR" altLang="en-US" dirty="0"/>
+          </a:p>
+        </p:txBody>
+      </p:sp>
+      <p:pic>
+        <p:nvPicPr>
+          <p:cNvPr id="1029" name="Picture 5" descr="C:\Documents and Settings\Administrator\바탕 화면\안드로이드.png"/>
+          <p:cNvPicPr>
+            <a:picLocks noChangeAspect="1" noChangeArrowheads="1"/>
+          </p:cNvPicPr>
+          <p:nvPr/>
+        </p:nvPicPr>
+        <p:blipFill>
+          <a:blip r:embed="rId6" cstate="print"/>
+          <a:srcRect/>
+          <a:stretch>
+            <a:fillRect/>
+          </a:stretch>
+        </p:blipFill>
+        <p:spPr bwMode="auto">
+          <a:xfrm>
+            <a:off x="6533518" y="4725144"/>
+            <a:ext cx="2741108" cy="2132856"/>
+          </a:xfrm>
+          <a:prstGeom prst="rect">
+            <a:avLst/>
+          </a:prstGeom>
+          <a:noFill/>
+        </p:spPr>
+      </p:pic>
     </p:spTree>
     <p:extLst>
       <p:ext uri="{BB962C8B-B14F-4D97-AF65-F5344CB8AC3E}">
@@ -13639,7 +13769,7 @@
         </p:blipFill>
         <p:spPr bwMode="auto">
           <a:xfrm>
-            <a:off x="251520" y="3717032"/>
+            <a:off x="5076056" y="3789040"/>
             <a:ext cx="1174527" cy="1174527"/>
           </a:xfrm>
           <a:prstGeom prst="rect">
@@ -14103,7 +14233,7 @@
         </p:blipFill>
         <p:spPr bwMode="auto">
           <a:xfrm>
-            <a:off x="4932040" y="3717032"/>
+            <a:off x="137939" y="3717032"/>
             <a:ext cx="1337717" cy="1337717"/>
           </a:xfrm>
           <a:prstGeom prst="rect">
@@ -14832,6 +14962,9 @@
             <a:avLst/>
           </a:prstGeom>
           <a:ln w="50800">
+            <a:solidFill>
+              <a:srgbClr val="FF0000"/>
+            </a:solidFill>
             <a:prstDash val="sysDash"/>
             <a:tailEnd type="arrow"/>
           </a:ln>

--- a/Documents/presentation doc/Final Presentation/final-presentation.pptx
+++ b/Documents/presentation doc/Final Presentation/final-presentation.pptx
@@ -20,7 +20,7 @@
     <p:sldId id="313" r:id="rId11"/>
     <p:sldId id="316" r:id="rId12"/>
     <p:sldId id="310" r:id="rId13"/>
-    <p:sldId id="317" r:id="rId14"/>
+    <p:sldId id="325" r:id="rId14"/>
     <p:sldId id="322" r:id="rId15"/>
     <p:sldId id="324" r:id="rId16"/>
   </p:sldIdLst>
@@ -167,10 +167,10 @@
           <c:layoutTarget val="inner"/>
           <c:xMode val="edge"/>
           <c:yMode val="edge"/>
-          <c:x val="0.13756541418769738"/>
-          <c:y val="0.31142121774829468"/>
+          <c:x val="0.13756541418769752"/>
+          <c:y val="0.3114212177482949"/>
           <c:w val="0.82290353753797463"/>
-          <c:h val="0.56776310568666588"/>
+          <c:h val="0.56776310568666555"/>
         </c:manualLayout>
       </c:layout>
       <c:barChart>
@@ -265,25 +265,25 @@
           <c:showVal val="1"/>
         </c:dLbls>
         <c:gapWidth val="75"/>
-        <c:axId val="73350144"/>
-        <c:axId val="73356032"/>
+        <c:axId val="64814464"/>
+        <c:axId val="72369280"/>
       </c:barChart>
       <c:catAx>
-        <c:axId val="73350144"/>
+        <c:axId val="64814464"/>
         <c:scaling>
           <c:orientation val="minMax"/>
         </c:scaling>
         <c:axPos val="b"/>
         <c:majorTickMark val="none"/>
         <c:tickLblPos val="nextTo"/>
-        <c:crossAx val="73356032"/>
+        <c:crossAx val="72369280"/>
         <c:crosses val="autoZero"/>
         <c:auto val="1"/>
         <c:lblAlgn val="ctr"/>
         <c:lblOffset val="100"/>
       </c:catAx>
       <c:valAx>
-        <c:axId val="73356032"/>
+        <c:axId val="72369280"/>
         <c:scaling>
           <c:orientation val="minMax"/>
           <c:min val="0"/>
@@ -292,7 +292,7 @@
         <c:numFmt formatCode="General" sourceLinked="1"/>
         <c:majorTickMark val="none"/>
         <c:tickLblPos val="nextTo"/>
-        <c:crossAx val="73350144"/>
+        <c:crossAx val="64814464"/>
         <c:crosses val="autoZero"/>
         <c:crossBetween val="between"/>
         <c:majorUnit val="20"/>
@@ -304,10 +304,10 @@
         <c:manualLayout>
           <c:xMode val="edge"/>
           <c:yMode val="edge"/>
-          <c:x val="0.18942124246731429"/>
-          <c:y val="3.0763248527941663E-2"/>
-          <c:w val="0.68117168015815099"/>
-          <c:h val="0.22344660117130122"/>
+          <c:x val="0.18942124246731445"/>
+          <c:y val="3.0763248527941694E-2"/>
+          <c:w val="0.68117168015815166"/>
+          <c:h val="0.22344660117130147"/>
         </c:manualLayout>
       </c:layout>
     </c:legend>
@@ -378,14 +378,14 @@
           <a:effectLst/>
           <a:extLst>
             <a:ext uri="{909E8E84-426E-40DD-AFC4-6F175D3DCCD1}">
-              <a14:hiddenFill xmlns="" xmlns:a14="http://schemas.microsoft.com/office/drawing/2010/main">
+              <a14:hiddenFill xmlns:a14="http://schemas.microsoft.com/office/drawing/2010/main" xmlns="">
                 <a:solidFill>
                   <a:schemeClr val="accent1"/>
                 </a:solidFill>
               </a14:hiddenFill>
             </a:ext>
             <a:ext uri="{91240B29-F687-4F45-9708-019B960494DF}">
-              <a14:hiddenLine xmlns="" xmlns:a14="http://schemas.microsoft.com/office/drawing/2010/main" w="9525">
+              <a14:hiddenLine xmlns:a14="http://schemas.microsoft.com/office/drawing/2010/main" xmlns="" w="9525">
                 <a:solidFill>
                   <a:schemeClr val="tx1"/>
                 </a:solidFill>
@@ -395,7 +395,7 @@
               </a14:hiddenLine>
             </a:ext>
             <a:ext uri="{AF507438-7753-43E0-B8FC-AC1667EBCBE1}">
-              <a14:hiddenEffects xmlns="" xmlns:a14="http://schemas.microsoft.com/office/drawing/2010/main">
+              <a14:hiddenEffects xmlns:a14="http://schemas.microsoft.com/office/drawing/2010/main" xmlns="">
                 <a:effectLst>
                   <a:outerShdw dist="35921" dir="2700000" algn="ctr" rotWithShape="0">
                     <a:schemeClr val="bg2"/>
@@ -448,14 +448,14 @@
           <a:effectLst/>
           <a:extLst>
             <a:ext uri="{909E8E84-426E-40DD-AFC4-6F175D3DCCD1}">
-              <a14:hiddenFill xmlns="" xmlns:a14="http://schemas.microsoft.com/office/drawing/2010/main">
+              <a14:hiddenFill xmlns:a14="http://schemas.microsoft.com/office/drawing/2010/main" xmlns="">
                 <a:solidFill>
                   <a:schemeClr val="accent1"/>
                 </a:solidFill>
               </a14:hiddenFill>
             </a:ext>
             <a:ext uri="{91240B29-F687-4F45-9708-019B960494DF}">
-              <a14:hiddenLine xmlns="" xmlns:a14="http://schemas.microsoft.com/office/drawing/2010/main" w="9525">
+              <a14:hiddenLine xmlns:a14="http://schemas.microsoft.com/office/drawing/2010/main" xmlns="" w="9525">
                 <a:solidFill>
                   <a:schemeClr val="tx1"/>
                 </a:solidFill>
@@ -465,7 +465,7 @@
               </a14:hiddenLine>
             </a:ext>
             <a:ext uri="{AF507438-7753-43E0-B8FC-AC1667EBCBE1}">
-              <a14:hiddenEffects xmlns="" xmlns:a14="http://schemas.microsoft.com/office/drawing/2010/main">
+              <a14:hiddenEffects xmlns:a14="http://schemas.microsoft.com/office/drawing/2010/main" xmlns="">
                 <a:effectLst>
                   <a:outerShdw dist="35921" dir="2700000" algn="ctr" rotWithShape="0">
                     <a:schemeClr val="bg2"/>
@@ -523,7 +523,7 @@
           <a:effectLst/>
           <a:extLst>
             <a:ext uri="{AF507438-7753-43E0-B8FC-AC1667EBCBE1}">
-              <a14:hiddenEffects xmlns="" xmlns:a14="http://schemas.microsoft.com/office/drawing/2010/main">
+              <a14:hiddenEffects xmlns:a14="http://schemas.microsoft.com/office/drawing/2010/main" xmlns="">
                 <a:effectLst>
                   <a:outerShdw dist="35921" dir="2700000" algn="ctr" rotWithShape="0">
                     <a:srgbClr val="808080"/>
@@ -532,7 +532,7 @@
               </a14:hiddenEffects>
             </a:ext>
             <a:ext uri="{53640926-AAD7-44D8-BBD7-CCE9431645EC}">
-              <a14:shadowObscured xmlns="" xmlns:a14="http://schemas.microsoft.com/office/drawing/2010/main" val="1"/>
+              <a14:shadowObscured xmlns:a14="http://schemas.microsoft.com/office/drawing/2010/main" xmlns="" val="1"/>
             </a:ext>
           </a:extLst>
         </p:spPr>
@@ -562,14 +562,14 @@
           <a:effectLst/>
           <a:extLst>
             <a:ext uri="{909E8E84-426E-40DD-AFC4-6F175D3DCCD1}">
-              <a14:hiddenFill xmlns="" xmlns:a14="http://schemas.microsoft.com/office/drawing/2010/main">
+              <a14:hiddenFill xmlns:a14="http://schemas.microsoft.com/office/drawing/2010/main" xmlns="">
                 <a:solidFill>
                   <a:schemeClr val="accent1"/>
                 </a:solidFill>
               </a14:hiddenFill>
             </a:ext>
             <a:ext uri="{91240B29-F687-4F45-9708-019B960494DF}">
-              <a14:hiddenLine xmlns="" xmlns:a14="http://schemas.microsoft.com/office/drawing/2010/main" w="9525">
+              <a14:hiddenLine xmlns:a14="http://schemas.microsoft.com/office/drawing/2010/main" xmlns="" w="9525">
                 <a:solidFill>
                   <a:schemeClr val="tx1"/>
                 </a:solidFill>
@@ -579,7 +579,7 @@
               </a14:hiddenLine>
             </a:ext>
             <a:ext uri="{AF507438-7753-43E0-B8FC-AC1667EBCBE1}">
-              <a14:hiddenEffects xmlns="" xmlns:a14="http://schemas.microsoft.com/office/drawing/2010/main">
+              <a14:hiddenEffects xmlns:a14="http://schemas.microsoft.com/office/drawing/2010/main" xmlns="">
                 <a:effectLst>
                   <a:outerShdw dist="35921" dir="2700000" algn="ctr" rotWithShape="0">
                     <a:schemeClr val="bg2"/>
@@ -658,14 +658,14 @@
           <a:effectLst/>
           <a:extLst>
             <a:ext uri="{909E8E84-426E-40DD-AFC4-6F175D3DCCD1}">
-              <a14:hiddenFill xmlns="" xmlns:a14="http://schemas.microsoft.com/office/drawing/2010/main">
+              <a14:hiddenFill xmlns:a14="http://schemas.microsoft.com/office/drawing/2010/main" xmlns="">
                 <a:solidFill>
                   <a:schemeClr val="accent1"/>
                 </a:solidFill>
               </a14:hiddenFill>
             </a:ext>
             <a:ext uri="{91240B29-F687-4F45-9708-019B960494DF}">
-              <a14:hiddenLine xmlns="" xmlns:a14="http://schemas.microsoft.com/office/drawing/2010/main" w="9525">
+              <a14:hiddenLine xmlns:a14="http://schemas.microsoft.com/office/drawing/2010/main" xmlns="" w="9525">
                 <a:solidFill>
                   <a:schemeClr val="tx1"/>
                 </a:solidFill>
@@ -675,7 +675,7 @@
               </a14:hiddenLine>
             </a:ext>
             <a:ext uri="{AF507438-7753-43E0-B8FC-AC1667EBCBE1}">
-              <a14:hiddenEffects xmlns="" xmlns:a14="http://schemas.microsoft.com/office/drawing/2010/main">
+              <a14:hiddenEffects xmlns:a14="http://schemas.microsoft.com/office/drawing/2010/main" xmlns="">
                 <a:effectLst>
                   <a:outerShdw dist="35921" dir="2700000" algn="ctr" rotWithShape="0">
                     <a:schemeClr val="bg2"/>
@@ -728,14 +728,14 @@
           <a:effectLst/>
           <a:extLst>
             <a:ext uri="{909E8E84-426E-40DD-AFC4-6F175D3DCCD1}">
-              <a14:hiddenFill xmlns="" xmlns:a14="http://schemas.microsoft.com/office/drawing/2010/main">
+              <a14:hiddenFill xmlns:a14="http://schemas.microsoft.com/office/drawing/2010/main" xmlns="">
                 <a:solidFill>
                   <a:schemeClr val="accent1"/>
                 </a:solidFill>
               </a14:hiddenFill>
             </a:ext>
             <a:ext uri="{91240B29-F687-4F45-9708-019B960494DF}">
-              <a14:hiddenLine xmlns="" xmlns:a14="http://schemas.microsoft.com/office/drawing/2010/main" w="9525">
+              <a14:hiddenLine xmlns:a14="http://schemas.microsoft.com/office/drawing/2010/main" xmlns="" w="9525">
                 <a:solidFill>
                   <a:schemeClr val="tx1"/>
                 </a:solidFill>
@@ -745,7 +745,7 @@
               </a14:hiddenLine>
             </a:ext>
             <a:ext uri="{AF507438-7753-43E0-B8FC-AC1667EBCBE1}">
-              <a14:hiddenEffects xmlns="" xmlns:a14="http://schemas.microsoft.com/office/drawing/2010/main">
+              <a14:hiddenEffects xmlns:a14="http://schemas.microsoft.com/office/drawing/2010/main" xmlns="">
                 <a:effectLst>
                   <a:outerShdw dist="35921" dir="2700000" algn="ctr" rotWithShape="0">
                     <a:schemeClr val="bg2"/>
@@ -781,7 +781,7 @@
     </p:spTree>
     <p:extLst>
       <p:ext uri="{BB962C8B-B14F-4D97-AF65-F5344CB8AC3E}">
-        <p14:creationId xmlns="" xmlns:p14="http://schemas.microsoft.com/office/powerpoint/2010/main" val="3354467039"/>
+        <p14:creationId xmlns:p14="http://schemas.microsoft.com/office/powerpoint/2010/main" xmlns="" val="3354467039"/>
       </p:ext>
     </p:extLst>
   </p:cSld>
@@ -2292,7 +2292,18 @@
                 <a:ea typeface="+mn-ea"/>
                 <a:cs typeface="+mn-cs"/>
               </a:rPr>
-              <a:t>카메라 장치로 인식돼서 </a:t>
+              <a:t>카메라로 </a:t>
+            </a:r>
+            <a:r>
+              <a:rPr lang="ko-KR" altLang="en-US" sz="1200" kern="1200" dirty="0" smtClean="0">
+                <a:solidFill>
+                  <a:schemeClr val="tx1"/>
+                </a:solidFill>
+                <a:latin typeface="Arial" charset="0"/>
+                <a:ea typeface="+mn-ea"/>
+                <a:cs typeface="+mn-cs"/>
+              </a:rPr>
+              <a:t>인식돼서 </a:t>
             </a:r>
             <a:r>
               <a:rPr lang="ko-KR" altLang="en-US" sz="1200" kern="1200" dirty="0" err="1" smtClean="0">
@@ -2483,7 +2494,15 @@
             </a:r>
             <a:r>
               <a:rPr lang="ko-KR" altLang="en-US" baseline="0" dirty="0" smtClean="0"/>
-              <a:t>에서 마우스 장치로 인식하고</a:t>
+              <a:t>에서 </a:t>
+            </a:r>
+            <a:r>
+              <a:rPr lang="en-US" altLang="ko-KR" baseline="0" dirty="0" smtClean="0"/>
+              <a:t>USB</a:t>
+            </a:r>
+            <a:r>
+              <a:rPr lang="ko-KR" altLang="en-US" baseline="0" dirty="0" smtClean="0"/>
+              <a:t>터치패드로 인식하고</a:t>
             </a:r>
             <a:r>
               <a:rPr lang="en-US" altLang="ko-KR" baseline="0" dirty="0" smtClean="0"/>
@@ -2506,16 +2525,8 @@
               <a:t>어플리케이션의 </a:t>
             </a:r>
             <a:r>
-              <a:rPr lang="en-US" altLang="ko-KR" dirty="0" smtClean="0"/>
-              <a:t>Left, Right</a:t>
-            </a:r>
-            <a:r>
-              <a:rPr lang="en-US" altLang="ko-KR" baseline="0" dirty="0" smtClean="0"/>
-              <a:t> </a:t>
-            </a:r>
-            <a:r>
               <a:rPr lang="ko-KR" altLang="en-US" dirty="0" smtClean="0"/>
-              <a:t>버튼이 </a:t>
+              <a:t>두 버튼과 노랑 바가 </a:t>
             </a:r>
             <a:r>
               <a:rPr lang="en-US" altLang="ko-KR" dirty="0" smtClean="0"/>
@@ -2523,11 +2534,15 @@
             </a:r>
             <a:r>
               <a:rPr lang="ko-KR" altLang="en-US" dirty="0" smtClean="0"/>
-              <a:t>의 마우스 버튼</a:t>
+              <a:t>에서 클릭과 휠 </a:t>
             </a:r>
             <a:r>
               <a:rPr lang="ko-KR" altLang="en-US" baseline="0" dirty="0" smtClean="0"/>
-              <a:t> 기능을 하고</a:t>
+              <a:t>기능을 </a:t>
+            </a:r>
+            <a:r>
+              <a:rPr lang="ko-KR" altLang="en-US" baseline="0" dirty="0" smtClean="0"/>
+              <a:t>하고</a:t>
             </a:r>
             <a:r>
               <a:rPr lang="en-US" altLang="ko-KR" baseline="0" dirty="0" smtClean="0"/>
@@ -2543,7 +2558,15 @@
             </a:r>
             <a:r>
               <a:rPr lang="ko-KR" altLang="en-US" baseline="0" dirty="0" smtClean="0"/>
-              <a:t>의 마우스 커서가 움직입니다</a:t>
+              <a:t>의 </a:t>
+            </a:r>
+            <a:r>
+              <a:rPr lang="ko-KR" altLang="en-US" baseline="0" dirty="0" smtClean="0"/>
+              <a:t>커서가 </a:t>
+            </a:r>
+            <a:r>
+              <a:rPr lang="ko-KR" altLang="en-US" baseline="0" dirty="0" smtClean="0"/>
+              <a:t>움직입니다</a:t>
             </a:r>
             <a:r>
               <a:rPr lang="en-US" altLang="ko-KR" baseline="0" dirty="0" smtClean="0"/>
@@ -2800,7 +2823,40 @@
                 <a:ea typeface="+mn-ea"/>
                 <a:cs typeface="+mn-cs"/>
               </a:rPr>
-              <a:t>에선 마우스 장치가 연결된 것처럼 보이고</a:t>
+              <a:t>에선 </a:t>
+            </a:r>
+            <a:r>
+              <a:rPr lang="en-US" altLang="ko-KR" sz="1200" kern="1200" dirty="0" smtClean="0">
+                <a:solidFill>
+                  <a:schemeClr val="tx1"/>
+                </a:solidFill>
+                <a:latin typeface="Arial" charset="0"/>
+                <a:ea typeface="+mn-ea"/>
+                <a:cs typeface="+mn-cs"/>
+              </a:rPr>
+              <a:t>USB</a:t>
+            </a:r>
+            <a:r>
+              <a:rPr lang="ko-KR" altLang="en-US" sz="1200" kern="1200" dirty="0" smtClean="0">
+                <a:solidFill>
+                  <a:schemeClr val="tx1"/>
+                </a:solidFill>
+                <a:latin typeface="Arial" charset="0"/>
+                <a:ea typeface="+mn-ea"/>
+                <a:cs typeface="+mn-cs"/>
+              </a:rPr>
+              <a:t>터치패드가 연결된 </a:t>
+            </a:r>
+            <a:r>
+              <a:rPr lang="ko-KR" altLang="en-US" sz="1200" kern="1200" dirty="0" smtClean="0">
+                <a:solidFill>
+                  <a:schemeClr val="tx1"/>
+                </a:solidFill>
+                <a:latin typeface="Arial" charset="0"/>
+                <a:ea typeface="+mn-ea"/>
+                <a:cs typeface="+mn-cs"/>
+              </a:rPr>
+              <a:t>것처럼 보이고</a:t>
             </a:r>
             <a:r>
               <a:rPr lang="en-US" altLang="ko-KR" sz="1200" kern="1200" dirty="0" smtClean="0">
@@ -3022,6 +3078,90 @@
               <a:tabLst/>
               <a:defRPr/>
             </a:pPr>
+            <a:r>
+              <a:rPr lang="ko-KR" altLang="en-US" dirty="0" smtClean="0"/>
+              <a:t>저희 프로젝트를 요약하자면</a:t>
+            </a:r>
+            <a:r>
+              <a:rPr lang="en-US" altLang="ko-KR" dirty="0" smtClean="0"/>
+              <a:t>,</a:t>
+            </a:r>
+            <a:r>
+              <a:rPr lang="en-US" altLang="ko-KR" baseline="0" dirty="0" smtClean="0"/>
+              <a:t> </a:t>
+            </a:r>
+            <a:r>
+              <a:rPr lang="ko-KR" altLang="en-US" baseline="0" dirty="0" err="1" smtClean="0"/>
+              <a:t>스마트폰의</a:t>
+            </a:r>
+            <a:r>
+              <a:rPr lang="ko-KR" altLang="en-US" baseline="0" dirty="0" smtClean="0"/>
+              <a:t> 기능을 </a:t>
+            </a:r>
+            <a:r>
+              <a:rPr lang="en-US" altLang="ko-KR" baseline="0" dirty="0" smtClean="0"/>
+              <a:t>PC</a:t>
+            </a:r>
+            <a:r>
+              <a:rPr lang="ko-KR" altLang="en-US" baseline="0" dirty="0" smtClean="0"/>
+              <a:t>에서 </a:t>
+            </a:r>
+            <a:r>
+              <a:rPr lang="en-US" altLang="ko-KR" baseline="0" dirty="0" smtClean="0"/>
+              <a:t>USB</a:t>
+            </a:r>
+            <a:r>
+              <a:rPr lang="ko-KR" altLang="en-US" baseline="0" dirty="0" smtClean="0"/>
+              <a:t>처럼 사용 할 수 있다는 겁니다</a:t>
+            </a:r>
+            <a:r>
+              <a:rPr lang="en-US" altLang="ko-KR" baseline="0" dirty="0" smtClean="0"/>
+              <a:t>. </a:t>
+            </a:r>
+            <a:r>
+              <a:rPr lang="ko-KR" altLang="en-US" baseline="0" dirty="0" smtClean="0"/>
+              <a:t>궁금하신 점이 있으시면 저희 부스로 찾아와 주세요</a:t>
+            </a:r>
+            <a:r>
+              <a:rPr lang="en-US" altLang="ko-KR" baseline="0" dirty="0" smtClean="0"/>
+              <a:t>. </a:t>
+            </a:r>
+            <a:r>
+              <a:rPr lang="ko-KR" altLang="en-US" baseline="0" dirty="0" smtClean="0"/>
+              <a:t>찾아오시면 자세한 설명과 데모를 보실 수 있습니다</a:t>
+            </a:r>
+            <a:r>
+              <a:rPr lang="en-US" altLang="ko-KR" baseline="0" dirty="0" smtClean="0"/>
+              <a:t>. </a:t>
+            </a:r>
+            <a:r>
+              <a:rPr lang="ko-KR" altLang="en-US" baseline="0" dirty="0" smtClean="0"/>
+              <a:t>위치는 오른쪽 그림처럼 </a:t>
+            </a:r>
+            <a:r>
+              <a:rPr lang="en-US" altLang="ko-KR" baseline="0" dirty="0" smtClean="0"/>
+              <a:t>DLC</a:t>
+            </a:r>
+            <a:r>
+              <a:rPr lang="ko-KR" altLang="en-US" baseline="0" dirty="0" smtClean="0"/>
+              <a:t>건너편 </a:t>
+            </a:r>
+            <a:r>
+              <a:rPr lang="ko-KR" altLang="en-US" baseline="0" dirty="0" err="1" smtClean="0"/>
+              <a:t>스터디라운지</a:t>
+            </a:r>
+            <a:r>
+              <a:rPr lang="ko-KR" altLang="en-US" baseline="0" dirty="0" smtClean="0"/>
+              <a:t> 옆에 있으니 많이 찾아와서 질문해주세요</a:t>
+            </a:r>
+            <a:r>
+              <a:rPr lang="en-US" altLang="ko-KR" baseline="0" dirty="0" smtClean="0"/>
+              <a:t>.</a:t>
+            </a:r>
+            <a:r>
+              <a:rPr lang="ko-KR" altLang="en-US" dirty="0" smtClean="0"/>
+              <a:t> </a:t>
+            </a:r>
             <a:endParaRPr lang="ko-KR" altLang="en-US" dirty="0"/>
           </a:p>
         </p:txBody>
@@ -3311,7 +3451,7 @@
     </p:spTree>
     <p:extLst>
       <p:ext uri="{BB962C8B-B14F-4D97-AF65-F5344CB8AC3E}">
-        <p14:creationId xmlns="" xmlns:p14="http://schemas.microsoft.com/office/powerpoint/2010/main" val="483073219"/>
+        <p14:creationId xmlns:p14="http://schemas.microsoft.com/office/powerpoint/2010/main" xmlns="" val="483073219"/>
       </p:ext>
     </p:extLst>
   </p:cSld>
@@ -5507,7 +5647,7 @@
           </a:xfrm>
           <a:extLst>
             <a:ext uri="{AF507438-7753-43E0-B8FC-AC1667EBCBE1}">
-              <a14:hiddenEffects xmlns="" xmlns:a14="http://schemas.microsoft.com/office/drawing/2010/main">
+              <a14:hiddenEffects xmlns:a14="http://schemas.microsoft.com/office/drawing/2010/main" xmlns="">
                 <a:effectLst>
                   <a:outerShdw dist="17961" dir="2700000" algn="ctr" rotWithShape="0">
                     <a:schemeClr val="bg1"/>
@@ -5551,7 +5691,7 @@
           </a:xfrm>
           <a:extLst>
             <a:ext uri="{AF507438-7753-43E0-B8FC-AC1667EBCBE1}">
-              <a14:hiddenEffects xmlns="" xmlns:a14="http://schemas.microsoft.com/office/drawing/2010/main">
+              <a14:hiddenEffects xmlns:a14="http://schemas.microsoft.com/office/drawing/2010/main" xmlns="">
                 <a:effectLst>
                   <a:outerShdw dist="17961" dir="2700000" algn="ctr" rotWithShape="0">
                     <a:schemeClr val="bg1"/>
@@ -5687,7 +5827,7 @@
     </p:spTree>
     <p:extLst>
       <p:ext uri="{BB962C8B-B14F-4D97-AF65-F5344CB8AC3E}">
-        <p14:creationId xmlns="" xmlns:p14="http://schemas.microsoft.com/office/powerpoint/2010/main" val="3191849363"/>
+        <p14:creationId xmlns:p14="http://schemas.microsoft.com/office/powerpoint/2010/main" xmlns="" val="3191849363"/>
       </p:ext>
     </p:extLst>
   </p:cSld>
@@ -5802,7 +5942,7 @@
     </p:spTree>
     <p:extLst>
       <p:ext uri="{BB962C8B-B14F-4D97-AF65-F5344CB8AC3E}">
-        <p14:creationId xmlns="" xmlns:p14="http://schemas.microsoft.com/office/powerpoint/2010/main" val="1524186507"/>
+        <p14:creationId xmlns:p14="http://schemas.microsoft.com/office/powerpoint/2010/main" xmlns="" val="1524186507"/>
       </p:ext>
     </p:extLst>
   </p:cSld>
@@ -5907,7 +6047,7 @@
     </p:spTree>
     <p:extLst>
       <p:ext uri="{BB962C8B-B14F-4D97-AF65-F5344CB8AC3E}">
-        <p14:creationId xmlns="" xmlns:p14="http://schemas.microsoft.com/office/powerpoint/2010/main" val="3261712152"/>
+        <p14:creationId xmlns:p14="http://schemas.microsoft.com/office/powerpoint/2010/main" xmlns="" val="3261712152"/>
       </p:ext>
     </p:extLst>
   </p:cSld>
@@ -6034,7 +6174,7 @@
     </p:spTree>
     <p:extLst>
       <p:ext uri="{BB962C8B-B14F-4D97-AF65-F5344CB8AC3E}">
-        <p14:creationId xmlns="" xmlns:p14="http://schemas.microsoft.com/office/powerpoint/2010/main" val="346190723"/>
+        <p14:creationId xmlns:p14="http://schemas.microsoft.com/office/powerpoint/2010/main" xmlns="" val="346190723"/>
       </p:ext>
     </p:extLst>
   </p:cSld>
@@ -6257,7 +6397,7 @@
     </p:spTree>
     <p:extLst>
       <p:ext uri="{BB962C8B-B14F-4D97-AF65-F5344CB8AC3E}">
-        <p14:creationId xmlns="" xmlns:p14="http://schemas.microsoft.com/office/powerpoint/2010/main" val="4255224362"/>
+        <p14:creationId xmlns:p14="http://schemas.microsoft.com/office/powerpoint/2010/main" xmlns="" val="4255224362"/>
       </p:ext>
     </p:extLst>
   </p:cSld>
@@ -6619,7 +6759,7 @@
     </p:spTree>
     <p:extLst>
       <p:ext uri="{BB962C8B-B14F-4D97-AF65-F5344CB8AC3E}">
-        <p14:creationId xmlns="" xmlns:p14="http://schemas.microsoft.com/office/powerpoint/2010/main" val="234523478"/>
+        <p14:creationId xmlns:p14="http://schemas.microsoft.com/office/powerpoint/2010/main" xmlns="" val="234523478"/>
       </p:ext>
     </p:extLst>
   </p:cSld>
@@ -6672,7 +6812,7 @@
     </p:spTree>
     <p:extLst>
       <p:ext uri="{BB962C8B-B14F-4D97-AF65-F5344CB8AC3E}">
-        <p14:creationId xmlns="" xmlns:p14="http://schemas.microsoft.com/office/powerpoint/2010/main" val="4170126094"/>
+        <p14:creationId xmlns:p14="http://schemas.microsoft.com/office/powerpoint/2010/main" xmlns="" val="4170126094"/>
       </p:ext>
     </p:extLst>
   </p:cSld>
@@ -6702,7 +6842,7 @@
     </p:spTree>
     <p:extLst>
       <p:ext uri="{BB962C8B-B14F-4D97-AF65-F5344CB8AC3E}">
-        <p14:creationId xmlns="" xmlns:p14="http://schemas.microsoft.com/office/powerpoint/2010/main" val="3131819388"/>
+        <p14:creationId xmlns:p14="http://schemas.microsoft.com/office/powerpoint/2010/main" xmlns="" val="3131819388"/>
       </p:ext>
     </p:extLst>
   </p:cSld>
@@ -6914,7 +7054,7 @@
     </p:spTree>
     <p:extLst>
       <p:ext uri="{BB962C8B-B14F-4D97-AF65-F5344CB8AC3E}">
-        <p14:creationId xmlns="" xmlns:p14="http://schemas.microsoft.com/office/powerpoint/2010/main" val="1266256783"/>
+        <p14:creationId xmlns:p14="http://schemas.microsoft.com/office/powerpoint/2010/main" xmlns="" val="1266256783"/>
       </p:ext>
     </p:extLst>
   </p:cSld>
@@ -7106,7 +7246,7 @@
     </p:spTree>
     <p:extLst>
       <p:ext uri="{BB962C8B-B14F-4D97-AF65-F5344CB8AC3E}">
-        <p14:creationId xmlns="" xmlns:p14="http://schemas.microsoft.com/office/powerpoint/2010/main" val="511494401"/>
+        <p14:creationId xmlns:p14="http://schemas.microsoft.com/office/powerpoint/2010/main" xmlns="" val="511494401"/>
       </p:ext>
     </p:extLst>
   </p:cSld>
@@ -7170,14 +7310,14 @@
           <a:effectLst/>
           <a:extLst>
             <a:ext uri="{909E8E84-426E-40DD-AFC4-6F175D3DCCD1}">
-              <a14:hiddenFill xmlns="" xmlns:a14="http://schemas.microsoft.com/office/drawing/2010/main">
+              <a14:hiddenFill xmlns:a14="http://schemas.microsoft.com/office/drawing/2010/main" xmlns="">
                 <a:solidFill>
                   <a:schemeClr val="accent1"/>
                 </a:solidFill>
               </a14:hiddenFill>
             </a:ext>
             <a:ext uri="{91240B29-F687-4F45-9708-019B960494DF}">
-              <a14:hiddenLine xmlns="" xmlns:a14="http://schemas.microsoft.com/office/drawing/2010/main" w="9525">
+              <a14:hiddenLine xmlns:a14="http://schemas.microsoft.com/office/drawing/2010/main" xmlns="" w="9525">
                 <a:solidFill>
                   <a:schemeClr val="tx1"/>
                 </a:solidFill>
@@ -7187,7 +7327,7 @@
               </a14:hiddenLine>
             </a:ext>
             <a:ext uri="{AF507438-7753-43E0-B8FC-AC1667EBCBE1}">
-              <a14:hiddenEffects xmlns="" xmlns:a14="http://schemas.microsoft.com/office/drawing/2010/main">
+              <a14:hiddenEffects xmlns:a14="http://schemas.microsoft.com/office/drawing/2010/main" xmlns="">
                 <a:effectLst>
                   <a:outerShdw dist="35921" dir="2700000" algn="ctr" rotWithShape="0">
                     <a:schemeClr val="bg2"/>
@@ -7239,14 +7379,14 @@
           <a:effectLst/>
           <a:extLst>
             <a:ext uri="{909E8E84-426E-40DD-AFC4-6F175D3DCCD1}">
-              <a14:hiddenFill xmlns="" xmlns:a14="http://schemas.microsoft.com/office/drawing/2010/main">
+              <a14:hiddenFill xmlns:a14="http://schemas.microsoft.com/office/drawing/2010/main" xmlns="">
                 <a:solidFill>
                   <a:schemeClr val="accent1"/>
                 </a:solidFill>
               </a14:hiddenFill>
             </a:ext>
             <a:ext uri="{91240B29-F687-4F45-9708-019B960494DF}">
-              <a14:hiddenLine xmlns="" xmlns:a14="http://schemas.microsoft.com/office/drawing/2010/main" w="9525">
+              <a14:hiddenLine xmlns:a14="http://schemas.microsoft.com/office/drawing/2010/main" xmlns="" w="9525">
                 <a:solidFill>
                   <a:schemeClr val="tx1"/>
                 </a:solidFill>
@@ -7256,7 +7396,7 @@
               </a14:hiddenLine>
             </a:ext>
             <a:ext uri="{AF507438-7753-43E0-B8FC-AC1667EBCBE1}">
-              <a14:hiddenEffects xmlns="" xmlns:a14="http://schemas.microsoft.com/office/drawing/2010/main">
+              <a14:hiddenEffects xmlns:a14="http://schemas.microsoft.com/office/drawing/2010/main" xmlns="">
                 <a:effectLst>
                   <a:outerShdw dist="35921" dir="2700000" algn="ctr" rotWithShape="0">
                     <a:schemeClr val="bg2"/>
@@ -7722,7 +7862,7 @@
           <p:nvPr>
             <p:extLst>
               <p:ext uri="{D42A27DB-BD31-4B8C-83A1-F6EECF244321}">
-                <p14:modId xmlns="" xmlns:p14="http://schemas.microsoft.com/office/powerpoint/2010/main" val="3019215210"/>
+                <p14:modId xmlns:p14="http://schemas.microsoft.com/office/powerpoint/2010/main" xmlns="" val="3019215210"/>
               </p:ext>
             </p:extLst>
           </p:nvPr>
@@ -8604,190 +8744,6 @@
       </p:grpSpPr>
       <p:sp>
         <p:nvSpPr>
-          <p:cNvPr id="6" name="모서리가 둥근 직사각형 5"/>
-          <p:cNvSpPr/>
-          <p:nvPr/>
-        </p:nvSpPr>
-        <p:spPr>
-          <a:xfrm>
-            <a:off x="539552" y="1916832"/>
-            <a:ext cx="5112568" cy="4104456"/>
-          </a:xfrm>
-          <a:prstGeom prst="roundRect">
-            <a:avLst/>
-          </a:prstGeom>
-          <a:solidFill>
-            <a:srgbClr val="F0EDAC"/>
-          </a:solidFill>
-          <a:ln/>
-        </p:spPr>
-        <p:style>
-          <a:lnRef idx="2">
-            <a:schemeClr val="accent5">
-              <a:shade val="50000"/>
-            </a:schemeClr>
-          </a:lnRef>
-          <a:fillRef idx="1">
-            <a:schemeClr val="accent5"/>
-          </a:fillRef>
-          <a:effectRef idx="0">
-            <a:schemeClr val="accent5"/>
-          </a:effectRef>
-          <a:fontRef idx="minor">
-            <a:schemeClr val="lt1"/>
-          </a:fontRef>
-        </p:style>
-        <p:txBody>
-          <a:bodyPr rtlCol="0" anchor="ctr"/>
-          <a:lstStyle/>
-          <a:p>
-            <a:pPr algn="ctr"/>
-            <a:endParaRPr lang="ko-KR" altLang="en-US" dirty="0">
-              <a:solidFill>
-                <a:schemeClr val="tx1"/>
-              </a:solidFill>
-            </a:endParaRPr>
-          </a:p>
-        </p:txBody>
-      </p:sp>
-      <p:sp>
-        <p:nvSpPr>
-          <p:cNvPr id="2" name="제목 1"/>
-          <p:cNvSpPr>
-            <a:spLocks noGrp="1"/>
-          </p:cNvSpPr>
-          <p:nvPr>
-            <p:ph type="title"/>
-          </p:nvPr>
-        </p:nvSpPr>
-        <p:spPr/>
-        <p:txBody>
-          <a:bodyPr/>
-          <a:lstStyle/>
-          <a:p>
-            <a:pPr marL="914400" indent="-914400">
-              <a:buFont typeface="+mj-lt"/>
-              <a:buAutoNum type="arabicPeriod" startAt="4"/>
-            </a:pPr>
-            <a:r>
-              <a:rPr lang="ko-KR" altLang="en-US" sz="5400" spc="600" dirty="0" smtClean="0">
-                <a:solidFill>
-                  <a:srgbClr val="000000"/>
-                </a:solidFill>
-                <a:latin typeface="HY동녘M" pitchFamily="18" charset="-127"/>
-                <a:ea typeface="HY동녘M" pitchFamily="18" charset="-127"/>
-              </a:rPr>
-              <a:t>활용 서비스</a:t>
-            </a:r>
-            <a:endParaRPr lang="en-US" altLang="ko-KR" sz="5400" dirty="0">
-              <a:solidFill>
-                <a:srgbClr val="000000"/>
-              </a:solidFill>
-              <a:latin typeface="HY동녘M" pitchFamily="18" charset="-127"/>
-              <a:ea typeface="HY동녘M" pitchFamily="18" charset="-127"/>
-            </a:endParaRPr>
-          </a:p>
-        </p:txBody>
-      </p:sp>
-      <p:sp>
-        <p:nvSpPr>
-          <p:cNvPr id="3" name="내용 개체 틀 2"/>
-          <p:cNvSpPr>
-            <a:spLocks noGrp="1"/>
-          </p:cNvSpPr>
-          <p:nvPr>
-            <p:ph idx="1"/>
-          </p:nvPr>
-        </p:nvSpPr>
-        <p:spPr>
-          <a:xfrm>
-            <a:off x="971600" y="1268760"/>
-            <a:ext cx="5544616" cy="576064"/>
-          </a:xfrm>
-        </p:spPr>
-        <p:txBody>
-          <a:bodyPr/>
-          <a:lstStyle/>
-          <a:p>
-            <a:pPr marL="514350" lvl="1" indent="-514350">
-              <a:buNone/>
-            </a:pPr>
-            <a:r>
-              <a:rPr lang="en-US" altLang="ko-KR" dirty="0" smtClean="0">
-                <a:solidFill>
-                  <a:srgbClr val="000000"/>
-                </a:solidFill>
-                <a:latin typeface="HY동녘M" pitchFamily="18" charset="-127"/>
-                <a:ea typeface="HY동녘M" pitchFamily="18" charset="-127"/>
-              </a:rPr>
-              <a:t>- </a:t>
-            </a:r>
-            <a:r>
-              <a:rPr lang="en-US" altLang="ko-KR" dirty="0" err="1" smtClean="0">
-                <a:solidFill>
-                  <a:srgbClr val="000000"/>
-                </a:solidFill>
-                <a:latin typeface="HY동녘M" pitchFamily="18" charset="-127"/>
-                <a:ea typeface="HY동녘M" pitchFamily="18" charset="-127"/>
-              </a:rPr>
-              <a:t>KatalkPCLinker</a:t>
-            </a:r>
-            <a:r>
-              <a:rPr lang="en-US" altLang="ko-KR" dirty="0" smtClean="0">
-                <a:solidFill>
-                  <a:srgbClr val="000000"/>
-                </a:solidFill>
-                <a:latin typeface="HY동녘M" pitchFamily="18" charset="-127"/>
-                <a:ea typeface="HY동녘M" pitchFamily="18" charset="-127"/>
-              </a:rPr>
-              <a:t>, </a:t>
-            </a:r>
-            <a:r>
-              <a:rPr lang="en-US" altLang="ko-KR" dirty="0" err="1" smtClean="0">
-                <a:solidFill>
-                  <a:srgbClr val="000000"/>
-                </a:solidFill>
-                <a:latin typeface="HY동녘M" pitchFamily="18" charset="-127"/>
-                <a:ea typeface="HY동녘M" pitchFamily="18" charset="-127"/>
-              </a:rPr>
-              <a:t>LTouchPad</a:t>
-            </a:r>
-            <a:endParaRPr lang="en-US" altLang="ko-KR" dirty="0" smtClean="0">
-              <a:solidFill>
-                <a:srgbClr val="000000"/>
-              </a:solidFill>
-              <a:latin typeface="HY동녘M" pitchFamily="18" charset="-127"/>
-              <a:ea typeface="HY동녘M" pitchFamily="18" charset="-127"/>
-            </a:endParaRPr>
-          </a:p>
-          <a:p>
-            <a:pPr marL="857250" lvl="3" indent="0">
-              <a:buNone/>
-            </a:pPr>
-            <a:endParaRPr lang="en-US" altLang="ko-KR" dirty="0">
-              <a:solidFill>
-                <a:srgbClr val="000000"/>
-              </a:solidFill>
-              <a:latin typeface="HY동녘M" pitchFamily="18" charset="-127"/>
-              <a:ea typeface="HY동녘M" pitchFamily="18" charset="-127"/>
-            </a:endParaRPr>
-          </a:p>
-          <a:p>
-            <a:pPr marL="857250" lvl="2" indent="-457200">
-              <a:buNone/>
-            </a:pPr>
-            <a:endParaRPr lang="en-US" altLang="ko-KR" dirty="0">
-              <a:solidFill>
-                <a:srgbClr val="000000"/>
-              </a:solidFill>
-              <a:latin typeface="HY동녘M" pitchFamily="18" charset="-127"/>
-              <a:ea typeface="HY동녘M" pitchFamily="18" charset="-127"/>
-            </a:endParaRPr>
-          </a:p>
-        </p:txBody>
-      </p:sp>
-      <p:sp>
-        <p:nvSpPr>
           <p:cNvPr id="7" name="모서리가 둥근 직사각형 6"/>
           <p:cNvSpPr/>
           <p:nvPr/>
@@ -8836,38 +8792,190 @@
           </a:p>
         </p:txBody>
       </p:sp>
-      <p:pic>
-        <p:nvPicPr>
-          <p:cNvPr id="3074" name="Picture 2"/>
-          <p:cNvPicPr>
-            <a:picLocks noChangeAspect="1" noChangeArrowheads="1"/>
-          </p:cNvPicPr>
+      <p:sp>
+        <p:nvSpPr>
+          <p:cNvPr id="6" name="모서리가 둥근 직사각형 5"/>
+          <p:cNvSpPr/>
           <p:nvPr/>
-        </p:nvPicPr>
-        <p:blipFill>
-          <a:blip r:embed="rId3" cstate="print"/>
-          <a:srcRect/>
-          <a:stretch>
-            <a:fillRect/>
-          </a:stretch>
-        </p:blipFill>
-        <p:spPr bwMode="auto">
+        </p:nvSpPr>
+        <p:spPr>
           <a:xfrm>
-            <a:off x="6012160" y="2204865"/>
-            <a:ext cx="2232248" cy="3528392"/>
+            <a:off x="539552" y="1916832"/>
+            <a:ext cx="5112568" cy="4104456"/>
           </a:xfrm>
-          <a:prstGeom prst="rect">
+          <a:prstGeom prst="roundRect">
             <a:avLst/>
           </a:prstGeom>
-          <a:noFill/>
-          <a:ln w="9525">
-            <a:noFill/>
-            <a:miter lim="800000"/>
-            <a:headEnd/>
-            <a:tailEnd/>
-          </a:ln>
+          <a:solidFill>
+            <a:srgbClr val="F0EDAC"/>
+          </a:solidFill>
+          <a:ln/>
         </p:spPr>
-      </p:pic>
+        <p:style>
+          <a:lnRef idx="2">
+            <a:schemeClr val="accent5">
+              <a:shade val="50000"/>
+            </a:schemeClr>
+          </a:lnRef>
+          <a:fillRef idx="1">
+            <a:schemeClr val="accent5"/>
+          </a:fillRef>
+          <a:effectRef idx="0">
+            <a:schemeClr val="accent5"/>
+          </a:effectRef>
+          <a:fontRef idx="minor">
+            <a:schemeClr val="lt1"/>
+          </a:fontRef>
+        </p:style>
+        <p:txBody>
+          <a:bodyPr rtlCol="0" anchor="ctr"/>
+          <a:lstStyle/>
+          <a:p>
+            <a:pPr algn="ctr"/>
+            <a:endParaRPr lang="ko-KR" altLang="en-US" dirty="0">
+              <a:solidFill>
+                <a:schemeClr val="tx1"/>
+              </a:solidFill>
+            </a:endParaRPr>
+          </a:p>
+        </p:txBody>
+      </p:sp>
+      <p:sp>
+        <p:nvSpPr>
+          <p:cNvPr id="2" name="제목 1"/>
+          <p:cNvSpPr>
+            <a:spLocks noGrp="1"/>
+          </p:cNvSpPr>
+          <p:nvPr>
+            <p:ph type="title"/>
+          </p:nvPr>
+        </p:nvSpPr>
+        <p:spPr/>
+        <p:txBody>
+          <a:bodyPr/>
+          <a:lstStyle/>
+          <a:p>
+            <a:pPr marL="914400" indent="-914400">
+              <a:buFont typeface="+mj-lt"/>
+              <a:buAutoNum type="arabicPeriod" startAt="4"/>
+            </a:pPr>
+            <a:r>
+              <a:rPr lang="ko-KR" altLang="en-US" sz="5400" spc="600" dirty="0" smtClean="0">
+                <a:solidFill>
+                  <a:srgbClr val="000000"/>
+                </a:solidFill>
+                <a:latin typeface="HY동녘M" pitchFamily="18" charset="-127"/>
+                <a:ea typeface="HY동녘M" pitchFamily="18" charset="-127"/>
+              </a:rPr>
+              <a:t>활용 서비스</a:t>
+            </a:r>
+            <a:endParaRPr lang="en-US" altLang="ko-KR" sz="5400" dirty="0">
+              <a:solidFill>
+                <a:srgbClr val="000000"/>
+              </a:solidFill>
+              <a:latin typeface="HY동녘M" pitchFamily="18" charset="-127"/>
+              <a:ea typeface="HY동녘M" pitchFamily="18" charset="-127"/>
+            </a:endParaRPr>
+          </a:p>
+        </p:txBody>
+      </p:sp>
+      <p:sp>
+        <p:nvSpPr>
+          <p:cNvPr id="3" name="내용 개체 틀 2"/>
+          <p:cNvSpPr>
+            <a:spLocks noGrp="1"/>
+          </p:cNvSpPr>
+          <p:nvPr>
+            <p:ph idx="1"/>
+          </p:nvPr>
+        </p:nvSpPr>
+        <p:spPr>
+          <a:xfrm>
+            <a:off x="971600" y="1268760"/>
+            <a:ext cx="5544616" cy="576064"/>
+          </a:xfrm>
+        </p:spPr>
+        <p:txBody>
+          <a:bodyPr/>
+          <a:lstStyle/>
+          <a:p>
+            <a:pPr marL="514350" lvl="1" indent="-514350">
+              <a:buNone/>
+            </a:pPr>
+            <a:r>
+              <a:rPr lang="en-US" altLang="ko-KR" dirty="0" smtClean="0">
+                <a:solidFill>
+                  <a:srgbClr val="000000"/>
+                </a:solidFill>
+                <a:latin typeface="HY동녘M" pitchFamily="18" charset="-127"/>
+                <a:ea typeface="HY동녘M" pitchFamily="18" charset="-127"/>
+              </a:rPr>
+              <a:t>- </a:t>
+            </a:r>
+            <a:r>
+              <a:rPr lang="en-US" altLang="ko-KR" dirty="0" err="1" smtClean="0">
+                <a:solidFill>
+                  <a:srgbClr val="000000"/>
+                </a:solidFill>
+                <a:latin typeface="HY동녘M" pitchFamily="18" charset="-127"/>
+                <a:ea typeface="HY동녘M" pitchFamily="18" charset="-127"/>
+              </a:rPr>
+              <a:t>KatalkPCLinker</a:t>
+            </a:r>
+            <a:r>
+              <a:rPr lang="en-US" altLang="ko-KR" dirty="0" smtClean="0">
+                <a:solidFill>
+                  <a:srgbClr val="000000"/>
+                </a:solidFill>
+                <a:latin typeface="HY동녘M" pitchFamily="18" charset="-127"/>
+                <a:ea typeface="HY동녘M" pitchFamily="18" charset="-127"/>
+              </a:rPr>
+              <a:t>, </a:t>
+            </a:r>
+            <a:r>
+              <a:rPr lang="en-US" altLang="ko-KR" dirty="0" err="1" smtClean="0">
+                <a:solidFill>
+                  <a:srgbClr val="000000"/>
+                </a:solidFill>
+                <a:latin typeface="HY동녘M" pitchFamily="18" charset="-127"/>
+                <a:ea typeface="HY동녘M" pitchFamily="18" charset="-127"/>
+              </a:rPr>
+              <a:t>LTouchPad</a:t>
+            </a:r>
+            <a:endParaRPr lang="en-US" altLang="ko-KR" dirty="0" smtClean="0">
+              <a:solidFill>
+                <a:srgbClr val="000000"/>
+              </a:solidFill>
+              <a:latin typeface="HY동녘M" pitchFamily="18" charset="-127"/>
+              <a:ea typeface="HY동녘M" pitchFamily="18" charset="-127"/>
+            </a:endParaRPr>
+          </a:p>
+          <a:p>
+            <a:pPr marL="857250" lvl="3" indent="0">
+              <a:buNone/>
+            </a:pPr>
+            <a:endParaRPr lang="en-US" altLang="ko-KR" dirty="0">
+              <a:solidFill>
+                <a:srgbClr val="000000"/>
+              </a:solidFill>
+              <a:latin typeface="HY동녘M" pitchFamily="18" charset="-127"/>
+              <a:ea typeface="HY동녘M" pitchFamily="18" charset="-127"/>
+            </a:endParaRPr>
+          </a:p>
+          <a:p>
+            <a:pPr marL="857250" lvl="2" indent="-457200">
+              <a:buNone/>
+            </a:pPr>
+            <a:endParaRPr lang="en-US" altLang="ko-KR" dirty="0">
+              <a:solidFill>
+                <a:srgbClr val="000000"/>
+              </a:solidFill>
+              <a:latin typeface="HY동녘M" pitchFamily="18" charset="-127"/>
+              <a:ea typeface="HY동녘M" pitchFamily="18" charset="-127"/>
+            </a:endParaRPr>
+          </a:p>
+        </p:txBody>
+      </p:sp>
       <p:grpSp>
         <p:nvGrpSpPr>
           <p:cNvPr id="24" name="그룹 23"/>
@@ -8891,7 +8999,7 @@
             <p:nvPr/>
           </p:nvPicPr>
           <p:blipFill>
-            <a:blip r:embed="rId4" cstate="print"/>
+            <a:blip r:embed="rId3" cstate="print"/>
             <a:srcRect/>
             <a:stretch>
               <a:fillRect/>
@@ -8917,7 +9025,7 @@
             <p:nvPr/>
           </p:nvPicPr>
           <p:blipFill>
-            <a:blip r:embed="rId5" cstate="print"/>
+            <a:blip r:embed="rId4" cstate="print"/>
             <a:srcRect/>
             <a:stretch>
               <a:fillRect/>
@@ -8944,7 +9052,7 @@
           <p:nvPr/>
         </p:nvPicPr>
         <p:blipFill>
-          <a:blip r:embed="rId6" cstate="print"/>
+          <a:blip r:embed="rId5" cstate="print"/>
           <a:srcRect/>
           <a:stretch>
             <a:fillRect/>
@@ -8961,10 +9069,118 @@
           <a:noFill/>
         </p:spPr>
       </p:pic>
+      <p:grpSp>
+        <p:nvGrpSpPr>
+          <p:cNvPr id="18" name="그룹 17"/>
+          <p:cNvGrpSpPr/>
+          <p:nvPr/>
+        </p:nvGrpSpPr>
+        <p:grpSpPr>
+          <a:xfrm>
+            <a:off x="6113196" y="2204864"/>
+            <a:ext cx="2160240" cy="3600400"/>
+            <a:chOff x="6012160" y="2204864"/>
+            <a:chExt cx="2160240" cy="3600400"/>
+          </a:xfrm>
+        </p:grpSpPr>
+        <p:grpSp>
+          <p:nvGrpSpPr>
+            <p:cNvPr id="15" name="그룹 14"/>
+            <p:cNvGrpSpPr/>
+            <p:nvPr/>
+          </p:nvGrpSpPr>
+          <p:grpSpPr>
+            <a:xfrm>
+              <a:off x="6012160" y="2204864"/>
+              <a:ext cx="2160240" cy="3600400"/>
+              <a:chOff x="3203848" y="2204864"/>
+              <a:chExt cx="2160240" cy="3600400"/>
+            </a:xfrm>
+          </p:grpSpPr>
+          <p:pic>
+            <p:nvPicPr>
+              <p:cNvPr id="16" name="Picture 2" descr="C:\Documents and Settings\Administrator\바탕 화면\Untitled-1.gif"/>
+              <p:cNvPicPr>
+                <a:picLocks noChangeAspect="1" noChangeArrowheads="1"/>
+              </p:cNvPicPr>
+              <p:nvPr/>
+            </p:nvPicPr>
+            <p:blipFill>
+              <a:blip r:embed="rId3" cstate="print"/>
+              <a:srcRect/>
+              <a:stretch>
+                <a:fillRect/>
+              </a:stretch>
+            </p:blipFill>
+            <p:spPr bwMode="auto">
+              <a:xfrm>
+                <a:off x="3203848" y="2204864"/>
+                <a:ext cx="2160240" cy="3600400"/>
+              </a:xfrm>
+              <a:prstGeom prst="rect">
+                <a:avLst/>
+              </a:prstGeom>
+              <a:noFill/>
+            </p:spPr>
+          </p:pic>
+          <p:pic>
+            <p:nvPicPr>
+              <p:cNvPr id="17" name="Picture 2" descr="N:\백업용\Screenshot_2012-05-07-15-50-22.png"/>
+              <p:cNvPicPr>
+                <a:picLocks noChangeAspect="1" noChangeArrowheads="1"/>
+              </p:cNvPicPr>
+              <p:nvPr/>
+            </p:nvPicPr>
+            <p:blipFill>
+              <a:blip r:embed="rId4" cstate="print"/>
+              <a:srcRect/>
+              <a:stretch>
+                <a:fillRect/>
+              </a:stretch>
+            </p:blipFill>
+            <p:spPr bwMode="auto">
+              <a:xfrm>
+                <a:off x="3347864" y="2636912"/>
+                <a:ext cx="1872208" cy="2736304"/>
+              </a:xfrm>
+              <a:prstGeom prst="rect">
+                <a:avLst/>
+              </a:prstGeom>
+              <a:noFill/>
+            </p:spPr>
+          </p:pic>
+        </p:grpSp>
+        <p:pic>
+          <p:nvPicPr>
+            <p:cNvPr id="2050" name="Picture 2" descr="C:\Documents and Settings\Administrator\바탕 화면\LTouchPad 화면.JPG"/>
+            <p:cNvPicPr>
+              <a:picLocks noChangeAspect="1" noChangeArrowheads="1"/>
+            </p:cNvPicPr>
+            <p:nvPr/>
+          </p:nvPicPr>
+          <p:blipFill>
+            <a:blip r:embed="rId6" cstate="print"/>
+            <a:srcRect/>
+            <a:stretch>
+              <a:fillRect/>
+            </a:stretch>
+          </p:blipFill>
+          <p:spPr bwMode="auto">
+            <a:xfrm>
+              <a:off x="6156177" y="2636912"/>
+              <a:ext cx="1872208" cy="2736304"/>
+            </a:xfrm>
+            <a:prstGeom prst="rect">
+              <a:avLst/>
+            </a:prstGeom>
+            <a:noFill/>
+          </p:spPr>
+        </p:pic>
+      </p:grpSp>
     </p:spTree>
     <p:extLst>
       <p:ext uri="{BB962C8B-B14F-4D97-AF65-F5344CB8AC3E}">
-        <p14:creationId xmlns="" xmlns:p14="http://schemas.microsoft.com/office/powerpoint/2010/main" val="2718990012"/>
+        <p14:creationId xmlns:p14="http://schemas.microsoft.com/office/powerpoint/2010/main" xmlns="" val="2718990012"/>
       </p:ext>
     </p:extLst>
   </p:cSld>
@@ -9138,14 +9354,14 @@
           <a:effectLst/>
           <a:extLst>
             <a:ext uri="{909E8E84-426E-40DD-AFC4-6F175D3DCCD1}">
-              <a14:hiddenFill xmlns="" xmlns:a14="http://schemas.microsoft.com/office/drawing/2010/main">
+              <a14:hiddenFill xmlns:a14="http://schemas.microsoft.com/office/drawing/2010/main" xmlns="">
                 <a:solidFill>
                   <a:schemeClr val="accent1"/>
                 </a:solidFill>
               </a14:hiddenFill>
             </a:ext>
             <a:ext uri="{91240B29-F687-4F45-9708-019B960494DF}">
-              <a14:hiddenLine xmlns="" xmlns:a14="http://schemas.microsoft.com/office/drawing/2010/main" w="9525">
+              <a14:hiddenLine xmlns:a14="http://schemas.microsoft.com/office/drawing/2010/main" xmlns="" w="9525">
                 <a:solidFill>
                   <a:schemeClr val="tx1"/>
                 </a:solidFill>
@@ -9155,7 +9371,7 @@
               </a14:hiddenLine>
             </a:ext>
             <a:ext uri="{AF507438-7753-43E0-B8FC-AC1667EBCBE1}">
-              <a14:hiddenEffects xmlns="" xmlns:a14="http://schemas.microsoft.com/office/drawing/2010/main">
+              <a14:hiddenEffects xmlns:a14="http://schemas.microsoft.com/office/drawing/2010/main" xmlns="">
                 <a:effectLst>
                   <a:outerShdw dist="35921" dir="2700000" algn="ctr" rotWithShape="0">
                     <a:schemeClr val="bg2"/>
@@ -9296,14 +9512,14 @@
           <a:effectLst/>
           <a:extLst>
             <a:ext uri="{909E8E84-426E-40DD-AFC4-6F175D3DCCD1}">
-              <a14:hiddenFill xmlns="" xmlns:a14="http://schemas.microsoft.com/office/drawing/2010/main">
+              <a14:hiddenFill xmlns:a14="http://schemas.microsoft.com/office/drawing/2010/main" xmlns="">
                 <a:solidFill>
                   <a:schemeClr val="accent1"/>
                 </a:solidFill>
               </a14:hiddenFill>
             </a:ext>
             <a:ext uri="{91240B29-F687-4F45-9708-019B960494DF}">
-              <a14:hiddenLine xmlns="" xmlns:a14="http://schemas.microsoft.com/office/drawing/2010/main" w="9525">
+              <a14:hiddenLine xmlns:a14="http://schemas.microsoft.com/office/drawing/2010/main" xmlns="" w="9525">
                 <a:solidFill>
                   <a:schemeClr val="tx1"/>
                 </a:solidFill>
@@ -9313,7 +9529,7 @@
               </a14:hiddenLine>
             </a:ext>
             <a:ext uri="{AF507438-7753-43E0-B8FC-AC1667EBCBE1}">
-              <a14:hiddenEffects xmlns="" xmlns:a14="http://schemas.microsoft.com/office/drawing/2010/main">
+              <a14:hiddenEffects xmlns:a14="http://schemas.microsoft.com/office/drawing/2010/main" xmlns="">
                 <a:effectLst>
                   <a:outerShdw dist="35921" dir="2700000" algn="ctr" rotWithShape="0">
                     <a:schemeClr val="bg2"/>
@@ -9543,7 +9759,7 @@
     </p:spTree>
     <p:extLst>
       <p:ext uri="{BB962C8B-B14F-4D97-AF65-F5344CB8AC3E}">
-        <p14:creationId xmlns="" xmlns:p14="http://schemas.microsoft.com/office/powerpoint/2010/main" val="2718990012"/>
+        <p14:creationId xmlns:p14="http://schemas.microsoft.com/office/powerpoint/2010/main" xmlns="" val="2718990012"/>
       </p:ext>
     </p:extLst>
   </p:cSld>
@@ -10026,7 +10242,7 @@
           <a:effectLst/>
           <a:extLst>
             <a:ext uri="{AF507438-7753-43E0-B8FC-AC1667EBCBE1}">
-              <a14:hiddenEffects xmlns="" xmlns:a14="http://schemas.microsoft.com/office/drawing/2010/main">
+              <a14:hiddenEffects xmlns:a14="http://schemas.microsoft.com/office/drawing/2010/main" xmlns="">
                 <a:effectLst>
                   <a:outerShdw dist="35921" dir="2700000" algn="ctr" rotWithShape="0">
                     <a:schemeClr val="bg2"/>
@@ -11081,7 +11297,7 @@
           <a:effectLst/>
           <a:extLst>
             <a:ext uri="{91240B29-F687-4F45-9708-019B960494DF}">
-              <a14:hiddenLine xmlns="" xmlns:a14="http://schemas.microsoft.com/office/drawing/2010/main" w="9525" cap="flat" cmpd="sng" algn="ctr">
+              <a14:hiddenLine xmlns:a14="http://schemas.microsoft.com/office/drawing/2010/main" xmlns="" w="9525" cap="flat" cmpd="sng" algn="ctr">
                 <a:solidFill>
                   <a:schemeClr val="tx1"/>
                 </a:solidFill>
@@ -11092,7 +11308,7 @@
               </a14:hiddenLine>
             </a:ext>
             <a:ext uri="{AF507438-7753-43E0-B8FC-AC1667EBCBE1}">
-              <a14:hiddenEffects xmlns="" xmlns:a14="http://schemas.microsoft.com/office/drawing/2010/main">
+              <a14:hiddenEffects xmlns:a14="http://schemas.microsoft.com/office/drawing/2010/main" xmlns="">
                 <a:effectLst>
                   <a:outerShdw dist="35921" dir="2700000" algn="ctr" rotWithShape="0">
                     <a:schemeClr val="bg2"/>
@@ -11146,7 +11362,7 @@
           <a:effectLst/>
           <a:extLst>
             <a:ext uri="{91240B29-F687-4F45-9708-019B960494DF}">
-              <a14:hiddenLine xmlns="" xmlns:a14="http://schemas.microsoft.com/office/drawing/2010/main" w="9525" cap="flat" cmpd="sng" algn="ctr">
+              <a14:hiddenLine xmlns:a14="http://schemas.microsoft.com/office/drawing/2010/main" xmlns="" w="9525" cap="flat" cmpd="sng" algn="ctr">
                 <a:solidFill>
                   <a:schemeClr val="tx1"/>
                 </a:solidFill>
@@ -11157,7 +11373,7 @@
               </a14:hiddenLine>
             </a:ext>
             <a:ext uri="{AF507438-7753-43E0-B8FC-AC1667EBCBE1}">
-              <a14:hiddenEffects xmlns="" xmlns:a14="http://schemas.microsoft.com/office/drawing/2010/main">
+              <a14:hiddenEffects xmlns:a14="http://schemas.microsoft.com/office/drawing/2010/main" xmlns="">
                 <a:effectLst>
                   <a:outerShdw dist="35921" dir="2700000" algn="ctr" rotWithShape="0">
                     <a:schemeClr val="bg2"/>
@@ -11211,7 +11427,7 @@
           <a:effectLst/>
           <a:extLst>
             <a:ext uri="{91240B29-F687-4F45-9708-019B960494DF}">
-              <a14:hiddenLine xmlns="" xmlns:a14="http://schemas.microsoft.com/office/drawing/2010/main" w="9525" cap="flat" cmpd="sng" algn="ctr">
+              <a14:hiddenLine xmlns:a14="http://schemas.microsoft.com/office/drawing/2010/main" xmlns="" w="9525" cap="flat" cmpd="sng" algn="ctr">
                 <a:solidFill>
                   <a:schemeClr val="tx1"/>
                 </a:solidFill>
@@ -11222,7 +11438,7 @@
               </a14:hiddenLine>
             </a:ext>
             <a:ext uri="{AF507438-7753-43E0-B8FC-AC1667EBCBE1}">
-              <a14:hiddenEffects xmlns="" xmlns:a14="http://schemas.microsoft.com/office/drawing/2010/main">
+              <a14:hiddenEffects xmlns:a14="http://schemas.microsoft.com/office/drawing/2010/main" xmlns="">
                 <a:effectLst>
                   <a:outerShdw dist="35921" dir="2700000" algn="ctr" rotWithShape="0">
                     <a:schemeClr val="bg2"/>
@@ -11275,7 +11491,7 @@
           <a:effectLst/>
           <a:extLst>
             <a:ext uri="{91240B29-F687-4F45-9708-019B960494DF}">
-              <a14:hiddenLine xmlns="" xmlns:a14="http://schemas.microsoft.com/office/drawing/2010/main" w="9525" cap="flat" cmpd="sng" algn="ctr">
+              <a14:hiddenLine xmlns:a14="http://schemas.microsoft.com/office/drawing/2010/main" xmlns="" w="9525" cap="flat" cmpd="sng" algn="ctr">
                 <a:solidFill>
                   <a:schemeClr val="tx1"/>
                 </a:solidFill>
@@ -11286,7 +11502,7 @@
               </a14:hiddenLine>
             </a:ext>
             <a:ext uri="{AF507438-7753-43E0-B8FC-AC1667EBCBE1}">
-              <a14:hiddenEffects xmlns="" xmlns:a14="http://schemas.microsoft.com/office/drawing/2010/main">
+              <a14:hiddenEffects xmlns:a14="http://schemas.microsoft.com/office/drawing/2010/main" xmlns="">
                 <a:effectLst>
                   <a:outerShdw dist="35921" dir="2700000" algn="ctr" rotWithShape="0">
                     <a:schemeClr val="bg2"/>
@@ -11338,7 +11554,7 @@
           <a:effectLst/>
           <a:extLst>
             <a:ext uri="{91240B29-F687-4F45-9708-019B960494DF}">
-              <a14:hiddenLine xmlns="" xmlns:a14="http://schemas.microsoft.com/office/drawing/2010/main" w="9525" cap="flat" cmpd="sng" algn="ctr">
+              <a14:hiddenLine xmlns:a14="http://schemas.microsoft.com/office/drawing/2010/main" xmlns="" w="9525" cap="flat" cmpd="sng" algn="ctr">
                 <a:solidFill>
                   <a:schemeClr val="tx1"/>
                 </a:solidFill>
@@ -11349,7 +11565,7 @@
               </a14:hiddenLine>
             </a:ext>
             <a:ext uri="{AF507438-7753-43E0-B8FC-AC1667EBCBE1}">
-              <a14:hiddenEffects xmlns="" xmlns:a14="http://schemas.microsoft.com/office/drawing/2010/main">
+              <a14:hiddenEffects xmlns:a14="http://schemas.microsoft.com/office/drawing/2010/main" xmlns="">
                 <a:effectLst>
                   <a:outerShdw dist="35921" dir="2700000" algn="ctr" rotWithShape="0">
                     <a:schemeClr val="bg2"/>
@@ -11363,7 +11579,7 @@
     </p:spTree>
     <p:extLst>
       <p:ext uri="{BB962C8B-B14F-4D97-AF65-F5344CB8AC3E}">
-        <p14:creationId xmlns="" xmlns:p14="http://schemas.microsoft.com/office/powerpoint/2010/main" val="2718990012"/>
+        <p14:creationId xmlns:p14="http://schemas.microsoft.com/office/powerpoint/2010/main" xmlns="" val="2718990012"/>
       </p:ext>
     </p:extLst>
   </p:cSld>
@@ -11449,8 +11665,8 @@
         </p:nvSpPr>
         <p:spPr>
           <a:xfrm>
-            <a:off x="971600" y="1268760"/>
-            <a:ext cx="2592288" cy="576064"/>
+            <a:off x="3419872" y="1268760"/>
+            <a:ext cx="3096344" cy="576064"/>
           </a:xfrm>
         </p:spPr>
         <p:txBody>
@@ -11468,7 +11684,7 @@
                 <a:latin typeface="HY동녘M" pitchFamily="18" charset="-127"/>
                 <a:ea typeface="HY동녘M" pitchFamily="18" charset="-127"/>
               </a:rPr>
-              <a:t>- </a:t>
+              <a:t>&lt; </a:t>
             </a:r>
             <a:r>
               <a:rPr lang="en-US" altLang="ko-KR" dirty="0" err="1" smtClean="0">
@@ -11480,13 +11696,16 @@
               </a:rPr>
               <a:t>LTouchPad</a:t>
             </a:r>
-            <a:endParaRPr lang="en-US" altLang="ko-KR" dirty="0" smtClean="0">
-              <a:solidFill>
-                <a:srgbClr val="000000"/>
-              </a:solidFill>
-              <a:latin typeface="HY동녘M" pitchFamily="18" charset="-127"/>
-              <a:ea typeface="HY동녘M" pitchFamily="18" charset="-127"/>
-            </a:endParaRPr>
+            <a:r>
+              <a:rPr lang="en-US" altLang="ko-KR" dirty="0" smtClean="0">
+                <a:solidFill>
+                  <a:srgbClr val="000000"/>
+                </a:solidFill>
+                <a:latin typeface="HY동녘M" pitchFamily="18" charset="-127"/>
+                <a:ea typeface="HY동녘M" pitchFamily="18" charset="-127"/>
+              </a:rPr>
+              <a:t>&gt;</a:t>
+            </a:r>
           </a:p>
           <a:p>
             <a:pPr marL="857250" lvl="3" indent="0">
@@ -11516,35 +11735,35 @@
       </p:sp>
       <p:grpSp>
         <p:nvGrpSpPr>
-          <p:cNvPr id="8" name="그룹 7"/>
+          <p:cNvPr id="4" name="그룹 8"/>
           <p:cNvGrpSpPr/>
           <p:nvPr/>
         </p:nvGrpSpPr>
         <p:grpSpPr>
           <a:xfrm>
-            <a:off x="2699792" y="1844824"/>
-            <a:ext cx="3600400" cy="4248472"/>
-            <a:chOff x="2483768" y="1556792"/>
-            <a:chExt cx="4104456" cy="4824536"/>
+            <a:off x="2699792" y="1988840"/>
+            <a:ext cx="4320480" cy="4248472"/>
+            <a:chOff x="6012160" y="2204864"/>
+            <a:chExt cx="2160240" cy="3600400"/>
           </a:xfrm>
         </p:grpSpPr>
         <p:grpSp>
           <p:nvGrpSpPr>
-            <p:cNvPr id="5" name="그룹 4"/>
+            <p:cNvPr id="5" name="그룹 14"/>
             <p:cNvGrpSpPr/>
             <p:nvPr/>
           </p:nvGrpSpPr>
           <p:grpSpPr>
             <a:xfrm>
-              <a:off x="2483768" y="1556792"/>
-              <a:ext cx="4104456" cy="4824536"/>
-              <a:chOff x="5481817" y="1815602"/>
-              <a:chExt cx="2808311" cy="4709742"/>
+              <a:off x="6012160" y="2204864"/>
+              <a:ext cx="2160240" cy="3600400"/>
+              <a:chOff x="3203848" y="2204864"/>
+              <a:chExt cx="2160240" cy="3600400"/>
             </a:xfrm>
           </p:grpSpPr>
           <p:pic>
             <p:nvPicPr>
-              <p:cNvPr id="6" name="Picture 2" descr="C:\Documents and Settings\Administrator\바탕 화면\Untitled-1.gif"/>
+              <p:cNvPr id="12" name="Picture 2" descr="C:\Documents and Settings\Administrator\바탕 화면\Untitled-1.gif"/>
               <p:cNvPicPr>
                 <a:picLocks noChangeAspect="1" noChangeArrowheads="1"/>
               </p:cNvPicPr>
@@ -11559,8 +11778,8 @@
             </p:blipFill>
             <p:spPr bwMode="auto">
               <a:xfrm>
-                <a:off x="5481817" y="1815602"/>
-                <a:ext cx="2808311" cy="4709742"/>
+                <a:off x="3203848" y="2204864"/>
+                <a:ext cx="2160240" cy="3600400"/>
               </a:xfrm>
               <a:prstGeom prst="rect">
                 <a:avLst/>
@@ -11570,7 +11789,7 @@
           </p:pic>
           <p:pic>
             <p:nvPicPr>
-              <p:cNvPr id="7" name="Picture 3" descr="N:\설계프로젝트\자료실, 소스코드\Screenshot_2012-05-22-21-04-09.png"/>
+              <p:cNvPr id="13" name="Picture 2" descr="N:\백업용\Screenshot_2012-05-07-15-50-22.png"/>
               <p:cNvPicPr>
                 <a:picLocks noChangeAspect="1" noChangeArrowheads="1"/>
               </p:cNvPicPr>
@@ -11585,8 +11804,8 @@
             </p:blipFill>
             <p:spPr bwMode="auto">
               <a:xfrm>
-                <a:off x="5652120" y="2348880"/>
-                <a:ext cx="2448272" cy="3569092"/>
+                <a:off x="3347864" y="2636912"/>
+                <a:ext cx="1872208" cy="2736304"/>
               </a:xfrm>
               <a:prstGeom prst="rect">
                 <a:avLst/>
@@ -11597,7 +11816,7 @@
         </p:grpSp>
         <p:pic>
           <p:nvPicPr>
-            <p:cNvPr id="3074" name="Picture 2"/>
+            <p:cNvPr id="11" name="Picture 2" descr="C:\Documents and Settings\Administrator\바탕 화면\LTouchPad 화면.JPG"/>
             <p:cNvPicPr>
               <a:picLocks noChangeAspect="1" noChangeArrowheads="1"/>
             </p:cNvPicPr>
@@ -11612,26 +11831,20 @@
           </p:blipFill>
           <p:spPr bwMode="auto">
             <a:xfrm>
-              <a:off x="2734221" y="2107805"/>
-              <a:ext cx="3607735" cy="3697459"/>
+              <a:off x="6156177" y="2636912"/>
+              <a:ext cx="1872208" cy="2736304"/>
             </a:xfrm>
             <a:prstGeom prst="rect">
               <a:avLst/>
             </a:prstGeom>
             <a:noFill/>
-            <a:ln w="9525">
-              <a:noFill/>
-              <a:miter lim="800000"/>
-              <a:headEnd/>
-              <a:tailEnd/>
-            </a:ln>
           </p:spPr>
         </p:pic>
       </p:grpSp>
     </p:spTree>
     <p:extLst>
       <p:ext uri="{BB962C8B-B14F-4D97-AF65-F5344CB8AC3E}">
-        <p14:creationId xmlns="" xmlns:p14="http://schemas.microsoft.com/office/powerpoint/2010/main" val="2718990012"/>
+        <p14:creationId xmlns:p14="http://schemas.microsoft.com/office/powerpoint/2010/main" xmlns="" val="2718990012"/>
       </p:ext>
     </p:extLst>
   </p:cSld>
@@ -11900,7 +12113,7 @@
           <a:effectLst/>
           <a:extLst>
             <a:ext uri="{AF507438-7753-43E0-B8FC-AC1667EBCBE1}">
-              <a14:hiddenEffects xmlns="" xmlns:a14="http://schemas.microsoft.com/office/drawing/2010/main">
+              <a14:hiddenEffects xmlns:a14="http://schemas.microsoft.com/office/drawing/2010/main" xmlns="">
                 <a:effectLst>
                   <a:outerShdw dist="35921" dir="2700000" algn="ctr" rotWithShape="0">
                     <a:schemeClr val="bg2"/>
@@ -12054,7 +12267,7 @@
           <a:effectLst/>
           <a:extLst>
             <a:ext uri="{AF507438-7753-43E0-B8FC-AC1667EBCBE1}">
-              <a14:hiddenEffects xmlns="" xmlns:a14="http://schemas.microsoft.com/office/drawing/2010/main">
+              <a14:hiddenEffects xmlns:a14="http://schemas.microsoft.com/office/drawing/2010/main" xmlns="">
                 <a:effectLst>
                   <a:outerShdw dist="35921" dir="2700000" algn="ctr" rotWithShape="0">
                     <a:schemeClr val="bg2"/>
@@ -12158,14 +12371,14 @@
           <a:effectLst/>
           <a:extLst>
             <a:ext uri="{909E8E84-426E-40DD-AFC4-6F175D3DCCD1}">
-              <a14:hiddenFill xmlns="" xmlns:a14="http://schemas.microsoft.com/office/drawing/2010/main">
+              <a14:hiddenFill xmlns:a14="http://schemas.microsoft.com/office/drawing/2010/main" xmlns="">
                 <a:solidFill>
                   <a:schemeClr val="accent1"/>
                 </a:solidFill>
               </a14:hiddenFill>
             </a:ext>
             <a:ext uri="{91240B29-F687-4F45-9708-019B960494DF}">
-              <a14:hiddenLine xmlns="" xmlns:a14="http://schemas.microsoft.com/office/drawing/2010/main" w="9525">
+              <a14:hiddenLine xmlns:a14="http://schemas.microsoft.com/office/drawing/2010/main" xmlns="" w="9525">
                 <a:solidFill>
                   <a:schemeClr val="tx1"/>
                 </a:solidFill>
@@ -12175,7 +12388,7 @@
               </a14:hiddenLine>
             </a:ext>
             <a:ext uri="{AF507438-7753-43E0-B8FC-AC1667EBCBE1}">
-              <a14:hiddenEffects xmlns="" xmlns:a14="http://schemas.microsoft.com/office/drawing/2010/main">
+              <a14:hiddenEffects xmlns:a14="http://schemas.microsoft.com/office/drawing/2010/main" xmlns="">
                 <a:effectLst>
                   <a:outerShdw dist="35921" dir="2700000" algn="ctr" rotWithShape="0">
                     <a:schemeClr val="bg2"/>
@@ -12313,14 +12526,14 @@
           <a:effectLst/>
           <a:extLst>
             <a:ext uri="{909E8E84-426E-40DD-AFC4-6F175D3DCCD1}">
-              <a14:hiddenFill xmlns="" xmlns:a14="http://schemas.microsoft.com/office/drawing/2010/main">
+              <a14:hiddenFill xmlns:a14="http://schemas.microsoft.com/office/drawing/2010/main" xmlns="">
                 <a:solidFill>
                   <a:schemeClr val="accent1"/>
                 </a:solidFill>
               </a14:hiddenFill>
             </a:ext>
             <a:ext uri="{91240B29-F687-4F45-9708-019B960494DF}">
-              <a14:hiddenLine xmlns="" xmlns:a14="http://schemas.microsoft.com/office/drawing/2010/main" w="9525">
+              <a14:hiddenLine xmlns:a14="http://schemas.microsoft.com/office/drawing/2010/main" xmlns="" w="9525">
                 <a:solidFill>
                   <a:schemeClr val="tx1"/>
                 </a:solidFill>
@@ -12330,7 +12543,7 @@
               </a14:hiddenLine>
             </a:ext>
             <a:ext uri="{AF507438-7753-43E0-B8FC-AC1667EBCBE1}">
-              <a14:hiddenEffects xmlns="" xmlns:a14="http://schemas.microsoft.com/office/drawing/2010/main">
+              <a14:hiddenEffects xmlns:a14="http://schemas.microsoft.com/office/drawing/2010/main" xmlns="">
                 <a:effectLst>
                   <a:outerShdw dist="35921" dir="2700000" algn="ctr" rotWithShape="0">
                     <a:schemeClr val="bg2"/>
@@ -12426,7 +12639,7 @@
     </p:spTree>
     <p:extLst>
       <p:ext uri="{BB962C8B-B14F-4D97-AF65-F5344CB8AC3E}">
-        <p14:creationId xmlns="" xmlns:p14="http://schemas.microsoft.com/office/powerpoint/2010/main" val="2718990012"/>
+        <p14:creationId xmlns:p14="http://schemas.microsoft.com/office/powerpoint/2010/main" xmlns="" val="2718990012"/>
       </p:ext>
     </p:extLst>
   </p:cSld>
@@ -12461,9 +12674,55 @@
           <a:chExt cx="0" cy="0"/>
         </a:xfrm>
       </p:grpSpPr>
+      <p:sp>
+        <p:nvSpPr>
+          <p:cNvPr id="2" name="제목 1"/>
+          <p:cNvSpPr>
+            <a:spLocks noGrp="1"/>
+          </p:cNvSpPr>
+          <p:nvPr>
+            <p:ph type="title"/>
+          </p:nvPr>
+        </p:nvSpPr>
+        <p:spPr/>
+        <p:txBody>
+          <a:bodyPr/>
+          <a:lstStyle/>
+          <a:p>
+            <a:pPr marL="914400" indent="-914400"/>
+            <a:r>
+              <a:rPr lang="en-US" altLang="ko-KR" sz="5400" spc="600" dirty="0" smtClean="0">
+                <a:solidFill>
+                  <a:srgbClr val="000000"/>
+                </a:solidFill>
+                <a:latin typeface="HY동녘M" pitchFamily="18" charset="-127"/>
+                <a:ea typeface="HY동녘M" pitchFamily="18" charset="-127"/>
+              </a:rPr>
+              <a:t>5. </a:t>
+            </a:r>
+            <a:r>
+              <a:rPr lang="ko-KR" altLang="en-US" sz="5400" spc="600" dirty="0" smtClean="0">
+                <a:solidFill>
+                  <a:srgbClr val="000000"/>
+                </a:solidFill>
+                <a:latin typeface="HY동녘M" pitchFamily="18" charset="-127"/>
+                <a:ea typeface="HY동녘M" pitchFamily="18" charset="-127"/>
+              </a:rPr>
+              <a:t>요약</a:t>
+            </a:r>
+            <a:endParaRPr lang="en-US" altLang="ko-KR" sz="5400" dirty="0">
+              <a:solidFill>
+                <a:srgbClr val="000000"/>
+              </a:solidFill>
+              <a:latin typeface="HY동녘M" pitchFamily="18" charset="-127"/>
+              <a:ea typeface="HY동녘M" pitchFamily="18" charset="-127"/>
+            </a:endParaRPr>
+          </a:p>
+        </p:txBody>
+      </p:sp>
       <p:pic>
         <p:nvPicPr>
-          <p:cNvPr id="1030" name="Picture 6" descr="C:\Documents and Settings\Administrator\바탕 화면\부스지도.png"/>
+          <p:cNvPr id="4" name="Picture 2" descr="C:\Documents and Settings\Administrator\바탕 화면\Untitled-1.png"/>
           <p:cNvPicPr>
             <a:picLocks noChangeAspect="1" noChangeArrowheads="1"/>
           </p:cNvPicPr>
@@ -12478,105 +12737,7 @@
         </p:blipFill>
         <p:spPr bwMode="auto">
           <a:xfrm>
-            <a:off x="6486626" y="3501008"/>
-            <a:ext cx="2555776" cy="3094384"/>
-          </a:xfrm>
-          <a:prstGeom prst="rect">
-            <a:avLst/>
-          </a:prstGeom>
-          <a:noFill/>
-        </p:spPr>
-      </p:pic>
-      <p:sp>
-        <p:nvSpPr>
-          <p:cNvPr id="2" name="제목 1"/>
-          <p:cNvSpPr>
-            <a:spLocks noGrp="1"/>
-          </p:cNvSpPr>
-          <p:nvPr>
-            <p:ph type="title"/>
-          </p:nvPr>
-        </p:nvSpPr>
-        <p:spPr/>
-        <p:txBody>
-          <a:bodyPr/>
-          <a:lstStyle/>
-          <a:p>
-            <a:pPr marL="914400" indent="-914400"/>
-            <a:r>
-              <a:rPr lang="en-US" altLang="ko-KR" sz="5400" spc="600" dirty="0" smtClean="0">
-                <a:solidFill>
-                  <a:srgbClr val="000000"/>
-                </a:solidFill>
-                <a:latin typeface="HY동녘M" pitchFamily="18" charset="-127"/>
-                <a:ea typeface="HY동녘M" pitchFamily="18" charset="-127"/>
-              </a:rPr>
-              <a:t>5. </a:t>
-            </a:r>
-            <a:r>
-              <a:rPr lang="ko-KR" altLang="en-US" sz="5400" spc="600" dirty="0" smtClean="0">
-                <a:solidFill>
-                  <a:srgbClr val="000000"/>
-                </a:solidFill>
-                <a:latin typeface="HY동녘M" pitchFamily="18" charset="-127"/>
-                <a:ea typeface="HY동녘M" pitchFamily="18" charset="-127"/>
-              </a:rPr>
-              <a:t>요약</a:t>
-            </a:r>
-            <a:endParaRPr lang="en-US" altLang="ko-KR" sz="5400" dirty="0">
-              <a:solidFill>
-                <a:srgbClr val="000000"/>
-              </a:solidFill>
-              <a:latin typeface="HY동녘M" pitchFamily="18" charset="-127"/>
-              <a:ea typeface="HY동녘M" pitchFamily="18" charset="-127"/>
-            </a:endParaRPr>
-          </a:p>
-        </p:txBody>
-      </p:sp>
-      <p:pic>
-        <p:nvPicPr>
-          <p:cNvPr id="1026" name="Picture 2" descr="C:\Documents and Settings\Administrator\바탕 화면\Android-USB.png"/>
-          <p:cNvPicPr>
-            <a:picLocks noChangeAspect="1" noChangeArrowheads="1"/>
-          </p:cNvPicPr>
-          <p:nvPr/>
-        </p:nvPicPr>
-        <p:blipFill>
-          <a:blip r:embed="rId4" cstate="print"/>
-          <a:srcRect/>
-          <a:stretch>
-            <a:fillRect/>
-          </a:stretch>
-        </p:blipFill>
-        <p:spPr bwMode="auto">
-          <a:xfrm>
-            <a:off x="3707904" y="1916832"/>
-            <a:ext cx="2448272" cy="2873896"/>
-          </a:xfrm>
-          <a:prstGeom prst="rect">
-            <a:avLst/>
-          </a:prstGeom>
-          <a:noFill/>
-        </p:spPr>
-      </p:pic>
-      <p:pic>
-        <p:nvPicPr>
-          <p:cNvPr id="4" name="Picture 2" descr="C:\Documents and Settings\Administrator\바탕 화면\Untitled-1.png"/>
-          <p:cNvPicPr>
-            <a:picLocks noChangeAspect="1" noChangeArrowheads="1"/>
-          </p:cNvPicPr>
-          <p:nvPr/>
-        </p:nvPicPr>
-        <p:blipFill>
-          <a:blip r:embed="rId5" cstate="print"/>
-          <a:srcRect/>
-          <a:stretch>
-            <a:fillRect/>
-          </a:stretch>
-        </p:blipFill>
-        <p:spPr bwMode="auto">
-          <a:xfrm>
-            <a:off x="755576" y="2060848"/>
+            <a:off x="755576" y="2276872"/>
             <a:ext cx="2304256" cy="2592288"/>
           </a:xfrm>
           <a:prstGeom prst="rect">
@@ -12585,43 +12746,76 @@
           <a:noFill/>
         </p:spPr>
       </p:pic>
-      <p:sp>
-        <p:nvSpPr>
-          <p:cNvPr id="5" name="TextBox 4"/>
-          <p:cNvSpPr txBox="1"/>
+      <p:grpSp>
+        <p:nvGrpSpPr>
+          <p:cNvPr id="10" name="그룹 9"/>
+          <p:cNvGrpSpPr/>
           <p:nvPr/>
-        </p:nvSpPr>
-        <p:spPr>
+        </p:nvGrpSpPr>
+        <p:grpSpPr>
           <a:xfrm>
-            <a:off x="179512" y="1196752"/>
-            <a:ext cx="8640960" cy="461665"/>
+            <a:off x="6012160" y="3501008"/>
+            <a:ext cx="3030242" cy="3356992"/>
+            <a:chOff x="6012160" y="3501008"/>
+            <a:chExt cx="3030242" cy="3356992"/>
           </a:xfrm>
-          <a:prstGeom prst="rect">
-            <a:avLst/>
-          </a:prstGeom>
-          <a:noFill/>
-        </p:spPr>
-        <p:txBody>
-          <a:bodyPr wrap="square" rtlCol="0">
-            <a:spAutoFit/>
-          </a:bodyPr>
-          <a:lstStyle/>
-          <a:p>
-            <a:r>
-              <a:rPr lang="ko-KR" altLang="en-US" dirty="0" smtClean="0"/>
-              <a:t>홈페이지 </a:t>
-            </a:r>
-            <a:r>
-              <a:rPr lang="en-US" altLang="ko-KR" dirty="0" smtClean="0"/>
-              <a:t>: www.github.com/Sanghyun-Lee/Android-USB</a:t>
-            </a:r>
-            <a:endParaRPr lang="ko-KR" altLang="en-US" dirty="0"/>
-          </a:p>
-        </p:txBody>
-      </p:sp>
+        </p:grpSpPr>
+        <p:pic>
+          <p:nvPicPr>
+            <p:cNvPr id="1030" name="Picture 6" descr="C:\Documents and Settings\Administrator\바탕 화면\부스지도.png"/>
+            <p:cNvPicPr>
+              <a:picLocks noChangeAspect="1" noChangeArrowheads="1"/>
+            </p:cNvPicPr>
+            <p:nvPr/>
+          </p:nvPicPr>
+          <p:blipFill>
+            <a:blip r:embed="rId4" cstate="print"/>
+            <a:srcRect/>
+            <a:stretch>
+              <a:fillRect/>
+            </a:stretch>
+          </p:blipFill>
+          <p:spPr bwMode="auto">
+            <a:xfrm>
+              <a:off x="6012160" y="3501008"/>
+              <a:ext cx="3030242" cy="3094384"/>
+            </a:xfrm>
+            <a:prstGeom prst="rect">
+              <a:avLst/>
+            </a:prstGeom>
+            <a:noFill/>
+          </p:spPr>
+        </p:pic>
+        <p:pic>
+          <p:nvPicPr>
+            <p:cNvPr id="1029" name="Picture 5" descr="C:\Documents and Settings\Administrator\바탕 화면\안드로이드.png"/>
+            <p:cNvPicPr>
+              <a:picLocks noChangeAspect="1" noChangeArrowheads="1"/>
+            </p:cNvPicPr>
+            <p:nvPr/>
+          </p:nvPicPr>
+          <p:blipFill>
+            <a:blip r:embed="rId5" cstate="print"/>
+            <a:srcRect/>
+            <a:stretch>
+              <a:fillRect/>
+            </a:stretch>
+          </p:blipFill>
+          <p:spPr bwMode="auto">
+            <a:xfrm>
+              <a:off x="6228184" y="4725144"/>
+              <a:ext cx="2741108" cy="2132856"/>
+            </a:xfrm>
+            <a:prstGeom prst="rect">
+              <a:avLst/>
+            </a:prstGeom>
+            <a:noFill/>
+          </p:spPr>
+        </p:pic>
+      </p:grpSp>
       <p:pic>
         <p:nvPicPr>
-          <p:cNvPr id="1029" name="Picture 5" descr="C:\Documents and Settings\Administrator\바탕 화면\안드로이드.png"/>
+          <p:cNvPr id="1027" name="Picture 3" descr="C:\Documents and Settings\Administrator\바탕 화면\dd.png"/>
           <p:cNvPicPr>
             <a:picLocks noChangeAspect="1" noChangeArrowheads="1"/>
           </p:cNvPicPr>
@@ -12636,8 +12830,8 @@
         </p:blipFill>
         <p:spPr bwMode="auto">
           <a:xfrm>
-            <a:off x="6533518" y="4725144"/>
-            <a:ext cx="2741108" cy="2132856"/>
+            <a:off x="2195736" y="1628800"/>
+            <a:ext cx="3810000" cy="3810000"/>
           </a:xfrm>
           <a:prstGeom prst="rect">
             <a:avLst/>
@@ -12645,10 +12839,40 @@
           <a:noFill/>
         </p:spPr>
       </p:pic>
+      <p:sp>
+        <p:nvSpPr>
+          <p:cNvPr id="11" name="TextBox 10"/>
+          <p:cNvSpPr txBox="1"/>
+          <p:nvPr/>
+        </p:nvSpPr>
+        <p:spPr>
+          <a:xfrm>
+            <a:off x="1403648" y="1013827"/>
+            <a:ext cx="6048672" cy="830997"/>
+          </a:xfrm>
+          <a:prstGeom prst="rect">
+            <a:avLst/>
+          </a:prstGeom>
+          <a:noFill/>
+        </p:spPr>
+        <p:txBody>
+          <a:bodyPr wrap="square" rtlCol="0">
+            <a:spAutoFit/>
+          </a:bodyPr>
+          <a:lstStyle/>
+          <a:p>
+            <a:r>
+              <a:rPr lang="en-US" altLang="ko-KR" sz="4800" b="1" dirty="0" smtClean="0"/>
+              <a:t>Android-USB</a:t>
+            </a:r>
+            <a:endParaRPr lang="ko-KR" altLang="en-US" sz="4800" b="1" dirty="0"/>
+          </a:p>
+        </p:txBody>
+      </p:sp>
     </p:spTree>
     <p:extLst>
       <p:ext uri="{BB962C8B-B14F-4D97-AF65-F5344CB8AC3E}">
-        <p14:creationId xmlns="" xmlns:p14="http://schemas.microsoft.com/office/powerpoint/2010/main" val="2718990012"/>
+        <p14:creationId xmlns:p14="http://schemas.microsoft.com/office/powerpoint/2010/main" xmlns="" val="2718990012"/>
       </p:ext>
     </p:extLst>
   </p:cSld>
@@ -12729,7 +12953,7 @@
           <p:nvPr>
             <p:extLst>
               <p:ext uri="{D42A27DB-BD31-4B8C-83A1-F6EECF244321}">
-                <p14:modId xmlns="" xmlns:p14="http://schemas.microsoft.com/office/powerpoint/2010/main" val="864912804"/>
+                <p14:modId xmlns:p14="http://schemas.microsoft.com/office/powerpoint/2010/main" xmlns="" val="864912804"/>
               </p:ext>
             </p:extLst>
           </p:nvPr>
@@ -12782,32 +13006,6 @@
           </a:p>
         </p:txBody>
       </p:sp>
-      <p:pic>
-        <p:nvPicPr>
-          <p:cNvPr id="1026" name="Picture 2" descr="C:\Documents and Settings\XP\바탕 화면\number-of-android-apps.png"/>
-          <p:cNvPicPr>
-            <a:picLocks noChangeAspect="1" noChangeArrowheads="1"/>
-          </p:cNvPicPr>
-          <p:nvPr/>
-        </p:nvPicPr>
-        <p:blipFill>
-          <a:blip r:embed="rId4" cstate="print"/>
-          <a:srcRect/>
-          <a:stretch>
-            <a:fillRect/>
-          </a:stretch>
-        </p:blipFill>
-        <p:spPr bwMode="auto">
-          <a:xfrm>
-            <a:off x="611560" y="1412776"/>
-            <a:ext cx="3891682" cy="3600670"/>
-          </a:xfrm>
-          <a:prstGeom prst="rect">
-            <a:avLst/>
-          </a:prstGeom>
-          <a:noFill/>
-        </p:spPr>
-      </p:pic>
       <p:sp>
         <p:nvSpPr>
           <p:cNvPr id="10" name="TextBox 9"/>
@@ -12846,10 +13044,36 @@
           </a:p>
         </p:txBody>
       </p:sp>
+      <p:pic>
+        <p:nvPicPr>
+          <p:cNvPr id="3" name="Picture 2" descr="C:\Documents and Settings\Administrator\바탕 화면\zx.png"/>
+          <p:cNvPicPr>
+            <a:picLocks noChangeAspect="1" noChangeArrowheads="1"/>
+          </p:cNvPicPr>
+          <p:nvPr/>
+        </p:nvPicPr>
+        <p:blipFill>
+          <a:blip r:embed="rId4" cstate="print"/>
+          <a:srcRect/>
+          <a:stretch>
+            <a:fillRect/>
+          </a:stretch>
+        </p:blipFill>
+        <p:spPr bwMode="auto">
+          <a:xfrm>
+            <a:off x="467544" y="1681555"/>
+            <a:ext cx="3996829" cy="3020769"/>
+          </a:xfrm>
+          <a:prstGeom prst="rect">
+            <a:avLst/>
+          </a:prstGeom>
+          <a:noFill/>
+        </p:spPr>
+      </p:pic>
     </p:spTree>
     <p:extLst>
       <p:ext uri="{BB962C8B-B14F-4D97-AF65-F5344CB8AC3E}">
-        <p14:creationId xmlns="" xmlns:p14="http://schemas.microsoft.com/office/powerpoint/2010/main" val="3723977454"/>
+        <p14:creationId xmlns:p14="http://schemas.microsoft.com/office/powerpoint/2010/main" xmlns="" val="3723977454"/>
       </p:ext>
     </p:extLst>
   </p:cSld>
@@ -13014,7 +13238,7 @@
           <a:blip r:embed="rId3" cstate="print">
             <a:extLst>
               <a:ext uri="{28A0092B-C50C-407E-A947-70E740481C1C}">
-                <a14:useLocalDpi xmlns="" xmlns:a14="http://schemas.microsoft.com/office/drawing/2010/main" val="0"/>
+                <a14:useLocalDpi xmlns:a14="http://schemas.microsoft.com/office/drawing/2010/main" xmlns="" val="0"/>
               </a:ext>
             </a:extLst>
           </a:blip>
@@ -13129,7 +13353,7 @@
           <a:blip r:embed="rId4" cstate="print">
             <a:extLst>
               <a:ext uri="{28A0092B-C50C-407E-A947-70E740481C1C}">
-                <a14:useLocalDpi xmlns="" xmlns:a14="http://schemas.microsoft.com/office/drawing/2010/main" val="0"/>
+                <a14:useLocalDpi xmlns:a14="http://schemas.microsoft.com/office/drawing/2010/main" xmlns="" val="0"/>
               </a:ext>
             </a:extLst>
           </a:blip>
@@ -13149,7 +13373,7 @@
           <a:noFill/>
           <a:extLst>
             <a:ext uri="{909E8E84-426E-40DD-AFC4-6F175D3DCCD1}">
-              <a14:hiddenFill xmlns="" xmlns:a14="http://schemas.microsoft.com/office/drawing/2010/main">
+              <a14:hiddenFill xmlns:a14="http://schemas.microsoft.com/office/drawing/2010/main" xmlns="">
                 <a:solidFill>
                   <a:srgbClr val="FFFFFF"/>
                 </a:solidFill>
@@ -13170,7 +13394,7 @@
           <a:blip r:embed="rId5" cstate="print">
             <a:extLst>
               <a:ext uri="{28A0092B-C50C-407E-A947-70E740481C1C}">
-                <a14:useLocalDpi xmlns="" xmlns:a14="http://schemas.microsoft.com/office/drawing/2010/main" val="0"/>
+                <a14:useLocalDpi xmlns:a14="http://schemas.microsoft.com/office/drawing/2010/main" xmlns="" val="0"/>
               </a:ext>
             </a:extLst>
           </a:blip>
@@ -13190,7 +13414,7 @@
           <a:noFill/>
           <a:extLst>
             <a:ext uri="{909E8E84-426E-40DD-AFC4-6F175D3DCCD1}">
-              <a14:hiddenFill xmlns="" xmlns:a14="http://schemas.microsoft.com/office/drawing/2010/main">
+              <a14:hiddenFill xmlns:a14="http://schemas.microsoft.com/office/drawing/2010/main" xmlns="">
                 <a:solidFill>
                   <a:srgbClr val="FFFFFF"/>
                 </a:solidFill>
@@ -13211,7 +13435,7 @@
           <a:blip r:embed="rId6" cstate="print">
             <a:extLst>
               <a:ext uri="{28A0092B-C50C-407E-A947-70E740481C1C}">
-                <a14:useLocalDpi xmlns="" xmlns:a14="http://schemas.microsoft.com/office/drawing/2010/main" val="0"/>
+                <a14:useLocalDpi xmlns:a14="http://schemas.microsoft.com/office/drawing/2010/main" xmlns="" val="0"/>
               </a:ext>
             </a:extLst>
           </a:blip>
@@ -13231,7 +13455,7 @@
           <a:noFill/>
           <a:extLst>
             <a:ext uri="{909E8E84-426E-40DD-AFC4-6F175D3DCCD1}">
-              <a14:hiddenFill xmlns="" xmlns:a14="http://schemas.microsoft.com/office/drawing/2010/main">
+              <a14:hiddenFill xmlns:a14="http://schemas.microsoft.com/office/drawing/2010/main" xmlns="">
                 <a:solidFill>
                   <a:srgbClr val="FFFFFF"/>
                 </a:solidFill>
@@ -13269,7 +13493,7 @@
     </p:spTree>
     <p:extLst>
       <p:ext uri="{BB962C8B-B14F-4D97-AF65-F5344CB8AC3E}">
-        <p14:creationId xmlns="" xmlns:p14="http://schemas.microsoft.com/office/powerpoint/2010/main" val="26222973"/>
+        <p14:creationId xmlns:p14="http://schemas.microsoft.com/office/powerpoint/2010/main" xmlns="" val="26222973"/>
       </p:ext>
     </p:extLst>
   </p:cSld>
@@ -13461,7 +13685,7 @@
           <a:blip r:embed="rId3" cstate="print">
             <a:extLst>
               <a:ext uri="{28A0092B-C50C-407E-A947-70E740481C1C}">
-                <a14:useLocalDpi xmlns="" xmlns:a14="http://schemas.microsoft.com/office/drawing/2010/main" val="0"/>
+                <a14:useLocalDpi xmlns:a14="http://schemas.microsoft.com/office/drawing/2010/main" xmlns="" val="0"/>
               </a:ext>
             </a:extLst>
           </a:blip>
@@ -13489,7 +13713,7 @@
           <a:blip r:embed="rId4" cstate="print">
             <a:extLst>
               <a:ext uri="{28A0092B-C50C-407E-A947-70E740481C1C}">
-                <a14:useLocalDpi xmlns="" xmlns:a14="http://schemas.microsoft.com/office/drawing/2010/main" val="0"/>
+                <a14:useLocalDpi xmlns:a14="http://schemas.microsoft.com/office/drawing/2010/main" xmlns="" val="0"/>
               </a:ext>
             </a:extLst>
           </a:blip>
@@ -13533,7 +13757,7 @@
             <a:blip r:embed="rId5" cstate="print">
               <a:extLst>
                 <a:ext uri="{28A0092B-C50C-407E-A947-70E740481C1C}">
-                  <a14:useLocalDpi xmlns="" xmlns:a14="http://schemas.microsoft.com/office/drawing/2010/main" val="0"/>
+                  <a14:useLocalDpi xmlns:a14="http://schemas.microsoft.com/office/drawing/2010/main" xmlns="" val="0"/>
                 </a:ext>
               </a:extLst>
             </a:blip>
@@ -13563,7 +13787,7 @@
             <a:blip r:embed="rId6" cstate="print">
               <a:extLst>
                 <a:ext uri="{28A0092B-C50C-407E-A947-70E740481C1C}">
-                  <a14:useLocalDpi xmlns="" xmlns:a14="http://schemas.microsoft.com/office/drawing/2010/main" val="0"/>
+                  <a14:useLocalDpi xmlns:a14="http://schemas.microsoft.com/office/drawing/2010/main" xmlns="" val="0"/>
                 </a:ext>
               </a:extLst>
             </a:blip>
@@ -13661,7 +13885,7 @@
             <a:blip r:embed="rId7" cstate="print">
               <a:extLst>
                 <a:ext uri="{28A0092B-C50C-407E-A947-70E740481C1C}">
-                  <a14:useLocalDpi xmlns="" xmlns:a14="http://schemas.microsoft.com/office/drawing/2010/main" val="0"/>
+                  <a14:useLocalDpi xmlns:a14="http://schemas.microsoft.com/office/drawing/2010/main" xmlns="" val="0"/>
                 </a:ext>
               </a:extLst>
             </a:blip>
@@ -13717,7 +13941,7 @@
     </p:spTree>
     <p:extLst>
       <p:ext uri="{BB962C8B-B14F-4D97-AF65-F5344CB8AC3E}">
-        <p14:creationId xmlns="" xmlns:p14="http://schemas.microsoft.com/office/powerpoint/2010/main" val="846475234"/>
+        <p14:creationId xmlns:p14="http://schemas.microsoft.com/office/powerpoint/2010/main" xmlns="" val="846475234"/>
       </p:ext>
     </p:extLst>
   </p:cSld>
@@ -13996,14 +14220,14 @@
           <a:effectLst/>
           <a:extLst>
             <a:ext uri="{909E8E84-426E-40DD-AFC4-6F175D3DCCD1}">
-              <a14:hiddenFill xmlns="" xmlns:a14="http://schemas.microsoft.com/office/drawing/2010/main">
+              <a14:hiddenFill xmlns:a14="http://schemas.microsoft.com/office/drawing/2010/main" xmlns="">
                 <a:solidFill>
                   <a:schemeClr val="accent1"/>
                 </a:solidFill>
               </a14:hiddenFill>
             </a:ext>
             <a:ext uri="{91240B29-F687-4F45-9708-019B960494DF}">
-              <a14:hiddenLine xmlns="" xmlns:a14="http://schemas.microsoft.com/office/drawing/2010/main" w="9525">
+              <a14:hiddenLine xmlns:a14="http://schemas.microsoft.com/office/drawing/2010/main" xmlns="" w="9525">
                 <a:solidFill>
                   <a:schemeClr val="tx1"/>
                 </a:solidFill>
@@ -14013,7 +14237,7 @@
               </a14:hiddenLine>
             </a:ext>
             <a:ext uri="{AF507438-7753-43E0-B8FC-AC1667EBCBE1}">
-              <a14:hiddenEffects xmlns="" xmlns:a14="http://schemas.microsoft.com/office/drawing/2010/main">
+              <a14:hiddenEffects xmlns:a14="http://schemas.microsoft.com/office/drawing/2010/main" xmlns="">
                 <a:effectLst>
                   <a:outerShdw dist="35921" dir="2700000" algn="ctr" rotWithShape="0">
                     <a:schemeClr val="bg2"/>
@@ -14245,7 +14469,7 @@
     </p:spTree>
     <p:extLst>
       <p:ext uri="{BB962C8B-B14F-4D97-AF65-F5344CB8AC3E}">
-        <p14:creationId xmlns="" xmlns:p14="http://schemas.microsoft.com/office/powerpoint/2010/main" val="2437256557"/>
+        <p14:creationId xmlns:p14="http://schemas.microsoft.com/office/powerpoint/2010/main" xmlns="" val="2437256557"/>
       </p:ext>
     </p:extLst>
   </p:cSld>
@@ -14359,7 +14583,7 @@
           <a:blip r:embed="rId5" cstate="print">
             <a:extLst>
               <a:ext uri="{28A0092B-C50C-407E-A947-70E740481C1C}">
-                <a14:useLocalDpi xmlns="" xmlns:a14="http://schemas.microsoft.com/office/drawing/2010/main" val="0"/>
+                <a14:useLocalDpi xmlns:a14="http://schemas.microsoft.com/office/drawing/2010/main" xmlns="" val="0"/>
               </a:ext>
             </a:extLst>
           </a:blip>
@@ -14379,7 +14603,7 @@
           <a:noFill/>
           <a:extLst>
             <a:ext uri="{909E8E84-426E-40DD-AFC4-6F175D3DCCD1}">
-              <a14:hiddenFill xmlns="" xmlns:a14="http://schemas.microsoft.com/office/drawing/2010/main">
+              <a14:hiddenFill xmlns:a14="http://schemas.microsoft.com/office/drawing/2010/main" xmlns="">
                 <a:solidFill>
                   <a:srgbClr val="FFFFFF"/>
                 </a:solidFill>
@@ -14627,7 +14851,7 @@
             <a:blip r:embed="rId6" cstate="print">
               <a:extLst>
                 <a:ext uri="{28A0092B-C50C-407E-A947-70E740481C1C}">
-                  <a14:useLocalDpi xmlns="" xmlns:a14="http://schemas.microsoft.com/office/drawing/2010/main" val="0"/>
+                  <a14:useLocalDpi xmlns:a14="http://schemas.microsoft.com/office/drawing/2010/main" xmlns="" val="0"/>
                 </a:ext>
               </a:extLst>
             </a:blip>
@@ -14647,7 +14871,7 @@
             <a:noFill/>
             <a:extLst>
               <a:ext uri="{909E8E84-426E-40DD-AFC4-6F175D3DCCD1}">
-                <a14:hiddenFill xmlns="" xmlns:a14="http://schemas.microsoft.com/office/drawing/2010/main">
+                <a14:hiddenFill xmlns:a14="http://schemas.microsoft.com/office/drawing/2010/main" xmlns="">
                   <a:solidFill>
                     <a:srgbClr val="FFFFFF"/>
                   </a:solidFill>
@@ -14734,14 +14958,14 @@
           <a:effectLst/>
           <a:extLst>
             <a:ext uri="{909E8E84-426E-40DD-AFC4-6F175D3DCCD1}">
-              <a14:hiddenFill xmlns="" xmlns:a14="http://schemas.microsoft.com/office/drawing/2010/main">
+              <a14:hiddenFill xmlns:a14="http://schemas.microsoft.com/office/drawing/2010/main" xmlns="">
                 <a:solidFill>
                   <a:schemeClr val="accent1"/>
                 </a:solidFill>
               </a14:hiddenFill>
             </a:ext>
             <a:ext uri="{91240B29-F687-4F45-9708-019B960494DF}">
-              <a14:hiddenLine xmlns="" xmlns:a14="http://schemas.microsoft.com/office/drawing/2010/main" w="9525">
+              <a14:hiddenLine xmlns:a14="http://schemas.microsoft.com/office/drawing/2010/main" xmlns="" w="9525">
                 <a:solidFill>
                   <a:schemeClr val="tx1"/>
                 </a:solidFill>
@@ -14751,7 +14975,7 @@
               </a14:hiddenLine>
             </a:ext>
             <a:ext uri="{AF507438-7753-43E0-B8FC-AC1667EBCBE1}">
-              <a14:hiddenEffects xmlns="" xmlns:a14="http://schemas.microsoft.com/office/drawing/2010/main">
+              <a14:hiddenEffects xmlns:a14="http://schemas.microsoft.com/office/drawing/2010/main" xmlns="">
                 <a:effectLst>
                   <a:outerShdw dist="35921" dir="2700000" algn="ctr" rotWithShape="0">
                     <a:schemeClr val="bg2"/>
@@ -14970,7 +15194,7 @@
           </a:ln>
           <a:extLst>
             <a:ext uri="{91240B29-F687-4F45-9708-019B960494DF}">
-              <a14:hiddenLine xmlns="" xmlns:a14="http://schemas.microsoft.com/office/drawing/2010/main" w="9525" cap="flat" cmpd="sng" algn="ctr">
+              <a14:hiddenLine xmlns:a14="http://schemas.microsoft.com/office/drawing/2010/main" xmlns="" w="9525" cap="flat" cmpd="sng" algn="ctr">
                 <a:solidFill>
                   <a:schemeClr val="tx1"/>
                 </a:solidFill>
@@ -14981,7 +15205,7 @@
               </a14:hiddenLine>
             </a:ext>
             <a:ext uri="{AF507438-7753-43E0-B8FC-AC1667EBCBE1}">
-              <a14:hiddenEffects xmlns="" xmlns:a14="http://schemas.microsoft.com/office/drawing/2010/main">
+              <a14:hiddenEffects xmlns:a14="http://schemas.microsoft.com/office/drawing/2010/main" xmlns="">
                 <a:effectLst>
                   <a:outerShdw dist="35921" dir="2700000" algn="ctr" rotWithShape="0">
                     <a:schemeClr val="bg2"/>
@@ -15009,7 +15233,7 @@
     </p:spTree>
     <p:extLst>
       <p:ext uri="{BB962C8B-B14F-4D97-AF65-F5344CB8AC3E}">
-        <p14:creationId xmlns="" xmlns:p14="http://schemas.microsoft.com/office/powerpoint/2010/main" val="1709874429"/>
+        <p14:creationId xmlns:p14="http://schemas.microsoft.com/office/powerpoint/2010/main" xmlns="" val="1709874429"/>
       </p:ext>
     </p:extLst>
   </p:cSld>
@@ -15740,7 +15964,7 @@
             <a:effectLst/>
             <a:extLst>
               <a:ext uri="{AF507438-7753-43E0-B8FC-AC1667EBCBE1}">
-                <a14:hiddenEffects xmlns="" xmlns:a14="http://schemas.microsoft.com/office/drawing/2010/main">
+                <a14:hiddenEffects xmlns:a14="http://schemas.microsoft.com/office/drawing/2010/main" xmlns="">
                   <a:effectLst>
                     <a:outerShdw dist="35921" dir="2700000" algn="ctr" rotWithShape="0">
                       <a:schemeClr val="bg2"/>
@@ -15790,7 +16014,7 @@
             <a:effectLst/>
             <a:extLst>
               <a:ext uri="{AF507438-7753-43E0-B8FC-AC1667EBCBE1}">
-                <a14:hiddenEffects xmlns="" xmlns:a14="http://schemas.microsoft.com/office/drawing/2010/main">
+                <a14:hiddenEffects xmlns:a14="http://schemas.microsoft.com/office/drawing/2010/main" xmlns="">
                   <a:effectLst>
                     <a:outerShdw dist="35921" dir="2700000" algn="ctr" rotWithShape="0">
                       <a:schemeClr val="bg2"/>
@@ -15840,7 +16064,7 @@
             <a:effectLst/>
             <a:extLst>
               <a:ext uri="{AF507438-7753-43E0-B8FC-AC1667EBCBE1}">
-                <a14:hiddenEffects xmlns="" xmlns:a14="http://schemas.microsoft.com/office/drawing/2010/main">
+                <a14:hiddenEffects xmlns:a14="http://schemas.microsoft.com/office/drawing/2010/main" xmlns="">
                   <a:effectLst>
                     <a:outerShdw dist="35921" dir="2700000" algn="ctr" rotWithShape="0">
                       <a:schemeClr val="bg2"/>
@@ -15890,7 +16114,7 @@
             <a:effectLst/>
             <a:extLst>
               <a:ext uri="{AF507438-7753-43E0-B8FC-AC1667EBCBE1}">
-                <a14:hiddenEffects xmlns="" xmlns:a14="http://schemas.microsoft.com/office/drawing/2010/main">
+                <a14:hiddenEffects xmlns:a14="http://schemas.microsoft.com/office/drawing/2010/main" xmlns="">
                   <a:effectLst>
                     <a:outerShdw dist="35921" dir="2700000" algn="ctr" rotWithShape="0">
                       <a:schemeClr val="bg2"/>
@@ -15940,7 +16164,7 @@
             <a:effectLst/>
             <a:extLst>
               <a:ext uri="{AF507438-7753-43E0-B8FC-AC1667EBCBE1}">
-                <a14:hiddenEffects xmlns="" xmlns:a14="http://schemas.microsoft.com/office/drawing/2010/main">
+                <a14:hiddenEffects xmlns:a14="http://schemas.microsoft.com/office/drawing/2010/main" xmlns="">
                   <a:effectLst>
                     <a:outerShdw dist="35921" dir="2700000" algn="ctr" rotWithShape="0">
                       <a:schemeClr val="bg2"/>
@@ -15990,7 +16214,7 @@
             <a:effectLst/>
             <a:extLst>
               <a:ext uri="{AF507438-7753-43E0-B8FC-AC1667EBCBE1}">
-                <a14:hiddenEffects xmlns="" xmlns:a14="http://schemas.microsoft.com/office/drawing/2010/main">
+                <a14:hiddenEffects xmlns:a14="http://schemas.microsoft.com/office/drawing/2010/main" xmlns="">
                   <a:effectLst>
                     <a:outerShdw dist="35921" dir="2700000" algn="ctr" rotWithShape="0">
                       <a:schemeClr val="bg2"/>
@@ -16062,7 +16286,7 @@
     </p:spTree>
     <p:extLst>
       <p:ext uri="{BB962C8B-B14F-4D97-AF65-F5344CB8AC3E}">
-        <p14:creationId xmlns="" xmlns:p14="http://schemas.microsoft.com/office/powerpoint/2010/main" val="1532431054"/>
+        <p14:creationId xmlns:p14="http://schemas.microsoft.com/office/powerpoint/2010/main" xmlns="" val="1532431054"/>
       </p:ext>
     </p:extLst>
   </p:cSld>
@@ -17309,7 +17533,7 @@
     </p:spTree>
     <p:extLst>
       <p:ext uri="{BB962C8B-B14F-4D97-AF65-F5344CB8AC3E}">
-        <p14:creationId xmlns="" xmlns:p14="http://schemas.microsoft.com/office/powerpoint/2010/main" val="1410092498"/>
+        <p14:creationId xmlns:p14="http://schemas.microsoft.com/office/powerpoint/2010/main" xmlns="" val="1410092498"/>
       </p:ext>
     </p:extLst>
   </p:cSld>
@@ -17457,7 +17681,7 @@
           <a:blip r:embed="rId4" cstate="print">
             <a:extLst>
               <a:ext uri="{28A0092B-C50C-407E-A947-70E740481C1C}">
-                <a14:useLocalDpi xmlns="" xmlns:a14="http://schemas.microsoft.com/office/drawing/2010/main" val="0"/>
+                <a14:useLocalDpi xmlns:a14="http://schemas.microsoft.com/office/drawing/2010/main" xmlns="" val="0"/>
               </a:ext>
             </a:extLst>
           </a:blip>
@@ -17582,7 +17806,7 @@
           <a:blip r:embed="rId5" cstate="print">
             <a:extLst>
               <a:ext uri="{28A0092B-C50C-407E-A947-70E740481C1C}">
-                <a14:useLocalDpi xmlns="" xmlns:a14="http://schemas.microsoft.com/office/drawing/2010/main" val="0"/>
+                <a14:useLocalDpi xmlns:a14="http://schemas.microsoft.com/office/drawing/2010/main" xmlns="" val="0"/>
               </a:ext>
             </a:extLst>
           </a:blip>
@@ -17602,7 +17826,7 @@
           <a:noFill/>
           <a:extLst>
             <a:ext uri="{909E8E84-426E-40DD-AFC4-6F175D3DCCD1}">
-              <a14:hiddenFill xmlns="" xmlns:a14="http://schemas.microsoft.com/office/drawing/2010/main">
+              <a14:hiddenFill xmlns:a14="http://schemas.microsoft.com/office/drawing/2010/main" xmlns="">
                 <a:solidFill>
                   <a:srgbClr val="FFFFFF"/>
                 </a:solidFill>
@@ -17623,7 +17847,7 @@
           <a:blip r:embed="rId6" cstate="print">
             <a:extLst>
               <a:ext uri="{28A0092B-C50C-407E-A947-70E740481C1C}">
-                <a14:useLocalDpi xmlns="" xmlns:a14="http://schemas.microsoft.com/office/drawing/2010/main" val="0"/>
+                <a14:useLocalDpi xmlns:a14="http://schemas.microsoft.com/office/drawing/2010/main" xmlns="" val="0"/>
               </a:ext>
             </a:extLst>
           </a:blip>
@@ -17643,7 +17867,7 @@
           <a:noFill/>
           <a:extLst>
             <a:ext uri="{909E8E84-426E-40DD-AFC4-6F175D3DCCD1}">
-              <a14:hiddenFill xmlns="" xmlns:a14="http://schemas.microsoft.com/office/drawing/2010/main">
+              <a14:hiddenFill xmlns:a14="http://schemas.microsoft.com/office/drawing/2010/main" xmlns="">
                 <a:solidFill>
                   <a:srgbClr val="FFFFFF"/>
                 </a:solidFill>
@@ -17664,7 +17888,7 @@
           <a:blip r:embed="rId5" cstate="print">
             <a:extLst>
               <a:ext uri="{28A0092B-C50C-407E-A947-70E740481C1C}">
-                <a14:useLocalDpi xmlns="" xmlns:a14="http://schemas.microsoft.com/office/drawing/2010/main" val="0"/>
+                <a14:useLocalDpi xmlns:a14="http://schemas.microsoft.com/office/drawing/2010/main" xmlns="" val="0"/>
               </a:ext>
             </a:extLst>
           </a:blip>
@@ -17684,7 +17908,7 @@
           <a:noFill/>
           <a:extLst>
             <a:ext uri="{909E8E84-426E-40DD-AFC4-6F175D3DCCD1}">
-              <a14:hiddenFill xmlns="" xmlns:a14="http://schemas.microsoft.com/office/drawing/2010/main">
+              <a14:hiddenFill xmlns:a14="http://schemas.microsoft.com/office/drawing/2010/main" xmlns="">
                 <a:solidFill>
                   <a:srgbClr val="FFFFFF"/>
                 </a:solidFill>
@@ -17705,7 +17929,7 @@
           <a:blip r:embed="rId6" cstate="print">
             <a:extLst>
               <a:ext uri="{28A0092B-C50C-407E-A947-70E740481C1C}">
-                <a14:useLocalDpi xmlns="" xmlns:a14="http://schemas.microsoft.com/office/drawing/2010/main" val="0"/>
+                <a14:useLocalDpi xmlns:a14="http://schemas.microsoft.com/office/drawing/2010/main" xmlns="" val="0"/>
               </a:ext>
             </a:extLst>
           </a:blip>
@@ -17725,7 +17949,7 @@
           <a:noFill/>
           <a:extLst>
             <a:ext uri="{909E8E84-426E-40DD-AFC4-6F175D3DCCD1}">
-              <a14:hiddenFill xmlns="" xmlns:a14="http://schemas.microsoft.com/office/drawing/2010/main">
+              <a14:hiddenFill xmlns:a14="http://schemas.microsoft.com/office/drawing/2010/main" xmlns="">
                 <a:solidFill>
                   <a:srgbClr val="FFFFFF"/>
                 </a:solidFill>
@@ -17822,7 +18046,7 @@
           <a:blip r:embed="rId7" cstate="print">
             <a:extLst>
               <a:ext uri="{28A0092B-C50C-407E-A947-70E740481C1C}">
-                <a14:useLocalDpi xmlns="" xmlns:a14="http://schemas.microsoft.com/office/drawing/2010/main" val="0"/>
+                <a14:useLocalDpi xmlns:a14="http://schemas.microsoft.com/office/drawing/2010/main" xmlns="" val="0"/>
               </a:ext>
             </a:extLst>
           </a:blip>
@@ -17842,7 +18066,7 @@
           <a:noFill/>
           <a:extLst>
             <a:ext uri="{909E8E84-426E-40DD-AFC4-6F175D3DCCD1}">
-              <a14:hiddenFill xmlns="" xmlns:a14="http://schemas.microsoft.com/office/drawing/2010/main">
+              <a14:hiddenFill xmlns:a14="http://schemas.microsoft.com/office/drawing/2010/main" xmlns="">
                 <a:solidFill>
                   <a:srgbClr val="FFFFFF"/>
                 </a:solidFill>
@@ -17863,7 +18087,7 @@
           <a:blip r:embed="rId8" cstate="print">
             <a:extLst>
               <a:ext uri="{28A0092B-C50C-407E-A947-70E740481C1C}">
-                <a14:useLocalDpi xmlns="" xmlns:a14="http://schemas.microsoft.com/office/drawing/2010/main" val="0"/>
+                <a14:useLocalDpi xmlns:a14="http://schemas.microsoft.com/office/drawing/2010/main" xmlns="" val="0"/>
               </a:ext>
             </a:extLst>
           </a:blip>
@@ -17883,7 +18107,7 @@
           <a:noFill/>
           <a:extLst>
             <a:ext uri="{909E8E84-426E-40DD-AFC4-6F175D3DCCD1}">
-              <a14:hiddenFill xmlns="" xmlns:a14="http://schemas.microsoft.com/office/drawing/2010/main">
+              <a14:hiddenFill xmlns:a14="http://schemas.microsoft.com/office/drawing/2010/main" xmlns="">
                 <a:solidFill>
                   <a:srgbClr val="FFFFFF"/>
                 </a:solidFill>
@@ -17904,7 +18128,7 @@
           <a:blip r:embed="rId9" cstate="print">
             <a:extLst>
               <a:ext uri="{28A0092B-C50C-407E-A947-70E740481C1C}">
-                <a14:useLocalDpi xmlns="" xmlns:a14="http://schemas.microsoft.com/office/drawing/2010/main" val="0"/>
+                <a14:useLocalDpi xmlns:a14="http://schemas.microsoft.com/office/drawing/2010/main" xmlns="" val="0"/>
               </a:ext>
             </a:extLst>
           </a:blip>
@@ -17924,7 +18148,7 @@
           <a:noFill/>
           <a:extLst>
             <a:ext uri="{909E8E84-426E-40DD-AFC4-6F175D3DCCD1}">
-              <a14:hiddenFill xmlns="" xmlns:a14="http://schemas.microsoft.com/office/drawing/2010/main">
+              <a14:hiddenFill xmlns:a14="http://schemas.microsoft.com/office/drawing/2010/main" xmlns="">
                 <a:solidFill>
                   <a:srgbClr val="FFFFFF"/>
                 </a:solidFill>
@@ -17945,7 +18169,7 @@
           <a:blip r:embed="rId10" cstate="print">
             <a:extLst>
               <a:ext uri="{28A0092B-C50C-407E-A947-70E740481C1C}">
-                <a14:useLocalDpi xmlns="" xmlns:a14="http://schemas.microsoft.com/office/drawing/2010/main" val="0"/>
+                <a14:useLocalDpi xmlns:a14="http://schemas.microsoft.com/office/drawing/2010/main" xmlns="" val="0"/>
               </a:ext>
             </a:extLst>
           </a:blip>
@@ -17965,7 +18189,7 @@
           <a:noFill/>
           <a:extLst>
             <a:ext uri="{909E8E84-426E-40DD-AFC4-6F175D3DCCD1}">
-              <a14:hiddenFill xmlns="" xmlns:a14="http://schemas.microsoft.com/office/drawing/2010/main">
+              <a14:hiddenFill xmlns:a14="http://schemas.microsoft.com/office/drawing/2010/main" xmlns="">
                 <a:solidFill>
                   <a:srgbClr val="FFFFFF"/>
                 </a:solidFill>
@@ -17977,7 +18201,7 @@
     </p:spTree>
     <p:extLst>
       <p:ext uri="{BB962C8B-B14F-4D97-AF65-F5344CB8AC3E}">
-        <p14:creationId xmlns="" xmlns:p14="http://schemas.microsoft.com/office/powerpoint/2010/main" val="1407908346"/>
+        <p14:creationId xmlns:p14="http://schemas.microsoft.com/office/powerpoint/2010/main" xmlns="" val="1407908346"/>
       </p:ext>
     </p:extLst>
   </p:cSld>
@@ -18293,7 +18517,7 @@
         <a:effectLst/>
         <a:extLst>
           <a:ext uri="{91240B29-F687-4F45-9708-019B960494DF}">
-            <a14:hiddenLine xmlns="" xmlns:a14="http://schemas.microsoft.com/office/drawing/2010/main" w="9525" cap="flat" cmpd="sng" algn="ctr">
+            <a14:hiddenLine xmlns:a14="http://schemas.microsoft.com/office/drawing/2010/main" xmlns="" w="9525" cap="flat" cmpd="sng" algn="ctr">
               <a:solidFill>
                 <a:schemeClr val="tx1"/>
               </a:solidFill>
@@ -18304,7 +18528,7 @@
             </a14:hiddenLine>
           </a:ext>
           <a:ext uri="{AF507438-7753-43E0-B8FC-AC1667EBCBE1}">
-            <a14:hiddenEffects xmlns="" xmlns:a14="http://schemas.microsoft.com/office/drawing/2010/main">
+            <a14:hiddenEffects xmlns:a14="http://schemas.microsoft.com/office/drawing/2010/main" xmlns="">
               <a:effectLst>
                 <a:outerShdw dist="35921" dir="2700000" algn="ctr" rotWithShape="0">
                   <a:schemeClr val="bg2"/>

--- a/Documents/presentation doc/Final Presentation/final-presentation.pptx
+++ b/Documents/presentation doc/Final Presentation/final-presentation.pptx
@@ -167,10 +167,10 @@
           <c:layoutTarget val="inner"/>
           <c:xMode val="edge"/>
           <c:yMode val="edge"/>
-          <c:x val="0.13756541418769752"/>
-          <c:y val="0.3114212177482949"/>
+          <c:x val="0.13756541418769758"/>
+          <c:y val="0.31142121774829495"/>
           <c:w val="0.82290353753797463"/>
-          <c:h val="0.56776310568666555"/>
+          <c:h val="0.56776310568666544"/>
         </c:manualLayout>
       </c:layout>
       <c:barChart>
@@ -265,25 +265,25 @@
           <c:showVal val="1"/>
         </c:dLbls>
         <c:gapWidth val="75"/>
-        <c:axId val="64814464"/>
-        <c:axId val="72369280"/>
+        <c:axId val="67999232"/>
+        <c:axId val="68000768"/>
       </c:barChart>
       <c:catAx>
-        <c:axId val="64814464"/>
+        <c:axId val="67999232"/>
         <c:scaling>
           <c:orientation val="minMax"/>
         </c:scaling>
         <c:axPos val="b"/>
         <c:majorTickMark val="none"/>
         <c:tickLblPos val="nextTo"/>
-        <c:crossAx val="72369280"/>
+        <c:crossAx val="68000768"/>
         <c:crosses val="autoZero"/>
         <c:auto val="1"/>
         <c:lblAlgn val="ctr"/>
         <c:lblOffset val="100"/>
       </c:catAx>
       <c:valAx>
-        <c:axId val="72369280"/>
+        <c:axId val="68000768"/>
         <c:scaling>
           <c:orientation val="minMax"/>
           <c:min val="0"/>
@@ -292,7 +292,7 @@
         <c:numFmt formatCode="General" sourceLinked="1"/>
         <c:majorTickMark val="none"/>
         <c:tickLblPos val="nextTo"/>
-        <c:crossAx val="64814464"/>
+        <c:crossAx val="67999232"/>
         <c:crosses val="autoZero"/>
         <c:crossBetween val="between"/>
         <c:majorUnit val="20"/>
@@ -304,10 +304,10 @@
         <c:manualLayout>
           <c:xMode val="edge"/>
           <c:yMode val="edge"/>
-          <c:x val="0.18942124246731445"/>
-          <c:y val="3.0763248527941694E-2"/>
-          <c:w val="0.68117168015815166"/>
-          <c:h val="0.22344660117130147"/>
+          <c:x val="0.18942124246731451"/>
+          <c:y val="3.0763248527941701E-2"/>
+          <c:w val="0.68117168015815188"/>
+          <c:h val="0.22344660117130155"/>
         </c:manualLayout>
       </c:layout>
     </c:legend>
@@ -378,14 +378,14 @@
           <a:effectLst/>
           <a:extLst>
             <a:ext uri="{909E8E84-426E-40DD-AFC4-6F175D3DCCD1}">
-              <a14:hiddenFill xmlns:a14="http://schemas.microsoft.com/office/drawing/2010/main" xmlns="">
+              <a14:hiddenFill xmlns="" xmlns:a14="http://schemas.microsoft.com/office/drawing/2010/main">
                 <a:solidFill>
                   <a:schemeClr val="accent1"/>
                 </a:solidFill>
               </a14:hiddenFill>
             </a:ext>
             <a:ext uri="{91240B29-F687-4F45-9708-019B960494DF}">
-              <a14:hiddenLine xmlns:a14="http://schemas.microsoft.com/office/drawing/2010/main" xmlns="" w="9525">
+              <a14:hiddenLine xmlns="" xmlns:a14="http://schemas.microsoft.com/office/drawing/2010/main" w="9525">
                 <a:solidFill>
                   <a:schemeClr val="tx1"/>
                 </a:solidFill>
@@ -395,7 +395,7 @@
               </a14:hiddenLine>
             </a:ext>
             <a:ext uri="{AF507438-7753-43E0-B8FC-AC1667EBCBE1}">
-              <a14:hiddenEffects xmlns:a14="http://schemas.microsoft.com/office/drawing/2010/main" xmlns="">
+              <a14:hiddenEffects xmlns="" xmlns:a14="http://schemas.microsoft.com/office/drawing/2010/main">
                 <a:effectLst>
                   <a:outerShdw dist="35921" dir="2700000" algn="ctr" rotWithShape="0">
                     <a:schemeClr val="bg2"/>
@@ -448,14 +448,14 @@
           <a:effectLst/>
           <a:extLst>
             <a:ext uri="{909E8E84-426E-40DD-AFC4-6F175D3DCCD1}">
-              <a14:hiddenFill xmlns:a14="http://schemas.microsoft.com/office/drawing/2010/main" xmlns="">
+              <a14:hiddenFill xmlns="" xmlns:a14="http://schemas.microsoft.com/office/drawing/2010/main">
                 <a:solidFill>
                   <a:schemeClr val="accent1"/>
                 </a:solidFill>
               </a14:hiddenFill>
             </a:ext>
             <a:ext uri="{91240B29-F687-4F45-9708-019B960494DF}">
-              <a14:hiddenLine xmlns:a14="http://schemas.microsoft.com/office/drawing/2010/main" xmlns="" w="9525">
+              <a14:hiddenLine xmlns="" xmlns:a14="http://schemas.microsoft.com/office/drawing/2010/main" w="9525">
                 <a:solidFill>
                   <a:schemeClr val="tx1"/>
                 </a:solidFill>
@@ -465,7 +465,7 @@
               </a14:hiddenLine>
             </a:ext>
             <a:ext uri="{AF507438-7753-43E0-B8FC-AC1667EBCBE1}">
-              <a14:hiddenEffects xmlns:a14="http://schemas.microsoft.com/office/drawing/2010/main" xmlns="">
+              <a14:hiddenEffects xmlns="" xmlns:a14="http://schemas.microsoft.com/office/drawing/2010/main">
                 <a:effectLst>
                   <a:outerShdw dist="35921" dir="2700000" algn="ctr" rotWithShape="0">
                     <a:schemeClr val="bg2"/>
@@ -523,7 +523,7 @@
           <a:effectLst/>
           <a:extLst>
             <a:ext uri="{AF507438-7753-43E0-B8FC-AC1667EBCBE1}">
-              <a14:hiddenEffects xmlns:a14="http://schemas.microsoft.com/office/drawing/2010/main" xmlns="">
+              <a14:hiddenEffects xmlns="" xmlns:a14="http://schemas.microsoft.com/office/drawing/2010/main">
                 <a:effectLst>
                   <a:outerShdw dist="35921" dir="2700000" algn="ctr" rotWithShape="0">
                     <a:srgbClr val="808080"/>
@@ -532,7 +532,7 @@
               </a14:hiddenEffects>
             </a:ext>
             <a:ext uri="{53640926-AAD7-44D8-BBD7-CCE9431645EC}">
-              <a14:shadowObscured xmlns:a14="http://schemas.microsoft.com/office/drawing/2010/main" xmlns="" val="1"/>
+              <a14:shadowObscured xmlns="" xmlns:a14="http://schemas.microsoft.com/office/drawing/2010/main" val="1"/>
             </a:ext>
           </a:extLst>
         </p:spPr>
@@ -562,14 +562,14 @@
           <a:effectLst/>
           <a:extLst>
             <a:ext uri="{909E8E84-426E-40DD-AFC4-6F175D3DCCD1}">
-              <a14:hiddenFill xmlns:a14="http://schemas.microsoft.com/office/drawing/2010/main" xmlns="">
+              <a14:hiddenFill xmlns="" xmlns:a14="http://schemas.microsoft.com/office/drawing/2010/main">
                 <a:solidFill>
                   <a:schemeClr val="accent1"/>
                 </a:solidFill>
               </a14:hiddenFill>
             </a:ext>
             <a:ext uri="{91240B29-F687-4F45-9708-019B960494DF}">
-              <a14:hiddenLine xmlns:a14="http://schemas.microsoft.com/office/drawing/2010/main" xmlns="" w="9525">
+              <a14:hiddenLine xmlns="" xmlns:a14="http://schemas.microsoft.com/office/drawing/2010/main" w="9525">
                 <a:solidFill>
                   <a:schemeClr val="tx1"/>
                 </a:solidFill>
@@ -579,7 +579,7 @@
               </a14:hiddenLine>
             </a:ext>
             <a:ext uri="{AF507438-7753-43E0-B8FC-AC1667EBCBE1}">
-              <a14:hiddenEffects xmlns:a14="http://schemas.microsoft.com/office/drawing/2010/main" xmlns="">
+              <a14:hiddenEffects xmlns="" xmlns:a14="http://schemas.microsoft.com/office/drawing/2010/main">
                 <a:effectLst>
                   <a:outerShdw dist="35921" dir="2700000" algn="ctr" rotWithShape="0">
                     <a:schemeClr val="bg2"/>
@@ -658,14 +658,14 @@
           <a:effectLst/>
           <a:extLst>
             <a:ext uri="{909E8E84-426E-40DD-AFC4-6F175D3DCCD1}">
-              <a14:hiddenFill xmlns:a14="http://schemas.microsoft.com/office/drawing/2010/main" xmlns="">
+              <a14:hiddenFill xmlns="" xmlns:a14="http://schemas.microsoft.com/office/drawing/2010/main">
                 <a:solidFill>
                   <a:schemeClr val="accent1"/>
                 </a:solidFill>
               </a14:hiddenFill>
             </a:ext>
             <a:ext uri="{91240B29-F687-4F45-9708-019B960494DF}">
-              <a14:hiddenLine xmlns:a14="http://schemas.microsoft.com/office/drawing/2010/main" xmlns="" w="9525">
+              <a14:hiddenLine xmlns="" xmlns:a14="http://schemas.microsoft.com/office/drawing/2010/main" w="9525">
                 <a:solidFill>
                   <a:schemeClr val="tx1"/>
                 </a:solidFill>
@@ -675,7 +675,7 @@
               </a14:hiddenLine>
             </a:ext>
             <a:ext uri="{AF507438-7753-43E0-B8FC-AC1667EBCBE1}">
-              <a14:hiddenEffects xmlns:a14="http://schemas.microsoft.com/office/drawing/2010/main" xmlns="">
+              <a14:hiddenEffects xmlns="" xmlns:a14="http://schemas.microsoft.com/office/drawing/2010/main">
                 <a:effectLst>
                   <a:outerShdw dist="35921" dir="2700000" algn="ctr" rotWithShape="0">
                     <a:schemeClr val="bg2"/>
@@ -728,14 +728,14 @@
           <a:effectLst/>
           <a:extLst>
             <a:ext uri="{909E8E84-426E-40DD-AFC4-6F175D3DCCD1}">
-              <a14:hiddenFill xmlns:a14="http://schemas.microsoft.com/office/drawing/2010/main" xmlns="">
+              <a14:hiddenFill xmlns="" xmlns:a14="http://schemas.microsoft.com/office/drawing/2010/main">
                 <a:solidFill>
                   <a:schemeClr val="accent1"/>
                 </a:solidFill>
               </a14:hiddenFill>
             </a:ext>
             <a:ext uri="{91240B29-F687-4F45-9708-019B960494DF}">
-              <a14:hiddenLine xmlns:a14="http://schemas.microsoft.com/office/drawing/2010/main" xmlns="" w="9525">
+              <a14:hiddenLine xmlns="" xmlns:a14="http://schemas.microsoft.com/office/drawing/2010/main" w="9525">
                 <a:solidFill>
                   <a:schemeClr val="tx1"/>
                 </a:solidFill>
@@ -745,7 +745,7 @@
               </a14:hiddenLine>
             </a:ext>
             <a:ext uri="{AF507438-7753-43E0-B8FC-AC1667EBCBE1}">
-              <a14:hiddenEffects xmlns:a14="http://schemas.microsoft.com/office/drawing/2010/main" xmlns="">
+              <a14:hiddenEffects xmlns="" xmlns:a14="http://schemas.microsoft.com/office/drawing/2010/main">
                 <a:effectLst>
                   <a:outerShdw dist="35921" dir="2700000" algn="ctr" rotWithShape="0">
                     <a:schemeClr val="bg2"/>
@@ -781,7 +781,7 @@
     </p:spTree>
     <p:extLst>
       <p:ext uri="{BB962C8B-B14F-4D97-AF65-F5344CB8AC3E}">
-        <p14:creationId xmlns:p14="http://schemas.microsoft.com/office/powerpoint/2010/main" xmlns="" val="3354467039"/>
+        <p14:creationId xmlns="" xmlns:p14="http://schemas.microsoft.com/office/powerpoint/2010/main" val="3354467039"/>
       </p:ext>
     </p:extLst>
   </p:cSld>
@@ -1841,7 +1841,7 @@
                 <a:ea typeface="+mn-ea"/>
                 <a:cs typeface="+mn-cs"/>
               </a:rPr>
-              <a:t>로 </a:t>
+              <a:t>는 </a:t>
             </a:r>
             <a:r>
               <a:rPr lang="en-US" altLang="ko-KR" sz="1200" kern="1200" baseline="0" dirty="0" smtClean="0">
@@ -2292,18 +2292,7 @@
                 <a:ea typeface="+mn-ea"/>
                 <a:cs typeface="+mn-cs"/>
               </a:rPr>
-              <a:t>카메라로 </a:t>
-            </a:r>
-            <a:r>
-              <a:rPr lang="ko-KR" altLang="en-US" sz="1200" kern="1200" dirty="0" smtClean="0">
-                <a:solidFill>
-                  <a:schemeClr val="tx1"/>
-                </a:solidFill>
-                <a:latin typeface="Arial" charset="0"/>
-                <a:ea typeface="+mn-ea"/>
-                <a:cs typeface="+mn-cs"/>
-              </a:rPr>
-              <a:t>인식돼서 </a:t>
+              <a:t>카메라로 인식돼서 </a:t>
             </a:r>
             <a:r>
               <a:rPr lang="ko-KR" altLang="en-US" sz="1200" kern="1200" dirty="0" err="1" smtClean="0">
@@ -2522,11 +2511,7 @@
             </a:r>
             <a:r>
               <a:rPr lang="ko-KR" altLang="en-US" dirty="0" smtClean="0"/>
-              <a:t>어플리케이션의 </a:t>
-            </a:r>
-            <a:r>
-              <a:rPr lang="ko-KR" altLang="en-US" dirty="0" smtClean="0"/>
-              <a:t>두 버튼과 노랑 바가 </a:t>
+              <a:t>어플리케이션의 두 버튼과 노랑 바가 </a:t>
             </a:r>
             <a:r>
               <a:rPr lang="en-US" altLang="ko-KR" dirty="0" smtClean="0"/>
@@ -2538,11 +2523,7 @@
             </a:r>
             <a:r>
               <a:rPr lang="ko-KR" altLang="en-US" baseline="0" dirty="0" smtClean="0"/>
-              <a:t>기능을 </a:t>
-            </a:r>
-            <a:r>
-              <a:rPr lang="ko-KR" altLang="en-US" baseline="0" dirty="0" smtClean="0"/>
-              <a:t>하고</a:t>
+              <a:t>기능을 하고</a:t>
             </a:r>
             <a:r>
               <a:rPr lang="en-US" altLang="ko-KR" baseline="0" dirty="0" smtClean="0"/>
@@ -2558,15 +2539,7 @@
             </a:r>
             <a:r>
               <a:rPr lang="ko-KR" altLang="en-US" baseline="0" dirty="0" smtClean="0"/>
-              <a:t>의 </a:t>
-            </a:r>
-            <a:r>
-              <a:rPr lang="ko-KR" altLang="en-US" baseline="0" dirty="0" smtClean="0"/>
-              <a:t>커서가 </a:t>
-            </a:r>
-            <a:r>
-              <a:rPr lang="ko-KR" altLang="en-US" baseline="0" dirty="0" smtClean="0"/>
-              <a:t>움직입니다</a:t>
+              <a:t>의 커서가 움직입니다</a:t>
             </a:r>
             <a:r>
               <a:rPr lang="en-US" altLang="ko-KR" baseline="0" dirty="0" smtClean="0"/>
@@ -2845,18 +2818,7 @@
                 <a:ea typeface="+mn-ea"/>
                 <a:cs typeface="+mn-cs"/>
               </a:rPr>
-              <a:t>터치패드가 연결된 </a:t>
-            </a:r>
-            <a:r>
-              <a:rPr lang="ko-KR" altLang="en-US" sz="1200" kern="1200" dirty="0" smtClean="0">
-                <a:solidFill>
-                  <a:schemeClr val="tx1"/>
-                </a:solidFill>
-                <a:latin typeface="Arial" charset="0"/>
-                <a:ea typeface="+mn-ea"/>
-                <a:cs typeface="+mn-cs"/>
-              </a:rPr>
-              <a:t>것처럼 보이고</a:t>
+              <a:t>터치패드가 연결된 것처럼 보이고</a:t>
             </a:r>
             <a:r>
               <a:rPr lang="en-US" altLang="ko-KR" sz="1200" kern="1200" dirty="0" smtClean="0">
@@ -3451,7 +3413,7 @@
     </p:spTree>
     <p:extLst>
       <p:ext uri="{BB962C8B-B14F-4D97-AF65-F5344CB8AC3E}">
-        <p14:creationId xmlns:p14="http://schemas.microsoft.com/office/powerpoint/2010/main" xmlns="" val="483073219"/>
+        <p14:creationId xmlns="" xmlns:p14="http://schemas.microsoft.com/office/powerpoint/2010/main" val="483073219"/>
       </p:ext>
     </p:extLst>
   </p:cSld>
@@ -5647,7 +5609,7 @@
           </a:xfrm>
           <a:extLst>
             <a:ext uri="{AF507438-7753-43E0-B8FC-AC1667EBCBE1}">
-              <a14:hiddenEffects xmlns:a14="http://schemas.microsoft.com/office/drawing/2010/main" xmlns="">
+              <a14:hiddenEffects xmlns="" xmlns:a14="http://schemas.microsoft.com/office/drawing/2010/main">
                 <a:effectLst>
                   <a:outerShdw dist="17961" dir="2700000" algn="ctr" rotWithShape="0">
                     <a:schemeClr val="bg1"/>
@@ -5691,7 +5653,7 @@
           </a:xfrm>
           <a:extLst>
             <a:ext uri="{AF507438-7753-43E0-B8FC-AC1667EBCBE1}">
-              <a14:hiddenEffects xmlns:a14="http://schemas.microsoft.com/office/drawing/2010/main" xmlns="">
+              <a14:hiddenEffects xmlns="" xmlns:a14="http://schemas.microsoft.com/office/drawing/2010/main">
                 <a:effectLst>
                   <a:outerShdw dist="17961" dir="2700000" algn="ctr" rotWithShape="0">
                     <a:schemeClr val="bg1"/>
@@ -5827,7 +5789,7 @@
     </p:spTree>
     <p:extLst>
       <p:ext uri="{BB962C8B-B14F-4D97-AF65-F5344CB8AC3E}">
-        <p14:creationId xmlns:p14="http://schemas.microsoft.com/office/powerpoint/2010/main" xmlns="" val="3191849363"/>
+        <p14:creationId xmlns="" xmlns:p14="http://schemas.microsoft.com/office/powerpoint/2010/main" val="3191849363"/>
       </p:ext>
     </p:extLst>
   </p:cSld>
@@ -5942,7 +5904,7 @@
     </p:spTree>
     <p:extLst>
       <p:ext uri="{BB962C8B-B14F-4D97-AF65-F5344CB8AC3E}">
-        <p14:creationId xmlns:p14="http://schemas.microsoft.com/office/powerpoint/2010/main" xmlns="" val="1524186507"/>
+        <p14:creationId xmlns="" xmlns:p14="http://schemas.microsoft.com/office/powerpoint/2010/main" val="1524186507"/>
       </p:ext>
     </p:extLst>
   </p:cSld>
@@ -6047,7 +6009,7 @@
     </p:spTree>
     <p:extLst>
       <p:ext uri="{BB962C8B-B14F-4D97-AF65-F5344CB8AC3E}">
-        <p14:creationId xmlns:p14="http://schemas.microsoft.com/office/powerpoint/2010/main" xmlns="" val="3261712152"/>
+        <p14:creationId xmlns="" xmlns:p14="http://schemas.microsoft.com/office/powerpoint/2010/main" val="3261712152"/>
       </p:ext>
     </p:extLst>
   </p:cSld>
@@ -6174,7 +6136,7 @@
     </p:spTree>
     <p:extLst>
       <p:ext uri="{BB962C8B-B14F-4D97-AF65-F5344CB8AC3E}">
-        <p14:creationId xmlns:p14="http://schemas.microsoft.com/office/powerpoint/2010/main" xmlns="" val="346190723"/>
+        <p14:creationId xmlns="" xmlns:p14="http://schemas.microsoft.com/office/powerpoint/2010/main" val="346190723"/>
       </p:ext>
     </p:extLst>
   </p:cSld>
@@ -6397,7 +6359,7 @@
     </p:spTree>
     <p:extLst>
       <p:ext uri="{BB962C8B-B14F-4D97-AF65-F5344CB8AC3E}">
-        <p14:creationId xmlns:p14="http://schemas.microsoft.com/office/powerpoint/2010/main" xmlns="" val="4255224362"/>
+        <p14:creationId xmlns="" xmlns:p14="http://schemas.microsoft.com/office/powerpoint/2010/main" val="4255224362"/>
       </p:ext>
     </p:extLst>
   </p:cSld>
@@ -6759,7 +6721,7 @@
     </p:spTree>
     <p:extLst>
       <p:ext uri="{BB962C8B-B14F-4D97-AF65-F5344CB8AC3E}">
-        <p14:creationId xmlns:p14="http://schemas.microsoft.com/office/powerpoint/2010/main" xmlns="" val="234523478"/>
+        <p14:creationId xmlns="" xmlns:p14="http://schemas.microsoft.com/office/powerpoint/2010/main" val="234523478"/>
       </p:ext>
     </p:extLst>
   </p:cSld>
@@ -6812,7 +6774,7 @@
     </p:spTree>
     <p:extLst>
       <p:ext uri="{BB962C8B-B14F-4D97-AF65-F5344CB8AC3E}">
-        <p14:creationId xmlns:p14="http://schemas.microsoft.com/office/powerpoint/2010/main" xmlns="" val="4170126094"/>
+        <p14:creationId xmlns="" xmlns:p14="http://schemas.microsoft.com/office/powerpoint/2010/main" val="4170126094"/>
       </p:ext>
     </p:extLst>
   </p:cSld>
@@ -6842,7 +6804,7 @@
     </p:spTree>
     <p:extLst>
       <p:ext uri="{BB962C8B-B14F-4D97-AF65-F5344CB8AC3E}">
-        <p14:creationId xmlns:p14="http://schemas.microsoft.com/office/powerpoint/2010/main" xmlns="" val="3131819388"/>
+        <p14:creationId xmlns="" xmlns:p14="http://schemas.microsoft.com/office/powerpoint/2010/main" val="3131819388"/>
       </p:ext>
     </p:extLst>
   </p:cSld>
@@ -7054,7 +7016,7 @@
     </p:spTree>
     <p:extLst>
       <p:ext uri="{BB962C8B-B14F-4D97-AF65-F5344CB8AC3E}">
-        <p14:creationId xmlns:p14="http://schemas.microsoft.com/office/powerpoint/2010/main" xmlns="" val="1266256783"/>
+        <p14:creationId xmlns="" xmlns:p14="http://schemas.microsoft.com/office/powerpoint/2010/main" val="1266256783"/>
       </p:ext>
     </p:extLst>
   </p:cSld>
@@ -7246,7 +7208,7 @@
     </p:spTree>
     <p:extLst>
       <p:ext uri="{BB962C8B-B14F-4D97-AF65-F5344CB8AC3E}">
-        <p14:creationId xmlns:p14="http://schemas.microsoft.com/office/powerpoint/2010/main" xmlns="" val="511494401"/>
+        <p14:creationId xmlns="" xmlns:p14="http://schemas.microsoft.com/office/powerpoint/2010/main" val="511494401"/>
       </p:ext>
     </p:extLst>
   </p:cSld>
@@ -7310,14 +7272,14 @@
           <a:effectLst/>
           <a:extLst>
             <a:ext uri="{909E8E84-426E-40DD-AFC4-6F175D3DCCD1}">
-              <a14:hiddenFill xmlns:a14="http://schemas.microsoft.com/office/drawing/2010/main" xmlns="">
+              <a14:hiddenFill xmlns="" xmlns:a14="http://schemas.microsoft.com/office/drawing/2010/main">
                 <a:solidFill>
                   <a:schemeClr val="accent1"/>
                 </a:solidFill>
               </a14:hiddenFill>
             </a:ext>
             <a:ext uri="{91240B29-F687-4F45-9708-019B960494DF}">
-              <a14:hiddenLine xmlns:a14="http://schemas.microsoft.com/office/drawing/2010/main" xmlns="" w="9525">
+              <a14:hiddenLine xmlns="" xmlns:a14="http://schemas.microsoft.com/office/drawing/2010/main" w="9525">
                 <a:solidFill>
                   <a:schemeClr val="tx1"/>
                 </a:solidFill>
@@ -7327,7 +7289,7 @@
               </a14:hiddenLine>
             </a:ext>
             <a:ext uri="{AF507438-7753-43E0-B8FC-AC1667EBCBE1}">
-              <a14:hiddenEffects xmlns:a14="http://schemas.microsoft.com/office/drawing/2010/main" xmlns="">
+              <a14:hiddenEffects xmlns="" xmlns:a14="http://schemas.microsoft.com/office/drawing/2010/main">
                 <a:effectLst>
                   <a:outerShdw dist="35921" dir="2700000" algn="ctr" rotWithShape="0">
                     <a:schemeClr val="bg2"/>
@@ -7379,14 +7341,14 @@
           <a:effectLst/>
           <a:extLst>
             <a:ext uri="{909E8E84-426E-40DD-AFC4-6F175D3DCCD1}">
-              <a14:hiddenFill xmlns:a14="http://schemas.microsoft.com/office/drawing/2010/main" xmlns="">
+              <a14:hiddenFill xmlns="" xmlns:a14="http://schemas.microsoft.com/office/drawing/2010/main">
                 <a:solidFill>
                   <a:schemeClr val="accent1"/>
                 </a:solidFill>
               </a14:hiddenFill>
             </a:ext>
             <a:ext uri="{91240B29-F687-4F45-9708-019B960494DF}">
-              <a14:hiddenLine xmlns:a14="http://schemas.microsoft.com/office/drawing/2010/main" xmlns="" w="9525">
+              <a14:hiddenLine xmlns="" xmlns:a14="http://schemas.microsoft.com/office/drawing/2010/main" w="9525">
                 <a:solidFill>
                   <a:schemeClr val="tx1"/>
                 </a:solidFill>
@@ -7396,7 +7358,7 @@
               </a14:hiddenLine>
             </a:ext>
             <a:ext uri="{AF507438-7753-43E0-B8FC-AC1667EBCBE1}">
-              <a14:hiddenEffects xmlns:a14="http://schemas.microsoft.com/office/drawing/2010/main" xmlns="">
+              <a14:hiddenEffects xmlns="" xmlns:a14="http://schemas.microsoft.com/office/drawing/2010/main">
                 <a:effectLst>
                   <a:outerShdw dist="35921" dir="2700000" algn="ctr" rotWithShape="0">
                     <a:schemeClr val="bg2"/>
@@ -7862,7 +7824,7 @@
           <p:nvPr>
             <p:extLst>
               <p:ext uri="{D42A27DB-BD31-4B8C-83A1-F6EECF244321}">
-                <p14:modId xmlns:p14="http://schemas.microsoft.com/office/powerpoint/2010/main" xmlns="" val="3019215210"/>
+                <p14:modId xmlns="" xmlns:p14="http://schemas.microsoft.com/office/powerpoint/2010/main" val="3019215210"/>
               </p:ext>
             </p:extLst>
           </p:nvPr>
@@ -9180,7 +9142,7 @@
     </p:spTree>
     <p:extLst>
       <p:ext uri="{BB962C8B-B14F-4D97-AF65-F5344CB8AC3E}">
-        <p14:creationId xmlns:p14="http://schemas.microsoft.com/office/powerpoint/2010/main" xmlns="" val="2718990012"/>
+        <p14:creationId xmlns="" xmlns:p14="http://schemas.microsoft.com/office/powerpoint/2010/main" val="2718990012"/>
       </p:ext>
     </p:extLst>
   </p:cSld>
@@ -9354,14 +9316,14 @@
           <a:effectLst/>
           <a:extLst>
             <a:ext uri="{909E8E84-426E-40DD-AFC4-6F175D3DCCD1}">
-              <a14:hiddenFill xmlns:a14="http://schemas.microsoft.com/office/drawing/2010/main" xmlns="">
+              <a14:hiddenFill xmlns="" xmlns:a14="http://schemas.microsoft.com/office/drawing/2010/main">
                 <a:solidFill>
                   <a:schemeClr val="accent1"/>
                 </a:solidFill>
               </a14:hiddenFill>
             </a:ext>
             <a:ext uri="{91240B29-F687-4F45-9708-019B960494DF}">
-              <a14:hiddenLine xmlns:a14="http://schemas.microsoft.com/office/drawing/2010/main" xmlns="" w="9525">
+              <a14:hiddenLine xmlns="" xmlns:a14="http://schemas.microsoft.com/office/drawing/2010/main" w="9525">
                 <a:solidFill>
                   <a:schemeClr val="tx1"/>
                 </a:solidFill>
@@ -9371,7 +9333,7 @@
               </a14:hiddenLine>
             </a:ext>
             <a:ext uri="{AF507438-7753-43E0-B8FC-AC1667EBCBE1}">
-              <a14:hiddenEffects xmlns:a14="http://schemas.microsoft.com/office/drawing/2010/main" xmlns="">
+              <a14:hiddenEffects xmlns="" xmlns:a14="http://schemas.microsoft.com/office/drawing/2010/main">
                 <a:effectLst>
                   <a:outerShdw dist="35921" dir="2700000" algn="ctr" rotWithShape="0">
                     <a:schemeClr val="bg2"/>
@@ -9512,14 +9474,14 @@
           <a:effectLst/>
           <a:extLst>
             <a:ext uri="{909E8E84-426E-40DD-AFC4-6F175D3DCCD1}">
-              <a14:hiddenFill xmlns:a14="http://schemas.microsoft.com/office/drawing/2010/main" xmlns="">
+              <a14:hiddenFill xmlns="" xmlns:a14="http://schemas.microsoft.com/office/drawing/2010/main">
                 <a:solidFill>
                   <a:schemeClr val="accent1"/>
                 </a:solidFill>
               </a14:hiddenFill>
             </a:ext>
             <a:ext uri="{91240B29-F687-4F45-9708-019B960494DF}">
-              <a14:hiddenLine xmlns:a14="http://schemas.microsoft.com/office/drawing/2010/main" xmlns="" w="9525">
+              <a14:hiddenLine xmlns="" xmlns:a14="http://schemas.microsoft.com/office/drawing/2010/main" w="9525">
                 <a:solidFill>
                   <a:schemeClr val="tx1"/>
                 </a:solidFill>
@@ -9529,7 +9491,7 @@
               </a14:hiddenLine>
             </a:ext>
             <a:ext uri="{AF507438-7753-43E0-B8FC-AC1667EBCBE1}">
-              <a14:hiddenEffects xmlns:a14="http://schemas.microsoft.com/office/drawing/2010/main" xmlns="">
+              <a14:hiddenEffects xmlns="" xmlns:a14="http://schemas.microsoft.com/office/drawing/2010/main">
                 <a:effectLst>
                   <a:outerShdw dist="35921" dir="2700000" algn="ctr" rotWithShape="0">
                     <a:schemeClr val="bg2"/>
@@ -9759,7 +9721,7 @@
     </p:spTree>
     <p:extLst>
       <p:ext uri="{BB962C8B-B14F-4D97-AF65-F5344CB8AC3E}">
-        <p14:creationId xmlns:p14="http://schemas.microsoft.com/office/powerpoint/2010/main" xmlns="" val="2718990012"/>
+        <p14:creationId xmlns="" xmlns:p14="http://schemas.microsoft.com/office/powerpoint/2010/main" val="2718990012"/>
       </p:ext>
     </p:extLst>
   </p:cSld>
@@ -10242,7 +10204,7 @@
           <a:effectLst/>
           <a:extLst>
             <a:ext uri="{AF507438-7753-43E0-B8FC-AC1667EBCBE1}">
-              <a14:hiddenEffects xmlns:a14="http://schemas.microsoft.com/office/drawing/2010/main" xmlns="">
+              <a14:hiddenEffects xmlns="" xmlns:a14="http://schemas.microsoft.com/office/drawing/2010/main">
                 <a:effectLst>
                   <a:outerShdw dist="35921" dir="2700000" algn="ctr" rotWithShape="0">
                     <a:schemeClr val="bg2"/>
@@ -11297,7 +11259,7 @@
           <a:effectLst/>
           <a:extLst>
             <a:ext uri="{91240B29-F687-4F45-9708-019B960494DF}">
-              <a14:hiddenLine xmlns:a14="http://schemas.microsoft.com/office/drawing/2010/main" xmlns="" w="9525" cap="flat" cmpd="sng" algn="ctr">
+              <a14:hiddenLine xmlns="" xmlns:a14="http://schemas.microsoft.com/office/drawing/2010/main" w="9525" cap="flat" cmpd="sng" algn="ctr">
                 <a:solidFill>
                   <a:schemeClr val="tx1"/>
                 </a:solidFill>
@@ -11308,7 +11270,7 @@
               </a14:hiddenLine>
             </a:ext>
             <a:ext uri="{AF507438-7753-43E0-B8FC-AC1667EBCBE1}">
-              <a14:hiddenEffects xmlns:a14="http://schemas.microsoft.com/office/drawing/2010/main" xmlns="">
+              <a14:hiddenEffects xmlns="" xmlns:a14="http://schemas.microsoft.com/office/drawing/2010/main">
                 <a:effectLst>
                   <a:outerShdw dist="35921" dir="2700000" algn="ctr" rotWithShape="0">
                     <a:schemeClr val="bg2"/>
@@ -11362,7 +11324,7 @@
           <a:effectLst/>
           <a:extLst>
             <a:ext uri="{91240B29-F687-4F45-9708-019B960494DF}">
-              <a14:hiddenLine xmlns:a14="http://schemas.microsoft.com/office/drawing/2010/main" xmlns="" w="9525" cap="flat" cmpd="sng" algn="ctr">
+              <a14:hiddenLine xmlns="" xmlns:a14="http://schemas.microsoft.com/office/drawing/2010/main" w="9525" cap="flat" cmpd="sng" algn="ctr">
                 <a:solidFill>
                   <a:schemeClr val="tx1"/>
                 </a:solidFill>
@@ -11373,7 +11335,7 @@
               </a14:hiddenLine>
             </a:ext>
             <a:ext uri="{AF507438-7753-43E0-B8FC-AC1667EBCBE1}">
-              <a14:hiddenEffects xmlns:a14="http://schemas.microsoft.com/office/drawing/2010/main" xmlns="">
+              <a14:hiddenEffects xmlns="" xmlns:a14="http://schemas.microsoft.com/office/drawing/2010/main">
                 <a:effectLst>
                   <a:outerShdw dist="35921" dir="2700000" algn="ctr" rotWithShape="0">
                     <a:schemeClr val="bg2"/>
@@ -11427,7 +11389,7 @@
           <a:effectLst/>
           <a:extLst>
             <a:ext uri="{91240B29-F687-4F45-9708-019B960494DF}">
-              <a14:hiddenLine xmlns:a14="http://schemas.microsoft.com/office/drawing/2010/main" xmlns="" w="9525" cap="flat" cmpd="sng" algn="ctr">
+              <a14:hiddenLine xmlns="" xmlns:a14="http://schemas.microsoft.com/office/drawing/2010/main" w="9525" cap="flat" cmpd="sng" algn="ctr">
                 <a:solidFill>
                   <a:schemeClr val="tx1"/>
                 </a:solidFill>
@@ -11438,7 +11400,7 @@
               </a14:hiddenLine>
             </a:ext>
             <a:ext uri="{AF507438-7753-43E0-B8FC-AC1667EBCBE1}">
-              <a14:hiddenEffects xmlns:a14="http://schemas.microsoft.com/office/drawing/2010/main" xmlns="">
+              <a14:hiddenEffects xmlns="" xmlns:a14="http://schemas.microsoft.com/office/drawing/2010/main">
                 <a:effectLst>
                   <a:outerShdw dist="35921" dir="2700000" algn="ctr" rotWithShape="0">
                     <a:schemeClr val="bg2"/>
@@ -11491,7 +11453,7 @@
           <a:effectLst/>
           <a:extLst>
             <a:ext uri="{91240B29-F687-4F45-9708-019B960494DF}">
-              <a14:hiddenLine xmlns:a14="http://schemas.microsoft.com/office/drawing/2010/main" xmlns="" w="9525" cap="flat" cmpd="sng" algn="ctr">
+              <a14:hiddenLine xmlns="" xmlns:a14="http://schemas.microsoft.com/office/drawing/2010/main" w="9525" cap="flat" cmpd="sng" algn="ctr">
                 <a:solidFill>
                   <a:schemeClr val="tx1"/>
                 </a:solidFill>
@@ -11502,7 +11464,7 @@
               </a14:hiddenLine>
             </a:ext>
             <a:ext uri="{AF507438-7753-43E0-B8FC-AC1667EBCBE1}">
-              <a14:hiddenEffects xmlns:a14="http://schemas.microsoft.com/office/drawing/2010/main" xmlns="">
+              <a14:hiddenEffects xmlns="" xmlns:a14="http://schemas.microsoft.com/office/drawing/2010/main">
                 <a:effectLst>
                   <a:outerShdw dist="35921" dir="2700000" algn="ctr" rotWithShape="0">
                     <a:schemeClr val="bg2"/>
@@ -11554,7 +11516,7 @@
           <a:effectLst/>
           <a:extLst>
             <a:ext uri="{91240B29-F687-4F45-9708-019B960494DF}">
-              <a14:hiddenLine xmlns:a14="http://schemas.microsoft.com/office/drawing/2010/main" xmlns="" w="9525" cap="flat" cmpd="sng" algn="ctr">
+              <a14:hiddenLine xmlns="" xmlns:a14="http://schemas.microsoft.com/office/drawing/2010/main" w="9525" cap="flat" cmpd="sng" algn="ctr">
                 <a:solidFill>
                   <a:schemeClr val="tx1"/>
                 </a:solidFill>
@@ -11565,7 +11527,7 @@
               </a14:hiddenLine>
             </a:ext>
             <a:ext uri="{AF507438-7753-43E0-B8FC-AC1667EBCBE1}">
-              <a14:hiddenEffects xmlns:a14="http://schemas.microsoft.com/office/drawing/2010/main" xmlns="">
+              <a14:hiddenEffects xmlns="" xmlns:a14="http://schemas.microsoft.com/office/drawing/2010/main">
                 <a:effectLst>
                   <a:outerShdw dist="35921" dir="2700000" algn="ctr" rotWithShape="0">
                     <a:schemeClr val="bg2"/>
@@ -11579,7 +11541,7 @@
     </p:spTree>
     <p:extLst>
       <p:ext uri="{BB962C8B-B14F-4D97-AF65-F5344CB8AC3E}">
-        <p14:creationId xmlns:p14="http://schemas.microsoft.com/office/powerpoint/2010/main" xmlns="" val="2718990012"/>
+        <p14:creationId xmlns="" xmlns:p14="http://schemas.microsoft.com/office/powerpoint/2010/main" val="2718990012"/>
       </p:ext>
     </p:extLst>
   </p:cSld>
@@ -11844,7 +11806,7 @@
     </p:spTree>
     <p:extLst>
       <p:ext uri="{BB962C8B-B14F-4D97-AF65-F5344CB8AC3E}">
-        <p14:creationId xmlns:p14="http://schemas.microsoft.com/office/powerpoint/2010/main" xmlns="" val="2718990012"/>
+        <p14:creationId xmlns="" xmlns:p14="http://schemas.microsoft.com/office/powerpoint/2010/main" val="2718990012"/>
       </p:ext>
     </p:extLst>
   </p:cSld>
@@ -12113,7 +12075,7 @@
           <a:effectLst/>
           <a:extLst>
             <a:ext uri="{AF507438-7753-43E0-B8FC-AC1667EBCBE1}">
-              <a14:hiddenEffects xmlns:a14="http://schemas.microsoft.com/office/drawing/2010/main" xmlns="">
+              <a14:hiddenEffects xmlns="" xmlns:a14="http://schemas.microsoft.com/office/drawing/2010/main">
                 <a:effectLst>
                   <a:outerShdw dist="35921" dir="2700000" algn="ctr" rotWithShape="0">
                     <a:schemeClr val="bg2"/>
@@ -12267,7 +12229,7 @@
           <a:effectLst/>
           <a:extLst>
             <a:ext uri="{AF507438-7753-43E0-B8FC-AC1667EBCBE1}">
-              <a14:hiddenEffects xmlns:a14="http://schemas.microsoft.com/office/drawing/2010/main" xmlns="">
+              <a14:hiddenEffects xmlns="" xmlns:a14="http://schemas.microsoft.com/office/drawing/2010/main">
                 <a:effectLst>
                   <a:outerShdw dist="35921" dir="2700000" algn="ctr" rotWithShape="0">
                     <a:schemeClr val="bg2"/>
@@ -12371,14 +12333,14 @@
           <a:effectLst/>
           <a:extLst>
             <a:ext uri="{909E8E84-426E-40DD-AFC4-6F175D3DCCD1}">
-              <a14:hiddenFill xmlns:a14="http://schemas.microsoft.com/office/drawing/2010/main" xmlns="">
+              <a14:hiddenFill xmlns="" xmlns:a14="http://schemas.microsoft.com/office/drawing/2010/main">
                 <a:solidFill>
                   <a:schemeClr val="accent1"/>
                 </a:solidFill>
               </a14:hiddenFill>
             </a:ext>
             <a:ext uri="{91240B29-F687-4F45-9708-019B960494DF}">
-              <a14:hiddenLine xmlns:a14="http://schemas.microsoft.com/office/drawing/2010/main" xmlns="" w="9525">
+              <a14:hiddenLine xmlns="" xmlns:a14="http://schemas.microsoft.com/office/drawing/2010/main" w="9525">
                 <a:solidFill>
                   <a:schemeClr val="tx1"/>
                 </a:solidFill>
@@ -12388,7 +12350,7 @@
               </a14:hiddenLine>
             </a:ext>
             <a:ext uri="{AF507438-7753-43E0-B8FC-AC1667EBCBE1}">
-              <a14:hiddenEffects xmlns:a14="http://schemas.microsoft.com/office/drawing/2010/main" xmlns="">
+              <a14:hiddenEffects xmlns="" xmlns:a14="http://schemas.microsoft.com/office/drawing/2010/main">
                 <a:effectLst>
                   <a:outerShdw dist="35921" dir="2700000" algn="ctr" rotWithShape="0">
                     <a:schemeClr val="bg2"/>
@@ -12526,14 +12488,14 @@
           <a:effectLst/>
           <a:extLst>
             <a:ext uri="{909E8E84-426E-40DD-AFC4-6F175D3DCCD1}">
-              <a14:hiddenFill xmlns:a14="http://schemas.microsoft.com/office/drawing/2010/main" xmlns="">
+              <a14:hiddenFill xmlns="" xmlns:a14="http://schemas.microsoft.com/office/drawing/2010/main">
                 <a:solidFill>
                   <a:schemeClr val="accent1"/>
                 </a:solidFill>
               </a14:hiddenFill>
             </a:ext>
             <a:ext uri="{91240B29-F687-4F45-9708-019B960494DF}">
-              <a14:hiddenLine xmlns:a14="http://schemas.microsoft.com/office/drawing/2010/main" xmlns="" w="9525">
+              <a14:hiddenLine xmlns="" xmlns:a14="http://schemas.microsoft.com/office/drawing/2010/main" w="9525">
                 <a:solidFill>
                   <a:schemeClr val="tx1"/>
                 </a:solidFill>
@@ -12543,7 +12505,7 @@
               </a14:hiddenLine>
             </a:ext>
             <a:ext uri="{AF507438-7753-43E0-B8FC-AC1667EBCBE1}">
-              <a14:hiddenEffects xmlns:a14="http://schemas.microsoft.com/office/drawing/2010/main" xmlns="">
+              <a14:hiddenEffects xmlns="" xmlns:a14="http://schemas.microsoft.com/office/drawing/2010/main">
                 <a:effectLst>
                   <a:outerShdw dist="35921" dir="2700000" algn="ctr" rotWithShape="0">
                     <a:schemeClr val="bg2"/>
@@ -12639,7 +12601,7 @@
     </p:spTree>
     <p:extLst>
       <p:ext uri="{BB962C8B-B14F-4D97-AF65-F5344CB8AC3E}">
-        <p14:creationId xmlns:p14="http://schemas.microsoft.com/office/powerpoint/2010/main" xmlns="" val="2718990012"/>
+        <p14:creationId xmlns="" xmlns:p14="http://schemas.microsoft.com/office/powerpoint/2010/main" val="2718990012"/>
       </p:ext>
     </p:extLst>
   </p:cSld>
@@ -12872,7 +12834,7 @@
     </p:spTree>
     <p:extLst>
       <p:ext uri="{BB962C8B-B14F-4D97-AF65-F5344CB8AC3E}">
-        <p14:creationId xmlns:p14="http://schemas.microsoft.com/office/powerpoint/2010/main" xmlns="" val="2718990012"/>
+        <p14:creationId xmlns="" xmlns:p14="http://schemas.microsoft.com/office/powerpoint/2010/main" val="2718990012"/>
       </p:ext>
     </p:extLst>
   </p:cSld>
@@ -12953,7 +12915,7 @@
           <p:nvPr>
             <p:extLst>
               <p:ext uri="{D42A27DB-BD31-4B8C-83A1-F6EECF244321}">
-                <p14:modId xmlns:p14="http://schemas.microsoft.com/office/powerpoint/2010/main" xmlns="" val="864912804"/>
+                <p14:modId xmlns="" xmlns:p14="http://schemas.microsoft.com/office/powerpoint/2010/main" val="864912804"/>
               </p:ext>
             </p:extLst>
           </p:nvPr>
@@ -13073,7 +13035,7 @@
     </p:spTree>
     <p:extLst>
       <p:ext uri="{BB962C8B-B14F-4D97-AF65-F5344CB8AC3E}">
-        <p14:creationId xmlns:p14="http://schemas.microsoft.com/office/powerpoint/2010/main" xmlns="" val="3723977454"/>
+        <p14:creationId xmlns="" xmlns:p14="http://schemas.microsoft.com/office/powerpoint/2010/main" val="3723977454"/>
       </p:ext>
     </p:extLst>
   </p:cSld>
@@ -13238,7 +13200,7 @@
           <a:blip r:embed="rId3" cstate="print">
             <a:extLst>
               <a:ext uri="{28A0092B-C50C-407E-A947-70E740481C1C}">
-                <a14:useLocalDpi xmlns:a14="http://schemas.microsoft.com/office/drawing/2010/main" xmlns="" val="0"/>
+                <a14:useLocalDpi xmlns="" xmlns:a14="http://schemas.microsoft.com/office/drawing/2010/main" val="0"/>
               </a:ext>
             </a:extLst>
           </a:blip>
@@ -13353,7 +13315,7 @@
           <a:blip r:embed="rId4" cstate="print">
             <a:extLst>
               <a:ext uri="{28A0092B-C50C-407E-A947-70E740481C1C}">
-                <a14:useLocalDpi xmlns:a14="http://schemas.microsoft.com/office/drawing/2010/main" xmlns="" val="0"/>
+                <a14:useLocalDpi xmlns="" xmlns:a14="http://schemas.microsoft.com/office/drawing/2010/main" val="0"/>
               </a:ext>
             </a:extLst>
           </a:blip>
@@ -13373,7 +13335,7 @@
           <a:noFill/>
           <a:extLst>
             <a:ext uri="{909E8E84-426E-40DD-AFC4-6F175D3DCCD1}">
-              <a14:hiddenFill xmlns:a14="http://schemas.microsoft.com/office/drawing/2010/main" xmlns="">
+              <a14:hiddenFill xmlns="" xmlns:a14="http://schemas.microsoft.com/office/drawing/2010/main">
                 <a:solidFill>
                   <a:srgbClr val="FFFFFF"/>
                 </a:solidFill>
@@ -13394,7 +13356,7 @@
           <a:blip r:embed="rId5" cstate="print">
             <a:extLst>
               <a:ext uri="{28A0092B-C50C-407E-A947-70E740481C1C}">
-                <a14:useLocalDpi xmlns:a14="http://schemas.microsoft.com/office/drawing/2010/main" xmlns="" val="0"/>
+                <a14:useLocalDpi xmlns="" xmlns:a14="http://schemas.microsoft.com/office/drawing/2010/main" val="0"/>
               </a:ext>
             </a:extLst>
           </a:blip>
@@ -13414,7 +13376,7 @@
           <a:noFill/>
           <a:extLst>
             <a:ext uri="{909E8E84-426E-40DD-AFC4-6F175D3DCCD1}">
-              <a14:hiddenFill xmlns:a14="http://schemas.microsoft.com/office/drawing/2010/main" xmlns="">
+              <a14:hiddenFill xmlns="" xmlns:a14="http://schemas.microsoft.com/office/drawing/2010/main">
                 <a:solidFill>
                   <a:srgbClr val="FFFFFF"/>
                 </a:solidFill>
@@ -13435,7 +13397,7 @@
           <a:blip r:embed="rId6" cstate="print">
             <a:extLst>
               <a:ext uri="{28A0092B-C50C-407E-A947-70E740481C1C}">
-                <a14:useLocalDpi xmlns:a14="http://schemas.microsoft.com/office/drawing/2010/main" xmlns="" val="0"/>
+                <a14:useLocalDpi xmlns="" xmlns:a14="http://schemas.microsoft.com/office/drawing/2010/main" val="0"/>
               </a:ext>
             </a:extLst>
           </a:blip>
@@ -13455,7 +13417,7 @@
           <a:noFill/>
           <a:extLst>
             <a:ext uri="{909E8E84-426E-40DD-AFC4-6F175D3DCCD1}">
-              <a14:hiddenFill xmlns:a14="http://schemas.microsoft.com/office/drawing/2010/main" xmlns="">
+              <a14:hiddenFill xmlns="" xmlns:a14="http://schemas.microsoft.com/office/drawing/2010/main">
                 <a:solidFill>
                   <a:srgbClr val="FFFFFF"/>
                 </a:solidFill>
@@ -13493,7 +13455,7 @@
     </p:spTree>
     <p:extLst>
       <p:ext uri="{BB962C8B-B14F-4D97-AF65-F5344CB8AC3E}">
-        <p14:creationId xmlns:p14="http://schemas.microsoft.com/office/powerpoint/2010/main" xmlns="" val="26222973"/>
+        <p14:creationId xmlns="" xmlns:p14="http://schemas.microsoft.com/office/powerpoint/2010/main" val="26222973"/>
       </p:ext>
     </p:extLst>
   </p:cSld>
@@ -13685,7 +13647,7 @@
           <a:blip r:embed="rId3" cstate="print">
             <a:extLst>
               <a:ext uri="{28A0092B-C50C-407E-A947-70E740481C1C}">
-                <a14:useLocalDpi xmlns:a14="http://schemas.microsoft.com/office/drawing/2010/main" xmlns="" val="0"/>
+                <a14:useLocalDpi xmlns="" xmlns:a14="http://schemas.microsoft.com/office/drawing/2010/main" val="0"/>
               </a:ext>
             </a:extLst>
           </a:blip>
@@ -13713,7 +13675,7 @@
           <a:blip r:embed="rId4" cstate="print">
             <a:extLst>
               <a:ext uri="{28A0092B-C50C-407E-A947-70E740481C1C}">
-                <a14:useLocalDpi xmlns:a14="http://schemas.microsoft.com/office/drawing/2010/main" xmlns="" val="0"/>
+                <a14:useLocalDpi xmlns="" xmlns:a14="http://schemas.microsoft.com/office/drawing/2010/main" val="0"/>
               </a:ext>
             </a:extLst>
           </a:blip>
@@ -13757,7 +13719,7 @@
             <a:blip r:embed="rId5" cstate="print">
               <a:extLst>
                 <a:ext uri="{28A0092B-C50C-407E-A947-70E740481C1C}">
-                  <a14:useLocalDpi xmlns:a14="http://schemas.microsoft.com/office/drawing/2010/main" xmlns="" val="0"/>
+                  <a14:useLocalDpi xmlns="" xmlns:a14="http://schemas.microsoft.com/office/drawing/2010/main" val="0"/>
                 </a:ext>
               </a:extLst>
             </a:blip>
@@ -13787,7 +13749,7 @@
             <a:blip r:embed="rId6" cstate="print">
               <a:extLst>
                 <a:ext uri="{28A0092B-C50C-407E-A947-70E740481C1C}">
-                  <a14:useLocalDpi xmlns:a14="http://schemas.microsoft.com/office/drawing/2010/main" xmlns="" val="0"/>
+                  <a14:useLocalDpi xmlns="" xmlns:a14="http://schemas.microsoft.com/office/drawing/2010/main" val="0"/>
                 </a:ext>
               </a:extLst>
             </a:blip>
@@ -13885,7 +13847,7 @@
             <a:blip r:embed="rId7" cstate="print">
               <a:extLst>
                 <a:ext uri="{28A0092B-C50C-407E-A947-70E740481C1C}">
-                  <a14:useLocalDpi xmlns:a14="http://schemas.microsoft.com/office/drawing/2010/main" xmlns="" val="0"/>
+                  <a14:useLocalDpi xmlns="" xmlns:a14="http://schemas.microsoft.com/office/drawing/2010/main" val="0"/>
                 </a:ext>
               </a:extLst>
             </a:blip>
@@ -13941,7 +13903,7 @@
     </p:spTree>
     <p:extLst>
       <p:ext uri="{BB962C8B-B14F-4D97-AF65-F5344CB8AC3E}">
-        <p14:creationId xmlns:p14="http://schemas.microsoft.com/office/powerpoint/2010/main" xmlns="" val="846475234"/>
+        <p14:creationId xmlns="" xmlns:p14="http://schemas.microsoft.com/office/powerpoint/2010/main" val="846475234"/>
       </p:ext>
     </p:extLst>
   </p:cSld>
@@ -14220,14 +14182,14 @@
           <a:effectLst/>
           <a:extLst>
             <a:ext uri="{909E8E84-426E-40DD-AFC4-6F175D3DCCD1}">
-              <a14:hiddenFill xmlns:a14="http://schemas.microsoft.com/office/drawing/2010/main" xmlns="">
+              <a14:hiddenFill xmlns="" xmlns:a14="http://schemas.microsoft.com/office/drawing/2010/main">
                 <a:solidFill>
                   <a:schemeClr val="accent1"/>
                 </a:solidFill>
               </a14:hiddenFill>
             </a:ext>
             <a:ext uri="{91240B29-F687-4F45-9708-019B960494DF}">
-              <a14:hiddenLine xmlns:a14="http://schemas.microsoft.com/office/drawing/2010/main" xmlns="" w="9525">
+              <a14:hiddenLine xmlns="" xmlns:a14="http://schemas.microsoft.com/office/drawing/2010/main" w="9525">
                 <a:solidFill>
                   <a:schemeClr val="tx1"/>
                 </a:solidFill>
@@ -14237,7 +14199,7 @@
               </a14:hiddenLine>
             </a:ext>
             <a:ext uri="{AF507438-7753-43E0-B8FC-AC1667EBCBE1}">
-              <a14:hiddenEffects xmlns:a14="http://schemas.microsoft.com/office/drawing/2010/main" xmlns="">
+              <a14:hiddenEffects xmlns="" xmlns:a14="http://schemas.microsoft.com/office/drawing/2010/main">
                 <a:effectLst>
                   <a:outerShdw dist="35921" dir="2700000" algn="ctr" rotWithShape="0">
                     <a:schemeClr val="bg2"/>
@@ -14469,7 +14431,7 @@
     </p:spTree>
     <p:extLst>
       <p:ext uri="{BB962C8B-B14F-4D97-AF65-F5344CB8AC3E}">
-        <p14:creationId xmlns:p14="http://schemas.microsoft.com/office/powerpoint/2010/main" xmlns="" val="2437256557"/>
+        <p14:creationId xmlns="" xmlns:p14="http://schemas.microsoft.com/office/powerpoint/2010/main" val="2437256557"/>
       </p:ext>
     </p:extLst>
   </p:cSld>
@@ -14583,7 +14545,7 @@
           <a:blip r:embed="rId5" cstate="print">
             <a:extLst>
               <a:ext uri="{28A0092B-C50C-407E-A947-70E740481C1C}">
-                <a14:useLocalDpi xmlns:a14="http://schemas.microsoft.com/office/drawing/2010/main" xmlns="" val="0"/>
+                <a14:useLocalDpi xmlns="" xmlns:a14="http://schemas.microsoft.com/office/drawing/2010/main" val="0"/>
               </a:ext>
             </a:extLst>
           </a:blip>
@@ -14603,7 +14565,7 @@
           <a:noFill/>
           <a:extLst>
             <a:ext uri="{909E8E84-426E-40DD-AFC4-6F175D3DCCD1}">
-              <a14:hiddenFill xmlns:a14="http://schemas.microsoft.com/office/drawing/2010/main" xmlns="">
+              <a14:hiddenFill xmlns="" xmlns:a14="http://schemas.microsoft.com/office/drawing/2010/main">
                 <a:solidFill>
                   <a:srgbClr val="FFFFFF"/>
                 </a:solidFill>
@@ -14851,7 +14813,7 @@
             <a:blip r:embed="rId6" cstate="print">
               <a:extLst>
                 <a:ext uri="{28A0092B-C50C-407E-A947-70E740481C1C}">
-                  <a14:useLocalDpi xmlns:a14="http://schemas.microsoft.com/office/drawing/2010/main" xmlns="" val="0"/>
+                  <a14:useLocalDpi xmlns="" xmlns:a14="http://schemas.microsoft.com/office/drawing/2010/main" val="0"/>
                 </a:ext>
               </a:extLst>
             </a:blip>
@@ -14871,7 +14833,7 @@
             <a:noFill/>
             <a:extLst>
               <a:ext uri="{909E8E84-426E-40DD-AFC4-6F175D3DCCD1}">
-                <a14:hiddenFill xmlns:a14="http://schemas.microsoft.com/office/drawing/2010/main" xmlns="">
+                <a14:hiddenFill xmlns="" xmlns:a14="http://schemas.microsoft.com/office/drawing/2010/main">
                   <a:solidFill>
                     <a:srgbClr val="FFFFFF"/>
                   </a:solidFill>
@@ -14958,14 +14920,14 @@
           <a:effectLst/>
           <a:extLst>
             <a:ext uri="{909E8E84-426E-40DD-AFC4-6F175D3DCCD1}">
-              <a14:hiddenFill xmlns:a14="http://schemas.microsoft.com/office/drawing/2010/main" xmlns="">
+              <a14:hiddenFill xmlns="" xmlns:a14="http://schemas.microsoft.com/office/drawing/2010/main">
                 <a:solidFill>
                   <a:schemeClr val="accent1"/>
                 </a:solidFill>
               </a14:hiddenFill>
             </a:ext>
             <a:ext uri="{91240B29-F687-4F45-9708-019B960494DF}">
-              <a14:hiddenLine xmlns:a14="http://schemas.microsoft.com/office/drawing/2010/main" xmlns="" w="9525">
+              <a14:hiddenLine xmlns="" xmlns:a14="http://schemas.microsoft.com/office/drawing/2010/main" w="9525">
                 <a:solidFill>
                   <a:schemeClr val="tx1"/>
                 </a:solidFill>
@@ -14975,7 +14937,7 @@
               </a14:hiddenLine>
             </a:ext>
             <a:ext uri="{AF507438-7753-43E0-B8FC-AC1667EBCBE1}">
-              <a14:hiddenEffects xmlns:a14="http://schemas.microsoft.com/office/drawing/2010/main" xmlns="">
+              <a14:hiddenEffects xmlns="" xmlns:a14="http://schemas.microsoft.com/office/drawing/2010/main">
                 <a:effectLst>
                   <a:outerShdw dist="35921" dir="2700000" algn="ctr" rotWithShape="0">
                     <a:schemeClr val="bg2"/>
@@ -15194,7 +15156,7 @@
           </a:ln>
           <a:extLst>
             <a:ext uri="{91240B29-F687-4F45-9708-019B960494DF}">
-              <a14:hiddenLine xmlns:a14="http://schemas.microsoft.com/office/drawing/2010/main" xmlns="" w="9525" cap="flat" cmpd="sng" algn="ctr">
+              <a14:hiddenLine xmlns="" xmlns:a14="http://schemas.microsoft.com/office/drawing/2010/main" w="9525" cap="flat" cmpd="sng" algn="ctr">
                 <a:solidFill>
                   <a:schemeClr val="tx1"/>
                 </a:solidFill>
@@ -15205,7 +15167,7 @@
               </a14:hiddenLine>
             </a:ext>
             <a:ext uri="{AF507438-7753-43E0-B8FC-AC1667EBCBE1}">
-              <a14:hiddenEffects xmlns:a14="http://schemas.microsoft.com/office/drawing/2010/main" xmlns="">
+              <a14:hiddenEffects xmlns="" xmlns:a14="http://schemas.microsoft.com/office/drawing/2010/main">
                 <a:effectLst>
                   <a:outerShdw dist="35921" dir="2700000" algn="ctr" rotWithShape="0">
                     <a:schemeClr val="bg2"/>
@@ -15233,7 +15195,7 @@
     </p:spTree>
     <p:extLst>
       <p:ext uri="{BB962C8B-B14F-4D97-AF65-F5344CB8AC3E}">
-        <p14:creationId xmlns:p14="http://schemas.microsoft.com/office/powerpoint/2010/main" xmlns="" val="1709874429"/>
+        <p14:creationId xmlns="" xmlns:p14="http://schemas.microsoft.com/office/powerpoint/2010/main" val="1709874429"/>
       </p:ext>
     </p:extLst>
   </p:cSld>
@@ -15964,7 +15926,7 @@
             <a:effectLst/>
             <a:extLst>
               <a:ext uri="{AF507438-7753-43E0-B8FC-AC1667EBCBE1}">
-                <a14:hiddenEffects xmlns:a14="http://schemas.microsoft.com/office/drawing/2010/main" xmlns="">
+                <a14:hiddenEffects xmlns="" xmlns:a14="http://schemas.microsoft.com/office/drawing/2010/main">
                   <a:effectLst>
                     <a:outerShdw dist="35921" dir="2700000" algn="ctr" rotWithShape="0">
                       <a:schemeClr val="bg2"/>
@@ -16014,7 +15976,7 @@
             <a:effectLst/>
             <a:extLst>
               <a:ext uri="{AF507438-7753-43E0-B8FC-AC1667EBCBE1}">
-                <a14:hiddenEffects xmlns:a14="http://schemas.microsoft.com/office/drawing/2010/main" xmlns="">
+                <a14:hiddenEffects xmlns="" xmlns:a14="http://schemas.microsoft.com/office/drawing/2010/main">
                   <a:effectLst>
                     <a:outerShdw dist="35921" dir="2700000" algn="ctr" rotWithShape="0">
                       <a:schemeClr val="bg2"/>
@@ -16064,7 +16026,7 @@
             <a:effectLst/>
             <a:extLst>
               <a:ext uri="{AF507438-7753-43E0-B8FC-AC1667EBCBE1}">
-                <a14:hiddenEffects xmlns:a14="http://schemas.microsoft.com/office/drawing/2010/main" xmlns="">
+                <a14:hiddenEffects xmlns="" xmlns:a14="http://schemas.microsoft.com/office/drawing/2010/main">
                   <a:effectLst>
                     <a:outerShdw dist="35921" dir="2700000" algn="ctr" rotWithShape="0">
                       <a:schemeClr val="bg2"/>
@@ -16114,7 +16076,7 @@
             <a:effectLst/>
             <a:extLst>
               <a:ext uri="{AF507438-7753-43E0-B8FC-AC1667EBCBE1}">
-                <a14:hiddenEffects xmlns:a14="http://schemas.microsoft.com/office/drawing/2010/main" xmlns="">
+                <a14:hiddenEffects xmlns="" xmlns:a14="http://schemas.microsoft.com/office/drawing/2010/main">
                   <a:effectLst>
                     <a:outerShdw dist="35921" dir="2700000" algn="ctr" rotWithShape="0">
                       <a:schemeClr val="bg2"/>
@@ -16164,7 +16126,7 @@
             <a:effectLst/>
             <a:extLst>
               <a:ext uri="{AF507438-7753-43E0-B8FC-AC1667EBCBE1}">
-                <a14:hiddenEffects xmlns:a14="http://schemas.microsoft.com/office/drawing/2010/main" xmlns="">
+                <a14:hiddenEffects xmlns="" xmlns:a14="http://schemas.microsoft.com/office/drawing/2010/main">
                   <a:effectLst>
                     <a:outerShdw dist="35921" dir="2700000" algn="ctr" rotWithShape="0">
                       <a:schemeClr val="bg2"/>
@@ -16214,7 +16176,7 @@
             <a:effectLst/>
             <a:extLst>
               <a:ext uri="{AF507438-7753-43E0-B8FC-AC1667EBCBE1}">
-                <a14:hiddenEffects xmlns:a14="http://schemas.microsoft.com/office/drawing/2010/main" xmlns="">
+                <a14:hiddenEffects xmlns="" xmlns:a14="http://schemas.microsoft.com/office/drawing/2010/main">
                   <a:effectLst>
                     <a:outerShdw dist="35921" dir="2700000" algn="ctr" rotWithShape="0">
                       <a:schemeClr val="bg2"/>
@@ -16286,7 +16248,7 @@
     </p:spTree>
     <p:extLst>
       <p:ext uri="{BB962C8B-B14F-4D97-AF65-F5344CB8AC3E}">
-        <p14:creationId xmlns:p14="http://schemas.microsoft.com/office/powerpoint/2010/main" xmlns="" val="1532431054"/>
+        <p14:creationId xmlns="" xmlns:p14="http://schemas.microsoft.com/office/powerpoint/2010/main" val="1532431054"/>
       </p:ext>
     </p:extLst>
   </p:cSld>
@@ -17533,7 +17495,7 @@
     </p:spTree>
     <p:extLst>
       <p:ext uri="{BB962C8B-B14F-4D97-AF65-F5344CB8AC3E}">
-        <p14:creationId xmlns:p14="http://schemas.microsoft.com/office/powerpoint/2010/main" xmlns="" val="1410092498"/>
+        <p14:creationId xmlns="" xmlns:p14="http://schemas.microsoft.com/office/powerpoint/2010/main" val="1410092498"/>
       </p:ext>
     </p:extLst>
   </p:cSld>
@@ -17681,7 +17643,7 @@
           <a:blip r:embed="rId4" cstate="print">
             <a:extLst>
               <a:ext uri="{28A0092B-C50C-407E-A947-70E740481C1C}">
-                <a14:useLocalDpi xmlns:a14="http://schemas.microsoft.com/office/drawing/2010/main" xmlns="" val="0"/>
+                <a14:useLocalDpi xmlns="" xmlns:a14="http://schemas.microsoft.com/office/drawing/2010/main" val="0"/>
               </a:ext>
             </a:extLst>
           </a:blip>
@@ -17806,7 +17768,7 @@
           <a:blip r:embed="rId5" cstate="print">
             <a:extLst>
               <a:ext uri="{28A0092B-C50C-407E-A947-70E740481C1C}">
-                <a14:useLocalDpi xmlns:a14="http://schemas.microsoft.com/office/drawing/2010/main" xmlns="" val="0"/>
+                <a14:useLocalDpi xmlns="" xmlns:a14="http://schemas.microsoft.com/office/drawing/2010/main" val="0"/>
               </a:ext>
             </a:extLst>
           </a:blip>
@@ -17826,7 +17788,7 @@
           <a:noFill/>
           <a:extLst>
             <a:ext uri="{909E8E84-426E-40DD-AFC4-6F175D3DCCD1}">
-              <a14:hiddenFill xmlns:a14="http://schemas.microsoft.com/office/drawing/2010/main" xmlns="">
+              <a14:hiddenFill xmlns="" xmlns:a14="http://schemas.microsoft.com/office/drawing/2010/main">
                 <a:solidFill>
                   <a:srgbClr val="FFFFFF"/>
                 </a:solidFill>
@@ -17847,7 +17809,7 @@
           <a:blip r:embed="rId6" cstate="print">
             <a:extLst>
               <a:ext uri="{28A0092B-C50C-407E-A947-70E740481C1C}">
-                <a14:useLocalDpi xmlns:a14="http://schemas.microsoft.com/office/drawing/2010/main" xmlns="" val="0"/>
+                <a14:useLocalDpi xmlns="" xmlns:a14="http://schemas.microsoft.com/office/drawing/2010/main" val="0"/>
               </a:ext>
             </a:extLst>
           </a:blip>
@@ -17867,7 +17829,7 @@
           <a:noFill/>
           <a:extLst>
             <a:ext uri="{909E8E84-426E-40DD-AFC4-6F175D3DCCD1}">
-              <a14:hiddenFill xmlns:a14="http://schemas.microsoft.com/office/drawing/2010/main" xmlns="">
+              <a14:hiddenFill xmlns="" xmlns:a14="http://schemas.microsoft.com/office/drawing/2010/main">
                 <a:solidFill>
                   <a:srgbClr val="FFFFFF"/>
                 </a:solidFill>
@@ -17888,7 +17850,7 @@
           <a:blip r:embed="rId5" cstate="print">
             <a:extLst>
               <a:ext uri="{28A0092B-C50C-407E-A947-70E740481C1C}">
-                <a14:useLocalDpi xmlns:a14="http://schemas.microsoft.com/office/drawing/2010/main" xmlns="" val="0"/>
+                <a14:useLocalDpi xmlns="" xmlns:a14="http://schemas.microsoft.com/office/drawing/2010/main" val="0"/>
               </a:ext>
             </a:extLst>
           </a:blip>
@@ -17908,7 +17870,7 @@
           <a:noFill/>
           <a:extLst>
             <a:ext uri="{909E8E84-426E-40DD-AFC4-6F175D3DCCD1}">
-              <a14:hiddenFill xmlns:a14="http://schemas.microsoft.com/office/drawing/2010/main" xmlns="">
+              <a14:hiddenFill xmlns="" xmlns:a14="http://schemas.microsoft.com/office/drawing/2010/main">
                 <a:solidFill>
                   <a:srgbClr val="FFFFFF"/>
                 </a:solidFill>
@@ -17929,7 +17891,7 @@
           <a:blip r:embed="rId6" cstate="print">
             <a:extLst>
               <a:ext uri="{28A0092B-C50C-407E-A947-70E740481C1C}">
-                <a14:useLocalDpi xmlns:a14="http://schemas.microsoft.com/office/drawing/2010/main" xmlns="" val="0"/>
+                <a14:useLocalDpi xmlns="" xmlns:a14="http://schemas.microsoft.com/office/drawing/2010/main" val="0"/>
               </a:ext>
             </a:extLst>
           </a:blip>
@@ -17949,7 +17911,7 @@
           <a:noFill/>
           <a:extLst>
             <a:ext uri="{909E8E84-426E-40DD-AFC4-6F175D3DCCD1}">
-              <a14:hiddenFill xmlns:a14="http://schemas.microsoft.com/office/drawing/2010/main" xmlns="">
+              <a14:hiddenFill xmlns="" xmlns:a14="http://schemas.microsoft.com/office/drawing/2010/main">
                 <a:solidFill>
                   <a:srgbClr val="FFFFFF"/>
                 </a:solidFill>
@@ -18046,7 +18008,7 @@
           <a:blip r:embed="rId7" cstate="print">
             <a:extLst>
               <a:ext uri="{28A0092B-C50C-407E-A947-70E740481C1C}">
-                <a14:useLocalDpi xmlns:a14="http://schemas.microsoft.com/office/drawing/2010/main" xmlns="" val="0"/>
+                <a14:useLocalDpi xmlns="" xmlns:a14="http://schemas.microsoft.com/office/drawing/2010/main" val="0"/>
               </a:ext>
             </a:extLst>
           </a:blip>
@@ -18066,7 +18028,7 @@
           <a:noFill/>
           <a:extLst>
             <a:ext uri="{909E8E84-426E-40DD-AFC4-6F175D3DCCD1}">
-              <a14:hiddenFill xmlns:a14="http://schemas.microsoft.com/office/drawing/2010/main" xmlns="">
+              <a14:hiddenFill xmlns="" xmlns:a14="http://schemas.microsoft.com/office/drawing/2010/main">
                 <a:solidFill>
                   <a:srgbClr val="FFFFFF"/>
                 </a:solidFill>
@@ -18087,7 +18049,7 @@
           <a:blip r:embed="rId8" cstate="print">
             <a:extLst>
               <a:ext uri="{28A0092B-C50C-407E-A947-70E740481C1C}">
-                <a14:useLocalDpi xmlns:a14="http://schemas.microsoft.com/office/drawing/2010/main" xmlns="" val="0"/>
+                <a14:useLocalDpi xmlns="" xmlns:a14="http://schemas.microsoft.com/office/drawing/2010/main" val="0"/>
               </a:ext>
             </a:extLst>
           </a:blip>
@@ -18107,7 +18069,7 @@
           <a:noFill/>
           <a:extLst>
             <a:ext uri="{909E8E84-426E-40DD-AFC4-6F175D3DCCD1}">
-              <a14:hiddenFill xmlns:a14="http://schemas.microsoft.com/office/drawing/2010/main" xmlns="">
+              <a14:hiddenFill xmlns="" xmlns:a14="http://schemas.microsoft.com/office/drawing/2010/main">
                 <a:solidFill>
                   <a:srgbClr val="FFFFFF"/>
                 </a:solidFill>
@@ -18128,7 +18090,7 @@
           <a:blip r:embed="rId9" cstate="print">
             <a:extLst>
               <a:ext uri="{28A0092B-C50C-407E-A947-70E740481C1C}">
-                <a14:useLocalDpi xmlns:a14="http://schemas.microsoft.com/office/drawing/2010/main" xmlns="" val="0"/>
+                <a14:useLocalDpi xmlns="" xmlns:a14="http://schemas.microsoft.com/office/drawing/2010/main" val="0"/>
               </a:ext>
             </a:extLst>
           </a:blip>
@@ -18148,7 +18110,7 @@
           <a:noFill/>
           <a:extLst>
             <a:ext uri="{909E8E84-426E-40DD-AFC4-6F175D3DCCD1}">
-              <a14:hiddenFill xmlns:a14="http://schemas.microsoft.com/office/drawing/2010/main" xmlns="">
+              <a14:hiddenFill xmlns="" xmlns:a14="http://schemas.microsoft.com/office/drawing/2010/main">
                 <a:solidFill>
                   <a:srgbClr val="FFFFFF"/>
                 </a:solidFill>
@@ -18169,7 +18131,7 @@
           <a:blip r:embed="rId10" cstate="print">
             <a:extLst>
               <a:ext uri="{28A0092B-C50C-407E-A947-70E740481C1C}">
-                <a14:useLocalDpi xmlns:a14="http://schemas.microsoft.com/office/drawing/2010/main" xmlns="" val="0"/>
+                <a14:useLocalDpi xmlns="" xmlns:a14="http://schemas.microsoft.com/office/drawing/2010/main" val="0"/>
               </a:ext>
             </a:extLst>
           </a:blip>
@@ -18189,7 +18151,7 @@
           <a:noFill/>
           <a:extLst>
             <a:ext uri="{909E8E84-426E-40DD-AFC4-6F175D3DCCD1}">
-              <a14:hiddenFill xmlns:a14="http://schemas.microsoft.com/office/drawing/2010/main" xmlns="">
+              <a14:hiddenFill xmlns="" xmlns:a14="http://schemas.microsoft.com/office/drawing/2010/main">
                 <a:solidFill>
                   <a:srgbClr val="FFFFFF"/>
                 </a:solidFill>
@@ -18201,7 +18163,7 @@
     </p:spTree>
     <p:extLst>
       <p:ext uri="{BB962C8B-B14F-4D97-AF65-F5344CB8AC3E}">
-        <p14:creationId xmlns:p14="http://schemas.microsoft.com/office/powerpoint/2010/main" xmlns="" val="1407908346"/>
+        <p14:creationId xmlns="" xmlns:p14="http://schemas.microsoft.com/office/powerpoint/2010/main" val="1407908346"/>
       </p:ext>
     </p:extLst>
   </p:cSld>
@@ -18517,7 +18479,7 @@
         <a:effectLst/>
         <a:extLst>
           <a:ext uri="{91240B29-F687-4F45-9708-019B960494DF}">
-            <a14:hiddenLine xmlns:a14="http://schemas.microsoft.com/office/drawing/2010/main" xmlns="" w="9525" cap="flat" cmpd="sng" algn="ctr">
+            <a14:hiddenLine xmlns="" xmlns:a14="http://schemas.microsoft.com/office/drawing/2010/main" w="9525" cap="flat" cmpd="sng" algn="ctr">
               <a:solidFill>
                 <a:schemeClr val="tx1"/>
               </a:solidFill>
@@ -18528,7 +18490,7 @@
             </a14:hiddenLine>
           </a:ext>
           <a:ext uri="{AF507438-7753-43E0-B8FC-AC1667EBCBE1}">
-            <a14:hiddenEffects xmlns:a14="http://schemas.microsoft.com/office/drawing/2010/main" xmlns="">
+            <a14:hiddenEffects xmlns="" xmlns:a14="http://schemas.microsoft.com/office/drawing/2010/main">
               <a:effectLst>
                 <a:outerShdw dist="35921" dir="2700000" algn="ctr" rotWithShape="0">
                   <a:schemeClr val="bg2"/>

--- a/Documents/presentation doc/Final Presentation/final-presentation.pptx
+++ b/Documents/presentation doc/Final Presentation/final-presentation.pptx
@@ -166,10 +166,10 @@
           <c:layoutTarget val="inner"/>
           <c:xMode val="edge"/>
           <c:yMode val="edge"/>
-          <c:x val="0.13756541418769769"/>
-          <c:y val="0.31142121774829506"/>
+          <c:x val="0.13756541418769774"/>
+          <c:y val="0.31142121774829512"/>
           <c:w val="0.82290353753797463"/>
-          <c:h val="0.56776310568666521"/>
+          <c:h val="0.5677631056866651"/>
         </c:manualLayout>
       </c:layout>
       <c:barChart>
@@ -264,25 +264,25 @@
           <c:showVal val="1"/>
         </c:dLbls>
         <c:gapWidth val="75"/>
-        <c:axId val="65750912"/>
-        <c:axId val="65752448"/>
+        <c:axId val="69391488"/>
+        <c:axId val="69393024"/>
       </c:barChart>
       <c:catAx>
-        <c:axId val="65750912"/>
+        <c:axId val="69391488"/>
         <c:scaling>
           <c:orientation val="minMax"/>
         </c:scaling>
         <c:axPos val="b"/>
         <c:majorTickMark val="none"/>
         <c:tickLblPos val="nextTo"/>
-        <c:crossAx val="65752448"/>
+        <c:crossAx val="69393024"/>
         <c:crosses val="autoZero"/>
         <c:auto val="1"/>
         <c:lblAlgn val="ctr"/>
         <c:lblOffset val="100"/>
       </c:catAx>
       <c:valAx>
-        <c:axId val="65752448"/>
+        <c:axId val="69393024"/>
         <c:scaling>
           <c:orientation val="minMax"/>
           <c:min val="0"/>
@@ -291,7 +291,7 @@
         <c:numFmt formatCode="General" sourceLinked="1"/>
         <c:majorTickMark val="none"/>
         <c:tickLblPos val="nextTo"/>
-        <c:crossAx val="65750912"/>
+        <c:crossAx val="69391488"/>
         <c:crosses val="autoZero"/>
         <c:crossBetween val="between"/>
         <c:majorUnit val="20"/>
@@ -303,10 +303,10 @@
         <c:manualLayout>
           <c:xMode val="edge"/>
           <c:yMode val="edge"/>
-          <c:x val="0.18942124246731465"/>
-          <c:y val="3.0763248527941718E-2"/>
-          <c:w val="0.68117168015815233"/>
-          <c:h val="0.22344660117130172"/>
+          <c:x val="0.18942124246731473"/>
+          <c:y val="3.0763248527941729E-2"/>
+          <c:w val="0.68117168015815255"/>
+          <c:h val="0.2234466011713018"/>
         </c:manualLayout>
       </c:layout>
     </c:legend>
@@ -377,14 +377,14 @@
           <a:effectLst/>
           <a:extLst>
             <a:ext uri="{909E8E84-426E-40DD-AFC4-6F175D3DCCD1}">
-              <a14:hiddenFill xmlns="" xmlns:a14="http://schemas.microsoft.com/office/drawing/2010/main">
+              <a14:hiddenFill xmlns:a14="http://schemas.microsoft.com/office/drawing/2010/main" xmlns="">
                 <a:solidFill>
                   <a:schemeClr val="accent1"/>
                 </a:solidFill>
               </a14:hiddenFill>
             </a:ext>
             <a:ext uri="{91240B29-F687-4F45-9708-019B960494DF}">
-              <a14:hiddenLine xmlns="" xmlns:a14="http://schemas.microsoft.com/office/drawing/2010/main" w="9525">
+              <a14:hiddenLine xmlns:a14="http://schemas.microsoft.com/office/drawing/2010/main" xmlns="" w="9525">
                 <a:solidFill>
                   <a:schemeClr val="tx1"/>
                 </a:solidFill>
@@ -394,7 +394,7 @@
               </a14:hiddenLine>
             </a:ext>
             <a:ext uri="{AF507438-7753-43E0-B8FC-AC1667EBCBE1}">
-              <a14:hiddenEffects xmlns="" xmlns:a14="http://schemas.microsoft.com/office/drawing/2010/main">
+              <a14:hiddenEffects xmlns:a14="http://schemas.microsoft.com/office/drawing/2010/main" xmlns="">
                 <a:effectLst>
                   <a:outerShdw dist="35921" dir="2700000" algn="ctr" rotWithShape="0">
                     <a:schemeClr val="bg2"/>
@@ -447,14 +447,14 @@
           <a:effectLst/>
           <a:extLst>
             <a:ext uri="{909E8E84-426E-40DD-AFC4-6F175D3DCCD1}">
-              <a14:hiddenFill xmlns="" xmlns:a14="http://schemas.microsoft.com/office/drawing/2010/main">
+              <a14:hiddenFill xmlns:a14="http://schemas.microsoft.com/office/drawing/2010/main" xmlns="">
                 <a:solidFill>
                   <a:schemeClr val="accent1"/>
                 </a:solidFill>
               </a14:hiddenFill>
             </a:ext>
             <a:ext uri="{91240B29-F687-4F45-9708-019B960494DF}">
-              <a14:hiddenLine xmlns="" xmlns:a14="http://schemas.microsoft.com/office/drawing/2010/main" w="9525">
+              <a14:hiddenLine xmlns:a14="http://schemas.microsoft.com/office/drawing/2010/main" xmlns="" w="9525">
                 <a:solidFill>
                   <a:schemeClr val="tx1"/>
                 </a:solidFill>
@@ -464,7 +464,7 @@
               </a14:hiddenLine>
             </a:ext>
             <a:ext uri="{AF507438-7753-43E0-B8FC-AC1667EBCBE1}">
-              <a14:hiddenEffects xmlns="" xmlns:a14="http://schemas.microsoft.com/office/drawing/2010/main">
+              <a14:hiddenEffects xmlns:a14="http://schemas.microsoft.com/office/drawing/2010/main" xmlns="">
                 <a:effectLst>
                   <a:outerShdw dist="35921" dir="2700000" algn="ctr" rotWithShape="0">
                     <a:schemeClr val="bg2"/>
@@ -522,7 +522,7 @@
           <a:effectLst/>
           <a:extLst>
             <a:ext uri="{AF507438-7753-43E0-B8FC-AC1667EBCBE1}">
-              <a14:hiddenEffects xmlns="" xmlns:a14="http://schemas.microsoft.com/office/drawing/2010/main">
+              <a14:hiddenEffects xmlns:a14="http://schemas.microsoft.com/office/drawing/2010/main" xmlns="">
                 <a:effectLst>
                   <a:outerShdw dist="35921" dir="2700000" algn="ctr" rotWithShape="0">
                     <a:srgbClr val="808080"/>
@@ -531,7 +531,7 @@
               </a14:hiddenEffects>
             </a:ext>
             <a:ext uri="{53640926-AAD7-44D8-BBD7-CCE9431645EC}">
-              <a14:shadowObscured xmlns="" xmlns:a14="http://schemas.microsoft.com/office/drawing/2010/main" val="1"/>
+              <a14:shadowObscured xmlns:a14="http://schemas.microsoft.com/office/drawing/2010/main" xmlns="" val="1"/>
             </a:ext>
           </a:extLst>
         </p:spPr>
@@ -561,14 +561,14 @@
           <a:effectLst/>
           <a:extLst>
             <a:ext uri="{909E8E84-426E-40DD-AFC4-6F175D3DCCD1}">
-              <a14:hiddenFill xmlns="" xmlns:a14="http://schemas.microsoft.com/office/drawing/2010/main">
+              <a14:hiddenFill xmlns:a14="http://schemas.microsoft.com/office/drawing/2010/main" xmlns="">
                 <a:solidFill>
                   <a:schemeClr val="accent1"/>
                 </a:solidFill>
               </a14:hiddenFill>
             </a:ext>
             <a:ext uri="{91240B29-F687-4F45-9708-019B960494DF}">
-              <a14:hiddenLine xmlns="" xmlns:a14="http://schemas.microsoft.com/office/drawing/2010/main" w="9525">
+              <a14:hiddenLine xmlns:a14="http://schemas.microsoft.com/office/drawing/2010/main" xmlns="" w="9525">
                 <a:solidFill>
                   <a:schemeClr val="tx1"/>
                 </a:solidFill>
@@ -578,7 +578,7 @@
               </a14:hiddenLine>
             </a:ext>
             <a:ext uri="{AF507438-7753-43E0-B8FC-AC1667EBCBE1}">
-              <a14:hiddenEffects xmlns="" xmlns:a14="http://schemas.microsoft.com/office/drawing/2010/main">
+              <a14:hiddenEffects xmlns:a14="http://schemas.microsoft.com/office/drawing/2010/main" xmlns="">
                 <a:effectLst>
                   <a:outerShdw dist="35921" dir="2700000" algn="ctr" rotWithShape="0">
                     <a:schemeClr val="bg2"/>
@@ -657,14 +657,14 @@
           <a:effectLst/>
           <a:extLst>
             <a:ext uri="{909E8E84-426E-40DD-AFC4-6F175D3DCCD1}">
-              <a14:hiddenFill xmlns="" xmlns:a14="http://schemas.microsoft.com/office/drawing/2010/main">
+              <a14:hiddenFill xmlns:a14="http://schemas.microsoft.com/office/drawing/2010/main" xmlns="">
                 <a:solidFill>
                   <a:schemeClr val="accent1"/>
                 </a:solidFill>
               </a14:hiddenFill>
             </a:ext>
             <a:ext uri="{91240B29-F687-4F45-9708-019B960494DF}">
-              <a14:hiddenLine xmlns="" xmlns:a14="http://schemas.microsoft.com/office/drawing/2010/main" w="9525">
+              <a14:hiddenLine xmlns:a14="http://schemas.microsoft.com/office/drawing/2010/main" xmlns="" w="9525">
                 <a:solidFill>
                   <a:schemeClr val="tx1"/>
                 </a:solidFill>
@@ -674,7 +674,7 @@
               </a14:hiddenLine>
             </a:ext>
             <a:ext uri="{AF507438-7753-43E0-B8FC-AC1667EBCBE1}">
-              <a14:hiddenEffects xmlns="" xmlns:a14="http://schemas.microsoft.com/office/drawing/2010/main">
+              <a14:hiddenEffects xmlns:a14="http://schemas.microsoft.com/office/drawing/2010/main" xmlns="">
                 <a:effectLst>
                   <a:outerShdw dist="35921" dir="2700000" algn="ctr" rotWithShape="0">
                     <a:schemeClr val="bg2"/>
@@ -727,14 +727,14 @@
           <a:effectLst/>
           <a:extLst>
             <a:ext uri="{909E8E84-426E-40DD-AFC4-6F175D3DCCD1}">
-              <a14:hiddenFill xmlns="" xmlns:a14="http://schemas.microsoft.com/office/drawing/2010/main">
+              <a14:hiddenFill xmlns:a14="http://schemas.microsoft.com/office/drawing/2010/main" xmlns="">
                 <a:solidFill>
                   <a:schemeClr val="accent1"/>
                 </a:solidFill>
               </a14:hiddenFill>
             </a:ext>
             <a:ext uri="{91240B29-F687-4F45-9708-019B960494DF}">
-              <a14:hiddenLine xmlns="" xmlns:a14="http://schemas.microsoft.com/office/drawing/2010/main" w="9525">
+              <a14:hiddenLine xmlns:a14="http://schemas.microsoft.com/office/drawing/2010/main" xmlns="" w="9525">
                 <a:solidFill>
                   <a:schemeClr val="tx1"/>
                 </a:solidFill>
@@ -744,7 +744,7 @@
               </a14:hiddenLine>
             </a:ext>
             <a:ext uri="{AF507438-7753-43E0-B8FC-AC1667EBCBE1}">
-              <a14:hiddenEffects xmlns="" xmlns:a14="http://schemas.microsoft.com/office/drawing/2010/main">
+              <a14:hiddenEffects xmlns:a14="http://schemas.microsoft.com/office/drawing/2010/main" xmlns="">
                 <a:effectLst>
                   <a:outerShdw dist="35921" dir="2700000" algn="ctr" rotWithShape="0">
                     <a:schemeClr val="bg2"/>
@@ -780,7 +780,7 @@
     </p:spTree>
     <p:extLst>
       <p:ext uri="{BB962C8B-B14F-4D97-AF65-F5344CB8AC3E}">
-        <p14:creationId xmlns="" xmlns:p14="http://schemas.microsoft.com/office/powerpoint/2010/main" val="3354467039"/>
+        <p14:creationId xmlns:p14="http://schemas.microsoft.com/office/powerpoint/2010/main" xmlns="" val="3354467039"/>
       </p:ext>
     </p:extLst>
   </p:cSld>
@@ -1345,18 +1345,7 @@
                 <a:ea typeface="+mn-ea"/>
                 <a:cs typeface="+mn-cs"/>
               </a:rPr>
-              <a:t>활용 </a:t>
-            </a:r>
-            <a:r>
-              <a:rPr lang="ko-KR" altLang="en-US" sz="1200" kern="1200" dirty="0" smtClean="0">
-                <a:solidFill>
-                  <a:schemeClr val="tx1"/>
-                </a:solidFill>
-                <a:latin typeface="Arial" charset="0"/>
-                <a:ea typeface="+mn-ea"/>
-                <a:cs typeface="+mn-cs"/>
-              </a:rPr>
-              <a:t>서비스</a:t>
+              <a:t>활용 서비스</a:t>
             </a:r>
             <a:r>
               <a:rPr lang="en-US" altLang="ko-KR" sz="1200" kern="1200" dirty="0" smtClean="0">
@@ -3180,7 +3169,7 @@
     </p:spTree>
     <p:extLst>
       <p:ext uri="{BB962C8B-B14F-4D97-AF65-F5344CB8AC3E}">
-        <p14:creationId xmlns="" xmlns:p14="http://schemas.microsoft.com/office/powerpoint/2010/main" val="483073219"/>
+        <p14:creationId xmlns:p14="http://schemas.microsoft.com/office/powerpoint/2010/main" xmlns="" val="483073219"/>
       </p:ext>
     </p:extLst>
   </p:cSld>
@@ -4562,6 +4551,72 @@
               <a:defRPr/>
             </a:pPr>
             <a:r>
+              <a:rPr lang="ko-KR" altLang="en-US" sz="1200" kern="1200" baseline="0" dirty="0" err="1" smtClean="0">
+                <a:solidFill>
+                  <a:schemeClr val="tx1"/>
+                </a:solidFill>
+                <a:latin typeface="Arial" charset="0"/>
+                <a:ea typeface="+mn-ea"/>
+                <a:cs typeface="+mn-cs"/>
+              </a:rPr>
+              <a:t>스마트폰</a:t>
+            </a:r>
+            <a:r>
+              <a:rPr lang="ko-KR" altLang="en-US" sz="1200" kern="1200" baseline="0" dirty="0" smtClean="0">
+                <a:solidFill>
+                  <a:schemeClr val="tx1"/>
+                </a:solidFill>
+                <a:latin typeface="Arial" charset="0"/>
+                <a:ea typeface="+mn-ea"/>
+                <a:cs typeface="+mn-cs"/>
+              </a:rPr>
+              <a:t> 카메라를 </a:t>
+            </a:r>
+            <a:r>
+              <a:rPr lang="en-US" altLang="ko-KR" sz="1200" kern="1200" baseline="0" dirty="0" smtClean="0">
+                <a:solidFill>
+                  <a:schemeClr val="tx1"/>
+                </a:solidFill>
+                <a:latin typeface="Arial" charset="0"/>
+                <a:ea typeface="+mn-ea"/>
+                <a:cs typeface="+mn-cs"/>
+              </a:rPr>
+              <a:t>TCP/IP</a:t>
+            </a:r>
+            <a:r>
+              <a:rPr lang="ko-KR" altLang="en-US" sz="1200" kern="1200" baseline="0" dirty="0" smtClean="0">
+                <a:solidFill>
+                  <a:schemeClr val="tx1"/>
+                </a:solidFill>
+                <a:latin typeface="Arial" charset="0"/>
+                <a:ea typeface="+mn-ea"/>
+                <a:cs typeface="+mn-cs"/>
+              </a:rPr>
+              <a:t>로 연결해서 사용하려면 새로운 프로그램을 설치해야 되는 문제가 있습니다</a:t>
+            </a:r>
+            <a:r>
+              <a:rPr lang="en-US" altLang="ko-KR" sz="1200" kern="1200" baseline="0" dirty="0" smtClean="0">
+                <a:solidFill>
+                  <a:schemeClr val="tx1"/>
+                </a:solidFill>
+                <a:latin typeface="Arial" charset="0"/>
+                <a:ea typeface="+mn-ea"/>
+                <a:cs typeface="+mn-cs"/>
+              </a:rPr>
+              <a:t>. </a:t>
+            </a:r>
+            <a:r>
+              <a:rPr lang="ko-KR" altLang="en-US" sz="1200" kern="1200" baseline="0" dirty="0" smtClean="0">
+                <a:solidFill>
+                  <a:schemeClr val="tx1"/>
+                </a:solidFill>
+                <a:latin typeface="Arial" charset="0"/>
+                <a:ea typeface="+mn-ea"/>
+                <a:cs typeface="+mn-cs"/>
+              </a:rPr>
+              <a:t>하지만 </a:t>
+            </a:r>
+            <a:r>
               <a:rPr lang="en-US" altLang="ko-KR" sz="1200" kern="1200" dirty="0" smtClean="0">
                 <a:solidFill>
                   <a:schemeClr val="tx1"/>
@@ -4637,83 +4692,6 @@
                 <a:cs typeface="+mn-cs"/>
               </a:rPr>
               <a:t>. </a:t>
-            </a:r>
-            <a:r>
-              <a:rPr lang="ko-KR" altLang="en-US" sz="1200" kern="1200" baseline="0" dirty="0" smtClean="0">
-                <a:solidFill>
-                  <a:schemeClr val="tx1"/>
-                </a:solidFill>
-                <a:latin typeface="Arial" charset="0"/>
-                <a:ea typeface="+mn-ea"/>
-                <a:cs typeface="+mn-cs"/>
-              </a:rPr>
-              <a:t>하지만</a:t>
-            </a:r>
-            <a:r>
-              <a:rPr lang="en-US" altLang="ko-KR" sz="1200" kern="1200" baseline="0" dirty="0" smtClean="0">
-                <a:solidFill>
-                  <a:schemeClr val="tx1"/>
-                </a:solidFill>
-                <a:latin typeface="Arial" charset="0"/>
-                <a:ea typeface="+mn-ea"/>
-                <a:cs typeface="+mn-cs"/>
-              </a:rPr>
-              <a:t> </a:t>
-            </a:r>
-            <a:r>
-              <a:rPr lang="ko-KR" altLang="en-US" sz="1200" kern="1200" baseline="0" dirty="0" err="1" smtClean="0">
-                <a:solidFill>
-                  <a:schemeClr val="tx1"/>
-                </a:solidFill>
-                <a:latin typeface="Arial" charset="0"/>
-                <a:ea typeface="+mn-ea"/>
-                <a:cs typeface="+mn-cs"/>
-              </a:rPr>
-              <a:t>스마트폰</a:t>
-            </a:r>
-            <a:r>
-              <a:rPr lang="ko-KR" altLang="en-US" sz="1200" kern="1200" baseline="0" dirty="0" smtClean="0">
-                <a:solidFill>
-                  <a:schemeClr val="tx1"/>
-                </a:solidFill>
-                <a:latin typeface="Arial" charset="0"/>
-                <a:ea typeface="+mn-ea"/>
-                <a:cs typeface="+mn-cs"/>
-              </a:rPr>
-              <a:t> 카메라를 </a:t>
-            </a:r>
-            <a:r>
-              <a:rPr lang="en-US" altLang="ko-KR" sz="1200" kern="1200" baseline="0" dirty="0" smtClean="0">
-                <a:solidFill>
-                  <a:schemeClr val="tx1"/>
-                </a:solidFill>
-                <a:latin typeface="Arial" charset="0"/>
-                <a:ea typeface="+mn-ea"/>
-                <a:cs typeface="+mn-cs"/>
-              </a:rPr>
-              <a:t>TCP/IP</a:t>
-            </a:r>
-            <a:r>
-              <a:rPr lang="ko-KR" altLang="en-US" sz="1200" kern="1200" baseline="0" dirty="0" smtClean="0">
-                <a:solidFill>
-                  <a:schemeClr val="tx1"/>
-                </a:solidFill>
-                <a:latin typeface="Arial" charset="0"/>
-                <a:ea typeface="+mn-ea"/>
-                <a:cs typeface="+mn-cs"/>
-              </a:rPr>
-              <a:t>로 연결해서 사용하려면 새로운 프로그램을 설치해야 되는 문제가 있습니다</a:t>
-            </a:r>
-            <a:r>
-              <a:rPr lang="en-US" altLang="ko-KR" sz="1200" kern="1200" baseline="0" dirty="0" smtClean="0">
-                <a:solidFill>
-                  <a:schemeClr val="tx1"/>
-                </a:solidFill>
-                <a:latin typeface="Arial" charset="0"/>
-                <a:ea typeface="+mn-ea"/>
-                <a:cs typeface="+mn-cs"/>
-              </a:rPr>
-              <a:t>.</a:t>
             </a:r>
             <a:endParaRPr lang="ko-KR" altLang="en-US" sz="1200" kern="1200" dirty="0" smtClean="0">
               <a:solidFill>
@@ -5486,7 +5464,7 @@
           </a:xfrm>
           <a:extLst>
             <a:ext uri="{AF507438-7753-43E0-B8FC-AC1667EBCBE1}">
-              <a14:hiddenEffects xmlns="" xmlns:a14="http://schemas.microsoft.com/office/drawing/2010/main">
+              <a14:hiddenEffects xmlns:a14="http://schemas.microsoft.com/office/drawing/2010/main" xmlns="">
                 <a:effectLst>
                   <a:outerShdw dist="17961" dir="2700000" algn="ctr" rotWithShape="0">
                     <a:schemeClr val="bg1"/>
@@ -5530,7 +5508,7 @@
           </a:xfrm>
           <a:extLst>
             <a:ext uri="{AF507438-7753-43E0-B8FC-AC1667EBCBE1}">
-              <a14:hiddenEffects xmlns="" xmlns:a14="http://schemas.microsoft.com/office/drawing/2010/main">
+              <a14:hiddenEffects xmlns:a14="http://schemas.microsoft.com/office/drawing/2010/main" xmlns="">
                 <a:effectLst>
                   <a:outerShdw dist="17961" dir="2700000" algn="ctr" rotWithShape="0">
                     <a:schemeClr val="bg1"/>
@@ -5666,7 +5644,7 @@
     </p:spTree>
     <p:extLst>
       <p:ext uri="{BB962C8B-B14F-4D97-AF65-F5344CB8AC3E}">
-        <p14:creationId xmlns="" xmlns:p14="http://schemas.microsoft.com/office/powerpoint/2010/main" val="3191849363"/>
+        <p14:creationId xmlns:p14="http://schemas.microsoft.com/office/powerpoint/2010/main" xmlns="" val="3191849363"/>
       </p:ext>
     </p:extLst>
   </p:cSld>
@@ -5781,7 +5759,7 @@
     </p:spTree>
     <p:extLst>
       <p:ext uri="{BB962C8B-B14F-4D97-AF65-F5344CB8AC3E}">
-        <p14:creationId xmlns="" xmlns:p14="http://schemas.microsoft.com/office/powerpoint/2010/main" val="1524186507"/>
+        <p14:creationId xmlns:p14="http://schemas.microsoft.com/office/powerpoint/2010/main" xmlns="" val="1524186507"/>
       </p:ext>
     </p:extLst>
   </p:cSld>
@@ -5886,7 +5864,7 @@
     </p:spTree>
     <p:extLst>
       <p:ext uri="{BB962C8B-B14F-4D97-AF65-F5344CB8AC3E}">
-        <p14:creationId xmlns="" xmlns:p14="http://schemas.microsoft.com/office/powerpoint/2010/main" val="3261712152"/>
+        <p14:creationId xmlns:p14="http://schemas.microsoft.com/office/powerpoint/2010/main" xmlns="" val="3261712152"/>
       </p:ext>
     </p:extLst>
   </p:cSld>
@@ -6013,7 +5991,7 @@
     </p:spTree>
     <p:extLst>
       <p:ext uri="{BB962C8B-B14F-4D97-AF65-F5344CB8AC3E}">
-        <p14:creationId xmlns="" xmlns:p14="http://schemas.microsoft.com/office/powerpoint/2010/main" val="346190723"/>
+        <p14:creationId xmlns:p14="http://schemas.microsoft.com/office/powerpoint/2010/main" xmlns="" val="346190723"/>
       </p:ext>
     </p:extLst>
   </p:cSld>
@@ -6236,7 +6214,7 @@
     </p:spTree>
     <p:extLst>
       <p:ext uri="{BB962C8B-B14F-4D97-AF65-F5344CB8AC3E}">
-        <p14:creationId xmlns="" xmlns:p14="http://schemas.microsoft.com/office/powerpoint/2010/main" val="4255224362"/>
+        <p14:creationId xmlns:p14="http://schemas.microsoft.com/office/powerpoint/2010/main" xmlns="" val="4255224362"/>
       </p:ext>
     </p:extLst>
   </p:cSld>
@@ -6598,7 +6576,7 @@
     </p:spTree>
     <p:extLst>
       <p:ext uri="{BB962C8B-B14F-4D97-AF65-F5344CB8AC3E}">
-        <p14:creationId xmlns="" xmlns:p14="http://schemas.microsoft.com/office/powerpoint/2010/main" val="234523478"/>
+        <p14:creationId xmlns:p14="http://schemas.microsoft.com/office/powerpoint/2010/main" xmlns="" val="234523478"/>
       </p:ext>
     </p:extLst>
   </p:cSld>
@@ -6651,7 +6629,7 @@
     </p:spTree>
     <p:extLst>
       <p:ext uri="{BB962C8B-B14F-4D97-AF65-F5344CB8AC3E}">
-        <p14:creationId xmlns="" xmlns:p14="http://schemas.microsoft.com/office/powerpoint/2010/main" val="4170126094"/>
+        <p14:creationId xmlns:p14="http://schemas.microsoft.com/office/powerpoint/2010/main" xmlns="" val="4170126094"/>
       </p:ext>
     </p:extLst>
   </p:cSld>
@@ -6681,7 +6659,7 @@
     </p:spTree>
     <p:extLst>
       <p:ext uri="{BB962C8B-B14F-4D97-AF65-F5344CB8AC3E}">
-        <p14:creationId xmlns="" xmlns:p14="http://schemas.microsoft.com/office/powerpoint/2010/main" val="3131819388"/>
+        <p14:creationId xmlns:p14="http://schemas.microsoft.com/office/powerpoint/2010/main" xmlns="" val="3131819388"/>
       </p:ext>
     </p:extLst>
   </p:cSld>
@@ -6893,7 +6871,7 @@
     </p:spTree>
     <p:extLst>
       <p:ext uri="{BB962C8B-B14F-4D97-AF65-F5344CB8AC3E}">
-        <p14:creationId xmlns="" xmlns:p14="http://schemas.microsoft.com/office/powerpoint/2010/main" val="1266256783"/>
+        <p14:creationId xmlns:p14="http://schemas.microsoft.com/office/powerpoint/2010/main" xmlns="" val="1266256783"/>
       </p:ext>
     </p:extLst>
   </p:cSld>
@@ -7085,7 +7063,7 @@
     </p:spTree>
     <p:extLst>
       <p:ext uri="{BB962C8B-B14F-4D97-AF65-F5344CB8AC3E}">
-        <p14:creationId xmlns="" xmlns:p14="http://schemas.microsoft.com/office/powerpoint/2010/main" val="511494401"/>
+        <p14:creationId xmlns:p14="http://schemas.microsoft.com/office/powerpoint/2010/main" xmlns="" val="511494401"/>
       </p:ext>
     </p:extLst>
   </p:cSld>
@@ -7149,14 +7127,14 @@
           <a:effectLst/>
           <a:extLst>
             <a:ext uri="{909E8E84-426E-40DD-AFC4-6F175D3DCCD1}">
-              <a14:hiddenFill xmlns="" xmlns:a14="http://schemas.microsoft.com/office/drawing/2010/main">
+              <a14:hiddenFill xmlns:a14="http://schemas.microsoft.com/office/drawing/2010/main" xmlns="">
                 <a:solidFill>
                   <a:schemeClr val="accent1"/>
                 </a:solidFill>
               </a14:hiddenFill>
             </a:ext>
             <a:ext uri="{91240B29-F687-4F45-9708-019B960494DF}">
-              <a14:hiddenLine xmlns="" xmlns:a14="http://schemas.microsoft.com/office/drawing/2010/main" w="9525">
+              <a14:hiddenLine xmlns:a14="http://schemas.microsoft.com/office/drawing/2010/main" xmlns="" w="9525">
                 <a:solidFill>
                   <a:schemeClr val="tx1"/>
                 </a:solidFill>
@@ -7166,7 +7144,7 @@
               </a14:hiddenLine>
             </a:ext>
             <a:ext uri="{AF507438-7753-43E0-B8FC-AC1667EBCBE1}">
-              <a14:hiddenEffects xmlns="" xmlns:a14="http://schemas.microsoft.com/office/drawing/2010/main">
+              <a14:hiddenEffects xmlns:a14="http://schemas.microsoft.com/office/drawing/2010/main" xmlns="">
                 <a:effectLst>
                   <a:outerShdw dist="35921" dir="2700000" algn="ctr" rotWithShape="0">
                     <a:schemeClr val="bg2"/>
@@ -7218,14 +7196,14 @@
           <a:effectLst/>
           <a:extLst>
             <a:ext uri="{909E8E84-426E-40DD-AFC4-6F175D3DCCD1}">
-              <a14:hiddenFill xmlns="" xmlns:a14="http://schemas.microsoft.com/office/drawing/2010/main">
+              <a14:hiddenFill xmlns:a14="http://schemas.microsoft.com/office/drawing/2010/main" xmlns="">
                 <a:solidFill>
                   <a:schemeClr val="accent1"/>
                 </a:solidFill>
               </a14:hiddenFill>
             </a:ext>
             <a:ext uri="{91240B29-F687-4F45-9708-019B960494DF}">
-              <a14:hiddenLine xmlns="" xmlns:a14="http://schemas.microsoft.com/office/drawing/2010/main" w="9525">
+              <a14:hiddenLine xmlns:a14="http://schemas.microsoft.com/office/drawing/2010/main" xmlns="" w="9525">
                 <a:solidFill>
                   <a:schemeClr val="tx1"/>
                 </a:solidFill>
@@ -7235,7 +7213,7 @@
               </a14:hiddenLine>
             </a:ext>
             <a:ext uri="{AF507438-7753-43E0-B8FC-AC1667EBCBE1}">
-              <a14:hiddenEffects xmlns="" xmlns:a14="http://schemas.microsoft.com/office/drawing/2010/main">
+              <a14:hiddenEffects xmlns:a14="http://schemas.microsoft.com/office/drawing/2010/main" xmlns="">
                 <a:effectLst>
                   <a:outerShdw dist="35921" dir="2700000" algn="ctr" rotWithShape="0">
                     <a:schemeClr val="bg2"/>
@@ -7701,7 +7679,7 @@
           <p:nvPr>
             <p:extLst>
               <p:ext uri="{D42A27DB-BD31-4B8C-83A1-F6EECF244321}">
-                <p14:modId xmlns="" xmlns:p14="http://schemas.microsoft.com/office/powerpoint/2010/main" val="3019215210"/>
+                <p14:modId xmlns:p14="http://schemas.microsoft.com/office/powerpoint/2010/main" xmlns="" val="3019215210"/>
               </p:ext>
             </p:extLst>
           </p:nvPr>
@@ -8720,14 +8698,14 @@
           <a:effectLst/>
           <a:extLst>
             <a:ext uri="{909E8E84-426E-40DD-AFC4-6F175D3DCCD1}">
-              <a14:hiddenFill xmlns="" xmlns:a14="http://schemas.microsoft.com/office/drawing/2010/main">
+              <a14:hiddenFill xmlns:a14="http://schemas.microsoft.com/office/drawing/2010/main" xmlns="">
                 <a:solidFill>
                   <a:schemeClr val="accent1"/>
                 </a:solidFill>
               </a14:hiddenFill>
             </a:ext>
             <a:ext uri="{91240B29-F687-4F45-9708-019B960494DF}">
-              <a14:hiddenLine xmlns="" xmlns:a14="http://schemas.microsoft.com/office/drawing/2010/main" w="9525">
+              <a14:hiddenLine xmlns:a14="http://schemas.microsoft.com/office/drawing/2010/main" xmlns="" w="9525">
                 <a:solidFill>
                   <a:schemeClr val="tx1"/>
                 </a:solidFill>
@@ -8737,7 +8715,7 @@
               </a14:hiddenLine>
             </a:ext>
             <a:ext uri="{AF507438-7753-43E0-B8FC-AC1667EBCBE1}">
-              <a14:hiddenEffects xmlns="" xmlns:a14="http://schemas.microsoft.com/office/drawing/2010/main">
+              <a14:hiddenEffects xmlns:a14="http://schemas.microsoft.com/office/drawing/2010/main" xmlns="">
                 <a:effectLst>
                   <a:outerShdw dist="35921" dir="2700000" algn="ctr" rotWithShape="0">
                     <a:schemeClr val="bg2"/>
@@ -8878,14 +8856,14 @@
           <a:effectLst/>
           <a:extLst>
             <a:ext uri="{909E8E84-426E-40DD-AFC4-6F175D3DCCD1}">
-              <a14:hiddenFill xmlns="" xmlns:a14="http://schemas.microsoft.com/office/drawing/2010/main">
+              <a14:hiddenFill xmlns:a14="http://schemas.microsoft.com/office/drawing/2010/main" xmlns="">
                 <a:solidFill>
                   <a:schemeClr val="accent1"/>
                 </a:solidFill>
               </a14:hiddenFill>
             </a:ext>
             <a:ext uri="{91240B29-F687-4F45-9708-019B960494DF}">
-              <a14:hiddenLine xmlns="" xmlns:a14="http://schemas.microsoft.com/office/drawing/2010/main" w="9525">
+              <a14:hiddenLine xmlns:a14="http://schemas.microsoft.com/office/drawing/2010/main" xmlns="" w="9525">
                 <a:solidFill>
                   <a:schemeClr val="tx1"/>
                 </a:solidFill>
@@ -8895,7 +8873,7 @@
               </a14:hiddenLine>
             </a:ext>
             <a:ext uri="{AF507438-7753-43E0-B8FC-AC1667EBCBE1}">
-              <a14:hiddenEffects xmlns="" xmlns:a14="http://schemas.microsoft.com/office/drawing/2010/main">
+              <a14:hiddenEffects xmlns:a14="http://schemas.microsoft.com/office/drawing/2010/main" xmlns="">
                 <a:effectLst>
                   <a:outerShdw dist="35921" dir="2700000" algn="ctr" rotWithShape="0">
                     <a:schemeClr val="bg2"/>
@@ -9125,7 +9103,7 @@
     </p:spTree>
     <p:extLst>
       <p:ext uri="{BB962C8B-B14F-4D97-AF65-F5344CB8AC3E}">
-        <p14:creationId xmlns="" xmlns:p14="http://schemas.microsoft.com/office/powerpoint/2010/main" val="2718990012"/>
+        <p14:creationId xmlns:p14="http://schemas.microsoft.com/office/powerpoint/2010/main" xmlns="" val="2718990012"/>
       </p:ext>
     </p:extLst>
   </p:cSld>
@@ -9608,7 +9586,7 @@
           <a:effectLst/>
           <a:extLst>
             <a:ext uri="{AF507438-7753-43E0-B8FC-AC1667EBCBE1}">
-              <a14:hiddenEffects xmlns="" xmlns:a14="http://schemas.microsoft.com/office/drawing/2010/main">
+              <a14:hiddenEffects xmlns:a14="http://schemas.microsoft.com/office/drawing/2010/main" xmlns="">
                 <a:effectLst>
                   <a:outerShdw dist="35921" dir="2700000" algn="ctr" rotWithShape="0">
                     <a:schemeClr val="bg2"/>
@@ -10663,7 +10641,7 @@
           <a:effectLst/>
           <a:extLst>
             <a:ext uri="{91240B29-F687-4F45-9708-019B960494DF}">
-              <a14:hiddenLine xmlns="" xmlns:a14="http://schemas.microsoft.com/office/drawing/2010/main" w="9525" cap="flat" cmpd="sng" algn="ctr">
+              <a14:hiddenLine xmlns:a14="http://schemas.microsoft.com/office/drawing/2010/main" xmlns="" w="9525" cap="flat" cmpd="sng" algn="ctr">
                 <a:solidFill>
                   <a:schemeClr val="tx1"/>
                 </a:solidFill>
@@ -10674,7 +10652,7 @@
               </a14:hiddenLine>
             </a:ext>
             <a:ext uri="{AF507438-7753-43E0-B8FC-AC1667EBCBE1}">
-              <a14:hiddenEffects xmlns="" xmlns:a14="http://schemas.microsoft.com/office/drawing/2010/main">
+              <a14:hiddenEffects xmlns:a14="http://schemas.microsoft.com/office/drawing/2010/main" xmlns="">
                 <a:effectLst>
                   <a:outerShdw dist="35921" dir="2700000" algn="ctr" rotWithShape="0">
                     <a:schemeClr val="bg2"/>
@@ -10728,7 +10706,7 @@
           <a:effectLst/>
           <a:extLst>
             <a:ext uri="{91240B29-F687-4F45-9708-019B960494DF}">
-              <a14:hiddenLine xmlns="" xmlns:a14="http://schemas.microsoft.com/office/drawing/2010/main" w="9525" cap="flat" cmpd="sng" algn="ctr">
+              <a14:hiddenLine xmlns:a14="http://schemas.microsoft.com/office/drawing/2010/main" xmlns="" w="9525" cap="flat" cmpd="sng" algn="ctr">
                 <a:solidFill>
                   <a:schemeClr val="tx1"/>
                 </a:solidFill>
@@ -10739,7 +10717,7 @@
               </a14:hiddenLine>
             </a:ext>
             <a:ext uri="{AF507438-7753-43E0-B8FC-AC1667EBCBE1}">
-              <a14:hiddenEffects xmlns="" xmlns:a14="http://schemas.microsoft.com/office/drawing/2010/main">
+              <a14:hiddenEffects xmlns:a14="http://schemas.microsoft.com/office/drawing/2010/main" xmlns="">
                 <a:effectLst>
                   <a:outerShdw dist="35921" dir="2700000" algn="ctr" rotWithShape="0">
                     <a:schemeClr val="bg2"/>
@@ -10793,7 +10771,7 @@
           <a:effectLst/>
           <a:extLst>
             <a:ext uri="{91240B29-F687-4F45-9708-019B960494DF}">
-              <a14:hiddenLine xmlns="" xmlns:a14="http://schemas.microsoft.com/office/drawing/2010/main" w="9525" cap="flat" cmpd="sng" algn="ctr">
+              <a14:hiddenLine xmlns:a14="http://schemas.microsoft.com/office/drawing/2010/main" xmlns="" w="9525" cap="flat" cmpd="sng" algn="ctr">
                 <a:solidFill>
                   <a:schemeClr val="tx1"/>
                 </a:solidFill>
@@ -10804,7 +10782,7 @@
               </a14:hiddenLine>
             </a:ext>
             <a:ext uri="{AF507438-7753-43E0-B8FC-AC1667EBCBE1}">
-              <a14:hiddenEffects xmlns="" xmlns:a14="http://schemas.microsoft.com/office/drawing/2010/main">
+              <a14:hiddenEffects xmlns:a14="http://schemas.microsoft.com/office/drawing/2010/main" xmlns="">
                 <a:effectLst>
                   <a:outerShdw dist="35921" dir="2700000" algn="ctr" rotWithShape="0">
                     <a:schemeClr val="bg2"/>
@@ -10857,7 +10835,7 @@
           <a:effectLst/>
           <a:extLst>
             <a:ext uri="{91240B29-F687-4F45-9708-019B960494DF}">
-              <a14:hiddenLine xmlns="" xmlns:a14="http://schemas.microsoft.com/office/drawing/2010/main" w="9525" cap="flat" cmpd="sng" algn="ctr">
+              <a14:hiddenLine xmlns:a14="http://schemas.microsoft.com/office/drawing/2010/main" xmlns="" w="9525" cap="flat" cmpd="sng" algn="ctr">
                 <a:solidFill>
                   <a:schemeClr val="tx1"/>
                 </a:solidFill>
@@ -10868,7 +10846,7 @@
               </a14:hiddenLine>
             </a:ext>
             <a:ext uri="{AF507438-7753-43E0-B8FC-AC1667EBCBE1}">
-              <a14:hiddenEffects xmlns="" xmlns:a14="http://schemas.microsoft.com/office/drawing/2010/main">
+              <a14:hiddenEffects xmlns:a14="http://schemas.microsoft.com/office/drawing/2010/main" xmlns="">
                 <a:effectLst>
                   <a:outerShdw dist="35921" dir="2700000" algn="ctr" rotWithShape="0">
                     <a:schemeClr val="bg2"/>
@@ -10920,7 +10898,7 @@
           <a:effectLst/>
           <a:extLst>
             <a:ext uri="{91240B29-F687-4F45-9708-019B960494DF}">
-              <a14:hiddenLine xmlns="" xmlns:a14="http://schemas.microsoft.com/office/drawing/2010/main" w="9525" cap="flat" cmpd="sng" algn="ctr">
+              <a14:hiddenLine xmlns:a14="http://schemas.microsoft.com/office/drawing/2010/main" xmlns="" w="9525" cap="flat" cmpd="sng" algn="ctr">
                 <a:solidFill>
                   <a:schemeClr val="tx1"/>
                 </a:solidFill>
@@ -10931,7 +10909,7 @@
               </a14:hiddenLine>
             </a:ext>
             <a:ext uri="{AF507438-7753-43E0-B8FC-AC1667EBCBE1}">
-              <a14:hiddenEffects xmlns="" xmlns:a14="http://schemas.microsoft.com/office/drawing/2010/main">
+              <a14:hiddenEffects xmlns:a14="http://schemas.microsoft.com/office/drawing/2010/main" xmlns="">
                 <a:effectLst>
                   <a:outerShdw dist="35921" dir="2700000" algn="ctr" rotWithShape="0">
                     <a:schemeClr val="bg2"/>
@@ -10945,7 +10923,7 @@
     </p:spTree>
     <p:extLst>
       <p:ext uri="{BB962C8B-B14F-4D97-AF65-F5344CB8AC3E}">
-        <p14:creationId xmlns="" xmlns:p14="http://schemas.microsoft.com/office/powerpoint/2010/main" val="2718990012"/>
+        <p14:creationId xmlns:p14="http://schemas.microsoft.com/office/powerpoint/2010/main" xmlns="" val="2718990012"/>
       </p:ext>
     </p:extLst>
   </p:cSld>
@@ -11210,7 +11188,7 @@
     </p:spTree>
     <p:extLst>
       <p:ext uri="{BB962C8B-B14F-4D97-AF65-F5344CB8AC3E}">
-        <p14:creationId xmlns="" xmlns:p14="http://schemas.microsoft.com/office/powerpoint/2010/main" val="2718990012"/>
+        <p14:creationId xmlns:p14="http://schemas.microsoft.com/office/powerpoint/2010/main" xmlns="" val="2718990012"/>
       </p:ext>
     </p:extLst>
   </p:cSld>
@@ -11479,7 +11457,7 @@
           <a:effectLst/>
           <a:extLst>
             <a:ext uri="{AF507438-7753-43E0-B8FC-AC1667EBCBE1}">
-              <a14:hiddenEffects xmlns="" xmlns:a14="http://schemas.microsoft.com/office/drawing/2010/main">
+              <a14:hiddenEffects xmlns:a14="http://schemas.microsoft.com/office/drawing/2010/main" xmlns="">
                 <a:effectLst>
                   <a:outerShdw dist="35921" dir="2700000" algn="ctr" rotWithShape="0">
                     <a:schemeClr val="bg2"/>
@@ -11633,7 +11611,7 @@
           <a:effectLst/>
           <a:extLst>
             <a:ext uri="{AF507438-7753-43E0-B8FC-AC1667EBCBE1}">
-              <a14:hiddenEffects xmlns="" xmlns:a14="http://schemas.microsoft.com/office/drawing/2010/main">
+              <a14:hiddenEffects xmlns:a14="http://schemas.microsoft.com/office/drawing/2010/main" xmlns="">
                 <a:effectLst>
                   <a:outerShdw dist="35921" dir="2700000" algn="ctr" rotWithShape="0">
                     <a:schemeClr val="bg2"/>
@@ -11737,14 +11715,14 @@
           <a:effectLst/>
           <a:extLst>
             <a:ext uri="{909E8E84-426E-40DD-AFC4-6F175D3DCCD1}">
-              <a14:hiddenFill xmlns="" xmlns:a14="http://schemas.microsoft.com/office/drawing/2010/main">
+              <a14:hiddenFill xmlns:a14="http://schemas.microsoft.com/office/drawing/2010/main" xmlns="">
                 <a:solidFill>
                   <a:schemeClr val="accent1"/>
                 </a:solidFill>
               </a14:hiddenFill>
             </a:ext>
             <a:ext uri="{91240B29-F687-4F45-9708-019B960494DF}">
-              <a14:hiddenLine xmlns="" xmlns:a14="http://schemas.microsoft.com/office/drawing/2010/main" w="9525">
+              <a14:hiddenLine xmlns:a14="http://schemas.microsoft.com/office/drawing/2010/main" xmlns="" w="9525">
                 <a:solidFill>
                   <a:schemeClr val="tx1"/>
                 </a:solidFill>
@@ -11754,7 +11732,7 @@
               </a14:hiddenLine>
             </a:ext>
             <a:ext uri="{AF507438-7753-43E0-B8FC-AC1667EBCBE1}">
-              <a14:hiddenEffects xmlns="" xmlns:a14="http://schemas.microsoft.com/office/drawing/2010/main">
+              <a14:hiddenEffects xmlns:a14="http://schemas.microsoft.com/office/drawing/2010/main" xmlns="">
                 <a:effectLst>
                   <a:outerShdw dist="35921" dir="2700000" algn="ctr" rotWithShape="0">
                     <a:schemeClr val="bg2"/>
@@ -11892,14 +11870,14 @@
           <a:effectLst/>
           <a:extLst>
             <a:ext uri="{909E8E84-426E-40DD-AFC4-6F175D3DCCD1}">
-              <a14:hiddenFill xmlns="" xmlns:a14="http://schemas.microsoft.com/office/drawing/2010/main">
+              <a14:hiddenFill xmlns:a14="http://schemas.microsoft.com/office/drawing/2010/main" xmlns="">
                 <a:solidFill>
                   <a:schemeClr val="accent1"/>
                 </a:solidFill>
               </a14:hiddenFill>
             </a:ext>
             <a:ext uri="{91240B29-F687-4F45-9708-019B960494DF}">
-              <a14:hiddenLine xmlns="" xmlns:a14="http://schemas.microsoft.com/office/drawing/2010/main" w="9525">
+              <a14:hiddenLine xmlns:a14="http://schemas.microsoft.com/office/drawing/2010/main" xmlns="" w="9525">
                 <a:solidFill>
                   <a:schemeClr val="tx1"/>
                 </a:solidFill>
@@ -11909,7 +11887,7 @@
               </a14:hiddenLine>
             </a:ext>
             <a:ext uri="{AF507438-7753-43E0-B8FC-AC1667EBCBE1}">
-              <a14:hiddenEffects xmlns="" xmlns:a14="http://schemas.microsoft.com/office/drawing/2010/main">
+              <a14:hiddenEffects xmlns:a14="http://schemas.microsoft.com/office/drawing/2010/main" xmlns="">
                 <a:effectLst>
                   <a:outerShdw dist="35921" dir="2700000" algn="ctr" rotWithShape="0">
                     <a:schemeClr val="bg2"/>
@@ -12005,7 +11983,7 @@
     </p:spTree>
     <p:extLst>
       <p:ext uri="{BB962C8B-B14F-4D97-AF65-F5344CB8AC3E}">
-        <p14:creationId xmlns="" xmlns:p14="http://schemas.microsoft.com/office/powerpoint/2010/main" val="2718990012"/>
+        <p14:creationId xmlns:p14="http://schemas.microsoft.com/office/powerpoint/2010/main" xmlns="" val="2718990012"/>
       </p:ext>
     </p:extLst>
   </p:cSld>
@@ -12238,7 +12216,7 @@
     </p:spTree>
     <p:extLst>
       <p:ext uri="{BB962C8B-B14F-4D97-AF65-F5344CB8AC3E}">
-        <p14:creationId xmlns="" xmlns:p14="http://schemas.microsoft.com/office/powerpoint/2010/main" val="2718990012"/>
+        <p14:creationId xmlns:p14="http://schemas.microsoft.com/office/powerpoint/2010/main" xmlns="" val="2718990012"/>
       </p:ext>
     </p:extLst>
   </p:cSld>
@@ -12319,7 +12297,7 @@
           <p:nvPr>
             <p:extLst>
               <p:ext uri="{D42A27DB-BD31-4B8C-83A1-F6EECF244321}">
-                <p14:modId xmlns="" xmlns:p14="http://schemas.microsoft.com/office/powerpoint/2010/main" val="864912804"/>
+                <p14:modId xmlns:p14="http://schemas.microsoft.com/office/powerpoint/2010/main" xmlns="" val="864912804"/>
               </p:ext>
             </p:extLst>
           </p:nvPr>
@@ -12439,7 +12417,7 @@
     </p:spTree>
     <p:extLst>
       <p:ext uri="{BB962C8B-B14F-4D97-AF65-F5344CB8AC3E}">
-        <p14:creationId xmlns="" xmlns:p14="http://schemas.microsoft.com/office/powerpoint/2010/main" val="3723977454"/>
+        <p14:creationId xmlns:p14="http://schemas.microsoft.com/office/powerpoint/2010/main" xmlns="" val="3723977454"/>
       </p:ext>
     </p:extLst>
   </p:cSld>
@@ -12604,7 +12582,7 @@
           <a:blip r:embed="rId3" cstate="print">
             <a:extLst>
               <a:ext uri="{28A0092B-C50C-407E-A947-70E740481C1C}">
-                <a14:useLocalDpi xmlns="" xmlns:a14="http://schemas.microsoft.com/office/drawing/2010/main" val="0"/>
+                <a14:useLocalDpi xmlns:a14="http://schemas.microsoft.com/office/drawing/2010/main" xmlns="" val="0"/>
               </a:ext>
             </a:extLst>
           </a:blip>
@@ -12719,7 +12697,7 @@
           <a:blip r:embed="rId4" cstate="print">
             <a:extLst>
               <a:ext uri="{28A0092B-C50C-407E-A947-70E740481C1C}">
-                <a14:useLocalDpi xmlns="" xmlns:a14="http://schemas.microsoft.com/office/drawing/2010/main" val="0"/>
+                <a14:useLocalDpi xmlns:a14="http://schemas.microsoft.com/office/drawing/2010/main" xmlns="" val="0"/>
               </a:ext>
             </a:extLst>
           </a:blip>
@@ -12739,7 +12717,7 @@
           <a:noFill/>
           <a:extLst>
             <a:ext uri="{909E8E84-426E-40DD-AFC4-6F175D3DCCD1}">
-              <a14:hiddenFill xmlns="" xmlns:a14="http://schemas.microsoft.com/office/drawing/2010/main">
+              <a14:hiddenFill xmlns:a14="http://schemas.microsoft.com/office/drawing/2010/main" xmlns="">
                 <a:solidFill>
                   <a:srgbClr val="FFFFFF"/>
                 </a:solidFill>
@@ -12760,7 +12738,7 @@
           <a:blip r:embed="rId5" cstate="print">
             <a:extLst>
               <a:ext uri="{28A0092B-C50C-407E-A947-70E740481C1C}">
-                <a14:useLocalDpi xmlns="" xmlns:a14="http://schemas.microsoft.com/office/drawing/2010/main" val="0"/>
+                <a14:useLocalDpi xmlns:a14="http://schemas.microsoft.com/office/drawing/2010/main" xmlns="" val="0"/>
               </a:ext>
             </a:extLst>
           </a:blip>
@@ -12780,7 +12758,7 @@
           <a:noFill/>
           <a:extLst>
             <a:ext uri="{909E8E84-426E-40DD-AFC4-6F175D3DCCD1}">
-              <a14:hiddenFill xmlns="" xmlns:a14="http://schemas.microsoft.com/office/drawing/2010/main">
+              <a14:hiddenFill xmlns:a14="http://schemas.microsoft.com/office/drawing/2010/main" xmlns="">
                 <a:solidFill>
                   <a:srgbClr val="FFFFFF"/>
                 </a:solidFill>
@@ -12801,7 +12779,7 @@
           <a:blip r:embed="rId6" cstate="print">
             <a:extLst>
               <a:ext uri="{28A0092B-C50C-407E-A947-70E740481C1C}">
-                <a14:useLocalDpi xmlns="" xmlns:a14="http://schemas.microsoft.com/office/drawing/2010/main" val="0"/>
+                <a14:useLocalDpi xmlns:a14="http://schemas.microsoft.com/office/drawing/2010/main" xmlns="" val="0"/>
               </a:ext>
             </a:extLst>
           </a:blip>
@@ -12821,7 +12799,7 @@
           <a:noFill/>
           <a:extLst>
             <a:ext uri="{909E8E84-426E-40DD-AFC4-6F175D3DCCD1}">
-              <a14:hiddenFill xmlns="" xmlns:a14="http://schemas.microsoft.com/office/drawing/2010/main">
+              <a14:hiddenFill xmlns:a14="http://schemas.microsoft.com/office/drawing/2010/main" xmlns="">
                 <a:solidFill>
                   <a:srgbClr val="FFFFFF"/>
                 </a:solidFill>
@@ -12859,7 +12837,7 @@
     </p:spTree>
     <p:extLst>
       <p:ext uri="{BB962C8B-B14F-4D97-AF65-F5344CB8AC3E}">
-        <p14:creationId xmlns="" xmlns:p14="http://schemas.microsoft.com/office/powerpoint/2010/main" val="26222973"/>
+        <p14:creationId xmlns:p14="http://schemas.microsoft.com/office/powerpoint/2010/main" xmlns="" val="26222973"/>
       </p:ext>
     </p:extLst>
   </p:cSld>
@@ -12956,14 +12934,14 @@
           <a:effectLst/>
           <a:extLst>
             <a:ext uri="{909E8E84-426E-40DD-AFC4-6F175D3DCCD1}">
-              <a14:hiddenFill xmlns="" xmlns:a14="http://schemas.microsoft.com/office/drawing/2010/main">
+              <a14:hiddenFill xmlns:a14="http://schemas.microsoft.com/office/drawing/2010/main" xmlns="">
                 <a:solidFill>
                   <a:schemeClr val="accent1"/>
                 </a:solidFill>
               </a14:hiddenFill>
             </a:ext>
             <a:ext uri="{91240B29-F687-4F45-9708-019B960494DF}">
-              <a14:hiddenLine xmlns="" xmlns:a14="http://schemas.microsoft.com/office/drawing/2010/main" w="9525">
+              <a14:hiddenLine xmlns:a14="http://schemas.microsoft.com/office/drawing/2010/main" xmlns="" w="9525">
                 <a:solidFill>
                   <a:schemeClr val="tx1"/>
                 </a:solidFill>
@@ -12973,7 +12951,7 @@
               </a14:hiddenLine>
             </a:ext>
             <a:ext uri="{AF507438-7753-43E0-B8FC-AC1667EBCBE1}">
-              <a14:hiddenEffects xmlns="" xmlns:a14="http://schemas.microsoft.com/office/drawing/2010/main">
+              <a14:hiddenEffects xmlns:a14="http://schemas.microsoft.com/office/drawing/2010/main" xmlns="">
                 <a:effectLst>
                   <a:outerShdw dist="35921" dir="2700000" algn="ctr" rotWithShape="0">
                     <a:schemeClr val="bg2"/>
@@ -13419,7 +13397,7 @@
     </p:spTree>
     <p:extLst>
       <p:ext uri="{BB962C8B-B14F-4D97-AF65-F5344CB8AC3E}">
-        <p14:creationId xmlns="" xmlns:p14="http://schemas.microsoft.com/office/powerpoint/2010/main" val="2437256557"/>
+        <p14:creationId xmlns:p14="http://schemas.microsoft.com/office/powerpoint/2010/main" xmlns="" val="2437256557"/>
       </p:ext>
     </p:extLst>
   </p:cSld>
@@ -13533,7 +13511,7 @@
           <a:blip r:embed="rId5" cstate="print">
             <a:extLst>
               <a:ext uri="{28A0092B-C50C-407E-A947-70E740481C1C}">
-                <a14:useLocalDpi xmlns="" xmlns:a14="http://schemas.microsoft.com/office/drawing/2010/main" val="0"/>
+                <a14:useLocalDpi xmlns:a14="http://schemas.microsoft.com/office/drawing/2010/main" xmlns="" val="0"/>
               </a:ext>
             </a:extLst>
           </a:blip>
@@ -13553,7 +13531,7 @@
           <a:noFill/>
           <a:extLst>
             <a:ext uri="{909E8E84-426E-40DD-AFC4-6F175D3DCCD1}">
-              <a14:hiddenFill xmlns="" xmlns:a14="http://schemas.microsoft.com/office/drawing/2010/main">
+              <a14:hiddenFill xmlns:a14="http://schemas.microsoft.com/office/drawing/2010/main" xmlns="">
                 <a:solidFill>
                   <a:srgbClr val="FFFFFF"/>
                 </a:solidFill>
@@ -13801,7 +13779,7 @@
             <a:blip r:embed="rId6" cstate="print">
               <a:extLst>
                 <a:ext uri="{28A0092B-C50C-407E-A947-70E740481C1C}">
-                  <a14:useLocalDpi xmlns="" xmlns:a14="http://schemas.microsoft.com/office/drawing/2010/main" val="0"/>
+                  <a14:useLocalDpi xmlns:a14="http://schemas.microsoft.com/office/drawing/2010/main" xmlns="" val="0"/>
                 </a:ext>
               </a:extLst>
             </a:blip>
@@ -13821,7 +13799,7 @@
             <a:noFill/>
             <a:extLst>
               <a:ext uri="{909E8E84-426E-40DD-AFC4-6F175D3DCCD1}">
-                <a14:hiddenFill xmlns="" xmlns:a14="http://schemas.microsoft.com/office/drawing/2010/main">
+                <a14:hiddenFill xmlns:a14="http://schemas.microsoft.com/office/drawing/2010/main" xmlns="">
                   <a:solidFill>
                     <a:srgbClr val="FFFFFF"/>
                   </a:solidFill>
@@ -13908,14 +13886,14 @@
           <a:effectLst/>
           <a:extLst>
             <a:ext uri="{909E8E84-426E-40DD-AFC4-6F175D3DCCD1}">
-              <a14:hiddenFill xmlns="" xmlns:a14="http://schemas.microsoft.com/office/drawing/2010/main">
+              <a14:hiddenFill xmlns:a14="http://schemas.microsoft.com/office/drawing/2010/main" xmlns="">
                 <a:solidFill>
                   <a:schemeClr val="accent1"/>
                 </a:solidFill>
               </a14:hiddenFill>
             </a:ext>
             <a:ext uri="{91240B29-F687-4F45-9708-019B960494DF}">
-              <a14:hiddenLine xmlns="" xmlns:a14="http://schemas.microsoft.com/office/drawing/2010/main" w="9525">
+              <a14:hiddenLine xmlns:a14="http://schemas.microsoft.com/office/drawing/2010/main" xmlns="" w="9525">
                 <a:solidFill>
                   <a:schemeClr val="tx1"/>
                 </a:solidFill>
@@ -13925,7 +13903,7 @@
               </a14:hiddenLine>
             </a:ext>
             <a:ext uri="{AF507438-7753-43E0-B8FC-AC1667EBCBE1}">
-              <a14:hiddenEffects xmlns="" xmlns:a14="http://schemas.microsoft.com/office/drawing/2010/main">
+              <a14:hiddenEffects xmlns:a14="http://schemas.microsoft.com/office/drawing/2010/main" xmlns="">
                 <a:effectLst>
                   <a:outerShdw dist="35921" dir="2700000" algn="ctr" rotWithShape="0">
                     <a:schemeClr val="bg2"/>
@@ -14144,7 +14122,7 @@
           </a:ln>
           <a:extLst>
             <a:ext uri="{91240B29-F687-4F45-9708-019B960494DF}">
-              <a14:hiddenLine xmlns="" xmlns:a14="http://schemas.microsoft.com/office/drawing/2010/main" w="9525" cap="flat" cmpd="sng" algn="ctr">
+              <a14:hiddenLine xmlns:a14="http://schemas.microsoft.com/office/drawing/2010/main" xmlns="" w="9525" cap="flat" cmpd="sng" algn="ctr">
                 <a:solidFill>
                   <a:schemeClr val="tx1"/>
                 </a:solidFill>
@@ -14155,7 +14133,7 @@
               </a14:hiddenLine>
             </a:ext>
             <a:ext uri="{AF507438-7753-43E0-B8FC-AC1667EBCBE1}">
-              <a14:hiddenEffects xmlns="" xmlns:a14="http://schemas.microsoft.com/office/drawing/2010/main">
+              <a14:hiddenEffects xmlns:a14="http://schemas.microsoft.com/office/drawing/2010/main" xmlns="">
                 <a:effectLst>
                   <a:outerShdw dist="35921" dir="2700000" algn="ctr" rotWithShape="0">
                     <a:schemeClr val="bg2"/>
@@ -14183,7 +14161,7 @@
     </p:spTree>
     <p:extLst>
       <p:ext uri="{BB962C8B-B14F-4D97-AF65-F5344CB8AC3E}">
-        <p14:creationId xmlns="" xmlns:p14="http://schemas.microsoft.com/office/powerpoint/2010/main" val="1709874429"/>
+        <p14:creationId xmlns:p14="http://schemas.microsoft.com/office/powerpoint/2010/main" xmlns="" val="1709874429"/>
       </p:ext>
     </p:extLst>
   </p:cSld>
@@ -14760,7 +14738,7 @@
             <a:effectLst/>
             <a:extLst>
               <a:ext uri="{AF507438-7753-43E0-B8FC-AC1667EBCBE1}">
-                <a14:hiddenEffects xmlns="" xmlns:a14="http://schemas.microsoft.com/office/drawing/2010/main">
+                <a14:hiddenEffects xmlns:a14="http://schemas.microsoft.com/office/drawing/2010/main" xmlns="">
                   <a:effectLst>
                     <a:outerShdw dist="35921" dir="2700000" algn="ctr" rotWithShape="0">
                       <a:schemeClr val="bg2"/>
@@ -14810,7 +14788,7 @@
             <a:effectLst/>
             <a:extLst>
               <a:ext uri="{AF507438-7753-43E0-B8FC-AC1667EBCBE1}">
-                <a14:hiddenEffects xmlns="" xmlns:a14="http://schemas.microsoft.com/office/drawin